--- a/present/final/presentation.pptx
+++ b/present/final/presentation.pptx
@@ -5,13 +5,16 @@
     <p:sldMasterId id="2147483660" r:id="rId1"/>
   </p:sldMasterIdLst>
   <p:notesMasterIdLst>
-    <p:notesMasterId r:id="rId6"/>
+    <p:notesMasterId r:id="rId9"/>
   </p:notesMasterIdLst>
   <p:sldIdLst>
     <p:sldId id="257" r:id="rId2"/>
     <p:sldId id="256" r:id="rId3"/>
     <p:sldId id="258" r:id="rId4"/>
-    <p:sldId id="272" r:id="rId5"/>
+    <p:sldId id="273" r:id="rId5"/>
+    <p:sldId id="274" r:id="rId6"/>
+    <p:sldId id="275" r:id="rId7"/>
+    <p:sldId id="272" r:id="rId8"/>
   </p:sldIdLst>
   <p:sldSz cx="9144000" cy="6858000" type="screen4x3"/>
   <p:notesSz cx="7315200" cy="9601200"/>
@@ -118,6 +121,14 @@
 </p:presentation>
 </file>
 
+<file path=ppt/revisionInfo.xml><?xml version="1.0" encoding="utf-8"?>
+<p1510:revInfo xmlns:a="http://schemas.openxmlformats.org/drawingml/2006/main" xmlns:r="http://schemas.openxmlformats.org/officeDocument/2006/relationships" xmlns:p1510="http://schemas.microsoft.com/office/powerpoint/2015/10/main">
+  <p1510:revLst>
+    <p1510:client id="{74A72D27-0F29-4AD9-985B-1D7512F86603}" v="2" dt="2023-04-07T04:50:55.849"/>
+  </p1510:revLst>
+</p1510:revInfo>
+</file>
+
 <file path=ppt/changesInfos/changesInfo1.xml><?xml version="1.0" encoding="utf-8"?>
 <pc:chgInfo xmlns:a="http://schemas.openxmlformats.org/drawingml/2006/main" xmlns:r="http://schemas.openxmlformats.org/officeDocument/2006/relationships" xmlns:ac="http://schemas.microsoft.com/office/drawing/2013/main/command" xmlns:pc="http://schemas.microsoft.com/office/powerpoint/2013/main/command">
   <pc:docChgLst>
@@ -2167,8 +2178,8 @@
   </pc:docChgLst>
   <pc:docChgLst>
     <pc:chgData name="Trung Nghia Nguyen" userId="caf0b1f78d203fdc" providerId="LiveId" clId="{74A72D27-0F29-4AD9-985B-1D7512F86603}"/>
-    <pc:docChg chg="delSld modSld">
-      <pc:chgData name="Trung Nghia Nguyen" userId="caf0b1f78d203fdc" providerId="LiveId" clId="{74A72D27-0F29-4AD9-985B-1D7512F86603}" dt="2023-04-03T02:08:58.163" v="7" actId="2696"/>
+    <pc:docChg chg="undo custSel addSld delSld modSld">
+      <pc:chgData name="Trung Nghia Nguyen" userId="caf0b1f78d203fdc" providerId="LiveId" clId="{74A72D27-0F29-4AD9-985B-1D7512F86603}" dt="2023-04-07T05:20:11.736" v="885" actId="26606"/>
       <pc:docMkLst>
         <pc:docMk/>
       </pc:docMkLst>
@@ -2293,6 +2304,53 @@
           <pc:sldMk cId="3245475923" sldId="273"/>
         </pc:sldMkLst>
       </pc:sldChg>
+      <pc:sldChg chg="addSp delSp modSp add mod">
+        <pc:chgData name="Trung Nghia Nguyen" userId="caf0b1f78d203fdc" providerId="LiveId" clId="{74A72D27-0F29-4AD9-985B-1D7512F86603}" dt="2023-04-07T04:41:07.539" v="109" actId="20577"/>
+        <pc:sldMkLst>
+          <pc:docMk/>
+          <pc:sldMk cId="3271686320" sldId="273"/>
+        </pc:sldMkLst>
+        <pc:spChg chg="mod">
+          <ac:chgData name="Trung Nghia Nguyen" userId="caf0b1f78d203fdc" providerId="LiveId" clId="{74A72D27-0F29-4AD9-985B-1D7512F86603}" dt="2023-04-07T04:41:07.539" v="109" actId="20577"/>
+          <ac:spMkLst>
+            <pc:docMk/>
+            <pc:sldMk cId="3271686320" sldId="273"/>
+            <ac:spMk id="3" creationId="{56C3DF9C-2FEB-EE52-21A1-DBBB2454EA38}"/>
+          </ac:spMkLst>
+        </pc:spChg>
+        <pc:spChg chg="mod">
+          <ac:chgData name="Trung Nghia Nguyen" userId="caf0b1f78d203fdc" providerId="LiveId" clId="{74A72D27-0F29-4AD9-985B-1D7512F86603}" dt="2023-04-07T04:37:07.120" v="12"/>
+          <ac:spMkLst>
+            <pc:docMk/>
+            <pc:sldMk cId="3271686320" sldId="273"/>
+            <ac:spMk id="14" creationId="{63B4AB36-B54A-EA5C-2A74-F2C80BE0CBC4}"/>
+          </ac:spMkLst>
+        </pc:spChg>
+        <pc:graphicFrameChg chg="del modGraphic">
+          <ac:chgData name="Trung Nghia Nguyen" userId="caf0b1f78d203fdc" providerId="LiveId" clId="{74A72D27-0F29-4AD9-985B-1D7512F86603}" dt="2023-04-07T04:36:25.364" v="10" actId="478"/>
+          <ac:graphicFrameMkLst>
+            <pc:docMk/>
+            <pc:sldMk cId="3271686320" sldId="273"/>
+            <ac:graphicFrameMk id="16" creationId="{A794B221-780B-3E0D-DCDE-B4B669AD1AE3}"/>
+          </ac:graphicFrameMkLst>
+        </pc:graphicFrameChg>
+        <pc:picChg chg="add del">
+          <ac:chgData name="Trung Nghia Nguyen" userId="caf0b1f78d203fdc" providerId="LiveId" clId="{74A72D27-0F29-4AD9-985B-1D7512F86603}" dt="2023-04-07T04:40:26.638" v="68" actId="22"/>
+          <ac:picMkLst>
+            <pc:docMk/>
+            <pc:sldMk cId="3271686320" sldId="273"/>
+            <ac:picMk id="6" creationId="{D40DFA79-59CF-518D-8671-4B309237923C}"/>
+          </ac:picMkLst>
+        </pc:picChg>
+        <pc:picChg chg="add">
+          <ac:chgData name="Trung Nghia Nguyen" userId="caf0b1f78d203fdc" providerId="LiveId" clId="{74A72D27-0F29-4AD9-985B-1D7512F86603}" dt="2023-04-07T04:40:27.345" v="69" actId="22"/>
+          <ac:picMkLst>
+            <pc:docMk/>
+            <pc:sldMk cId="3271686320" sldId="273"/>
+            <ac:picMk id="8" creationId="{FB5493A0-FBAC-3D16-A44C-F3D60FF25D59}"/>
+          </ac:picMkLst>
+        </pc:picChg>
+      </pc:sldChg>
       <pc:sldChg chg="del">
         <pc:chgData name="Trung Nghia Nguyen" userId="caf0b1f78d203fdc" providerId="LiveId" clId="{74A72D27-0F29-4AD9-985B-1D7512F86603}" dt="2023-04-03T02:08:58.163" v="7" actId="2696"/>
         <pc:sldMkLst>
@@ -2300,12 +2358,122 @@
           <pc:sldMk cId="1354583273" sldId="274"/>
         </pc:sldMkLst>
       </pc:sldChg>
+      <pc:sldChg chg="addSp delSp modSp add mod">
+        <pc:chgData name="Trung Nghia Nguyen" userId="caf0b1f78d203fdc" providerId="LiveId" clId="{74A72D27-0F29-4AD9-985B-1D7512F86603}" dt="2023-04-07T05:17:33.612" v="826" actId="26606"/>
+        <pc:sldMkLst>
+          <pc:docMk/>
+          <pc:sldMk cId="3060752393" sldId="274"/>
+        </pc:sldMkLst>
+        <pc:spChg chg="del">
+          <ac:chgData name="Trung Nghia Nguyen" userId="caf0b1f78d203fdc" providerId="LiveId" clId="{74A72D27-0F29-4AD9-985B-1D7512F86603}" dt="2023-04-07T04:50:46.902" v="120" actId="478"/>
+          <ac:spMkLst>
+            <pc:docMk/>
+            <pc:sldMk cId="3060752393" sldId="274"/>
+            <ac:spMk id="3" creationId="{56C3DF9C-2FEB-EE52-21A1-DBBB2454EA38}"/>
+          </ac:spMkLst>
+        </pc:spChg>
+        <pc:spChg chg="add mod">
+          <ac:chgData name="Trung Nghia Nguyen" userId="caf0b1f78d203fdc" providerId="LiveId" clId="{74A72D27-0F29-4AD9-985B-1D7512F86603}" dt="2023-04-07T04:42:44.697" v="117" actId="20577"/>
+          <ac:spMkLst>
+            <pc:docMk/>
+            <pc:sldMk cId="3060752393" sldId="274"/>
+            <ac:spMk id="5" creationId="{2FD009FE-CA5C-D5A4-E99D-1E506F763D1C}"/>
+          </ac:spMkLst>
+        </pc:spChg>
+        <pc:spChg chg="add del mod">
+          <ac:chgData name="Trung Nghia Nguyen" userId="caf0b1f78d203fdc" providerId="LiveId" clId="{74A72D27-0F29-4AD9-985B-1D7512F86603}" dt="2023-04-07T05:17:33.612" v="826" actId="26606"/>
+          <ac:spMkLst>
+            <pc:docMk/>
+            <pc:sldMk cId="3060752393" sldId="274"/>
+            <ac:spMk id="9" creationId="{A5E499F2-A664-ED0F-A5F2-90D3F70E6A8F}"/>
+          </ac:spMkLst>
+        </pc:spChg>
+        <pc:graphicFrameChg chg="add del">
+          <ac:chgData name="Trung Nghia Nguyen" userId="caf0b1f78d203fdc" providerId="LiveId" clId="{74A72D27-0F29-4AD9-985B-1D7512F86603}" dt="2023-04-07T05:17:33.612" v="826" actId="26606"/>
+          <ac:graphicFrameMkLst>
+            <pc:docMk/>
+            <pc:sldMk cId="3060752393" sldId="274"/>
+            <ac:graphicFrameMk id="1036" creationId="{3519F387-03E5-F075-770B-7921263A7BA2}"/>
+          </ac:graphicFrameMkLst>
+        </pc:graphicFrameChg>
+        <pc:picChg chg="add del mod">
+          <ac:chgData name="Trung Nghia Nguyen" userId="caf0b1f78d203fdc" providerId="LiveId" clId="{74A72D27-0F29-4AD9-985B-1D7512F86603}" dt="2023-04-07T05:17:26.297" v="822" actId="478"/>
+          <ac:picMkLst>
+            <pc:docMk/>
+            <pc:sldMk cId="3060752393" sldId="274"/>
+            <ac:picMk id="7" creationId="{6E3FD3B3-6CCD-5296-1F63-771A4C584FF8}"/>
+          </ac:picMkLst>
+        </pc:picChg>
+        <pc:picChg chg="del">
+          <ac:chgData name="Trung Nghia Nguyen" userId="caf0b1f78d203fdc" providerId="LiveId" clId="{74A72D27-0F29-4AD9-985B-1D7512F86603}" dt="2023-04-07T04:42:34.524" v="111" actId="478"/>
+          <ac:picMkLst>
+            <pc:docMk/>
+            <pc:sldMk cId="3060752393" sldId="274"/>
+            <ac:picMk id="8" creationId="{FB5493A0-FBAC-3D16-A44C-F3D60FF25D59}"/>
+          </ac:picMkLst>
+        </pc:picChg>
+        <pc:picChg chg="add mod">
+          <ac:chgData name="Trung Nghia Nguyen" userId="caf0b1f78d203fdc" providerId="LiveId" clId="{74A72D27-0F29-4AD9-985B-1D7512F86603}" dt="2023-04-07T05:17:31.235" v="824" actId="1076"/>
+          <ac:picMkLst>
+            <pc:docMk/>
+            <pc:sldMk cId="3060752393" sldId="274"/>
+            <ac:picMk id="12" creationId="{17ED4067-F9EF-DC7E-1389-61F7BE8907E8}"/>
+          </ac:picMkLst>
+        </pc:picChg>
+      </pc:sldChg>
       <pc:sldChg chg="del">
         <pc:chgData name="Trung Nghia Nguyen" userId="caf0b1f78d203fdc" providerId="LiveId" clId="{74A72D27-0F29-4AD9-985B-1D7512F86603}" dt="2023-04-03T02:08:58.163" v="7" actId="2696"/>
         <pc:sldMkLst>
           <pc:docMk/>
           <pc:sldMk cId="288851990" sldId="275"/>
         </pc:sldMkLst>
+      </pc:sldChg>
+      <pc:sldChg chg="addSp delSp modSp add mod">
+        <pc:chgData name="Trung Nghia Nguyen" userId="caf0b1f78d203fdc" providerId="LiveId" clId="{74A72D27-0F29-4AD9-985B-1D7512F86603}" dt="2023-04-07T05:20:11.736" v="885" actId="26606"/>
+        <pc:sldMkLst>
+          <pc:docMk/>
+          <pc:sldMk cId="702601999" sldId="275"/>
+        </pc:sldMkLst>
+        <pc:spChg chg="mod">
+          <ac:chgData name="Trung Nghia Nguyen" userId="caf0b1f78d203fdc" providerId="LiveId" clId="{74A72D27-0F29-4AD9-985B-1D7512F86603}" dt="2023-04-07T05:14:21.399" v="821" actId="20577"/>
+          <ac:spMkLst>
+            <pc:docMk/>
+            <pc:sldMk cId="702601999" sldId="275"/>
+            <ac:spMk id="5" creationId="{2FD009FE-CA5C-D5A4-E99D-1E506F763D1C}"/>
+          </ac:spMkLst>
+        </pc:spChg>
+        <pc:spChg chg="add del mod">
+          <ac:chgData name="Trung Nghia Nguyen" userId="caf0b1f78d203fdc" providerId="LiveId" clId="{74A72D27-0F29-4AD9-985B-1D7512F86603}" dt="2023-04-07T05:20:11.736" v="885" actId="26606"/>
+          <ac:spMkLst>
+            <pc:docMk/>
+            <pc:sldMk cId="702601999" sldId="275"/>
+            <ac:spMk id="9" creationId="{A5E499F2-A664-ED0F-A5F2-90D3F70E6A8F}"/>
+          </ac:spMkLst>
+        </pc:spChg>
+        <pc:graphicFrameChg chg="add del">
+          <ac:chgData name="Trung Nghia Nguyen" userId="caf0b1f78d203fdc" providerId="LiveId" clId="{74A72D27-0F29-4AD9-985B-1D7512F86603}" dt="2023-04-07T05:20:11.736" v="885" actId="26606"/>
+          <ac:graphicFrameMkLst>
+            <pc:docMk/>
+            <pc:sldMk cId="702601999" sldId="275"/>
+            <ac:graphicFrameMk id="1036" creationId="{511BE55A-4A7F-30C4-60BC-5076288939E1}"/>
+          </ac:graphicFrameMkLst>
+        </pc:graphicFrameChg>
+        <pc:picChg chg="add mod">
+          <ac:chgData name="Trung Nghia Nguyen" userId="caf0b1f78d203fdc" providerId="LiveId" clId="{74A72D27-0F29-4AD9-985B-1D7512F86603}" dt="2023-04-07T05:20:09.856" v="883" actId="1076"/>
+          <ac:picMkLst>
+            <pc:docMk/>
+            <pc:sldMk cId="702601999" sldId="275"/>
+            <ac:picMk id="6" creationId="{8AB3465A-8B43-46A1-2F2F-08B9C1204176}"/>
+          </ac:picMkLst>
+        </pc:picChg>
+        <pc:picChg chg="del">
+          <ac:chgData name="Trung Nghia Nguyen" userId="caf0b1f78d203fdc" providerId="LiveId" clId="{74A72D27-0F29-4AD9-985B-1D7512F86603}" dt="2023-04-07T05:20:05.056" v="881" actId="478"/>
+          <ac:picMkLst>
+            <pc:docMk/>
+            <pc:sldMk cId="702601999" sldId="275"/>
+            <ac:picMk id="7" creationId="{6E3FD3B3-6CCD-5296-1F63-771A4C584FF8}"/>
+          </ac:picMkLst>
+        </pc:picChg>
       </pc:sldChg>
       <pc:sldChg chg="del">
         <pc:chgData name="Trung Nghia Nguyen" userId="caf0b1f78d203fdc" providerId="LiveId" clId="{74A72D27-0F29-4AD9-985B-1D7512F86603}" dt="2023-04-03T02:08:58.163" v="7" actId="2696"/>
@@ -2457,7 +2625,7 @@
           <a:p>
             <a:fld id="{51F95020-72AA-4787-B4DB-4E5B3A15E30F}" type="datetimeFigureOut">
               <a:rPr lang="en-US" smtClean="0"/>
-              <a:t>03/04/2023</a:t>
+              <a:t>07/04/2023</a:t>
             </a:fld>
             <a:endParaRPr lang="en-US"/>
           </a:p>
@@ -2855,7 +3023,7 @@
           <a:p>
             <a:fld id="{2AB4A3C8-EB3A-4B87-95B8-3265ADB47806}" type="datetimeFigureOut">
               <a:rPr lang="en-US" smtClean="0"/>
-              <a:t>03/04/2023</a:t>
+              <a:t>07/04/2023</a:t>
             </a:fld>
             <a:endParaRPr lang="en-US"/>
           </a:p>
@@ -3025,7 +3193,7 @@
           <a:p>
             <a:fld id="{2AB4A3C8-EB3A-4B87-95B8-3265ADB47806}" type="datetimeFigureOut">
               <a:rPr lang="en-US" smtClean="0"/>
-              <a:t>03/04/2023</a:t>
+              <a:t>07/04/2023</a:t>
             </a:fld>
             <a:endParaRPr lang="en-US"/>
           </a:p>
@@ -3205,7 +3373,7 @@
           <a:p>
             <a:fld id="{2AB4A3C8-EB3A-4B87-95B8-3265ADB47806}" type="datetimeFigureOut">
               <a:rPr lang="en-US" smtClean="0"/>
-              <a:t>03/04/2023</a:t>
+              <a:t>07/04/2023</a:t>
             </a:fld>
             <a:endParaRPr lang="en-US"/>
           </a:p>
@@ -3375,7 +3543,7 @@
           <a:p>
             <a:fld id="{2AB4A3C8-EB3A-4B87-95B8-3265ADB47806}" type="datetimeFigureOut">
               <a:rPr lang="en-US" smtClean="0"/>
-              <a:t>03/04/2023</a:t>
+              <a:t>07/04/2023</a:t>
             </a:fld>
             <a:endParaRPr lang="en-US"/>
           </a:p>
@@ -3619,7 +3787,7 @@
           <a:p>
             <a:fld id="{2AB4A3C8-EB3A-4B87-95B8-3265ADB47806}" type="datetimeFigureOut">
               <a:rPr lang="en-US" smtClean="0"/>
-              <a:t>03/04/2023</a:t>
+              <a:t>07/04/2023</a:t>
             </a:fld>
             <a:endParaRPr lang="en-US"/>
           </a:p>
@@ -3851,7 +4019,7 @@
           <a:p>
             <a:fld id="{2AB4A3C8-EB3A-4B87-95B8-3265ADB47806}" type="datetimeFigureOut">
               <a:rPr lang="en-US" smtClean="0"/>
-              <a:t>03/04/2023</a:t>
+              <a:t>07/04/2023</a:t>
             </a:fld>
             <a:endParaRPr lang="en-US"/>
           </a:p>
@@ -4218,7 +4386,7 @@
           <a:p>
             <a:fld id="{2AB4A3C8-EB3A-4B87-95B8-3265ADB47806}" type="datetimeFigureOut">
               <a:rPr lang="en-US" smtClean="0"/>
-              <a:t>03/04/2023</a:t>
+              <a:t>07/04/2023</a:t>
             </a:fld>
             <a:endParaRPr lang="en-US"/>
           </a:p>
@@ -4336,7 +4504,7 @@
           <a:p>
             <a:fld id="{2AB4A3C8-EB3A-4B87-95B8-3265ADB47806}" type="datetimeFigureOut">
               <a:rPr lang="en-US" smtClean="0"/>
-              <a:t>03/04/2023</a:t>
+              <a:t>07/04/2023</a:t>
             </a:fld>
             <a:endParaRPr lang="en-US"/>
           </a:p>
@@ -4431,7 +4599,7 @@
           <a:p>
             <a:fld id="{2AB4A3C8-EB3A-4B87-95B8-3265ADB47806}" type="datetimeFigureOut">
               <a:rPr lang="en-US" smtClean="0"/>
-              <a:t>03/04/2023</a:t>
+              <a:t>07/04/2023</a:t>
             </a:fld>
             <a:endParaRPr lang="en-US"/>
           </a:p>
@@ -4708,7 +4876,7 @@
           <a:p>
             <a:fld id="{2AB4A3C8-EB3A-4B87-95B8-3265ADB47806}" type="datetimeFigureOut">
               <a:rPr lang="en-US" smtClean="0"/>
-              <a:t>03/04/2023</a:t>
+              <a:t>07/04/2023</a:t>
             </a:fld>
             <a:endParaRPr lang="en-US"/>
           </a:p>
@@ -4964,7 +5132,7 @@
           <a:p>
             <a:fld id="{2AB4A3C8-EB3A-4B87-95B8-3265ADB47806}" type="datetimeFigureOut">
               <a:rPr lang="en-US" smtClean="0"/>
-              <a:t>03/04/2023</a:t>
+              <a:t>07/04/2023</a:t>
             </a:fld>
             <a:endParaRPr lang="en-US"/>
           </a:p>
@@ -5177,7 +5345,7 @@
           <a:p>
             <a:fld id="{2AB4A3C8-EB3A-4B87-95B8-3265ADB47806}" type="datetimeFigureOut">
               <a:rPr lang="en-US" smtClean="0"/>
-              <a:t>03/04/2023</a:t>
+              <a:t>07/04/2023</a:t>
             </a:fld>
             <a:endParaRPr lang="en-US"/>
           </a:p>
@@ -8402,6 +8570,1064 @@
 </file>
 
 <file path=ppt/slides/slide4.xml><?xml version="1.0" encoding="utf-8"?>
+<p:sld xmlns:a="http://schemas.openxmlformats.org/drawingml/2006/main" xmlns:r="http://schemas.openxmlformats.org/officeDocument/2006/relationships" xmlns:p="http://schemas.openxmlformats.org/presentationml/2006/main">
+  <p:cSld>
+    <p:spTree>
+      <p:nvGrpSpPr>
+        <p:cNvPr id="1" name=""/>
+        <p:cNvGrpSpPr/>
+        <p:nvPr/>
+      </p:nvGrpSpPr>
+      <p:grpSpPr>
+        <a:xfrm>
+          <a:off x="0" y="0"/>
+          <a:ext cx="0" cy="0"/>
+          <a:chOff x="0" y="0"/>
+          <a:chExt cx="0" cy="0"/>
+        </a:xfrm>
+      </p:grpSpPr>
+      <p:pic>
+        <p:nvPicPr>
+          <p:cNvPr id="1034" name="Picture 10">
+            <a:extLst>
+              <a:ext uri="{FF2B5EF4-FFF2-40B4-BE49-F238E27FC236}">
+                <a16:creationId xmlns:a16="http://schemas.microsoft.com/office/drawing/2014/main" id="{6F72484C-A752-76F3-F259-0A997B815A00}"/>
+              </a:ext>
+            </a:extLst>
+          </p:cNvPr>
+          <p:cNvPicPr>
+            <a:picLocks noChangeAspect="1" noChangeArrowheads="1"/>
+          </p:cNvPicPr>
+          <p:nvPr/>
+        </p:nvPicPr>
+        <p:blipFill>
+          <a:blip r:embed="rId2">
+            <a:extLst>
+              <a:ext uri="{28A0092B-C50C-407E-A947-70E740481C1C}">
+                <a14:useLocalDpi xmlns:a14="http://schemas.microsoft.com/office/drawing/2010/main" val="0"/>
+              </a:ext>
+            </a:extLst>
+          </a:blip>
+          <a:srcRect/>
+          <a:stretch>
+            <a:fillRect/>
+          </a:stretch>
+        </p:blipFill>
+        <p:spPr bwMode="auto">
+          <a:xfrm>
+            <a:off x="76200" y="119063"/>
+            <a:ext cx="1114424" cy="614791"/>
+          </a:xfrm>
+          <a:prstGeom prst="rect">
+            <a:avLst/>
+          </a:prstGeom>
+          <a:noFill/>
+          <a:extLst>
+            <a:ext uri="{909E8E84-426E-40DD-AFC4-6F175D3DCCD1}">
+              <a14:hiddenFill xmlns:a14="http://schemas.microsoft.com/office/drawing/2010/main">
+                <a:solidFill>
+                  <a:srgbClr val="FFFFFF"/>
+                </a:solidFill>
+              </a14:hiddenFill>
+            </a:ext>
+          </a:extLst>
+        </p:spPr>
+      </p:pic>
+      <p:cxnSp>
+        <p:nvCxnSpPr>
+          <p:cNvPr id="11" name="Straight Connector 10">
+            <a:extLst>
+              <a:ext uri="{FF2B5EF4-FFF2-40B4-BE49-F238E27FC236}">
+                <a16:creationId xmlns:a16="http://schemas.microsoft.com/office/drawing/2014/main" id="{E5C4A229-E185-5A4B-53B1-81D591292671}"/>
+              </a:ext>
+            </a:extLst>
+          </p:cNvPr>
+          <p:cNvCxnSpPr>
+            <a:cxnSpLocks/>
+          </p:cNvCxnSpPr>
+          <p:nvPr/>
+        </p:nvCxnSpPr>
+        <p:spPr>
+          <a:xfrm>
+            <a:off x="76200" y="847725"/>
+            <a:ext cx="7648575" cy="0"/>
+          </a:xfrm>
+          <a:prstGeom prst="line">
+            <a:avLst/>
+          </a:prstGeom>
+        </p:spPr>
+        <p:style>
+          <a:lnRef idx="1">
+            <a:schemeClr val="accent1"/>
+          </a:lnRef>
+          <a:fillRef idx="0">
+            <a:schemeClr val="accent1"/>
+          </a:fillRef>
+          <a:effectRef idx="0">
+            <a:schemeClr val="accent1"/>
+          </a:effectRef>
+          <a:fontRef idx="minor">
+            <a:schemeClr val="tx1"/>
+          </a:fontRef>
+        </p:style>
+      </p:cxnSp>
+      <p:sp>
+        <p:nvSpPr>
+          <p:cNvPr id="14" name="TextBox 13">
+            <a:extLst>
+              <a:ext uri="{FF2B5EF4-FFF2-40B4-BE49-F238E27FC236}">
+                <a16:creationId xmlns:a16="http://schemas.microsoft.com/office/drawing/2014/main" id="{63B4AB36-B54A-EA5C-2A74-F2C80BE0CBC4}"/>
+              </a:ext>
+            </a:extLst>
+          </p:cNvPr>
+          <p:cNvSpPr txBox="1"/>
+          <p:nvPr/>
+        </p:nvSpPr>
+        <p:spPr>
+          <a:xfrm>
+            <a:off x="1390650" y="236792"/>
+            <a:ext cx="6362700" cy="369332"/>
+          </a:xfrm>
+          <a:prstGeom prst="rect">
+            <a:avLst/>
+          </a:prstGeom>
+          <a:noFill/>
+        </p:spPr>
+        <p:txBody>
+          <a:bodyPr wrap="square" rtlCol="0">
+            <a:spAutoFit/>
+          </a:bodyPr>
+          <a:lstStyle/>
+          <a:p>
+            <a:r>
+              <a:rPr lang="fr-FR" b="1"/>
+              <a:t>Câu 1 (2.0 điểm): Constraint Satisfaction</a:t>
+            </a:r>
+            <a:endParaRPr lang="en-US" b="1"/>
+          </a:p>
+        </p:txBody>
+      </p:sp>
+      <p:cxnSp>
+        <p:nvCxnSpPr>
+          <p:cNvPr id="2" name="Straight Connector 1">
+            <a:extLst>
+              <a:ext uri="{FF2B5EF4-FFF2-40B4-BE49-F238E27FC236}">
+                <a16:creationId xmlns:a16="http://schemas.microsoft.com/office/drawing/2014/main" id="{AF3ADEA5-03F2-7E56-B6E6-8B6970A896CF}"/>
+              </a:ext>
+            </a:extLst>
+          </p:cNvPr>
+          <p:cNvCxnSpPr>
+            <a:cxnSpLocks/>
+          </p:cNvCxnSpPr>
+          <p:nvPr/>
+        </p:nvCxnSpPr>
+        <p:spPr>
+          <a:xfrm>
+            <a:off x="4752975" y="6238875"/>
+            <a:ext cx="4286250" cy="0"/>
+          </a:xfrm>
+          <a:prstGeom prst="line">
+            <a:avLst/>
+          </a:prstGeom>
+        </p:spPr>
+        <p:style>
+          <a:lnRef idx="1">
+            <a:schemeClr val="accent1"/>
+          </a:lnRef>
+          <a:fillRef idx="0">
+            <a:schemeClr val="accent1"/>
+          </a:fillRef>
+          <a:effectRef idx="0">
+            <a:schemeClr val="accent1"/>
+          </a:effectRef>
+          <a:fontRef idx="minor">
+            <a:schemeClr val="tx1"/>
+          </a:fontRef>
+        </p:style>
+      </p:cxnSp>
+      <p:sp>
+        <p:nvSpPr>
+          <p:cNvPr id="4" name="TextBox 3">
+            <a:extLst>
+              <a:ext uri="{FF2B5EF4-FFF2-40B4-BE49-F238E27FC236}">
+                <a16:creationId xmlns:a16="http://schemas.microsoft.com/office/drawing/2014/main" id="{11342279-3B1B-9555-FD5C-CA3839B3D029}"/>
+              </a:ext>
+            </a:extLst>
+          </p:cNvPr>
+          <p:cNvSpPr txBox="1"/>
+          <p:nvPr/>
+        </p:nvSpPr>
+        <p:spPr>
+          <a:xfrm>
+            <a:off x="7753350" y="6336334"/>
+            <a:ext cx="1285874" cy="369332"/>
+          </a:xfrm>
+          <a:prstGeom prst="rect">
+            <a:avLst/>
+          </a:prstGeom>
+          <a:noFill/>
+        </p:spPr>
+        <p:txBody>
+          <a:bodyPr wrap="square" rtlCol="0">
+            <a:spAutoFit/>
+          </a:bodyPr>
+          <a:lstStyle/>
+          <a:p>
+            <a:r>
+              <a:rPr lang="en-US"/>
+              <a:t>Trang 4</a:t>
+            </a:r>
+          </a:p>
+        </p:txBody>
+      </p:sp>
+      <p:sp>
+        <p:nvSpPr>
+          <p:cNvPr id="3" name="TextBox 2">
+            <a:extLst>
+              <a:ext uri="{FF2B5EF4-FFF2-40B4-BE49-F238E27FC236}">
+                <a16:creationId xmlns:a16="http://schemas.microsoft.com/office/drawing/2014/main" id="{56C3DF9C-2FEB-EE52-21A1-DBBB2454EA38}"/>
+              </a:ext>
+            </a:extLst>
+          </p:cNvPr>
+          <p:cNvSpPr txBox="1"/>
+          <p:nvPr/>
+        </p:nvSpPr>
+        <p:spPr>
+          <a:xfrm>
+            <a:off x="1000124" y="5592544"/>
+            <a:ext cx="7143752" cy="369332"/>
+          </a:xfrm>
+          <a:prstGeom prst="rect">
+            <a:avLst/>
+          </a:prstGeom>
+          <a:noFill/>
+        </p:spPr>
+        <p:txBody>
+          <a:bodyPr wrap="square" rtlCol="0">
+            <a:spAutoFit/>
+          </a:bodyPr>
+          <a:lstStyle/>
+          <a:p>
+            <a:pPr algn="just"/>
+            <a:r>
+              <a:rPr lang="en-US" i="1"/>
+              <a:t>Tham khảo giải thuật Backtracking trong slide bài giảng lesson 05 </a:t>
+            </a:r>
+          </a:p>
+        </p:txBody>
+      </p:sp>
+      <p:pic>
+        <p:nvPicPr>
+          <p:cNvPr id="8" name="Picture 7">
+            <a:extLst>
+              <a:ext uri="{FF2B5EF4-FFF2-40B4-BE49-F238E27FC236}">
+                <a16:creationId xmlns:a16="http://schemas.microsoft.com/office/drawing/2014/main" id="{FB5493A0-FBAC-3D16-A44C-F3D60FF25D59}"/>
+              </a:ext>
+            </a:extLst>
+          </p:cNvPr>
+          <p:cNvPicPr>
+            <a:picLocks noChangeAspect="1"/>
+          </p:cNvPicPr>
+          <p:nvPr/>
+        </p:nvPicPr>
+        <p:blipFill>
+          <a:blip r:embed="rId3"/>
+          <a:stretch>
+            <a:fillRect/>
+          </a:stretch>
+        </p:blipFill>
+        <p:spPr>
+          <a:xfrm>
+            <a:off x="155827" y="1219008"/>
+            <a:ext cx="8832345" cy="4419983"/>
+          </a:xfrm>
+          <a:prstGeom prst="rect">
+            <a:avLst/>
+          </a:prstGeom>
+        </p:spPr>
+      </p:pic>
+    </p:spTree>
+    <p:extLst>
+      <p:ext uri="{BB962C8B-B14F-4D97-AF65-F5344CB8AC3E}">
+        <p14:creationId xmlns:p14="http://schemas.microsoft.com/office/powerpoint/2010/main" val="3271686320"/>
+      </p:ext>
+    </p:extLst>
+  </p:cSld>
+  <p:clrMapOvr>
+    <a:masterClrMapping/>
+  </p:clrMapOvr>
+</p:sld>
+</file>
+
+<file path=ppt/slides/slide5.xml><?xml version="1.0" encoding="utf-8"?>
+<p:sld xmlns:a="http://schemas.openxmlformats.org/drawingml/2006/main" xmlns:r="http://schemas.openxmlformats.org/officeDocument/2006/relationships" xmlns:p="http://schemas.openxmlformats.org/presentationml/2006/main">
+  <p:cSld>
+    <p:spTree>
+      <p:nvGrpSpPr>
+        <p:cNvPr id="1" name=""/>
+        <p:cNvGrpSpPr/>
+        <p:nvPr/>
+      </p:nvGrpSpPr>
+      <p:grpSpPr>
+        <a:xfrm>
+          <a:off x="0" y="0"/>
+          <a:ext cx="0" cy="0"/>
+          <a:chOff x="0" y="0"/>
+          <a:chExt cx="0" cy="0"/>
+        </a:xfrm>
+      </p:grpSpPr>
+      <p:pic>
+        <p:nvPicPr>
+          <p:cNvPr id="1034" name="Picture 10">
+            <a:extLst>
+              <a:ext uri="{FF2B5EF4-FFF2-40B4-BE49-F238E27FC236}">
+                <a16:creationId xmlns:a16="http://schemas.microsoft.com/office/drawing/2014/main" id="{6F72484C-A752-76F3-F259-0A997B815A00}"/>
+              </a:ext>
+            </a:extLst>
+          </p:cNvPr>
+          <p:cNvPicPr>
+            <a:picLocks noChangeAspect="1" noChangeArrowheads="1"/>
+          </p:cNvPicPr>
+          <p:nvPr/>
+        </p:nvPicPr>
+        <p:blipFill>
+          <a:blip r:embed="rId2">
+            <a:extLst>
+              <a:ext uri="{28A0092B-C50C-407E-A947-70E740481C1C}">
+                <a14:useLocalDpi xmlns:a14="http://schemas.microsoft.com/office/drawing/2010/main" val="0"/>
+              </a:ext>
+            </a:extLst>
+          </a:blip>
+          <a:srcRect/>
+          <a:stretch>
+            <a:fillRect/>
+          </a:stretch>
+        </p:blipFill>
+        <p:spPr bwMode="auto">
+          <a:xfrm>
+            <a:off x="76200" y="119063"/>
+            <a:ext cx="1114424" cy="614791"/>
+          </a:xfrm>
+          <a:prstGeom prst="rect">
+            <a:avLst/>
+          </a:prstGeom>
+          <a:noFill/>
+          <a:extLst>
+            <a:ext uri="{909E8E84-426E-40DD-AFC4-6F175D3DCCD1}">
+              <a14:hiddenFill xmlns:a14="http://schemas.microsoft.com/office/drawing/2010/main">
+                <a:solidFill>
+                  <a:srgbClr val="FFFFFF"/>
+                </a:solidFill>
+              </a14:hiddenFill>
+            </a:ext>
+          </a:extLst>
+        </p:spPr>
+      </p:pic>
+      <p:cxnSp>
+        <p:nvCxnSpPr>
+          <p:cNvPr id="11" name="Straight Connector 10">
+            <a:extLst>
+              <a:ext uri="{FF2B5EF4-FFF2-40B4-BE49-F238E27FC236}">
+                <a16:creationId xmlns:a16="http://schemas.microsoft.com/office/drawing/2014/main" id="{E5C4A229-E185-5A4B-53B1-81D591292671}"/>
+              </a:ext>
+            </a:extLst>
+          </p:cNvPr>
+          <p:cNvCxnSpPr>
+            <a:cxnSpLocks/>
+          </p:cNvCxnSpPr>
+          <p:nvPr/>
+        </p:nvCxnSpPr>
+        <p:spPr>
+          <a:xfrm>
+            <a:off x="76200" y="847725"/>
+            <a:ext cx="7648575" cy="0"/>
+          </a:xfrm>
+          <a:prstGeom prst="line">
+            <a:avLst/>
+          </a:prstGeom>
+        </p:spPr>
+        <p:style>
+          <a:lnRef idx="1">
+            <a:schemeClr val="accent1"/>
+          </a:lnRef>
+          <a:fillRef idx="0">
+            <a:schemeClr val="accent1"/>
+          </a:fillRef>
+          <a:effectRef idx="0">
+            <a:schemeClr val="accent1"/>
+          </a:effectRef>
+          <a:fontRef idx="minor">
+            <a:schemeClr val="tx1"/>
+          </a:fontRef>
+        </p:style>
+      </p:cxnSp>
+      <p:sp>
+        <p:nvSpPr>
+          <p:cNvPr id="14" name="TextBox 13">
+            <a:extLst>
+              <a:ext uri="{FF2B5EF4-FFF2-40B4-BE49-F238E27FC236}">
+                <a16:creationId xmlns:a16="http://schemas.microsoft.com/office/drawing/2014/main" id="{63B4AB36-B54A-EA5C-2A74-F2C80BE0CBC4}"/>
+              </a:ext>
+            </a:extLst>
+          </p:cNvPr>
+          <p:cNvSpPr txBox="1"/>
+          <p:nvPr/>
+        </p:nvSpPr>
+        <p:spPr>
+          <a:xfrm>
+            <a:off x="1390650" y="236792"/>
+            <a:ext cx="6362700" cy="369332"/>
+          </a:xfrm>
+          <a:prstGeom prst="rect">
+            <a:avLst/>
+          </a:prstGeom>
+          <a:noFill/>
+        </p:spPr>
+        <p:txBody>
+          <a:bodyPr wrap="square" rtlCol="0">
+            <a:spAutoFit/>
+          </a:bodyPr>
+          <a:lstStyle/>
+          <a:p>
+            <a:r>
+              <a:rPr lang="fr-FR" b="1"/>
+              <a:t>Câu 1 (2.0 điểm): Constraint Satisfaction</a:t>
+            </a:r>
+            <a:endParaRPr lang="en-US" b="1"/>
+          </a:p>
+        </p:txBody>
+      </p:sp>
+      <p:cxnSp>
+        <p:nvCxnSpPr>
+          <p:cNvPr id="2" name="Straight Connector 1">
+            <a:extLst>
+              <a:ext uri="{FF2B5EF4-FFF2-40B4-BE49-F238E27FC236}">
+                <a16:creationId xmlns:a16="http://schemas.microsoft.com/office/drawing/2014/main" id="{AF3ADEA5-03F2-7E56-B6E6-8B6970A896CF}"/>
+              </a:ext>
+            </a:extLst>
+          </p:cNvPr>
+          <p:cNvCxnSpPr>
+            <a:cxnSpLocks/>
+          </p:cNvCxnSpPr>
+          <p:nvPr/>
+        </p:nvCxnSpPr>
+        <p:spPr>
+          <a:xfrm>
+            <a:off x="4752975" y="6238875"/>
+            <a:ext cx="4286250" cy="0"/>
+          </a:xfrm>
+          <a:prstGeom prst="line">
+            <a:avLst/>
+          </a:prstGeom>
+        </p:spPr>
+        <p:style>
+          <a:lnRef idx="1">
+            <a:schemeClr val="accent1"/>
+          </a:lnRef>
+          <a:fillRef idx="0">
+            <a:schemeClr val="accent1"/>
+          </a:fillRef>
+          <a:effectRef idx="0">
+            <a:schemeClr val="accent1"/>
+          </a:effectRef>
+          <a:fontRef idx="minor">
+            <a:schemeClr val="tx1"/>
+          </a:fontRef>
+        </p:style>
+      </p:cxnSp>
+      <p:sp>
+        <p:nvSpPr>
+          <p:cNvPr id="4" name="TextBox 3">
+            <a:extLst>
+              <a:ext uri="{FF2B5EF4-FFF2-40B4-BE49-F238E27FC236}">
+                <a16:creationId xmlns:a16="http://schemas.microsoft.com/office/drawing/2014/main" id="{11342279-3B1B-9555-FD5C-CA3839B3D029}"/>
+              </a:ext>
+            </a:extLst>
+          </p:cNvPr>
+          <p:cNvSpPr txBox="1"/>
+          <p:nvPr/>
+        </p:nvSpPr>
+        <p:spPr>
+          <a:xfrm>
+            <a:off x="7753350" y="6336334"/>
+            <a:ext cx="1285874" cy="369332"/>
+          </a:xfrm>
+          <a:prstGeom prst="rect">
+            <a:avLst/>
+          </a:prstGeom>
+          <a:noFill/>
+        </p:spPr>
+        <p:txBody>
+          <a:bodyPr wrap="square" rtlCol="0">
+            <a:spAutoFit/>
+          </a:bodyPr>
+          <a:lstStyle/>
+          <a:p>
+            <a:r>
+              <a:rPr lang="en-US"/>
+              <a:t>Trang 4</a:t>
+            </a:r>
+          </a:p>
+        </p:txBody>
+      </p:sp>
+      <p:sp>
+        <p:nvSpPr>
+          <p:cNvPr id="5" name="TextBox 4">
+            <a:extLst>
+              <a:ext uri="{FF2B5EF4-FFF2-40B4-BE49-F238E27FC236}">
+                <a16:creationId xmlns:a16="http://schemas.microsoft.com/office/drawing/2014/main" id="{2FD009FE-CA5C-D5A4-E99D-1E506F763D1C}"/>
+              </a:ext>
+            </a:extLst>
+          </p:cNvPr>
+          <p:cNvSpPr txBox="1"/>
+          <p:nvPr/>
+        </p:nvSpPr>
+        <p:spPr>
+          <a:xfrm>
+            <a:off x="304800" y="1228725"/>
+            <a:ext cx="5210175" cy="369332"/>
+          </a:xfrm>
+          <a:prstGeom prst="rect">
+            <a:avLst/>
+          </a:prstGeom>
+          <a:noFill/>
+        </p:spPr>
+        <p:txBody>
+          <a:bodyPr wrap="square" rtlCol="0">
+            <a:spAutoFit/>
+          </a:bodyPr>
+          <a:lstStyle/>
+          <a:p>
+            <a:r>
+              <a:rPr lang="en-US"/>
+              <a:t>YC1.1</a:t>
+            </a:r>
+          </a:p>
+        </p:txBody>
+      </p:sp>
+      <p:sp>
+        <p:nvSpPr>
+          <p:cNvPr id="9" name="TextBox 8">
+            <a:extLst>
+              <a:ext uri="{FF2B5EF4-FFF2-40B4-BE49-F238E27FC236}">
+                <a16:creationId xmlns:a16="http://schemas.microsoft.com/office/drawing/2014/main" id="{A5E499F2-A664-ED0F-A5F2-90D3F70E6A8F}"/>
+              </a:ext>
+            </a:extLst>
+          </p:cNvPr>
+          <p:cNvSpPr txBox="1"/>
+          <p:nvPr/>
+        </p:nvSpPr>
+        <p:spPr>
+          <a:xfrm>
+            <a:off x="942975" y="4229100"/>
+            <a:ext cx="7648575" cy="1754326"/>
+          </a:xfrm>
+          <a:prstGeom prst="rect">
+            <a:avLst/>
+          </a:prstGeom>
+          <a:noFill/>
+        </p:spPr>
+        <p:txBody>
+          <a:bodyPr wrap="square" rtlCol="0">
+            <a:spAutoFit/>
+          </a:bodyPr>
+          <a:lstStyle/>
+          <a:p>
+            <a:pPr marL="285750" indent="-285750">
+              <a:buFont typeface="Arial" panose="020B0604020202020204" pitchFamily="34" charset="0"/>
+              <a:buChar char="•"/>
+            </a:pPr>
+            <a:r>
+              <a:rPr lang="en-US"/>
+              <a:t>Khởi tạo bàn cờ 8x8 trống</a:t>
+            </a:r>
+          </a:p>
+          <a:p>
+            <a:pPr marL="285750" indent="-285750">
+              <a:buFont typeface="Arial" panose="020B0604020202020204" pitchFamily="34" charset="0"/>
+              <a:buChar char="•"/>
+            </a:pPr>
+            <a:r>
+              <a:rPr lang="en-US" b="1" i="1"/>
+              <a:t>solve() </a:t>
+            </a:r>
+            <a:r>
+              <a:rPr lang="en-US"/>
+              <a:t>sẽ gọi đệ quy backtracking(số cột sẽ tăng dần)</a:t>
+            </a:r>
+          </a:p>
+          <a:p>
+            <a:pPr marL="285750" indent="-285750">
+              <a:buFont typeface="Arial" panose="020B0604020202020204" pitchFamily="34" charset="0"/>
+              <a:buChar char="•"/>
+            </a:pPr>
+            <a:r>
+              <a:rPr lang="en-US" b="1" i="1"/>
+              <a:t>backtracking() </a:t>
+            </a:r>
+            <a:r>
+              <a:rPr lang="en-US"/>
+              <a:t>được đệ quy tối đa 8 lần để điền 8 quân hậu vào bàn cờ</a:t>
+            </a:r>
+          </a:p>
+          <a:p>
+            <a:pPr marL="285750" indent="-285750">
+              <a:buFont typeface="Arial" panose="020B0604020202020204" pitchFamily="34" charset="0"/>
+              <a:buChar char="•"/>
+            </a:pPr>
+            <a:r>
+              <a:rPr lang="en-US" b="1" i="1"/>
+              <a:t>isValid() </a:t>
+            </a:r>
+            <a:r>
+              <a:rPr lang="en-US"/>
+              <a:t>kiểm tra tính hợp lệ của quân hậu khi điền vào với trạng thái bàn cờ hiện tại</a:t>
+            </a:r>
+          </a:p>
+          <a:p>
+            <a:pPr marL="285750" indent="-285750">
+              <a:buFont typeface="Arial" panose="020B0604020202020204" pitchFamily="34" charset="0"/>
+              <a:buChar char="•"/>
+            </a:pPr>
+            <a:r>
+              <a:rPr lang="en-US" b="1" i="1"/>
+              <a:t>printBoard() </a:t>
+            </a:r>
+            <a:r>
+              <a:rPr lang="en-US"/>
+              <a:t>từ danh sách bàn cờ sẽ in ra cho người dung xem </a:t>
+            </a:r>
+          </a:p>
+        </p:txBody>
+      </p:sp>
+      <p:pic>
+        <p:nvPicPr>
+          <p:cNvPr id="12" name="Picture 11">
+            <a:extLst>
+              <a:ext uri="{FF2B5EF4-FFF2-40B4-BE49-F238E27FC236}">
+                <a16:creationId xmlns:a16="http://schemas.microsoft.com/office/drawing/2014/main" id="{17ED4067-F9EF-DC7E-1389-61F7BE8907E8}"/>
+              </a:ext>
+            </a:extLst>
+          </p:cNvPr>
+          <p:cNvPicPr>
+            <a:picLocks noChangeAspect="1"/>
+          </p:cNvPicPr>
+          <p:nvPr/>
+        </p:nvPicPr>
+        <p:blipFill>
+          <a:blip r:embed="rId3"/>
+          <a:stretch>
+            <a:fillRect/>
+          </a:stretch>
+        </p:blipFill>
+        <p:spPr>
+          <a:xfrm>
+            <a:off x="2602059" y="1319834"/>
+            <a:ext cx="3939881" cy="2781541"/>
+          </a:xfrm>
+          <a:prstGeom prst="rect">
+            <a:avLst/>
+          </a:prstGeom>
+        </p:spPr>
+      </p:pic>
+    </p:spTree>
+    <p:extLst>
+      <p:ext uri="{BB962C8B-B14F-4D97-AF65-F5344CB8AC3E}">
+        <p14:creationId xmlns:p14="http://schemas.microsoft.com/office/powerpoint/2010/main" val="3060752393"/>
+      </p:ext>
+    </p:extLst>
+  </p:cSld>
+  <p:clrMapOvr>
+    <a:masterClrMapping/>
+  </p:clrMapOvr>
+</p:sld>
+</file>
+
+<file path=ppt/slides/slide6.xml><?xml version="1.0" encoding="utf-8"?>
+<p:sld xmlns:a="http://schemas.openxmlformats.org/drawingml/2006/main" xmlns:r="http://schemas.openxmlformats.org/officeDocument/2006/relationships" xmlns:p="http://schemas.openxmlformats.org/presentationml/2006/main">
+  <p:cSld>
+    <p:spTree>
+      <p:nvGrpSpPr>
+        <p:cNvPr id="1" name=""/>
+        <p:cNvGrpSpPr/>
+        <p:nvPr/>
+      </p:nvGrpSpPr>
+      <p:grpSpPr>
+        <a:xfrm>
+          <a:off x="0" y="0"/>
+          <a:ext cx="0" cy="0"/>
+          <a:chOff x="0" y="0"/>
+          <a:chExt cx="0" cy="0"/>
+        </a:xfrm>
+      </p:grpSpPr>
+      <p:pic>
+        <p:nvPicPr>
+          <p:cNvPr id="1034" name="Picture 10">
+            <a:extLst>
+              <a:ext uri="{FF2B5EF4-FFF2-40B4-BE49-F238E27FC236}">
+                <a16:creationId xmlns:a16="http://schemas.microsoft.com/office/drawing/2014/main" id="{6F72484C-A752-76F3-F259-0A997B815A00}"/>
+              </a:ext>
+            </a:extLst>
+          </p:cNvPr>
+          <p:cNvPicPr>
+            <a:picLocks noChangeAspect="1" noChangeArrowheads="1"/>
+          </p:cNvPicPr>
+          <p:nvPr/>
+        </p:nvPicPr>
+        <p:blipFill>
+          <a:blip r:embed="rId2">
+            <a:extLst>
+              <a:ext uri="{28A0092B-C50C-407E-A947-70E740481C1C}">
+                <a14:useLocalDpi xmlns:a14="http://schemas.microsoft.com/office/drawing/2010/main" val="0"/>
+              </a:ext>
+            </a:extLst>
+          </a:blip>
+          <a:srcRect/>
+          <a:stretch>
+            <a:fillRect/>
+          </a:stretch>
+        </p:blipFill>
+        <p:spPr bwMode="auto">
+          <a:xfrm>
+            <a:off x="76200" y="119063"/>
+            <a:ext cx="1114424" cy="614791"/>
+          </a:xfrm>
+          <a:prstGeom prst="rect">
+            <a:avLst/>
+          </a:prstGeom>
+          <a:noFill/>
+          <a:extLst>
+            <a:ext uri="{909E8E84-426E-40DD-AFC4-6F175D3DCCD1}">
+              <a14:hiddenFill xmlns:a14="http://schemas.microsoft.com/office/drawing/2010/main">
+                <a:solidFill>
+                  <a:srgbClr val="FFFFFF"/>
+                </a:solidFill>
+              </a14:hiddenFill>
+            </a:ext>
+          </a:extLst>
+        </p:spPr>
+      </p:pic>
+      <p:cxnSp>
+        <p:nvCxnSpPr>
+          <p:cNvPr id="11" name="Straight Connector 10">
+            <a:extLst>
+              <a:ext uri="{FF2B5EF4-FFF2-40B4-BE49-F238E27FC236}">
+                <a16:creationId xmlns:a16="http://schemas.microsoft.com/office/drawing/2014/main" id="{E5C4A229-E185-5A4B-53B1-81D591292671}"/>
+              </a:ext>
+            </a:extLst>
+          </p:cNvPr>
+          <p:cNvCxnSpPr>
+            <a:cxnSpLocks/>
+          </p:cNvCxnSpPr>
+          <p:nvPr/>
+        </p:nvCxnSpPr>
+        <p:spPr>
+          <a:xfrm>
+            <a:off x="76200" y="847725"/>
+            <a:ext cx="7648575" cy="0"/>
+          </a:xfrm>
+          <a:prstGeom prst="line">
+            <a:avLst/>
+          </a:prstGeom>
+        </p:spPr>
+        <p:style>
+          <a:lnRef idx="1">
+            <a:schemeClr val="accent1"/>
+          </a:lnRef>
+          <a:fillRef idx="0">
+            <a:schemeClr val="accent1"/>
+          </a:fillRef>
+          <a:effectRef idx="0">
+            <a:schemeClr val="accent1"/>
+          </a:effectRef>
+          <a:fontRef idx="minor">
+            <a:schemeClr val="tx1"/>
+          </a:fontRef>
+        </p:style>
+      </p:cxnSp>
+      <p:sp>
+        <p:nvSpPr>
+          <p:cNvPr id="14" name="TextBox 13">
+            <a:extLst>
+              <a:ext uri="{FF2B5EF4-FFF2-40B4-BE49-F238E27FC236}">
+                <a16:creationId xmlns:a16="http://schemas.microsoft.com/office/drawing/2014/main" id="{63B4AB36-B54A-EA5C-2A74-F2C80BE0CBC4}"/>
+              </a:ext>
+            </a:extLst>
+          </p:cNvPr>
+          <p:cNvSpPr txBox="1"/>
+          <p:nvPr/>
+        </p:nvSpPr>
+        <p:spPr>
+          <a:xfrm>
+            <a:off x="1390650" y="236792"/>
+            <a:ext cx="6362700" cy="369332"/>
+          </a:xfrm>
+          <a:prstGeom prst="rect">
+            <a:avLst/>
+          </a:prstGeom>
+          <a:noFill/>
+        </p:spPr>
+        <p:txBody>
+          <a:bodyPr wrap="square" rtlCol="0">
+            <a:spAutoFit/>
+          </a:bodyPr>
+          <a:lstStyle/>
+          <a:p>
+            <a:r>
+              <a:rPr lang="fr-FR" b="1"/>
+              <a:t>Câu 1 (2.0 điểm): Constraint Satisfaction</a:t>
+            </a:r>
+            <a:endParaRPr lang="en-US" b="1"/>
+          </a:p>
+        </p:txBody>
+      </p:sp>
+      <p:cxnSp>
+        <p:nvCxnSpPr>
+          <p:cNvPr id="2" name="Straight Connector 1">
+            <a:extLst>
+              <a:ext uri="{FF2B5EF4-FFF2-40B4-BE49-F238E27FC236}">
+                <a16:creationId xmlns:a16="http://schemas.microsoft.com/office/drawing/2014/main" id="{AF3ADEA5-03F2-7E56-B6E6-8B6970A896CF}"/>
+              </a:ext>
+            </a:extLst>
+          </p:cNvPr>
+          <p:cNvCxnSpPr>
+            <a:cxnSpLocks/>
+          </p:cNvCxnSpPr>
+          <p:nvPr/>
+        </p:nvCxnSpPr>
+        <p:spPr>
+          <a:xfrm>
+            <a:off x="4752975" y="6238875"/>
+            <a:ext cx="4286250" cy="0"/>
+          </a:xfrm>
+          <a:prstGeom prst="line">
+            <a:avLst/>
+          </a:prstGeom>
+        </p:spPr>
+        <p:style>
+          <a:lnRef idx="1">
+            <a:schemeClr val="accent1"/>
+          </a:lnRef>
+          <a:fillRef idx="0">
+            <a:schemeClr val="accent1"/>
+          </a:fillRef>
+          <a:effectRef idx="0">
+            <a:schemeClr val="accent1"/>
+          </a:effectRef>
+          <a:fontRef idx="minor">
+            <a:schemeClr val="tx1"/>
+          </a:fontRef>
+        </p:style>
+      </p:cxnSp>
+      <p:sp>
+        <p:nvSpPr>
+          <p:cNvPr id="4" name="TextBox 3">
+            <a:extLst>
+              <a:ext uri="{FF2B5EF4-FFF2-40B4-BE49-F238E27FC236}">
+                <a16:creationId xmlns:a16="http://schemas.microsoft.com/office/drawing/2014/main" id="{11342279-3B1B-9555-FD5C-CA3839B3D029}"/>
+              </a:ext>
+            </a:extLst>
+          </p:cNvPr>
+          <p:cNvSpPr txBox="1"/>
+          <p:nvPr/>
+        </p:nvSpPr>
+        <p:spPr>
+          <a:xfrm>
+            <a:off x="7753350" y="6336334"/>
+            <a:ext cx="1285874" cy="369332"/>
+          </a:xfrm>
+          <a:prstGeom prst="rect">
+            <a:avLst/>
+          </a:prstGeom>
+          <a:noFill/>
+        </p:spPr>
+        <p:txBody>
+          <a:bodyPr wrap="square" rtlCol="0">
+            <a:spAutoFit/>
+          </a:bodyPr>
+          <a:lstStyle/>
+          <a:p>
+            <a:r>
+              <a:rPr lang="en-US"/>
+              <a:t>Trang 4</a:t>
+            </a:r>
+          </a:p>
+        </p:txBody>
+      </p:sp>
+      <p:sp>
+        <p:nvSpPr>
+          <p:cNvPr id="5" name="TextBox 4">
+            <a:extLst>
+              <a:ext uri="{FF2B5EF4-FFF2-40B4-BE49-F238E27FC236}">
+                <a16:creationId xmlns:a16="http://schemas.microsoft.com/office/drawing/2014/main" id="{2FD009FE-CA5C-D5A4-E99D-1E506F763D1C}"/>
+              </a:ext>
+            </a:extLst>
+          </p:cNvPr>
+          <p:cNvSpPr txBox="1"/>
+          <p:nvPr/>
+        </p:nvSpPr>
+        <p:spPr>
+          <a:xfrm>
+            <a:off x="304800" y="1228725"/>
+            <a:ext cx="5210175" cy="369332"/>
+          </a:xfrm>
+          <a:prstGeom prst="rect">
+            <a:avLst/>
+          </a:prstGeom>
+          <a:noFill/>
+        </p:spPr>
+        <p:txBody>
+          <a:bodyPr wrap="square" rtlCol="0">
+            <a:spAutoFit/>
+          </a:bodyPr>
+          <a:lstStyle/>
+          <a:p>
+            <a:r>
+              <a:rPr lang="en-US"/>
+              <a:t>YC1.2</a:t>
+            </a:r>
+          </a:p>
+        </p:txBody>
+      </p:sp>
+      <p:sp>
+        <p:nvSpPr>
+          <p:cNvPr id="9" name="TextBox 8">
+            <a:extLst>
+              <a:ext uri="{FF2B5EF4-FFF2-40B4-BE49-F238E27FC236}">
+                <a16:creationId xmlns:a16="http://schemas.microsoft.com/office/drawing/2014/main" id="{A5E499F2-A664-ED0F-A5F2-90D3F70E6A8F}"/>
+              </a:ext>
+            </a:extLst>
+          </p:cNvPr>
+          <p:cNvSpPr txBox="1"/>
+          <p:nvPr/>
+        </p:nvSpPr>
+        <p:spPr>
+          <a:xfrm>
+            <a:off x="942975" y="4229100"/>
+            <a:ext cx="7648575" cy="1754326"/>
+          </a:xfrm>
+          <a:prstGeom prst="rect">
+            <a:avLst/>
+          </a:prstGeom>
+          <a:noFill/>
+        </p:spPr>
+        <p:txBody>
+          <a:bodyPr wrap="square" rtlCol="0">
+            <a:spAutoFit/>
+          </a:bodyPr>
+          <a:lstStyle/>
+          <a:p>
+            <a:pPr marL="285750" indent="-285750">
+              <a:buFont typeface="Arial" panose="020B0604020202020204" pitchFamily="34" charset="0"/>
+              <a:buChar char="•"/>
+            </a:pPr>
+            <a:r>
+              <a:rPr lang="en-US"/>
+              <a:t>Khởi tạo bàn cờ với NxN ô trống</a:t>
+            </a:r>
+          </a:p>
+          <a:p>
+            <a:pPr marL="285750" indent="-285750">
+              <a:buFont typeface="Arial" panose="020B0604020202020204" pitchFamily="34" charset="0"/>
+              <a:buChar char="•"/>
+            </a:pPr>
+            <a:r>
+              <a:rPr lang="en-US" b="1" i="1"/>
+              <a:t>solve() </a:t>
+            </a:r>
+            <a:r>
+              <a:rPr lang="en-US"/>
+              <a:t>sẽ gọi đệ quy backtracking(số cột sẽ tăng dần)</a:t>
+            </a:r>
+          </a:p>
+          <a:p>
+            <a:pPr marL="285750" indent="-285750">
+              <a:buFont typeface="Arial" panose="020B0604020202020204" pitchFamily="34" charset="0"/>
+              <a:buChar char="•"/>
+            </a:pPr>
+            <a:r>
+              <a:rPr lang="en-US" b="1" i="1"/>
+              <a:t>backtracking() </a:t>
+            </a:r>
+            <a:r>
+              <a:rPr lang="en-US"/>
+              <a:t>được đệ quy tối đa 8 lần để điền 8 quân hậu vào bàn cờ</a:t>
+            </a:r>
+          </a:p>
+          <a:p>
+            <a:pPr marL="285750" indent="-285750">
+              <a:buFont typeface="Arial" panose="020B0604020202020204" pitchFamily="34" charset="0"/>
+              <a:buChar char="•"/>
+            </a:pPr>
+            <a:r>
+              <a:rPr lang="en-US" b="1" i="1"/>
+              <a:t>isValid() </a:t>
+            </a:r>
+            <a:r>
+              <a:rPr lang="en-US"/>
+              <a:t>kiểm tra tính hợp lệ của quân hậu khi điền vào với trạng thái bàn cờ hiện tại</a:t>
+            </a:r>
+          </a:p>
+          <a:p>
+            <a:pPr marL="285750" indent="-285750">
+              <a:buFont typeface="Arial" panose="020B0604020202020204" pitchFamily="34" charset="0"/>
+              <a:buChar char="•"/>
+            </a:pPr>
+            <a:r>
+              <a:rPr lang="en-US" b="1" i="1"/>
+              <a:t>printBoard() </a:t>
+            </a:r>
+            <a:r>
+              <a:rPr lang="en-US"/>
+              <a:t>từ danh sách bàn cờ sẽ in ra cho người dung xem </a:t>
+            </a:r>
+          </a:p>
+        </p:txBody>
+      </p:sp>
+      <p:pic>
+        <p:nvPicPr>
+          <p:cNvPr id="6" name="Picture 5">
+            <a:extLst>
+              <a:ext uri="{FF2B5EF4-FFF2-40B4-BE49-F238E27FC236}">
+                <a16:creationId xmlns:a16="http://schemas.microsoft.com/office/drawing/2014/main" id="{8AB3465A-8B43-46A1-2F2F-08B9C1204176}"/>
+              </a:ext>
+            </a:extLst>
+          </p:cNvPr>
+          <p:cNvPicPr>
+            <a:picLocks noChangeAspect="1"/>
+          </p:cNvPicPr>
+          <p:nvPr/>
+        </p:nvPicPr>
+        <p:blipFill>
+          <a:blip r:embed="rId3"/>
+          <a:stretch>
+            <a:fillRect/>
+          </a:stretch>
+        </p:blipFill>
+        <p:spPr>
+          <a:xfrm>
+            <a:off x="2670645" y="1228725"/>
+            <a:ext cx="3802710" cy="2926334"/>
+          </a:xfrm>
+          <a:prstGeom prst="rect">
+            <a:avLst/>
+          </a:prstGeom>
+        </p:spPr>
+      </p:pic>
+    </p:spTree>
+    <p:extLst>
+      <p:ext uri="{BB962C8B-B14F-4D97-AF65-F5344CB8AC3E}">
+        <p14:creationId xmlns:p14="http://schemas.microsoft.com/office/powerpoint/2010/main" val="702601999"/>
+      </p:ext>
+    </p:extLst>
+  </p:cSld>
+  <p:clrMapOvr>
+    <a:masterClrMapping/>
+  </p:clrMapOvr>
+</p:sld>
+</file>
+
+<file path=ppt/slides/slide7.xml><?xml version="1.0" encoding="utf-8"?>
 <p:sld xmlns:a="http://schemas.openxmlformats.org/drawingml/2006/main" xmlns:r="http://schemas.openxmlformats.org/officeDocument/2006/relationships" xmlns:p="http://schemas.openxmlformats.org/presentationml/2006/main">
   <p:cSld>
     <p:spTree>

--- a/present/final/presentation.pptx
+++ b/present/final/presentation.pptx
@@ -5,7 +5,7 @@
     <p:sldMasterId id="2147483660" r:id="rId1"/>
   </p:sldMasterIdLst>
   <p:notesMasterIdLst>
-    <p:notesMasterId r:id="rId9"/>
+    <p:notesMasterId r:id="rId25"/>
   </p:notesMasterIdLst>
   <p:sldIdLst>
     <p:sldId id="257" r:id="rId2"/>
@@ -14,7 +14,23 @@
     <p:sldId id="273" r:id="rId5"/>
     <p:sldId id="274" r:id="rId6"/>
     <p:sldId id="275" r:id="rId7"/>
-    <p:sldId id="272" r:id="rId8"/>
+    <p:sldId id="276" r:id="rId8"/>
+    <p:sldId id="277" r:id="rId9"/>
+    <p:sldId id="278" r:id="rId10"/>
+    <p:sldId id="279" r:id="rId11"/>
+    <p:sldId id="280" r:id="rId12"/>
+    <p:sldId id="281" r:id="rId13"/>
+    <p:sldId id="282" r:id="rId14"/>
+    <p:sldId id="283" r:id="rId15"/>
+    <p:sldId id="284" r:id="rId16"/>
+    <p:sldId id="285" r:id="rId17"/>
+    <p:sldId id="286" r:id="rId18"/>
+    <p:sldId id="287" r:id="rId19"/>
+    <p:sldId id="288" r:id="rId20"/>
+    <p:sldId id="289" r:id="rId21"/>
+    <p:sldId id="290" r:id="rId22"/>
+    <p:sldId id="291" r:id="rId23"/>
+    <p:sldId id="272" r:id="rId24"/>
   </p:sldIdLst>
   <p:sldSz cx="9144000" cy="6858000" type="screen4x3"/>
   <p:notesSz cx="7315200" cy="9601200"/>
@@ -124,7 +140,7 @@
 <file path=ppt/revisionInfo.xml><?xml version="1.0" encoding="utf-8"?>
 <p1510:revInfo xmlns:a="http://schemas.openxmlformats.org/drawingml/2006/main" xmlns:r="http://schemas.openxmlformats.org/officeDocument/2006/relationships" xmlns:p1510="http://schemas.microsoft.com/office/powerpoint/2015/10/main">
   <p1510:revLst>
-    <p1510:client id="{74A72D27-0F29-4AD9-985B-1D7512F86603}" v="2" dt="2023-04-07T04:50:55.849"/>
+    <p1510:client id="{74A72D27-0F29-4AD9-985B-1D7512F86603}" v="13" dt="2023-04-07T07:09:04.289"/>
   </p1510:revLst>
 </p1510:revInfo>
 </file>
@@ -2178,8 +2194,8 @@
   </pc:docChgLst>
   <pc:docChgLst>
     <pc:chgData name="Trung Nghia Nguyen" userId="caf0b1f78d203fdc" providerId="LiveId" clId="{74A72D27-0F29-4AD9-985B-1D7512F86603}"/>
-    <pc:docChg chg="undo custSel addSld delSld modSld">
-      <pc:chgData name="Trung Nghia Nguyen" userId="caf0b1f78d203fdc" providerId="LiveId" clId="{74A72D27-0F29-4AD9-985B-1D7512F86603}" dt="2023-04-07T05:20:11.736" v="885" actId="26606"/>
+    <pc:docChg chg="undo redo custSel addSld delSld modSld sldOrd">
+      <pc:chgData name="Trung Nghia Nguyen" userId="caf0b1f78d203fdc" providerId="LiveId" clId="{74A72D27-0F29-4AD9-985B-1D7512F86603}" dt="2023-04-07T07:09:04.289" v="1679"/>
       <pc:docMkLst>
         <pc:docMk/>
       </pc:docMkLst>
@@ -2482,6 +2498,29 @@
           <pc:sldMk cId="2797651471" sldId="276"/>
         </pc:sldMkLst>
       </pc:sldChg>
+      <pc:sldChg chg="addSp delSp modSp add mod">
+        <pc:chgData name="Trung Nghia Nguyen" userId="caf0b1f78d203fdc" providerId="LiveId" clId="{74A72D27-0F29-4AD9-985B-1D7512F86603}" dt="2023-04-07T06:50:02.943" v="1169" actId="20577"/>
+        <pc:sldMkLst>
+          <pc:docMk/>
+          <pc:sldMk cId="3245475923" sldId="276"/>
+        </pc:sldMkLst>
+        <pc:spChg chg="mod">
+          <ac:chgData name="Trung Nghia Nguyen" userId="caf0b1f78d203fdc" providerId="LiveId" clId="{74A72D27-0F29-4AD9-985B-1D7512F86603}" dt="2023-04-07T06:10:37.616" v="887"/>
+          <ac:spMkLst>
+            <pc:docMk/>
+            <pc:sldMk cId="3245475923" sldId="276"/>
+            <ac:spMk id="14" creationId="{63B4AB36-B54A-EA5C-2A74-F2C80BE0CBC4}"/>
+          </ac:spMkLst>
+        </pc:spChg>
+        <pc:graphicFrameChg chg="add del modGraphic">
+          <ac:chgData name="Trung Nghia Nguyen" userId="caf0b1f78d203fdc" providerId="LiveId" clId="{74A72D27-0F29-4AD9-985B-1D7512F86603}" dt="2023-04-07T06:50:02.943" v="1169" actId="20577"/>
+          <ac:graphicFrameMkLst>
+            <pc:docMk/>
+            <pc:sldMk cId="3245475923" sldId="276"/>
+            <ac:graphicFrameMk id="3" creationId="{5E8325E1-BDCF-5783-E97F-C770E7E58F6D}"/>
+          </ac:graphicFrameMkLst>
+        </pc:graphicFrameChg>
+      </pc:sldChg>
       <pc:sldChg chg="del">
         <pc:chgData name="Trung Nghia Nguyen" userId="caf0b1f78d203fdc" providerId="LiveId" clId="{74A72D27-0F29-4AD9-985B-1D7512F86603}" dt="2023-04-03T02:08:36.967" v="1" actId="2696"/>
         <pc:sldMkLst>
@@ -2489,12 +2528,137 @@
           <pc:sldMk cId="1442048206" sldId="277"/>
         </pc:sldMkLst>
       </pc:sldChg>
+      <pc:sldChg chg="addSp delSp modSp add mod ord">
+        <pc:chgData name="Trung Nghia Nguyen" userId="caf0b1f78d203fdc" providerId="LiveId" clId="{74A72D27-0F29-4AD9-985B-1D7512F86603}" dt="2023-04-07T06:44:00.399" v="947" actId="123"/>
+        <pc:sldMkLst>
+          <pc:docMk/>
+          <pc:sldMk cId="2606626882" sldId="277"/>
+        </pc:sldMkLst>
+        <pc:spChg chg="add mod">
+          <ac:chgData name="Trung Nghia Nguyen" userId="caf0b1f78d203fdc" providerId="LiveId" clId="{74A72D27-0F29-4AD9-985B-1D7512F86603}" dt="2023-04-07T06:44:00.399" v="947" actId="123"/>
+          <ac:spMkLst>
+            <pc:docMk/>
+            <pc:sldMk cId="2606626882" sldId="277"/>
+            <ac:spMk id="3" creationId="{99E5E634-12BA-9584-7604-34E90EF91282}"/>
+          </ac:spMkLst>
+        </pc:spChg>
+        <pc:spChg chg="mod">
+          <ac:chgData name="Trung Nghia Nguyen" userId="caf0b1f78d203fdc" providerId="LiveId" clId="{74A72D27-0F29-4AD9-985B-1D7512F86603}" dt="2023-04-07T06:12:23.738" v="904" actId="20577"/>
+          <ac:spMkLst>
+            <pc:docMk/>
+            <pc:sldMk cId="2606626882" sldId="277"/>
+            <ac:spMk id="5" creationId="{2FD009FE-CA5C-D5A4-E99D-1E506F763D1C}"/>
+          </ac:spMkLst>
+        </pc:spChg>
+        <pc:spChg chg="del">
+          <ac:chgData name="Trung Nghia Nguyen" userId="caf0b1f78d203fdc" providerId="LiveId" clId="{74A72D27-0F29-4AD9-985B-1D7512F86603}" dt="2023-04-07T06:41:08.866" v="908" actId="478"/>
+          <ac:spMkLst>
+            <pc:docMk/>
+            <pc:sldMk cId="2606626882" sldId="277"/>
+            <ac:spMk id="9" creationId="{A5E499F2-A664-ED0F-A5F2-90D3F70E6A8F}"/>
+          </ac:spMkLst>
+        </pc:spChg>
+        <pc:spChg chg="mod">
+          <ac:chgData name="Trung Nghia Nguyen" userId="caf0b1f78d203fdc" providerId="LiveId" clId="{74A72D27-0F29-4AD9-985B-1D7512F86603}" dt="2023-04-07T06:12:12.345" v="900"/>
+          <ac:spMkLst>
+            <pc:docMk/>
+            <pc:sldMk cId="2606626882" sldId="277"/>
+            <ac:spMk id="14" creationId="{63B4AB36-B54A-EA5C-2A74-F2C80BE0CBC4}"/>
+          </ac:spMkLst>
+        </pc:spChg>
+        <pc:picChg chg="del">
+          <ac:chgData name="Trung Nghia Nguyen" userId="caf0b1f78d203fdc" providerId="LiveId" clId="{74A72D27-0F29-4AD9-985B-1D7512F86603}" dt="2023-04-07T06:40:59.925" v="905" actId="478"/>
+          <ac:picMkLst>
+            <pc:docMk/>
+            <pc:sldMk cId="2606626882" sldId="277"/>
+            <ac:picMk id="6" creationId="{8AB3465A-8B43-46A1-2F2F-08B9C1204176}"/>
+          </ac:picMkLst>
+        </pc:picChg>
+      </pc:sldChg>
+      <pc:sldChg chg="addSp delSp modSp add mod">
+        <pc:chgData name="Trung Nghia Nguyen" userId="caf0b1f78d203fdc" providerId="LiveId" clId="{74A72D27-0F29-4AD9-985B-1D7512F86603}" dt="2023-04-07T06:45:21.197" v="991" actId="1076"/>
+        <pc:sldMkLst>
+          <pc:docMk/>
+          <pc:sldMk cId="245947029" sldId="278"/>
+        </pc:sldMkLst>
+        <pc:spChg chg="del">
+          <ac:chgData name="Trung Nghia Nguyen" userId="caf0b1f78d203fdc" providerId="LiveId" clId="{74A72D27-0F29-4AD9-985B-1D7512F86603}" dt="2023-04-07T06:44:58.486" v="951" actId="478"/>
+          <ac:spMkLst>
+            <pc:docMk/>
+            <pc:sldMk cId="245947029" sldId="278"/>
+            <ac:spMk id="3" creationId="{99E5E634-12BA-9584-7604-34E90EF91282}"/>
+          </ac:spMkLst>
+        </pc:spChg>
+        <pc:spChg chg="mod">
+          <ac:chgData name="Trung Nghia Nguyen" userId="caf0b1f78d203fdc" providerId="LiveId" clId="{74A72D27-0F29-4AD9-985B-1D7512F86603}" dt="2023-04-07T06:44:55.679" v="950" actId="20577"/>
+          <ac:spMkLst>
+            <pc:docMk/>
+            <pc:sldMk cId="245947029" sldId="278"/>
+            <ac:spMk id="5" creationId="{2FD009FE-CA5C-D5A4-E99D-1E506F763D1C}"/>
+          </ac:spMkLst>
+        </pc:spChg>
+        <pc:spChg chg="add mod">
+          <ac:chgData name="Trung Nghia Nguyen" userId="caf0b1f78d203fdc" providerId="LiveId" clId="{74A72D27-0F29-4AD9-985B-1D7512F86603}" dt="2023-04-07T06:45:21.197" v="991" actId="1076"/>
+          <ac:spMkLst>
+            <pc:docMk/>
+            <pc:sldMk cId="245947029" sldId="278"/>
+            <ac:spMk id="8" creationId="{FE5D4E40-17C8-086B-12F6-4368FAD8DA16}"/>
+          </ac:spMkLst>
+        </pc:spChg>
+        <pc:picChg chg="add mod">
+          <ac:chgData name="Trung Nghia Nguyen" userId="caf0b1f78d203fdc" providerId="LiveId" clId="{74A72D27-0F29-4AD9-985B-1D7512F86603}" dt="2023-04-07T06:45:05.812" v="955" actId="1076"/>
+          <ac:picMkLst>
+            <pc:docMk/>
+            <pc:sldMk cId="245947029" sldId="278"/>
+            <ac:picMk id="7" creationId="{0FDF7036-65F5-81CA-0C41-46981E048379}"/>
+          </ac:picMkLst>
+        </pc:picChg>
+      </pc:sldChg>
       <pc:sldChg chg="del">
         <pc:chgData name="Trung Nghia Nguyen" userId="caf0b1f78d203fdc" providerId="LiveId" clId="{74A72D27-0F29-4AD9-985B-1D7512F86603}" dt="2023-04-03T02:08:58.163" v="7" actId="2696"/>
         <pc:sldMkLst>
           <pc:docMk/>
           <pc:sldMk cId="599745211" sldId="278"/>
         </pc:sldMkLst>
+      </pc:sldChg>
+      <pc:sldChg chg="addSp delSp modSp add mod">
+        <pc:chgData name="Trung Nghia Nguyen" userId="caf0b1f78d203fdc" providerId="LiveId" clId="{74A72D27-0F29-4AD9-985B-1D7512F86603}" dt="2023-04-07T06:46:52.033" v="1008" actId="1076"/>
+        <pc:sldMkLst>
+          <pc:docMk/>
+          <pc:sldMk cId="1235902622" sldId="279"/>
+        </pc:sldMkLst>
+        <pc:spChg chg="mod">
+          <ac:chgData name="Trung Nghia Nguyen" userId="caf0b1f78d203fdc" providerId="LiveId" clId="{74A72D27-0F29-4AD9-985B-1D7512F86603}" dt="2023-04-07T06:46:34.834" v="994" actId="20577"/>
+          <ac:spMkLst>
+            <pc:docMk/>
+            <pc:sldMk cId="1235902622" sldId="279"/>
+            <ac:spMk id="5" creationId="{2FD009FE-CA5C-D5A4-E99D-1E506F763D1C}"/>
+          </ac:spMkLst>
+        </pc:spChg>
+        <pc:spChg chg="mod">
+          <ac:chgData name="Trung Nghia Nguyen" userId="caf0b1f78d203fdc" providerId="LiveId" clId="{74A72D27-0F29-4AD9-985B-1D7512F86603}" dt="2023-04-07T06:46:45.708" v="1004" actId="1076"/>
+          <ac:spMkLst>
+            <pc:docMk/>
+            <pc:sldMk cId="1235902622" sldId="279"/>
+            <ac:spMk id="8" creationId="{FE5D4E40-17C8-086B-12F6-4368FAD8DA16}"/>
+          </ac:spMkLst>
+        </pc:spChg>
+        <pc:picChg chg="add mod">
+          <ac:chgData name="Trung Nghia Nguyen" userId="caf0b1f78d203fdc" providerId="LiveId" clId="{74A72D27-0F29-4AD9-985B-1D7512F86603}" dt="2023-04-07T06:46:52.033" v="1008" actId="1076"/>
+          <ac:picMkLst>
+            <pc:docMk/>
+            <pc:sldMk cId="1235902622" sldId="279"/>
+            <ac:picMk id="6" creationId="{F896E633-BB9F-818B-C978-E0845A96D19D}"/>
+          </ac:picMkLst>
+        </pc:picChg>
+        <pc:picChg chg="del">
+          <ac:chgData name="Trung Nghia Nguyen" userId="caf0b1f78d203fdc" providerId="LiveId" clId="{74A72D27-0F29-4AD9-985B-1D7512F86603}" dt="2023-04-07T06:46:46.719" v="1005" actId="478"/>
+          <ac:picMkLst>
+            <pc:docMk/>
+            <pc:sldMk cId="1235902622" sldId="279"/>
+            <ac:picMk id="7" creationId="{0FDF7036-65F5-81CA-0C41-46981E048379}"/>
+          </ac:picMkLst>
+        </pc:picChg>
       </pc:sldChg>
       <pc:sldChg chg="del">
         <pc:chgData name="Trung Nghia Nguyen" userId="caf0b1f78d203fdc" providerId="LiveId" clId="{74A72D27-0F29-4AD9-985B-1D7512F86603}" dt="2023-04-03T02:08:58.163" v="7" actId="2696"/>
@@ -2510,12 +2674,121 @@
           <pc:sldMk cId="1570060703" sldId="280"/>
         </pc:sldMkLst>
       </pc:sldChg>
+      <pc:sldChg chg="modSp add mod ord">
+        <pc:chgData name="Trung Nghia Nguyen" userId="caf0b1f78d203fdc" providerId="LiveId" clId="{74A72D27-0F29-4AD9-985B-1D7512F86603}" dt="2023-04-07T06:49:48.925" v="1097" actId="20577"/>
+        <pc:sldMkLst>
+          <pc:docMk/>
+          <pc:sldMk cId="3682275108" sldId="280"/>
+        </pc:sldMkLst>
+        <pc:spChg chg="mod">
+          <ac:chgData name="Trung Nghia Nguyen" userId="caf0b1f78d203fdc" providerId="LiveId" clId="{74A72D27-0F29-4AD9-985B-1D7512F86603}" dt="2023-04-07T06:49:13.175" v="1012"/>
+          <ac:spMkLst>
+            <pc:docMk/>
+            <pc:sldMk cId="3682275108" sldId="280"/>
+            <ac:spMk id="14" creationId="{63B4AB36-B54A-EA5C-2A74-F2C80BE0CBC4}"/>
+          </ac:spMkLst>
+        </pc:spChg>
+        <pc:graphicFrameChg chg="modGraphic">
+          <ac:chgData name="Trung Nghia Nguyen" userId="caf0b1f78d203fdc" providerId="LiveId" clId="{74A72D27-0F29-4AD9-985B-1D7512F86603}" dt="2023-04-07T06:49:48.925" v="1097" actId="20577"/>
+          <ac:graphicFrameMkLst>
+            <pc:docMk/>
+            <pc:sldMk cId="3682275108" sldId="280"/>
+            <ac:graphicFrameMk id="3" creationId="{5E8325E1-BDCF-5783-E97F-C770E7E58F6D}"/>
+          </ac:graphicFrameMkLst>
+        </pc:graphicFrameChg>
+      </pc:sldChg>
+      <pc:sldChg chg="addSp delSp modSp add mod ord">
+        <pc:chgData name="Trung Nghia Nguyen" userId="caf0b1f78d203fdc" providerId="LiveId" clId="{74A72D27-0F29-4AD9-985B-1D7512F86603}" dt="2023-04-07T06:53:37.682" v="1279" actId="1076"/>
+        <pc:sldMkLst>
+          <pc:docMk/>
+          <pc:sldMk cId="2450269525" sldId="281"/>
+        </pc:sldMkLst>
+        <pc:spChg chg="mod">
+          <ac:chgData name="Trung Nghia Nguyen" userId="caf0b1f78d203fdc" providerId="LiveId" clId="{74A72D27-0F29-4AD9-985B-1D7512F86603}" dt="2023-04-07T06:50:36.348" v="1177" actId="20577"/>
+          <ac:spMkLst>
+            <pc:docMk/>
+            <pc:sldMk cId="2450269525" sldId="281"/>
+            <ac:spMk id="5" creationId="{2FD009FE-CA5C-D5A4-E99D-1E506F763D1C}"/>
+          </ac:spMkLst>
+        </pc:spChg>
+        <pc:spChg chg="mod">
+          <ac:chgData name="Trung Nghia Nguyen" userId="caf0b1f78d203fdc" providerId="LiveId" clId="{74A72D27-0F29-4AD9-985B-1D7512F86603}" dt="2023-04-07T06:53:37.682" v="1279" actId="1076"/>
+          <ac:spMkLst>
+            <pc:docMk/>
+            <pc:sldMk cId="2450269525" sldId="281"/>
+            <ac:spMk id="8" creationId="{FE5D4E40-17C8-086B-12F6-4368FAD8DA16}"/>
+          </ac:spMkLst>
+        </pc:spChg>
+        <pc:spChg chg="mod">
+          <ac:chgData name="Trung Nghia Nguyen" userId="caf0b1f78d203fdc" providerId="LiveId" clId="{74A72D27-0F29-4AD9-985B-1D7512F86603}" dt="2023-04-07T06:50:28.974" v="1173"/>
+          <ac:spMkLst>
+            <pc:docMk/>
+            <pc:sldMk cId="2450269525" sldId="281"/>
+            <ac:spMk id="14" creationId="{63B4AB36-B54A-EA5C-2A74-F2C80BE0CBC4}"/>
+          </ac:spMkLst>
+        </pc:spChg>
+        <pc:picChg chg="del">
+          <ac:chgData name="Trung Nghia Nguyen" userId="caf0b1f78d203fdc" providerId="LiveId" clId="{74A72D27-0F29-4AD9-985B-1D7512F86603}" dt="2023-04-07T06:50:38.784" v="1178" actId="478"/>
+          <ac:picMkLst>
+            <pc:docMk/>
+            <pc:sldMk cId="2450269525" sldId="281"/>
+            <ac:picMk id="6" creationId="{F896E633-BB9F-818B-C978-E0845A96D19D}"/>
+          </ac:picMkLst>
+        </pc:picChg>
+        <pc:picChg chg="add mod">
+          <ac:chgData name="Trung Nghia Nguyen" userId="caf0b1f78d203fdc" providerId="LiveId" clId="{74A72D27-0F29-4AD9-985B-1D7512F86603}" dt="2023-04-07T06:52:55.375" v="1180" actId="1076"/>
+          <ac:picMkLst>
+            <pc:docMk/>
+            <pc:sldMk cId="2450269525" sldId="281"/>
+            <ac:picMk id="7" creationId="{1231DF50-44F7-D512-7848-C09E648633A4}"/>
+          </ac:picMkLst>
+        </pc:picChg>
+      </pc:sldChg>
       <pc:sldChg chg="del">
         <pc:chgData name="Trung Nghia Nguyen" userId="caf0b1f78d203fdc" providerId="LiveId" clId="{74A72D27-0F29-4AD9-985B-1D7512F86603}" dt="2023-04-03T02:08:58.163" v="7" actId="2696"/>
         <pc:sldMkLst>
           <pc:docMk/>
           <pc:sldMk cId="3262030844" sldId="281"/>
         </pc:sldMkLst>
+      </pc:sldChg>
+      <pc:sldChg chg="addSp delSp modSp add mod">
+        <pc:chgData name="Trung Nghia Nguyen" userId="caf0b1f78d203fdc" providerId="LiveId" clId="{74A72D27-0F29-4AD9-985B-1D7512F86603}" dt="2023-04-07T06:54:54.962" v="1292" actId="1076"/>
+        <pc:sldMkLst>
+          <pc:docMk/>
+          <pc:sldMk cId="3480722215" sldId="282"/>
+        </pc:sldMkLst>
+        <pc:spChg chg="mod">
+          <ac:chgData name="Trung Nghia Nguyen" userId="caf0b1f78d203fdc" providerId="LiveId" clId="{74A72D27-0F29-4AD9-985B-1D7512F86603}" dt="2023-04-07T06:54:42.092" v="1282" actId="20577"/>
+          <ac:spMkLst>
+            <pc:docMk/>
+            <pc:sldMk cId="3480722215" sldId="282"/>
+            <ac:spMk id="5" creationId="{2FD009FE-CA5C-D5A4-E99D-1E506F763D1C}"/>
+          </ac:spMkLst>
+        </pc:spChg>
+        <pc:spChg chg="mod">
+          <ac:chgData name="Trung Nghia Nguyen" userId="caf0b1f78d203fdc" providerId="LiveId" clId="{74A72D27-0F29-4AD9-985B-1D7512F86603}" dt="2023-04-07T06:54:51.952" v="1291" actId="1076"/>
+          <ac:spMkLst>
+            <pc:docMk/>
+            <pc:sldMk cId="3480722215" sldId="282"/>
+            <ac:spMk id="8" creationId="{FE5D4E40-17C8-086B-12F6-4368FAD8DA16}"/>
+          </ac:spMkLst>
+        </pc:spChg>
+        <pc:picChg chg="add mod">
+          <ac:chgData name="Trung Nghia Nguyen" userId="caf0b1f78d203fdc" providerId="LiveId" clId="{74A72D27-0F29-4AD9-985B-1D7512F86603}" dt="2023-04-07T06:54:54.962" v="1292" actId="1076"/>
+          <ac:picMkLst>
+            <pc:docMk/>
+            <pc:sldMk cId="3480722215" sldId="282"/>
+            <ac:picMk id="6" creationId="{961AAD6C-CC86-5091-ECFE-6957EBB93760}"/>
+          </ac:picMkLst>
+        </pc:picChg>
+        <pc:picChg chg="del">
+          <ac:chgData name="Trung Nghia Nguyen" userId="caf0b1f78d203fdc" providerId="LiveId" clId="{74A72D27-0F29-4AD9-985B-1D7512F86603}" dt="2023-04-07T06:54:43.704" v="1283" actId="478"/>
+          <ac:picMkLst>
+            <pc:docMk/>
+            <pc:sldMk cId="3480722215" sldId="282"/>
+            <ac:picMk id="7" creationId="{1231DF50-44F7-D512-7848-C09E648633A4}"/>
+          </ac:picMkLst>
+        </pc:picChg>
       </pc:sldChg>
       <pc:sldChg chg="del">
         <pc:chgData name="Trung Nghia Nguyen" userId="caf0b1f78d203fdc" providerId="LiveId" clId="{74A72D27-0F29-4AD9-985B-1D7512F86603}" dt="2023-04-03T02:08:58.163" v="7" actId="2696"/>
@@ -2531,11 +2804,338 @@
           <pc:sldMk cId="3273506458" sldId="283"/>
         </pc:sldMkLst>
       </pc:sldChg>
+      <pc:sldChg chg="modSp add mod ord">
+        <pc:chgData name="Trung Nghia Nguyen" userId="caf0b1f78d203fdc" providerId="LiveId" clId="{74A72D27-0F29-4AD9-985B-1D7512F86603}" dt="2023-04-07T06:56:13.537" v="1303" actId="20577"/>
+        <pc:sldMkLst>
+          <pc:docMk/>
+          <pc:sldMk cId="4081103811" sldId="283"/>
+        </pc:sldMkLst>
+        <pc:spChg chg="mod">
+          <ac:chgData name="Trung Nghia Nguyen" userId="caf0b1f78d203fdc" providerId="LiveId" clId="{74A72D27-0F29-4AD9-985B-1D7512F86603}" dt="2023-04-07T06:55:58.085" v="1296"/>
+          <ac:spMkLst>
+            <pc:docMk/>
+            <pc:sldMk cId="4081103811" sldId="283"/>
+            <ac:spMk id="14" creationId="{63B4AB36-B54A-EA5C-2A74-F2C80BE0CBC4}"/>
+          </ac:spMkLst>
+        </pc:spChg>
+        <pc:graphicFrameChg chg="modGraphic">
+          <ac:chgData name="Trung Nghia Nguyen" userId="caf0b1f78d203fdc" providerId="LiveId" clId="{74A72D27-0F29-4AD9-985B-1D7512F86603}" dt="2023-04-07T06:56:13.537" v="1303" actId="20577"/>
+          <ac:graphicFrameMkLst>
+            <pc:docMk/>
+            <pc:sldMk cId="4081103811" sldId="283"/>
+            <ac:graphicFrameMk id="3" creationId="{5E8325E1-BDCF-5783-E97F-C770E7E58F6D}"/>
+          </ac:graphicFrameMkLst>
+        </pc:graphicFrameChg>
+      </pc:sldChg>
       <pc:sldChg chg="del">
         <pc:chgData name="Trung Nghia Nguyen" userId="caf0b1f78d203fdc" providerId="LiveId" clId="{74A72D27-0F29-4AD9-985B-1D7512F86603}" dt="2023-04-03T02:08:58.163" v="7" actId="2696"/>
         <pc:sldMkLst>
           <pc:docMk/>
           <pc:sldMk cId="1076178229" sldId="284"/>
+        </pc:sldMkLst>
+      </pc:sldChg>
+      <pc:sldChg chg="addSp delSp modSp add mod ord">
+        <pc:chgData name="Trung Nghia Nguyen" userId="caf0b1f78d203fdc" providerId="LiveId" clId="{74A72D27-0F29-4AD9-985B-1D7512F86603}" dt="2023-04-07T07:00:19.440" v="1367" actId="1076"/>
+        <pc:sldMkLst>
+          <pc:docMk/>
+          <pc:sldMk cId="3681655826" sldId="284"/>
+        </pc:sldMkLst>
+        <pc:spChg chg="mod">
+          <ac:chgData name="Trung Nghia Nguyen" userId="caf0b1f78d203fdc" providerId="LiveId" clId="{74A72D27-0F29-4AD9-985B-1D7512F86603}" dt="2023-04-07T06:56:48.178" v="1313" actId="20577"/>
+          <ac:spMkLst>
+            <pc:docMk/>
+            <pc:sldMk cId="3681655826" sldId="284"/>
+            <ac:spMk id="5" creationId="{2FD009FE-CA5C-D5A4-E99D-1E506F763D1C}"/>
+          </ac:spMkLst>
+        </pc:spChg>
+        <pc:spChg chg="mod">
+          <ac:chgData name="Trung Nghia Nguyen" userId="caf0b1f78d203fdc" providerId="LiveId" clId="{74A72D27-0F29-4AD9-985B-1D7512F86603}" dt="2023-04-07T06:59:59.801" v="1364" actId="1076"/>
+          <ac:spMkLst>
+            <pc:docMk/>
+            <pc:sldMk cId="3681655826" sldId="284"/>
+            <ac:spMk id="8" creationId="{FE5D4E40-17C8-086B-12F6-4368FAD8DA16}"/>
+          </ac:spMkLst>
+        </pc:spChg>
+        <pc:spChg chg="add mod">
+          <ac:chgData name="Trung Nghia Nguyen" userId="caf0b1f78d203fdc" providerId="LiveId" clId="{74A72D27-0F29-4AD9-985B-1D7512F86603}" dt="2023-04-07T07:00:19.440" v="1367" actId="1076"/>
+          <ac:spMkLst>
+            <pc:docMk/>
+            <pc:sldMk cId="3681655826" sldId="284"/>
+            <ac:spMk id="9" creationId="{EBCA5C7A-4B9E-5C7D-4FAC-95733A590DEC}"/>
+          </ac:spMkLst>
+        </pc:spChg>
+        <pc:spChg chg="mod">
+          <ac:chgData name="Trung Nghia Nguyen" userId="caf0b1f78d203fdc" providerId="LiveId" clId="{74A72D27-0F29-4AD9-985B-1D7512F86603}" dt="2023-04-07T06:56:41.970" v="1309"/>
+          <ac:spMkLst>
+            <pc:docMk/>
+            <pc:sldMk cId="3681655826" sldId="284"/>
+            <ac:spMk id="14" creationId="{63B4AB36-B54A-EA5C-2A74-F2C80BE0CBC4}"/>
+          </ac:spMkLst>
+        </pc:spChg>
+        <pc:picChg chg="del">
+          <ac:chgData name="Trung Nghia Nguyen" userId="caf0b1f78d203fdc" providerId="LiveId" clId="{74A72D27-0F29-4AD9-985B-1D7512F86603}" dt="2023-04-07T06:58:29.085" v="1314" actId="478"/>
+          <ac:picMkLst>
+            <pc:docMk/>
+            <pc:sldMk cId="3681655826" sldId="284"/>
+            <ac:picMk id="6" creationId="{961AAD6C-CC86-5091-ECFE-6957EBB93760}"/>
+          </ac:picMkLst>
+        </pc:picChg>
+        <pc:picChg chg="add mod">
+          <ac:chgData name="Trung Nghia Nguyen" userId="caf0b1f78d203fdc" providerId="LiveId" clId="{74A72D27-0F29-4AD9-985B-1D7512F86603}" dt="2023-04-07T07:00:10.137" v="1366" actId="1076"/>
+          <ac:picMkLst>
+            <pc:docMk/>
+            <pc:sldMk cId="3681655826" sldId="284"/>
+            <ac:picMk id="7" creationId="{F7703A19-AE5B-0D48-3EB4-24A756A7DB2D}"/>
+          </ac:picMkLst>
+        </pc:picChg>
+        <pc:picChg chg="add mod">
+          <ac:chgData name="Trung Nghia Nguyen" userId="caf0b1f78d203fdc" providerId="LiveId" clId="{74A72D27-0F29-4AD9-985B-1D7512F86603}" dt="2023-04-07T07:00:05.041" v="1365" actId="1076"/>
+          <ac:picMkLst>
+            <pc:docMk/>
+            <pc:sldMk cId="3681655826" sldId="284"/>
+            <ac:picMk id="12" creationId="{3C003AC1-8515-821F-F812-639A8E941CDB}"/>
+          </ac:picMkLst>
+        </pc:picChg>
+      </pc:sldChg>
+      <pc:sldChg chg="addSp delSp modSp add mod">
+        <pc:chgData name="Trung Nghia Nguyen" userId="caf0b1f78d203fdc" providerId="LiveId" clId="{74A72D27-0F29-4AD9-985B-1D7512F86603}" dt="2023-04-07T07:01:13.938" v="1377" actId="1076"/>
+        <pc:sldMkLst>
+          <pc:docMk/>
+          <pc:sldMk cId="1289321138" sldId="285"/>
+        </pc:sldMkLst>
+        <pc:spChg chg="mod">
+          <ac:chgData name="Trung Nghia Nguyen" userId="caf0b1f78d203fdc" providerId="LiveId" clId="{74A72D27-0F29-4AD9-985B-1D7512F86603}" dt="2023-04-07T07:00:28.039" v="1370" actId="20577"/>
+          <ac:spMkLst>
+            <pc:docMk/>
+            <pc:sldMk cId="1289321138" sldId="285"/>
+            <ac:spMk id="5" creationId="{2FD009FE-CA5C-D5A4-E99D-1E506F763D1C}"/>
+          </ac:spMkLst>
+        </pc:spChg>
+        <pc:spChg chg="mod">
+          <ac:chgData name="Trung Nghia Nguyen" userId="caf0b1f78d203fdc" providerId="LiveId" clId="{74A72D27-0F29-4AD9-985B-1D7512F86603}" dt="2023-04-07T07:00:36.091" v="1371"/>
+          <ac:spMkLst>
+            <pc:docMk/>
+            <pc:sldMk cId="1289321138" sldId="285"/>
+            <ac:spMk id="8" creationId="{FE5D4E40-17C8-086B-12F6-4368FAD8DA16}"/>
+          </ac:spMkLst>
+        </pc:spChg>
+        <pc:picChg chg="add mod">
+          <ac:chgData name="Trung Nghia Nguyen" userId="caf0b1f78d203fdc" providerId="LiveId" clId="{74A72D27-0F29-4AD9-985B-1D7512F86603}" dt="2023-04-07T07:00:54.614" v="1374" actId="1076"/>
+          <ac:picMkLst>
+            <pc:docMk/>
+            <pc:sldMk cId="1289321138" sldId="285"/>
+            <ac:picMk id="6" creationId="{6EBD2F74-9E04-72C0-743C-B06D47F55380}"/>
+          </ac:picMkLst>
+        </pc:picChg>
+        <pc:picChg chg="del">
+          <ac:chgData name="Trung Nghia Nguyen" userId="caf0b1f78d203fdc" providerId="LiveId" clId="{74A72D27-0F29-4AD9-985B-1D7512F86603}" dt="2023-04-07T07:01:09.338" v="1375" actId="478"/>
+          <ac:picMkLst>
+            <pc:docMk/>
+            <pc:sldMk cId="1289321138" sldId="285"/>
+            <ac:picMk id="7" creationId="{F7703A19-AE5B-0D48-3EB4-24A756A7DB2D}"/>
+          </ac:picMkLst>
+        </pc:picChg>
+        <pc:picChg chg="del">
+          <ac:chgData name="Trung Nghia Nguyen" userId="caf0b1f78d203fdc" providerId="LiveId" clId="{74A72D27-0F29-4AD9-985B-1D7512F86603}" dt="2023-04-07T07:00:49.921" v="1372" actId="478"/>
+          <ac:picMkLst>
+            <pc:docMk/>
+            <pc:sldMk cId="1289321138" sldId="285"/>
+            <ac:picMk id="12" creationId="{3C003AC1-8515-821F-F812-639A8E941CDB}"/>
+          </ac:picMkLst>
+        </pc:picChg>
+        <pc:picChg chg="add mod">
+          <ac:chgData name="Trung Nghia Nguyen" userId="caf0b1f78d203fdc" providerId="LiveId" clId="{74A72D27-0F29-4AD9-985B-1D7512F86603}" dt="2023-04-07T07:01:13.938" v="1377" actId="1076"/>
+          <ac:picMkLst>
+            <pc:docMk/>
+            <pc:sldMk cId="1289321138" sldId="285"/>
+            <ac:picMk id="13" creationId="{6507926E-ADCC-E5CF-CA5A-0769557EB85A}"/>
+          </ac:picMkLst>
+        </pc:picChg>
+      </pc:sldChg>
+      <pc:sldChg chg="addSp delSp modSp add mod">
+        <pc:chgData name="Trung Nghia Nguyen" userId="caf0b1f78d203fdc" providerId="LiveId" clId="{74A72D27-0F29-4AD9-985B-1D7512F86603}" dt="2023-04-07T07:03:10.665" v="1388" actId="20577"/>
+        <pc:sldMkLst>
+          <pc:docMk/>
+          <pc:sldMk cId="3392618411" sldId="286"/>
+        </pc:sldMkLst>
+        <pc:spChg chg="mod">
+          <ac:chgData name="Trung Nghia Nguyen" userId="caf0b1f78d203fdc" providerId="LiveId" clId="{74A72D27-0F29-4AD9-985B-1D7512F86603}" dt="2023-04-07T07:03:10.665" v="1388" actId="20577"/>
+          <ac:spMkLst>
+            <pc:docMk/>
+            <pc:sldMk cId="3392618411" sldId="286"/>
+            <ac:spMk id="5" creationId="{2FD009FE-CA5C-D5A4-E99D-1E506F763D1C}"/>
+          </ac:spMkLst>
+        </pc:spChg>
+        <pc:spChg chg="mod">
+          <ac:chgData name="Trung Nghia Nguyen" userId="caf0b1f78d203fdc" providerId="LiveId" clId="{74A72D27-0F29-4AD9-985B-1D7512F86603}" dt="2023-04-07T07:01:50.815" v="1379"/>
+          <ac:spMkLst>
+            <pc:docMk/>
+            <pc:sldMk cId="3392618411" sldId="286"/>
+            <ac:spMk id="8" creationId="{FE5D4E40-17C8-086B-12F6-4368FAD8DA16}"/>
+          </ac:spMkLst>
+        </pc:spChg>
+        <pc:picChg chg="del">
+          <ac:chgData name="Trung Nghia Nguyen" userId="caf0b1f78d203fdc" providerId="LiveId" clId="{74A72D27-0F29-4AD9-985B-1D7512F86603}" dt="2023-04-07T07:02:17.386" v="1383" actId="478"/>
+          <ac:picMkLst>
+            <pc:docMk/>
+            <pc:sldMk cId="3392618411" sldId="286"/>
+            <ac:picMk id="6" creationId="{6EBD2F74-9E04-72C0-743C-B06D47F55380}"/>
+          </ac:picMkLst>
+        </pc:picChg>
+        <pc:picChg chg="add mod">
+          <ac:chgData name="Trung Nghia Nguyen" userId="caf0b1f78d203fdc" providerId="LiveId" clId="{74A72D27-0F29-4AD9-985B-1D7512F86603}" dt="2023-04-07T07:02:16.204" v="1382" actId="1076"/>
+          <ac:picMkLst>
+            <pc:docMk/>
+            <pc:sldMk cId="3392618411" sldId="286"/>
+            <ac:picMk id="7" creationId="{98649AF1-3DC3-2A68-C9F1-ABFD66B90B37}"/>
+          </ac:picMkLst>
+        </pc:picChg>
+        <pc:picChg chg="add mod">
+          <ac:chgData name="Trung Nghia Nguyen" userId="caf0b1f78d203fdc" providerId="LiveId" clId="{74A72D27-0F29-4AD9-985B-1D7512F86603}" dt="2023-04-07T07:02:58.524" v="1386" actId="1076"/>
+          <ac:picMkLst>
+            <pc:docMk/>
+            <pc:sldMk cId="3392618411" sldId="286"/>
+            <ac:picMk id="12" creationId="{85AECC65-5636-8C42-7DC3-13F9BC87D327}"/>
+          </ac:picMkLst>
+        </pc:picChg>
+        <pc:picChg chg="del">
+          <ac:chgData name="Trung Nghia Nguyen" userId="caf0b1f78d203fdc" providerId="LiveId" clId="{74A72D27-0F29-4AD9-985B-1D7512F86603}" dt="2023-04-07T07:02:11.947" v="1380" actId="478"/>
+          <ac:picMkLst>
+            <pc:docMk/>
+            <pc:sldMk cId="3392618411" sldId="286"/>
+            <ac:picMk id="13" creationId="{6507926E-ADCC-E5CF-CA5A-0769557EB85A}"/>
+          </ac:picMkLst>
+        </pc:picChg>
+      </pc:sldChg>
+      <pc:sldChg chg="addSp delSp modSp add mod">
+        <pc:chgData name="Trung Nghia Nguyen" userId="caf0b1f78d203fdc" providerId="LiveId" clId="{74A72D27-0F29-4AD9-985B-1D7512F86603}" dt="2023-04-07T07:04:55.102" v="1579" actId="1076"/>
+        <pc:sldMkLst>
+          <pc:docMk/>
+          <pc:sldMk cId="3402490532" sldId="287"/>
+        </pc:sldMkLst>
+        <pc:spChg chg="mod">
+          <ac:chgData name="Trung Nghia Nguyen" userId="caf0b1f78d203fdc" providerId="LiveId" clId="{74A72D27-0F29-4AD9-985B-1D7512F86603}" dt="2023-04-07T07:03:16.601" v="1391" actId="20577"/>
+          <ac:spMkLst>
+            <pc:docMk/>
+            <pc:sldMk cId="3402490532" sldId="287"/>
+            <ac:spMk id="5" creationId="{2FD009FE-CA5C-D5A4-E99D-1E506F763D1C}"/>
+          </ac:spMkLst>
+        </pc:spChg>
+        <pc:spChg chg="del">
+          <ac:chgData name="Trung Nghia Nguyen" userId="caf0b1f78d203fdc" providerId="LiveId" clId="{74A72D27-0F29-4AD9-985B-1D7512F86603}" dt="2023-04-07T07:03:33.017" v="1392" actId="478"/>
+          <ac:spMkLst>
+            <pc:docMk/>
+            <pc:sldMk cId="3402490532" sldId="287"/>
+            <ac:spMk id="8" creationId="{FE5D4E40-17C8-086B-12F6-4368FAD8DA16}"/>
+          </ac:spMkLst>
+        </pc:spChg>
+        <pc:spChg chg="del mod">
+          <ac:chgData name="Trung Nghia Nguyen" userId="caf0b1f78d203fdc" providerId="LiveId" clId="{74A72D27-0F29-4AD9-985B-1D7512F86603}" dt="2023-04-07T07:03:36.121" v="1396" actId="478"/>
+          <ac:spMkLst>
+            <pc:docMk/>
+            <pc:sldMk cId="3402490532" sldId="287"/>
+            <ac:spMk id="9" creationId="{EBCA5C7A-4B9E-5C7D-4FAC-95733A590DEC}"/>
+          </ac:spMkLst>
+        </pc:spChg>
+        <pc:spChg chg="add mod">
+          <ac:chgData name="Trung Nghia Nguyen" userId="caf0b1f78d203fdc" providerId="LiveId" clId="{74A72D27-0F29-4AD9-985B-1D7512F86603}" dt="2023-04-07T07:04:55.102" v="1579" actId="1076"/>
+          <ac:spMkLst>
+            <pc:docMk/>
+            <pc:sldMk cId="3402490532" sldId="287"/>
+            <ac:spMk id="10" creationId="{238E0658-D853-A165-C5A3-FD7A55961FE1}"/>
+          </ac:spMkLst>
+        </pc:spChg>
+        <pc:picChg chg="add mod">
+          <ac:chgData name="Trung Nghia Nguyen" userId="caf0b1f78d203fdc" providerId="LiveId" clId="{74A72D27-0F29-4AD9-985B-1D7512F86603}" dt="2023-04-07T07:03:48.288" v="1398" actId="1076"/>
+          <ac:picMkLst>
+            <pc:docMk/>
+            <pc:sldMk cId="3402490532" sldId="287"/>
+            <ac:picMk id="6" creationId="{96650C24-EE10-9576-F115-2659A4D9C2B3}"/>
+          </ac:picMkLst>
+        </pc:picChg>
+        <pc:picChg chg="del">
+          <ac:chgData name="Trung Nghia Nguyen" userId="caf0b1f78d203fdc" providerId="LiveId" clId="{74A72D27-0F29-4AD9-985B-1D7512F86603}" dt="2023-04-07T07:03:35.267" v="1395" actId="478"/>
+          <ac:picMkLst>
+            <pc:docMk/>
+            <pc:sldMk cId="3402490532" sldId="287"/>
+            <ac:picMk id="7" creationId="{98649AF1-3DC3-2A68-C9F1-ABFD66B90B37}"/>
+          </ac:picMkLst>
+        </pc:picChg>
+        <pc:picChg chg="del">
+          <ac:chgData name="Trung Nghia Nguyen" userId="caf0b1f78d203fdc" providerId="LiveId" clId="{74A72D27-0F29-4AD9-985B-1D7512F86603}" dt="2023-04-07T07:03:33.585" v="1393" actId="478"/>
+          <ac:picMkLst>
+            <pc:docMk/>
+            <pc:sldMk cId="3402490532" sldId="287"/>
+            <ac:picMk id="12" creationId="{85AECC65-5636-8C42-7DC3-13F9BC87D327}"/>
+          </ac:picMkLst>
+        </pc:picChg>
+      </pc:sldChg>
+      <pc:sldChg chg="modSp add mod ord">
+        <pc:chgData name="Trung Nghia Nguyen" userId="caf0b1f78d203fdc" providerId="LiveId" clId="{74A72D27-0F29-4AD9-985B-1D7512F86603}" dt="2023-04-07T07:07:15.361" v="1672" actId="20577"/>
+        <pc:sldMkLst>
+          <pc:docMk/>
+          <pc:sldMk cId="1941228625" sldId="288"/>
+        </pc:sldMkLst>
+        <pc:spChg chg="mod">
+          <ac:chgData name="Trung Nghia Nguyen" userId="caf0b1f78d203fdc" providerId="LiveId" clId="{74A72D27-0F29-4AD9-985B-1D7512F86603}" dt="2023-04-07T07:05:09.582" v="1583"/>
+          <ac:spMkLst>
+            <pc:docMk/>
+            <pc:sldMk cId="1941228625" sldId="288"/>
+            <ac:spMk id="14" creationId="{63B4AB36-B54A-EA5C-2A74-F2C80BE0CBC4}"/>
+          </ac:spMkLst>
+        </pc:spChg>
+        <pc:graphicFrameChg chg="modGraphic">
+          <ac:chgData name="Trung Nghia Nguyen" userId="caf0b1f78d203fdc" providerId="LiveId" clId="{74A72D27-0F29-4AD9-985B-1D7512F86603}" dt="2023-04-07T07:07:15.361" v="1672" actId="20577"/>
+          <ac:graphicFrameMkLst>
+            <pc:docMk/>
+            <pc:sldMk cId="1941228625" sldId="288"/>
+            <ac:graphicFrameMk id="3" creationId="{5E8325E1-BDCF-5783-E97F-C770E7E58F6D}"/>
+          </ac:graphicFrameMkLst>
+        </pc:graphicFrameChg>
+      </pc:sldChg>
+      <pc:sldChg chg="addSp delSp modSp add del mod">
+        <pc:chgData name="Trung Nghia Nguyen" userId="caf0b1f78d203fdc" providerId="LiveId" clId="{74A72D27-0F29-4AD9-985B-1D7512F86603}" dt="2023-04-07T07:07:30.052" v="1678"/>
+        <pc:sldMkLst>
+          <pc:docMk/>
+          <pc:sldMk cId="2797651471" sldId="289"/>
+        </pc:sldMkLst>
+        <pc:graphicFrameChg chg="del modGraphic">
+          <ac:chgData name="Trung Nghia Nguyen" userId="caf0b1f78d203fdc" providerId="LiveId" clId="{74A72D27-0F29-4AD9-985B-1D7512F86603}" dt="2023-04-07T07:07:20.681" v="1675" actId="478"/>
+          <ac:graphicFrameMkLst>
+            <pc:docMk/>
+            <pc:sldMk cId="2797651471" sldId="289"/>
+            <ac:graphicFrameMk id="3" creationId="{5E8325E1-BDCF-5783-E97F-C770E7E58F6D}"/>
+          </ac:graphicFrameMkLst>
+        </pc:graphicFrameChg>
+        <pc:graphicFrameChg chg="add del mod">
+          <ac:chgData name="Trung Nghia Nguyen" userId="caf0b1f78d203fdc" providerId="LiveId" clId="{74A72D27-0F29-4AD9-985B-1D7512F86603}" dt="2023-04-07T07:07:29.596" v="1677" actId="478"/>
+          <ac:graphicFrameMkLst>
+            <pc:docMk/>
+            <pc:sldMk cId="2797651471" sldId="289"/>
+            <ac:graphicFrameMk id="5" creationId="{2AD5F64A-D119-F740-B2F2-88EF4FA786BC}"/>
+          </ac:graphicFrameMkLst>
+        </pc:graphicFrameChg>
+        <pc:graphicFrameChg chg="add mod">
+          <ac:chgData name="Trung Nghia Nguyen" userId="caf0b1f78d203fdc" providerId="LiveId" clId="{74A72D27-0F29-4AD9-985B-1D7512F86603}" dt="2023-04-07T07:07:30.052" v="1678"/>
+          <ac:graphicFrameMkLst>
+            <pc:docMk/>
+            <pc:sldMk cId="2797651471" sldId="289"/>
+            <ac:graphicFrameMk id="7" creationId="{5347763A-C403-0142-AB17-1E3F4BF42D06}"/>
+          </ac:graphicFrameMkLst>
+        </pc:graphicFrameChg>
+      </pc:sldChg>
+      <pc:sldChg chg="add">
+        <pc:chgData name="Trung Nghia Nguyen" userId="caf0b1f78d203fdc" providerId="LiveId" clId="{74A72D27-0F29-4AD9-985B-1D7512F86603}" dt="2023-04-07T07:09:04.289" v="1679"/>
+        <pc:sldMkLst>
+          <pc:docMk/>
+          <pc:sldMk cId="3273506458" sldId="290"/>
+        </pc:sldMkLst>
+      </pc:sldChg>
+      <pc:sldChg chg="add">
+        <pc:chgData name="Trung Nghia Nguyen" userId="caf0b1f78d203fdc" providerId="LiveId" clId="{74A72D27-0F29-4AD9-985B-1D7512F86603}" dt="2023-04-07T07:09:04.289" v="1679"/>
+        <pc:sldMkLst>
+          <pc:docMk/>
+          <pc:sldMk cId="1076178229" sldId="291"/>
         </pc:sldMkLst>
       </pc:sldChg>
     </pc:docChg>
@@ -6780,6 +7380,4467 @@
     <p:extLst>
       <p:ext uri="{BB962C8B-B14F-4D97-AF65-F5344CB8AC3E}">
         <p14:creationId xmlns:p14="http://schemas.microsoft.com/office/powerpoint/2010/main" val="502051408"/>
+      </p:ext>
+    </p:extLst>
+  </p:cSld>
+  <p:clrMapOvr>
+    <a:masterClrMapping/>
+  </p:clrMapOvr>
+</p:sld>
+</file>
+
+<file path=ppt/slides/slide10.xml><?xml version="1.0" encoding="utf-8"?>
+<p:sld xmlns:a="http://schemas.openxmlformats.org/drawingml/2006/main" xmlns:r="http://schemas.openxmlformats.org/officeDocument/2006/relationships" xmlns:p="http://schemas.openxmlformats.org/presentationml/2006/main">
+  <p:cSld>
+    <p:spTree>
+      <p:nvGrpSpPr>
+        <p:cNvPr id="1" name=""/>
+        <p:cNvGrpSpPr/>
+        <p:nvPr/>
+      </p:nvGrpSpPr>
+      <p:grpSpPr>
+        <a:xfrm>
+          <a:off x="0" y="0"/>
+          <a:ext cx="0" cy="0"/>
+          <a:chOff x="0" y="0"/>
+          <a:chExt cx="0" cy="0"/>
+        </a:xfrm>
+      </p:grpSpPr>
+      <p:pic>
+        <p:nvPicPr>
+          <p:cNvPr id="1034" name="Picture 10">
+            <a:extLst>
+              <a:ext uri="{FF2B5EF4-FFF2-40B4-BE49-F238E27FC236}">
+                <a16:creationId xmlns:a16="http://schemas.microsoft.com/office/drawing/2014/main" id="{6F72484C-A752-76F3-F259-0A997B815A00}"/>
+              </a:ext>
+            </a:extLst>
+          </p:cNvPr>
+          <p:cNvPicPr>
+            <a:picLocks noChangeAspect="1" noChangeArrowheads="1"/>
+          </p:cNvPicPr>
+          <p:nvPr/>
+        </p:nvPicPr>
+        <p:blipFill>
+          <a:blip r:embed="rId2">
+            <a:extLst>
+              <a:ext uri="{28A0092B-C50C-407E-A947-70E740481C1C}">
+                <a14:useLocalDpi xmlns:a14="http://schemas.microsoft.com/office/drawing/2010/main" val="0"/>
+              </a:ext>
+            </a:extLst>
+          </a:blip>
+          <a:srcRect/>
+          <a:stretch>
+            <a:fillRect/>
+          </a:stretch>
+        </p:blipFill>
+        <p:spPr bwMode="auto">
+          <a:xfrm>
+            <a:off x="76200" y="119063"/>
+            <a:ext cx="1114424" cy="614791"/>
+          </a:xfrm>
+          <a:prstGeom prst="rect">
+            <a:avLst/>
+          </a:prstGeom>
+          <a:noFill/>
+          <a:extLst>
+            <a:ext uri="{909E8E84-426E-40DD-AFC4-6F175D3DCCD1}">
+              <a14:hiddenFill xmlns:a14="http://schemas.microsoft.com/office/drawing/2010/main">
+                <a:solidFill>
+                  <a:srgbClr val="FFFFFF"/>
+                </a:solidFill>
+              </a14:hiddenFill>
+            </a:ext>
+          </a:extLst>
+        </p:spPr>
+      </p:pic>
+      <p:cxnSp>
+        <p:nvCxnSpPr>
+          <p:cNvPr id="11" name="Straight Connector 10">
+            <a:extLst>
+              <a:ext uri="{FF2B5EF4-FFF2-40B4-BE49-F238E27FC236}">
+                <a16:creationId xmlns:a16="http://schemas.microsoft.com/office/drawing/2014/main" id="{E5C4A229-E185-5A4B-53B1-81D591292671}"/>
+              </a:ext>
+            </a:extLst>
+          </p:cNvPr>
+          <p:cNvCxnSpPr>
+            <a:cxnSpLocks/>
+          </p:cNvCxnSpPr>
+          <p:nvPr/>
+        </p:nvCxnSpPr>
+        <p:spPr>
+          <a:xfrm>
+            <a:off x="76200" y="847725"/>
+            <a:ext cx="7648575" cy="0"/>
+          </a:xfrm>
+          <a:prstGeom prst="line">
+            <a:avLst/>
+          </a:prstGeom>
+        </p:spPr>
+        <p:style>
+          <a:lnRef idx="1">
+            <a:schemeClr val="accent1"/>
+          </a:lnRef>
+          <a:fillRef idx="0">
+            <a:schemeClr val="accent1"/>
+          </a:fillRef>
+          <a:effectRef idx="0">
+            <a:schemeClr val="accent1"/>
+          </a:effectRef>
+          <a:fontRef idx="minor">
+            <a:schemeClr val="tx1"/>
+          </a:fontRef>
+        </p:style>
+      </p:cxnSp>
+      <p:sp>
+        <p:nvSpPr>
+          <p:cNvPr id="14" name="TextBox 13">
+            <a:extLst>
+              <a:ext uri="{FF2B5EF4-FFF2-40B4-BE49-F238E27FC236}">
+                <a16:creationId xmlns:a16="http://schemas.microsoft.com/office/drawing/2014/main" id="{63B4AB36-B54A-EA5C-2A74-F2C80BE0CBC4}"/>
+              </a:ext>
+            </a:extLst>
+          </p:cNvPr>
+          <p:cNvSpPr txBox="1"/>
+          <p:nvPr/>
+        </p:nvSpPr>
+        <p:spPr>
+          <a:xfrm>
+            <a:off x="1390650" y="236792"/>
+            <a:ext cx="6362700" cy="369332"/>
+          </a:xfrm>
+          <a:prstGeom prst="rect">
+            <a:avLst/>
+          </a:prstGeom>
+          <a:noFill/>
+        </p:spPr>
+        <p:txBody>
+          <a:bodyPr wrap="square" rtlCol="0">
+            <a:spAutoFit/>
+          </a:bodyPr>
+          <a:lstStyle/>
+          <a:p>
+            <a:r>
+              <a:rPr lang="fr-FR" b="1"/>
+              <a:t>Câu 2 (2.0 điểm): Adversarial Search</a:t>
+            </a:r>
+            <a:endParaRPr lang="en-US" b="1"/>
+          </a:p>
+        </p:txBody>
+      </p:sp>
+      <p:cxnSp>
+        <p:nvCxnSpPr>
+          <p:cNvPr id="2" name="Straight Connector 1">
+            <a:extLst>
+              <a:ext uri="{FF2B5EF4-FFF2-40B4-BE49-F238E27FC236}">
+                <a16:creationId xmlns:a16="http://schemas.microsoft.com/office/drawing/2014/main" id="{AF3ADEA5-03F2-7E56-B6E6-8B6970A896CF}"/>
+              </a:ext>
+            </a:extLst>
+          </p:cNvPr>
+          <p:cNvCxnSpPr>
+            <a:cxnSpLocks/>
+          </p:cNvCxnSpPr>
+          <p:nvPr/>
+        </p:nvCxnSpPr>
+        <p:spPr>
+          <a:xfrm>
+            <a:off x="4752975" y="6238875"/>
+            <a:ext cx="4286250" cy="0"/>
+          </a:xfrm>
+          <a:prstGeom prst="line">
+            <a:avLst/>
+          </a:prstGeom>
+        </p:spPr>
+        <p:style>
+          <a:lnRef idx="1">
+            <a:schemeClr val="accent1"/>
+          </a:lnRef>
+          <a:fillRef idx="0">
+            <a:schemeClr val="accent1"/>
+          </a:fillRef>
+          <a:effectRef idx="0">
+            <a:schemeClr val="accent1"/>
+          </a:effectRef>
+          <a:fontRef idx="minor">
+            <a:schemeClr val="tx1"/>
+          </a:fontRef>
+        </p:style>
+      </p:cxnSp>
+      <p:sp>
+        <p:nvSpPr>
+          <p:cNvPr id="4" name="TextBox 3">
+            <a:extLst>
+              <a:ext uri="{FF2B5EF4-FFF2-40B4-BE49-F238E27FC236}">
+                <a16:creationId xmlns:a16="http://schemas.microsoft.com/office/drawing/2014/main" id="{11342279-3B1B-9555-FD5C-CA3839B3D029}"/>
+              </a:ext>
+            </a:extLst>
+          </p:cNvPr>
+          <p:cNvSpPr txBox="1"/>
+          <p:nvPr/>
+        </p:nvSpPr>
+        <p:spPr>
+          <a:xfrm>
+            <a:off x="7753350" y="6336334"/>
+            <a:ext cx="1285874" cy="369332"/>
+          </a:xfrm>
+          <a:prstGeom prst="rect">
+            <a:avLst/>
+          </a:prstGeom>
+          <a:noFill/>
+        </p:spPr>
+        <p:txBody>
+          <a:bodyPr wrap="square" rtlCol="0">
+            <a:spAutoFit/>
+          </a:bodyPr>
+          <a:lstStyle/>
+          <a:p>
+            <a:r>
+              <a:rPr lang="en-US"/>
+              <a:t>Trang 4</a:t>
+            </a:r>
+          </a:p>
+        </p:txBody>
+      </p:sp>
+      <p:sp>
+        <p:nvSpPr>
+          <p:cNvPr id="5" name="TextBox 4">
+            <a:extLst>
+              <a:ext uri="{FF2B5EF4-FFF2-40B4-BE49-F238E27FC236}">
+                <a16:creationId xmlns:a16="http://schemas.microsoft.com/office/drawing/2014/main" id="{2FD009FE-CA5C-D5A4-E99D-1E506F763D1C}"/>
+              </a:ext>
+            </a:extLst>
+          </p:cNvPr>
+          <p:cNvSpPr txBox="1"/>
+          <p:nvPr/>
+        </p:nvSpPr>
+        <p:spPr>
+          <a:xfrm>
+            <a:off x="304800" y="1228725"/>
+            <a:ext cx="5210175" cy="369332"/>
+          </a:xfrm>
+          <a:prstGeom prst="rect">
+            <a:avLst/>
+          </a:prstGeom>
+          <a:noFill/>
+        </p:spPr>
+        <p:txBody>
+          <a:bodyPr wrap="square" rtlCol="0">
+            <a:spAutoFit/>
+          </a:bodyPr>
+          <a:lstStyle/>
+          <a:p>
+            <a:r>
+              <a:rPr lang="en-US"/>
+              <a:t>YC2.3</a:t>
+            </a:r>
+          </a:p>
+        </p:txBody>
+      </p:sp>
+      <p:sp>
+        <p:nvSpPr>
+          <p:cNvPr id="8" name="TextBox 7">
+            <a:extLst>
+              <a:ext uri="{FF2B5EF4-FFF2-40B4-BE49-F238E27FC236}">
+                <a16:creationId xmlns:a16="http://schemas.microsoft.com/office/drawing/2014/main" id="{FE5D4E40-17C8-086B-12F6-4368FAD8DA16}"/>
+              </a:ext>
+            </a:extLst>
+          </p:cNvPr>
+          <p:cNvSpPr txBox="1"/>
+          <p:nvPr/>
+        </p:nvSpPr>
+        <p:spPr>
+          <a:xfrm>
+            <a:off x="3654922" y="5784645"/>
+            <a:ext cx="1834156" cy="369332"/>
+          </a:xfrm>
+          <a:prstGeom prst="rect">
+            <a:avLst/>
+          </a:prstGeom>
+          <a:noFill/>
+        </p:spPr>
+        <p:txBody>
+          <a:bodyPr wrap="none" rtlCol="0">
+            <a:spAutoFit/>
+          </a:bodyPr>
+          <a:lstStyle/>
+          <a:p>
+            <a:r>
+              <a:rPr lang="en-US" i="1"/>
+              <a:t>Cài đặt hàm run()</a:t>
+            </a:r>
+          </a:p>
+        </p:txBody>
+      </p:sp>
+      <p:pic>
+        <p:nvPicPr>
+          <p:cNvPr id="6" name="Picture 5">
+            <a:extLst>
+              <a:ext uri="{FF2B5EF4-FFF2-40B4-BE49-F238E27FC236}">
+                <a16:creationId xmlns:a16="http://schemas.microsoft.com/office/drawing/2014/main" id="{F896E633-BB9F-818B-C978-E0845A96D19D}"/>
+              </a:ext>
+            </a:extLst>
+          </p:cNvPr>
+          <p:cNvPicPr>
+            <a:picLocks noChangeAspect="1"/>
+          </p:cNvPicPr>
+          <p:nvPr/>
+        </p:nvPicPr>
+        <p:blipFill>
+          <a:blip r:embed="rId3"/>
+          <a:stretch>
+            <a:fillRect/>
+          </a:stretch>
+        </p:blipFill>
+        <p:spPr>
+          <a:xfrm>
+            <a:off x="619295" y="1587179"/>
+            <a:ext cx="7905410" cy="4064838"/>
+          </a:xfrm>
+          <a:prstGeom prst="rect">
+            <a:avLst/>
+          </a:prstGeom>
+        </p:spPr>
+      </p:pic>
+    </p:spTree>
+    <p:extLst>
+      <p:ext uri="{BB962C8B-B14F-4D97-AF65-F5344CB8AC3E}">
+        <p14:creationId xmlns:p14="http://schemas.microsoft.com/office/powerpoint/2010/main" val="1235902622"/>
+      </p:ext>
+    </p:extLst>
+  </p:cSld>
+  <p:clrMapOvr>
+    <a:masterClrMapping/>
+  </p:clrMapOvr>
+</p:sld>
+</file>
+
+<file path=ppt/slides/slide11.xml><?xml version="1.0" encoding="utf-8"?>
+<p:sld xmlns:a="http://schemas.openxmlformats.org/drawingml/2006/main" xmlns:r="http://schemas.openxmlformats.org/officeDocument/2006/relationships" xmlns:p="http://schemas.openxmlformats.org/presentationml/2006/main">
+  <p:cSld>
+    <p:spTree>
+      <p:nvGrpSpPr>
+        <p:cNvPr id="1" name=""/>
+        <p:cNvGrpSpPr/>
+        <p:nvPr/>
+      </p:nvGrpSpPr>
+      <p:grpSpPr>
+        <a:xfrm>
+          <a:off x="0" y="0"/>
+          <a:ext cx="0" cy="0"/>
+          <a:chOff x="0" y="0"/>
+          <a:chExt cx="0" cy="0"/>
+        </a:xfrm>
+      </p:grpSpPr>
+      <p:pic>
+        <p:nvPicPr>
+          <p:cNvPr id="1034" name="Picture 10">
+            <a:extLst>
+              <a:ext uri="{FF2B5EF4-FFF2-40B4-BE49-F238E27FC236}">
+                <a16:creationId xmlns:a16="http://schemas.microsoft.com/office/drawing/2014/main" id="{6F72484C-A752-76F3-F259-0A997B815A00}"/>
+              </a:ext>
+            </a:extLst>
+          </p:cNvPr>
+          <p:cNvPicPr>
+            <a:picLocks noChangeAspect="1" noChangeArrowheads="1"/>
+          </p:cNvPicPr>
+          <p:nvPr/>
+        </p:nvPicPr>
+        <p:blipFill>
+          <a:blip r:embed="rId2">
+            <a:extLst>
+              <a:ext uri="{28A0092B-C50C-407E-A947-70E740481C1C}">
+                <a14:useLocalDpi xmlns:a14="http://schemas.microsoft.com/office/drawing/2010/main" val="0"/>
+              </a:ext>
+            </a:extLst>
+          </a:blip>
+          <a:srcRect/>
+          <a:stretch>
+            <a:fillRect/>
+          </a:stretch>
+        </p:blipFill>
+        <p:spPr bwMode="auto">
+          <a:xfrm>
+            <a:off x="76200" y="119063"/>
+            <a:ext cx="1114424" cy="614791"/>
+          </a:xfrm>
+          <a:prstGeom prst="rect">
+            <a:avLst/>
+          </a:prstGeom>
+          <a:noFill/>
+          <a:extLst>
+            <a:ext uri="{909E8E84-426E-40DD-AFC4-6F175D3DCCD1}">
+              <a14:hiddenFill xmlns:a14="http://schemas.microsoft.com/office/drawing/2010/main">
+                <a:solidFill>
+                  <a:srgbClr val="FFFFFF"/>
+                </a:solidFill>
+              </a14:hiddenFill>
+            </a:ext>
+          </a:extLst>
+        </p:spPr>
+      </p:pic>
+      <p:cxnSp>
+        <p:nvCxnSpPr>
+          <p:cNvPr id="11" name="Straight Connector 10">
+            <a:extLst>
+              <a:ext uri="{FF2B5EF4-FFF2-40B4-BE49-F238E27FC236}">
+                <a16:creationId xmlns:a16="http://schemas.microsoft.com/office/drawing/2014/main" id="{E5C4A229-E185-5A4B-53B1-81D591292671}"/>
+              </a:ext>
+            </a:extLst>
+          </p:cNvPr>
+          <p:cNvCxnSpPr>
+            <a:cxnSpLocks/>
+          </p:cNvCxnSpPr>
+          <p:nvPr/>
+        </p:nvCxnSpPr>
+        <p:spPr>
+          <a:xfrm>
+            <a:off x="76200" y="847725"/>
+            <a:ext cx="7648575" cy="0"/>
+          </a:xfrm>
+          <a:prstGeom prst="line">
+            <a:avLst/>
+          </a:prstGeom>
+        </p:spPr>
+        <p:style>
+          <a:lnRef idx="1">
+            <a:schemeClr val="accent1"/>
+          </a:lnRef>
+          <a:fillRef idx="0">
+            <a:schemeClr val="accent1"/>
+          </a:fillRef>
+          <a:effectRef idx="0">
+            <a:schemeClr val="accent1"/>
+          </a:effectRef>
+          <a:fontRef idx="minor">
+            <a:schemeClr val="tx1"/>
+          </a:fontRef>
+        </p:style>
+      </p:cxnSp>
+      <p:sp>
+        <p:nvSpPr>
+          <p:cNvPr id="14" name="TextBox 13">
+            <a:extLst>
+              <a:ext uri="{FF2B5EF4-FFF2-40B4-BE49-F238E27FC236}">
+                <a16:creationId xmlns:a16="http://schemas.microsoft.com/office/drawing/2014/main" id="{63B4AB36-B54A-EA5C-2A74-F2C80BE0CBC4}"/>
+              </a:ext>
+            </a:extLst>
+          </p:cNvPr>
+          <p:cNvSpPr txBox="1"/>
+          <p:nvPr/>
+        </p:nvSpPr>
+        <p:spPr>
+          <a:xfrm>
+            <a:off x="1390650" y="236792"/>
+            <a:ext cx="6362700" cy="369332"/>
+          </a:xfrm>
+          <a:prstGeom prst="rect">
+            <a:avLst/>
+          </a:prstGeom>
+          <a:noFill/>
+        </p:spPr>
+        <p:txBody>
+          <a:bodyPr wrap="square" rtlCol="0">
+            <a:spAutoFit/>
+          </a:bodyPr>
+          <a:lstStyle/>
+          <a:p>
+            <a:r>
+              <a:rPr lang="fr-FR" b="1"/>
+              <a:t>Câu 2 (2.0 điểm): Adversarial Search</a:t>
+            </a:r>
+            <a:endParaRPr lang="en-US" b="1"/>
+          </a:p>
+        </p:txBody>
+      </p:sp>
+      <p:graphicFrame>
+        <p:nvGraphicFramePr>
+          <p:cNvPr id="3" name="Table 16">
+            <a:extLst>
+              <a:ext uri="{FF2B5EF4-FFF2-40B4-BE49-F238E27FC236}">
+                <a16:creationId xmlns:a16="http://schemas.microsoft.com/office/drawing/2014/main" id="{5E8325E1-BDCF-5783-E97F-C770E7E58F6D}"/>
+              </a:ext>
+            </a:extLst>
+          </p:cNvPr>
+          <p:cNvGraphicFramePr>
+            <a:graphicFrameLocks noGrp="1"/>
+          </p:cNvGraphicFramePr>
+          <p:nvPr>
+            <p:extLst>
+              <p:ext uri="{D42A27DB-BD31-4B8C-83A1-F6EECF244321}">
+                <p14:modId xmlns:p14="http://schemas.microsoft.com/office/powerpoint/2010/main" val="17117329"/>
+              </p:ext>
+            </p:extLst>
+          </p:nvPr>
+        </p:nvGraphicFramePr>
+        <p:xfrm>
+          <a:off x="1850248" y="1815894"/>
+          <a:ext cx="5443503" cy="1854200"/>
+        </p:xfrm>
+        <a:graphic>
+          <a:graphicData uri="http://schemas.openxmlformats.org/drawingml/2006/table">
+            <a:tbl>
+              <a:tblPr firstRow="1" bandRow="1">
+                <a:tableStyleId>{F5AB1C69-6EDB-4FF4-983F-18BD219EF322}</a:tableStyleId>
+              </a:tblPr>
+              <a:tblGrid>
+                <a:gridCol w="1662078">
+                  <a:extLst>
+                    <a:ext uri="{9D8B030D-6E8A-4147-A177-3AD203B41FA5}">
+                      <a16:colId xmlns:a16="http://schemas.microsoft.com/office/drawing/2014/main" val="3939429785"/>
+                    </a:ext>
+                  </a:extLst>
+                </a:gridCol>
+                <a:gridCol w="1514475">
+                  <a:extLst>
+                    <a:ext uri="{9D8B030D-6E8A-4147-A177-3AD203B41FA5}">
+                      <a16:colId xmlns:a16="http://schemas.microsoft.com/office/drawing/2014/main" val="1738762872"/>
+                    </a:ext>
+                  </a:extLst>
+                </a:gridCol>
+                <a:gridCol w="2266950">
+                  <a:extLst>
+                    <a:ext uri="{9D8B030D-6E8A-4147-A177-3AD203B41FA5}">
+                      <a16:colId xmlns:a16="http://schemas.microsoft.com/office/drawing/2014/main" val="3821170340"/>
+                    </a:ext>
+                  </a:extLst>
+                </a:gridCol>
+              </a:tblGrid>
+              <a:tr h="370840">
+                <a:tc>
+                  <a:txBody>
+                    <a:bodyPr/>
+                    <a:lstStyle/>
+                    <a:p>
+                      <a:pPr algn="ctr"/>
+                      <a:r>
+                        <a:rPr lang="en-US">
+                          <a:latin typeface="Times New Roman" panose="02020603050405020304" pitchFamily="18" charset="0"/>
+                          <a:cs typeface="Times New Roman" panose="02020603050405020304" pitchFamily="18" charset="0"/>
+                        </a:rPr>
+                        <a:t>Tiêu chí</a:t>
+                      </a:r>
+                    </a:p>
+                  </a:txBody>
+                  <a:tcPr/>
+                </a:tc>
+                <a:tc>
+                  <a:txBody>
+                    <a:bodyPr/>
+                    <a:lstStyle/>
+                    <a:p>
+                      <a:pPr algn="ctr"/>
+                      <a:r>
+                        <a:rPr lang="en-US">
+                          <a:latin typeface="Times New Roman" panose="02020603050405020304" pitchFamily="18" charset="0"/>
+                          <a:cs typeface="Times New Roman" panose="02020603050405020304" pitchFamily="18" charset="0"/>
+                        </a:rPr>
+                        <a:t>Điểm</a:t>
+                      </a:r>
+                    </a:p>
+                  </a:txBody>
+                  <a:tcPr/>
+                </a:tc>
+                <a:tc>
+                  <a:txBody>
+                    <a:bodyPr/>
+                    <a:lstStyle/>
+                    <a:p>
+                      <a:pPr algn="ctr"/>
+                      <a:r>
+                        <a:rPr lang="en-US">
+                          <a:latin typeface="Times New Roman" panose="02020603050405020304" pitchFamily="18" charset="0"/>
+                          <a:cs typeface="Times New Roman" panose="02020603050405020304" pitchFamily="18" charset="0"/>
+                        </a:rPr>
+                        <a:t>Đánh giá</a:t>
+                      </a:r>
+                    </a:p>
+                  </a:txBody>
+                  <a:tcPr/>
+                </a:tc>
+                <a:extLst>
+                  <a:ext uri="{0D108BD9-81ED-4DB2-BD59-A6C34878D82A}">
+                    <a16:rowId xmlns:a16="http://schemas.microsoft.com/office/drawing/2014/main" val="2071844936"/>
+                  </a:ext>
+                </a:extLst>
+              </a:tr>
+              <a:tr h="370840">
+                <a:tc>
+                  <a:txBody>
+                    <a:bodyPr/>
+                    <a:lstStyle/>
+                    <a:p>
+                      <a:pPr algn="ctr"/>
+                      <a:r>
+                        <a:rPr lang="en-US">
+                          <a:latin typeface="Times New Roman" panose="02020603050405020304" pitchFamily="18" charset="0"/>
+                          <a:cs typeface="Times New Roman" panose="02020603050405020304" pitchFamily="18" charset="0"/>
+                        </a:rPr>
+                        <a:t>YC2-1</a:t>
+                      </a:r>
+                    </a:p>
+                  </a:txBody>
+                  <a:tcPr/>
+                </a:tc>
+                <a:tc>
+                  <a:txBody>
+                    <a:bodyPr/>
+                    <a:lstStyle/>
+                    <a:p>
+                      <a:pPr algn="ctr"/>
+                      <a:r>
+                        <a:rPr lang="en-US">
+                          <a:latin typeface="Times New Roman" panose="02020603050405020304" pitchFamily="18" charset="0"/>
+                          <a:cs typeface="Times New Roman" panose="02020603050405020304" pitchFamily="18" charset="0"/>
+                        </a:rPr>
+                        <a:t>---</a:t>
+                      </a:r>
+                    </a:p>
+                  </a:txBody>
+                  <a:tcPr/>
+                </a:tc>
+                <a:tc>
+                  <a:txBody>
+                    <a:bodyPr/>
+                    <a:lstStyle/>
+                    <a:p>
+                      <a:pPr algn="ctr"/>
+                      <a:r>
+                        <a:rPr lang="en-US">
+                          <a:latin typeface="Times New Roman" panose="02020603050405020304" pitchFamily="18" charset="0"/>
+                          <a:cs typeface="Times New Roman" panose="02020603050405020304" pitchFamily="18" charset="0"/>
+                        </a:rPr>
+                        <a:t>Hoàn thành</a:t>
+                      </a:r>
+                    </a:p>
+                  </a:txBody>
+                  <a:tcPr/>
+                </a:tc>
+                <a:extLst>
+                  <a:ext uri="{0D108BD9-81ED-4DB2-BD59-A6C34878D82A}">
+                    <a16:rowId xmlns:a16="http://schemas.microsoft.com/office/drawing/2014/main" val="583184748"/>
+                  </a:ext>
+                </a:extLst>
+              </a:tr>
+              <a:tr h="370840">
+                <a:tc>
+                  <a:txBody>
+                    <a:bodyPr/>
+                    <a:lstStyle/>
+                    <a:p>
+                      <a:pPr algn="ctr"/>
+                      <a:r>
+                        <a:rPr lang="en-US">
+                          <a:latin typeface="Times New Roman" panose="02020603050405020304" pitchFamily="18" charset="0"/>
+                          <a:cs typeface="Times New Roman" panose="02020603050405020304" pitchFamily="18" charset="0"/>
+                        </a:rPr>
+                        <a:t>YC2-2</a:t>
+                      </a:r>
+                    </a:p>
+                  </a:txBody>
+                  <a:tcPr/>
+                </a:tc>
+                <a:tc>
+                  <a:txBody>
+                    <a:bodyPr/>
+                    <a:lstStyle/>
+                    <a:p>
+                      <a:pPr algn="ctr"/>
+                      <a:r>
+                        <a:rPr lang="en-US">
+                          <a:latin typeface="Times New Roman" panose="02020603050405020304" pitchFamily="18" charset="0"/>
+                          <a:cs typeface="Times New Roman" panose="02020603050405020304" pitchFamily="18" charset="0"/>
+                        </a:rPr>
+                        <a:t>---</a:t>
+                      </a:r>
+                    </a:p>
+                  </a:txBody>
+                  <a:tcPr/>
+                </a:tc>
+                <a:tc>
+                  <a:txBody>
+                    <a:bodyPr/>
+                    <a:lstStyle/>
+                    <a:p>
+                      <a:pPr algn="ctr"/>
+                      <a:r>
+                        <a:rPr lang="en-US">
+                          <a:latin typeface="Times New Roman" panose="02020603050405020304" pitchFamily="18" charset="0"/>
+                          <a:cs typeface="Times New Roman" panose="02020603050405020304" pitchFamily="18" charset="0"/>
+                        </a:rPr>
+                        <a:t>Hoàn thành</a:t>
+                      </a:r>
+                    </a:p>
+                  </a:txBody>
+                  <a:tcPr/>
+                </a:tc>
+                <a:extLst>
+                  <a:ext uri="{0D108BD9-81ED-4DB2-BD59-A6C34878D82A}">
+                    <a16:rowId xmlns:a16="http://schemas.microsoft.com/office/drawing/2014/main" val="3755525977"/>
+                  </a:ext>
+                </a:extLst>
+              </a:tr>
+              <a:tr h="370840">
+                <a:tc>
+                  <a:txBody>
+                    <a:bodyPr/>
+                    <a:lstStyle/>
+                    <a:p>
+                      <a:pPr algn="ctr"/>
+                      <a:r>
+                        <a:rPr lang="en-US">
+                          <a:latin typeface="Times New Roman" panose="02020603050405020304" pitchFamily="18" charset="0"/>
+                          <a:cs typeface="Times New Roman" panose="02020603050405020304" pitchFamily="18" charset="0"/>
+                        </a:rPr>
+                        <a:t>YC2-3</a:t>
+                      </a:r>
+                    </a:p>
+                  </a:txBody>
+                  <a:tcPr/>
+                </a:tc>
+                <a:tc>
+                  <a:txBody>
+                    <a:bodyPr/>
+                    <a:lstStyle/>
+                    <a:p>
+                      <a:pPr algn="ctr"/>
+                      <a:r>
+                        <a:rPr lang="en-US">
+                          <a:latin typeface="Times New Roman" panose="02020603050405020304" pitchFamily="18" charset="0"/>
+                          <a:cs typeface="Times New Roman" panose="02020603050405020304" pitchFamily="18" charset="0"/>
+                        </a:rPr>
+                        <a:t>---</a:t>
+                      </a:r>
+                    </a:p>
+                  </a:txBody>
+                  <a:tcPr/>
+                </a:tc>
+                <a:tc>
+                  <a:txBody>
+                    <a:bodyPr/>
+                    <a:lstStyle/>
+                    <a:p>
+                      <a:pPr algn="ctr"/>
+                      <a:r>
+                        <a:rPr lang="en-US">
+                          <a:latin typeface="Times New Roman" panose="02020603050405020304" pitchFamily="18" charset="0"/>
+                          <a:cs typeface="Times New Roman" panose="02020603050405020304" pitchFamily="18" charset="0"/>
+                        </a:rPr>
+                        <a:t>Hoàn thành</a:t>
+                      </a:r>
+                    </a:p>
+                  </a:txBody>
+                  <a:tcPr/>
+                </a:tc>
+                <a:extLst>
+                  <a:ext uri="{0D108BD9-81ED-4DB2-BD59-A6C34878D82A}">
+                    <a16:rowId xmlns:a16="http://schemas.microsoft.com/office/drawing/2014/main" val="360111454"/>
+                  </a:ext>
+                </a:extLst>
+              </a:tr>
+              <a:tr h="370840">
+                <a:tc gridSpan="2">
+                  <a:txBody>
+                    <a:bodyPr/>
+                    <a:lstStyle/>
+                    <a:p>
+                      <a:pPr algn="ctr"/>
+                      <a:r>
+                        <a:rPr lang="en-US">
+                          <a:latin typeface="Times New Roman" panose="02020603050405020304" pitchFamily="18" charset="0"/>
+                          <a:cs typeface="Times New Roman" panose="02020603050405020304" pitchFamily="18" charset="0"/>
+                        </a:rPr>
+                        <a:t>Tổng điểm đánh giá</a:t>
+                      </a:r>
+                    </a:p>
+                  </a:txBody>
+                  <a:tcPr/>
+                </a:tc>
+                <a:tc hMerge="1">
+                  <a:txBody>
+                    <a:bodyPr/>
+                    <a:lstStyle/>
+                    <a:p>
+                      <a:pPr algn="ctr"/>
+                      <a:endParaRPr lang="en-US">
+                        <a:latin typeface="Times New Roman" panose="02020603050405020304" pitchFamily="18" charset="0"/>
+                        <a:cs typeface="Times New Roman" panose="02020603050405020304" pitchFamily="18" charset="0"/>
+                      </a:endParaRPr>
+                    </a:p>
+                  </a:txBody>
+                  <a:tcPr/>
+                </a:tc>
+                <a:tc>
+                  <a:txBody>
+                    <a:bodyPr/>
+                    <a:lstStyle/>
+                    <a:p>
+                      <a:pPr algn="ctr"/>
+                      <a:r>
+                        <a:rPr lang="en-US">
+                          <a:latin typeface="Times New Roman" panose="02020603050405020304" pitchFamily="18" charset="0"/>
+                          <a:cs typeface="Times New Roman" panose="02020603050405020304" pitchFamily="18" charset="0"/>
+                        </a:rPr>
+                        <a:t>2 điểm</a:t>
+                      </a:r>
+                    </a:p>
+                  </a:txBody>
+                  <a:tcPr/>
+                </a:tc>
+                <a:extLst>
+                  <a:ext uri="{0D108BD9-81ED-4DB2-BD59-A6C34878D82A}">
+                    <a16:rowId xmlns:a16="http://schemas.microsoft.com/office/drawing/2014/main" val="3314593414"/>
+                  </a:ext>
+                </a:extLst>
+              </a:tr>
+            </a:tbl>
+          </a:graphicData>
+        </a:graphic>
+      </p:graphicFrame>
+      <p:sp>
+        <p:nvSpPr>
+          <p:cNvPr id="4" name="TextBox 3">
+            <a:extLst>
+              <a:ext uri="{FF2B5EF4-FFF2-40B4-BE49-F238E27FC236}">
+                <a16:creationId xmlns:a16="http://schemas.microsoft.com/office/drawing/2014/main" id="{459EF129-6740-B341-7BC7-05D580180742}"/>
+              </a:ext>
+            </a:extLst>
+          </p:cNvPr>
+          <p:cNvSpPr txBox="1"/>
+          <p:nvPr/>
+        </p:nvSpPr>
+        <p:spPr>
+          <a:xfrm>
+            <a:off x="76200" y="1089327"/>
+            <a:ext cx="2159566" cy="369332"/>
+          </a:xfrm>
+          <a:prstGeom prst="rect">
+            <a:avLst/>
+          </a:prstGeom>
+          <a:noFill/>
+        </p:spPr>
+        <p:txBody>
+          <a:bodyPr wrap="none" rtlCol="0">
+            <a:spAutoFit/>
+          </a:bodyPr>
+          <a:lstStyle/>
+          <a:p>
+            <a:pPr marL="0" marR="0" lvl="0" indent="0" algn="l" defTabSz="457200" rtl="0" eaLnBrk="1" fontAlgn="auto" latinLnBrk="0" hangingPunct="1">
+              <a:lnSpc>
+                <a:spcPct val="100000"/>
+              </a:lnSpc>
+              <a:spcBef>
+                <a:spcPts val="0"/>
+              </a:spcBef>
+              <a:spcAft>
+                <a:spcPts val="0"/>
+              </a:spcAft>
+              <a:buClrTx/>
+              <a:buSzTx/>
+              <a:buFontTx/>
+              <a:buNone/>
+              <a:tabLst/>
+              <a:defRPr/>
+            </a:pPr>
+            <a:r>
+              <a:rPr kumimoji="0" lang="en-US" sz="1800" b="0" i="1" u="none" strike="noStrike" kern="1200" cap="none" spc="0" normalizeH="0" baseline="0" noProof="0">
+                <a:ln>
+                  <a:noFill/>
+                </a:ln>
+                <a:solidFill>
+                  <a:prstClr val="black"/>
+                </a:solidFill>
+                <a:effectLst/>
+                <a:uLnTx/>
+                <a:uFillTx/>
+                <a:latin typeface="Calibri" panose="020F0502020204030204"/>
+                <a:ea typeface="+mn-ea"/>
+                <a:cs typeface="+mn-cs"/>
+              </a:rPr>
+              <a:t>Đánh giá hoàn thành</a:t>
+            </a:r>
+          </a:p>
+        </p:txBody>
+      </p:sp>
+      <p:cxnSp>
+        <p:nvCxnSpPr>
+          <p:cNvPr id="2" name="Straight Connector 1">
+            <a:extLst>
+              <a:ext uri="{FF2B5EF4-FFF2-40B4-BE49-F238E27FC236}">
+                <a16:creationId xmlns:a16="http://schemas.microsoft.com/office/drawing/2014/main" id="{7C8A4417-1481-B1E7-23CC-E5C9CAD25F2C}"/>
+              </a:ext>
+            </a:extLst>
+          </p:cNvPr>
+          <p:cNvCxnSpPr>
+            <a:cxnSpLocks/>
+          </p:cNvCxnSpPr>
+          <p:nvPr/>
+        </p:nvCxnSpPr>
+        <p:spPr>
+          <a:xfrm>
+            <a:off x="4752975" y="6238875"/>
+            <a:ext cx="4286250" cy="0"/>
+          </a:xfrm>
+          <a:prstGeom prst="line">
+            <a:avLst/>
+          </a:prstGeom>
+        </p:spPr>
+        <p:style>
+          <a:lnRef idx="1">
+            <a:schemeClr val="accent1"/>
+          </a:lnRef>
+          <a:fillRef idx="0">
+            <a:schemeClr val="accent1"/>
+          </a:fillRef>
+          <a:effectRef idx="0">
+            <a:schemeClr val="accent1"/>
+          </a:effectRef>
+          <a:fontRef idx="minor">
+            <a:schemeClr val="tx1"/>
+          </a:fontRef>
+        </p:style>
+      </p:cxnSp>
+      <p:sp>
+        <p:nvSpPr>
+          <p:cNvPr id="6" name="TextBox 5">
+            <a:extLst>
+              <a:ext uri="{FF2B5EF4-FFF2-40B4-BE49-F238E27FC236}">
+                <a16:creationId xmlns:a16="http://schemas.microsoft.com/office/drawing/2014/main" id="{F6D86575-6F62-E86B-CB8C-67FDEFFD30D6}"/>
+              </a:ext>
+            </a:extLst>
+          </p:cNvPr>
+          <p:cNvSpPr txBox="1"/>
+          <p:nvPr/>
+        </p:nvSpPr>
+        <p:spPr>
+          <a:xfrm>
+            <a:off x="7753350" y="6336334"/>
+            <a:ext cx="1285874" cy="369332"/>
+          </a:xfrm>
+          <a:prstGeom prst="rect">
+            <a:avLst/>
+          </a:prstGeom>
+          <a:noFill/>
+        </p:spPr>
+        <p:txBody>
+          <a:bodyPr wrap="square" rtlCol="0">
+            <a:spAutoFit/>
+          </a:bodyPr>
+          <a:lstStyle/>
+          <a:p>
+            <a:pPr marL="0" marR="0" lvl="0" indent="0" algn="l" defTabSz="457200" rtl="0" eaLnBrk="1" fontAlgn="auto" latinLnBrk="0" hangingPunct="1">
+              <a:lnSpc>
+                <a:spcPct val="100000"/>
+              </a:lnSpc>
+              <a:spcBef>
+                <a:spcPts val="0"/>
+              </a:spcBef>
+              <a:spcAft>
+                <a:spcPts val="0"/>
+              </a:spcAft>
+              <a:buClrTx/>
+              <a:buSzTx/>
+              <a:buFontTx/>
+              <a:buNone/>
+              <a:tabLst/>
+              <a:defRPr/>
+            </a:pPr>
+            <a:r>
+              <a:rPr kumimoji="0" lang="en-US" sz="1800" b="0" i="0" u="none" strike="noStrike" kern="1200" cap="none" spc="0" normalizeH="0" baseline="0" noProof="0">
+                <a:ln>
+                  <a:noFill/>
+                </a:ln>
+                <a:solidFill>
+                  <a:prstClr val="black"/>
+                </a:solidFill>
+                <a:effectLst/>
+                <a:uLnTx/>
+                <a:uFillTx/>
+                <a:latin typeface="Calibri" panose="020F0502020204030204"/>
+                <a:ea typeface="+mn-ea"/>
+                <a:cs typeface="+mn-cs"/>
+              </a:rPr>
+              <a:t>Trang 15</a:t>
+            </a:r>
+          </a:p>
+        </p:txBody>
+      </p:sp>
+    </p:spTree>
+    <p:extLst>
+      <p:ext uri="{BB962C8B-B14F-4D97-AF65-F5344CB8AC3E}">
+        <p14:creationId xmlns:p14="http://schemas.microsoft.com/office/powerpoint/2010/main" val="3682275108"/>
+      </p:ext>
+    </p:extLst>
+  </p:cSld>
+  <p:clrMapOvr>
+    <a:masterClrMapping/>
+  </p:clrMapOvr>
+</p:sld>
+</file>
+
+<file path=ppt/slides/slide12.xml><?xml version="1.0" encoding="utf-8"?>
+<p:sld xmlns:a="http://schemas.openxmlformats.org/drawingml/2006/main" xmlns:r="http://schemas.openxmlformats.org/officeDocument/2006/relationships" xmlns:p="http://schemas.openxmlformats.org/presentationml/2006/main">
+  <p:cSld>
+    <p:spTree>
+      <p:nvGrpSpPr>
+        <p:cNvPr id="1" name=""/>
+        <p:cNvGrpSpPr/>
+        <p:nvPr/>
+      </p:nvGrpSpPr>
+      <p:grpSpPr>
+        <a:xfrm>
+          <a:off x="0" y="0"/>
+          <a:ext cx="0" cy="0"/>
+          <a:chOff x="0" y="0"/>
+          <a:chExt cx="0" cy="0"/>
+        </a:xfrm>
+      </p:grpSpPr>
+      <p:pic>
+        <p:nvPicPr>
+          <p:cNvPr id="1034" name="Picture 10">
+            <a:extLst>
+              <a:ext uri="{FF2B5EF4-FFF2-40B4-BE49-F238E27FC236}">
+                <a16:creationId xmlns:a16="http://schemas.microsoft.com/office/drawing/2014/main" id="{6F72484C-A752-76F3-F259-0A997B815A00}"/>
+              </a:ext>
+            </a:extLst>
+          </p:cNvPr>
+          <p:cNvPicPr>
+            <a:picLocks noChangeAspect="1" noChangeArrowheads="1"/>
+          </p:cNvPicPr>
+          <p:nvPr/>
+        </p:nvPicPr>
+        <p:blipFill>
+          <a:blip r:embed="rId2">
+            <a:extLst>
+              <a:ext uri="{28A0092B-C50C-407E-A947-70E740481C1C}">
+                <a14:useLocalDpi xmlns:a14="http://schemas.microsoft.com/office/drawing/2010/main" val="0"/>
+              </a:ext>
+            </a:extLst>
+          </a:blip>
+          <a:srcRect/>
+          <a:stretch>
+            <a:fillRect/>
+          </a:stretch>
+        </p:blipFill>
+        <p:spPr bwMode="auto">
+          <a:xfrm>
+            <a:off x="76200" y="119063"/>
+            <a:ext cx="1114424" cy="614791"/>
+          </a:xfrm>
+          <a:prstGeom prst="rect">
+            <a:avLst/>
+          </a:prstGeom>
+          <a:noFill/>
+          <a:extLst>
+            <a:ext uri="{909E8E84-426E-40DD-AFC4-6F175D3DCCD1}">
+              <a14:hiddenFill xmlns:a14="http://schemas.microsoft.com/office/drawing/2010/main">
+                <a:solidFill>
+                  <a:srgbClr val="FFFFFF"/>
+                </a:solidFill>
+              </a14:hiddenFill>
+            </a:ext>
+          </a:extLst>
+        </p:spPr>
+      </p:pic>
+      <p:cxnSp>
+        <p:nvCxnSpPr>
+          <p:cNvPr id="11" name="Straight Connector 10">
+            <a:extLst>
+              <a:ext uri="{FF2B5EF4-FFF2-40B4-BE49-F238E27FC236}">
+                <a16:creationId xmlns:a16="http://schemas.microsoft.com/office/drawing/2014/main" id="{E5C4A229-E185-5A4B-53B1-81D591292671}"/>
+              </a:ext>
+            </a:extLst>
+          </p:cNvPr>
+          <p:cNvCxnSpPr>
+            <a:cxnSpLocks/>
+          </p:cNvCxnSpPr>
+          <p:nvPr/>
+        </p:nvCxnSpPr>
+        <p:spPr>
+          <a:xfrm>
+            <a:off x="76200" y="847725"/>
+            <a:ext cx="7648575" cy="0"/>
+          </a:xfrm>
+          <a:prstGeom prst="line">
+            <a:avLst/>
+          </a:prstGeom>
+        </p:spPr>
+        <p:style>
+          <a:lnRef idx="1">
+            <a:schemeClr val="accent1"/>
+          </a:lnRef>
+          <a:fillRef idx="0">
+            <a:schemeClr val="accent1"/>
+          </a:fillRef>
+          <a:effectRef idx="0">
+            <a:schemeClr val="accent1"/>
+          </a:effectRef>
+          <a:fontRef idx="minor">
+            <a:schemeClr val="tx1"/>
+          </a:fontRef>
+        </p:style>
+      </p:cxnSp>
+      <p:sp>
+        <p:nvSpPr>
+          <p:cNvPr id="14" name="TextBox 13">
+            <a:extLst>
+              <a:ext uri="{FF2B5EF4-FFF2-40B4-BE49-F238E27FC236}">
+                <a16:creationId xmlns:a16="http://schemas.microsoft.com/office/drawing/2014/main" id="{63B4AB36-B54A-EA5C-2A74-F2C80BE0CBC4}"/>
+              </a:ext>
+            </a:extLst>
+          </p:cNvPr>
+          <p:cNvSpPr txBox="1"/>
+          <p:nvPr/>
+        </p:nvSpPr>
+        <p:spPr>
+          <a:xfrm>
+            <a:off x="1390650" y="236792"/>
+            <a:ext cx="6362700" cy="369332"/>
+          </a:xfrm>
+          <a:prstGeom prst="rect">
+            <a:avLst/>
+          </a:prstGeom>
+          <a:noFill/>
+        </p:spPr>
+        <p:txBody>
+          <a:bodyPr wrap="square" rtlCol="0">
+            <a:spAutoFit/>
+          </a:bodyPr>
+          <a:lstStyle/>
+          <a:p>
+            <a:r>
+              <a:rPr lang="fr-FR" b="1"/>
+              <a:t>Câu 3 (2.0 điểm): Logical Agents</a:t>
+            </a:r>
+            <a:endParaRPr lang="en-US" b="1"/>
+          </a:p>
+        </p:txBody>
+      </p:sp>
+      <p:cxnSp>
+        <p:nvCxnSpPr>
+          <p:cNvPr id="2" name="Straight Connector 1">
+            <a:extLst>
+              <a:ext uri="{FF2B5EF4-FFF2-40B4-BE49-F238E27FC236}">
+                <a16:creationId xmlns:a16="http://schemas.microsoft.com/office/drawing/2014/main" id="{AF3ADEA5-03F2-7E56-B6E6-8B6970A896CF}"/>
+              </a:ext>
+            </a:extLst>
+          </p:cNvPr>
+          <p:cNvCxnSpPr>
+            <a:cxnSpLocks/>
+          </p:cNvCxnSpPr>
+          <p:nvPr/>
+        </p:nvCxnSpPr>
+        <p:spPr>
+          <a:xfrm>
+            <a:off x="4752975" y="6238875"/>
+            <a:ext cx="4286250" cy="0"/>
+          </a:xfrm>
+          <a:prstGeom prst="line">
+            <a:avLst/>
+          </a:prstGeom>
+        </p:spPr>
+        <p:style>
+          <a:lnRef idx="1">
+            <a:schemeClr val="accent1"/>
+          </a:lnRef>
+          <a:fillRef idx="0">
+            <a:schemeClr val="accent1"/>
+          </a:fillRef>
+          <a:effectRef idx="0">
+            <a:schemeClr val="accent1"/>
+          </a:effectRef>
+          <a:fontRef idx="minor">
+            <a:schemeClr val="tx1"/>
+          </a:fontRef>
+        </p:style>
+      </p:cxnSp>
+      <p:sp>
+        <p:nvSpPr>
+          <p:cNvPr id="4" name="TextBox 3">
+            <a:extLst>
+              <a:ext uri="{FF2B5EF4-FFF2-40B4-BE49-F238E27FC236}">
+                <a16:creationId xmlns:a16="http://schemas.microsoft.com/office/drawing/2014/main" id="{11342279-3B1B-9555-FD5C-CA3839B3D029}"/>
+              </a:ext>
+            </a:extLst>
+          </p:cNvPr>
+          <p:cNvSpPr txBox="1"/>
+          <p:nvPr/>
+        </p:nvSpPr>
+        <p:spPr>
+          <a:xfrm>
+            <a:off x="7753350" y="6336334"/>
+            <a:ext cx="1285874" cy="369332"/>
+          </a:xfrm>
+          <a:prstGeom prst="rect">
+            <a:avLst/>
+          </a:prstGeom>
+          <a:noFill/>
+        </p:spPr>
+        <p:txBody>
+          <a:bodyPr wrap="square" rtlCol="0">
+            <a:spAutoFit/>
+          </a:bodyPr>
+          <a:lstStyle/>
+          <a:p>
+            <a:r>
+              <a:rPr lang="en-US"/>
+              <a:t>Trang 4</a:t>
+            </a:r>
+          </a:p>
+        </p:txBody>
+      </p:sp>
+      <p:sp>
+        <p:nvSpPr>
+          <p:cNvPr id="5" name="TextBox 4">
+            <a:extLst>
+              <a:ext uri="{FF2B5EF4-FFF2-40B4-BE49-F238E27FC236}">
+                <a16:creationId xmlns:a16="http://schemas.microsoft.com/office/drawing/2014/main" id="{2FD009FE-CA5C-D5A4-E99D-1E506F763D1C}"/>
+              </a:ext>
+            </a:extLst>
+          </p:cNvPr>
+          <p:cNvSpPr txBox="1"/>
+          <p:nvPr/>
+        </p:nvSpPr>
+        <p:spPr>
+          <a:xfrm>
+            <a:off x="304800" y="1228725"/>
+            <a:ext cx="5210175" cy="369332"/>
+          </a:xfrm>
+          <a:prstGeom prst="rect">
+            <a:avLst/>
+          </a:prstGeom>
+          <a:noFill/>
+        </p:spPr>
+        <p:txBody>
+          <a:bodyPr wrap="square" rtlCol="0">
+            <a:spAutoFit/>
+          </a:bodyPr>
+          <a:lstStyle/>
+          <a:p>
+            <a:r>
+              <a:rPr lang="en-US"/>
+              <a:t>YC3.1</a:t>
+            </a:r>
+          </a:p>
+        </p:txBody>
+      </p:sp>
+      <p:sp>
+        <p:nvSpPr>
+          <p:cNvPr id="8" name="TextBox 7">
+            <a:extLst>
+              <a:ext uri="{FF2B5EF4-FFF2-40B4-BE49-F238E27FC236}">
+                <a16:creationId xmlns:a16="http://schemas.microsoft.com/office/drawing/2014/main" id="{FE5D4E40-17C8-086B-12F6-4368FAD8DA16}"/>
+              </a:ext>
+            </a:extLst>
+          </p:cNvPr>
+          <p:cNvSpPr txBox="1"/>
+          <p:nvPr/>
+        </p:nvSpPr>
+        <p:spPr>
+          <a:xfrm>
+            <a:off x="2194777" y="4568794"/>
+            <a:ext cx="4754443" cy="369332"/>
+          </a:xfrm>
+          <a:prstGeom prst="rect">
+            <a:avLst/>
+          </a:prstGeom>
+          <a:noFill/>
+        </p:spPr>
+        <p:txBody>
+          <a:bodyPr wrap="none" rtlCol="0">
+            <a:spAutoFit/>
+          </a:bodyPr>
+          <a:lstStyle/>
+          <a:p>
+            <a:r>
+              <a:rPr lang="en-US" i="1"/>
+              <a:t>Cài đặt EightQueenSolver bằng Glucose3 với CNF</a:t>
+            </a:r>
+          </a:p>
+        </p:txBody>
+      </p:sp>
+      <p:pic>
+        <p:nvPicPr>
+          <p:cNvPr id="7" name="Picture 6">
+            <a:extLst>
+              <a:ext uri="{FF2B5EF4-FFF2-40B4-BE49-F238E27FC236}">
+                <a16:creationId xmlns:a16="http://schemas.microsoft.com/office/drawing/2014/main" id="{1231DF50-44F7-D512-7848-C09E648633A4}"/>
+              </a:ext>
+            </a:extLst>
+          </p:cNvPr>
+          <p:cNvPicPr>
+            <a:picLocks noChangeAspect="1"/>
+          </p:cNvPicPr>
+          <p:nvPr/>
+        </p:nvPicPr>
+        <p:blipFill>
+          <a:blip r:embed="rId3"/>
+          <a:stretch>
+            <a:fillRect/>
+          </a:stretch>
+        </p:blipFill>
+        <p:spPr>
+          <a:xfrm>
+            <a:off x="2914506" y="1682955"/>
+            <a:ext cx="3314987" cy="2133785"/>
+          </a:xfrm>
+          <a:prstGeom prst="rect">
+            <a:avLst/>
+          </a:prstGeom>
+        </p:spPr>
+      </p:pic>
+    </p:spTree>
+    <p:extLst>
+      <p:ext uri="{BB962C8B-B14F-4D97-AF65-F5344CB8AC3E}">
+        <p14:creationId xmlns:p14="http://schemas.microsoft.com/office/powerpoint/2010/main" val="2450269525"/>
+      </p:ext>
+    </p:extLst>
+  </p:cSld>
+  <p:clrMapOvr>
+    <a:masterClrMapping/>
+  </p:clrMapOvr>
+</p:sld>
+</file>
+
+<file path=ppt/slides/slide13.xml><?xml version="1.0" encoding="utf-8"?>
+<p:sld xmlns:a="http://schemas.openxmlformats.org/drawingml/2006/main" xmlns:r="http://schemas.openxmlformats.org/officeDocument/2006/relationships" xmlns:p="http://schemas.openxmlformats.org/presentationml/2006/main">
+  <p:cSld>
+    <p:spTree>
+      <p:nvGrpSpPr>
+        <p:cNvPr id="1" name=""/>
+        <p:cNvGrpSpPr/>
+        <p:nvPr/>
+      </p:nvGrpSpPr>
+      <p:grpSpPr>
+        <a:xfrm>
+          <a:off x="0" y="0"/>
+          <a:ext cx="0" cy="0"/>
+          <a:chOff x="0" y="0"/>
+          <a:chExt cx="0" cy="0"/>
+        </a:xfrm>
+      </p:grpSpPr>
+      <p:pic>
+        <p:nvPicPr>
+          <p:cNvPr id="1034" name="Picture 10">
+            <a:extLst>
+              <a:ext uri="{FF2B5EF4-FFF2-40B4-BE49-F238E27FC236}">
+                <a16:creationId xmlns:a16="http://schemas.microsoft.com/office/drawing/2014/main" id="{6F72484C-A752-76F3-F259-0A997B815A00}"/>
+              </a:ext>
+            </a:extLst>
+          </p:cNvPr>
+          <p:cNvPicPr>
+            <a:picLocks noChangeAspect="1" noChangeArrowheads="1"/>
+          </p:cNvPicPr>
+          <p:nvPr/>
+        </p:nvPicPr>
+        <p:blipFill>
+          <a:blip r:embed="rId2">
+            <a:extLst>
+              <a:ext uri="{28A0092B-C50C-407E-A947-70E740481C1C}">
+                <a14:useLocalDpi xmlns:a14="http://schemas.microsoft.com/office/drawing/2010/main" val="0"/>
+              </a:ext>
+            </a:extLst>
+          </a:blip>
+          <a:srcRect/>
+          <a:stretch>
+            <a:fillRect/>
+          </a:stretch>
+        </p:blipFill>
+        <p:spPr bwMode="auto">
+          <a:xfrm>
+            <a:off x="76200" y="119063"/>
+            <a:ext cx="1114424" cy="614791"/>
+          </a:xfrm>
+          <a:prstGeom prst="rect">
+            <a:avLst/>
+          </a:prstGeom>
+          <a:noFill/>
+          <a:extLst>
+            <a:ext uri="{909E8E84-426E-40DD-AFC4-6F175D3DCCD1}">
+              <a14:hiddenFill xmlns:a14="http://schemas.microsoft.com/office/drawing/2010/main">
+                <a:solidFill>
+                  <a:srgbClr val="FFFFFF"/>
+                </a:solidFill>
+              </a14:hiddenFill>
+            </a:ext>
+          </a:extLst>
+        </p:spPr>
+      </p:pic>
+      <p:cxnSp>
+        <p:nvCxnSpPr>
+          <p:cNvPr id="11" name="Straight Connector 10">
+            <a:extLst>
+              <a:ext uri="{FF2B5EF4-FFF2-40B4-BE49-F238E27FC236}">
+                <a16:creationId xmlns:a16="http://schemas.microsoft.com/office/drawing/2014/main" id="{E5C4A229-E185-5A4B-53B1-81D591292671}"/>
+              </a:ext>
+            </a:extLst>
+          </p:cNvPr>
+          <p:cNvCxnSpPr>
+            <a:cxnSpLocks/>
+          </p:cNvCxnSpPr>
+          <p:nvPr/>
+        </p:nvCxnSpPr>
+        <p:spPr>
+          <a:xfrm>
+            <a:off x="76200" y="847725"/>
+            <a:ext cx="7648575" cy="0"/>
+          </a:xfrm>
+          <a:prstGeom prst="line">
+            <a:avLst/>
+          </a:prstGeom>
+        </p:spPr>
+        <p:style>
+          <a:lnRef idx="1">
+            <a:schemeClr val="accent1"/>
+          </a:lnRef>
+          <a:fillRef idx="0">
+            <a:schemeClr val="accent1"/>
+          </a:fillRef>
+          <a:effectRef idx="0">
+            <a:schemeClr val="accent1"/>
+          </a:effectRef>
+          <a:fontRef idx="minor">
+            <a:schemeClr val="tx1"/>
+          </a:fontRef>
+        </p:style>
+      </p:cxnSp>
+      <p:sp>
+        <p:nvSpPr>
+          <p:cNvPr id="14" name="TextBox 13">
+            <a:extLst>
+              <a:ext uri="{FF2B5EF4-FFF2-40B4-BE49-F238E27FC236}">
+                <a16:creationId xmlns:a16="http://schemas.microsoft.com/office/drawing/2014/main" id="{63B4AB36-B54A-EA5C-2A74-F2C80BE0CBC4}"/>
+              </a:ext>
+            </a:extLst>
+          </p:cNvPr>
+          <p:cNvSpPr txBox="1"/>
+          <p:nvPr/>
+        </p:nvSpPr>
+        <p:spPr>
+          <a:xfrm>
+            <a:off x="1390650" y="236792"/>
+            <a:ext cx="6362700" cy="369332"/>
+          </a:xfrm>
+          <a:prstGeom prst="rect">
+            <a:avLst/>
+          </a:prstGeom>
+          <a:noFill/>
+        </p:spPr>
+        <p:txBody>
+          <a:bodyPr wrap="square" rtlCol="0">
+            <a:spAutoFit/>
+          </a:bodyPr>
+          <a:lstStyle/>
+          <a:p>
+            <a:r>
+              <a:rPr lang="fr-FR" b="1"/>
+              <a:t>Câu 3 (2.0 điểm): Logical Agents</a:t>
+            </a:r>
+            <a:endParaRPr lang="en-US" b="1"/>
+          </a:p>
+        </p:txBody>
+      </p:sp>
+      <p:cxnSp>
+        <p:nvCxnSpPr>
+          <p:cNvPr id="2" name="Straight Connector 1">
+            <a:extLst>
+              <a:ext uri="{FF2B5EF4-FFF2-40B4-BE49-F238E27FC236}">
+                <a16:creationId xmlns:a16="http://schemas.microsoft.com/office/drawing/2014/main" id="{AF3ADEA5-03F2-7E56-B6E6-8B6970A896CF}"/>
+              </a:ext>
+            </a:extLst>
+          </p:cNvPr>
+          <p:cNvCxnSpPr>
+            <a:cxnSpLocks/>
+          </p:cNvCxnSpPr>
+          <p:nvPr/>
+        </p:nvCxnSpPr>
+        <p:spPr>
+          <a:xfrm>
+            <a:off x="4752975" y="6238875"/>
+            <a:ext cx="4286250" cy="0"/>
+          </a:xfrm>
+          <a:prstGeom prst="line">
+            <a:avLst/>
+          </a:prstGeom>
+        </p:spPr>
+        <p:style>
+          <a:lnRef idx="1">
+            <a:schemeClr val="accent1"/>
+          </a:lnRef>
+          <a:fillRef idx="0">
+            <a:schemeClr val="accent1"/>
+          </a:fillRef>
+          <a:effectRef idx="0">
+            <a:schemeClr val="accent1"/>
+          </a:effectRef>
+          <a:fontRef idx="minor">
+            <a:schemeClr val="tx1"/>
+          </a:fontRef>
+        </p:style>
+      </p:cxnSp>
+      <p:sp>
+        <p:nvSpPr>
+          <p:cNvPr id="4" name="TextBox 3">
+            <a:extLst>
+              <a:ext uri="{FF2B5EF4-FFF2-40B4-BE49-F238E27FC236}">
+                <a16:creationId xmlns:a16="http://schemas.microsoft.com/office/drawing/2014/main" id="{11342279-3B1B-9555-FD5C-CA3839B3D029}"/>
+              </a:ext>
+            </a:extLst>
+          </p:cNvPr>
+          <p:cNvSpPr txBox="1"/>
+          <p:nvPr/>
+        </p:nvSpPr>
+        <p:spPr>
+          <a:xfrm>
+            <a:off x="7753350" y="6336334"/>
+            <a:ext cx="1285874" cy="369332"/>
+          </a:xfrm>
+          <a:prstGeom prst="rect">
+            <a:avLst/>
+          </a:prstGeom>
+          <a:noFill/>
+        </p:spPr>
+        <p:txBody>
+          <a:bodyPr wrap="square" rtlCol="0">
+            <a:spAutoFit/>
+          </a:bodyPr>
+          <a:lstStyle/>
+          <a:p>
+            <a:r>
+              <a:rPr lang="en-US"/>
+              <a:t>Trang 4</a:t>
+            </a:r>
+          </a:p>
+        </p:txBody>
+      </p:sp>
+      <p:sp>
+        <p:nvSpPr>
+          <p:cNvPr id="5" name="TextBox 4">
+            <a:extLst>
+              <a:ext uri="{FF2B5EF4-FFF2-40B4-BE49-F238E27FC236}">
+                <a16:creationId xmlns:a16="http://schemas.microsoft.com/office/drawing/2014/main" id="{2FD009FE-CA5C-D5A4-E99D-1E506F763D1C}"/>
+              </a:ext>
+            </a:extLst>
+          </p:cNvPr>
+          <p:cNvSpPr txBox="1"/>
+          <p:nvPr/>
+        </p:nvSpPr>
+        <p:spPr>
+          <a:xfrm>
+            <a:off x="304800" y="1228725"/>
+            <a:ext cx="5210175" cy="369332"/>
+          </a:xfrm>
+          <a:prstGeom prst="rect">
+            <a:avLst/>
+          </a:prstGeom>
+          <a:noFill/>
+        </p:spPr>
+        <p:txBody>
+          <a:bodyPr wrap="square" rtlCol="0">
+            <a:spAutoFit/>
+          </a:bodyPr>
+          <a:lstStyle/>
+          <a:p>
+            <a:r>
+              <a:rPr lang="en-US"/>
+              <a:t>YC3.2</a:t>
+            </a:r>
+          </a:p>
+        </p:txBody>
+      </p:sp>
+      <p:sp>
+        <p:nvSpPr>
+          <p:cNvPr id="8" name="TextBox 7">
+            <a:extLst>
+              <a:ext uri="{FF2B5EF4-FFF2-40B4-BE49-F238E27FC236}">
+                <a16:creationId xmlns:a16="http://schemas.microsoft.com/office/drawing/2014/main" id="{FE5D4E40-17C8-086B-12F6-4368FAD8DA16}"/>
+              </a:ext>
+            </a:extLst>
+          </p:cNvPr>
+          <p:cNvSpPr txBox="1"/>
+          <p:nvPr/>
+        </p:nvSpPr>
+        <p:spPr>
+          <a:xfrm>
+            <a:off x="2379058" y="4689374"/>
+            <a:ext cx="4385881" cy="369332"/>
+          </a:xfrm>
+          <a:prstGeom prst="rect">
+            <a:avLst/>
+          </a:prstGeom>
+          <a:noFill/>
+        </p:spPr>
+        <p:txBody>
+          <a:bodyPr wrap="none" rtlCol="0">
+            <a:spAutoFit/>
+          </a:bodyPr>
+          <a:lstStyle/>
+          <a:p>
+            <a:r>
+              <a:rPr lang="en-US" i="1"/>
+              <a:t>Cài đặt NQueenSolver bằng Glucose3 với CNF</a:t>
+            </a:r>
+          </a:p>
+        </p:txBody>
+      </p:sp>
+      <p:pic>
+        <p:nvPicPr>
+          <p:cNvPr id="6" name="Picture 5">
+            <a:extLst>
+              <a:ext uri="{FF2B5EF4-FFF2-40B4-BE49-F238E27FC236}">
+                <a16:creationId xmlns:a16="http://schemas.microsoft.com/office/drawing/2014/main" id="{961AAD6C-CC86-5091-ECFE-6957EBB93760}"/>
+              </a:ext>
+            </a:extLst>
+          </p:cNvPr>
+          <p:cNvPicPr>
+            <a:picLocks noChangeAspect="1"/>
+          </p:cNvPicPr>
+          <p:nvPr/>
+        </p:nvPicPr>
+        <p:blipFill>
+          <a:blip r:embed="rId3"/>
+          <a:stretch>
+            <a:fillRect/>
+          </a:stretch>
+        </p:blipFill>
+        <p:spPr>
+          <a:xfrm>
+            <a:off x="2929745" y="1975053"/>
+            <a:ext cx="3284505" cy="2270957"/>
+          </a:xfrm>
+          <a:prstGeom prst="rect">
+            <a:avLst/>
+          </a:prstGeom>
+        </p:spPr>
+      </p:pic>
+    </p:spTree>
+    <p:extLst>
+      <p:ext uri="{BB962C8B-B14F-4D97-AF65-F5344CB8AC3E}">
+        <p14:creationId xmlns:p14="http://schemas.microsoft.com/office/powerpoint/2010/main" val="3480722215"/>
+      </p:ext>
+    </p:extLst>
+  </p:cSld>
+  <p:clrMapOvr>
+    <a:masterClrMapping/>
+  </p:clrMapOvr>
+</p:sld>
+</file>
+
+<file path=ppt/slides/slide14.xml><?xml version="1.0" encoding="utf-8"?>
+<p:sld xmlns:a="http://schemas.openxmlformats.org/drawingml/2006/main" xmlns:r="http://schemas.openxmlformats.org/officeDocument/2006/relationships" xmlns:p="http://schemas.openxmlformats.org/presentationml/2006/main">
+  <p:cSld>
+    <p:spTree>
+      <p:nvGrpSpPr>
+        <p:cNvPr id="1" name=""/>
+        <p:cNvGrpSpPr/>
+        <p:nvPr/>
+      </p:nvGrpSpPr>
+      <p:grpSpPr>
+        <a:xfrm>
+          <a:off x="0" y="0"/>
+          <a:ext cx="0" cy="0"/>
+          <a:chOff x="0" y="0"/>
+          <a:chExt cx="0" cy="0"/>
+        </a:xfrm>
+      </p:grpSpPr>
+      <p:pic>
+        <p:nvPicPr>
+          <p:cNvPr id="1034" name="Picture 10">
+            <a:extLst>
+              <a:ext uri="{FF2B5EF4-FFF2-40B4-BE49-F238E27FC236}">
+                <a16:creationId xmlns:a16="http://schemas.microsoft.com/office/drawing/2014/main" id="{6F72484C-A752-76F3-F259-0A997B815A00}"/>
+              </a:ext>
+            </a:extLst>
+          </p:cNvPr>
+          <p:cNvPicPr>
+            <a:picLocks noChangeAspect="1" noChangeArrowheads="1"/>
+          </p:cNvPicPr>
+          <p:nvPr/>
+        </p:nvPicPr>
+        <p:blipFill>
+          <a:blip r:embed="rId2">
+            <a:extLst>
+              <a:ext uri="{28A0092B-C50C-407E-A947-70E740481C1C}">
+                <a14:useLocalDpi xmlns:a14="http://schemas.microsoft.com/office/drawing/2010/main" val="0"/>
+              </a:ext>
+            </a:extLst>
+          </a:blip>
+          <a:srcRect/>
+          <a:stretch>
+            <a:fillRect/>
+          </a:stretch>
+        </p:blipFill>
+        <p:spPr bwMode="auto">
+          <a:xfrm>
+            <a:off x="76200" y="119063"/>
+            <a:ext cx="1114424" cy="614791"/>
+          </a:xfrm>
+          <a:prstGeom prst="rect">
+            <a:avLst/>
+          </a:prstGeom>
+          <a:noFill/>
+          <a:extLst>
+            <a:ext uri="{909E8E84-426E-40DD-AFC4-6F175D3DCCD1}">
+              <a14:hiddenFill xmlns:a14="http://schemas.microsoft.com/office/drawing/2010/main">
+                <a:solidFill>
+                  <a:srgbClr val="FFFFFF"/>
+                </a:solidFill>
+              </a14:hiddenFill>
+            </a:ext>
+          </a:extLst>
+        </p:spPr>
+      </p:pic>
+      <p:cxnSp>
+        <p:nvCxnSpPr>
+          <p:cNvPr id="11" name="Straight Connector 10">
+            <a:extLst>
+              <a:ext uri="{FF2B5EF4-FFF2-40B4-BE49-F238E27FC236}">
+                <a16:creationId xmlns:a16="http://schemas.microsoft.com/office/drawing/2014/main" id="{E5C4A229-E185-5A4B-53B1-81D591292671}"/>
+              </a:ext>
+            </a:extLst>
+          </p:cNvPr>
+          <p:cNvCxnSpPr>
+            <a:cxnSpLocks/>
+          </p:cNvCxnSpPr>
+          <p:nvPr/>
+        </p:nvCxnSpPr>
+        <p:spPr>
+          <a:xfrm>
+            <a:off x="76200" y="847725"/>
+            <a:ext cx="7648575" cy="0"/>
+          </a:xfrm>
+          <a:prstGeom prst="line">
+            <a:avLst/>
+          </a:prstGeom>
+        </p:spPr>
+        <p:style>
+          <a:lnRef idx="1">
+            <a:schemeClr val="accent1"/>
+          </a:lnRef>
+          <a:fillRef idx="0">
+            <a:schemeClr val="accent1"/>
+          </a:fillRef>
+          <a:effectRef idx="0">
+            <a:schemeClr val="accent1"/>
+          </a:effectRef>
+          <a:fontRef idx="minor">
+            <a:schemeClr val="tx1"/>
+          </a:fontRef>
+        </p:style>
+      </p:cxnSp>
+      <p:sp>
+        <p:nvSpPr>
+          <p:cNvPr id="14" name="TextBox 13">
+            <a:extLst>
+              <a:ext uri="{FF2B5EF4-FFF2-40B4-BE49-F238E27FC236}">
+                <a16:creationId xmlns:a16="http://schemas.microsoft.com/office/drawing/2014/main" id="{63B4AB36-B54A-EA5C-2A74-F2C80BE0CBC4}"/>
+              </a:ext>
+            </a:extLst>
+          </p:cNvPr>
+          <p:cNvSpPr txBox="1"/>
+          <p:nvPr/>
+        </p:nvSpPr>
+        <p:spPr>
+          <a:xfrm>
+            <a:off x="1390650" y="236792"/>
+            <a:ext cx="6362700" cy="369332"/>
+          </a:xfrm>
+          <a:prstGeom prst="rect">
+            <a:avLst/>
+          </a:prstGeom>
+          <a:noFill/>
+        </p:spPr>
+        <p:txBody>
+          <a:bodyPr wrap="square" rtlCol="0">
+            <a:spAutoFit/>
+          </a:bodyPr>
+          <a:lstStyle/>
+          <a:p>
+            <a:r>
+              <a:rPr lang="fr-FR" b="1"/>
+              <a:t>Câu 3 (2.0 điểm): Logical Agents</a:t>
+            </a:r>
+            <a:endParaRPr lang="en-US" b="1"/>
+          </a:p>
+        </p:txBody>
+      </p:sp>
+      <p:graphicFrame>
+        <p:nvGraphicFramePr>
+          <p:cNvPr id="3" name="Table 16">
+            <a:extLst>
+              <a:ext uri="{FF2B5EF4-FFF2-40B4-BE49-F238E27FC236}">
+                <a16:creationId xmlns:a16="http://schemas.microsoft.com/office/drawing/2014/main" id="{5E8325E1-BDCF-5783-E97F-C770E7E58F6D}"/>
+              </a:ext>
+            </a:extLst>
+          </p:cNvPr>
+          <p:cNvGraphicFramePr>
+            <a:graphicFrameLocks noGrp="1"/>
+          </p:cNvGraphicFramePr>
+          <p:nvPr>
+            <p:extLst>
+              <p:ext uri="{D42A27DB-BD31-4B8C-83A1-F6EECF244321}">
+                <p14:modId xmlns:p14="http://schemas.microsoft.com/office/powerpoint/2010/main" val="3266440342"/>
+              </p:ext>
+            </p:extLst>
+          </p:nvPr>
+        </p:nvGraphicFramePr>
+        <p:xfrm>
+          <a:off x="1850248" y="1815894"/>
+          <a:ext cx="5443503" cy="1483360"/>
+        </p:xfrm>
+        <a:graphic>
+          <a:graphicData uri="http://schemas.openxmlformats.org/drawingml/2006/table">
+            <a:tbl>
+              <a:tblPr firstRow="1" bandRow="1">
+                <a:tableStyleId>{F5AB1C69-6EDB-4FF4-983F-18BD219EF322}</a:tableStyleId>
+              </a:tblPr>
+              <a:tblGrid>
+                <a:gridCol w="1662078">
+                  <a:extLst>
+                    <a:ext uri="{9D8B030D-6E8A-4147-A177-3AD203B41FA5}">
+                      <a16:colId xmlns:a16="http://schemas.microsoft.com/office/drawing/2014/main" val="3939429785"/>
+                    </a:ext>
+                  </a:extLst>
+                </a:gridCol>
+                <a:gridCol w="1514475">
+                  <a:extLst>
+                    <a:ext uri="{9D8B030D-6E8A-4147-A177-3AD203B41FA5}">
+                      <a16:colId xmlns:a16="http://schemas.microsoft.com/office/drawing/2014/main" val="1738762872"/>
+                    </a:ext>
+                  </a:extLst>
+                </a:gridCol>
+                <a:gridCol w="2266950">
+                  <a:extLst>
+                    <a:ext uri="{9D8B030D-6E8A-4147-A177-3AD203B41FA5}">
+                      <a16:colId xmlns:a16="http://schemas.microsoft.com/office/drawing/2014/main" val="3821170340"/>
+                    </a:ext>
+                  </a:extLst>
+                </a:gridCol>
+              </a:tblGrid>
+              <a:tr h="370840">
+                <a:tc>
+                  <a:txBody>
+                    <a:bodyPr/>
+                    <a:lstStyle/>
+                    <a:p>
+                      <a:pPr algn="ctr"/>
+                      <a:r>
+                        <a:rPr lang="en-US">
+                          <a:latin typeface="Times New Roman" panose="02020603050405020304" pitchFamily="18" charset="0"/>
+                          <a:cs typeface="Times New Roman" panose="02020603050405020304" pitchFamily="18" charset="0"/>
+                        </a:rPr>
+                        <a:t>Tiêu chí</a:t>
+                      </a:r>
+                    </a:p>
+                  </a:txBody>
+                  <a:tcPr/>
+                </a:tc>
+                <a:tc>
+                  <a:txBody>
+                    <a:bodyPr/>
+                    <a:lstStyle/>
+                    <a:p>
+                      <a:pPr algn="ctr"/>
+                      <a:r>
+                        <a:rPr lang="en-US">
+                          <a:latin typeface="Times New Roman" panose="02020603050405020304" pitchFamily="18" charset="0"/>
+                          <a:cs typeface="Times New Roman" panose="02020603050405020304" pitchFamily="18" charset="0"/>
+                        </a:rPr>
+                        <a:t>Điểm</a:t>
+                      </a:r>
+                    </a:p>
+                  </a:txBody>
+                  <a:tcPr/>
+                </a:tc>
+                <a:tc>
+                  <a:txBody>
+                    <a:bodyPr/>
+                    <a:lstStyle/>
+                    <a:p>
+                      <a:pPr algn="ctr"/>
+                      <a:r>
+                        <a:rPr lang="en-US">
+                          <a:latin typeface="Times New Roman" panose="02020603050405020304" pitchFamily="18" charset="0"/>
+                          <a:cs typeface="Times New Roman" panose="02020603050405020304" pitchFamily="18" charset="0"/>
+                        </a:rPr>
+                        <a:t>Đánh giá</a:t>
+                      </a:r>
+                    </a:p>
+                  </a:txBody>
+                  <a:tcPr/>
+                </a:tc>
+                <a:extLst>
+                  <a:ext uri="{0D108BD9-81ED-4DB2-BD59-A6C34878D82A}">
+                    <a16:rowId xmlns:a16="http://schemas.microsoft.com/office/drawing/2014/main" val="2071844936"/>
+                  </a:ext>
+                </a:extLst>
+              </a:tr>
+              <a:tr h="370840">
+                <a:tc>
+                  <a:txBody>
+                    <a:bodyPr/>
+                    <a:lstStyle/>
+                    <a:p>
+                      <a:pPr algn="ctr"/>
+                      <a:r>
+                        <a:rPr lang="en-US">
+                          <a:latin typeface="Times New Roman" panose="02020603050405020304" pitchFamily="18" charset="0"/>
+                          <a:cs typeface="Times New Roman" panose="02020603050405020304" pitchFamily="18" charset="0"/>
+                        </a:rPr>
+                        <a:t>YC3-1</a:t>
+                      </a:r>
+                    </a:p>
+                  </a:txBody>
+                  <a:tcPr/>
+                </a:tc>
+                <a:tc>
+                  <a:txBody>
+                    <a:bodyPr/>
+                    <a:lstStyle/>
+                    <a:p>
+                      <a:pPr algn="ctr"/>
+                      <a:r>
+                        <a:rPr lang="en-US">
+                          <a:latin typeface="Times New Roman" panose="02020603050405020304" pitchFamily="18" charset="0"/>
+                          <a:cs typeface="Times New Roman" panose="02020603050405020304" pitchFamily="18" charset="0"/>
+                        </a:rPr>
+                        <a:t>---</a:t>
+                      </a:r>
+                    </a:p>
+                  </a:txBody>
+                  <a:tcPr/>
+                </a:tc>
+                <a:tc>
+                  <a:txBody>
+                    <a:bodyPr/>
+                    <a:lstStyle/>
+                    <a:p>
+                      <a:pPr algn="ctr"/>
+                      <a:r>
+                        <a:rPr lang="en-US">
+                          <a:latin typeface="Times New Roman" panose="02020603050405020304" pitchFamily="18" charset="0"/>
+                          <a:cs typeface="Times New Roman" panose="02020603050405020304" pitchFamily="18" charset="0"/>
+                        </a:rPr>
+                        <a:t>Hoàn thành</a:t>
+                      </a:r>
+                    </a:p>
+                  </a:txBody>
+                  <a:tcPr/>
+                </a:tc>
+                <a:extLst>
+                  <a:ext uri="{0D108BD9-81ED-4DB2-BD59-A6C34878D82A}">
+                    <a16:rowId xmlns:a16="http://schemas.microsoft.com/office/drawing/2014/main" val="583184748"/>
+                  </a:ext>
+                </a:extLst>
+              </a:tr>
+              <a:tr h="370840">
+                <a:tc>
+                  <a:txBody>
+                    <a:bodyPr/>
+                    <a:lstStyle/>
+                    <a:p>
+                      <a:pPr algn="ctr"/>
+                      <a:r>
+                        <a:rPr lang="en-US">
+                          <a:latin typeface="Times New Roman" panose="02020603050405020304" pitchFamily="18" charset="0"/>
+                          <a:cs typeface="Times New Roman" panose="02020603050405020304" pitchFamily="18" charset="0"/>
+                        </a:rPr>
+                        <a:t>YC3-2</a:t>
+                      </a:r>
+                    </a:p>
+                  </a:txBody>
+                  <a:tcPr/>
+                </a:tc>
+                <a:tc>
+                  <a:txBody>
+                    <a:bodyPr/>
+                    <a:lstStyle/>
+                    <a:p>
+                      <a:pPr algn="ctr"/>
+                      <a:r>
+                        <a:rPr lang="en-US">
+                          <a:latin typeface="Times New Roman" panose="02020603050405020304" pitchFamily="18" charset="0"/>
+                          <a:cs typeface="Times New Roman" panose="02020603050405020304" pitchFamily="18" charset="0"/>
+                        </a:rPr>
+                        <a:t>---</a:t>
+                      </a:r>
+                    </a:p>
+                  </a:txBody>
+                  <a:tcPr/>
+                </a:tc>
+                <a:tc>
+                  <a:txBody>
+                    <a:bodyPr/>
+                    <a:lstStyle/>
+                    <a:p>
+                      <a:pPr algn="ctr"/>
+                      <a:r>
+                        <a:rPr lang="en-US">
+                          <a:latin typeface="Times New Roman" panose="02020603050405020304" pitchFamily="18" charset="0"/>
+                          <a:cs typeface="Times New Roman" panose="02020603050405020304" pitchFamily="18" charset="0"/>
+                        </a:rPr>
+                        <a:t>Hoàn thành</a:t>
+                      </a:r>
+                    </a:p>
+                  </a:txBody>
+                  <a:tcPr/>
+                </a:tc>
+                <a:extLst>
+                  <a:ext uri="{0D108BD9-81ED-4DB2-BD59-A6C34878D82A}">
+                    <a16:rowId xmlns:a16="http://schemas.microsoft.com/office/drawing/2014/main" val="3755525977"/>
+                  </a:ext>
+                </a:extLst>
+              </a:tr>
+              <a:tr h="370840">
+                <a:tc gridSpan="2">
+                  <a:txBody>
+                    <a:bodyPr/>
+                    <a:lstStyle/>
+                    <a:p>
+                      <a:pPr algn="ctr"/>
+                      <a:r>
+                        <a:rPr lang="en-US">
+                          <a:latin typeface="Times New Roman" panose="02020603050405020304" pitchFamily="18" charset="0"/>
+                          <a:cs typeface="Times New Roman" panose="02020603050405020304" pitchFamily="18" charset="0"/>
+                        </a:rPr>
+                        <a:t>Tổng điểm đánh giá</a:t>
+                      </a:r>
+                    </a:p>
+                  </a:txBody>
+                  <a:tcPr/>
+                </a:tc>
+                <a:tc hMerge="1">
+                  <a:txBody>
+                    <a:bodyPr/>
+                    <a:lstStyle/>
+                    <a:p>
+                      <a:pPr algn="ctr"/>
+                      <a:endParaRPr lang="en-US">
+                        <a:latin typeface="Times New Roman" panose="02020603050405020304" pitchFamily="18" charset="0"/>
+                        <a:cs typeface="Times New Roman" panose="02020603050405020304" pitchFamily="18" charset="0"/>
+                      </a:endParaRPr>
+                    </a:p>
+                  </a:txBody>
+                  <a:tcPr/>
+                </a:tc>
+                <a:tc>
+                  <a:txBody>
+                    <a:bodyPr/>
+                    <a:lstStyle/>
+                    <a:p>
+                      <a:pPr algn="ctr"/>
+                      <a:r>
+                        <a:rPr lang="en-US">
+                          <a:latin typeface="Times New Roman" panose="02020603050405020304" pitchFamily="18" charset="0"/>
+                          <a:cs typeface="Times New Roman" panose="02020603050405020304" pitchFamily="18" charset="0"/>
+                        </a:rPr>
+                        <a:t>2 điểm</a:t>
+                      </a:r>
+                    </a:p>
+                  </a:txBody>
+                  <a:tcPr/>
+                </a:tc>
+                <a:extLst>
+                  <a:ext uri="{0D108BD9-81ED-4DB2-BD59-A6C34878D82A}">
+                    <a16:rowId xmlns:a16="http://schemas.microsoft.com/office/drawing/2014/main" val="3314593414"/>
+                  </a:ext>
+                </a:extLst>
+              </a:tr>
+            </a:tbl>
+          </a:graphicData>
+        </a:graphic>
+      </p:graphicFrame>
+      <p:sp>
+        <p:nvSpPr>
+          <p:cNvPr id="4" name="TextBox 3">
+            <a:extLst>
+              <a:ext uri="{FF2B5EF4-FFF2-40B4-BE49-F238E27FC236}">
+                <a16:creationId xmlns:a16="http://schemas.microsoft.com/office/drawing/2014/main" id="{459EF129-6740-B341-7BC7-05D580180742}"/>
+              </a:ext>
+            </a:extLst>
+          </p:cNvPr>
+          <p:cNvSpPr txBox="1"/>
+          <p:nvPr/>
+        </p:nvSpPr>
+        <p:spPr>
+          <a:xfrm>
+            <a:off x="76200" y="1089327"/>
+            <a:ext cx="2159566" cy="369332"/>
+          </a:xfrm>
+          <a:prstGeom prst="rect">
+            <a:avLst/>
+          </a:prstGeom>
+          <a:noFill/>
+        </p:spPr>
+        <p:txBody>
+          <a:bodyPr wrap="none" rtlCol="0">
+            <a:spAutoFit/>
+          </a:bodyPr>
+          <a:lstStyle/>
+          <a:p>
+            <a:pPr marL="0" marR="0" lvl="0" indent="0" algn="l" defTabSz="457200" rtl="0" eaLnBrk="1" fontAlgn="auto" latinLnBrk="0" hangingPunct="1">
+              <a:lnSpc>
+                <a:spcPct val="100000"/>
+              </a:lnSpc>
+              <a:spcBef>
+                <a:spcPts val="0"/>
+              </a:spcBef>
+              <a:spcAft>
+                <a:spcPts val="0"/>
+              </a:spcAft>
+              <a:buClrTx/>
+              <a:buSzTx/>
+              <a:buFontTx/>
+              <a:buNone/>
+              <a:tabLst/>
+              <a:defRPr/>
+            </a:pPr>
+            <a:r>
+              <a:rPr kumimoji="0" lang="en-US" sz="1800" b="0" i="1" u="none" strike="noStrike" kern="1200" cap="none" spc="0" normalizeH="0" baseline="0" noProof="0">
+                <a:ln>
+                  <a:noFill/>
+                </a:ln>
+                <a:solidFill>
+                  <a:prstClr val="black"/>
+                </a:solidFill>
+                <a:effectLst/>
+                <a:uLnTx/>
+                <a:uFillTx/>
+                <a:latin typeface="Calibri" panose="020F0502020204030204"/>
+                <a:ea typeface="+mn-ea"/>
+                <a:cs typeface="+mn-cs"/>
+              </a:rPr>
+              <a:t>Đánh giá hoàn thành</a:t>
+            </a:r>
+          </a:p>
+        </p:txBody>
+      </p:sp>
+      <p:cxnSp>
+        <p:nvCxnSpPr>
+          <p:cNvPr id="2" name="Straight Connector 1">
+            <a:extLst>
+              <a:ext uri="{FF2B5EF4-FFF2-40B4-BE49-F238E27FC236}">
+                <a16:creationId xmlns:a16="http://schemas.microsoft.com/office/drawing/2014/main" id="{7C8A4417-1481-B1E7-23CC-E5C9CAD25F2C}"/>
+              </a:ext>
+            </a:extLst>
+          </p:cNvPr>
+          <p:cNvCxnSpPr>
+            <a:cxnSpLocks/>
+          </p:cNvCxnSpPr>
+          <p:nvPr/>
+        </p:nvCxnSpPr>
+        <p:spPr>
+          <a:xfrm>
+            <a:off x="4752975" y="6238875"/>
+            <a:ext cx="4286250" cy="0"/>
+          </a:xfrm>
+          <a:prstGeom prst="line">
+            <a:avLst/>
+          </a:prstGeom>
+        </p:spPr>
+        <p:style>
+          <a:lnRef idx="1">
+            <a:schemeClr val="accent1"/>
+          </a:lnRef>
+          <a:fillRef idx="0">
+            <a:schemeClr val="accent1"/>
+          </a:fillRef>
+          <a:effectRef idx="0">
+            <a:schemeClr val="accent1"/>
+          </a:effectRef>
+          <a:fontRef idx="minor">
+            <a:schemeClr val="tx1"/>
+          </a:fontRef>
+        </p:style>
+      </p:cxnSp>
+      <p:sp>
+        <p:nvSpPr>
+          <p:cNvPr id="6" name="TextBox 5">
+            <a:extLst>
+              <a:ext uri="{FF2B5EF4-FFF2-40B4-BE49-F238E27FC236}">
+                <a16:creationId xmlns:a16="http://schemas.microsoft.com/office/drawing/2014/main" id="{F6D86575-6F62-E86B-CB8C-67FDEFFD30D6}"/>
+              </a:ext>
+            </a:extLst>
+          </p:cNvPr>
+          <p:cNvSpPr txBox="1"/>
+          <p:nvPr/>
+        </p:nvSpPr>
+        <p:spPr>
+          <a:xfrm>
+            <a:off x="7753350" y="6336334"/>
+            <a:ext cx="1285874" cy="369332"/>
+          </a:xfrm>
+          <a:prstGeom prst="rect">
+            <a:avLst/>
+          </a:prstGeom>
+          <a:noFill/>
+        </p:spPr>
+        <p:txBody>
+          <a:bodyPr wrap="square" rtlCol="0">
+            <a:spAutoFit/>
+          </a:bodyPr>
+          <a:lstStyle/>
+          <a:p>
+            <a:pPr marL="0" marR="0" lvl="0" indent="0" algn="l" defTabSz="457200" rtl="0" eaLnBrk="1" fontAlgn="auto" latinLnBrk="0" hangingPunct="1">
+              <a:lnSpc>
+                <a:spcPct val="100000"/>
+              </a:lnSpc>
+              <a:spcBef>
+                <a:spcPts val="0"/>
+              </a:spcBef>
+              <a:spcAft>
+                <a:spcPts val="0"/>
+              </a:spcAft>
+              <a:buClrTx/>
+              <a:buSzTx/>
+              <a:buFontTx/>
+              <a:buNone/>
+              <a:tabLst/>
+              <a:defRPr/>
+            </a:pPr>
+            <a:r>
+              <a:rPr kumimoji="0" lang="en-US" sz="1800" b="0" i="0" u="none" strike="noStrike" kern="1200" cap="none" spc="0" normalizeH="0" baseline="0" noProof="0">
+                <a:ln>
+                  <a:noFill/>
+                </a:ln>
+                <a:solidFill>
+                  <a:prstClr val="black"/>
+                </a:solidFill>
+                <a:effectLst/>
+                <a:uLnTx/>
+                <a:uFillTx/>
+                <a:latin typeface="Calibri" panose="020F0502020204030204"/>
+                <a:ea typeface="+mn-ea"/>
+                <a:cs typeface="+mn-cs"/>
+              </a:rPr>
+              <a:t>Trang 15</a:t>
+            </a:r>
+          </a:p>
+        </p:txBody>
+      </p:sp>
+    </p:spTree>
+    <p:extLst>
+      <p:ext uri="{BB962C8B-B14F-4D97-AF65-F5344CB8AC3E}">
+        <p14:creationId xmlns:p14="http://schemas.microsoft.com/office/powerpoint/2010/main" val="4081103811"/>
+      </p:ext>
+    </p:extLst>
+  </p:cSld>
+  <p:clrMapOvr>
+    <a:masterClrMapping/>
+  </p:clrMapOvr>
+</p:sld>
+</file>
+
+<file path=ppt/slides/slide15.xml><?xml version="1.0" encoding="utf-8"?>
+<p:sld xmlns:a="http://schemas.openxmlformats.org/drawingml/2006/main" xmlns:r="http://schemas.openxmlformats.org/officeDocument/2006/relationships" xmlns:p="http://schemas.openxmlformats.org/presentationml/2006/main">
+  <p:cSld>
+    <p:spTree>
+      <p:nvGrpSpPr>
+        <p:cNvPr id="1" name=""/>
+        <p:cNvGrpSpPr/>
+        <p:nvPr/>
+      </p:nvGrpSpPr>
+      <p:grpSpPr>
+        <a:xfrm>
+          <a:off x="0" y="0"/>
+          <a:ext cx="0" cy="0"/>
+          <a:chOff x="0" y="0"/>
+          <a:chExt cx="0" cy="0"/>
+        </a:xfrm>
+      </p:grpSpPr>
+      <p:pic>
+        <p:nvPicPr>
+          <p:cNvPr id="1034" name="Picture 10">
+            <a:extLst>
+              <a:ext uri="{FF2B5EF4-FFF2-40B4-BE49-F238E27FC236}">
+                <a16:creationId xmlns:a16="http://schemas.microsoft.com/office/drawing/2014/main" id="{6F72484C-A752-76F3-F259-0A997B815A00}"/>
+              </a:ext>
+            </a:extLst>
+          </p:cNvPr>
+          <p:cNvPicPr>
+            <a:picLocks noChangeAspect="1" noChangeArrowheads="1"/>
+          </p:cNvPicPr>
+          <p:nvPr/>
+        </p:nvPicPr>
+        <p:blipFill>
+          <a:blip r:embed="rId2">
+            <a:extLst>
+              <a:ext uri="{28A0092B-C50C-407E-A947-70E740481C1C}">
+                <a14:useLocalDpi xmlns:a14="http://schemas.microsoft.com/office/drawing/2010/main" val="0"/>
+              </a:ext>
+            </a:extLst>
+          </a:blip>
+          <a:srcRect/>
+          <a:stretch>
+            <a:fillRect/>
+          </a:stretch>
+        </p:blipFill>
+        <p:spPr bwMode="auto">
+          <a:xfrm>
+            <a:off x="76200" y="119063"/>
+            <a:ext cx="1114424" cy="614791"/>
+          </a:xfrm>
+          <a:prstGeom prst="rect">
+            <a:avLst/>
+          </a:prstGeom>
+          <a:noFill/>
+          <a:extLst>
+            <a:ext uri="{909E8E84-426E-40DD-AFC4-6F175D3DCCD1}">
+              <a14:hiddenFill xmlns:a14="http://schemas.microsoft.com/office/drawing/2010/main">
+                <a:solidFill>
+                  <a:srgbClr val="FFFFFF"/>
+                </a:solidFill>
+              </a14:hiddenFill>
+            </a:ext>
+          </a:extLst>
+        </p:spPr>
+      </p:pic>
+      <p:cxnSp>
+        <p:nvCxnSpPr>
+          <p:cNvPr id="11" name="Straight Connector 10">
+            <a:extLst>
+              <a:ext uri="{FF2B5EF4-FFF2-40B4-BE49-F238E27FC236}">
+                <a16:creationId xmlns:a16="http://schemas.microsoft.com/office/drawing/2014/main" id="{E5C4A229-E185-5A4B-53B1-81D591292671}"/>
+              </a:ext>
+            </a:extLst>
+          </p:cNvPr>
+          <p:cNvCxnSpPr>
+            <a:cxnSpLocks/>
+          </p:cNvCxnSpPr>
+          <p:nvPr/>
+        </p:nvCxnSpPr>
+        <p:spPr>
+          <a:xfrm>
+            <a:off x="76200" y="847725"/>
+            <a:ext cx="7648575" cy="0"/>
+          </a:xfrm>
+          <a:prstGeom prst="line">
+            <a:avLst/>
+          </a:prstGeom>
+        </p:spPr>
+        <p:style>
+          <a:lnRef idx="1">
+            <a:schemeClr val="accent1"/>
+          </a:lnRef>
+          <a:fillRef idx="0">
+            <a:schemeClr val="accent1"/>
+          </a:fillRef>
+          <a:effectRef idx="0">
+            <a:schemeClr val="accent1"/>
+          </a:effectRef>
+          <a:fontRef idx="minor">
+            <a:schemeClr val="tx1"/>
+          </a:fontRef>
+        </p:style>
+      </p:cxnSp>
+      <p:sp>
+        <p:nvSpPr>
+          <p:cNvPr id="14" name="TextBox 13">
+            <a:extLst>
+              <a:ext uri="{FF2B5EF4-FFF2-40B4-BE49-F238E27FC236}">
+                <a16:creationId xmlns:a16="http://schemas.microsoft.com/office/drawing/2014/main" id="{63B4AB36-B54A-EA5C-2A74-F2C80BE0CBC4}"/>
+              </a:ext>
+            </a:extLst>
+          </p:cNvPr>
+          <p:cNvSpPr txBox="1"/>
+          <p:nvPr/>
+        </p:nvSpPr>
+        <p:spPr>
+          <a:xfrm>
+            <a:off x="1390650" y="236792"/>
+            <a:ext cx="6362700" cy="369332"/>
+          </a:xfrm>
+          <a:prstGeom prst="rect">
+            <a:avLst/>
+          </a:prstGeom>
+          <a:noFill/>
+        </p:spPr>
+        <p:txBody>
+          <a:bodyPr wrap="square" rtlCol="0">
+            <a:spAutoFit/>
+          </a:bodyPr>
+          <a:lstStyle/>
+          <a:p>
+            <a:r>
+              <a:rPr lang="en-US" b="1"/>
+              <a:t>Câu 4 (2.0 điểm): Machine Learning</a:t>
+            </a:r>
+          </a:p>
+        </p:txBody>
+      </p:sp>
+      <p:cxnSp>
+        <p:nvCxnSpPr>
+          <p:cNvPr id="2" name="Straight Connector 1">
+            <a:extLst>
+              <a:ext uri="{FF2B5EF4-FFF2-40B4-BE49-F238E27FC236}">
+                <a16:creationId xmlns:a16="http://schemas.microsoft.com/office/drawing/2014/main" id="{AF3ADEA5-03F2-7E56-B6E6-8B6970A896CF}"/>
+              </a:ext>
+            </a:extLst>
+          </p:cNvPr>
+          <p:cNvCxnSpPr>
+            <a:cxnSpLocks/>
+          </p:cNvCxnSpPr>
+          <p:nvPr/>
+        </p:nvCxnSpPr>
+        <p:spPr>
+          <a:xfrm>
+            <a:off x="4752975" y="6238875"/>
+            <a:ext cx="4286250" cy="0"/>
+          </a:xfrm>
+          <a:prstGeom prst="line">
+            <a:avLst/>
+          </a:prstGeom>
+        </p:spPr>
+        <p:style>
+          <a:lnRef idx="1">
+            <a:schemeClr val="accent1"/>
+          </a:lnRef>
+          <a:fillRef idx="0">
+            <a:schemeClr val="accent1"/>
+          </a:fillRef>
+          <a:effectRef idx="0">
+            <a:schemeClr val="accent1"/>
+          </a:effectRef>
+          <a:fontRef idx="minor">
+            <a:schemeClr val="tx1"/>
+          </a:fontRef>
+        </p:style>
+      </p:cxnSp>
+      <p:sp>
+        <p:nvSpPr>
+          <p:cNvPr id="4" name="TextBox 3">
+            <a:extLst>
+              <a:ext uri="{FF2B5EF4-FFF2-40B4-BE49-F238E27FC236}">
+                <a16:creationId xmlns:a16="http://schemas.microsoft.com/office/drawing/2014/main" id="{11342279-3B1B-9555-FD5C-CA3839B3D029}"/>
+              </a:ext>
+            </a:extLst>
+          </p:cNvPr>
+          <p:cNvSpPr txBox="1"/>
+          <p:nvPr/>
+        </p:nvSpPr>
+        <p:spPr>
+          <a:xfrm>
+            <a:off x="7753350" y="6336334"/>
+            <a:ext cx="1285874" cy="369332"/>
+          </a:xfrm>
+          <a:prstGeom prst="rect">
+            <a:avLst/>
+          </a:prstGeom>
+          <a:noFill/>
+        </p:spPr>
+        <p:txBody>
+          <a:bodyPr wrap="square" rtlCol="0">
+            <a:spAutoFit/>
+          </a:bodyPr>
+          <a:lstStyle/>
+          <a:p>
+            <a:r>
+              <a:rPr lang="en-US"/>
+              <a:t>Trang 4</a:t>
+            </a:r>
+          </a:p>
+        </p:txBody>
+      </p:sp>
+      <p:sp>
+        <p:nvSpPr>
+          <p:cNvPr id="5" name="TextBox 4">
+            <a:extLst>
+              <a:ext uri="{FF2B5EF4-FFF2-40B4-BE49-F238E27FC236}">
+                <a16:creationId xmlns:a16="http://schemas.microsoft.com/office/drawing/2014/main" id="{2FD009FE-CA5C-D5A4-E99D-1E506F763D1C}"/>
+              </a:ext>
+            </a:extLst>
+          </p:cNvPr>
+          <p:cNvSpPr txBox="1"/>
+          <p:nvPr/>
+        </p:nvSpPr>
+        <p:spPr>
+          <a:xfrm>
+            <a:off x="304800" y="1228725"/>
+            <a:ext cx="5210175" cy="369332"/>
+          </a:xfrm>
+          <a:prstGeom prst="rect">
+            <a:avLst/>
+          </a:prstGeom>
+          <a:noFill/>
+        </p:spPr>
+        <p:txBody>
+          <a:bodyPr wrap="square" rtlCol="0">
+            <a:spAutoFit/>
+          </a:bodyPr>
+          <a:lstStyle/>
+          <a:p>
+            <a:r>
+              <a:rPr lang="en-US"/>
+              <a:t>YC4.1</a:t>
+            </a:r>
+          </a:p>
+        </p:txBody>
+      </p:sp>
+      <p:sp>
+        <p:nvSpPr>
+          <p:cNvPr id="8" name="TextBox 7">
+            <a:extLst>
+              <a:ext uri="{FF2B5EF4-FFF2-40B4-BE49-F238E27FC236}">
+                <a16:creationId xmlns:a16="http://schemas.microsoft.com/office/drawing/2014/main" id="{FE5D4E40-17C8-086B-12F6-4368FAD8DA16}"/>
+              </a:ext>
+            </a:extLst>
+          </p:cNvPr>
+          <p:cNvSpPr txBox="1"/>
+          <p:nvPr/>
+        </p:nvSpPr>
+        <p:spPr>
+          <a:xfrm>
+            <a:off x="1390650" y="1720643"/>
+            <a:ext cx="1420774" cy="369332"/>
+          </a:xfrm>
+          <a:prstGeom prst="rect">
+            <a:avLst/>
+          </a:prstGeom>
+          <a:noFill/>
+        </p:spPr>
+        <p:txBody>
+          <a:bodyPr wrap="none" rtlCol="0">
+            <a:spAutoFit/>
+          </a:bodyPr>
+          <a:lstStyle/>
+          <a:p>
+            <a:r>
+              <a:rPr lang="en-US" i="1"/>
+              <a:t>Decision Tree</a:t>
+            </a:r>
+          </a:p>
+        </p:txBody>
+      </p:sp>
+      <p:pic>
+        <p:nvPicPr>
+          <p:cNvPr id="7" name="Picture 6">
+            <a:extLst>
+              <a:ext uri="{FF2B5EF4-FFF2-40B4-BE49-F238E27FC236}">
+                <a16:creationId xmlns:a16="http://schemas.microsoft.com/office/drawing/2014/main" id="{F7703A19-AE5B-0D48-3EB4-24A756A7DB2D}"/>
+              </a:ext>
+            </a:extLst>
+          </p:cNvPr>
+          <p:cNvPicPr>
+            <a:picLocks noChangeAspect="1"/>
+          </p:cNvPicPr>
+          <p:nvPr/>
+        </p:nvPicPr>
+        <p:blipFill>
+          <a:blip r:embed="rId3"/>
+          <a:stretch>
+            <a:fillRect/>
+          </a:stretch>
+        </p:blipFill>
+        <p:spPr>
+          <a:xfrm>
+            <a:off x="4572000" y="2333142"/>
+            <a:ext cx="4279952" cy="184481"/>
+          </a:xfrm>
+          <a:prstGeom prst="rect">
+            <a:avLst/>
+          </a:prstGeom>
+        </p:spPr>
+      </p:pic>
+      <p:sp>
+        <p:nvSpPr>
+          <p:cNvPr id="9" name="TextBox 8">
+            <a:extLst>
+              <a:ext uri="{FF2B5EF4-FFF2-40B4-BE49-F238E27FC236}">
+                <a16:creationId xmlns:a16="http://schemas.microsoft.com/office/drawing/2014/main" id="{EBCA5C7A-4B9E-5C7D-4FAC-95733A590DEC}"/>
+              </a:ext>
+            </a:extLst>
+          </p:cNvPr>
+          <p:cNvSpPr txBox="1"/>
+          <p:nvPr/>
+        </p:nvSpPr>
+        <p:spPr>
+          <a:xfrm>
+            <a:off x="6235723" y="1720643"/>
+            <a:ext cx="952505" cy="369332"/>
+          </a:xfrm>
+          <a:prstGeom prst="rect">
+            <a:avLst/>
+          </a:prstGeom>
+          <a:noFill/>
+        </p:spPr>
+        <p:txBody>
+          <a:bodyPr wrap="none" rtlCol="0">
+            <a:spAutoFit/>
+          </a:bodyPr>
+          <a:lstStyle/>
+          <a:p>
+            <a:r>
+              <a:rPr lang="en-US" i="1"/>
+              <a:t>Sử dụng</a:t>
+            </a:r>
+          </a:p>
+        </p:txBody>
+      </p:sp>
+      <p:pic>
+        <p:nvPicPr>
+          <p:cNvPr id="12" name="Picture 11">
+            <a:extLst>
+              <a:ext uri="{FF2B5EF4-FFF2-40B4-BE49-F238E27FC236}">
+                <a16:creationId xmlns:a16="http://schemas.microsoft.com/office/drawing/2014/main" id="{3C003AC1-8515-821F-F812-639A8E941CDB}"/>
+              </a:ext>
+            </a:extLst>
+          </p:cNvPr>
+          <p:cNvPicPr>
+            <a:picLocks noChangeAspect="1"/>
+          </p:cNvPicPr>
+          <p:nvPr/>
+        </p:nvPicPr>
+        <p:blipFill>
+          <a:blip r:embed="rId4"/>
+          <a:stretch>
+            <a:fillRect/>
+          </a:stretch>
+        </p:blipFill>
+        <p:spPr>
+          <a:xfrm>
+            <a:off x="731934" y="2077851"/>
+            <a:ext cx="3496439" cy="4543357"/>
+          </a:xfrm>
+          <a:prstGeom prst="rect">
+            <a:avLst/>
+          </a:prstGeom>
+        </p:spPr>
+      </p:pic>
+    </p:spTree>
+    <p:extLst>
+      <p:ext uri="{BB962C8B-B14F-4D97-AF65-F5344CB8AC3E}">
+        <p14:creationId xmlns:p14="http://schemas.microsoft.com/office/powerpoint/2010/main" val="3681655826"/>
+      </p:ext>
+    </p:extLst>
+  </p:cSld>
+  <p:clrMapOvr>
+    <a:masterClrMapping/>
+  </p:clrMapOvr>
+</p:sld>
+</file>
+
+<file path=ppt/slides/slide16.xml><?xml version="1.0" encoding="utf-8"?>
+<p:sld xmlns:a="http://schemas.openxmlformats.org/drawingml/2006/main" xmlns:r="http://schemas.openxmlformats.org/officeDocument/2006/relationships" xmlns:p="http://schemas.openxmlformats.org/presentationml/2006/main">
+  <p:cSld>
+    <p:spTree>
+      <p:nvGrpSpPr>
+        <p:cNvPr id="1" name=""/>
+        <p:cNvGrpSpPr/>
+        <p:nvPr/>
+      </p:nvGrpSpPr>
+      <p:grpSpPr>
+        <a:xfrm>
+          <a:off x="0" y="0"/>
+          <a:ext cx="0" cy="0"/>
+          <a:chOff x="0" y="0"/>
+          <a:chExt cx="0" cy="0"/>
+        </a:xfrm>
+      </p:grpSpPr>
+      <p:pic>
+        <p:nvPicPr>
+          <p:cNvPr id="1034" name="Picture 10">
+            <a:extLst>
+              <a:ext uri="{FF2B5EF4-FFF2-40B4-BE49-F238E27FC236}">
+                <a16:creationId xmlns:a16="http://schemas.microsoft.com/office/drawing/2014/main" id="{6F72484C-A752-76F3-F259-0A997B815A00}"/>
+              </a:ext>
+            </a:extLst>
+          </p:cNvPr>
+          <p:cNvPicPr>
+            <a:picLocks noChangeAspect="1" noChangeArrowheads="1"/>
+          </p:cNvPicPr>
+          <p:nvPr/>
+        </p:nvPicPr>
+        <p:blipFill>
+          <a:blip r:embed="rId2">
+            <a:extLst>
+              <a:ext uri="{28A0092B-C50C-407E-A947-70E740481C1C}">
+                <a14:useLocalDpi xmlns:a14="http://schemas.microsoft.com/office/drawing/2010/main" val="0"/>
+              </a:ext>
+            </a:extLst>
+          </a:blip>
+          <a:srcRect/>
+          <a:stretch>
+            <a:fillRect/>
+          </a:stretch>
+        </p:blipFill>
+        <p:spPr bwMode="auto">
+          <a:xfrm>
+            <a:off x="76200" y="119063"/>
+            <a:ext cx="1114424" cy="614791"/>
+          </a:xfrm>
+          <a:prstGeom prst="rect">
+            <a:avLst/>
+          </a:prstGeom>
+          <a:noFill/>
+          <a:extLst>
+            <a:ext uri="{909E8E84-426E-40DD-AFC4-6F175D3DCCD1}">
+              <a14:hiddenFill xmlns:a14="http://schemas.microsoft.com/office/drawing/2010/main">
+                <a:solidFill>
+                  <a:srgbClr val="FFFFFF"/>
+                </a:solidFill>
+              </a14:hiddenFill>
+            </a:ext>
+          </a:extLst>
+        </p:spPr>
+      </p:pic>
+      <p:cxnSp>
+        <p:nvCxnSpPr>
+          <p:cNvPr id="11" name="Straight Connector 10">
+            <a:extLst>
+              <a:ext uri="{FF2B5EF4-FFF2-40B4-BE49-F238E27FC236}">
+                <a16:creationId xmlns:a16="http://schemas.microsoft.com/office/drawing/2014/main" id="{E5C4A229-E185-5A4B-53B1-81D591292671}"/>
+              </a:ext>
+            </a:extLst>
+          </p:cNvPr>
+          <p:cNvCxnSpPr>
+            <a:cxnSpLocks/>
+          </p:cNvCxnSpPr>
+          <p:nvPr/>
+        </p:nvCxnSpPr>
+        <p:spPr>
+          <a:xfrm>
+            <a:off x="76200" y="847725"/>
+            <a:ext cx="7648575" cy="0"/>
+          </a:xfrm>
+          <a:prstGeom prst="line">
+            <a:avLst/>
+          </a:prstGeom>
+        </p:spPr>
+        <p:style>
+          <a:lnRef idx="1">
+            <a:schemeClr val="accent1"/>
+          </a:lnRef>
+          <a:fillRef idx="0">
+            <a:schemeClr val="accent1"/>
+          </a:fillRef>
+          <a:effectRef idx="0">
+            <a:schemeClr val="accent1"/>
+          </a:effectRef>
+          <a:fontRef idx="minor">
+            <a:schemeClr val="tx1"/>
+          </a:fontRef>
+        </p:style>
+      </p:cxnSp>
+      <p:sp>
+        <p:nvSpPr>
+          <p:cNvPr id="14" name="TextBox 13">
+            <a:extLst>
+              <a:ext uri="{FF2B5EF4-FFF2-40B4-BE49-F238E27FC236}">
+                <a16:creationId xmlns:a16="http://schemas.microsoft.com/office/drawing/2014/main" id="{63B4AB36-B54A-EA5C-2A74-F2C80BE0CBC4}"/>
+              </a:ext>
+            </a:extLst>
+          </p:cNvPr>
+          <p:cNvSpPr txBox="1"/>
+          <p:nvPr/>
+        </p:nvSpPr>
+        <p:spPr>
+          <a:xfrm>
+            <a:off x="1390650" y="236792"/>
+            <a:ext cx="6362700" cy="369332"/>
+          </a:xfrm>
+          <a:prstGeom prst="rect">
+            <a:avLst/>
+          </a:prstGeom>
+          <a:noFill/>
+        </p:spPr>
+        <p:txBody>
+          <a:bodyPr wrap="square" rtlCol="0">
+            <a:spAutoFit/>
+          </a:bodyPr>
+          <a:lstStyle/>
+          <a:p>
+            <a:r>
+              <a:rPr lang="en-US" b="1"/>
+              <a:t>Câu 4 (2.0 điểm): Machine Learning</a:t>
+            </a:r>
+          </a:p>
+        </p:txBody>
+      </p:sp>
+      <p:cxnSp>
+        <p:nvCxnSpPr>
+          <p:cNvPr id="2" name="Straight Connector 1">
+            <a:extLst>
+              <a:ext uri="{FF2B5EF4-FFF2-40B4-BE49-F238E27FC236}">
+                <a16:creationId xmlns:a16="http://schemas.microsoft.com/office/drawing/2014/main" id="{AF3ADEA5-03F2-7E56-B6E6-8B6970A896CF}"/>
+              </a:ext>
+            </a:extLst>
+          </p:cNvPr>
+          <p:cNvCxnSpPr>
+            <a:cxnSpLocks/>
+          </p:cNvCxnSpPr>
+          <p:nvPr/>
+        </p:nvCxnSpPr>
+        <p:spPr>
+          <a:xfrm>
+            <a:off x="4752975" y="6238875"/>
+            <a:ext cx="4286250" cy="0"/>
+          </a:xfrm>
+          <a:prstGeom prst="line">
+            <a:avLst/>
+          </a:prstGeom>
+        </p:spPr>
+        <p:style>
+          <a:lnRef idx="1">
+            <a:schemeClr val="accent1"/>
+          </a:lnRef>
+          <a:fillRef idx="0">
+            <a:schemeClr val="accent1"/>
+          </a:fillRef>
+          <a:effectRef idx="0">
+            <a:schemeClr val="accent1"/>
+          </a:effectRef>
+          <a:fontRef idx="minor">
+            <a:schemeClr val="tx1"/>
+          </a:fontRef>
+        </p:style>
+      </p:cxnSp>
+      <p:sp>
+        <p:nvSpPr>
+          <p:cNvPr id="4" name="TextBox 3">
+            <a:extLst>
+              <a:ext uri="{FF2B5EF4-FFF2-40B4-BE49-F238E27FC236}">
+                <a16:creationId xmlns:a16="http://schemas.microsoft.com/office/drawing/2014/main" id="{11342279-3B1B-9555-FD5C-CA3839B3D029}"/>
+              </a:ext>
+            </a:extLst>
+          </p:cNvPr>
+          <p:cNvSpPr txBox="1"/>
+          <p:nvPr/>
+        </p:nvSpPr>
+        <p:spPr>
+          <a:xfrm>
+            <a:off x="7753350" y="6336334"/>
+            <a:ext cx="1285874" cy="369332"/>
+          </a:xfrm>
+          <a:prstGeom prst="rect">
+            <a:avLst/>
+          </a:prstGeom>
+          <a:noFill/>
+        </p:spPr>
+        <p:txBody>
+          <a:bodyPr wrap="square" rtlCol="0">
+            <a:spAutoFit/>
+          </a:bodyPr>
+          <a:lstStyle/>
+          <a:p>
+            <a:r>
+              <a:rPr lang="en-US"/>
+              <a:t>Trang 4</a:t>
+            </a:r>
+          </a:p>
+        </p:txBody>
+      </p:sp>
+      <p:sp>
+        <p:nvSpPr>
+          <p:cNvPr id="5" name="TextBox 4">
+            <a:extLst>
+              <a:ext uri="{FF2B5EF4-FFF2-40B4-BE49-F238E27FC236}">
+                <a16:creationId xmlns:a16="http://schemas.microsoft.com/office/drawing/2014/main" id="{2FD009FE-CA5C-D5A4-E99D-1E506F763D1C}"/>
+              </a:ext>
+            </a:extLst>
+          </p:cNvPr>
+          <p:cNvSpPr txBox="1"/>
+          <p:nvPr/>
+        </p:nvSpPr>
+        <p:spPr>
+          <a:xfrm>
+            <a:off x="304800" y="1228725"/>
+            <a:ext cx="5210175" cy="369332"/>
+          </a:xfrm>
+          <a:prstGeom prst="rect">
+            <a:avLst/>
+          </a:prstGeom>
+          <a:noFill/>
+        </p:spPr>
+        <p:txBody>
+          <a:bodyPr wrap="square" rtlCol="0">
+            <a:spAutoFit/>
+          </a:bodyPr>
+          <a:lstStyle/>
+          <a:p>
+            <a:r>
+              <a:rPr lang="en-US"/>
+              <a:t>YC4.2</a:t>
+            </a:r>
+          </a:p>
+        </p:txBody>
+      </p:sp>
+      <p:sp>
+        <p:nvSpPr>
+          <p:cNvPr id="8" name="TextBox 7">
+            <a:extLst>
+              <a:ext uri="{FF2B5EF4-FFF2-40B4-BE49-F238E27FC236}">
+                <a16:creationId xmlns:a16="http://schemas.microsoft.com/office/drawing/2014/main" id="{FE5D4E40-17C8-086B-12F6-4368FAD8DA16}"/>
+              </a:ext>
+            </a:extLst>
+          </p:cNvPr>
+          <p:cNvSpPr txBox="1"/>
+          <p:nvPr/>
+        </p:nvSpPr>
+        <p:spPr>
+          <a:xfrm>
+            <a:off x="1390650" y="1720643"/>
+            <a:ext cx="2432076" cy="369332"/>
+          </a:xfrm>
+          <a:prstGeom prst="rect">
+            <a:avLst/>
+          </a:prstGeom>
+          <a:noFill/>
+        </p:spPr>
+        <p:txBody>
+          <a:bodyPr wrap="none" rtlCol="0">
+            <a:spAutoFit/>
+          </a:bodyPr>
+          <a:lstStyle/>
+          <a:p>
+            <a:pPr algn="l"/>
+            <a:r>
+              <a:rPr lang="en-US" b="0" i="0">
+                <a:solidFill>
+                  <a:srgbClr val="212121"/>
+                </a:solidFill>
+                <a:effectLst/>
+                <a:latin typeface="Roboto" panose="02000000000000000000" pitchFamily="2" charset="0"/>
+              </a:rPr>
+              <a:t>Naïve Bayes classifier</a:t>
+            </a:r>
+          </a:p>
+        </p:txBody>
+      </p:sp>
+      <p:sp>
+        <p:nvSpPr>
+          <p:cNvPr id="9" name="TextBox 8">
+            <a:extLst>
+              <a:ext uri="{FF2B5EF4-FFF2-40B4-BE49-F238E27FC236}">
+                <a16:creationId xmlns:a16="http://schemas.microsoft.com/office/drawing/2014/main" id="{EBCA5C7A-4B9E-5C7D-4FAC-95733A590DEC}"/>
+              </a:ext>
+            </a:extLst>
+          </p:cNvPr>
+          <p:cNvSpPr txBox="1"/>
+          <p:nvPr/>
+        </p:nvSpPr>
+        <p:spPr>
+          <a:xfrm>
+            <a:off x="6235723" y="1720643"/>
+            <a:ext cx="952505" cy="369332"/>
+          </a:xfrm>
+          <a:prstGeom prst="rect">
+            <a:avLst/>
+          </a:prstGeom>
+          <a:noFill/>
+        </p:spPr>
+        <p:txBody>
+          <a:bodyPr wrap="none" rtlCol="0">
+            <a:spAutoFit/>
+          </a:bodyPr>
+          <a:lstStyle/>
+          <a:p>
+            <a:r>
+              <a:rPr lang="en-US" i="1"/>
+              <a:t>Sử dụng</a:t>
+            </a:r>
+          </a:p>
+        </p:txBody>
+      </p:sp>
+      <p:pic>
+        <p:nvPicPr>
+          <p:cNvPr id="6" name="Picture 5">
+            <a:extLst>
+              <a:ext uri="{FF2B5EF4-FFF2-40B4-BE49-F238E27FC236}">
+                <a16:creationId xmlns:a16="http://schemas.microsoft.com/office/drawing/2014/main" id="{6EBD2F74-9E04-72C0-743C-B06D47F55380}"/>
+              </a:ext>
+            </a:extLst>
+          </p:cNvPr>
+          <p:cNvPicPr>
+            <a:picLocks noChangeAspect="1"/>
+          </p:cNvPicPr>
+          <p:nvPr/>
+        </p:nvPicPr>
+        <p:blipFill>
+          <a:blip r:embed="rId3"/>
+          <a:stretch>
+            <a:fillRect/>
+          </a:stretch>
+        </p:blipFill>
+        <p:spPr>
+          <a:xfrm>
+            <a:off x="901843" y="2276184"/>
+            <a:ext cx="4016088" cy="3353091"/>
+          </a:xfrm>
+          <a:prstGeom prst="rect">
+            <a:avLst/>
+          </a:prstGeom>
+        </p:spPr>
+      </p:pic>
+      <p:pic>
+        <p:nvPicPr>
+          <p:cNvPr id="13" name="Picture 12">
+            <a:extLst>
+              <a:ext uri="{FF2B5EF4-FFF2-40B4-BE49-F238E27FC236}">
+                <a16:creationId xmlns:a16="http://schemas.microsoft.com/office/drawing/2014/main" id="{6507926E-ADCC-E5CF-CA5A-0769557EB85A}"/>
+              </a:ext>
+            </a:extLst>
+          </p:cNvPr>
+          <p:cNvPicPr>
+            <a:picLocks noChangeAspect="1"/>
+          </p:cNvPicPr>
+          <p:nvPr/>
+        </p:nvPicPr>
+        <p:blipFill>
+          <a:blip r:embed="rId4"/>
+          <a:stretch>
+            <a:fillRect/>
+          </a:stretch>
+        </p:blipFill>
+        <p:spPr>
+          <a:xfrm>
+            <a:off x="5634880" y="2276184"/>
+            <a:ext cx="2522439" cy="137172"/>
+          </a:xfrm>
+          <a:prstGeom prst="rect">
+            <a:avLst/>
+          </a:prstGeom>
+        </p:spPr>
+      </p:pic>
+    </p:spTree>
+    <p:extLst>
+      <p:ext uri="{BB962C8B-B14F-4D97-AF65-F5344CB8AC3E}">
+        <p14:creationId xmlns:p14="http://schemas.microsoft.com/office/powerpoint/2010/main" val="1289321138"/>
+      </p:ext>
+    </p:extLst>
+  </p:cSld>
+  <p:clrMapOvr>
+    <a:masterClrMapping/>
+  </p:clrMapOvr>
+</p:sld>
+</file>
+
+<file path=ppt/slides/slide17.xml><?xml version="1.0" encoding="utf-8"?>
+<p:sld xmlns:a="http://schemas.openxmlformats.org/drawingml/2006/main" xmlns:r="http://schemas.openxmlformats.org/officeDocument/2006/relationships" xmlns:p="http://schemas.openxmlformats.org/presentationml/2006/main">
+  <p:cSld>
+    <p:spTree>
+      <p:nvGrpSpPr>
+        <p:cNvPr id="1" name=""/>
+        <p:cNvGrpSpPr/>
+        <p:nvPr/>
+      </p:nvGrpSpPr>
+      <p:grpSpPr>
+        <a:xfrm>
+          <a:off x="0" y="0"/>
+          <a:ext cx="0" cy="0"/>
+          <a:chOff x="0" y="0"/>
+          <a:chExt cx="0" cy="0"/>
+        </a:xfrm>
+      </p:grpSpPr>
+      <p:pic>
+        <p:nvPicPr>
+          <p:cNvPr id="1034" name="Picture 10">
+            <a:extLst>
+              <a:ext uri="{FF2B5EF4-FFF2-40B4-BE49-F238E27FC236}">
+                <a16:creationId xmlns:a16="http://schemas.microsoft.com/office/drawing/2014/main" id="{6F72484C-A752-76F3-F259-0A997B815A00}"/>
+              </a:ext>
+            </a:extLst>
+          </p:cNvPr>
+          <p:cNvPicPr>
+            <a:picLocks noChangeAspect="1" noChangeArrowheads="1"/>
+          </p:cNvPicPr>
+          <p:nvPr/>
+        </p:nvPicPr>
+        <p:blipFill>
+          <a:blip r:embed="rId2">
+            <a:extLst>
+              <a:ext uri="{28A0092B-C50C-407E-A947-70E740481C1C}">
+                <a14:useLocalDpi xmlns:a14="http://schemas.microsoft.com/office/drawing/2010/main" val="0"/>
+              </a:ext>
+            </a:extLst>
+          </a:blip>
+          <a:srcRect/>
+          <a:stretch>
+            <a:fillRect/>
+          </a:stretch>
+        </p:blipFill>
+        <p:spPr bwMode="auto">
+          <a:xfrm>
+            <a:off x="76200" y="119063"/>
+            <a:ext cx="1114424" cy="614791"/>
+          </a:xfrm>
+          <a:prstGeom prst="rect">
+            <a:avLst/>
+          </a:prstGeom>
+          <a:noFill/>
+          <a:extLst>
+            <a:ext uri="{909E8E84-426E-40DD-AFC4-6F175D3DCCD1}">
+              <a14:hiddenFill xmlns:a14="http://schemas.microsoft.com/office/drawing/2010/main">
+                <a:solidFill>
+                  <a:srgbClr val="FFFFFF"/>
+                </a:solidFill>
+              </a14:hiddenFill>
+            </a:ext>
+          </a:extLst>
+        </p:spPr>
+      </p:pic>
+      <p:cxnSp>
+        <p:nvCxnSpPr>
+          <p:cNvPr id="11" name="Straight Connector 10">
+            <a:extLst>
+              <a:ext uri="{FF2B5EF4-FFF2-40B4-BE49-F238E27FC236}">
+                <a16:creationId xmlns:a16="http://schemas.microsoft.com/office/drawing/2014/main" id="{E5C4A229-E185-5A4B-53B1-81D591292671}"/>
+              </a:ext>
+            </a:extLst>
+          </p:cNvPr>
+          <p:cNvCxnSpPr>
+            <a:cxnSpLocks/>
+          </p:cNvCxnSpPr>
+          <p:nvPr/>
+        </p:nvCxnSpPr>
+        <p:spPr>
+          <a:xfrm>
+            <a:off x="76200" y="847725"/>
+            <a:ext cx="7648575" cy="0"/>
+          </a:xfrm>
+          <a:prstGeom prst="line">
+            <a:avLst/>
+          </a:prstGeom>
+        </p:spPr>
+        <p:style>
+          <a:lnRef idx="1">
+            <a:schemeClr val="accent1"/>
+          </a:lnRef>
+          <a:fillRef idx="0">
+            <a:schemeClr val="accent1"/>
+          </a:fillRef>
+          <a:effectRef idx="0">
+            <a:schemeClr val="accent1"/>
+          </a:effectRef>
+          <a:fontRef idx="minor">
+            <a:schemeClr val="tx1"/>
+          </a:fontRef>
+        </p:style>
+      </p:cxnSp>
+      <p:sp>
+        <p:nvSpPr>
+          <p:cNvPr id="14" name="TextBox 13">
+            <a:extLst>
+              <a:ext uri="{FF2B5EF4-FFF2-40B4-BE49-F238E27FC236}">
+                <a16:creationId xmlns:a16="http://schemas.microsoft.com/office/drawing/2014/main" id="{63B4AB36-B54A-EA5C-2A74-F2C80BE0CBC4}"/>
+              </a:ext>
+            </a:extLst>
+          </p:cNvPr>
+          <p:cNvSpPr txBox="1"/>
+          <p:nvPr/>
+        </p:nvSpPr>
+        <p:spPr>
+          <a:xfrm>
+            <a:off x="1390650" y="236792"/>
+            <a:ext cx="6362700" cy="369332"/>
+          </a:xfrm>
+          <a:prstGeom prst="rect">
+            <a:avLst/>
+          </a:prstGeom>
+          <a:noFill/>
+        </p:spPr>
+        <p:txBody>
+          <a:bodyPr wrap="square" rtlCol="0">
+            <a:spAutoFit/>
+          </a:bodyPr>
+          <a:lstStyle/>
+          <a:p>
+            <a:r>
+              <a:rPr lang="en-US" b="1"/>
+              <a:t>Câu 4 (2.0 điểm): Machine Learning</a:t>
+            </a:r>
+          </a:p>
+        </p:txBody>
+      </p:sp>
+      <p:cxnSp>
+        <p:nvCxnSpPr>
+          <p:cNvPr id="2" name="Straight Connector 1">
+            <a:extLst>
+              <a:ext uri="{FF2B5EF4-FFF2-40B4-BE49-F238E27FC236}">
+                <a16:creationId xmlns:a16="http://schemas.microsoft.com/office/drawing/2014/main" id="{AF3ADEA5-03F2-7E56-B6E6-8B6970A896CF}"/>
+              </a:ext>
+            </a:extLst>
+          </p:cNvPr>
+          <p:cNvCxnSpPr>
+            <a:cxnSpLocks/>
+          </p:cNvCxnSpPr>
+          <p:nvPr/>
+        </p:nvCxnSpPr>
+        <p:spPr>
+          <a:xfrm>
+            <a:off x="4752975" y="6238875"/>
+            <a:ext cx="4286250" cy="0"/>
+          </a:xfrm>
+          <a:prstGeom prst="line">
+            <a:avLst/>
+          </a:prstGeom>
+        </p:spPr>
+        <p:style>
+          <a:lnRef idx="1">
+            <a:schemeClr val="accent1"/>
+          </a:lnRef>
+          <a:fillRef idx="0">
+            <a:schemeClr val="accent1"/>
+          </a:fillRef>
+          <a:effectRef idx="0">
+            <a:schemeClr val="accent1"/>
+          </a:effectRef>
+          <a:fontRef idx="minor">
+            <a:schemeClr val="tx1"/>
+          </a:fontRef>
+        </p:style>
+      </p:cxnSp>
+      <p:sp>
+        <p:nvSpPr>
+          <p:cNvPr id="4" name="TextBox 3">
+            <a:extLst>
+              <a:ext uri="{FF2B5EF4-FFF2-40B4-BE49-F238E27FC236}">
+                <a16:creationId xmlns:a16="http://schemas.microsoft.com/office/drawing/2014/main" id="{11342279-3B1B-9555-FD5C-CA3839B3D029}"/>
+              </a:ext>
+            </a:extLst>
+          </p:cNvPr>
+          <p:cNvSpPr txBox="1"/>
+          <p:nvPr/>
+        </p:nvSpPr>
+        <p:spPr>
+          <a:xfrm>
+            <a:off x="7753350" y="6336334"/>
+            <a:ext cx="1285874" cy="369332"/>
+          </a:xfrm>
+          <a:prstGeom prst="rect">
+            <a:avLst/>
+          </a:prstGeom>
+          <a:noFill/>
+        </p:spPr>
+        <p:txBody>
+          <a:bodyPr wrap="square" rtlCol="0">
+            <a:spAutoFit/>
+          </a:bodyPr>
+          <a:lstStyle/>
+          <a:p>
+            <a:r>
+              <a:rPr lang="en-US"/>
+              <a:t>Trang 4</a:t>
+            </a:r>
+          </a:p>
+        </p:txBody>
+      </p:sp>
+      <p:sp>
+        <p:nvSpPr>
+          <p:cNvPr id="5" name="TextBox 4">
+            <a:extLst>
+              <a:ext uri="{FF2B5EF4-FFF2-40B4-BE49-F238E27FC236}">
+                <a16:creationId xmlns:a16="http://schemas.microsoft.com/office/drawing/2014/main" id="{2FD009FE-CA5C-D5A4-E99D-1E506F763D1C}"/>
+              </a:ext>
+            </a:extLst>
+          </p:cNvPr>
+          <p:cNvSpPr txBox="1"/>
+          <p:nvPr/>
+        </p:nvSpPr>
+        <p:spPr>
+          <a:xfrm>
+            <a:off x="304800" y="1228725"/>
+            <a:ext cx="5210175" cy="369332"/>
+          </a:xfrm>
+          <a:prstGeom prst="rect">
+            <a:avLst/>
+          </a:prstGeom>
+          <a:noFill/>
+        </p:spPr>
+        <p:txBody>
+          <a:bodyPr wrap="square" rtlCol="0">
+            <a:spAutoFit/>
+          </a:bodyPr>
+          <a:lstStyle/>
+          <a:p>
+            <a:r>
+              <a:rPr lang="en-US"/>
+              <a:t>YC4.3</a:t>
+            </a:r>
+          </a:p>
+        </p:txBody>
+      </p:sp>
+      <p:sp>
+        <p:nvSpPr>
+          <p:cNvPr id="8" name="TextBox 7">
+            <a:extLst>
+              <a:ext uri="{FF2B5EF4-FFF2-40B4-BE49-F238E27FC236}">
+                <a16:creationId xmlns:a16="http://schemas.microsoft.com/office/drawing/2014/main" id="{FE5D4E40-17C8-086B-12F6-4368FAD8DA16}"/>
+              </a:ext>
+            </a:extLst>
+          </p:cNvPr>
+          <p:cNvSpPr txBox="1"/>
+          <p:nvPr/>
+        </p:nvSpPr>
+        <p:spPr>
+          <a:xfrm>
+            <a:off x="1390650" y="1720643"/>
+            <a:ext cx="2432076" cy="369332"/>
+          </a:xfrm>
+          <a:prstGeom prst="rect">
+            <a:avLst/>
+          </a:prstGeom>
+          <a:noFill/>
+        </p:spPr>
+        <p:txBody>
+          <a:bodyPr wrap="none" rtlCol="0">
+            <a:spAutoFit/>
+          </a:bodyPr>
+          <a:lstStyle/>
+          <a:p>
+            <a:pPr algn="l"/>
+            <a:r>
+              <a:rPr lang="en-US" b="0" i="0">
+                <a:solidFill>
+                  <a:srgbClr val="212121"/>
+                </a:solidFill>
+                <a:effectLst/>
+                <a:latin typeface="Roboto" panose="02000000000000000000" pitchFamily="2" charset="0"/>
+              </a:rPr>
+              <a:t>KNeighborsClassifier</a:t>
+            </a:r>
+          </a:p>
+        </p:txBody>
+      </p:sp>
+      <p:sp>
+        <p:nvSpPr>
+          <p:cNvPr id="9" name="TextBox 8">
+            <a:extLst>
+              <a:ext uri="{FF2B5EF4-FFF2-40B4-BE49-F238E27FC236}">
+                <a16:creationId xmlns:a16="http://schemas.microsoft.com/office/drawing/2014/main" id="{EBCA5C7A-4B9E-5C7D-4FAC-95733A590DEC}"/>
+              </a:ext>
+            </a:extLst>
+          </p:cNvPr>
+          <p:cNvSpPr txBox="1"/>
+          <p:nvPr/>
+        </p:nvSpPr>
+        <p:spPr>
+          <a:xfrm>
+            <a:off x="6235723" y="1720643"/>
+            <a:ext cx="952505" cy="369332"/>
+          </a:xfrm>
+          <a:prstGeom prst="rect">
+            <a:avLst/>
+          </a:prstGeom>
+          <a:noFill/>
+        </p:spPr>
+        <p:txBody>
+          <a:bodyPr wrap="none" rtlCol="0">
+            <a:spAutoFit/>
+          </a:bodyPr>
+          <a:lstStyle/>
+          <a:p>
+            <a:r>
+              <a:rPr lang="en-US" i="1"/>
+              <a:t>Sử dụng</a:t>
+            </a:r>
+          </a:p>
+        </p:txBody>
+      </p:sp>
+      <p:pic>
+        <p:nvPicPr>
+          <p:cNvPr id="7" name="Picture 6">
+            <a:extLst>
+              <a:ext uri="{FF2B5EF4-FFF2-40B4-BE49-F238E27FC236}">
+                <a16:creationId xmlns:a16="http://schemas.microsoft.com/office/drawing/2014/main" id="{98649AF1-3DC3-2A68-C9F1-ABFD66B90B37}"/>
+              </a:ext>
+            </a:extLst>
+          </p:cNvPr>
+          <p:cNvPicPr>
+            <a:picLocks noChangeAspect="1"/>
+          </p:cNvPicPr>
+          <p:nvPr/>
+        </p:nvPicPr>
+        <p:blipFill>
+          <a:blip r:embed="rId3"/>
+          <a:stretch>
+            <a:fillRect/>
+          </a:stretch>
+        </p:blipFill>
+        <p:spPr>
+          <a:xfrm>
+            <a:off x="5406261" y="2346362"/>
+            <a:ext cx="2979678" cy="137172"/>
+          </a:xfrm>
+          <a:prstGeom prst="rect">
+            <a:avLst/>
+          </a:prstGeom>
+        </p:spPr>
+      </p:pic>
+      <p:pic>
+        <p:nvPicPr>
+          <p:cNvPr id="12" name="Picture 11">
+            <a:extLst>
+              <a:ext uri="{FF2B5EF4-FFF2-40B4-BE49-F238E27FC236}">
+                <a16:creationId xmlns:a16="http://schemas.microsoft.com/office/drawing/2014/main" id="{85AECC65-5636-8C42-7DC3-13F9BC87D327}"/>
+              </a:ext>
+            </a:extLst>
+          </p:cNvPr>
+          <p:cNvPicPr>
+            <a:picLocks noChangeAspect="1"/>
+          </p:cNvPicPr>
+          <p:nvPr/>
+        </p:nvPicPr>
+        <p:blipFill>
+          <a:blip r:embed="rId4"/>
+          <a:stretch>
+            <a:fillRect/>
+          </a:stretch>
+        </p:blipFill>
+        <p:spPr>
+          <a:xfrm>
+            <a:off x="443524" y="2212561"/>
+            <a:ext cx="3947502" cy="4259949"/>
+          </a:xfrm>
+          <a:prstGeom prst="rect">
+            <a:avLst/>
+          </a:prstGeom>
+        </p:spPr>
+      </p:pic>
+    </p:spTree>
+    <p:extLst>
+      <p:ext uri="{BB962C8B-B14F-4D97-AF65-F5344CB8AC3E}">
+        <p14:creationId xmlns:p14="http://schemas.microsoft.com/office/powerpoint/2010/main" val="3392618411"/>
+      </p:ext>
+    </p:extLst>
+  </p:cSld>
+  <p:clrMapOvr>
+    <a:masterClrMapping/>
+  </p:clrMapOvr>
+</p:sld>
+</file>
+
+<file path=ppt/slides/slide18.xml><?xml version="1.0" encoding="utf-8"?>
+<p:sld xmlns:a="http://schemas.openxmlformats.org/drawingml/2006/main" xmlns:r="http://schemas.openxmlformats.org/officeDocument/2006/relationships" xmlns:p="http://schemas.openxmlformats.org/presentationml/2006/main">
+  <p:cSld>
+    <p:spTree>
+      <p:nvGrpSpPr>
+        <p:cNvPr id="1" name=""/>
+        <p:cNvGrpSpPr/>
+        <p:nvPr/>
+      </p:nvGrpSpPr>
+      <p:grpSpPr>
+        <a:xfrm>
+          <a:off x="0" y="0"/>
+          <a:ext cx="0" cy="0"/>
+          <a:chOff x="0" y="0"/>
+          <a:chExt cx="0" cy="0"/>
+        </a:xfrm>
+      </p:grpSpPr>
+      <p:pic>
+        <p:nvPicPr>
+          <p:cNvPr id="1034" name="Picture 10">
+            <a:extLst>
+              <a:ext uri="{FF2B5EF4-FFF2-40B4-BE49-F238E27FC236}">
+                <a16:creationId xmlns:a16="http://schemas.microsoft.com/office/drawing/2014/main" id="{6F72484C-A752-76F3-F259-0A997B815A00}"/>
+              </a:ext>
+            </a:extLst>
+          </p:cNvPr>
+          <p:cNvPicPr>
+            <a:picLocks noChangeAspect="1" noChangeArrowheads="1"/>
+          </p:cNvPicPr>
+          <p:nvPr/>
+        </p:nvPicPr>
+        <p:blipFill>
+          <a:blip r:embed="rId2">
+            <a:extLst>
+              <a:ext uri="{28A0092B-C50C-407E-A947-70E740481C1C}">
+                <a14:useLocalDpi xmlns:a14="http://schemas.microsoft.com/office/drawing/2010/main" val="0"/>
+              </a:ext>
+            </a:extLst>
+          </a:blip>
+          <a:srcRect/>
+          <a:stretch>
+            <a:fillRect/>
+          </a:stretch>
+        </p:blipFill>
+        <p:spPr bwMode="auto">
+          <a:xfrm>
+            <a:off x="76200" y="119063"/>
+            <a:ext cx="1114424" cy="614791"/>
+          </a:xfrm>
+          <a:prstGeom prst="rect">
+            <a:avLst/>
+          </a:prstGeom>
+          <a:noFill/>
+          <a:extLst>
+            <a:ext uri="{909E8E84-426E-40DD-AFC4-6F175D3DCCD1}">
+              <a14:hiddenFill xmlns:a14="http://schemas.microsoft.com/office/drawing/2010/main">
+                <a:solidFill>
+                  <a:srgbClr val="FFFFFF"/>
+                </a:solidFill>
+              </a14:hiddenFill>
+            </a:ext>
+          </a:extLst>
+        </p:spPr>
+      </p:pic>
+      <p:cxnSp>
+        <p:nvCxnSpPr>
+          <p:cNvPr id="11" name="Straight Connector 10">
+            <a:extLst>
+              <a:ext uri="{FF2B5EF4-FFF2-40B4-BE49-F238E27FC236}">
+                <a16:creationId xmlns:a16="http://schemas.microsoft.com/office/drawing/2014/main" id="{E5C4A229-E185-5A4B-53B1-81D591292671}"/>
+              </a:ext>
+            </a:extLst>
+          </p:cNvPr>
+          <p:cNvCxnSpPr>
+            <a:cxnSpLocks/>
+          </p:cNvCxnSpPr>
+          <p:nvPr/>
+        </p:nvCxnSpPr>
+        <p:spPr>
+          <a:xfrm>
+            <a:off x="76200" y="847725"/>
+            <a:ext cx="7648575" cy="0"/>
+          </a:xfrm>
+          <a:prstGeom prst="line">
+            <a:avLst/>
+          </a:prstGeom>
+        </p:spPr>
+        <p:style>
+          <a:lnRef idx="1">
+            <a:schemeClr val="accent1"/>
+          </a:lnRef>
+          <a:fillRef idx="0">
+            <a:schemeClr val="accent1"/>
+          </a:fillRef>
+          <a:effectRef idx="0">
+            <a:schemeClr val="accent1"/>
+          </a:effectRef>
+          <a:fontRef idx="minor">
+            <a:schemeClr val="tx1"/>
+          </a:fontRef>
+        </p:style>
+      </p:cxnSp>
+      <p:sp>
+        <p:nvSpPr>
+          <p:cNvPr id="14" name="TextBox 13">
+            <a:extLst>
+              <a:ext uri="{FF2B5EF4-FFF2-40B4-BE49-F238E27FC236}">
+                <a16:creationId xmlns:a16="http://schemas.microsoft.com/office/drawing/2014/main" id="{63B4AB36-B54A-EA5C-2A74-F2C80BE0CBC4}"/>
+              </a:ext>
+            </a:extLst>
+          </p:cNvPr>
+          <p:cNvSpPr txBox="1"/>
+          <p:nvPr/>
+        </p:nvSpPr>
+        <p:spPr>
+          <a:xfrm>
+            <a:off x="1390650" y="236792"/>
+            <a:ext cx="6362700" cy="369332"/>
+          </a:xfrm>
+          <a:prstGeom prst="rect">
+            <a:avLst/>
+          </a:prstGeom>
+          <a:noFill/>
+        </p:spPr>
+        <p:txBody>
+          <a:bodyPr wrap="square" rtlCol="0">
+            <a:spAutoFit/>
+          </a:bodyPr>
+          <a:lstStyle/>
+          <a:p>
+            <a:r>
+              <a:rPr lang="en-US" b="1"/>
+              <a:t>Câu 4 (2.0 điểm): Machine Learning</a:t>
+            </a:r>
+          </a:p>
+        </p:txBody>
+      </p:sp>
+      <p:cxnSp>
+        <p:nvCxnSpPr>
+          <p:cNvPr id="2" name="Straight Connector 1">
+            <a:extLst>
+              <a:ext uri="{FF2B5EF4-FFF2-40B4-BE49-F238E27FC236}">
+                <a16:creationId xmlns:a16="http://schemas.microsoft.com/office/drawing/2014/main" id="{AF3ADEA5-03F2-7E56-B6E6-8B6970A896CF}"/>
+              </a:ext>
+            </a:extLst>
+          </p:cNvPr>
+          <p:cNvCxnSpPr>
+            <a:cxnSpLocks/>
+          </p:cNvCxnSpPr>
+          <p:nvPr/>
+        </p:nvCxnSpPr>
+        <p:spPr>
+          <a:xfrm>
+            <a:off x="4752975" y="6238875"/>
+            <a:ext cx="4286250" cy="0"/>
+          </a:xfrm>
+          <a:prstGeom prst="line">
+            <a:avLst/>
+          </a:prstGeom>
+        </p:spPr>
+        <p:style>
+          <a:lnRef idx="1">
+            <a:schemeClr val="accent1"/>
+          </a:lnRef>
+          <a:fillRef idx="0">
+            <a:schemeClr val="accent1"/>
+          </a:fillRef>
+          <a:effectRef idx="0">
+            <a:schemeClr val="accent1"/>
+          </a:effectRef>
+          <a:fontRef idx="minor">
+            <a:schemeClr val="tx1"/>
+          </a:fontRef>
+        </p:style>
+      </p:cxnSp>
+      <p:sp>
+        <p:nvSpPr>
+          <p:cNvPr id="4" name="TextBox 3">
+            <a:extLst>
+              <a:ext uri="{FF2B5EF4-FFF2-40B4-BE49-F238E27FC236}">
+                <a16:creationId xmlns:a16="http://schemas.microsoft.com/office/drawing/2014/main" id="{11342279-3B1B-9555-FD5C-CA3839B3D029}"/>
+              </a:ext>
+            </a:extLst>
+          </p:cNvPr>
+          <p:cNvSpPr txBox="1"/>
+          <p:nvPr/>
+        </p:nvSpPr>
+        <p:spPr>
+          <a:xfrm>
+            <a:off x="7753350" y="6336334"/>
+            <a:ext cx="1285874" cy="369332"/>
+          </a:xfrm>
+          <a:prstGeom prst="rect">
+            <a:avLst/>
+          </a:prstGeom>
+          <a:noFill/>
+        </p:spPr>
+        <p:txBody>
+          <a:bodyPr wrap="square" rtlCol="0">
+            <a:spAutoFit/>
+          </a:bodyPr>
+          <a:lstStyle/>
+          <a:p>
+            <a:r>
+              <a:rPr lang="en-US"/>
+              <a:t>Trang 4</a:t>
+            </a:r>
+          </a:p>
+        </p:txBody>
+      </p:sp>
+      <p:sp>
+        <p:nvSpPr>
+          <p:cNvPr id="5" name="TextBox 4">
+            <a:extLst>
+              <a:ext uri="{FF2B5EF4-FFF2-40B4-BE49-F238E27FC236}">
+                <a16:creationId xmlns:a16="http://schemas.microsoft.com/office/drawing/2014/main" id="{2FD009FE-CA5C-D5A4-E99D-1E506F763D1C}"/>
+              </a:ext>
+            </a:extLst>
+          </p:cNvPr>
+          <p:cNvSpPr txBox="1"/>
+          <p:nvPr/>
+        </p:nvSpPr>
+        <p:spPr>
+          <a:xfrm>
+            <a:off x="304800" y="1228725"/>
+            <a:ext cx="5210175" cy="369332"/>
+          </a:xfrm>
+          <a:prstGeom prst="rect">
+            <a:avLst/>
+          </a:prstGeom>
+          <a:noFill/>
+        </p:spPr>
+        <p:txBody>
+          <a:bodyPr wrap="square" rtlCol="0">
+            <a:spAutoFit/>
+          </a:bodyPr>
+          <a:lstStyle/>
+          <a:p>
+            <a:r>
+              <a:rPr lang="en-US"/>
+              <a:t>YC4.4</a:t>
+            </a:r>
+          </a:p>
+        </p:txBody>
+      </p:sp>
+      <p:pic>
+        <p:nvPicPr>
+          <p:cNvPr id="6" name="Picture 5">
+            <a:extLst>
+              <a:ext uri="{FF2B5EF4-FFF2-40B4-BE49-F238E27FC236}">
+                <a16:creationId xmlns:a16="http://schemas.microsoft.com/office/drawing/2014/main" id="{96650C24-EE10-9576-F115-2659A4D9C2B3}"/>
+              </a:ext>
+            </a:extLst>
+          </p:cNvPr>
+          <p:cNvPicPr>
+            <a:picLocks noChangeAspect="1"/>
+          </p:cNvPicPr>
+          <p:nvPr/>
+        </p:nvPicPr>
+        <p:blipFill>
+          <a:blip r:embed="rId3"/>
+          <a:stretch>
+            <a:fillRect/>
+          </a:stretch>
+        </p:blipFill>
+        <p:spPr>
+          <a:xfrm>
+            <a:off x="2504880" y="1413391"/>
+            <a:ext cx="4496190" cy="3444538"/>
+          </a:xfrm>
+          <a:prstGeom prst="rect">
+            <a:avLst/>
+          </a:prstGeom>
+        </p:spPr>
+      </p:pic>
+      <p:sp>
+        <p:nvSpPr>
+          <p:cNvPr id="10" name="TextBox 9">
+            <a:extLst>
+              <a:ext uri="{FF2B5EF4-FFF2-40B4-BE49-F238E27FC236}">
+                <a16:creationId xmlns:a16="http://schemas.microsoft.com/office/drawing/2014/main" id="{238E0658-D853-A165-C5A3-FD7A55961FE1}"/>
+              </a:ext>
+            </a:extLst>
+          </p:cNvPr>
+          <p:cNvSpPr txBox="1"/>
+          <p:nvPr/>
+        </p:nvSpPr>
+        <p:spPr>
+          <a:xfrm>
+            <a:off x="981965" y="5054262"/>
+            <a:ext cx="7542020" cy="369332"/>
+          </a:xfrm>
+          <a:prstGeom prst="rect">
+            <a:avLst/>
+          </a:prstGeom>
+          <a:noFill/>
+        </p:spPr>
+        <p:txBody>
+          <a:bodyPr wrap="square" rtlCol="0">
+            <a:spAutoFit/>
+          </a:bodyPr>
+          <a:lstStyle/>
+          <a:p>
+            <a:r>
+              <a:rPr lang="en-US" i="1"/>
+              <a:t>Thu thập các training và test accuracy ta làm được biểu đồ độ chính xác này</a:t>
+            </a:r>
+          </a:p>
+        </p:txBody>
+      </p:sp>
+    </p:spTree>
+    <p:extLst>
+      <p:ext uri="{BB962C8B-B14F-4D97-AF65-F5344CB8AC3E}">
+        <p14:creationId xmlns:p14="http://schemas.microsoft.com/office/powerpoint/2010/main" val="3402490532"/>
+      </p:ext>
+    </p:extLst>
+  </p:cSld>
+  <p:clrMapOvr>
+    <a:masterClrMapping/>
+  </p:clrMapOvr>
+</p:sld>
+</file>
+
+<file path=ppt/slides/slide19.xml><?xml version="1.0" encoding="utf-8"?>
+<p:sld xmlns:a="http://schemas.openxmlformats.org/drawingml/2006/main" xmlns:r="http://schemas.openxmlformats.org/officeDocument/2006/relationships" xmlns:p="http://schemas.openxmlformats.org/presentationml/2006/main">
+  <p:cSld>
+    <p:spTree>
+      <p:nvGrpSpPr>
+        <p:cNvPr id="1" name=""/>
+        <p:cNvGrpSpPr/>
+        <p:nvPr/>
+      </p:nvGrpSpPr>
+      <p:grpSpPr>
+        <a:xfrm>
+          <a:off x="0" y="0"/>
+          <a:ext cx="0" cy="0"/>
+          <a:chOff x="0" y="0"/>
+          <a:chExt cx="0" cy="0"/>
+        </a:xfrm>
+      </p:grpSpPr>
+      <p:pic>
+        <p:nvPicPr>
+          <p:cNvPr id="1034" name="Picture 10">
+            <a:extLst>
+              <a:ext uri="{FF2B5EF4-FFF2-40B4-BE49-F238E27FC236}">
+                <a16:creationId xmlns:a16="http://schemas.microsoft.com/office/drawing/2014/main" id="{6F72484C-A752-76F3-F259-0A997B815A00}"/>
+              </a:ext>
+            </a:extLst>
+          </p:cNvPr>
+          <p:cNvPicPr>
+            <a:picLocks noChangeAspect="1" noChangeArrowheads="1"/>
+          </p:cNvPicPr>
+          <p:nvPr/>
+        </p:nvPicPr>
+        <p:blipFill>
+          <a:blip r:embed="rId2">
+            <a:extLst>
+              <a:ext uri="{28A0092B-C50C-407E-A947-70E740481C1C}">
+                <a14:useLocalDpi xmlns:a14="http://schemas.microsoft.com/office/drawing/2010/main" val="0"/>
+              </a:ext>
+            </a:extLst>
+          </a:blip>
+          <a:srcRect/>
+          <a:stretch>
+            <a:fillRect/>
+          </a:stretch>
+        </p:blipFill>
+        <p:spPr bwMode="auto">
+          <a:xfrm>
+            <a:off x="76200" y="119063"/>
+            <a:ext cx="1114424" cy="614791"/>
+          </a:xfrm>
+          <a:prstGeom prst="rect">
+            <a:avLst/>
+          </a:prstGeom>
+          <a:noFill/>
+          <a:extLst>
+            <a:ext uri="{909E8E84-426E-40DD-AFC4-6F175D3DCCD1}">
+              <a14:hiddenFill xmlns:a14="http://schemas.microsoft.com/office/drawing/2010/main">
+                <a:solidFill>
+                  <a:srgbClr val="FFFFFF"/>
+                </a:solidFill>
+              </a14:hiddenFill>
+            </a:ext>
+          </a:extLst>
+        </p:spPr>
+      </p:pic>
+      <p:cxnSp>
+        <p:nvCxnSpPr>
+          <p:cNvPr id="11" name="Straight Connector 10">
+            <a:extLst>
+              <a:ext uri="{FF2B5EF4-FFF2-40B4-BE49-F238E27FC236}">
+                <a16:creationId xmlns:a16="http://schemas.microsoft.com/office/drawing/2014/main" id="{E5C4A229-E185-5A4B-53B1-81D591292671}"/>
+              </a:ext>
+            </a:extLst>
+          </p:cNvPr>
+          <p:cNvCxnSpPr>
+            <a:cxnSpLocks/>
+          </p:cNvCxnSpPr>
+          <p:nvPr/>
+        </p:nvCxnSpPr>
+        <p:spPr>
+          <a:xfrm>
+            <a:off x="76200" y="847725"/>
+            <a:ext cx="7648575" cy="0"/>
+          </a:xfrm>
+          <a:prstGeom prst="line">
+            <a:avLst/>
+          </a:prstGeom>
+        </p:spPr>
+        <p:style>
+          <a:lnRef idx="1">
+            <a:schemeClr val="accent1"/>
+          </a:lnRef>
+          <a:fillRef idx="0">
+            <a:schemeClr val="accent1"/>
+          </a:fillRef>
+          <a:effectRef idx="0">
+            <a:schemeClr val="accent1"/>
+          </a:effectRef>
+          <a:fontRef idx="minor">
+            <a:schemeClr val="tx1"/>
+          </a:fontRef>
+        </p:style>
+      </p:cxnSp>
+      <p:sp>
+        <p:nvSpPr>
+          <p:cNvPr id="14" name="TextBox 13">
+            <a:extLst>
+              <a:ext uri="{FF2B5EF4-FFF2-40B4-BE49-F238E27FC236}">
+                <a16:creationId xmlns:a16="http://schemas.microsoft.com/office/drawing/2014/main" id="{63B4AB36-B54A-EA5C-2A74-F2C80BE0CBC4}"/>
+              </a:ext>
+            </a:extLst>
+          </p:cNvPr>
+          <p:cNvSpPr txBox="1"/>
+          <p:nvPr/>
+        </p:nvSpPr>
+        <p:spPr>
+          <a:xfrm>
+            <a:off x="1390650" y="236792"/>
+            <a:ext cx="6362700" cy="369332"/>
+          </a:xfrm>
+          <a:prstGeom prst="rect">
+            <a:avLst/>
+          </a:prstGeom>
+          <a:noFill/>
+        </p:spPr>
+        <p:txBody>
+          <a:bodyPr wrap="square" rtlCol="0">
+            <a:spAutoFit/>
+          </a:bodyPr>
+          <a:lstStyle/>
+          <a:p>
+            <a:r>
+              <a:rPr lang="en-US" b="1"/>
+              <a:t>Câu 4 (2.0 điểm): Machine Learning</a:t>
+            </a:r>
+          </a:p>
+        </p:txBody>
+      </p:sp>
+      <p:graphicFrame>
+        <p:nvGraphicFramePr>
+          <p:cNvPr id="3" name="Table 16">
+            <a:extLst>
+              <a:ext uri="{FF2B5EF4-FFF2-40B4-BE49-F238E27FC236}">
+                <a16:creationId xmlns:a16="http://schemas.microsoft.com/office/drawing/2014/main" id="{5E8325E1-BDCF-5783-E97F-C770E7E58F6D}"/>
+              </a:ext>
+            </a:extLst>
+          </p:cNvPr>
+          <p:cNvGraphicFramePr>
+            <a:graphicFrameLocks noGrp="1"/>
+          </p:cNvGraphicFramePr>
+          <p:nvPr>
+            <p:extLst>
+              <p:ext uri="{D42A27DB-BD31-4B8C-83A1-F6EECF244321}">
+                <p14:modId xmlns:p14="http://schemas.microsoft.com/office/powerpoint/2010/main" val="1319184161"/>
+              </p:ext>
+            </p:extLst>
+          </p:nvPr>
+        </p:nvGraphicFramePr>
+        <p:xfrm>
+          <a:off x="1850248" y="1815894"/>
+          <a:ext cx="5443503" cy="2225040"/>
+        </p:xfrm>
+        <a:graphic>
+          <a:graphicData uri="http://schemas.openxmlformats.org/drawingml/2006/table">
+            <a:tbl>
+              <a:tblPr firstRow="1" bandRow="1">
+                <a:tableStyleId>{F5AB1C69-6EDB-4FF4-983F-18BD219EF322}</a:tableStyleId>
+              </a:tblPr>
+              <a:tblGrid>
+                <a:gridCol w="1662078">
+                  <a:extLst>
+                    <a:ext uri="{9D8B030D-6E8A-4147-A177-3AD203B41FA5}">
+                      <a16:colId xmlns:a16="http://schemas.microsoft.com/office/drawing/2014/main" val="3939429785"/>
+                    </a:ext>
+                  </a:extLst>
+                </a:gridCol>
+                <a:gridCol w="1514475">
+                  <a:extLst>
+                    <a:ext uri="{9D8B030D-6E8A-4147-A177-3AD203B41FA5}">
+                      <a16:colId xmlns:a16="http://schemas.microsoft.com/office/drawing/2014/main" val="1738762872"/>
+                    </a:ext>
+                  </a:extLst>
+                </a:gridCol>
+                <a:gridCol w="2266950">
+                  <a:extLst>
+                    <a:ext uri="{9D8B030D-6E8A-4147-A177-3AD203B41FA5}">
+                      <a16:colId xmlns:a16="http://schemas.microsoft.com/office/drawing/2014/main" val="3821170340"/>
+                    </a:ext>
+                  </a:extLst>
+                </a:gridCol>
+              </a:tblGrid>
+              <a:tr h="370840">
+                <a:tc>
+                  <a:txBody>
+                    <a:bodyPr/>
+                    <a:lstStyle/>
+                    <a:p>
+                      <a:pPr algn="ctr"/>
+                      <a:r>
+                        <a:rPr lang="en-US">
+                          <a:latin typeface="Times New Roman" panose="02020603050405020304" pitchFamily="18" charset="0"/>
+                          <a:cs typeface="Times New Roman" panose="02020603050405020304" pitchFamily="18" charset="0"/>
+                        </a:rPr>
+                        <a:t>Tiêu chí</a:t>
+                      </a:r>
+                    </a:p>
+                  </a:txBody>
+                  <a:tcPr/>
+                </a:tc>
+                <a:tc>
+                  <a:txBody>
+                    <a:bodyPr/>
+                    <a:lstStyle/>
+                    <a:p>
+                      <a:pPr algn="ctr"/>
+                      <a:r>
+                        <a:rPr lang="en-US">
+                          <a:latin typeface="Times New Roman" panose="02020603050405020304" pitchFamily="18" charset="0"/>
+                          <a:cs typeface="Times New Roman" panose="02020603050405020304" pitchFamily="18" charset="0"/>
+                        </a:rPr>
+                        <a:t>Điểm</a:t>
+                      </a:r>
+                    </a:p>
+                  </a:txBody>
+                  <a:tcPr/>
+                </a:tc>
+                <a:tc>
+                  <a:txBody>
+                    <a:bodyPr/>
+                    <a:lstStyle/>
+                    <a:p>
+                      <a:pPr algn="ctr"/>
+                      <a:r>
+                        <a:rPr lang="en-US">
+                          <a:latin typeface="Times New Roman" panose="02020603050405020304" pitchFamily="18" charset="0"/>
+                          <a:cs typeface="Times New Roman" panose="02020603050405020304" pitchFamily="18" charset="0"/>
+                        </a:rPr>
+                        <a:t>Đánh giá</a:t>
+                      </a:r>
+                    </a:p>
+                  </a:txBody>
+                  <a:tcPr/>
+                </a:tc>
+                <a:extLst>
+                  <a:ext uri="{0D108BD9-81ED-4DB2-BD59-A6C34878D82A}">
+                    <a16:rowId xmlns:a16="http://schemas.microsoft.com/office/drawing/2014/main" val="2071844936"/>
+                  </a:ext>
+                </a:extLst>
+              </a:tr>
+              <a:tr h="370840">
+                <a:tc>
+                  <a:txBody>
+                    <a:bodyPr/>
+                    <a:lstStyle/>
+                    <a:p>
+                      <a:pPr algn="ctr"/>
+                      <a:r>
+                        <a:rPr lang="en-US">
+                          <a:latin typeface="Times New Roman" panose="02020603050405020304" pitchFamily="18" charset="0"/>
+                          <a:cs typeface="Times New Roman" panose="02020603050405020304" pitchFamily="18" charset="0"/>
+                        </a:rPr>
+                        <a:t>YC4-1</a:t>
+                      </a:r>
+                    </a:p>
+                  </a:txBody>
+                  <a:tcPr/>
+                </a:tc>
+                <a:tc>
+                  <a:txBody>
+                    <a:bodyPr/>
+                    <a:lstStyle/>
+                    <a:p>
+                      <a:pPr algn="ctr"/>
+                      <a:r>
+                        <a:rPr lang="en-US">
+                          <a:latin typeface="Times New Roman" panose="02020603050405020304" pitchFamily="18" charset="0"/>
+                          <a:cs typeface="Times New Roman" panose="02020603050405020304" pitchFamily="18" charset="0"/>
+                        </a:rPr>
+                        <a:t>---</a:t>
+                      </a:r>
+                    </a:p>
+                  </a:txBody>
+                  <a:tcPr/>
+                </a:tc>
+                <a:tc>
+                  <a:txBody>
+                    <a:bodyPr/>
+                    <a:lstStyle/>
+                    <a:p>
+                      <a:pPr algn="ctr"/>
+                      <a:r>
+                        <a:rPr lang="en-US">
+                          <a:latin typeface="Times New Roman" panose="02020603050405020304" pitchFamily="18" charset="0"/>
+                          <a:cs typeface="Times New Roman" panose="02020603050405020304" pitchFamily="18" charset="0"/>
+                        </a:rPr>
+                        <a:t>Hoàn thành</a:t>
+                      </a:r>
+                    </a:p>
+                  </a:txBody>
+                  <a:tcPr/>
+                </a:tc>
+                <a:extLst>
+                  <a:ext uri="{0D108BD9-81ED-4DB2-BD59-A6C34878D82A}">
+                    <a16:rowId xmlns:a16="http://schemas.microsoft.com/office/drawing/2014/main" val="583184748"/>
+                  </a:ext>
+                </a:extLst>
+              </a:tr>
+              <a:tr h="370840">
+                <a:tc>
+                  <a:txBody>
+                    <a:bodyPr/>
+                    <a:lstStyle/>
+                    <a:p>
+                      <a:pPr algn="ctr"/>
+                      <a:r>
+                        <a:rPr lang="en-US">
+                          <a:latin typeface="Times New Roman" panose="02020603050405020304" pitchFamily="18" charset="0"/>
+                          <a:cs typeface="Times New Roman" panose="02020603050405020304" pitchFamily="18" charset="0"/>
+                        </a:rPr>
+                        <a:t>YC4-2</a:t>
+                      </a:r>
+                    </a:p>
+                  </a:txBody>
+                  <a:tcPr/>
+                </a:tc>
+                <a:tc>
+                  <a:txBody>
+                    <a:bodyPr/>
+                    <a:lstStyle/>
+                    <a:p>
+                      <a:pPr algn="ctr"/>
+                      <a:r>
+                        <a:rPr lang="en-US">
+                          <a:latin typeface="Times New Roman" panose="02020603050405020304" pitchFamily="18" charset="0"/>
+                          <a:cs typeface="Times New Roman" panose="02020603050405020304" pitchFamily="18" charset="0"/>
+                        </a:rPr>
+                        <a:t>---</a:t>
+                      </a:r>
+                    </a:p>
+                  </a:txBody>
+                  <a:tcPr/>
+                </a:tc>
+                <a:tc>
+                  <a:txBody>
+                    <a:bodyPr/>
+                    <a:lstStyle/>
+                    <a:p>
+                      <a:pPr algn="ctr"/>
+                      <a:r>
+                        <a:rPr lang="en-US">
+                          <a:latin typeface="Times New Roman" panose="02020603050405020304" pitchFamily="18" charset="0"/>
+                          <a:cs typeface="Times New Roman" panose="02020603050405020304" pitchFamily="18" charset="0"/>
+                        </a:rPr>
+                        <a:t>Hoàn thành</a:t>
+                      </a:r>
+                    </a:p>
+                  </a:txBody>
+                  <a:tcPr/>
+                </a:tc>
+                <a:extLst>
+                  <a:ext uri="{0D108BD9-81ED-4DB2-BD59-A6C34878D82A}">
+                    <a16:rowId xmlns:a16="http://schemas.microsoft.com/office/drawing/2014/main" val="3755525977"/>
+                  </a:ext>
+                </a:extLst>
+              </a:tr>
+              <a:tr h="370840">
+                <a:tc>
+                  <a:txBody>
+                    <a:bodyPr/>
+                    <a:lstStyle/>
+                    <a:p>
+                      <a:pPr algn="ctr"/>
+                      <a:r>
+                        <a:rPr lang="en-US">
+                          <a:latin typeface="Times New Roman" panose="02020603050405020304" pitchFamily="18" charset="0"/>
+                          <a:cs typeface="Times New Roman" panose="02020603050405020304" pitchFamily="18" charset="0"/>
+                        </a:rPr>
+                        <a:t>YC4-3</a:t>
+                      </a:r>
+                    </a:p>
+                  </a:txBody>
+                  <a:tcPr/>
+                </a:tc>
+                <a:tc>
+                  <a:txBody>
+                    <a:bodyPr/>
+                    <a:lstStyle/>
+                    <a:p>
+                      <a:pPr algn="ctr"/>
+                      <a:r>
+                        <a:rPr lang="en-US">
+                          <a:latin typeface="Times New Roman" panose="02020603050405020304" pitchFamily="18" charset="0"/>
+                          <a:cs typeface="Times New Roman" panose="02020603050405020304" pitchFamily="18" charset="0"/>
+                        </a:rPr>
+                        <a:t>---</a:t>
+                      </a:r>
+                    </a:p>
+                  </a:txBody>
+                  <a:tcPr/>
+                </a:tc>
+                <a:tc>
+                  <a:txBody>
+                    <a:bodyPr/>
+                    <a:lstStyle/>
+                    <a:p>
+                      <a:pPr algn="ctr"/>
+                      <a:r>
+                        <a:rPr lang="en-US">
+                          <a:latin typeface="Times New Roman" panose="02020603050405020304" pitchFamily="18" charset="0"/>
+                          <a:cs typeface="Times New Roman" panose="02020603050405020304" pitchFamily="18" charset="0"/>
+                        </a:rPr>
+                        <a:t>Hoàn thành</a:t>
+                      </a:r>
+                    </a:p>
+                  </a:txBody>
+                  <a:tcPr/>
+                </a:tc>
+                <a:extLst>
+                  <a:ext uri="{0D108BD9-81ED-4DB2-BD59-A6C34878D82A}">
+                    <a16:rowId xmlns:a16="http://schemas.microsoft.com/office/drawing/2014/main" val="2275554444"/>
+                  </a:ext>
+                </a:extLst>
+              </a:tr>
+              <a:tr h="370840">
+                <a:tc>
+                  <a:txBody>
+                    <a:bodyPr/>
+                    <a:lstStyle/>
+                    <a:p>
+                      <a:pPr algn="ctr"/>
+                      <a:r>
+                        <a:rPr lang="en-US">
+                          <a:latin typeface="Times New Roman" panose="02020603050405020304" pitchFamily="18" charset="0"/>
+                          <a:cs typeface="Times New Roman" panose="02020603050405020304" pitchFamily="18" charset="0"/>
+                        </a:rPr>
+                        <a:t>YC4-4</a:t>
+                      </a:r>
+                    </a:p>
+                  </a:txBody>
+                  <a:tcPr/>
+                </a:tc>
+                <a:tc>
+                  <a:txBody>
+                    <a:bodyPr/>
+                    <a:lstStyle/>
+                    <a:p>
+                      <a:pPr algn="ctr"/>
+                      <a:r>
+                        <a:rPr lang="en-US">
+                          <a:latin typeface="Times New Roman" panose="02020603050405020304" pitchFamily="18" charset="0"/>
+                          <a:cs typeface="Times New Roman" panose="02020603050405020304" pitchFamily="18" charset="0"/>
+                        </a:rPr>
+                        <a:t>---</a:t>
+                      </a:r>
+                    </a:p>
+                  </a:txBody>
+                  <a:tcPr/>
+                </a:tc>
+                <a:tc>
+                  <a:txBody>
+                    <a:bodyPr/>
+                    <a:lstStyle/>
+                    <a:p>
+                      <a:pPr algn="ctr"/>
+                      <a:r>
+                        <a:rPr lang="en-US">
+                          <a:latin typeface="Times New Roman" panose="02020603050405020304" pitchFamily="18" charset="0"/>
+                          <a:cs typeface="Times New Roman" panose="02020603050405020304" pitchFamily="18" charset="0"/>
+                        </a:rPr>
+                        <a:t>Hoàn thành</a:t>
+                      </a:r>
+                    </a:p>
+                  </a:txBody>
+                  <a:tcPr/>
+                </a:tc>
+                <a:extLst>
+                  <a:ext uri="{0D108BD9-81ED-4DB2-BD59-A6C34878D82A}">
+                    <a16:rowId xmlns:a16="http://schemas.microsoft.com/office/drawing/2014/main" val="1497370022"/>
+                  </a:ext>
+                </a:extLst>
+              </a:tr>
+              <a:tr h="370840">
+                <a:tc gridSpan="2">
+                  <a:txBody>
+                    <a:bodyPr/>
+                    <a:lstStyle/>
+                    <a:p>
+                      <a:pPr algn="ctr"/>
+                      <a:r>
+                        <a:rPr lang="en-US">
+                          <a:latin typeface="Times New Roman" panose="02020603050405020304" pitchFamily="18" charset="0"/>
+                          <a:cs typeface="Times New Roman" panose="02020603050405020304" pitchFamily="18" charset="0"/>
+                        </a:rPr>
+                        <a:t>Tổng điểm đánh giá</a:t>
+                      </a:r>
+                    </a:p>
+                  </a:txBody>
+                  <a:tcPr/>
+                </a:tc>
+                <a:tc hMerge="1">
+                  <a:txBody>
+                    <a:bodyPr/>
+                    <a:lstStyle/>
+                    <a:p>
+                      <a:pPr algn="ctr"/>
+                      <a:endParaRPr lang="en-US">
+                        <a:latin typeface="Times New Roman" panose="02020603050405020304" pitchFamily="18" charset="0"/>
+                        <a:cs typeface="Times New Roman" panose="02020603050405020304" pitchFamily="18" charset="0"/>
+                      </a:endParaRPr>
+                    </a:p>
+                  </a:txBody>
+                  <a:tcPr/>
+                </a:tc>
+                <a:tc>
+                  <a:txBody>
+                    <a:bodyPr/>
+                    <a:lstStyle/>
+                    <a:p>
+                      <a:pPr algn="ctr"/>
+                      <a:r>
+                        <a:rPr lang="en-US">
+                          <a:latin typeface="Times New Roman" panose="02020603050405020304" pitchFamily="18" charset="0"/>
+                          <a:cs typeface="Times New Roman" panose="02020603050405020304" pitchFamily="18" charset="0"/>
+                        </a:rPr>
+                        <a:t>2 điểm</a:t>
+                      </a:r>
+                    </a:p>
+                  </a:txBody>
+                  <a:tcPr/>
+                </a:tc>
+                <a:extLst>
+                  <a:ext uri="{0D108BD9-81ED-4DB2-BD59-A6C34878D82A}">
+                    <a16:rowId xmlns:a16="http://schemas.microsoft.com/office/drawing/2014/main" val="3314593414"/>
+                  </a:ext>
+                </a:extLst>
+              </a:tr>
+            </a:tbl>
+          </a:graphicData>
+        </a:graphic>
+      </p:graphicFrame>
+      <p:sp>
+        <p:nvSpPr>
+          <p:cNvPr id="4" name="TextBox 3">
+            <a:extLst>
+              <a:ext uri="{FF2B5EF4-FFF2-40B4-BE49-F238E27FC236}">
+                <a16:creationId xmlns:a16="http://schemas.microsoft.com/office/drawing/2014/main" id="{459EF129-6740-B341-7BC7-05D580180742}"/>
+              </a:ext>
+            </a:extLst>
+          </p:cNvPr>
+          <p:cNvSpPr txBox="1"/>
+          <p:nvPr/>
+        </p:nvSpPr>
+        <p:spPr>
+          <a:xfrm>
+            <a:off x="76200" y="1089327"/>
+            <a:ext cx="2159566" cy="369332"/>
+          </a:xfrm>
+          <a:prstGeom prst="rect">
+            <a:avLst/>
+          </a:prstGeom>
+          <a:noFill/>
+        </p:spPr>
+        <p:txBody>
+          <a:bodyPr wrap="none" rtlCol="0">
+            <a:spAutoFit/>
+          </a:bodyPr>
+          <a:lstStyle/>
+          <a:p>
+            <a:pPr marL="0" marR="0" lvl="0" indent="0" algn="l" defTabSz="457200" rtl="0" eaLnBrk="1" fontAlgn="auto" latinLnBrk="0" hangingPunct="1">
+              <a:lnSpc>
+                <a:spcPct val="100000"/>
+              </a:lnSpc>
+              <a:spcBef>
+                <a:spcPts val="0"/>
+              </a:spcBef>
+              <a:spcAft>
+                <a:spcPts val="0"/>
+              </a:spcAft>
+              <a:buClrTx/>
+              <a:buSzTx/>
+              <a:buFontTx/>
+              <a:buNone/>
+              <a:tabLst/>
+              <a:defRPr/>
+            </a:pPr>
+            <a:r>
+              <a:rPr kumimoji="0" lang="en-US" sz="1800" b="0" i="1" u="none" strike="noStrike" kern="1200" cap="none" spc="0" normalizeH="0" baseline="0" noProof="0">
+                <a:ln>
+                  <a:noFill/>
+                </a:ln>
+                <a:solidFill>
+                  <a:prstClr val="black"/>
+                </a:solidFill>
+                <a:effectLst/>
+                <a:uLnTx/>
+                <a:uFillTx/>
+                <a:latin typeface="Calibri" panose="020F0502020204030204"/>
+                <a:ea typeface="+mn-ea"/>
+                <a:cs typeface="+mn-cs"/>
+              </a:rPr>
+              <a:t>Đánh giá hoàn thành</a:t>
+            </a:r>
+          </a:p>
+        </p:txBody>
+      </p:sp>
+      <p:cxnSp>
+        <p:nvCxnSpPr>
+          <p:cNvPr id="2" name="Straight Connector 1">
+            <a:extLst>
+              <a:ext uri="{FF2B5EF4-FFF2-40B4-BE49-F238E27FC236}">
+                <a16:creationId xmlns:a16="http://schemas.microsoft.com/office/drawing/2014/main" id="{7C8A4417-1481-B1E7-23CC-E5C9CAD25F2C}"/>
+              </a:ext>
+            </a:extLst>
+          </p:cNvPr>
+          <p:cNvCxnSpPr>
+            <a:cxnSpLocks/>
+          </p:cNvCxnSpPr>
+          <p:nvPr/>
+        </p:nvCxnSpPr>
+        <p:spPr>
+          <a:xfrm>
+            <a:off x="4752975" y="6238875"/>
+            <a:ext cx="4286250" cy="0"/>
+          </a:xfrm>
+          <a:prstGeom prst="line">
+            <a:avLst/>
+          </a:prstGeom>
+        </p:spPr>
+        <p:style>
+          <a:lnRef idx="1">
+            <a:schemeClr val="accent1"/>
+          </a:lnRef>
+          <a:fillRef idx="0">
+            <a:schemeClr val="accent1"/>
+          </a:fillRef>
+          <a:effectRef idx="0">
+            <a:schemeClr val="accent1"/>
+          </a:effectRef>
+          <a:fontRef idx="minor">
+            <a:schemeClr val="tx1"/>
+          </a:fontRef>
+        </p:style>
+      </p:cxnSp>
+      <p:sp>
+        <p:nvSpPr>
+          <p:cNvPr id="6" name="TextBox 5">
+            <a:extLst>
+              <a:ext uri="{FF2B5EF4-FFF2-40B4-BE49-F238E27FC236}">
+                <a16:creationId xmlns:a16="http://schemas.microsoft.com/office/drawing/2014/main" id="{F6D86575-6F62-E86B-CB8C-67FDEFFD30D6}"/>
+              </a:ext>
+            </a:extLst>
+          </p:cNvPr>
+          <p:cNvSpPr txBox="1"/>
+          <p:nvPr/>
+        </p:nvSpPr>
+        <p:spPr>
+          <a:xfrm>
+            <a:off x="7753350" y="6336334"/>
+            <a:ext cx="1285874" cy="369332"/>
+          </a:xfrm>
+          <a:prstGeom prst="rect">
+            <a:avLst/>
+          </a:prstGeom>
+          <a:noFill/>
+        </p:spPr>
+        <p:txBody>
+          <a:bodyPr wrap="square" rtlCol="0">
+            <a:spAutoFit/>
+          </a:bodyPr>
+          <a:lstStyle/>
+          <a:p>
+            <a:pPr marL="0" marR="0" lvl="0" indent="0" algn="l" defTabSz="457200" rtl="0" eaLnBrk="1" fontAlgn="auto" latinLnBrk="0" hangingPunct="1">
+              <a:lnSpc>
+                <a:spcPct val="100000"/>
+              </a:lnSpc>
+              <a:spcBef>
+                <a:spcPts val="0"/>
+              </a:spcBef>
+              <a:spcAft>
+                <a:spcPts val="0"/>
+              </a:spcAft>
+              <a:buClrTx/>
+              <a:buSzTx/>
+              <a:buFontTx/>
+              <a:buNone/>
+              <a:tabLst/>
+              <a:defRPr/>
+            </a:pPr>
+            <a:r>
+              <a:rPr kumimoji="0" lang="en-US" sz="1800" b="0" i="0" u="none" strike="noStrike" kern="1200" cap="none" spc="0" normalizeH="0" baseline="0" noProof="0">
+                <a:ln>
+                  <a:noFill/>
+                </a:ln>
+                <a:solidFill>
+                  <a:prstClr val="black"/>
+                </a:solidFill>
+                <a:effectLst/>
+                <a:uLnTx/>
+                <a:uFillTx/>
+                <a:latin typeface="Calibri" panose="020F0502020204030204"/>
+                <a:ea typeface="+mn-ea"/>
+                <a:cs typeface="+mn-cs"/>
+              </a:rPr>
+              <a:t>Trang 15</a:t>
+            </a:r>
+          </a:p>
+        </p:txBody>
+      </p:sp>
+    </p:spTree>
+    <p:extLst>
+      <p:ext uri="{BB962C8B-B14F-4D97-AF65-F5344CB8AC3E}">
+        <p14:creationId xmlns:p14="http://schemas.microsoft.com/office/powerpoint/2010/main" val="1941228625"/>
       </p:ext>
     </p:extLst>
   </p:cSld>
@@ -7745,6 +12806,2034 @@
 </p:sld>
 </file>
 
+<file path=ppt/slides/slide20.xml><?xml version="1.0" encoding="utf-8"?>
+<p:sld xmlns:a="http://schemas.openxmlformats.org/drawingml/2006/main" xmlns:r="http://schemas.openxmlformats.org/officeDocument/2006/relationships" xmlns:p="http://schemas.openxmlformats.org/presentationml/2006/main">
+  <p:cSld>
+    <p:spTree>
+      <p:nvGrpSpPr>
+        <p:cNvPr id="1" name=""/>
+        <p:cNvGrpSpPr/>
+        <p:nvPr/>
+      </p:nvGrpSpPr>
+      <p:grpSpPr>
+        <a:xfrm>
+          <a:off x="0" y="0"/>
+          <a:ext cx="0" cy="0"/>
+          <a:chOff x="0" y="0"/>
+          <a:chExt cx="0" cy="0"/>
+        </a:xfrm>
+      </p:grpSpPr>
+      <p:pic>
+        <p:nvPicPr>
+          <p:cNvPr id="1034" name="Picture 10">
+            <a:extLst>
+              <a:ext uri="{FF2B5EF4-FFF2-40B4-BE49-F238E27FC236}">
+                <a16:creationId xmlns:a16="http://schemas.microsoft.com/office/drawing/2014/main" id="{6F72484C-A752-76F3-F259-0A997B815A00}"/>
+              </a:ext>
+            </a:extLst>
+          </p:cNvPr>
+          <p:cNvPicPr>
+            <a:picLocks noChangeAspect="1" noChangeArrowheads="1"/>
+          </p:cNvPicPr>
+          <p:nvPr/>
+        </p:nvPicPr>
+        <p:blipFill>
+          <a:blip r:embed="rId2">
+            <a:extLst>
+              <a:ext uri="{28A0092B-C50C-407E-A947-70E740481C1C}">
+                <a14:useLocalDpi xmlns:a14="http://schemas.microsoft.com/office/drawing/2010/main" val="0"/>
+              </a:ext>
+            </a:extLst>
+          </a:blip>
+          <a:srcRect/>
+          <a:stretch>
+            <a:fillRect/>
+          </a:stretch>
+        </p:blipFill>
+        <p:spPr bwMode="auto">
+          <a:xfrm>
+            <a:off x="76200" y="119063"/>
+            <a:ext cx="1114424" cy="614791"/>
+          </a:xfrm>
+          <a:prstGeom prst="rect">
+            <a:avLst/>
+          </a:prstGeom>
+          <a:noFill/>
+          <a:extLst>
+            <a:ext uri="{909E8E84-426E-40DD-AFC4-6F175D3DCCD1}">
+              <a14:hiddenFill xmlns:a14="http://schemas.microsoft.com/office/drawing/2010/main">
+                <a:solidFill>
+                  <a:srgbClr val="FFFFFF"/>
+                </a:solidFill>
+              </a14:hiddenFill>
+            </a:ext>
+          </a:extLst>
+        </p:spPr>
+      </p:pic>
+      <p:cxnSp>
+        <p:nvCxnSpPr>
+          <p:cNvPr id="11" name="Straight Connector 10">
+            <a:extLst>
+              <a:ext uri="{FF2B5EF4-FFF2-40B4-BE49-F238E27FC236}">
+                <a16:creationId xmlns:a16="http://schemas.microsoft.com/office/drawing/2014/main" id="{E5C4A229-E185-5A4B-53B1-81D591292671}"/>
+              </a:ext>
+            </a:extLst>
+          </p:cNvPr>
+          <p:cNvCxnSpPr>
+            <a:cxnSpLocks/>
+          </p:cNvCxnSpPr>
+          <p:nvPr/>
+        </p:nvCxnSpPr>
+        <p:spPr>
+          <a:xfrm>
+            <a:off x="76200" y="847725"/>
+            <a:ext cx="7648575" cy="0"/>
+          </a:xfrm>
+          <a:prstGeom prst="line">
+            <a:avLst/>
+          </a:prstGeom>
+        </p:spPr>
+        <p:style>
+          <a:lnRef idx="1">
+            <a:schemeClr val="accent1"/>
+          </a:lnRef>
+          <a:fillRef idx="0">
+            <a:schemeClr val="accent1"/>
+          </a:fillRef>
+          <a:effectRef idx="0">
+            <a:schemeClr val="accent1"/>
+          </a:effectRef>
+          <a:fontRef idx="minor">
+            <a:schemeClr val="tx1"/>
+          </a:fontRef>
+        </p:style>
+      </p:cxnSp>
+      <p:sp>
+        <p:nvSpPr>
+          <p:cNvPr id="14" name="TextBox 13">
+            <a:extLst>
+              <a:ext uri="{FF2B5EF4-FFF2-40B4-BE49-F238E27FC236}">
+                <a16:creationId xmlns:a16="http://schemas.microsoft.com/office/drawing/2014/main" id="{63B4AB36-B54A-EA5C-2A74-F2C80BE0CBC4}"/>
+              </a:ext>
+            </a:extLst>
+          </p:cNvPr>
+          <p:cNvSpPr txBox="1"/>
+          <p:nvPr/>
+        </p:nvSpPr>
+        <p:spPr>
+          <a:xfrm>
+            <a:off x="1390650" y="236792"/>
+            <a:ext cx="6362700" cy="369332"/>
+          </a:xfrm>
+          <a:prstGeom prst="rect">
+            <a:avLst/>
+          </a:prstGeom>
+          <a:noFill/>
+        </p:spPr>
+        <p:txBody>
+          <a:bodyPr wrap="square" rtlCol="0">
+            <a:spAutoFit/>
+          </a:bodyPr>
+          <a:lstStyle/>
+          <a:p>
+            <a:r>
+              <a:rPr lang="en-US" b="1"/>
+              <a:t>TỔNG KẾT</a:t>
+            </a:r>
+          </a:p>
+        </p:txBody>
+      </p:sp>
+      <p:sp>
+        <p:nvSpPr>
+          <p:cNvPr id="4" name="TextBox 3">
+            <a:extLst>
+              <a:ext uri="{FF2B5EF4-FFF2-40B4-BE49-F238E27FC236}">
+                <a16:creationId xmlns:a16="http://schemas.microsoft.com/office/drawing/2014/main" id="{459EF129-6740-B341-7BC7-05D580180742}"/>
+              </a:ext>
+            </a:extLst>
+          </p:cNvPr>
+          <p:cNvSpPr txBox="1"/>
+          <p:nvPr/>
+        </p:nvSpPr>
+        <p:spPr>
+          <a:xfrm>
+            <a:off x="76200" y="1089327"/>
+            <a:ext cx="1996444" cy="369332"/>
+          </a:xfrm>
+          <a:prstGeom prst="rect">
+            <a:avLst/>
+          </a:prstGeom>
+          <a:noFill/>
+        </p:spPr>
+        <p:txBody>
+          <a:bodyPr wrap="none" rtlCol="0">
+            <a:spAutoFit/>
+          </a:bodyPr>
+          <a:lstStyle/>
+          <a:p>
+            <a:r>
+              <a:rPr lang="en-US" i="1"/>
+              <a:t>Đánh giá tổng quát</a:t>
+            </a:r>
+          </a:p>
+        </p:txBody>
+      </p:sp>
+      <p:cxnSp>
+        <p:nvCxnSpPr>
+          <p:cNvPr id="2" name="Straight Connector 1">
+            <a:extLst>
+              <a:ext uri="{FF2B5EF4-FFF2-40B4-BE49-F238E27FC236}">
+                <a16:creationId xmlns:a16="http://schemas.microsoft.com/office/drawing/2014/main" id="{E84DC22F-1018-3740-66B4-518AAE2387D5}"/>
+              </a:ext>
+            </a:extLst>
+          </p:cNvPr>
+          <p:cNvCxnSpPr>
+            <a:cxnSpLocks/>
+          </p:cNvCxnSpPr>
+          <p:nvPr/>
+        </p:nvCxnSpPr>
+        <p:spPr>
+          <a:xfrm>
+            <a:off x="4752975" y="6238875"/>
+            <a:ext cx="4286250" cy="0"/>
+          </a:xfrm>
+          <a:prstGeom prst="line">
+            <a:avLst/>
+          </a:prstGeom>
+        </p:spPr>
+        <p:style>
+          <a:lnRef idx="1">
+            <a:schemeClr val="accent1"/>
+          </a:lnRef>
+          <a:fillRef idx="0">
+            <a:schemeClr val="accent1"/>
+          </a:fillRef>
+          <a:effectRef idx="0">
+            <a:schemeClr val="accent1"/>
+          </a:effectRef>
+          <a:fontRef idx="minor">
+            <a:schemeClr val="tx1"/>
+          </a:fontRef>
+        </p:style>
+      </p:cxnSp>
+      <p:sp>
+        <p:nvSpPr>
+          <p:cNvPr id="6" name="TextBox 5">
+            <a:extLst>
+              <a:ext uri="{FF2B5EF4-FFF2-40B4-BE49-F238E27FC236}">
+                <a16:creationId xmlns:a16="http://schemas.microsoft.com/office/drawing/2014/main" id="{FD7465EC-84B6-406C-4864-45ADF9FB642F}"/>
+              </a:ext>
+            </a:extLst>
+          </p:cNvPr>
+          <p:cNvSpPr txBox="1"/>
+          <p:nvPr/>
+        </p:nvSpPr>
+        <p:spPr>
+          <a:xfrm>
+            <a:off x="7753350" y="6336334"/>
+            <a:ext cx="1285874" cy="369332"/>
+          </a:xfrm>
+          <a:prstGeom prst="rect">
+            <a:avLst/>
+          </a:prstGeom>
+          <a:noFill/>
+        </p:spPr>
+        <p:txBody>
+          <a:bodyPr wrap="square" rtlCol="0">
+            <a:spAutoFit/>
+          </a:bodyPr>
+          <a:lstStyle/>
+          <a:p>
+            <a:r>
+              <a:rPr lang="en-US"/>
+              <a:t>Trang 25</a:t>
+            </a:r>
+          </a:p>
+        </p:txBody>
+      </p:sp>
+      <p:graphicFrame>
+        <p:nvGraphicFramePr>
+          <p:cNvPr id="7" name="Table 16">
+            <a:extLst>
+              <a:ext uri="{FF2B5EF4-FFF2-40B4-BE49-F238E27FC236}">
+                <a16:creationId xmlns:a16="http://schemas.microsoft.com/office/drawing/2014/main" id="{5347763A-C403-0142-AB17-1E3F4BF42D06}"/>
+              </a:ext>
+            </a:extLst>
+          </p:cNvPr>
+          <p:cNvGraphicFramePr>
+            <a:graphicFrameLocks noGrp="1"/>
+          </p:cNvGraphicFramePr>
+          <p:nvPr>
+            <p:extLst>
+              <p:ext uri="{D42A27DB-BD31-4B8C-83A1-F6EECF244321}">
+                <p14:modId xmlns:p14="http://schemas.microsoft.com/office/powerpoint/2010/main" val="2804506121"/>
+              </p:ext>
+            </p:extLst>
+          </p:nvPr>
+        </p:nvGraphicFramePr>
+        <p:xfrm>
+          <a:off x="1850248" y="1815894"/>
+          <a:ext cx="5443503" cy="2595880"/>
+        </p:xfrm>
+        <a:graphic>
+          <a:graphicData uri="http://schemas.openxmlformats.org/drawingml/2006/table">
+            <a:tbl>
+              <a:tblPr firstRow="1" bandRow="1">
+                <a:tableStyleId>{F5AB1C69-6EDB-4FF4-983F-18BD219EF322}</a:tableStyleId>
+              </a:tblPr>
+              <a:tblGrid>
+                <a:gridCol w="1662078">
+                  <a:extLst>
+                    <a:ext uri="{9D8B030D-6E8A-4147-A177-3AD203B41FA5}">
+                      <a16:colId xmlns:a16="http://schemas.microsoft.com/office/drawing/2014/main" val="3939429785"/>
+                    </a:ext>
+                  </a:extLst>
+                </a:gridCol>
+                <a:gridCol w="1514475">
+                  <a:extLst>
+                    <a:ext uri="{9D8B030D-6E8A-4147-A177-3AD203B41FA5}">
+                      <a16:colId xmlns:a16="http://schemas.microsoft.com/office/drawing/2014/main" val="1738762872"/>
+                    </a:ext>
+                  </a:extLst>
+                </a:gridCol>
+                <a:gridCol w="2266950">
+                  <a:extLst>
+                    <a:ext uri="{9D8B030D-6E8A-4147-A177-3AD203B41FA5}">
+                      <a16:colId xmlns:a16="http://schemas.microsoft.com/office/drawing/2014/main" val="3821170340"/>
+                    </a:ext>
+                  </a:extLst>
+                </a:gridCol>
+              </a:tblGrid>
+              <a:tr h="370840">
+                <a:tc>
+                  <a:txBody>
+                    <a:bodyPr/>
+                    <a:lstStyle/>
+                    <a:p>
+                      <a:pPr algn="ctr"/>
+                      <a:r>
+                        <a:rPr lang="en-US">
+                          <a:latin typeface="Times New Roman" panose="02020603050405020304" pitchFamily="18" charset="0"/>
+                          <a:cs typeface="Times New Roman" panose="02020603050405020304" pitchFamily="18" charset="0"/>
+                        </a:rPr>
+                        <a:t>Tiêu chí</a:t>
+                      </a:r>
+                    </a:p>
+                  </a:txBody>
+                  <a:tcPr/>
+                </a:tc>
+                <a:tc>
+                  <a:txBody>
+                    <a:bodyPr/>
+                    <a:lstStyle/>
+                    <a:p>
+                      <a:pPr algn="ctr"/>
+                      <a:r>
+                        <a:rPr lang="en-US">
+                          <a:latin typeface="Times New Roman" panose="02020603050405020304" pitchFamily="18" charset="0"/>
+                          <a:cs typeface="Times New Roman" panose="02020603050405020304" pitchFamily="18" charset="0"/>
+                        </a:rPr>
+                        <a:t>Điểm</a:t>
+                      </a:r>
+                    </a:p>
+                  </a:txBody>
+                  <a:tcPr/>
+                </a:tc>
+                <a:tc>
+                  <a:txBody>
+                    <a:bodyPr/>
+                    <a:lstStyle/>
+                    <a:p>
+                      <a:pPr algn="ctr"/>
+                      <a:r>
+                        <a:rPr lang="en-US">
+                          <a:latin typeface="Times New Roman" panose="02020603050405020304" pitchFamily="18" charset="0"/>
+                          <a:cs typeface="Times New Roman" panose="02020603050405020304" pitchFamily="18" charset="0"/>
+                        </a:rPr>
+                        <a:t>Đạt được</a:t>
+                      </a:r>
+                    </a:p>
+                  </a:txBody>
+                  <a:tcPr/>
+                </a:tc>
+                <a:extLst>
+                  <a:ext uri="{0D108BD9-81ED-4DB2-BD59-A6C34878D82A}">
+                    <a16:rowId xmlns:a16="http://schemas.microsoft.com/office/drawing/2014/main" val="2071844936"/>
+                  </a:ext>
+                </a:extLst>
+              </a:tr>
+              <a:tr h="370840">
+                <a:tc>
+                  <a:txBody>
+                    <a:bodyPr/>
+                    <a:lstStyle/>
+                    <a:p>
+                      <a:pPr algn="ctr"/>
+                      <a:r>
+                        <a:rPr lang="en-US">
+                          <a:latin typeface="Times New Roman" panose="02020603050405020304" pitchFamily="18" charset="0"/>
+                          <a:cs typeface="Times New Roman" panose="02020603050405020304" pitchFamily="18" charset="0"/>
+                        </a:rPr>
+                        <a:t>Câu 1</a:t>
+                      </a:r>
+                    </a:p>
+                  </a:txBody>
+                  <a:tcPr/>
+                </a:tc>
+                <a:tc>
+                  <a:txBody>
+                    <a:bodyPr/>
+                    <a:lstStyle/>
+                    <a:p>
+                      <a:pPr algn="ctr"/>
+                      <a:r>
+                        <a:rPr lang="en-US">
+                          <a:latin typeface="Times New Roman" panose="02020603050405020304" pitchFamily="18" charset="0"/>
+                          <a:cs typeface="Times New Roman" panose="02020603050405020304" pitchFamily="18" charset="0"/>
+                        </a:rPr>
+                        <a:t>2 điểm</a:t>
+                      </a:r>
+                    </a:p>
+                  </a:txBody>
+                  <a:tcPr/>
+                </a:tc>
+                <a:tc>
+                  <a:txBody>
+                    <a:bodyPr/>
+                    <a:lstStyle/>
+                    <a:p>
+                      <a:pPr algn="ctr"/>
+                      <a:r>
+                        <a:rPr lang="en-US">
+                          <a:latin typeface="Times New Roman" panose="02020603050405020304" pitchFamily="18" charset="0"/>
+                          <a:cs typeface="Times New Roman" panose="02020603050405020304" pitchFamily="18" charset="0"/>
+                        </a:rPr>
+                        <a:t>2 điểm</a:t>
+                      </a:r>
+                    </a:p>
+                  </a:txBody>
+                  <a:tcPr/>
+                </a:tc>
+                <a:extLst>
+                  <a:ext uri="{0D108BD9-81ED-4DB2-BD59-A6C34878D82A}">
+                    <a16:rowId xmlns:a16="http://schemas.microsoft.com/office/drawing/2014/main" val="583184748"/>
+                  </a:ext>
+                </a:extLst>
+              </a:tr>
+              <a:tr h="370840">
+                <a:tc>
+                  <a:txBody>
+                    <a:bodyPr/>
+                    <a:lstStyle/>
+                    <a:p>
+                      <a:pPr algn="ctr"/>
+                      <a:r>
+                        <a:rPr lang="en-US">
+                          <a:latin typeface="Times New Roman" panose="02020603050405020304" pitchFamily="18" charset="0"/>
+                          <a:cs typeface="Times New Roman" panose="02020603050405020304" pitchFamily="18" charset="0"/>
+                        </a:rPr>
+                        <a:t>Câu 2</a:t>
+                      </a:r>
+                    </a:p>
+                  </a:txBody>
+                  <a:tcPr/>
+                </a:tc>
+                <a:tc>
+                  <a:txBody>
+                    <a:bodyPr/>
+                    <a:lstStyle/>
+                    <a:p>
+                      <a:pPr algn="ctr"/>
+                      <a:r>
+                        <a:rPr lang="en-US">
+                          <a:latin typeface="Times New Roman" panose="02020603050405020304" pitchFamily="18" charset="0"/>
+                          <a:cs typeface="Times New Roman" panose="02020603050405020304" pitchFamily="18" charset="0"/>
+                        </a:rPr>
+                        <a:t>2 điểm</a:t>
+                      </a:r>
+                    </a:p>
+                  </a:txBody>
+                  <a:tcPr/>
+                </a:tc>
+                <a:tc>
+                  <a:txBody>
+                    <a:bodyPr/>
+                    <a:lstStyle/>
+                    <a:p>
+                      <a:pPr algn="ctr"/>
+                      <a:r>
+                        <a:rPr lang="en-US">
+                          <a:latin typeface="Times New Roman" panose="02020603050405020304" pitchFamily="18" charset="0"/>
+                          <a:cs typeface="Times New Roman" panose="02020603050405020304" pitchFamily="18" charset="0"/>
+                        </a:rPr>
+                        <a:t>2 điểm</a:t>
+                      </a:r>
+                    </a:p>
+                  </a:txBody>
+                  <a:tcPr/>
+                </a:tc>
+                <a:extLst>
+                  <a:ext uri="{0D108BD9-81ED-4DB2-BD59-A6C34878D82A}">
+                    <a16:rowId xmlns:a16="http://schemas.microsoft.com/office/drawing/2014/main" val="3755525977"/>
+                  </a:ext>
+                </a:extLst>
+              </a:tr>
+              <a:tr h="370840">
+                <a:tc>
+                  <a:txBody>
+                    <a:bodyPr/>
+                    <a:lstStyle/>
+                    <a:p>
+                      <a:pPr algn="ctr"/>
+                      <a:r>
+                        <a:rPr lang="en-US">
+                          <a:latin typeface="Times New Roman" panose="02020603050405020304" pitchFamily="18" charset="0"/>
+                          <a:cs typeface="Times New Roman" panose="02020603050405020304" pitchFamily="18" charset="0"/>
+                        </a:rPr>
+                        <a:t>Câu 3</a:t>
+                      </a:r>
+                    </a:p>
+                  </a:txBody>
+                  <a:tcPr/>
+                </a:tc>
+                <a:tc>
+                  <a:txBody>
+                    <a:bodyPr/>
+                    <a:lstStyle/>
+                    <a:p>
+                      <a:pPr algn="ctr"/>
+                      <a:r>
+                        <a:rPr lang="en-US">
+                          <a:latin typeface="Times New Roman" panose="02020603050405020304" pitchFamily="18" charset="0"/>
+                          <a:cs typeface="Times New Roman" panose="02020603050405020304" pitchFamily="18" charset="0"/>
+                        </a:rPr>
+                        <a:t>2 điểm</a:t>
+                      </a:r>
+                    </a:p>
+                  </a:txBody>
+                  <a:tcPr/>
+                </a:tc>
+                <a:tc>
+                  <a:txBody>
+                    <a:bodyPr/>
+                    <a:lstStyle/>
+                    <a:p>
+                      <a:pPr algn="ctr"/>
+                      <a:r>
+                        <a:rPr lang="en-US">
+                          <a:latin typeface="Times New Roman" panose="02020603050405020304" pitchFamily="18" charset="0"/>
+                          <a:cs typeface="Times New Roman" panose="02020603050405020304" pitchFamily="18" charset="0"/>
+                        </a:rPr>
+                        <a:t>2 điểm</a:t>
+                      </a:r>
+                    </a:p>
+                  </a:txBody>
+                  <a:tcPr/>
+                </a:tc>
+                <a:extLst>
+                  <a:ext uri="{0D108BD9-81ED-4DB2-BD59-A6C34878D82A}">
+                    <a16:rowId xmlns:a16="http://schemas.microsoft.com/office/drawing/2014/main" val="1896665695"/>
+                  </a:ext>
+                </a:extLst>
+              </a:tr>
+              <a:tr h="370840">
+                <a:tc>
+                  <a:txBody>
+                    <a:bodyPr/>
+                    <a:lstStyle/>
+                    <a:p>
+                      <a:pPr algn="ctr"/>
+                      <a:r>
+                        <a:rPr lang="en-US">
+                          <a:latin typeface="Times New Roman" panose="02020603050405020304" pitchFamily="18" charset="0"/>
+                          <a:cs typeface="Times New Roman" panose="02020603050405020304" pitchFamily="18" charset="0"/>
+                        </a:rPr>
+                        <a:t>Câu 4</a:t>
+                      </a:r>
+                    </a:p>
+                  </a:txBody>
+                  <a:tcPr/>
+                </a:tc>
+                <a:tc>
+                  <a:txBody>
+                    <a:bodyPr/>
+                    <a:lstStyle/>
+                    <a:p>
+                      <a:pPr algn="ctr"/>
+                      <a:r>
+                        <a:rPr lang="en-US">
+                          <a:latin typeface="Times New Roman" panose="02020603050405020304" pitchFamily="18" charset="0"/>
+                          <a:cs typeface="Times New Roman" panose="02020603050405020304" pitchFamily="18" charset="0"/>
+                        </a:rPr>
+                        <a:t>2 điểm</a:t>
+                      </a:r>
+                    </a:p>
+                  </a:txBody>
+                  <a:tcPr/>
+                </a:tc>
+                <a:tc>
+                  <a:txBody>
+                    <a:bodyPr/>
+                    <a:lstStyle/>
+                    <a:p>
+                      <a:pPr algn="ctr"/>
+                      <a:r>
+                        <a:rPr lang="en-US">
+                          <a:latin typeface="Times New Roman" panose="02020603050405020304" pitchFamily="18" charset="0"/>
+                          <a:cs typeface="Times New Roman" panose="02020603050405020304" pitchFamily="18" charset="0"/>
+                        </a:rPr>
+                        <a:t>2 điểm</a:t>
+                      </a:r>
+                    </a:p>
+                  </a:txBody>
+                  <a:tcPr/>
+                </a:tc>
+                <a:extLst>
+                  <a:ext uri="{0D108BD9-81ED-4DB2-BD59-A6C34878D82A}">
+                    <a16:rowId xmlns:a16="http://schemas.microsoft.com/office/drawing/2014/main" val="3018478528"/>
+                  </a:ext>
+                </a:extLst>
+              </a:tr>
+              <a:tr h="370840">
+                <a:tc>
+                  <a:txBody>
+                    <a:bodyPr/>
+                    <a:lstStyle/>
+                    <a:p>
+                      <a:pPr algn="ctr"/>
+                      <a:r>
+                        <a:rPr lang="en-US">
+                          <a:latin typeface="Times New Roman" panose="02020603050405020304" pitchFamily="18" charset="0"/>
+                          <a:cs typeface="Times New Roman" panose="02020603050405020304" pitchFamily="18" charset="0"/>
+                        </a:rPr>
+                        <a:t>Câu 5</a:t>
+                      </a:r>
+                    </a:p>
+                  </a:txBody>
+                  <a:tcPr/>
+                </a:tc>
+                <a:tc>
+                  <a:txBody>
+                    <a:bodyPr/>
+                    <a:lstStyle/>
+                    <a:p>
+                      <a:pPr algn="ctr"/>
+                      <a:r>
+                        <a:rPr lang="en-US">
+                          <a:latin typeface="Times New Roman" panose="02020603050405020304" pitchFamily="18" charset="0"/>
+                          <a:cs typeface="Times New Roman" panose="02020603050405020304" pitchFamily="18" charset="0"/>
+                        </a:rPr>
+                        <a:t>2 điểm</a:t>
+                      </a:r>
+                    </a:p>
+                  </a:txBody>
+                  <a:tcPr/>
+                </a:tc>
+                <a:tc>
+                  <a:txBody>
+                    <a:bodyPr/>
+                    <a:lstStyle/>
+                    <a:p>
+                      <a:pPr algn="ctr"/>
+                      <a:r>
+                        <a:rPr lang="en-US">
+                          <a:latin typeface="Times New Roman" panose="02020603050405020304" pitchFamily="18" charset="0"/>
+                          <a:cs typeface="Times New Roman" panose="02020603050405020304" pitchFamily="18" charset="0"/>
+                        </a:rPr>
+                        <a:t>---</a:t>
+                      </a:r>
+                    </a:p>
+                  </a:txBody>
+                  <a:tcPr/>
+                </a:tc>
+                <a:extLst>
+                  <a:ext uri="{0D108BD9-81ED-4DB2-BD59-A6C34878D82A}">
+                    <a16:rowId xmlns:a16="http://schemas.microsoft.com/office/drawing/2014/main" val="2432302117"/>
+                  </a:ext>
+                </a:extLst>
+              </a:tr>
+              <a:tr h="370840">
+                <a:tc gridSpan="2">
+                  <a:txBody>
+                    <a:bodyPr/>
+                    <a:lstStyle/>
+                    <a:p>
+                      <a:pPr algn="ctr"/>
+                      <a:r>
+                        <a:rPr lang="en-US">
+                          <a:latin typeface="Times New Roman" panose="02020603050405020304" pitchFamily="18" charset="0"/>
+                          <a:cs typeface="Times New Roman" panose="02020603050405020304" pitchFamily="18" charset="0"/>
+                        </a:rPr>
+                        <a:t>Tổng</a:t>
+                      </a:r>
+                    </a:p>
+                  </a:txBody>
+                  <a:tcPr/>
+                </a:tc>
+                <a:tc hMerge="1">
+                  <a:txBody>
+                    <a:bodyPr/>
+                    <a:lstStyle/>
+                    <a:p>
+                      <a:pPr algn="ctr"/>
+                      <a:endParaRPr lang="en-US">
+                        <a:latin typeface="Times New Roman" panose="02020603050405020304" pitchFamily="18" charset="0"/>
+                        <a:cs typeface="Times New Roman" panose="02020603050405020304" pitchFamily="18" charset="0"/>
+                      </a:endParaRPr>
+                    </a:p>
+                  </a:txBody>
+                  <a:tcPr/>
+                </a:tc>
+                <a:tc>
+                  <a:txBody>
+                    <a:bodyPr/>
+                    <a:lstStyle/>
+                    <a:p>
+                      <a:pPr algn="ctr"/>
+                      <a:r>
+                        <a:rPr lang="en-US">
+                          <a:latin typeface="Times New Roman" panose="02020603050405020304" pitchFamily="18" charset="0"/>
+                          <a:cs typeface="Times New Roman" panose="02020603050405020304" pitchFamily="18" charset="0"/>
+                        </a:rPr>
+                        <a:t>---</a:t>
+                      </a:r>
+                    </a:p>
+                  </a:txBody>
+                  <a:tcPr/>
+                </a:tc>
+                <a:extLst>
+                  <a:ext uri="{0D108BD9-81ED-4DB2-BD59-A6C34878D82A}">
+                    <a16:rowId xmlns:a16="http://schemas.microsoft.com/office/drawing/2014/main" val="3476558667"/>
+                  </a:ext>
+                </a:extLst>
+              </a:tr>
+            </a:tbl>
+          </a:graphicData>
+        </a:graphic>
+      </p:graphicFrame>
+    </p:spTree>
+    <p:extLst>
+      <p:ext uri="{BB962C8B-B14F-4D97-AF65-F5344CB8AC3E}">
+        <p14:creationId xmlns:p14="http://schemas.microsoft.com/office/powerpoint/2010/main" val="2797651471"/>
+      </p:ext>
+    </p:extLst>
+  </p:cSld>
+  <p:clrMapOvr>
+    <a:masterClrMapping/>
+  </p:clrMapOvr>
+</p:sld>
+</file>
+
+<file path=ppt/slides/slide21.xml><?xml version="1.0" encoding="utf-8"?>
+<p:sld xmlns:a="http://schemas.openxmlformats.org/drawingml/2006/main" xmlns:r="http://schemas.openxmlformats.org/officeDocument/2006/relationships" xmlns:p="http://schemas.openxmlformats.org/presentationml/2006/main">
+  <p:cSld>
+    <p:spTree>
+      <p:nvGrpSpPr>
+        <p:cNvPr id="1" name=""/>
+        <p:cNvGrpSpPr/>
+        <p:nvPr/>
+      </p:nvGrpSpPr>
+      <p:grpSpPr>
+        <a:xfrm>
+          <a:off x="0" y="0"/>
+          <a:ext cx="0" cy="0"/>
+          <a:chOff x="0" y="0"/>
+          <a:chExt cx="0" cy="0"/>
+        </a:xfrm>
+      </p:grpSpPr>
+      <p:pic>
+        <p:nvPicPr>
+          <p:cNvPr id="1034" name="Picture 10">
+            <a:extLst>
+              <a:ext uri="{FF2B5EF4-FFF2-40B4-BE49-F238E27FC236}">
+                <a16:creationId xmlns:a16="http://schemas.microsoft.com/office/drawing/2014/main" id="{6F72484C-A752-76F3-F259-0A997B815A00}"/>
+              </a:ext>
+            </a:extLst>
+          </p:cNvPr>
+          <p:cNvPicPr>
+            <a:picLocks noChangeAspect="1" noChangeArrowheads="1"/>
+          </p:cNvPicPr>
+          <p:nvPr/>
+        </p:nvPicPr>
+        <p:blipFill>
+          <a:blip r:embed="rId2">
+            <a:extLst>
+              <a:ext uri="{28A0092B-C50C-407E-A947-70E740481C1C}">
+                <a14:useLocalDpi xmlns:a14="http://schemas.microsoft.com/office/drawing/2010/main" val="0"/>
+              </a:ext>
+            </a:extLst>
+          </a:blip>
+          <a:srcRect/>
+          <a:stretch>
+            <a:fillRect/>
+          </a:stretch>
+        </p:blipFill>
+        <p:spPr bwMode="auto">
+          <a:xfrm>
+            <a:off x="76200" y="119063"/>
+            <a:ext cx="1114424" cy="614791"/>
+          </a:xfrm>
+          <a:prstGeom prst="rect">
+            <a:avLst/>
+          </a:prstGeom>
+          <a:noFill/>
+          <a:extLst>
+            <a:ext uri="{909E8E84-426E-40DD-AFC4-6F175D3DCCD1}">
+              <a14:hiddenFill xmlns:a14="http://schemas.microsoft.com/office/drawing/2010/main">
+                <a:solidFill>
+                  <a:srgbClr val="FFFFFF"/>
+                </a:solidFill>
+              </a14:hiddenFill>
+            </a:ext>
+          </a:extLst>
+        </p:spPr>
+      </p:pic>
+      <p:cxnSp>
+        <p:nvCxnSpPr>
+          <p:cNvPr id="11" name="Straight Connector 10">
+            <a:extLst>
+              <a:ext uri="{FF2B5EF4-FFF2-40B4-BE49-F238E27FC236}">
+                <a16:creationId xmlns:a16="http://schemas.microsoft.com/office/drawing/2014/main" id="{E5C4A229-E185-5A4B-53B1-81D591292671}"/>
+              </a:ext>
+            </a:extLst>
+          </p:cNvPr>
+          <p:cNvCxnSpPr>
+            <a:cxnSpLocks/>
+          </p:cNvCxnSpPr>
+          <p:nvPr/>
+        </p:nvCxnSpPr>
+        <p:spPr>
+          <a:xfrm>
+            <a:off x="76200" y="847725"/>
+            <a:ext cx="7648575" cy="0"/>
+          </a:xfrm>
+          <a:prstGeom prst="line">
+            <a:avLst/>
+          </a:prstGeom>
+        </p:spPr>
+        <p:style>
+          <a:lnRef idx="1">
+            <a:schemeClr val="accent1"/>
+          </a:lnRef>
+          <a:fillRef idx="0">
+            <a:schemeClr val="accent1"/>
+          </a:fillRef>
+          <a:effectRef idx="0">
+            <a:schemeClr val="accent1"/>
+          </a:effectRef>
+          <a:fontRef idx="minor">
+            <a:schemeClr val="tx1"/>
+          </a:fontRef>
+        </p:style>
+      </p:cxnSp>
+      <p:sp>
+        <p:nvSpPr>
+          <p:cNvPr id="14" name="TextBox 13">
+            <a:extLst>
+              <a:ext uri="{FF2B5EF4-FFF2-40B4-BE49-F238E27FC236}">
+                <a16:creationId xmlns:a16="http://schemas.microsoft.com/office/drawing/2014/main" id="{63B4AB36-B54A-EA5C-2A74-F2C80BE0CBC4}"/>
+              </a:ext>
+            </a:extLst>
+          </p:cNvPr>
+          <p:cNvSpPr txBox="1"/>
+          <p:nvPr/>
+        </p:nvSpPr>
+        <p:spPr>
+          <a:xfrm>
+            <a:off x="1390650" y="236792"/>
+            <a:ext cx="6362700" cy="369332"/>
+          </a:xfrm>
+          <a:prstGeom prst="rect">
+            <a:avLst/>
+          </a:prstGeom>
+          <a:noFill/>
+        </p:spPr>
+        <p:txBody>
+          <a:bodyPr wrap="square" rtlCol="0">
+            <a:spAutoFit/>
+          </a:bodyPr>
+          <a:lstStyle/>
+          <a:p>
+            <a:r>
+              <a:rPr lang="en-US" b="1"/>
+              <a:t>TỔNG KẾT</a:t>
+            </a:r>
+          </a:p>
+        </p:txBody>
+      </p:sp>
+      <p:sp>
+        <p:nvSpPr>
+          <p:cNvPr id="4" name="TextBox 3">
+            <a:extLst>
+              <a:ext uri="{FF2B5EF4-FFF2-40B4-BE49-F238E27FC236}">
+                <a16:creationId xmlns:a16="http://schemas.microsoft.com/office/drawing/2014/main" id="{459EF129-6740-B341-7BC7-05D580180742}"/>
+              </a:ext>
+            </a:extLst>
+          </p:cNvPr>
+          <p:cNvSpPr txBox="1"/>
+          <p:nvPr/>
+        </p:nvSpPr>
+        <p:spPr>
+          <a:xfrm>
+            <a:off x="76200" y="1089327"/>
+            <a:ext cx="1059906" cy="369332"/>
+          </a:xfrm>
+          <a:prstGeom prst="rect">
+            <a:avLst/>
+          </a:prstGeom>
+          <a:noFill/>
+        </p:spPr>
+        <p:txBody>
+          <a:bodyPr wrap="none" rtlCol="0">
+            <a:spAutoFit/>
+          </a:bodyPr>
+          <a:lstStyle/>
+          <a:p>
+            <a:r>
+              <a:rPr lang="en-US" i="1"/>
+              <a:t>Thuận lợi</a:t>
+            </a:r>
+          </a:p>
+        </p:txBody>
+      </p:sp>
+      <p:cxnSp>
+        <p:nvCxnSpPr>
+          <p:cNvPr id="2" name="Straight Connector 1">
+            <a:extLst>
+              <a:ext uri="{FF2B5EF4-FFF2-40B4-BE49-F238E27FC236}">
+                <a16:creationId xmlns:a16="http://schemas.microsoft.com/office/drawing/2014/main" id="{E84DC22F-1018-3740-66B4-518AAE2387D5}"/>
+              </a:ext>
+            </a:extLst>
+          </p:cNvPr>
+          <p:cNvCxnSpPr>
+            <a:cxnSpLocks/>
+          </p:cNvCxnSpPr>
+          <p:nvPr/>
+        </p:nvCxnSpPr>
+        <p:spPr>
+          <a:xfrm>
+            <a:off x="4752975" y="6238875"/>
+            <a:ext cx="4286250" cy="0"/>
+          </a:xfrm>
+          <a:prstGeom prst="line">
+            <a:avLst/>
+          </a:prstGeom>
+        </p:spPr>
+        <p:style>
+          <a:lnRef idx="1">
+            <a:schemeClr val="accent1"/>
+          </a:lnRef>
+          <a:fillRef idx="0">
+            <a:schemeClr val="accent1"/>
+          </a:fillRef>
+          <a:effectRef idx="0">
+            <a:schemeClr val="accent1"/>
+          </a:effectRef>
+          <a:fontRef idx="minor">
+            <a:schemeClr val="tx1"/>
+          </a:fontRef>
+        </p:style>
+      </p:cxnSp>
+      <p:sp>
+        <p:nvSpPr>
+          <p:cNvPr id="6" name="TextBox 5">
+            <a:extLst>
+              <a:ext uri="{FF2B5EF4-FFF2-40B4-BE49-F238E27FC236}">
+                <a16:creationId xmlns:a16="http://schemas.microsoft.com/office/drawing/2014/main" id="{FD7465EC-84B6-406C-4864-45ADF9FB642F}"/>
+              </a:ext>
+            </a:extLst>
+          </p:cNvPr>
+          <p:cNvSpPr txBox="1"/>
+          <p:nvPr/>
+        </p:nvSpPr>
+        <p:spPr>
+          <a:xfrm>
+            <a:off x="7753350" y="6336334"/>
+            <a:ext cx="1285874" cy="369332"/>
+          </a:xfrm>
+          <a:prstGeom prst="rect">
+            <a:avLst/>
+          </a:prstGeom>
+          <a:noFill/>
+        </p:spPr>
+        <p:txBody>
+          <a:bodyPr wrap="square" rtlCol="0">
+            <a:spAutoFit/>
+          </a:bodyPr>
+          <a:lstStyle/>
+          <a:p>
+            <a:r>
+              <a:rPr lang="en-US"/>
+              <a:t>Trang 26</a:t>
+            </a:r>
+          </a:p>
+        </p:txBody>
+      </p:sp>
+      <p:sp>
+        <p:nvSpPr>
+          <p:cNvPr id="5" name="TextBox 4">
+            <a:extLst>
+              <a:ext uri="{FF2B5EF4-FFF2-40B4-BE49-F238E27FC236}">
+                <a16:creationId xmlns:a16="http://schemas.microsoft.com/office/drawing/2014/main" id="{B124AB6E-B685-3C3C-17A7-881BC0274152}"/>
+              </a:ext>
+            </a:extLst>
+          </p:cNvPr>
+          <p:cNvSpPr txBox="1"/>
+          <p:nvPr/>
+        </p:nvSpPr>
+        <p:spPr>
+          <a:xfrm>
+            <a:off x="606152" y="1844627"/>
+            <a:ext cx="7553109" cy="3331938"/>
+          </a:xfrm>
+          <a:prstGeom prst="rect">
+            <a:avLst/>
+          </a:prstGeom>
+          <a:noFill/>
+        </p:spPr>
+        <p:txBody>
+          <a:bodyPr wrap="square" rtlCol="0">
+            <a:spAutoFit/>
+          </a:bodyPr>
+          <a:lstStyle/>
+          <a:p>
+            <a:pPr marL="285750" indent="-285750">
+              <a:lnSpc>
+                <a:spcPct val="200000"/>
+              </a:lnSpc>
+              <a:buFont typeface="Arial" panose="020B0604020202020204" pitchFamily="34" charset="0"/>
+              <a:buChar char="•"/>
+            </a:pPr>
+            <a:r>
+              <a:rPr lang="en-US">
+                <a:latin typeface="Times New Roman" panose="02020603050405020304" pitchFamily="18" charset="0"/>
+                <a:cs typeface="Times New Roman" panose="02020603050405020304" pitchFamily="18" charset="0"/>
+              </a:rPr>
+              <a:t>Đa số các thành viên làm việc ăn ý</a:t>
+            </a:r>
+          </a:p>
+          <a:p>
+            <a:pPr marL="285750" indent="-285750">
+              <a:lnSpc>
+                <a:spcPct val="200000"/>
+              </a:lnSpc>
+              <a:buFont typeface="Arial" panose="020B0604020202020204" pitchFamily="34" charset="0"/>
+              <a:buChar char="•"/>
+            </a:pPr>
+            <a:r>
+              <a:rPr lang="en-US">
+                <a:latin typeface="Times New Roman" panose="02020603050405020304" pitchFamily="18" charset="0"/>
+                <a:cs typeface="Times New Roman" panose="02020603050405020304" pitchFamily="18" charset="0"/>
+              </a:rPr>
+              <a:t>Đa số các thành viên có kiến thức về Git</a:t>
+            </a:r>
+          </a:p>
+          <a:p>
+            <a:pPr marL="285750" indent="-285750">
+              <a:lnSpc>
+                <a:spcPct val="200000"/>
+              </a:lnSpc>
+              <a:buFont typeface="Arial" panose="020B0604020202020204" pitchFamily="34" charset="0"/>
+              <a:buChar char="•"/>
+            </a:pPr>
+            <a:r>
+              <a:rPr lang="en-US">
+                <a:latin typeface="Times New Roman" panose="02020603050405020304" pitchFamily="18" charset="0"/>
+                <a:cs typeface="Times New Roman" panose="02020603050405020304" pitchFamily="18" charset="0"/>
+              </a:rPr>
+              <a:t>Đa số thành viên nhiệt tình tham gia tìm hiểu đề tài</a:t>
+            </a:r>
+          </a:p>
+          <a:p>
+            <a:pPr marL="285750" indent="-285750">
+              <a:lnSpc>
+                <a:spcPct val="200000"/>
+              </a:lnSpc>
+              <a:buFont typeface="Arial" panose="020B0604020202020204" pitchFamily="34" charset="0"/>
+              <a:buChar char="•"/>
+            </a:pPr>
+            <a:r>
+              <a:rPr lang="en-US">
+                <a:latin typeface="Times New Roman" panose="02020603050405020304" pitchFamily="18" charset="0"/>
+                <a:cs typeface="Times New Roman" panose="02020603050405020304" pitchFamily="18" charset="0"/>
+              </a:rPr>
+              <a:t>Vấn đề nghiên cứu được phân chia bài bản</a:t>
+            </a:r>
+          </a:p>
+          <a:p>
+            <a:pPr marL="285750" indent="-285750">
+              <a:lnSpc>
+                <a:spcPct val="200000"/>
+              </a:lnSpc>
+              <a:buFont typeface="Arial" panose="020B0604020202020204" pitchFamily="34" charset="0"/>
+              <a:buChar char="•"/>
+            </a:pPr>
+            <a:r>
+              <a:rPr lang="en-US">
+                <a:latin typeface="Times New Roman" panose="02020603050405020304" pitchFamily="18" charset="0"/>
+                <a:cs typeface="Times New Roman" panose="02020603050405020304" pitchFamily="18" charset="0"/>
+              </a:rPr>
+              <a:t>Các thành viên có nền tảng lập trình tốt</a:t>
+            </a:r>
+          </a:p>
+          <a:p>
+            <a:pPr marL="285750" indent="-285750">
+              <a:lnSpc>
+                <a:spcPct val="200000"/>
+              </a:lnSpc>
+              <a:buFont typeface="Arial" panose="020B0604020202020204" pitchFamily="34" charset="0"/>
+              <a:buChar char="•"/>
+            </a:pPr>
+            <a:endParaRPr lang="en-US">
+              <a:latin typeface="Times New Roman" panose="02020603050405020304" pitchFamily="18" charset="0"/>
+              <a:cs typeface="Times New Roman" panose="02020603050405020304" pitchFamily="18" charset="0"/>
+            </a:endParaRPr>
+          </a:p>
+        </p:txBody>
+      </p:sp>
+    </p:spTree>
+    <p:extLst>
+      <p:ext uri="{BB962C8B-B14F-4D97-AF65-F5344CB8AC3E}">
+        <p14:creationId xmlns:p14="http://schemas.microsoft.com/office/powerpoint/2010/main" val="3273506458"/>
+      </p:ext>
+    </p:extLst>
+  </p:cSld>
+  <p:clrMapOvr>
+    <a:masterClrMapping/>
+  </p:clrMapOvr>
+</p:sld>
+</file>
+
+<file path=ppt/slides/slide22.xml><?xml version="1.0" encoding="utf-8"?>
+<p:sld xmlns:a="http://schemas.openxmlformats.org/drawingml/2006/main" xmlns:r="http://schemas.openxmlformats.org/officeDocument/2006/relationships" xmlns:p="http://schemas.openxmlformats.org/presentationml/2006/main">
+  <p:cSld>
+    <p:spTree>
+      <p:nvGrpSpPr>
+        <p:cNvPr id="1" name=""/>
+        <p:cNvGrpSpPr/>
+        <p:nvPr/>
+      </p:nvGrpSpPr>
+      <p:grpSpPr>
+        <a:xfrm>
+          <a:off x="0" y="0"/>
+          <a:ext cx="0" cy="0"/>
+          <a:chOff x="0" y="0"/>
+          <a:chExt cx="0" cy="0"/>
+        </a:xfrm>
+      </p:grpSpPr>
+      <p:pic>
+        <p:nvPicPr>
+          <p:cNvPr id="1034" name="Picture 10">
+            <a:extLst>
+              <a:ext uri="{FF2B5EF4-FFF2-40B4-BE49-F238E27FC236}">
+                <a16:creationId xmlns:a16="http://schemas.microsoft.com/office/drawing/2014/main" id="{6F72484C-A752-76F3-F259-0A997B815A00}"/>
+              </a:ext>
+            </a:extLst>
+          </p:cNvPr>
+          <p:cNvPicPr>
+            <a:picLocks noChangeAspect="1" noChangeArrowheads="1"/>
+          </p:cNvPicPr>
+          <p:nvPr/>
+        </p:nvPicPr>
+        <p:blipFill>
+          <a:blip r:embed="rId2">
+            <a:extLst>
+              <a:ext uri="{28A0092B-C50C-407E-A947-70E740481C1C}">
+                <a14:useLocalDpi xmlns:a14="http://schemas.microsoft.com/office/drawing/2010/main" val="0"/>
+              </a:ext>
+            </a:extLst>
+          </a:blip>
+          <a:srcRect/>
+          <a:stretch>
+            <a:fillRect/>
+          </a:stretch>
+        </p:blipFill>
+        <p:spPr bwMode="auto">
+          <a:xfrm>
+            <a:off x="76200" y="119063"/>
+            <a:ext cx="1114424" cy="614791"/>
+          </a:xfrm>
+          <a:prstGeom prst="rect">
+            <a:avLst/>
+          </a:prstGeom>
+          <a:noFill/>
+          <a:extLst>
+            <a:ext uri="{909E8E84-426E-40DD-AFC4-6F175D3DCCD1}">
+              <a14:hiddenFill xmlns:a14="http://schemas.microsoft.com/office/drawing/2010/main">
+                <a:solidFill>
+                  <a:srgbClr val="FFFFFF"/>
+                </a:solidFill>
+              </a14:hiddenFill>
+            </a:ext>
+          </a:extLst>
+        </p:spPr>
+      </p:pic>
+      <p:cxnSp>
+        <p:nvCxnSpPr>
+          <p:cNvPr id="11" name="Straight Connector 10">
+            <a:extLst>
+              <a:ext uri="{FF2B5EF4-FFF2-40B4-BE49-F238E27FC236}">
+                <a16:creationId xmlns:a16="http://schemas.microsoft.com/office/drawing/2014/main" id="{E5C4A229-E185-5A4B-53B1-81D591292671}"/>
+              </a:ext>
+            </a:extLst>
+          </p:cNvPr>
+          <p:cNvCxnSpPr>
+            <a:cxnSpLocks/>
+          </p:cNvCxnSpPr>
+          <p:nvPr/>
+        </p:nvCxnSpPr>
+        <p:spPr>
+          <a:xfrm>
+            <a:off x="76200" y="847725"/>
+            <a:ext cx="7648575" cy="0"/>
+          </a:xfrm>
+          <a:prstGeom prst="line">
+            <a:avLst/>
+          </a:prstGeom>
+        </p:spPr>
+        <p:style>
+          <a:lnRef idx="1">
+            <a:schemeClr val="accent1"/>
+          </a:lnRef>
+          <a:fillRef idx="0">
+            <a:schemeClr val="accent1"/>
+          </a:fillRef>
+          <a:effectRef idx="0">
+            <a:schemeClr val="accent1"/>
+          </a:effectRef>
+          <a:fontRef idx="minor">
+            <a:schemeClr val="tx1"/>
+          </a:fontRef>
+        </p:style>
+      </p:cxnSp>
+      <p:sp>
+        <p:nvSpPr>
+          <p:cNvPr id="14" name="TextBox 13">
+            <a:extLst>
+              <a:ext uri="{FF2B5EF4-FFF2-40B4-BE49-F238E27FC236}">
+                <a16:creationId xmlns:a16="http://schemas.microsoft.com/office/drawing/2014/main" id="{63B4AB36-B54A-EA5C-2A74-F2C80BE0CBC4}"/>
+              </a:ext>
+            </a:extLst>
+          </p:cNvPr>
+          <p:cNvSpPr txBox="1"/>
+          <p:nvPr/>
+        </p:nvSpPr>
+        <p:spPr>
+          <a:xfrm>
+            <a:off x="1390650" y="236792"/>
+            <a:ext cx="6362700" cy="369332"/>
+          </a:xfrm>
+          <a:prstGeom prst="rect">
+            <a:avLst/>
+          </a:prstGeom>
+          <a:noFill/>
+        </p:spPr>
+        <p:txBody>
+          <a:bodyPr wrap="square" rtlCol="0">
+            <a:spAutoFit/>
+          </a:bodyPr>
+          <a:lstStyle/>
+          <a:p>
+            <a:r>
+              <a:rPr lang="en-US" b="1"/>
+              <a:t>TỔNG KẾT</a:t>
+            </a:r>
+          </a:p>
+        </p:txBody>
+      </p:sp>
+      <p:sp>
+        <p:nvSpPr>
+          <p:cNvPr id="4" name="TextBox 3">
+            <a:extLst>
+              <a:ext uri="{FF2B5EF4-FFF2-40B4-BE49-F238E27FC236}">
+                <a16:creationId xmlns:a16="http://schemas.microsoft.com/office/drawing/2014/main" id="{459EF129-6740-B341-7BC7-05D580180742}"/>
+              </a:ext>
+            </a:extLst>
+          </p:cNvPr>
+          <p:cNvSpPr txBox="1"/>
+          <p:nvPr/>
+        </p:nvSpPr>
+        <p:spPr>
+          <a:xfrm>
+            <a:off x="76200" y="1089327"/>
+            <a:ext cx="1055097" cy="369332"/>
+          </a:xfrm>
+          <a:prstGeom prst="rect">
+            <a:avLst/>
+          </a:prstGeom>
+          <a:noFill/>
+        </p:spPr>
+        <p:txBody>
+          <a:bodyPr wrap="none" rtlCol="0">
+            <a:spAutoFit/>
+          </a:bodyPr>
+          <a:lstStyle/>
+          <a:p>
+            <a:r>
+              <a:rPr lang="en-US" i="1"/>
+              <a:t>Khó khăn</a:t>
+            </a:r>
+          </a:p>
+        </p:txBody>
+      </p:sp>
+      <p:cxnSp>
+        <p:nvCxnSpPr>
+          <p:cNvPr id="2" name="Straight Connector 1">
+            <a:extLst>
+              <a:ext uri="{FF2B5EF4-FFF2-40B4-BE49-F238E27FC236}">
+                <a16:creationId xmlns:a16="http://schemas.microsoft.com/office/drawing/2014/main" id="{E84DC22F-1018-3740-66B4-518AAE2387D5}"/>
+              </a:ext>
+            </a:extLst>
+          </p:cNvPr>
+          <p:cNvCxnSpPr>
+            <a:cxnSpLocks/>
+          </p:cNvCxnSpPr>
+          <p:nvPr/>
+        </p:nvCxnSpPr>
+        <p:spPr>
+          <a:xfrm>
+            <a:off x="4752975" y="6238875"/>
+            <a:ext cx="4286250" cy="0"/>
+          </a:xfrm>
+          <a:prstGeom prst="line">
+            <a:avLst/>
+          </a:prstGeom>
+        </p:spPr>
+        <p:style>
+          <a:lnRef idx="1">
+            <a:schemeClr val="accent1"/>
+          </a:lnRef>
+          <a:fillRef idx="0">
+            <a:schemeClr val="accent1"/>
+          </a:fillRef>
+          <a:effectRef idx="0">
+            <a:schemeClr val="accent1"/>
+          </a:effectRef>
+          <a:fontRef idx="minor">
+            <a:schemeClr val="tx1"/>
+          </a:fontRef>
+        </p:style>
+      </p:cxnSp>
+      <p:sp>
+        <p:nvSpPr>
+          <p:cNvPr id="6" name="TextBox 5">
+            <a:extLst>
+              <a:ext uri="{FF2B5EF4-FFF2-40B4-BE49-F238E27FC236}">
+                <a16:creationId xmlns:a16="http://schemas.microsoft.com/office/drawing/2014/main" id="{FD7465EC-84B6-406C-4864-45ADF9FB642F}"/>
+              </a:ext>
+            </a:extLst>
+          </p:cNvPr>
+          <p:cNvSpPr txBox="1"/>
+          <p:nvPr/>
+        </p:nvSpPr>
+        <p:spPr>
+          <a:xfrm>
+            <a:off x="7753350" y="6336334"/>
+            <a:ext cx="1285874" cy="369332"/>
+          </a:xfrm>
+          <a:prstGeom prst="rect">
+            <a:avLst/>
+          </a:prstGeom>
+          <a:noFill/>
+        </p:spPr>
+        <p:txBody>
+          <a:bodyPr wrap="square" rtlCol="0">
+            <a:spAutoFit/>
+          </a:bodyPr>
+          <a:lstStyle/>
+          <a:p>
+            <a:r>
+              <a:rPr lang="en-US"/>
+              <a:t>Trang 27</a:t>
+            </a:r>
+          </a:p>
+        </p:txBody>
+      </p:sp>
+      <p:sp>
+        <p:nvSpPr>
+          <p:cNvPr id="5" name="TextBox 4">
+            <a:extLst>
+              <a:ext uri="{FF2B5EF4-FFF2-40B4-BE49-F238E27FC236}">
+                <a16:creationId xmlns:a16="http://schemas.microsoft.com/office/drawing/2014/main" id="{B124AB6E-B685-3C3C-17A7-881BC0274152}"/>
+              </a:ext>
+            </a:extLst>
+          </p:cNvPr>
+          <p:cNvSpPr txBox="1"/>
+          <p:nvPr/>
+        </p:nvSpPr>
+        <p:spPr>
+          <a:xfrm>
+            <a:off x="606152" y="1844627"/>
+            <a:ext cx="7553109" cy="3331938"/>
+          </a:xfrm>
+          <a:prstGeom prst="rect">
+            <a:avLst/>
+          </a:prstGeom>
+          <a:noFill/>
+        </p:spPr>
+        <p:txBody>
+          <a:bodyPr wrap="square" rtlCol="0">
+            <a:spAutoFit/>
+          </a:bodyPr>
+          <a:lstStyle/>
+          <a:p>
+            <a:pPr marL="285750" indent="-285750">
+              <a:lnSpc>
+                <a:spcPct val="200000"/>
+              </a:lnSpc>
+              <a:buFont typeface="Arial" panose="020B0604020202020204" pitchFamily="34" charset="0"/>
+              <a:buChar char="•"/>
+            </a:pPr>
+            <a:r>
+              <a:rPr lang="en-US">
+                <a:latin typeface="Times New Roman" panose="02020603050405020304" pitchFamily="18" charset="0"/>
+                <a:cs typeface="Times New Roman" panose="02020603050405020304" pitchFamily="18" charset="0"/>
+              </a:rPr>
+              <a:t>Số lượng thành viên nghiên cứu thực tế tương đối ít</a:t>
+            </a:r>
+          </a:p>
+          <a:p>
+            <a:pPr marL="285750" indent="-285750" algn="just">
+              <a:lnSpc>
+                <a:spcPct val="200000"/>
+              </a:lnSpc>
+              <a:buFont typeface="Arial" panose="020B0604020202020204" pitchFamily="34" charset="0"/>
+              <a:buChar char="•"/>
+            </a:pPr>
+            <a:r>
+              <a:rPr lang="en-US">
+                <a:latin typeface="Times New Roman" panose="02020603050405020304" pitchFamily="18" charset="0"/>
+                <a:cs typeface="Times New Roman" panose="02020603050405020304" pitchFamily="18" charset="0"/>
+              </a:rPr>
+              <a:t>Mất nhiều thời gian để ôn tập lại python do các thành viên không xuất phát điểm từ các ngành khoa học máy tính</a:t>
+            </a:r>
+          </a:p>
+          <a:p>
+            <a:pPr marL="285750" indent="-285750">
+              <a:lnSpc>
+                <a:spcPct val="200000"/>
+              </a:lnSpc>
+              <a:buFont typeface="Arial" panose="020B0604020202020204" pitchFamily="34" charset="0"/>
+              <a:buChar char="•"/>
+            </a:pPr>
+            <a:r>
+              <a:rPr lang="en-US">
+                <a:latin typeface="Times New Roman" panose="02020603050405020304" pitchFamily="18" charset="0"/>
+                <a:cs typeface="Times New Roman" panose="02020603050405020304" pitchFamily="18" charset="0"/>
+              </a:rPr>
+              <a:t>Còn nhiều thiếu sót về phân tích đề</a:t>
+            </a:r>
+          </a:p>
+          <a:p>
+            <a:pPr marL="285750" indent="-285750">
+              <a:lnSpc>
+                <a:spcPct val="200000"/>
+              </a:lnSpc>
+              <a:buFont typeface="Arial" panose="020B0604020202020204" pitchFamily="34" charset="0"/>
+              <a:buChar char="•"/>
+            </a:pPr>
+            <a:r>
+              <a:rPr lang="en-US">
+                <a:latin typeface="Times New Roman" panose="02020603050405020304" pitchFamily="18" charset="0"/>
+                <a:cs typeface="Times New Roman" panose="02020603050405020304" pitchFamily="18" charset="0"/>
+              </a:rPr>
+              <a:t>Lượng công việc cho từng thành viên khá lớn</a:t>
+            </a:r>
+          </a:p>
+          <a:p>
+            <a:pPr marL="285750" indent="-285750">
+              <a:lnSpc>
+                <a:spcPct val="200000"/>
+              </a:lnSpc>
+              <a:buFont typeface="Arial" panose="020B0604020202020204" pitchFamily="34" charset="0"/>
+              <a:buChar char="•"/>
+            </a:pPr>
+            <a:r>
+              <a:rPr lang="en-US">
+                <a:latin typeface="Times New Roman" panose="02020603050405020304" pitchFamily="18" charset="0"/>
+                <a:cs typeface="Times New Roman" panose="02020603050405020304" pitchFamily="18" charset="0"/>
+              </a:rPr>
+              <a:t>Dù khó khăn nhưng nhóm vẫn hoàn thành toàn bộ bài tập</a:t>
+            </a:r>
+          </a:p>
+        </p:txBody>
+      </p:sp>
+    </p:spTree>
+    <p:extLst>
+      <p:ext uri="{BB962C8B-B14F-4D97-AF65-F5344CB8AC3E}">
+        <p14:creationId xmlns:p14="http://schemas.microsoft.com/office/powerpoint/2010/main" val="1076178229"/>
+      </p:ext>
+    </p:extLst>
+  </p:cSld>
+  <p:clrMapOvr>
+    <a:masterClrMapping/>
+  </p:clrMapOvr>
+</p:sld>
+</file>
+
+<file path=ppt/slides/slide23.xml><?xml version="1.0" encoding="utf-8"?>
+<p:sld xmlns:a="http://schemas.openxmlformats.org/drawingml/2006/main" xmlns:r="http://schemas.openxmlformats.org/officeDocument/2006/relationships" xmlns:p="http://schemas.openxmlformats.org/presentationml/2006/main">
+  <p:cSld>
+    <p:spTree>
+      <p:nvGrpSpPr>
+        <p:cNvPr id="1" name=""/>
+        <p:cNvGrpSpPr/>
+        <p:nvPr/>
+      </p:nvGrpSpPr>
+      <p:grpSpPr>
+        <a:xfrm>
+          <a:off x="0" y="0"/>
+          <a:ext cx="0" cy="0"/>
+          <a:chOff x="0" y="0"/>
+          <a:chExt cx="0" cy="0"/>
+        </a:xfrm>
+      </p:grpSpPr>
+      <p:pic>
+        <p:nvPicPr>
+          <p:cNvPr id="1034" name="Picture 10">
+            <a:extLst>
+              <a:ext uri="{FF2B5EF4-FFF2-40B4-BE49-F238E27FC236}">
+                <a16:creationId xmlns:a16="http://schemas.microsoft.com/office/drawing/2014/main" id="{6F72484C-A752-76F3-F259-0A997B815A00}"/>
+              </a:ext>
+            </a:extLst>
+          </p:cNvPr>
+          <p:cNvPicPr>
+            <a:picLocks noChangeAspect="1" noChangeArrowheads="1"/>
+          </p:cNvPicPr>
+          <p:nvPr/>
+        </p:nvPicPr>
+        <p:blipFill>
+          <a:blip r:embed="rId2">
+            <a:extLst>
+              <a:ext uri="{28A0092B-C50C-407E-A947-70E740481C1C}">
+                <a14:useLocalDpi xmlns:a14="http://schemas.microsoft.com/office/drawing/2010/main" val="0"/>
+              </a:ext>
+            </a:extLst>
+          </a:blip>
+          <a:srcRect/>
+          <a:stretch>
+            <a:fillRect/>
+          </a:stretch>
+        </p:blipFill>
+        <p:spPr bwMode="auto">
+          <a:xfrm>
+            <a:off x="76200" y="119063"/>
+            <a:ext cx="1114424" cy="614791"/>
+          </a:xfrm>
+          <a:prstGeom prst="rect">
+            <a:avLst/>
+          </a:prstGeom>
+          <a:noFill/>
+          <a:extLst>
+            <a:ext uri="{909E8E84-426E-40DD-AFC4-6F175D3DCCD1}">
+              <a14:hiddenFill xmlns:a14="http://schemas.microsoft.com/office/drawing/2010/main">
+                <a:solidFill>
+                  <a:srgbClr val="FFFFFF"/>
+                </a:solidFill>
+              </a14:hiddenFill>
+            </a:ext>
+          </a:extLst>
+        </p:spPr>
+      </p:pic>
+      <p:cxnSp>
+        <p:nvCxnSpPr>
+          <p:cNvPr id="11" name="Straight Connector 10">
+            <a:extLst>
+              <a:ext uri="{FF2B5EF4-FFF2-40B4-BE49-F238E27FC236}">
+                <a16:creationId xmlns:a16="http://schemas.microsoft.com/office/drawing/2014/main" id="{E5C4A229-E185-5A4B-53B1-81D591292671}"/>
+              </a:ext>
+            </a:extLst>
+          </p:cNvPr>
+          <p:cNvCxnSpPr>
+            <a:cxnSpLocks/>
+          </p:cNvCxnSpPr>
+          <p:nvPr/>
+        </p:nvCxnSpPr>
+        <p:spPr>
+          <a:xfrm>
+            <a:off x="76200" y="847725"/>
+            <a:ext cx="7648575" cy="0"/>
+          </a:xfrm>
+          <a:prstGeom prst="line">
+            <a:avLst/>
+          </a:prstGeom>
+        </p:spPr>
+        <p:style>
+          <a:lnRef idx="1">
+            <a:schemeClr val="accent1"/>
+          </a:lnRef>
+          <a:fillRef idx="0">
+            <a:schemeClr val="accent1"/>
+          </a:fillRef>
+          <a:effectRef idx="0">
+            <a:schemeClr val="accent1"/>
+          </a:effectRef>
+          <a:fontRef idx="minor">
+            <a:schemeClr val="tx1"/>
+          </a:fontRef>
+        </p:style>
+      </p:cxnSp>
+      <p:sp>
+        <p:nvSpPr>
+          <p:cNvPr id="14" name="TextBox 13">
+            <a:extLst>
+              <a:ext uri="{FF2B5EF4-FFF2-40B4-BE49-F238E27FC236}">
+                <a16:creationId xmlns:a16="http://schemas.microsoft.com/office/drawing/2014/main" id="{63B4AB36-B54A-EA5C-2A74-F2C80BE0CBC4}"/>
+              </a:ext>
+            </a:extLst>
+          </p:cNvPr>
+          <p:cNvSpPr txBox="1"/>
+          <p:nvPr/>
+        </p:nvSpPr>
+        <p:spPr>
+          <a:xfrm>
+            <a:off x="1390650" y="236792"/>
+            <a:ext cx="6362700" cy="369332"/>
+          </a:xfrm>
+          <a:prstGeom prst="rect">
+            <a:avLst/>
+          </a:prstGeom>
+          <a:noFill/>
+        </p:spPr>
+        <p:txBody>
+          <a:bodyPr wrap="square" rtlCol="0">
+            <a:spAutoFit/>
+          </a:bodyPr>
+          <a:lstStyle/>
+          <a:p>
+            <a:r>
+              <a:rPr lang="en-US" b="1"/>
+              <a:t>TRÍCH DẪN</a:t>
+            </a:r>
+          </a:p>
+        </p:txBody>
+      </p:sp>
+      <p:sp>
+        <p:nvSpPr>
+          <p:cNvPr id="2" name="TextBox 1">
+            <a:extLst>
+              <a:ext uri="{FF2B5EF4-FFF2-40B4-BE49-F238E27FC236}">
+                <a16:creationId xmlns:a16="http://schemas.microsoft.com/office/drawing/2014/main" id="{30380714-4CD2-9849-80A6-8AC66F97DA6F}"/>
+              </a:ext>
+            </a:extLst>
+          </p:cNvPr>
+          <p:cNvSpPr txBox="1"/>
+          <p:nvPr/>
+        </p:nvSpPr>
+        <p:spPr>
+          <a:xfrm>
+            <a:off x="76200" y="1089327"/>
+            <a:ext cx="1216551" cy="369332"/>
+          </a:xfrm>
+          <a:prstGeom prst="rect">
+            <a:avLst/>
+          </a:prstGeom>
+          <a:noFill/>
+        </p:spPr>
+        <p:txBody>
+          <a:bodyPr wrap="none" rtlCol="0">
+            <a:spAutoFit/>
+          </a:bodyPr>
+          <a:lstStyle/>
+          <a:p>
+            <a:r>
+              <a:rPr lang="en-US" i="1"/>
+              <a:t>References</a:t>
+            </a:r>
+          </a:p>
+        </p:txBody>
+      </p:sp>
+      <p:cxnSp>
+        <p:nvCxnSpPr>
+          <p:cNvPr id="3" name="Straight Connector 2">
+            <a:extLst>
+              <a:ext uri="{FF2B5EF4-FFF2-40B4-BE49-F238E27FC236}">
+                <a16:creationId xmlns:a16="http://schemas.microsoft.com/office/drawing/2014/main" id="{435823BE-9FB1-635E-7F74-DEA50A87D246}"/>
+              </a:ext>
+            </a:extLst>
+          </p:cNvPr>
+          <p:cNvCxnSpPr>
+            <a:cxnSpLocks/>
+          </p:cNvCxnSpPr>
+          <p:nvPr/>
+        </p:nvCxnSpPr>
+        <p:spPr>
+          <a:xfrm>
+            <a:off x="4752975" y="6238875"/>
+            <a:ext cx="4286250" cy="0"/>
+          </a:xfrm>
+          <a:prstGeom prst="line">
+            <a:avLst/>
+          </a:prstGeom>
+        </p:spPr>
+        <p:style>
+          <a:lnRef idx="1">
+            <a:schemeClr val="accent1"/>
+          </a:lnRef>
+          <a:fillRef idx="0">
+            <a:schemeClr val="accent1"/>
+          </a:fillRef>
+          <a:effectRef idx="0">
+            <a:schemeClr val="accent1"/>
+          </a:effectRef>
+          <a:fontRef idx="minor">
+            <a:schemeClr val="tx1"/>
+          </a:fontRef>
+        </p:style>
+      </p:cxnSp>
+      <p:sp>
+        <p:nvSpPr>
+          <p:cNvPr id="4" name="TextBox 3">
+            <a:extLst>
+              <a:ext uri="{FF2B5EF4-FFF2-40B4-BE49-F238E27FC236}">
+                <a16:creationId xmlns:a16="http://schemas.microsoft.com/office/drawing/2014/main" id="{CE933A1E-D43F-BDBC-88C5-FA719398A112}"/>
+              </a:ext>
+            </a:extLst>
+          </p:cNvPr>
+          <p:cNvSpPr txBox="1"/>
+          <p:nvPr/>
+        </p:nvSpPr>
+        <p:spPr>
+          <a:xfrm>
+            <a:off x="5524499" y="6336334"/>
+            <a:ext cx="3514725" cy="369332"/>
+          </a:xfrm>
+          <a:prstGeom prst="rect">
+            <a:avLst/>
+          </a:prstGeom>
+          <a:noFill/>
+        </p:spPr>
+        <p:txBody>
+          <a:bodyPr wrap="square" rtlCol="0">
+            <a:spAutoFit/>
+          </a:bodyPr>
+          <a:lstStyle/>
+          <a:p>
+            <a:r>
+              <a:rPr lang="en-US" b="1" i="1"/>
+              <a:t>AI © 2023 PBL </a:t>
+            </a:r>
+            <a:r>
+              <a:rPr lang="en-US" b="1"/>
+              <a:t>		</a:t>
+            </a:r>
+            <a:r>
+              <a:rPr lang="en-US"/>
+              <a:t>Trang 28</a:t>
+            </a:r>
+          </a:p>
+        </p:txBody>
+      </p:sp>
+      <p:graphicFrame>
+        <p:nvGraphicFramePr>
+          <p:cNvPr id="7" name="Table 7">
+            <a:extLst>
+              <a:ext uri="{FF2B5EF4-FFF2-40B4-BE49-F238E27FC236}">
+                <a16:creationId xmlns:a16="http://schemas.microsoft.com/office/drawing/2014/main" id="{B54C5B81-FA74-EF54-364C-2501CA6C224F}"/>
+              </a:ext>
+            </a:extLst>
+          </p:cNvPr>
+          <p:cNvGraphicFramePr>
+            <a:graphicFrameLocks noGrp="1"/>
+          </p:cNvGraphicFramePr>
+          <p:nvPr>
+            <p:extLst>
+              <p:ext uri="{D42A27DB-BD31-4B8C-83A1-F6EECF244321}">
+                <p14:modId xmlns:p14="http://schemas.microsoft.com/office/powerpoint/2010/main" val="825397718"/>
+              </p:ext>
+            </p:extLst>
+          </p:nvPr>
+        </p:nvGraphicFramePr>
+        <p:xfrm>
+          <a:off x="76200" y="1700260"/>
+          <a:ext cx="8805705" cy="2763520"/>
+        </p:xfrm>
+        <a:graphic>
+          <a:graphicData uri="http://schemas.openxmlformats.org/drawingml/2006/table">
+            <a:tbl>
+              <a:tblPr firstRow="1" bandRow="1">
+                <a:tableStyleId>{5C22544A-7EE6-4342-B048-85BDC9FD1C3A}</a:tableStyleId>
+              </a:tblPr>
+              <a:tblGrid>
+                <a:gridCol w="687040">
+                  <a:extLst>
+                    <a:ext uri="{9D8B030D-6E8A-4147-A177-3AD203B41FA5}">
+                      <a16:colId xmlns:a16="http://schemas.microsoft.com/office/drawing/2014/main" val="2305991631"/>
+                    </a:ext>
+                  </a:extLst>
+                </a:gridCol>
+                <a:gridCol w="8118665">
+                  <a:extLst>
+                    <a:ext uri="{9D8B030D-6E8A-4147-A177-3AD203B41FA5}">
+                      <a16:colId xmlns:a16="http://schemas.microsoft.com/office/drawing/2014/main" val="2814521867"/>
+                    </a:ext>
+                  </a:extLst>
+                </a:gridCol>
+              </a:tblGrid>
+              <a:tr h="370840">
+                <a:tc gridSpan="2">
+                  <a:txBody>
+                    <a:bodyPr/>
+                    <a:lstStyle/>
+                    <a:p>
+                      <a:r>
+                        <a:rPr lang="en-US" b="0">
+                          <a:solidFill>
+                            <a:schemeClr val="tx1"/>
+                          </a:solidFill>
+                        </a:rPr>
+                        <a:t>Book</a:t>
+                      </a:r>
+                    </a:p>
+                  </a:txBody>
+                  <a:tcPr>
+                    <a:noFill/>
+                  </a:tcPr>
+                </a:tc>
+                <a:tc hMerge="1">
+                  <a:txBody>
+                    <a:bodyPr/>
+                    <a:lstStyle/>
+                    <a:p>
+                      <a:endParaRPr lang="en-US"/>
+                    </a:p>
+                  </a:txBody>
+                  <a:tcPr>
+                    <a:solidFill>
+                      <a:schemeClr val="bg1">
+                        <a:lumMod val="95000"/>
+                      </a:schemeClr>
+                    </a:solidFill>
+                  </a:tcPr>
+                </a:tc>
+                <a:extLst>
+                  <a:ext uri="{0D108BD9-81ED-4DB2-BD59-A6C34878D82A}">
+                    <a16:rowId xmlns:a16="http://schemas.microsoft.com/office/drawing/2014/main" val="3660921552"/>
+                  </a:ext>
+                </a:extLst>
+              </a:tr>
+              <a:tr h="370840">
+                <a:tc>
+                  <a:txBody>
+                    <a:bodyPr/>
+                    <a:lstStyle/>
+                    <a:p>
+                      <a:pPr algn="ctr"/>
+                      <a:r>
+                        <a:rPr lang="en-US"/>
+                        <a:t>[1]</a:t>
+                      </a:r>
+                    </a:p>
+                  </a:txBody>
+                  <a:tcPr>
+                    <a:noFill/>
+                  </a:tcPr>
+                </a:tc>
+                <a:tc>
+                  <a:txBody>
+                    <a:bodyPr/>
+                    <a:lstStyle/>
+                    <a:p>
+                      <a:pPr algn="just"/>
+                      <a:r>
+                        <a:rPr lang="en-US" i="1"/>
+                        <a:t>Stuart Russell, Peter Norvig. Artificial Intelligence : A Modern Approach, 2</a:t>
+                      </a:r>
+                      <a:r>
+                        <a:rPr lang="en-US" i="1" baseline="30000"/>
+                        <a:t>nd</a:t>
+                      </a:r>
+                      <a:r>
+                        <a:rPr lang="en-US" i="1"/>
+                        <a:t> edition. New Jersey, McGraw-Hill, 2005</a:t>
+                      </a:r>
+                      <a:endParaRPr lang="en-US"/>
+                    </a:p>
+                  </a:txBody>
+                  <a:tcPr>
+                    <a:noFill/>
+                  </a:tcPr>
+                </a:tc>
+                <a:extLst>
+                  <a:ext uri="{0D108BD9-81ED-4DB2-BD59-A6C34878D82A}">
+                    <a16:rowId xmlns:a16="http://schemas.microsoft.com/office/drawing/2014/main" val="2486402250"/>
+                  </a:ext>
+                </a:extLst>
+              </a:tr>
+              <a:tr h="370840">
+                <a:tc>
+                  <a:txBody>
+                    <a:bodyPr/>
+                    <a:lstStyle/>
+                    <a:p>
+                      <a:pPr algn="ctr"/>
+                      <a:r>
+                        <a:rPr lang="en-US"/>
+                        <a:t>[2]</a:t>
+                      </a:r>
+                    </a:p>
+                  </a:txBody>
+                  <a:tcPr>
+                    <a:noFill/>
+                  </a:tcPr>
+                </a:tc>
+                <a:tc>
+                  <a:txBody>
+                    <a:bodyPr/>
+                    <a:lstStyle/>
+                    <a:p>
+                      <a:pPr algn="just"/>
+                      <a:r>
+                        <a:rPr lang="en-US"/>
+                        <a:t>Tom Mitchell. Machine Learning. New York, McGraw-Hill, 1997.</a:t>
+                      </a:r>
+                    </a:p>
+                  </a:txBody>
+                  <a:tcPr>
+                    <a:noFill/>
+                  </a:tcPr>
+                </a:tc>
+                <a:extLst>
+                  <a:ext uri="{0D108BD9-81ED-4DB2-BD59-A6C34878D82A}">
+                    <a16:rowId xmlns:a16="http://schemas.microsoft.com/office/drawing/2014/main" val="1501445591"/>
+                  </a:ext>
+                </a:extLst>
+              </a:tr>
+              <a:tr h="370840">
+                <a:tc>
+                  <a:txBody>
+                    <a:bodyPr/>
+                    <a:lstStyle/>
+                    <a:p>
+                      <a:pPr algn="ctr"/>
+                      <a:r>
+                        <a:rPr lang="en-US"/>
+                        <a:t>[3]</a:t>
+                      </a:r>
+                    </a:p>
+                  </a:txBody>
+                  <a:tcPr>
+                    <a:noFill/>
+                  </a:tcPr>
+                </a:tc>
+                <a:tc>
+                  <a:txBody>
+                    <a:bodyPr/>
+                    <a:lstStyle/>
+                    <a:p>
+                      <a:pPr algn="just"/>
+                      <a:r>
+                        <a:rPr lang="en-US"/>
+                        <a:t>Manning and Schuetze, Foundations of Statistical Natural Language Processing, MIT Press. Cambridge, MA, 1999.</a:t>
+                      </a:r>
+                    </a:p>
+                  </a:txBody>
+                  <a:tcPr>
+                    <a:noFill/>
+                  </a:tcPr>
+                </a:tc>
+                <a:extLst>
+                  <a:ext uri="{0D108BD9-81ED-4DB2-BD59-A6C34878D82A}">
+                    <a16:rowId xmlns:a16="http://schemas.microsoft.com/office/drawing/2014/main" val="4097671691"/>
+                  </a:ext>
+                </a:extLst>
+              </a:tr>
+              <a:tr h="370840">
+                <a:tc gridSpan="2">
+                  <a:txBody>
+                    <a:bodyPr/>
+                    <a:lstStyle/>
+                    <a:p>
+                      <a:pPr algn="l"/>
+                      <a:r>
+                        <a:rPr lang="en-US"/>
+                        <a:t>Website</a:t>
+                      </a:r>
+                    </a:p>
+                  </a:txBody>
+                  <a:tcPr>
+                    <a:noFill/>
+                  </a:tcPr>
+                </a:tc>
+                <a:tc hMerge="1">
+                  <a:txBody>
+                    <a:bodyPr/>
+                    <a:lstStyle/>
+                    <a:p>
+                      <a:pPr algn="just"/>
+                      <a:endParaRPr lang="en-US"/>
+                    </a:p>
+                  </a:txBody>
+                  <a:tcPr>
+                    <a:solidFill>
+                      <a:schemeClr val="bg1">
+                        <a:lumMod val="95000"/>
+                      </a:schemeClr>
+                    </a:solidFill>
+                  </a:tcPr>
+                </a:tc>
+                <a:extLst>
+                  <a:ext uri="{0D108BD9-81ED-4DB2-BD59-A6C34878D82A}">
+                    <a16:rowId xmlns:a16="http://schemas.microsoft.com/office/drawing/2014/main" val="3803879496"/>
+                  </a:ext>
+                </a:extLst>
+              </a:tr>
+              <a:tr h="370840">
+                <a:tc>
+                  <a:txBody>
+                    <a:bodyPr/>
+                    <a:lstStyle/>
+                    <a:p>
+                      <a:pPr algn="ctr"/>
+                      <a:r>
+                        <a:rPr lang="en-US"/>
+                        <a:t>[1]</a:t>
+                      </a:r>
+                    </a:p>
+                  </a:txBody>
+                  <a:tcPr>
+                    <a:noFill/>
+                  </a:tcPr>
+                </a:tc>
+                <a:tc>
+                  <a:txBody>
+                    <a:bodyPr/>
+                    <a:lstStyle/>
+                    <a:p>
+                      <a:pPr algn="just"/>
+                      <a:r>
+                        <a:rPr lang="en-US"/>
+                        <a:t>sakai.it.tdt.edu.vn</a:t>
+                      </a:r>
+                    </a:p>
+                  </a:txBody>
+                  <a:tcPr>
+                    <a:noFill/>
+                  </a:tcPr>
+                </a:tc>
+                <a:extLst>
+                  <a:ext uri="{0D108BD9-81ED-4DB2-BD59-A6C34878D82A}">
+                    <a16:rowId xmlns:a16="http://schemas.microsoft.com/office/drawing/2014/main" val="4097059838"/>
+                  </a:ext>
+                </a:extLst>
+              </a:tr>
+            </a:tbl>
+          </a:graphicData>
+        </a:graphic>
+      </p:graphicFrame>
+    </p:spTree>
+    <p:extLst>
+      <p:ext uri="{BB962C8B-B14F-4D97-AF65-F5344CB8AC3E}">
+        <p14:creationId xmlns:p14="http://schemas.microsoft.com/office/powerpoint/2010/main" val="610409002"/>
+      </p:ext>
+    </p:extLst>
+  </p:cSld>
+  <p:clrMapOvr>
+    <a:masterClrMapping/>
+  </p:clrMapOvr>
+</p:sld>
+</file>
+
 <file path=ppt/slides/slide3.xml><?xml version="1.0" encoding="utf-8"?>
 <p:sld xmlns:a="http://schemas.openxmlformats.org/drawingml/2006/main" xmlns:r="http://schemas.openxmlformats.org/officeDocument/2006/relationships" xmlns:p="http://schemas.openxmlformats.org/presentationml/2006/main">
   <p:cSld>
@@ -9758,18 +16847,305 @@
           <a:lstStyle/>
           <a:p>
             <a:r>
-              <a:rPr lang="en-US" b="1"/>
-              <a:t>TRÍCH DẪN</a:t>
-            </a:r>
+              <a:rPr lang="fr-FR" b="1"/>
+              <a:t>Câu 1 (2.0 điểm): Constraint Satisfaction</a:t>
+            </a:r>
+            <a:endParaRPr lang="en-US" b="1"/>
           </a:p>
         </p:txBody>
       </p:sp>
+      <p:graphicFrame>
+        <p:nvGraphicFramePr>
+          <p:cNvPr id="3" name="Table 16">
+            <a:extLst>
+              <a:ext uri="{FF2B5EF4-FFF2-40B4-BE49-F238E27FC236}">
+                <a16:creationId xmlns:a16="http://schemas.microsoft.com/office/drawing/2014/main" id="{5E8325E1-BDCF-5783-E97F-C770E7E58F6D}"/>
+              </a:ext>
+            </a:extLst>
+          </p:cNvPr>
+          <p:cNvGraphicFramePr>
+            <a:graphicFrameLocks noGrp="1"/>
+          </p:cNvGraphicFramePr>
+          <p:nvPr>
+            <p:extLst>
+              <p:ext uri="{D42A27DB-BD31-4B8C-83A1-F6EECF244321}">
+                <p14:modId xmlns:p14="http://schemas.microsoft.com/office/powerpoint/2010/main" val="2236601321"/>
+              </p:ext>
+            </p:extLst>
+          </p:nvPr>
+        </p:nvGraphicFramePr>
+        <p:xfrm>
+          <a:off x="1850248" y="1815894"/>
+          <a:ext cx="5443503" cy="1483360"/>
+        </p:xfrm>
+        <a:graphic>
+          <a:graphicData uri="http://schemas.openxmlformats.org/drawingml/2006/table">
+            <a:tbl>
+              <a:tblPr firstRow="1" bandRow="1">
+                <a:tableStyleId>{F5AB1C69-6EDB-4FF4-983F-18BD219EF322}</a:tableStyleId>
+              </a:tblPr>
+              <a:tblGrid>
+                <a:gridCol w="1662078">
+                  <a:extLst>
+                    <a:ext uri="{9D8B030D-6E8A-4147-A177-3AD203B41FA5}">
+                      <a16:colId xmlns:a16="http://schemas.microsoft.com/office/drawing/2014/main" val="3939429785"/>
+                    </a:ext>
+                  </a:extLst>
+                </a:gridCol>
+                <a:gridCol w="1514475">
+                  <a:extLst>
+                    <a:ext uri="{9D8B030D-6E8A-4147-A177-3AD203B41FA5}">
+                      <a16:colId xmlns:a16="http://schemas.microsoft.com/office/drawing/2014/main" val="1738762872"/>
+                    </a:ext>
+                  </a:extLst>
+                </a:gridCol>
+                <a:gridCol w="2266950">
+                  <a:extLst>
+                    <a:ext uri="{9D8B030D-6E8A-4147-A177-3AD203B41FA5}">
+                      <a16:colId xmlns:a16="http://schemas.microsoft.com/office/drawing/2014/main" val="3821170340"/>
+                    </a:ext>
+                  </a:extLst>
+                </a:gridCol>
+              </a:tblGrid>
+              <a:tr h="370840">
+                <a:tc>
+                  <a:txBody>
+                    <a:bodyPr/>
+                    <a:lstStyle/>
+                    <a:p>
+                      <a:pPr algn="ctr"/>
+                      <a:r>
+                        <a:rPr lang="en-US">
+                          <a:latin typeface="Times New Roman" panose="02020603050405020304" pitchFamily="18" charset="0"/>
+                          <a:cs typeface="Times New Roman" panose="02020603050405020304" pitchFamily="18" charset="0"/>
+                        </a:rPr>
+                        <a:t>Tiêu chí</a:t>
+                      </a:r>
+                    </a:p>
+                  </a:txBody>
+                  <a:tcPr/>
+                </a:tc>
+                <a:tc>
+                  <a:txBody>
+                    <a:bodyPr/>
+                    <a:lstStyle/>
+                    <a:p>
+                      <a:pPr algn="ctr"/>
+                      <a:r>
+                        <a:rPr lang="en-US">
+                          <a:latin typeface="Times New Roman" panose="02020603050405020304" pitchFamily="18" charset="0"/>
+                          <a:cs typeface="Times New Roman" panose="02020603050405020304" pitchFamily="18" charset="0"/>
+                        </a:rPr>
+                        <a:t>Điểm</a:t>
+                      </a:r>
+                    </a:p>
+                  </a:txBody>
+                  <a:tcPr/>
+                </a:tc>
+                <a:tc>
+                  <a:txBody>
+                    <a:bodyPr/>
+                    <a:lstStyle/>
+                    <a:p>
+                      <a:pPr algn="ctr"/>
+                      <a:r>
+                        <a:rPr lang="en-US">
+                          <a:latin typeface="Times New Roman" panose="02020603050405020304" pitchFamily="18" charset="0"/>
+                          <a:cs typeface="Times New Roman" panose="02020603050405020304" pitchFamily="18" charset="0"/>
+                        </a:rPr>
+                        <a:t>Đánh giá</a:t>
+                      </a:r>
+                    </a:p>
+                  </a:txBody>
+                  <a:tcPr/>
+                </a:tc>
+                <a:extLst>
+                  <a:ext uri="{0D108BD9-81ED-4DB2-BD59-A6C34878D82A}">
+                    <a16:rowId xmlns:a16="http://schemas.microsoft.com/office/drawing/2014/main" val="2071844936"/>
+                  </a:ext>
+                </a:extLst>
+              </a:tr>
+              <a:tr h="370840">
+                <a:tc>
+                  <a:txBody>
+                    <a:bodyPr/>
+                    <a:lstStyle/>
+                    <a:p>
+                      <a:pPr algn="ctr"/>
+                      <a:r>
+                        <a:rPr lang="en-US">
+                          <a:latin typeface="Times New Roman" panose="02020603050405020304" pitchFamily="18" charset="0"/>
+                          <a:cs typeface="Times New Roman" panose="02020603050405020304" pitchFamily="18" charset="0"/>
+                        </a:rPr>
+                        <a:t>YC1-1</a:t>
+                      </a:r>
+                    </a:p>
+                  </a:txBody>
+                  <a:tcPr/>
+                </a:tc>
+                <a:tc>
+                  <a:txBody>
+                    <a:bodyPr/>
+                    <a:lstStyle/>
+                    <a:p>
+                      <a:pPr algn="ctr"/>
+                      <a:r>
+                        <a:rPr lang="en-US">
+                          <a:latin typeface="Times New Roman" panose="02020603050405020304" pitchFamily="18" charset="0"/>
+                          <a:cs typeface="Times New Roman" panose="02020603050405020304" pitchFamily="18" charset="0"/>
+                        </a:rPr>
+                        <a:t>---</a:t>
+                      </a:r>
+                    </a:p>
+                  </a:txBody>
+                  <a:tcPr/>
+                </a:tc>
+                <a:tc>
+                  <a:txBody>
+                    <a:bodyPr/>
+                    <a:lstStyle/>
+                    <a:p>
+                      <a:pPr algn="ctr"/>
+                      <a:r>
+                        <a:rPr lang="en-US">
+                          <a:latin typeface="Times New Roman" panose="02020603050405020304" pitchFamily="18" charset="0"/>
+                          <a:cs typeface="Times New Roman" panose="02020603050405020304" pitchFamily="18" charset="0"/>
+                        </a:rPr>
+                        <a:t>Hoàn thành</a:t>
+                      </a:r>
+                    </a:p>
+                  </a:txBody>
+                  <a:tcPr/>
+                </a:tc>
+                <a:extLst>
+                  <a:ext uri="{0D108BD9-81ED-4DB2-BD59-A6C34878D82A}">
+                    <a16:rowId xmlns:a16="http://schemas.microsoft.com/office/drawing/2014/main" val="583184748"/>
+                  </a:ext>
+                </a:extLst>
+              </a:tr>
+              <a:tr h="370840">
+                <a:tc>
+                  <a:txBody>
+                    <a:bodyPr/>
+                    <a:lstStyle/>
+                    <a:p>
+                      <a:pPr algn="ctr"/>
+                      <a:r>
+                        <a:rPr lang="en-US">
+                          <a:latin typeface="Times New Roman" panose="02020603050405020304" pitchFamily="18" charset="0"/>
+                          <a:cs typeface="Times New Roman" panose="02020603050405020304" pitchFamily="18" charset="0"/>
+                        </a:rPr>
+                        <a:t>YC1-2</a:t>
+                      </a:r>
+                    </a:p>
+                  </a:txBody>
+                  <a:tcPr/>
+                </a:tc>
+                <a:tc>
+                  <a:txBody>
+                    <a:bodyPr/>
+                    <a:lstStyle/>
+                    <a:p>
+                      <a:pPr algn="ctr"/>
+                      <a:r>
+                        <a:rPr lang="en-US">
+                          <a:latin typeface="Times New Roman" panose="02020603050405020304" pitchFamily="18" charset="0"/>
+                          <a:cs typeface="Times New Roman" panose="02020603050405020304" pitchFamily="18" charset="0"/>
+                        </a:rPr>
+                        <a:t>---</a:t>
+                      </a:r>
+                    </a:p>
+                  </a:txBody>
+                  <a:tcPr/>
+                </a:tc>
+                <a:tc>
+                  <a:txBody>
+                    <a:bodyPr/>
+                    <a:lstStyle/>
+                    <a:p>
+                      <a:pPr algn="ctr"/>
+                      <a:r>
+                        <a:rPr lang="en-US">
+                          <a:latin typeface="Times New Roman" panose="02020603050405020304" pitchFamily="18" charset="0"/>
+                          <a:cs typeface="Times New Roman" panose="02020603050405020304" pitchFamily="18" charset="0"/>
+                        </a:rPr>
+                        <a:t>Hoàn thành</a:t>
+                      </a:r>
+                    </a:p>
+                  </a:txBody>
+                  <a:tcPr/>
+                </a:tc>
+                <a:extLst>
+                  <a:ext uri="{0D108BD9-81ED-4DB2-BD59-A6C34878D82A}">
+                    <a16:rowId xmlns:a16="http://schemas.microsoft.com/office/drawing/2014/main" val="3755525977"/>
+                  </a:ext>
+                </a:extLst>
+              </a:tr>
+              <a:tr h="370840">
+                <a:tc gridSpan="2">
+                  <a:txBody>
+                    <a:bodyPr/>
+                    <a:lstStyle/>
+                    <a:p>
+                      <a:pPr algn="ctr"/>
+                      <a:r>
+                        <a:rPr lang="en-US">
+                          <a:latin typeface="Times New Roman" panose="02020603050405020304" pitchFamily="18" charset="0"/>
+                          <a:cs typeface="Times New Roman" panose="02020603050405020304" pitchFamily="18" charset="0"/>
+                        </a:rPr>
+                        <a:t>Tổng điểm đánh giá</a:t>
+                      </a:r>
+                    </a:p>
+                  </a:txBody>
+                  <a:tcPr/>
+                </a:tc>
+                <a:tc hMerge="1">
+                  <a:txBody>
+                    <a:bodyPr/>
+                    <a:lstStyle/>
+                    <a:p>
+                      <a:pPr algn="ctr"/>
+                      <a:endParaRPr lang="en-US">
+                        <a:latin typeface="Times New Roman" panose="02020603050405020304" pitchFamily="18" charset="0"/>
+                        <a:cs typeface="Times New Roman" panose="02020603050405020304" pitchFamily="18" charset="0"/>
+                      </a:endParaRPr>
+                    </a:p>
+                  </a:txBody>
+                  <a:tcPr/>
+                </a:tc>
+                <a:tc>
+                  <a:txBody>
+                    <a:bodyPr/>
+                    <a:lstStyle/>
+                    <a:p>
+                      <a:pPr algn="ctr"/>
+                      <a:r>
+                        <a:rPr lang="en-US">
+                          <a:latin typeface="Times New Roman" panose="02020603050405020304" pitchFamily="18" charset="0"/>
+                          <a:cs typeface="Times New Roman" panose="02020603050405020304" pitchFamily="18" charset="0"/>
+                        </a:rPr>
+                        <a:t>2 điểm</a:t>
+                      </a:r>
+                    </a:p>
+                  </a:txBody>
+                  <a:tcPr/>
+                </a:tc>
+                <a:extLst>
+                  <a:ext uri="{0D108BD9-81ED-4DB2-BD59-A6C34878D82A}">
+                    <a16:rowId xmlns:a16="http://schemas.microsoft.com/office/drawing/2014/main" val="2170097690"/>
+                  </a:ext>
+                </a:extLst>
+              </a:tr>
+            </a:tbl>
+          </a:graphicData>
+        </a:graphic>
+      </p:graphicFrame>
       <p:sp>
         <p:nvSpPr>
-          <p:cNvPr id="2" name="TextBox 1">
+          <p:cNvPr id="4" name="TextBox 3">
             <a:extLst>
               <a:ext uri="{FF2B5EF4-FFF2-40B4-BE49-F238E27FC236}">
-                <a16:creationId xmlns:a16="http://schemas.microsoft.com/office/drawing/2014/main" id="{30380714-4CD2-9849-80A6-8AC66F97DA6F}"/>
+                <a16:creationId xmlns:a16="http://schemas.microsoft.com/office/drawing/2014/main" id="{459EF129-6740-B341-7BC7-05D580180742}"/>
               </a:ext>
             </a:extLst>
           </p:cNvPr>
@@ -9779,7 +17155,7 @@
         <p:spPr>
           <a:xfrm>
             <a:off x="76200" y="1089327"/>
-            <a:ext cx="1216551" cy="369332"/>
+            <a:ext cx="2159566" cy="369332"/>
           </a:xfrm>
           <a:prstGeom prst="rect">
             <a:avLst/>
@@ -9792,19 +17168,303 @@
           </a:bodyPr>
           <a:lstStyle/>
           <a:p>
-            <a:r>
-              <a:rPr lang="en-US" i="1"/>
-              <a:t>References</a:t>
+            <a:pPr marL="0" marR="0" lvl="0" indent="0" algn="l" defTabSz="457200" rtl="0" eaLnBrk="1" fontAlgn="auto" latinLnBrk="0" hangingPunct="1">
+              <a:lnSpc>
+                <a:spcPct val="100000"/>
+              </a:lnSpc>
+              <a:spcBef>
+                <a:spcPts val="0"/>
+              </a:spcBef>
+              <a:spcAft>
+                <a:spcPts val="0"/>
+              </a:spcAft>
+              <a:buClrTx/>
+              <a:buSzTx/>
+              <a:buFontTx/>
+              <a:buNone/>
+              <a:tabLst/>
+              <a:defRPr/>
+            </a:pPr>
+            <a:r>
+              <a:rPr kumimoji="0" lang="en-US" sz="1800" b="0" i="1" u="none" strike="noStrike" kern="1200" cap="none" spc="0" normalizeH="0" baseline="0" noProof="0">
+                <a:ln>
+                  <a:noFill/>
+                </a:ln>
+                <a:solidFill>
+                  <a:prstClr val="black"/>
+                </a:solidFill>
+                <a:effectLst/>
+                <a:uLnTx/>
+                <a:uFillTx/>
+                <a:latin typeface="Calibri" panose="020F0502020204030204"/>
+                <a:ea typeface="+mn-ea"/>
+                <a:cs typeface="+mn-cs"/>
+              </a:rPr>
+              <a:t>Đánh giá hoàn thành</a:t>
             </a:r>
           </a:p>
         </p:txBody>
       </p:sp>
       <p:cxnSp>
         <p:nvCxnSpPr>
-          <p:cNvPr id="3" name="Straight Connector 2">
+          <p:cNvPr id="2" name="Straight Connector 1">
             <a:extLst>
               <a:ext uri="{FF2B5EF4-FFF2-40B4-BE49-F238E27FC236}">
-                <a16:creationId xmlns:a16="http://schemas.microsoft.com/office/drawing/2014/main" id="{435823BE-9FB1-635E-7F74-DEA50A87D246}"/>
+                <a16:creationId xmlns:a16="http://schemas.microsoft.com/office/drawing/2014/main" id="{7C8A4417-1481-B1E7-23CC-E5C9CAD25F2C}"/>
+              </a:ext>
+            </a:extLst>
+          </p:cNvPr>
+          <p:cNvCxnSpPr>
+            <a:cxnSpLocks/>
+          </p:cNvCxnSpPr>
+          <p:nvPr/>
+        </p:nvCxnSpPr>
+        <p:spPr>
+          <a:xfrm>
+            <a:off x="4752975" y="6238875"/>
+            <a:ext cx="4286250" cy="0"/>
+          </a:xfrm>
+          <a:prstGeom prst="line">
+            <a:avLst/>
+          </a:prstGeom>
+        </p:spPr>
+        <p:style>
+          <a:lnRef idx="1">
+            <a:schemeClr val="accent1"/>
+          </a:lnRef>
+          <a:fillRef idx="0">
+            <a:schemeClr val="accent1"/>
+          </a:fillRef>
+          <a:effectRef idx="0">
+            <a:schemeClr val="accent1"/>
+          </a:effectRef>
+          <a:fontRef idx="minor">
+            <a:schemeClr val="tx1"/>
+          </a:fontRef>
+        </p:style>
+      </p:cxnSp>
+      <p:sp>
+        <p:nvSpPr>
+          <p:cNvPr id="6" name="TextBox 5">
+            <a:extLst>
+              <a:ext uri="{FF2B5EF4-FFF2-40B4-BE49-F238E27FC236}">
+                <a16:creationId xmlns:a16="http://schemas.microsoft.com/office/drawing/2014/main" id="{F6D86575-6F62-E86B-CB8C-67FDEFFD30D6}"/>
+              </a:ext>
+            </a:extLst>
+          </p:cNvPr>
+          <p:cNvSpPr txBox="1"/>
+          <p:nvPr/>
+        </p:nvSpPr>
+        <p:spPr>
+          <a:xfrm>
+            <a:off x="7753350" y="6336334"/>
+            <a:ext cx="1285874" cy="369332"/>
+          </a:xfrm>
+          <a:prstGeom prst="rect">
+            <a:avLst/>
+          </a:prstGeom>
+          <a:noFill/>
+        </p:spPr>
+        <p:txBody>
+          <a:bodyPr wrap="square" rtlCol="0">
+            <a:spAutoFit/>
+          </a:bodyPr>
+          <a:lstStyle/>
+          <a:p>
+            <a:pPr marL="0" marR="0" lvl="0" indent="0" algn="l" defTabSz="457200" rtl="0" eaLnBrk="1" fontAlgn="auto" latinLnBrk="0" hangingPunct="1">
+              <a:lnSpc>
+                <a:spcPct val="100000"/>
+              </a:lnSpc>
+              <a:spcBef>
+                <a:spcPts val="0"/>
+              </a:spcBef>
+              <a:spcAft>
+                <a:spcPts val="0"/>
+              </a:spcAft>
+              <a:buClrTx/>
+              <a:buSzTx/>
+              <a:buFontTx/>
+              <a:buNone/>
+              <a:tabLst/>
+              <a:defRPr/>
+            </a:pPr>
+            <a:r>
+              <a:rPr kumimoji="0" lang="en-US" sz="1800" b="0" i="0" u="none" strike="noStrike" kern="1200" cap="none" spc="0" normalizeH="0" baseline="0" noProof="0">
+                <a:ln>
+                  <a:noFill/>
+                </a:ln>
+                <a:solidFill>
+                  <a:prstClr val="black"/>
+                </a:solidFill>
+                <a:effectLst/>
+                <a:uLnTx/>
+                <a:uFillTx/>
+                <a:latin typeface="Calibri" panose="020F0502020204030204"/>
+                <a:ea typeface="+mn-ea"/>
+                <a:cs typeface="+mn-cs"/>
+              </a:rPr>
+              <a:t>Trang 15</a:t>
+            </a:r>
+          </a:p>
+        </p:txBody>
+      </p:sp>
+    </p:spTree>
+    <p:extLst>
+      <p:ext uri="{BB962C8B-B14F-4D97-AF65-F5344CB8AC3E}">
+        <p14:creationId xmlns:p14="http://schemas.microsoft.com/office/powerpoint/2010/main" val="3245475923"/>
+      </p:ext>
+    </p:extLst>
+  </p:cSld>
+  <p:clrMapOvr>
+    <a:masterClrMapping/>
+  </p:clrMapOvr>
+</p:sld>
+</file>
+
+<file path=ppt/slides/slide8.xml><?xml version="1.0" encoding="utf-8"?>
+<p:sld xmlns:a="http://schemas.openxmlformats.org/drawingml/2006/main" xmlns:r="http://schemas.openxmlformats.org/officeDocument/2006/relationships" xmlns:p="http://schemas.openxmlformats.org/presentationml/2006/main">
+  <p:cSld>
+    <p:spTree>
+      <p:nvGrpSpPr>
+        <p:cNvPr id="1" name=""/>
+        <p:cNvGrpSpPr/>
+        <p:nvPr/>
+      </p:nvGrpSpPr>
+      <p:grpSpPr>
+        <a:xfrm>
+          <a:off x="0" y="0"/>
+          <a:ext cx="0" cy="0"/>
+          <a:chOff x="0" y="0"/>
+          <a:chExt cx="0" cy="0"/>
+        </a:xfrm>
+      </p:grpSpPr>
+      <p:pic>
+        <p:nvPicPr>
+          <p:cNvPr id="1034" name="Picture 10">
+            <a:extLst>
+              <a:ext uri="{FF2B5EF4-FFF2-40B4-BE49-F238E27FC236}">
+                <a16:creationId xmlns:a16="http://schemas.microsoft.com/office/drawing/2014/main" id="{6F72484C-A752-76F3-F259-0A997B815A00}"/>
+              </a:ext>
+            </a:extLst>
+          </p:cNvPr>
+          <p:cNvPicPr>
+            <a:picLocks noChangeAspect="1" noChangeArrowheads="1"/>
+          </p:cNvPicPr>
+          <p:nvPr/>
+        </p:nvPicPr>
+        <p:blipFill>
+          <a:blip r:embed="rId2">
+            <a:extLst>
+              <a:ext uri="{28A0092B-C50C-407E-A947-70E740481C1C}">
+                <a14:useLocalDpi xmlns:a14="http://schemas.microsoft.com/office/drawing/2010/main" val="0"/>
+              </a:ext>
+            </a:extLst>
+          </a:blip>
+          <a:srcRect/>
+          <a:stretch>
+            <a:fillRect/>
+          </a:stretch>
+        </p:blipFill>
+        <p:spPr bwMode="auto">
+          <a:xfrm>
+            <a:off x="76200" y="119063"/>
+            <a:ext cx="1114424" cy="614791"/>
+          </a:xfrm>
+          <a:prstGeom prst="rect">
+            <a:avLst/>
+          </a:prstGeom>
+          <a:noFill/>
+          <a:extLst>
+            <a:ext uri="{909E8E84-426E-40DD-AFC4-6F175D3DCCD1}">
+              <a14:hiddenFill xmlns:a14="http://schemas.microsoft.com/office/drawing/2010/main">
+                <a:solidFill>
+                  <a:srgbClr val="FFFFFF"/>
+                </a:solidFill>
+              </a14:hiddenFill>
+            </a:ext>
+          </a:extLst>
+        </p:spPr>
+      </p:pic>
+      <p:cxnSp>
+        <p:nvCxnSpPr>
+          <p:cNvPr id="11" name="Straight Connector 10">
+            <a:extLst>
+              <a:ext uri="{FF2B5EF4-FFF2-40B4-BE49-F238E27FC236}">
+                <a16:creationId xmlns:a16="http://schemas.microsoft.com/office/drawing/2014/main" id="{E5C4A229-E185-5A4B-53B1-81D591292671}"/>
+              </a:ext>
+            </a:extLst>
+          </p:cNvPr>
+          <p:cNvCxnSpPr>
+            <a:cxnSpLocks/>
+          </p:cNvCxnSpPr>
+          <p:nvPr/>
+        </p:nvCxnSpPr>
+        <p:spPr>
+          <a:xfrm>
+            <a:off x="76200" y="847725"/>
+            <a:ext cx="7648575" cy="0"/>
+          </a:xfrm>
+          <a:prstGeom prst="line">
+            <a:avLst/>
+          </a:prstGeom>
+        </p:spPr>
+        <p:style>
+          <a:lnRef idx="1">
+            <a:schemeClr val="accent1"/>
+          </a:lnRef>
+          <a:fillRef idx="0">
+            <a:schemeClr val="accent1"/>
+          </a:fillRef>
+          <a:effectRef idx="0">
+            <a:schemeClr val="accent1"/>
+          </a:effectRef>
+          <a:fontRef idx="minor">
+            <a:schemeClr val="tx1"/>
+          </a:fontRef>
+        </p:style>
+      </p:cxnSp>
+      <p:sp>
+        <p:nvSpPr>
+          <p:cNvPr id="14" name="TextBox 13">
+            <a:extLst>
+              <a:ext uri="{FF2B5EF4-FFF2-40B4-BE49-F238E27FC236}">
+                <a16:creationId xmlns:a16="http://schemas.microsoft.com/office/drawing/2014/main" id="{63B4AB36-B54A-EA5C-2A74-F2C80BE0CBC4}"/>
+              </a:ext>
+            </a:extLst>
+          </p:cNvPr>
+          <p:cNvSpPr txBox="1"/>
+          <p:nvPr/>
+        </p:nvSpPr>
+        <p:spPr>
+          <a:xfrm>
+            <a:off x="1390650" y="236792"/>
+            <a:ext cx="6362700" cy="369332"/>
+          </a:xfrm>
+          <a:prstGeom prst="rect">
+            <a:avLst/>
+          </a:prstGeom>
+          <a:noFill/>
+        </p:spPr>
+        <p:txBody>
+          <a:bodyPr wrap="square" rtlCol="0">
+            <a:spAutoFit/>
+          </a:bodyPr>
+          <a:lstStyle/>
+          <a:p>
+            <a:r>
+              <a:rPr lang="fr-FR" b="1"/>
+              <a:t>Câu 2 (2.0 điểm): Adversarial Search</a:t>
+            </a:r>
+            <a:endParaRPr lang="en-US" b="1"/>
+          </a:p>
+        </p:txBody>
+      </p:sp>
+      <p:cxnSp>
+        <p:nvCxnSpPr>
+          <p:cNvPr id="2" name="Straight Connector 1">
+            <a:extLst>
+              <a:ext uri="{FF2B5EF4-FFF2-40B4-BE49-F238E27FC236}">
+                <a16:creationId xmlns:a16="http://schemas.microsoft.com/office/drawing/2014/main" id="{AF3ADEA5-03F2-7E56-B6E6-8B6970A896CF}"/>
               </a:ext>
             </a:extLst>
           </p:cNvPr>
@@ -9842,7 +17502,7 @@
           <p:cNvPr id="4" name="TextBox 3">
             <a:extLst>
               <a:ext uri="{FF2B5EF4-FFF2-40B4-BE49-F238E27FC236}">
-                <a16:creationId xmlns:a16="http://schemas.microsoft.com/office/drawing/2014/main" id="{CE933A1E-D43F-BDBC-88C5-FA719398A112}"/>
+                <a16:creationId xmlns:a16="http://schemas.microsoft.com/office/drawing/2014/main" id="{11342279-3B1B-9555-FD5C-CA3839B3D029}"/>
               </a:ext>
             </a:extLst>
           </p:cNvPr>
@@ -9851,8 +17511,8 @@
         </p:nvSpPr>
         <p:spPr>
           <a:xfrm>
-            <a:off x="5524499" y="6336334"/>
-            <a:ext cx="3514725" cy="369332"/>
+            <a:off x="7753350" y="6336334"/>
+            <a:ext cx="1285874" cy="369332"/>
           </a:xfrm>
           <a:prstGeom prst="rect">
             <a:avLst/>
@@ -9866,321 +17526,551 @@
           <a:lstStyle/>
           <a:p>
             <a:r>
-              <a:rPr lang="en-US" b="1" i="1"/>
-              <a:t>AI © 2023 PBL </a:t>
-            </a:r>
-            <a:r>
-              <a:rPr lang="en-US" b="1"/>
-              <a:t>		</a:t>
-            </a:r>
-            <a:r>
               <a:rPr lang="en-US"/>
-              <a:t>Trang 28</a:t>
+              <a:t>Trang 4</a:t>
             </a:r>
           </a:p>
         </p:txBody>
       </p:sp>
-      <p:graphicFrame>
-        <p:nvGraphicFramePr>
-          <p:cNvPr id="7" name="Table 7">
+      <p:sp>
+        <p:nvSpPr>
+          <p:cNvPr id="5" name="TextBox 4">
             <a:extLst>
               <a:ext uri="{FF2B5EF4-FFF2-40B4-BE49-F238E27FC236}">
-                <a16:creationId xmlns:a16="http://schemas.microsoft.com/office/drawing/2014/main" id="{B54C5B81-FA74-EF54-364C-2501CA6C224F}"/>
+                <a16:creationId xmlns:a16="http://schemas.microsoft.com/office/drawing/2014/main" id="{2FD009FE-CA5C-D5A4-E99D-1E506F763D1C}"/>
               </a:ext>
             </a:extLst>
           </p:cNvPr>
-          <p:cNvGraphicFramePr>
-            <a:graphicFrameLocks noGrp="1"/>
-          </p:cNvGraphicFramePr>
-          <p:nvPr>
-            <p:extLst>
-              <p:ext uri="{D42A27DB-BD31-4B8C-83A1-F6EECF244321}">
-                <p14:modId xmlns:p14="http://schemas.microsoft.com/office/powerpoint/2010/main" val="825397718"/>
-              </p:ext>
-            </p:extLst>
-          </p:nvPr>
-        </p:nvGraphicFramePr>
-        <p:xfrm>
-          <a:off x="76200" y="1700260"/>
-          <a:ext cx="8805705" cy="2763520"/>
-        </p:xfrm>
-        <a:graphic>
-          <a:graphicData uri="http://schemas.openxmlformats.org/drawingml/2006/table">
-            <a:tbl>
-              <a:tblPr firstRow="1" bandRow="1">
-                <a:tableStyleId>{5C22544A-7EE6-4342-B048-85BDC9FD1C3A}</a:tableStyleId>
-              </a:tblPr>
-              <a:tblGrid>
-                <a:gridCol w="687040">
-                  <a:extLst>
-                    <a:ext uri="{9D8B030D-6E8A-4147-A177-3AD203B41FA5}">
-                      <a16:colId xmlns:a16="http://schemas.microsoft.com/office/drawing/2014/main" val="2305991631"/>
-                    </a:ext>
-                  </a:extLst>
-                </a:gridCol>
-                <a:gridCol w="8118665">
-                  <a:extLst>
-                    <a:ext uri="{9D8B030D-6E8A-4147-A177-3AD203B41FA5}">
-                      <a16:colId xmlns:a16="http://schemas.microsoft.com/office/drawing/2014/main" val="2814521867"/>
-                    </a:ext>
-                  </a:extLst>
-                </a:gridCol>
-              </a:tblGrid>
-              <a:tr h="370840">
-                <a:tc gridSpan="2">
-                  <a:txBody>
-                    <a:bodyPr/>
-                    <a:lstStyle/>
-                    <a:p>
-                      <a:r>
-                        <a:rPr lang="en-US" b="0">
-                          <a:solidFill>
-                            <a:schemeClr val="tx1"/>
-                          </a:solidFill>
-                        </a:rPr>
-                        <a:t>Book</a:t>
-                      </a:r>
-                    </a:p>
-                  </a:txBody>
-                  <a:tcPr>
-                    <a:noFill/>
-                  </a:tcPr>
-                </a:tc>
-                <a:tc hMerge="1">
-                  <a:txBody>
-                    <a:bodyPr/>
-                    <a:lstStyle/>
-                    <a:p>
-                      <a:endParaRPr lang="en-US"/>
-                    </a:p>
-                  </a:txBody>
-                  <a:tcPr>
-                    <a:solidFill>
-                      <a:schemeClr val="bg1">
-                        <a:lumMod val="95000"/>
-                      </a:schemeClr>
-                    </a:solidFill>
-                  </a:tcPr>
-                </a:tc>
-                <a:extLst>
-                  <a:ext uri="{0D108BD9-81ED-4DB2-BD59-A6C34878D82A}">
-                    <a16:rowId xmlns:a16="http://schemas.microsoft.com/office/drawing/2014/main" val="3660921552"/>
-                  </a:ext>
-                </a:extLst>
-              </a:tr>
-              <a:tr h="370840">
-                <a:tc>
-                  <a:txBody>
-                    <a:bodyPr/>
-                    <a:lstStyle/>
-                    <a:p>
-                      <a:pPr algn="ctr"/>
-                      <a:r>
-                        <a:rPr lang="en-US"/>
-                        <a:t>[1]</a:t>
-                      </a:r>
-                    </a:p>
-                  </a:txBody>
-                  <a:tcPr>
-                    <a:noFill/>
-                  </a:tcPr>
-                </a:tc>
-                <a:tc>
-                  <a:txBody>
-                    <a:bodyPr/>
-                    <a:lstStyle/>
-                    <a:p>
-                      <a:pPr algn="just"/>
-                      <a:r>
-                        <a:rPr lang="en-US" i="1"/>
-                        <a:t>Stuart Russell, Peter Norvig. Artificial Intelligence : A Modern Approach, 2</a:t>
-                      </a:r>
-                      <a:r>
-                        <a:rPr lang="en-US" i="1" baseline="30000"/>
-                        <a:t>nd</a:t>
-                      </a:r>
-                      <a:r>
-                        <a:rPr lang="en-US" i="1"/>
-                        <a:t> edition. New Jersey, McGraw-Hill, 2005</a:t>
-                      </a:r>
-                      <a:endParaRPr lang="en-US"/>
-                    </a:p>
-                  </a:txBody>
-                  <a:tcPr>
-                    <a:noFill/>
-                  </a:tcPr>
-                </a:tc>
-                <a:extLst>
-                  <a:ext uri="{0D108BD9-81ED-4DB2-BD59-A6C34878D82A}">
-                    <a16:rowId xmlns:a16="http://schemas.microsoft.com/office/drawing/2014/main" val="2486402250"/>
-                  </a:ext>
-                </a:extLst>
-              </a:tr>
-              <a:tr h="370840">
-                <a:tc>
-                  <a:txBody>
-                    <a:bodyPr/>
-                    <a:lstStyle/>
-                    <a:p>
-                      <a:pPr algn="ctr"/>
-                      <a:r>
-                        <a:rPr lang="en-US"/>
-                        <a:t>[2]</a:t>
-                      </a:r>
-                    </a:p>
-                  </a:txBody>
-                  <a:tcPr>
-                    <a:noFill/>
-                  </a:tcPr>
-                </a:tc>
-                <a:tc>
-                  <a:txBody>
-                    <a:bodyPr/>
-                    <a:lstStyle/>
-                    <a:p>
-                      <a:pPr algn="just"/>
-                      <a:r>
-                        <a:rPr lang="en-US"/>
-                        <a:t>Tom Mitchell. Machine Learning. New York, McGraw-Hill, 1997.</a:t>
-                      </a:r>
-                    </a:p>
-                  </a:txBody>
-                  <a:tcPr>
-                    <a:noFill/>
-                  </a:tcPr>
-                </a:tc>
-                <a:extLst>
-                  <a:ext uri="{0D108BD9-81ED-4DB2-BD59-A6C34878D82A}">
-                    <a16:rowId xmlns:a16="http://schemas.microsoft.com/office/drawing/2014/main" val="1501445591"/>
-                  </a:ext>
-                </a:extLst>
-              </a:tr>
-              <a:tr h="370840">
-                <a:tc>
-                  <a:txBody>
-                    <a:bodyPr/>
-                    <a:lstStyle/>
-                    <a:p>
-                      <a:pPr algn="ctr"/>
-                      <a:r>
-                        <a:rPr lang="en-US"/>
-                        <a:t>[3]</a:t>
-                      </a:r>
-                    </a:p>
-                  </a:txBody>
-                  <a:tcPr>
-                    <a:noFill/>
-                  </a:tcPr>
-                </a:tc>
-                <a:tc>
-                  <a:txBody>
-                    <a:bodyPr/>
-                    <a:lstStyle/>
-                    <a:p>
-                      <a:pPr algn="just"/>
-                      <a:r>
-                        <a:rPr lang="en-US"/>
-                        <a:t>Manning and Schuetze, Foundations of Statistical Natural Language Processing, MIT Press. Cambridge, MA, 1999.</a:t>
-                      </a:r>
-                    </a:p>
-                  </a:txBody>
-                  <a:tcPr>
-                    <a:noFill/>
-                  </a:tcPr>
-                </a:tc>
-                <a:extLst>
-                  <a:ext uri="{0D108BD9-81ED-4DB2-BD59-A6C34878D82A}">
-                    <a16:rowId xmlns:a16="http://schemas.microsoft.com/office/drawing/2014/main" val="4097671691"/>
-                  </a:ext>
-                </a:extLst>
-              </a:tr>
-              <a:tr h="370840">
-                <a:tc gridSpan="2">
-                  <a:txBody>
-                    <a:bodyPr/>
-                    <a:lstStyle/>
-                    <a:p>
-                      <a:pPr algn="l"/>
-                      <a:r>
-                        <a:rPr lang="en-US"/>
-                        <a:t>Website</a:t>
-                      </a:r>
-                    </a:p>
-                  </a:txBody>
-                  <a:tcPr>
-                    <a:noFill/>
-                  </a:tcPr>
-                </a:tc>
-                <a:tc hMerge="1">
-                  <a:txBody>
-                    <a:bodyPr/>
-                    <a:lstStyle/>
-                    <a:p>
-                      <a:pPr algn="just"/>
-                      <a:endParaRPr lang="en-US"/>
-                    </a:p>
-                  </a:txBody>
-                  <a:tcPr>
-                    <a:solidFill>
-                      <a:schemeClr val="bg1">
-                        <a:lumMod val="95000"/>
-                      </a:schemeClr>
-                    </a:solidFill>
-                  </a:tcPr>
-                </a:tc>
-                <a:extLst>
-                  <a:ext uri="{0D108BD9-81ED-4DB2-BD59-A6C34878D82A}">
-                    <a16:rowId xmlns:a16="http://schemas.microsoft.com/office/drawing/2014/main" val="3803879496"/>
-                  </a:ext>
-                </a:extLst>
-              </a:tr>
-              <a:tr h="370840">
-                <a:tc>
-                  <a:txBody>
-                    <a:bodyPr/>
-                    <a:lstStyle/>
-                    <a:p>
-                      <a:pPr algn="ctr"/>
-                      <a:r>
-                        <a:rPr lang="en-US"/>
-                        <a:t>[1]</a:t>
-                      </a:r>
-                    </a:p>
-                  </a:txBody>
-                  <a:tcPr>
-                    <a:noFill/>
-                  </a:tcPr>
-                </a:tc>
-                <a:tc>
-                  <a:txBody>
-                    <a:bodyPr/>
-                    <a:lstStyle/>
-                    <a:p>
-                      <a:pPr algn="just"/>
-                      <a:r>
-                        <a:rPr lang="en-US"/>
-                        <a:t>sakai.it.tdt.edu.vn</a:t>
-                      </a:r>
-                    </a:p>
-                  </a:txBody>
-                  <a:tcPr>
-                    <a:noFill/>
-                  </a:tcPr>
-                </a:tc>
-                <a:extLst>
-                  <a:ext uri="{0D108BD9-81ED-4DB2-BD59-A6C34878D82A}">
-                    <a16:rowId xmlns:a16="http://schemas.microsoft.com/office/drawing/2014/main" val="4097059838"/>
-                  </a:ext>
-                </a:extLst>
-              </a:tr>
-            </a:tbl>
-          </a:graphicData>
-        </a:graphic>
-      </p:graphicFrame>
+          <p:cNvSpPr txBox="1"/>
+          <p:nvPr/>
+        </p:nvSpPr>
+        <p:spPr>
+          <a:xfrm>
+            <a:off x="304800" y="1228725"/>
+            <a:ext cx="5210175" cy="369332"/>
+          </a:xfrm>
+          <a:prstGeom prst="rect">
+            <a:avLst/>
+          </a:prstGeom>
+          <a:noFill/>
+        </p:spPr>
+        <p:txBody>
+          <a:bodyPr wrap="square" rtlCol="0">
+            <a:spAutoFit/>
+          </a:bodyPr>
+          <a:lstStyle/>
+          <a:p>
+            <a:r>
+              <a:rPr lang="en-US"/>
+              <a:t>YC2.1</a:t>
+            </a:r>
+          </a:p>
+        </p:txBody>
+      </p:sp>
+      <p:sp>
+        <p:nvSpPr>
+          <p:cNvPr id="3" name="TextBox 2">
+            <a:extLst>
+              <a:ext uri="{FF2B5EF4-FFF2-40B4-BE49-F238E27FC236}">
+                <a16:creationId xmlns:a16="http://schemas.microsoft.com/office/drawing/2014/main" id="{99E5E634-12BA-9584-7604-34E90EF91282}"/>
+              </a:ext>
+            </a:extLst>
+          </p:cNvPr>
+          <p:cNvSpPr txBox="1"/>
+          <p:nvPr/>
+        </p:nvSpPr>
+        <p:spPr>
+          <a:xfrm>
+            <a:off x="700819" y="1748583"/>
+            <a:ext cx="7742361" cy="3293209"/>
+          </a:xfrm>
+          <a:prstGeom prst="rect">
+            <a:avLst/>
+          </a:prstGeom>
+          <a:noFill/>
+        </p:spPr>
+        <p:txBody>
+          <a:bodyPr wrap="square" rtlCol="0">
+            <a:spAutoFit/>
+          </a:bodyPr>
+          <a:lstStyle/>
+          <a:p>
+            <a:pPr algn="just">
+              <a:buFont typeface="+mj-lt"/>
+              <a:buAutoNum type="arabicPeriod"/>
+            </a:pPr>
+            <a:r>
+              <a:rPr lang="vi-VN" sz="1300" b="0" i="0">
+                <a:effectLst/>
+                <a:latin typeface="Consolas" panose="020B0609020204030204" pitchFamily="49" charset="0"/>
+              </a:rPr>
+              <a:t>Mở với tên tệp đã cho để đọc.</a:t>
+            </a:r>
+          </a:p>
+          <a:p>
+            <a:pPr algn="just">
+              <a:buFont typeface="+mj-lt"/>
+              <a:buAutoNum type="arabicPeriod"/>
+            </a:pPr>
+            <a:r>
+              <a:rPr lang="vi-VN" sz="1300" b="0" i="0">
+                <a:effectLst/>
+                <a:latin typeface="Consolas" panose="020B0609020204030204" pitchFamily="49" charset="0"/>
+              </a:rPr>
+              <a:t>Đọc dòng đầu tiên của tệp và gán giá trị cho e và l tương ứng.</a:t>
+            </a:r>
+          </a:p>
+          <a:p>
+            <a:pPr algn="just">
+              <a:buFont typeface="+mj-lt"/>
+              <a:buAutoNum type="arabicPeriod"/>
+            </a:pPr>
+            <a:r>
+              <a:rPr lang="vi-VN" sz="1300" b="0" i="0">
+                <a:effectLst/>
+                <a:latin typeface="Consolas" panose="020B0609020204030204" pitchFamily="49" charset="0"/>
+              </a:rPr>
+              <a:t>Khởi tạo một từ điển trống có tên là nodes_dict.</a:t>
+            </a:r>
+          </a:p>
+          <a:p>
+            <a:pPr algn="just">
+              <a:buFont typeface="+mj-lt"/>
+              <a:buAutoNum type="arabicPeriod"/>
+            </a:pPr>
+            <a:r>
+              <a:rPr lang="vi-VN" sz="1300" b="0" i="0">
+                <a:effectLst/>
+                <a:latin typeface="Consolas" panose="020B0609020204030204" pitchFamily="49" charset="0"/>
+              </a:rPr>
+              <a:t>Đối với tôi trong phạm vi (e), hãy làm như sau: </a:t>
+            </a:r>
+            <a:br>
+              <a:rPr lang="en-US" sz="1300" b="0" i="0">
+                <a:effectLst/>
+                <a:latin typeface="Consolas" panose="020B0609020204030204" pitchFamily="49" charset="0"/>
+              </a:rPr>
+            </a:br>
+            <a:r>
+              <a:rPr lang="en-US" sz="1300" b="0" i="0">
+                <a:effectLst/>
+                <a:latin typeface="Consolas" panose="020B0609020204030204" pitchFamily="49" charset="0"/>
+              </a:rPr>
+              <a:t>	</a:t>
+            </a:r>
+            <a:r>
+              <a:rPr lang="vi-VN" sz="1300" b="0" i="0">
+                <a:effectLst/>
+                <a:latin typeface="Consolas" panose="020B0609020204030204" pitchFamily="49" charset="0"/>
+              </a:rPr>
+              <a:t>a. Đọc dòng tiếp theo của tệp và chia thành a và b. </a:t>
+            </a:r>
+            <a:br>
+              <a:rPr lang="en-US" sz="1300" b="0" i="0">
+                <a:effectLst/>
+                <a:latin typeface="Consolas" panose="020B0609020204030204" pitchFamily="49" charset="0"/>
+              </a:rPr>
+            </a:br>
+            <a:r>
+              <a:rPr lang="en-US" sz="1300" b="0" i="0">
+                <a:effectLst/>
+                <a:latin typeface="Consolas" panose="020B0609020204030204" pitchFamily="49" charset="0"/>
+              </a:rPr>
+              <a:t>	</a:t>
+            </a:r>
+            <a:r>
+              <a:rPr lang="vi-VN" sz="1300" b="0" i="0">
+                <a:effectLst/>
+                <a:latin typeface="Consolas" panose="020B0609020204030204" pitchFamily="49" charset="0"/>
+              </a:rPr>
+              <a:t>b. Nếu a chưa phải là khóa trong nodes_dict, hãy thêm nó làm khóa mới với giá trị Node(a). c. Nếu b chưa phải là khóa trong nodes_dict, hãy thêm nó làm khóa mới với giá trị Node(b). d. Nối giá trị của nodes_dict[b] vào danh sách kế vị của nodes_dict[a].</a:t>
+            </a:r>
+          </a:p>
+          <a:p>
+            <a:pPr algn="just">
+              <a:buFont typeface="+mj-lt"/>
+              <a:buAutoNum type="arabicPeriod"/>
+            </a:pPr>
+            <a:r>
+              <a:rPr lang="vi-VN" sz="1300" b="0" i="0">
+                <a:effectLst/>
+                <a:latin typeface="Consolas" panose="020B0609020204030204" pitchFamily="49" charset="0"/>
+              </a:rPr>
+              <a:t>Đối với tôi trong phạm vi (l), hãy làm như sau: a. Đọc dòng tiếp theo của tệp và chia nó thành nút và giá trị. b. Đặt giá trị của nodes_dict[node] thành int(value).</a:t>
+            </a:r>
+          </a:p>
+          <a:p>
+            <a:pPr algn="just">
+              <a:buFont typeface="+mj-lt"/>
+              <a:buAutoNum type="arabicPeriod"/>
+            </a:pPr>
+            <a:r>
+              <a:rPr lang="vi-VN" sz="1300" b="0" i="0">
+                <a:effectLst/>
+                <a:latin typeface="Consolas" panose="020B0609020204030204" pitchFamily="49" charset="0"/>
+              </a:rPr>
+              <a:t>Đặt self.root thành nodes_dict["n00"].</a:t>
+            </a:r>
+          </a:p>
+          <a:p>
+            <a:pPr algn="just">
+              <a:buFont typeface="+mj-lt"/>
+              <a:buAutoNum type="arabicPeriod"/>
+            </a:pPr>
+            <a:r>
+              <a:rPr lang="vi-VN" sz="1300" b="0" i="0">
+                <a:effectLst/>
+                <a:latin typeface="Consolas" panose="020B0609020204030204" pitchFamily="49" charset="0"/>
+              </a:rPr>
+              <a:t>Đặt self.terminalStates thành một cách hiểu từ điển để lọc ra các nút có người kế vị và tạo một từ điển ánh xạ số nhận dạng của chúng với giá trị của chúng.</a:t>
+            </a:r>
+          </a:p>
+          <a:p>
+            <a:pPr algn="just">
+              <a:buFont typeface="+mj-lt"/>
+              <a:buAutoNum type="arabicPeriod"/>
+            </a:pPr>
+            <a:r>
+              <a:rPr lang="vi-VN" sz="1300" b="0" i="0">
+                <a:effectLst/>
+                <a:latin typeface="Consolas" panose="020B0609020204030204" pitchFamily="49" charset="0"/>
+              </a:rPr>
+              <a:t>Đặt self.successors thành một cách hiểu từ điển để ánh xạ từng nút trong nodes_dict vào danh sách kế vị của nó.</a:t>
+            </a:r>
+            <a:endParaRPr lang="en-US" sz="1300">
+              <a:latin typeface="Consolas" panose="020B0609020204030204" pitchFamily="49" charset="0"/>
+            </a:endParaRPr>
+          </a:p>
+        </p:txBody>
+      </p:sp>
     </p:spTree>
     <p:extLst>
       <p:ext uri="{BB962C8B-B14F-4D97-AF65-F5344CB8AC3E}">
-        <p14:creationId xmlns:p14="http://schemas.microsoft.com/office/powerpoint/2010/main" val="610409002"/>
+        <p14:creationId xmlns:p14="http://schemas.microsoft.com/office/powerpoint/2010/main" val="2606626882"/>
+      </p:ext>
+    </p:extLst>
+  </p:cSld>
+  <p:clrMapOvr>
+    <a:masterClrMapping/>
+  </p:clrMapOvr>
+</p:sld>
+</file>
+
+<file path=ppt/slides/slide9.xml><?xml version="1.0" encoding="utf-8"?>
+<p:sld xmlns:a="http://schemas.openxmlformats.org/drawingml/2006/main" xmlns:r="http://schemas.openxmlformats.org/officeDocument/2006/relationships" xmlns:p="http://schemas.openxmlformats.org/presentationml/2006/main">
+  <p:cSld>
+    <p:spTree>
+      <p:nvGrpSpPr>
+        <p:cNvPr id="1" name=""/>
+        <p:cNvGrpSpPr/>
+        <p:nvPr/>
+      </p:nvGrpSpPr>
+      <p:grpSpPr>
+        <a:xfrm>
+          <a:off x="0" y="0"/>
+          <a:ext cx="0" cy="0"/>
+          <a:chOff x="0" y="0"/>
+          <a:chExt cx="0" cy="0"/>
+        </a:xfrm>
+      </p:grpSpPr>
+      <p:pic>
+        <p:nvPicPr>
+          <p:cNvPr id="1034" name="Picture 10">
+            <a:extLst>
+              <a:ext uri="{FF2B5EF4-FFF2-40B4-BE49-F238E27FC236}">
+                <a16:creationId xmlns:a16="http://schemas.microsoft.com/office/drawing/2014/main" id="{6F72484C-A752-76F3-F259-0A997B815A00}"/>
+              </a:ext>
+            </a:extLst>
+          </p:cNvPr>
+          <p:cNvPicPr>
+            <a:picLocks noChangeAspect="1" noChangeArrowheads="1"/>
+          </p:cNvPicPr>
+          <p:nvPr/>
+        </p:nvPicPr>
+        <p:blipFill>
+          <a:blip r:embed="rId2">
+            <a:extLst>
+              <a:ext uri="{28A0092B-C50C-407E-A947-70E740481C1C}">
+                <a14:useLocalDpi xmlns:a14="http://schemas.microsoft.com/office/drawing/2010/main" val="0"/>
+              </a:ext>
+            </a:extLst>
+          </a:blip>
+          <a:srcRect/>
+          <a:stretch>
+            <a:fillRect/>
+          </a:stretch>
+        </p:blipFill>
+        <p:spPr bwMode="auto">
+          <a:xfrm>
+            <a:off x="76200" y="119063"/>
+            <a:ext cx="1114424" cy="614791"/>
+          </a:xfrm>
+          <a:prstGeom prst="rect">
+            <a:avLst/>
+          </a:prstGeom>
+          <a:noFill/>
+          <a:extLst>
+            <a:ext uri="{909E8E84-426E-40DD-AFC4-6F175D3DCCD1}">
+              <a14:hiddenFill xmlns:a14="http://schemas.microsoft.com/office/drawing/2010/main">
+                <a:solidFill>
+                  <a:srgbClr val="FFFFFF"/>
+                </a:solidFill>
+              </a14:hiddenFill>
+            </a:ext>
+          </a:extLst>
+        </p:spPr>
+      </p:pic>
+      <p:cxnSp>
+        <p:nvCxnSpPr>
+          <p:cNvPr id="11" name="Straight Connector 10">
+            <a:extLst>
+              <a:ext uri="{FF2B5EF4-FFF2-40B4-BE49-F238E27FC236}">
+                <a16:creationId xmlns:a16="http://schemas.microsoft.com/office/drawing/2014/main" id="{E5C4A229-E185-5A4B-53B1-81D591292671}"/>
+              </a:ext>
+            </a:extLst>
+          </p:cNvPr>
+          <p:cNvCxnSpPr>
+            <a:cxnSpLocks/>
+          </p:cNvCxnSpPr>
+          <p:nvPr/>
+        </p:nvCxnSpPr>
+        <p:spPr>
+          <a:xfrm>
+            <a:off x="76200" y="847725"/>
+            <a:ext cx="7648575" cy="0"/>
+          </a:xfrm>
+          <a:prstGeom prst="line">
+            <a:avLst/>
+          </a:prstGeom>
+        </p:spPr>
+        <p:style>
+          <a:lnRef idx="1">
+            <a:schemeClr val="accent1"/>
+          </a:lnRef>
+          <a:fillRef idx="0">
+            <a:schemeClr val="accent1"/>
+          </a:fillRef>
+          <a:effectRef idx="0">
+            <a:schemeClr val="accent1"/>
+          </a:effectRef>
+          <a:fontRef idx="minor">
+            <a:schemeClr val="tx1"/>
+          </a:fontRef>
+        </p:style>
+      </p:cxnSp>
+      <p:sp>
+        <p:nvSpPr>
+          <p:cNvPr id="14" name="TextBox 13">
+            <a:extLst>
+              <a:ext uri="{FF2B5EF4-FFF2-40B4-BE49-F238E27FC236}">
+                <a16:creationId xmlns:a16="http://schemas.microsoft.com/office/drawing/2014/main" id="{63B4AB36-B54A-EA5C-2A74-F2C80BE0CBC4}"/>
+              </a:ext>
+            </a:extLst>
+          </p:cNvPr>
+          <p:cNvSpPr txBox="1"/>
+          <p:nvPr/>
+        </p:nvSpPr>
+        <p:spPr>
+          <a:xfrm>
+            <a:off x="1390650" y="236792"/>
+            <a:ext cx="6362700" cy="369332"/>
+          </a:xfrm>
+          <a:prstGeom prst="rect">
+            <a:avLst/>
+          </a:prstGeom>
+          <a:noFill/>
+        </p:spPr>
+        <p:txBody>
+          <a:bodyPr wrap="square" rtlCol="0">
+            <a:spAutoFit/>
+          </a:bodyPr>
+          <a:lstStyle/>
+          <a:p>
+            <a:r>
+              <a:rPr lang="fr-FR" b="1"/>
+              <a:t>Câu 2 (2.0 điểm): Adversarial Search</a:t>
+            </a:r>
+            <a:endParaRPr lang="en-US" b="1"/>
+          </a:p>
+        </p:txBody>
+      </p:sp>
+      <p:cxnSp>
+        <p:nvCxnSpPr>
+          <p:cNvPr id="2" name="Straight Connector 1">
+            <a:extLst>
+              <a:ext uri="{FF2B5EF4-FFF2-40B4-BE49-F238E27FC236}">
+                <a16:creationId xmlns:a16="http://schemas.microsoft.com/office/drawing/2014/main" id="{AF3ADEA5-03F2-7E56-B6E6-8B6970A896CF}"/>
+              </a:ext>
+            </a:extLst>
+          </p:cNvPr>
+          <p:cNvCxnSpPr>
+            <a:cxnSpLocks/>
+          </p:cNvCxnSpPr>
+          <p:nvPr/>
+        </p:nvCxnSpPr>
+        <p:spPr>
+          <a:xfrm>
+            <a:off x="4752975" y="6238875"/>
+            <a:ext cx="4286250" cy="0"/>
+          </a:xfrm>
+          <a:prstGeom prst="line">
+            <a:avLst/>
+          </a:prstGeom>
+        </p:spPr>
+        <p:style>
+          <a:lnRef idx="1">
+            <a:schemeClr val="accent1"/>
+          </a:lnRef>
+          <a:fillRef idx="0">
+            <a:schemeClr val="accent1"/>
+          </a:fillRef>
+          <a:effectRef idx="0">
+            <a:schemeClr val="accent1"/>
+          </a:effectRef>
+          <a:fontRef idx="minor">
+            <a:schemeClr val="tx1"/>
+          </a:fontRef>
+        </p:style>
+      </p:cxnSp>
+      <p:sp>
+        <p:nvSpPr>
+          <p:cNvPr id="4" name="TextBox 3">
+            <a:extLst>
+              <a:ext uri="{FF2B5EF4-FFF2-40B4-BE49-F238E27FC236}">
+                <a16:creationId xmlns:a16="http://schemas.microsoft.com/office/drawing/2014/main" id="{11342279-3B1B-9555-FD5C-CA3839B3D029}"/>
+              </a:ext>
+            </a:extLst>
+          </p:cNvPr>
+          <p:cNvSpPr txBox="1"/>
+          <p:nvPr/>
+        </p:nvSpPr>
+        <p:spPr>
+          <a:xfrm>
+            <a:off x="7753350" y="6336334"/>
+            <a:ext cx="1285874" cy="369332"/>
+          </a:xfrm>
+          <a:prstGeom prst="rect">
+            <a:avLst/>
+          </a:prstGeom>
+          <a:noFill/>
+        </p:spPr>
+        <p:txBody>
+          <a:bodyPr wrap="square" rtlCol="0">
+            <a:spAutoFit/>
+          </a:bodyPr>
+          <a:lstStyle/>
+          <a:p>
+            <a:r>
+              <a:rPr lang="en-US"/>
+              <a:t>Trang 4</a:t>
+            </a:r>
+          </a:p>
+        </p:txBody>
+      </p:sp>
+      <p:sp>
+        <p:nvSpPr>
+          <p:cNvPr id="5" name="TextBox 4">
+            <a:extLst>
+              <a:ext uri="{FF2B5EF4-FFF2-40B4-BE49-F238E27FC236}">
+                <a16:creationId xmlns:a16="http://schemas.microsoft.com/office/drawing/2014/main" id="{2FD009FE-CA5C-D5A4-E99D-1E506F763D1C}"/>
+              </a:ext>
+            </a:extLst>
+          </p:cNvPr>
+          <p:cNvSpPr txBox="1"/>
+          <p:nvPr/>
+        </p:nvSpPr>
+        <p:spPr>
+          <a:xfrm>
+            <a:off x="304800" y="1228725"/>
+            <a:ext cx="5210175" cy="369332"/>
+          </a:xfrm>
+          <a:prstGeom prst="rect">
+            <a:avLst/>
+          </a:prstGeom>
+          <a:noFill/>
+        </p:spPr>
+        <p:txBody>
+          <a:bodyPr wrap="square" rtlCol="0">
+            <a:spAutoFit/>
+          </a:bodyPr>
+          <a:lstStyle/>
+          <a:p>
+            <a:r>
+              <a:rPr lang="en-US"/>
+              <a:t>YC2.2</a:t>
+            </a:r>
+          </a:p>
+        </p:txBody>
+      </p:sp>
+      <p:pic>
+        <p:nvPicPr>
+          <p:cNvPr id="7" name="Picture 6">
+            <a:extLst>
+              <a:ext uri="{FF2B5EF4-FFF2-40B4-BE49-F238E27FC236}">
+                <a16:creationId xmlns:a16="http://schemas.microsoft.com/office/drawing/2014/main" id="{0FDF7036-65F5-81CA-0C41-46981E048379}"/>
+              </a:ext>
+            </a:extLst>
+          </p:cNvPr>
+          <p:cNvPicPr>
+            <a:picLocks noChangeAspect="1"/>
+          </p:cNvPicPr>
+          <p:nvPr/>
+        </p:nvPicPr>
+        <p:blipFill>
+          <a:blip r:embed="rId3"/>
+          <a:stretch>
+            <a:fillRect/>
+          </a:stretch>
+        </p:blipFill>
+        <p:spPr>
+          <a:xfrm>
+            <a:off x="2129896" y="1867255"/>
+            <a:ext cx="4884208" cy="1300879"/>
+          </a:xfrm>
+          <a:prstGeom prst="rect">
+            <a:avLst/>
+          </a:prstGeom>
+        </p:spPr>
+      </p:pic>
+      <p:sp>
+        <p:nvSpPr>
+          <p:cNvPr id="8" name="TextBox 7">
+            <a:extLst>
+              <a:ext uri="{FF2B5EF4-FFF2-40B4-BE49-F238E27FC236}">
+                <a16:creationId xmlns:a16="http://schemas.microsoft.com/office/drawing/2014/main" id="{FE5D4E40-17C8-086B-12F6-4368FAD8DA16}"/>
+              </a:ext>
+            </a:extLst>
+          </p:cNvPr>
+          <p:cNvSpPr txBox="1"/>
+          <p:nvPr/>
+        </p:nvSpPr>
+        <p:spPr>
+          <a:xfrm>
+            <a:off x="3596123" y="3437332"/>
+            <a:ext cx="1951753" cy="369332"/>
+          </a:xfrm>
+          <a:prstGeom prst="rect">
+            <a:avLst/>
+          </a:prstGeom>
+          <a:noFill/>
+        </p:spPr>
+        <p:txBody>
+          <a:bodyPr wrap="none" rtlCol="0">
+            <a:spAutoFit/>
+          </a:bodyPr>
+          <a:lstStyle/>
+          <a:p>
+            <a:r>
+              <a:rPr lang="en-US" i="1"/>
+              <a:t>Cài đặt hàm print()</a:t>
+            </a:r>
+          </a:p>
+        </p:txBody>
+      </p:sp>
+    </p:spTree>
+    <p:extLst>
+      <p:ext uri="{BB962C8B-B14F-4D97-AF65-F5344CB8AC3E}">
+        <p14:creationId xmlns:p14="http://schemas.microsoft.com/office/powerpoint/2010/main" val="245947029"/>
       </p:ext>
     </p:extLst>
   </p:cSld>

--- a/present/final/presentation.pptx
+++ b/present/final/presentation.pptx
@@ -148,2051 +148,6 @@
 <file path=ppt/changesInfos/changesInfo1.xml><?xml version="1.0" encoding="utf-8"?>
 <pc:chgInfo xmlns:a="http://schemas.openxmlformats.org/drawingml/2006/main" xmlns:r="http://schemas.openxmlformats.org/officeDocument/2006/relationships" xmlns:ac="http://schemas.microsoft.com/office/drawing/2013/main/command" xmlns:pc="http://schemas.microsoft.com/office/powerpoint/2013/main/command">
   <pc:docChgLst>
-    <pc:chgData name="Trung Nghia Nguyen" userId="caf0b1f78d203fdc" providerId="LiveId" clId="{FA98E611-7EE5-4D53-A8F6-A8478DA16B0D}"/>
-    <pc:docChg chg="undo custSel addSld delSld modSld sldOrd modMainMaster modNotesMaster">
-      <pc:chgData name="Trung Nghia Nguyen" userId="caf0b1f78d203fdc" providerId="LiveId" clId="{FA98E611-7EE5-4D53-A8F6-A8478DA16B0D}" dt="2023-03-20T07:19:32.351" v="7035" actId="20577"/>
-      <pc:docMkLst>
-        <pc:docMk/>
-      </pc:docMkLst>
-      <pc:sldChg chg="addSp delSp modSp new mod">
-        <pc:chgData name="Trung Nghia Nguyen" userId="caf0b1f78d203fdc" providerId="LiveId" clId="{FA98E611-7EE5-4D53-A8F6-A8478DA16B0D}" dt="2023-03-20T02:03:15.660" v="4804" actId="20577"/>
-        <pc:sldMkLst>
-          <pc:docMk/>
-          <pc:sldMk cId="779292092" sldId="256"/>
-        </pc:sldMkLst>
-        <pc:spChg chg="del mod">
-          <ac:chgData name="Trung Nghia Nguyen" userId="caf0b1f78d203fdc" providerId="LiveId" clId="{FA98E611-7EE5-4D53-A8F6-A8478DA16B0D}" dt="2023-03-16T04:25:31.003" v="2" actId="478"/>
-          <ac:spMkLst>
-            <pc:docMk/>
-            <pc:sldMk cId="779292092" sldId="256"/>
-            <ac:spMk id="2" creationId="{A117D592-65D1-FEB2-AB2A-1197CEC1533A}"/>
-          </ac:spMkLst>
-        </pc:spChg>
-        <pc:spChg chg="del mod">
-          <ac:chgData name="Trung Nghia Nguyen" userId="caf0b1f78d203fdc" providerId="LiveId" clId="{FA98E611-7EE5-4D53-A8F6-A8478DA16B0D}" dt="2023-03-16T04:26:30.339" v="75"/>
-          <ac:spMkLst>
-            <pc:docMk/>
-            <pc:sldMk cId="779292092" sldId="256"/>
-            <ac:spMk id="3" creationId="{10CEF238-71AF-8F0B-FAB7-5FB7BE0C6241}"/>
-          </ac:spMkLst>
-        </pc:spChg>
-        <pc:spChg chg="add mod">
-          <ac:chgData name="Trung Nghia Nguyen" userId="caf0b1f78d203fdc" providerId="LiveId" clId="{FA98E611-7EE5-4D53-A8F6-A8478DA16B0D}" dt="2023-03-19T19:41:39.395" v="4557" actId="20577"/>
-          <ac:spMkLst>
-            <pc:docMk/>
-            <pc:sldMk cId="779292092" sldId="256"/>
-            <ac:spMk id="3" creationId="{96D15035-7BD4-17B1-61CC-73A16FAB9E8C}"/>
-          </ac:spMkLst>
-        </pc:spChg>
-        <pc:spChg chg="add del mod">
-          <ac:chgData name="Trung Nghia Nguyen" userId="caf0b1f78d203fdc" providerId="LiveId" clId="{FA98E611-7EE5-4D53-A8F6-A8478DA16B0D}" dt="2023-03-16T04:26:33.737" v="76" actId="478"/>
-          <ac:spMkLst>
-            <pc:docMk/>
-            <pc:sldMk cId="779292092" sldId="256"/>
-            <ac:spMk id="4" creationId="{D3541119-F88B-63E0-D9CB-1FBA398AF2C2}"/>
-          </ac:spMkLst>
-        </pc:spChg>
-        <pc:spChg chg="add del mod">
-          <ac:chgData name="Trung Nghia Nguyen" userId="caf0b1f78d203fdc" providerId="LiveId" clId="{FA98E611-7EE5-4D53-A8F6-A8478DA16B0D}" dt="2023-03-16T04:26:41.747" v="80" actId="478"/>
-          <ac:spMkLst>
-            <pc:docMk/>
-            <pc:sldMk cId="779292092" sldId="256"/>
-            <ac:spMk id="5" creationId="{ABA30120-0E89-CD7C-399C-36E8D45B427C}"/>
-          </ac:spMkLst>
-        </pc:spChg>
-        <pc:spChg chg="add del mod">
-          <ac:chgData name="Trung Nghia Nguyen" userId="caf0b1f78d203fdc" providerId="LiveId" clId="{FA98E611-7EE5-4D53-A8F6-A8478DA16B0D}" dt="2023-03-16T04:27:22.442" v="90"/>
-          <ac:spMkLst>
-            <pc:docMk/>
-            <pc:sldMk cId="779292092" sldId="256"/>
-            <ac:spMk id="6" creationId="{AAB06E32-4593-8D4D-C74D-CF8D31363477}"/>
-          </ac:spMkLst>
-        </pc:spChg>
-        <pc:spChg chg="add del">
-          <ac:chgData name="Trung Nghia Nguyen" userId="caf0b1f78d203fdc" providerId="LiveId" clId="{FA98E611-7EE5-4D53-A8F6-A8478DA16B0D}" dt="2023-03-16T04:27:09.227" v="84" actId="22"/>
-          <ac:spMkLst>
-            <pc:docMk/>
-            <pc:sldMk cId="779292092" sldId="256"/>
-            <ac:spMk id="8" creationId="{AA71866C-55AA-CB05-D180-FE98E4673862}"/>
-          </ac:spMkLst>
-        </pc:spChg>
-        <pc:spChg chg="add del mod">
-          <ac:chgData name="Trung Nghia Nguyen" userId="caf0b1f78d203fdc" providerId="LiveId" clId="{FA98E611-7EE5-4D53-A8F6-A8478DA16B0D}" dt="2023-03-16T04:27:21.819" v="88"/>
-          <ac:spMkLst>
-            <pc:docMk/>
-            <pc:sldMk cId="779292092" sldId="256"/>
-            <ac:spMk id="9" creationId="{BF2B2450-A3A7-8C9F-A35B-E45EC50B2722}"/>
-          </ac:spMkLst>
-        </pc:spChg>
-        <pc:spChg chg="add mod">
-          <ac:chgData name="Trung Nghia Nguyen" userId="caf0b1f78d203fdc" providerId="LiveId" clId="{FA98E611-7EE5-4D53-A8F6-A8478DA16B0D}" dt="2023-03-16T05:56:31.363" v="885" actId="20577"/>
-          <ac:spMkLst>
-            <pc:docMk/>
-            <pc:sldMk cId="779292092" sldId="256"/>
-            <ac:spMk id="14" creationId="{63B4AB36-B54A-EA5C-2A74-F2C80BE0CBC4}"/>
-          </ac:spMkLst>
-        </pc:spChg>
-        <pc:spChg chg="add del mod">
-          <ac:chgData name="Trung Nghia Nguyen" userId="caf0b1f78d203fdc" providerId="LiveId" clId="{FA98E611-7EE5-4D53-A8F6-A8478DA16B0D}" dt="2023-03-16T05:56:37.340" v="886" actId="478"/>
-          <ac:spMkLst>
-            <pc:docMk/>
-            <pc:sldMk cId="779292092" sldId="256"/>
-            <ac:spMk id="15" creationId="{17843FAC-3233-9FA3-6096-5E9BE746F288}"/>
-          </ac:spMkLst>
-        </pc:spChg>
-        <pc:graphicFrameChg chg="add mod modGraphic">
-          <ac:chgData name="Trung Nghia Nguyen" userId="caf0b1f78d203fdc" providerId="LiveId" clId="{FA98E611-7EE5-4D53-A8F6-A8478DA16B0D}" dt="2023-03-20T02:03:15.660" v="4804" actId="20577"/>
-          <ac:graphicFrameMkLst>
-            <pc:docMk/>
-            <pc:sldMk cId="779292092" sldId="256"/>
-            <ac:graphicFrameMk id="16" creationId="{A794B221-780B-3E0D-DCDE-B4B669AD1AE3}"/>
-          </ac:graphicFrameMkLst>
-        </pc:graphicFrameChg>
-        <pc:picChg chg="add mod">
-          <ac:chgData name="Trung Nghia Nguyen" userId="caf0b1f78d203fdc" providerId="LiveId" clId="{FA98E611-7EE5-4D53-A8F6-A8478DA16B0D}" dt="2023-03-16T04:28:13.628" v="97" actId="1076"/>
-          <ac:picMkLst>
-            <pc:docMk/>
-            <pc:sldMk cId="779292092" sldId="256"/>
-            <ac:picMk id="1034" creationId="{6F72484C-A752-76F3-F259-0A997B815A00}"/>
-          </ac:picMkLst>
-        </pc:picChg>
-        <pc:cxnChg chg="add mod">
-          <ac:chgData name="Trung Nghia Nguyen" userId="caf0b1f78d203fdc" providerId="LiveId" clId="{FA98E611-7EE5-4D53-A8F6-A8478DA16B0D}" dt="2023-03-17T04:37:52.245" v="3021"/>
-          <ac:cxnSpMkLst>
-            <pc:docMk/>
-            <pc:sldMk cId="779292092" sldId="256"/>
-            <ac:cxnSpMk id="2" creationId="{D5E91735-6F4E-1EBB-5B25-60BB71493CFD}"/>
-          </ac:cxnSpMkLst>
-        </pc:cxnChg>
-        <pc:cxnChg chg="add mod">
-          <ac:chgData name="Trung Nghia Nguyen" userId="caf0b1f78d203fdc" providerId="LiveId" clId="{FA98E611-7EE5-4D53-A8F6-A8478DA16B0D}" dt="2023-03-16T04:29:23.337" v="100" actId="14100"/>
-          <ac:cxnSpMkLst>
-            <pc:docMk/>
-            <pc:sldMk cId="779292092" sldId="256"/>
-            <ac:cxnSpMk id="11" creationId="{E5C4A229-E185-5A4B-53B1-81D591292671}"/>
-          </ac:cxnSpMkLst>
-        </pc:cxnChg>
-      </pc:sldChg>
-      <pc:sldChg chg="addSp modSp add mod ord">
-        <pc:chgData name="Trung Nghia Nguyen" userId="caf0b1f78d203fdc" providerId="LiveId" clId="{FA98E611-7EE5-4D53-A8F6-A8478DA16B0D}" dt="2023-03-20T02:02:08.352" v="4784" actId="20577"/>
-        <pc:sldMkLst>
-          <pc:docMk/>
-          <pc:sldMk cId="502051408" sldId="257"/>
-        </pc:sldMkLst>
-        <pc:spChg chg="add mod">
-          <ac:chgData name="Trung Nghia Nguyen" userId="caf0b1f78d203fdc" providerId="LiveId" clId="{FA98E611-7EE5-4D53-A8F6-A8478DA16B0D}" dt="2023-03-17T04:37:41.303" v="3019" actId="14100"/>
-          <ac:spMkLst>
-            <pc:docMk/>
-            <pc:sldMk cId="502051408" sldId="257"/>
-            <ac:spMk id="4" creationId="{A7C6B5DE-252A-6692-B1E6-C658AB98BEE6}"/>
-          </ac:spMkLst>
-        </pc:spChg>
-        <pc:spChg chg="mod">
-          <ac:chgData name="Trung Nghia Nguyen" userId="caf0b1f78d203fdc" providerId="LiveId" clId="{FA98E611-7EE5-4D53-A8F6-A8478DA16B0D}" dt="2023-03-19T20:01:49.324" v="4626" actId="14100"/>
-          <ac:spMkLst>
-            <pc:docMk/>
-            <pc:sldMk cId="502051408" sldId="257"/>
-            <ac:spMk id="14" creationId="{63B4AB36-B54A-EA5C-2A74-F2C80BE0CBC4}"/>
-          </ac:spMkLst>
-        </pc:spChg>
-        <pc:graphicFrameChg chg="mod modGraphic">
-          <ac:chgData name="Trung Nghia Nguyen" userId="caf0b1f78d203fdc" providerId="LiveId" clId="{FA98E611-7EE5-4D53-A8F6-A8478DA16B0D}" dt="2023-03-20T02:02:08.352" v="4784" actId="20577"/>
-          <ac:graphicFrameMkLst>
-            <pc:docMk/>
-            <pc:sldMk cId="502051408" sldId="257"/>
-            <ac:graphicFrameMk id="16" creationId="{A794B221-780B-3E0D-DCDE-B4B669AD1AE3}"/>
-          </ac:graphicFrameMkLst>
-        </pc:graphicFrameChg>
-        <pc:cxnChg chg="add mod">
-          <ac:chgData name="Trung Nghia Nguyen" userId="caf0b1f78d203fdc" providerId="LiveId" clId="{FA98E611-7EE5-4D53-A8F6-A8478DA16B0D}" dt="2023-03-17T04:37:47.645" v="3020" actId="14100"/>
-          <ac:cxnSpMkLst>
-            <pc:docMk/>
-            <pc:sldMk cId="502051408" sldId="257"/>
-            <ac:cxnSpMk id="2" creationId="{0193EF83-1ED7-DCBA-7737-4EE3F208EA17}"/>
-          </ac:cxnSpMkLst>
-        </pc:cxnChg>
-      </pc:sldChg>
-      <pc:sldChg chg="addSp delSp modSp add mod">
-        <pc:chgData name="Trung Nghia Nguyen" userId="caf0b1f78d203fdc" providerId="LiveId" clId="{FA98E611-7EE5-4D53-A8F6-A8478DA16B0D}" dt="2023-03-19T20:07:36.464" v="4782" actId="1076"/>
-        <pc:sldMkLst>
-          <pc:docMk/>
-          <pc:sldMk cId="3011248427" sldId="258"/>
-        </pc:sldMkLst>
-        <pc:spChg chg="add del mod">
-          <ac:chgData name="Trung Nghia Nguyen" userId="caf0b1f78d203fdc" providerId="LiveId" clId="{FA98E611-7EE5-4D53-A8F6-A8478DA16B0D}" dt="2023-03-17T04:38:56.233" v="3046" actId="478"/>
-          <ac:spMkLst>
-            <pc:docMk/>
-            <pc:sldMk cId="3011248427" sldId="258"/>
-            <ac:spMk id="3" creationId="{00103708-BF71-4028-9F2C-BCD6FC6E2BB3}"/>
-          </ac:spMkLst>
-        </pc:spChg>
-        <pc:spChg chg="add mod">
-          <ac:chgData name="Trung Nghia Nguyen" userId="caf0b1f78d203fdc" providerId="LiveId" clId="{FA98E611-7EE5-4D53-A8F6-A8478DA16B0D}" dt="2023-03-19T20:07:36.464" v="4782" actId="1076"/>
-          <ac:spMkLst>
-            <pc:docMk/>
-            <pc:sldMk cId="3011248427" sldId="258"/>
-            <ac:spMk id="3" creationId="{56C3DF9C-2FEB-EE52-21A1-DBBB2454EA38}"/>
-          </ac:spMkLst>
-        </pc:spChg>
-        <pc:spChg chg="add mod">
-          <ac:chgData name="Trung Nghia Nguyen" userId="caf0b1f78d203fdc" providerId="LiveId" clId="{FA98E611-7EE5-4D53-A8F6-A8478DA16B0D}" dt="2023-03-19T19:41:48.869" v="4561" actId="20577"/>
-          <ac:spMkLst>
-            <pc:docMk/>
-            <pc:sldMk cId="3011248427" sldId="258"/>
-            <ac:spMk id="4" creationId="{11342279-3B1B-9555-FD5C-CA3839B3D029}"/>
-          </ac:spMkLst>
-        </pc:spChg>
-        <pc:spChg chg="mod">
-          <ac:chgData name="Trung Nghia Nguyen" userId="caf0b1f78d203fdc" providerId="LiveId" clId="{FA98E611-7EE5-4D53-A8F6-A8478DA16B0D}" dt="2023-03-16T06:01:33.515" v="1032" actId="20577"/>
-          <ac:spMkLst>
-            <pc:docMk/>
-            <pc:sldMk cId="3011248427" sldId="258"/>
-            <ac:spMk id="14" creationId="{63B4AB36-B54A-EA5C-2A74-F2C80BE0CBC4}"/>
-          </ac:spMkLst>
-        </pc:spChg>
-        <pc:graphicFrameChg chg="mod modGraphic">
-          <ac:chgData name="Trung Nghia Nguyen" userId="caf0b1f78d203fdc" providerId="LiveId" clId="{FA98E611-7EE5-4D53-A8F6-A8478DA16B0D}" dt="2023-03-19T19:23:41.611" v="4269" actId="2711"/>
-          <ac:graphicFrameMkLst>
-            <pc:docMk/>
-            <pc:sldMk cId="3011248427" sldId="258"/>
-            <ac:graphicFrameMk id="16" creationId="{A794B221-780B-3E0D-DCDE-B4B669AD1AE3}"/>
-          </ac:graphicFrameMkLst>
-        </pc:graphicFrameChg>
-        <pc:cxnChg chg="add mod">
-          <ac:chgData name="Trung Nghia Nguyen" userId="caf0b1f78d203fdc" providerId="LiveId" clId="{FA98E611-7EE5-4D53-A8F6-A8478DA16B0D}" dt="2023-03-17T04:37:55.646" v="3023"/>
-          <ac:cxnSpMkLst>
-            <pc:docMk/>
-            <pc:sldMk cId="3011248427" sldId="258"/>
-            <ac:cxnSpMk id="2" creationId="{AF3ADEA5-03F2-7E56-B6E6-8B6970A896CF}"/>
-          </ac:cxnSpMkLst>
-        </pc:cxnChg>
-      </pc:sldChg>
-      <pc:sldChg chg="addSp delSp modSp add mod">
-        <pc:chgData name="Trung Nghia Nguyen" userId="caf0b1f78d203fdc" providerId="LiveId" clId="{FA98E611-7EE5-4D53-A8F6-A8478DA16B0D}" dt="2023-03-20T06:30:07.305" v="4932" actId="1076"/>
-        <pc:sldMkLst>
-          <pc:docMk/>
-          <pc:sldMk cId="4019893558" sldId="259"/>
-        </pc:sldMkLst>
-        <pc:spChg chg="add mod">
-          <ac:chgData name="Trung Nghia Nguyen" userId="caf0b1f78d203fdc" providerId="LiveId" clId="{FA98E611-7EE5-4D53-A8F6-A8478DA16B0D}" dt="2023-03-16T06:06:38.899" v="1143" actId="114"/>
-          <ac:spMkLst>
-            <pc:docMk/>
-            <pc:sldMk cId="4019893558" sldId="259"/>
-            <ac:spMk id="2" creationId="{30380714-4CD2-9849-80A6-8AC66F97DA6F}"/>
-          </ac:spMkLst>
-        </pc:spChg>
-        <pc:spChg chg="add del mod">
-          <ac:chgData name="Trung Nghia Nguyen" userId="caf0b1f78d203fdc" providerId="LiveId" clId="{FA98E611-7EE5-4D53-A8F6-A8478DA16B0D}" dt="2023-03-17T04:38:59.674" v="3048" actId="478"/>
-          <ac:spMkLst>
-            <pc:docMk/>
-            <pc:sldMk cId="4019893558" sldId="259"/>
-            <ac:spMk id="4" creationId="{E6731AC8-6FBB-04D3-C8AD-D910046055D9}"/>
-          </ac:spMkLst>
-        </pc:spChg>
-        <pc:spChg chg="add mod">
-          <ac:chgData name="Trung Nghia Nguyen" userId="caf0b1f78d203fdc" providerId="LiveId" clId="{FA98E611-7EE5-4D53-A8F6-A8478DA16B0D}" dt="2023-03-19T19:41:52.701" v="4563" actId="20577"/>
-          <ac:spMkLst>
-            <pc:docMk/>
-            <pc:sldMk cId="4019893558" sldId="259"/>
-            <ac:spMk id="5" creationId="{38B62299-A944-8252-B1CB-882A15417931}"/>
-          </ac:spMkLst>
-        </pc:spChg>
-        <pc:spChg chg="add mod">
-          <ac:chgData name="Trung Nghia Nguyen" userId="caf0b1f78d203fdc" providerId="LiveId" clId="{FA98E611-7EE5-4D53-A8F6-A8478DA16B0D}" dt="2023-03-20T06:30:07.305" v="4932" actId="1076"/>
-          <ac:spMkLst>
-            <pc:docMk/>
-            <pc:sldMk cId="4019893558" sldId="259"/>
-            <ac:spMk id="8" creationId="{734BE0A0-109F-5738-2B5A-12B232A6A7ED}"/>
-          </ac:spMkLst>
-        </pc:spChg>
-        <pc:spChg chg="mod">
-          <ac:chgData name="Trung Nghia Nguyen" userId="caf0b1f78d203fdc" providerId="LiveId" clId="{FA98E611-7EE5-4D53-A8F6-A8478DA16B0D}" dt="2023-03-16T06:05:39.139" v="1113" actId="20577"/>
-          <ac:spMkLst>
-            <pc:docMk/>
-            <pc:sldMk cId="4019893558" sldId="259"/>
-            <ac:spMk id="14" creationId="{63B4AB36-B54A-EA5C-2A74-F2C80BE0CBC4}"/>
-          </ac:spMkLst>
-        </pc:spChg>
-        <pc:graphicFrameChg chg="del">
-          <ac:chgData name="Trung Nghia Nguyen" userId="caf0b1f78d203fdc" providerId="LiveId" clId="{FA98E611-7EE5-4D53-A8F6-A8478DA16B0D}" dt="2023-03-16T06:05:53.385" v="1114" actId="478"/>
-          <ac:graphicFrameMkLst>
-            <pc:docMk/>
-            <pc:sldMk cId="4019893558" sldId="259"/>
-            <ac:graphicFrameMk id="16" creationId="{A794B221-780B-3E0D-DCDE-B4B669AD1AE3}"/>
-          </ac:graphicFrameMkLst>
-        </pc:graphicFrameChg>
-        <pc:picChg chg="add">
-          <ac:chgData name="Trung Nghia Nguyen" userId="caf0b1f78d203fdc" providerId="LiveId" clId="{FA98E611-7EE5-4D53-A8F6-A8478DA16B0D}" dt="2023-03-20T06:29:17.630" v="4858" actId="22"/>
-          <ac:picMkLst>
-            <pc:docMk/>
-            <pc:sldMk cId="4019893558" sldId="259"/>
-            <ac:picMk id="6" creationId="{43B774FE-5094-7AB3-83D9-57A0DF7FF1F6}"/>
-          </ac:picMkLst>
-        </pc:picChg>
-        <pc:picChg chg="add del mod">
-          <ac:chgData name="Trung Nghia Nguyen" userId="caf0b1f78d203fdc" providerId="LiveId" clId="{FA98E611-7EE5-4D53-A8F6-A8478DA16B0D}" dt="2023-03-20T06:29:17.174" v="4857" actId="478"/>
-          <ac:picMkLst>
-            <pc:docMk/>
-            <pc:sldMk cId="4019893558" sldId="259"/>
-            <ac:picMk id="7" creationId="{69D8DC54-039D-02F5-CE7D-B44993CE410C}"/>
-          </ac:picMkLst>
-        </pc:picChg>
-        <pc:cxnChg chg="add mod">
-          <ac:chgData name="Trung Nghia Nguyen" userId="caf0b1f78d203fdc" providerId="LiveId" clId="{FA98E611-7EE5-4D53-A8F6-A8478DA16B0D}" dt="2023-03-17T04:37:56.935" v="3024"/>
-          <ac:cxnSpMkLst>
-            <pc:docMk/>
-            <pc:sldMk cId="4019893558" sldId="259"/>
-            <ac:cxnSpMk id="3" creationId="{9B5848A5-3C88-A3DF-9B0B-60160834435A}"/>
-          </ac:cxnSpMkLst>
-        </pc:cxnChg>
-      </pc:sldChg>
-      <pc:sldChg chg="addSp delSp modSp add mod">
-        <pc:chgData name="Trung Nghia Nguyen" userId="caf0b1f78d203fdc" providerId="LiveId" clId="{FA98E611-7EE5-4D53-A8F6-A8478DA16B0D}" dt="2023-03-20T06:32:28.380" v="4981" actId="22"/>
-        <pc:sldMkLst>
-          <pc:docMk/>
-          <pc:sldMk cId="3474282668" sldId="260"/>
-        </pc:sldMkLst>
-        <pc:spChg chg="mod">
-          <ac:chgData name="Trung Nghia Nguyen" userId="caf0b1f78d203fdc" providerId="LiveId" clId="{FA98E611-7EE5-4D53-A8F6-A8478DA16B0D}" dt="2023-03-16T06:07:58.268" v="1156" actId="20577"/>
-          <ac:spMkLst>
-            <pc:docMk/>
-            <pc:sldMk cId="3474282668" sldId="260"/>
-            <ac:spMk id="2" creationId="{30380714-4CD2-9849-80A6-8AC66F97DA6F}"/>
-          </ac:spMkLst>
-        </pc:spChg>
-        <pc:spChg chg="add mod">
-          <ac:chgData name="Trung Nghia Nguyen" userId="caf0b1f78d203fdc" providerId="LiveId" clId="{FA98E611-7EE5-4D53-A8F6-A8478DA16B0D}" dt="2023-03-20T06:32:27.935" v="4980" actId="1076"/>
-          <ac:spMkLst>
-            <pc:docMk/>
-            <pc:sldMk cId="3474282668" sldId="260"/>
-            <ac:spMk id="4" creationId="{9431821D-6D7D-E062-A69A-509104FD42F8}"/>
-          </ac:spMkLst>
-        </pc:spChg>
-        <pc:spChg chg="add del mod">
-          <ac:chgData name="Trung Nghia Nguyen" userId="caf0b1f78d203fdc" providerId="LiveId" clId="{FA98E611-7EE5-4D53-A8F6-A8478DA16B0D}" dt="2023-03-17T04:39:14.883" v="3056" actId="478"/>
-          <ac:spMkLst>
-            <pc:docMk/>
-            <pc:sldMk cId="3474282668" sldId="260"/>
-            <ac:spMk id="4" creationId="{F90D0244-90F2-3218-C4A1-606B763A06C7}"/>
-          </ac:spMkLst>
-        </pc:spChg>
-        <pc:spChg chg="add mod">
-          <ac:chgData name="Trung Nghia Nguyen" userId="caf0b1f78d203fdc" providerId="LiveId" clId="{FA98E611-7EE5-4D53-A8F6-A8478DA16B0D}" dt="2023-03-19T19:42:28.957" v="4575" actId="20577"/>
-          <ac:spMkLst>
-            <pc:docMk/>
-            <pc:sldMk cId="3474282668" sldId="260"/>
-            <ac:spMk id="5" creationId="{4560C39D-ACC4-FD53-200A-C206C7FACCF7}"/>
-          </ac:spMkLst>
-        </pc:spChg>
-        <pc:picChg chg="add">
-          <ac:chgData name="Trung Nghia Nguyen" userId="caf0b1f78d203fdc" providerId="LiveId" clId="{FA98E611-7EE5-4D53-A8F6-A8478DA16B0D}" dt="2023-03-20T06:32:28.380" v="4981" actId="22"/>
-          <ac:picMkLst>
-            <pc:docMk/>
-            <pc:sldMk cId="3474282668" sldId="260"/>
-            <ac:picMk id="7" creationId="{0A013844-F359-90BA-AFE5-5A4E0F02079B}"/>
-          </ac:picMkLst>
-        </pc:picChg>
-        <pc:cxnChg chg="add mod">
-          <ac:chgData name="Trung Nghia Nguyen" userId="caf0b1f78d203fdc" providerId="LiveId" clId="{FA98E611-7EE5-4D53-A8F6-A8478DA16B0D}" dt="2023-03-17T04:38:03.135" v="3028"/>
-          <ac:cxnSpMkLst>
-            <pc:docMk/>
-            <pc:sldMk cId="3474282668" sldId="260"/>
-            <ac:cxnSpMk id="3" creationId="{A678CC92-2ECC-6731-44B3-E00C5607B1AE}"/>
-          </ac:cxnSpMkLst>
-        </pc:cxnChg>
-      </pc:sldChg>
-      <pc:sldChg chg="addSp delSp modSp add mod">
-        <pc:chgData name="Trung Nghia Nguyen" userId="caf0b1f78d203fdc" providerId="LiveId" clId="{FA98E611-7EE5-4D53-A8F6-A8478DA16B0D}" dt="2023-03-20T06:36:55.797" v="5214" actId="20577"/>
-        <pc:sldMkLst>
-          <pc:docMk/>
-          <pc:sldMk cId="2176878142" sldId="261"/>
-        </pc:sldMkLst>
-        <pc:spChg chg="mod">
-          <ac:chgData name="Trung Nghia Nguyen" userId="caf0b1f78d203fdc" providerId="LiveId" clId="{FA98E611-7EE5-4D53-A8F6-A8478DA16B0D}" dt="2023-03-16T06:07:54.573" v="1154" actId="20577"/>
-          <ac:spMkLst>
-            <pc:docMk/>
-            <pc:sldMk cId="2176878142" sldId="261"/>
-            <ac:spMk id="2" creationId="{30380714-4CD2-9849-80A6-8AC66F97DA6F}"/>
-          </ac:spMkLst>
-        </pc:spChg>
-        <pc:spChg chg="add del mod">
-          <ac:chgData name="Trung Nghia Nguyen" userId="caf0b1f78d203fdc" providerId="LiveId" clId="{FA98E611-7EE5-4D53-A8F6-A8478DA16B0D}" dt="2023-03-17T04:39:11.371" v="3054" actId="478"/>
-          <ac:spMkLst>
-            <pc:docMk/>
-            <pc:sldMk cId="2176878142" sldId="261"/>
-            <ac:spMk id="4" creationId="{79A4E201-0F99-95ED-5D57-A5ADBCE00A7E}"/>
-          </ac:spMkLst>
-        </pc:spChg>
-        <pc:spChg chg="add mod">
-          <ac:chgData name="Trung Nghia Nguyen" userId="caf0b1f78d203fdc" providerId="LiveId" clId="{FA98E611-7EE5-4D53-A8F6-A8478DA16B0D}" dt="2023-03-19T19:42:25.521" v="4574" actId="20577"/>
-          <ac:spMkLst>
-            <pc:docMk/>
-            <pc:sldMk cId="2176878142" sldId="261"/>
-            <ac:spMk id="5" creationId="{773F5182-C15F-B8A2-79A6-98CC56113930}"/>
-          </ac:spMkLst>
-        </pc:spChg>
-        <pc:spChg chg="add mod">
-          <ac:chgData name="Trung Nghia Nguyen" userId="caf0b1f78d203fdc" providerId="LiveId" clId="{FA98E611-7EE5-4D53-A8F6-A8478DA16B0D}" dt="2023-03-20T06:36:55.797" v="5214" actId="20577"/>
-          <ac:spMkLst>
-            <pc:docMk/>
-            <pc:sldMk cId="2176878142" sldId="261"/>
-            <ac:spMk id="9" creationId="{F533BA89-8B09-1895-6FE7-F00314F0528E}"/>
-          </ac:spMkLst>
-        </pc:spChg>
-        <pc:picChg chg="add del mod">
-          <ac:chgData name="Trung Nghia Nguyen" userId="caf0b1f78d203fdc" providerId="LiveId" clId="{FA98E611-7EE5-4D53-A8F6-A8478DA16B0D}" dt="2023-03-20T06:33:26.107" v="4982" actId="478"/>
-          <ac:picMkLst>
-            <pc:docMk/>
-            <pc:sldMk cId="2176878142" sldId="261"/>
-            <ac:picMk id="6" creationId="{DBB75A3D-9236-0F32-4DB3-8640590F658C}"/>
-          </ac:picMkLst>
-        </pc:picChg>
-        <pc:picChg chg="add mod">
-          <ac:chgData name="Trung Nghia Nguyen" userId="caf0b1f78d203fdc" providerId="LiveId" clId="{FA98E611-7EE5-4D53-A8F6-A8478DA16B0D}" dt="2023-03-20T06:36:32.318" v="5141" actId="1076"/>
-          <ac:picMkLst>
-            <pc:docMk/>
-            <pc:sldMk cId="2176878142" sldId="261"/>
-            <ac:picMk id="7" creationId="{5878CDCA-64F5-3710-E232-035E68B469AA}"/>
-          </ac:picMkLst>
-        </pc:picChg>
-        <pc:picChg chg="add mod">
-          <ac:chgData name="Trung Nghia Nguyen" userId="caf0b1f78d203fdc" providerId="LiveId" clId="{FA98E611-7EE5-4D53-A8F6-A8478DA16B0D}" dt="2023-03-18T18:02:27.665" v="3498" actId="14100"/>
-          <ac:picMkLst>
-            <pc:docMk/>
-            <pc:sldMk cId="2176878142" sldId="261"/>
-            <ac:picMk id="8" creationId="{CA8451FB-3C2B-4482-8DC3-38D9C773F858}"/>
-          </ac:picMkLst>
-        </pc:picChg>
-        <pc:cxnChg chg="add mod">
-          <ac:chgData name="Trung Nghia Nguyen" userId="caf0b1f78d203fdc" providerId="LiveId" clId="{FA98E611-7EE5-4D53-A8F6-A8478DA16B0D}" dt="2023-03-17T04:38:01.916" v="3027"/>
-          <ac:cxnSpMkLst>
-            <pc:docMk/>
-            <pc:sldMk cId="2176878142" sldId="261"/>
-            <ac:cxnSpMk id="3" creationId="{E9060F41-5A0D-7040-5C8F-79CFAA7E7D72}"/>
-          </ac:cxnSpMkLst>
-        </pc:cxnChg>
-      </pc:sldChg>
-      <pc:sldChg chg="addSp delSp modSp add del mod">
-        <pc:chgData name="Trung Nghia Nguyen" userId="caf0b1f78d203fdc" providerId="LiveId" clId="{FA98E611-7EE5-4D53-A8F6-A8478DA16B0D}" dt="2023-03-17T07:03:47.972" v="3265" actId="2696"/>
-        <pc:sldMkLst>
-          <pc:docMk/>
-          <pc:sldMk cId="875898025" sldId="262"/>
-        </pc:sldMkLst>
-        <pc:spChg chg="mod">
-          <ac:chgData name="Trung Nghia Nguyen" userId="caf0b1f78d203fdc" providerId="LiveId" clId="{FA98E611-7EE5-4D53-A8F6-A8478DA16B0D}" dt="2023-03-16T06:07:49.749" v="1152" actId="20577"/>
-          <ac:spMkLst>
-            <pc:docMk/>
-            <pc:sldMk cId="875898025" sldId="262"/>
-            <ac:spMk id="2" creationId="{30380714-4CD2-9849-80A6-8AC66F97DA6F}"/>
-          </ac:spMkLst>
-        </pc:spChg>
-        <pc:spChg chg="add del mod">
-          <ac:chgData name="Trung Nghia Nguyen" userId="caf0b1f78d203fdc" providerId="LiveId" clId="{FA98E611-7EE5-4D53-A8F6-A8478DA16B0D}" dt="2023-03-17T04:39:07.061" v="3052" actId="478"/>
-          <ac:spMkLst>
-            <pc:docMk/>
-            <pc:sldMk cId="875898025" sldId="262"/>
-            <ac:spMk id="4" creationId="{78B0134D-73F0-E0EE-EAA2-40F53D578455}"/>
-          </ac:spMkLst>
-        </pc:spChg>
-        <pc:spChg chg="add mod">
-          <ac:chgData name="Trung Nghia Nguyen" userId="caf0b1f78d203fdc" providerId="LiveId" clId="{FA98E611-7EE5-4D53-A8F6-A8478DA16B0D}" dt="2023-03-17T04:39:07.317" v="3053"/>
-          <ac:spMkLst>
-            <pc:docMk/>
-            <pc:sldMk cId="875898025" sldId="262"/>
-            <ac:spMk id="5" creationId="{7AF6E6C4-7E4D-6951-DD77-D67FDB08BE33}"/>
-          </ac:spMkLst>
-        </pc:spChg>
-        <pc:spChg chg="add mod">
-          <ac:chgData name="Trung Nghia Nguyen" userId="caf0b1f78d203fdc" providerId="LiveId" clId="{FA98E611-7EE5-4D53-A8F6-A8478DA16B0D}" dt="2023-03-17T06:38:20.448" v="3252" actId="207"/>
-          <ac:spMkLst>
-            <pc:docMk/>
-            <pc:sldMk cId="875898025" sldId="262"/>
-            <ac:spMk id="7" creationId="{C27A575E-AACF-0BC5-FF71-5FCE2C283EAA}"/>
-          </ac:spMkLst>
-        </pc:spChg>
-        <pc:cxnChg chg="add mod">
-          <ac:chgData name="Trung Nghia Nguyen" userId="caf0b1f78d203fdc" providerId="LiveId" clId="{FA98E611-7EE5-4D53-A8F6-A8478DA16B0D}" dt="2023-03-17T04:38:00.559" v="3026"/>
-          <ac:cxnSpMkLst>
-            <pc:docMk/>
-            <pc:sldMk cId="875898025" sldId="262"/>
-            <ac:cxnSpMk id="3" creationId="{C4BB4107-403F-CD25-8D62-E1CD580C39E7}"/>
-          </ac:cxnSpMkLst>
-        </pc:cxnChg>
-      </pc:sldChg>
-      <pc:sldChg chg="addSp delSp modSp add mod">
-        <pc:chgData name="Trung Nghia Nguyen" userId="caf0b1f78d203fdc" providerId="LiveId" clId="{FA98E611-7EE5-4D53-A8F6-A8478DA16B0D}" dt="2023-03-19T19:41:58.154" v="4565" actId="20577"/>
-        <pc:sldMkLst>
-          <pc:docMk/>
-          <pc:sldMk cId="482173432" sldId="263"/>
-        </pc:sldMkLst>
-        <pc:spChg chg="mod">
-          <ac:chgData name="Trung Nghia Nguyen" userId="caf0b1f78d203fdc" providerId="LiveId" clId="{FA98E611-7EE5-4D53-A8F6-A8478DA16B0D}" dt="2023-03-16T06:07:46.511" v="1150" actId="20577"/>
-          <ac:spMkLst>
-            <pc:docMk/>
-            <pc:sldMk cId="482173432" sldId="263"/>
-            <ac:spMk id="2" creationId="{30380714-4CD2-9849-80A6-8AC66F97DA6F}"/>
-          </ac:spMkLst>
-        </pc:spChg>
-        <pc:spChg chg="add del mod">
-          <ac:chgData name="Trung Nghia Nguyen" userId="caf0b1f78d203fdc" providerId="LiveId" clId="{FA98E611-7EE5-4D53-A8F6-A8478DA16B0D}" dt="2023-03-17T04:39:03.344" v="3050" actId="478"/>
-          <ac:spMkLst>
-            <pc:docMk/>
-            <pc:sldMk cId="482173432" sldId="263"/>
-            <ac:spMk id="4" creationId="{A2FC1147-7412-C677-5A5A-BF19366C123D}"/>
-          </ac:spMkLst>
-        </pc:spChg>
-        <pc:spChg chg="add mod">
-          <ac:chgData name="Trung Nghia Nguyen" userId="caf0b1f78d203fdc" providerId="LiveId" clId="{FA98E611-7EE5-4D53-A8F6-A8478DA16B0D}" dt="2023-03-19T19:41:58.154" v="4565" actId="20577"/>
-          <ac:spMkLst>
-            <pc:docMk/>
-            <pc:sldMk cId="482173432" sldId="263"/>
-            <ac:spMk id="5" creationId="{5EFED488-422D-714E-BC8D-1EFFE4EB27EF}"/>
-          </ac:spMkLst>
-        </pc:spChg>
-        <pc:spChg chg="add mod">
-          <ac:chgData name="Trung Nghia Nguyen" userId="caf0b1f78d203fdc" providerId="LiveId" clId="{FA98E611-7EE5-4D53-A8F6-A8478DA16B0D}" dt="2023-03-17T06:23:12.888" v="3165" actId="114"/>
-          <ac:spMkLst>
-            <pc:docMk/>
-            <pc:sldMk cId="482173432" sldId="263"/>
-            <ac:spMk id="6" creationId="{E89CDB90-AF28-D274-AC55-ECC8E0120E31}"/>
-          </ac:spMkLst>
-        </pc:spChg>
-        <pc:picChg chg="add mod">
-          <ac:chgData name="Trung Nghia Nguyen" userId="caf0b1f78d203fdc" providerId="LiveId" clId="{FA98E611-7EE5-4D53-A8F6-A8478DA16B0D}" dt="2023-03-17T06:19:17.560" v="3097" actId="14100"/>
-          <ac:picMkLst>
-            <pc:docMk/>
-            <pc:sldMk cId="482173432" sldId="263"/>
-            <ac:picMk id="8" creationId="{64343610-2239-3C37-0292-61E9C46DADC0}"/>
-          </ac:picMkLst>
-        </pc:picChg>
-        <pc:picChg chg="add mod">
-          <ac:chgData name="Trung Nghia Nguyen" userId="caf0b1f78d203fdc" providerId="LiveId" clId="{FA98E611-7EE5-4D53-A8F6-A8478DA16B0D}" dt="2023-03-17T06:19:27.485" v="3100" actId="14100"/>
-          <ac:picMkLst>
-            <pc:docMk/>
-            <pc:sldMk cId="482173432" sldId="263"/>
-            <ac:picMk id="1026" creationId="{8B6FAEF3-00E8-C2B6-6484-BD77EBFDEA2F}"/>
-          </ac:picMkLst>
-        </pc:picChg>
-        <pc:cxnChg chg="add mod">
-          <ac:chgData name="Trung Nghia Nguyen" userId="caf0b1f78d203fdc" providerId="LiveId" clId="{FA98E611-7EE5-4D53-A8F6-A8478DA16B0D}" dt="2023-03-17T04:37:58.915" v="3025"/>
-          <ac:cxnSpMkLst>
-            <pc:docMk/>
-            <pc:sldMk cId="482173432" sldId="263"/>
-            <ac:cxnSpMk id="3" creationId="{0C90852F-CCF4-2CB4-185D-9BD76C10552E}"/>
-          </ac:cxnSpMkLst>
-        </pc:cxnChg>
-      </pc:sldChg>
-      <pc:sldChg chg="addSp delSp modSp add mod">
-        <pc:chgData name="Trung Nghia Nguyen" userId="caf0b1f78d203fdc" providerId="LiveId" clId="{FA98E611-7EE5-4D53-A8F6-A8478DA16B0D}" dt="2023-03-20T06:36:20.136" v="5138" actId="1076"/>
-        <pc:sldMkLst>
-          <pc:docMk/>
-          <pc:sldMk cId="2895901428" sldId="264"/>
-        </pc:sldMkLst>
-        <pc:spChg chg="mod">
-          <ac:chgData name="Trung Nghia Nguyen" userId="caf0b1f78d203fdc" providerId="LiveId" clId="{FA98E611-7EE5-4D53-A8F6-A8478DA16B0D}" dt="2023-03-16T06:08:02.769" v="1158" actId="20577"/>
-          <ac:spMkLst>
-            <pc:docMk/>
-            <pc:sldMk cId="2895901428" sldId="264"/>
-            <ac:spMk id="2" creationId="{30380714-4CD2-9849-80A6-8AC66F97DA6F}"/>
-          </ac:spMkLst>
-        </pc:spChg>
-        <pc:spChg chg="add del mod">
-          <ac:chgData name="Trung Nghia Nguyen" userId="caf0b1f78d203fdc" providerId="LiveId" clId="{FA98E611-7EE5-4D53-A8F6-A8478DA16B0D}" dt="2023-03-17T04:39:19.392" v="3058" actId="478"/>
-          <ac:spMkLst>
-            <pc:docMk/>
-            <pc:sldMk cId="2895901428" sldId="264"/>
-            <ac:spMk id="4" creationId="{60A99F50-FB46-F4B1-BC79-AB008BB54B45}"/>
-          </ac:spMkLst>
-        </pc:spChg>
-        <pc:spChg chg="add mod">
-          <ac:chgData name="Trung Nghia Nguyen" userId="caf0b1f78d203fdc" providerId="LiveId" clId="{FA98E611-7EE5-4D53-A8F6-A8478DA16B0D}" dt="2023-03-19T19:42:32.285" v="4576" actId="20577"/>
-          <ac:spMkLst>
-            <pc:docMk/>
-            <pc:sldMk cId="2895901428" sldId="264"/>
-            <ac:spMk id="5" creationId="{F5D7CFDC-9C3E-5EB6-442E-0427CF3FD978}"/>
-          </ac:spMkLst>
-        </pc:spChg>
-        <pc:spChg chg="add mod">
-          <ac:chgData name="Trung Nghia Nguyen" userId="caf0b1f78d203fdc" providerId="LiveId" clId="{FA98E611-7EE5-4D53-A8F6-A8478DA16B0D}" dt="2023-03-20T06:36:20.136" v="5138" actId="1076"/>
-          <ac:spMkLst>
-            <pc:docMk/>
-            <pc:sldMk cId="2895901428" sldId="264"/>
-            <ac:spMk id="7" creationId="{F0634F75-D2AC-CBA7-B59B-9BAA1E76EBEC}"/>
-          </ac:spMkLst>
-        </pc:spChg>
-        <pc:picChg chg="add mod">
-          <ac:chgData name="Trung Nghia Nguyen" userId="caf0b1f78d203fdc" providerId="LiveId" clId="{FA98E611-7EE5-4D53-A8F6-A8478DA16B0D}" dt="2023-03-20T06:35:33.823" v="4990" actId="1076"/>
-          <ac:picMkLst>
-            <pc:docMk/>
-            <pc:sldMk cId="2895901428" sldId="264"/>
-            <ac:picMk id="6" creationId="{DCC12B2F-C07E-D6F5-3264-6403237DFCB8}"/>
-          </ac:picMkLst>
-        </pc:picChg>
-        <pc:cxnChg chg="add mod">
-          <ac:chgData name="Trung Nghia Nguyen" userId="caf0b1f78d203fdc" providerId="LiveId" clId="{FA98E611-7EE5-4D53-A8F6-A8478DA16B0D}" dt="2023-03-17T04:38:04.341" v="3029"/>
-          <ac:cxnSpMkLst>
-            <pc:docMk/>
-            <pc:sldMk cId="2895901428" sldId="264"/>
-            <ac:cxnSpMk id="3" creationId="{000902B5-E704-F9CF-DC0B-DDD6C94EF140}"/>
-          </ac:cxnSpMkLst>
-        </pc:cxnChg>
-      </pc:sldChg>
-      <pc:sldChg chg="addSp delSp modSp add mod replId">
-        <pc:chgData name="Trung Nghia Nguyen" userId="caf0b1f78d203fdc" providerId="LiveId" clId="{FA98E611-7EE5-4D53-A8F6-A8478DA16B0D}" dt="2023-03-20T06:38:22.794" v="5343" actId="115"/>
-        <pc:sldMkLst>
-          <pc:docMk/>
-          <pc:sldMk cId="4283605162" sldId="265"/>
-        </pc:sldMkLst>
-        <pc:spChg chg="mod">
-          <ac:chgData name="Trung Nghia Nguyen" userId="caf0b1f78d203fdc" providerId="LiveId" clId="{FA98E611-7EE5-4D53-A8F6-A8478DA16B0D}" dt="2023-03-16T06:08:47.041" v="1174" actId="20577"/>
-          <ac:spMkLst>
-            <pc:docMk/>
-            <pc:sldMk cId="4283605162" sldId="265"/>
-            <ac:spMk id="2" creationId="{30380714-4CD2-9849-80A6-8AC66F97DA6F}"/>
-          </ac:spMkLst>
-        </pc:spChg>
-        <pc:spChg chg="add del mod">
-          <ac:chgData name="Trung Nghia Nguyen" userId="caf0b1f78d203fdc" providerId="LiveId" clId="{FA98E611-7EE5-4D53-A8F6-A8478DA16B0D}" dt="2023-03-17T04:39:27.464" v="3062" actId="478"/>
-          <ac:spMkLst>
-            <pc:docMk/>
-            <pc:sldMk cId="4283605162" sldId="265"/>
-            <ac:spMk id="4" creationId="{3384EA73-795D-DBBD-C798-301784B97C0D}"/>
-          </ac:spMkLst>
-        </pc:spChg>
-        <pc:spChg chg="add mod">
-          <ac:chgData name="Trung Nghia Nguyen" userId="caf0b1f78d203fdc" providerId="LiveId" clId="{FA98E611-7EE5-4D53-A8F6-A8478DA16B0D}" dt="2023-03-18T18:06:10.161" v="3553" actId="114"/>
-          <ac:spMkLst>
-            <pc:docMk/>
-            <pc:sldMk cId="4283605162" sldId="265"/>
-            <ac:spMk id="4" creationId="{6155AFF2-5D57-35C2-5FA4-18DC56B50EDC}"/>
-          </ac:spMkLst>
-        </pc:spChg>
-        <pc:spChg chg="add mod">
-          <ac:chgData name="Trung Nghia Nguyen" userId="caf0b1f78d203fdc" providerId="LiveId" clId="{FA98E611-7EE5-4D53-A8F6-A8478DA16B0D}" dt="2023-03-19T19:42:46.679" v="4580" actId="20577"/>
-          <ac:spMkLst>
-            <pc:docMk/>
-            <pc:sldMk cId="4283605162" sldId="265"/>
-            <ac:spMk id="5" creationId="{C636AC51-235F-27C4-310D-353DA6ACFACB}"/>
-          </ac:spMkLst>
-        </pc:spChg>
-        <pc:spChg chg="add del mod">
-          <ac:chgData name="Trung Nghia Nguyen" userId="caf0b1f78d203fdc" providerId="LiveId" clId="{FA98E611-7EE5-4D53-A8F6-A8478DA16B0D}" dt="2023-03-20T06:37:36.898" v="5229" actId="478"/>
-          <ac:spMkLst>
-            <pc:docMk/>
-            <pc:sldMk cId="4283605162" sldId="265"/>
-            <ac:spMk id="6" creationId="{34952638-B22F-A601-ABB7-40D3A03CAF10}"/>
-          </ac:spMkLst>
-        </pc:spChg>
-        <pc:spChg chg="add mod">
-          <ac:chgData name="Trung Nghia Nguyen" userId="caf0b1f78d203fdc" providerId="LiveId" clId="{FA98E611-7EE5-4D53-A8F6-A8478DA16B0D}" dt="2023-03-20T06:37:43.908" v="5254" actId="1035"/>
-          <ac:spMkLst>
-            <pc:docMk/>
-            <pc:sldMk cId="4283605162" sldId="265"/>
-            <ac:spMk id="8" creationId="{5B6ADF82-7127-B1E1-AB08-85E9AFA2C229}"/>
-          </ac:spMkLst>
-        </pc:spChg>
-        <pc:spChg chg="add mod">
-          <ac:chgData name="Trung Nghia Nguyen" userId="caf0b1f78d203fdc" providerId="LiveId" clId="{FA98E611-7EE5-4D53-A8F6-A8478DA16B0D}" dt="2023-03-20T06:38:22.794" v="5343" actId="115"/>
-          <ac:spMkLst>
-            <pc:docMk/>
-            <pc:sldMk cId="4283605162" sldId="265"/>
-            <ac:spMk id="9" creationId="{07192213-4093-B158-7615-5C02C5D78E3C}"/>
-          </ac:spMkLst>
-        </pc:spChg>
-        <pc:spChg chg="add mod">
-          <ac:chgData name="Trung Nghia Nguyen" userId="caf0b1f78d203fdc" providerId="LiveId" clId="{FA98E611-7EE5-4D53-A8F6-A8478DA16B0D}" dt="2023-03-20T06:37:48.962" v="5255" actId="1076"/>
-          <ac:spMkLst>
-            <pc:docMk/>
-            <pc:sldMk cId="4283605162" sldId="265"/>
-            <ac:spMk id="12" creationId="{C28A47A4-273C-2F4E-0D9B-7FF4CE6F8FC8}"/>
-          </ac:spMkLst>
-        </pc:spChg>
-        <pc:spChg chg="mod">
-          <ac:chgData name="Trung Nghia Nguyen" userId="caf0b1f78d203fdc" providerId="LiveId" clId="{FA98E611-7EE5-4D53-A8F6-A8478DA16B0D}" dt="2023-03-16T06:08:20.795" v="1172" actId="20577"/>
-          <ac:spMkLst>
-            <pc:docMk/>
-            <pc:sldMk cId="4283605162" sldId="265"/>
-            <ac:spMk id="14" creationId="{63B4AB36-B54A-EA5C-2A74-F2C80BE0CBC4}"/>
-          </ac:spMkLst>
-        </pc:spChg>
-        <pc:picChg chg="add mod">
-          <ac:chgData name="Trung Nghia Nguyen" userId="caf0b1f78d203fdc" providerId="LiveId" clId="{FA98E611-7EE5-4D53-A8F6-A8478DA16B0D}" dt="2023-03-18T18:06:37.350" v="3555" actId="1076"/>
-          <ac:picMkLst>
-            <pc:docMk/>
-            <pc:sldMk cId="4283605162" sldId="265"/>
-            <ac:picMk id="7" creationId="{9BE015F4-B740-114F-C17A-D68586C61382}"/>
-          </ac:picMkLst>
-        </pc:picChg>
-        <pc:picChg chg="add mod">
-          <ac:chgData name="Trung Nghia Nguyen" userId="caf0b1f78d203fdc" providerId="LiveId" clId="{FA98E611-7EE5-4D53-A8F6-A8478DA16B0D}" dt="2023-03-20T06:37:43.908" v="5254" actId="1035"/>
-          <ac:picMkLst>
-            <pc:docMk/>
-            <pc:sldMk cId="4283605162" sldId="265"/>
-            <ac:picMk id="10" creationId="{64FFD8A3-EA3E-8803-1A9E-83B9D68AD773}"/>
-          </ac:picMkLst>
-        </pc:picChg>
-        <pc:picChg chg="add mod">
-          <ac:chgData name="Trung Nghia Nguyen" userId="caf0b1f78d203fdc" providerId="LiveId" clId="{FA98E611-7EE5-4D53-A8F6-A8478DA16B0D}" dt="2023-03-20T06:37:52.028" v="5256" actId="1076"/>
-          <ac:picMkLst>
-            <pc:docMk/>
-            <pc:sldMk cId="4283605162" sldId="265"/>
-            <ac:picMk id="15" creationId="{E1B123BE-4EEC-7C2E-0D92-C3C0811176CB}"/>
-          </ac:picMkLst>
-        </pc:picChg>
-        <pc:cxnChg chg="add mod">
-          <ac:chgData name="Trung Nghia Nguyen" userId="caf0b1f78d203fdc" providerId="LiveId" clId="{FA98E611-7EE5-4D53-A8F6-A8478DA16B0D}" dt="2023-03-17T04:38:07.552" v="3031"/>
-          <ac:cxnSpMkLst>
-            <pc:docMk/>
-            <pc:sldMk cId="4283605162" sldId="265"/>
-            <ac:cxnSpMk id="3" creationId="{2CD06583-66AF-701D-3EFB-7B57FC7CBC60}"/>
-          </ac:cxnSpMkLst>
-        </pc:cxnChg>
-      </pc:sldChg>
-      <pc:sldChg chg="addSp delSp modSp add mod replId">
-        <pc:chgData name="Trung Nghia Nguyen" userId="caf0b1f78d203fdc" providerId="LiveId" clId="{FA98E611-7EE5-4D53-A8F6-A8478DA16B0D}" dt="2023-03-20T06:38:57.002" v="5372" actId="1076"/>
-        <pc:sldMkLst>
-          <pc:docMk/>
-          <pc:sldMk cId="1755807355" sldId="266"/>
-        </pc:sldMkLst>
-        <pc:spChg chg="mod">
-          <ac:chgData name="Trung Nghia Nguyen" userId="caf0b1f78d203fdc" providerId="LiveId" clId="{FA98E611-7EE5-4D53-A8F6-A8478DA16B0D}" dt="2023-03-16T06:08:54.022" v="1178" actId="20577"/>
-          <ac:spMkLst>
-            <pc:docMk/>
-            <pc:sldMk cId="1755807355" sldId="266"/>
-            <ac:spMk id="2" creationId="{30380714-4CD2-9849-80A6-8AC66F97DA6F}"/>
-          </ac:spMkLst>
-        </pc:spChg>
-        <pc:spChg chg="add del mod">
-          <ac:chgData name="Trung Nghia Nguyen" userId="caf0b1f78d203fdc" providerId="LiveId" clId="{FA98E611-7EE5-4D53-A8F6-A8478DA16B0D}" dt="2023-03-17T04:39:31.432" v="3064" actId="478"/>
-          <ac:spMkLst>
-            <pc:docMk/>
-            <pc:sldMk cId="1755807355" sldId="266"/>
-            <ac:spMk id="4" creationId="{9FC5A47E-E156-CE54-D964-B05D97E3E440}"/>
-          </ac:spMkLst>
-        </pc:spChg>
-        <pc:spChg chg="add del mod">
-          <ac:chgData name="Trung Nghia Nguyen" userId="caf0b1f78d203fdc" providerId="LiveId" clId="{FA98E611-7EE5-4D53-A8F6-A8478DA16B0D}" dt="2023-03-20T06:38:36.545" v="5346" actId="478"/>
-          <ac:spMkLst>
-            <pc:docMk/>
-            <pc:sldMk cId="1755807355" sldId="266"/>
-            <ac:spMk id="4" creationId="{AAB22F9D-7A5E-4401-A0CB-A63DA021226F}"/>
-          </ac:spMkLst>
-        </pc:spChg>
-        <pc:spChg chg="add mod">
-          <ac:chgData name="Trung Nghia Nguyen" userId="caf0b1f78d203fdc" providerId="LiveId" clId="{FA98E611-7EE5-4D53-A8F6-A8478DA16B0D}" dt="2023-03-19T19:42:52.243" v="4581" actId="20577"/>
-          <ac:spMkLst>
-            <pc:docMk/>
-            <pc:sldMk cId="1755807355" sldId="266"/>
-            <ac:spMk id="5" creationId="{5A7DF51B-1976-A0EB-6F7B-B4A2CB037D53}"/>
-          </ac:spMkLst>
-        </pc:spChg>
-        <pc:spChg chg="add mod">
-          <ac:chgData name="Trung Nghia Nguyen" userId="caf0b1f78d203fdc" providerId="LiveId" clId="{FA98E611-7EE5-4D53-A8F6-A8478DA16B0D}" dt="2023-03-20T06:38:57.002" v="5372" actId="1076"/>
-          <ac:spMkLst>
-            <pc:docMk/>
-            <pc:sldMk cId="1755807355" sldId="266"/>
-            <ac:spMk id="7" creationId="{41F3B00E-EEC6-C3C0-4054-6A44FFDA2129}"/>
-          </ac:spMkLst>
-        </pc:spChg>
-        <pc:spChg chg="mod">
-          <ac:chgData name="Trung Nghia Nguyen" userId="caf0b1f78d203fdc" providerId="LiveId" clId="{FA98E611-7EE5-4D53-A8F6-A8478DA16B0D}" dt="2023-03-16T06:16:56.623" v="1489" actId="20577"/>
-          <ac:spMkLst>
-            <pc:docMk/>
-            <pc:sldMk cId="1755807355" sldId="266"/>
-            <ac:spMk id="14" creationId="{63B4AB36-B54A-EA5C-2A74-F2C80BE0CBC4}"/>
-          </ac:spMkLst>
-        </pc:spChg>
-        <pc:picChg chg="add del mod modCrop">
-          <ac:chgData name="Trung Nghia Nguyen" userId="caf0b1f78d203fdc" providerId="LiveId" clId="{FA98E611-7EE5-4D53-A8F6-A8478DA16B0D}" dt="2023-03-18T18:13:54.951" v="3582" actId="21"/>
-          <ac:picMkLst>
-            <pc:docMk/>
-            <pc:sldMk cId="1755807355" sldId="266"/>
-            <ac:picMk id="6" creationId="{22C59D75-28CE-46F5-5707-658FE476BFDD}"/>
-          </ac:picMkLst>
-        </pc:picChg>
-        <pc:picChg chg="add mod">
-          <ac:chgData name="Trung Nghia Nguyen" userId="caf0b1f78d203fdc" providerId="LiveId" clId="{FA98E611-7EE5-4D53-A8F6-A8478DA16B0D}" dt="2023-03-20T06:38:34.458" v="5345" actId="1076"/>
-          <ac:picMkLst>
-            <pc:docMk/>
-            <pc:sldMk cId="1755807355" sldId="266"/>
-            <ac:picMk id="6" creationId="{F965E609-B8C6-9840-FCA8-51EC5CD8ADD1}"/>
-          </ac:picMkLst>
-        </pc:picChg>
-        <pc:cxnChg chg="add mod">
-          <ac:chgData name="Trung Nghia Nguyen" userId="caf0b1f78d203fdc" providerId="LiveId" clId="{FA98E611-7EE5-4D53-A8F6-A8478DA16B0D}" dt="2023-03-17T04:38:09.225" v="3032"/>
-          <ac:cxnSpMkLst>
-            <pc:docMk/>
-            <pc:sldMk cId="1755807355" sldId="266"/>
-            <ac:cxnSpMk id="3" creationId="{A6209D13-18E2-CE90-A8FC-47240D1DB3DD}"/>
-          </ac:cxnSpMkLst>
-        </pc:cxnChg>
-      </pc:sldChg>
-      <pc:sldChg chg="addSp delSp modSp add mod replId">
-        <pc:chgData name="Trung Nghia Nguyen" userId="caf0b1f78d203fdc" providerId="LiveId" clId="{FA98E611-7EE5-4D53-A8F6-A8478DA16B0D}" dt="2023-03-20T06:46:22.745" v="5552" actId="1076"/>
-        <pc:sldMkLst>
-          <pc:docMk/>
-          <pc:sldMk cId="420754388" sldId="267"/>
-        </pc:sldMkLst>
-        <pc:spChg chg="mod">
-          <ac:chgData name="Trung Nghia Nguyen" userId="caf0b1f78d203fdc" providerId="LiveId" clId="{FA98E611-7EE5-4D53-A8F6-A8478DA16B0D}" dt="2023-03-16T06:09:05.191" v="1182" actId="20577"/>
-          <ac:spMkLst>
-            <pc:docMk/>
-            <pc:sldMk cId="420754388" sldId="267"/>
-            <ac:spMk id="2" creationId="{30380714-4CD2-9849-80A6-8AC66F97DA6F}"/>
-          </ac:spMkLst>
-        </pc:spChg>
-        <pc:spChg chg="add del mod">
-          <ac:chgData name="Trung Nghia Nguyen" userId="caf0b1f78d203fdc" providerId="LiveId" clId="{FA98E611-7EE5-4D53-A8F6-A8478DA16B0D}" dt="2023-03-17T04:39:35.292" v="3066" actId="478"/>
-          <ac:spMkLst>
-            <pc:docMk/>
-            <pc:sldMk cId="420754388" sldId="267"/>
-            <ac:spMk id="4" creationId="{5B057441-CC31-82D0-2A61-D4C277283FF0}"/>
-          </ac:spMkLst>
-        </pc:spChg>
-        <pc:spChg chg="add mod">
-          <ac:chgData name="Trung Nghia Nguyen" userId="caf0b1f78d203fdc" providerId="LiveId" clId="{FA98E611-7EE5-4D53-A8F6-A8478DA16B0D}" dt="2023-03-19T19:42:55.901" v="4582" actId="20577"/>
-          <ac:spMkLst>
-            <pc:docMk/>
-            <pc:sldMk cId="420754388" sldId="267"/>
-            <ac:spMk id="5" creationId="{5AE77F4E-29AF-200B-741F-D59D22548F68}"/>
-          </ac:spMkLst>
-        </pc:spChg>
-        <pc:spChg chg="add mod">
-          <ac:chgData name="Trung Nghia Nguyen" userId="caf0b1f78d203fdc" providerId="LiveId" clId="{FA98E611-7EE5-4D53-A8F6-A8478DA16B0D}" dt="2023-03-20T06:46:22.745" v="5552" actId="1076"/>
-          <ac:spMkLst>
-            <pc:docMk/>
-            <pc:sldMk cId="420754388" sldId="267"/>
-            <ac:spMk id="6" creationId="{F3459CBF-C8CB-D11F-4C1C-7F3691FB67D3}"/>
-          </ac:spMkLst>
-        </pc:spChg>
-        <pc:spChg chg="mod">
-          <ac:chgData name="Trung Nghia Nguyen" userId="caf0b1f78d203fdc" providerId="LiveId" clId="{FA98E611-7EE5-4D53-A8F6-A8478DA16B0D}" dt="2023-03-16T06:17:02.365" v="1503" actId="20577"/>
-          <ac:spMkLst>
-            <pc:docMk/>
-            <pc:sldMk cId="420754388" sldId="267"/>
-            <ac:spMk id="14" creationId="{63B4AB36-B54A-EA5C-2A74-F2C80BE0CBC4}"/>
-          </ac:spMkLst>
-        </pc:spChg>
-        <pc:picChg chg="add del mod">
-          <ac:chgData name="Trung Nghia Nguyen" userId="caf0b1f78d203fdc" providerId="LiveId" clId="{FA98E611-7EE5-4D53-A8F6-A8478DA16B0D}" dt="2023-03-20T06:46:09.964" v="5548" actId="478"/>
-          <ac:picMkLst>
-            <pc:docMk/>
-            <pc:sldMk cId="420754388" sldId="267"/>
-            <ac:picMk id="4" creationId="{E12BC0F1-607B-17E9-1754-F5489A61089A}"/>
-          </ac:picMkLst>
-        </pc:picChg>
-        <pc:picChg chg="add mod">
-          <ac:chgData name="Trung Nghia Nguyen" userId="caf0b1f78d203fdc" providerId="LiveId" clId="{FA98E611-7EE5-4D53-A8F6-A8478DA16B0D}" dt="2023-03-20T06:46:17.898" v="5551" actId="1076"/>
-          <ac:picMkLst>
-            <pc:docMk/>
-            <pc:sldMk cId="420754388" sldId="267"/>
-            <ac:picMk id="1026" creationId="{0DDEF103-57C2-30E2-ED3E-9AB7C6BA55E4}"/>
-          </ac:picMkLst>
-        </pc:picChg>
-        <pc:cxnChg chg="add mod">
-          <ac:chgData name="Trung Nghia Nguyen" userId="caf0b1f78d203fdc" providerId="LiveId" clId="{FA98E611-7EE5-4D53-A8F6-A8478DA16B0D}" dt="2023-03-17T04:38:10.896" v="3033"/>
-          <ac:cxnSpMkLst>
-            <pc:docMk/>
-            <pc:sldMk cId="420754388" sldId="267"/>
-            <ac:cxnSpMk id="3" creationId="{C2A7E5D0-0732-35D5-18A2-C5CE2320D9B6}"/>
-          </ac:cxnSpMkLst>
-        </pc:cxnChg>
-      </pc:sldChg>
-      <pc:sldChg chg="addSp delSp modSp add mod replId">
-        <pc:chgData name="Trung Nghia Nguyen" userId="caf0b1f78d203fdc" providerId="LiveId" clId="{FA98E611-7EE5-4D53-A8F6-A8478DA16B0D}" dt="2023-03-20T06:25:48.812" v="4856" actId="1076"/>
-        <pc:sldMkLst>
-          <pc:docMk/>
-          <pc:sldMk cId="1800081090" sldId="268"/>
-        </pc:sldMkLst>
-        <pc:spChg chg="mod">
-          <ac:chgData name="Trung Nghia Nguyen" userId="caf0b1f78d203fdc" providerId="LiveId" clId="{FA98E611-7EE5-4D53-A8F6-A8478DA16B0D}" dt="2023-03-16T06:09:09.571" v="1186" actId="20577"/>
-          <ac:spMkLst>
-            <pc:docMk/>
-            <pc:sldMk cId="1800081090" sldId="268"/>
-            <ac:spMk id="2" creationId="{30380714-4CD2-9849-80A6-8AC66F97DA6F}"/>
-          </ac:spMkLst>
-        </pc:spChg>
-        <pc:spChg chg="add del mod">
-          <ac:chgData name="Trung Nghia Nguyen" userId="caf0b1f78d203fdc" providerId="LiveId" clId="{FA98E611-7EE5-4D53-A8F6-A8478DA16B0D}" dt="2023-03-17T04:39:40.169" v="3068" actId="478"/>
-          <ac:spMkLst>
-            <pc:docMk/>
-            <pc:sldMk cId="1800081090" sldId="268"/>
-            <ac:spMk id="4" creationId="{FC0C686F-2BB6-97A5-A2E3-8228181D7A3F}"/>
-          </ac:spMkLst>
-        </pc:spChg>
-        <pc:spChg chg="add mod">
-          <ac:chgData name="Trung Nghia Nguyen" userId="caf0b1f78d203fdc" providerId="LiveId" clId="{FA98E611-7EE5-4D53-A8F6-A8478DA16B0D}" dt="2023-03-19T19:43:00.657" v="4583" actId="20577"/>
-          <ac:spMkLst>
-            <pc:docMk/>
-            <pc:sldMk cId="1800081090" sldId="268"/>
-            <ac:spMk id="5" creationId="{1D7A3032-17B2-6AEA-AC88-9349A439BD22}"/>
-          </ac:spMkLst>
-        </pc:spChg>
-        <pc:spChg chg="add mod">
-          <ac:chgData name="Trung Nghia Nguyen" userId="caf0b1f78d203fdc" providerId="LiveId" clId="{FA98E611-7EE5-4D53-A8F6-A8478DA16B0D}" dt="2023-03-20T06:25:48.812" v="4856" actId="1076"/>
-          <ac:spMkLst>
-            <pc:docMk/>
-            <pc:sldMk cId="1800081090" sldId="268"/>
-            <ac:spMk id="7" creationId="{EB47DA29-9FCC-30CE-0883-F7F361D9198F}"/>
-          </ac:spMkLst>
-        </pc:spChg>
-        <pc:spChg chg="mod">
-          <ac:chgData name="Trung Nghia Nguyen" userId="caf0b1f78d203fdc" providerId="LiveId" clId="{FA98E611-7EE5-4D53-A8F6-A8478DA16B0D}" dt="2023-03-16T06:17:09.861" v="1517" actId="20577"/>
-          <ac:spMkLst>
-            <pc:docMk/>
-            <pc:sldMk cId="1800081090" sldId="268"/>
-            <ac:spMk id="14" creationId="{63B4AB36-B54A-EA5C-2A74-F2C80BE0CBC4}"/>
-          </ac:spMkLst>
-        </pc:spChg>
-        <pc:picChg chg="add mod ord">
-          <ac:chgData name="Trung Nghia Nguyen" userId="caf0b1f78d203fdc" providerId="LiveId" clId="{FA98E611-7EE5-4D53-A8F6-A8478DA16B0D}" dt="2023-03-20T06:25:20.301" v="4812" actId="1076"/>
-          <ac:picMkLst>
-            <pc:docMk/>
-            <pc:sldMk cId="1800081090" sldId="268"/>
-            <ac:picMk id="6" creationId="{17B1B28A-E020-8A31-7198-F20684828AFD}"/>
-          </ac:picMkLst>
-        </pc:picChg>
-        <pc:cxnChg chg="add mod">
-          <ac:chgData name="Trung Nghia Nguyen" userId="caf0b1f78d203fdc" providerId="LiveId" clId="{FA98E611-7EE5-4D53-A8F6-A8478DA16B0D}" dt="2023-03-17T04:38:12.276" v="3034"/>
-          <ac:cxnSpMkLst>
-            <pc:docMk/>
-            <pc:sldMk cId="1800081090" sldId="268"/>
-            <ac:cxnSpMk id="3" creationId="{BAC105F8-C950-5DDE-6CB7-BB032057CD4E}"/>
-          </ac:cxnSpMkLst>
-        </pc:cxnChg>
-      </pc:sldChg>
-      <pc:sldChg chg="addSp delSp modSp add mod">
-        <pc:chgData name="Trung Nghia Nguyen" userId="caf0b1f78d203fdc" providerId="LiveId" clId="{FA98E611-7EE5-4D53-A8F6-A8478DA16B0D}" dt="2023-03-20T06:40:30.436" v="5472" actId="1076"/>
-        <pc:sldMkLst>
-          <pc:docMk/>
-          <pc:sldMk cId="4260099494" sldId="269"/>
-        </pc:sldMkLst>
-        <pc:spChg chg="mod">
-          <ac:chgData name="Trung Nghia Nguyen" userId="caf0b1f78d203fdc" providerId="LiveId" clId="{FA98E611-7EE5-4D53-A8F6-A8478DA16B0D}" dt="2023-03-16T06:09:28.908" v="1189" actId="20577"/>
-          <ac:spMkLst>
-            <pc:docMk/>
-            <pc:sldMk cId="4260099494" sldId="269"/>
-            <ac:spMk id="2" creationId="{30380714-4CD2-9849-80A6-8AC66F97DA6F}"/>
-          </ac:spMkLst>
-        </pc:spChg>
-        <pc:spChg chg="add del mod">
-          <ac:chgData name="Trung Nghia Nguyen" userId="caf0b1f78d203fdc" providerId="LiveId" clId="{FA98E611-7EE5-4D53-A8F6-A8478DA16B0D}" dt="2023-03-17T04:39:43.792" v="3070" actId="478"/>
-          <ac:spMkLst>
-            <pc:docMk/>
-            <pc:sldMk cId="4260099494" sldId="269"/>
-            <ac:spMk id="4" creationId="{4A9B31A6-4583-92AA-E2E8-0E1B56527FAB}"/>
-          </ac:spMkLst>
-        </pc:spChg>
-        <pc:spChg chg="add mod">
-          <ac:chgData name="Trung Nghia Nguyen" userId="caf0b1f78d203fdc" providerId="LiveId" clId="{FA98E611-7EE5-4D53-A8F6-A8478DA16B0D}" dt="2023-03-20T06:40:30.436" v="5472" actId="1076"/>
-          <ac:spMkLst>
-            <pc:docMk/>
-            <pc:sldMk cId="4260099494" sldId="269"/>
-            <ac:spMk id="4" creationId="{85BE9376-B78B-4D14-03B7-71E92F2B4246}"/>
-          </ac:spMkLst>
-        </pc:spChg>
-        <pc:spChg chg="add mod">
-          <ac:chgData name="Trung Nghia Nguyen" userId="caf0b1f78d203fdc" providerId="LiveId" clId="{FA98E611-7EE5-4D53-A8F6-A8478DA16B0D}" dt="2023-03-19T19:43:05.507" v="4586" actId="20577"/>
-          <ac:spMkLst>
-            <pc:docMk/>
-            <pc:sldMk cId="4260099494" sldId="269"/>
-            <ac:spMk id="5" creationId="{44F9D552-E912-19E9-0162-3E4C662F5413}"/>
-          </ac:spMkLst>
-        </pc:spChg>
-        <pc:spChg chg="mod">
-          <ac:chgData name="Trung Nghia Nguyen" userId="caf0b1f78d203fdc" providerId="LiveId" clId="{FA98E611-7EE5-4D53-A8F6-A8478DA16B0D}" dt="2023-03-16T06:17:18.839" v="1535" actId="20577"/>
-          <ac:spMkLst>
-            <pc:docMk/>
-            <pc:sldMk cId="4260099494" sldId="269"/>
-            <ac:spMk id="14" creationId="{63B4AB36-B54A-EA5C-2A74-F2C80BE0CBC4}"/>
-          </ac:spMkLst>
-        </pc:spChg>
-        <pc:picChg chg="add mod ord">
-          <ac:chgData name="Trung Nghia Nguyen" userId="caf0b1f78d203fdc" providerId="LiveId" clId="{FA98E611-7EE5-4D53-A8F6-A8478DA16B0D}" dt="2023-03-18T18:27:23.003" v="3592" actId="1076"/>
-          <ac:picMkLst>
-            <pc:docMk/>
-            <pc:sldMk cId="4260099494" sldId="269"/>
-            <ac:picMk id="6" creationId="{373DC444-4599-D269-D2D6-A3F6CA69A851}"/>
-          </ac:picMkLst>
-        </pc:picChg>
-        <pc:cxnChg chg="add mod">
-          <ac:chgData name="Trung Nghia Nguyen" userId="caf0b1f78d203fdc" providerId="LiveId" clId="{FA98E611-7EE5-4D53-A8F6-A8478DA16B0D}" dt="2023-03-17T04:38:13.996" v="3035"/>
-          <ac:cxnSpMkLst>
-            <pc:docMk/>
-            <pc:sldMk cId="4260099494" sldId="269"/>
-            <ac:cxnSpMk id="3" creationId="{ACBF7746-FE0E-173A-5173-1104D3149676}"/>
-          </ac:cxnSpMkLst>
-        </pc:cxnChg>
-      </pc:sldChg>
-      <pc:sldChg chg="addSp delSp modSp add mod">
-        <pc:chgData name="Trung Nghia Nguyen" userId="caf0b1f78d203fdc" providerId="LiveId" clId="{FA98E611-7EE5-4D53-A8F6-A8478DA16B0D}" dt="2023-03-20T07:02:09.542" v="5649" actId="1076"/>
-        <pc:sldMkLst>
-          <pc:docMk/>
-          <pc:sldMk cId="2511818953" sldId="270"/>
-        </pc:sldMkLst>
-        <pc:spChg chg="mod">
-          <ac:chgData name="Trung Nghia Nguyen" userId="caf0b1f78d203fdc" providerId="LiveId" clId="{FA98E611-7EE5-4D53-A8F6-A8478DA16B0D}" dt="2023-03-16T06:10:07.671" v="1198" actId="20577"/>
-          <ac:spMkLst>
-            <pc:docMk/>
-            <pc:sldMk cId="2511818953" sldId="270"/>
-            <ac:spMk id="2" creationId="{30380714-4CD2-9849-80A6-8AC66F97DA6F}"/>
-          </ac:spMkLst>
-        </pc:spChg>
-        <pc:spChg chg="add del mod">
-          <ac:chgData name="Trung Nghia Nguyen" userId="caf0b1f78d203fdc" providerId="LiveId" clId="{FA98E611-7EE5-4D53-A8F6-A8478DA16B0D}" dt="2023-03-17T04:39:50.628" v="3074" actId="478"/>
-          <ac:spMkLst>
-            <pc:docMk/>
-            <pc:sldMk cId="2511818953" sldId="270"/>
-            <ac:spMk id="4" creationId="{AFB91D5C-95A0-4C14-9E44-3E33C99FBE7F}"/>
-          </ac:spMkLst>
-        </pc:spChg>
-        <pc:spChg chg="add mod">
-          <ac:chgData name="Trung Nghia Nguyen" userId="caf0b1f78d203fdc" providerId="LiveId" clId="{FA98E611-7EE5-4D53-A8F6-A8478DA16B0D}" dt="2023-03-20T07:02:09.542" v="5649" actId="1076"/>
-          <ac:spMkLst>
-            <pc:docMk/>
-            <pc:sldMk cId="2511818953" sldId="270"/>
-            <ac:spMk id="4" creationId="{C9A8F3A0-7BA7-04C0-6A45-BDCDED7689FE}"/>
-          </ac:spMkLst>
-        </pc:spChg>
-        <pc:spChg chg="add mod">
-          <ac:chgData name="Trung Nghia Nguyen" userId="caf0b1f78d203fdc" providerId="LiveId" clId="{FA98E611-7EE5-4D53-A8F6-A8478DA16B0D}" dt="2023-03-19T19:43:14.363" v="4590" actId="20577"/>
-          <ac:spMkLst>
-            <pc:docMk/>
-            <pc:sldMk cId="2511818953" sldId="270"/>
-            <ac:spMk id="5" creationId="{7E679B62-7EFE-6C17-20E7-5EFB751FBD73}"/>
-          </ac:spMkLst>
-        </pc:spChg>
-        <pc:spChg chg="mod">
-          <ac:chgData name="Trung Nghia Nguyen" userId="caf0b1f78d203fdc" providerId="LiveId" clId="{FA98E611-7EE5-4D53-A8F6-A8478DA16B0D}" dt="2023-03-16T06:10:22.239" v="1205" actId="20577"/>
-          <ac:spMkLst>
-            <pc:docMk/>
-            <pc:sldMk cId="2511818953" sldId="270"/>
-            <ac:spMk id="14" creationId="{63B4AB36-B54A-EA5C-2A74-F2C80BE0CBC4}"/>
-          </ac:spMkLst>
-        </pc:spChg>
-        <pc:picChg chg="add del mod">
-          <ac:chgData name="Trung Nghia Nguyen" userId="caf0b1f78d203fdc" providerId="LiveId" clId="{FA98E611-7EE5-4D53-A8F6-A8478DA16B0D}" dt="2023-03-18T18:30:02.221" v="3595" actId="478"/>
-          <ac:picMkLst>
-            <pc:docMk/>
-            <pc:sldMk cId="2511818953" sldId="270"/>
-            <ac:picMk id="6" creationId="{83246909-A1CC-816B-D558-2403AE26644F}"/>
-          </ac:picMkLst>
-        </pc:picChg>
-        <pc:picChg chg="add del mod">
-          <ac:chgData name="Trung Nghia Nguyen" userId="caf0b1f78d203fdc" providerId="LiveId" clId="{FA98E611-7EE5-4D53-A8F6-A8478DA16B0D}" dt="2023-03-18T18:31:57.248" v="3598" actId="478"/>
-          <ac:picMkLst>
-            <pc:docMk/>
-            <pc:sldMk cId="2511818953" sldId="270"/>
-            <ac:picMk id="8" creationId="{886B370D-F837-49D0-4BAA-2CBF68A486EA}"/>
-          </ac:picMkLst>
-        </pc:picChg>
-        <pc:picChg chg="add mod">
-          <ac:chgData name="Trung Nghia Nguyen" userId="caf0b1f78d203fdc" providerId="LiveId" clId="{FA98E611-7EE5-4D53-A8F6-A8478DA16B0D}" dt="2023-03-20T07:01:40.251" v="5555" actId="14100"/>
-          <ac:picMkLst>
-            <pc:docMk/>
-            <pc:sldMk cId="2511818953" sldId="270"/>
-            <ac:picMk id="10" creationId="{18007800-E682-98CF-F763-93064B193CD7}"/>
-          </ac:picMkLst>
-        </pc:picChg>
-        <pc:picChg chg="add mod">
-          <ac:chgData name="Trung Nghia Nguyen" userId="caf0b1f78d203fdc" providerId="LiveId" clId="{FA98E611-7EE5-4D53-A8F6-A8478DA16B0D}" dt="2023-03-20T07:01:42.097" v="5556" actId="1076"/>
-          <ac:picMkLst>
-            <pc:docMk/>
-            <pc:sldMk cId="2511818953" sldId="270"/>
-            <ac:picMk id="13" creationId="{5ECDC6C7-6458-4D2B-BD68-F1E95B358571}"/>
-          </ac:picMkLst>
-        </pc:picChg>
-        <pc:cxnChg chg="add mod">
-          <ac:chgData name="Trung Nghia Nguyen" userId="caf0b1f78d203fdc" providerId="LiveId" clId="{FA98E611-7EE5-4D53-A8F6-A8478DA16B0D}" dt="2023-03-17T04:38:17.041" v="3037"/>
-          <ac:cxnSpMkLst>
-            <pc:docMk/>
-            <pc:sldMk cId="2511818953" sldId="270"/>
-            <ac:cxnSpMk id="3" creationId="{01D99BB4-E244-0C9E-63D6-F28CA9060656}"/>
-          </ac:cxnSpMkLst>
-        </pc:cxnChg>
-      </pc:sldChg>
-      <pc:sldChg chg="addSp delSp modSp add mod replId">
-        <pc:chgData name="Trung Nghia Nguyen" userId="caf0b1f78d203fdc" providerId="LiveId" clId="{FA98E611-7EE5-4D53-A8F6-A8478DA16B0D}" dt="2023-03-20T07:02:42.471" v="5724" actId="1076"/>
-        <pc:sldMkLst>
-          <pc:docMk/>
-          <pc:sldMk cId="2278832414" sldId="271"/>
-        </pc:sldMkLst>
-        <pc:spChg chg="mod">
-          <ac:chgData name="Trung Nghia Nguyen" userId="caf0b1f78d203fdc" providerId="LiveId" clId="{FA98E611-7EE5-4D53-A8F6-A8478DA16B0D}" dt="2023-03-16T06:10:13.451" v="1200" actId="20577"/>
-          <ac:spMkLst>
-            <pc:docMk/>
-            <pc:sldMk cId="2278832414" sldId="271"/>
-            <ac:spMk id="2" creationId="{30380714-4CD2-9849-80A6-8AC66F97DA6F}"/>
-          </ac:spMkLst>
-        </pc:spChg>
-        <pc:spChg chg="add del mod">
-          <ac:chgData name="Trung Nghia Nguyen" userId="caf0b1f78d203fdc" providerId="LiveId" clId="{FA98E611-7EE5-4D53-A8F6-A8478DA16B0D}" dt="2023-03-17T04:39:56.114" v="3076" actId="478"/>
-          <ac:spMkLst>
-            <pc:docMk/>
-            <pc:sldMk cId="2278832414" sldId="271"/>
-            <ac:spMk id="4" creationId="{75AE8E16-8704-F0FC-A727-505C588A8404}"/>
-          </ac:spMkLst>
-        </pc:spChg>
-        <pc:spChg chg="add mod">
-          <ac:chgData name="Trung Nghia Nguyen" userId="caf0b1f78d203fdc" providerId="LiveId" clId="{FA98E611-7EE5-4D53-A8F6-A8478DA16B0D}" dt="2023-03-20T07:02:42.471" v="5724" actId="1076"/>
-          <ac:spMkLst>
-            <pc:docMk/>
-            <pc:sldMk cId="2278832414" sldId="271"/>
-            <ac:spMk id="4" creationId="{F72DE690-623E-F6CB-33BB-A3DEC8E1BDBC}"/>
-          </ac:spMkLst>
-        </pc:spChg>
-        <pc:spChg chg="add mod">
-          <ac:chgData name="Trung Nghia Nguyen" userId="caf0b1f78d203fdc" providerId="LiveId" clId="{FA98E611-7EE5-4D53-A8F6-A8478DA16B0D}" dt="2023-03-19T19:43:19.278" v="4593" actId="20577"/>
-          <ac:spMkLst>
-            <pc:docMk/>
-            <pc:sldMk cId="2278832414" sldId="271"/>
-            <ac:spMk id="5" creationId="{C9086857-A576-49DA-0719-5BEB9C24F20C}"/>
-          </ac:spMkLst>
-        </pc:spChg>
-        <pc:spChg chg="add del">
-          <ac:chgData name="Trung Nghia Nguyen" userId="caf0b1f78d203fdc" providerId="LiveId" clId="{FA98E611-7EE5-4D53-A8F6-A8478DA16B0D}" dt="2023-03-18T18:48:21.799" v="3605" actId="22"/>
-          <ac:spMkLst>
-            <pc:docMk/>
-            <pc:sldMk cId="2278832414" sldId="271"/>
-            <ac:spMk id="6" creationId="{5B87C63A-F05D-9F9B-3078-B83C9F562134}"/>
-          </ac:spMkLst>
-        </pc:spChg>
-        <pc:spChg chg="mod">
-          <ac:chgData name="Trung Nghia Nguyen" userId="caf0b1f78d203fdc" providerId="LiveId" clId="{FA98E611-7EE5-4D53-A8F6-A8478DA16B0D}" dt="2023-03-16T06:10:27.110" v="1214" actId="20577"/>
-          <ac:spMkLst>
-            <pc:docMk/>
-            <pc:sldMk cId="2278832414" sldId="271"/>
-            <ac:spMk id="14" creationId="{63B4AB36-B54A-EA5C-2A74-F2C80BE0CBC4}"/>
-          </ac:spMkLst>
-        </pc:spChg>
-        <pc:picChg chg="add mod">
-          <ac:chgData name="Trung Nghia Nguyen" userId="caf0b1f78d203fdc" providerId="LiveId" clId="{FA98E611-7EE5-4D53-A8F6-A8478DA16B0D}" dt="2023-03-18T18:48:28.906" v="3609" actId="1076"/>
-          <ac:picMkLst>
-            <pc:docMk/>
-            <pc:sldMk cId="2278832414" sldId="271"/>
-            <ac:picMk id="8" creationId="{820423F8-513B-EEA7-5347-CED754AC2ADB}"/>
-          </ac:picMkLst>
-        </pc:picChg>
-        <pc:cxnChg chg="add mod">
-          <ac:chgData name="Trung Nghia Nguyen" userId="caf0b1f78d203fdc" providerId="LiveId" clId="{FA98E611-7EE5-4D53-A8F6-A8478DA16B0D}" dt="2023-03-17T04:38:18.269" v="3038"/>
-          <ac:cxnSpMkLst>
-            <pc:docMk/>
-            <pc:sldMk cId="2278832414" sldId="271"/>
-            <ac:cxnSpMk id="3" creationId="{0793C2BD-0304-6397-AA72-38E3636506AC}"/>
-          </ac:cxnSpMkLst>
-        </pc:cxnChg>
-      </pc:sldChg>
-      <pc:sldChg chg="addSp delSp modSp add mod">
-        <pc:chgData name="Trung Nghia Nguyen" userId="caf0b1f78d203fdc" providerId="LiveId" clId="{FA98E611-7EE5-4D53-A8F6-A8478DA16B0D}" dt="2023-03-20T07:19:32.351" v="7035" actId="20577"/>
-        <pc:sldMkLst>
-          <pc:docMk/>
-          <pc:sldMk cId="610409002" sldId="272"/>
-        </pc:sldMkLst>
-        <pc:spChg chg="mod">
-          <ac:chgData name="Trung Nghia Nguyen" userId="caf0b1f78d203fdc" providerId="LiveId" clId="{FA98E611-7EE5-4D53-A8F6-A8478DA16B0D}" dt="2023-03-19T19:37:12.524" v="4433" actId="114"/>
-          <ac:spMkLst>
-            <pc:docMk/>
-            <pc:sldMk cId="610409002" sldId="272"/>
-            <ac:spMk id="2" creationId="{30380714-4CD2-9849-80A6-8AC66F97DA6F}"/>
-          </ac:spMkLst>
-        </pc:spChg>
-        <pc:spChg chg="add mod">
-          <ac:chgData name="Trung Nghia Nguyen" userId="caf0b1f78d203fdc" providerId="LiveId" clId="{FA98E611-7EE5-4D53-A8F6-A8478DA16B0D}" dt="2023-03-20T07:19:32.351" v="7035" actId="20577"/>
-          <ac:spMkLst>
-            <pc:docMk/>
-            <pc:sldMk cId="610409002" sldId="272"/>
-            <ac:spMk id="4" creationId="{CE933A1E-D43F-BDBC-88C5-FA719398A112}"/>
-          </ac:spMkLst>
-        </pc:spChg>
-        <pc:spChg chg="add del mod">
-          <ac:chgData name="Trung Nghia Nguyen" userId="caf0b1f78d203fdc" providerId="LiveId" clId="{FA98E611-7EE5-4D53-A8F6-A8478DA16B0D}" dt="2023-03-19T19:41:14.049" v="4554" actId="478"/>
-          <ac:spMkLst>
-            <pc:docMk/>
-            <pc:sldMk cId="610409002" sldId="272"/>
-            <ac:spMk id="6" creationId="{6E7DC4E6-EDF3-8448-440F-42E4F1368376}"/>
-          </ac:spMkLst>
-        </pc:spChg>
-        <pc:spChg chg="mod">
-          <ac:chgData name="Trung Nghia Nguyen" userId="caf0b1f78d203fdc" providerId="LiveId" clId="{FA98E611-7EE5-4D53-A8F6-A8478DA16B0D}" dt="2023-03-16T06:11:24.344" v="1251" actId="20577"/>
-          <ac:spMkLst>
-            <pc:docMk/>
-            <pc:sldMk cId="610409002" sldId="272"/>
-            <ac:spMk id="14" creationId="{63B4AB36-B54A-EA5C-2A74-F2C80BE0CBC4}"/>
-          </ac:spMkLst>
-        </pc:spChg>
-        <pc:graphicFrameChg chg="add mod modGraphic">
-          <ac:chgData name="Trung Nghia Nguyen" userId="caf0b1f78d203fdc" providerId="LiveId" clId="{FA98E611-7EE5-4D53-A8F6-A8478DA16B0D}" dt="2023-03-19T19:41:20.482" v="4555" actId="1076"/>
-          <ac:graphicFrameMkLst>
-            <pc:docMk/>
-            <pc:sldMk cId="610409002" sldId="272"/>
-            <ac:graphicFrameMk id="7" creationId="{B54C5B81-FA74-EF54-364C-2501CA6C224F}"/>
-          </ac:graphicFrameMkLst>
-        </pc:graphicFrameChg>
-        <pc:cxnChg chg="add mod">
-          <ac:chgData name="Trung Nghia Nguyen" userId="caf0b1f78d203fdc" providerId="LiveId" clId="{FA98E611-7EE5-4D53-A8F6-A8478DA16B0D}" dt="2023-03-17T04:38:23.115" v="3041"/>
-          <ac:cxnSpMkLst>
-            <pc:docMk/>
-            <pc:sldMk cId="610409002" sldId="272"/>
-            <ac:cxnSpMk id="3" creationId="{435823BE-9FB1-635E-7F74-DEA50A87D246}"/>
-          </ac:cxnSpMkLst>
-        </pc:cxnChg>
-      </pc:sldChg>
-      <pc:sldChg chg="addSp delSp modSp add mod">
-        <pc:chgData name="Trung Nghia Nguyen" userId="caf0b1f78d203fdc" providerId="LiveId" clId="{FA98E611-7EE5-4D53-A8F6-A8478DA16B0D}" dt="2023-03-19T19:42:38.278" v="4577" actId="20577"/>
-        <pc:sldMkLst>
-          <pc:docMk/>
-          <pc:sldMk cId="3245475923" sldId="273"/>
-        </pc:sldMkLst>
-        <pc:spChg chg="del">
-          <ac:chgData name="Trung Nghia Nguyen" userId="caf0b1f78d203fdc" providerId="LiveId" clId="{FA98E611-7EE5-4D53-A8F6-A8478DA16B0D}" dt="2023-03-16T06:11:43.156" v="1253" actId="478"/>
-          <ac:spMkLst>
-            <pc:docMk/>
-            <pc:sldMk cId="3245475923" sldId="273"/>
-            <ac:spMk id="2" creationId="{30380714-4CD2-9849-80A6-8AC66F97DA6F}"/>
-          </ac:spMkLst>
-        </pc:spChg>
-        <pc:spChg chg="add mod">
-          <ac:chgData name="Trung Nghia Nguyen" userId="caf0b1f78d203fdc" providerId="LiveId" clId="{FA98E611-7EE5-4D53-A8F6-A8478DA16B0D}" dt="2023-03-16T06:16:03.718" v="1468" actId="20577"/>
-          <ac:spMkLst>
-            <pc:docMk/>
-            <pc:sldMk cId="3245475923" sldId="273"/>
-            <ac:spMk id="4" creationId="{459EF129-6740-B341-7BC7-05D580180742}"/>
-          </ac:spMkLst>
-        </pc:spChg>
-        <pc:spChg chg="add del mod">
-          <ac:chgData name="Trung Nghia Nguyen" userId="caf0b1f78d203fdc" providerId="LiveId" clId="{FA98E611-7EE5-4D53-A8F6-A8478DA16B0D}" dt="2023-03-17T04:39:23.979" v="3060" actId="478"/>
-          <ac:spMkLst>
-            <pc:docMk/>
-            <pc:sldMk cId="3245475923" sldId="273"/>
-            <ac:spMk id="5" creationId="{E1627484-B3B2-F2C3-F446-F44A1980716C}"/>
-          </ac:spMkLst>
-        </pc:spChg>
-        <pc:spChg chg="add mod">
-          <ac:chgData name="Trung Nghia Nguyen" userId="caf0b1f78d203fdc" providerId="LiveId" clId="{FA98E611-7EE5-4D53-A8F6-A8478DA16B0D}" dt="2023-03-19T19:42:38.278" v="4577" actId="20577"/>
-          <ac:spMkLst>
-            <pc:docMk/>
-            <pc:sldMk cId="3245475923" sldId="273"/>
-            <ac:spMk id="6" creationId="{F6D86575-6F62-E86B-CB8C-67FDEFFD30D6}"/>
-          </ac:spMkLst>
-        </pc:spChg>
-        <pc:graphicFrameChg chg="add mod modGraphic">
-          <ac:chgData name="Trung Nghia Nguyen" userId="caf0b1f78d203fdc" providerId="LiveId" clId="{FA98E611-7EE5-4D53-A8F6-A8478DA16B0D}" dt="2023-03-19T19:27:35.395" v="4349" actId="20577"/>
-          <ac:graphicFrameMkLst>
-            <pc:docMk/>
-            <pc:sldMk cId="3245475923" sldId="273"/>
-            <ac:graphicFrameMk id="3" creationId="{5E8325E1-BDCF-5783-E97F-C770E7E58F6D}"/>
-          </ac:graphicFrameMkLst>
-        </pc:graphicFrameChg>
-        <pc:cxnChg chg="add mod">
-          <ac:chgData name="Trung Nghia Nguyen" userId="caf0b1f78d203fdc" providerId="LiveId" clId="{FA98E611-7EE5-4D53-A8F6-A8478DA16B0D}" dt="2023-03-17T04:38:05.752" v="3030"/>
-          <ac:cxnSpMkLst>
-            <pc:docMk/>
-            <pc:sldMk cId="3245475923" sldId="273"/>
-            <ac:cxnSpMk id="2" creationId="{7C8A4417-1481-B1E7-23CC-E5C9CAD25F2C}"/>
-          </ac:cxnSpMkLst>
-        </pc:cxnChg>
-      </pc:sldChg>
-      <pc:sldChg chg="addSp delSp modSp add mod ord">
-        <pc:chgData name="Trung Nghia Nguyen" userId="caf0b1f78d203fdc" providerId="LiveId" clId="{FA98E611-7EE5-4D53-A8F6-A8478DA16B0D}" dt="2023-03-19T19:43:09.521" v="4587" actId="20577"/>
-        <pc:sldMkLst>
-          <pc:docMk/>
-          <pc:sldMk cId="1354583273" sldId="274"/>
-        </pc:sldMkLst>
-        <pc:spChg chg="add del mod">
-          <ac:chgData name="Trung Nghia Nguyen" userId="caf0b1f78d203fdc" providerId="LiveId" clId="{FA98E611-7EE5-4D53-A8F6-A8478DA16B0D}" dt="2023-03-17T04:39:47.372" v="3072" actId="478"/>
-          <ac:spMkLst>
-            <pc:docMk/>
-            <pc:sldMk cId="1354583273" sldId="274"/>
-            <ac:spMk id="5" creationId="{5C96A552-627E-CE46-EB0C-BD1DE0A52080}"/>
-          </ac:spMkLst>
-        </pc:spChg>
-        <pc:spChg chg="add mod">
-          <ac:chgData name="Trung Nghia Nguyen" userId="caf0b1f78d203fdc" providerId="LiveId" clId="{FA98E611-7EE5-4D53-A8F6-A8478DA16B0D}" dt="2023-03-19T19:43:09.521" v="4587" actId="20577"/>
-          <ac:spMkLst>
-            <pc:docMk/>
-            <pc:sldMk cId="1354583273" sldId="274"/>
-            <ac:spMk id="6" creationId="{2562B724-D426-FE46-6638-FB3781266C15}"/>
-          </ac:spMkLst>
-        </pc:spChg>
-        <pc:spChg chg="mod">
-          <ac:chgData name="Trung Nghia Nguyen" userId="caf0b1f78d203fdc" providerId="LiveId" clId="{FA98E611-7EE5-4D53-A8F6-A8478DA16B0D}" dt="2023-03-16T06:17:40.589" v="1559" actId="20577"/>
-          <ac:spMkLst>
-            <pc:docMk/>
-            <pc:sldMk cId="1354583273" sldId="274"/>
-            <ac:spMk id="14" creationId="{63B4AB36-B54A-EA5C-2A74-F2C80BE0CBC4}"/>
-          </ac:spMkLst>
-        </pc:spChg>
-        <pc:graphicFrameChg chg="add del modGraphic">
-          <ac:chgData name="Trung Nghia Nguyen" userId="caf0b1f78d203fdc" providerId="LiveId" clId="{FA98E611-7EE5-4D53-A8F6-A8478DA16B0D}" dt="2023-03-19T19:34:09.297" v="4407" actId="20577"/>
-          <ac:graphicFrameMkLst>
-            <pc:docMk/>
-            <pc:sldMk cId="1354583273" sldId="274"/>
-            <ac:graphicFrameMk id="3" creationId="{5E8325E1-BDCF-5783-E97F-C770E7E58F6D}"/>
-          </ac:graphicFrameMkLst>
-        </pc:graphicFrameChg>
-        <pc:cxnChg chg="add mod">
-          <ac:chgData name="Trung Nghia Nguyen" userId="caf0b1f78d203fdc" providerId="LiveId" clId="{FA98E611-7EE5-4D53-A8F6-A8478DA16B0D}" dt="2023-03-17T04:38:15.696" v="3036"/>
-          <ac:cxnSpMkLst>
-            <pc:docMk/>
-            <pc:sldMk cId="1354583273" sldId="274"/>
-            <ac:cxnSpMk id="2" creationId="{D42DA17F-60A5-AE4F-3CF5-1D8ED68A7208}"/>
-          </ac:cxnSpMkLst>
-        </pc:cxnChg>
-      </pc:sldChg>
-      <pc:sldChg chg="addSp delSp modSp add mod">
-        <pc:chgData name="Trung Nghia Nguyen" userId="caf0b1f78d203fdc" providerId="LiveId" clId="{FA98E611-7EE5-4D53-A8F6-A8478DA16B0D}" dt="2023-03-19T19:43:24.151" v="4596" actId="20577"/>
-        <pc:sldMkLst>
-          <pc:docMk/>
-          <pc:sldMk cId="288851990" sldId="275"/>
-        </pc:sldMkLst>
-        <pc:spChg chg="add del mod">
-          <ac:chgData name="Trung Nghia Nguyen" userId="caf0b1f78d203fdc" providerId="LiveId" clId="{FA98E611-7EE5-4D53-A8F6-A8478DA16B0D}" dt="2023-03-16T06:19:33.875" v="1634" actId="478"/>
-          <ac:spMkLst>
-            <pc:docMk/>
-            <pc:sldMk cId="288851990" sldId="275"/>
-            <ac:spMk id="5" creationId="{1C61A998-27D5-7046-F7BE-75F861F5E290}"/>
-          </ac:spMkLst>
-        </pc:spChg>
-        <pc:spChg chg="add del mod">
-          <ac:chgData name="Trung Nghia Nguyen" userId="caf0b1f78d203fdc" providerId="LiveId" clId="{FA98E611-7EE5-4D53-A8F6-A8478DA16B0D}" dt="2023-03-17T04:40:00.889" v="3078" actId="478"/>
-          <ac:spMkLst>
-            <pc:docMk/>
-            <pc:sldMk cId="288851990" sldId="275"/>
-            <ac:spMk id="5" creationId="{705A7030-1F27-CBA4-A7AA-C6D158A2EFFB}"/>
-          </ac:spMkLst>
-        </pc:spChg>
-        <pc:spChg chg="add mod">
-          <ac:chgData name="Trung Nghia Nguyen" userId="caf0b1f78d203fdc" providerId="LiveId" clId="{FA98E611-7EE5-4D53-A8F6-A8478DA16B0D}" dt="2023-03-19T19:43:24.151" v="4596" actId="20577"/>
-          <ac:spMkLst>
-            <pc:docMk/>
-            <pc:sldMk cId="288851990" sldId="275"/>
-            <ac:spMk id="6" creationId="{FA80F292-9DC6-3B07-3494-F7CEDA19647D}"/>
-          </ac:spMkLst>
-        </pc:spChg>
-        <pc:spChg chg="mod">
-          <ac:chgData name="Trung Nghia Nguyen" userId="caf0b1f78d203fdc" providerId="LiveId" clId="{FA98E611-7EE5-4D53-A8F6-A8478DA16B0D}" dt="2023-03-16T06:17:31.445" v="1541" actId="20577"/>
-          <ac:spMkLst>
-            <pc:docMk/>
-            <pc:sldMk cId="288851990" sldId="275"/>
-            <ac:spMk id="14" creationId="{63B4AB36-B54A-EA5C-2A74-F2C80BE0CBC4}"/>
-          </ac:spMkLst>
-        </pc:spChg>
-        <pc:graphicFrameChg chg="add del mod">
-          <ac:chgData name="Trung Nghia Nguyen" userId="caf0b1f78d203fdc" providerId="LiveId" clId="{FA98E611-7EE5-4D53-A8F6-A8478DA16B0D}" dt="2023-03-16T06:19:33.875" v="1634" actId="478"/>
-          <ac:graphicFrameMkLst>
-            <pc:docMk/>
-            <pc:sldMk cId="288851990" sldId="275"/>
-            <ac:graphicFrameMk id="2" creationId="{DE54A4EB-23C8-299C-A87F-8BB31473006A}"/>
-          </ac:graphicFrameMkLst>
-        </pc:graphicFrameChg>
-        <pc:graphicFrameChg chg="add del modGraphic">
-          <ac:chgData name="Trung Nghia Nguyen" userId="caf0b1f78d203fdc" providerId="LiveId" clId="{FA98E611-7EE5-4D53-A8F6-A8478DA16B0D}" dt="2023-03-19T19:34:24.716" v="4431" actId="20577"/>
-          <ac:graphicFrameMkLst>
-            <pc:docMk/>
-            <pc:sldMk cId="288851990" sldId="275"/>
-            <ac:graphicFrameMk id="3" creationId="{5E8325E1-BDCF-5783-E97F-C770E7E58F6D}"/>
-          </ac:graphicFrameMkLst>
-        </pc:graphicFrameChg>
-        <pc:cxnChg chg="add mod">
-          <ac:chgData name="Trung Nghia Nguyen" userId="caf0b1f78d203fdc" providerId="LiveId" clId="{FA98E611-7EE5-4D53-A8F6-A8478DA16B0D}" dt="2023-03-17T04:38:20.076" v="3039"/>
-          <ac:cxnSpMkLst>
-            <pc:docMk/>
-            <pc:sldMk cId="288851990" sldId="275"/>
-            <ac:cxnSpMk id="2" creationId="{9C1236E6-E36B-726A-5DB7-9CAC65580E73}"/>
-          </ac:cxnSpMkLst>
-        </pc:cxnChg>
-      </pc:sldChg>
-      <pc:sldChg chg="addSp delSp modSp add mod">
-        <pc:chgData name="Trung Nghia Nguyen" userId="caf0b1f78d203fdc" providerId="LiveId" clId="{FA98E611-7EE5-4D53-A8F6-A8478DA16B0D}" dt="2023-03-20T07:03:02.489" v="5743" actId="5793"/>
-        <pc:sldMkLst>
-          <pc:docMk/>
-          <pc:sldMk cId="2797651471" sldId="276"/>
-        </pc:sldMkLst>
-        <pc:spChg chg="mod">
-          <ac:chgData name="Trung Nghia Nguyen" userId="caf0b1f78d203fdc" providerId="LiveId" clId="{FA98E611-7EE5-4D53-A8F6-A8478DA16B0D}" dt="2023-03-16T06:20:01.560" v="1716" actId="20577"/>
-          <ac:spMkLst>
-            <pc:docMk/>
-            <pc:sldMk cId="2797651471" sldId="276"/>
-            <ac:spMk id="4" creationId="{459EF129-6740-B341-7BC7-05D580180742}"/>
-          </ac:spMkLst>
-        </pc:spChg>
-        <pc:spChg chg="add del mod">
-          <ac:chgData name="Trung Nghia Nguyen" userId="caf0b1f78d203fdc" providerId="LiveId" clId="{FA98E611-7EE5-4D53-A8F6-A8478DA16B0D}" dt="2023-03-17T04:40:05.232" v="3080" actId="478"/>
-          <ac:spMkLst>
-            <pc:docMk/>
-            <pc:sldMk cId="2797651471" sldId="276"/>
-            <ac:spMk id="5" creationId="{1A768D09-65B6-BD7C-A142-B559924B5F8D}"/>
-          </ac:spMkLst>
-        </pc:spChg>
-        <pc:spChg chg="add mod">
-          <ac:chgData name="Trung Nghia Nguyen" userId="caf0b1f78d203fdc" providerId="LiveId" clId="{FA98E611-7EE5-4D53-A8F6-A8478DA16B0D}" dt="2023-03-19T19:43:31.201" v="4599" actId="20577"/>
-          <ac:spMkLst>
-            <pc:docMk/>
-            <pc:sldMk cId="2797651471" sldId="276"/>
-            <ac:spMk id="6" creationId="{FD7465EC-84B6-406C-4864-45ADF9FB642F}"/>
-          </ac:spMkLst>
-        </pc:spChg>
-        <pc:spChg chg="mod">
-          <ac:chgData name="Trung Nghia Nguyen" userId="caf0b1f78d203fdc" providerId="LiveId" clId="{FA98E611-7EE5-4D53-A8F6-A8478DA16B0D}" dt="2023-03-16T06:19:48.634" v="1664" actId="20577"/>
-          <ac:spMkLst>
-            <pc:docMk/>
-            <pc:sldMk cId="2797651471" sldId="276"/>
-            <ac:spMk id="14" creationId="{63B4AB36-B54A-EA5C-2A74-F2C80BE0CBC4}"/>
-          </ac:spMkLst>
-        </pc:spChg>
-        <pc:graphicFrameChg chg="mod modGraphic">
-          <ac:chgData name="Trung Nghia Nguyen" userId="caf0b1f78d203fdc" providerId="LiveId" clId="{FA98E611-7EE5-4D53-A8F6-A8478DA16B0D}" dt="2023-03-20T07:03:02.489" v="5743" actId="5793"/>
-          <ac:graphicFrameMkLst>
-            <pc:docMk/>
-            <pc:sldMk cId="2797651471" sldId="276"/>
-            <ac:graphicFrameMk id="3" creationId="{5E8325E1-BDCF-5783-E97F-C770E7E58F6D}"/>
-          </ac:graphicFrameMkLst>
-        </pc:graphicFrameChg>
-        <pc:cxnChg chg="add mod">
-          <ac:chgData name="Trung Nghia Nguyen" userId="caf0b1f78d203fdc" providerId="LiveId" clId="{FA98E611-7EE5-4D53-A8F6-A8478DA16B0D}" dt="2023-03-17T04:38:21.533" v="3040"/>
-          <ac:cxnSpMkLst>
-            <pc:docMk/>
-            <pc:sldMk cId="2797651471" sldId="276"/>
-            <ac:cxnSpMk id="2" creationId="{E84DC22F-1018-3740-66B4-518AAE2387D5}"/>
-          </ac:cxnSpMkLst>
-        </pc:cxnChg>
-      </pc:sldChg>
-      <pc:sldChg chg="addSp delSp modSp add mod">
-        <pc:chgData name="Trung Nghia Nguyen" userId="caf0b1f78d203fdc" providerId="LiveId" clId="{FA98E611-7EE5-4D53-A8F6-A8478DA16B0D}" dt="2023-03-19T19:41:43.354" v="4559" actId="20577"/>
-        <pc:sldMkLst>
-          <pc:docMk/>
-          <pc:sldMk cId="1442048206" sldId="277"/>
-        </pc:sldMkLst>
-        <pc:spChg chg="add del mod">
-          <ac:chgData name="Trung Nghia Nguyen" userId="caf0b1f78d203fdc" providerId="LiveId" clId="{FA98E611-7EE5-4D53-A8F6-A8478DA16B0D}" dt="2023-03-17T04:38:51.609" v="3044" actId="478"/>
-          <ac:spMkLst>
-            <pc:docMk/>
-            <pc:sldMk cId="1442048206" sldId="277"/>
-            <ac:spMk id="3" creationId="{2A02747A-930E-E80B-D12A-3C88421445D2}"/>
-          </ac:spMkLst>
-        </pc:spChg>
-        <pc:spChg chg="add mod">
-          <ac:chgData name="Trung Nghia Nguyen" userId="caf0b1f78d203fdc" providerId="LiveId" clId="{FA98E611-7EE5-4D53-A8F6-A8478DA16B0D}" dt="2023-03-19T19:41:43.354" v="4559" actId="20577"/>
-          <ac:spMkLst>
-            <pc:docMk/>
-            <pc:sldMk cId="1442048206" sldId="277"/>
-            <ac:spMk id="4" creationId="{8C7A2A31-FB7A-4F1F-44D0-57F56E22618B}"/>
-          </ac:spMkLst>
-        </pc:spChg>
-        <pc:graphicFrameChg chg="add del mod modGraphic">
-          <ac:chgData name="Trung Nghia Nguyen" userId="caf0b1f78d203fdc" providerId="LiveId" clId="{FA98E611-7EE5-4D53-A8F6-A8478DA16B0D}" dt="2023-03-19T19:23:27.922" v="4268" actId="20577"/>
-          <ac:graphicFrameMkLst>
-            <pc:docMk/>
-            <pc:sldMk cId="1442048206" sldId="277"/>
-            <ac:graphicFrameMk id="16" creationId="{A794B221-780B-3E0D-DCDE-B4B669AD1AE3}"/>
-          </ac:graphicFrameMkLst>
-        </pc:graphicFrameChg>
-        <pc:cxnChg chg="add mod">
-          <ac:chgData name="Trung Nghia Nguyen" userId="caf0b1f78d203fdc" providerId="LiveId" clId="{FA98E611-7EE5-4D53-A8F6-A8478DA16B0D}" dt="2023-03-17T04:37:53.870" v="3022"/>
-          <ac:cxnSpMkLst>
-            <pc:docMk/>
-            <pc:sldMk cId="1442048206" sldId="277"/>
-            <ac:cxnSpMk id="2" creationId="{0AB1CEC5-2BAD-1C07-6B07-F474F46A98DB}"/>
-          </ac:cxnSpMkLst>
-        </pc:cxnChg>
-      </pc:sldChg>
-      <pc:sldChg chg="addSp delSp modSp add mod">
-        <pc:chgData name="Trung Nghia Nguyen" userId="caf0b1f78d203fdc" providerId="LiveId" clId="{FA98E611-7EE5-4D53-A8F6-A8478DA16B0D}" dt="2023-03-19T19:42:02.542" v="4567" actId="20577"/>
-        <pc:sldMkLst>
-          <pc:docMk/>
-          <pc:sldMk cId="599745211" sldId="278"/>
-        </pc:sldMkLst>
-        <pc:spChg chg="mod">
-          <ac:chgData name="Trung Nghia Nguyen" userId="caf0b1f78d203fdc" providerId="LiveId" clId="{FA98E611-7EE5-4D53-A8F6-A8478DA16B0D}" dt="2023-03-19T19:42:02.542" v="4567" actId="20577"/>
-          <ac:spMkLst>
-            <pc:docMk/>
-            <pc:sldMk cId="599745211" sldId="278"/>
-            <ac:spMk id="5" creationId="{5EFED488-422D-714E-BC8D-1EFFE4EB27EF}"/>
-          </ac:spMkLst>
-        </pc:spChg>
-        <pc:spChg chg="mod">
-          <ac:chgData name="Trung Nghia Nguyen" userId="caf0b1f78d203fdc" providerId="LiveId" clId="{FA98E611-7EE5-4D53-A8F6-A8478DA16B0D}" dt="2023-03-17T06:23:21.018" v="3181" actId="114"/>
-          <ac:spMkLst>
-            <pc:docMk/>
-            <pc:sldMk cId="599745211" sldId="278"/>
-            <ac:spMk id="6" creationId="{E89CDB90-AF28-D274-AC55-ECC8E0120E31}"/>
-          </ac:spMkLst>
-        </pc:spChg>
-        <pc:picChg chg="add mod">
-          <ac:chgData name="Trung Nghia Nguyen" userId="caf0b1f78d203fdc" providerId="LiveId" clId="{FA98E611-7EE5-4D53-A8F6-A8478DA16B0D}" dt="2023-03-17T06:22:56.812" v="3160" actId="1076"/>
-          <ac:picMkLst>
-            <pc:docMk/>
-            <pc:sldMk cId="599745211" sldId="278"/>
-            <ac:picMk id="7" creationId="{A8746AB3-58A2-74F9-9140-30A7E3ED3167}"/>
-          </ac:picMkLst>
-        </pc:picChg>
-        <pc:picChg chg="del">
-          <ac:chgData name="Trung Nghia Nguyen" userId="caf0b1f78d203fdc" providerId="LiveId" clId="{FA98E611-7EE5-4D53-A8F6-A8478DA16B0D}" dt="2023-03-17T06:22:21.850" v="3158" actId="478"/>
-          <ac:picMkLst>
-            <pc:docMk/>
-            <pc:sldMk cId="599745211" sldId="278"/>
-            <ac:picMk id="8" creationId="{64343610-2239-3C37-0292-61E9C46DADC0}"/>
-          </ac:picMkLst>
-        </pc:picChg>
-        <pc:picChg chg="del">
-          <ac:chgData name="Trung Nghia Nguyen" userId="caf0b1f78d203fdc" providerId="LiveId" clId="{FA98E611-7EE5-4D53-A8F6-A8478DA16B0D}" dt="2023-03-17T06:21:56.494" v="3151" actId="478"/>
-          <ac:picMkLst>
-            <pc:docMk/>
-            <pc:sldMk cId="599745211" sldId="278"/>
-            <ac:picMk id="1026" creationId="{8B6FAEF3-00E8-C2B6-6484-BD77EBFDEA2F}"/>
-          </ac:picMkLst>
-        </pc:picChg>
-        <pc:picChg chg="add mod">
-          <ac:chgData name="Trung Nghia Nguyen" userId="caf0b1f78d203fdc" providerId="LiveId" clId="{FA98E611-7EE5-4D53-A8F6-A8478DA16B0D}" dt="2023-03-17T06:23:24.904" v="3182" actId="1076"/>
-          <ac:picMkLst>
-            <pc:docMk/>
-            <pc:sldMk cId="599745211" sldId="278"/>
-            <ac:picMk id="2050" creationId="{10442409-7C1A-0341-44F3-33E0573712DD}"/>
-          </ac:picMkLst>
-        </pc:picChg>
-      </pc:sldChg>
-      <pc:sldChg chg="addSp delSp modSp add mod">
-        <pc:chgData name="Trung Nghia Nguyen" userId="caf0b1f78d203fdc" providerId="LiveId" clId="{FA98E611-7EE5-4D53-A8F6-A8478DA16B0D}" dt="2023-03-19T19:42:08.819" v="4569" actId="20577"/>
-        <pc:sldMkLst>
-          <pc:docMk/>
-          <pc:sldMk cId="2754922991" sldId="279"/>
-        </pc:sldMkLst>
-        <pc:spChg chg="mod">
-          <ac:chgData name="Trung Nghia Nguyen" userId="caf0b1f78d203fdc" providerId="LiveId" clId="{FA98E611-7EE5-4D53-A8F6-A8478DA16B0D}" dt="2023-03-19T19:42:08.819" v="4569" actId="20577"/>
-          <ac:spMkLst>
-            <pc:docMk/>
-            <pc:sldMk cId="2754922991" sldId="279"/>
-            <ac:spMk id="5" creationId="{5EFED488-422D-714E-BC8D-1EFFE4EB27EF}"/>
-          </ac:spMkLst>
-        </pc:spChg>
-        <pc:spChg chg="mod">
-          <ac:chgData name="Trung Nghia Nguyen" userId="caf0b1f78d203fdc" providerId="LiveId" clId="{FA98E611-7EE5-4D53-A8F6-A8478DA16B0D}" dt="2023-03-17T06:26:42.641" v="3210" actId="1076"/>
-          <ac:spMkLst>
-            <pc:docMk/>
-            <pc:sldMk cId="2754922991" sldId="279"/>
-            <ac:spMk id="6" creationId="{E89CDB90-AF28-D274-AC55-ECC8E0120E31}"/>
-          </ac:spMkLst>
-        </pc:spChg>
-        <pc:picChg chg="del">
-          <ac:chgData name="Trung Nghia Nguyen" userId="caf0b1f78d203fdc" providerId="LiveId" clId="{FA98E611-7EE5-4D53-A8F6-A8478DA16B0D}" dt="2023-03-17T06:25:39.982" v="3191" actId="478"/>
-          <ac:picMkLst>
-            <pc:docMk/>
-            <pc:sldMk cId="2754922991" sldId="279"/>
-            <ac:picMk id="7" creationId="{A8746AB3-58A2-74F9-9140-30A7E3ED3167}"/>
-          </ac:picMkLst>
-        </pc:picChg>
-        <pc:picChg chg="add mod">
-          <ac:chgData name="Trung Nghia Nguyen" userId="caf0b1f78d203fdc" providerId="LiveId" clId="{FA98E611-7EE5-4D53-A8F6-A8478DA16B0D}" dt="2023-03-17T06:26:17.123" v="3195" actId="14100"/>
-          <ac:picMkLst>
-            <pc:docMk/>
-            <pc:sldMk cId="2754922991" sldId="279"/>
-            <ac:picMk id="8" creationId="{2BCBC959-D18B-486A-A2CE-1317A0097C33}"/>
-          </ac:picMkLst>
-        </pc:picChg>
-        <pc:picChg chg="del">
-          <ac:chgData name="Trung Nghia Nguyen" userId="caf0b1f78d203fdc" providerId="LiveId" clId="{FA98E611-7EE5-4D53-A8F6-A8478DA16B0D}" dt="2023-03-17T06:25:21.497" v="3184" actId="478"/>
-          <ac:picMkLst>
-            <pc:docMk/>
-            <pc:sldMk cId="2754922991" sldId="279"/>
-            <ac:picMk id="2050" creationId="{10442409-7C1A-0341-44F3-33E0573712DD}"/>
-          </ac:picMkLst>
-        </pc:picChg>
-        <pc:picChg chg="add mod">
-          <ac:chgData name="Trung Nghia Nguyen" userId="caf0b1f78d203fdc" providerId="LiveId" clId="{FA98E611-7EE5-4D53-A8F6-A8478DA16B0D}" dt="2023-03-17T06:26:27.754" v="3197" actId="14100"/>
-          <ac:picMkLst>
-            <pc:docMk/>
-            <pc:sldMk cId="2754922991" sldId="279"/>
-            <ac:picMk id="3074" creationId="{0282A2DD-FF67-A086-5C74-2D8174B11DC8}"/>
-          </ac:picMkLst>
-        </pc:picChg>
-      </pc:sldChg>
-      <pc:sldChg chg="addSp modSp add mod modNotesTx">
-        <pc:chgData name="Trung Nghia Nguyen" userId="caf0b1f78d203fdc" providerId="LiveId" clId="{FA98E611-7EE5-4D53-A8F6-A8478DA16B0D}" dt="2023-03-19T19:42:13.274" v="4571" actId="20577"/>
-        <pc:sldMkLst>
-          <pc:docMk/>
-          <pc:sldMk cId="1570060703" sldId="280"/>
-        </pc:sldMkLst>
-        <pc:spChg chg="mod">
-          <ac:chgData name="Trung Nghia Nguyen" userId="caf0b1f78d203fdc" providerId="LiveId" clId="{FA98E611-7EE5-4D53-A8F6-A8478DA16B0D}" dt="2023-03-19T19:42:13.274" v="4571" actId="20577"/>
-          <ac:spMkLst>
-            <pc:docMk/>
-            <pc:sldMk cId="1570060703" sldId="280"/>
-            <ac:spMk id="5" creationId="{7AF6E6C4-7E4D-6951-DD77-D67FDB08BE33}"/>
-          </ac:spMkLst>
-        </pc:spChg>
-        <pc:spChg chg="mod">
-          <ac:chgData name="Trung Nghia Nguyen" userId="caf0b1f78d203fdc" providerId="LiveId" clId="{FA98E611-7EE5-4D53-A8F6-A8478DA16B0D}" dt="2023-03-17T07:03:30.383" v="3264" actId="1076"/>
-          <ac:spMkLst>
-            <pc:docMk/>
-            <pc:sldMk cId="1570060703" sldId="280"/>
-            <ac:spMk id="7" creationId="{C27A575E-AACF-0BC5-FF71-5FCE2C283EAA}"/>
-          </ac:spMkLst>
-        </pc:spChg>
-        <pc:picChg chg="add mod">
-          <ac:chgData name="Trung Nghia Nguyen" userId="caf0b1f78d203fdc" providerId="LiveId" clId="{FA98E611-7EE5-4D53-A8F6-A8478DA16B0D}" dt="2023-03-18T17:45:27.382" v="3465" actId="1076"/>
-          <ac:picMkLst>
-            <pc:docMk/>
-            <pc:sldMk cId="1570060703" sldId="280"/>
-            <ac:picMk id="6" creationId="{2B44FC83-2398-5E3A-C381-62AE739D08A6}"/>
-          </ac:picMkLst>
-        </pc:picChg>
-      </pc:sldChg>
-      <pc:sldChg chg="addSp delSp modSp add mod">
-        <pc:chgData name="Trung Nghia Nguyen" userId="caf0b1f78d203fdc" providerId="LiveId" clId="{FA98E611-7EE5-4D53-A8F6-A8478DA16B0D}" dt="2023-03-19T19:42:18.183" v="4572" actId="20577"/>
-        <pc:sldMkLst>
-          <pc:docMk/>
-          <pc:sldMk cId="3262030844" sldId="281"/>
-        </pc:sldMkLst>
-        <pc:spChg chg="mod">
-          <ac:chgData name="Trung Nghia Nguyen" userId="caf0b1f78d203fdc" providerId="LiveId" clId="{FA98E611-7EE5-4D53-A8F6-A8478DA16B0D}" dt="2023-03-19T19:42:18.183" v="4572" actId="20577"/>
-          <ac:spMkLst>
-            <pc:docMk/>
-            <pc:sldMk cId="3262030844" sldId="281"/>
-            <ac:spMk id="5" creationId="{7AF6E6C4-7E4D-6951-DD77-D67FDB08BE33}"/>
-          </ac:spMkLst>
-        </pc:spChg>
-        <pc:spChg chg="del mod">
-          <ac:chgData name="Trung Nghia Nguyen" userId="caf0b1f78d203fdc" providerId="LiveId" clId="{FA98E611-7EE5-4D53-A8F6-A8478DA16B0D}" dt="2023-03-18T17:45:45.010" v="3467" actId="478"/>
-          <ac:spMkLst>
-            <pc:docMk/>
-            <pc:sldMk cId="3262030844" sldId="281"/>
-            <ac:spMk id="7" creationId="{C27A575E-AACF-0BC5-FF71-5FCE2C283EAA}"/>
-          </ac:spMkLst>
-        </pc:spChg>
-        <pc:spChg chg="add mod">
-          <ac:chgData name="Trung Nghia Nguyen" userId="caf0b1f78d203fdc" providerId="LiveId" clId="{FA98E611-7EE5-4D53-A8F6-A8478DA16B0D}" dt="2023-03-18T17:45:47.896" v="3470" actId="20577"/>
-          <ac:spMkLst>
-            <pc:docMk/>
-            <pc:sldMk cId="3262030844" sldId="281"/>
-            <ac:spMk id="9" creationId="{51CE0FD5-4BE3-F7D8-2BC7-6F59ED933512}"/>
-          </ac:spMkLst>
-        </pc:spChg>
-        <pc:picChg chg="del">
-          <ac:chgData name="Trung Nghia Nguyen" userId="caf0b1f78d203fdc" providerId="LiveId" clId="{FA98E611-7EE5-4D53-A8F6-A8478DA16B0D}" dt="2023-03-18T17:44:32.151" v="3443" actId="478"/>
-          <ac:picMkLst>
-            <pc:docMk/>
-            <pc:sldMk cId="3262030844" sldId="281"/>
-            <ac:picMk id="6" creationId="{2B44FC83-2398-5E3A-C381-62AE739D08A6}"/>
-          </ac:picMkLst>
-        </pc:picChg>
-        <pc:picChg chg="add mod ord">
-          <ac:chgData name="Trung Nghia Nguyen" userId="caf0b1f78d203fdc" providerId="LiveId" clId="{FA98E611-7EE5-4D53-A8F6-A8478DA16B0D}" dt="2023-03-18T17:45:32.441" v="3466" actId="1076"/>
-          <ac:picMkLst>
-            <pc:docMk/>
-            <pc:sldMk cId="3262030844" sldId="281"/>
-            <ac:picMk id="8" creationId="{E0B6CD8B-6138-6045-0302-D72BA24864A4}"/>
-          </ac:picMkLst>
-        </pc:picChg>
-      </pc:sldChg>
-      <pc:sldChg chg="delSp modSp add del mod">
-        <pc:chgData name="Trung Nghia Nguyen" userId="caf0b1f78d203fdc" providerId="LiveId" clId="{FA98E611-7EE5-4D53-A8F6-A8478DA16B0D}" dt="2023-03-18T17:45:55.167" v="3471" actId="47"/>
-        <pc:sldMkLst>
-          <pc:docMk/>
-          <pc:sldMk cId="1576429670" sldId="282"/>
-        </pc:sldMkLst>
-        <pc:spChg chg="mod">
-          <ac:chgData name="Trung Nghia Nguyen" userId="caf0b1f78d203fdc" providerId="LiveId" clId="{FA98E611-7EE5-4D53-A8F6-A8478DA16B0D}" dt="2023-03-18T17:45:13.631" v="3462" actId="20577"/>
-          <ac:spMkLst>
-            <pc:docMk/>
-            <pc:sldMk cId="1576429670" sldId="282"/>
-            <ac:spMk id="7" creationId="{C27A575E-AACF-0BC5-FF71-5FCE2C283EAA}"/>
-          </ac:spMkLst>
-        </pc:spChg>
-        <pc:picChg chg="del mod">
-          <ac:chgData name="Trung Nghia Nguyen" userId="caf0b1f78d203fdc" providerId="LiveId" clId="{FA98E611-7EE5-4D53-A8F6-A8478DA16B0D}" dt="2023-03-18T17:45:17.520" v="3464" actId="478"/>
-          <ac:picMkLst>
-            <pc:docMk/>
-            <pc:sldMk cId="1576429670" sldId="282"/>
-            <ac:picMk id="8" creationId="{E0B6CD8B-6138-6045-0302-D72BA24864A4}"/>
-          </ac:picMkLst>
-        </pc:picChg>
-      </pc:sldChg>
-      <pc:sldChg chg="addSp delSp modSp add mod">
-        <pc:chgData name="Trung Nghia Nguyen" userId="caf0b1f78d203fdc" providerId="LiveId" clId="{FA98E611-7EE5-4D53-A8F6-A8478DA16B0D}" dt="2023-03-19T19:42:21.407" v="4573" actId="20577"/>
-        <pc:sldMkLst>
-          <pc:docMk/>
-          <pc:sldMk cId="4109717965" sldId="282"/>
-        </pc:sldMkLst>
-        <pc:spChg chg="mod">
-          <ac:chgData name="Trung Nghia Nguyen" userId="caf0b1f78d203fdc" providerId="LiveId" clId="{FA98E611-7EE5-4D53-A8F6-A8478DA16B0D}" dt="2023-03-19T19:42:21.407" v="4573" actId="20577"/>
-          <ac:spMkLst>
-            <pc:docMk/>
-            <pc:sldMk cId="4109717965" sldId="282"/>
-            <ac:spMk id="5" creationId="{7AF6E6C4-7E4D-6951-DD77-D67FDB08BE33}"/>
-          </ac:spMkLst>
-        </pc:spChg>
-        <pc:spChg chg="mod">
-          <ac:chgData name="Trung Nghia Nguyen" userId="caf0b1f78d203fdc" providerId="LiveId" clId="{FA98E611-7EE5-4D53-A8F6-A8478DA16B0D}" dt="2023-03-18T17:46:02.114" v="3483" actId="20577"/>
-          <ac:spMkLst>
-            <pc:docMk/>
-            <pc:sldMk cId="4109717965" sldId="282"/>
-            <ac:spMk id="9" creationId="{51CE0FD5-4BE3-F7D8-2BC7-6F59ED933512}"/>
-          </ac:spMkLst>
-        </pc:spChg>
-        <pc:picChg chg="add mod ord">
-          <ac:chgData name="Trung Nghia Nguyen" userId="caf0b1f78d203fdc" providerId="LiveId" clId="{FA98E611-7EE5-4D53-A8F6-A8478DA16B0D}" dt="2023-03-18T17:58:07.675" v="3491" actId="167"/>
-          <ac:picMkLst>
-            <pc:docMk/>
-            <pc:sldMk cId="4109717965" sldId="282"/>
-            <ac:picMk id="6" creationId="{507FC860-8B46-AEB4-EE18-02AC586D78D6}"/>
-          </ac:picMkLst>
-        </pc:picChg>
-        <pc:picChg chg="del">
-          <ac:chgData name="Trung Nghia Nguyen" userId="caf0b1f78d203fdc" providerId="LiveId" clId="{FA98E611-7EE5-4D53-A8F6-A8478DA16B0D}" dt="2023-03-18T17:46:06.175" v="3484" actId="478"/>
-          <ac:picMkLst>
-            <pc:docMk/>
-            <pc:sldMk cId="4109717965" sldId="282"/>
-            <ac:picMk id="8" creationId="{E0B6CD8B-6138-6045-0302-D72BA24864A4}"/>
-          </ac:picMkLst>
-        </pc:picChg>
-      </pc:sldChg>
-      <pc:sldChg chg="addSp delSp modSp add mod">
-        <pc:chgData name="Trung Nghia Nguyen" userId="caf0b1f78d203fdc" providerId="LiveId" clId="{FA98E611-7EE5-4D53-A8F6-A8478DA16B0D}" dt="2023-03-20T07:19:24.474" v="7031" actId="20577"/>
-        <pc:sldMkLst>
-          <pc:docMk/>
-          <pc:sldMk cId="3273506458" sldId="283"/>
-        </pc:sldMkLst>
-        <pc:spChg chg="mod">
-          <ac:chgData name="Trung Nghia Nguyen" userId="caf0b1f78d203fdc" providerId="LiveId" clId="{FA98E611-7EE5-4D53-A8F6-A8478DA16B0D}" dt="2023-03-20T07:11:30.957" v="5765" actId="20577"/>
-          <ac:spMkLst>
-            <pc:docMk/>
-            <pc:sldMk cId="3273506458" sldId="283"/>
-            <ac:spMk id="4" creationId="{459EF129-6740-B341-7BC7-05D580180742}"/>
-          </ac:spMkLst>
-        </pc:spChg>
-        <pc:spChg chg="add mod">
-          <ac:chgData name="Trung Nghia Nguyen" userId="caf0b1f78d203fdc" providerId="LiveId" clId="{FA98E611-7EE5-4D53-A8F6-A8478DA16B0D}" dt="2023-03-20T07:17:20.280" v="6905" actId="20577"/>
-          <ac:spMkLst>
-            <pc:docMk/>
-            <pc:sldMk cId="3273506458" sldId="283"/>
-            <ac:spMk id="5" creationId="{B124AB6E-B685-3C3C-17A7-881BC0274152}"/>
-          </ac:spMkLst>
-        </pc:spChg>
-        <pc:spChg chg="mod">
-          <ac:chgData name="Trung Nghia Nguyen" userId="caf0b1f78d203fdc" providerId="LiveId" clId="{FA98E611-7EE5-4D53-A8F6-A8478DA16B0D}" dt="2023-03-20T07:19:24.474" v="7031" actId="20577"/>
-          <ac:spMkLst>
-            <pc:docMk/>
-            <pc:sldMk cId="3273506458" sldId="283"/>
-            <ac:spMk id="6" creationId="{FD7465EC-84B6-406C-4864-45ADF9FB642F}"/>
-          </ac:spMkLst>
-        </pc:spChg>
-        <pc:graphicFrameChg chg="del">
-          <ac:chgData name="Trung Nghia Nguyen" userId="caf0b1f78d203fdc" providerId="LiveId" clId="{FA98E611-7EE5-4D53-A8F6-A8478DA16B0D}" dt="2023-03-20T07:11:34.358" v="5766" actId="478"/>
-          <ac:graphicFrameMkLst>
-            <pc:docMk/>
-            <pc:sldMk cId="3273506458" sldId="283"/>
-            <ac:graphicFrameMk id="3" creationId="{5E8325E1-BDCF-5783-E97F-C770E7E58F6D}"/>
-          </ac:graphicFrameMkLst>
-        </pc:graphicFrameChg>
-      </pc:sldChg>
-      <pc:sldChg chg="modSp add mod">
-        <pc:chgData name="Trung Nghia Nguyen" userId="caf0b1f78d203fdc" providerId="LiveId" clId="{FA98E611-7EE5-4D53-A8F6-A8478DA16B0D}" dt="2023-03-20T07:19:27.761" v="7033" actId="20577"/>
-        <pc:sldMkLst>
-          <pc:docMk/>
-          <pc:sldMk cId="1076178229" sldId="284"/>
-        </pc:sldMkLst>
-        <pc:spChg chg="mod">
-          <ac:chgData name="Trung Nghia Nguyen" userId="caf0b1f78d203fdc" providerId="LiveId" clId="{FA98E611-7EE5-4D53-A8F6-A8478DA16B0D}" dt="2023-03-20T07:13:46.504" v="6236" actId="20577"/>
-          <ac:spMkLst>
-            <pc:docMk/>
-            <pc:sldMk cId="1076178229" sldId="284"/>
-            <ac:spMk id="4" creationId="{459EF129-6740-B341-7BC7-05D580180742}"/>
-          </ac:spMkLst>
-        </pc:spChg>
-        <pc:spChg chg="mod">
-          <ac:chgData name="Trung Nghia Nguyen" userId="caf0b1f78d203fdc" providerId="LiveId" clId="{FA98E611-7EE5-4D53-A8F6-A8478DA16B0D}" dt="2023-03-20T07:17:45.459" v="7028" actId="20577"/>
-          <ac:spMkLst>
-            <pc:docMk/>
-            <pc:sldMk cId="1076178229" sldId="284"/>
-            <ac:spMk id="5" creationId="{B124AB6E-B685-3C3C-17A7-881BC0274152}"/>
-          </ac:spMkLst>
-        </pc:spChg>
-        <pc:spChg chg="mod">
-          <ac:chgData name="Trung Nghia Nguyen" userId="caf0b1f78d203fdc" providerId="LiveId" clId="{FA98E611-7EE5-4D53-A8F6-A8478DA16B0D}" dt="2023-03-20T07:19:27.761" v="7033" actId="20577"/>
-          <ac:spMkLst>
-            <pc:docMk/>
-            <pc:sldMk cId="1076178229" sldId="284"/>
-            <ac:spMk id="6" creationId="{FD7465EC-84B6-406C-4864-45ADF9FB642F}"/>
-          </ac:spMkLst>
-        </pc:spChg>
-      </pc:sldChg>
-      <pc:sldMasterChg chg="modSp modSldLayout">
-        <pc:chgData name="Trung Nghia Nguyen" userId="caf0b1f78d203fdc" providerId="LiveId" clId="{FA98E611-7EE5-4D53-A8F6-A8478DA16B0D}" dt="2023-03-16T04:24:21.249" v="1"/>
-        <pc:sldMasterMkLst>
-          <pc:docMk/>
-          <pc:sldMasterMk cId="4059755660" sldId="2147483648"/>
-        </pc:sldMasterMkLst>
-        <pc:spChg chg="mod">
-          <ac:chgData name="Trung Nghia Nguyen" userId="caf0b1f78d203fdc" providerId="LiveId" clId="{FA98E611-7EE5-4D53-A8F6-A8478DA16B0D}" dt="2023-03-16T04:24:21.249" v="1"/>
-          <ac:spMkLst>
-            <pc:docMk/>
-            <pc:sldMasterMk cId="4059755660" sldId="2147483648"/>
-            <ac:spMk id="2" creationId="{B2D67379-2759-837D-8A05-4E6A0DDE2D19}"/>
-          </ac:spMkLst>
-        </pc:spChg>
-        <pc:spChg chg="mod">
-          <ac:chgData name="Trung Nghia Nguyen" userId="caf0b1f78d203fdc" providerId="LiveId" clId="{FA98E611-7EE5-4D53-A8F6-A8478DA16B0D}" dt="2023-03-16T04:24:21.249" v="1"/>
-          <ac:spMkLst>
-            <pc:docMk/>
-            <pc:sldMasterMk cId="4059755660" sldId="2147483648"/>
-            <ac:spMk id="3" creationId="{99B37396-7B88-C02D-A162-F60FA508DCA3}"/>
-          </ac:spMkLst>
-        </pc:spChg>
-        <pc:spChg chg="mod">
-          <ac:chgData name="Trung Nghia Nguyen" userId="caf0b1f78d203fdc" providerId="LiveId" clId="{FA98E611-7EE5-4D53-A8F6-A8478DA16B0D}" dt="2023-03-16T04:24:21.249" v="1"/>
-          <ac:spMkLst>
-            <pc:docMk/>
-            <pc:sldMasterMk cId="4059755660" sldId="2147483648"/>
-            <ac:spMk id="4" creationId="{E65690C1-1221-B102-60D2-80F80E3202EF}"/>
-          </ac:spMkLst>
-        </pc:spChg>
-        <pc:spChg chg="mod">
-          <ac:chgData name="Trung Nghia Nguyen" userId="caf0b1f78d203fdc" providerId="LiveId" clId="{FA98E611-7EE5-4D53-A8F6-A8478DA16B0D}" dt="2023-03-16T04:24:21.249" v="1"/>
-          <ac:spMkLst>
-            <pc:docMk/>
-            <pc:sldMasterMk cId="4059755660" sldId="2147483648"/>
-            <ac:spMk id="5" creationId="{F9B3DA1D-A670-2B94-689B-5A0BD6A8FA66}"/>
-          </ac:spMkLst>
-        </pc:spChg>
-        <pc:spChg chg="mod">
-          <ac:chgData name="Trung Nghia Nguyen" userId="caf0b1f78d203fdc" providerId="LiveId" clId="{FA98E611-7EE5-4D53-A8F6-A8478DA16B0D}" dt="2023-03-16T04:24:21.249" v="1"/>
-          <ac:spMkLst>
-            <pc:docMk/>
-            <pc:sldMasterMk cId="4059755660" sldId="2147483648"/>
-            <ac:spMk id="6" creationId="{B272B73D-FCFD-D42C-84CD-E490A92E0787}"/>
-          </ac:spMkLst>
-        </pc:spChg>
-        <pc:sldLayoutChg chg="modSp">
-          <pc:chgData name="Trung Nghia Nguyen" userId="caf0b1f78d203fdc" providerId="LiveId" clId="{FA98E611-7EE5-4D53-A8F6-A8478DA16B0D}" dt="2023-03-16T04:24:21.249" v="1"/>
-          <pc:sldLayoutMkLst>
-            <pc:docMk/>
-            <pc:sldMasterMk cId="4059755660" sldId="2147483648"/>
-            <pc:sldLayoutMk cId="912823077" sldId="2147483649"/>
-          </pc:sldLayoutMkLst>
-          <pc:spChg chg="mod">
-            <ac:chgData name="Trung Nghia Nguyen" userId="caf0b1f78d203fdc" providerId="LiveId" clId="{FA98E611-7EE5-4D53-A8F6-A8478DA16B0D}" dt="2023-03-16T04:24:21.249" v="1"/>
-            <ac:spMkLst>
-              <pc:docMk/>
-              <pc:sldMasterMk cId="4059755660" sldId="2147483648"/>
-              <pc:sldLayoutMk cId="912823077" sldId="2147483649"/>
-              <ac:spMk id="2" creationId="{D31639CA-6F26-7538-7F3D-9E50D532089C}"/>
-            </ac:spMkLst>
-          </pc:spChg>
-          <pc:spChg chg="mod">
-            <ac:chgData name="Trung Nghia Nguyen" userId="caf0b1f78d203fdc" providerId="LiveId" clId="{FA98E611-7EE5-4D53-A8F6-A8478DA16B0D}" dt="2023-03-16T04:24:21.249" v="1"/>
-            <ac:spMkLst>
-              <pc:docMk/>
-              <pc:sldMasterMk cId="4059755660" sldId="2147483648"/>
-              <pc:sldLayoutMk cId="912823077" sldId="2147483649"/>
-              <ac:spMk id="3" creationId="{47088B79-B7D1-065B-7E28-EE7CCC9D8D8C}"/>
-            </ac:spMkLst>
-          </pc:spChg>
-        </pc:sldLayoutChg>
-        <pc:sldLayoutChg chg="modSp">
-          <pc:chgData name="Trung Nghia Nguyen" userId="caf0b1f78d203fdc" providerId="LiveId" clId="{FA98E611-7EE5-4D53-A8F6-A8478DA16B0D}" dt="2023-03-16T04:24:21.249" v="1"/>
-          <pc:sldLayoutMkLst>
-            <pc:docMk/>
-            <pc:sldMasterMk cId="4059755660" sldId="2147483648"/>
-            <pc:sldLayoutMk cId="4244664039" sldId="2147483651"/>
-          </pc:sldLayoutMkLst>
-          <pc:spChg chg="mod">
-            <ac:chgData name="Trung Nghia Nguyen" userId="caf0b1f78d203fdc" providerId="LiveId" clId="{FA98E611-7EE5-4D53-A8F6-A8478DA16B0D}" dt="2023-03-16T04:24:21.249" v="1"/>
-            <ac:spMkLst>
-              <pc:docMk/>
-              <pc:sldMasterMk cId="4059755660" sldId="2147483648"/>
-              <pc:sldLayoutMk cId="4244664039" sldId="2147483651"/>
-              <ac:spMk id="2" creationId="{6DC09468-E8F7-0727-97AE-C8D9A5F5793F}"/>
-            </ac:spMkLst>
-          </pc:spChg>
-          <pc:spChg chg="mod">
-            <ac:chgData name="Trung Nghia Nguyen" userId="caf0b1f78d203fdc" providerId="LiveId" clId="{FA98E611-7EE5-4D53-A8F6-A8478DA16B0D}" dt="2023-03-16T04:24:21.249" v="1"/>
-            <ac:spMkLst>
-              <pc:docMk/>
-              <pc:sldMasterMk cId="4059755660" sldId="2147483648"/>
-              <pc:sldLayoutMk cId="4244664039" sldId="2147483651"/>
-              <ac:spMk id="3" creationId="{3E3D54D9-4FA1-84EC-C922-E53A36688E96}"/>
-            </ac:spMkLst>
-          </pc:spChg>
-        </pc:sldLayoutChg>
-        <pc:sldLayoutChg chg="modSp">
-          <pc:chgData name="Trung Nghia Nguyen" userId="caf0b1f78d203fdc" providerId="LiveId" clId="{FA98E611-7EE5-4D53-A8F6-A8478DA16B0D}" dt="2023-03-16T04:24:21.249" v="1"/>
-          <pc:sldLayoutMkLst>
-            <pc:docMk/>
-            <pc:sldMasterMk cId="4059755660" sldId="2147483648"/>
-            <pc:sldLayoutMk cId="94315718" sldId="2147483652"/>
-          </pc:sldLayoutMkLst>
-          <pc:spChg chg="mod">
-            <ac:chgData name="Trung Nghia Nguyen" userId="caf0b1f78d203fdc" providerId="LiveId" clId="{FA98E611-7EE5-4D53-A8F6-A8478DA16B0D}" dt="2023-03-16T04:24:21.249" v="1"/>
-            <ac:spMkLst>
-              <pc:docMk/>
-              <pc:sldMasterMk cId="4059755660" sldId="2147483648"/>
-              <pc:sldLayoutMk cId="94315718" sldId="2147483652"/>
-              <ac:spMk id="3" creationId="{A22BADF9-AA7A-4F93-D9BE-3E7CD80C5F99}"/>
-            </ac:spMkLst>
-          </pc:spChg>
-          <pc:spChg chg="mod">
-            <ac:chgData name="Trung Nghia Nguyen" userId="caf0b1f78d203fdc" providerId="LiveId" clId="{FA98E611-7EE5-4D53-A8F6-A8478DA16B0D}" dt="2023-03-16T04:24:21.249" v="1"/>
-            <ac:spMkLst>
-              <pc:docMk/>
-              <pc:sldMasterMk cId="4059755660" sldId="2147483648"/>
-              <pc:sldLayoutMk cId="94315718" sldId="2147483652"/>
-              <ac:spMk id="4" creationId="{E961C63B-7DA7-F8A0-3EC3-0FD62780EF1B}"/>
-            </ac:spMkLst>
-          </pc:spChg>
-        </pc:sldLayoutChg>
-        <pc:sldLayoutChg chg="modSp">
-          <pc:chgData name="Trung Nghia Nguyen" userId="caf0b1f78d203fdc" providerId="LiveId" clId="{FA98E611-7EE5-4D53-A8F6-A8478DA16B0D}" dt="2023-03-16T04:24:21.249" v="1"/>
-          <pc:sldLayoutMkLst>
-            <pc:docMk/>
-            <pc:sldMasterMk cId="4059755660" sldId="2147483648"/>
-            <pc:sldLayoutMk cId="1517603845" sldId="2147483653"/>
-          </pc:sldLayoutMkLst>
-          <pc:spChg chg="mod">
-            <ac:chgData name="Trung Nghia Nguyen" userId="caf0b1f78d203fdc" providerId="LiveId" clId="{FA98E611-7EE5-4D53-A8F6-A8478DA16B0D}" dt="2023-03-16T04:24:21.249" v="1"/>
-            <ac:spMkLst>
-              <pc:docMk/>
-              <pc:sldMasterMk cId="4059755660" sldId="2147483648"/>
-              <pc:sldLayoutMk cId="1517603845" sldId="2147483653"/>
-              <ac:spMk id="2" creationId="{C5F78EF1-B040-6964-8385-BBA5E27B458D}"/>
-            </ac:spMkLst>
-          </pc:spChg>
-          <pc:spChg chg="mod">
-            <ac:chgData name="Trung Nghia Nguyen" userId="caf0b1f78d203fdc" providerId="LiveId" clId="{FA98E611-7EE5-4D53-A8F6-A8478DA16B0D}" dt="2023-03-16T04:24:21.249" v="1"/>
-            <ac:spMkLst>
-              <pc:docMk/>
-              <pc:sldMasterMk cId="4059755660" sldId="2147483648"/>
-              <pc:sldLayoutMk cId="1517603845" sldId="2147483653"/>
-              <ac:spMk id="3" creationId="{9BB9E17E-7B1D-D9E9-ACF5-DD2926F88DE2}"/>
-            </ac:spMkLst>
-          </pc:spChg>
-          <pc:spChg chg="mod">
-            <ac:chgData name="Trung Nghia Nguyen" userId="caf0b1f78d203fdc" providerId="LiveId" clId="{FA98E611-7EE5-4D53-A8F6-A8478DA16B0D}" dt="2023-03-16T04:24:21.249" v="1"/>
-            <ac:spMkLst>
-              <pc:docMk/>
-              <pc:sldMasterMk cId="4059755660" sldId="2147483648"/>
-              <pc:sldLayoutMk cId="1517603845" sldId="2147483653"/>
-              <ac:spMk id="4" creationId="{ABC77E19-1971-1F1D-0A7C-268164BFA01B}"/>
-            </ac:spMkLst>
-          </pc:spChg>
-          <pc:spChg chg="mod">
-            <ac:chgData name="Trung Nghia Nguyen" userId="caf0b1f78d203fdc" providerId="LiveId" clId="{FA98E611-7EE5-4D53-A8F6-A8478DA16B0D}" dt="2023-03-16T04:24:21.249" v="1"/>
-            <ac:spMkLst>
-              <pc:docMk/>
-              <pc:sldMasterMk cId="4059755660" sldId="2147483648"/>
-              <pc:sldLayoutMk cId="1517603845" sldId="2147483653"/>
-              <ac:spMk id="5" creationId="{3B8E416E-2124-FC67-7AE6-86FCFD09DEAE}"/>
-            </ac:spMkLst>
-          </pc:spChg>
-          <pc:spChg chg="mod">
-            <ac:chgData name="Trung Nghia Nguyen" userId="caf0b1f78d203fdc" providerId="LiveId" clId="{FA98E611-7EE5-4D53-A8F6-A8478DA16B0D}" dt="2023-03-16T04:24:21.249" v="1"/>
-            <ac:spMkLst>
-              <pc:docMk/>
-              <pc:sldMasterMk cId="4059755660" sldId="2147483648"/>
-              <pc:sldLayoutMk cId="1517603845" sldId="2147483653"/>
-              <ac:spMk id="6" creationId="{F22134C3-4BF2-8D17-CF8C-E8DB924903F7}"/>
-            </ac:spMkLst>
-          </pc:spChg>
-        </pc:sldLayoutChg>
-        <pc:sldLayoutChg chg="modSp">
-          <pc:chgData name="Trung Nghia Nguyen" userId="caf0b1f78d203fdc" providerId="LiveId" clId="{FA98E611-7EE5-4D53-A8F6-A8478DA16B0D}" dt="2023-03-16T04:24:21.249" v="1"/>
-          <pc:sldLayoutMkLst>
-            <pc:docMk/>
-            <pc:sldMasterMk cId="4059755660" sldId="2147483648"/>
-            <pc:sldLayoutMk cId="3301296023" sldId="2147483656"/>
-          </pc:sldLayoutMkLst>
-          <pc:spChg chg="mod">
-            <ac:chgData name="Trung Nghia Nguyen" userId="caf0b1f78d203fdc" providerId="LiveId" clId="{FA98E611-7EE5-4D53-A8F6-A8478DA16B0D}" dt="2023-03-16T04:24:21.249" v="1"/>
-            <ac:spMkLst>
-              <pc:docMk/>
-              <pc:sldMasterMk cId="4059755660" sldId="2147483648"/>
-              <pc:sldLayoutMk cId="3301296023" sldId="2147483656"/>
-              <ac:spMk id="2" creationId="{A96F6EC6-3FE3-1206-8E59-B0A5CF424B7A}"/>
-            </ac:spMkLst>
-          </pc:spChg>
-          <pc:spChg chg="mod">
-            <ac:chgData name="Trung Nghia Nguyen" userId="caf0b1f78d203fdc" providerId="LiveId" clId="{FA98E611-7EE5-4D53-A8F6-A8478DA16B0D}" dt="2023-03-16T04:24:21.249" v="1"/>
-            <ac:spMkLst>
-              <pc:docMk/>
-              <pc:sldMasterMk cId="4059755660" sldId="2147483648"/>
-              <pc:sldLayoutMk cId="3301296023" sldId="2147483656"/>
-              <ac:spMk id="3" creationId="{A28537D4-31F1-0A4D-DC65-A500F2ADEE00}"/>
-            </ac:spMkLst>
-          </pc:spChg>
-          <pc:spChg chg="mod">
-            <ac:chgData name="Trung Nghia Nguyen" userId="caf0b1f78d203fdc" providerId="LiveId" clId="{FA98E611-7EE5-4D53-A8F6-A8478DA16B0D}" dt="2023-03-16T04:24:21.249" v="1"/>
-            <ac:spMkLst>
-              <pc:docMk/>
-              <pc:sldMasterMk cId="4059755660" sldId="2147483648"/>
-              <pc:sldLayoutMk cId="3301296023" sldId="2147483656"/>
-              <ac:spMk id="4" creationId="{3DB3F611-D57C-9F51-FA71-6A04464665EA}"/>
-            </ac:spMkLst>
-          </pc:spChg>
-        </pc:sldLayoutChg>
-        <pc:sldLayoutChg chg="modSp">
-          <pc:chgData name="Trung Nghia Nguyen" userId="caf0b1f78d203fdc" providerId="LiveId" clId="{FA98E611-7EE5-4D53-A8F6-A8478DA16B0D}" dt="2023-03-16T04:24:21.249" v="1"/>
-          <pc:sldLayoutMkLst>
-            <pc:docMk/>
-            <pc:sldMasterMk cId="4059755660" sldId="2147483648"/>
-            <pc:sldLayoutMk cId="3980980981" sldId="2147483657"/>
-          </pc:sldLayoutMkLst>
-          <pc:spChg chg="mod">
-            <ac:chgData name="Trung Nghia Nguyen" userId="caf0b1f78d203fdc" providerId="LiveId" clId="{FA98E611-7EE5-4D53-A8F6-A8478DA16B0D}" dt="2023-03-16T04:24:21.249" v="1"/>
-            <ac:spMkLst>
-              <pc:docMk/>
-              <pc:sldMasterMk cId="4059755660" sldId="2147483648"/>
-              <pc:sldLayoutMk cId="3980980981" sldId="2147483657"/>
-              <ac:spMk id="2" creationId="{237D36DA-64FB-D642-7030-6BAFE4855757}"/>
-            </ac:spMkLst>
-          </pc:spChg>
-          <pc:spChg chg="mod">
-            <ac:chgData name="Trung Nghia Nguyen" userId="caf0b1f78d203fdc" providerId="LiveId" clId="{FA98E611-7EE5-4D53-A8F6-A8478DA16B0D}" dt="2023-03-16T04:24:21.249" v="1"/>
-            <ac:spMkLst>
-              <pc:docMk/>
-              <pc:sldMasterMk cId="4059755660" sldId="2147483648"/>
-              <pc:sldLayoutMk cId="3980980981" sldId="2147483657"/>
-              <ac:spMk id="3" creationId="{7052E064-3192-1887-F10B-CCCDA53B2E03}"/>
-            </ac:spMkLst>
-          </pc:spChg>
-          <pc:spChg chg="mod">
-            <ac:chgData name="Trung Nghia Nguyen" userId="caf0b1f78d203fdc" providerId="LiveId" clId="{FA98E611-7EE5-4D53-A8F6-A8478DA16B0D}" dt="2023-03-16T04:24:21.249" v="1"/>
-            <ac:spMkLst>
-              <pc:docMk/>
-              <pc:sldMasterMk cId="4059755660" sldId="2147483648"/>
-              <pc:sldLayoutMk cId="3980980981" sldId="2147483657"/>
-              <ac:spMk id="4" creationId="{11E68653-7C97-A908-78F8-3277CAB88A52}"/>
-            </ac:spMkLst>
-          </pc:spChg>
-        </pc:sldLayoutChg>
-        <pc:sldLayoutChg chg="modSp">
-          <pc:chgData name="Trung Nghia Nguyen" userId="caf0b1f78d203fdc" providerId="LiveId" clId="{FA98E611-7EE5-4D53-A8F6-A8478DA16B0D}" dt="2023-03-16T04:24:21.249" v="1"/>
-          <pc:sldLayoutMkLst>
-            <pc:docMk/>
-            <pc:sldMasterMk cId="4059755660" sldId="2147483648"/>
-            <pc:sldLayoutMk cId="2276858793" sldId="2147483659"/>
-          </pc:sldLayoutMkLst>
-          <pc:spChg chg="mod">
-            <ac:chgData name="Trung Nghia Nguyen" userId="caf0b1f78d203fdc" providerId="LiveId" clId="{FA98E611-7EE5-4D53-A8F6-A8478DA16B0D}" dt="2023-03-16T04:24:21.249" v="1"/>
-            <ac:spMkLst>
-              <pc:docMk/>
-              <pc:sldMasterMk cId="4059755660" sldId="2147483648"/>
-              <pc:sldLayoutMk cId="2276858793" sldId="2147483659"/>
-              <ac:spMk id="2" creationId="{10440481-0CE0-EA81-540D-672738586412}"/>
-            </ac:spMkLst>
-          </pc:spChg>
-          <pc:spChg chg="mod">
-            <ac:chgData name="Trung Nghia Nguyen" userId="caf0b1f78d203fdc" providerId="LiveId" clId="{FA98E611-7EE5-4D53-A8F6-A8478DA16B0D}" dt="2023-03-16T04:24:21.249" v="1"/>
-            <ac:spMkLst>
-              <pc:docMk/>
-              <pc:sldMasterMk cId="4059755660" sldId="2147483648"/>
-              <pc:sldLayoutMk cId="2276858793" sldId="2147483659"/>
-              <ac:spMk id="3" creationId="{F22739C1-3E12-8ACB-2068-84CC6DC2726A}"/>
-            </ac:spMkLst>
-          </pc:spChg>
-        </pc:sldLayoutChg>
-      </pc:sldMasterChg>
-    </pc:docChg>
-  </pc:docChgLst>
-  <pc:docChgLst>
     <pc:chgData name="Trung Nghia Nguyen" userId="caf0b1f78d203fdc" providerId="LiveId" clId="{74A72D27-0F29-4AD9-985B-1D7512F86603}"/>
     <pc:docChg chg="undo redo custSel addSld delSld modSld sldOrd">
       <pc:chgData name="Trung Nghia Nguyen" userId="caf0b1f78d203fdc" providerId="LiveId" clId="{74A72D27-0F29-4AD9-985B-1D7512F86603}" dt="2023-04-07T07:09:04.289" v="1679"/>
@@ -3140,6 +1095,2051 @@
       </pc:sldChg>
     </pc:docChg>
   </pc:docChgLst>
+  <pc:docChgLst>
+    <pc:chgData name="Trung Nghia Nguyen" userId="caf0b1f78d203fdc" providerId="LiveId" clId="{FA98E611-7EE5-4D53-A8F6-A8478DA16B0D}"/>
+    <pc:docChg chg="undo custSel addSld delSld modSld sldOrd modMainMaster modNotesMaster">
+      <pc:chgData name="Trung Nghia Nguyen" userId="caf0b1f78d203fdc" providerId="LiveId" clId="{FA98E611-7EE5-4D53-A8F6-A8478DA16B0D}" dt="2023-03-20T07:19:32.351" v="7035" actId="20577"/>
+      <pc:docMkLst>
+        <pc:docMk/>
+      </pc:docMkLst>
+      <pc:sldChg chg="addSp delSp modSp new mod">
+        <pc:chgData name="Trung Nghia Nguyen" userId="caf0b1f78d203fdc" providerId="LiveId" clId="{FA98E611-7EE5-4D53-A8F6-A8478DA16B0D}" dt="2023-03-20T02:03:15.660" v="4804" actId="20577"/>
+        <pc:sldMkLst>
+          <pc:docMk/>
+          <pc:sldMk cId="779292092" sldId="256"/>
+        </pc:sldMkLst>
+        <pc:spChg chg="del mod">
+          <ac:chgData name="Trung Nghia Nguyen" userId="caf0b1f78d203fdc" providerId="LiveId" clId="{FA98E611-7EE5-4D53-A8F6-A8478DA16B0D}" dt="2023-03-16T04:25:31.003" v="2" actId="478"/>
+          <ac:spMkLst>
+            <pc:docMk/>
+            <pc:sldMk cId="779292092" sldId="256"/>
+            <ac:spMk id="2" creationId="{A117D592-65D1-FEB2-AB2A-1197CEC1533A}"/>
+          </ac:spMkLst>
+        </pc:spChg>
+        <pc:spChg chg="del mod">
+          <ac:chgData name="Trung Nghia Nguyen" userId="caf0b1f78d203fdc" providerId="LiveId" clId="{FA98E611-7EE5-4D53-A8F6-A8478DA16B0D}" dt="2023-03-16T04:26:30.339" v="75"/>
+          <ac:spMkLst>
+            <pc:docMk/>
+            <pc:sldMk cId="779292092" sldId="256"/>
+            <ac:spMk id="3" creationId="{10CEF238-71AF-8F0B-FAB7-5FB7BE0C6241}"/>
+          </ac:spMkLst>
+        </pc:spChg>
+        <pc:spChg chg="add mod">
+          <ac:chgData name="Trung Nghia Nguyen" userId="caf0b1f78d203fdc" providerId="LiveId" clId="{FA98E611-7EE5-4D53-A8F6-A8478DA16B0D}" dt="2023-03-19T19:41:39.395" v="4557" actId="20577"/>
+          <ac:spMkLst>
+            <pc:docMk/>
+            <pc:sldMk cId="779292092" sldId="256"/>
+            <ac:spMk id="3" creationId="{96D15035-7BD4-17B1-61CC-73A16FAB9E8C}"/>
+          </ac:spMkLst>
+        </pc:spChg>
+        <pc:spChg chg="add del mod">
+          <ac:chgData name="Trung Nghia Nguyen" userId="caf0b1f78d203fdc" providerId="LiveId" clId="{FA98E611-7EE5-4D53-A8F6-A8478DA16B0D}" dt="2023-03-16T04:26:33.737" v="76" actId="478"/>
+          <ac:spMkLst>
+            <pc:docMk/>
+            <pc:sldMk cId="779292092" sldId="256"/>
+            <ac:spMk id="4" creationId="{D3541119-F88B-63E0-D9CB-1FBA398AF2C2}"/>
+          </ac:spMkLst>
+        </pc:spChg>
+        <pc:spChg chg="add del mod">
+          <ac:chgData name="Trung Nghia Nguyen" userId="caf0b1f78d203fdc" providerId="LiveId" clId="{FA98E611-7EE5-4D53-A8F6-A8478DA16B0D}" dt="2023-03-16T04:26:41.747" v="80" actId="478"/>
+          <ac:spMkLst>
+            <pc:docMk/>
+            <pc:sldMk cId="779292092" sldId="256"/>
+            <ac:spMk id="5" creationId="{ABA30120-0E89-CD7C-399C-36E8D45B427C}"/>
+          </ac:spMkLst>
+        </pc:spChg>
+        <pc:spChg chg="add del mod">
+          <ac:chgData name="Trung Nghia Nguyen" userId="caf0b1f78d203fdc" providerId="LiveId" clId="{FA98E611-7EE5-4D53-A8F6-A8478DA16B0D}" dt="2023-03-16T04:27:22.442" v="90"/>
+          <ac:spMkLst>
+            <pc:docMk/>
+            <pc:sldMk cId="779292092" sldId="256"/>
+            <ac:spMk id="6" creationId="{AAB06E32-4593-8D4D-C74D-CF8D31363477}"/>
+          </ac:spMkLst>
+        </pc:spChg>
+        <pc:spChg chg="add del">
+          <ac:chgData name="Trung Nghia Nguyen" userId="caf0b1f78d203fdc" providerId="LiveId" clId="{FA98E611-7EE5-4D53-A8F6-A8478DA16B0D}" dt="2023-03-16T04:27:09.227" v="84" actId="22"/>
+          <ac:spMkLst>
+            <pc:docMk/>
+            <pc:sldMk cId="779292092" sldId="256"/>
+            <ac:spMk id="8" creationId="{AA71866C-55AA-CB05-D180-FE98E4673862}"/>
+          </ac:spMkLst>
+        </pc:spChg>
+        <pc:spChg chg="add del mod">
+          <ac:chgData name="Trung Nghia Nguyen" userId="caf0b1f78d203fdc" providerId="LiveId" clId="{FA98E611-7EE5-4D53-A8F6-A8478DA16B0D}" dt="2023-03-16T04:27:21.819" v="88"/>
+          <ac:spMkLst>
+            <pc:docMk/>
+            <pc:sldMk cId="779292092" sldId="256"/>
+            <ac:spMk id="9" creationId="{BF2B2450-A3A7-8C9F-A35B-E45EC50B2722}"/>
+          </ac:spMkLst>
+        </pc:spChg>
+        <pc:spChg chg="add mod">
+          <ac:chgData name="Trung Nghia Nguyen" userId="caf0b1f78d203fdc" providerId="LiveId" clId="{FA98E611-7EE5-4D53-A8F6-A8478DA16B0D}" dt="2023-03-16T05:56:31.363" v="885" actId="20577"/>
+          <ac:spMkLst>
+            <pc:docMk/>
+            <pc:sldMk cId="779292092" sldId="256"/>
+            <ac:spMk id="14" creationId="{63B4AB36-B54A-EA5C-2A74-F2C80BE0CBC4}"/>
+          </ac:spMkLst>
+        </pc:spChg>
+        <pc:spChg chg="add del mod">
+          <ac:chgData name="Trung Nghia Nguyen" userId="caf0b1f78d203fdc" providerId="LiveId" clId="{FA98E611-7EE5-4D53-A8F6-A8478DA16B0D}" dt="2023-03-16T05:56:37.340" v="886" actId="478"/>
+          <ac:spMkLst>
+            <pc:docMk/>
+            <pc:sldMk cId="779292092" sldId="256"/>
+            <ac:spMk id="15" creationId="{17843FAC-3233-9FA3-6096-5E9BE746F288}"/>
+          </ac:spMkLst>
+        </pc:spChg>
+        <pc:graphicFrameChg chg="add mod modGraphic">
+          <ac:chgData name="Trung Nghia Nguyen" userId="caf0b1f78d203fdc" providerId="LiveId" clId="{FA98E611-7EE5-4D53-A8F6-A8478DA16B0D}" dt="2023-03-20T02:03:15.660" v="4804" actId="20577"/>
+          <ac:graphicFrameMkLst>
+            <pc:docMk/>
+            <pc:sldMk cId="779292092" sldId="256"/>
+            <ac:graphicFrameMk id="16" creationId="{A794B221-780B-3E0D-DCDE-B4B669AD1AE3}"/>
+          </ac:graphicFrameMkLst>
+        </pc:graphicFrameChg>
+        <pc:picChg chg="add mod">
+          <ac:chgData name="Trung Nghia Nguyen" userId="caf0b1f78d203fdc" providerId="LiveId" clId="{FA98E611-7EE5-4D53-A8F6-A8478DA16B0D}" dt="2023-03-16T04:28:13.628" v="97" actId="1076"/>
+          <ac:picMkLst>
+            <pc:docMk/>
+            <pc:sldMk cId="779292092" sldId="256"/>
+            <ac:picMk id="1034" creationId="{6F72484C-A752-76F3-F259-0A997B815A00}"/>
+          </ac:picMkLst>
+        </pc:picChg>
+        <pc:cxnChg chg="add mod">
+          <ac:chgData name="Trung Nghia Nguyen" userId="caf0b1f78d203fdc" providerId="LiveId" clId="{FA98E611-7EE5-4D53-A8F6-A8478DA16B0D}" dt="2023-03-17T04:37:52.245" v="3021"/>
+          <ac:cxnSpMkLst>
+            <pc:docMk/>
+            <pc:sldMk cId="779292092" sldId="256"/>
+            <ac:cxnSpMk id="2" creationId="{D5E91735-6F4E-1EBB-5B25-60BB71493CFD}"/>
+          </ac:cxnSpMkLst>
+        </pc:cxnChg>
+        <pc:cxnChg chg="add mod">
+          <ac:chgData name="Trung Nghia Nguyen" userId="caf0b1f78d203fdc" providerId="LiveId" clId="{FA98E611-7EE5-4D53-A8F6-A8478DA16B0D}" dt="2023-03-16T04:29:23.337" v="100" actId="14100"/>
+          <ac:cxnSpMkLst>
+            <pc:docMk/>
+            <pc:sldMk cId="779292092" sldId="256"/>
+            <ac:cxnSpMk id="11" creationId="{E5C4A229-E185-5A4B-53B1-81D591292671}"/>
+          </ac:cxnSpMkLst>
+        </pc:cxnChg>
+      </pc:sldChg>
+      <pc:sldChg chg="addSp modSp add mod ord">
+        <pc:chgData name="Trung Nghia Nguyen" userId="caf0b1f78d203fdc" providerId="LiveId" clId="{FA98E611-7EE5-4D53-A8F6-A8478DA16B0D}" dt="2023-03-20T02:02:08.352" v="4784" actId="20577"/>
+        <pc:sldMkLst>
+          <pc:docMk/>
+          <pc:sldMk cId="502051408" sldId="257"/>
+        </pc:sldMkLst>
+        <pc:spChg chg="add mod">
+          <ac:chgData name="Trung Nghia Nguyen" userId="caf0b1f78d203fdc" providerId="LiveId" clId="{FA98E611-7EE5-4D53-A8F6-A8478DA16B0D}" dt="2023-03-17T04:37:41.303" v="3019" actId="14100"/>
+          <ac:spMkLst>
+            <pc:docMk/>
+            <pc:sldMk cId="502051408" sldId="257"/>
+            <ac:spMk id="4" creationId="{A7C6B5DE-252A-6692-B1E6-C658AB98BEE6}"/>
+          </ac:spMkLst>
+        </pc:spChg>
+        <pc:spChg chg="mod">
+          <ac:chgData name="Trung Nghia Nguyen" userId="caf0b1f78d203fdc" providerId="LiveId" clId="{FA98E611-7EE5-4D53-A8F6-A8478DA16B0D}" dt="2023-03-19T20:01:49.324" v="4626" actId="14100"/>
+          <ac:spMkLst>
+            <pc:docMk/>
+            <pc:sldMk cId="502051408" sldId="257"/>
+            <ac:spMk id="14" creationId="{63B4AB36-B54A-EA5C-2A74-F2C80BE0CBC4}"/>
+          </ac:spMkLst>
+        </pc:spChg>
+        <pc:graphicFrameChg chg="mod modGraphic">
+          <ac:chgData name="Trung Nghia Nguyen" userId="caf0b1f78d203fdc" providerId="LiveId" clId="{FA98E611-7EE5-4D53-A8F6-A8478DA16B0D}" dt="2023-03-20T02:02:08.352" v="4784" actId="20577"/>
+          <ac:graphicFrameMkLst>
+            <pc:docMk/>
+            <pc:sldMk cId="502051408" sldId="257"/>
+            <ac:graphicFrameMk id="16" creationId="{A794B221-780B-3E0D-DCDE-B4B669AD1AE3}"/>
+          </ac:graphicFrameMkLst>
+        </pc:graphicFrameChg>
+        <pc:cxnChg chg="add mod">
+          <ac:chgData name="Trung Nghia Nguyen" userId="caf0b1f78d203fdc" providerId="LiveId" clId="{FA98E611-7EE5-4D53-A8F6-A8478DA16B0D}" dt="2023-03-17T04:37:47.645" v="3020" actId="14100"/>
+          <ac:cxnSpMkLst>
+            <pc:docMk/>
+            <pc:sldMk cId="502051408" sldId="257"/>
+            <ac:cxnSpMk id="2" creationId="{0193EF83-1ED7-DCBA-7737-4EE3F208EA17}"/>
+          </ac:cxnSpMkLst>
+        </pc:cxnChg>
+      </pc:sldChg>
+      <pc:sldChg chg="addSp delSp modSp add mod">
+        <pc:chgData name="Trung Nghia Nguyen" userId="caf0b1f78d203fdc" providerId="LiveId" clId="{FA98E611-7EE5-4D53-A8F6-A8478DA16B0D}" dt="2023-03-19T20:07:36.464" v="4782" actId="1076"/>
+        <pc:sldMkLst>
+          <pc:docMk/>
+          <pc:sldMk cId="3011248427" sldId="258"/>
+        </pc:sldMkLst>
+        <pc:spChg chg="add del mod">
+          <ac:chgData name="Trung Nghia Nguyen" userId="caf0b1f78d203fdc" providerId="LiveId" clId="{FA98E611-7EE5-4D53-A8F6-A8478DA16B0D}" dt="2023-03-17T04:38:56.233" v="3046" actId="478"/>
+          <ac:spMkLst>
+            <pc:docMk/>
+            <pc:sldMk cId="3011248427" sldId="258"/>
+            <ac:spMk id="3" creationId="{00103708-BF71-4028-9F2C-BCD6FC6E2BB3}"/>
+          </ac:spMkLst>
+        </pc:spChg>
+        <pc:spChg chg="add mod">
+          <ac:chgData name="Trung Nghia Nguyen" userId="caf0b1f78d203fdc" providerId="LiveId" clId="{FA98E611-7EE5-4D53-A8F6-A8478DA16B0D}" dt="2023-03-19T20:07:36.464" v="4782" actId="1076"/>
+          <ac:spMkLst>
+            <pc:docMk/>
+            <pc:sldMk cId="3011248427" sldId="258"/>
+            <ac:spMk id="3" creationId="{56C3DF9C-2FEB-EE52-21A1-DBBB2454EA38}"/>
+          </ac:spMkLst>
+        </pc:spChg>
+        <pc:spChg chg="add mod">
+          <ac:chgData name="Trung Nghia Nguyen" userId="caf0b1f78d203fdc" providerId="LiveId" clId="{FA98E611-7EE5-4D53-A8F6-A8478DA16B0D}" dt="2023-03-19T19:41:48.869" v="4561" actId="20577"/>
+          <ac:spMkLst>
+            <pc:docMk/>
+            <pc:sldMk cId="3011248427" sldId="258"/>
+            <ac:spMk id="4" creationId="{11342279-3B1B-9555-FD5C-CA3839B3D029}"/>
+          </ac:spMkLst>
+        </pc:spChg>
+        <pc:spChg chg="mod">
+          <ac:chgData name="Trung Nghia Nguyen" userId="caf0b1f78d203fdc" providerId="LiveId" clId="{FA98E611-7EE5-4D53-A8F6-A8478DA16B0D}" dt="2023-03-16T06:01:33.515" v="1032" actId="20577"/>
+          <ac:spMkLst>
+            <pc:docMk/>
+            <pc:sldMk cId="3011248427" sldId="258"/>
+            <ac:spMk id="14" creationId="{63B4AB36-B54A-EA5C-2A74-F2C80BE0CBC4}"/>
+          </ac:spMkLst>
+        </pc:spChg>
+        <pc:graphicFrameChg chg="mod modGraphic">
+          <ac:chgData name="Trung Nghia Nguyen" userId="caf0b1f78d203fdc" providerId="LiveId" clId="{FA98E611-7EE5-4D53-A8F6-A8478DA16B0D}" dt="2023-03-19T19:23:41.611" v="4269" actId="2711"/>
+          <ac:graphicFrameMkLst>
+            <pc:docMk/>
+            <pc:sldMk cId="3011248427" sldId="258"/>
+            <ac:graphicFrameMk id="16" creationId="{A794B221-780B-3E0D-DCDE-B4B669AD1AE3}"/>
+          </ac:graphicFrameMkLst>
+        </pc:graphicFrameChg>
+        <pc:cxnChg chg="add mod">
+          <ac:chgData name="Trung Nghia Nguyen" userId="caf0b1f78d203fdc" providerId="LiveId" clId="{FA98E611-7EE5-4D53-A8F6-A8478DA16B0D}" dt="2023-03-17T04:37:55.646" v="3023"/>
+          <ac:cxnSpMkLst>
+            <pc:docMk/>
+            <pc:sldMk cId="3011248427" sldId="258"/>
+            <ac:cxnSpMk id="2" creationId="{AF3ADEA5-03F2-7E56-B6E6-8B6970A896CF}"/>
+          </ac:cxnSpMkLst>
+        </pc:cxnChg>
+      </pc:sldChg>
+      <pc:sldChg chg="addSp delSp modSp add mod">
+        <pc:chgData name="Trung Nghia Nguyen" userId="caf0b1f78d203fdc" providerId="LiveId" clId="{FA98E611-7EE5-4D53-A8F6-A8478DA16B0D}" dt="2023-03-20T06:30:07.305" v="4932" actId="1076"/>
+        <pc:sldMkLst>
+          <pc:docMk/>
+          <pc:sldMk cId="4019893558" sldId="259"/>
+        </pc:sldMkLst>
+        <pc:spChg chg="add mod">
+          <ac:chgData name="Trung Nghia Nguyen" userId="caf0b1f78d203fdc" providerId="LiveId" clId="{FA98E611-7EE5-4D53-A8F6-A8478DA16B0D}" dt="2023-03-16T06:06:38.899" v="1143" actId="114"/>
+          <ac:spMkLst>
+            <pc:docMk/>
+            <pc:sldMk cId="4019893558" sldId="259"/>
+            <ac:spMk id="2" creationId="{30380714-4CD2-9849-80A6-8AC66F97DA6F}"/>
+          </ac:spMkLst>
+        </pc:spChg>
+        <pc:spChg chg="add del mod">
+          <ac:chgData name="Trung Nghia Nguyen" userId="caf0b1f78d203fdc" providerId="LiveId" clId="{FA98E611-7EE5-4D53-A8F6-A8478DA16B0D}" dt="2023-03-17T04:38:59.674" v="3048" actId="478"/>
+          <ac:spMkLst>
+            <pc:docMk/>
+            <pc:sldMk cId="4019893558" sldId="259"/>
+            <ac:spMk id="4" creationId="{E6731AC8-6FBB-04D3-C8AD-D910046055D9}"/>
+          </ac:spMkLst>
+        </pc:spChg>
+        <pc:spChg chg="add mod">
+          <ac:chgData name="Trung Nghia Nguyen" userId="caf0b1f78d203fdc" providerId="LiveId" clId="{FA98E611-7EE5-4D53-A8F6-A8478DA16B0D}" dt="2023-03-19T19:41:52.701" v="4563" actId="20577"/>
+          <ac:spMkLst>
+            <pc:docMk/>
+            <pc:sldMk cId="4019893558" sldId="259"/>
+            <ac:spMk id="5" creationId="{38B62299-A944-8252-B1CB-882A15417931}"/>
+          </ac:spMkLst>
+        </pc:spChg>
+        <pc:spChg chg="add mod">
+          <ac:chgData name="Trung Nghia Nguyen" userId="caf0b1f78d203fdc" providerId="LiveId" clId="{FA98E611-7EE5-4D53-A8F6-A8478DA16B0D}" dt="2023-03-20T06:30:07.305" v="4932" actId="1076"/>
+          <ac:spMkLst>
+            <pc:docMk/>
+            <pc:sldMk cId="4019893558" sldId="259"/>
+            <ac:spMk id="8" creationId="{734BE0A0-109F-5738-2B5A-12B232A6A7ED}"/>
+          </ac:spMkLst>
+        </pc:spChg>
+        <pc:spChg chg="mod">
+          <ac:chgData name="Trung Nghia Nguyen" userId="caf0b1f78d203fdc" providerId="LiveId" clId="{FA98E611-7EE5-4D53-A8F6-A8478DA16B0D}" dt="2023-03-16T06:05:39.139" v="1113" actId="20577"/>
+          <ac:spMkLst>
+            <pc:docMk/>
+            <pc:sldMk cId="4019893558" sldId="259"/>
+            <ac:spMk id="14" creationId="{63B4AB36-B54A-EA5C-2A74-F2C80BE0CBC4}"/>
+          </ac:spMkLst>
+        </pc:spChg>
+        <pc:graphicFrameChg chg="del">
+          <ac:chgData name="Trung Nghia Nguyen" userId="caf0b1f78d203fdc" providerId="LiveId" clId="{FA98E611-7EE5-4D53-A8F6-A8478DA16B0D}" dt="2023-03-16T06:05:53.385" v="1114" actId="478"/>
+          <ac:graphicFrameMkLst>
+            <pc:docMk/>
+            <pc:sldMk cId="4019893558" sldId="259"/>
+            <ac:graphicFrameMk id="16" creationId="{A794B221-780B-3E0D-DCDE-B4B669AD1AE3}"/>
+          </ac:graphicFrameMkLst>
+        </pc:graphicFrameChg>
+        <pc:picChg chg="add">
+          <ac:chgData name="Trung Nghia Nguyen" userId="caf0b1f78d203fdc" providerId="LiveId" clId="{FA98E611-7EE5-4D53-A8F6-A8478DA16B0D}" dt="2023-03-20T06:29:17.630" v="4858" actId="22"/>
+          <ac:picMkLst>
+            <pc:docMk/>
+            <pc:sldMk cId="4019893558" sldId="259"/>
+            <ac:picMk id="6" creationId="{43B774FE-5094-7AB3-83D9-57A0DF7FF1F6}"/>
+          </ac:picMkLst>
+        </pc:picChg>
+        <pc:picChg chg="add del mod">
+          <ac:chgData name="Trung Nghia Nguyen" userId="caf0b1f78d203fdc" providerId="LiveId" clId="{FA98E611-7EE5-4D53-A8F6-A8478DA16B0D}" dt="2023-03-20T06:29:17.174" v="4857" actId="478"/>
+          <ac:picMkLst>
+            <pc:docMk/>
+            <pc:sldMk cId="4019893558" sldId="259"/>
+            <ac:picMk id="7" creationId="{69D8DC54-039D-02F5-CE7D-B44993CE410C}"/>
+          </ac:picMkLst>
+        </pc:picChg>
+        <pc:cxnChg chg="add mod">
+          <ac:chgData name="Trung Nghia Nguyen" userId="caf0b1f78d203fdc" providerId="LiveId" clId="{FA98E611-7EE5-4D53-A8F6-A8478DA16B0D}" dt="2023-03-17T04:37:56.935" v="3024"/>
+          <ac:cxnSpMkLst>
+            <pc:docMk/>
+            <pc:sldMk cId="4019893558" sldId="259"/>
+            <ac:cxnSpMk id="3" creationId="{9B5848A5-3C88-A3DF-9B0B-60160834435A}"/>
+          </ac:cxnSpMkLst>
+        </pc:cxnChg>
+      </pc:sldChg>
+      <pc:sldChg chg="addSp delSp modSp add mod">
+        <pc:chgData name="Trung Nghia Nguyen" userId="caf0b1f78d203fdc" providerId="LiveId" clId="{FA98E611-7EE5-4D53-A8F6-A8478DA16B0D}" dt="2023-03-20T06:32:28.380" v="4981" actId="22"/>
+        <pc:sldMkLst>
+          <pc:docMk/>
+          <pc:sldMk cId="3474282668" sldId="260"/>
+        </pc:sldMkLst>
+        <pc:spChg chg="mod">
+          <ac:chgData name="Trung Nghia Nguyen" userId="caf0b1f78d203fdc" providerId="LiveId" clId="{FA98E611-7EE5-4D53-A8F6-A8478DA16B0D}" dt="2023-03-16T06:07:58.268" v="1156" actId="20577"/>
+          <ac:spMkLst>
+            <pc:docMk/>
+            <pc:sldMk cId="3474282668" sldId="260"/>
+            <ac:spMk id="2" creationId="{30380714-4CD2-9849-80A6-8AC66F97DA6F}"/>
+          </ac:spMkLst>
+        </pc:spChg>
+        <pc:spChg chg="add mod">
+          <ac:chgData name="Trung Nghia Nguyen" userId="caf0b1f78d203fdc" providerId="LiveId" clId="{FA98E611-7EE5-4D53-A8F6-A8478DA16B0D}" dt="2023-03-20T06:32:27.935" v="4980" actId="1076"/>
+          <ac:spMkLst>
+            <pc:docMk/>
+            <pc:sldMk cId="3474282668" sldId="260"/>
+            <ac:spMk id="4" creationId="{9431821D-6D7D-E062-A69A-509104FD42F8}"/>
+          </ac:spMkLst>
+        </pc:spChg>
+        <pc:spChg chg="add del mod">
+          <ac:chgData name="Trung Nghia Nguyen" userId="caf0b1f78d203fdc" providerId="LiveId" clId="{FA98E611-7EE5-4D53-A8F6-A8478DA16B0D}" dt="2023-03-17T04:39:14.883" v="3056" actId="478"/>
+          <ac:spMkLst>
+            <pc:docMk/>
+            <pc:sldMk cId="3474282668" sldId="260"/>
+            <ac:spMk id="4" creationId="{F90D0244-90F2-3218-C4A1-606B763A06C7}"/>
+          </ac:spMkLst>
+        </pc:spChg>
+        <pc:spChg chg="add mod">
+          <ac:chgData name="Trung Nghia Nguyen" userId="caf0b1f78d203fdc" providerId="LiveId" clId="{FA98E611-7EE5-4D53-A8F6-A8478DA16B0D}" dt="2023-03-19T19:42:28.957" v="4575" actId="20577"/>
+          <ac:spMkLst>
+            <pc:docMk/>
+            <pc:sldMk cId="3474282668" sldId="260"/>
+            <ac:spMk id="5" creationId="{4560C39D-ACC4-FD53-200A-C206C7FACCF7}"/>
+          </ac:spMkLst>
+        </pc:spChg>
+        <pc:picChg chg="add">
+          <ac:chgData name="Trung Nghia Nguyen" userId="caf0b1f78d203fdc" providerId="LiveId" clId="{FA98E611-7EE5-4D53-A8F6-A8478DA16B0D}" dt="2023-03-20T06:32:28.380" v="4981" actId="22"/>
+          <ac:picMkLst>
+            <pc:docMk/>
+            <pc:sldMk cId="3474282668" sldId="260"/>
+            <ac:picMk id="7" creationId="{0A013844-F359-90BA-AFE5-5A4E0F02079B}"/>
+          </ac:picMkLst>
+        </pc:picChg>
+        <pc:cxnChg chg="add mod">
+          <ac:chgData name="Trung Nghia Nguyen" userId="caf0b1f78d203fdc" providerId="LiveId" clId="{FA98E611-7EE5-4D53-A8F6-A8478DA16B0D}" dt="2023-03-17T04:38:03.135" v="3028"/>
+          <ac:cxnSpMkLst>
+            <pc:docMk/>
+            <pc:sldMk cId="3474282668" sldId="260"/>
+            <ac:cxnSpMk id="3" creationId="{A678CC92-2ECC-6731-44B3-E00C5607B1AE}"/>
+          </ac:cxnSpMkLst>
+        </pc:cxnChg>
+      </pc:sldChg>
+      <pc:sldChg chg="addSp delSp modSp add mod">
+        <pc:chgData name="Trung Nghia Nguyen" userId="caf0b1f78d203fdc" providerId="LiveId" clId="{FA98E611-7EE5-4D53-A8F6-A8478DA16B0D}" dt="2023-03-20T06:36:55.797" v="5214" actId="20577"/>
+        <pc:sldMkLst>
+          <pc:docMk/>
+          <pc:sldMk cId="2176878142" sldId="261"/>
+        </pc:sldMkLst>
+        <pc:spChg chg="mod">
+          <ac:chgData name="Trung Nghia Nguyen" userId="caf0b1f78d203fdc" providerId="LiveId" clId="{FA98E611-7EE5-4D53-A8F6-A8478DA16B0D}" dt="2023-03-16T06:07:54.573" v="1154" actId="20577"/>
+          <ac:spMkLst>
+            <pc:docMk/>
+            <pc:sldMk cId="2176878142" sldId="261"/>
+            <ac:spMk id="2" creationId="{30380714-4CD2-9849-80A6-8AC66F97DA6F}"/>
+          </ac:spMkLst>
+        </pc:spChg>
+        <pc:spChg chg="add del mod">
+          <ac:chgData name="Trung Nghia Nguyen" userId="caf0b1f78d203fdc" providerId="LiveId" clId="{FA98E611-7EE5-4D53-A8F6-A8478DA16B0D}" dt="2023-03-17T04:39:11.371" v="3054" actId="478"/>
+          <ac:spMkLst>
+            <pc:docMk/>
+            <pc:sldMk cId="2176878142" sldId="261"/>
+            <ac:spMk id="4" creationId="{79A4E201-0F99-95ED-5D57-A5ADBCE00A7E}"/>
+          </ac:spMkLst>
+        </pc:spChg>
+        <pc:spChg chg="add mod">
+          <ac:chgData name="Trung Nghia Nguyen" userId="caf0b1f78d203fdc" providerId="LiveId" clId="{FA98E611-7EE5-4D53-A8F6-A8478DA16B0D}" dt="2023-03-19T19:42:25.521" v="4574" actId="20577"/>
+          <ac:spMkLst>
+            <pc:docMk/>
+            <pc:sldMk cId="2176878142" sldId="261"/>
+            <ac:spMk id="5" creationId="{773F5182-C15F-B8A2-79A6-98CC56113930}"/>
+          </ac:spMkLst>
+        </pc:spChg>
+        <pc:spChg chg="add mod">
+          <ac:chgData name="Trung Nghia Nguyen" userId="caf0b1f78d203fdc" providerId="LiveId" clId="{FA98E611-7EE5-4D53-A8F6-A8478DA16B0D}" dt="2023-03-20T06:36:55.797" v="5214" actId="20577"/>
+          <ac:spMkLst>
+            <pc:docMk/>
+            <pc:sldMk cId="2176878142" sldId="261"/>
+            <ac:spMk id="9" creationId="{F533BA89-8B09-1895-6FE7-F00314F0528E}"/>
+          </ac:spMkLst>
+        </pc:spChg>
+        <pc:picChg chg="add del mod">
+          <ac:chgData name="Trung Nghia Nguyen" userId="caf0b1f78d203fdc" providerId="LiveId" clId="{FA98E611-7EE5-4D53-A8F6-A8478DA16B0D}" dt="2023-03-20T06:33:26.107" v="4982" actId="478"/>
+          <ac:picMkLst>
+            <pc:docMk/>
+            <pc:sldMk cId="2176878142" sldId="261"/>
+            <ac:picMk id="6" creationId="{DBB75A3D-9236-0F32-4DB3-8640590F658C}"/>
+          </ac:picMkLst>
+        </pc:picChg>
+        <pc:picChg chg="add mod">
+          <ac:chgData name="Trung Nghia Nguyen" userId="caf0b1f78d203fdc" providerId="LiveId" clId="{FA98E611-7EE5-4D53-A8F6-A8478DA16B0D}" dt="2023-03-20T06:36:32.318" v="5141" actId="1076"/>
+          <ac:picMkLst>
+            <pc:docMk/>
+            <pc:sldMk cId="2176878142" sldId="261"/>
+            <ac:picMk id="7" creationId="{5878CDCA-64F5-3710-E232-035E68B469AA}"/>
+          </ac:picMkLst>
+        </pc:picChg>
+        <pc:picChg chg="add mod">
+          <ac:chgData name="Trung Nghia Nguyen" userId="caf0b1f78d203fdc" providerId="LiveId" clId="{FA98E611-7EE5-4D53-A8F6-A8478DA16B0D}" dt="2023-03-18T18:02:27.665" v="3498" actId="14100"/>
+          <ac:picMkLst>
+            <pc:docMk/>
+            <pc:sldMk cId="2176878142" sldId="261"/>
+            <ac:picMk id="8" creationId="{CA8451FB-3C2B-4482-8DC3-38D9C773F858}"/>
+          </ac:picMkLst>
+        </pc:picChg>
+        <pc:cxnChg chg="add mod">
+          <ac:chgData name="Trung Nghia Nguyen" userId="caf0b1f78d203fdc" providerId="LiveId" clId="{FA98E611-7EE5-4D53-A8F6-A8478DA16B0D}" dt="2023-03-17T04:38:01.916" v="3027"/>
+          <ac:cxnSpMkLst>
+            <pc:docMk/>
+            <pc:sldMk cId="2176878142" sldId="261"/>
+            <ac:cxnSpMk id="3" creationId="{E9060F41-5A0D-7040-5C8F-79CFAA7E7D72}"/>
+          </ac:cxnSpMkLst>
+        </pc:cxnChg>
+      </pc:sldChg>
+      <pc:sldChg chg="addSp delSp modSp add del mod">
+        <pc:chgData name="Trung Nghia Nguyen" userId="caf0b1f78d203fdc" providerId="LiveId" clId="{FA98E611-7EE5-4D53-A8F6-A8478DA16B0D}" dt="2023-03-17T07:03:47.972" v="3265" actId="2696"/>
+        <pc:sldMkLst>
+          <pc:docMk/>
+          <pc:sldMk cId="875898025" sldId="262"/>
+        </pc:sldMkLst>
+        <pc:spChg chg="mod">
+          <ac:chgData name="Trung Nghia Nguyen" userId="caf0b1f78d203fdc" providerId="LiveId" clId="{FA98E611-7EE5-4D53-A8F6-A8478DA16B0D}" dt="2023-03-16T06:07:49.749" v="1152" actId="20577"/>
+          <ac:spMkLst>
+            <pc:docMk/>
+            <pc:sldMk cId="875898025" sldId="262"/>
+            <ac:spMk id="2" creationId="{30380714-4CD2-9849-80A6-8AC66F97DA6F}"/>
+          </ac:spMkLst>
+        </pc:spChg>
+        <pc:spChg chg="add del mod">
+          <ac:chgData name="Trung Nghia Nguyen" userId="caf0b1f78d203fdc" providerId="LiveId" clId="{FA98E611-7EE5-4D53-A8F6-A8478DA16B0D}" dt="2023-03-17T04:39:07.061" v="3052" actId="478"/>
+          <ac:spMkLst>
+            <pc:docMk/>
+            <pc:sldMk cId="875898025" sldId="262"/>
+            <ac:spMk id="4" creationId="{78B0134D-73F0-E0EE-EAA2-40F53D578455}"/>
+          </ac:spMkLst>
+        </pc:spChg>
+        <pc:spChg chg="add mod">
+          <ac:chgData name="Trung Nghia Nguyen" userId="caf0b1f78d203fdc" providerId="LiveId" clId="{FA98E611-7EE5-4D53-A8F6-A8478DA16B0D}" dt="2023-03-17T04:39:07.317" v="3053"/>
+          <ac:spMkLst>
+            <pc:docMk/>
+            <pc:sldMk cId="875898025" sldId="262"/>
+            <ac:spMk id="5" creationId="{7AF6E6C4-7E4D-6951-DD77-D67FDB08BE33}"/>
+          </ac:spMkLst>
+        </pc:spChg>
+        <pc:spChg chg="add mod">
+          <ac:chgData name="Trung Nghia Nguyen" userId="caf0b1f78d203fdc" providerId="LiveId" clId="{FA98E611-7EE5-4D53-A8F6-A8478DA16B0D}" dt="2023-03-17T06:38:20.448" v="3252" actId="207"/>
+          <ac:spMkLst>
+            <pc:docMk/>
+            <pc:sldMk cId="875898025" sldId="262"/>
+            <ac:spMk id="7" creationId="{C27A575E-AACF-0BC5-FF71-5FCE2C283EAA}"/>
+          </ac:spMkLst>
+        </pc:spChg>
+        <pc:cxnChg chg="add mod">
+          <ac:chgData name="Trung Nghia Nguyen" userId="caf0b1f78d203fdc" providerId="LiveId" clId="{FA98E611-7EE5-4D53-A8F6-A8478DA16B0D}" dt="2023-03-17T04:38:00.559" v="3026"/>
+          <ac:cxnSpMkLst>
+            <pc:docMk/>
+            <pc:sldMk cId="875898025" sldId="262"/>
+            <ac:cxnSpMk id="3" creationId="{C4BB4107-403F-CD25-8D62-E1CD580C39E7}"/>
+          </ac:cxnSpMkLst>
+        </pc:cxnChg>
+      </pc:sldChg>
+      <pc:sldChg chg="addSp delSp modSp add mod">
+        <pc:chgData name="Trung Nghia Nguyen" userId="caf0b1f78d203fdc" providerId="LiveId" clId="{FA98E611-7EE5-4D53-A8F6-A8478DA16B0D}" dt="2023-03-19T19:41:58.154" v="4565" actId="20577"/>
+        <pc:sldMkLst>
+          <pc:docMk/>
+          <pc:sldMk cId="482173432" sldId="263"/>
+        </pc:sldMkLst>
+        <pc:spChg chg="mod">
+          <ac:chgData name="Trung Nghia Nguyen" userId="caf0b1f78d203fdc" providerId="LiveId" clId="{FA98E611-7EE5-4D53-A8F6-A8478DA16B0D}" dt="2023-03-16T06:07:46.511" v="1150" actId="20577"/>
+          <ac:spMkLst>
+            <pc:docMk/>
+            <pc:sldMk cId="482173432" sldId="263"/>
+            <ac:spMk id="2" creationId="{30380714-4CD2-9849-80A6-8AC66F97DA6F}"/>
+          </ac:spMkLst>
+        </pc:spChg>
+        <pc:spChg chg="add del mod">
+          <ac:chgData name="Trung Nghia Nguyen" userId="caf0b1f78d203fdc" providerId="LiveId" clId="{FA98E611-7EE5-4D53-A8F6-A8478DA16B0D}" dt="2023-03-17T04:39:03.344" v="3050" actId="478"/>
+          <ac:spMkLst>
+            <pc:docMk/>
+            <pc:sldMk cId="482173432" sldId="263"/>
+            <ac:spMk id="4" creationId="{A2FC1147-7412-C677-5A5A-BF19366C123D}"/>
+          </ac:spMkLst>
+        </pc:spChg>
+        <pc:spChg chg="add mod">
+          <ac:chgData name="Trung Nghia Nguyen" userId="caf0b1f78d203fdc" providerId="LiveId" clId="{FA98E611-7EE5-4D53-A8F6-A8478DA16B0D}" dt="2023-03-19T19:41:58.154" v="4565" actId="20577"/>
+          <ac:spMkLst>
+            <pc:docMk/>
+            <pc:sldMk cId="482173432" sldId="263"/>
+            <ac:spMk id="5" creationId="{5EFED488-422D-714E-BC8D-1EFFE4EB27EF}"/>
+          </ac:spMkLst>
+        </pc:spChg>
+        <pc:spChg chg="add mod">
+          <ac:chgData name="Trung Nghia Nguyen" userId="caf0b1f78d203fdc" providerId="LiveId" clId="{FA98E611-7EE5-4D53-A8F6-A8478DA16B0D}" dt="2023-03-17T06:23:12.888" v="3165" actId="114"/>
+          <ac:spMkLst>
+            <pc:docMk/>
+            <pc:sldMk cId="482173432" sldId="263"/>
+            <ac:spMk id="6" creationId="{E89CDB90-AF28-D274-AC55-ECC8E0120E31}"/>
+          </ac:spMkLst>
+        </pc:spChg>
+        <pc:picChg chg="add mod">
+          <ac:chgData name="Trung Nghia Nguyen" userId="caf0b1f78d203fdc" providerId="LiveId" clId="{FA98E611-7EE5-4D53-A8F6-A8478DA16B0D}" dt="2023-03-17T06:19:17.560" v="3097" actId="14100"/>
+          <ac:picMkLst>
+            <pc:docMk/>
+            <pc:sldMk cId="482173432" sldId="263"/>
+            <ac:picMk id="8" creationId="{64343610-2239-3C37-0292-61E9C46DADC0}"/>
+          </ac:picMkLst>
+        </pc:picChg>
+        <pc:picChg chg="add mod">
+          <ac:chgData name="Trung Nghia Nguyen" userId="caf0b1f78d203fdc" providerId="LiveId" clId="{FA98E611-7EE5-4D53-A8F6-A8478DA16B0D}" dt="2023-03-17T06:19:27.485" v="3100" actId="14100"/>
+          <ac:picMkLst>
+            <pc:docMk/>
+            <pc:sldMk cId="482173432" sldId="263"/>
+            <ac:picMk id="1026" creationId="{8B6FAEF3-00E8-C2B6-6484-BD77EBFDEA2F}"/>
+          </ac:picMkLst>
+        </pc:picChg>
+        <pc:cxnChg chg="add mod">
+          <ac:chgData name="Trung Nghia Nguyen" userId="caf0b1f78d203fdc" providerId="LiveId" clId="{FA98E611-7EE5-4D53-A8F6-A8478DA16B0D}" dt="2023-03-17T04:37:58.915" v="3025"/>
+          <ac:cxnSpMkLst>
+            <pc:docMk/>
+            <pc:sldMk cId="482173432" sldId="263"/>
+            <ac:cxnSpMk id="3" creationId="{0C90852F-CCF4-2CB4-185D-9BD76C10552E}"/>
+          </ac:cxnSpMkLst>
+        </pc:cxnChg>
+      </pc:sldChg>
+      <pc:sldChg chg="addSp delSp modSp add mod">
+        <pc:chgData name="Trung Nghia Nguyen" userId="caf0b1f78d203fdc" providerId="LiveId" clId="{FA98E611-7EE5-4D53-A8F6-A8478DA16B0D}" dt="2023-03-20T06:36:20.136" v="5138" actId="1076"/>
+        <pc:sldMkLst>
+          <pc:docMk/>
+          <pc:sldMk cId="2895901428" sldId="264"/>
+        </pc:sldMkLst>
+        <pc:spChg chg="mod">
+          <ac:chgData name="Trung Nghia Nguyen" userId="caf0b1f78d203fdc" providerId="LiveId" clId="{FA98E611-7EE5-4D53-A8F6-A8478DA16B0D}" dt="2023-03-16T06:08:02.769" v="1158" actId="20577"/>
+          <ac:spMkLst>
+            <pc:docMk/>
+            <pc:sldMk cId="2895901428" sldId="264"/>
+            <ac:spMk id="2" creationId="{30380714-4CD2-9849-80A6-8AC66F97DA6F}"/>
+          </ac:spMkLst>
+        </pc:spChg>
+        <pc:spChg chg="add del mod">
+          <ac:chgData name="Trung Nghia Nguyen" userId="caf0b1f78d203fdc" providerId="LiveId" clId="{FA98E611-7EE5-4D53-A8F6-A8478DA16B0D}" dt="2023-03-17T04:39:19.392" v="3058" actId="478"/>
+          <ac:spMkLst>
+            <pc:docMk/>
+            <pc:sldMk cId="2895901428" sldId="264"/>
+            <ac:spMk id="4" creationId="{60A99F50-FB46-F4B1-BC79-AB008BB54B45}"/>
+          </ac:spMkLst>
+        </pc:spChg>
+        <pc:spChg chg="add mod">
+          <ac:chgData name="Trung Nghia Nguyen" userId="caf0b1f78d203fdc" providerId="LiveId" clId="{FA98E611-7EE5-4D53-A8F6-A8478DA16B0D}" dt="2023-03-19T19:42:32.285" v="4576" actId="20577"/>
+          <ac:spMkLst>
+            <pc:docMk/>
+            <pc:sldMk cId="2895901428" sldId="264"/>
+            <ac:spMk id="5" creationId="{F5D7CFDC-9C3E-5EB6-442E-0427CF3FD978}"/>
+          </ac:spMkLst>
+        </pc:spChg>
+        <pc:spChg chg="add mod">
+          <ac:chgData name="Trung Nghia Nguyen" userId="caf0b1f78d203fdc" providerId="LiveId" clId="{FA98E611-7EE5-4D53-A8F6-A8478DA16B0D}" dt="2023-03-20T06:36:20.136" v="5138" actId="1076"/>
+          <ac:spMkLst>
+            <pc:docMk/>
+            <pc:sldMk cId="2895901428" sldId="264"/>
+            <ac:spMk id="7" creationId="{F0634F75-D2AC-CBA7-B59B-9BAA1E76EBEC}"/>
+          </ac:spMkLst>
+        </pc:spChg>
+        <pc:picChg chg="add mod">
+          <ac:chgData name="Trung Nghia Nguyen" userId="caf0b1f78d203fdc" providerId="LiveId" clId="{FA98E611-7EE5-4D53-A8F6-A8478DA16B0D}" dt="2023-03-20T06:35:33.823" v="4990" actId="1076"/>
+          <ac:picMkLst>
+            <pc:docMk/>
+            <pc:sldMk cId="2895901428" sldId="264"/>
+            <ac:picMk id="6" creationId="{DCC12B2F-C07E-D6F5-3264-6403237DFCB8}"/>
+          </ac:picMkLst>
+        </pc:picChg>
+        <pc:cxnChg chg="add mod">
+          <ac:chgData name="Trung Nghia Nguyen" userId="caf0b1f78d203fdc" providerId="LiveId" clId="{FA98E611-7EE5-4D53-A8F6-A8478DA16B0D}" dt="2023-03-17T04:38:04.341" v="3029"/>
+          <ac:cxnSpMkLst>
+            <pc:docMk/>
+            <pc:sldMk cId="2895901428" sldId="264"/>
+            <ac:cxnSpMk id="3" creationId="{000902B5-E704-F9CF-DC0B-DDD6C94EF140}"/>
+          </ac:cxnSpMkLst>
+        </pc:cxnChg>
+      </pc:sldChg>
+      <pc:sldChg chg="addSp delSp modSp add mod replId">
+        <pc:chgData name="Trung Nghia Nguyen" userId="caf0b1f78d203fdc" providerId="LiveId" clId="{FA98E611-7EE5-4D53-A8F6-A8478DA16B0D}" dt="2023-03-20T06:38:22.794" v="5343" actId="115"/>
+        <pc:sldMkLst>
+          <pc:docMk/>
+          <pc:sldMk cId="4283605162" sldId="265"/>
+        </pc:sldMkLst>
+        <pc:spChg chg="mod">
+          <ac:chgData name="Trung Nghia Nguyen" userId="caf0b1f78d203fdc" providerId="LiveId" clId="{FA98E611-7EE5-4D53-A8F6-A8478DA16B0D}" dt="2023-03-16T06:08:47.041" v="1174" actId="20577"/>
+          <ac:spMkLst>
+            <pc:docMk/>
+            <pc:sldMk cId="4283605162" sldId="265"/>
+            <ac:spMk id="2" creationId="{30380714-4CD2-9849-80A6-8AC66F97DA6F}"/>
+          </ac:spMkLst>
+        </pc:spChg>
+        <pc:spChg chg="add del mod">
+          <ac:chgData name="Trung Nghia Nguyen" userId="caf0b1f78d203fdc" providerId="LiveId" clId="{FA98E611-7EE5-4D53-A8F6-A8478DA16B0D}" dt="2023-03-17T04:39:27.464" v="3062" actId="478"/>
+          <ac:spMkLst>
+            <pc:docMk/>
+            <pc:sldMk cId="4283605162" sldId="265"/>
+            <ac:spMk id="4" creationId="{3384EA73-795D-DBBD-C798-301784B97C0D}"/>
+          </ac:spMkLst>
+        </pc:spChg>
+        <pc:spChg chg="add mod">
+          <ac:chgData name="Trung Nghia Nguyen" userId="caf0b1f78d203fdc" providerId="LiveId" clId="{FA98E611-7EE5-4D53-A8F6-A8478DA16B0D}" dt="2023-03-18T18:06:10.161" v="3553" actId="114"/>
+          <ac:spMkLst>
+            <pc:docMk/>
+            <pc:sldMk cId="4283605162" sldId="265"/>
+            <ac:spMk id="4" creationId="{6155AFF2-5D57-35C2-5FA4-18DC56B50EDC}"/>
+          </ac:spMkLst>
+        </pc:spChg>
+        <pc:spChg chg="add mod">
+          <ac:chgData name="Trung Nghia Nguyen" userId="caf0b1f78d203fdc" providerId="LiveId" clId="{FA98E611-7EE5-4D53-A8F6-A8478DA16B0D}" dt="2023-03-19T19:42:46.679" v="4580" actId="20577"/>
+          <ac:spMkLst>
+            <pc:docMk/>
+            <pc:sldMk cId="4283605162" sldId="265"/>
+            <ac:spMk id="5" creationId="{C636AC51-235F-27C4-310D-353DA6ACFACB}"/>
+          </ac:spMkLst>
+        </pc:spChg>
+        <pc:spChg chg="add del mod">
+          <ac:chgData name="Trung Nghia Nguyen" userId="caf0b1f78d203fdc" providerId="LiveId" clId="{FA98E611-7EE5-4D53-A8F6-A8478DA16B0D}" dt="2023-03-20T06:37:36.898" v="5229" actId="478"/>
+          <ac:spMkLst>
+            <pc:docMk/>
+            <pc:sldMk cId="4283605162" sldId="265"/>
+            <ac:spMk id="6" creationId="{34952638-B22F-A601-ABB7-40D3A03CAF10}"/>
+          </ac:spMkLst>
+        </pc:spChg>
+        <pc:spChg chg="add mod">
+          <ac:chgData name="Trung Nghia Nguyen" userId="caf0b1f78d203fdc" providerId="LiveId" clId="{FA98E611-7EE5-4D53-A8F6-A8478DA16B0D}" dt="2023-03-20T06:37:43.908" v="5254" actId="1035"/>
+          <ac:spMkLst>
+            <pc:docMk/>
+            <pc:sldMk cId="4283605162" sldId="265"/>
+            <ac:spMk id="8" creationId="{5B6ADF82-7127-B1E1-AB08-85E9AFA2C229}"/>
+          </ac:spMkLst>
+        </pc:spChg>
+        <pc:spChg chg="add mod">
+          <ac:chgData name="Trung Nghia Nguyen" userId="caf0b1f78d203fdc" providerId="LiveId" clId="{FA98E611-7EE5-4D53-A8F6-A8478DA16B0D}" dt="2023-03-20T06:38:22.794" v="5343" actId="115"/>
+          <ac:spMkLst>
+            <pc:docMk/>
+            <pc:sldMk cId="4283605162" sldId="265"/>
+            <ac:spMk id="9" creationId="{07192213-4093-B158-7615-5C02C5D78E3C}"/>
+          </ac:spMkLst>
+        </pc:spChg>
+        <pc:spChg chg="add mod">
+          <ac:chgData name="Trung Nghia Nguyen" userId="caf0b1f78d203fdc" providerId="LiveId" clId="{FA98E611-7EE5-4D53-A8F6-A8478DA16B0D}" dt="2023-03-20T06:37:48.962" v="5255" actId="1076"/>
+          <ac:spMkLst>
+            <pc:docMk/>
+            <pc:sldMk cId="4283605162" sldId="265"/>
+            <ac:spMk id="12" creationId="{C28A47A4-273C-2F4E-0D9B-7FF4CE6F8FC8}"/>
+          </ac:spMkLst>
+        </pc:spChg>
+        <pc:spChg chg="mod">
+          <ac:chgData name="Trung Nghia Nguyen" userId="caf0b1f78d203fdc" providerId="LiveId" clId="{FA98E611-7EE5-4D53-A8F6-A8478DA16B0D}" dt="2023-03-16T06:08:20.795" v="1172" actId="20577"/>
+          <ac:spMkLst>
+            <pc:docMk/>
+            <pc:sldMk cId="4283605162" sldId="265"/>
+            <ac:spMk id="14" creationId="{63B4AB36-B54A-EA5C-2A74-F2C80BE0CBC4}"/>
+          </ac:spMkLst>
+        </pc:spChg>
+        <pc:picChg chg="add mod">
+          <ac:chgData name="Trung Nghia Nguyen" userId="caf0b1f78d203fdc" providerId="LiveId" clId="{FA98E611-7EE5-4D53-A8F6-A8478DA16B0D}" dt="2023-03-18T18:06:37.350" v="3555" actId="1076"/>
+          <ac:picMkLst>
+            <pc:docMk/>
+            <pc:sldMk cId="4283605162" sldId="265"/>
+            <ac:picMk id="7" creationId="{9BE015F4-B740-114F-C17A-D68586C61382}"/>
+          </ac:picMkLst>
+        </pc:picChg>
+        <pc:picChg chg="add mod">
+          <ac:chgData name="Trung Nghia Nguyen" userId="caf0b1f78d203fdc" providerId="LiveId" clId="{FA98E611-7EE5-4D53-A8F6-A8478DA16B0D}" dt="2023-03-20T06:37:43.908" v="5254" actId="1035"/>
+          <ac:picMkLst>
+            <pc:docMk/>
+            <pc:sldMk cId="4283605162" sldId="265"/>
+            <ac:picMk id="10" creationId="{64FFD8A3-EA3E-8803-1A9E-83B9D68AD773}"/>
+          </ac:picMkLst>
+        </pc:picChg>
+        <pc:picChg chg="add mod">
+          <ac:chgData name="Trung Nghia Nguyen" userId="caf0b1f78d203fdc" providerId="LiveId" clId="{FA98E611-7EE5-4D53-A8F6-A8478DA16B0D}" dt="2023-03-20T06:37:52.028" v="5256" actId="1076"/>
+          <ac:picMkLst>
+            <pc:docMk/>
+            <pc:sldMk cId="4283605162" sldId="265"/>
+            <ac:picMk id="15" creationId="{E1B123BE-4EEC-7C2E-0D92-C3C0811176CB}"/>
+          </ac:picMkLst>
+        </pc:picChg>
+        <pc:cxnChg chg="add mod">
+          <ac:chgData name="Trung Nghia Nguyen" userId="caf0b1f78d203fdc" providerId="LiveId" clId="{FA98E611-7EE5-4D53-A8F6-A8478DA16B0D}" dt="2023-03-17T04:38:07.552" v="3031"/>
+          <ac:cxnSpMkLst>
+            <pc:docMk/>
+            <pc:sldMk cId="4283605162" sldId="265"/>
+            <ac:cxnSpMk id="3" creationId="{2CD06583-66AF-701D-3EFB-7B57FC7CBC60}"/>
+          </ac:cxnSpMkLst>
+        </pc:cxnChg>
+      </pc:sldChg>
+      <pc:sldChg chg="addSp delSp modSp add mod replId">
+        <pc:chgData name="Trung Nghia Nguyen" userId="caf0b1f78d203fdc" providerId="LiveId" clId="{FA98E611-7EE5-4D53-A8F6-A8478DA16B0D}" dt="2023-03-20T06:38:57.002" v="5372" actId="1076"/>
+        <pc:sldMkLst>
+          <pc:docMk/>
+          <pc:sldMk cId="1755807355" sldId="266"/>
+        </pc:sldMkLst>
+        <pc:spChg chg="mod">
+          <ac:chgData name="Trung Nghia Nguyen" userId="caf0b1f78d203fdc" providerId="LiveId" clId="{FA98E611-7EE5-4D53-A8F6-A8478DA16B0D}" dt="2023-03-16T06:08:54.022" v="1178" actId="20577"/>
+          <ac:spMkLst>
+            <pc:docMk/>
+            <pc:sldMk cId="1755807355" sldId="266"/>
+            <ac:spMk id="2" creationId="{30380714-4CD2-9849-80A6-8AC66F97DA6F}"/>
+          </ac:spMkLst>
+        </pc:spChg>
+        <pc:spChg chg="add del mod">
+          <ac:chgData name="Trung Nghia Nguyen" userId="caf0b1f78d203fdc" providerId="LiveId" clId="{FA98E611-7EE5-4D53-A8F6-A8478DA16B0D}" dt="2023-03-17T04:39:31.432" v="3064" actId="478"/>
+          <ac:spMkLst>
+            <pc:docMk/>
+            <pc:sldMk cId="1755807355" sldId="266"/>
+            <ac:spMk id="4" creationId="{9FC5A47E-E156-CE54-D964-B05D97E3E440}"/>
+          </ac:spMkLst>
+        </pc:spChg>
+        <pc:spChg chg="add del mod">
+          <ac:chgData name="Trung Nghia Nguyen" userId="caf0b1f78d203fdc" providerId="LiveId" clId="{FA98E611-7EE5-4D53-A8F6-A8478DA16B0D}" dt="2023-03-20T06:38:36.545" v="5346" actId="478"/>
+          <ac:spMkLst>
+            <pc:docMk/>
+            <pc:sldMk cId="1755807355" sldId="266"/>
+            <ac:spMk id="4" creationId="{AAB22F9D-7A5E-4401-A0CB-A63DA021226F}"/>
+          </ac:spMkLst>
+        </pc:spChg>
+        <pc:spChg chg="add mod">
+          <ac:chgData name="Trung Nghia Nguyen" userId="caf0b1f78d203fdc" providerId="LiveId" clId="{FA98E611-7EE5-4D53-A8F6-A8478DA16B0D}" dt="2023-03-19T19:42:52.243" v="4581" actId="20577"/>
+          <ac:spMkLst>
+            <pc:docMk/>
+            <pc:sldMk cId="1755807355" sldId="266"/>
+            <ac:spMk id="5" creationId="{5A7DF51B-1976-A0EB-6F7B-B4A2CB037D53}"/>
+          </ac:spMkLst>
+        </pc:spChg>
+        <pc:spChg chg="add mod">
+          <ac:chgData name="Trung Nghia Nguyen" userId="caf0b1f78d203fdc" providerId="LiveId" clId="{FA98E611-7EE5-4D53-A8F6-A8478DA16B0D}" dt="2023-03-20T06:38:57.002" v="5372" actId="1076"/>
+          <ac:spMkLst>
+            <pc:docMk/>
+            <pc:sldMk cId="1755807355" sldId="266"/>
+            <ac:spMk id="7" creationId="{41F3B00E-EEC6-C3C0-4054-6A44FFDA2129}"/>
+          </ac:spMkLst>
+        </pc:spChg>
+        <pc:spChg chg="mod">
+          <ac:chgData name="Trung Nghia Nguyen" userId="caf0b1f78d203fdc" providerId="LiveId" clId="{FA98E611-7EE5-4D53-A8F6-A8478DA16B0D}" dt="2023-03-16T06:16:56.623" v="1489" actId="20577"/>
+          <ac:spMkLst>
+            <pc:docMk/>
+            <pc:sldMk cId="1755807355" sldId="266"/>
+            <ac:spMk id="14" creationId="{63B4AB36-B54A-EA5C-2A74-F2C80BE0CBC4}"/>
+          </ac:spMkLst>
+        </pc:spChg>
+        <pc:picChg chg="add del mod modCrop">
+          <ac:chgData name="Trung Nghia Nguyen" userId="caf0b1f78d203fdc" providerId="LiveId" clId="{FA98E611-7EE5-4D53-A8F6-A8478DA16B0D}" dt="2023-03-18T18:13:54.951" v="3582" actId="21"/>
+          <ac:picMkLst>
+            <pc:docMk/>
+            <pc:sldMk cId="1755807355" sldId="266"/>
+            <ac:picMk id="6" creationId="{22C59D75-28CE-46F5-5707-658FE476BFDD}"/>
+          </ac:picMkLst>
+        </pc:picChg>
+        <pc:picChg chg="add mod">
+          <ac:chgData name="Trung Nghia Nguyen" userId="caf0b1f78d203fdc" providerId="LiveId" clId="{FA98E611-7EE5-4D53-A8F6-A8478DA16B0D}" dt="2023-03-20T06:38:34.458" v="5345" actId="1076"/>
+          <ac:picMkLst>
+            <pc:docMk/>
+            <pc:sldMk cId="1755807355" sldId="266"/>
+            <ac:picMk id="6" creationId="{F965E609-B8C6-9840-FCA8-51EC5CD8ADD1}"/>
+          </ac:picMkLst>
+        </pc:picChg>
+        <pc:cxnChg chg="add mod">
+          <ac:chgData name="Trung Nghia Nguyen" userId="caf0b1f78d203fdc" providerId="LiveId" clId="{FA98E611-7EE5-4D53-A8F6-A8478DA16B0D}" dt="2023-03-17T04:38:09.225" v="3032"/>
+          <ac:cxnSpMkLst>
+            <pc:docMk/>
+            <pc:sldMk cId="1755807355" sldId="266"/>
+            <ac:cxnSpMk id="3" creationId="{A6209D13-18E2-CE90-A8FC-47240D1DB3DD}"/>
+          </ac:cxnSpMkLst>
+        </pc:cxnChg>
+      </pc:sldChg>
+      <pc:sldChg chg="addSp delSp modSp add mod replId">
+        <pc:chgData name="Trung Nghia Nguyen" userId="caf0b1f78d203fdc" providerId="LiveId" clId="{FA98E611-7EE5-4D53-A8F6-A8478DA16B0D}" dt="2023-03-20T06:46:22.745" v="5552" actId="1076"/>
+        <pc:sldMkLst>
+          <pc:docMk/>
+          <pc:sldMk cId="420754388" sldId="267"/>
+        </pc:sldMkLst>
+        <pc:spChg chg="mod">
+          <ac:chgData name="Trung Nghia Nguyen" userId="caf0b1f78d203fdc" providerId="LiveId" clId="{FA98E611-7EE5-4D53-A8F6-A8478DA16B0D}" dt="2023-03-16T06:09:05.191" v="1182" actId="20577"/>
+          <ac:spMkLst>
+            <pc:docMk/>
+            <pc:sldMk cId="420754388" sldId="267"/>
+            <ac:spMk id="2" creationId="{30380714-4CD2-9849-80A6-8AC66F97DA6F}"/>
+          </ac:spMkLst>
+        </pc:spChg>
+        <pc:spChg chg="add del mod">
+          <ac:chgData name="Trung Nghia Nguyen" userId="caf0b1f78d203fdc" providerId="LiveId" clId="{FA98E611-7EE5-4D53-A8F6-A8478DA16B0D}" dt="2023-03-17T04:39:35.292" v="3066" actId="478"/>
+          <ac:spMkLst>
+            <pc:docMk/>
+            <pc:sldMk cId="420754388" sldId="267"/>
+            <ac:spMk id="4" creationId="{5B057441-CC31-82D0-2A61-D4C277283FF0}"/>
+          </ac:spMkLst>
+        </pc:spChg>
+        <pc:spChg chg="add mod">
+          <ac:chgData name="Trung Nghia Nguyen" userId="caf0b1f78d203fdc" providerId="LiveId" clId="{FA98E611-7EE5-4D53-A8F6-A8478DA16B0D}" dt="2023-03-19T19:42:55.901" v="4582" actId="20577"/>
+          <ac:spMkLst>
+            <pc:docMk/>
+            <pc:sldMk cId="420754388" sldId="267"/>
+            <ac:spMk id="5" creationId="{5AE77F4E-29AF-200B-741F-D59D22548F68}"/>
+          </ac:spMkLst>
+        </pc:spChg>
+        <pc:spChg chg="add mod">
+          <ac:chgData name="Trung Nghia Nguyen" userId="caf0b1f78d203fdc" providerId="LiveId" clId="{FA98E611-7EE5-4D53-A8F6-A8478DA16B0D}" dt="2023-03-20T06:46:22.745" v="5552" actId="1076"/>
+          <ac:spMkLst>
+            <pc:docMk/>
+            <pc:sldMk cId="420754388" sldId="267"/>
+            <ac:spMk id="6" creationId="{F3459CBF-C8CB-D11F-4C1C-7F3691FB67D3}"/>
+          </ac:spMkLst>
+        </pc:spChg>
+        <pc:spChg chg="mod">
+          <ac:chgData name="Trung Nghia Nguyen" userId="caf0b1f78d203fdc" providerId="LiveId" clId="{FA98E611-7EE5-4D53-A8F6-A8478DA16B0D}" dt="2023-03-16T06:17:02.365" v="1503" actId="20577"/>
+          <ac:spMkLst>
+            <pc:docMk/>
+            <pc:sldMk cId="420754388" sldId="267"/>
+            <ac:spMk id="14" creationId="{63B4AB36-B54A-EA5C-2A74-F2C80BE0CBC4}"/>
+          </ac:spMkLst>
+        </pc:spChg>
+        <pc:picChg chg="add del mod">
+          <ac:chgData name="Trung Nghia Nguyen" userId="caf0b1f78d203fdc" providerId="LiveId" clId="{FA98E611-7EE5-4D53-A8F6-A8478DA16B0D}" dt="2023-03-20T06:46:09.964" v="5548" actId="478"/>
+          <ac:picMkLst>
+            <pc:docMk/>
+            <pc:sldMk cId="420754388" sldId="267"/>
+            <ac:picMk id="4" creationId="{E12BC0F1-607B-17E9-1754-F5489A61089A}"/>
+          </ac:picMkLst>
+        </pc:picChg>
+        <pc:picChg chg="add mod">
+          <ac:chgData name="Trung Nghia Nguyen" userId="caf0b1f78d203fdc" providerId="LiveId" clId="{FA98E611-7EE5-4D53-A8F6-A8478DA16B0D}" dt="2023-03-20T06:46:17.898" v="5551" actId="1076"/>
+          <ac:picMkLst>
+            <pc:docMk/>
+            <pc:sldMk cId="420754388" sldId="267"/>
+            <ac:picMk id="1026" creationId="{0DDEF103-57C2-30E2-ED3E-9AB7C6BA55E4}"/>
+          </ac:picMkLst>
+        </pc:picChg>
+        <pc:cxnChg chg="add mod">
+          <ac:chgData name="Trung Nghia Nguyen" userId="caf0b1f78d203fdc" providerId="LiveId" clId="{FA98E611-7EE5-4D53-A8F6-A8478DA16B0D}" dt="2023-03-17T04:38:10.896" v="3033"/>
+          <ac:cxnSpMkLst>
+            <pc:docMk/>
+            <pc:sldMk cId="420754388" sldId="267"/>
+            <ac:cxnSpMk id="3" creationId="{C2A7E5D0-0732-35D5-18A2-C5CE2320D9B6}"/>
+          </ac:cxnSpMkLst>
+        </pc:cxnChg>
+      </pc:sldChg>
+      <pc:sldChg chg="addSp delSp modSp add mod replId">
+        <pc:chgData name="Trung Nghia Nguyen" userId="caf0b1f78d203fdc" providerId="LiveId" clId="{FA98E611-7EE5-4D53-A8F6-A8478DA16B0D}" dt="2023-03-20T06:25:48.812" v="4856" actId="1076"/>
+        <pc:sldMkLst>
+          <pc:docMk/>
+          <pc:sldMk cId="1800081090" sldId="268"/>
+        </pc:sldMkLst>
+        <pc:spChg chg="mod">
+          <ac:chgData name="Trung Nghia Nguyen" userId="caf0b1f78d203fdc" providerId="LiveId" clId="{FA98E611-7EE5-4D53-A8F6-A8478DA16B0D}" dt="2023-03-16T06:09:09.571" v="1186" actId="20577"/>
+          <ac:spMkLst>
+            <pc:docMk/>
+            <pc:sldMk cId="1800081090" sldId="268"/>
+            <ac:spMk id="2" creationId="{30380714-4CD2-9849-80A6-8AC66F97DA6F}"/>
+          </ac:spMkLst>
+        </pc:spChg>
+        <pc:spChg chg="add del mod">
+          <ac:chgData name="Trung Nghia Nguyen" userId="caf0b1f78d203fdc" providerId="LiveId" clId="{FA98E611-7EE5-4D53-A8F6-A8478DA16B0D}" dt="2023-03-17T04:39:40.169" v="3068" actId="478"/>
+          <ac:spMkLst>
+            <pc:docMk/>
+            <pc:sldMk cId="1800081090" sldId="268"/>
+            <ac:spMk id="4" creationId="{FC0C686F-2BB6-97A5-A2E3-8228181D7A3F}"/>
+          </ac:spMkLst>
+        </pc:spChg>
+        <pc:spChg chg="add mod">
+          <ac:chgData name="Trung Nghia Nguyen" userId="caf0b1f78d203fdc" providerId="LiveId" clId="{FA98E611-7EE5-4D53-A8F6-A8478DA16B0D}" dt="2023-03-19T19:43:00.657" v="4583" actId="20577"/>
+          <ac:spMkLst>
+            <pc:docMk/>
+            <pc:sldMk cId="1800081090" sldId="268"/>
+            <ac:spMk id="5" creationId="{1D7A3032-17B2-6AEA-AC88-9349A439BD22}"/>
+          </ac:spMkLst>
+        </pc:spChg>
+        <pc:spChg chg="add mod">
+          <ac:chgData name="Trung Nghia Nguyen" userId="caf0b1f78d203fdc" providerId="LiveId" clId="{FA98E611-7EE5-4D53-A8F6-A8478DA16B0D}" dt="2023-03-20T06:25:48.812" v="4856" actId="1076"/>
+          <ac:spMkLst>
+            <pc:docMk/>
+            <pc:sldMk cId="1800081090" sldId="268"/>
+            <ac:spMk id="7" creationId="{EB47DA29-9FCC-30CE-0883-F7F361D9198F}"/>
+          </ac:spMkLst>
+        </pc:spChg>
+        <pc:spChg chg="mod">
+          <ac:chgData name="Trung Nghia Nguyen" userId="caf0b1f78d203fdc" providerId="LiveId" clId="{FA98E611-7EE5-4D53-A8F6-A8478DA16B0D}" dt="2023-03-16T06:17:09.861" v="1517" actId="20577"/>
+          <ac:spMkLst>
+            <pc:docMk/>
+            <pc:sldMk cId="1800081090" sldId="268"/>
+            <ac:spMk id="14" creationId="{63B4AB36-B54A-EA5C-2A74-F2C80BE0CBC4}"/>
+          </ac:spMkLst>
+        </pc:spChg>
+        <pc:picChg chg="add mod ord">
+          <ac:chgData name="Trung Nghia Nguyen" userId="caf0b1f78d203fdc" providerId="LiveId" clId="{FA98E611-7EE5-4D53-A8F6-A8478DA16B0D}" dt="2023-03-20T06:25:20.301" v="4812" actId="1076"/>
+          <ac:picMkLst>
+            <pc:docMk/>
+            <pc:sldMk cId="1800081090" sldId="268"/>
+            <ac:picMk id="6" creationId="{17B1B28A-E020-8A31-7198-F20684828AFD}"/>
+          </ac:picMkLst>
+        </pc:picChg>
+        <pc:cxnChg chg="add mod">
+          <ac:chgData name="Trung Nghia Nguyen" userId="caf0b1f78d203fdc" providerId="LiveId" clId="{FA98E611-7EE5-4D53-A8F6-A8478DA16B0D}" dt="2023-03-17T04:38:12.276" v="3034"/>
+          <ac:cxnSpMkLst>
+            <pc:docMk/>
+            <pc:sldMk cId="1800081090" sldId="268"/>
+            <ac:cxnSpMk id="3" creationId="{BAC105F8-C950-5DDE-6CB7-BB032057CD4E}"/>
+          </ac:cxnSpMkLst>
+        </pc:cxnChg>
+      </pc:sldChg>
+      <pc:sldChg chg="addSp delSp modSp add mod">
+        <pc:chgData name="Trung Nghia Nguyen" userId="caf0b1f78d203fdc" providerId="LiveId" clId="{FA98E611-7EE5-4D53-A8F6-A8478DA16B0D}" dt="2023-03-20T06:40:30.436" v="5472" actId="1076"/>
+        <pc:sldMkLst>
+          <pc:docMk/>
+          <pc:sldMk cId="4260099494" sldId="269"/>
+        </pc:sldMkLst>
+        <pc:spChg chg="mod">
+          <ac:chgData name="Trung Nghia Nguyen" userId="caf0b1f78d203fdc" providerId="LiveId" clId="{FA98E611-7EE5-4D53-A8F6-A8478DA16B0D}" dt="2023-03-16T06:09:28.908" v="1189" actId="20577"/>
+          <ac:spMkLst>
+            <pc:docMk/>
+            <pc:sldMk cId="4260099494" sldId="269"/>
+            <ac:spMk id="2" creationId="{30380714-4CD2-9849-80A6-8AC66F97DA6F}"/>
+          </ac:spMkLst>
+        </pc:spChg>
+        <pc:spChg chg="add del mod">
+          <ac:chgData name="Trung Nghia Nguyen" userId="caf0b1f78d203fdc" providerId="LiveId" clId="{FA98E611-7EE5-4D53-A8F6-A8478DA16B0D}" dt="2023-03-17T04:39:43.792" v="3070" actId="478"/>
+          <ac:spMkLst>
+            <pc:docMk/>
+            <pc:sldMk cId="4260099494" sldId="269"/>
+            <ac:spMk id="4" creationId="{4A9B31A6-4583-92AA-E2E8-0E1B56527FAB}"/>
+          </ac:spMkLst>
+        </pc:spChg>
+        <pc:spChg chg="add mod">
+          <ac:chgData name="Trung Nghia Nguyen" userId="caf0b1f78d203fdc" providerId="LiveId" clId="{FA98E611-7EE5-4D53-A8F6-A8478DA16B0D}" dt="2023-03-20T06:40:30.436" v="5472" actId="1076"/>
+          <ac:spMkLst>
+            <pc:docMk/>
+            <pc:sldMk cId="4260099494" sldId="269"/>
+            <ac:spMk id="4" creationId="{85BE9376-B78B-4D14-03B7-71E92F2B4246}"/>
+          </ac:spMkLst>
+        </pc:spChg>
+        <pc:spChg chg="add mod">
+          <ac:chgData name="Trung Nghia Nguyen" userId="caf0b1f78d203fdc" providerId="LiveId" clId="{FA98E611-7EE5-4D53-A8F6-A8478DA16B0D}" dt="2023-03-19T19:43:05.507" v="4586" actId="20577"/>
+          <ac:spMkLst>
+            <pc:docMk/>
+            <pc:sldMk cId="4260099494" sldId="269"/>
+            <ac:spMk id="5" creationId="{44F9D552-E912-19E9-0162-3E4C662F5413}"/>
+          </ac:spMkLst>
+        </pc:spChg>
+        <pc:spChg chg="mod">
+          <ac:chgData name="Trung Nghia Nguyen" userId="caf0b1f78d203fdc" providerId="LiveId" clId="{FA98E611-7EE5-4D53-A8F6-A8478DA16B0D}" dt="2023-03-16T06:17:18.839" v="1535" actId="20577"/>
+          <ac:spMkLst>
+            <pc:docMk/>
+            <pc:sldMk cId="4260099494" sldId="269"/>
+            <ac:spMk id="14" creationId="{63B4AB36-B54A-EA5C-2A74-F2C80BE0CBC4}"/>
+          </ac:spMkLst>
+        </pc:spChg>
+        <pc:picChg chg="add mod ord">
+          <ac:chgData name="Trung Nghia Nguyen" userId="caf0b1f78d203fdc" providerId="LiveId" clId="{FA98E611-7EE5-4D53-A8F6-A8478DA16B0D}" dt="2023-03-18T18:27:23.003" v="3592" actId="1076"/>
+          <ac:picMkLst>
+            <pc:docMk/>
+            <pc:sldMk cId="4260099494" sldId="269"/>
+            <ac:picMk id="6" creationId="{373DC444-4599-D269-D2D6-A3F6CA69A851}"/>
+          </ac:picMkLst>
+        </pc:picChg>
+        <pc:cxnChg chg="add mod">
+          <ac:chgData name="Trung Nghia Nguyen" userId="caf0b1f78d203fdc" providerId="LiveId" clId="{FA98E611-7EE5-4D53-A8F6-A8478DA16B0D}" dt="2023-03-17T04:38:13.996" v="3035"/>
+          <ac:cxnSpMkLst>
+            <pc:docMk/>
+            <pc:sldMk cId="4260099494" sldId="269"/>
+            <ac:cxnSpMk id="3" creationId="{ACBF7746-FE0E-173A-5173-1104D3149676}"/>
+          </ac:cxnSpMkLst>
+        </pc:cxnChg>
+      </pc:sldChg>
+      <pc:sldChg chg="addSp delSp modSp add mod">
+        <pc:chgData name="Trung Nghia Nguyen" userId="caf0b1f78d203fdc" providerId="LiveId" clId="{FA98E611-7EE5-4D53-A8F6-A8478DA16B0D}" dt="2023-03-20T07:02:09.542" v="5649" actId="1076"/>
+        <pc:sldMkLst>
+          <pc:docMk/>
+          <pc:sldMk cId="2511818953" sldId="270"/>
+        </pc:sldMkLst>
+        <pc:spChg chg="mod">
+          <ac:chgData name="Trung Nghia Nguyen" userId="caf0b1f78d203fdc" providerId="LiveId" clId="{FA98E611-7EE5-4D53-A8F6-A8478DA16B0D}" dt="2023-03-16T06:10:07.671" v="1198" actId="20577"/>
+          <ac:spMkLst>
+            <pc:docMk/>
+            <pc:sldMk cId="2511818953" sldId="270"/>
+            <ac:spMk id="2" creationId="{30380714-4CD2-9849-80A6-8AC66F97DA6F}"/>
+          </ac:spMkLst>
+        </pc:spChg>
+        <pc:spChg chg="add del mod">
+          <ac:chgData name="Trung Nghia Nguyen" userId="caf0b1f78d203fdc" providerId="LiveId" clId="{FA98E611-7EE5-4D53-A8F6-A8478DA16B0D}" dt="2023-03-17T04:39:50.628" v="3074" actId="478"/>
+          <ac:spMkLst>
+            <pc:docMk/>
+            <pc:sldMk cId="2511818953" sldId="270"/>
+            <ac:spMk id="4" creationId="{AFB91D5C-95A0-4C14-9E44-3E33C99FBE7F}"/>
+          </ac:spMkLst>
+        </pc:spChg>
+        <pc:spChg chg="add mod">
+          <ac:chgData name="Trung Nghia Nguyen" userId="caf0b1f78d203fdc" providerId="LiveId" clId="{FA98E611-7EE5-4D53-A8F6-A8478DA16B0D}" dt="2023-03-20T07:02:09.542" v="5649" actId="1076"/>
+          <ac:spMkLst>
+            <pc:docMk/>
+            <pc:sldMk cId="2511818953" sldId="270"/>
+            <ac:spMk id="4" creationId="{C9A8F3A0-7BA7-04C0-6A45-BDCDED7689FE}"/>
+          </ac:spMkLst>
+        </pc:spChg>
+        <pc:spChg chg="add mod">
+          <ac:chgData name="Trung Nghia Nguyen" userId="caf0b1f78d203fdc" providerId="LiveId" clId="{FA98E611-7EE5-4D53-A8F6-A8478DA16B0D}" dt="2023-03-19T19:43:14.363" v="4590" actId="20577"/>
+          <ac:spMkLst>
+            <pc:docMk/>
+            <pc:sldMk cId="2511818953" sldId="270"/>
+            <ac:spMk id="5" creationId="{7E679B62-7EFE-6C17-20E7-5EFB751FBD73}"/>
+          </ac:spMkLst>
+        </pc:spChg>
+        <pc:spChg chg="mod">
+          <ac:chgData name="Trung Nghia Nguyen" userId="caf0b1f78d203fdc" providerId="LiveId" clId="{FA98E611-7EE5-4D53-A8F6-A8478DA16B0D}" dt="2023-03-16T06:10:22.239" v="1205" actId="20577"/>
+          <ac:spMkLst>
+            <pc:docMk/>
+            <pc:sldMk cId="2511818953" sldId="270"/>
+            <ac:spMk id="14" creationId="{63B4AB36-B54A-EA5C-2A74-F2C80BE0CBC4}"/>
+          </ac:spMkLst>
+        </pc:spChg>
+        <pc:picChg chg="add del mod">
+          <ac:chgData name="Trung Nghia Nguyen" userId="caf0b1f78d203fdc" providerId="LiveId" clId="{FA98E611-7EE5-4D53-A8F6-A8478DA16B0D}" dt="2023-03-18T18:30:02.221" v="3595" actId="478"/>
+          <ac:picMkLst>
+            <pc:docMk/>
+            <pc:sldMk cId="2511818953" sldId="270"/>
+            <ac:picMk id="6" creationId="{83246909-A1CC-816B-D558-2403AE26644F}"/>
+          </ac:picMkLst>
+        </pc:picChg>
+        <pc:picChg chg="add del mod">
+          <ac:chgData name="Trung Nghia Nguyen" userId="caf0b1f78d203fdc" providerId="LiveId" clId="{FA98E611-7EE5-4D53-A8F6-A8478DA16B0D}" dt="2023-03-18T18:31:57.248" v="3598" actId="478"/>
+          <ac:picMkLst>
+            <pc:docMk/>
+            <pc:sldMk cId="2511818953" sldId="270"/>
+            <ac:picMk id="8" creationId="{886B370D-F837-49D0-4BAA-2CBF68A486EA}"/>
+          </ac:picMkLst>
+        </pc:picChg>
+        <pc:picChg chg="add mod">
+          <ac:chgData name="Trung Nghia Nguyen" userId="caf0b1f78d203fdc" providerId="LiveId" clId="{FA98E611-7EE5-4D53-A8F6-A8478DA16B0D}" dt="2023-03-20T07:01:40.251" v="5555" actId="14100"/>
+          <ac:picMkLst>
+            <pc:docMk/>
+            <pc:sldMk cId="2511818953" sldId="270"/>
+            <ac:picMk id="10" creationId="{18007800-E682-98CF-F763-93064B193CD7}"/>
+          </ac:picMkLst>
+        </pc:picChg>
+        <pc:picChg chg="add mod">
+          <ac:chgData name="Trung Nghia Nguyen" userId="caf0b1f78d203fdc" providerId="LiveId" clId="{FA98E611-7EE5-4D53-A8F6-A8478DA16B0D}" dt="2023-03-20T07:01:42.097" v="5556" actId="1076"/>
+          <ac:picMkLst>
+            <pc:docMk/>
+            <pc:sldMk cId="2511818953" sldId="270"/>
+            <ac:picMk id="13" creationId="{5ECDC6C7-6458-4D2B-BD68-F1E95B358571}"/>
+          </ac:picMkLst>
+        </pc:picChg>
+        <pc:cxnChg chg="add mod">
+          <ac:chgData name="Trung Nghia Nguyen" userId="caf0b1f78d203fdc" providerId="LiveId" clId="{FA98E611-7EE5-4D53-A8F6-A8478DA16B0D}" dt="2023-03-17T04:38:17.041" v="3037"/>
+          <ac:cxnSpMkLst>
+            <pc:docMk/>
+            <pc:sldMk cId="2511818953" sldId="270"/>
+            <ac:cxnSpMk id="3" creationId="{01D99BB4-E244-0C9E-63D6-F28CA9060656}"/>
+          </ac:cxnSpMkLst>
+        </pc:cxnChg>
+      </pc:sldChg>
+      <pc:sldChg chg="addSp delSp modSp add mod replId">
+        <pc:chgData name="Trung Nghia Nguyen" userId="caf0b1f78d203fdc" providerId="LiveId" clId="{FA98E611-7EE5-4D53-A8F6-A8478DA16B0D}" dt="2023-03-20T07:02:42.471" v="5724" actId="1076"/>
+        <pc:sldMkLst>
+          <pc:docMk/>
+          <pc:sldMk cId="2278832414" sldId="271"/>
+        </pc:sldMkLst>
+        <pc:spChg chg="mod">
+          <ac:chgData name="Trung Nghia Nguyen" userId="caf0b1f78d203fdc" providerId="LiveId" clId="{FA98E611-7EE5-4D53-A8F6-A8478DA16B0D}" dt="2023-03-16T06:10:13.451" v="1200" actId="20577"/>
+          <ac:spMkLst>
+            <pc:docMk/>
+            <pc:sldMk cId="2278832414" sldId="271"/>
+            <ac:spMk id="2" creationId="{30380714-4CD2-9849-80A6-8AC66F97DA6F}"/>
+          </ac:spMkLst>
+        </pc:spChg>
+        <pc:spChg chg="add del mod">
+          <ac:chgData name="Trung Nghia Nguyen" userId="caf0b1f78d203fdc" providerId="LiveId" clId="{FA98E611-7EE5-4D53-A8F6-A8478DA16B0D}" dt="2023-03-17T04:39:56.114" v="3076" actId="478"/>
+          <ac:spMkLst>
+            <pc:docMk/>
+            <pc:sldMk cId="2278832414" sldId="271"/>
+            <ac:spMk id="4" creationId="{75AE8E16-8704-F0FC-A727-505C588A8404}"/>
+          </ac:spMkLst>
+        </pc:spChg>
+        <pc:spChg chg="add mod">
+          <ac:chgData name="Trung Nghia Nguyen" userId="caf0b1f78d203fdc" providerId="LiveId" clId="{FA98E611-7EE5-4D53-A8F6-A8478DA16B0D}" dt="2023-03-20T07:02:42.471" v="5724" actId="1076"/>
+          <ac:spMkLst>
+            <pc:docMk/>
+            <pc:sldMk cId="2278832414" sldId="271"/>
+            <ac:spMk id="4" creationId="{F72DE690-623E-F6CB-33BB-A3DEC8E1BDBC}"/>
+          </ac:spMkLst>
+        </pc:spChg>
+        <pc:spChg chg="add mod">
+          <ac:chgData name="Trung Nghia Nguyen" userId="caf0b1f78d203fdc" providerId="LiveId" clId="{FA98E611-7EE5-4D53-A8F6-A8478DA16B0D}" dt="2023-03-19T19:43:19.278" v="4593" actId="20577"/>
+          <ac:spMkLst>
+            <pc:docMk/>
+            <pc:sldMk cId="2278832414" sldId="271"/>
+            <ac:spMk id="5" creationId="{C9086857-A576-49DA-0719-5BEB9C24F20C}"/>
+          </ac:spMkLst>
+        </pc:spChg>
+        <pc:spChg chg="add del">
+          <ac:chgData name="Trung Nghia Nguyen" userId="caf0b1f78d203fdc" providerId="LiveId" clId="{FA98E611-7EE5-4D53-A8F6-A8478DA16B0D}" dt="2023-03-18T18:48:21.799" v="3605" actId="22"/>
+          <ac:spMkLst>
+            <pc:docMk/>
+            <pc:sldMk cId="2278832414" sldId="271"/>
+            <ac:spMk id="6" creationId="{5B87C63A-F05D-9F9B-3078-B83C9F562134}"/>
+          </ac:spMkLst>
+        </pc:spChg>
+        <pc:spChg chg="mod">
+          <ac:chgData name="Trung Nghia Nguyen" userId="caf0b1f78d203fdc" providerId="LiveId" clId="{FA98E611-7EE5-4D53-A8F6-A8478DA16B0D}" dt="2023-03-16T06:10:27.110" v="1214" actId="20577"/>
+          <ac:spMkLst>
+            <pc:docMk/>
+            <pc:sldMk cId="2278832414" sldId="271"/>
+            <ac:spMk id="14" creationId="{63B4AB36-B54A-EA5C-2A74-F2C80BE0CBC4}"/>
+          </ac:spMkLst>
+        </pc:spChg>
+        <pc:picChg chg="add mod">
+          <ac:chgData name="Trung Nghia Nguyen" userId="caf0b1f78d203fdc" providerId="LiveId" clId="{FA98E611-7EE5-4D53-A8F6-A8478DA16B0D}" dt="2023-03-18T18:48:28.906" v="3609" actId="1076"/>
+          <ac:picMkLst>
+            <pc:docMk/>
+            <pc:sldMk cId="2278832414" sldId="271"/>
+            <ac:picMk id="8" creationId="{820423F8-513B-EEA7-5347-CED754AC2ADB}"/>
+          </ac:picMkLst>
+        </pc:picChg>
+        <pc:cxnChg chg="add mod">
+          <ac:chgData name="Trung Nghia Nguyen" userId="caf0b1f78d203fdc" providerId="LiveId" clId="{FA98E611-7EE5-4D53-A8F6-A8478DA16B0D}" dt="2023-03-17T04:38:18.269" v="3038"/>
+          <ac:cxnSpMkLst>
+            <pc:docMk/>
+            <pc:sldMk cId="2278832414" sldId="271"/>
+            <ac:cxnSpMk id="3" creationId="{0793C2BD-0304-6397-AA72-38E3636506AC}"/>
+          </ac:cxnSpMkLst>
+        </pc:cxnChg>
+      </pc:sldChg>
+      <pc:sldChg chg="addSp delSp modSp add mod">
+        <pc:chgData name="Trung Nghia Nguyen" userId="caf0b1f78d203fdc" providerId="LiveId" clId="{FA98E611-7EE5-4D53-A8F6-A8478DA16B0D}" dt="2023-03-20T07:19:32.351" v="7035" actId="20577"/>
+        <pc:sldMkLst>
+          <pc:docMk/>
+          <pc:sldMk cId="610409002" sldId="272"/>
+        </pc:sldMkLst>
+        <pc:spChg chg="mod">
+          <ac:chgData name="Trung Nghia Nguyen" userId="caf0b1f78d203fdc" providerId="LiveId" clId="{FA98E611-7EE5-4D53-A8F6-A8478DA16B0D}" dt="2023-03-19T19:37:12.524" v="4433" actId="114"/>
+          <ac:spMkLst>
+            <pc:docMk/>
+            <pc:sldMk cId="610409002" sldId="272"/>
+            <ac:spMk id="2" creationId="{30380714-4CD2-9849-80A6-8AC66F97DA6F}"/>
+          </ac:spMkLst>
+        </pc:spChg>
+        <pc:spChg chg="add mod">
+          <ac:chgData name="Trung Nghia Nguyen" userId="caf0b1f78d203fdc" providerId="LiveId" clId="{FA98E611-7EE5-4D53-A8F6-A8478DA16B0D}" dt="2023-03-20T07:19:32.351" v="7035" actId="20577"/>
+          <ac:spMkLst>
+            <pc:docMk/>
+            <pc:sldMk cId="610409002" sldId="272"/>
+            <ac:spMk id="4" creationId="{CE933A1E-D43F-BDBC-88C5-FA719398A112}"/>
+          </ac:spMkLst>
+        </pc:spChg>
+        <pc:spChg chg="add del mod">
+          <ac:chgData name="Trung Nghia Nguyen" userId="caf0b1f78d203fdc" providerId="LiveId" clId="{FA98E611-7EE5-4D53-A8F6-A8478DA16B0D}" dt="2023-03-19T19:41:14.049" v="4554" actId="478"/>
+          <ac:spMkLst>
+            <pc:docMk/>
+            <pc:sldMk cId="610409002" sldId="272"/>
+            <ac:spMk id="6" creationId="{6E7DC4E6-EDF3-8448-440F-42E4F1368376}"/>
+          </ac:spMkLst>
+        </pc:spChg>
+        <pc:spChg chg="mod">
+          <ac:chgData name="Trung Nghia Nguyen" userId="caf0b1f78d203fdc" providerId="LiveId" clId="{FA98E611-7EE5-4D53-A8F6-A8478DA16B0D}" dt="2023-03-16T06:11:24.344" v="1251" actId="20577"/>
+          <ac:spMkLst>
+            <pc:docMk/>
+            <pc:sldMk cId="610409002" sldId="272"/>
+            <ac:spMk id="14" creationId="{63B4AB36-B54A-EA5C-2A74-F2C80BE0CBC4}"/>
+          </ac:spMkLst>
+        </pc:spChg>
+        <pc:graphicFrameChg chg="add mod modGraphic">
+          <ac:chgData name="Trung Nghia Nguyen" userId="caf0b1f78d203fdc" providerId="LiveId" clId="{FA98E611-7EE5-4D53-A8F6-A8478DA16B0D}" dt="2023-03-19T19:41:20.482" v="4555" actId="1076"/>
+          <ac:graphicFrameMkLst>
+            <pc:docMk/>
+            <pc:sldMk cId="610409002" sldId="272"/>
+            <ac:graphicFrameMk id="7" creationId="{B54C5B81-FA74-EF54-364C-2501CA6C224F}"/>
+          </ac:graphicFrameMkLst>
+        </pc:graphicFrameChg>
+        <pc:cxnChg chg="add mod">
+          <ac:chgData name="Trung Nghia Nguyen" userId="caf0b1f78d203fdc" providerId="LiveId" clId="{FA98E611-7EE5-4D53-A8F6-A8478DA16B0D}" dt="2023-03-17T04:38:23.115" v="3041"/>
+          <ac:cxnSpMkLst>
+            <pc:docMk/>
+            <pc:sldMk cId="610409002" sldId="272"/>
+            <ac:cxnSpMk id="3" creationId="{435823BE-9FB1-635E-7F74-DEA50A87D246}"/>
+          </ac:cxnSpMkLst>
+        </pc:cxnChg>
+      </pc:sldChg>
+      <pc:sldChg chg="addSp delSp modSp add mod">
+        <pc:chgData name="Trung Nghia Nguyen" userId="caf0b1f78d203fdc" providerId="LiveId" clId="{FA98E611-7EE5-4D53-A8F6-A8478DA16B0D}" dt="2023-03-19T19:42:38.278" v="4577" actId="20577"/>
+        <pc:sldMkLst>
+          <pc:docMk/>
+          <pc:sldMk cId="3245475923" sldId="273"/>
+        </pc:sldMkLst>
+        <pc:spChg chg="del">
+          <ac:chgData name="Trung Nghia Nguyen" userId="caf0b1f78d203fdc" providerId="LiveId" clId="{FA98E611-7EE5-4D53-A8F6-A8478DA16B0D}" dt="2023-03-16T06:11:43.156" v="1253" actId="478"/>
+          <ac:spMkLst>
+            <pc:docMk/>
+            <pc:sldMk cId="3245475923" sldId="273"/>
+            <ac:spMk id="2" creationId="{30380714-4CD2-9849-80A6-8AC66F97DA6F}"/>
+          </ac:spMkLst>
+        </pc:spChg>
+        <pc:spChg chg="add mod">
+          <ac:chgData name="Trung Nghia Nguyen" userId="caf0b1f78d203fdc" providerId="LiveId" clId="{FA98E611-7EE5-4D53-A8F6-A8478DA16B0D}" dt="2023-03-16T06:16:03.718" v="1468" actId="20577"/>
+          <ac:spMkLst>
+            <pc:docMk/>
+            <pc:sldMk cId="3245475923" sldId="273"/>
+            <ac:spMk id="4" creationId="{459EF129-6740-B341-7BC7-05D580180742}"/>
+          </ac:spMkLst>
+        </pc:spChg>
+        <pc:spChg chg="add del mod">
+          <ac:chgData name="Trung Nghia Nguyen" userId="caf0b1f78d203fdc" providerId="LiveId" clId="{FA98E611-7EE5-4D53-A8F6-A8478DA16B0D}" dt="2023-03-17T04:39:23.979" v="3060" actId="478"/>
+          <ac:spMkLst>
+            <pc:docMk/>
+            <pc:sldMk cId="3245475923" sldId="273"/>
+            <ac:spMk id="5" creationId="{E1627484-B3B2-F2C3-F446-F44A1980716C}"/>
+          </ac:spMkLst>
+        </pc:spChg>
+        <pc:spChg chg="add mod">
+          <ac:chgData name="Trung Nghia Nguyen" userId="caf0b1f78d203fdc" providerId="LiveId" clId="{FA98E611-7EE5-4D53-A8F6-A8478DA16B0D}" dt="2023-03-19T19:42:38.278" v="4577" actId="20577"/>
+          <ac:spMkLst>
+            <pc:docMk/>
+            <pc:sldMk cId="3245475923" sldId="273"/>
+            <ac:spMk id="6" creationId="{F6D86575-6F62-E86B-CB8C-67FDEFFD30D6}"/>
+          </ac:spMkLst>
+        </pc:spChg>
+        <pc:graphicFrameChg chg="add mod modGraphic">
+          <ac:chgData name="Trung Nghia Nguyen" userId="caf0b1f78d203fdc" providerId="LiveId" clId="{FA98E611-7EE5-4D53-A8F6-A8478DA16B0D}" dt="2023-03-19T19:27:35.395" v="4349" actId="20577"/>
+          <ac:graphicFrameMkLst>
+            <pc:docMk/>
+            <pc:sldMk cId="3245475923" sldId="273"/>
+            <ac:graphicFrameMk id="3" creationId="{5E8325E1-BDCF-5783-E97F-C770E7E58F6D}"/>
+          </ac:graphicFrameMkLst>
+        </pc:graphicFrameChg>
+        <pc:cxnChg chg="add mod">
+          <ac:chgData name="Trung Nghia Nguyen" userId="caf0b1f78d203fdc" providerId="LiveId" clId="{FA98E611-7EE5-4D53-A8F6-A8478DA16B0D}" dt="2023-03-17T04:38:05.752" v="3030"/>
+          <ac:cxnSpMkLst>
+            <pc:docMk/>
+            <pc:sldMk cId="3245475923" sldId="273"/>
+            <ac:cxnSpMk id="2" creationId="{7C8A4417-1481-B1E7-23CC-E5C9CAD25F2C}"/>
+          </ac:cxnSpMkLst>
+        </pc:cxnChg>
+      </pc:sldChg>
+      <pc:sldChg chg="addSp delSp modSp add mod ord">
+        <pc:chgData name="Trung Nghia Nguyen" userId="caf0b1f78d203fdc" providerId="LiveId" clId="{FA98E611-7EE5-4D53-A8F6-A8478DA16B0D}" dt="2023-03-19T19:43:09.521" v="4587" actId="20577"/>
+        <pc:sldMkLst>
+          <pc:docMk/>
+          <pc:sldMk cId="1354583273" sldId="274"/>
+        </pc:sldMkLst>
+        <pc:spChg chg="add del mod">
+          <ac:chgData name="Trung Nghia Nguyen" userId="caf0b1f78d203fdc" providerId="LiveId" clId="{FA98E611-7EE5-4D53-A8F6-A8478DA16B0D}" dt="2023-03-17T04:39:47.372" v="3072" actId="478"/>
+          <ac:spMkLst>
+            <pc:docMk/>
+            <pc:sldMk cId="1354583273" sldId="274"/>
+            <ac:spMk id="5" creationId="{5C96A552-627E-CE46-EB0C-BD1DE0A52080}"/>
+          </ac:spMkLst>
+        </pc:spChg>
+        <pc:spChg chg="add mod">
+          <ac:chgData name="Trung Nghia Nguyen" userId="caf0b1f78d203fdc" providerId="LiveId" clId="{FA98E611-7EE5-4D53-A8F6-A8478DA16B0D}" dt="2023-03-19T19:43:09.521" v="4587" actId="20577"/>
+          <ac:spMkLst>
+            <pc:docMk/>
+            <pc:sldMk cId="1354583273" sldId="274"/>
+            <ac:spMk id="6" creationId="{2562B724-D426-FE46-6638-FB3781266C15}"/>
+          </ac:spMkLst>
+        </pc:spChg>
+        <pc:spChg chg="mod">
+          <ac:chgData name="Trung Nghia Nguyen" userId="caf0b1f78d203fdc" providerId="LiveId" clId="{FA98E611-7EE5-4D53-A8F6-A8478DA16B0D}" dt="2023-03-16T06:17:40.589" v="1559" actId="20577"/>
+          <ac:spMkLst>
+            <pc:docMk/>
+            <pc:sldMk cId="1354583273" sldId="274"/>
+            <ac:spMk id="14" creationId="{63B4AB36-B54A-EA5C-2A74-F2C80BE0CBC4}"/>
+          </ac:spMkLst>
+        </pc:spChg>
+        <pc:graphicFrameChg chg="add del modGraphic">
+          <ac:chgData name="Trung Nghia Nguyen" userId="caf0b1f78d203fdc" providerId="LiveId" clId="{FA98E611-7EE5-4D53-A8F6-A8478DA16B0D}" dt="2023-03-19T19:34:09.297" v="4407" actId="20577"/>
+          <ac:graphicFrameMkLst>
+            <pc:docMk/>
+            <pc:sldMk cId="1354583273" sldId="274"/>
+            <ac:graphicFrameMk id="3" creationId="{5E8325E1-BDCF-5783-E97F-C770E7E58F6D}"/>
+          </ac:graphicFrameMkLst>
+        </pc:graphicFrameChg>
+        <pc:cxnChg chg="add mod">
+          <ac:chgData name="Trung Nghia Nguyen" userId="caf0b1f78d203fdc" providerId="LiveId" clId="{FA98E611-7EE5-4D53-A8F6-A8478DA16B0D}" dt="2023-03-17T04:38:15.696" v="3036"/>
+          <ac:cxnSpMkLst>
+            <pc:docMk/>
+            <pc:sldMk cId="1354583273" sldId="274"/>
+            <ac:cxnSpMk id="2" creationId="{D42DA17F-60A5-AE4F-3CF5-1D8ED68A7208}"/>
+          </ac:cxnSpMkLst>
+        </pc:cxnChg>
+      </pc:sldChg>
+      <pc:sldChg chg="addSp delSp modSp add mod">
+        <pc:chgData name="Trung Nghia Nguyen" userId="caf0b1f78d203fdc" providerId="LiveId" clId="{FA98E611-7EE5-4D53-A8F6-A8478DA16B0D}" dt="2023-03-19T19:43:24.151" v="4596" actId="20577"/>
+        <pc:sldMkLst>
+          <pc:docMk/>
+          <pc:sldMk cId="288851990" sldId="275"/>
+        </pc:sldMkLst>
+        <pc:spChg chg="add del mod">
+          <ac:chgData name="Trung Nghia Nguyen" userId="caf0b1f78d203fdc" providerId="LiveId" clId="{FA98E611-7EE5-4D53-A8F6-A8478DA16B0D}" dt="2023-03-16T06:19:33.875" v="1634" actId="478"/>
+          <ac:spMkLst>
+            <pc:docMk/>
+            <pc:sldMk cId="288851990" sldId="275"/>
+            <ac:spMk id="5" creationId="{1C61A998-27D5-7046-F7BE-75F861F5E290}"/>
+          </ac:spMkLst>
+        </pc:spChg>
+        <pc:spChg chg="add del mod">
+          <ac:chgData name="Trung Nghia Nguyen" userId="caf0b1f78d203fdc" providerId="LiveId" clId="{FA98E611-7EE5-4D53-A8F6-A8478DA16B0D}" dt="2023-03-17T04:40:00.889" v="3078" actId="478"/>
+          <ac:spMkLst>
+            <pc:docMk/>
+            <pc:sldMk cId="288851990" sldId="275"/>
+            <ac:spMk id="5" creationId="{705A7030-1F27-CBA4-A7AA-C6D158A2EFFB}"/>
+          </ac:spMkLst>
+        </pc:spChg>
+        <pc:spChg chg="add mod">
+          <ac:chgData name="Trung Nghia Nguyen" userId="caf0b1f78d203fdc" providerId="LiveId" clId="{FA98E611-7EE5-4D53-A8F6-A8478DA16B0D}" dt="2023-03-19T19:43:24.151" v="4596" actId="20577"/>
+          <ac:spMkLst>
+            <pc:docMk/>
+            <pc:sldMk cId="288851990" sldId="275"/>
+            <ac:spMk id="6" creationId="{FA80F292-9DC6-3B07-3494-F7CEDA19647D}"/>
+          </ac:spMkLst>
+        </pc:spChg>
+        <pc:spChg chg="mod">
+          <ac:chgData name="Trung Nghia Nguyen" userId="caf0b1f78d203fdc" providerId="LiveId" clId="{FA98E611-7EE5-4D53-A8F6-A8478DA16B0D}" dt="2023-03-16T06:17:31.445" v="1541" actId="20577"/>
+          <ac:spMkLst>
+            <pc:docMk/>
+            <pc:sldMk cId="288851990" sldId="275"/>
+            <ac:spMk id="14" creationId="{63B4AB36-B54A-EA5C-2A74-F2C80BE0CBC4}"/>
+          </ac:spMkLst>
+        </pc:spChg>
+        <pc:graphicFrameChg chg="add del mod">
+          <ac:chgData name="Trung Nghia Nguyen" userId="caf0b1f78d203fdc" providerId="LiveId" clId="{FA98E611-7EE5-4D53-A8F6-A8478DA16B0D}" dt="2023-03-16T06:19:33.875" v="1634" actId="478"/>
+          <ac:graphicFrameMkLst>
+            <pc:docMk/>
+            <pc:sldMk cId="288851990" sldId="275"/>
+            <ac:graphicFrameMk id="2" creationId="{DE54A4EB-23C8-299C-A87F-8BB31473006A}"/>
+          </ac:graphicFrameMkLst>
+        </pc:graphicFrameChg>
+        <pc:graphicFrameChg chg="add del modGraphic">
+          <ac:chgData name="Trung Nghia Nguyen" userId="caf0b1f78d203fdc" providerId="LiveId" clId="{FA98E611-7EE5-4D53-A8F6-A8478DA16B0D}" dt="2023-03-19T19:34:24.716" v="4431" actId="20577"/>
+          <ac:graphicFrameMkLst>
+            <pc:docMk/>
+            <pc:sldMk cId="288851990" sldId="275"/>
+            <ac:graphicFrameMk id="3" creationId="{5E8325E1-BDCF-5783-E97F-C770E7E58F6D}"/>
+          </ac:graphicFrameMkLst>
+        </pc:graphicFrameChg>
+        <pc:cxnChg chg="add mod">
+          <ac:chgData name="Trung Nghia Nguyen" userId="caf0b1f78d203fdc" providerId="LiveId" clId="{FA98E611-7EE5-4D53-A8F6-A8478DA16B0D}" dt="2023-03-17T04:38:20.076" v="3039"/>
+          <ac:cxnSpMkLst>
+            <pc:docMk/>
+            <pc:sldMk cId="288851990" sldId="275"/>
+            <ac:cxnSpMk id="2" creationId="{9C1236E6-E36B-726A-5DB7-9CAC65580E73}"/>
+          </ac:cxnSpMkLst>
+        </pc:cxnChg>
+      </pc:sldChg>
+      <pc:sldChg chg="addSp delSp modSp add mod">
+        <pc:chgData name="Trung Nghia Nguyen" userId="caf0b1f78d203fdc" providerId="LiveId" clId="{FA98E611-7EE5-4D53-A8F6-A8478DA16B0D}" dt="2023-03-20T07:03:02.489" v="5743" actId="5793"/>
+        <pc:sldMkLst>
+          <pc:docMk/>
+          <pc:sldMk cId="2797651471" sldId="276"/>
+        </pc:sldMkLst>
+        <pc:spChg chg="mod">
+          <ac:chgData name="Trung Nghia Nguyen" userId="caf0b1f78d203fdc" providerId="LiveId" clId="{FA98E611-7EE5-4D53-A8F6-A8478DA16B0D}" dt="2023-03-16T06:20:01.560" v="1716" actId="20577"/>
+          <ac:spMkLst>
+            <pc:docMk/>
+            <pc:sldMk cId="2797651471" sldId="276"/>
+            <ac:spMk id="4" creationId="{459EF129-6740-B341-7BC7-05D580180742}"/>
+          </ac:spMkLst>
+        </pc:spChg>
+        <pc:spChg chg="add del mod">
+          <ac:chgData name="Trung Nghia Nguyen" userId="caf0b1f78d203fdc" providerId="LiveId" clId="{FA98E611-7EE5-4D53-A8F6-A8478DA16B0D}" dt="2023-03-17T04:40:05.232" v="3080" actId="478"/>
+          <ac:spMkLst>
+            <pc:docMk/>
+            <pc:sldMk cId="2797651471" sldId="276"/>
+            <ac:spMk id="5" creationId="{1A768D09-65B6-BD7C-A142-B559924B5F8D}"/>
+          </ac:spMkLst>
+        </pc:spChg>
+        <pc:spChg chg="add mod">
+          <ac:chgData name="Trung Nghia Nguyen" userId="caf0b1f78d203fdc" providerId="LiveId" clId="{FA98E611-7EE5-4D53-A8F6-A8478DA16B0D}" dt="2023-03-19T19:43:31.201" v="4599" actId="20577"/>
+          <ac:spMkLst>
+            <pc:docMk/>
+            <pc:sldMk cId="2797651471" sldId="276"/>
+            <ac:spMk id="6" creationId="{FD7465EC-84B6-406C-4864-45ADF9FB642F}"/>
+          </ac:spMkLst>
+        </pc:spChg>
+        <pc:spChg chg="mod">
+          <ac:chgData name="Trung Nghia Nguyen" userId="caf0b1f78d203fdc" providerId="LiveId" clId="{FA98E611-7EE5-4D53-A8F6-A8478DA16B0D}" dt="2023-03-16T06:19:48.634" v="1664" actId="20577"/>
+          <ac:spMkLst>
+            <pc:docMk/>
+            <pc:sldMk cId="2797651471" sldId="276"/>
+            <ac:spMk id="14" creationId="{63B4AB36-B54A-EA5C-2A74-F2C80BE0CBC4}"/>
+          </ac:spMkLst>
+        </pc:spChg>
+        <pc:graphicFrameChg chg="mod modGraphic">
+          <ac:chgData name="Trung Nghia Nguyen" userId="caf0b1f78d203fdc" providerId="LiveId" clId="{FA98E611-7EE5-4D53-A8F6-A8478DA16B0D}" dt="2023-03-20T07:03:02.489" v="5743" actId="5793"/>
+          <ac:graphicFrameMkLst>
+            <pc:docMk/>
+            <pc:sldMk cId="2797651471" sldId="276"/>
+            <ac:graphicFrameMk id="3" creationId="{5E8325E1-BDCF-5783-E97F-C770E7E58F6D}"/>
+          </ac:graphicFrameMkLst>
+        </pc:graphicFrameChg>
+        <pc:cxnChg chg="add mod">
+          <ac:chgData name="Trung Nghia Nguyen" userId="caf0b1f78d203fdc" providerId="LiveId" clId="{FA98E611-7EE5-4D53-A8F6-A8478DA16B0D}" dt="2023-03-17T04:38:21.533" v="3040"/>
+          <ac:cxnSpMkLst>
+            <pc:docMk/>
+            <pc:sldMk cId="2797651471" sldId="276"/>
+            <ac:cxnSpMk id="2" creationId="{E84DC22F-1018-3740-66B4-518AAE2387D5}"/>
+          </ac:cxnSpMkLst>
+        </pc:cxnChg>
+      </pc:sldChg>
+      <pc:sldChg chg="addSp delSp modSp add mod">
+        <pc:chgData name="Trung Nghia Nguyen" userId="caf0b1f78d203fdc" providerId="LiveId" clId="{FA98E611-7EE5-4D53-A8F6-A8478DA16B0D}" dt="2023-03-19T19:41:43.354" v="4559" actId="20577"/>
+        <pc:sldMkLst>
+          <pc:docMk/>
+          <pc:sldMk cId="1442048206" sldId="277"/>
+        </pc:sldMkLst>
+        <pc:spChg chg="add del mod">
+          <ac:chgData name="Trung Nghia Nguyen" userId="caf0b1f78d203fdc" providerId="LiveId" clId="{FA98E611-7EE5-4D53-A8F6-A8478DA16B0D}" dt="2023-03-17T04:38:51.609" v="3044" actId="478"/>
+          <ac:spMkLst>
+            <pc:docMk/>
+            <pc:sldMk cId="1442048206" sldId="277"/>
+            <ac:spMk id="3" creationId="{2A02747A-930E-E80B-D12A-3C88421445D2}"/>
+          </ac:spMkLst>
+        </pc:spChg>
+        <pc:spChg chg="add mod">
+          <ac:chgData name="Trung Nghia Nguyen" userId="caf0b1f78d203fdc" providerId="LiveId" clId="{FA98E611-7EE5-4D53-A8F6-A8478DA16B0D}" dt="2023-03-19T19:41:43.354" v="4559" actId="20577"/>
+          <ac:spMkLst>
+            <pc:docMk/>
+            <pc:sldMk cId="1442048206" sldId="277"/>
+            <ac:spMk id="4" creationId="{8C7A2A31-FB7A-4F1F-44D0-57F56E22618B}"/>
+          </ac:spMkLst>
+        </pc:spChg>
+        <pc:graphicFrameChg chg="add del mod modGraphic">
+          <ac:chgData name="Trung Nghia Nguyen" userId="caf0b1f78d203fdc" providerId="LiveId" clId="{FA98E611-7EE5-4D53-A8F6-A8478DA16B0D}" dt="2023-03-19T19:23:27.922" v="4268" actId="20577"/>
+          <ac:graphicFrameMkLst>
+            <pc:docMk/>
+            <pc:sldMk cId="1442048206" sldId="277"/>
+            <ac:graphicFrameMk id="16" creationId="{A794B221-780B-3E0D-DCDE-B4B669AD1AE3}"/>
+          </ac:graphicFrameMkLst>
+        </pc:graphicFrameChg>
+        <pc:cxnChg chg="add mod">
+          <ac:chgData name="Trung Nghia Nguyen" userId="caf0b1f78d203fdc" providerId="LiveId" clId="{FA98E611-7EE5-4D53-A8F6-A8478DA16B0D}" dt="2023-03-17T04:37:53.870" v="3022"/>
+          <ac:cxnSpMkLst>
+            <pc:docMk/>
+            <pc:sldMk cId="1442048206" sldId="277"/>
+            <ac:cxnSpMk id="2" creationId="{0AB1CEC5-2BAD-1C07-6B07-F474F46A98DB}"/>
+          </ac:cxnSpMkLst>
+        </pc:cxnChg>
+      </pc:sldChg>
+      <pc:sldChg chg="addSp delSp modSp add mod">
+        <pc:chgData name="Trung Nghia Nguyen" userId="caf0b1f78d203fdc" providerId="LiveId" clId="{FA98E611-7EE5-4D53-A8F6-A8478DA16B0D}" dt="2023-03-19T19:42:02.542" v="4567" actId="20577"/>
+        <pc:sldMkLst>
+          <pc:docMk/>
+          <pc:sldMk cId="599745211" sldId="278"/>
+        </pc:sldMkLst>
+        <pc:spChg chg="mod">
+          <ac:chgData name="Trung Nghia Nguyen" userId="caf0b1f78d203fdc" providerId="LiveId" clId="{FA98E611-7EE5-4D53-A8F6-A8478DA16B0D}" dt="2023-03-19T19:42:02.542" v="4567" actId="20577"/>
+          <ac:spMkLst>
+            <pc:docMk/>
+            <pc:sldMk cId="599745211" sldId="278"/>
+            <ac:spMk id="5" creationId="{5EFED488-422D-714E-BC8D-1EFFE4EB27EF}"/>
+          </ac:spMkLst>
+        </pc:spChg>
+        <pc:spChg chg="mod">
+          <ac:chgData name="Trung Nghia Nguyen" userId="caf0b1f78d203fdc" providerId="LiveId" clId="{FA98E611-7EE5-4D53-A8F6-A8478DA16B0D}" dt="2023-03-17T06:23:21.018" v="3181" actId="114"/>
+          <ac:spMkLst>
+            <pc:docMk/>
+            <pc:sldMk cId="599745211" sldId="278"/>
+            <ac:spMk id="6" creationId="{E89CDB90-AF28-D274-AC55-ECC8E0120E31}"/>
+          </ac:spMkLst>
+        </pc:spChg>
+        <pc:picChg chg="add mod">
+          <ac:chgData name="Trung Nghia Nguyen" userId="caf0b1f78d203fdc" providerId="LiveId" clId="{FA98E611-7EE5-4D53-A8F6-A8478DA16B0D}" dt="2023-03-17T06:22:56.812" v="3160" actId="1076"/>
+          <ac:picMkLst>
+            <pc:docMk/>
+            <pc:sldMk cId="599745211" sldId="278"/>
+            <ac:picMk id="7" creationId="{A8746AB3-58A2-74F9-9140-30A7E3ED3167}"/>
+          </ac:picMkLst>
+        </pc:picChg>
+        <pc:picChg chg="del">
+          <ac:chgData name="Trung Nghia Nguyen" userId="caf0b1f78d203fdc" providerId="LiveId" clId="{FA98E611-7EE5-4D53-A8F6-A8478DA16B0D}" dt="2023-03-17T06:22:21.850" v="3158" actId="478"/>
+          <ac:picMkLst>
+            <pc:docMk/>
+            <pc:sldMk cId="599745211" sldId="278"/>
+            <ac:picMk id="8" creationId="{64343610-2239-3C37-0292-61E9C46DADC0}"/>
+          </ac:picMkLst>
+        </pc:picChg>
+        <pc:picChg chg="del">
+          <ac:chgData name="Trung Nghia Nguyen" userId="caf0b1f78d203fdc" providerId="LiveId" clId="{FA98E611-7EE5-4D53-A8F6-A8478DA16B0D}" dt="2023-03-17T06:21:56.494" v="3151" actId="478"/>
+          <ac:picMkLst>
+            <pc:docMk/>
+            <pc:sldMk cId="599745211" sldId="278"/>
+            <ac:picMk id="1026" creationId="{8B6FAEF3-00E8-C2B6-6484-BD77EBFDEA2F}"/>
+          </ac:picMkLst>
+        </pc:picChg>
+        <pc:picChg chg="add mod">
+          <ac:chgData name="Trung Nghia Nguyen" userId="caf0b1f78d203fdc" providerId="LiveId" clId="{FA98E611-7EE5-4D53-A8F6-A8478DA16B0D}" dt="2023-03-17T06:23:24.904" v="3182" actId="1076"/>
+          <ac:picMkLst>
+            <pc:docMk/>
+            <pc:sldMk cId="599745211" sldId="278"/>
+            <ac:picMk id="2050" creationId="{10442409-7C1A-0341-44F3-33E0573712DD}"/>
+          </ac:picMkLst>
+        </pc:picChg>
+      </pc:sldChg>
+      <pc:sldChg chg="addSp delSp modSp add mod">
+        <pc:chgData name="Trung Nghia Nguyen" userId="caf0b1f78d203fdc" providerId="LiveId" clId="{FA98E611-7EE5-4D53-A8F6-A8478DA16B0D}" dt="2023-03-19T19:42:08.819" v="4569" actId="20577"/>
+        <pc:sldMkLst>
+          <pc:docMk/>
+          <pc:sldMk cId="2754922991" sldId="279"/>
+        </pc:sldMkLst>
+        <pc:spChg chg="mod">
+          <ac:chgData name="Trung Nghia Nguyen" userId="caf0b1f78d203fdc" providerId="LiveId" clId="{FA98E611-7EE5-4D53-A8F6-A8478DA16B0D}" dt="2023-03-19T19:42:08.819" v="4569" actId="20577"/>
+          <ac:spMkLst>
+            <pc:docMk/>
+            <pc:sldMk cId="2754922991" sldId="279"/>
+            <ac:spMk id="5" creationId="{5EFED488-422D-714E-BC8D-1EFFE4EB27EF}"/>
+          </ac:spMkLst>
+        </pc:spChg>
+        <pc:spChg chg="mod">
+          <ac:chgData name="Trung Nghia Nguyen" userId="caf0b1f78d203fdc" providerId="LiveId" clId="{FA98E611-7EE5-4D53-A8F6-A8478DA16B0D}" dt="2023-03-17T06:26:42.641" v="3210" actId="1076"/>
+          <ac:spMkLst>
+            <pc:docMk/>
+            <pc:sldMk cId="2754922991" sldId="279"/>
+            <ac:spMk id="6" creationId="{E89CDB90-AF28-D274-AC55-ECC8E0120E31}"/>
+          </ac:spMkLst>
+        </pc:spChg>
+        <pc:picChg chg="del">
+          <ac:chgData name="Trung Nghia Nguyen" userId="caf0b1f78d203fdc" providerId="LiveId" clId="{FA98E611-7EE5-4D53-A8F6-A8478DA16B0D}" dt="2023-03-17T06:25:39.982" v="3191" actId="478"/>
+          <ac:picMkLst>
+            <pc:docMk/>
+            <pc:sldMk cId="2754922991" sldId="279"/>
+            <ac:picMk id="7" creationId="{A8746AB3-58A2-74F9-9140-30A7E3ED3167}"/>
+          </ac:picMkLst>
+        </pc:picChg>
+        <pc:picChg chg="add mod">
+          <ac:chgData name="Trung Nghia Nguyen" userId="caf0b1f78d203fdc" providerId="LiveId" clId="{FA98E611-7EE5-4D53-A8F6-A8478DA16B0D}" dt="2023-03-17T06:26:17.123" v="3195" actId="14100"/>
+          <ac:picMkLst>
+            <pc:docMk/>
+            <pc:sldMk cId="2754922991" sldId="279"/>
+            <ac:picMk id="8" creationId="{2BCBC959-D18B-486A-A2CE-1317A0097C33}"/>
+          </ac:picMkLst>
+        </pc:picChg>
+        <pc:picChg chg="del">
+          <ac:chgData name="Trung Nghia Nguyen" userId="caf0b1f78d203fdc" providerId="LiveId" clId="{FA98E611-7EE5-4D53-A8F6-A8478DA16B0D}" dt="2023-03-17T06:25:21.497" v="3184" actId="478"/>
+          <ac:picMkLst>
+            <pc:docMk/>
+            <pc:sldMk cId="2754922991" sldId="279"/>
+            <ac:picMk id="2050" creationId="{10442409-7C1A-0341-44F3-33E0573712DD}"/>
+          </ac:picMkLst>
+        </pc:picChg>
+        <pc:picChg chg="add mod">
+          <ac:chgData name="Trung Nghia Nguyen" userId="caf0b1f78d203fdc" providerId="LiveId" clId="{FA98E611-7EE5-4D53-A8F6-A8478DA16B0D}" dt="2023-03-17T06:26:27.754" v="3197" actId="14100"/>
+          <ac:picMkLst>
+            <pc:docMk/>
+            <pc:sldMk cId="2754922991" sldId="279"/>
+            <ac:picMk id="3074" creationId="{0282A2DD-FF67-A086-5C74-2D8174B11DC8}"/>
+          </ac:picMkLst>
+        </pc:picChg>
+      </pc:sldChg>
+      <pc:sldChg chg="addSp modSp add mod modNotesTx">
+        <pc:chgData name="Trung Nghia Nguyen" userId="caf0b1f78d203fdc" providerId="LiveId" clId="{FA98E611-7EE5-4D53-A8F6-A8478DA16B0D}" dt="2023-03-19T19:42:13.274" v="4571" actId="20577"/>
+        <pc:sldMkLst>
+          <pc:docMk/>
+          <pc:sldMk cId="1570060703" sldId="280"/>
+        </pc:sldMkLst>
+        <pc:spChg chg="mod">
+          <ac:chgData name="Trung Nghia Nguyen" userId="caf0b1f78d203fdc" providerId="LiveId" clId="{FA98E611-7EE5-4D53-A8F6-A8478DA16B0D}" dt="2023-03-19T19:42:13.274" v="4571" actId="20577"/>
+          <ac:spMkLst>
+            <pc:docMk/>
+            <pc:sldMk cId="1570060703" sldId="280"/>
+            <ac:spMk id="5" creationId="{7AF6E6C4-7E4D-6951-DD77-D67FDB08BE33}"/>
+          </ac:spMkLst>
+        </pc:spChg>
+        <pc:spChg chg="mod">
+          <ac:chgData name="Trung Nghia Nguyen" userId="caf0b1f78d203fdc" providerId="LiveId" clId="{FA98E611-7EE5-4D53-A8F6-A8478DA16B0D}" dt="2023-03-17T07:03:30.383" v="3264" actId="1076"/>
+          <ac:spMkLst>
+            <pc:docMk/>
+            <pc:sldMk cId="1570060703" sldId="280"/>
+            <ac:spMk id="7" creationId="{C27A575E-AACF-0BC5-FF71-5FCE2C283EAA}"/>
+          </ac:spMkLst>
+        </pc:spChg>
+        <pc:picChg chg="add mod">
+          <ac:chgData name="Trung Nghia Nguyen" userId="caf0b1f78d203fdc" providerId="LiveId" clId="{FA98E611-7EE5-4D53-A8F6-A8478DA16B0D}" dt="2023-03-18T17:45:27.382" v="3465" actId="1076"/>
+          <ac:picMkLst>
+            <pc:docMk/>
+            <pc:sldMk cId="1570060703" sldId="280"/>
+            <ac:picMk id="6" creationId="{2B44FC83-2398-5E3A-C381-62AE739D08A6}"/>
+          </ac:picMkLst>
+        </pc:picChg>
+      </pc:sldChg>
+      <pc:sldChg chg="addSp delSp modSp add mod">
+        <pc:chgData name="Trung Nghia Nguyen" userId="caf0b1f78d203fdc" providerId="LiveId" clId="{FA98E611-7EE5-4D53-A8F6-A8478DA16B0D}" dt="2023-03-19T19:42:18.183" v="4572" actId="20577"/>
+        <pc:sldMkLst>
+          <pc:docMk/>
+          <pc:sldMk cId="3262030844" sldId="281"/>
+        </pc:sldMkLst>
+        <pc:spChg chg="mod">
+          <ac:chgData name="Trung Nghia Nguyen" userId="caf0b1f78d203fdc" providerId="LiveId" clId="{FA98E611-7EE5-4D53-A8F6-A8478DA16B0D}" dt="2023-03-19T19:42:18.183" v="4572" actId="20577"/>
+          <ac:spMkLst>
+            <pc:docMk/>
+            <pc:sldMk cId="3262030844" sldId="281"/>
+            <ac:spMk id="5" creationId="{7AF6E6C4-7E4D-6951-DD77-D67FDB08BE33}"/>
+          </ac:spMkLst>
+        </pc:spChg>
+        <pc:spChg chg="del mod">
+          <ac:chgData name="Trung Nghia Nguyen" userId="caf0b1f78d203fdc" providerId="LiveId" clId="{FA98E611-7EE5-4D53-A8F6-A8478DA16B0D}" dt="2023-03-18T17:45:45.010" v="3467" actId="478"/>
+          <ac:spMkLst>
+            <pc:docMk/>
+            <pc:sldMk cId="3262030844" sldId="281"/>
+            <ac:spMk id="7" creationId="{C27A575E-AACF-0BC5-FF71-5FCE2C283EAA}"/>
+          </ac:spMkLst>
+        </pc:spChg>
+        <pc:spChg chg="add mod">
+          <ac:chgData name="Trung Nghia Nguyen" userId="caf0b1f78d203fdc" providerId="LiveId" clId="{FA98E611-7EE5-4D53-A8F6-A8478DA16B0D}" dt="2023-03-18T17:45:47.896" v="3470" actId="20577"/>
+          <ac:spMkLst>
+            <pc:docMk/>
+            <pc:sldMk cId="3262030844" sldId="281"/>
+            <ac:spMk id="9" creationId="{51CE0FD5-4BE3-F7D8-2BC7-6F59ED933512}"/>
+          </ac:spMkLst>
+        </pc:spChg>
+        <pc:picChg chg="del">
+          <ac:chgData name="Trung Nghia Nguyen" userId="caf0b1f78d203fdc" providerId="LiveId" clId="{FA98E611-7EE5-4D53-A8F6-A8478DA16B0D}" dt="2023-03-18T17:44:32.151" v="3443" actId="478"/>
+          <ac:picMkLst>
+            <pc:docMk/>
+            <pc:sldMk cId="3262030844" sldId="281"/>
+            <ac:picMk id="6" creationId="{2B44FC83-2398-5E3A-C381-62AE739D08A6}"/>
+          </ac:picMkLst>
+        </pc:picChg>
+        <pc:picChg chg="add mod ord">
+          <ac:chgData name="Trung Nghia Nguyen" userId="caf0b1f78d203fdc" providerId="LiveId" clId="{FA98E611-7EE5-4D53-A8F6-A8478DA16B0D}" dt="2023-03-18T17:45:32.441" v="3466" actId="1076"/>
+          <ac:picMkLst>
+            <pc:docMk/>
+            <pc:sldMk cId="3262030844" sldId="281"/>
+            <ac:picMk id="8" creationId="{E0B6CD8B-6138-6045-0302-D72BA24864A4}"/>
+          </ac:picMkLst>
+        </pc:picChg>
+      </pc:sldChg>
+      <pc:sldChg chg="delSp modSp add del mod">
+        <pc:chgData name="Trung Nghia Nguyen" userId="caf0b1f78d203fdc" providerId="LiveId" clId="{FA98E611-7EE5-4D53-A8F6-A8478DA16B0D}" dt="2023-03-18T17:45:55.167" v="3471" actId="47"/>
+        <pc:sldMkLst>
+          <pc:docMk/>
+          <pc:sldMk cId="1576429670" sldId="282"/>
+        </pc:sldMkLst>
+        <pc:spChg chg="mod">
+          <ac:chgData name="Trung Nghia Nguyen" userId="caf0b1f78d203fdc" providerId="LiveId" clId="{FA98E611-7EE5-4D53-A8F6-A8478DA16B0D}" dt="2023-03-18T17:45:13.631" v="3462" actId="20577"/>
+          <ac:spMkLst>
+            <pc:docMk/>
+            <pc:sldMk cId="1576429670" sldId="282"/>
+            <ac:spMk id="7" creationId="{C27A575E-AACF-0BC5-FF71-5FCE2C283EAA}"/>
+          </ac:spMkLst>
+        </pc:spChg>
+        <pc:picChg chg="del mod">
+          <ac:chgData name="Trung Nghia Nguyen" userId="caf0b1f78d203fdc" providerId="LiveId" clId="{FA98E611-7EE5-4D53-A8F6-A8478DA16B0D}" dt="2023-03-18T17:45:17.520" v="3464" actId="478"/>
+          <ac:picMkLst>
+            <pc:docMk/>
+            <pc:sldMk cId="1576429670" sldId="282"/>
+            <ac:picMk id="8" creationId="{E0B6CD8B-6138-6045-0302-D72BA24864A4}"/>
+          </ac:picMkLst>
+        </pc:picChg>
+      </pc:sldChg>
+      <pc:sldChg chg="addSp delSp modSp add mod">
+        <pc:chgData name="Trung Nghia Nguyen" userId="caf0b1f78d203fdc" providerId="LiveId" clId="{FA98E611-7EE5-4D53-A8F6-A8478DA16B0D}" dt="2023-03-19T19:42:21.407" v="4573" actId="20577"/>
+        <pc:sldMkLst>
+          <pc:docMk/>
+          <pc:sldMk cId="4109717965" sldId="282"/>
+        </pc:sldMkLst>
+        <pc:spChg chg="mod">
+          <ac:chgData name="Trung Nghia Nguyen" userId="caf0b1f78d203fdc" providerId="LiveId" clId="{FA98E611-7EE5-4D53-A8F6-A8478DA16B0D}" dt="2023-03-19T19:42:21.407" v="4573" actId="20577"/>
+          <ac:spMkLst>
+            <pc:docMk/>
+            <pc:sldMk cId="4109717965" sldId="282"/>
+            <ac:spMk id="5" creationId="{7AF6E6C4-7E4D-6951-DD77-D67FDB08BE33}"/>
+          </ac:spMkLst>
+        </pc:spChg>
+        <pc:spChg chg="mod">
+          <ac:chgData name="Trung Nghia Nguyen" userId="caf0b1f78d203fdc" providerId="LiveId" clId="{FA98E611-7EE5-4D53-A8F6-A8478DA16B0D}" dt="2023-03-18T17:46:02.114" v="3483" actId="20577"/>
+          <ac:spMkLst>
+            <pc:docMk/>
+            <pc:sldMk cId="4109717965" sldId="282"/>
+            <ac:spMk id="9" creationId="{51CE0FD5-4BE3-F7D8-2BC7-6F59ED933512}"/>
+          </ac:spMkLst>
+        </pc:spChg>
+        <pc:picChg chg="add mod ord">
+          <ac:chgData name="Trung Nghia Nguyen" userId="caf0b1f78d203fdc" providerId="LiveId" clId="{FA98E611-7EE5-4D53-A8F6-A8478DA16B0D}" dt="2023-03-18T17:58:07.675" v="3491" actId="167"/>
+          <ac:picMkLst>
+            <pc:docMk/>
+            <pc:sldMk cId="4109717965" sldId="282"/>
+            <ac:picMk id="6" creationId="{507FC860-8B46-AEB4-EE18-02AC586D78D6}"/>
+          </ac:picMkLst>
+        </pc:picChg>
+        <pc:picChg chg="del">
+          <ac:chgData name="Trung Nghia Nguyen" userId="caf0b1f78d203fdc" providerId="LiveId" clId="{FA98E611-7EE5-4D53-A8F6-A8478DA16B0D}" dt="2023-03-18T17:46:06.175" v="3484" actId="478"/>
+          <ac:picMkLst>
+            <pc:docMk/>
+            <pc:sldMk cId="4109717965" sldId="282"/>
+            <ac:picMk id="8" creationId="{E0B6CD8B-6138-6045-0302-D72BA24864A4}"/>
+          </ac:picMkLst>
+        </pc:picChg>
+      </pc:sldChg>
+      <pc:sldChg chg="addSp delSp modSp add mod">
+        <pc:chgData name="Trung Nghia Nguyen" userId="caf0b1f78d203fdc" providerId="LiveId" clId="{FA98E611-7EE5-4D53-A8F6-A8478DA16B0D}" dt="2023-03-20T07:19:24.474" v="7031" actId="20577"/>
+        <pc:sldMkLst>
+          <pc:docMk/>
+          <pc:sldMk cId="3273506458" sldId="283"/>
+        </pc:sldMkLst>
+        <pc:spChg chg="mod">
+          <ac:chgData name="Trung Nghia Nguyen" userId="caf0b1f78d203fdc" providerId="LiveId" clId="{FA98E611-7EE5-4D53-A8F6-A8478DA16B0D}" dt="2023-03-20T07:11:30.957" v="5765" actId="20577"/>
+          <ac:spMkLst>
+            <pc:docMk/>
+            <pc:sldMk cId="3273506458" sldId="283"/>
+            <ac:spMk id="4" creationId="{459EF129-6740-B341-7BC7-05D580180742}"/>
+          </ac:spMkLst>
+        </pc:spChg>
+        <pc:spChg chg="add mod">
+          <ac:chgData name="Trung Nghia Nguyen" userId="caf0b1f78d203fdc" providerId="LiveId" clId="{FA98E611-7EE5-4D53-A8F6-A8478DA16B0D}" dt="2023-03-20T07:17:20.280" v="6905" actId="20577"/>
+          <ac:spMkLst>
+            <pc:docMk/>
+            <pc:sldMk cId="3273506458" sldId="283"/>
+            <ac:spMk id="5" creationId="{B124AB6E-B685-3C3C-17A7-881BC0274152}"/>
+          </ac:spMkLst>
+        </pc:spChg>
+        <pc:spChg chg="mod">
+          <ac:chgData name="Trung Nghia Nguyen" userId="caf0b1f78d203fdc" providerId="LiveId" clId="{FA98E611-7EE5-4D53-A8F6-A8478DA16B0D}" dt="2023-03-20T07:19:24.474" v="7031" actId="20577"/>
+          <ac:spMkLst>
+            <pc:docMk/>
+            <pc:sldMk cId="3273506458" sldId="283"/>
+            <ac:spMk id="6" creationId="{FD7465EC-84B6-406C-4864-45ADF9FB642F}"/>
+          </ac:spMkLst>
+        </pc:spChg>
+        <pc:graphicFrameChg chg="del">
+          <ac:chgData name="Trung Nghia Nguyen" userId="caf0b1f78d203fdc" providerId="LiveId" clId="{FA98E611-7EE5-4D53-A8F6-A8478DA16B0D}" dt="2023-03-20T07:11:34.358" v="5766" actId="478"/>
+          <ac:graphicFrameMkLst>
+            <pc:docMk/>
+            <pc:sldMk cId="3273506458" sldId="283"/>
+            <ac:graphicFrameMk id="3" creationId="{5E8325E1-BDCF-5783-E97F-C770E7E58F6D}"/>
+          </ac:graphicFrameMkLst>
+        </pc:graphicFrameChg>
+      </pc:sldChg>
+      <pc:sldChg chg="modSp add mod">
+        <pc:chgData name="Trung Nghia Nguyen" userId="caf0b1f78d203fdc" providerId="LiveId" clId="{FA98E611-7EE5-4D53-A8F6-A8478DA16B0D}" dt="2023-03-20T07:19:27.761" v="7033" actId="20577"/>
+        <pc:sldMkLst>
+          <pc:docMk/>
+          <pc:sldMk cId="1076178229" sldId="284"/>
+        </pc:sldMkLst>
+        <pc:spChg chg="mod">
+          <ac:chgData name="Trung Nghia Nguyen" userId="caf0b1f78d203fdc" providerId="LiveId" clId="{FA98E611-7EE5-4D53-A8F6-A8478DA16B0D}" dt="2023-03-20T07:13:46.504" v="6236" actId="20577"/>
+          <ac:spMkLst>
+            <pc:docMk/>
+            <pc:sldMk cId="1076178229" sldId="284"/>
+            <ac:spMk id="4" creationId="{459EF129-6740-B341-7BC7-05D580180742}"/>
+          </ac:spMkLst>
+        </pc:spChg>
+        <pc:spChg chg="mod">
+          <ac:chgData name="Trung Nghia Nguyen" userId="caf0b1f78d203fdc" providerId="LiveId" clId="{FA98E611-7EE5-4D53-A8F6-A8478DA16B0D}" dt="2023-03-20T07:17:45.459" v="7028" actId="20577"/>
+          <ac:spMkLst>
+            <pc:docMk/>
+            <pc:sldMk cId="1076178229" sldId="284"/>
+            <ac:spMk id="5" creationId="{B124AB6E-B685-3C3C-17A7-881BC0274152}"/>
+          </ac:spMkLst>
+        </pc:spChg>
+        <pc:spChg chg="mod">
+          <ac:chgData name="Trung Nghia Nguyen" userId="caf0b1f78d203fdc" providerId="LiveId" clId="{FA98E611-7EE5-4D53-A8F6-A8478DA16B0D}" dt="2023-03-20T07:19:27.761" v="7033" actId="20577"/>
+          <ac:spMkLst>
+            <pc:docMk/>
+            <pc:sldMk cId="1076178229" sldId="284"/>
+            <ac:spMk id="6" creationId="{FD7465EC-84B6-406C-4864-45ADF9FB642F}"/>
+          </ac:spMkLst>
+        </pc:spChg>
+      </pc:sldChg>
+      <pc:sldMasterChg chg="modSp modSldLayout">
+        <pc:chgData name="Trung Nghia Nguyen" userId="caf0b1f78d203fdc" providerId="LiveId" clId="{FA98E611-7EE5-4D53-A8F6-A8478DA16B0D}" dt="2023-03-16T04:24:21.249" v="1"/>
+        <pc:sldMasterMkLst>
+          <pc:docMk/>
+          <pc:sldMasterMk cId="4059755660" sldId="2147483648"/>
+        </pc:sldMasterMkLst>
+        <pc:spChg chg="mod">
+          <ac:chgData name="Trung Nghia Nguyen" userId="caf0b1f78d203fdc" providerId="LiveId" clId="{FA98E611-7EE5-4D53-A8F6-A8478DA16B0D}" dt="2023-03-16T04:24:21.249" v="1"/>
+          <ac:spMkLst>
+            <pc:docMk/>
+            <pc:sldMasterMk cId="4059755660" sldId="2147483648"/>
+            <ac:spMk id="2" creationId="{B2D67379-2759-837D-8A05-4E6A0DDE2D19}"/>
+          </ac:spMkLst>
+        </pc:spChg>
+        <pc:spChg chg="mod">
+          <ac:chgData name="Trung Nghia Nguyen" userId="caf0b1f78d203fdc" providerId="LiveId" clId="{FA98E611-7EE5-4D53-A8F6-A8478DA16B0D}" dt="2023-03-16T04:24:21.249" v="1"/>
+          <ac:spMkLst>
+            <pc:docMk/>
+            <pc:sldMasterMk cId="4059755660" sldId="2147483648"/>
+            <ac:spMk id="3" creationId="{99B37396-7B88-C02D-A162-F60FA508DCA3}"/>
+          </ac:spMkLst>
+        </pc:spChg>
+        <pc:spChg chg="mod">
+          <ac:chgData name="Trung Nghia Nguyen" userId="caf0b1f78d203fdc" providerId="LiveId" clId="{FA98E611-7EE5-4D53-A8F6-A8478DA16B0D}" dt="2023-03-16T04:24:21.249" v="1"/>
+          <ac:spMkLst>
+            <pc:docMk/>
+            <pc:sldMasterMk cId="4059755660" sldId="2147483648"/>
+            <ac:spMk id="4" creationId="{E65690C1-1221-B102-60D2-80F80E3202EF}"/>
+          </ac:spMkLst>
+        </pc:spChg>
+        <pc:spChg chg="mod">
+          <ac:chgData name="Trung Nghia Nguyen" userId="caf0b1f78d203fdc" providerId="LiveId" clId="{FA98E611-7EE5-4D53-A8F6-A8478DA16B0D}" dt="2023-03-16T04:24:21.249" v="1"/>
+          <ac:spMkLst>
+            <pc:docMk/>
+            <pc:sldMasterMk cId="4059755660" sldId="2147483648"/>
+            <ac:spMk id="5" creationId="{F9B3DA1D-A670-2B94-689B-5A0BD6A8FA66}"/>
+          </ac:spMkLst>
+        </pc:spChg>
+        <pc:spChg chg="mod">
+          <ac:chgData name="Trung Nghia Nguyen" userId="caf0b1f78d203fdc" providerId="LiveId" clId="{FA98E611-7EE5-4D53-A8F6-A8478DA16B0D}" dt="2023-03-16T04:24:21.249" v="1"/>
+          <ac:spMkLst>
+            <pc:docMk/>
+            <pc:sldMasterMk cId="4059755660" sldId="2147483648"/>
+            <ac:spMk id="6" creationId="{B272B73D-FCFD-D42C-84CD-E490A92E0787}"/>
+          </ac:spMkLst>
+        </pc:spChg>
+        <pc:sldLayoutChg chg="modSp">
+          <pc:chgData name="Trung Nghia Nguyen" userId="caf0b1f78d203fdc" providerId="LiveId" clId="{FA98E611-7EE5-4D53-A8F6-A8478DA16B0D}" dt="2023-03-16T04:24:21.249" v="1"/>
+          <pc:sldLayoutMkLst>
+            <pc:docMk/>
+            <pc:sldMasterMk cId="4059755660" sldId="2147483648"/>
+            <pc:sldLayoutMk cId="912823077" sldId="2147483649"/>
+          </pc:sldLayoutMkLst>
+          <pc:spChg chg="mod">
+            <ac:chgData name="Trung Nghia Nguyen" userId="caf0b1f78d203fdc" providerId="LiveId" clId="{FA98E611-7EE5-4D53-A8F6-A8478DA16B0D}" dt="2023-03-16T04:24:21.249" v="1"/>
+            <ac:spMkLst>
+              <pc:docMk/>
+              <pc:sldMasterMk cId="4059755660" sldId="2147483648"/>
+              <pc:sldLayoutMk cId="912823077" sldId="2147483649"/>
+              <ac:spMk id="2" creationId="{D31639CA-6F26-7538-7F3D-9E50D532089C}"/>
+            </ac:spMkLst>
+          </pc:spChg>
+          <pc:spChg chg="mod">
+            <ac:chgData name="Trung Nghia Nguyen" userId="caf0b1f78d203fdc" providerId="LiveId" clId="{FA98E611-7EE5-4D53-A8F6-A8478DA16B0D}" dt="2023-03-16T04:24:21.249" v="1"/>
+            <ac:spMkLst>
+              <pc:docMk/>
+              <pc:sldMasterMk cId="4059755660" sldId="2147483648"/>
+              <pc:sldLayoutMk cId="912823077" sldId="2147483649"/>
+              <ac:spMk id="3" creationId="{47088B79-B7D1-065B-7E28-EE7CCC9D8D8C}"/>
+            </ac:spMkLst>
+          </pc:spChg>
+        </pc:sldLayoutChg>
+        <pc:sldLayoutChg chg="modSp">
+          <pc:chgData name="Trung Nghia Nguyen" userId="caf0b1f78d203fdc" providerId="LiveId" clId="{FA98E611-7EE5-4D53-A8F6-A8478DA16B0D}" dt="2023-03-16T04:24:21.249" v="1"/>
+          <pc:sldLayoutMkLst>
+            <pc:docMk/>
+            <pc:sldMasterMk cId="4059755660" sldId="2147483648"/>
+            <pc:sldLayoutMk cId="4244664039" sldId="2147483651"/>
+          </pc:sldLayoutMkLst>
+          <pc:spChg chg="mod">
+            <ac:chgData name="Trung Nghia Nguyen" userId="caf0b1f78d203fdc" providerId="LiveId" clId="{FA98E611-7EE5-4D53-A8F6-A8478DA16B0D}" dt="2023-03-16T04:24:21.249" v="1"/>
+            <ac:spMkLst>
+              <pc:docMk/>
+              <pc:sldMasterMk cId="4059755660" sldId="2147483648"/>
+              <pc:sldLayoutMk cId="4244664039" sldId="2147483651"/>
+              <ac:spMk id="2" creationId="{6DC09468-E8F7-0727-97AE-C8D9A5F5793F}"/>
+            </ac:spMkLst>
+          </pc:spChg>
+          <pc:spChg chg="mod">
+            <ac:chgData name="Trung Nghia Nguyen" userId="caf0b1f78d203fdc" providerId="LiveId" clId="{FA98E611-7EE5-4D53-A8F6-A8478DA16B0D}" dt="2023-03-16T04:24:21.249" v="1"/>
+            <ac:spMkLst>
+              <pc:docMk/>
+              <pc:sldMasterMk cId="4059755660" sldId="2147483648"/>
+              <pc:sldLayoutMk cId="4244664039" sldId="2147483651"/>
+              <ac:spMk id="3" creationId="{3E3D54D9-4FA1-84EC-C922-E53A36688E96}"/>
+            </ac:spMkLst>
+          </pc:spChg>
+        </pc:sldLayoutChg>
+        <pc:sldLayoutChg chg="modSp">
+          <pc:chgData name="Trung Nghia Nguyen" userId="caf0b1f78d203fdc" providerId="LiveId" clId="{FA98E611-7EE5-4D53-A8F6-A8478DA16B0D}" dt="2023-03-16T04:24:21.249" v="1"/>
+          <pc:sldLayoutMkLst>
+            <pc:docMk/>
+            <pc:sldMasterMk cId="4059755660" sldId="2147483648"/>
+            <pc:sldLayoutMk cId="94315718" sldId="2147483652"/>
+          </pc:sldLayoutMkLst>
+          <pc:spChg chg="mod">
+            <ac:chgData name="Trung Nghia Nguyen" userId="caf0b1f78d203fdc" providerId="LiveId" clId="{FA98E611-7EE5-4D53-A8F6-A8478DA16B0D}" dt="2023-03-16T04:24:21.249" v="1"/>
+            <ac:spMkLst>
+              <pc:docMk/>
+              <pc:sldMasterMk cId="4059755660" sldId="2147483648"/>
+              <pc:sldLayoutMk cId="94315718" sldId="2147483652"/>
+              <ac:spMk id="3" creationId="{A22BADF9-AA7A-4F93-D9BE-3E7CD80C5F99}"/>
+            </ac:spMkLst>
+          </pc:spChg>
+          <pc:spChg chg="mod">
+            <ac:chgData name="Trung Nghia Nguyen" userId="caf0b1f78d203fdc" providerId="LiveId" clId="{FA98E611-7EE5-4D53-A8F6-A8478DA16B0D}" dt="2023-03-16T04:24:21.249" v="1"/>
+            <ac:spMkLst>
+              <pc:docMk/>
+              <pc:sldMasterMk cId="4059755660" sldId="2147483648"/>
+              <pc:sldLayoutMk cId="94315718" sldId="2147483652"/>
+              <ac:spMk id="4" creationId="{E961C63B-7DA7-F8A0-3EC3-0FD62780EF1B}"/>
+            </ac:spMkLst>
+          </pc:spChg>
+        </pc:sldLayoutChg>
+        <pc:sldLayoutChg chg="modSp">
+          <pc:chgData name="Trung Nghia Nguyen" userId="caf0b1f78d203fdc" providerId="LiveId" clId="{FA98E611-7EE5-4D53-A8F6-A8478DA16B0D}" dt="2023-03-16T04:24:21.249" v="1"/>
+          <pc:sldLayoutMkLst>
+            <pc:docMk/>
+            <pc:sldMasterMk cId="4059755660" sldId="2147483648"/>
+            <pc:sldLayoutMk cId="1517603845" sldId="2147483653"/>
+          </pc:sldLayoutMkLst>
+          <pc:spChg chg="mod">
+            <ac:chgData name="Trung Nghia Nguyen" userId="caf0b1f78d203fdc" providerId="LiveId" clId="{FA98E611-7EE5-4D53-A8F6-A8478DA16B0D}" dt="2023-03-16T04:24:21.249" v="1"/>
+            <ac:spMkLst>
+              <pc:docMk/>
+              <pc:sldMasterMk cId="4059755660" sldId="2147483648"/>
+              <pc:sldLayoutMk cId="1517603845" sldId="2147483653"/>
+              <ac:spMk id="2" creationId="{C5F78EF1-B040-6964-8385-BBA5E27B458D}"/>
+            </ac:spMkLst>
+          </pc:spChg>
+          <pc:spChg chg="mod">
+            <ac:chgData name="Trung Nghia Nguyen" userId="caf0b1f78d203fdc" providerId="LiveId" clId="{FA98E611-7EE5-4D53-A8F6-A8478DA16B0D}" dt="2023-03-16T04:24:21.249" v="1"/>
+            <ac:spMkLst>
+              <pc:docMk/>
+              <pc:sldMasterMk cId="4059755660" sldId="2147483648"/>
+              <pc:sldLayoutMk cId="1517603845" sldId="2147483653"/>
+              <ac:spMk id="3" creationId="{9BB9E17E-7B1D-D9E9-ACF5-DD2926F88DE2}"/>
+            </ac:spMkLst>
+          </pc:spChg>
+          <pc:spChg chg="mod">
+            <ac:chgData name="Trung Nghia Nguyen" userId="caf0b1f78d203fdc" providerId="LiveId" clId="{FA98E611-7EE5-4D53-A8F6-A8478DA16B0D}" dt="2023-03-16T04:24:21.249" v="1"/>
+            <ac:spMkLst>
+              <pc:docMk/>
+              <pc:sldMasterMk cId="4059755660" sldId="2147483648"/>
+              <pc:sldLayoutMk cId="1517603845" sldId="2147483653"/>
+              <ac:spMk id="4" creationId="{ABC77E19-1971-1F1D-0A7C-268164BFA01B}"/>
+            </ac:spMkLst>
+          </pc:spChg>
+          <pc:spChg chg="mod">
+            <ac:chgData name="Trung Nghia Nguyen" userId="caf0b1f78d203fdc" providerId="LiveId" clId="{FA98E611-7EE5-4D53-A8F6-A8478DA16B0D}" dt="2023-03-16T04:24:21.249" v="1"/>
+            <ac:spMkLst>
+              <pc:docMk/>
+              <pc:sldMasterMk cId="4059755660" sldId="2147483648"/>
+              <pc:sldLayoutMk cId="1517603845" sldId="2147483653"/>
+              <ac:spMk id="5" creationId="{3B8E416E-2124-FC67-7AE6-86FCFD09DEAE}"/>
+            </ac:spMkLst>
+          </pc:spChg>
+          <pc:spChg chg="mod">
+            <ac:chgData name="Trung Nghia Nguyen" userId="caf0b1f78d203fdc" providerId="LiveId" clId="{FA98E611-7EE5-4D53-A8F6-A8478DA16B0D}" dt="2023-03-16T04:24:21.249" v="1"/>
+            <ac:spMkLst>
+              <pc:docMk/>
+              <pc:sldMasterMk cId="4059755660" sldId="2147483648"/>
+              <pc:sldLayoutMk cId="1517603845" sldId="2147483653"/>
+              <ac:spMk id="6" creationId="{F22134C3-4BF2-8D17-CF8C-E8DB924903F7}"/>
+            </ac:spMkLst>
+          </pc:spChg>
+        </pc:sldLayoutChg>
+        <pc:sldLayoutChg chg="modSp">
+          <pc:chgData name="Trung Nghia Nguyen" userId="caf0b1f78d203fdc" providerId="LiveId" clId="{FA98E611-7EE5-4D53-A8F6-A8478DA16B0D}" dt="2023-03-16T04:24:21.249" v="1"/>
+          <pc:sldLayoutMkLst>
+            <pc:docMk/>
+            <pc:sldMasterMk cId="4059755660" sldId="2147483648"/>
+            <pc:sldLayoutMk cId="3301296023" sldId="2147483656"/>
+          </pc:sldLayoutMkLst>
+          <pc:spChg chg="mod">
+            <ac:chgData name="Trung Nghia Nguyen" userId="caf0b1f78d203fdc" providerId="LiveId" clId="{FA98E611-7EE5-4D53-A8F6-A8478DA16B0D}" dt="2023-03-16T04:24:21.249" v="1"/>
+            <ac:spMkLst>
+              <pc:docMk/>
+              <pc:sldMasterMk cId="4059755660" sldId="2147483648"/>
+              <pc:sldLayoutMk cId="3301296023" sldId="2147483656"/>
+              <ac:spMk id="2" creationId="{A96F6EC6-3FE3-1206-8E59-B0A5CF424B7A}"/>
+            </ac:spMkLst>
+          </pc:spChg>
+          <pc:spChg chg="mod">
+            <ac:chgData name="Trung Nghia Nguyen" userId="caf0b1f78d203fdc" providerId="LiveId" clId="{FA98E611-7EE5-4D53-A8F6-A8478DA16B0D}" dt="2023-03-16T04:24:21.249" v="1"/>
+            <ac:spMkLst>
+              <pc:docMk/>
+              <pc:sldMasterMk cId="4059755660" sldId="2147483648"/>
+              <pc:sldLayoutMk cId="3301296023" sldId="2147483656"/>
+              <ac:spMk id="3" creationId="{A28537D4-31F1-0A4D-DC65-A500F2ADEE00}"/>
+            </ac:spMkLst>
+          </pc:spChg>
+          <pc:spChg chg="mod">
+            <ac:chgData name="Trung Nghia Nguyen" userId="caf0b1f78d203fdc" providerId="LiveId" clId="{FA98E611-7EE5-4D53-A8F6-A8478DA16B0D}" dt="2023-03-16T04:24:21.249" v="1"/>
+            <ac:spMkLst>
+              <pc:docMk/>
+              <pc:sldMasterMk cId="4059755660" sldId="2147483648"/>
+              <pc:sldLayoutMk cId="3301296023" sldId="2147483656"/>
+              <ac:spMk id="4" creationId="{3DB3F611-D57C-9F51-FA71-6A04464665EA}"/>
+            </ac:spMkLst>
+          </pc:spChg>
+        </pc:sldLayoutChg>
+        <pc:sldLayoutChg chg="modSp">
+          <pc:chgData name="Trung Nghia Nguyen" userId="caf0b1f78d203fdc" providerId="LiveId" clId="{FA98E611-7EE5-4D53-A8F6-A8478DA16B0D}" dt="2023-03-16T04:24:21.249" v="1"/>
+          <pc:sldLayoutMkLst>
+            <pc:docMk/>
+            <pc:sldMasterMk cId="4059755660" sldId="2147483648"/>
+            <pc:sldLayoutMk cId="3980980981" sldId="2147483657"/>
+          </pc:sldLayoutMkLst>
+          <pc:spChg chg="mod">
+            <ac:chgData name="Trung Nghia Nguyen" userId="caf0b1f78d203fdc" providerId="LiveId" clId="{FA98E611-7EE5-4D53-A8F6-A8478DA16B0D}" dt="2023-03-16T04:24:21.249" v="1"/>
+            <ac:spMkLst>
+              <pc:docMk/>
+              <pc:sldMasterMk cId="4059755660" sldId="2147483648"/>
+              <pc:sldLayoutMk cId="3980980981" sldId="2147483657"/>
+              <ac:spMk id="2" creationId="{237D36DA-64FB-D642-7030-6BAFE4855757}"/>
+            </ac:spMkLst>
+          </pc:spChg>
+          <pc:spChg chg="mod">
+            <ac:chgData name="Trung Nghia Nguyen" userId="caf0b1f78d203fdc" providerId="LiveId" clId="{FA98E611-7EE5-4D53-A8F6-A8478DA16B0D}" dt="2023-03-16T04:24:21.249" v="1"/>
+            <ac:spMkLst>
+              <pc:docMk/>
+              <pc:sldMasterMk cId="4059755660" sldId="2147483648"/>
+              <pc:sldLayoutMk cId="3980980981" sldId="2147483657"/>
+              <ac:spMk id="3" creationId="{7052E064-3192-1887-F10B-CCCDA53B2E03}"/>
+            </ac:spMkLst>
+          </pc:spChg>
+          <pc:spChg chg="mod">
+            <ac:chgData name="Trung Nghia Nguyen" userId="caf0b1f78d203fdc" providerId="LiveId" clId="{FA98E611-7EE5-4D53-A8F6-A8478DA16B0D}" dt="2023-03-16T04:24:21.249" v="1"/>
+            <ac:spMkLst>
+              <pc:docMk/>
+              <pc:sldMasterMk cId="4059755660" sldId="2147483648"/>
+              <pc:sldLayoutMk cId="3980980981" sldId="2147483657"/>
+              <ac:spMk id="4" creationId="{11E68653-7C97-A908-78F8-3277CAB88A52}"/>
+            </ac:spMkLst>
+          </pc:spChg>
+        </pc:sldLayoutChg>
+        <pc:sldLayoutChg chg="modSp">
+          <pc:chgData name="Trung Nghia Nguyen" userId="caf0b1f78d203fdc" providerId="LiveId" clId="{FA98E611-7EE5-4D53-A8F6-A8478DA16B0D}" dt="2023-03-16T04:24:21.249" v="1"/>
+          <pc:sldLayoutMkLst>
+            <pc:docMk/>
+            <pc:sldMasterMk cId="4059755660" sldId="2147483648"/>
+            <pc:sldLayoutMk cId="2276858793" sldId="2147483659"/>
+          </pc:sldLayoutMkLst>
+          <pc:spChg chg="mod">
+            <ac:chgData name="Trung Nghia Nguyen" userId="caf0b1f78d203fdc" providerId="LiveId" clId="{FA98E611-7EE5-4D53-A8F6-A8478DA16B0D}" dt="2023-03-16T04:24:21.249" v="1"/>
+            <ac:spMkLst>
+              <pc:docMk/>
+              <pc:sldMasterMk cId="4059755660" sldId="2147483648"/>
+              <pc:sldLayoutMk cId="2276858793" sldId="2147483659"/>
+              <ac:spMk id="2" creationId="{10440481-0CE0-EA81-540D-672738586412}"/>
+            </ac:spMkLst>
+          </pc:spChg>
+          <pc:spChg chg="mod">
+            <ac:chgData name="Trung Nghia Nguyen" userId="caf0b1f78d203fdc" providerId="LiveId" clId="{FA98E611-7EE5-4D53-A8F6-A8478DA16B0D}" dt="2023-03-16T04:24:21.249" v="1"/>
+            <ac:spMkLst>
+              <pc:docMk/>
+              <pc:sldMasterMk cId="4059755660" sldId="2147483648"/>
+              <pc:sldLayoutMk cId="2276858793" sldId="2147483659"/>
+              <ac:spMk id="3" creationId="{F22739C1-3E12-8ACB-2068-84CC6DC2726A}"/>
+            </ac:spMkLst>
+          </pc:spChg>
+        </pc:sldLayoutChg>
+      </pc:sldMasterChg>
+    </pc:docChg>
+  </pc:docChgLst>
 </pc:chgInfo>
 </file>
 
@@ -3225,7 +3225,7 @@
           <a:p>
             <a:fld id="{51F95020-72AA-4787-B4DB-4E5B3A15E30F}" type="datetimeFigureOut">
               <a:rPr lang="en-US" smtClean="0"/>
-              <a:t>07/04/2023</a:t>
+              <a:t>4/9/2023</a:t>
             </a:fld>
             <a:endParaRPr lang="en-US"/>
           </a:p>
@@ -3623,7 +3623,7 @@
           <a:p>
             <a:fld id="{2AB4A3C8-EB3A-4B87-95B8-3265ADB47806}" type="datetimeFigureOut">
               <a:rPr lang="en-US" smtClean="0"/>
-              <a:t>07/04/2023</a:t>
+              <a:t>4/9/2023</a:t>
             </a:fld>
             <a:endParaRPr lang="en-US"/>
           </a:p>
@@ -3793,7 +3793,7 @@
           <a:p>
             <a:fld id="{2AB4A3C8-EB3A-4B87-95B8-3265ADB47806}" type="datetimeFigureOut">
               <a:rPr lang="en-US" smtClean="0"/>
-              <a:t>07/04/2023</a:t>
+              <a:t>4/9/2023</a:t>
             </a:fld>
             <a:endParaRPr lang="en-US"/>
           </a:p>
@@ -3973,7 +3973,7 @@
           <a:p>
             <a:fld id="{2AB4A3C8-EB3A-4B87-95B8-3265ADB47806}" type="datetimeFigureOut">
               <a:rPr lang="en-US" smtClean="0"/>
-              <a:t>07/04/2023</a:t>
+              <a:t>4/9/2023</a:t>
             </a:fld>
             <a:endParaRPr lang="en-US"/>
           </a:p>
@@ -4143,7 +4143,7 @@
           <a:p>
             <a:fld id="{2AB4A3C8-EB3A-4B87-95B8-3265ADB47806}" type="datetimeFigureOut">
               <a:rPr lang="en-US" smtClean="0"/>
-              <a:t>07/04/2023</a:t>
+              <a:t>4/9/2023</a:t>
             </a:fld>
             <a:endParaRPr lang="en-US"/>
           </a:p>
@@ -4387,7 +4387,7 @@
           <a:p>
             <a:fld id="{2AB4A3C8-EB3A-4B87-95B8-3265ADB47806}" type="datetimeFigureOut">
               <a:rPr lang="en-US" smtClean="0"/>
-              <a:t>07/04/2023</a:t>
+              <a:t>4/9/2023</a:t>
             </a:fld>
             <a:endParaRPr lang="en-US"/>
           </a:p>
@@ -4619,7 +4619,7 @@
           <a:p>
             <a:fld id="{2AB4A3C8-EB3A-4B87-95B8-3265ADB47806}" type="datetimeFigureOut">
               <a:rPr lang="en-US" smtClean="0"/>
-              <a:t>07/04/2023</a:t>
+              <a:t>4/9/2023</a:t>
             </a:fld>
             <a:endParaRPr lang="en-US"/>
           </a:p>
@@ -4986,7 +4986,7 @@
           <a:p>
             <a:fld id="{2AB4A3C8-EB3A-4B87-95B8-3265ADB47806}" type="datetimeFigureOut">
               <a:rPr lang="en-US" smtClean="0"/>
-              <a:t>07/04/2023</a:t>
+              <a:t>4/9/2023</a:t>
             </a:fld>
             <a:endParaRPr lang="en-US"/>
           </a:p>
@@ -5104,7 +5104,7 @@
           <a:p>
             <a:fld id="{2AB4A3C8-EB3A-4B87-95B8-3265ADB47806}" type="datetimeFigureOut">
               <a:rPr lang="en-US" smtClean="0"/>
-              <a:t>07/04/2023</a:t>
+              <a:t>4/9/2023</a:t>
             </a:fld>
             <a:endParaRPr lang="en-US"/>
           </a:p>
@@ -5199,7 +5199,7 @@
           <a:p>
             <a:fld id="{2AB4A3C8-EB3A-4B87-95B8-3265ADB47806}" type="datetimeFigureOut">
               <a:rPr lang="en-US" smtClean="0"/>
-              <a:t>07/04/2023</a:t>
+              <a:t>4/9/2023</a:t>
             </a:fld>
             <a:endParaRPr lang="en-US"/>
           </a:p>
@@ -5476,7 +5476,7 @@
           <a:p>
             <a:fld id="{2AB4A3C8-EB3A-4B87-95B8-3265ADB47806}" type="datetimeFigureOut">
               <a:rPr lang="en-US" smtClean="0"/>
-              <a:t>07/04/2023</a:t>
+              <a:t>4/9/2023</a:t>
             </a:fld>
             <a:endParaRPr lang="en-US"/>
           </a:p>
@@ -5732,7 +5732,7 @@
           <a:p>
             <a:fld id="{2AB4A3C8-EB3A-4B87-95B8-3265ADB47806}" type="datetimeFigureOut">
               <a:rPr lang="en-US" smtClean="0"/>
-              <a:t>07/04/2023</a:t>
+              <a:t>4/9/2023</a:t>
             </a:fld>
             <a:endParaRPr lang="en-US"/>
           </a:p>
@@ -5945,7 +5945,7 @@
           <a:p>
             <a:fld id="{2AB4A3C8-EB3A-4B87-95B8-3265ADB47806}" type="datetimeFigureOut">
               <a:rPr lang="en-US" smtClean="0"/>
-              <a:t>07/04/2023</a:t>
+              <a:t>4/9/2023</a:t>
             </a:fld>
             <a:endParaRPr lang="en-US"/>
           </a:p>
@@ -6792,7 +6792,7 @@
           <p:nvPr>
             <p:extLst>
               <p:ext uri="{D42A27DB-BD31-4B8C-83A1-F6EECF244321}">
-                <p14:modId xmlns:p14="http://schemas.microsoft.com/office/powerpoint/2010/main" val="359489288"/>
+                <p14:modId xmlns:p14="http://schemas.microsoft.com/office/powerpoint/2010/main" val="1692954656"/>
               </p:ext>
             </p:extLst>
           </p:nvPr>
@@ -7166,7 +7166,7 @@
                       <a:pPr algn="ctr"/>
                       <a:r>
                         <a:rPr lang="en-US"/>
-                        <a:t>52000821</a:t>
+                        <a:t>51900821</a:t>
                       </a:r>
                       <a:endParaRPr lang="en-US">
                         <a:latin typeface="Times New Roman" panose="02020603050405020304" pitchFamily="18" charset="0"/>

--- a/present/final/presentation.pptx
+++ b/present/final/presentation.pptx
@@ -3225,7 +3225,7 @@
           <a:p>
             <a:fld id="{51F95020-72AA-4787-B4DB-4E5B3A15E30F}" type="datetimeFigureOut">
               <a:rPr lang="en-US" smtClean="0"/>
-              <a:t>4/9/2023</a:t>
+              <a:t>10/04/2023</a:t>
             </a:fld>
             <a:endParaRPr lang="en-US"/>
           </a:p>
@@ -3623,7 +3623,7 @@
           <a:p>
             <a:fld id="{2AB4A3C8-EB3A-4B87-95B8-3265ADB47806}" type="datetimeFigureOut">
               <a:rPr lang="en-US" smtClean="0"/>
-              <a:t>4/9/2023</a:t>
+              <a:t>10/04/2023</a:t>
             </a:fld>
             <a:endParaRPr lang="en-US"/>
           </a:p>
@@ -3793,7 +3793,7 @@
           <a:p>
             <a:fld id="{2AB4A3C8-EB3A-4B87-95B8-3265ADB47806}" type="datetimeFigureOut">
               <a:rPr lang="en-US" smtClean="0"/>
-              <a:t>4/9/2023</a:t>
+              <a:t>10/04/2023</a:t>
             </a:fld>
             <a:endParaRPr lang="en-US"/>
           </a:p>
@@ -3973,7 +3973,7 @@
           <a:p>
             <a:fld id="{2AB4A3C8-EB3A-4B87-95B8-3265ADB47806}" type="datetimeFigureOut">
               <a:rPr lang="en-US" smtClean="0"/>
-              <a:t>4/9/2023</a:t>
+              <a:t>10/04/2023</a:t>
             </a:fld>
             <a:endParaRPr lang="en-US"/>
           </a:p>
@@ -4143,7 +4143,7 @@
           <a:p>
             <a:fld id="{2AB4A3C8-EB3A-4B87-95B8-3265ADB47806}" type="datetimeFigureOut">
               <a:rPr lang="en-US" smtClean="0"/>
-              <a:t>4/9/2023</a:t>
+              <a:t>10/04/2023</a:t>
             </a:fld>
             <a:endParaRPr lang="en-US"/>
           </a:p>
@@ -4387,7 +4387,7 @@
           <a:p>
             <a:fld id="{2AB4A3C8-EB3A-4B87-95B8-3265ADB47806}" type="datetimeFigureOut">
               <a:rPr lang="en-US" smtClean="0"/>
-              <a:t>4/9/2023</a:t>
+              <a:t>10/04/2023</a:t>
             </a:fld>
             <a:endParaRPr lang="en-US"/>
           </a:p>
@@ -4619,7 +4619,7 @@
           <a:p>
             <a:fld id="{2AB4A3C8-EB3A-4B87-95B8-3265ADB47806}" type="datetimeFigureOut">
               <a:rPr lang="en-US" smtClean="0"/>
-              <a:t>4/9/2023</a:t>
+              <a:t>10/04/2023</a:t>
             </a:fld>
             <a:endParaRPr lang="en-US"/>
           </a:p>
@@ -4986,7 +4986,7 @@
           <a:p>
             <a:fld id="{2AB4A3C8-EB3A-4B87-95B8-3265ADB47806}" type="datetimeFigureOut">
               <a:rPr lang="en-US" smtClean="0"/>
-              <a:t>4/9/2023</a:t>
+              <a:t>10/04/2023</a:t>
             </a:fld>
             <a:endParaRPr lang="en-US"/>
           </a:p>
@@ -5104,7 +5104,7 @@
           <a:p>
             <a:fld id="{2AB4A3C8-EB3A-4B87-95B8-3265ADB47806}" type="datetimeFigureOut">
               <a:rPr lang="en-US" smtClean="0"/>
-              <a:t>4/9/2023</a:t>
+              <a:t>10/04/2023</a:t>
             </a:fld>
             <a:endParaRPr lang="en-US"/>
           </a:p>
@@ -5199,7 +5199,7 @@
           <a:p>
             <a:fld id="{2AB4A3C8-EB3A-4B87-95B8-3265ADB47806}" type="datetimeFigureOut">
               <a:rPr lang="en-US" smtClean="0"/>
-              <a:t>4/9/2023</a:t>
+              <a:t>10/04/2023</a:t>
             </a:fld>
             <a:endParaRPr lang="en-US"/>
           </a:p>
@@ -5476,7 +5476,7 @@
           <a:p>
             <a:fld id="{2AB4A3C8-EB3A-4B87-95B8-3265ADB47806}" type="datetimeFigureOut">
               <a:rPr lang="en-US" smtClean="0"/>
-              <a:t>4/9/2023</a:t>
+              <a:t>10/04/2023</a:t>
             </a:fld>
             <a:endParaRPr lang="en-US"/>
           </a:p>
@@ -5732,7 +5732,7 @@
           <a:p>
             <a:fld id="{2AB4A3C8-EB3A-4B87-95B8-3265ADB47806}" type="datetimeFigureOut">
               <a:rPr lang="en-US" smtClean="0"/>
-              <a:t>4/9/2023</a:t>
+              <a:t>10/04/2023</a:t>
             </a:fld>
             <a:endParaRPr lang="en-US"/>
           </a:p>
@@ -5945,7 +5945,7 @@
           <a:p>
             <a:fld id="{2AB4A3C8-EB3A-4B87-95B8-3265ADB47806}" type="datetimeFigureOut">
               <a:rPr lang="en-US" smtClean="0"/>
-              <a:t>4/9/2023</a:t>
+              <a:t>10/04/2023</a:t>
             </a:fld>
             <a:endParaRPr lang="en-US"/>
           </a:p>
@@ -14986,7 +14986,7 @@
           <p:nvPr>
             <p:extLst>
               <p:ext uri="{D42A27DB-BD31-4B8C-83A1-F6EECF244321}">
-                <p14:modId xmlns:p14="http://schemas.microsoft.com/office/powerpoint/2010/main" val="880211037"/>
+                <p14:modId xmlns:p14="http://schemas.microsoft.com/office/powerpoint/2010/main" val="2984117882"/>
               </p:ext>
             </p:extLst>
           </p:nvPr>
@@ -15294,7 +15294,7 @@
                           <a:latin typeface="Times New Roman" panose="02020603050405020304" pitchFamily="18" charset="0"/>
                           <a:cs typeface="Times New Roman" panose="02020603050405020304" pitchFamily="18" charset="0"/>
                         </a:rPr>
-                        <a:t>0</a:t>
+                        <a:t>100</a:t>
                       </a:r>
                     </a:p>
                   </a:txBody>
@@ -15400,7 +15400,7 @@
                           <a:latin typeface="Times New Roman" panose="02020603050405020304" pitchFamily="18" charset="0"/>
                           <a:cs typeface="Times New Roman" panose="02020603050405020304" pitchFamily="18" charset="0"/>
                         </a:rPr>
-                        <a:t>0</a:t>
+                        <a:t>90</a:t>
                       </a:r>
                     </a:p>
                   </a:txBody>
@@ -15506,7 +15506,7 @@
                           <a:latin typeface="Times New Roman" panose="02020603050405020304" pitchFamily="18" charset="0"/>
                           <a:cs typeface="Times New Roman" panose="02020603050405020304" pitchFamily="18" charset="0"/>
                         </a:rPr>
-                        <a:t>0</a:t>
+                        <a:t>100</a:t>
                       </a:r>
                     </a:p>
                   </a:txBody>

--- a/present/final/presentation.pptx
+++ b/present/final/presentation.pptx
@@ -148,20 +148,2065 @@
 <file path=ppt/changesInfos/changesInfo1.xml><?xml version="1.0" encoding="utf-8"?>
 <pc:chgInfo xmlns:a="http://schemas.openxmlformats.org/drawingml/2006/main" xmlns:r="http://schemas.openxmlformats.org/officeDocument/2006/relationships" xmlns:ac="http://schemas.microsoft.com/office/drawing/2013/main/command" xmlns:pc="http://schemas.microsoft.com/office/powerpoint/2013/main/command">
   <pc:docChgLst>
+    <pc:chgData name="Trung Nghia Nguyen" userId="caf0b1f78d203fdc" providerId="LiveId" clId="{FA98E611-7EE5-4D53-A8F6-A8478DA16B0D}"/>
+    <pc:docChg chg="undo custSel addSld delSld modSld sldOrd modMainMaster modNotesMaster">
+      <pc:chgData name="Trung Nghia Nguyen" userId="caf0b1f78d203fdc" providerId="LiveId" clId="{FA98E611-7EE5-4D53-A8F6-A8478DA16B0D}" dt="2023-03-20T07:19:32.351" v="7035" actId="20577"/>
+      <pc:docMkLst>
+        <pc:docMk/>
+      </pc:docMkLst>
+      <pc:sldChg chg="addSp delSp modSp new mod">
+        <pc:chgData name="Trung Nghia Nguyen" userId="caf0b1f78d203fdc" providerId="LiveId" clId="{FA98E611-7EE5-4D53-A8F6-A8478DA16B0D}" dt="2023-03-20T02:03:15.660" v="4804" actId="20577"/>
+        <pc:sldMkLst>
+          <pc:docMk/>
+          <pc:sldMk cId="779292092" sldId="256"/>
+        </pc:sldMkLst>
+        <pc:spChg chg="del mod">
+          <ac:chgData name="Trung Nghia Nguyen" userId="caf0b1f78d203fdc" providerId="LiveId" clId="{FA98E611-7EE5-4D53-A8F6-A8478DA16B0D}" dt="2023-03-16T04:25:31.003" v="2" actId="478"/>
+          <ac:spMkLst>
+            <pc:docMk/>
+            <pc:sldMk cId="779292092" sldId="256"/>
+            <ac:spMk id="2" creationId="{A117D592-65D1-FEB2-AB2A-1197CEC1533A}"/>
+          </ac:spMkLst>
+        </pc:spChg>
+        <pc:spChg chg="del mod">
+          <ac:chgData name="Trung Nghia Nguyen" userId="caf0b1f78d203fdc" providerId="LiveId" clId="{FA98E611-7EE5-4D53-A8F6-A8478DA16B0D}" dt="2023-03-16T04:26:30.339" v="75"/>
+          <ac:spMkLst>
+            <pc:docMk/>
+            <pc:sldMk cId="779292092" sldId="256"/>
+            <ac:spMk id="3" creationId="{10CEF238-71AF-8F0B-FAB7-5FB7BE0C6241}"/>
+          </ac:spMkLst>
+        </pc:spChg>
+        <pc:spChg chg="add mod">
+          <ac:chgData name="Trung Nghia Nguyen" userId="caf0b1f78d203fdc" providerId="LiveId" clId="{FA98E611-7EE5-4D53-A8F6-A8478DA16B0D}" dt="2023-03-19T19:41:39.395" v="4557" actId="20577"/>
+          <ac:spMkLst>
+            <pc:docMk/>
+            <pc:sldMk cId="779292092" sldId="256"/>
+            <ac:spMk id="3" creationId="{96D15035-7BD4-17B1-61CC-73A16FAB9E8C}"/>
+          </ac:spMkLst>
+        </pc:spChg>
+        <pc:spChg chg="add del mod">
+          <ac:chgData name="Trung Nghia Nguyen" userId="caf0b1f78d203fdc" providerId="LiveId" clId="{FA98E611-7EE5-4D53-A8F6-A8478DA16B0D}" dt="2023-03-16T04:26:33.737" v="76" actId="478"/>
+          <ac:spMkLst>
+            <pc:docMk/>
+            <pc:sldMk cId="779292092" sldId="256"/>
+            <ac:spMk id="4" creationId="{D3541119-F88B-63E0-D9CB-1FBA398AF2C2}"/>
+          </ac:spMkLst>
+        </pc:spChg>
+        <pc:spChg chg="add del mod">
+          <ac:chgData name="Trung Nghia Nguyen" userId="caf0b1f78d203fdc" providerId="LiveId" clId="{FA98E611-7EE5-4D53-A8F6-A8478DA16B0D}" dt="2023-03-16T04:26:41.747" v="80" actId="478"/>
+          <ac:spMkLst>
+            <pc:docMk/>
+            <pc:sldMk cId="779292092" sldId="256"/>
+            <ac:spMk id="5" creationId="{ABA30120-0E89-CD7C-399C-36E8D45B427C}"/>
+          </ac:spMkLst>
+        </pc:spChg>
+        <pc:spChg chg="add del mod">
+          <ac:chgData name="Trung Nghia Nguyen" userId="caf0b1f78d203fdc" providerId="LiveId" clId="{FA98E611-7EE5-4D53-A8F6-A8478DA16B0D}" dt="2023-03-16T04:27:22.442" v="90"/>
+          <ac:spMkLst>
+            <pc:docMk/>
+            <pc:sldMk cId="779292092" sldId="256"/>
+            <ac:spMk id="6" creationId="{AAB06E32-4593-8D4D-C74D-CF8D31363477}"/>
+          </ac:spMkLst>
+        </pc:spChg>
+        <pc:spChg chg="add del">
+          <ac:chgData name="Trung Nghia Nguyen" userId="caf0b1f78d203fdc" providerId="LiveId" clId="{FA98E611-7EE5-4D53-A8F6-A8478DA16B0D}" dt="2023-03-16T04:27:09.227" v="84" actId="22"/>
+          <ac:spMkLst>
+            <pc:docMk/>
+            <pc:sldMk cId="779292092" sldId="256"/>
+            <ac:spMk id="8" creationId="{AA71866C-55AA-CB05-D180-FE98E4673862}"/>
+          </ac:spMkLst>
+        </pc:spChg>
+        <pc:spChg chg="add del mod">
+          <ac:chgData name="Trung Nghia Nguyen" userId="caf0b1f78d203fdc" providerId="LiveId" clId="{FA98E611-7EE5-4D53-A8F6-A8478DA16B0D}" dt="2023-03-16T04:27:21.819" v="88"/>
+          <ac:spMkLst>
+            <pc:docMk/>
+            <pc:sldMk cId="779292092" sldId="256"/>
+            <ac:spMk id="9" creationId="{BF2B2450-A3A7-8C9F-A35B-E45EC50B2722}"/>
+          </ac:spMkLst>
+        </pc:spChg>
+        <pc:spChg chg="add mod">
+          <ac:chgData name="Trung Nghia Nguyen" userId="caf0b1f78d203fdc" providerId="LiveId" clId="{FA98E611-7EE5-4D53-A8F6-A8478DA16B0D}" dt="2023-03-16T05:56:31.363" v="885" actId="20577"/>
+          <ac:spMkLst>
+            <pc:docMk/>
+            <pc:sldMk cId="779292092" sldId="256"/>
+            <ac:spMk id="14" creationId="{63B4AB36-B54A-EA5C-2A74-F2C80BE0CBC4}"/>
+          </ac:spMkLst>
+        </pc:spChg>
+        <pc:spChg chg="add del mod">
+          <ac:chgData name="Trung Nghia Nguyen" userId="caf0b1f78d203fdc" providerId="LiveId" clId="{FA98E611-7EE5-4D53-A8F6-A8478DA16B0D}" dt="2023-03-16T05:56:37.340" v="886" actId="478"/>
+          <ac:spMkLst>
+            <pc:docMk/>
+            <pc:sldMk cId="779292092" sldId="256"/>
+            <ac:spMk id="15" creationId="{17843FAC-3233-9FA3-6096-5E9BE746F288}"/>
+          </ac:spMkLst>
+        </pc:spChg>
+        <pc:graphicFrameChg chg="add mod modGraphic">
+          <ac:chgData name="Trung Nghia Nguyen" userId="caf0b1f78d203fdc" providerId="LiveId" clId="{FA98E611-7EE5-4D53-A8F6-A8478DA16B0D}" dt="2023-03-20T02:03:15.660" v="4804" actId="20577"/>
+          <ac:graphicFrameMkLst>
+            <pc:docMk/>
+            <pc:sldMk cId="779292092" sldId="256"/>
+            <ac:graphicFrameMk id="16" creationId="{A794B221-780B-3E0D-DCDE-B4B669AD1AE3}"/>
+          </ac:graphicFrameMkLst>
+        </pc:graphicFrameChg>
+        <pc:picChg chg="add mod">
+          <ac:chgData name="Trung Nghia Nguyen" userId="caf0b1f78d203fdc" providerId="LiveId" clId="{FA98E611-7EE5-4D53-A8F6-A8478DA16B0D}" dt="2023-03-16T04:28:13.628" v="97" actId="1076"/>
+          <ac:picMkLst>
+            <pc:docMk/>
+            <pc:sldMk cId="779292092" sldId="256"/>
+            <ac:picMk id="1034" creationId="{6F72484C-A752-76F3-F259-0A997B815A00}"/>
+          </ac:picMkLst>
+        </pc:picChg>
+        <pc:cxnChg chg="add mod">
+          <ac:chgData name="Trung Nghia Nguyen" userId="caf0b1f78d203fdc" providerId="LiveId" clId="{FA98E611-7EE5-4D53-A8F6-A8478DA16B0D}" dt="2023-03-17T04:37:52.245" v="3021"/>
+          <ac:cxnSpMkLst>
+            <pc:docMk/>
+            <pc:sldMk cId="779292092" sldId="256"/>
+            <ac:cxnSpMk id="2" creationId="{D5E91735-6F4E-1EBB-5B25-60BB71493CFD}"/>
+          </ac:cxnSpMkLst>
+        </pc:cxnChg>
+        <pc:cxnChg chg="add mod">
+          <ac:chgData name="Trung Nghia Nguyen" userId="caf0b1f78d203fdc" providerId="LiveId" clId="{FA98E611-7EE5-4D53-A8F6-A8478DA16B0D}" dt="2023-03-16T04:29:23.337" v="100" actId="14100"/>
+          <ac:cxnSpMkLst>
+            <pc:docMk/>
+            <pc:sldMk cId="779292092" sldId="256"/>
+            <ac:cxnSpMk id="11" creationId="{E5C4A229-E185-5A4B-53B1-81D591292671}"/>
+          </ac:cxnSpMkLst>
+        </pc:cxnChg>
+      </pc:sldChg>
+      <pc:sldChg chg="addSp modSp add mod ord">
+        <pc:chgData name="Trung Nghia Nguyen" userId="caf0b1f78d203fdc" providerId="LiveId" clId="{FA98E611-7EE5-4D53-A8F6-A8478DA16B0D}" dt="2023-03-20T02:02:08.352" v="4784" actId="20577"/>
+        <pc:sldMkLst>
+          <pc:docMk/>
+          <pc:sldMk cId="502051408" sldId="257"/>
+        </pc:sldMkLst>
+        <pc:spChg chg="add mod">
+          <ac:chgData name="Trung Nghia Nguyen" userId="caf0b1f78d203fdc" providerId="LiveId" clId="{FA98E611-7EE5-4D53-A8F6-A8478DA16B0D}" dt="2023-03-17T04:37:41.303" v="3019" actId="14100"/>
+          <ac:spMkLst>
+            <pc:docMk/>
+            <pc:sldMk cId="502051408" sldId="257"/>
+            <ac:spMk id="4" creationId="{A7C6B5DE-252A-6692-B1E6-C658AB98BEE6}"/>
+          </ac:spMkLst>
+        </pc:spChg>
+        <pc:spChg chg="mod">
+          <ac:chgData name="Trung Nghia Nguyen" userId="caf0b1f78d203fdc" providerId="LiveId" clId="{FA98E611-7EE5-4D53-A8F6-A8478DA16B0D}" dt="2023-03-19T20:01:49.324" v="4626" actId="14100"/>
+          <ac:spMkLst>
+            <pc:docMk/>
+            <pc:sldMk cId="502051408" sldId="257"/>
+            <ac:spMk id="14" creationId="{63B4AB36-B54A-EA5C-2A74-F2C80BE0CBC4}"/>
+          </ac:spMkLst>
+        </pc:spChg>
+        <pc:graphicFrameChg chg="mod modGraphic">
+          <ac:chgData name="Trung Nghia Nguyen" userId="caf0b1f78d203fdc" providerId="LiveId" clId="{FA98E611-7EE5-4D53-A8F6-A8478DA16B0D}" dt="2023-03-20T02:02:08.352" v="4784" actId="20577"/>
+          <ac:graphicFrameMkLst>
+            <pc:docMk/>
+            <pc:sldMk cId="502051408" sldId="257"/>
+            <ac:graphicFrameMk id="16" creationId="{A794B221-780B-3E0D-DCDE-B4B669AD1AE3}"/>
+          </ac:graphicFrameMkLst>
+        </pc:graphicFrameChg>
+        <pc:cxnChg chg="add mod">
+          <ac:chgData name="Trung Nghia Nguyen" userId="caf0b1f78d203fdc" providerId="LiveId" clId="{FA98E611-7EE5-4D53-A8F6-A8478DA16B0D}" dt="2023-03-17T04:37:47.645" v="3020" actId="14100"/>
+          <ac:cxnSpMkLst>
+            <pc:docMk/>
+            <pc:sldMk cId="502051408" sldId="257"/>
+            <ac:cxnSpMk id="2" creationId="{0193EF83-1ED7-DCBA-7737-4EE3F208EA17}"/>
+          </ac:cxnSpMkLst>
+        </pc:cxnChg>
+      </pc:sldChg>
+      <pc:sldChg chg="addSp delSp modSp add mod">
+        <pc:chgData name="Trung Nghia Nguyen" userId="caf0b1f78d203fdc" providerId="LiveId" clId="{FA98E611-7EE5-4D53-A8F6-A8478DA16B0D}" dt="2023-03-19T20:07:36.464" v="4782" actId="1076"/>
+        <pc:sldMkLst>
+          <pc:docMk/>
+          <pc:sldMk cId="3011248427" sldId="258"/>
+        </pc:sldMkLst>
+        <pc:spChg chg="add del mod">
+          <ac:chgData name="Trung Nghia Nguyen" userId="caf0b1f78d203fdc" providerId="LiveId" clId="{FA98E611-7EE5-4D53-A8F6-A8478DA16B0D}" dt="2023-03-17T04:38:56.233" v="3046" actId="478"/>
+          <ac:spMkLst>
+            <pc:docMk/>
+            <pc:sldMk cId="3011248427" sldId="258"/>
+            <ac:spMk id="3" creationId="{00103708-BF71-4028-9F2C-BCD6FC6E2BB3}"/>
+          </ac:spMkLst>
+        </pc:spChg>
+        <pc:spChg chg="add mod">
+          <ac:chgData name="Trung Nghia Nguyen" userId="caf0b1f78d203fdc" providerId="LiveId" clId="{FA98E611-7EE5-4D53-A8F6-A8478DA16B0D}" dt="2023-03-19T20:07:36.464" v="4782" actId="1076"/>
+          <ac:spMkLst>
+            <pc:docMk/>
+            <pc:sldMk cId="3011248427" sldId="258"/>
+            <ac:spMk id="3" creationId="{56C3DF9C-2FEB-EE52-21A1-DBBB2454EA38}"/>
+          </ac:spMkLst>
+        </pc:spChg>
+        <pc:spChg chg="add mod">
+          <ac:chgData name="Trung Nghia Nguyen" userId="caf0b1f78d203fdc" providerId="LiveId" clId="{FA98E611-7EE5-4D53-A8F6-A8478DA16B0D}" dt="2023-03-19T19:41:48.869" v="4561" actId="20577"/>
+          <ac:spMkLst>
+            <pc:docMk/>
+            <pc:sldMk cId="3011248427" sldId="258"/>
+            <ac:spMk id="4" creationId="{11342279-3B1B-9555-FD5C-CA3839B3D029}"/>
+          </ac:spMkLst>
+        </pc:spChg>
+        <pc:spChg chg="mod">
+          <ac:chgData name="Trung Nghia Nguyen" userId="caf0b1f78d203fdc" providerId="LiveId" clId="{FA98E611-7EE5-4D53-A8F6-A8478DA16B0D}" dt="2023-03-16T06:01:33.515" v="1032" actId="20577"/>
+          <ac:spMkLst>
+            <pc:docMk/>
+            <pc:sldMk cId="3011248427" sldId="258"/>
+            <ac:spMk id="14" creationId="{63B4AB36-B54A-EA5C-2A74-F2C80BE0CBC4}"/>
+          </ac:spMkLst>
+        </pc:spChg>
+        <pc:graphicFrameChg chg="mod modGraphic">
+          <ac:chgData name="Trung Nghia Nguyen" userId="caf0b1f78d203fdc" providerId="LiveId" clId="{FA98E611-7EE5-4D53-A8F6-A8478DA16B0D}" dt="2023-03-19T19:23:41.611" v="4269" actId="2711"/>
+          <ac:graphicFrameMkLst>
+            <pc:docMk/>
+            <pc:sldMk cId="3011248427" sldId="258"/>
+            <ac:graphicFrameMk id="16" creationId="{A794B221-780B-3E0D-DCDE-B4B669AD1AE3}"/>
+          </ac:graphicFrameMkLst>
+        </pc:graphicFrameChg>
+        <pc:cxnChg chg="add mod">
+          <ac:chgData name="Trung Nghia Nguyen" userId="caf0b1f78d203fdc" providerId="LiveId" clId="{FA98E611-7EE5-4D53-A8F6-A8478DA16B0D}" dt="2023-03-17T04:37:55.646" v="3023"/>
+          <ac:cxnSpMkLst>
+            <pc:docMk/>
+            <pc:sldMk cId="3011248427" sldId="258"/>
+            <ac:cxnSpMk id="2" creationId="{AF3ADEA5-03F2-7E56-B6E6-8B6970A896CF}"/>
+          </ac:cxnSpMkLst>
+        </pc:cxnChg>
+      </pc:sldChg>
+      <pc:sldChg chg="addSp delSp modSp add mod">
+        <pc:chgData name="Trung Nghia Nguyen" userId="caf0b1f78d203fdc" providerId="LiveId" clId="{FA98E611-7EE5-4D53-A8F6-A8478DA16B0D}" dt="2023-03-20T06:30:07.305" v="4932" actId="1076"/>
+        <pc:sldMkLst>
+          <pc:docMk/>
+          <pc:sldMk cId="4019893558" sldId="259"/>
+        </pc:sldMkLst>
+        <pc:spChg chg="add mod">
+          <ac:chgData name="Trung Nghia Nguyen" userId="caf0b1f78d203fdc" providerId="LiveId" clId="{FA98E611-7EE5-4D53-A8F6-A8478DA16B0D}" dt="2023-03-16T06:06:38.899" v="1143" actId="114"/>
+          <ac:spMkLst>
+            <pc:docMk/>
+            <pc:sldMk cId="4019893558" sldId="259"/>
+            <ac:spMk id="2" creationId="{30380714-4CD2-9849-80A6-8AC66F97DA6F}"/>
+          </ac:spMkLst>
+        </pc:spChg>
+        <pc:spChg chg="add del mod">
+          <ac:chgData name="Trung Nghia Nguyen" userId="caf0b1f78d203fdc" providerId="LiveId" clId="{FA98E611-7EE5-4D53-A8F6-A8478DA16B0D}" dt="2023-03-17T04:38:59.674" v="3048" actId="478"/>
+          <ac:spMkLst>
+            <pc:docMk/>
+            <pc:sldMk cId="4019893558" sldId="259"/>
+            <ac:spMk id="4" creationId="{E6731AC8-6FBB-04D3-C8AD-D910046055D9}"/>
+          </ac:spMkLst>
+        </pc:spChg>
+        <pc:spChg chg="add mod">
+          <ac:chgData name="Trung Nghia Nguyen" userId="caf0b1f78d203fdc" providerId="LiveId" clId="{FA98E611-7EE5-4D53-A8F6-A8478DA16B0D}" dt="2023-03-19T19:41:52.701" v="4563" actId="20577"/>
+          <ac:spMkLst>
+            <pc:docMk/>
+            <pc:sldMk cId="4019893558" sldId="259"/>
+            <ac:spMk id="5" creationId="{38B62299-A944-8252-B1CB-882A15417931}"/>
+          </ac:spMkLst>
+        </pc:spChg>
+        <pc:spChg chg="add mod">
+          <ac:chgData name="Trung Nghia Nguyen" userId="caf0b1f78d203fdc" providerId="LiveId" clId="{FA98E611-7EE5-4D53-A8F6-A8478DA16B0D}" dt="2023-03-20T06:30:07.305" v="4932" actId="1076"/>
+          <ac:spMkLst>
+            <pc:docMk/>
+            <pc:sldMk cId="4019893558" sldId="259"/>
+            <ac:spMk id="8" creationId="{734BE0A0-109F-5738-2B5A-12B232A6A7ED}"/>
+          </ac:spMkLst>
+        </pc:spChg>
+        <pc:spChg chg="mod">
+          <ac:chgData name="Trung Nghia Nguyen" userId="caf0b1f78d203fdc" providerId="LiveId" clId="{FA98E611-7EE5-4D53-A8F6-A8478DA16B0D}" dt="2023-03-16T06:05:39.139" v="1113" actId="20577"/>
+          <ac:spMkLst>
+            <pc:docMk/>
+            <pc:sldMk cId="4019893558" sldId="259"/>
+            <ac:spMk id="14" creationId="{63B4AB36-B54A-EA5C-2A74-F2C80BE0CBC4}"/>
+          </ac:spMkLst>
+        </pc:spChg>
+        <pc:graphicFrameChg chg="del">
+          <ac:chgData name="Trung Nghia Nguyen" userId="caf0b1f78d203fdc" providerId="LiveId" clId="{FA98E611-7EE5-4D53-A8F6-A8478DA16B0D}" dt="2023-03-16T06:05:53.385" v="1114" actId="478"/>
+          <ac:graphicFrameMkLst>
+            <pc:docMk/>
+            <pc:sldMk cId="4019893558" sldId="259"/>
+            <ac:graphicFrameMk id="16" creationId="{A794B221-780B-3E0D-DCDE-B4B669AD1AE3}"/>
+          </ac:graphicFrameMkLst>
+        </pc:graphicFrameChg>
+        <pc:picChg chg="add">
+          <ac:chgData name="Trung Nghia Nguyen" userId="caf0b1f78d203fdc" providerId="LiveId" clId="{FA98E611-7EE5-4D53-A8F6-A8478DA16B0D}" dt="2023-03-20T06:29:17.630" v="4858" actId="22"/>
+          <ac:picMkLst>
+            <pc:docMk/>
+            <pc:sldMk cId="4019893558" sldId="259"/>
+            <ac:picMk id="6" creationId="{43B774FE-5094-7AB3-83D9-57A0DF7FF1F6}"/>
+          </ac:picMkLst>
+        </pc:picChg>
+        <pc:picChg chg="add del mod">
+          <ac:chgData name="Trung Nghia Nguyen" userId="caf0b1f78d203fdc" providerId="LiveId" clId="{FA98E611-7EE5-4D53-A8F6-A8478DA16B0D}" dt="2023-03-20T06:29:17.174" v="4857" actId="478"/>
+          <ac:picMkLst>
+            <pc:docMk/>
+            <pc:sldMk cId="4019893558" sldId="259"/>
+            <ac:picMk id="7" creationId="{69D8DC54-039D-02F5-CE7D-B44993CE410C}"/>
+          </ac:picMkLst>
+        </pc:picChg>
+        <pc:cxnChg chg="add mod">
+          <ac:chgData name="Trung Nghia Nguyen" userId="caf0b1f78d203fdc" providerId="LiveId" clId="{FA98E611-7EE5-4D53-A8F6-A8478DA16B0D}" dt="2023-03-17T04:37:56.935" v="3024"/>
+          <ac:cxnSpMkLst>
+            <pc:docMk/>
+            <pc:sldMk cId="4019893558" sldId="259"/>
+            <ac:cxnSpMk id="3" creationId="{9B5848A5-3C88-A3DF-9B0B-60160834435A}"/>
+          </ac:cxnSpMkLst>
+        </pc:cxnChg>
+      </pc:sldChg>
+      <pc:sldChg chg="addSp delSp modSp add mod">
+        <pc:chgData name="Trung Nghia Nguyen" userId="caf0b1f78d203fdc" providerId="LiveId" clId="{FA98E611-7EE5-4D53-A8F6-A8478DA16B0D}" dt="2023-03-20T06:32:28.380" v="4981" actId="22"/>
+        <pc:sldMkLst>
+          <pc:docMk/>
+          <pc:sldMk cId="3474282668" sldId="260"/>
+        </pc:sldMkLst>
+        <pc:spChg chg="mod">
+          <ac:chgData name="Trung Nghia Nguyen" userId="caf0b1f78d203fdc" providerId="LiveId" clId="{FA98E611-7EE5-4D53-A8F6-A8478DA16B0D}" dt="2023-03-16T06:07:58.268" v="1156" actId="20577"/>
+          <ac:spMkLst>
+            <pc:docMk/>
+            <pc:sldMk cId="3474282668" sldId="260"/>
+            <ac:spMk id="2" creationId="{30380714-4CD2-9849-80A6-8AC66F97DA6F}"/>
+          </ac:spMkLst>
+        </pc:spChg>
+        <pc:spChg chg="add mod">
+          <ac:chgData name="Trung Nghia Nguyen" userId="caf0b1f78d203fdc" providerId="LiveId" clId="{FA98E611-7EE5-4D53-A8F6-A8478DA16B0D}" dt="2023-03-20T06:32:27.935" v="4980" actId="1076"/>
+          <ac:spMkLst>
+            <pc:docMk/>
+            <pc:sldMk cId="3474282668" sldId="260"/>
+            <ac:spMk id="4" creationId="{9431821D-6D7D-E062-A69A-509104FD42F8}"/>
+          </ac:spMkLst>
+        </pc:spChg>
+        <pc:spChg chg="add del mod">
+          <ac:chgData name="Trung Nghia Nguyen" userId="caf0b1f78d203fdc" providerId="LiveId" clId="{FA98E611-7EE5-4D53-A8F6-A8478DA16B0D}" dt="2023-03-17T04:39:14.883" v="3056" actId="478"/>
+          <ac:spMkLst>
+            <pc:docMk/>
+            <pc:sldMk cId="3474282668" sldId="260"/>
+            <ac:spMk id="4" creationId="{F90D0244-90F2-3218-C4A1-606B763A06C7}"/>
+          </ac:spMkLst>
+        </pc:spChg>
+        <pc:spChg chg="add mod">
+          <ac:chgData name="Trung Nghia Nguyen" userId="caf0b1f78d203fdc" providerId="LiveId" clId="{FA98E611-7EE5-4D53-A8F6-A8478DA16B0D}" dt="2023-03-19T19:42:28.957" v="4575" actId="20577"/>
+          <ac:spMkLst>
+            <pc:docMk/>
+            <pc:sldMk cId="3474282668" sldId="260"/>
+            <ac:spMk id="5" creationId="{4560C39D-ACC4-FD53-200A-C206C7FACCF7}"/>
+          </ac:spMkLst>
+        </pc:spChg>
+        <pc:picChg chg="add">
+          <ac:chgData name="Trung Nghia Nguyen" userId="caf0b1f78d203fdc" providerId="LiveId" clId="{FA98E611-7EE5-4D53-A8F6-A8478DA16B0D}" dt="2023-03-20T06:32:28.380" v="4981" actId="22"/>
+          <ac:picMkLst>
+            <pc:docMk/>
+            <pc:sldMk cId="3474282668" sldId="260"/>
+            <ac:picMk id="7" creationId="{0A013844-F359-90BA-AFE5-5A4E0F02079B}"/>
+          </ac:picMkLst>
+        </pc:picChg>
+        <pc:cxnChg chg="add mod">
+          <ac:chgData name="Trung Nghia Nguyen" userId="caf0b1f78d203fdc" providerId="LiveId" clId="{FA98E611-7EE5-4D53-A8F6-A8478DA16B0D}" dt="2023-03-17T04:38:03.135" v="3028"/>
+          <ac:cxnSpMkLst>
+            <pc:docMk/>
+            <pc:sldMk cId="3474282668" sldId="260"/>
+            <ac:cxnSpMk id="3" creationId="{A678CC92-2ECC-6731-44B3-E00C5607B1AE}"/>
+          </ac:cxnSpMkLst>
+        </pc:cxnChg>
+      </pc:sldChg>
+      <pc:sldChg chg="addSp delSp modSp add mod">
+        <pc:chgData name="Trung Nghia Nguyen" userId="caf0b1f78d203fdc" providerId="LiveId" clId="{FA98E611-7EE5-4D53-A8F6-A8478DA16B0D}" dt="2023-03-20T06:36:55.797" v="5214" actId="20577"/>
+        <pc:sldMkLst>
+          <pc:docMk/>
+          <pc:sldMk cId="2176878142" sldId="261"/>
+        </pc:sldMkLst>
+        <pc:spChg chg="mod">
+          <ac:chgData name="Trung Nghia Nguyen" userId="caf0b1f78d203fdc" providerId="LiveId" clId="{FA98E611-7EE5-4D53-A8F6-A8478DA16B0D}" dt="2023-03-16T06:07:54.573" v="1154" actId="20577"/>
+          <ac:spMkLst>
+            <pc:docMk/>
+            <pc:sldMk cId="2176878142" sldId="261"/>
+            <ac:spMk id="2" creationId="{30380714-4CD2-9849-80A6-8AC66F97DA6F}"/>
+          </ac:spMkLst>
+        </pc:spChg>
+        <pc:spChg chg="add del mod">
+          <ac:chgData name="Trung Nghia Nguyen" userId="caf0b1f78d203fdc" providerId="LiveId" clId="{FA98E611-7EE5-4D53-A8F6-A8478DA16B0D}" dt="2023-03-17T04:39:11.371" v="3054" actId="478"/>
+          <ac:spMkLst>
+            <pc:docMk/>
+            <pc:sldMk cId="2176878142" sldId="261"/>
+            <ac:spMk id="4" creationId="{79A4E201-0F99-95ED-5D57-A5ADBCE00A7E}"/>
+          </ac:spMkLst>
+        </pc:spChg>
+        <pc:spChg chg="add mod">
+          <ac:chgData name="Trung Nghia Nguyen" userId="caf0b1f78d203fdc" providerId="LiveId" clId="{FA98E611-7EE5-4D53-A8F6-A8478DA16B0D}" dt="2023-03-19T19:42:25.521" v="4574" actId="20577"/>
+          <ac:spMkLst>
+            <pc:docMk/>
+            <pc:sldMk cId="2176878142" sldId="261"/>
+            <ac:spMk id="5" creationId="{773F5182-C15F-B8A2-79A6-98CC56113930}"/>
+          </ac:spMkLst>
+        </pc:spChg>
+        <pc:spChg chg="add mod">
+          <ac:chgData name="Trung Nghia Nguyen" userId="caf0b1f78d203fdc" providerId="LiveId" clId="{FA98E611-7EE5-4D53-A8F6-A8478DA16B0D}" dt="2023-03-20T06:36:55.797" v="5214" actId="20577"/>
+          <ac:spMkLst>
+            <pc:docMk/>
+            <pc:sldMk cId="2176878142" sldId="261"/>
+            <ac:spMk id="9" creationId="{F533BA89-8B09-1895-6FE7-F00314F0528E}"/>
+          </ac:spMkLst>
+        </pc:spChg>
+        <pc:picChg chg="add del mod">
+          <ac:chgData name="Trung Nghia Nguyen" userId="caf0b1f78d203fdc" providerId="LiveId" clId="{FA98E611-7EE5-4D53-A8F6-A8478DA16B0D}" dt="2023-03-20T06:33:26.107" v="4982" actId="478"/>
+          <ac:picMkLst>
+            <pc:docMk/>
+            <pc:sldMk cId="2176878142" sldId="261"/>
+            <ac:picMk id="6" creationId="{DBB75A3D-9236-0F32-4DB3-8640590F658C}"/>
+          </ac:picMkLst>
+        </pc:picChg>
+        <pc:picChg chg="add mod">
+          <ac:chgData name="Trung Nghia Nguyen" userId="caf0b1f78d203fdc" providerId="LiveId" clId="{FA98E611-7EE5-4D53-A8F6-A8478DA16B0D}" dt="2023-03-20T06:36:32.318" v="5141" actId="1076"/>
+          <ac:picMkLst>
+            <pc:docMk/>
+            <pc:sldMk cId="2176878142" sldId="261"/>
+            <ac:picMk id="7" creationId="{5878CDCA-64F5-3710-E232-035E68B469AA}"/>
+          </ac:picMkLst>
+        </pc:picChg>
+        <pc:picChg chg="add mod">
+          <ac:chgData name="Trung Nghia Nguyen" userId="caf0b1f78d203fdc" providerId="LiveId" clId="{FA98E611-7EE5-4D53-A8F6-A8478DA16B0D}" dt="2023-03-18T18:02:27.665" v="3498" actId="14100"/>
+          <ac:picMkLst>
+            <pc:docMk/>
+            <pc:sldMk cId="2176878142" sldId="261"/>
+            <ac:picMk id="8" creationId="{CA8451FB-3C2B-4482-8DC3-38D9C773F858}"/>
+          </ac:picMkLst>
+        </pc:picChg>
+        <pc:cxnChg chg="add mod">
+          <ac:chgData name="Trung Nghia Nguyen" userId="caf0b1f78d203fdc" providerId="LiveId" clId="{FA98E611-7EE5-4D53-A8F6-A8478DA16B0D}" dt="2023-03-17T04:38:01.916" v="3027"/>
+          <ac:cxnSpMkLst>
+            <pc:docMk/>
+            <pc:sldMk cId="2176878142" sldId="261"/>
+            <ac:cxnSpMk id="3" creationId="{E9060F41-5A0D-7040-5C8F-79CFAA7E7D72}"/>
+          </ac:cxnSpMkLst>
+        </pc:cxnChg>
+      </pc:sldChg>
+      <pc:sldChg chg="addSp delSp modSp add del mod">
+        <pc:chgData name="Trung Nghia Nguyen" userId="caf0b1f78d203fdc" providerId="LiveId" clId="{FA98E611-7EE5-4D53-A8F6-A8478DA16B0D}" dt="2023-03-17T07:03:47.972" v="3265" actId="2696"/>
+        <pc:sldMkLst>
+          <pc:docMk/>
+          <pc:sldMk cId="875898025" sldId="262"/>
+        </pc:sldMkLst>
+        <pc:spChg chg="mod">
+          <ac:chgData name="Trung Nghia Nguyen" userId="caf0b1f78d203fdc" providerId="LiveId" clId="{FA98E611-7EE5-4D53-A8F6-A8478DA16B0D}" dt="2023-03-16T06:07:49.749" v="1152" actId="20577"/>
+          <ac:spMkLst>
+            <pc:docMk/>
+            <pc:sldMk cId="875898025" sldId="262"/>
+            <ac:spMk id="2" creationId="{30380714-4CD2-9849-80A6-8AC66F97DA6F}"/>
+          </ac:spMkLst>
+        </pc:spChg>
+        <pc:spChg chg="add del mod">
+          <ac:chgData name="Trung Nghia Nguyen" userId="caf0b1f78d203fdc" providerId="LiveId" clId="{FA98E611-7EE5-4D53-A8F6-A8478DA16B0D}" dt="2023-03-17T04:39:07.061" v="3052" actId="478"/>
+          <ac:spMkLst>
+            <pc:docMk/>
+            <pc:sldMk cId="875898025" sldId="262"/>
+            <ac:spMk id="4" creationId="{78B0134D-73F0-E0EE-EAA2-40F53D578455}"/>
+          </ac:spMkLst>
+        </pc:spChg>
+        <pc:spChg chg="add mod">
+          <ac:chgData name="Trung Nghia Nguyen" userId="caf0b1f78d203fdc" providerId="LiveId" clId="{FA98E611-7EE5-4D53-A8F6-A8478DA16B0D}" dt="2023-03-17T04:39:07.317" v="3053"/>
+          <ac:spMkLst>
+            <pc:docMk/>
+            <pc:sldMk cId="875898025" sldId="262"/>
+            <ac:spMk id="5" creationId="{7AF6E6C4-7E4D-6951-DD77-D67FDB08BE33}"/>
+          </ac:spMkLst>
+        </pc:spChg>
+        <pc:spChg chg="add mod">
+          <ac:chgData name="Trung Nghia Nguyen" userId="caf0b1f78d203fdc" providerId="LiveId" clId="{FA98E611-7EE5-4D53-A8F6-A8478DA16B0D}" dt="2023-03-17T06:38:20.448" v="3252" actId="207"/>
+          <ac:spMkLst>
+            <pc:docMk/>
+            <pc:sldMk cId="875898025" sldId="262"/>
+            <ac:spMk id="7" creationId="{C27A575E-AACF-0BC5-FF71-5FCE2C283EAA}"/>
+          </ac:spMkLst>
+        </pc:spChg>
+        <pc:cxnChg chg="add mod">
+          <ac:chgData name="Trung Nghia Nguyen" userId="caf0b1f78d203fdc" providerId="LiveId" clId="{FA98E611-7EE5-4D53-A8F6-A8478DA16B0D}" dt="2023-03-17T04:38:00.559" v="3026"/>
+          <ac:cxnSpMkLst>
+            <pc:docMk/>
+            <pc:sldMk cId="875898025" sldId="262"/>
+            <ac:cxnSpMk id="3" creationId="{C4BB4107-403F-CD25-8D62-E1CD580C39E7}"/>
+          </ac:cxnSpMkLst>
+        </pc:cxnChg>
+      </pc:sldChg>
+      <pc:sldChg chg="addSp delSp modSp add mod">
+        <pc:chgData name="Trung Nghia Nguyen" userId="caf0b1f78d203fdc" providerId="LiveId" clId="{FA98E611-7EE5-4D53-A8F6-A8478DA16B0D}" dt="2023-03-19T19:41:58.154" v="4565" actId="20577"/>
+        <pc:sldMkLst>
+          <pc:docMk/>
+          <pc:sldMk cId="482173432" sldId="263"/>
+        </pc:sldMkLst>
+        <pc:spChg chg="mod">
+          <ac:chgData name="Trung Nghia Nguyen" userId="caf0b1f78d203fdc" providerId="LiveId" clId="{FA98E611-7EE5-4D53-A8F6-A8478DA16B0D}" dt="2023-03-16T06:07:46.511" v="1150" actId="20577"/>
+          <ac:spMkLst>
+            <pc:docMk/>
+            <pc:sldMk cId="482173432" sldId="263"/>
+            <ac:spMk id="2" creationId="{30380714-4CD2-9849-80A6-8AC66F97DA6F}"/>
+          </ac:spMkLst>
+        </pc:spChg>
+        <pc:spChg chg="add del mod">
+          <ac:chgData name="Trung Nghia Nguyen" userId="caf0b1f78d203fdc" providerId="LiveId" clId="{FA98E611-7EE5-4D53-A8F6-A8478DA16B0D}" dt="2023-03-17T04:39:03.344" v="3050" actId="478"/>
+          <ac:spMkLst>
+            <pc:docMk/>
+            <pc:sldMk cId="482173432" sldId="263"/>
+            <ac:spMk id="4" creationId="{A2FC1147-7412-C677-5A5A-BF19366C123D}"/>
+          </ac:spMkLst>
+        </pc:spChg>
+        <pc:spChg chg="add mod">
+          <ac:chgData name="Trung Nghia Nguyen" userId="caf0b1f78d203fdc" providerId="LiveId" clId="{FA98E611-7EE5-4D53-A8F6-A8478DA16B0D}" dt="2023-03-19T19:41:58.154" v="4565" actId="20577"/>
+          <ac:spMkLst>
+            <pc:docMk/>
+            <pc:sldMk cId="482173432" sldId="263"/>
+            <ac:spMk id="5" creationId="{5EFED488-422D-714E-BC8D-1EFFE4EB27EF}"/>
+          </ac:spMkLst>
+        </pc:spChg>
+        <pc:spChg chg="add mod">
+          <ac:chgData name="Trung Nghia Nguyen" userId="caf0b1f78d203fdc" providerId="LiveId" clId="{FA98E611-7EE5-4D53-A8F6-A8478DA16B0D}" dt="2023-03-17T06:23:12.888" v="3165" actId="114"/>
+          <ac:spMkLst>
+            <pc:docMk/>
+            <pc:sldMk cId="482173432" sldId="263"/>
+            <ac:spMk id="6" creationId="{E89CDB90-AF28-D274-AC55-ECC8E0120E31}"/>
+          </ac:spMkLst>
+        </pc:spChg>
+        <pc:picChg chg="add mod">
+          <ac:chgData name="Trung Nghia Nguyen" userId="caf0b1f78d203fdc" providerId="LiveId" clId="{FA98E611-7EE5-4D53-A8F6-A8478DA16B0D}" dt="2023-03-17T06:19:17.560" v="3097" actId="14100"/>
+          <ac:picMkLst>
+            <pc:docMk/>
+            <pc:sldMk cId="482173432" sldId="263"/>
+            <ac:picMk id="8" creationId="{64343610-2239-3C37-0292-61E9C46DADC0}"/>
+          </ac:picMkLst>
+        </pc:picChg>
+        <pc:picChg chg="add mod">
+          <ac:chgData name="Trung Nghia Nguyen" userId="caf0b1f78d203fdc" providerId="LiveId" clId="{FA98E611-7EE5-4D53-A8F6-A8478DA16B0D}" dt="2023-03-17T06:19:27.485" v="3100" actId="14100"/>
+          <ac:picMkLst>
+            <pc:docMk/>
+            <pc:sldMk cId="482173432" sldId="263"/>
+            <ac:picMk id="1026" creationId="{8B6FAEF3-00E8-C2B6-6484-BD77EBFDEA2F}"/>
+          </ac:picMkLst>
+        </pc:picChg>
+        <pc:cxnChg chg="add mod">
+          <ac:chgData name="Trung Nghia Nguyen" userId="caf0b1f78d203fdc" providerId="LiveId" clId="{FA98E611-7EE5-4D53-A8F6-A8478DA16B0D}" dt="2023-03-17T04:37:58.915" v="3025"/>
+          <ac:cxnSpMkLst>
+            <pc:docMk/>
+            <pc:sldMk cId="482173432" sldId="263"/>
+            <ac:cxnSpMk id="3" creationId="{0C90852F-CCF4-2CB4-185D-9BD76C10552E}"/>
+          </ac:cxnSpMkLst>
+        </pc:cxnChg>
+      </pc:sldChg>
+      <pc:sldChg chg="addSp delSp modSp add mod">
+        <pc:chgData name="Trung Nghia Nguyen" userId="caf0b1f78d203fdc" providerId="LiveId" clId="{FA98E611-7EE5-4D53-A8F6-A8478DA16B0D}" dt="2023-03-20T06:36:20.136" v="5138" actId="1076"/>
+        <pc:sldMkLst>
+          <pc:docMk/>
+          <pc:sldMk cId="2895901428" sldId="264"/>
+        </pc:sldMkLst>
+        <pc:spChg chg="mod">
+          <ac:chgData name="Trung Nghia Nguyen" userId="caf0b1f78d203fdc" providerId="LiveId" clId="{FA98E611-7EE5-4D53-A8F6-A8478DA16B0D}" dt="2023-03-16T06:08:02.769" v="1158" actId="20577"/>
+          <ac:spMkLst>
+            <pc:docMk/>
+            <pc:sldMk cId="2895901428" sldId="264"/>
+            <ac:spMk id="2" creationId="{30380714-4CD2-9849-80A6-8AC66F97DA6F}"/>
+          </ac:spMkLst>
+        </pc:spChg>
+        <pc:spChg chg="add del mod">
+          <ac:chgData name="Trung Nghia Nguyen" userId="caf0b1f78d203fdc" providerId="LiveId" clId="{FA98E611-7EE5-4D53-A8F6-A8478DA16B0D}" dt="2023-03-17T04:39:19.392" v="3058" actId="478"/>
+          <ac:spMkLst>
+            <pc:docMk/>
+            <pc:sldMk cId="2895901428" sldId="264"/>
+            <ac:spMk id="4" creationId="{60A99F50-FB46-F4B1-BC79-AB008BB54B45}"/>
+          </ac:spMkLst>
+        </pc:spChg>
+        <pc:spChg chg="add mod">
+          <ac:chgData name="Trung Nghia Nguyen" userId="caf0b1f78d203fdc" providerId="LiveId" clId="{FA98E611-7EE5-4D53-A8F6-A8478DA16B0D}" dt="2023-03-19T19:42:32.285" v="4576" actId="20577"/>
+          <ac:spMkLst>
+            <pc:docMk/>
+            <pc:sldMk cId="2895901428" sldId="264"/>
+            <ac:spMk id="5" creationId="{F5D7CFDC-9C3E-5EB6-442E-0427CF3FD978}"/>
+          </ac:spMkLst>
+        </pc:spChg>
+        <pc:spChg chg="add mod">
+          <ac:chgData name="Trung Nghia Nguyen" userId="caf0b1f78d203fdc" providerId="LiveId" clId="{FA98E611-7EE5-4D53-A8F6-A8478DA16B0D}" dt="2023-03-20T06:36:20.136" v="5138" actId="1076"/>
+          <ac:spMkLst>
+            <pc:docMk/>
+            <pc:sldMk cId="2895901428" sldId="264"/>
+            <ac:spMk id="7" creationId="{F0634F75-D2AC-CBA7-B59B-9BAA1E76EBEC}"/>
+          </ac:spMkLst>
+        </pc:spChg>
+        <pc:picChg chg="add mod">
+          <ac:chgData name="Trung Nghia Nguyen" userId="caf0b1f78d203fdc" providerId="LiveId" clId="{FA98E611-7EE5-4D53-A8F6-A8478DA16B0D}" dt="2023-03-20T06:35:33.823" v="4990" actId="1076"/>
+          <ac:picMkLst>
+            <pc:docMk/>
+            <pc:sldMk cId="2895901428" sldId="264"/>
+            <ac:picMk id="6" creationId="{DCC12B2F-C07E-D6F5-3264-6403237DFCB8}"/>
+          </ac:picMkLst>
+        </pc:picChg>
+        <pc:cxnChg chg="add mod">
+          <ac:chgData name="Trung Nghia Nguyen" userId="caf0b1f78d203fdc" providerId="LiveId" clId="{FA98E611-7EE5-4D53-A8F6-A8478DA16B0D}" dt="2023-03-17T04:38:04.341" v="3029"/>
+          <ac:cxnSpMkLst>
+            <pc:docMk/>
+            <pc:sldMk cId="2895901428" sldId="264"/>
+            <ac:cxnSpMk id="3" creationId="{000902B5-E704-F9CF-DC0B-DDD6C94EF140}"/>
+          </ac:cxnSpMkLst>
+        </pc:cxnChg>
+      </pc:sldChg>
+      <pc:sldChg chg="addSp delSp modSp add mod replId">
+        <pc:chgData name="Trung Nghia Nguyen" userId="caf0b1f78d203fdc" providerId="LiveId" clId="{FA98E611-7EE5-4D53-A8F6-A8478DA16B0D}" dt="2023-03-20T06:38:22.794" v="5343" actId="115"/>
+        <pc:sldMkLst>
+          <pc:docMk/>
+          <pc:sldMk cId="4283605162" sldId="265"/>
+        </pc:sldMkLst>
+        <pc:spChg chg="mod">
+          <ac:chgData name="Trung Nghia Nguyen" userId="caf0b1f78d203fdc" providerId="LiveId" clId="{FA98E611-7EE5-4D53-A8F6-A8478DA16B0D}" dt="2023-03-16T06:08:47.041" v="1174" actId="20577"/>
+          <ac:spMkLst>
+            <pc:docMk/>
+            <pc:sldMk cId="4283605162" sldId="265"/>
+            <ac:spMk id="2" creationId="{30380714-4CD2-9849-80A6-8AC66F97DA6F}"/>
+          </ac:spMkLst>
+        </pc:spChg>
+        <pc:spChg chg="add del mod">
+          <ac:chgData name="Trung Nghia Nguyen" userId="caf0b1f78d203fdc" providerId="LiveId" clId="{FA98E611-7EE5-4D53-A8F6-A8478DA16B0D}" dt="2023-03-17T04:39:27.464" v="3062" actId="478"/>
+          <ac:spMkLst>
+            <pc:docMk/>
+            <pc:sldMk cId="4283605162" sldId="265"/>
+            <ac:spMk id="4" creationId="{3384EA73-795D-DBBD-C798-301784B97C0D}"/>
+          </ac:spMkLst>
+        </pc:spChg>
+        <pc:spChg chg="add mod">
+          <ac:chgData name="Trung Nghia Nguyen" userId="caf0b1f78d203fdc" providerId="LiveId" clId="{FA98E611-7EE5-4D53-A8F6-A8478DA16B0D}" dt="2023-03-18T18:06:10.161" v="3553" actId="114"/>
+          <ac:spMkLst>
+            <pc:docMk/>
+            <pc:sldMk cId="4283605162" sldId="265"/>
+            <ac:spMk id="4" creationId="{6155AFF2-5D57-35C2-5FA4-18DC56B50EDC}"/>
+          </ac:spMkLst>
+        </pc:spChg>
+        <pc:spChg chg="add mod">
+          <ac:chgData name="Trung Nghia Nguyen" userId="caf0b1f78d203fdc" providerId="LiveId" clId="{FA98E611-7EE5-4D53-A8F6-A8478DA16B0D}" dt="2023-03-19T19:42:46.679" v="4580" actId="20577"/>
+          <ac:spMkLst>
+            <pc:docMk/>
+            <pc:sldMk cId="4283605162" sldId="265"/>
+            <ac:spMk id="5" creationId="{C636AC51-235F-27C4-310D-353DA6ACFACB}"/>
+          </ac:spMkLst>
+        </pc:spChg>
+        <pc:spChg chg="add del mod">
+          <ac:chgData name="Trung Nghia Nguyen" userId="caf0b1f78d203fdc" providerId="LiveId" clId="{FA98E611-7EE5-4D53-A8F6-A8478DA16B0D}" dt="2023-03-20T06:37:36.898" v="5229" actId="478"/>
+          <ac:spMkLst>
+            <pc:docMk/>
+            <pc:sldMk cId="4283605162" sldId="265"/>
+            <ac:spMk id="6" creationId="{34952638-B22F-A601-ABB7-40D3A03CAF10}"/>
+          </ac:spMkLst>
+        </pc:spChg>
+        <pc:spChg chg="add mod">
+          <ac:chgData name="Trung Nghia Nguyen" userId="caf0b1f78d203fdc" providerId="LiveId" clId="{FA98E611-7EE5-4D53-A8F6-A8478DA16B0D}" dt="2023-03-20T06:37:43.908" v="5254" actId="1035"/>
+          <ac:spMkLst>
+            <pc:docMk/>
+            <pc:sldMk cId="4283605162" sldId="265"/>
+            <ac:spMk id="8" creationId="{5B6ADF82-7127-B1E1-AB08-85E9AFA2C229}"/>
+          </ac:spMkLst>
+        </pc:spChg>
+        <pc:spChg chg="add mod">
+          <ac:chgData name="Trung Nghia Nguyen" userId="caf0b1f78d203fdc" providerId="LiveId" clId="{FA98E611-7EE5-4D53-A8F6-A8478DA16B0D}" dt="2023-03-20T06:38:22.794" v="5343" actId="115"/>
+          <ac:spMkLst>
+            <pc:docMk/>
+            <pc:sldMk cId="4283605162" sldId="265"/>
+            <ac:spMk id="9" creationId="{07192213-4093-B158-7615-5C02C5D78E3C}"/>
+          </ac:spMkLst>
+        </pc:spChg>
+        <pc:spChg chg="add mod">
+          <ac:chgData name="Trung Nghia Nguyen" userId="caf0b1f78d203fdc" providerId="LiveId" clId="{FA98E611-7EE5-4D53-A8F6-A8478DA16B0D}" dt="2023-03-20T06:37:48.962" v="5255" actId="1076"/>
+          <ac:spMkLst>
+            <pc:docMk/>
+            <pc:sldMk cId="4283605162" sldId="265"/>
+            <ac:spMk id="12" creationId="{C28A47A4-273C-2F4E-0D9B-7FF4CE6F8FC8}"/>
+          </ac:spMkLst>
+        </pc:spChg>
+        <pc:spChg chg="mod">
+          <ac:chgData name="Trung Nghia Nguyen" userId="caf0b1f78d203fdc" providerId="LiveId" clId="{FA98E611-7EE5-4D53-A8F6-A8478DA16B0D}" dt="2023-03-16T06:08:20.795" v="1172" actId="20577"/>
+          <ac:spMkLst>
+            <pc:docMk/>
+            <pc:sldMk cId="4283605162" sldId="265"/>
+            <ac:spMk id="14" creationId="{63B4AB36-B54A-EA5C-2A74-F2C80BE0CBC4}"/>
+          </ac:spMkLst>
+        </pc:spChg>
+        <pc:picChg chg="add mod">
+          <ac:chgData name="Trung Nghia Nguyen" userId="caf0b1f78d203fdc" providerId="LiveId" clId="{FA98E611-7EE5-4D53-A8F6-A8478DA16B0D}" dt="2023-03-18T18:06:37.350" v="3555" actId="1076"/>
+          <ac:picMkLst>
+            <pc:docMk/>
+            <pc:sldMk cId="4283605162" sldId="265"/>
+            <ac:picMk id="7" creationId="{9BE015F4-B740-114F-C17A-D68586C61382}"/>
+          </ac:picMkLst>
+        </pc:picChg>
+        <pc:picChg chg="add mod">
+          <ac:chgData name="Trung Nghia Nguyen" userId="caf0b1f78d203fdc" providerId="LiveId" clId="{FA98E611-7EE5-4D53-A8F6-A8478DA16B0D}" dt="2023-03-20T06:37:43.908" v="5254" actId="1035"/>
+          <ac:picMkLst>
+            <pc:docMk/>
+            <pc:sldMk cId="4283605162" sldId="265"/>
+            <ac:picMk id="10" creationId="{64FFD8A3-EA3E-8803-1A9E-83B9D68AD773}"/>
+          </ac:picMkLst>
+        </pc:picChg>
+        <pc:picChg chg="add mod">
+          <ac:chgData name="Trung Nghia Nguyen" userId="caf0b1f78d203fdc" providerId="LiveId" clId="{FA98E611-7EE5-4D53-A8F6-A8478DA16B0D}" dt="2023-03-20T06:37:52.028" v="5256" actId="1076"/>
+          <ac:picMkLst>
+            <pc:docMk/>
+            <pc:sldMk cId="4283605162" sldId="265"/>
+            <ac:picMk id="15" creationId="{E1B123BE-4EEC-7C2E-0D92-C3C0811176CB}"/>
+          </ac:picMkLst>
+        </pc:picChg>
+        <pc:cxnChg chg="add mod">
+          <ac:chgData name="Trung Nghia Nguyen" userId="caf0b1f78d203fdc" providerId="LiveId" clId="{FA98E611-7EE5-4D53-A8F6-A8478DA16B0D}" dt="2023-03-17T04:38:07.552" v="3031"/>
+          <ac:cxnSpMkLst>
+            <pc:docMk/>
+            <pc:sldMk cId="4283605162" sldId="265"/>
+            <ac:cxnSpMk id="3" creationId="{2CD06583-66AF-701D-3EFB-7B57FC7CBC60}"/>
+          </ac:cxnSpMkLst>
+        </pc:cxnChg>
+      </pc:sldChg>
+      <pc:sldChg chg="addSp delSp modSp add mod replId">
+        <pc:chgData name="Trung Nghia Nguyen" userId="caf0b1f78d203fdc" providerId="LiveId" clId="{FA98E611-7EE5-4D53-A8F6-A8478DA16B0D}" dt="2023-03-20T06:38:57.002" v="5372" actId="1076"/>
+        <pc:sldMkLst>
+          <pc:docMk/>
+          <pc:sldMk cId="1755807355" sldId="266"/>
+        </pc:sldMkLst>
+        <pc:spChg chg="mod">
+          <ac:chgData name="Trung Nghia Nguyen" userId="caf0b1f78d203fdc" providerId="LiveId" clId="{FA98E611-7EE5-4D53-A8F6-A8478DA16B0D}" dt="2023-03-16T06:08:54.022" v="1178" actId="20577"/>
+          <ac:spMkLst>
+            <pc:docMk/>
+            <pc:sldMk cId="1755807355" sldId="266"/>
+            <ac:spMk id="2" creationId="{30380714-4CD2-9849-80A6-8AC66F97DA6F}"/>
+          </ac:spMkLst>
+        </pc:spChg>
+        <pc:spChg chg="add del mod">
+          <ac:chgData name="Trung Nghia Nguyen" userId="caf0b1f78d203fdc" providerId="LiveId" clId="{FA98E611-7EE5-4D53-A8F6-A8478DA16B0D}" dt="2023-03-17T04:39:31.432" v="3064" actId="478"/>
+          <ac:spMkLst>
+            <pc:docMk/>
+            <pc:sldMk cId="1755807355" sldId="266"/>
+            <ac:spMk id="4" creationId="{9FC5A47E-E156-CE54-D964-B05D97E3E440}"/>
+          </ac:spMkLst>
+        </pc:spChg>
+        <pc:spChg chg="add del mod">
+          <ac:chgData name="Trung Nghia Nguyen" userId="caf0b1f78d203fdc" providerId="LiveId" clId="{FA98E611-7EE5-4D53-A8F6-A8478DA16B0D}" dt="2023-03-20T06:38:36.545" v="5346" actId="478"/>
+          <ac:spMkLst>
+            <pc:docMk/>
+            <pc:sldMk cId="1755807355" sldId="266"/>
+            <ac:spMk id="4" creationId="{AAB22F9D-7A5E-4401-A0CB-A63DA021226F}"/>
+          </ac:spMkLst>
+        </pc:spChg>
+        <pc:spChg chg="add mod">
+          <ac:chgData name="Trung Nghia Nguyen" userId="caf0b1f78d203fdc" providerId="LiveId" clId="{FA98E611-7EE5-4D53-A8F6-A8478DA16B0D}" dt="2023-03-19T19:42:52.243" v="4581" actId="20577"/>
+          <ac:spMkLst>
+            <pc:docMk/>
+            <pc:sldMk cId="1755807355" sldId="266"/>
+            <ac:spMk id="5" creationId="{5A7DF51B-1976-A0EB-6F7B-B4A2CB037D53}"/>
+          </ac:spMkLst>
+        </pc:spChg>
+        <pc:spChg chg="add mod">
+          <ac:chgData name="Trung Nghia Nguyen" userId="caf0b1f78d203fdc" providerId="LiveId" clId="{FA98E611-7EE5-4D53-A8F6-A8478DA16B0D}" dt="2023-03-20T06:38:57.002" v="5372" actId="1076"/>
+          <ac:spMkLst>
+            <pc:docMk/>
+            <pc:sldMk cId="1755807355" sldId="266"/>
+            <ac:spMk id="7" creationId="{41F3B00E-EEC6-C3C0-4054-6A44FFDA2129}"/>
+          </ac:spMkLst>
+        </pc:spChg>
+        <pc:spChg chg="mod">
+          <ac:chgData name="Trung Nghia Nguyen" userId="caf0b1f78d203fdc" providerId="LiveId" clId="{FA98E611-7EE5-4D53-A8F6-A8478DA16B0D}" dt="2023-03-16T06:16:56.623" v="1489" actId="20577"/>
+          <ac:spMkLst>
+            <pc:docMk/>
+            <pc:sldMk cId="1755807355" sldId="266"/>
+            <ac:spMk id="14" creationId="{63B4AB36-B54A-EA5C-2A74-F2C80BE0CBC4}"/>
+          </ac:spMkLst>
+        </pc:spChg>
+        <pc:picChg chg="add del mod modCrop">
+          <ac:chgData name="Trung Nghia Nguyen" userId="caf0b1f78d203fdc" providerId="LiveId" clId="{FA98E611-7EE5-4D53-A8F6-A8478DA16B0D}" dt="2023-03-18T18:13:54.951" v="3582" actId="21"/>
+          <ac:picMkLst>
+            <pc:docMk/>
+            <pc:sldMk cId="1755807355" sldId="266"/>
+            <ac:picMk id="6" creationId="{22C59D75-28CE-46F5-5707-658FE476BFDD}"/>
+          </ac:picMkLst>
+        </pc:picChg>
+        <pc:picChg chg="add mod">
+          <ac:chgData name="Trung Nghia Nguyen" userId="caf0b1f78d203fdc" providerId="LiveId" clId="{FA98E611-7EE5-4D53-A8F6-A8478DA16B0D}" dt="2023-03-20T06:38:34.458" v="5345" actId="1076"/>
+          <ac:picMkLst>
+            <pc:docMk/>
+            <pc:sldMk cId="1755807355" sldId="266"/>
+            <ac:picMk id="6" creationId="{F965E609-B8C6-9840-FCA8-51EC5CD8ADD1}"/>
+          </ac:picMkLst>
+        </pc:picChg>
+        <pc:cxnChg chg="add mod">
+          <ac:chgData name="Trung Nghia Nguyen" userId="caf0b1f78d203fdc" providerId="LiveId" clId="{FA98E611-7EE5-4D53-A8F6-A8478DA16B0D}" dt="2023-03-17T04:38:09.225" v="3032"/>
+          <ac:cxnSpMkLst>
+            <pc:docMk/>
+            <pc:sldMk cId="1755807355" sldId="266"/>
+            <ac:cxnSpMk id="3" creationId="{A6209D13-18E2-CE90-A8FC-47240D1DB3DD}"/>
+          </ac:cxnSpMkLst>
+        </pc:cxnChg>
+      </pc:sldChg>
+      <pc:sldChg chg="addSp delSp modSp add mod replId">
+        <pc:chgData name="Trung Nghia Nguyen" userId="caf0b1f78d203fdc" providerId="LiveId" clId="{FA98E611-7EE5-4D53-A8F6-A8478DA16B0D}" dt="2023-03-20T06:46:22.745" v="5552" actId="1076"/>
+        <pc:sldMkLst>
+          <pc:docMk/>
+          <pc:sldMk cId="420754388" sldId="267"/>
+        </pc:sldMkLst>
+        <pc:spChg chg="mod">
+          <ac:chgData name="Trung Nghia Nguyen" userId="caf0b1f78d203fdc" providerId="LiveId" clId="{FA98E611-7EE5-4D53-A8F6-A8478DA16B0D}" dt="2023-03-16T06:09:05.191" v="1182" actId="20577"/>
+          <ac:spMkLst>
+            <pc:docMk/>
+            <pc:sldMk cId="420754388" sldId="267"/>
+            <ac:spMk id="2" creationId="{30380714-4CD2-9849-80A6-8AC66F97DA6F}"/>
+          </ac:spMkLst>
+        </pc:spChg>
+        <pc:spChg chg="add del mod">
+          <ac:chgData name="Trung Nghia Nguyen" userId="caf0b1f78d203fdc" providerId="LiveId" clId="{FA98E611-7EE5-4D53-A8F6-A8478DA16B0D}" dt="2023-03-17T04:39:35.292" v="3066" actId="478"/>
+          <ac:spMkLst>
+            <pc:docMk/>
+            <pc:sldMk cId="420754388" sldId="267"/>
+            <ac:spMk id="4" creationId="{5B057441-CC31-82D0-2A61-D4C277283FF0}"/>
+          </ac:spMkLst>
+        </pc:spChg>
+        <pc:spChg chg="add mod">
+          <ac:chgData name="Trung Nghia Nguyen" userId="caf0b1f78d203fdc" providerId="LiveId" clId="{FA98E611-7EE5-4D53-A8F6-A8478DA16B0D}" dt="2023-03-19T19:42:55.901" v="4582" actId="20577"/>
+          <ac:spMkLst>
+            <pc:docMk/>
+            <pc:sldMk cId="420754388" sldId="267"/>
+            <ac:spMk id="5" creationId="{5AE77F4E-29AF-200B-741F-D59D22548F68}"/>
+          </ac:spMkLst>
+        </pc:spChg>
+        <pc:spChg chg="add mod">
+          <ac:chgData name="Trung Nghia Nguyen" userId="caf0b1f78d203fdc" providerId="LiveId" clId="{FA98E611-7EE5-4D53-A8F6-A8478DA16B0D}" dt="2023-03-20T06:46:22.745" v="5552" actId="1076"/>
+          <ac:spMkLst>
+            <pc:docMk/>
+            <pc:sldMk cId="420754388" sldId="267"/>
+            <ac:spMk id="6" creationId="{F3459CBF-C8CB-D11F-4C1C-7F3691FB67D3}"/>
+          </ac:spMkLst>
+        </pc:spChg>
+        <pc:spChg chg="mod">
+          <ac:chgData name="Trung Nghia Nguyen" userId="caf0b1f78d203fdc" providerId="LiveId" clId="{FA98E611-7EE5-4D53-A8F6-A8478DA16B0D}" dt="2023-03-16T06:17:02.365" v="1503" actId="20577"/>
+          <ac:spMkLst>
+            <pc:docMk/>
+            <pc:sldMk cId="420754388" sldId="267"/>
+            <ac:spMk id="14" creationId="{63B4AB36-B54A-EA5C-2A74-F2C80BE0CBC4}"/>
+          </ac:spMkLst>
+        </pc:spChg>
+        <pc:picChg chg="add del mod">
+          <ac:chgData name="Trung Nghia Nguyen" userId="caf0b1f78d203fdc" providerId="LiveId" clId="{FA98E611-7EE5-4D53-A8F6-A8478DA16B0D}" dt="2023-03-20T06:46:09.964" v="5548" actId="478"/>
+          <ac:picMkLst>
+            <pc:docMk/>
+            <pc:sldMk cId="420754388" sldId="267"/>
+            <ac:picMk id="4" creationId="{E12BC0F1-607B-17E9-1754-F5489A61089A}"/>
+          </ac:picMkLst>
+        </pc:picChg>
+        <pc:picChg chg="add mod">
+          <ac:chgData name="Trung Nghia Nguyen" userId="caf0b1f78d203fdc" providerId="LiveId" clId="{FA98E611-7EE5-4D53-A8F6-A8478DA16B0D}" dt="2023-03-20T06:46:17.898" v="5551" actId="1076"/>
+          <ac:picMkLst>
+            <pc:docMk/>
+            <pc:sldMk cId="420754388" sldId="267"/>
+            <ac:picMk id="1026" creationId="{0DDEF103-57C2-30E2-ED3E-9AB7C6BA55E4}"/>
+          </ac:picMkLst>
+        </pc:picChg>
+        <pc:cxnChg chg="add mod">
+          <ac:chgData name="Trung Nghia Nguyen" userId="caf0b1f78d203fdc" providerId="LiveId" clId="{FA98E611-7EE5-4D53-A8F6-A8478DA16B0D}" dt="2023-03-17T04:38:10.896" v="3033"/>
+          <ac:cxnSpMkLst>
+            <pc:docMk/>
+            <pc:sldMk cId="420754388" sldId="267"/>
+            <ac:cxnSpMk id="3" creationId="{C2A7E5D0-0732-35D5-18A2-C5CE2320D9B6}"/>
+          </ac:cxnSpMkLst>
+        </pc:cxnChg>
+      </pc:sldChg>
+      <pc:sldChg chg="addSp delSp modSp add mod replId">
+        <pc:chgData name="Trung Nghia Nguyen" userId="caf0b1f78d203fdc" providerId="LiveId" clId="{FA98E611-7EE5-4D53-A8F6-A8478DA16B0D}" dt="2023-03-20T06:25:48.812" v="4856" actId="1076"/>
+        <pc:sldMkLst>
+          <pc:docMk/>
+          <pc:sldMk cId="1800081090" sldId="268"/>
+        </pc:sldMkLst>
+        <pc:spChg chg="mod">
+          <ac:chgData name="Trung Nghia Nguyen" userId="caf0b1f78d203fdc" providerId="LiveId" clId="{FA98E611-7EE5-4D53-A8F6-A8478DA16B0D}" dt="2023-03-16T06:09:09.571" v="1186" actId="20577"/>
+          <ac:spMkLst>
+            <pc:docMk/>
+            <pc:sldMk cId="1800081090" sldId="268"/>
+            <ac:spMk id="2" creationId="{30380714-4CD2-9849-80A6-8AC66F97DA6F}"/>
+          </ac:spMkLst>
+        </pc:spChg>
+        <pc:spChg chg="add del mod">
+          <ac:chgData name="Trung Nghia Nguyen" userId="caf0b1f78d203fdc" providerId="LiveId" clId="{FA98E611-7EE5-4D53-A8F6-A8478DA16B0D}" dt="2023-03-17T04:39:40.169" v="3068" actId="478"/>
+          <ac:spMkLst>
+            <pc:docMk/>
+            <pc:sldMk cId="1800081090" sldId="268"/>
+            <ac:spMk id="4" creationId="{FC0C686F-2BB6-97A5-A2E3-8228181D7A3F}"/>
+          </ac:spMkLst>
+        </pc:spChg>
+        <pc:spChg chg="add mod">
+          <ac:chgData name="Trung Nghia Nguyen" userId="caf0b1f78d203fdc" providerId="LiveId" clId="{FA98E611-7EE5-4D53-A8F6-A8478DA16B0D}" dt="2023-03-19T19:43:00.657" v="4583" actId="20577"/>
+          <ac:spMkLst>
+            <pc:docMk/>
+            <pc:sldMk cId="1800081090" sldId="268"/>
+            <ac:spMk id="5" creationId="{1D7A3032-17B2-6AEA-AC88-9349A439BD22}"/>
+          </ac:spMkLst>
+        </pc:spChg>
+        <pc:spChg chg="add mod">
+          <ac:chgData name="Trung Nghia Nguyen" userId="caf0b1f78d203fdc" providerId="LiveId" clId="{FA98E611-7EE5-4D53-A8F6-A8478DA16B0D}" dt="2023-03-20T06:25:48.812" v="4856" actId="1076"/>
+          <ac:spMkLst>
+            <pc:docMk/>
+            <pc:sldMk cId="1800081090" sldId="268"/>
+            <ac:spMk id="7" creationId="{EB47DA29-9FCC-30CE-0883-F7F361D9198F}"/>
+          </ac:spMkLst>
+        </pc:spChg>
+        <pc:spChg chg="mod">
+          <ac:chgData name="Trung Nghia Nguyen" userId="caf0b1f78d203fdc" providerId="LiveId" clId="{FA98E611-7EE5-4D53-A8F6-A8478DA16B0D}" dt="2023-03-16T06:17:09.861" v="1517" actId="20577"/>
+          <ac:spMkLst>
+            <pc:docMk/>
+            <pc:sldMk cId="1800081090" sldId="268"/>
+            <ac:spMk id="14" creationId="{63B4AB36-B54A-EA5C-2A74-F2C80BE0CBC4}"/>
+          </ac:spMkLst>
+        </pc:spChg>
+        <pc:picChg chg="add mod ord">
+          <ac:chgData name="Trung Nghia Nguyen" userId="caf0b1f78d203fdc" providerId="LiveId" clId="{FA98E611-7EE5-4D53-A8F6-A8478DA16B0D}" dt="2023-03-20T06:25:20.301" v="4812" actId="1076"/>
+          <ac:picMkLst>
+            <pc:docMk/>
+            <pc:sldMk cId="1800081090" sldId="268"/>
+            <ac:picMk id="6" creationId="{17B1B28A-E020-8A31-7198-F20684828AFD}"/>
+          </ac:picMkLst>
+        </pc:picChg>
+        <pc:cxnChg chg="add mod">
+          <ac:chgData name="Trung Nghia Nguyen" userId="caf0b1f78d203fdc" providerId="LiveId" clId="{FA98E611-7EE5-4D53-A8F6-A8478DA16B0D}" dt="2023-03-17T04:38:12.276" v="3034"/>
+          <ac:cxnSpMkLst>
+            <pc:docMk/>
+            <pc:sldMk cId="1800081090" sldId="268"/>
+            <ac:cxnSpMk id="3" creationId="{BAC105F8-C950-5DDE-6CB7-BB032057CD4E}"/>
+          </ac:cxnSpMkLst>
+        </pc:cxnChg>
+      </pc:sldChg>
+      <pc:sldChg chg="addSp delSp modSp add mod">
+        <pc:chgData name="Trung Nghia Nguyen" userId="caf0b1f78d203fdc" providerId="LiveId" clId="{FA98E611-7EE5-4D53-A8F6-A8478DA16B0D}" dt="2023-03-20T06:40:30.436" v="5472" actId="1076"/>
+        <pc:sldMkLst>
+          <pc:docMk/>
+          <pc:sldMk cId="4260099494" sldId="269"/>
+        </pc:sldMkLst>
+        <pc:spChg chg="mod">
+          <ac:chgData name="Trung Nghia Nguyen" userId="caf0b1f78d203fdc" providerId="LiveId" clId="{FA98E611-7EE5-4D53-A8F6-A8478DA16B0D}" dt="2023-03-16T06:09:28.908" v="1189" actId="20577"/>
+          <ac:spMkLst>
+            <pc:docMk/>
+            <pc:sldMk cId="4260099494" sldId="269"/>
+            <ac:spMk id="2" creationId="{30380714-4CD2-9849-80A6-8AC66F97DA6F}"/>
+          </ac:spMkLst>
+        </pc:spChg>
+        <pc:spChg chg="add del mod">
+          <ac:chgData name="Trung Nghia Nguyen" userId="caf0b1f78d203fdc" providerId="LiveId" clId="{FA98E611-7EE5-4D53-A8F6-A8478DA16B0D}" dt="2023-03-17T04:39:43.792" v="3070" actId="478"/>
+          <ac:spMkLst>
+            <pc:docMk/>
+            <pc:sldMk cId="4260099494" sldId="269"/>
+            <ac:spMk id="4" creationId="{4A9B31A6-4583-92AA-E2E8-0E1B56527FAB}"/>
+          </ac:spMkLst>
+        </pc:spChg>
+        <pc:spChg chg="add mod">
+          <ac:chgData name="Trung Nghia Nguyen" userId="caf0b1f78d203fdc" providerId="LiveId" clId="{FA98E611-7EE5-4D53-A8F6-A8478DA16B0D}" dt="2023-03-20T06:40:30.436" v="5472" actId="1076"/>
+          <ac:spMkLst>
+            <pc:docMk/>
+            <pc:sldMk cId="4260099494" sldId="269"/>
+            <ac:spMk id="4" creationId="{85BE9376-B78B-4D14-03B7-71E92F2B4246}"/>
+          </ac:spMkLst>
+        </pc:spChg>
+        <pc:spChg chg="add mod">
+          <ac:chgData name="Trung Nghia Nguyen" userId="caf0b1f78d203fdc" providerId="LiveId" clId="{FA98E611-7EE5-4D53-A8F6-A8478DA16B0D}" dt="2023-03-19T19:43:05.507" v="4586" actId="20577"/>
+          <ac:spMkLst>
+            <pc:docMk/>
+            <pc:sldMk cId="4260099494" sldId="269"/>
+            <ac:spMk id="5" creationId="{44F9D552-E912-19E9-0162-3E4C662F5413}"/>
+          </ac:spMkLst>
+        </pc:spChg>
+        <pc:spChg chg="mod">
+          <ac:chgData name="Trung Nghia Nguyen" userId="caf0b1f78d203fdc" providerId="LiveId" clId="{FA98E611-7EE5-4D53-A8F6-A8478DA16B0D}" dt="2023-03-16T06:17:18.839" v="1535" actId="20577"/>
+          <ac:spMkLst>
+            <pc:docMk/>
+            <pc:sldMk cId="4260099494" sldId="269"/>
+            <ac:spMk id="14" creationId="{63B4AB36-B54A-EA5C-2A74-F2C80BE0CBC4}"/>
+          </ac:spMkLst>
+        </pc:spChg>
+        <pc:picChg chg="add mod ord">
+          <ac:chgData name="Trung Nghia Nguyen" userId="caf0b1f78d203fdc" providerId="LiveId" clId="{FA98E611-7EE5-4D53-A8F6-A8478DA16B0D}" dt="2023-03-18T18:27:23.003" v="3592" actId="1076"/>
+          <ac:picMkLst>
+            <pc:docMk/>
+            <pc:sldMk cId="4260099494" sldId="269"/>
+            <ac:picMk id="6" creationId="{373DC444-4599-D269-D2D6-A3F6CA69A851}"/>
+          </ac:picMkLst>
+        </pc:picChg>
+        <pc:cxnChg chg="add mod">
+          <ac:chgData name="Trung Nghia Nguyen" userId="caf0b1f78d203fdc" providerId="LiveId" clId="{FA98E611-7EE5-4D53-A8F6-A8478DA16B0D}" dt="2023-03-17T04:38:13.996" v="3035"/>
+          <ac:cxnSpMkLst>
+            <pc:docMk/>
+            <pc:sldMk cId="4260099494" sldId="269"/>
+            <ac:cxnSpMk id="3" creationId="{ACBF7746-FE0E-173A-5173-1104D3149676}"/>
+          </ac:cxnSpMkLst>
+        </pc:cxnChg>
+      </pc:sldChg>
+      <pc:sldChg chg="addSp delSp modSp add mod">
+        <pc:chgData name="Trung Nghia Nguyen" userId="caf0b1f78d203fdc" providerId="LiveId" clId="{FA98E611-7EE5-4D53-A8F6-A8478DA16B0D}" dt="2023-03-20T07:02:09.542" v="5649" actId="1076"/>
+        <pc:sldMkLst>
+          <pc:docMk/>
+          <pc:sldMk cId="2511818953" sldId="270"/>
+        </pc:sldMkLst>
+        <pc:spChg chg="mod">
+          <ac:chgData name="Trung Nghia Nguyen" userId="caf0b1f78d203fdc" providerId="LiveId" clId="{FA98E611-7EE5-4D53-A8F6-A8478DA16B0D}" dt="2023-03-16T06:10:07.671" v="1198" actId="20577"/>
+          <ac:spMkLst>
+            <pc:docMk/>
+            <pc:sldMk cId="2511818953" sldId="270"/>
+            <ac:spMk id="2" creationId="{30380714-4CD2-9849-80A6-8AC66F97DA6F}"/>
+          </ac:spMkLst>
+        </pc:spChg>
+        <pc:spChg chg="add del mod">
+          <ac:chgData name="Trung Nghia Nguyen" userId="caf0b1f78d203fdc" providerId="LiveId" clId="{FA98E611-7EE5-4D53-A8F6-A8478DA16B0D}" dt="2023-03-17T04:39:50.628" v="3074" actId="478"/>
+          <ac:spMkLst>
+            <pc:docMk/>
+            <pc:sldMk cId="2511818953" sldId="270"/>
+            <ac:spMk id="4" creationId="{AFB91D5C-95A0-4C14-9E44-3E33C99FBE7F}"/>
+          </ac:spMkLst>
+        </pc:spChg>
+        <pc:spChg chg="add mod">
+          <ac:chgData name="Trung Nghia Nguyen" userId="caf0b1f78d203fdc" providerId="LiveId" clId="{FA98E611-7EE5-4D53-A8F6-A8478DA16B0D}" dt="2023-03-20T07:02:09.542" v="5649" actId="1076"/>
+          <ac:spMkLst>
+            <pc:docMk/>
+            <pc:sldMk cId="2511818953" sldId="270"/>
+            <ac:spMk id="4" creationId="{C9A8F3A0-7BA7-04C0-6A45-BDCDED7689FE}"/>
+          </ac:spMkLst>
+        </pc:spChg>
+        <pc:spChg chg="add mod">
+          <ac:chgData name="Trung Nghia Nguyen" userId="caf0b1f78d203fdc" providerId="LiveId" clId="{FA98E611-7EE5-4D53-A8F6-A8478DA16B0D}" dt="2023-03-19T19:43:14.363" v="4590" actId="20577"/>
+          <ac:spMkLst>
+            <pc:docMk/>
+            <pc:sldMk cId="2511818953" sldId="270"/>
+            <ac:spMk id="5" creationId="{7E679B62-7EFE-6C17-20E7-5EFB751FBD73}"/>
+          </ac:spMkLst>
+        </pc:spChg>
+        <pc:spChg chg="mod">
+          <ac:chgData name="Trung Nghia Nguyen" userId="caf0b1f78d203fdc" providerId="LiveId" clId="{FA98E611-7EE5-4D53-A8F6-A8478DA16B0D}" dt="2023-03-16T06:10:22.239" v="1205" actId="20577"/>
+          <ac:spMkLst>
+            <pc:docMk/>
+            <pc:sldMk cId="2511818953" sldId="270"/>
+            <ac:spMk id="14" creationId="{63B4AB36-B54A-EA5C-2A74-F2C80BE0CBC4}"/>
+          </ac:spMkLst>
+        </pc:spChg>
+        <pc:picChg chg="add del mod">
+          <ac:chgData name="Trung Nghia Nguyen" userId="caf0b1f78d203fdc" providerId="LiveId" clId="{FA98E611-7EE5-4D53-A8F6-A8478DA16B0D}" dt="2023-03-18T18:30:02.221" v="3595" actId="478"/>
+          <ac:picMkLst>
+            <pc:docMk/>
+            <pc:sldMk cId="2511818953" sldId="270"/>
+            <ac:picMk id="6" creationId="{83246909-A1CC-816B-D558-2403AE26644F}"/>
+          </ac:picMkLst>
+        </pc:picChg>
+        <pc:picChg chg="add del mod">
+          <ac:chgData name="Trung Nghia Nguyen" userId="caf0b1f78d203fdc" providerId="LiveId" clId="{FA98E611-7EE5-4D53-A8F6-A8478DA16B0D}" dt="2023-03-18T18:31:57.248" v="3598" actId="478"/>
+          <ac:picMkLst>
+            <pc:docMk/>
+            <pc:sldMk cId="2511818953" sldId="270"/>
+            <ac:picMk id="8" creationId="{886B370D-F837-49D0-4BAA-2CBF68A486EA}"/>
+          </ac:picMkLst>
+        </pc:picChg>
+        <pc:picChg chg="add mod">
+          <ac:chgData name="Trung Nghia Nguyen" userId="caf0b1f78d203fdc" providerId="LiveId" clId="{FA98E611-7EE5-4D53-A8F6-A8478DA16B0D}" dt="2023-03-20T07:01:40.251" v="5555" actId="14100"/>
+          <ac:picMkLst>
+            <pc:docMk/>
+            <pc:sldMk cId="2511818953" sldId="270"/>
+            <ac:picMk id="10" creationId="{18007800-E682-98CF-F763-93064B193CD7}"/>
+          </ac:picMkLst>
+        </pc:picChg>
+        <pc:picChg chg="add mod">
+          <ac:chgData name="Trung Nghia Nguyen" userId="caf0b1f78d203fdc" providerId="LiveId" clId="{FA98E611-7EE5-4D53-A8F6-A8478DA16B0D}" dt="2023-03-20T07:01:42.097" v="5556" actId="1076"/>
+          <ac:picMkLst>
+            <pc:docMk/>
+            <pc:sldMk cId="2511818953" sldId="270"/>
+            <ac:picMk id="13" creationId="{5ECDC6C7-6458-4D2B-BD68-F1E95B358571}"/>
+          </ac:picMkLst>
+        </pc:picChg>
+        <pc:cxnChg chg="add mod">
+          <ac:chgData name="Trung Nghia Nguyen" userId="caf0b1f78d203fdc" providerId="LiveId" clId="{FA98E611-7EE5-4D53-A8F6-A8478DA16B0D}" dt="2023-03-17T04:38:17.041" v="3037"/>
+          <ac:cxnSpMkLst>
+            <pc:docMk/>
+            <pc:sldMk cId="2511818953" sldId="270"/>
+            <ac:cxnSpMk id="3" creationId="{01D99BB4-E244-0C9E-63D6-F28CA9060656}"/>
+          </ac:cxnSpMkLst>
+        </pc:cxnChg>
+      </pc:sldChg>
+      <pc:sldChg chg="addSp delSp modSp add mod replId">
+        <pc:chgData name="Trung Nghia Nguyen" userId="caf0b1f78d203fdc" providerId="LiveId" clId="{FA98E611-7EE5-4D53-A8F6-A8478DA16B0D}" dt="2023-03-20T07:02:42.471" v="5724" actId="1076"/>
+        <pc:sldMkLst>
+          <pc:docMk/>
+          <pc:sldMk cId="2278832414" sldId="271"/>
+        </pc:sldMkLst>
+        <pc:spChg chg="mod">
+          <ac:chgData name="Trung Nghia Nguyen" userId="caf0b1f78d203fdc" providerId="LiveId" clId="{FA98E611-7EE5-4D53-A8F6-A8478DA16B0D}" dt="2023-03-16T06:10:13.451" v="1200" actId="20577"/>
+          <ac:spMkLst>
+            <pc:docMk/>
+            <pc:sldMk cId="2278832414" sldId="271"/>
+            <ac:spMk id="2" creationId="{30380714-4CD2-9849-80A6-8AC66F97DA6F}"/>
+          </ac:spMkLst>
+        </pc:spChg>
+        <pc:spChg chg="add del mod">
+          <ac:chgData name="Trung Nghia Nguyen" userId="caf0b1f78d203fdc" providerId="LiveId" clId="{FA98E611-7EE5-4D53-A8F6-A8478DA16B0D}" dt="2023-03-17T04:39:56.114" v="3076" actId="478"/>
+          <ac:spMkLst>
+            <pc:docMk/>
+            <pc:sldMk cId="2278832414" sldId="271"/>
+            <ac:spMk id="4" creationId="{75AE8E16-8704-F0FC-A727-505C588A8404}"/>
+          </ac:spMkLst>
+        </pc:spChg>
+        <pc:spChg chg="add mod">
+          <ac:chgData name="Trung Nghia Nguyen" userId="caf0b1f78d203fdc" providerId="LiveId" clId="{FA98E611-7EE5-4D53-A8F6-A8478DA16B0D}" dt="2023-03-20T07:02:42.471" v="5724" actId="1076"/>
+          <ac:spMkLst>
+            <pc:docMk/>
+            <pc:sldMk cId="2278832414" sldId="271"/>
+            <ac:spMk id="4" creationId="{F72DE690-623E-F6CB-33BB-A3DEC8E1BDBC}"/>
+          </ac:spMkLst>
+        </pc:spChg>
+        <pc:spChg chg="add mod">
+          <ac:chgData name="Trung Nghia Nguyen" userId="caf0b1f78d203fdc" providerId="LiveId" clId="{FA98E611-7EE5-4D53-A8F6-A8478DA16B0D}" dt="2023-03-19T19:43:19.278" v="4593" actId="20577"/>
+          <ac:spMkLst>
+            <pc:docMk/>
+            <pc:sldMk cId="2278832414" sldId="271"/>
+            <ac:spMk id="5" creationId="{C9086857-A576-49DA-0719-5BEB9C24F20C}"/>
+          </ac:spMkLst>
+        </pc:spChg>
+        <pc:spChg chg="add del">
+          <ac:chgData name="Trung Nghia Nguyen" userId="caf0b1f78d203fdc" providerId="LiveId" clId="{FA98E611-7EE5-4D53-A8F6-A8478DA16B0D}" dt="2023-03-18T18:48:21.799" v="3605" actId="22"/>
+          <ac:spMkLst>
+            <pc:docMk/>
+            <pc:sldMk cId="2278832414" sldId="271"/>
+            <ac:spMk id="6" creationId="{5B87C63A-F05D-9F9B-3078-B83C9F562134}"/>
+          </ac:spMkLst>
+        </pc:spChg>
+        <pc:spChg chg="mod">
+          <ac:chgData name="Trung Nghia Nguyen" userId="caf0b1f78d203fdc" providerId="LiveId" clId="{FA98E611-7EE5-4D53-A8F6-A8478DA16B0D}" dt="2023-03-16T06:10:27.110" v="1214" actId="20577"/>
+          <ac:spMkLst>
+            <pc:docMk/>
+            <pc:sldMk cId="2278832414" sldId="271"/>
+            <ac:spMk id="14" creationId="{63B4AB36-B54A-EA5C-2A74-F2C80BE0CBC4}"/>
+          </ac:spMkLst>
+        </pc:spChg>
+        <pc:picChg chg="add mod">
+          <ac:chgData name="Trung Nghia Nguyen" userId="caf0b1f78d203fdc" providerId="LiveId" clId="{FA98E611-7EE5-4D53-A8F6-A8478DA16B0D}" dt="2023-03-18T18:48:28.906" v="3609" actId="1076"/>
+          <ac:picMkLst>
+            <pc:docMk/>
+            <pc:sldMk cId="2278832414" sldId="271"/>
+            <ac:picMk id="8" creationId="{820423F8-513B-EEA7-5347-CED754AC2ADB}"/>
+          </ac:picMkLst>
+        </pc:picChg>
+        <pc:cxnChg chg="add mod">
+          <ac:chgData name="Trung Nghia Nguyen" userId="caf0b1f78d203fdc" providerId="LiveId" clId="{FA98E611-7EE5-4D53-A8F6-A8478DA16B0D}" dt="2023-03-17T04:38:18.269" v="3038"/>
+          <ac:cxnSpMkLst>
+            <pc:docMk/>
+            <pc:sldMk cId="2278832414" sldId="271"/>
+            <ac:cxnSpMk id="3" creationId="{0793C2BD-0304-6397-AA72-38E3636506AC}"/>
+          </ac:cxnSpMkLst>
+        </pc:cxnChg>
+      </pc:sldChg>
+      <pc:sldChg chg="addSp delSp modSp add mod">
+        <pc:chgData name="Trung Nghia Nguyen" userId="caf0b1f78d203fdc" providerId="LiveId" clId="{FA98E611-7EE5-4D53-A8F6-A8478DA16B0D}" dt="2023-03-20T07:19:32.351" v="7035" actId="20577"/>
+        <pc:sldMkLst>
+          <pc:docMk/>
+          <pc:sldMk cId="610409002" sldId="272"/>
+        </pc:sldMkLst>
+        <pc:spChg chg="mod">
+          <ac:chgData name="Trung Nghia Nguyen" userId="caf0b1f78d203fdc" providerId="LiveId" clId="{FA98E611-7EE5-4D53-A8F6-A8478DA16B0D}" dt="2023-03-19T19:37:12.524" v="4433" actId="114"/>
+          <ac:spMkLst>
+            <pc:docMk/>
+            <pc:sldMk cId="610409002" sldId="272"/>
+            <ac:spMk id="2" creationId="{30380714-4CD2-9849-80A6-8AC66F97DA6F}"/>
+          </ac:spMkLst>
+        </pc:spChg>
+        <pc:spChg chg="add mod">
+          <ac:chgData name="Trung Nghia Nguyen" userId="caf0b1f78d203fdc" providerId="LiveId" clId="{FA98E611-7EE5-4D53-A8F6-A8478DA16B0D}" dt="2023-03-20T07:19:32.351" v="7035" actId="20577"/>
+          <ac:spMkLst>
+            <pc:docMk/>
+            <pc:sldMk cId="610409002" sldId="272"/>
+            <ac:spMk id="4" creationId="{CE933A1E-D43F-BDBC-88C5-FA719398A112}"/>
+          </ac:spMkLst>
+        </pc:spChg>
+        <pc:spChg chg="add del mod">
+          <ac:chgData name="Trung Nghia Nguyen" userId="caf0b1f78d203fdc" providerId="LiveId" clId="{FA98E611-7EE5-4D53-A8F6-A8478DA16B0D}" dt="2023-03-19T19:41:14.049" v="4554" actId="478"/>
+          <ac:spMkLst>
+            <pc:docMk/>
+            <pc:sldMk cId="610409002" sldId="272"/>
+            <ac:spMk id="6" creationId="{6E7DC4E6-EDF3-8448-440F-42E4F1368376}"/>
+          </ac:spMkLst>
+        </pc:spChg>
+        <pc:spChg chg="mod">
+          <ac:chgData name="Trung Nghia Nguyen" userId="caf0b1f78d203fdc" providerId="LiveId" clId="{FA98E611-7EE5-4D53-A8F6-A8478DA16B0D}" dt="2023-03-16T06:11:24.344" v="1251" actId="20577"/>
+          <ac:spMkLst>
+            <pc:docMk/>
+            <pc:sldMk cId="610409002" sldId="272"/>
+            <ac:spMk id="14" creationId="{63B4AB36-B54A-EA5C-2A74-F2C80BE0CBC4}"/>
+          </ac:spMkLst>
+        </pc:spChg>
+        <pc:graphicFrameChg chg="add mod modGraphic">
+          <ac:chgData name="Trung Nghia Nguyen" userId="caf0b1f78d203fdc" providerId="LiveId" clId="{FA98E611-7EE5-4D53-A8F6-A8478DA16B0D}" dt="2023-03-19T19:41:20.482" v="4555" actId="1076"/>
+          <ac:graphicFrameMkLst>
+            <pc:docMk/>
+            <pc:sldMk cId="610409002" sldId="272"/>
+            <ac:graphicFrameMk id="7" creationId="{B54C5B81-FA74-EF54-364C-2501CA6C224F}"/>
+          </ac:graphicFrameMkLst>
+        </pc:graphicFrameChg>
+        <pc:cxnChg chg="add mod">
+          <ac:chgData name="Trung Nghia Nguyen" userId="caf0b1f78d203fdc" providerId="LiveId" clId="{FA98E611-7EE5-4D53-A8F6-A8478DA16B0D}" dt="2023-03-17T04:38:23.115" v="3041"/>
+          <ac:cxnSpMkLst>
+            <pc:docMk/>
+            <pc:sldMk cId="610409002" sldId="272"/>
+            <ac:cxnSpMk id="3" creationId="{435823BE-9FB1-635E-7F74-DEA50A87D246}"/>
+          </ac:cxnSpMkLst>
+        </pc:cxnChg>
+      </pc:sldChg>
+      <pc:sldChg chg="addSp delSp modSp add mod">
+        <pc:chgData name="Trung Nghia Nguyen" userId="caf0b1f78d203fdc" providerId="LiveId" clId="{FA98E611-7EE5-4D53-A8F6-A8478DA16B0D}" dt="2023-03-19T19:42:38.278" v="4577" actId="20577"/>
+        <pc:sldMkLst>
+          <pc:docMk/>
+          <pc:sldMk cId="3245475923" sldId="273"/>
+        </pc:sldMkLst>
+        <pc:spChg chg="del">
+          <ac:chgData name="Trung Nghia Nguyen" userId="caf0b1f78d203fdc" providerId="LiveId" clId="{FA98E611-7EE5-4D53-A8F6-A8478DA16B0D}" dt="2023-03-16T06:11:43.156" v="1253" actId="478"/>
+          <ac:spMkLst>
+            <pc:docMk/>
+            <pc:sldMk cId="3245475923" sldId="273"/>
+            <ac:spMk id="2" creationId="{30380714-4CD2-9849-80A6-8AC66F97DA6F}"/>
+          </ac:spMkLst>
+        </pc:spChg>
+        <pc:spChg chg="add mod">
+          <ac:chgData name="Trung Nghia Nguyen" userId="caf0b1f78d203fdc" providerId="LiveId" clId="{FA98E611-7EE5-4D53-A8F6-A8478DA16B0D}" dt="2023-03-16T06:16:03.718" v="1468" actId="20577"/>
+          <ac:spMkLst>
+            <pc:docMk/>
+            <pc:sldMk cId="3245475923" sldId="273"/>
+            <ac:spMk id="4" creationId="{459EF129-6740-B341-7BC7-05D580180742}"/>
+          </ac:spMkLst>
+        </pc:spChg>
+        <pc:spChg chg="add del mod">
+          <ac:chgData name="Trung Nghia Nguyen" userId="caf0b1f78d203fdc" providerId="LiveId" clId="{FA98E611-7EE5-4D53-A8F6-A8478DA16B0D}" dt="2023-03-17T04:39:23.979" v="3060" actId="478"/>
+          <ac:spMkLst>
+            <pc:docMk/>
+            <pc:sldMk cId="3245475923" sldId="273"/>
+            <ac:spMk id="5" creationId="{E1627484-B3B2-F2C3-F446-F44A1980716C}"/>
+          </ac:spMkLst>
+        </pc:spChg>
+        <pc:spChg chg="add mod">
+          <ac:chgData name="Trung Nghia Nguyen" userId="caf0b1f78d203fdc" providerId="LiveId" clId="{FA98E611-7EE5-4D53-A8F6-A8478DA16B0D}" dt="2023-03-19T19:42:38.278" v="4577" actId="20577"/>
+          <ac:spMkLst>
+            <pc:docMk/>
+            <pc:sldMk cId="3245475923" sldId="273"/>
+            <ac:spMk id="6" creationId="{F6D86575-6F62-E86B-CB8C-67FDEFFD30D6}"/>
+          </ac:spMkLst>
+        </pc:spChg>
+        <pc:graphicFrameChg chg="add mod modGraphic">
+          <ac:chgData name="Trung Nghia Nguyen" userId="caf0b1f78d203fdc" providerId="LiveId" clId="{FA98E611-7EE5-4D53-A8F6-A8478DA16B0D}" dt="2023-03-19T19:27:35.395" v="4349" actId="20577"/>
+          <ac:graphicFrameMkLst>
+            <pc:docMk/>
+            <pc:sldMk cId="3245475923" sldId="273"/>
+            <ac:graphicFrameMk id="3" creationId="{5E8325E1-BDCF-5783-E97F-C770E7E58F6D}"/>
+          </ac:graphicFrameMkLst>
+        </pc:graphicFrameChg>
+        <pc:cxnChg chg="add mod">
+          <ac:chgData name="Trung Nghia Nguyen" userId="caf0b1f78d203fdc" providerId="LiveId" clId="{FA98E611-7EE5-4D53-A8F6-A8478DA16B0D}" dt="2023-03-17T04:38:05.752" v="3030"/>
+          <ac:cxnSpMkLst>
+            <pc:docMk/>
+            <pc:sldMk cId="3245475923" sldId="273"/>
+            <ac:cxnSpMk id="2" creationId="{7C8A4417-1481-B1E7-23CC-E5C9CAD25F2C}"/>
+          </ac:cxnSpMkLst>
+        </pc:cxnChg>
+      </pc:sldChg>
+      <pc:sldChg chg="addSp delSp modSp add mod ord">
+        <pc:chgData name="Trung Nghia Nguyen" userId="caf0b1f78d203fdc" providerId="LiveId" clId="{FA98E611-7EE5-4D53-A8F6-A8478DA16B0D}" dt="2023-03-19T19:43:09.521" v="4587" actId="20577"/>
+        <pc:sldMkLst>
+          <pc:docMk/>
+          <pc:sldMk cId="1354583273" sldId="274"/>
+        </pc:sldMkLst>
+        <pc:spChg chg="add del mod">
+          <ac:chgData name="Trung Nghia Nguyen" userId="caf0b1f78d203fdc" providerId="LiveId" clId="{FA98E611-7EE5-4D53-A8F6-A8478DA16B0D}" dt="2023-03-17T04:39:47.372" v="3072" actId="478"/>
+          <ac:spMkLst>
+            <pc:docMk/>
+            <pc:sldMk cId="1354583273" sldId="274"/>
+            <ac:spMk id="5" creationId="{5C96A552-627E-CE46-EB0C-BD1DE0A52080}"/>
+          </ac:spMkLst>
+        </pc:spChg>
+        <pc:spChg chg="add mod">
+          <ac:chgData name="Trung Nghia Nguyen" userId="caf0b1f78d203fdc" providerId="LiveId" clId="{FA98E611-7EE5-4D53-A8F6-A8478DA16B0D}" dt="2023-03-19T19:43:09.521" v="4587" actId="20577"/>
+          <ac:spMkLst>
+            <pc:docMk/>
+            <pc:sldMk cId="1354583273" sldId="274"/>
+            <ac:spMk id="6" creationId="{2562B724-D426-FE46-6638-FB3781266C15}"/>
+          </ac:spMkLst>
+        </pc:spChg>
+        <pc:spChg chg="mod">
+          <ac:chgData name="Trung Nghia Nguyen" userId="caf0b1f78d203fdc" providerId="LiveId" clId="{FA98E611-7EE5-4D53-A8F6-A8478DA16B0D}" dt="2023-03-16T06:17:40.589" v="1559" actId="20577"/>
+          <ac:spMkLst>
+            <pc:docMk/>
+            <pc:sldMk cId="1354583273" sldId="274"/>
+            <ac:spMk id="14" creationId="{63B4AB36-B54A-EA5C-2A74-F2C80BE0CBC4}"/>
+          </ac:spMkLst>
+        </pc:spChg>
+        <pc:graphicFrameChg chg="add del modGraphic">
+          <ac:chgData name="Trung Nghia Nguyen" userId="caf0b1f78d203fdc" providerId="LiveId" clId="{FA98E611-7EE5-4D53-A8F6-A8478DA16B0D}" dt="2023-03-19T19:34:09.297" v="4407" actId="20577"/>
+          <ac:graphicFrameMkLst>
+            <pc:docMk/>
+            <pc:sldMk cId="1354583273" sldId="274"/>
+            <ac:graphicFrameMk id="3" creationId="{5E8325E1-BDCF-5783-E97F-C770E7E58F6D}"/>
+          </ac:graphicFrameMkLst>
+        </pc:graphicFrameChg>
+        <pc:cxnChg chg="add mod">
+          <ac:chgData name="Trung Nghia Nguyen" userId="caf0b1f78d203fdc" providerId="LiveId" clId="{FA98E611-7EE5-4D53-A8F6-A8478DA16B0D}" dt="2023-03-17T04:38:15.696" v="3036"/>
+          <ac:cxnSpMkLst>
+            <pc:docMk/>
+            <pc:sldMk cId="1354583273" sldId="274"/>
+            <ac:cxnSpMk id="2" creationId="{D42DA17F-60A5-AE4F-3CF5-1D8ED68A7208}"/>
+          </ac:cxnSpMkLst>
+        </pc:cxnChg>
+      </pc:sldChg>
+      <pc:sldChg chg="addSp delSp modSp add mod">
+        <pc:chgData name="Trung Nghia Nguyen" userId="caf0b1f78d203fdc" providerId="LiveId" clId="{FA98E611-7EE5-4D53-A8F6-A8478DA16B0D}" dt="2023-03-19T19:43:24.151" v="4596" actId="20577"/>
+        <pc:sldMkLst>
+          <pc:docMk/>
+          <pc:sldMk cId="288851990" sldId="275"/>
+        </pc:sldMkLst>
+        <pc:spChg chg="add del mod">
+          <ac:chgData name="Trung Nghia Nguyen" userId="caf0b1f78d203fdc" providerId="LiveId" clId="{FA98E611-7EE5-4D53-A8F6-A8478DA16B0D}" dt="2023-03-16T06:19:33.875" v="1634" actId="478"/>
+          <ac:spMkLst>
+            <pc:docMk/>
+            <pc:sldMk cId="288851990" sldId="275"/>
+            <ac:spMk id="5" creationId="{1C61A998-27D5-7046-F7BE-75F861F5E290}"/>
+          </ac:spMkLst>
+        </pc:spChg>
+        <pc:spChg chg="add del mod">
+          <ac:chgData name="Trung Nghia Nguyen" userId="caf0b1f78d203fdc" providerId="LiveId" clId="{FA98E611-7EE5-4D53-A8F6-A8478DA16B0D}" dt="2023-03-17T04:40:00.889" v="3078" actId="478"/>
+          <ac:spMkLst>
+            <pc:docMk/>
+            <pc:sldMk cId="288851990" sldId="275"/>
+            <ac:spMk id="5" creationId="{705A7030-1F27-CBA4-A7AA-C6D158A2EFFB}"/>
+          </ac:spMkLst>
+        </pc:spChg>
+        <pc:spChg chg="add mod">
+          <ac:chgData name="Trung Nghia Nguyen" userId="caf0b1f78d203fdc" providerId="LiveId" clId="{FA98E611-7EE5-4D53-A8F6-A8478DA16B0D}" dt="2023-03-19T19:43:24.151" v="4596" actId="20577"/>
+          <ac:spMkLst>
+            <pc:docMk/>
+            <pc:sldMk cId="288851990" sldId="275"/>
+            <ac:spMk id="6" creationId="{FA80F292-9DC6-3B07-3494-F7CEDA19647D}"/>
+          </ac:spMkLst>
+        </pc:spChg>
+        <pc:spChg chg="mod">
+          <ac:chgData name="Trung Nghia Nguyen" userId="caf0b1f78d203fdc" providerId="LiveId" clId="{FA98E611-7EE5-4D53-A8F6-A8478DA16B0D}" dt="2023-03-16T06:17:31.445" v="1541" actId="20577"/>
+          <ac:spMkLst>
+            <pc:docMk/>
+            <pc:sldMk cId="288851990" sldId="275"/>
+            <ac:spMk id="14" creationId="{63B4AB36-B54A-EA5C-2A74-F2C80BE0CBC4}"/>
+          </ac:spMkLst>
+        </pc:spChg>
+        <pc:graphicFrameChg chg="add del mod">
+          <ac:chgData name="Trung Nghia Nguyen" userId="caf0b1f78d203fdc" providerId="LiveId" clId="{FA98E611-7EE5-4D53-A8F6-A8478DA16B0D}" dt="2023-03-16T06:19:33.875" v="1634" actId="478"/>
+          <ac:graphicFrameMkLst>
+            <pc:docMk/>
+            <pc:sldMk cId="288851990" sldId="275"/>
+            <ac:graphicFrameMk id="2" creationId="{DE54A4EB-23C8-299C-A87F-8BB31473006A}"/>
+          </ac:graphicFrameMkLst>
+        </pc:graphicFrameChg>
+        <pc:graphicFrameChg chg="add del modGraphic">
+          <ac:chgData name="Trung Nghia Nguyen" userId="caf0b1f78d203fdc" providerId="LiveId" clId="{FA98E611-7EE5-4D53-A8F6-A8478DA16B0D}" dt="2023-03-19T19:34:24.716" v="4431" actId="20577"/>
+          <ac:graphicFrameMkLst>
+            <pc:docMk/>
+            <pc:sldMk cId="288851990" sldId="275"/>
+            <ac:graphicFrameMk id="3" creationId="{5E8325E1-BDCF-5783-E97F-C770E7E58F6D}"/>
+          </ac:graphicFrameMkLst>
+        </pc:graphicFrameChg>
+        <pc:cxnChg chg="add mod">
+          <ac:chgData name="Trung Nghia Nguyen" userId="caf0b1f78d203fdc" providerId="LiveId" clId="{FA98E611-7EE5-4D53-A8F6-A8478DA16B0D}" dt="2023-03-17T04:38:20.076" v="3039"/>
+          <ac:cxnSpMkLst>
+            <pc:docMk/>
+            <pc:sldMk cId="288851990" sldId="275"/>
+            <ac:cxnSpMk id="2" creationId="{9C1236E6-E36B-726A-5DB7-9CAC65580E73}"/>
+          </ac:cxnSpMkLst>
+        </pc:cxnChg>
+      </pc:sldChg>
+      <pc:sldChg chg="addSp delSp modSp add mod">
+        <pc:chgData name="Trung Nghia Nguyen" userId="caf0b1f78d203fdc" providerId="LiveId" clId="{FA98E611-7EE5-4D53-A8F6-A8478DA16B0D}" dt="2023-03-20T07:03:02.489" v="5743" actId="5793"/>
+        <pc:sldMkLst>
+          <pc:docMk/>
+          <pc:sldMk cId="2797651471" sldId="276"/>
+        </pc:sldMkLst>
+        <pc:spChg chg="mod">
+          <ac:chgData name="Trung Nghia Nguyen" userId="caf0b1f78d203fdc" providerId="LiveId" clId="{FA98E611-7EE5-4D53-A8F6-A8478DA16B0D}" dt="2023-03-16T06:20:01.560" v="1716" actId="20577"/>
+          <ac:spMkLst>
+            <pc:docMk/>
+            <pc:sldMk cId="2797651471" sldId="276"/>
+            <ac:spMk id="4" creationId="{459EF129-6740-B341-7BC7-05D580180742}"/>
+          </ac:spMkLst>
+        </pc:spChg>
+        <pc:spChg chg="add del mod">
+          <ac:chgData name="Trung Nghia Nguyen" userId="caf0b1f78d203fdc" providerId="LiveId" clId="{FA98E611-7EE5-4D53-A8F6-A8478DA16B0D}" dt="2023-03-17T04:40:05.232" v="3080" actId="478"/>
+          <ac:spMkLst>
+            <pc:docMk/>
+            <pc:sldMk cId="2797651471" sldId="276"/>
+            <ac:spMk id="5" creationId="{1A768D09-65B6-BD7C-A142-B559924B5F8D}"/>
+          </ac:spMkLst>
+        </pc:spChg>
+        <pc:spChg chg="add mod">
+          <ac:chgData name="Trung Nghia Nguyen" userId="caf0b1f78d203fdc" providerId="LiveId" clId="{FA98E611-7EE5-4D53-A8F6-A8478DA16B0D}" dt="2023-03-19T19:43:31.201" v="4599" actId="20577"/>
+          <ac:spMkLst>
+            <pc:docMk/>
+            <pc:sldMk cId="2797651471" sldId="276"/>
+            <ac:spMk id="6" creationId="{FD7465EC-84B6-406C-4864-45ADF9FB642F}"/>
+          </ac:spMkLst>
+        </pc:spChg>
+        <pc:spChg chg="mod">
+          <ac:chgData name="Trung Nghia Nguyen" userId="caf0b1f78d203fdc" providerId="LiveId" clId="{FA98E611-7EE5-4D53-A8F6-A8478DA16B0D}" dt="2023-03-16T06:19:48.634" v="1664" actId="20577"/>
+          <ac:spMkLst>
+            <pc:docMk/>
+            <pc:sldMk cId="2797651471" sldId="276"/>
+            <ac:spMk id="14" creationId="{63B4AB36-B54A-EA5C-2A74-F2C80BE0CBC4}"/>
+          </ac:spMkLst>
+        </pc:spChg>
+        <pc:graphicFrameChg chg="mod modGraphic">
+          <ac:chgData name="Trung Nghia Nguyen" userId="caf0b1f78d203fdc" providerId="LiveId" clId="{FA98E611-7EE5-4D53-A8F6-A8478DA16B0D}" dt="2023-03-20T07:03:02.489" v="5743" actId="5793"/>
+          <ac:graphicFrameMkLst>
+            <pc:docMk/>
+            <pc:sldMk cId="2797651471" sldId="276"/>
+            <ac:graphicFrameMk id="3" creationId="{5E8325E1-BDCF-5783-E97F-C770E7E58F6D}"/>
+          </ac:graphicFrameMkLst>
+        </pc:graphicFrameChg>
+        <pc:cxnChg chg="add mod">
+          <ac:chgData name="Trung Nghia Nguyen" userId="caf0b1f78d203fdc" providerId="LiveId" clId="{FA98E611-7EE5-4D53-A8F6-A8478DA16B0D}" dt="2023-03-17T04:38:21.533" v="3040"/>
+          <ac:cxnSpMkLst>
+            <pc:docMk/>
+            <pc:sldMk cId="2797651471" sldId="276"/>
+            <ac:cxnSpMk id="2" creationId="{E84DC22F-1018-3740-66B4-518AAE2387D5}"/>
+          </ac:cxnSpMkLst>
+        </pc:cxnChg>
+      </pc:sldChg>
+      <pc:sldChg chg="addSp delSp modSp add mod">
+        <pc:chgData name="Trung Nghia Nguyen" userId="caf0b1f78d203fdc" providerId="LiveId" clId="{FA98E611-7EE5-4D53-A8F6-A8478DA16B0D}" dt="2023-03-19T19:41:43.354" v="4559" actId="20577"/>
+        <pc:sldMkLst>
+          <pc:docMk/>
+          <pc:sldMk cId="1442048206" sldId="277"/>
+        </pc:sldMkLst>
+        <pc:spChg chg="add del mod">
+          <ac:chgData name="Trung Nghia Nguyen" userId="caf0b1f78d203fdc" providerId="LiveId" clId="{FA98E611-7EE5-4D53-A8F6-A8478DA16B0D}" dt="2023-03-17T04:38:51.609" v="3044" actId="478"/>
+          <ac:spMkLst>
+            <pc:docMk/>
+            <pc:sldMk cId="1442048206" sldId="277"/>
+            <ac:spMk id="3" creationId="{2A02747A-930E-E80B-D12A-3C88421445D2}"/>
+          </ac:spMkLst>
+        </pc:spChg>
+        <pc:spChg chg="add mod">
+          <ac:chgData name="Trung Nghia Nguyen" userId="caf0b1f78d203fdc" providerId="LiveId" clId="{FA98E611-7EE5-4D53-A8F6-A8478DA16B0D}" dt="2023-03-19T19:41:43.354" v="4559" actId="20577"/>
+          <ac:spMkLst>
+            <pc:docMk/>
+            <pc:sldMk cId="1442048206" sldId="277"/>
+            <ac:spMk id="4" creationId="{8C7A2A31-FB7A-4F1F-44D0-57F56E22618B}"/>
+          </ac:spMkLst>
+        </pc:spChg>
+        <pc:graphicFrameChg chg="add del mod modGraphic">
+          <ac:chgData name="Trung Nghia Nguyen" userId="caf0b1f78d203fdc" providerId="LiveId" clId="{FA98E611-7EE5-4D53-A8F6-A8478DA16B0D}" dt="2023-03-19T19:23:27.922" v="4268" actId="20577"/>
+          <ac:graphicFrameMkLst>
+            <pc:docMk/>
+            <pc:sldMk cId="1442048206" sldId="277"/>
+            <ac:graphicFrameMk id="16" creationId="{A794B221-780B-3E0D-DCDE-B4B669AD1AE3}"/>
+          </ac:graphicFrameMkLst>
+        </pc:graphicFrameChg>
+        <pc:cxnChg chg="add mod">
+          <ac:chgData name="Trung Nghia Nguyen" userId="caf0b1f78d203fdc" providerId="LiveId" clId="{FA98E611-7EE5-4D53-A8F6-A8478DA16B0D}" dt="2023-03-17T04:37:53.870" v="3022"/>
+          <ac:cxnSpMkLst>
+            <pc:docMk/>
+            <pc:sldMk cId="1442048206" sldId="277"/>
+            <ac:cxnSpMk id="2" creationId="{0AB1CEC5-2BAD-1C07-6B07-F474F46A98DB}"/>
+          </ac:cxnSpMkLst>
+        </pc:cxnChg>
+      </pc:sldChg>
+      <pc:sldChg chg="addSp delSp modSp add mod">
+        <pc:chgData name="Trung Nghia Nguyen" userId="caf0b1f78d203fdc" providerId="LiveId" clId="{FA98E611-7EE5-4D53-A8F6-A8478DA16B0D}" dt="2023-03-19T19:42:02.542" v="4567" actId="20577"/>
+        <pc:sldMkLst>
+          <pc:docMk/>
+          <pc:sldMk cId="599745211" sldId="278"/>
+        </pc:sldMkLst>
+        <pc:spChg chg="mod">
+          <ac:chgData name="Trung Nghia Nguyen" userId="caf0b1f78d203fdc" providerId="LiveId" clId="{FA98E611-7EE5-4D53-A8F6-A8478DA16B0D}" dt="2023-03-19T19:42:02.542" v="4567" actId="20577"/>
+          <ac:spMkLst>
+            <pc:docMk/>
+            <pc:sldMk cId="599745211" sldId="278"/>
+            <ac:spMk id="5" creationId="{5EFED488-422D-714E-BC8D-1EFFE4EB27EF}"/>
+          </ac:spMkLst>
+        </pc:spChg>
+        <pc:spChg chg="mod">
+          <ac:chgData name="Trung Nghia Nguyen" userId="caf0b1f78d203fdc" providerId="LiveId" clId="{FA98E611-7EE5-4D53-A8F6-A8478DA16B0D}" dt="2023-03-17T06:23:21.018" v="3181" actId="114"/>
+          <ac:spMkLst>
+            <pc:docMk/>
+            <pc:sldMk cId="599745211" sldId="278"/>
+            <ac:spMk id="6" creationId="{E89CDB90-AF28-D274-AC55-ECC8E0120E31}"/>
+          </ac:spMkLst>
+        </pc:spChg>
+        <pc:picChg chg="add mod">
+          <ac:chgData name="Trung Nghia Nguyen" userId="caf0b1f78d203fdc" providerId="LiveId" clId="{FA98E611-7EE5-4D53-A8F6-A8478DA16B0D}" dt="2023-03-17T06:22:56.812" v="3160" actId="1076"/>
+          <ac:picMkLst>
+            <pc:docMk/>
+            <pc:sldMk cId="599745211" sldId="278"/>
+            <ac:picMk id="7" creationId="{A8746AB3-58A2-74F9-9140-30A7E3ED3167}"/>
+          </ac:picMkLst>
+        </pc:picChg>
+        <pc:picChg chg="del">
+          <ac:chgData name="Trung Nghia Nguyen" userId="caf0b1f78d203fdc" providerId="LiveId" clId="{FA98E611-7EE5-4D53-A8F6-A8478DA16B0D}" dt="2023-03-17T06:22:21.850" v="3158" actId="478"/>
+          <ac:picMkLst>
+            <pc:docMk/>
+            <pc:sldMk cId="599745211" sldId="278"/>
+            <ac:picMk id="8" creationId="{64343610-2239-3C37-0292-61E9C46DADC0}"/>
+          </ac:picMkLst>
+        </pc:picChg>
+        <pc:picChg chg="del">
+          <ac:chgData name="Trung Nghia Nguyen" userId="caf0b1f78d203fdc" providerId="LiveId" clId="{FA98E611-7EE5-4D53-A8F6-A8478DA16B0D}" dt="2023-03-17T06:21:56.494" v="3151" actId="478"/>
+          <ac:picMkLst>
+            <pc:docMk/>
+            <pc:sldMk cId="599745211" sldId="278"/>
+            <ac:picMk id="1026" creationId="{8B6FAEF3-00E8-C2B6-6484-BD77EBFDEA2F}"/>
+          </ac:picMkLst>
+        </pc:picChg>
+        <pc:picChg chg="add mod">
+          <ac:chgData name="Trung Nghia Nguyen" userId="caf0b1f78d203fdc" providerId="LiveId" clId="{FA98E611-7EE5-4D53-A8F6-A8478DA16B0D}" dt="2023-03-17T06:23:24.904" v="3182" actId="1076"/>
+          <ac:picMkLst>
+            <pc:docMk/>
+            <pc:sldMk cId="599745211" sldId="278"/>
+            <ac:picMk id="2050" creationId="{10442409-7C1A-0341-44F3-33E0573712DD}"/>
+          </ac:picMkLst>
+        </pc:picChg>
+      </pc:sldChg>
+      <pc:sldChg chg="addSp delSp modSp add mod">
+        <pc:chgData name="Trung Nghia Nguyen" userId="caf0b1f78d203fdc" providerId="LiveId" clId="{FA98E611-7EE5-4D53-A8F6-A8478DA16B0D}" dt="2023-03-19T19:42:08.819" v="4569" actId="20577"/>
+        <pc:sldMkLst>
+          <pc:docMk/>
+          <pc:sldMk cId="2754922991" sldId="279"/>
+        </pc:sldMkLst>
+        <pc:spChg chg="mod">
+          <ac:chgData name="Trung Nghia Nguyen" userId="caf0b1f78d203fdc" providerId="LiveId" clId="{FA98E611-7EE5-4D53-A8F6-A8478DA16B0D}" dt="2023-03-19T19:42:08.819" v="4569" actId="20577"/>
+          <ac:spMkLst>
+            <pc:docMk/>
+            <pc:sldMk cId="2754922991" sldId="279"/>
+            <ac:spMk id="5" creationId="{5EFED488-422D-714E-BC8D-1EFFE4EB27EF}"/>
+          </ac:spMkLst>
+        </pc:spChg>
+        <pc:spChg chg="mod">
+          <ac:chgData name="Trung Nghia Nguyen" userId="caf0b1f78d203fdc" providerId="LiveId" clId="{FA98E611-7EE5-4D53-A8F6-A8478DA16B0D}" dt="2023-03-17T06:26:42.641" v="3210" actId="1076"/>
+          <ac:spMkLst>
+            <pc:docMk/>
+            <pc:sldMk cId="2754922991" sldId="279"/>
+            <ac:spMk id="6" creationId="{E89CDB90-AF28-D274-AC55-ECC8E0120E31}"/>
+          </ac:spMkLst>
+        </pc:spChg>
+        <pc:picChg chg="del">
+          <ac:chgData name="Trung Nghia Nguyen" userId="caf0b1f78d203fdc" providerId="LiveId" clId="{FA98E611-7EE5-4D53-A8F6-A8478DA16B0D}" dt="2023-03-17T06:25:39.982" v="3191" actId="478"/>
+          <ac:picMkLst>
+            <pc:docMk/>
+            <pc:sldMk cId="2754922991" sldId="279"/>
+            <ac:picMk id="7" creationId="{A8746AB3-58A2-74F9-9140-30A7E3ED3167}"/>
+          </ac:picMkLst>
+        </pc:picChg>
+        <pc:picChg chg="add mod">
+          <ac:chgData name="Trung Nghia Nguyen" userId="caf0b1f78d203fdc" providerId="LiveId" clId="{FA98E611-7EE5-4D53-A8F6-A8478DA16B0D}" dt="2023-03-17T06:26:17.123" v="3195" actId="14100"/>
+          <ac:picMkLst>
+            <pc:docMk/>
+            <pc:sldMk cId="2754922991" sldId="279"/>
+            <ac:picMk id="8" creationId="{2BCBC959-D18B-486A-A2CE-1317A0097C33}"/>
+          </ac:picMkLst>
+        </pc:picChg>
+        <pc:picChg chg="del">
+          <ac:chgData name="Trung Nghia Nguyen" userId="caf0b1f78d203fdc" providerId="LiveId" clId="{FA98E611-7EE5-4D53-A8F6-A8478DA16B0D}" dt="2023-03-17T06:25:21.497" v="3184" actId="478"/>
+          <ac:picMkLst>
+            <pc:docMk/>
+            <pc:sldMk cId="2754922991" sldId="279"/>
+            <ac:picMk id="2050" creationId="{10442409-7C1A-0341-44F3-33E0573712DD}"/>
+          </ac:picMkLst>
+        </pc:picChg>
+        <pc:picChg chg="add mod">
+          <ac:chgData name="Trung Nghia Nguyen" userId="caf0b1f78d203fdc" providerId="LiveId" clId="{FA98E611-7EE5-4D53-A8F6-A8478DA16B0D}" dt="2023-03-17T06:26:27.754" v="3197" actId="14100"/>
+          <ac:picMkLst>
+            <pc:docMk/>
+            <pc:sldMk cId="2754922991" sldId="279"/>
+            <ac:picMk id="3074" creationId="{0282A2DD-FF67-A086-5C74-2D8174B11DC8}"/>
+          </ac:picMkLst>
+        </pc:picChg>
+      </pc:sldChg>
+      <pc:sldChg chg="addSp modSp add mod modNotesTx">
+        <pc:chgData name="Trung Nghia Nguyen" userId="caf0b1f78d203fdc" providerId="LiveId" clId="{FA98E611-7EE5-4D53-A8F6-A8478DA16B0D}" dt="2023-03-19T19:42:13.274" v="4571" actId="20577"/>
+        <pc:sldMkLst>
+          <pc:docMk/>
+          <pc:sldMk cId="1570060703" sldId="280"/>
+        </pc:sldMkLst>
+        <pc:spChg chg="mod">
+          <ac:chgData name="Trung Nghia Nguyen" userId="caf0b1f78d203fdc" providerId="LiveId" clId="{FA98E611-7EE5-4D53-A8F6-A8478DA16B0D}" dt="2023-03-19T19:42:13.274" v="4571" actId="20577"/>
+          <ac:spMkLst>
+            <pc:docMk/>
+            <pc:sldMk cId="1570060703" sldId="280"/>
+            <ac:spMk id="5" creationId="{7AF6E6C4-7E4D-6951-DD77-D67FDB08BE33}"/>
+          </ac:spMkLst>
+        </pc:spChg>
+        <pc:spChg chg="mod">
+          <ac:chgData name="Trung Nghia Nguyen" userId="caf0b1f78d203fdc" providerId="LiveId" clId="{FA98E611-7EE5-4D53-A8F6-A8478DA16B0D}" dt="2023-03-17T07:03:30.383" v="3264" actId="1076"/>
+          <ac:spMkLst>
+            <pc:docMk/>
+            <pc:sldMk cId="1570060703" sldId="280"/>
+            <ac:spMk id="7" creationId="{C27A575E-AACF-0BC5-FF71-5FCE2C283EAA}"/>
+          </ac:spMkLst>
+        </pc:spChg>
+        <pc:picChg chg="add mod">
+          <ac:chgData name="Trung Nghia Nguyen" userId="caf0b1f78d203fdc" providerId="LiveId" clId="{FA98E611-7EE5-4D53-A8F6-A8478DA16B0D}" dt="2023-03-18T17:45:27.382" v="3465" actId="1076"/>
+          <ac:picMkLst>
+            <pc:docMk/>
+            <pc:sldMk cId="1570060703" sldId="280"/>
+            <ac:picMk id="6" creationId="{2B44FC83-2398-5E3A-C381-62AE739D08A6}"/>
+          </ac:picMkLst>
+        </pc:picChg>
+      </pc:sldChg>
+      <pc:sldChg chg="addSp delSp modSp add mod">
+        <pc:chgData name="Trung Nghia Nguyen" userId="caf0b1f78d203fdc" providerId="LiveId" clId="{FA98E611-7EE5-4D53-A8F6-A8478DA16B0D}" dt="2023-03-19T19:42:18.183" v="4572" actId="20577"/>
+        <pc:sldMkLst>
+          <pc:docMk/>
+          <pc:sldMk cId="3262030844" sldId="281"/>
+        </pc:sldMkLst>
+        <pc:spChg chg="mod">
+          <ac:chgData name="Trung Nghia Nguyen" userId="caf0b1f78d203fdc" providerId="LiveId" clId="{FA98E611-7EE5-4D53-A8F6-A8478DA16B0D}" dt="2023-03-19T19:42:18.183" v="4572" actId="20577"/>
+          <ac:spMkLst>
+            <pc:docMk/>
+            <pc:sldMk cId="3262030844" sldId="281"/>
+            <ac:spMk id="5" creationId="{7AF6E6C4-7E4D-6951-DD77-D67FDB08BE33}"/>
+          </ac:spMkLst>
+        </pc:spChg>
+        <pc:spChg chg="del mod">
+          <ac:chgData name="Trung Nghia Nguyen" userId="caf0b1f78d203fdc" providerId="LiveId" clId="{FA98E611-7EE5-4D53-A8F6-A8478DA16B0D}" dt="2023-03-18T17:45:45.010" v="3467" actId="478"/>
+          <ac:spMkLst>
+            <pc:docMk/>
+            <pc:sldMk cId="3262030844" sldId="281"/>
+            <ac:spMk id="7" creationId="{C27A575E-AACF-0BC5-FF71-5FCE2C283EAA}"/>
+          </ac:spMkLst>
+        </pc:spChg>
+        <pc:spChg chg="add mod">
+          <ac:chgData name="Trung Nghia Nguyen" userId="caf0b1f78d203fdc" providerId="LiveId" clId="{FA98E611-7EE5-4D53-A8F6-A8478DA16B0D}" dt="2023-03-18T17:45:47.896" v="3470" actId="20577"/>
+          <ac:spMkLst>
+            <pc:docMk/>
+            <pc:sldMk cId="3262030844" sldId="281"/>
+            <ac:spMk id="9" creationId="{51CE0FD5-4BE3-F7D8-2BC7-6F59ED933512}"/>
+          </ac:spMkLst>
+        </pc:spChg>
+        <pc:picChg chg="del">
+          <ac:chgData name="Trung Nghia Nguyen" userId="caf0b1f78d203fdc" providerId="LiveId" clId="{FA98E611-7EE5-4D53-A8F6-A8478DA16B0D}" dt="2023-03-18T17:44:32.151" v="3443" actId="478"/>
+          <ac:picMkLst>
+            <pc:docMk/>
+            <pc:sldMk cId="3262030844" sldId="281"/>
+            <ac:picMk id="6" creationId="{2B44FC83-2398-5E3A-C381-62AE739D08A6}"/>
+          </ac:picMkLst>
+        </pc:picChg>
+        <pc:picChg chg="add mod ord">
+          <ac:chgData name="Trung Nghia Nguyen" userId="caf0b1f78d203fdc" providerId="LiveId" clId="{FA98E611-7EE5-4D53-A8F6-A8478DA16B0D}" dt="2023-03-18T17:45:32.441" v="3466" actId="1076"/>
+          <ac:picMkLst>
+            <pc:docMk/>
+            <pc:sldMk cId="3262030844" sldId="281"/>
+            <ac:picMk id="8" creationId="{E0B6CD8B-6138-6045-0302-D72BA24864A4}"/>
+          </ac:picMkLst>
+        </pc:picChg>
+      </pc:sldChg>
+      <pc:sldChg chg="delSp modSp add del mod">
+        <pc:chgData name="Trung Nghia Nguyen" userId="caf0b1f78d203fdc" providerId="LiveId" clId="{FA98E611-7EE5-4D53-A8F6-A8478DA16B0D}" dt="2023-03-18T17:45:55.167" v="3471" actId="47"/>
+        <pc:sldMkLst>
+          <pc:docMk/>
+          <pc:sldMk cId="1576429670" sldId="282"/>
+        </pc:sldMkLst>
+        <pc:spChg chg="mod">
+          <ac:chgData name="Trung Nghia Nguyen" userId="caf0b1f78d203fdc" providerId="LiveId" clId="{FA98E611-7EE5-4D53-A8F6-A8478DA16B0D}" dt="2023-03-18T17:45:13.631" v="3462" actId="20577"/>
+          <ac:spMkLst>
+            <pc:docMk/>
+            <pc:sldMk cId="1576429670" sldId="282"/>
+            <ac:spMk id="7" creationId="{C27A575E-AACF-0BC5-FF71-5FCE2C283EAA}"/>
+          </ac:spMkLst>
+        </pc:spChg>
+        <pc:picChg chg="del mod">
+          <ac:chgData name="Trung Nghia Nguyen" userId="caf0b1f78d203fdc" providerId="LiveId" clId="{FA98E611-7EE5-4D53-A8F6-A8478DA16B0D}" dt="2023-03-18T17:45:17.520" v="3464" actId="478"/>
+          <ac:picMkLst>
+            <pc:docMk/>
+            <pc:sldMk cId="1576429670" sldId="282"/>
+            <ac:picMk id="8" creationId="{E0B6CD8B-6138-6045-0302-D72BA24864A4}"/>
+          </ac:picMkLst>
+        </pc:picChg>
+      </pc:sldChg>
+      <pc:sldChg chg="addSp delSp modSp add mod">
+        <pc:chgData name="Trung Nghia Nguyen" userId="caf0b1f78d203fdc" providerId="LiveId" clId="{FA98E611-7EE5-4D53-A8F6-A8478DA16B0D}" dt="2023-03-19T19:42:21.407" v="4573" actId="20577"/>
+        <pc:sldMkLst>
+          <pc:docMk/>
+          <pc:sldMk cId="4109717965" sldId="282"/>
+        </pc:sldMkLst>
+        <pc:spChg chg="mod">
+          <ac:chgData name="Trung Nghia Nguyen" userId="caf0b1f78d203fdc" providerId="LiveId" clId="{FA98E611-7EE5-4D53-A8F6-A8478DA16B0D}" dt="2023-03-19T19:42:21.407" v="4573" actId="20577"/>
+          <ac:spMkLst>
+            <pc:docMk/>
+            <pc:sldMk cId="4109717965" sldId="282"/>
+            <ac:spMk id="5" creationId="{7AF6E6C4-7E4D-6951-DD77-D67FDB08BE33}"/>
+          </ac:spMkLst>
+        </pc:spChg>
+        <pc:spChg chg="mod">
+          <ac:chgData name="Trung Nghia Nguyen" userId="caf0b1f78d203fdc" providerId="LiveId" clId="{FA98E611-7EE5-4D53-A8F6-A8478DA16B0D}" dt="2023-03-18T17:46:02.114" v="3483" actId="20577"/>
+          <ac:spMkLst>
+            <pc:docMk/>
+            <pc:sldMk cId="4109717965" sldId="282"/>
+            <ac:spMk id="9" creationId="{51CE0FD5-4BE3-F7D8-2BC7-6F59ED933512}"/>
+          </ac:spMkLst>
+        </pc:spChg>
+        <pc:picChg chg="add mod ord">
+          <ac:chgData name="Trung Nghia Nguyen" userId="caf0b1f78d203fdc" providerId="LiveId" clId="{FA98E611-7EE5-4D53-A8F6-A8478DA16B0D}" dt="2023-03-18T17:58:07.675" v="3491" actId="167"/>
+          <ac:picMkLst>
+            <pc:docMk/>
+            <pc:sldMk cId="4109717965" sldId="282"/>
+            <ac:picMk id="6" creationId="{507FC860-8B46-AEB4-EE18-02AC586D78D6}"/>
+          </ac:picMkLst>
+        </pc:picChg>
+        <pc:picChg chg="del">
+          <ac:chgData name="Trung Nghia Nguyen" userId="caf0b1f78d203fdc" providerId="LiveId" clId="{FA98E611-7EE5-4D53-A8F6-A8478DA16B0D}" dt="2023-03-18T17:46:06.175" v="3484" actId="478"/>
+          <ac:picMkLst>
+            <pc:docMk/>
+            <pc:sldMk cId="4109717965" sldId="282"/>
+            <ac:picMk id="8" creationId="{E0B6CD8B-6138-6045-0302-D72BA24864A4}"/>
+          </ac:picMkLst>
+        </pc:picChg>
+      </pc:sldChg>
+      <pc:sldChg chg="addSp delSp modSp add mod">
+        <pc:chgData name="Trung Nghia Nguyen" userId="caf0b1f78d203fdc" providerId="LiveId" clId="{FA98E611-7EE5-4D53-A8F6-A8478DA16B0D}" dt="2023-03-20T07:19:24.474" v="7031" actId="20577"/>
+        <pc:sldMkLst>
+          <pc:docMk/>
+          <pc:sldMk cId="3273506458" sldId="283"/>
+        </pc:sldMkLst>
+        <pc:spChg chg="mod">
+          <ac:chgData name="Trung Nghia Nguyen" userId="caf0b1f78d203fdc" providerId="LiveId" clId="{FA98E611-7EE5-4D53-A8F6-A8478DA16B0D}" dt="2023-03-20T07:11:30.957" v="5765" actId="20577"/>
+          <ac:spMkLst>
+            <pc:docMk/>
+            <pc:sldMk cId="3273506458" sldId="283"/>
+            <ac:spMk id="4" creationId="{459EF129-6740-B341-7BC7-05D580180742}"/>
+          </ac:spMkLst>
+        </pc:spChg>
+        <pc:spChg chg="add mod">
+          <ac:chgData name="Trung Nghia Nguyen" userId="caf0b1f78d203fdc" providerId="LiveId" clId="{FA98E611-7EE5-4D53-A8F6-A8478DA16B0D}" dt="2023-03-20T07:17:20.280" v="6905" actId="20577"/>
+          <ac:spMkLst>
+            <pc:docMk/>
+            <pc:sldMk cId="3273506458" sldId="283"/>
+            <ac:spMk id="5" creationId="{B124AB6E-B685-3C3C-17A7-881BC0274152}"/>
+          </ac:spMkLst>
+        </pc:spChg>
+        <pc:spChg chg="mod">
+          <ac:chgData name="Trung Nghia Nguyen" userId="caf0b1f78d203fdc" providerId="LiveId" clId="{FA98E611-7EE5-4D53-A8F6-A8478DA16B0D}" dt="2023-03-20T07:19:24.474" v="7031" actId="20577"/>
+          <ac:spMkLst>
+            <pc:docMk/>
+            <pc:sldMk cId="3273506458" sldId="283"/>
+            <ac:spMk id="6" creationId="{FD7465EC-84B6-406C-4864-45ADF9FB642F}"/>
+          </ac:spMkLst>
+        </pc:spChg>
+        <pc:graphicFrameChg chg="del">
+          <ac:chgData name="Trung Nghia Nguyen" userId="caf0b1f78d203fdc" providerId="LiveId" clId="{FA98E611-7EE5-4D53-A8F6-A8478DA16B0D}" dt="2023-03-20T07:11:34.358" v="5766" actId="478"/>
+          <ac:graphicFrameMkLst>
+            <pc:docMk/>
+            <pc:sldMk cId="3273506458" sldId="283"/>
+            <ac:graphicFrameMk id="3" creationId="{5E8325E1-BDCF-5783-E97F-C770E7E58F6D}"/>
+          </ac:graphicFrameMkLst>
+        </pc:graphicFrameChg>
+      </pc:sldChg>
+      <pc:sldChg chg="modSp add mod">
+        <pc:chgData name="Trung Nghia Nguyen" userId="caf0b1f78d203fdc" providerId="LiveId" clId="{FA98E611-7EE5-4D53-A8F6-A8478DA16B0D}" dt="2023-03-20T07:19:27.761" v="7033" actId="20577"/>
+        <pc:sldMkLst>
+          <pc:docMk/>
+          <pc:sldMk cId="1076178229" sldId="284"/>
+        </pc:sldMkLst>
+        <pc:spChg chg="mod">
+          <ac:chgData name="Trung Nghia Nguyen" userId="caf0b1f78d203fdc" providerId="LiveId" clId="{FA98E611-7EE5-4D53-A8F6-A8478DA16B0D}" dt="2023-03-20T07:13:46.504" v="6236" actId="20577"/>
+          <ac:spMkLst>
+            <pc:docMk/>
+            <pc:sldMk cId="1076178229" sldId="284"/>
+            <ac:spMk id="4" creationId="{459EF129-6740-B341-7BC7-05D580180742}"/>
+          </ac:spMkLst>
+        </pc:spChg>
+        <pc:spChg chg="mod">
+          <ac:chgData name="Trung Nghia Nguyen" userId="caf0b1f78d203fdc" providerId="LiveId" clId="{FA98E611-7EE5-4D53-A8F6-A8478DA16B0D}" dt="2023-03-20T07:17:45.459" v="7028" actId="20577"/>
+          <ac:spMkLst>
+            <pc:docMk/>
+            <pc:sldMk cId="1076178229" sldId="284"/>
+            <ac:spMk id="5" creationId="{B124AB6E-B685-3C3C-17A7-881BC0274152}"/>
+          </ac:spMkLst>
+        </pc:spChg>
+        <pc:spChg chg="mod">
+          <ac:chgData name="Trung Nghia Nguyen" userId="caf0b1f78d203fdc" providerId="LiveId" clId="{FA98E611-7EE5-4D53-A8F6-A8478DA16B0D}" dt="2023-03-20T07:19:27.761" v="7033" actId="20577"/>
+          <ac:spMkLst>
+            <pc:docMk/>
+            <pc:sldMk cId="1076178229" sldId="284"/>
+            <ac:spMk id="6" creationId="{FD7465EC-84B6-406C-4864-45ADF9FB642F}"/>
+          </ac:spMkLst>
+        </pc:spChg>
+      </pc:sldChg>
+      <pc:sldMasterChg chg="modSp modSldLayout">
+        <pc:chgData name="Trung Nghia Nguyen" userId="caf0b1f78d203fdc" providerId="LiveId" clId="{FA98E611-7EE5-4D53-A8F6-A8478DA16B0D}" dt="2023-03-16T04:24:21.249" v="1"/>
+        <pc:sldMasterMkLst>
+          <pc:docMk/>
+          <pc:sldMasterMk cId="4059755660" sldId="2147483648"/>
+        </pc:sldMasterMkLst>
+        <pc:spChg chg="mod">
+          <ac:chgData name="Trung Nghia Nguyen" userId="caf0b1f78d203fdc" providerId="LiveId" clId="{FA98E611-7EE5-4D53-A8F6-A8478DA16B0D}" dt="2023-03-16T04:24:21.249" v="1"/>
+          <ac:spMkLst>
+            <pc:docMk/>
+            <pc:sldMasterMk cId="4059755660" sldId="2147483648"/>
+            <ac:spMk id="2" creationId="{B2D67379-2759-837D-8A05-4E6A0DDE2D19}"/>
+          </ac:spMkLst>
+        </pc:spChg>
+        <pc:spChg chg="mod">
+          <ac:chgData name="Trung Nghia Nguyen" userId="caf0b1f78d203fdc" providerId="LiveId" clId="{FA98E611-7EE5-4D53-A8F6-A8478DA16B0D}" dt="2023-03-16T04:24:21.249" v="1"/>
+          <ac:spMkLst>
+            <pc:docMk/>
+            <pc:sldMasterMk cId="4059755660" sldId="2147483648"/>
+            <ac:spMk id="3" creationId="{99B37396-7B88-C02D-A162-F60FA508DCA3}"/>
+          </ac:spMkLst>
+        </pc:spChg>
+        <pc:spChg chg="mod">
+          <ac:chgData name="Trung Nghia Nguyen" userId="caf0b1f78d203fdc" providerId="LiveId" clId="{FA98E611-7EE5-4D53-A8F6-A8478DA16B0D}" dt="2023-03-16T04:24:21.249" v="1"/>
+          <ac:spMkLst>
+            <pc:docMk/>
+            <pc:sldMasterMk cId="4059755660" sldId="2147483648"/>
+            <ac:spMk id="4" creationId="{E65690C1-1221-B102-60D2-80F80E3202EF}"/>
+          </ac:spMkLst>
+        </pc:spChg>
+        <pc:spChg chg="mod">
+          <ac:chgData name="Trung Nghia Nguyen" userId="caf0b1f78d203fdc" providerId="LiveId" clId="{FA98E611-7EE5-4D53-A8F6-A8478DA16B0D}" dt="2023-03-16T04:24:21.249" v="1"/>
+          <ac:spMkLst>
+            <pc:docMk/>
+            <pc:sldMasterMk cId="4059755660" sldId="2147483648"/>
+            <ac:spMk id="5" creationId="{F9B3DA1D-A670-2B94-689B-5A0BD6A8FA66}"/>
+          </ac:spMkLst>
+        </pc:spChg>
+        <pc:spChg chg="mod">
+          <ac:chgData name="Trung Nghia Nguyen" userId="caf0b1f78d203fdc" providerId="LiveId" clId="{FA98E611-7EE5-4D53-A8F6-A8478DA16B0D}" dt="2023-03-16T04:24:21.249" v="1"/>
+          <ac:spMkLst>
+            <pc:docMk/>
+            <pc:sldMasterMk cId="4059755660" sldId="2147483648"/>
+            <ac:spMk id="6" creationId="{B272B73D-FCFD-D42C-84CD-E490A92E0787}"/>
+          </ac:spMkLst>
+        </pc:spChg>
+        <pc:sldLayoutChg chg="modSp">
+          <pc:chgData name="Trung Nghia Nguyen" userId="caf0b1f78d203fdc" providerId="LiveId" clId="{FA98E611-7EE5-4D53-A8F6-A8478DA16B0D}" dt="2023-03-16T04:24:21.249" v="1"/>
+          <pc:sldLayoutMkLst>
+            <pc:docMk/>
+            <pc:sldMasterMk cId="4059755660" sldId="2147483648"/>
+            <pc:sldLayoutMk cId="912823077" sldId="2147483649"/>
+          </pc:sldLayoutMkLst>
+          <pc:spChg chg="mod">
+            <ac:chgData name="Trung Nghia Nguyen" userId="caf0b1f78d203fdc" providerId="LiveId" clId="{FA98E611-7EE5-4D53-A8F6-A8478DA16B0D}" dt="2023-03-16T04:24:21.249" v="1"/>
+            <ac:spMkLst>
+              <pc:docMk/>
+              <pc:sldMasterMk cId="4059755660" sldId="2147483648"/>
+              <pc:sldLayoutMk cId="912823077" sldId="2147483649"/>
+              <ac:spMk id="2" creationId="{D31639CA-6F26-7538-7F3D-9E50D532089C}"/>
+            </ac:spMkLst>
+          </pc:spChg>
+          <pc:spChg chg="mod">
+            <ac:chgData name="Trung Nghia Nguyen" userId="caf0b1f78d203fdc" providerId="LiveId" clId="{FA98E611-7EE5-4D53-A8F6-A8478DA16B0D}" dt="2023-03-16T04:24:21.249" v="1"/>
+            <ac:spMkLst>
+              <pc:docMk/>
+              <pc:sldMasterMk cId="4059755660" sldId="2147483648"/>
+              <pc:sldLayoutMk cId="912823077" sldId="2147483649"/>
+              <ac:spMk id="3" creationId="{47088B79-B7D1-065B-7E28-EE7CCC9D8D8C}"/>
+            </ac:spMkLst>
+          </pc:spChg>
+        </pc:sldLayoutChg>
+        <pc:sldLayoutChg chg="modSp">
+          <pc:chgData name="Trung Nghia Nguyen" userId="caf0b1f78d203fdc" providerId="LiveId" clId="{FA98E611-7EE5-4D53-A8F6-A8478DA16B0D}" dt="2023-03-16T04:24:21.249" v="1"/>
+          <pc:sldLayoutMkLst>
+            <pc:docMk/>
+            <pc:sldMasterMk cId="4059755660" sldId="2147483648"/>
+            <pc:sldLayoutMk cId="4244664039" sldId="2147483651"/>
+          </pc:sldLayoutMkLst>
+          <pc:spChg chg="mod">
+            <ac:chgData name="Trung Nghia Nguyen" userId="caf0b1f78d203fdc" providerId="LiveId" clId="{FA98E611-7EE5-4D53-A8F6-A8478DA16B0D}" dt="2023-03-16T04:24:21.249" v="1"/>
+            <ac:spMkLst>
+              <pc:docMk/>
+              <pc:sldMasterMk cId="4059755660" sldId="2147483648"/>
+              <pc:sldLayoutMk cId="4244664039" sldId="2147483651"/>
+              <ac:spMk id="2" creationId="{6DC09468-E8F7-0727-97AE-C8D9A5F5793F}"/>
+            </ac:spMkLst>
+          </pc:spChg>
+          <pc:spChg chg="mod">
+            <ac:chgData name="Trung Nghia Nguyen" userId="caf0b1f78d203fdc" providerId="LiveId" clId="{FA98E611-7EE5-4D53-A8F6-A8478DA16B0D}" dt="2023-03-16T04:24:21.249" v="1"/>
+            <ac:spMkLst>
+              <pc:docMk/>
+              <pc:sldMasterMk cId="4059755660" sldId="2147483648"/>
+              <pc:sldLayoutMk cId="4244664039" sldId="2147483651"/>
+              <ac:spMk id="3" creationId="{3E3D54D9-4FA1-84EC-C922-E53A36688E96}"/>
+            </ac:spMkLst>
+          </pc:spChg>
+        </pc:sldLayoutChg>
+        <pc:sldLayoutChg chg="modSp">
+          <pc:chgData name="Trung Nghia Nguyen" userId="caf0b1f78d203fdc" providerId="LiveId" clId="{FA98E611-7EE5-4D53-A8F6-A8478DA16B0D}" dt="2023-03-16T04:24:21.249" v="1"/>
+          <pc:sldLayoutMkLst>
+            <pc:docMk/>
+            <pc:sldMasterMk cId="4059755660" sldId="2147483648"/>
+            <pc:sldLayoutMk cId="94315718" sldId="2147483652"/>
+          </pc:sldLayoutMkLst>
+          <pc:spChg chg="mod">
+            <ac:chgData name="Trung Nghia Nguyen" userId="caf0b1f78d203fdc" providerId="LiveId" clId="{FA98E611-7EE5-4D53-A8F6-A8478DA16B0D}" dt="2023-03-16T04:24:21.249" v="1"/>
+            <ac:spMkLst>
+              <pc:docMk/>
+              <pc:sldMasterMk cId="4059755660" sldId="2147483648"/>
+              <pc:sldLayoutMk cId="94315718" sldId="2147483652"/>
+              <ac:spMk id="3" creationId="{A22BADF9-AA7A-4F93-D9BE-3E7CD80C5F99}"/>
+            </ac:spMkLst>
+          </pc:spChg>
+          <pc:spChg chg="mod">
+            <ac:chgData name="Trung Nghia Nguyen" userId="caf0b1f78d203fdc" providerId="LiveId" clId="{FA98E611-7EE5-4D53-A8F6-A8478DA16B0D}" dt="2023-03-16T04:24:21.249" v="1"/>
+            <ac:spMkLst>
+              <pc:docMk/>
+              <pc:sldMasterMk cId="4059755660" sldId="2147483648"/>
+              <pc:sldLayoutMk cId="94315718" sldId="2147483652"/>
+              <ac:spMk id="4" creationId="{E961C63B-7DA7-F8A0-3EC3-0FD62780EF1B}"/>
+            </ac:spMkLst>
+          </pc:spChg>
+        </pc:sldLayoutChg>
+        <pc:sldLayoutChg chg="modSp">
+          <pc:chgData name="Trung Nghia Nguyen" userId="caf0b1f78d203fdc" providerId="LiveId" clId="{FA98E611-7EE5-4D53-A8F6-A8478DA16B0D}" dt="2023-03-16T04:24:21.249" v="1"/>
+          <pc:sldLayoutMkLst>
+            <pc:docMk/>
+            <pc:sldMasterMk cId="4059755660" sldId="2147483648"/>
+            <pc:sldLayoutMk cId="1517603845" sldId="2147483653"/>
+          </pc:sldLayoutMkLst>
+          <pc:spChg chg="mod">
+            <ac:chgData name="Trung Nghia Nguyen" userId="caf0b1f78d203fdc" providerId="LiveId" clId="{FA98E611-7EE5-4D53-A8F6-A8478DA16B0D}" dt="2023-03-16T04:24:21.249" v="1"/>
+            <ac:spMkLst>
+              <pc:docMk/>
+              <pc:sldMasterMk cId="4059755660" sldId="2147483648"/>
+              <pc:sldLayoutMk cId="1517603845" sldId="2147483653"/>
+              <ac:spMk id="2" creationId="{C5F78EF1-B040-6964-8385-BBA5E27B458D}"/>
+            </ac:spMkLst>
+          </pc:spChg>
+          <pc:spChg chg="mod">
+            <ac:chgData name="Trung Nghia Nguyen" userId="caf0b1f78d203fdc" providerId="LiveId" clId="{FA98E611-7EE5-4D53-A8F6-A8478DA16B0D}" dt="2023-03-16T04:24:21.249" v="1"/>
+            <ac:spMkLst>
+              <pc:docMk/>
+              <pc:sldMasterMk cId="4059755660" sldId="2147483648"/>
+              <pc:sldLayoutMk cId="1517603845" sldId="2147483653"/>
+              <ac:spMk id="3" creationId="{9BB9E17E-7B1D-D9E9-ACF5-DD2926F88DE2}"/>
+            </ac:spMkLst>
+          </pc:spChg>
+          <pc:spChg chg="mod">
+            <ac:chgData name="Trung Nghia Nguyen" userId="caf0b1f78d203fdc" providerId="LiveId" clId="{FA98E611-7EE5-4D53-A8F6-A8478DA16B0D}" dt="2023-03-16T04:24:21.249" v="1"/>
+            <ac:spMkLst>
+              <pc:docMk/>
+              <pc:sldMasterMk cId="4059755660" sldId="2147483648"/>
+              <pc:sldLayoutMk cId="1517603845" sldId="2147483653"/>
+              <ac:spMk id="4" creationId="{ABC77E19-1971-1F1D-0A7C-268164BFA01B}"/>
+            </ac:spMkLst>
+          </pc:spChg>
+          <pc:spChg chg="mod">
+            <ac:chgData name="Trung Nghia Nguyen" userId="caf0b1f78d203fdc" providerId="LiveId" clId="{FA98E611-7EE5-4D53-A8F6-A8478DA16B0D}" dt="2023-03-16T04:24:21.249" v="1"/>
+            <ac:spMkLst>
+              <pc:docMk/>
+              <pc:sldMasterMk cId="4059755660" sldId="2147483648"/>
+              <pc:sldLayoutMk cId="1517603845" sldId="2147483653"/>
+              <ac:spMk id="5" creationId="{3B8E416E-2124-FC67-7AE6-86FCFD09DEAE}"/>
+            </ac:spMkLst>
+          </pc:spChg>
+          <pc:spChg chg="mod">
+            <ac:chgData name="Trung Nghia Nguyen" userId="caf0b1f78d203fdc" providerId="LiveId" clId="{FA98E611-7EE5-4D53-A8F6-A8478DA16B0D}" dt="2023-03-16T04:24:21.249" v="1"/>
+            <ac:spMkLst>
+              <pc:docMk/>
+              <pc:sldMasterMk cId="4059755660" sldId="2147483648"/>
+              <pc:sldLayoutMk cId="1517603845" sldId="2147483653"/>
+              <ac:spMk id="6" creationId="{F22134C3-4BF2-8D17-CF8C-E8DB924903F7}"/>
+            </ac:spMkLst>
+          </pc:spChg>
+        </pc:sldLayoutChg>
+        <pc:sldLayoutChg chg="modSp">
+          <pc:chgData name="Trung Nghia Nguyen" userId="caf0b1f78d203fdc" providerId="LiveId" clId="{FA98E611-7EE5-4D53-A8F6-A8478DA16B0D}" dt="2023-03-16T04:24:21.249" v="1"/>
+          <pc:sldLayoutMkLst>
+            <pc:docMk/>
+            <pc:sldMasterMk cId="4059755660" sldId="2147483648"/>
+            <pc:sldLayoutMk cId="3301296023" sldId="2147483656"/>
+          </pc:sldLayoutMkLst>
+          <pc:spChg chg="mod">
+            <ac:chgData name="Trung Nghia Nguyen" userId="caf0b1f78d203fdc" providerId="LiveId" clId="{FA98E611-7EE5-4D53-A8F6-A8478DA16B0D}" dt="2023-03-16T04:24:21.249" v="1"/>
+            <ac:spMkLst>
+              <pc:docMk/>
+              <pc:sldMasterMk cId="4059755660" sldId="2147483648"/>
+              <pc:sldLayoutMk cId="3301296023" sldId="2147483656"/>
+              <ac:spMk id="2" creationId="{A96F6EC6-3FE3-1206-8E59-B0A5CF424B7A}"/>
+            </ac:spMkLst>
+          </pc:spChg>
+          <pc:spChg chg="mod">
+            <ac:chgData name="Trung Nghia Nguyen" userId="caf0b1f78d203fdc" providerId="LiveId" clId="{FA98E611-7EE5-4D53-A8F6-A8478DA16B0D}" dt="2023-03-16T04:24:21.249" v="1"/>
+            <ac:spMkLst>
+              <pc:docMk/>
+              <pc:sldMasterMk cId="4059755660" sldId="2147483648"/>
+              <pc:sldLayoutMk cId="3301296023" sldId="2147483656"/>
+              <ac:spMk id="3" creationId="{A28537D4-31F1-0A4D-DC65-A500F2ADEE00}"/>
+            </ac:spMkLst>
+          </pc:spChg>
+          <pc:spChg chg="mod">
+            <ac:chgData name="Trung Nghia Nguyen" userId="caf0b1f78d203fdc" providerId="LiveId" clId="{FA98E611-7EE5-4D53-A8F6-A8478DA16B0D}" dt="2023-03-16T04:24:21.249" v="1"/>
+            <ac:spMkLst>
+              <pc:docMk/>
+              <pc:sldMasterMk cId="4059755660" sldId="2147483648"/>
+              <pc:sldLayoutMk cId="3301296023" sldId="2147483656"/>
+              <ac:spMk id="4" creationId="{3DB3F611-D57C-9F51-FA71-6A04464665EA}"/>
+            </ac:spMkLst>
+          </pc:spChg>
+        </pc:sldLayoutChg>
+        <pc:sldLayoutChg chg="modSp">
+          <pc:chgData name="Trung Nghia Nguyen" userId="caf0b1f78d203fdc" providerId="LiveId" clId="{FA98E611-7EE5-4D53-A8F6-A8478DA16B0D}" dt="2023-03-16T04:24:21.249" v="1"/>
+          <pc:sldLayoutMkLst>
+            <pc:docMk/>
+            <pc:sldMasterMk cId="4059755660" sldId="2147483648"/>
+            <pc:sldLayoutMk cId="3980980981" sldId="2147483657"/>
+          </pc:sldLayoutMkLst>
+          <pc:spChg chg="mod">
+            <ac:chgData name="Trung Nghia Nguyen" userId="caf0b1f78d203fdc" providerId="LiveId" clId="{FA98E611-7EE5-4D53-A8F6-A8478DA16B0D}" dt="2023-03-16T04:24:21.249" v="1"/>
+            <ac:spMkLst>
+              <pc:docMk/>
+              <pc:sldMasterMk cId="4059755660" sldId="2147483648"/>
+              <pc:sldLayoutMk cId="3980980981" sldId="2147483657"/>
+              <ac:spMk id="2" creationId="{237D36DA-64FB-D642-7030-6BAFE4855757}"/>
+            </ac:spMkLst>
+          </pc:spChg>
+          <pc:spChg chg="mod">
+            <ac:chgData name="Trung Nghia Nguyen" userId="caf0b1f78d203fdc" providerId="LiveId" clId="{FA98E611-7EE5-4D53-A8F6-A8478DA16B0D}" dt="2023-03-16T04:24:21.249" v="1"/>
+            <ac:spMkLst>
+              <pc:docMk/>
+              <pc:sldMasterMk cId="4059755660" sldId="2147483648"/>
+              <pc:sldLayoutMk cId="3980980981" sldId="2147483657"/>
+              <ac:spMk id="3" creationId="{7052E064-3192-1887-F10B-CCCDA53B2E03}"/>
+            </ac:spMkLst>
+          </pc:spChg>
+          <pc:spChg chg="mod">
+            <ac:chgData name="Trung Nghia Nguyen" userId="caf0b1f78d203fdc" providerId="LiveId" clId="{FA98E611-7EE5-4D53-A8F6-A8478DA16B0D}" dt="2023-03-16T04:24:21.249" v="1"/>
+            <ac:spMkLst>
+              <pc:docMk/>
+              <pc:sldMasterMk cId="4059755660" sldId="2147483648"/>
+              <pc:sldLayoutMk cId="3980980981" sldId="2147483657"/>
+              <ac:spMk id="4" creationId="{11E68653-7C97-A908-78F8-3277CAB88A52}"/>
+            </ac:spMkLst>
+          </pc:spChg>
+        </pc:sldLayoutChg>
+        <pc:sldLayoutChg chg="modSp">
+          <pc:chgData name="Trung Nghia Nguyen" userId="caf0b1f78d203fdc" providerId="LiveId" clId="{FA98E611-7EE5-4D53-A8F6-A8478DA16B0D}" dt="2023-03-16T04:24:21.249" v="1"/>
+          <pc:sldLayoutMkLst>
+            <pc:docMk/>
+            <pc:sldMasterMk cId="4059755660" sldId="2147483648"/>
+            <pc:sldLayoutMk cId="2276858793" sldId="2147483659"/>
+          </pc:sldLayoutMkLst>
+          <pc:spChg chg="mod">
+            <ac:chgData name="Trung Nghia Nguyen" userId="caf0b1f78d203fdc" providerId="LiveId" clId="{FA98E611-7EE5-4D53-A8F6-A8478DA16B0D}" dt="2023-03-16T04:24:21.249" v="1"/>
+            <ac:spMkLst>
+              <pc:docMk/>
+              <pc:sldMasterMk cId="4059755660" sldId="2147483648"/>
+              <pc:sldLayoutMk cId="2276858793" sldId="2147483659"/>
+              <ac:spMk id="2" creationId="{10440481-0CE0-EA81-540D-672738586412}"/>
+            </ac:spMkLst>
+          </pc:spChg>
+          <pc:spChg chg="mod">
+            <ac:chgData name="Trung Nghia Nguyen" userId="caf0b1f78d203fdc" providerId="LiveId" clId="{FA98E611-7EE5-4D53-A8F6-A8478DA16B0D}" dt="2023-03-16T04:24:21.249" v="1"/>
+            <ac:spMkLst>
+              <pc:docMk/>
+              <pc:sldMasterMk cId="4059755660" sldId="2147483648"/>
+              <pc:sldLayoutMk cId="2276858793" sldId="2147483659"/>
+              <ac:spMk id="3" creationId="{F22739C1-3E12-8ACB-2068-84CC6DC2726A}"/>
+            </ac:spMkLst>
+          </pc:spChg>
+        </pc:sldLayoutChg>
+      </pc:sldMasterChg>
+    </pc:docChg>
+  </pc:docChgLst>
+  <pc:docChgLst>
     <pc:chgData name="Trung Nghia Nguyen" userId="caf0b1f78d203fdc" providerId="LiveId" clId="{74A72D27-0F29-4AD9-985B-1D7512F86603}"/>
     <pc:docChg chg="undo redo custSel addSld delSld modSld sldOrd">
-      <pc:chgData name="Trung Nghia Nguyen" userId="caf0b1f78d203fdc" providerId="LiveId" clId="{74A72D27-0F29-4AD9-985B-1D7512F86603}" dt="2023-04-07T07:09:04.289" v="1679"/>
+      <pc:chgData name="Trung Nghia Nguyen" userId="caf0b1f78d203fdc" providerId="LiveId" clId="{74A72D27-0F29-4AD9-985B-1D7512F86603}" dt="2023-04-12T02:11:12.031" v="2203" actId="20577"/>
       <pc:docMkLst>
         <pc:docMk/>
       </pc:docMkLst>
       <pc:sldChg chg="modSp mod">
-        <pc:chgData name="Trung Nghia Nguyen" userId="caf0b1f78d203fdc" providerId="LiveId" clId="{74A72D27-0F29-4AD9-985B-1D7512F86603}" dt="2023-04-03T02:08:32.116" v="0" actId="6549"/>
+        <pc:chgData name="Trung Nghia Nguyen" userId="caf0b1f78d203fdc" providerId="LiveId" clId="{74A72D27-0F29-4AD9-985B-1D7512F86603}" dt="2023-04-12T02:08:21.336" v="2160" actId="20577"/>
         <pc:sldMkLst>
           <pc:docMk/>
           <pc:sldMk cId="779292092" sldId="256"/>
         </pc:sldMkLst>
         <pc:graphicFrameChg chg="modGraphic">
-          <ac:chgData name="Trung Nghia Nguyen" userId="caf0b1f78d203fdc" providerId="LiveId" clId="{74A72D27-0F29-4AD9-985B-1D7512F86603}" dt="2023-04-03T02:08:32.116" v="0" actId="6549"/>
+          <ac:chgData name="Trung Nghia Nguyen" userId="caf0b1f78d203fdc" providerId="LiveId" clId="{74A72D27-0F29-4AD9-985B-1D7512F86603}" dt="2023-04-12T02:08:21.336" v="2160" actId="20577"/>
           <ac:graphicFrameMkLst>
             <pc:docMk/>
             <pc:sldMk cId="779292092" sldId="256"/>
@@ -170,13 +2215,21 @@
         </pc:graphicFrameChg>
       </pc:sldChg>
       <pc:sldChg chg="modSp mod">
-        <pc:chgData name="Trung Nghia Nguyen" userId="caf0b1f78d203fdc" providerId="LiveId" clId="{74A72D27-0F29-4AD9-985B-1D7512F86603}" dt="2023-04-03T02:08:44.430" v="6" actId="6549"/>
+        <pc:chgData name="Trung Nghia Nguyen" userId="caf0b1f78d203fdc" providerId="LiveId" clId="{74A72D27-0F29-4AD9-985B-1D7512F86603}" dt="2023-04-12T02:09:25.799" v="2162" actId="20577"/>
         <pc:sldMkLst>
           <pc:docMk/>
           <pc:sldMk cId="3011248427" sldId="258"/>
         </pc:sldMkLst>
+        <pc:spChg chg="mod">
+          <ac:chgData name="Trung Nghia Nguyen" userId="caf0b1f78d203fdc" providerId="LiveId" clId="{74A72D27-0F29-4AD9-985B-1D7512F86603}" dt="2023-04-12T02:09:25.799" v="2162" actId="20577"/>
+          <ac:spMkLst>
+            <pc:docMk/>
+            <pc:sldMk cId="3011248427" sldId="258"/>
+            <ac:spMk id="4" creationId="{11342279-3B1B-9555-FD5C-CA3839B3D029}"/>
+          </ac:spMkLst>
+        </pc:spChg>
         <pc:graphicFrameChg chg="modGraphic">
-          <ac:chgData name="Trung Nghia Nguyen" userId="caf0b1f78d203fdc" providerId="LiveId" clId="{74A72D27-0F29-4AD9-985B-1D7512F86603}" dt="2023-04-03T02:08:44.430" v="6" actId="6549"/>
+          <ac:chgData name="Trung Nghia Nguyen" userId="caf0b1f78d203fdc" providerId="LiveId" clId="{74A72D27-0F29-4AD9-985B-1D7512F86603}" dt="2023-04-12T02:05:16.750" v="1692" actId="20577"/>
           <ac:graphicFrameMkLst>
             <pc:docMk/>
             <pc:sldMk cId="3011248427" sldId="258"/>
@@ -268,6 +2321,21 @@
           <pc:sldMk cId="2278832414" sldId="271"/>
         </pc:sldMkLst>
       </pc:sldChg>
+      <pc:sldChg chg="modSp mod">
+        <pc:chgData name="Trung Nghia Nguyen" userId="caf0b1f78d203fdc" providerId="LiveId" clId="{74A72D27-0F29-4AD9-985B-1D7512F86603}" dt="2023-04-12T02:11:12.031" v="2203" actId="20577"/>
+        <pc:sldMkLst>
+          <pc:docMk/>
+          <pc:sldMk cId="610409002" sldId="272"/>
+        </pc:sldMkLst>
+        <pc:spChg chg="mod">
+          <ac:chgData name="Trung Nghia Nguyen" userId="caf0b1f78d203fdc" providerId="LiveId" clId="{74A72D27-0F29-4AD9-985B-1D7512F86603}" dt="2023-04-12T02:11:12.031" v="2203" actId="20577"/>
+          <ac:spMkLst>
+            <pc:docMk/>
+            <pc:sldMk cId="610409002" sldId="272"/>
+            <ac:spMk id="4" creationId="{CE933A1E-D43F-BDBC-88C5-FA719398A112}"/>
+          </ac:spMkLst>
+        </pc:spChg>
+      </pc:sldChg>
       <pc:sldChg chg="del">
         <pc:chgData name="Trung Nghia Nguyen" userId="caf0b1f78d203fdc" providerId="LiveId" clId="{74A72D27-0F29-4AD9-985B-1D7512F86603}" dt="2023-04-03T02:08:58.163" v="7" actId="2696"/>
         <pc:sldMkLst>
@@ -330,7 +2398,7 @@
         </pc:sldMkLst>
       </pc:sldChg>
       <pc:sldChg chg="addSp delSp modSp add mod">
-        <pc:chgData name="Trung Nghia Nguyen" userId="caf0b1f78d203fdc" providerId="LiveId" clId="{74A72D27-0F29-4AD9-985B-1D7512F86603}" dt="2023-04-07T05:17:33.612" v="826" actId="26606"/>
+        <pc:chgData name="Trung Nghia Nguyen" userId="caf0b1f78d203fdc" providerId="LiveId" clId="{74A72D27-0F29-4AD9-985B-1D7512F86603}" dt="2023-04-12T02:09:38.493" v="2164" actId="20577"/>
         <pc:sldMkLst>
           <pc:docMk/>
           <pc:sldMk cId="3060752393" sldId="274"/>
@@ -341,6 +2409,14 @@
             <pc:docMk/>
             <pc:sldMk cId="3060752393" sldId="274"/>
             <ac:spMk id="3" creationId="{56C3DF9C-2FEB-EE52-21A1-DBBB2454EA38}"/>
+          </ac:spMkLst>
+        </pc:spChg>
+        <pc:spChg chg="mod">
+          <ac:chgData name="Trung Nghia Nguyen" userId="caf0b1f78d203fdc" providerId="LiveId" clId="{74A72D27-0F29-4AD9-985B-1D7512F86603}" dt="2023-04-12T02:09:38.493" v="2164" actId="20577"/>
+          <ac:spMkLst>
+            <pc:docMk/>
+            <pc:sldMk cId="3060752393" sldId="274"/>
+            <ac:spMk id="4" creationId="{11342279-3B1B-9555-FD5C-CA3839B3D029}"/>
           </ac:spMkLst>
         </pc:spChg>
         <pc:spChg chg="add mod">
@@ -400,11 +2476,19 @@
         </pc:sldMkLst>
       </pc:sldChg>
       <pc:sldChg chg="addSp delSp modSp add mod">
-        <pc:chgData name="Trung Nghia Nguyen" userId="caf0b1f78d203fdc" providerId="LiveId" clId="{74A72D27-0F29-4AD9-985B-1D7512F86603}" dt="2023-04-07T05:20:11.736" v="885" actId="26606"/>
+        <pc:chgData name="Trung Nghia Nguyen" userId="caf0b1f78d203fdc" providerId="LiveId" clId="{74A72D27-0F29-4AD9-985B-1D7512F86603}" dt="2023-04-12T02:09:44.730" v="2166" actId="20577"/>
         <pc:sldMkLst>
           <pc:docMk/>
           <pc:sldMk cId="702601999" sldId="275"/>
         </pc:sldMkLst>
+        <pc:spChg chg="mod">
+          <ac:chgData name="Trung Nghia Nguyen" userId="caf0b1f78d203fdc" providerId="LiveId" clId="{74A72D27-0F29-4AD9-985B-1D7512F86603}" dt="2023-04-12T02:09:44.730" v="2166" actId="20577"/>
+          <ac:spMkLst>
+            <pc:docMk/>
+            <pc:sldMk cId="702601999" sldId="275"/>
+            <ac:spMk id="4" creationId="{11342279-3B1B-9555-FD5C-CA3839B3D029}"/>
+          </ac:spMkLst>
+        </pc:spChg>
         <pc:spChg chg="mod">
           <ac:chgData name="Trung Nghia Nguyen" userId="caf0b1f78d203fdc" providerId="LiveId" clId="{74A72D27-0F29-4AD9-985B-1D7512F86603}" dt="2023-04-07T05:14:21.399" v="821" actId="20577"/>
           <ac:spMkLst>
@@ -454,11 +2538,19 @@
         </pc:sldMkLst>
       </pc:sldChg>
       <pc:sldChg chg="addSp delSp modSp add mod">
-        <pc:chgData name="Trung Nghia Nguyen" userId="caf0b1f78d203fdc" providerId="LiveId" clId="{74A72D27-0F29-4AD9-985B-1D7512F86603}" dt="2023-04-07T06:50:02.943" v="1169" actId="20577"/>
+        <pc:chgData name="Trung Nghia Nguyen" userId="caf0b1f78d203fdc" providerId="LiveId" clId="{74A72D27-0F29-4AD9-985B-1D7512F86603}" dt="2023-04-12T02:09:49.466" v="2167" actId="20577"/>
         <pc:sldMkLst>
           <pc:docMk/>
           <pc:sldMk cId="3245475923" sldId="276"/>
         </pc:sldMkLst>
+        <pc:spChg chg="mod">
+          <ac:chgData name="Trung Nghia Nguyen" userId="caf0b1f78d203fdc" providerId="LiveId" clId="{74A72D27-0F29-4AD9-985B-1D7512F86603}" dt="2023-04-12T02:09:49.466" v="2167" actId="20577"/>
+          <ac:spMkLst>
+            <pc:docMk/>
+            <pc:sldMk cId="3245475923" sldId="276"/>
+            <ac:spMk id="6" creationId="{F6D86575-6F62-E86B-CB8C-67FDEFFD30D6}"/>
+          </ac:spMkLst>
+        </pc:spChg>
         <pc:spChg chg="mod">
           <ac:chgData name="Trung Nghia Nguyen" userId="caf0b1f78d203fdc" providerId="LiveId" clId="{74A72D27-0F29-4AD9-985B-1D7512F86603}" dt="2023-04-07T06:10:37.616" v="887"/>
           <ac:spMkLst>
@@ -484,7 +2576,7 @@
         </pc:sldMkLst>
       </pc:sldChg>
       <pc:sldChg chg="addSp delSp modSp add mod ord">
-        <pc:chgData name="Trung Nghia Nguyen" userId="caf0b1f78d203fdc" providerId="LiveId" clId="{74A72D27-0F29-4AD9-985B-1D7512F86603}" dt="2023-04-07T06:44:00.399" v="947" actId="123"/>
+        <pc:chgData name="Trung Nghia Nguyen" userId="caf0b1f78d203fdc" providerId="LiveId" clId="{74A72D27-0F29-4AD9-985B-1D7512F86603}" dt="2023-04-12T02:09:54.113" v="2169" actId="20577"/>
         <pc:sldMkLst>
           <pc:docMk/>
           <pc:sldMk cId="2606626882" sldId="277"/>
@@ -498,6 +2590,14 @@
           </ac:spMkLst>
         </pc:spChg>
         <pc:spChg chg="mod">
+          <ac:chgData name="Trung Nghia Nguyen" userId="caf0b1f78d203fdc" providerId="LiveId" clId="{74A72D27-0F29-4AD9-985B-1D7512F86603}" dt="2023-04-12T02:09:54.113" v="2169" actId="20577"/>
+          <ac:spMkLst>
+            <pc:docMk/>
+            <pc:sldMk cId="2606626882" sldId="277"/>
+            <ac:spMk id="4" creationId="{11342279-3B1B-9555-FD5C-CA3839B3D029}"/>
+          </ac:spMkLst>
+        </pc:spChg>
+        <pc:spChg chg="mod">
           <ac:chgData name="Trung Nghia Nguyen" userId="caf0b1f78d203fdc" providerId="LiveId" clId="{74A72D27-0F29-4AD9-985B-1D7512F86603}" dt="2023-04-07T06:12:23.738" v="904" actId="20577"/>
           <ac:spMkLst>
             <pc:docMk/>
@@ -531,7 +2631,7 @@
         </pc:picChg>
       </pc:sldChg>
       <pc:sldChg chg="addSp delSp modSp add mod">
-        <pc:chgData name="Trung Nghia Nguyen" userId="caf0b1f78d203fdc" providerId="LiveId" clId="{74A72D27-0F29-4AD9-985B-1D7512F86603}" dt="2023-04-07T06:45:21.197" v="991" actId="1076"/>
+        <pc:chgData name="Trung Nghia Nguyen" userId="caf0b1f78d203fdc" providerId="LiveId" clId="{74A72D27-0F29-4AD9-985B-1D7512F86603}" dt="2023-04-12T02:10:00.883" v="2171" actId="20577"/>
         <pc:sldMkLst>
           <pc:docMk/>
           <pc:sldMk cId="245947029" sldId="278"/>
@@ -542,6 +2642,14 @@
             <pc:docMk/>
             <pc:sldMk cId="245947029" sldId="278"/>
             <ac:spMk id="3" creationId="{99E5E634-12BA-9584-7604-34E90EF91282}"/>
+          </ac:spMkLst>
+        </pc:spChg>
+        <pc:spChg chg="mod">
+          <ac:chgData name="Trung Nghia Nguyen" userId="caf0b1f78d203fdc" providerId="LiveId" clId="{74A72D27-0F29-4AD9-985B-1D7512F86603}" dt="2023-04-12T02:10:00.883" v="2171" actId="20577"/>
+          <ac:spMkLst>
+            <pc:docMk/>
+            <pc:sldMk cId="245947029" sldId="278"/>
+            <ac:spMk id="4" creationId="{11342279-3B1B-9555-FD5C-CA3839B3D029}"/>
           </ac:spMkLst>
         </pc:spChg>
         <pc:spChg chg="mod">
@@ -577,11 +2685,19 @@
         </pc:sldMkLst>
       </pc:sldChg>
       <pc:sldChg chg="addSp delSp modSp add mod">
-        <pc:chgData name="Trung Nghia Nguyen" userId="caf0b1f78d203fdc" providerId="LiveId" clId="{74A72D27-0F29-4AD9-985B-1D7512F86603}" dt="2023-04-07T06:46:52.033" v="1008" actId="1076"/>
+        <pc:chgData name="Trung Nghia Nguyen" userId="caf0b1f78d203fdc" providerId="LiveId" clId="{74A72D27-0F29-4AD9-985B-1D7512F86603}" dt="2023-04-12T02:10:06.749" v="2174" actId="20577"/>
         <pc:sldMkLst>
           <pc:docMk/>
           <pc:sldMk cId="1235902622" sldId="279"/>
         </pc:sldMkLst>
+        <pc:spChg chg="mod">
+          <ac:chgData name="Trung Nghia Nguyen" userId="caf0b1f78d203fdc" providerId="LiveId" clId="{74A72D27-0F29-4AD9-985B-1D7512F86603}" dt="2023-04-12T02:10:06.749" v="2174" actId="20577"/>
+          <ac:spMkLst>
+            <pc:docMk/>
+            <pc:sldMk cId="1235902622" sldId="279"/>
+            <ac:spMk id="4" creationId="{11342279-3B1B-9555-FD5C-CA3839B3D029}"/>
+          </ac:spMkLst>
+        </pc:spChg>
         <pc:spChg chg="mod">
           <ac:chgData name="Trung Nghia Nguyen" userId="caf0b1f78d203fdc" providerId="LiveId" clId="{74A72D27-0F29-4AD9-985B-1D7512F86603}" dt="2023-04-07T06:46:34.834" v="994" actId="20577"/>
           <ac:spMkLst>
@@ -630,11 +2746,19 @@
         </pc:sldMkLst>
       </pc:sldChg>
       <pc:sldChg chg="modSp add mod ord">
-        <pc:chgData name="Trung Nghia Nguyen" userId="caf0b1f78d203fdc" providerId="LiveId" clId="{74A72D27-0F29-4AD9-985B-1D7512F86603}" dt="2023-04-07T06:49:48.925" v="1097" actId="20577"/>
+        <pc:chgData name="Trung Nghia Nguyen" userId="caf0b1f78d203fdc" providerId="LiveId" clId="{74A72D27-0F29-4AD9-985B-1D7512F86603}" dt="2023-04-12T02:10:12.145" v="2176" actId="20577"/>
         <pc:sldMkLst>
           <pc:docMk/>
           <pc:sldMk cId="3682275108" sldId="280"/>
         </pc:sldMkLst>
+        <pc:spChg chg="mod">
+          <ac:chgData name="Trung Nghia Nguyen" userId="caf0b1f78d203fdc" providerId="LiveId" clId="{74A72D27-0F29-4AD9-985B-1D7512F86603}" dt="2023-04-12T02:10:12.145" v="2176" actId="20577"/>
+          <ac:spMkLst>
+            <pc:docMk/>
+            <pc:sldMk cId="3682275108" sldId="280"/>
+            <ac:spMk id="6" creationId="{F6D86575-6F62-E86B-CB8C-67FDEFFD30D6}"/>
+          </ac:spMkLst>
+        </pc:spChg>
         <pc:spChg chg="mod">
           <ac:chgData name="Trung Nghia Nguyen" userId="caf0b1f78d203fdc" providerId="LiveId" clId="{74A72D27-0F29-4AD9-985B-1D7512F86603}" dt="2023-04-07T06:49:13.175" v="1012"/>
           <ac:spMkLst>
@@ -653,11 +2777,19 @@
         </pc:graphicFrameChg>
       </pc:sldChg>
       <pc:sldChg chg="addSp delSp modSp add mod ord">
-        <pc:chgData name="Trung Nghia Nguyen" userId="caf0b1f78d203fdc" providerId="LiveId" clId="{74A72D27-0F29-4AD9-985B-1D7512F86603}" dt="2023-04-07T06:53:37.682" v="1279" actId="1076"/>
+        <pc:chgData name="Trung Nghia Nguyen" userId="caf0b1f78d203fdc" providerId="LiveId" clId="{74A72D27-0F29-4AD9-985B-1D7512F86603}" dt="2023-04-12T02:10:16.980" v="2178" actId="20577"/>
         <pc:sldMkLst>
           <pc:docMk/>
           <pc:sldMk cId="2450269525" sldId="281"/>
         </pc:sldMkLst>
+        <pc:spChg chg="mod">
+          <ac:chgData name="Trung Nghia Nguyen" userId="caf0b1f78d203fdc" providerId="LiveId" clId="{74A72D27-0F29-4AD9-985B-1D7512F86603}" dt="2023-04-12T02:10:16.980" v="2178" actId="20577"/>
+          <ac:spMkLst>
+            <pc:docMk/>
+            <pc:sldMk cId="2450269525" sldId="281"/>
+            <ac:spMk id="4" creationId="{11342279-3B1B-9555-FD5C-CA3839B3D029}"/>
+          </ac:spMkLst>
+        </pc:spChg>
         <pc:spChg chg="mod">
           <ac:chgData name="Trung Nghia Nguyen" userId="caf0b1f78d203fdc" providerId="LiveId" clId="{74A72D27-0F29-4AD9-985B-1D7512F86603}" dt="2023-04-07T06:50:36.348" v="1177" actId="20577"/>
           <ac:spMkLst>
@@ -707,11 +2839,19 @@
         </pc:sldMkLst>
       </pc:sldChg>
       <pc:sldChg chg="addSp delSp modSp add mod">
-        <pc:chgData name="Trung Nghia Nguyen" userId="caf0b1f78d203fdc" providerId="LiveId" clId="{74A72D27-0F29-4AD9-985B-1D7512F86603}" dt="2023-04-07T06:54:54.962" v="1292" actId="1076"/>
+        <pc:chgData name="Trung Nghia Nguyen" userId="caf0b1f78d203fdc" providerId="LiveId" clId="{74A72D27-0F29-4AD9-985B-1D7512F86603}" dt="2023-04-12T02:10:21.559" v="2181" actId="20577"/>
         <pc:sldMkLst>
           <pc:docMk/>
           <pc:sldMk cId="3480722215" sldId="282"/>
         </pc:sldMkLst>
+        <pc:spChg chg="mod">
+          <ac:chgData name="Trung Nghia Nguyen" userId="caf0b1f78d203fdc" providerId="LiveId" clId="{74A72D27-0F29-4AD9-985B-1D7512F86603}" dt="2023-04-12T02:10:21.559" v="2181" actId="20577"/>
+          <ac:spMkLst>
+            <pc:docMk/>
+            <pc:sldMk cId="3480722215" sldId="282"/>
+            <ac:spMk id="4" creationId="{11342279-3B1B-9555-FD5C-CA3839B3D029}"/>
+          </ac:spMkLst>
+        </pc:spChg>
         <pc:spChg chg="mod">
           <ac:chgData name="Trung Nghia Nguyen" userId="caf0b1f78d203fdc" providerId="LiveId" clId="{74A72D27-0F29-4AD9-985B-1D7512F86603}" dt="2023-04-07T06:54:42.092" v="1282" actId="20577"/>
           <ac:spMkLst>
@@ -760,11 +2900,19 @@
         </pc:sldMkLst>
       </pc:sldChg>
       <pc:sldChg chg="modSp add mod ord">
-        <pc:chgData name="Trung Nghia Nguyen" userId="caf0b1f78d203fdc" providerId="LiveId" clId="{74A72D27-0F29-4AD9-985B-1D7512F86603}" dt="2023-04-07T06:56:13.537" v="1303" actId="20577"/>
+        <pc:chgData name="Trung Nghia Nguyen" userId="caf0b1f78d203fdc" providerId="LiveId" clId="{74A72D27-0F29-4AD9-985B-1D7512F86603}" dt="2023-04-12T02:10:26.988" v="2183" actId="20577"/>
         <pc:sldMkLst>
           <pc:docMk/>
           <pc:sldMk cId="4081103811" sldId="283"/>
         </pc:sldMkLst>
+        <pc:spChg chg="mod">
+          <ac:chgData name="Trung Nghia Nguyen" userId="caf0b1f78d203fdc" providerId="LiveId" clId="{74A72D27-0F29-4AD9-985B-1D7512F86603}" dt="2023-04-12T02:10:26.988" v="2183" actId="20577"/>
+          <ac:spMkLst>
+            <pc:docMk/>
+            <pc:sldMk cId="4081103811" sldId="283"/>
+            <ac:spMk id="6" creationId="{F6D86575-6F62-E86B-CB8C-67FDEFFD30D6}"/>
+          </ac:spMkLst>
+        </pc:spChg>
         <pc:spChg chg="mod">
           <ac:chgData name="Trung Nghia Nguyen" userId="caf0b1f78d203fdc" providerId="LiveId" clId="{74A72D27-0F29-4AD9-985B-1D7512F86603}" dt="2023-04-07T06:55:58.085" v="1296"/>
           <ac:spMkLst>
@@ -790,11 +2938,19 @@
         </pc:sldMkLst>
       </pc:sldChg>
       <pc:sldChg chg="addSp delSp modSp add mod ord">
-        <pc:chgData name="Trung Nghia Nguyen" userId="caf0b1f78d203fdc" providerId="LiveId" clId="{74A72D27-0F29-4AD9-985B-1D7512F86603}" dt="2023-04-07T07:00:19.440" v="1367" actId="1076"/>
+        <pc:chgData name="Trung Nghia Nguyen" userId="caf0b1f78d203fdc" providerId="LiveId" clId="{74A72D27-0F29-4AD9-985B-1D7512F86603}" dt="2023-04-12T02:10:31.414" v="2186" actId="20577"/>
         <pc:sldMkLst>
           <pc:docMk/>
           <pc:sldMk cId="3681655826" sldId="284"/>
         </pc:sldMkLst>
+        <pc:spChg chg="mod">
+          <ac:chgData name="Trung Nghia Nguyen" userId="caf0b1f78d203fdc" providerId="LiveId" clId="{74A72D27-0F29-4AD9-985B-1D7512F86603}" dt="2023-04-12T02:10:31.414" v="2186" actId="20577"/>
+          <ac:spMkLst>
+            <pc:docMk/>
+            <pc:sldMk cId="3681655826" sldId="284"/>
+            <ac:spMk id="4" creationId="{11342279-3B1B-9555-FD5C-CA3839B3D029}"/>
+          </ac:spMkLst>
+        </pc:spChg>
         <pc:spChg chg="mod">
           <ac:chgData name="Trung Nghia Nguyen" userId="caf0b1f78d203fdc" providerId="LiveId" clId="{74A72D27-0F29-4AD9-985B-1D7512F86603}" dt="2023-04-07T06:56:48.178" v="1313" actId="20577"/>
           <ac:spMkLst>
@@ -853,11 +3009,19 @@
         </pc:picChg>
       </pc:sldChg>
       <pc:sldChg chg="addSp delSp modSp add mod">
-        <pc:chgData name="Trung Nghia Nguyen" userId="caf0b1f78d203fdc" providerId="LiveId" clId="{74A72D27-0F29-4AD9-985B-1D7512F86603}" dt="2023-04-07T07:01:13.938" v="1377" actId="1076"/>
+        <pc:chgData name="Trung Nghia Nguyen" userId="caf0b1f78d203fdc" providerId="LiveId" clId="{74A72D27-0F29-4AD9-985B-1D7512F86603}" dt="2023-04-12T02:10:37.914" v="2188" actId="20577"/>
         <pc:sldMkLst>
           <pc:docMk/>
           <pc:sldMk cId="1289321138" sldId="285"/>
         </pc:sldMkLst>
+        <pc:spChg chg="mod">
+          <ac:chgData name="Trung Nghia Nguyen" userId="caf0b1f78d203fdc" providerId="LiveId" clId="{74A72D27-0F29-4AD9-985B-1D7512F86603}" dt="2023-04-12T02:10:37.914" v="2188" actId="20577"/>
+          <ac:spMkLst>
+            <pc:docMk/>
+            <pc:sldMk cId="1289321138" sldId="285"/>
+            <ac:spMk id="4" creationId="{11342279-3B1B-9555-FD5C-CA3839B3D029}"/>
+          </ac:spMkLst>
+        </pc:spChg>
         <pc:spChg chg="mod">
           <ac:chgData name="Trung Nghia Nguyen" userId="caf0b1f78d203fdc" providerId="LiveId" clId="{74A72D27-0F29-4AD9-985B-1D7512F86603}" dt="2023-04-07T07:00:28.039" v="1370" actId="20577"/>
           <ac:spMkLst>
@@ -908,11 +3072,19 @@
         </pc:picChg>
       </pc:sldChg>
       <pc:sldChg chg="addSp delSp modSp add mod">
-        <pc:chgData name="Trung Nghia Nguyen" userId="caf0b1f78d203fdc" providerId="LiveId" clId="{74A72D27-0F29-4AD9-985B-1D7512F86603}" dt="2023-04-07T07:03:10.665" v="1388" actId="20577"/>
+        <pc:chgData name="Trung Nghia Nguyen" userId="caf0b1f78d203fdc" providerId="LiveId" clId="{74A72D27-0F29-4AD9-985B-1D7512F86603}" dt="2023-04-12T02:10:43.545" v="2191" actId="20577"/>
         <pc:sldMkLst>
           <pc:docMk/>
           <pc:sldMk cId="3392618411" sldId="286"/>
         </pc:sldMkLst>
+        <pc:spChg chg="mod">
+          <ac:chgData name="Trung Nghia Nguyen" userId="caf0b1f78d203fdc" providerId="LiveId" clId="{74A72D27-0F29-4AD9-985B-1D7512F86603}" dt="2023-04-12T02:10:43.545" v="2191" actId="20577"/>
+          <ac:spMkLst>
+            <pc:docMk/>
+            <pc:sldMk cId="3392618411" sldId="286"/>
+            <ac:spMk id="4" creationId="{11342279-3B1B-9555-FD5C-CA3839B3D029}"/>
+          </ac:spMkLst>
+        </pc:spChg>
         <pc:spChg chg="mod">
           <ac:chgData name="Trung Nghia Nguyen" userId="caf0b1f78d203fdc" providerId="LiveId" clId="{74A72D27-0F29-4AD9-985B-1D7512F86603}" dt="2023-04-07T07:03:10.665" v="1388" actId="20577"/>
           <ac:spMkLst>
@@ -963,11 +3135,19 @@
         </pc:picChg>
       </pc:sldChg>
       <pc:sldChg chg="addSp delSp modSp add mod">
-        <pc:chgData name="Trung Nghia Nguyen" userId="caf0b1f78d203fdc" providerId="LiveId" clId="{74A72D27-0F29-4AD9-985B-1D7512F86603}" dt="2023-04-07T07:04:55.102" v="1579" actId="1076"/>
+        <pc:chgData name="Trung Nghia Nguyen" userId="caf0b1f78d203fdc" providerId="LiveId" clId="{74A72D27-0F29-4AD9-985B-1D7512F86603}" dt="2023-04-12T02:10:47.871" v="2193" actId="20577"/>
         <pc:sldMkLst>
           <pc:docMk/>
           <pc:sldMk cId="3402490532" sldId="287"/>
         </pc:sldMkLst>
+        <pc:spChg chg="mod">
+          <ac:chgData name="Trung Nghia Nguyen" userId="caf0b1f78d203fdc" providerId="LiveId" clId="{74A72D27-0F29-4AD9-985B-1D7512F86603}" dt="2023-04-12T02:10:47.871" v="2193" actId="20577"/>
+          <ac:spMkLst>
+            <pc:docMk/>
+            <pc:sldMk cId="3402490532" sldId="287"/>
+            <ac:spMk id="4" creationId="{11342279-3B1B-9555-FD5C-CA3839B3D029}"/>
+          </ac:spMkLst>
+        </pc:spChg>
         <pc:spChg chg="mod">
           <ac:chgData name="Trung Nghia Nguyen" userId="caf0b1f78d203fdc" providerId="LiveId" clId="{74A72D27-0F29-4AD9-985B-1D7512F86603}" dt="2023-04-07T07:03:16.601" v="1391" actId="20577"/>
           <ac:spMkLst>
@@ -1026,11 +3206,19 @@
         </pc:picChg>
       </pc:sldChg>
       <pc:sldChg chg="modSp add mod ord">
-        <pc:chgData name="Trung Nghia Nguyen" userId="caf0b1f78d203fdc" providerId="LiveId" clId="{74A72D27-0F29-4AD9-985B-1D7512F86603}" dt="2023-04-07T07:07:15.361" v="1672" actId="20577"/>
+        <pc:chgData name="Trung Nghia Nguyen" userId="caf0b1f78d203fdc" providerId="LiveId" clId="{74A72D27-0F29-4AD9-985B-1D7512F86603}" dt="2023-04-12T02:10:53.533" v="2195" actId="20577"/>
         <pc:sldMkLst>
           <pc:docMk/>
           <pc:sldMk cId="1941228625" sldId="288"/>
         </pc:sldMkLst>
+        <pc:spChg chg="mod">
+          <ac:chgData name="Trung Nghia Nguyen" userId="caf0b1f78d203fdc" providerId="LiveId" clId="{74A72D27-0F29-4AD9-985B-1D7512F86603}" dt="2023-04-12T02:10:53.533" v="2195" actId="20577"/>
+          <ac:spMkLst>
+            <pc:docMk/>
+            <pc:sldMk cId="1941228625" sldId="288"/>
+            <ac:spMk id="6" creationId="{F6D86575-6F62-E86B-CB8C-67FDEFFD30D6}"/>
+          </ac:spMkLst>
+        </pc:spChg>
         <pc:spChg chg="mod">
           <ac:chgData name="Trung Nghia Nguyen" userId="caf0b1f78d203fdc" providerId="LiveId" clId="{74A72D27-0F29-4AD9-985B-1D7512F86603}" dt="2023-04-07T07:05:09.582" v="1583"/>
           <ac:spMkLst>
@@ -1049,11 +3237,19 @@
         </pc:graphicFrameChg>
       </pc:sldChg>
       <pc:sldChg chg="addSp delSp modSp add del mod">
-        <pc:chgData name="Trung Nghia Nguyen" userId="caf0b1f78d203fdc" providerId="LiveId" clId="{74A72D27-0F29-4AD9-985B-1D7512F86603}" dt="2023-04-07T07:07:30.052" v="1678"/>
+        <pc:chgData name="Trung Nghia Nguyen" userId="caf0b1f78d203fdc" providerId="LiveId" clId="{74A72D27-0F29-4AD9-985B-1D7512F86603}" dt="2023-04-12T02:10:57.702" v="2197" actId="20577"/>
         <pc:sldMkLst>
           <pc:docMk/>
           <pc:sldMk cId="2797651471" sldId="289"/>
         </pc:sldMkLst>
+        <pc:spChg chg="mod">
+          <ac:chgData name="Trung Nghia Nguyen" userId="caf0b1f78d203fdc" providerId="LiveId" clId="{74A72D27-0F29-4AD9-985B-1D7512F86603}" dt="2023-04-12T02:10:57.702" v="2197" actId="20577"/>
+          <ac:spMkLst>
+            <pc:docMk/>
+            <pc:sldMk cId="2797651471" sldId="289"/>
+            <ac:spMk id="6" creationId="{FD7465EC-84B6-406C-4864-45ADF9FB642F}"/>
+          </ac:spMkLst>
+        </pc:spChg>
         <pc:graphicFrameChg chg="del modGraphic">
           <ac:chgData name="Trung Nghia Nguyen" userId="caf0b1f78d203fdc" providerId="LiveId" clId="{74A72D27-0F29-4AD9-985B-1D7512F86603}" dt="2023-04-07T07:07:20.681" v="1675" actId="478"/>
           <ac:graphicFrameMkLst>
@@ -1079,2065 +3275,36 @@
           </ac:graphicFrameMkLst>
         </pc:graphicFrameChg>
       </pc:sldChg>
-      <pc:sldChg chg="add">
-        <pc:chgData name="Trung Nghia Nguyen" userId="caf0b1f78d203fdc" providerId="LiveId" clId="{74A72D27-0F29-4AD9-985B-1D7512F86603}" dt="2023-04-07T07:09:04.289" v="1679"/>
+      <pc:sldChg chg="modSp add mod">
+        <pc:chgData name="Trung Nghia Nguyen" userId="caf0b1f78d203fdc" providerId="LiveId" clId="{74A72D27-0F29-4AD9-985B-1D7512F86603}" dt="2023-04-12T02:11:02.627" v="2199" actId="20577"/>
         <pc:sldMkLst>
           <pc:docMk/>
           <pc:sldMk cId="3273506458" sldId="290"/>
         </pc:sldMkLst>
+        <pc:spChg chg="mod">
+          <ac:chgData name="Trung Nghia Nguyen" userId="caf0b1f78d203fdc" providerId="LiveId" clId="{74A72D27-0F29-4AD9-985B-1D7512F86603}" dt="2023-04-12T02:11:02.627" v="2199" actId="20577"/>
+          <ac:spMkLst>
+            <pc:docMk/>
+            <pc:sldMk cId="3273506458" sldId="290"/>
+            <ac:spMk id="6" creationId="{FD7465EC-84B6-406C-4864-45ADF9FB642F}"/>
+          </ac:spMkLst>
+        </pc:spChg>
       </pc:sldChg>
-      <pc:sldChg chg="add">
-        <pc:chgData name="Trung Nghia Nguyen" userId="caf0b1f78d203fdc" providerId="LiveId" clId="{74A72D27-0F29-4AD9-985B-1D7512F86603}" dt="2023-04-07T07:09:04.289" v="1679"/>
+      <pc:sldChg chg="modSp add mod">
+        <pc:chgData name="Trung Nghia Nguyen" userId="caf0b1f78d203fdc" providerId="LiveId" clId="{74A72D27-0F29-4AD9-985B-1D7512F86603}" dt="2023-04-12T02:11:07.168" v="2201" actId="20577"/>
         <pc:sldMkLst>
           <pc:docMk/>
           <pc:sldMk cId="1076178229" sldId="291"/>
         </pc:sldMkLst>
-      </pc:sldChg>
-    </pc:docChg>
-  </pc:docChgLst>
-  <pc:docChgLst>
-    <pc:chgData name="Trung Nghia Nguyen" userId="caf0b1f78d203fdc" providerId="LiveId" clId="{FA98E611-7EE5-4D53-A8F6-A8478DA16B0D}"/>
-    <pc:docChg chg="undo custSel addSld delSld modSld sldOrd modMainMaster modNotesMaster">
-      <pc:chgData name="Trung Nghia Nguyen" userId="caf0b1f78d203fdc" providerId="LiveId" clId="{FA98E611-7EE5-4D53-A8F6-A8478DA16B0D}" dt="2023-03-20T07:19:32.351" v="7035" actId="20577"/>
-      <pc:docMkLst>
-        <pc:docMk/>
-      </pc:docMkLst>
-      <pc:sldChg chg="addSp delSp modSp new mod">
-        <pc:chgData name="Trung Nghia Nguyen" userId="caf0b1f78d203fdc" providerId="LiveId" clId="{FA98E611-7EE5-4D53-A8F6-A8478DA16B0D}" dt="2023-03-20T02:03:15.660" v="4804" actId="20577"/>
-        <pc:sldMkLst>
-          <pc:docMk/>
-          <pc:sldMk cId="779292092" sldId="256"/>
-        </pc:sldMkLst>
-        <pc:spChg chg="del mod">
-          <ac:chgData name="Trung Nghia Nguyen" userId="caf0b1f78d203fdc" providerId="LiveId" clId="{FA98E611-7EE5-4D53-A8F6-A8478DA16B0D}" dt="2023-03-16T04:25:31.003" v="2" actId="478"/>
+        <pc:spChg chg="mod">
+          <ac:chgData name="Trung Nghia Nguyen" userId="caf0b1f78d203fdc" providerId="LiveId" clId="{74A72D27-0F29-4AD9-985B-1D7512F86603}" dt="2023-04-12T02:11:07.168" v="2201" actId="20577"/>
           <ac:spMkLst>
             <pc:docMk/>
-            <pc:sldMk cId="779292092" sldId="256"/>
-            <ac:spMk id="2" creationId="{A117D592-65D1-FEB2-AB2A-1197CEC1533A}"/>
-          </ac:spMkLst>
-        </pc:spChg>
-        <pc:spChg chg="del mod">
-          <ac:chgData name="Trung Nghia Nguyen" userId="caf0b1f78d203fdc" providerId="LiveId" clId="{FA98E611-7EE5-4D53-A8F6-A8478DA16B0D}" dt="2023-03-16T04:26:30.339" v="75"/>
-          <ac:spMkLst>
-            <pc:docMk/>
-            <pc:sldMk cId="779292092" sldId="256"/>
-            <ac:spMk id="3" creationId="{10CEF238-71AF-8F0B-FAB7-5FB7BE0C6241}"/>
-          </ac:spMkLst>
-        </pc:spChg>
-        <pc:spChg chg="add mod">
-          <ac:chgData name="Trung Nghia Nguyen" userId="caf0b1f78d203fdc" providerId="LiveId" clId="{FA98E611-7EE5-4D53-A8F6-A8478DA16B0D}" dt="2023-03-19T19:41:39.395" v="4557" actId="20577"/>
-          <ac:spMkLst>
-            <pc:docMk/>
-            <pc:sldMk cId="779292092" sldId="256"/>
-            <ac:spMk id="3" creationId="{96D15035-7BD4-17B1-61CC-73A16FAB9E8C}"/>
-          </ac:spMkLst>
-        </pc:spChg>
-        <pc:spChg chg="add del mod">
-          <ac:chgData name="Trung Nghia Nguyen" userId="caf0b1f78d203fdc" providerId="LiveId" clId="{FA98E611-7EE5-4D53-A8F6-A8478DA16B0D}" dt="2023-03-16T04:26:33.737" v="76" actId="478"/>
-          <ac:spMkLst>
-            <pc:docMk/>
-            <pc:sldMk cId="779292092" sldId="256"/>
-            <ac:spMk id="4" creationId="{D3541119-F88B-63E0-D9CB-1FBA398AF2C2}"/>
-          </ac:spMkLst>
-        </pc:spChg>
-        <pc:spChg chg="add del mod">
-          <ac:chgData name="Trung Nghia Nguyen" userId="caf0b1f78d203fdc" providerId="LiveId" clId="{FA98E611-7EE5-4D53-A8F6-A8478DA16B0D}" dt="2023-03-16T04:26:41.747" v="80" actId="478"/>
-          <ac:spMkLst>
-            <pc:docMk/>
-            <pc:sldMk cId="779292092" sldId="256"/>
-            <ac:spMk id="5" creationId="{ABA30120-0E89-CD7C-399C-36E8D45B427C}"/>
-          </ac:spMkLst>
-        </pc:spChg>
-        <pc:spChg chg="add del mod">
-          <ac:chgData name="Trung Nghia Nguyen" userId="caf0b1f78d203fdc" providerId="LiveId" clId="{FA98E611-7EE5-4D53-A8F6-A8478DA16B0D}" dt="2023-03-16T04:27:22.442" v="90"/>
-          <ac:spMkLst>
-            <pc:docMk/>
-            <pc:sldMk cId="779292092" sldId="256"/>
-            <ac:spMk id="6" creationId="{AAB06E32-4593-8D4D-C74D-CF8D31363477}"/>
-          </ac:spMkLst>
-        </pc:spChg>
-        <pc:spChg chg="add del">
-          <ac:chgData name="Trung Nghia Nguyen" userId="caf0b1f78d203fdc" providerId="LiveId" clId="{FA98E611-7EE5-4D53-A8F6-A8478DA16B0D}" dt="2023-03-16T04:27:09.227" v="84" actId="22"/>
-          <ac:spMkLst>
-            <pc:docMk/>
-            <pc:sldMk cId="779292092" sldId="256"/>
-            <ac:spMk id="8" creationId="{AA71866C-55AA-CB05-D180-FE98E4673862}"/>
-          </ac:spMkLst>
-        </pc:spChg>
-        <pc:spChg chg="add del mod">
-          <ac:chgData name="Trung Nghia Nguyen" userId="caf0b1f78d203fdc" providerId="LiveId" clId="{FA98E611-7EE5-4D53-A8F6-A8478DA16B0D}" dt="2023-03-16T04:27:21.819" v="88"/>
-          <ac:spMkLst>
-            <pc:docMk/>
-            <pc:sldMk cId="779292092" sldId="256"/>
-            <ac:spMk id="9" creationId="{BF2B2450-A3A7-8C9F-A35B-E45EC50B2722}"/>
-          </ac:spMkLst>
-        </pc:spChg>
-        <pc:spChg chg="add mod">
-          <ac:chgData name="Trung Nghia Nguyen" userId="caf0b1f78d203fdc" providerId="LiveId" clId="{FA98E611-7EE5-4D53-A8F6-A8478DA16B0D}" dt="2023-03-16T05:56:31.363" v="885" actId="20577"/>
-          <ac:spMkLst>
-            <pc:docMk/>
-            <pc:sldMk cId="779292092" sldId="256"/>
-            <ac:spMk id="14" creationId="{63B4AB36-B54A-EA5C-2A74-F2C80BE0CBC4}"/>
-          </ac:spMkLst>
-        </pc:spChg>
-        <pc:spChg chg="add del mod">
-          <ac:chgData name="Trung Nghia Nguyen" userId="caf0b1f78d203fdc" providerId="LiveId" clId="{FA98E611-7EE5-4D53-A8F6-A8478DA16B0D}" dt="2023-03-16T05:56:37.340" v="886" actId="478"/>
-          <ac:spMkLst>
-            <pc:docMk/>
-            <pc:sldMk cId="779292092" sldId="256"/>
-            <ac:spMk id="15" creationId="{17843FAC-3233-9FA3-6096-5E9BE746F288}"/>
-          </ac:spMkLst>
-        </pc:spChg>
-        <pc:graphicFrameChg chg="add mod modGraphic">
-          <ac:chgData name="Trung Nghia Nguyen" userId="caf0b1f78d203fdc" providerId="LiveId" clId="{FA98E611-7EE5-4D53-A8F6-A8478DA16B0D}" dt="2023-03-20T02:03:15.660" v="4804" actId="20577"/>
-          <ac:graphicFrameMkLst>
-            <pc:docMk/>
-            <pc:sldMk cId="779292092" sldId="256"/>
-            <ac:graphicFrameMk id="16" creationId="{A794B221-780B-3E0D-DCDE-B4B669AD1AE3}"/>
-          </ac:graphicFrameMkLst>
-        </pc:graphicFrameChg>
-        <pc:picChg chg="add mod">
-          <ac:chgData name="Trung Nghia Nguyen" userId="caf0b1f78d203fdc" providerId="LiveId" clId="{FA98E611-7EE5-4D53-A8F6-A8478DA16B0D}" dt="2023-03-16T04:28:13.628" v="97" actId="1076"/>
-          <ac:picMkLst>
-            <pc:docMk/>
-            <pc:sldMk cId="779292092" sldId="256"/>
-            <ac:picMk id="1034" creationId="{6F72484C-A752-76F3-F259-0A997B815A00}"/>
-          </ac:picMkLst>
-        </pc:picChg>
-        <pc:cxnChg chg="add mod">
-          <ac:chgData name="Trung Nghia Nguyen" userId="caf0b1f78d203fdc" providerId="LiveId" clId="{FA98E611-7EE5-4D53-A8F6-A8478DA16B0D}" dt="2023-03-17T04:37:52.245" v="3021"/>
-          <ac:cxnSpMkLst>
-            <pc:docMk/>
-            <pc:sldMk cId="779292092" sldId="256"/>
-            <ac:cxnSpMk id="2" creationId="{D5E91735-6F4E-1EBB-5B25-60BB71493CFD}"/>
-          </ac:cxnSpMkLst>
-        </pc:cxnChg>
-        <pc:cxnChg chg="add mod">
-          <ac:chgData name="Trung Nghia Nguyen" userId="caf0b1f78d203fdc" providerId="LiveId" clId="{FA98E611-7EE5-4D53-A8F6-A8478DA16B0D}" dt="2023-03-16T04:29:23.337" v="100" actId="14100"/>
-          <ac:cxnSpMkLst>
-            <pc:docMk/>
-            <pc:sldMk cId="779292092" sldId="256"/>
-            <ac:cxnSpMk id="11" creationId="{E5C4A229-E185-5A4B-53B1-81D591292671}"/>
-          </ac:cxnSpMkLst>
-        </pc:cxnChg>
-      </pc:sldChg>
-      <pc:sldChg chg="addSp modSp add mod ord">
-        <pc:chgData name="Trung Nghia Nguyen" userId="caf0b1f78d203fdc" providerId="LiveId" clId="{FA98E611-7EE5-4D53-A8F6-A8478DA16B0D}" dt="2023-03-20T02:02:08.352" v="4784" actId="20577"/>
-        <pc:sldMkLst>
-          <pc:docMk/>
-          <pc:sldMk cId="502051408" sldId="257"/>
-        </pc:sldMkLst>
-        <pc:spChg chg="add mod">
-          <ac:chgData name="Trung Nghia Nguyen" userId="caf0b1f78d203fdc" providerId="LiveId" clId="{FA98E611-7EE5-4D53-A8F6-A8478DA16B0D}" dt="2023-03-17T04:37:41.303" v="3019" actId="14100"/>
-          <ac:spMkLst>
-            <pc:docMk/>
-            <pc:sldMk cId="502051408" sldId="257"/>
-            <ac:spMk id="4" creationId="{A7C6B5DE-252A-6692-B1E6-C658AB98BEE6}"/>
-          </ac:spMkLst>
-        </pc:spChg>
-        <pc:spChg chg="mod">
-          <ac:chgData name="Trung Nghia Nguyen" userId="caf0b1f78d203fdc" providerId="LiveId" clId="{FA98E611-7EE5-4D53-A8F6-A8478DA16B0D}" dt="2023-03-19T20:01:49.324" v="4626" actId="14100"/>
-          <ac:spMkLst>
-            <pc:docMk/>
-            <pc:sldMk cId="502051408" sldId="257"/>
-            <ac:spMk id="14" creationId="{63B4AB36-B54A-EA5C-2A74-F2C80BE0CBC4}"/>
-          </ac:spMkLst>
-        </pc:spChg>
-        <pc:graphicFrameChg chg="mod modGraphic">
-          <ac:chgData name="Trung Nghia Nguyen" userId="caf0b1f78d203fdc" providerId="LiveId" clId="{FA98E611-7EE5-4D53-A8F6-A8478DA16B0D}" dt="2023-03-20T02:02:08.352" v="4784" actId="20577"/>
-          <ac:graphicFrameMkLst>
-            <pc:docMk/>
-            <pc:sldMk cId="502051408" sldId="257"/>
-            <ac:graphicFrameMk id="16" creationId="{A794B221-780B-3E0D-DCDE-B4B669AD1AE3}"/>
-          </ac:graphicFrameMkLst>
-        </pc:graphicFrameChg>
-        <pc:cxnChg chg="add mod">
-          <ac:chgData name="Trung Nghia Nguyen" userId="caf0b1f78d203fdc" providerId="LiveId" clId="{FA98E611-7EE5-4D53-A8F6-A8478DA16B0D}" dt="2023-03-17T04:37:47.645" v="3020" actId="14100"/>
-          <ac:cxnSpMkLst>
-            <pc:docMk/>
-            <pc:sldMk cId="502051408" sldId="257"/>
-            <ac:cxnSpMk id="2" creationId="{0193EF83-1ED7-DCBA-7737-4EE3F208EA17}"/>
-          </ac:cxnSpMkLst>
-        </pc:cxnChg>
-      </pc:sldChg>
-      <pc:sldChg chg="addSp delSp modSp add mod">
-        <pc:chgData name="Trung Nghia Nguyen" userId="caf0b1f78d203fdc" providerId="LiveId" clId="{FA98E611-7EE5-4D53-A8F6-A8478DA16B0D}" dt="2023-03-19T20:07:36.464" v="4782" actId="1076"/>
-        <pc:sldMkLst>
-          <pc:docMk/>
-          <pc:sldMk cId="3011248427" sldId="258"/>
-        </pc:sldMkLst>
-        <pc:spChg chg="add del mod">
-          <ac:chgData name="Trung Nghia Nguyen" userId="caf0b1f78d203fdc" providerId="LiveId" clId="{FA98E611-7EE5-4D53-A8F6-A8478DA16B0D}" dt="2023-03-17T04:38:56.233" v="3046" actId="478"/>
-          <ac:spMkLst>
-            <pc:docMk/>
-            <pc:sldMk cId="3011248427" sldId="258"/>
-            <ac:spMk id="3" creationId="{00103708-BF71-4028-9F2C-BCD6FC6E2BB3}"/>
-          </ac:spMkLst>
-        </pc:spChg>
-        <pc:spChg chg="add mod">
-          <ac:chgData name="Trung Nghia Nguyen" userId="caf0b1f78d203fdc" providerId="LiveId" clId="{FA98E611-7EE5-4D53-A8F6-A8478DA16B0D}" dt="2023-03-19T20:07:36.464" v="4782" actId="1076"/>
-          <ac:spMkLst>
-            <pc:docMk/>
-            <pc:sldMk cId="3011248427" sldId="258"/>
-            <ac:spMk id="3" creationId="{56C3DF9C-2FEB-EE52-21A1-DBBB2454EA38}"/>
-          </ac:spMkLst>
-        </pc:spChg>
-        <pc:spChg chg="add mod">
-          <ac:chgData name="Trung Nghia Nguyen" userId="caf0b1f78d203fdc" providerId="LiveId" clId="{FA98E611-7EE5-4D53-A8F6-A8478DA16B0D}" dt="2023-03-19T19:41:48.869" v="4561" actId="20577"/>
-          <ac:spMkLst>
-            <pc:docMk/>
-            <pc:sldMk cId="3011248427" sldId="258"/>
-            <ac:spMk id="4" creationId="{11342279-3B1B-9555-FD5C-CA3839B3D029}"/>
-          </ac:spMkLst>
-        </pc:spChg>
-        <pc:spChg chg="mod">
-          <ac:chgData name="Trung Nghia Nguyen" userId="caf0b1f78d203fdc" providerId="LiveId" clId="{FA98E611-7EE5-4D53-A8F6-A8478DA16B0D}" dt="2023-03-16T06:01:33.515" v="1032" actId="20577"/>
-          <ac:spMkLst>
-            <pc:docMk/>
-            <pc:sldMk cId="3011248427" sldId="258"/>
-            <ac:spMk id="14" creationId="{63B4AB36-B54A-EA5C-2A74-F2C80BE0CBC4}"/>
-          </ac:spMkLst>
-        </pc:spChg>
-        <pc:graphicFrameChg chg="mod modGraphic">
-          <ac:chgData name="Trung Nghia Nguyen" userId="caf0b1f78d203fdc" providerId="LiveId" clId="{FA98E611-7EE5-4D53-A8F6-A8478DA16B0D}" dt="2023-03-19T19:23:41.611" v="4269" actId="2711"/>
-          <ac:graphicFrameMkLst>
-            <pc:docMk/>
-            <pc:sldMk cId="3011248427" sldId="258"/>
-            <ac:graphicFrameMk id="16" creationId="{A794B221-780B-3E0D-DCDE-B4B669AD1AE3}"/>
-          </ac:graphicFrameMkLst>
-        </pc:graphicFrameChg>
-        <pc:cxnChg chg="add mod">
-          <ac:chgData name="Trung Nghia Nguyen" userId="caf0b1f78d203fdc" providerId="LiveId" clId="{FA98E611-7EE5-4D53-A8F6-A8478DA16B0D}" dt="2023-03-17T04:37:55.646" v="3023"/>
-          <ac:cxnSpMkLst>
-            <pc:docMk/>
-            <pc:sldMk cId="3011248427" sldId="258"/>
-            <ac:cxnSpMk id="2" creationId="{AF3ADEA5-03F2-7E56-B6E6-8B6970A896CF}"/>
-          </ac:cxnSpMkLst>
-        </pc:cxnChg>
-      </pc:sldChg>
-      <pc:sldChg chg="addSp delSp modSp add mod">
-        <pc:chgData name="Trung Nghia Nguyen" userId="caf0b1f78d203fdc" providerId="LiveId" clId="{FA98E611-7EE5-4D53-A8F6-A8478DA16B0D}" dt="2023-03-20T06:30:07.305" v="4932" actId="1076"/>
-        <pc:sldMkLst>
-          <pc:docMk/>
-          <pc:sldMk cId="4019893558" sldId="259"/>
-        </pc:sldMkLst>
-        <pc:spChg chg="add mod">
-          <ac:chgData name="Trung Nghia Nguyen" userId="caf0b1f78d203fdc" providerId="LiveId" clId="{FA98E611-7EE5-4D53-A8F6-A8478DA16B0D}" dt="2023-03-16T06:06:38.899" v="1143" actId="114"/>
-          <ac:spMkLst>
-            <pc:docMk/>
-            <pc:sldMk cId="4019893558" sldId="259"/>
-            <ac:spMk id="2" creationId="{30380714-4CD2-9849-80A6-8AC66F97DA6F}"/>
-          </ac:spMkLst>
-        </pc:spChg>
-        <pc:spChg chg="add del mod">
-          <ac:chgData name="Trung Nghia Nguyen" userId="caf0b1f78d203fdc" providerId="LiveId" clId="{FA98E611-7EE5-4D53-A8F6-A8478DA16B0D}" dt="2023-03-17T04:38:59.674" v="3048" actId="478"/>
-          <ac:spMkLst>
-            <pc:docMk/>
-            <pc:sldMk cId="4019893558" sldId="259"/>
-            <ac:spMk id="4" creationId="{E6731AC8-6FBB-04D3-C8AD-D910046055D9}"/>
-          </ac:spMkLst>
-        </pc:spChg>
-        <pc:spChg chg="add mod">
-          <ac:chgData name="Trung Nghia Nguyen" userId="caf0b1f78d203fdc" providerId="LiveId" clId="{FA98E611-7EE5-4D53-A8F6-A8478DA16B0D}" dt="2023-03-19T19:41:52.701" v="4563" actId="20577"/>
-          <ac:spMkLst>
-            <pc:docMk/>
-            <pc:sldMk cId="4019893558" sldId="259"/>
-            <ac:spMk id="5" creationId="{38B62299-A944-8252-B1CB-882A15417931}"/>
-          </ac:spMkLst>
-        </pc:spChg>
-        <pc:spChg chg="add mod">
-          <ac:chgData name="Trung Nghia Nguyen" userId="caf0b1f78d203fdc" providerId="LiveId" clId="{FA98E611-7EE5-4D53-A8F6-A8478DA16B0D}" dt="2023-03-20T06:30:07.305" v="4932" actId="1076"/>
-          <ac:spMkLst>
-            <pc:docMk/>
-            <pc:sldMk cId="4019893558" sldId="259"/>
-            <ac:spMk id="8" creationId="{734BE0A0-109F-5738-2B5A-12B232A6A7ED}"/>
-          </ac:spMkLst>
-        </pc:spChg>
-        <pc:spChg chg="mod">
-          <ac:chgData name="Trung Nghia Nguyen" userId="caf0b1f78d203fdc" providerId="LiveId" clId="{FA98E611-7EE5-4D53-A8F6-A8478DA16B0D}" dt="2023-03-16T06:05:39.139" v="1113" actId="20577"/>
-          <ac:spMkLst>
-            <pc:docMk/>
-            <pc:sldMk cId="4019893558" sldId="259"/>
-            <ac:spMk id="14" creationId="{63B4AB36-B54A-EA5C-2A74-F2C80BE0CBC4}"/>
-          </ac:spMkLst>
-        </pc:spChg>
-        <pc:graphicFrameChg chg="del">
-          <ac:chgData name="Trung Nghia Nguyen" userId="caf0b1f78d203fdc" providerId="LiveId" clId="{FA98E611-7EE5-4D53-A8F6-A8478DA16B0D}" dt="2023-03-16T06:05:53.385" v="1114" actId="478"/>
-          <ac:graphicFrameMkLst>
-            <pc:docMk/>
-            <pc:sldMk cId="4019893558" sldId="259"/>
-            <ac:graphicFrameMk id="16" creationId="{A794B221-780B-3E0D-DCDE-B4B669AD1AE3}"/>
-          </ac:graphicFrameMkLst>
-        </pc:graphicFrameChg>
-        <pc:picChg chg="add">
-          <ac:chgData name="Trung Nghia Nguyen" userId="caf0b1f78d203fdc" providerId="LiveId" clId="{FA98E611-7EE5-4D53-A8F6-A8478DA16B0D}" dt="2023-03-20T06:29:17.630" v="4858" actId="22"/>
-          <ac:picMkLst>
-            <pc:docMk/>
-            <pc:sldMk cId="4019893558" sldId="259"/>
-            <ac:picMk id="6" creationId="{43B774FE-5094-7AB3-83D9-57A0DF7FF1F6}"/>
-          </ac:picMkLst>
-        </pc:picChg>
-        <pc:picChg chg="add del mod">
-          <ac:chgData name="Trung Nghia Nguyen" userId="caf0b1f78d203fdc" providerId="LiveId" clId="{FA98E611-7EE5-4D53-A8F6-A8478DA16B0D}" dt="2023-03-20T06:29:17.174" v="4857" actId="478"/>
-          <ac:picMkLst>
-            <pc:docMk/>
-            <pc:sldMk cId="4019893558" sldId="259"/>
-            <ac:picMk id="7" creationId="{69D8DC54-039D-02F5-CE7D-B44993CE410C}"/>
-          </ac:picMkLst>
-        </pc:picChg>
-        <pc:cxnChg chg="add mod">
-          <ac:chgData name="Trung Nghia Nguyen" userId="caf0b1f78d203fdc" providerId="LiveId" clId="{FA98E611-7EE5-4D53-A8F6-A8478DA16B0D}" dt="2023-03-17T04:37:56.935" v="3024"/>
-          <ac:cxnSpMkLst>
-            <pc:docMk/>
-            <pc:sldMk cId="4019893558" sldId="259"/>
-            <ac:cxnSpMk id="3" creationId="{9B5848A5-3C88-A3DF-9B0B-60160834435A}"/>
-          </ac:cxnSpMkLst>
-        </pc:cxnChg>
-      </pc:sldChg>
-      <pc:sldChg chg="addSp delSp modSp add mod">
-        <pc:chgData name="Trung Nghia Nguyen" userId="caf0b1f78d203fdc" providerId="LiveId" clId="{FA98E611-7EE5-4D53-A8F6-A8478DA16B0D}" dt="2023-03-20T06:32:28.380" v="4981" actId="22"/>
-        <pc:sldMkLst>
-          <pc:docMk/>
-          <pc:sldMk cId="3474282668" sldId="260"/>
-        </pc:sldMkLst>
-        <pc:spChg chg="mod">
-          <ac:chgData name="Trung Nghia Nguyen" userId="caf0b1f78d203fdc" providerId="LiveId" clId="{FA98E611-7EE5-4D53-A8F6-A8478DA16B0D}" dt="2023-03-16T06:07:58.268" v="1156" actId="20577"/>
-          <ac:spMkLst>
-            <pc:docMk/>
-            <pc:sldMk cId="3474282668" sldId="260"/>
-            <ac:spMk id="2" creationId="{30380714-4CD2-9849-80A6-8AC66F97DA6F}"/>
-          </ac:spMkLst>
-        </pc:spChg>
-        <pc:spChg chg="add mod">
-          <ac:chgData name="Trung Nghia Nguyen" userId="caf0b1f78d203fdc" providerId="LiveId" clId="{FA98E611-7EE5-4D53-A8F6-A8478DA16B0D}" dt="2023-03-20T06:32:27.935" v="4980" actId="1076"/>
-          <ac:spMkLst>
-            <pc:docMk/>
-            <pc:sldMk cId="3474282668" sldId="260"/>
-            <ac:spMk id="4" creationId="{9431821D-6D7D-E062-A69A-509104FD42F8}"/>
-          </ac:spMkLst>
-        </pc:spChg>
-        <pc:spChg chg="add del mod">
-          <ac:chgData name="Trung Nghia Nguyen" userId="caf0b1f78d203fdc" providerId="LiveId" clId="{FA98E611-7EE5-4D53-A8F6-A8478DA16B0D}" dt="2023-03-17T04:39:14.883" v="3056" actId="478"/>
-          <ac:spMkLst>
-            <pc:docMk/>
-            <pc:sldMk cId="3474282668" sldId="260"/>
-            <ac:spMk id="4" creationId="{F90D0244-90F2-3218-C4A1-606B763A06C7}"/>
-          </ac:spMkLst>
-        </pc:spChg>
-        <pc:spChg chg="add mod">
-          <ac:chgData name="Trung Nghia Nguyen" userId="caf0b1f78d203fdc" providerId="LiveId" clId="{FA98E611-7EE5-4D53-A8F6-A8478DA16B0D}" dt="2023-03-19T19:42:28.957" v="4575" actId="20577"/>
-          <ac:spMkLst>
-            <pc:docMk/>
-            <pc:sldMk cId="3474282668" sldId="260"/>
-            <ac:spMk id="5" creationId="{4560C39D-ACC4-FD53-200A-C206C7FACCF7}"/>
-          </ac:spMkLst>
-        </pc:spChg>
-        <pc:picChg chg="add">
-          <ac:chgData name="Trung Nghia Nguyen" userId="caf0b1f78d203fdc" providerId="LiveId" clId="{FA98E611-7EE5-4D53-A8F6-A8478DA16B0D}" dt="2023-03-20T06:32:28.380" v="4981" actId="22"/>
-          <ac:picMkLst>
-            <pc:docMk/>
-            <pc:sldMk cId="3474282668" sldId="260"/>
-            <ac:picMk id="7" creationId="{0A013844-F359-90BA-AFE5-5A4E0F02079B}"/>
-          </ac:picMkLst>
-        </pc:picChg>
-        <pc:cxnChg chg="add mod">
-          <ac:chgData name="Trung Nghia Nguyen" userId="caf0b1f78d203fdc" providerId="LiveId" clId="{FA98E611-7EE5-4D53-A8F6-A8478DA16B0D}" dt="2023-03-17T04:38:03.135" v="3028"/>
-          <ac:cxnSpMkLst>
-            <pc:docMk/>
-            <pc:sldMk cId="3474282668" sldId="260"/>
-            <ac:cxnSpMk id="3" creationId="{A678CC92-2ECC-6731-44B3-E00C5607B1AE}"/>
-          </ac:cxnSpMkLst>
-        </pc:cxnChg>
-      </pc:sldChg>
-      <pc:sldChg chg="addSp delSp modSp add mod">
-        <pc:chgData name="Trung Nghia Nguyen" userId="caf0b1f78d203fdc" providerId="LiveId" clId="{FA98E611-7EE5-4D53-A8F6-A8478DA16B0D}" dt="2023-03-20T06:36:55.797" v="5214" actId="20577"/>
-        <pc:sldMkLst>
-          <pc:docMk/>
-          <pc:sldMk cId="2176878142" sldId="261"/>
-        </pc:sldMkLst>
-        <pc:spChg chg="mod">
-          <ac:chgData name="Trung Nghia Nguyen" userId="caf0b1f78d203fdc" providerId="LiveId" clId="{FA98E611-7EE5-4D53-A8F6-A8478DA16B0D}" dt="2023-03-16T06:07:54.573" v="1154" actId="20577"/>
-          <ac:spMkLst>
-            <pc:docMk/>
-            <pc:sldMk cId="2176878142" sldId="261"/>
-            <ac:spMk id="2" creationId="{30380714-4CD2-9849-80A6-8AC66F97DA6F}"/>
-          </ac:spMkLst>
-        </pc:spChg>
-        <pc:spChg chg="add del mod">
-          <ac:chgData name="Trung Nghia Nguyen" userId="caf0b1f78d203fdc" providerId="LiveId" clId="{FA98E611-7EE5-4D53-A8F6-A8478DA16B0D}" dt="2023-03-17T04:39:11.371" v="3054" actId="478"/>
-          <ac:spMkLst>
-            <pc:docMk/>
-            <pc:sldMk cId="2176878142" sldId="261"/>
-            <ac:spMk id="4" creationId="{79A4E201-0F99-95ED-5D57-A5ADBCE00A7E}"/>
-          </ac:spMkLst>
-        </pc:spChg>
-        <pc:spChg chg="add mod">
-          <ac:chgData name="Trung Nghia Nguyen" userId="caf0b1f78d203fdc" providerId="LiveId" clId="{FA98E611-7EE5-4D53-A8F6-A8478DA16B0D}" dt="2023-03-19T19:42:25.521" v="4574" actId="20577"/>
-          <ac:spMkLst>
-            <pc:docMk/>
-            <pc:sldMk cId="2176878142" sldId="261"/>
-            <ac:spMk id="5" creationId="{773F5182-C15F-B8A2-79A6-98CC56113930}"/>
-          </ac:spMkLst>
-        </pc:spChg>
-        <pc:spChg chg="add mod">
-          <ac:chgData name="Trung Nghia Nguyen" userId="caf0b1f78d203fdc" providerId="LiveId" clId="{FA98E611-7EE5-4D53-A8F6-A8478DA16B0D}" dt="2023-03-20T06:36:55.797" v="5214" actId="20577"/>
-          <ac:spMkLst>
-            <pc:docMk/>
-            <pc:sldMk cId="2176878142" sldId="261"/>
-            <ac:spMk id="9" creationId="{F533BA89-8B09-1895-6FE7-F00314F0528E}"/>
-          </ac:spMkLst>
-        </pc:spChg>
-        <pc:picChg chg="add del mod">
-          <ac:chgData name="Trung Nghia Nguyen" userId="caf0b1f78d203fdc" providerId="LiveId" clId="{FA98E611-7EE5-4D53-A8F6-A8478DA16B0D}" dt="2023-03-20T06:33:26.107" v="4982" actId="478"/>
-          <ac:picMkLst>
-            <pc:docMk/>
-            <pc:sldMk cId="2176878142" sldId="261"/>
-            <ac:picMk id="6" creationId="{DBB75A3D-9236-0F32-4DB3-8640590F658C}"/>
-          </ac:picMkLst>
-        </pc:picChg>
-        <pc:picChg chg="add mod">
-          <ac:chgData name="Trung Nghia Nguyen" userId="caf0b1f78d203fdc" providerId="LiveId" clId="{FA98E611-7EE5-4D53-A8F6-A8478DA16B0D}" dt="2023-03-20T06:36:32.318" v="5141" actId="1076"/>
-          <ac:picMkLst>
-            <pc:docMk/>
-            <pc:sldMk cId="2176878142" sldId="261"/>
-            <ac:picMk id="7" creationId="{5878CDCA-64F5-3710-E232-035E68B469AA}"/>
-          </ac:picMkLst>
-        </pc:picChg>
-        <pc:picChg chg="add mod">
-          <ac:chgData name="Trung Nghia Nguyen" userId="caf0b1f78d203fdc" providerId="LiveId" clId="{FA98E611-7EE5-4D53-A8F6-A8478DA16B0D}" dt="2023-03-18T18:02:27.665" v="3498" actId="14100"/>
-          <ac:picMkLst>
-            <pc:docMk/>
-            <pc:sldMk cId="2176878142" sldId="261"/>
-            <ac:picMk id="8" creationId="{CA8451FB-3C2B-4482-8DC3-38D9C773F858}"/>
-          </ac:picMkLst>
-        </pc:picChg>
-        <pc:cxnChg chg="add mod">
-          <ac:chgData name="Trung Nghia Nguyen" userId="caf0b1f78d203fdc" providerId="LiveId" clId="{FA98E611-7EE5-4D53-A8F6-A8478DA16B0D}" dt="2023-03-17T04:38:01.916" v="3027"/>
-          <ac:cxnSpMkLst>
-            <pc:docMk/>
-            <pc:sldMk cId="2176878142" sldId="261"/>
-            <ac:cxnSpMk id="3" creationId="{E9060F41-5A0D-7040-5C8F-79CFAA7E7D72}"/>
-          </ac:cxnSpMkLst>
-        </pc:cxnChg>
-      </pc:sldChg>
-      <pc:sldChg chg="addSp delSp modSp add del mod">
-        <pc:chgData name="Trung Nghia Nguyen" userId="caf0b1f78d203fdc" providerId="LiveId" clId="{FA98E611-7EE5-4D53-A8F6-A8478DA16B0D}" dt="2023-03-17T07:03:47.972" v="3265" actId="2696"/>
-        <pc:sldMkLst>
-          <pc:docMk/>
-          <pc:sldMk cId="875898025" sldId="262"/>
-        </pc:sldMkLst>
-        <pc:spChg chg="mod">
-          <ac:chgData name="Trung Nghia Nguyen" userId="caf0b1f78d203fdc" providerId="LiveId" clId="{FA98E611-7EE5-4D53-A8F6-A8478DA16B0D}" dt="2023-03-16T06:07:49.749" v="1152" actId="20577"/>
-          <ac:spMkLst>
-            <pc:docMk/>
-            <pc:sldMk cId="875898025" sldId="262"/>
-            <ac:spMk id="2" creationId="{30380714-4CD2-9849-80A6-8AC66F97DA6F}"/>
-          </ac:spMkLst>
-        </pc:spChg>
-        <pc:spChg chg="add del mod">
-          <ac:chgData name="Trung Nghia Nguyen" userId="caf0b1f78d203fdc" providerId="LiveId" clId="{FA98E611-7EE5-4D53-A8F6-A8478DA16B0D}" dt="2023-03-17T04:39:07.061" v="3052" actId="478"/>
-          <ac:spMkLst>
-            <pc:docMk/>
-            <pc:sldMk cId="875898025" sldId="262"/>
-            <ac:spMk id="4" creationId="{78B0134D-73F0-E0EE-EAA2-40F53D578455}"/>
-          </ac:spMkLst>
-        </pc:spChg>
-        <pc:spChg chg="add mod">
-          <ac:chgData name="Trung Nghia Nguyen" userId="caf0b1f78d203fdc" providerId="LiveId" clId="{FA98E611-7EE5-4D53-A8F6-A8478DA16B0D}" dt="2023-03-17T04:39:07.317" v="3053"/>
-          <ac:spMkLst>
-            <pc:docMk/>
-            <pc:sldMk cId="875898025" sldId="262"/>
-            <ac:spMk id="5" creationId="{7AF6E6C4-7E4D-6951-DD77-D67FDB08BE33}"/>
-          </ac:spMkLst>
-        </pc:spChg>
-        <pc:spChg chg="add mod">
-          <ac:chgData name="Trung Nghia Nguyen" userId="caf0b1f78d203fdc" providerId="LiveId" clId="{FA98E611-7EE5-4D53-A8F6-A8478DA16B0D}" dt="2023-03-17T06:38:20.448" v="3252" actId="207"/>
-          <ac:spMkLst>
-            <pc:docMk/>
-            <pc:sldMk cId="875898025" sldId="262"/>
-            <ac:spMk id="7" creationId="{C27A575E-AACF-0BC5-FF71-5FCE2C283EAA}"/>
-          </ac:spMkLst>
-        </pc:spChg>
-        <pc:cxnChg chg="add mod">
-          <ac:chgData name="Trung Nghia Nguyen" userId="caf0b1f78d203fdc" providerId="LiveId" clId="{FA98E611-7EE5-4D53-A8F6-A8478DA16B0D}" dt="2023-03-17T04:38:00.559" v="3026"/>
-          <ac:cxnSpMkLst>
-            <pc:docMk/>
-            <pc:sldMk cId="875898025" sldId="262"/>
-            <ac:cxnSpMk id="3" creationId="{C4BB4107-403F-CD25-8D62-E1CD580C39E7}"/>
-          </ac:cxnSpMkLst>
-        </pc:cxnChg>
-      </pc:sldChg>
-      <pc:sldChg chg="addSp delSp modSp add mod">
-        <pc:chgData name="Trung Nghia Nguyen" userId="caf0b1f78d203fdc" providerId="LiveId" clId="{FA98E611-7EE5-4D53-A8F6-A8478DA16B0D}" dt="2023-03-19T19:41:58.154" v="4565" actId="20577"/>
-        <pc:sldMkLst>
-          <pc:docMk/>
-          <pc:sldMk cId="482173432" sldId="263"/>
-        </pc:sldMkLst>
-        <pc:spChg chg="mod">
-          <ac:chgData name="Trung Nghia Nguyen" userId="caf0b1f78d203fdc" providerId="LiveId" clId="{FA98E611-7EE5-4D53-A8F6-A8478DA16B0D}" dt="2023-03-16T06:07:46.511" v="1150" actId="20577"/>
-          <ac:spMkLst>
-            <pc:docMk/>
-            <pc:sldMk cId="482173432" sldId="263"/>
-            <ac:spMk id="2" creationId="{30380714-4CD2-9849-80A6-8AC66F97DA6F}"/>
-          </ac:spMkLst>
-        </pc:spChg>
-        <pc:spChg chg="add del mod">
-          <ac:chgData name="Trung Nghia Nguyen" userId="caf0b1f78d203fdc" providerId="LiveId" clId="{FA98E611-7EE5-4D53-A8F6-A8478DA16B0D}" dt="2023-03-17T04:39:03.344" v="3050" actId="478"/>
-          <ac:spMkLst>
-            <pc:docMk/>
-            <pc:sldMk cId="482173432" sldId="263"/>
-            <ac:spMk id="4" creationId="{A2FC1147-7412-C677-5A5A-BF19366C123D}"/>
-          </ac:spMkLst>
-        </pc:spChg>
-        <pc:spChg chg="add mod">
-          <ac:chgData name="Trung Nghia Nguyen" userId="caf0b1f78d203fdc" providerId="LiveId" clId="{FA98E611-7EE5-4D53-A8F6-A8478DA16B0D}" dt="2023-03-19T19:41:58.154" v="4565" actId="20577"/>
-          <ac:spMkLst>
-            <pc:docMk/>
-            <pc:sldMk cId="482173432" sldId="263"/>
-            <ac:spMk id="5" creationId="{5EFED488-422D-714E-BC8D-1EFFE4EB27EF}"/>
-          </ac:spMkLst>
-        </pc:spChg>
-        <pc:spChg chg="add mod">
-          <ac:chgData name="Trung Nghia Nguyen" userId="caf0b1f78d203fdc" providerId="LiveId" clId="{FA98E611-7EE5-4D53-A8F6-A8478DA16B0D}" dt="2023-03-17T06:23:12.888" v="3165" actId="114"/>
-          <ac:spMkLst>
-            <pc:docMk/>
-            <pc:sldMk cId="482173432" sldId="263"/>
-            <ac:spMk id="6" creationId="{E89CDB90-AF28-D274-AC55-ECC8E0120E31}"/>
-          </ac:spMkLst>
-        </pc:spChg>
-        <pc:picChg chg="add mod">
-          <ac:chgData name="Trung Nghia Nguyen" userId="caf0b1f78d203fdc" providerId="LiveId" clId="{FA98E611-7EE5-4D53-A8F6-A8478DA16B0D}" dt="2023-03-17T06:19:17.560" v="3097" actId="14100"/>
-          <ac:picMkLst>
-            <pc:docMk/>
-            <pc:sldMk cId="482173432" sldId="263"/>
-            <ac:picMk id="8" creationId="{64343610-2239-3C37-0292-61E9C46DADC0}"/>
-          </ac:picMkLst>
-        </pc:picChg>
-        <pc:picChg chg="add mod">
-          <ac:chgData name="Trung Nghia Nguyen" userId="caf0b1f78d203fdc" providerId="LiveId" clId="{FA98E611-7EE5-4D53-A8F6-A8478DA16B0D}" dt="2023-03-17T06:19:27.485" v="3100" actId="14100"/>
-          <ac:picMkLst>
-            <pc:docMk/>
-            <pc:sldMk cId="482173432" sldId="263"/>
-            <ac:picMk id="1026" creationId="{8B6FAEF3-00E8-C2B6-6484-BD77EBFDEA2F}"/>
-          </ac:picMkLst>
-        </pc:picChg>
-        <pc:cxnChg chg="add mod">
-          <ac:chgData name="Trung Nghia Nguyen" userId="caf0b1f78d203fdc" providerId="LiveId" clId="{FA98E611-7EE5-4D53-A8F6-A8478DA16B0D}" dt="2023-03-17T04:37:58.915" v="3025"/>
-          <ac:cxnSpMkLst>
-            <pc:docMk/>
-            <pc:sldMk cId="482173432" sldId="263"/>
-            <ac:cxnSpMk id="3" creationId="{0C90852F-CCF4-2CB4-185D-9BD76C10552E}"/>
-          </ac:cxnSpMkLst>
-        </pc:cxnChg>
-      </pc:sldChg>
-      <pc:sldChg chg="addSp delSp modSp add mod">
-        <pc:chgData name="Trung Nghia Nguyen" userId="caf0b1f78d203fdc" providerId="LiveId" clId="{FA98E611-7EE5-4D53-A8F6-A8478DA16B0D}" dt="2023-03-20T06:36:20.136" v="5138" actId="1076"/>
-        <pc:sldMkLst>
-          <pc:docMk/>
-          <pc:sldMk cId="2895901428" sldId="264"/>
-        </pc:sldMkLst>
-        <pc:spChg chg="mod">
-          <ac:chgData name="Trung Nghia Nguyen" userId="caf0b1f78d203fdc" providerId="LiveId" clId="{FA98E611-7EE5-4D53-A8F6-A8478DA16B0D}" dt="2023-03-16T06:08:02.769" v="1158" actId="20577"/>
-          <ac:spMkLst>
-            <pc:docMk/>
-            <pc:sldMk cId="2895901428" sldId="264"/>
-            <ac:spMk id="2" creationId="{30380714-4CD2-9849-80A6-8AC66F97DA6F}"/>
-          </ac:spMkLst>
-        </pc:spChg>
-        <pc:spChg chg="add del mod">
-          <ac:chgData name="Trung Nghia Nguyen" userId="caf0b1f78d203fdc" providerId="LiveId" clId="{FA98E611-7EE5-4D53-A8F6-A8478DA16B0D}" dt="2023-03-17T04:39:19.392" v="3058" actId="478"/>
-          <ac:spMkLst>
-            <pc:docMk/>
-            <pc:sldMk cId="2895901428" sldId="264"/>
-            <ac:spMk id="4" creationId="{60A99F50-FB46-F4B1-BC79-AB008BB54B45}"/>
-          </ac:spMkLst>
-        </pc:spChg>
-        <pc:spChg chg="add mod">
-          <ac:chgData name="Trung Nghia Nguyen" userId="caf0b1f78d203fdc" providerId="LiveId" clId="{FA98E611-7EE5-4D53-A8F6-A8478DA16B0D}" dt="2023-03-19T19:42:32.285" v="4576" actId="20577"/>
-          <ac:spMkLst>
-            <pc:docMk/>
-            <pc:sldMk cId="2895901428" sldId="264"/>
-            <ac:spMk id="5" creationId="{F5D7CFDC-9C3E-5EB6-442E-0427CF3FD978}"/>
-          </ac:spMkLst>
-        </pc:spChg>
-        <pc:spChg chg="add mod">
-          <ac:chgData name="Trung Nghia Nguyen" userId="caf0b1f78d203fdc" providerId="LiveId" clId="{FA98E611-7EE5-4D53-A8F6-A8478DA16B0D}" dt="2023-03-20T06:36:20.136" v="5138" actId="1076"/>
-          <ac:spMkLst>
-            <pc:docMk/>
-            <pc:sldMk cId="2895901428" sldId="264"/>
-            <ac:spMk id="7" creationId="{F0634F75-D2AC-CBA7-B59B-9BAA1E76EBEC}"/>
-          </ac:spMkLst>
-        </pc:spChg>
-        <pc:picChg chg="add mod">
-          <ac:chgData name="Trung Nghia Nguyen" userId="caf0b1f78d203fdc" providerId="LiveId" clId="{FA98E611-7EE5-4D53-A8F6-A8478DA16B0D}" dt="2023-03-20T06:35:33.823" v="4990" actId="1076"/>
-          <ac:picMkLst>
-            <pc:docMk/>
-            <pc:sldMk cId="2895901428" sldId="264"/>
-            <ac:picMk id="6" creationId="{DCC12B2F-C07E-D6F5-3264-6403237DFCB8}"/>
-          </ac:picMkLst>
-        </pc:picChg>
-        <pc:cxnChg chg="add mod">
-          <ac:chgData name="Trung Nghia Nguyen" userId="caf0b1f78d203fdc" providerId="LiveId" clId="{FA98E611-7EE5-4D53-A8F6-A8478DA16B0D}" dt="2023-03-17T04:38:04.341" v="3029"/>
-          <ac:cxnSpMkLst>
-            <pc:docMk/>
-            <pc:sldMk cId="2895901428" sldId="264"/>
-            <ac:cxnSpMk id="3" creationId="{000902B5-E704-F9CF-DC0B-DDD6C94EF140}"/>
-          </ac:cxnSpMkLst>
-        </pc:cxnChg>
-      </pc:sldChg>
-      <pc:sldChg chg="addSp delSp modSp add mod replId">
-        <pc:chgData name="Trung Nghia Nguyen" userId="caf0b1f78d203fdc" providerId="LiveId" clId="{FA98E611-7EE5-4D53-A8F6-A8478DA16B0D}" dt="2023-03-20T06:38:22.794" v="5343" actId="115"/>
-        <pc:sldMkLst>
-          <pc:docMk/>
-          <pc:sldMk cId="4283605162" sldId="265"/>
-        </pc:sldMkLst>
-        <pc:spChg chg="mod">
-          <ac:chgData name="Trung Nghia Nguyen" userId="caf0b1f78d203fdc" providerId="LiveId" clId="{FA98E611-7EE5-4D53-A8F6-A8478DA16B0D}" dt="2023-03-16T06:08:47.041" v="1174" actId="20577"/>
-          <ac:spMkLst>
-            <pc:docMk/>
-            <pc:sldMk cId="4283605162" sldId="265"/>
-            <ac:spMk id="2" creationId="{30380714-4CD2-9849-80A6-8AC66F97DA6F}"/>
-          </ac:spMkLst>
-        </pc:spChg>
-        <pc:spChg chg="add del mod">
-          <ac:chgData name="Trung Nghia Nguyen" userId="caf0b1f78d203fdc" providerId="LiveId" clId="{FA98E611-7EE5-4D53-A8F6-A8478DA16B0D}" dt="2023-03-17T04:39:27.464" v="3062" actId="478"/>
-          <ac:spMkLst>
-            <pc:docMk/>
-            <pc:sldMk cId="4283605162" sldId="265"/>
-            <ac:spMk id="4" creationId="{3384EA73-795D-DBBD-C798-301784B97C0D}"/>
-          </ac:spMkLst>
-        </pc:spChg>
-        <pc:spChg chg="add mod">
-          <ac:chgData name="Trung Nghia Nguyen" userId="caf0b1f78d203fdc" providerId="LiveId" clId="{FA98E611-7EE5-4D53-A8F6-A8478DA16B0D}" dt="2023-03-18T18:06:10.161" v="3553" actId="114"/>
-          <ac:spMkLst>
-            <pc:docMk/>
-            <pc:sldMk cId="4283605162" sldId="265"/>
-            <ac:spMk id="4" creationId="{6155AFF2-5D57-35C2-5FA4-18DC56B50EDC}"/>
-          </ac:spMkLst>
-        </pc:spChg>
-        <pc:spChg chg="add mod">
-          <ac:chgData name="Trung Nghia Nguyen" userId="caf0b1f78d203fdc" providerId="LiveId" clId="{FA98E611-7EE5-4D53-A8F6-A8478DA16B0D}" dt="2023-03-19T19:42:46.679" v="4580" actId="20577"/>
-          <ac:spMkLst>
-            <pc:docMk/>
-            <pc:sldMk cId="4283605162" sldId="265"/>
-            <ac:spMk id="5" creationId="{C636AC51-235F-27C4-310D-353DA6ACFACB}"/>
-          </ac:spMkLst>
-        </pc:spChg>
-        <pc:spChg chg="add del mod">
-          <ac:chgData name="Trung Nghia Nguyen" userId="caf0b1f78d203fdc" providerId="LiveId" clId="{FA98E611-7EE5-4D53-A8F6-A8478DA16B0D}" dt="2023-03-20T06:37:36.898" v="5229" actId="478"/>
-          <ac:spMkLst>
-            <pc:docMk/>
-            <pc:sldMk cId="4283605162" sldId="265"/>
-            <ac:spMk id="6" creationId="{34952638-B22F-A601-ABB7-40D3A03CAF10}"/>
-          </ac:spMkLst>
-        </pc:spChg>
-        <pc:spChg chg="add mod">
-          <ac:chgData name="Trung Nghia Nguyen" userId="caf0b1f78d203fdc" providerId="LiveId" clId="{FA98E611-7EE5-4D53-A8F6-A8478DA16B0D}" dt="2023-03-20T06:37:43.908" v="5254" actId="1035"/>
-          <ac:spMkLst>
-            <pc:docMk/>
-            <pc:sldMk cId="4283605162" sldId="265"/>
-            <ac:spMk id="8" creationId="{5B6ADF82-7127-B1E1-AB08-85E9AFA2C229}"/>
-          </ac:spMkLst>
-        </pc:spChg>
-        <pc:spChg chg="add mod">
-          <ac:chgData name="Trung Nghia Nguyen" userId="caf0b1f78d203fdc" providerId="LiveId" clId="{FA98E611-7EE5-4D53-A8F6-A8478DA16B0D}" dt="2023-03-20T06:38:22.794" v="5343" actId="115"/>
-          <ac:spMkLst>
-            <pc:docMk/>
-            <pc:sldMk cId="4283605162" sldId="265"/>
-            <ac:spMk id="9" creationId="{07192213-4093-B158-7615-5C02C5D78E3C}"/>
-          </ac:spMkLst>
-        </pc:spChg>
-        <pc:spChg chg="add mod">
-          <ac:chgData name="Trung Nghia Nguyen" userId="caf0b1f78d203fdc" providerId="LiveId" clId="{FA98E611-7EE5-4D53-A8F6-A8478DA16B0D}" dt="2023-03-20T06:37:48.962" v="5255" actId="1076"/>
-          <ac:spMkLst>
-            <pc:docMk/>
-            <pc:sldMk cId="4283605162" sldId="265"/>
-            <ac:spMk id="12" creationId="{C28A47A4-273C-2F4E-0D9B-7FF4CE6F8FC8}"/>
-          </ac:spMkLst>
-        </pc:spChg>
-        <pc:spChg chg="mod">
-          <ac:chgData name="Trung Nghia Nguyen" userId="caf0b1f78d203fdc" providerId="LiveId" clId="{FA98E611-7EE5-4D53-A8F6-A8478DA16B0D}" dt="2023-03-16T06:08:20.795" v="1172" actId="20577"/>
-          <ac:spMkLst>
-            <pc:docMk/>
-            <pc:sldMk cId="4283605162" sldId="265"/>
-            <ac:spMk id="14" creationId="{63B4AB36-B54A-EA5C-2A74-F2C80BE0CBC4}"/>
-          </ac:spMkLst>
-        </pc:spChg>
-        <pc:picChg chg="add mod">
-          <ac:chgData name="Trung Nghia Nguyen" userId="caf0b1f78d203fdc" providerId="LiveId" clId="{FA98E611-7EE5-4D53-A8F6-A8478DA16B0D}" dt="2023-03-18T18:06:37.350" v="3555" actId="1076"/>
-          <ac:picMkLst>
-            <pc:docMk/>
-            <pc:sldMk cId="4283605162" sldId="265"/>
-            <ac:picMk id="7" creationId="{9BE015F4-B740-114F-C17A-D68586C61382}"/>
-          </ac:picMkLst>
-        </pc:picChg>
-        <pc:picChg chg="add mod">
-          <ac:chgData name="Trung Nghia Nguyen" userId="caf0b1f78d203fdc" providerId="LiveId" clId="{FA98E611-7EE5-4D53-A8F6-A8478DA16B0D}" dt="2023-03-20T06:37:43.908" v="5254" actId="1035"/>
-          <ac:picMkLst>
-            <pc:docMk/>
-            <pc:sldMk cId="4283605162" sldId="265"/>
-            <ac:picMk id="10" creationId="{64FFD8A3-EA3E-8803-1A9E-83B9D68AD773}"/>
-          </ac:picMkLst>
-        </pc:picChg>
-        <pc:picChg chg="add mod">
-          <ac:chgData name="Trung Nghia Nguyen" userId="caf0b1f78d203fdc" providerId="LiveId" clId="{FA98E611-7EE5-4D53-A8F6-A8478DA16B0D}" dt="2023-03-20T06:37:52.028" v="5256" actId="1076"/>
-          <ac:picMkLst>
-            <pc:docMk/>
-            <pc:sldMk cId="4283605162" sldId="265"/>
-            <ac:picMk id="15" creationId="{E1B123BE-4EEC-7C2E-0D92-C3C0811176CB}"/>
-          </ac:picMkLst>
-        </pc:picChg>
-        <pc:cxnChg chg="add mod">
-          <ac:chgData name="Trung Nghia Nguyen" userId="caf0b1f78d203fdc" providerId="LiveId" clId="{FA98E611-7EE5-4D53-A8F6-A8478DA16B0D}" dt="2023-03-17T04:38:07.552" v="3031"/>
-          <ac:cxnSpMkLst>
-            <pc:docMk/>
-            <pc:sldMk cId="4283605162" sldId="265"/>
-            <ac:cxnSpMk id="3" creationId="{2CD06583-66AF-701D-3EFB-7B57FC7CBC60}"/>
-          </ac:cxnSpMkLst>
-        </pc:cxnChg>
-      </pc:sldChg>
-      <pc:sldChg chg="addSp delSp modSp add mod replId">
-        <pc:chgData name="Trung Nghia Nguyen" userId="caf0b1f78d203fdc" providerId="LiveId" clId="{FA98E611-7EE5-4D53-A8F6-A8478DA16B0D}" dt="2023-03-20T06:38:57.002" v="5372" actId="1076"/>
-        <pc:sldMkLst>
-          <pc:docMk/>
-          <pc:sldMk cId="1755807355" sldId="266"/>
-        </pc:sldMkLst>
-        <pc:spChg chg="mod">
-          <ac:chgData name="Trung Nghia Nguyen" userId="caf0b1f78d203fdc" providerId="LiveId" clId="{FA98E611-7EE5-4D53-A8F6-A8478DA16B0D}" dt="2023-03-16T06:08:54.022" v="1178" actId="20577"/>
-          <ac:spMkLst>
-            <pc:docMk/>
-            <pc:sldMk cId="1755807355" sldId="266"/>
-            <ac:spMk id="2" creationId="{30380714-4CD2-9849-80A6-8AC66F97DA6F}"/>
-          </ac:spMkLst>
-        </pc:spChg>
-        <pc:spChg chg="add del mod">
-          <ac:chgData name="Trung Nghia Nguyen" userId="caf0b1f78d203fdc" providerId="LiveId" clId="{FA98E611-7EE5-4D53-A8F6-A8478DA16B0D}" dt="2023-03-17T04:39:31.432" v="3064" actId="478"/>
-          <ac:spMkLst>
-            <pc:docMk/>
-            <pc:sldMk cId="1755807355" sldId="266"/>
-            <ac:spMk id="4" creationId="{9FC5A47E-E156-CE54-D964-B05D97E3E440}"/>
-          </ac:spMkLst>
-        </pc:spChg>
-        <pc:spChg chg="add del mod">
-          <ac:chgData name="Trung Nghia Nguyen" userId="caf0b1f78d203fdc" providerId="LiveId" clId="{FA98E611-7EE5-4D53-A8F6-A8478DA16B0D}" dt="2023-03-20T06:38:36.545" v="5346" actId="478"/>
-          <ac:spMkLst>
-            <pc:docMk/>
-            <pc:sldMk cId="1755807355" sldId="266"/>
-            <ac:spMk id="4" creationId="{AAB22F9D-7A5E-4401-A0CB-A63DA021226F}"/>
-          </ac:spMkLst>
-        </pc:spChg>
-        <pc:spChg chg="add mod">
-          <ac:chgData name="Trung Nghia Nguyen" userId="caf0b1f78d203fdc" providerId="LiveId" clId="{FA98E611-7EE5-4D53-A8F6-A8478DA16B0D}" dt="2023-03-19T19:42:52.243" v="4581" actId="20577"/>
-          <ac:spMkLst>
-            <pc:docMk/>
-            <pc:sldMk cId="1755807355" sldId="266"/>
-            <ac:spMk id="5" creationId="{5A7DF51B-1976-A0EB-6F7B-B4A2CB037D53}"/>
-          </ac:spMkLst>
-        </pc:spChg>
-        <pc:spChg chg="add mod">
-          <ac:chgData name="Trung Nghia Nguyen" userId="caf0b1f78d203fdc" providerId="LiveId" clId="{FA98E611-7EE5-4D53-A8F6-A8478DA16B0D}" dt="2023-03-20T06:38:57.002" v="5372" actId="1076"/>
-          <ac:spMkLst>
-            <pc:docMk/>
-            <pc:sldMk cId="1755807355" sldId="266"/>
-            <ac:spMk id="7" creationId="{41F3B00E-EEC6-C3C0-4054-6A44FFDA2129}"/>
-          </ac:spMkLst>
-        </pc:spChg>
-        <pc:spChg chg="mod">
-          <ac:chgData name="Trung Nghia Nguyen" userId="caf0b1f78d203fdc" providerId="LiveId" clId="{FA98E611-7EE5-4D53-A8F6-A8478DA16B0D}" dt="2023-03-16T06:16:56.623" v="1489" actId="20577"/>
-          <ac:spMkLst>
-            <pc:docMk/>
-            <pc:sldMk cId="1755807355" sldId="266"/>
-            <ac:spMk id="14" creationId="{63B4AB36-B54A-EA5C-2A74-F2C80BE0CBC4}"/>
-          </ac:spMkLst>
-        </pc:spChg>
-        <pc:picChg chg="add del mod modCrop">
-          <ac:chgData name="Trung Nghia Nguyen" userId="caf0b1f78d203fdc" providerId="LiveId" clId="{FA98E611-7EE5-4D53-A8F6-A8478DA16B0D}" dt="2023-03-18T18:13:54.951" v="3582" actId="21"/>
-          <ac:picMkLst>
-            <pc:docMk/>
-            <pc:sldMk cId="1755807355" sldId="266"/>
-            <ac:picMk id="6" creationId="{22C59D75-28CE-46F5-5707-658FE476BFDD}"/>
-          </ac:picMkLst>
-        </pc:picChg>
-        <pc:picChg chg="add mod">
-          <ac:chgData name="Trung Nghia Nguyen" userId="caf0b1f78d203fdc" providerId="LiveId" clId="{FA98E611-7EE5-4D53-A8F6-A8478DA16B0D}" dt="2023-03-20T06:38:34.458" v="5345" actId="1076"/>
-          <ac:picMkLst>
-            <pc:docMk/>
-            <pc:sldMk cId="1755807355" sldId="266"/>
-            <ac:picMk id="6" creationId="{F965E609-B8C6-9840-FCA8-51EC5CD8ADD1}"/>
-          </ac:picMkLst>
-        </pc:picChg>
-        <pc:cxnChg chg="add mod">
-          <ac:chgData name="Trung Nghia Nguyen" userId="caf0b1f78d203fdc" providerId="LiveId" clId="{FA98E611-7EE5-4D53-A8F6-A8478DA16B0D}" dt="2023-03-17T04:38:09.225" v="3032"/>
-          <ac:cxnSpMkLst>
-            <pc:docMk/>
-            <pc:sldMk cId="1755807355" sldId="266"/>
-            <ac:cxnSpMk id="3" creationId="{A6209D13-18E2-CE90-A8FC-47240D1DB3DD}"/>
-          </ac:cxnSpMkLst>
-        </pc:cxnChg>
-      </pc:sldChg>
-      <pc:sldChg chg="addSp delSp modSp add mod replId">
-        <pc:chgData name="Trung Nghia Nguyen" userId="caf0b1f78d203fdc" providerId="LiveId" clId="{FA98E611-7EE5-4D53-A8F6-A8478DA16B0D}" dt="2023-03-20T06:46:22.745" v="5552" actId="1076"/>
-        <pc:sldMkLst>
-          <pc:docMk/>
-          <pc:sldMk cId="420754388" sldId="267"/>
-        </pc:sldMkLst>
-        <pc:spChg chg="mod">
-          <ac:chgData name="Trung Nghia Nguyen" userId="caf0b1f78d203fdc" providerId="LiveId" clId="{FA98E611-7EE5-4D53-A8F6-A8478DA16B0D}" dt="2023-03-16T06:09:05.191" v="1182" actId="20577"/>
-          <ac:spMkLst>
-            <pc:docMk/>
-            <pc:sldMk cId="420754388" sldId="267"/>
-            <ac:spMk id="2" creationId="{30380714-4CD2-9849-80A6-8AC66F97DA6F}"/>
-          </ac:spMkLst>
-        </pc:spChg>
-        <pc:spChg chg="add del mod">
-          <ac:chgData name="Trung Nghia Nguyen" userId="caf0b1f78d203fdc" providerId="LiveId" clId="{FA98E611-7EE5-4D53-A8F6-A8478DA16B0D}" dt="2023-03-17T04:39:35.292" v="3066" actId="478"/>
-          <ac:spMkLst>
-            <pc:docMk/>
-            <pc:sldMk cId="420754388" sldId="267"/>
-            <ac:spMk id="4" creationId="{5B057441-CC31-82D0-2A61-D4C277283FF0}"/>
-          </ac:spMkLst>
-        </pc:spChg>
-        <pc:spChg chg="add mod">
-          <ac:chgData name="Trung Nghia Nguyen" userId="caf0b1f78d203fdc" providerId="LiveId" clId="{FA98E611-7EE5-4D53-A8F6-A8478DA16B0D}" dt="2023-03-19T19:42:55.901" v="4582" actId="20577"/>
-          <ac:spMkLst>
-            <pc:docMk/>
-            <pc:sldMk cId="420754388" sldId="267"/>
-            <ac:spMk id="5" creationId="{5AE77F4E-29AF-200B-741F-D59D22548F68}"/>
-          </ac:spMkLst>
-        </pc:spChg>
-        <pc:spChg chg="add mod">
-          <ac:chgData name="Trung Nghia Nguyen" userId="caf0b1f78d203fdc" providerId="LiveId" clId="{FA98E611-7EE5-4D53-A8F6-A8478DA16B0D}" dt="2023-03-20T06:46:22.745" v="5552" actId="1076"/>
-          <ac:spMkLst>
-            <pc:docMk/>
-            <pc:sldMk cId="420754388" sldId="267"/>
-            <ac:spMk id="6" creationId="{F3459CBF-C8CB-D11F-4C1C-7F3691FB67D3}"/>
-          </ac:spMkLst>
-        </pc:spChg>
-        <pc:spChg chg="mod">
-          <ac:chgData name="Trung Nghia Nguyen" userId="caf0b1f78d203fdc" providerId="LiveId" clId="{FA98E611-7EE5-4D53-A8F6-A8478DA16B0D}" dt="2023-03-16T06:17:02.365" v="1503" actId="20577"/>
-          <ac:spMkLst>
-            <pc:docMk/>
-            <pc:sldMk cId="420754388" sldId="267"/>
-            <ac:spMk id="14" creationId="{63B4AB36-B54A-EA5C-2A74-F2C80BE0CBC4}"/>
-          </ac:spMkLst>
-        </pc:spChg>
-        <pc:picChg chg="add del mod">
-          <ac:chgData name="Trung Nghia Nguyen" userId="caf0b1f78d203fdc" providerId="LiveId" clId="{FA98E611-7EE5-4D53-A8F6-A8478DA16B0D}" dt="2023-03-20T06:46:09.964" v="5548" actId="478"/>
-          <ac:picMkLst>
-            <pc:docMk/>
-            <pc:sldMk cId="420754388" sldId="267"/>
-            <ac:picMk id="4" creationId="{E12BC0F1-607B-17E9-1754-F5489A61089A}"/>
-          </ac:picMkLst>
-        </pc:picChg>
-        <pc:picChg chg="add mod">
-          <ac:chgData name="Trung Nghia Nguyen" userId="caf0b1f78d203fdc" providerId="LiveId" clId="{FA98E611-7EE5-4D53-A8F6-A8478DA16B0D}" dt="2023-03-20T06:46:17.898" v="5551" actId="1076"/>
-          <ac:picMkLst>
-            <pc:docMk/>
-            <pc:sldMk cId="420754388" sldId="267"/>
-            <ac:picMk id="1026" creationId="{0DDEF103-57C2-30E2-ED3E-9AB7C6BA55E4}"/>
-          </ac:picMkLst>
-        </pc:picChg>
-        <pc:cxnChg chg="add mod">
-          <ac:chgData name="Trung Nghia Nguyen" userId="caf0b1f78d203fdc" providerId="LiveId" clId="{FA98E611-7EE5-4D53-A8F6-A8478DA16B0D}" dt="2023-03-17T04:38:10.896" v="3033"/>
-          <ac:cxnSpMkLst>
-            <pc:docMk/>
-            <pc:sldMk cId="420754388" sldId="267"/>
-            <ac:cxnSpMk id="3" creationId="{C2A7E5D0-0732-35D5-18A2-C5CE2320D9B6}"/>
-          </ac:cxnSpMkLst>
-        </pc:cxnChg>
-      </pc:sldChg>
-      <pc:sldChg chg="addSp delSp modSp add mod replId">
-        <pc:chgData name="Trung Nghia Nguyen" userId="caf0b1f78d203fdc" providerId="LiveId" clId="{FA98E611-7EE5-4D53-A8F6-A8478DA16B0D}" dt="2023-03-20T06:25:48.812" v="4856" actId="1076"/>
-        <pc:sldMkLst>
-          <pc:docMk/>
-          <pc:sldMk cId="1800081090" sldId="268"/>
-        </pc:sldMkLst>
-        <pc:spChg chg="mod">
-          <ac:chgData name="Trung Nghia Nguyen" userId="caf0b1f78d203fdc" providerId="LiveId" clId="{FA98E611-7EE5-4D53-A8F6-A8478DA16B0D}" dt="2023-03-16T06:09:09.571" v="1186" actId="20577"/>
-          <ac:spMkLst>
-            <pc:docMk/>
-            <pc:sldMk cId="1800081090" sldId="268"/>
-            <ac:spMk id="2" creationId="{30380714-4CD2-9849-80A6-8AC66F97DA6F}"/>
-          </ac:spMkLst>
-        </pc:spChg>
-        <pc:spChg chg="add del mod">
-          <ac:chgData name="Trung Nghia Nguyen" userId="caf0b1f78d203fdc" providerId="LiveId" clId="{FA98E611-7EE5-4D53-A8F6-A8478DA16B0D}" dt="2023-03-17T04:39:40.169" v="3068" actId="478"/>
-          <ac:spMkLst>
-            <pc:docMk/>
-            <pc:sldMk cId="1800081090" sldId="268"/>
-            <ac:spMk id="4" creationId="{FC0C686F-2BB6-97A5-A2E3-8228181D7A3F}"/>
-          </ac:spMkLst>
-        </pc:spChg>
-        <pc:spChg chg="add mod">
-          <ac:chgData name="Trung Nghia Nguyen" userId="caf0b1f78d203fdc" providerId="LiveId" clId="{FA98E611-7EE5-4D53-A8F6-A8478DA16B0D}" dt="2023-03-19T19:43:00.657" v="4583" actId="20577"/>
-          <ac:spMkLst>
-            <pc:docMk/>
-            <pc:sldMk cId="1800081090" sldId="268"/>
-            <ac:spMk id="5" creationId="{1D7A3032-17B2-6AEA-AC88-9349A439BD22}"/>
-          </ac:spMkLst>
-        </pc:spChg>
-        <pc:spChg chg="add mod">
-          <ac:chgData name="Trung Nghia Nguyen" userId="caf0b1f78d203fdc" providerId="LiveId" clId="{FA98E611-7EE5-4D53-A8F6-A8478DA16B0D}" dt="2023-03-20T06:25:48.812" v="4856" actId="1076"/>
-          <ac:spMkLst>
-            <pc:docMk/>
-            <pc:sldMk cId="1800081090" sldId="268"/>
-            <ac:spMk id="7" creationId="{EB47DA29-9FCC-30CE-0883-F7F361D9198F}"/>
-          </ac:spMkLst>
-        </pc:spChg>
-        <pc:spChg chg="mod">
-          <ac:chgData name="Trung Nghia Nguyen" userId="caf0b1f78d203fdc" providerId="LiveId" clId="{FA98E611-7EE5-4D53-A8F6-A8478DA16B0D}" dt="2023-03-16T06:17:09.861" v="1517" actId="20577"/>
-          <ac:spMkLst>
-            <pc:docMk/>
-            <pc:sldMk cId="1800081090" sldId="268"/>
-            <ac:spMk id="14" creationId="{63B4AB36-B54A-EA5C-2A74-F2C80BE0CBC4}"/>
-          </ac:spMkLst>
-        </pc:spChg>
-        <pc:picChg chg="add mod ord">
-          <ac:chgData name="Trung Nghia Nguyen" userId="caf0b1f78d203fdc" providerId="LiveId" clId="{FA98E611-7EE5-4D53-A8F6-A8478DA16B0D}" dt="2023-03-20T06:25:20.301" v="4812" actId="1076"/>
-          <ac:picMkLst>
-            <pc:docMk/>
-            <pc:sldMk cId="1800081090" sldId="268"/>
-            <ac:picMk id="6" creationId="{17B1B28A-E020-8A31-7198-F20684828AFD}"/>
-          </ac:picMkLst>
-        </pc:picChg>
-        <pc:cxnChg chg="add mod">
-          <ac:chgData name="Trung Nghia Nguyen" userId="caf0b1f78d203fdc" providerId="LiveId" clId="{FA98E611-7EE5-4D53-A8F6-A8478DA16B0D}" dt="2023-03-17T04:38:12.276" v="3034"/>
-          <ac:cxnSpMkLst>
-            <pc:docMk/>
-            <pc:sldMk cId="1800081090" sldId="268"/>
-            <ac:cxnSpMk id="3" creationId="{BAC105F8-C950-5DDE-6CB7-BB032057CD4E}"/>
-          </ac:cxnSpMkLst>
-        </pc:cxnChg>
-      </pc:sldChg>
-      <pc:sldChg chg="addSp delSp modSp add mod">
-        <pc:chgData name="Trung Nghia Nguyen" userId="caf0b1f78d203fdc" providerId="LiveId" clId="{FA98E611-7EE5-4D53-A8F6-A8478DA16B0D}" dt="2023-03-20T06:40:30.436" v="5472" actId="1076"/>
-        <pc:sldMkLst>
-          <pc:docMk/>
-          <pc:sldMk cId="4260099494" sldId="269"/>
-        </pc:sldMkLst>
-        <pc:spChg chg="mod">
-          <ac:chgData name="Trung Nghia Nguyen" userId="caf0b1f78d203fdc" providerId="LiveId" clId="{FA98E611-7EE5-4D53-A8F6-A8478DA16B0D}" dt="2023-03-16T06:09:28.908" v="1189" actId="20577"/>
-          <ac:spMkLst>
-            <pc:docMk/>
-            <pc:sldMk cId="4260099494" sldId="269"/>
-            <ac:spMk id="2" creationId="{30380714-4CD2-9849-80A6-8AC66F97DA6F}"/>
-          </ac:spMkLst>
-        </pc:spChg>
-        <pc:spChg chg="add del mod">
-          <ac:chgData name="Trung Nghia Nguyen" userId="caf0b1f78d203fdc" providerId="LiveId" clId="{FA98E611-7EE5-4D53-A8F6-A8478DA16B0D}" dt="2023-03-17T04:39:43.792" v="3070" actId="478"/>
-          <ac:spMkLst>
-            <pc:docMk/>
-            <pc:sldMk cId="4260099494" sldId="269"/>
-            <ac:spMk id="4" creationId="{4A9B31A6-4583-92AA-E2E8-0E1B56527FAB}"/>
-          </ac:spMkLst>
-        </pc:spChg>
-        <pc:spChg chg="add mod">
-          <ac:chgData name="Trung Nghia Nguyen" userId="caf0b1f78d203fdc" providerId="LiveId" clId="{FA98E611-7EE5-4D53-A8F6-A8478DA16B0D}" dt="2023-03-20T06:40:30.436" v="5472" actId="1076"/>
-          <ac:spMkLst>
-            <pc:docMk/>
-            <pc:sldMk cId="4260099494" sldId="269"/>
-            <ac:spMk id="4" creationId="{85BE9376-B78B-4D14-03B7-71E92F2B4246}"/>
-          </ac:spMkLst>
-        </pc:spChg>
-        <pc:spChg chg="add mod">
-          <ac:chgData name="Trung Nghia Nguyen" userId="caf0b1f78d203fdc" providerId="LiveId" clId="{FA98E611-7EE5-4D53-A8F6-A8478DA16B0D}" dt="2023-03-19T19:43:05.507" v="4586" actId="20577"/>
-          <ac:spMkLst>
-            <pc:docMk/>
-            <pc:sldMk cId="4260099494" sldId="269"/>
-            <ac:spMk id="5" creationId="{44F9D552-E912-19E9-0162-3E4C662F5413}"/>
-          </ac:spMkLst>
-        </pc:spChg>
-        <pc:spChg chg="mod">
-          <ac:chgData name="Trung Nghia Nguyen" userId="caf0b1f78d203fdc" providerId="LiveId" clId="{FA98E611-7EE5-4D53-A8F6-A8478DA16B0D}" dt="2023-03-16T06:17:18.839" v="1535" actId="20577"/>
-          <ac:spMkLst>
-            <pc:docMk/>
-            <pc:sldMk cId="4260099494" sldId="269"/>
-            <ac:spMk id="14" creationId="{63B4AB36-B54A-EA5C-2A74-F2C80BE0CBC4}"/>
-          </ac:spMkLst>
-        </pc:spChg>
-        <pc:picChg chg="add mod ord">
-          <ac:chgData name="Trung Nghia Nguyen" userId="caf0b1f78d203fdc" providerId="LiveId" clId="{FA98E611-7EE5-4D53-A8F6-A8478DA16B0D}" dt="2023-03-18T18:27:23.003" v="3592" actId="1076"/>
-          <ac:picMkLst>
-            <pc:docMk/>
-            <pc:sldMk cId="4260099494" sldId="269"/>
-            <ac:picMk id="6" creationId="{373DC444-4599-D269-D2D6-A3F6CA69A851}"/>
-          </ac:picMkLst>
-        </pc:picChg>
-        <pc:cxnChg chg="add mod">
-          <ac:chgData name="Trung Nghia Nguyen" userId="caf0b1f78d203fdc" providerId="LiveId" clId="{FA98E611-7EE5-4D53-A8F6-A8478DA16B0D}" dt="2023-03-17T04:38:13.996" v="3035"/>
-          <ac:cxnSpMkLst>
-            <pc:docMk/>
-            <pc:sldMk cId="4260099494" sldId="269"/>
-            <ac:cxnSpMk id="3" creationId="{ACBF7746-FE0E-173A-5173-1104D3149676}"/>
-          </ac:cxnSpMkLst>
-        </pc:cxnChg>
-      </pc:sldChg>
-      <pc:sldChg chg="addSp delSp modSp add mod">
-        <pc:chgData name="Trung Nghia Nguyen" userId="caf0b1f78d203fdc" providerId="LiveId" clId="{FA98E611-7EE5-4D53-A8F6-A8478DA16B0D}" dt="2023-03-20T07:02:09.542" v="5649" actId="1076"/>
-        <pc:sldMkLst>
-          <pc:docMk/>
-          <pc:sldMk cId="2511818953" sldId="270"/>
-        </pc:sldMkLst>
-        <pc:spChg chg="mod">
-          <ac:chgData name="Trung Nghia Nguyen" userId="caf0b1f78d203fdc" providerId="LiveId" clId="{FA98E611-7EE5-4D53-A8F6-A8478DA16B0D}" dt="2023-03-16T06:10:07.671" v="1198" actId="20577"/>
-          <ac:spMkLst>
-            <pc:docMk/>
-            <pc:sldMk cId="2511818953" sldId="270"/>
-            <ac:spMk id="2" creationId="{30380714-4CD2-9849-80A6-8AC66F97DA6F}"/>
-          </ac:spMkLst>
-        </pc:spChg>
-        <pc:spChg chg="add del mod">
-          <ac:chgData name="Trung Nghia Nguyen" userId="caf0b1f78d203fdc" providerId="LiveId" clId="{FA98E611-7EE5-4D53-A8F6-A8478DA16B0D}" dt="2023-03-17T04:39:50.628" v="3074" actId="478"/>
-          <ac:spMkLst>
-            <pc:docMk/>
-            <pc:sldMk cId="2511818953" sldId="270"/>
-            <ac:spMk id="4" creationId="{AFB91D5C-95A0-4C14-9E44-3E33C99FBE7F}"/>
-          </ac:spMkLst>
-        </pc:spChg>
-        <pc:spChg chg="add mod">
-          <ac:chgData name="Trung Nghia Nguyen" userId="caf0b1f78d203fdc" providerId="LiveId" clId="{FA98E611-7EE5-4D53-A8F6-A8478DA16B0D}" dt="2023-03-20T07:02:09.542" v="5649" actId="1076"/>
-          <ac:spMkLst>
-            <pc:docMk/>
-            <pc:sldMk cId="2511818953" sldId="270"/>
-            <ac:spMk id="4" creationId="{C9A8F3A0-7BA7-04C0-6A45-BDCDED7689FE}"/>
-          </ac:spMkLst>
-        </pc:spChg>
-        <pc:spChg chg="add mod">
-          <ac:chgData name="Trung Nghia Nguyen" userId="caf0b1f78d203fdc" providerId="LiveId" clId="{FA98E611-7EE5-4D53-A8F6-A8478DA16B0D}" dt="2023-03-19T19:43:14.363" v="4590" actId="20577"/>
-          <ac:spMkLst>
-            <pc:docMk/>
-            <pc:sldMk cId="2511818953" sldId="270"/>
-            <ac:spMk id="5" creationId="{7E679B62-7EFE-6C17-20E7-5EFB751FBD73}"/>
-          </ac:spMkLst>
-        </pc:spChg>
-        <pc:spChg chg="mod">
-          <ac:chgData name="Trung Nghia Nguyen" userId="caf0b1f78d203fdc" providerId="LiveId" clId="{FA98E611-7EE5-4D53-A8F6-A8478DA16B0D}" dt="2023-03-16T06:10:22.239" v="1205" actId="20577"/>
-          <ac:spMkLst>
-            <pc:docMk/>
-            <pc:sldMk cId="2511818953" sldId="270"/>
-            <ac:spMk id="14" creationId="{63B4AB36-B54A-EA5C-2A74-F2C80BE0CBC4}"/>
-          </ac:spMkLst>
-        </pc:spChg>
-        <pc:picChg chg="add del mod">
-          <ac:chgData name="Trung Nghia Nguyen" userId="caf0b1f78d203fdc" providerId="LiveId" clId="{FA98E611-7EE5-4D53-A8F6-A8478DA16B0D}" dt="2023-03-18T18:30:02.221" v="3595" actId="478"/>
-          <ac:picMkLst>
-            <pc:docMk/>
-            <pc:sldMk cId="2511818953" sldId="270"/>
-            <ac:picMk id="6" creationId="{83246909-A1CC-816B-D558-2403AE26644F}"/>
-          </ac:picMkLst>
-        </pc:picChg>
-        <pc:picChg chg="add del mod">
-          <ac:chgData name="Trung Nghia Nguyen" userId="caf0b1f78d203fdc" providerId="LiveId" clId="{FA98E611-7EE5-4D53-A8F6-A8478DA16B0D}" dt="2023-03-18T18:31:57.248" v="3598" actId="478"/>
-          <ac:picMkLst>
-            <pc:docMk/>
-            <pc:sldMk cId="2511818953" sldId="270"/>
-            <ac:picMk id="8" creationId="{886B370D-F837-49D0-4BAA-2CBF68A486EA}"/>
-          </ac:picMkLst>
-        </pc:picChg>
-        <pc:picChg chg="add mod">
-          <ac:chgData name="Trung Nghia Nguyen" userId="caf0b1f78d203fdc" providerId="LiveId" clId="{FA98E611-7EE5-4D53-A8F6-A8478DA16B0D}" dt="2023-03-20T07:01:40.251" v="5555" actId="14100"/>
-          <ac:picMkLst>
-            <pc:docMk/>
-            <pc:sldMk cId="2511818953" sldId="270"/>
-            <ac:picMk id="10" creationId="{18007800-E682-98CF-F763-93064B193CD7}"/>
-          </ac:picMkLst>
-        </pc:picChg>
-        <pc:picChg chg="add mod">
-          <ac:chgData name="Trung Nghia Nguyen" userId="caf0b1f78d203fdc" providerId="LiveId" clId="{FA98E611-7EE5-4D53-A8F6-A8478DA16B0D}" dt="2023-03-20T07:01:42.097" v="5556" actId="1076"/>
-          <ac:picMkLst>
-            <pc:docMk/>
-            <pc:sldMk cId="2511818953" sldId="270"/>
-            <ac:picMk id="13" creationId="{5ECDC6C7-6458-4D2B-BD68-F1E95B358571}"/>
-          </ac:picMkLst>
-        </pc:picChg>
-        <pc:cxnChg chg="add mod">
-          <ac:chgData name="Trung Nghia Nguyen" userId="caf0b1f78d203fdc" providerId="LiveId" clId="{FA98E611-7EE5-4D53-A8F6-A8478DA16B0D}" dt="2023-03-17T04:38:17.041" v="3037"/>
-          <ac:cxnSpMkLst>
-            <pc:docMk/>
-            <pc:sldMk cId="2511818953" sldId="270"/>
-            <ac:cxnSpMk id="3" creationId="{01D99BB4-E244-0C9E-63D6-F28CA9060656}"/>
-          </ac:cxnSpMkLst>
-        </pc:cxnChg>
-      </pc:sldChg>
-      <pc:sldChg chg="addSp delSp modSp add mod replId">
-        <pc:chgData name="Trung Nghia Nguyen" userId="caf0b1f78d203fdc" providerId="LiveId" clId="{FA98E611-7EE5-4D53-A8F6-A8478DA16B0D}" dt="2023-03-20T07:02:42.471" v="5724" actId="1076"/>
-        <pc:sldMkLst>
-          <pc:docMk/>
-          <pc:sldMk cId="2278832414" sldId="271"/>
-        </pc:sldMkLst>
-        <pc:spChg chg="mod">
-          <ac:chgData name="Trung Nghia Nguyen" userId="caf0b1f78d203fdc" providerId="LiveId" clId="{FA98E611-7EE5-4D53-A8F6-A8478DA16B0D}" dt="2023-03-16T06:10:13.451" v="1200" actId="20577"/>
-          <ac:spMkLst>
-            <pc:docMk/>
-            <pc:sldMk cId="2278832414" sldId="271"/>
-            <ac:spMk id="2" creationId="{30380714-4CD2-9849-80A6-8AC66F97DA6F}"/>
-          </ac:spMkLst>
-        </pc:spChg>
-        <pc:spChg chg="add del mod">
-          <ac:chgData name="Trung Nghia Nguyen" userId="caf0b1f78d203fdc" providerId="LiveId" clId="{FA98E611-7EE5-4D53-A8F6-A8478DA16B0D}" dt="2023-03-17T04:39:56.114" v="3076" actId="478"/>
-          <ac:spMkLst>
-            <pc:docMk/>
-            <pc:sldMk cId="2278832414" sldId="271"/>
-            <ac:spMk id="4" creationId="{75AE8E16-8704-F0FC-A727-505C588A8404}"/>
-          </ac:spMkLst>
-        </pc:spChg>
-        <pc:spChg chg="add mod">
-          <ac:chgData name="Trung Nghia Nguyen" userId="caf0b1f78d203fdc" providerId="LiveId" clId="{FA98E611-7EE5-4D53-A8F6-A8478DA16B0D}" dt="2023-03-20T07:02:42.471" v="5724" actId="1076"/>
-          <ac:spMkLst>
-            <pc:docMk/>
-            <pc:sldMk cId="2278832414" sldId="271"/>
-            <ac:spMk id="4" creationId="{F72DE690-623E-F6CB-33BB-A3DEC8E1BDBC}"/>
-          </ac:spMkLst>
-        </pc:spChg>
-        <pc:spChg chg="add mod">
-          <ac:chgData name="Trung Nghia Nguyen" userId="caf0b1f78d203fdc" providerId="LiveId" clId="{FA98E611-7EE5-4D53-A8F6-A8478DA16B0D}" dt="2023-03-19T19:43:19.278" v="4593" actId="20577"/>
-          <ac:spMkLst>
-            <pc:docMk/>
-            <pc:sldMk cId="2278832414" sldId="271"/>
-            <ac:spMk id="5" creationId="{C9086857-A576-49DA-0719-5BEB9C24F20C}"/>
-          </ac:spMkLst>
-        </pc:spChg>
-        <pc:spChg chg="add del">
-          <ac:chgData name="Trung Nghia Nguyen" userId="caf0b1f78d203fdc" providerId="LiveId" clId="{FA98E611-7EE5-4D53-A8F6-A8478DA16B0D}" dt="2023-03-18T18:48:21.799" v="3605" actId="22"/>
-          <ac:spMkLst>
-            <pc:docMk/>
-            <pc:sldMk cId="2278832414" sldId="271"/>
-            <ac:spMk id="6" creationId="{5B87C63A-F05D-9F9B-3078-B83C9F562134}"/>
-          </ac:spMkLst>
-        </pc:spChg>
-        <pc:spChg chg="mod">
-          <ac:chgData name="Trung Nghia Nguyen" userId="caf0b1f78d203fdc" providerId="LiveId" clId="{FA98E611-7EE5-4D53-A8F6-A8478DA16B0D}" dt="2023-03-16T06:10:27.110" v="1214" actId="20577"/>
-          <ac:spMkLst>
-            <pc:docMk/>
-            <pc:sldMk cId="2278832414" sldId="271"/>
-            <ac:spMk id="14" creationId="{63B4AB36-B54A-EA5C-2A74-F2C80BE0CBC4}"/>
-          </ac:spMkLst>
-        </pc:spChg>
-        <pc:picChg chg="add mod">
-          <ac:chgData name="Trung Nghia Nguyen" userId="caf0b1f78d203fdc" providerId="LiveId" clId="{FA98E611-7EE5-4D53-A8F6-A8478DA16B0D}" dt="2023-03-18T18:48:28.906" v="3609" actId="1076"/>
-          <ac:picMkLst>
-            <pc:docMk/>
-            <pc:sldMk cId="2278832414" sldId="271"/>
-            <ac:picMk id="8" creationId="{820423F8-513B-EEA7-5347-CED754AC2ADB}"/>
-          </ac:picMkLst>
-        </pc:picChg>
-        <pc:cxnChg chg="add mod">
-          <ac:chgData name="Trung Nghia Nguyen" userId="caf0b1f78d203fdc" providerId="LiveId" clId="{FA98E611-7EE5-4D53-A8F6-A8478DA16B0D}" dt="2023-03-17T04:38:18.269" v="3038"/>
-          <ac:cxnSpMkLst>
-            <pc:docMk/>
-            <pc:sldMk cId="2278832414" sldId="271"/>
-            <ac:cxnSpMk id="3" creationId="{0793C2BD-0304-6397-AA72-38E3636506AC}"/>
-          </ac:cxnSpMkLst>
-        </pc:cxnChg>
-      </pc:sldChg>
-      <pc:sldChg chg="addSp delSp modSp add mod">
-        <pc:chgData name="Trung Nghia Nguyen" userId="caf0b1f78d203fdc" providerId="LiveId" clId="{FA98E611-7EE5-4D53-A8F6-A8478DA16B0D}" dt="2023-03-20T07:19:32.351" v="7035" actId="20577"/>
-        <pc:sldMkLst>
-          <pc:docMk/>
-          <pc:sldMk cId="610409002" sldId="272"/>
-        </pc:sldMkLst>
-        <pc:spChg chg="mod">
-          <ac:chgData name="Trung Nghia Nguyen" userId="caf0b1f78d203fdc" providerId="LiveId" clId="{FA98E611-7EE5-4D53-A8F6-A8478DA16B0D}" dt="2023-03-19T19:37:12.524" v="4433" actId="114"/>
-          <ac:spMkLst>
-            <pc:docMk/>
-            <pc:sldMk cId="610409002" sldId="272"/>
-            <ac:spMk id="2" creationId="{30380714-4CD2-9849-80A6-8AC66F97DA6F}"/>
-          </ac:spMkLst>
-        </pc:spChg>
-        <pc:spChg chg="add mod">
-          <ac:chgData name="Trung Nghia Nguyen" userId="caf0b1f78d203fdc" providerId="LiveId" clId="{FA98E611-7EE5-4D53-A8F6-A8478DA16B0D}" dt="2023-03-20T07:19:32.351" v="7035" actId="20577"/>
-          <ac:spMkLst>
-            <pc:docMk/>
-            <pc:sldMk cId="610409002" sldId="272"/>
-            <ac:spMk id="4" creationId="{CE933A1E-D43F-BDBC-88C5-FA719398A112}"/>
-          </ac:spMkLst>
-        </pc:spChg>
-        <pc:spChg chg="add del mod">
-          <ac:chgData name="Trung Nghia Nguyen" userId="caf0b1f78d203fdc" providerId="LiveId" clId="{FA98E611-7EE5-4D53-A8F6-A8478DA16B0D}" dt="2023-03-19T19:41:14.049" v="4554" actId="478"/>
-          <ac:spMkLst>
-            <pc:docMk/>
-            <pc:sldMk cId="610409002" sldId="272"/>
-            <ac:spMk id="6" creationId="{6E7DC4E6-EDF3-8448-440F-42E4F1368376}"/>
-          </ac:spMkLst>
-        </pc:spChg>
-        <pc:spChg chg="mod">
-          <ac:chgData name="Trung Nghia Nguyen" userId="caf0b1f78d203fdc" providerId="LiveId" clId="{FA98E611-7EE5-4D53-A8F6-A8478DA16B0D}" dt="2023-03-16T06:11:24.344" v="1251" actId="20577"/>
-          <ac:spMkLst>
-            <pc:docMk/>
-            <pc:sldMk cId="610409002" sldId="272"/>
-            <ac:spMk id="14" creationId="{63B4AB36-B54A-EA5C-2A74-F2C80BE0CBC4}"/>
-          </ac:spMkLst>
-        </pc:spChg>
-        <pc:graphicFrameChg chg="add mod modGraphic">
-          <ac:chgData name="Trung Nghia Nguyen" userId="caf0b1f78d203fdc" providerId="LiveId" clId="{FA98E611-7EE5-4D53-A8F6-A8478DA16B0D}" dt="2023-03-19T19:41:20.482" v="4555" actId="1076"/>
-          <ac:graphicFrameMkLst>
-            <pc:docMk/>
-            <pc:sldMk cId="610409002" sldId="272"/>
-            <ac:graphicFrameMk id="7" creationId="{B54C5B81-FA74-EF54-364C-2501CA6C224F}"/>
-          </ac:graphicFrameMkLst>
-        </pc:graphicFrameChg>
-        <pc:cxnChg chg="add mod">
-          <ac:chgData name="Trung Nghia Nguyen" userId="caf0b1f78d203fdc" providerId="LiveId" clId="{FA98E611-7EE5-4D53-A8F6-A8478DA16B0D}" dt="2023-03-17T04:38:23.115" v="3041"/>
-          <ac:cxnSpMkLst>
-            <pc:docMk/>
-            <pc:sldMk cId="610409002" sldId="272"/>
-            <ac:cxnSpMk id="3" creationId="{435823BE-9FB1-635E-7F74-DEA50A87D246}"/>
-          </ac:cxnSpMkLst>
-        </pc:cxnChg>
-      </pc:sldChg>
-      <pc:sldChg chg="addSp delSp modSp add mod">
-        <pc:chgData name="Trung Nghia Nguyen" userId="caf0b1f78d203fdc" providerId="LiveId" clId="{FA98E611-7EE5-4D53-A8F6-A8478DA16B0D}" dt="2023-03-19T19:42:38.278" v="4577" actId="20577"/>
-        <pc:sldMkLst>
-          <pc:docMk/>
-          <pc:sldMk cId="3245475923" sldId="273"/>
-        </pc:sldMkLst>
-        <pc:spChg chg="del">
-          <ac:chgData name="Trung Nghia Nguyen" userId="caf0b1f78d203fdc" providerId="LiveId" clId="{FA98E611-7EE5-4D53-A8F6-A8478DA16B0D}" dt="2023-03-16T06:11:43.156" v="1253" actId="478"/>
-          <ac:spMkLst>
-            <pc:docMk/>
-            <pc:sldMk cId="3245475923" sldId="273"/>
-            <ac:spMk id="2" creationId="{30380714-4CD2-9849-80A6-8AC66F97DA6F}"/>
-          </ac:spMkLst>
-        </pc:spChg>
-        <pc:spChg chg="add mod">
-          <ac:chgData name="Trung Nghia Nguyen" userId="caf0b1f78d203fdc" providerId="LiveId" clId="{FA98E611-7EE5-4D53-A8F6-A8478DA16B0D}" dt="2023-03-16T06:16:03.718" v="1468" actId="20577"/>
-          <ac:spMkLst>
-            <pc:docMk/>
-            <pc:sldMk cId="3245475923" sldId="273"/>
-            <ac:spMk id="4" creationId="{459EF129-6740-B341-7BC7-05D580180742}"/>
-          </ac:spMkLst>
-        </pc:spChg>
-        <pc:spChg chg="add del mod">
-          <ac:chgData name="Trung Nghia Nguyen" userId="caf0b1f78d203fdc" providerId="LiveId" clId="{FA98E611-7EE5-4D53-A8F6-A8478DA16B0D}" dt="2023-03-17T04:39:23.979" v="3060" actId="478"/>
-          <ac:spMkLst>
-            <pc:docMk/>
-            <pc:sldMk cId="3245475923" sldId="273"/>
-            <ac:spMk id="5" creationId="{E1627484-B3B2-F2C3-F446-F44A1980716C}"/>
-          </ac:spMkLst>
-        </pc:spChg>
-        <pc:spChg chg="add mod">
-          <ac:chgData name="Trung Nghia Nguyen" userId="caf0b1f78d203fdc" providerId="LiveId" clId="{FA98E611-7EE5-4D53-A8F6-A8478DA16B0D}" dt="2023-03-19T19:42:38.278" v="4577" actId="20577"/>
-          <ac:spMkLst>
-            <pc:docMk/>
-            <pc:sldMk cId="3245475923" sldId="273"/>
-            <ac:spMk id="6" creationId="{F6D86575-6F62-E86B-CB8C-67FDEFFD30D6}"/>
-          </ac:spMkLst>
-        </pc:spChg>
-        <pc:graphicFrameChg chg="add mod modGraphic">
-          <ac:chgData name="Trung Nghia Nguyen" userId="caf0b1f78d203fdc" providerId="LiveId" clId="{FA98E611-7EE5-4D53-A8F6-A8478DA16B0D}" dt="2023-03-19T19:27:35.395" v="4349" actId="20577"/>
-          <ac:graphicFrameMkLst>
-            <pc:docMk/>
-            <pc:sldMk cId="3245475923" sldId="273"/>
-            <ac:graphicFrameMk id="3" creationId="{5E8325E1-BDCF-5783-E97F-C770E7E58F6D}"/>
-          </ac:graphicFrameMkLst>
-        </pc:graphicFrameChg>
-        <pc:cxnChg chg="add mod">
-          <ac:chgData name="Trung Nghia Nguyen" userId="caf0b1f78d203fdc" providerId="LiveId" clId="{FA98E611-7EE5-4D53-A8F6-A8478DA16B0D}" dt="2023-03-17T04:38:05.752" v="3030"/>
-          <ac:cxnSpMkLst>
-            <pc:docMk/>
-            <pc:sldMk cId="3245475923" sldId="273"/>
-            <ac:cxnSpMk id="2" creationId="{7C8A4417-1481-B1E7-23CC-E5C9CAD25F2C}"/>
-          </ac:cxnSpMkLst>
-        </pc:cxnChg>
-      </pc:sldChg>
-      <pc:sldChg chg="addSp delSp modSp add mod ord">
-        <pc:chgData name="Trung Nghia Nguyen" userId="caf0b1f78d203fdc" providerId="LiveId" clId="{FA98E611-7EE5-4D53-A8F6-A8478DA16B0D}" dt="2023-03-19T19:43:09.521" v="4587" actId="20577"/>
-        <pc:sldMkLst>
-          <pc:docMk/>
-          <pc:sldMk cId="1354583273" sldId="274"/>
-        </pc:sldMkLst>
-        <pc:spChg chg="add del mod">
-          <ac:chgData name="Trung Nghia Nguyen" userId="caf0b1f78d203fdc" providerId="LiveId" clId="{FA98E611-7EE5-4D53-A8F6-A8478DA16B0D}" dt="2023-03-17T04:39:47.372" v="3072" actId="478"/>
-          <ac:spMkLst>
-            <pc:docMk/>
-            <pc:sldMk cId="1354583273" sldId="274"/>
-            <ac:spMk id="5" creationId="{5C96A552-627E-CE46-EB0C-BD1DE0A52080}"/>
-          </ac:spMkLst>
-        </pc:spChg>
-        <pc:spChg chg="add mod">
-          <ac:chgData name="Trung Nghia Nguyen" userId="caf0b1f78d203fdc" providerId="LiveId" clId="{FA98E611-7EE5-4D53-A8F6-A8478DA16B0D}" dt="2023-03-19T19:43:09.521" v="4587" actId="20577"/>
-          <ac:spMkLst>
-            <pc:docMk/>
-            <pc:sldMk cId="1354583273" sldId="274"/>
-            <ac:spMk id="6" creationId="{2562B724-D426-FE46-6638-FB3781266C15}"/>
-          </ac:spMkLst>
-        </pc:spChg>
-        <pc:spChg chg="mod">
-          <ac:chgData name="Trung Nghia Nguyen" userId="caf0b1f78d203fdc" providerId="LiveId" clId="{FA98E611-7EE5-4D53-A8F6-A8478DA16B0D}" dt="2023-03-16T06:17:40.589" v="1559" actId="20577"/>
-          <ac:spMkLst>
-            <pc:docMk/>
-            <pc:sldMk cId="1354583273" sldId="274"/>
-            <ac:spMk id="14" creationId="{63B4AB36-B54A-EA5C-2A74-F2C80BE0CBC4}"/>
-          </ac:spMkLst>
-        </pc:spChg>
-        <pc:graphicFrameChg chg="add del modGraphic">
-          <ac:chgData name="Trung Nghia Nguyen" userId="caf0b1f78d203fdc" providerId="LiveId" clId="{FA98E611-7EE5-4D53-A8F6-A8478DA16B0D}" dt="2023-03-19T19:34:09.297" v="4407" actId="20577"/>
-          <ac:graphicFrameMkLst>
-            <pc:docMk/>
-            <pc:sldMk cId="1354583273" sldId="274"/>
-            <ac:graphicFrameMk id="3" creationId="{5E8325E1-BDCF-5783-E97F-C770E7E58F6D}"/>
-          </ac:graphicFrameMkLst>
-        </pc:graphicFrameChg>
-        <pc:cxnChg chg="add mod">
-          <ac:chgData name="Trung Nghia Nguyen" userId="caf0b1f78d203fdc" providerId="LiveId" clId="{FA98E611-7EE5-4D53-A8F6-A8478DA16B0D}" dt="2023-03-17T04:38:15.696" v="3036"/>
-          <ac:cxnSpMkLst>
-            <pc:docMk/>
-            <pc:sldMk cId="1354583273" sldId="274"/>
-            <ac:cxnSpMk id="2" creationId="{D42DA17F-60A5-AE4F-3CF5-1D8ED68A7208}"/>
-          </ac:cxnSpMkLst>
-        </pc:cxnChg>
-      </pc:sldChg>
-      <pc:sldChg chg="addSp delSp modSp add mod">
-        <pc:chgData name="Trung Nghia Nguyen" userId="caf0b1f78d203fdc" providerId="LiveId" clId="{FA98E611-7EE5-4D53-A8F6-A8478DA16B0D}" dt="2023-03-19T19:43:24.151" v="4596" actId="20577"/>
-        <pc:sldMkLst>
-          <pc:docMk/>
-          <pc:sldMk cId="288851990" sldId="275"/>
-        </pc:sldMkLst>
-        <pc:spChg chg="add del mod">
-          <ac:chgData name="Trung Nghia Nguyen" userId="caf0b1f78d203fdc" providerId="LiveId" clId="{FA98E611-7EE5-4D53-A8F6-A8478DA16B0D}" dt="2023-03-16T06:19:33.875" v="1634" actId="478"/>
-          <ac:spMkLst>
-            <pc:docMk/>
-            <pc:sldMk cId="288851990" sldId="275"/>
-            <ac:spMk id="5" creationId="{1C61A998-27D5-7046-F7BE-75F861F5E290}"/>
-          </ac:spMkLst>
-        </pc:spChg>
-        <pc:spChg chg="add del mod">
-          <ac:chgData name="Trung Nghia Nguyen" userId="caf0b1f78d203fdc" providerId="LiveId" clId="{FA98E611-7EE5-4D53-A8F6-A8478DA16B0D}" dt="2023-03-17T04:40:00.889" v="3078" actId="478"/>
-          <ac:spMkLst>
-            <pc:docMk/>
-            <pc:sldMk cId="288851990" sldId="275"/>
-            <ac:spMk id="5" creationId="{705A7030-1F27-CBA4-A7AA-C6D158A2EFFB}"/>
-          </ac:spMkLst>
-        </pc:spChg>
-        <pc:spChg chg="add mod">
-          <ac:chgData name="Trung Nghia Nguyen" userId="caf0b1f78d203fdc" providerId="LiveId" clId="{FA98E611-7EE5-4D53-A8F6-A8478DA16B0D}" dt="2023-03-19T19:43:24.151" v="4596" actId="20577"/>
-          <ac:spMkLst>
-            <pc:docMk/>
-            <pc:sldMk cId="288851990" sldId="275"/>
-            <ac:spMk id="6" creationId="{FA80F292-9DC6-3B07-3494-F7CEDA19647D}"/>
-          </ac:spMkLst>
-        </pc:spChg>
-        <pc:spChg chg="mod">
-          <ac:chgData name="Trung Nghia Nguyen" userId="caf0b1f78d203fdc" providerId="LiveId" clId="{FA98E611-7EE5-4D53-A8F6-A8478DA16B0D}" dt="2023-03-16T06:17:31.445" v="1541" actId="20577"/>
-          <ac:spMkLst>
-            <pc:docMk/>
-            <pc:sldMk cId="288851990" sldId="275"/>
-            <ac:spMk id="14" creationId="{63B4AB36-B54A-EA5C-2A74-F2C80BE0CBC4}"/>
-          </ac:spMkLst>
-        </pc:spChg>
-        <pc:graphicFrameChg chg="add del mod">
-          <ac:chgData name="Trung Nghia Nguyen" userId="caf0b1f78d203fdc" providerId="LiveId" clId="{FA98E611-7EE5-4D53-A8F6-A8478DA16B0D}" dt="2023-03-16T06:19:33.875" v="1634" actId="478"/>
-          <ac:graphicFrameMkLst>
-            <pc:docMk/>
-            <pc:sldMk cId="288851990" sldId="275"/>
-            <ac:graphicFrameMk id="2" creationId="{DE54A4EB-23C8-299C-A87F-8BB31473006A}"/>
-          </ac:graphicFrameMkLst>
-        </pc:graphicFrameChg>
-        <pc:graphicFrameChg chg="add del modGraphic">
-          <ac:chgData name="Trung Nghia Nguyen" userId="caf0b1f78d203fdc" providerId="LiveId" clId="{FA98E611-7EE5-4D53-A8F6-A8478DA16B0D}" dt="2023-03-19T19:34:24.716" v="4431" actId="20577"/>
-          <ac:graphicFrameMkLst>
-            <pc:docMk/>
-            <pc:sldMk cId="288851990" sldId="275"/>
-            <ac:graphicFrameMk id="3" creationId="{5E8325E1-BDCF-5783-E97F-C770E7E58F6D}"/>
-          </ac:graphicFrameMkLst>
-        </pc:graphicFrameChg>
-        <pc:cxnChg chg="add mod">
-          <ac:chgData name="Trung Nghia Nguyen" userId="caf0b1f78d203fdc" providerId="LiveId" clId="{FA98E611-7EE5-4D53-A8F6-A8478DA16B0D}" dt="2023-03-17T04:38:20.076" v="3039"/>
-          <ac:cxnSpMkLst>
-            <pc:docMk/>
-            <pc:sldMk cId="288851990" sldId="275"/>
-            <ac:cxnSpMk id="2" creationId="{9C1236E6-E36B-726A-5DB7-9CAC65580E73}"/>
-          </ac:cxnSpMkLst>
-        </pc:cxnChg>
-      </pc:sldChg>
-      <pc:sldChg chg="addSp delSp modSp add mod">
-        <pc:chgData name="Trung Nghia Nguyen" userId="caf0b1f78d203fdc" providerId="LiveId" clId="{FA98E611-7EE5-4D53-A8F6-A8478DA16B0D}" dt="2023-03-20T07:03:02.489" v="5743" actId="5793"/>
-        <pc:sldMkLst>
-          <pc:docMk/>
-          <pc:sldMk cId="2797651471" sldId="276"/>
-        </pc:sldMkLst>
-        <pc:spChg chg="mod">
-          <ac:chgData name="Trung Nghia Nguyen" userId="caf0b1f78d203fdc" providerId="LiveId" clId="{FA98E611-7EE5-4D53-A8F6-A8478DA16B0D}" dt="2023-03-16T06:20:01.560" v="1716" actId="20577"/>
-          <ac:spMkLst>
-            <pc:docMk/>
-            <pc:sldMk cId="2797651471" sldId="276"/>
-            <ac:spMk id="4" creationId="{459EF129-6740-B341-7BC7-05D580180742}"/>
-          </ac:spMkLst>
-        </pc:spChg>
-        <pc:spChg chg="add del mod">
-          <ac:chgData name="Trung Nghia Nguyen" userId="caf0b1f78d203fdc" providerId="LiveId" clId="{FA98E611-7EE5-4D53-A8F6-A8478DA16B0D}" dt="2023-03-17T04:40:05.232" v="3080" actId="478"/>
-          <ac:spMkLst>
-            <pc:docMk/>
-            <pc:sldMk cId="2797651471" sldId="276"/>
-            <ac:spMk id="5" creationId="{1A768D09-65B6-BD7C-A142-B559924B5F8D}"/>
-          </ac:spMkLst>
-        </pc:spChg>
-        <pc:spChg chg="add mod">
-          <ac:chgData name="Trung Nghia Nguyen" userId="caf0b1f78d203fdc" providerId="LiveId" clId="{FA98E611-7EE5-4D53-A8F6-A8478DA16B0D}" dt="2023-03-19T19:43:31.201" v="4599" actId="20577"/>
-          <ac:spMkLst>
-            <pc:docMk/>
-            <pc:sldMk cId="2797651471" sldId="276"/>
-            <ac:spMk id="6" creationId="{FD7465EC-84B6-406C-4864-45ADF9FB642F}"/>
-          </ac:spMkLst>
-        </pc:spChg>
-        <pc:spChg chg="mod">
-          <ac:chgData name="Trung Nghia Nguyen" userId="caf0b1f78d203fdc" providerId="LiveId" clId="{FA98E611-7EE5-4D53-A8F6-A8478DA16B0D}" dt="2023-03-16T06:19:48.634" v="1664" actId="20577"/>
-          <ac:spMkLst>
-            <pc:docMk/>
-            <pc:sldMk cId="2797651471" sldId="276"/>
-            <ac:spMk id="14" creationId="{63B4AB36-B54A-EA5C-2A74-F2C80BE0CBC4}"/>
-          </ac:spMkLst>
-        </pc:spChg>
-        <pc:graphicFrameChg chg="mod modGraphic">
-          <ac:chgData name="Trung Nghia Nguyen" userId="caf0b1f78d203fdc" providerId="LiveId" clId="{FA98E611-7EE5-4D53-A8F6-A8478DA16B0D}" dt="2023-03-20T07:03:02.489" v="5743" actId="5793"/>
-          <ac:graphicFrameMkLst>
-            <pc:docMk/>
-            <pc:sldMk cId="2797651471" sldId="276"/>
-            <ac:graphicFrameMk id="3" creationId="{5E8325E1-BDCF-5783-E97F-C770E7E58F6D}"/>
-          </ac:graphicFrameMkLst>
-        </pc:graphicFrameChg>
-        <pc:cxnChg chg="add mod">
-          <ac:chgData name="Trung Nghia Nguyen" userId="caf0b1f78d203fdc" providerId="LiveId" clId="{FA98E611-7EE5-4D53-A8F6-A8478DA16B0D}" dt="2023-03-17T04:38:21.533" v="3040"/>
-          <ac:cxnSpMkLst>
-            <pc:docMk/>
-            <pc:sldMk cId="2797651471" sldId="276"/>
-            <ac:cxnSpMk id="2" creationId="{E84DC22F-1018-3740-66B4-518AAE2387D5}"/>
-          </ac:cxnSpMkLst>
-        </pc:cxnChg>
-      </pc:sldChg>
-      <pc:sldChg chg="addSp delSp modSp add mod">
-        <pc:chgData name="Trung Nghia Nguyen" userId="caf0b1f78d203fdc" providerId="LiveId" clId="{FA98E611-7EE5-4D53-A8F6-A8478DA16B0D}" dt="2023-03-19T19:41:43.354" v="4559" actId="20577"/>
-        <pc:sldMkLst>
-          <pc:docMk/>
-          <pc:sldMk cId="1442048206" sldId="277"/>
-        </pc:sldMkLst>
-        <pc:spChg chg="add del mod">
-          <ac:chgData name="Trung Nghia Nguyen" userId="caf0b1f78d203fdc" providerId="LiveId" clId="{FA98E611-7EE5-4D53-A8F6-A8478DA16B0D}" dt="2023-03-17T04:38:51.609" v="3044" actId="478"/>
-          <ac:spMkLst>
-            <pc:docMk/>
-            <pc:sldMk cId="1442048206" sldId="277"/>
-            <ac:spMk id="3" creationId="{2A02747A-930E-E80B-D12A-3C88421445D2}"/>
-          </ac:spMkLst>
-        </pc:spChg>
-        <pc:spChg chg="add mod">
-          <ac:chgData name="Trung Nghia Nguyen" userId="caf0b1f78d203fdc" providerId="LiveId" clId="{FA98E611-7EE5-4D53-A8F6-A8478DA16B0D}" dt="2023-03-19T19:41:43.354" v="4559" actId="20577"/>
-          <ac:spMkLst>
-            <pc:docMk/>
-            <pc:sldMk cId="1442048206" sldId="277"/>
-            <ac:spMk id="4" creationId="{8C7A2A31-FB7A-4F1F-44D0-57F56E22618B}"/>
-          </ac:spMkLst>
-        </pc:spChg>
-        <pc:graphicFrameChg chg="add del mod modGraphic">
-          <ac:chgData name="Trung Nghia Nguyen" userId="caf0b1f78d203fdc" providerId="LiveId" clId="{FA98E611-7EE5-4D53-A8F6-A8478DA16B0D}" dt="2023-03-19T19:23:27.922" v="4268" actId="20577"/>
-          <ac:graphicFrameMkLst>
-            <pc:docMk/>
-            <pc:sldMk cId="1442048206" sldId="277"/>
-            <ac:graphicFrameMk id="16" creationId="{A794B221-780B-3E0D-DCDE-B4B669AD1AE3}"/>
-          </ac:graphicFrameMkLst>
-        </pc:graphicFrameChg>
-        <pc:cxnChg chg="add mod">
-          <ac:chgData name="Trung Nghia Nguyen" userId="caf0b1f78d203fdc" providerId="LiveId" clId="{FA98E611-7EE5-4D53-A8F6-A8478DA16B0D}" dt="2023-03-17T04:37:53.870" v="3022"/>
-          <ac:cxnSpMkLst>
-            <pc:docMk/>
-            <pc:sldMk cId="1442048206" sldId="277"/>
-            <ac:cxnSpMk id="2" creationId="{0AB1CEC5-2BAD-1C07-6B07-F474F46A98DB}"/>
-          </ac:cxnSpMkLst>
-        </pc:cxnChg>
-      </pc:sldChg>
-      <pc:sldChg chg="addSp delSp modSp add mod">
-        <pc:chgData name="Trung Nghia Nguyen" userId="caf0b1f78d203fdc" providerId="LiveId" clId="{FA98E611-7EE5-4D53-A8F6-A8478DA16B0D}" dt="2023-03-19T19:42:02.542" v="4567" actId="20577"/>
-        <pc:sldMkLst>
-          <pc:docMk/>
-          <pc:sldMk cId="599745211" sldId="278"/>
-        </pc:sldMkLst>
-        <pc:spChg chg="mod">
-          <ac:chgData name="Trung Nghia Nguyen" userId="caf0b1f78d203fdc" providerId="LiveId" clId="{FA98E611-7EE5-4D53-A8F6-A8478DA16B0D}" dt="2023-03-19T19:42:02.542" v="4567" actId="20577"/>
-          <ac:spMkLst>
-            <pc:docMk/>
-            <pc:sldMk cId="599745211" sldId="278"/>
-            <ac:spMk id="5" creationId="{5EFED488-422D-714E-BC8D-1EFFE4EB27EF}"/>
-          </ac:spMkLst>
-        </pc:spChg>
-        <pc:spChg chg="mod">
-          <ac:chgData name="Trung Nghia Nguyen" userId="caf0b1f78d203fdc" providerId="LiveId" clId="{FA98E611-7EE5-4D53-A8F6-A8478DA16B0D}" dt="2023-03-17T06:23:21.018" v="3181" actId="114"/>
-          <ac:spMkLst>
-            <pc:docMk/>
-            <pc:sldMk cId="599745211" sldId="278"/>
-            <ac:spMk id="6" creationId="{E89CDB90-AF28-D274-AC55-ECC8E0120E31}"/>
-          </ac:spMkLst>
-        </pc:spChg>
-        <pc:picChg chg="add mod">
-          <ac:chgData name="Trung Nghia Nguyen" userId="caf0b1f78d203fdc" providerId="LiveId" clId="{FA98E611-7EE5-4D53-A8F6-A8478DA16B0D}" dt="2023-03-17T06:22:56.812" v="3160" actId="1076"/>
-          <ac:picMkLst>
-            <pc:docMk/>
-            <pc:sldMk cId="599745211" sldId="278"/>
-            <ac:picMk id="7" creationId="{A8746AB3-58A2-74F9-9140-30A7E3ED3167}"/>
-          </ac:picMkLst>
-        </pc:picChg>
-        <pc:picChg chg="del">
-          <ac:chgData name="Trung Nghia Nguyen" userId="caf0b1f78d203fdc" providerId="LiveId" clId="{FA98E611-7EE5-4D53-A8F6-A8478DA16B0D}" dt="2023-03-17T06:22:21.850" v="3158" actId="478"/>
-          <ac:picMkLst>
-            <pc:docMk/>
-            <pc:sldMk cId="599745211" sldId="278"/>
-            <ac:picMk id="8" creationId="{64343610-2239-3C37-0292-61E9C46DADC0}"/>
-          </ac:picMkLst>
-        </pc:picChg>
-        <pc:picChg chg="del">
-          <ac:chgData name="Trung Nghia Nguyen" userId="caf0b1f78d203fdc" providerId="LiveId" clId="{FA98E611-7EE5-4D53-A8F6-A8478DA16B0D}" dt="2023-03-17T06:21:56.494" v="3151" actId="478"/>
-          <ac:picMkLst>
-            <pc:docMk/>
-            <pc:sldMk cId="599745211" sldId="278"/>
-            <ac:picMk id="1026" creationId="{8B6FAEF3-00E8-C2B6-6484-BD77EBFDEA2F}"/>
-          </ac:picMkLst>
-        </pc:picChg>
-        <pc:picChg chg="add mod">
-          <ac:chgData name="Trung Nghia Nguyen" userId="caf0b1f78d203fdc" providerId="LiveId" clId="{FA98E611-7EE5-4D53-A8F6-A8478DA16B0D}" dt="2023-03-17T06:23:24.904" v="3182" actId="1076"/>
-          <ac:picMkLst>
-            <pc:docMk/>
-            <pc:sldMk cId="599745211" sldId="278"/>
-            <ac:picMk id="2050" creationId="{10442409-7C1A-0341-44F3-33E0573712DD}"/>
-          </ac:picMkLst>
-        </pc:picChg>
-      </pc:sldChg>
-      <pc:sldChg chg="addSp delSp modSp add mod">
-        <pc:chgData name="Trung Nghia Nguyen" userId="caf0b1f78d203fdc" providerId="LiveId" clId="{FA98E611-7EE5-4D53-A8F6-A8478DA16B0D}" dt="2023-03-19T19:42:08.819" v="4569" actId="20577"/>
-        <pc:sldMkLst>
-          <pc:docMk/>
-          <pc:sldMk cId="2754922991" sldId="279"/>
-        </pc:sldMkLst>
-        <pc:spChg chg="mod">
-          <ac:chgData name="Trung Nghia Nguyen" userId="caf0b1f78d203fdc" providerId="LiveId" clId="{FA98E611-7EE5-4D53-A8F6-A8478DA16B0D}" dt="2023-03-19T19:42:08.819" v="4569" actId="20577"/>
-          <ac:spMkLst>
-            <pc:docMk/>
-            <pc:sldMk cId="2754922991" sldId="279"/>
-            <ac:spMk id="5" creationId="{5EFED488-422D-714E-BC8D-1EFFE4EB27EF}"/>
-          </ac:spMkLst>
-        </pc:spChg>
-        <pc:spChg chg="mod">
-          <ac:chgData name="Trung Nghia Nguyen" userId="caf0b1f78d203fdc" providerId="LiveId" clId="{FA98E611-7EE5-4D53-A8F6-A8478DA16B0D}" dt="2023-03-17T06:26:42.641" v="3210" actId="1076"/>
-          <ac:spMkLst>
-            <pc:docMk/>
-            <pc:sldMk cId="2754922991" sldId="279"/>
-            <ac:spMk id="6" creationId="{E89CDB90-AF28-D274-AC55-ECC8E0120E31}"/>
-          </ac:spMkLst>
-        </pc:spChg>
-        <pc:picChg chg="del">
-          <ac:chgData name="Trung Nghia Nguyen" userId="caf0b1f78d203fdc" providerId="LiveId" clId="{FA98E611-7EE5-4D53-A8F6-A8478DA16B0D}" dt="2023-03-17T06:25:39.982" v="3191" actId="478"/>
-          <ac:picMkLst>
-            <pc:docMk/>
-            <pc:sldMk cId="2754922991" sldId="279"/>
-            <ac:picMk id="7" creationId="{A8746AB3-58A2-74F9-9140-30A7E3ED3167}"/>
-          </ac:picMkLst>
-        </pc:picChg>
-        <pc:picChg chg="add mod">
-          <ac:chgData name="Trung Nghia Nguyen" userId="caf0b1f78d203fdc" providerId="LiveId" clId="{FA98E611-7EE5-4D53-A8F6-A8478DA16B0D}" dt="2023-03-17T06:26:17.123" v="3195" actId="14100"/>
-          <ac:picMkLst>
-            <pc:docMk/>
-            <pc:sldMk cId="2754922991" sldId="279"/>
-            <ac:picMk id="8" creationId="{2BCBC959-D18B-486A-A2CE-1317A0097C33}"/>
-          </ac:picMkLst>
-        </pc:picChg>
-        <pc:picChg chg="del">
-          <ac:chgData name="Trung Nghia Nguyen" userId="caf0b1f78d203fdc" providerId="LiveId" clId="{FA98E611-7EE5-4D53-A8F6-A8478DA16B0D}" dt="2023-03-17T06:25:21.497" v="3184" actId="478"/>
-          <ac:picMkLst>
-            <pc:docMk/>
-            <pc:sldMk cId="2754922991" sldId="279"/>
-            <ac:picMk id="2050" creationId="{10442409-7C1A-0341-44F3-33E0573712DD}"/>
-          </ac:picMkLst>
-        </pc:picChg>
-        <pc:picChg chg="add mod">
-          <ac:chgData name="Trung Nghia Nguyen" userId="caf0b1f78d203fdc" providerId="LiveId" clId="{FA98E611-7EE5-4D53-A8F6-A8478DA16B0D}" dt="2023-03-17T06:26:27.754" v="3197" actId="14100"/>
-          <ac:picMkLst>
-            <pc:docMk/>
-            <pc:sldMk cId="2754922991" sldId="279"/>
-            <ac:picMk id="3074" creationId="{0282A2DD-FF67-A086-5C74-2D8174B11DC8}"/>
-          </ac:picMkLst>
-        </pc:picChg>
-      </pc:sldChg>
-      <pc:sldChg chg="addSp modSp add mod modNotesTx">
-        <pc:chgData name="Trung Nghia Nguyen" userId="caf0b1f78d203fdc" providerId="LiveId" clId="{FA98E611-7EE5-4D53-A8F6-A8478DA16B0D}" dt="2023-03-19T19:42:13.274" v="4571" actId="20577"/>
-        <pc:sldMkLst>
-          <pc:docMk/>
-          <pc:sldMk cId="1570060703" sldId="280"/>
-        </pc:sldMkLst>
-        <pc:spChg chg="mod">
-          <ac:chgData name="Trung Nghia Nguyen" userId="caf0b1f78d203fdc" providerId="LiveId" clId="{FA98E611-7EE5-4D53-A8F6-A8478DA16B0D}" dt="2023-03-19T19:42:13.274" v="4571" actId="20577"/>
-          <ac:spMkLst>
-            <pc:docMk/>
-            <pc:sldMk cId="1570060703" sldId="280"/>
-            <ac:spMk id="5" creationId="{7AF6E6C4-7E4D-6951-DD77-D67FDB08BE33}"/>
-          </ac:spMkLst>
-        </pc:spChg>
-        <pc:spChg chg="mod">
-          <ac:chgData name="Trung Nghia Nguyen" userId="caf0b1f78d203fdc" providerId="LiveId" clId="{FA98E611-7EE5-4D53-A8F6-A8478DA16B0D}" dt="2023-03-17T07:03:30.383" v="3264" actId="1076"/>
-          <ac:spMkLst>
-            <pc:docMk/>
-            <pc:sldMk cId="1570060703" sldId="280"/>
-            <ac:spMk id="7" creationId="{C27A575E-AACF-0BC5-FF71-5FCE2C283EAA}"/>
-          </ac:spMkLst>
-        </pc:spChg>
-        <pc:picChg chg="add mod">
-          <ac:chgData name="Trung Nghia Nguyen" userId="caf0b1f78d203fdc" providerId="LiveId" clId="{FA98E611-7EE5-4D53-A8F6-A8478DA16B0D}" dt="2023-03-18T17:45:27.382" v="3465" actId="1076"/>
-          <ac:picMkLst>
-            <pc:docMk/>
-            <pc:sldMk cId="1570060703" sldId="280"/>
-            <ac:picMk id="6" creationId="{2B44FC83-2398-5E3A-C381-62AE739D08A6}"/>
-          </ac:picMkLst>
-        </pc:picChg>
-      </pc:sldChg>
-      <pc:sldChg chg="addSp delSp modSp add mod">
-        <pc:chgData name="Trung Nghia Nguyen" userId="caf0b1f78d203fdc" providerId="LiveId" clId="{FA98E611-7EE5-4D53-A8F6-A8478DA16B0D}" dt="2023-03-19T19:42:18.183" v="4572" actId="20577"/>
-        <pc:sldMkLst>
-          <pc:docMk/>
-          <pc:sldMk cId="3262030844" sldId="281"/>
-        </pc:sldMkLst>
-        <pc:spChg chg="mod">
-          <ac:chgData name="Trung Nghia Nguyen" userId="caf0b1f78d203fdc" providerId="LiveId" clId="{FA98E611-7EE5-4D53-A8F6-A8478DA16B0D}" dt="2023-03-19T19:42:18.183" v="4572" actId="20577"/>
-          <ac:spMkLst>
-            <pc:docMk/>
-            <pc:sldMk cId="3262030844" sldId="281"/>
-            <ac:spMk id="5" creationId="{7AF6E6C4-7E4D-6951-DD77-D67FDB08BE33}"/>
-          </ac:spMkLst>
-        </pc:spChg>
-        <pc:spChg chg="del mod">
-          <ac:chgData name="Trung Nghia Nguyen" userId="caf0b1f78d203fdc" providerId="LiveId" clId="{FA98E611-7EE5-4D53-A8F6-A8478DA16B0D}" dt="2023-03-18T17:45:45.010" v="3467" actId="478"/>
-          <ac:spMkLst>
-            <pc:docMk/>
-            <pc:sldMk cId="3262030844" sldId="281"/>
-            <ac:spMk id="7" creationId="{C27A575E-AACF-0BC5-FF71-5FCE2C283EAA}"/>
-          </ac:spMkLst>
-        </pc:spChg>
-        <pc:spChg chg="add mod">
-          <ac:chgData name="Trung Nghia Nguyen" userId="caf0b1f78d203fdc" providerId="LiveId" clId="{FA98E611-7EE5-4D53-A8F6-A8478DA16B0D}" dt="2023-03-18T17:45:47.896" v="3470" actId="20577"/>
-          <ac:spMkLst>
-            <pc:docMk/>
-            <pc:sldMk cId="3262030844" sldId="281"/>
-            <ac:spMk id="9" creationId="{51CE0FD5-4BE3-F7D8-2BC7-6F59ED933512}"/>
-          </ac:spMkLst>
-        </pc:spChg>
-        <pc:picChg chg="del">
-          <ac:chgData name="Trung Nghia Nguyen" userId="caf0b1f78d203fdc" providerId="LiveId" clId="{FA98E611-7EE5-4D53-A8F6-A8478DA16B0D}" dt="2023-03-18T17:44:32.151" v="3443" actId="478"/>
-          <ac:picMkLst>
-            <pc:docMk/>
-            <pc:sldMk cId="3262030844" sldId="281"/>
-            <ac:picMk id="6" creationId="{2B44FC83-2398-5E3A-C381-62AE739D08A6}"/>
-          </ac:picMkLst>
-        </pc:picChg>
-        <pc:picChg chg="add mod ord">
-          <ac:chgData name="Trung Nghia Nguyen" userId="caf0b1f78d203fdc" providerId="LiveId" clId="{FA98E611-7EE5-4D53-A8F6-A8478DA16B0D}" dt="2023-03-18T17:45:32.441" v="3466" actId="1076"/>
-          <ac:picMkLst>
-            <pc:docMk/>
-            <pc:sldMk cId="3262030844" sldId="281"/>
-            <ac:picMk id="8" creationId="{E0B6CD8B-6138-6045-0302-D72BA24864A4}"/>
-          </ac:picMkLst>
-        </pc:picChg>
-      </pc:sldChg>
-      <pc:sldChg chg="delSp modSp add del mod">
-        <pc:chgData name="Trung Nghia Nguyen" userId="caf0b1f78d203fdc" providerId="LiveId" clId="{FA98E611-7EE5-4D53-A8F6-A8478DA16B0D}" dt="2023-03-18T17:45:55.167" v="3471" actId="47"/>
-        <pc:sldMkLst>
-          <pc:docMk/>
-          <pc:sldMk cId="1576429670" sldId="282"/>
-        </pc:sldMkLst>
-        <pc:spChg chg="mod">
-          <ac:chgData name="Trung Nghia Nguyen" userId="caf0b1f78d203fdc" providerId="LiveId" clId="{FA98E611-7EE5-4D53-A8F6-A8478DA16B0D}" dt="2023-03-18T17:45:13.631" v="3462" actId="20577"/>
-          <ac:spMkLst>
-            <pc:docMk/>
-            <pc:sldMk cId="1576429670" sldId="282"/>
-            <ac:spMk id="7" creationId="{C27A575E-AACF-0BC5-FF71-5FCE2C283EAA}"/>
-          </ac:spMkLst>
-        </pc:spChg>
-        <pc:picChg chg="del mod">
-          <ac:chgData name="Trung Nghia Nguyen" userId="caf0b1f78d203fdc" providerId="LiveId" clId="{FA98E611-7EE5-4D53-A8F6-A8478DA16B0D}" dt="2023-03-18T17:45:17.520" v="3464" actId="478"/>
-          <ac:picMkLst>
-            <pc:docMk/>
-            <pc:sldMk cId="1576429670" sldId="282"/>
-            <ac:picMk id="8" creationId="{E0B6CD8B-6138-6045-0302-D72BA24864A4}"/>
-          </ac:picMkLst>
-        </pc:picChg>
-      </pc:sldChg>
-      <pc:sldChg chg="addSp delSp modSp add mod">
-        <pc:chgData name="Trung Nghia Nguyen" userId="caf0b1f78d203fdc" providerId="LiveId" clId="{FA98E611-7EE5-4D53-A8F6-A8478DA16B0D}" dt="2023-03-19T19:42:21.407" v="4573" actId="20577"/>
-        <pc:sldMkLst>
-          <pc:docMk/>
-          <pc:sldMk cId="4109717965" sldId="282"/>
-        </pc:sldMkLst>
-        <pc:spChg chg="mod">
-          <ac:chgData name="Trung Nghia Nguyen" userId="caf0b1f78d203fdc" providerId="LiveId" clId="{FA98E611-7EE5-4D53-A8F6-A8478DA16B0D}" dt="2023-03-19T19:42:21.407" v="4573" actId="20577"/>
-          <ac:spMkLst>
-            <pc:docMk/>
-            <pc:sldMk cId="4109717965" sldId="282"/>
-            <ac:spMk id="5" creationId="{7AF6E6C4-7E4D-6951-DD77-D67FDB08BE33}"/>
-          </ac:spMkLst>
-        </pc:spChg>
-        <pc:spChg chg="mod">
-          <ac:chgData name="Trung Nghia Nguyen" userId="caf0b1f78d203fdc" providerId="LiveId" clId="{FA98E611-7EE5-4D53-A8F6-A8478DA16B0D}" dt="2023-03-18T17:46:02.114" v="3483" actId="20577"/>
-          <ac:spMkLst>
-            <pc:docMk/>
-            <pc:sldMk cId="4109717965" sldId="282"/>
-            <ac:spMk id="9" creationId="{51CE0FD5-4BE3-F7D8-2BC7-6F59ED933512}"/>
-          </ac:spMkLst>
-        </pc:spChg>
-        <pc:picChg chg="add mod ord">
-          <ac:chgData name="Trung Nghia Nguyen" userId="caf0b1f78d203fdc" providerId="LiveId" clId="{FA98E611-7EE5-4D53-A8F6-A8478DA16B0D}" dt="2023-03-18T17:58:07.675" v="3491" actId="167"/>
-          <ac:picMkLst>
-            <pc:docMk/>
-            <pc:sldMk cId="4109717965" sldId="282"/>
-            <ac:picMk id="6" creationId="{507FC860-8B46-AEB4-EE18-02AC586D78D6}"/>
-          </ac:picMkLst>
-        </pc:picChg>
-        <pc:picChg chg="del">
-          <ac:chgData name="Trung Nghia Nguyen" userId="caf0b1f78d203fdc" providerId="LiveId" clId="{FA98E611-7EE5-4D53-A8F6-A8478DA16B0D}" dt="2023-03-18T17:46:06.175" v="3484" actId="478"/>
-          <ac:picMkLst>
-            <pc:docMk/>
-            <pc:sldMk cId="4109717965" sldId="282"/>
-            <ac:picMk id="8" creationId="{E0B6CD8B-6138-6045-0302-D72BA24864A4}"/>
-          </ac:picMkLst>
-        </pc:picChg>
-      </pc:sldChg>
-      <pc:sldChg chg="addSp delSp modSp add mod">
-        <pc:chgData name="Trung Nghia Nguyen" userId="caf0b1f78d203fdc" providerId="LiveId" clId="{FA98E611-7EE5-4D53-A8F6-A8478DA16B0D}" dt="2023-03-20T07:19:24.474" v="7031" actId="20577"/>
-        <pc:sldMkLst>
-          <pc:docMk/>
-          <pc:sldMk cId="3273506458" sldId="283"/>
-        </pc:sldMkLst>
-        <pc:spChg chg="mod">
-          <ac:chgData name="Trung Nghia Nguyen" userId="caf0b1f78d203fdc" providerId="LiveId" clId="{FA98E611-7EE5-4D53-A8F6-A8478DA16B0D}" dt="2023-03-20T07:11:30.957" v="5765" actId="20577"/>
-          <ac:spMkLst>
-            <pc:docMk/>
-            <pc:sldMk cId="3273506458" sldId="283"/>
-            <ac:spMk id="4" creationId="{459EF129-6740-B341-7BC7-05D580180742}"/>
-          </ac:spMkLst>
-        </pc:spChg>
-        <pc:spChg chg="add mod">
-          <ac:chgData name="Trung Nghia Nguyen" userId="caf0b1f78d203fdc" providerId="LiveId" clId="{FA98E611-7EE5-4D53-A8F6-A8478DA16B0D}" dt="2023-03-20T07:17:20.280" v="6905" actId="20577"/>
-          <ac:spMkLst>
-            <pc:docMk/>
-            <pc:sldMk cId="3273506458" sldId="283"/>
-            <ac:spMk id="5" creationId="{B124AB6E-B685-3C3C-17A7-881BC0274152}"/>
-          </ac:spMkLst>
-        </pc:spChg>
-        <pc:spChg chg="mod">
-          <ac:chgData name="Trung Nghia Nguyen" userId="caf0b1f78d203fdc" providerId="LiveId" clId="{FA98E611-7EE5-4D53-A8F6-A8478DA16B0D}" dt="2023-03-20T07:19:24.474" v="7031" actId="20577"/>
-          <ac:spMkLst>
-            <pc:docMk/>
-            <pc:sldMk cId="3273506458" sldId="283"/>
-            <ac:spMk id="6" creationId="{FD7465EC-84B6-406C-4864-45ADF9FB642F}"/>
-          </ac:spMkLst>
-        </pc:spChg>
-        <pc:graphicFrameChg chg="del">
-          <ac:chgData name="Trung Nghia Nguyen" userId="caf0b1f78d203fdc" providerId="LiveId" clId="{FA98E611-7EE5-4D53-A8F6-A8478DA16B0D}" dt="2023-03-20T07:11:34.358" v="5766" actId="478"/>
-          <ac:graphicFrameMkLst>
-            <pc:docMk/>
-            <pc:sldMk cId="3273506458" sldId="283"/>
-            <ac:graphicFrameMk id="3" creationId="{5E8325E1-BDCF-5783-E97F-C770E7E58F6D}"/>
-          </ac:graphicFrameMkLst>
-        </pc:graphicFrameChg>
-      </pc:sldChg>
-      <pc:sldChg chg="modSp add mod">
-        <pc:chgData name="Trung Nghia Nguyen" userId="caf0b1f78d203fdc" providerId="LiveId" clId="{FA98E611-7EE5-4D53-A8F6-A8478DA16B0D}" dt="2023-03-20T07:19:27.761" v="7033" actId="20577"/>
-        <pc:sldMkLst>
-          <pc:docMk/>
-          <pc:sldMk cId="1076178229" sldId="284"/>
-        </pc:sldMkLst>
-        <pc:spChg chg="mod">
-          <ac:chgData name="Trung Nghia Nguyen" userId="caf0b1f78d203fdc" providerId="LiveId" clId="{FA98E611-7EE5-4D53-A8F6-A8478DA16B0D}" dt="2023-03-20T07:13:46.504" v="6236" actId="20577"/>
-          <ac:spMkLst>
-            <pc:docMk/>
-            <pc:sldMk cId="1076178229" sldId="284"/>
-            <ac:spMk id="4" creationId="{459EF129-6740-B341-7BC7-05D580180742}"/>
-          </ac:spMkLst>
-        </pc:spChg>
-        <pc:spChg chg="mod">
-          <ac:chgData name="Trung Nghia Nguyen" userId="caf0b1f78d203fdc" providerId="LiveId" clId="{FA98E611-7EE5-4D53-A8F6-A8478DA16B0D}" dt="2023-03-20T07:17:45.459" v="7028" actId="20577"/>
-          <ac:spMkLst>
-            <pc:docMk/>
-            <pc:sldMk cId="1076178229" sldId="284"/>
-            <ac:spMk id="5" creationId="{B124AB6E-B685-3C3C-17A7-881BC0274152}"/>
-          </ac:spMkLst>
-        </pc:spChg>
-        <pc:spChg chg="mod">
-          <ac:chgData name="Trung Nghia Nguyen" userId="caf0b1f78d203fdc" providerId="LiveId" clId="{FA98E611-7EE5-4D53-A8F6-A8478DA16B0D}" dt="2023-03-20T07:19:27.761" v="7033" actId="20577"/>
-          <ac:spMkLst>
-            <pc:docMk/>
-            <pc:sldMk cId="1076178229" sldId="284"/>
+            <pc:sldMk cId="1076178229" sldId="291"/>
             <ac:spMk id="6" creationId="{FD7465EC-84B6-406C-4864-45ADF9FB642F}"/>
           </ac:spMkLst>
         </pc:spChg>
       </pc:sldChg>
-      <pc:sldMasterChg chg="modSp modSldLayout">
-        <pc:chgData name="Trung Nghia Nguyen" userId="caf0b1f78d203fdc" providerId="LiveId" clId="{FA98E611-7EE5-4D53-A8F6-A8478DA16B0D}" dt="2023-03-16T04:24:21.249" v="1"/>
-        <pc:sldMasterMkLst>
-          <pc:docMk/>
-          <pc:sldMasterMk cId="4059755660" sldId="2147483648"/>
-        </pc:sldMasterMkLst>
-        <pc:spChg chg="mod">
-          <ac:chgData name="Trung Nghia Nguyen" userId="caf0b1f78d203fdc" providerId="LiveId" clId="{FA98E611-7EE5-4D53-A8F6-A8478DA16B0D}" dt="2023-03-16T04:24:21.249" v="1"/>
-          <ac:spMkLst>
-            <pc:docMk/>
-            <pc:sldMasterMk cId="4059755660" sldId="2147483648"/>
-            <ac:spMk id="2" creationId="{B2D67379-2759-837D-8A05-4E6A0DDE2D19}"/>
-          </ac:spMkLst>
-        </pc:spChg>
-        <pc:spChg chg="mod">
-          <ac:chgData name="Trung Nghia Nguyen" userId="caf0b1f78d203fdc" providerId="LiveId" clId="{FA98E611-7EE5-4D53-A8F6-A8478DA16B0D}" dt="2023-03-16T04:24:21.249" v="1"/>
-          <ac:spMkLst>
-            <pc:docMk/>
-            <pc:sldMasterMk cId="4059755660" sldId="2147483648"/>
-            <ac:spMk id="3" creationId="{99B37396-7B88-C02D-A162-F60FA508DCA3}"/>
-          </ac:spMkLst>
-        </pc:spChg>
-        <pc:spChg chg="mod">
-          <ac:chgData name="Trung Nghia Nguyen" userId="caf0b1f78d203fdc" providerId="LiveId" clId="{FA98E611-7EE5-4D53-A8F6-A8478DA16B0D}" dt="2023-03-16T04:24:21.249" v="1"/>
-          <ac:spMkLst>
-            <pc:docMk/>
-            <pc:sldMasterMk cId="4059755660" sldId="2147483648"/>
-            <ac:spMk id="4" creationId="{E65690C1-1221-B102-60D2-80F80E3202EF}"/>
-          </ac:spMkLst>
-        </pc:spChg>
-        <pc:spChg chg="mod">
-          <ac:chgData name="Trung Nghia Nguyen" userId="caf0b1f78d203fdc" providerId="LiveId" clId="{FA98E611-7EE5-4D53-A8F6-A8478DA16B0D}" dt="2023-03-16T04:24:21.249" v="1"/>
-          <ac:spMkLst>
-            <pc:docMk/>
-            <pc:sldMasterMk cId="4059755660" sldId="2147483648"/>
-            <ac:spMk id="5" creationId="{F9B3DA1D-A670-2B94-689B-5A0BD6A8FA66}"/>
-          </ac:spMkLst>
-        </pc:spChg>
-        <pc:spChg chg="mod">
-          <ac:chgData name="Trung Nghia Nguyen" userId="caf0b1f78d203fdc" providerId="LiveId" clId="{FA98E611-7EE5-4D53-A8F6-A8478DA16B0D}" dt="2023-03-16T04:24:21.249" v="1"/>
-          <ac:spMkLst>
-            <pc:docMk/>
-            <pc:sldMasterMk cId="4059755660" sldId="2147483648"/>
-            <ac:spMk id="6" creationId="{B272B73D-FCFD-D42C-84CD-E490A92E0787}"/>
-          </ac:spMkLst>
-        </pc:spChg>
-        <pc:sldLayoutChg chg="modSp">
-          <pc:chgData name="Trung Nghia Nguyen" userId="caf0b1f78d203fdc" providerId="LiveId" clId="{FA98E611-7EE5-4D53-A8F6-A8478DA16B0D}" dt="2023-03-16T04:24:21.249" v="1"/>
-          <pc:sldLayoutMkLst>
-            <pc:docMk/>
-            <pc:sldMasterMk cId="4059755660" sldId="2147483648"/>
-            <pc:sldLayoutMk cId="912823077" sldId="2147483649"/>
-          </pc:sldLayoutMkLst>
-          <pc:spChg chg="mod">
-            <ac:chgData name="Trung Nghia Nguyen" userId="caf0b1f78d203fdc" providerId="LiveId" clId="{FA98E611-7EE5-4D53-A8F6-A8478DA16B0D}" dt="2023-03-16T04:24:21.249" v="1"/>
-            <ac:spMkLst>
-              <pc:docMk/>
-              <pc:sldMasterMk cId="4059755660" sldId="2147483648"/>
-              <pc:sldLayoutMk cId="912823077" sldId="2147483649"/>
-              <ac:spMk id="2" creationId="{D31639CA-6F26-7538-7F3D-9E50D532089C}"/>
-            </ac:spMkLst>
-          </pc:spChg>
-          <pc:spChg chg="mod">
-            <ac:chgData name="Trung Nghia Nguyen" userId="caf0b1f78d203fdc" providerId="LiveId" clId="{FA98E611-7EE5-4D53-A8F6-A8478DA16B0D}" dt="2023-03-16T04:24:21.249" v="1"/>
-            <ac:spMkLst>
-              <pc:docMk/>
-              <pc:sldMasterMk cId="4059755660" sldId="2147483648"/>
-              <pc:sldLayoutMk cId="912823077" sldId="2147483649"/>
-              <ac:spMk id="3" creationId="{47088B79-B7D1-065B-7E28-EE7CCC9D8D8C}"/>
-            </ac:spMkLst>
-          </pc:spChg>
-        </pc:sldLayoutChg>
-        <pc:sldLayoutChg chg="modSp">
-          <pc:chgData name="Trung Nghia Nguyen" userId="caf0b1f78d203fdc" providerId="LiveId" clId="{FA98E611-7EE5-4D53-A8F6-A8478DA16B0D}" dt="2023-03-16T04:24:21.249" v="1"/>
-          <pc:sldLayoutMkLst>
-            <pc:docMk/>
-            <pc:sldMasterMk cId="4059755660" sldId="2147483648"/>
-            <pc:sldLayoutMk cId="4244664039" sldId="2147483651"/>
-          </pc:sldLayoutMkLst>
-          <pc:spChg chg="mod">
-            <ac:chgData name="Trung Nghia Nguyen" userId="caf0b1f78d203fdc" providerId="LiveId" clId="{FA98E611-7EE5-4D53-A8F6-A8478DA16B0D}" dt="2023-03-16T04:24:21.249" v="1"/>
-            <ac:spMkLst>
-              <pc:docMk/>
-              <pc:sldMasterMk cId="4059755660" sldId="2147483648"/>
-              <pc:sldLayoutMk cId="4244664039" sldId="2147483651"/>
-              <ac:spMk id="2" creationId="{6DC09468-E8F7-0727-97AE-C8D9A5F5793F}"/>
-            </ac:spMkLst>
-          </pc:spChg>
-          <pc:spChg chg="mod">
-            <ac:chgData name="Trung Nghia Nguyen" userId="caf0b1f78d203fdc" providerId="LiveId" clId="{FA98E611-7EE5-4D53-A8F6-A8478DA16B0D}" dt="2023-03-16T04:24:21.249" v="1"/>
-            <ac:spMkLst>
-              <pc:docMk/>
-              <pc:sldMasterMk cId="4059755660" sldId="2147483648"/>
-              <pc:sldLayoutMk cId="4244664039" sldId="2147483651"/>
-              <ac:spMk id="3" creationId="{3E3D54D9-4FA1-84EC-C922-E53A36688E96}"/>
-            </ac:spMkLst>
-          </pc:spChg>
-        </pc:sldLayoutChg>
-        <pc:sldLayoutChg chg="modSp">
-          <pc:chgData name="Trung Nghia Nguyen" userId="caf0b1f78d203fdc" providerId="LiveId" clId="{FA98E611-7EE5-4D53-A8F6-A8478DA16B0D}" dt="2023-03-16T04:24:21.249" v="1"/>
-          <pc:sldLayoutMkLst>
-            <pc:docMk/>
-            <pc:sldMasterMk cId="4059755660" sldId="2147483648"/>
-            <pc:sldLayoutMk cId="94315718" sldId="2147483652"/>
-          </pc:sldLayoutMkLst>
-          <pc:spChg chg="mod">
-            <ac:chgData name="Trung Nghia Nguyen" userId="caf0b1f78d203fdc" providerId="LiveId" clId="{FA98E611-7EE5-4D53-A8F6-A8478DA16B0D}" dt="2023-03-16T04:24:21.249" v="1"/>
-            <ac:spMkLst>
-              <pc:docMk/>
-              <pc:sldMasterMk cId="4059755660" sldId="2147483648"/>
-              <pc:sldLayoutMk cId="94315718" sldId="2147483652"/>
-              <ac:spMk id="3" creationId="{A22BADF9-AA7A-4F93-D9BE-3E7CD80C5F99}"/>
-            </ac:spMkLst>
-          </pc:spChg>
-          <pc:spChg chg="mod">
-            <ac:chgData name="Trung Nghia Nguyen" userId="caf0b1f78d203fdc" providerId="LiveId" clId="{FA98E611-7EE5-4D53-A8F6-A8478DA16B0D}" dt="2023-03-16T04:24:21.249" v="1"/>
-            <ac:spMkLst>
-              <pc:docMk/>
-              <pc:sldMasterMk cId="4059755660" sldId="2147483648"/>
-              <pc:sldLayoutMk cId="94315718" sldId="2147483652"/>
-              <ac:spMk id="4" creationId="{E961C63B-7DA7-F8A0-3EC3-0FD62780EF1B}"/>
-            </ac:spMkLst>
-          </pc:spChg>
-        </pc:sldLayoutChg>
-        <pc:sldLayoutChg chg="modSp">
-          <pc:chgData name="Trung Nghia Nguyen" userId="caf0b1f78d203fdc" providerId="LiveId" clId="{FA98E611-7EE5-4D53-A8F6-A8478DA16B0D}" dt="2023-03-16T04:24:21.249" v="1"/>
-          <pc:sldLayoutMkLst>
-            <pc:docMk/>
-            <pc:sldMasterMk cId="4059755660" sldId="2147483648"/>
-            <pc:sldLayoutMk cId="1517603845" sldId="2147483653"/>
-          </pc:sldLayoutMkLst>
-          <pc:spChg chg="mod">
-            <ac:chgData name="Trung Nghia Nguyen" userId="caf0b1f78d203fdc" providerId="LiveId" clId="{FA98E611-7EE5-4D53-A8F6-A8478DA16B0D}" dt="2023-03-16T04:24:21.249" v="1"/>
-            <ac:spMkLst>
-              <pc:docMk/>
-              <pc:sldMasterMk cId="4059755660" sldId="2147483648"/>
-              <pc:sldLayoutMk cId="1517603845" sldId="2147483653"/>
-              <ac:spMk id="2" creationId="{C5F78EF1-B040-6964-8385-BBA5E27B458D}"/>
-            </ac:spMkLst>
-          </pc:spChg>
-          <pc:spChg chg="mod">
-            <ac:chgData name="Trung Nghia Nguyen" userId="caf0b1f78d203fdc" providerId="LiveId" clId="{FA98E611-7EE5-4D53-A8F6-A8478DA16B0D}" dt="2023-03-16T04:24:21.249" v="1"/>
-            <ac:spMkLst>
-              <pc:docMk/>
-              <pc:sldMasterMk cId="4059755660" sldId="2147483648"/>
-              <pc:sldLayoutMk cId="1517603845" sldId="2147483653"/>
-              <ac:spMk id="3" creationId="{9BB9E17E-7B1D-D9E9-ACF5-DD2926F88DE2}"/>
-            </ac:spMkLst>
-          </pc:spChg>
-          <pc:spChg chg="mod">
-            <ac:chgData name="Trung Nghia Nguyen" userId="caf0b1f78d203fdc" providerId="LiveId" clId="{FA98E611-7EE5-4D53-A8F6-A8478DA16B0D}" dt="2023-03-16T04:24:21.249" v="1"/>
-            <ac:spMkLst>
-              <pc:docMk/>
-              <pc:sldMasterMk cId="4059755660" sldId="2147483648"/>
-              <pc:sldLayoutMk cId="1517603845" sldId="2147483653"/>
-              <ac:spMk id="4" creationId="{ABC77E19-1971-1F1D-0A7C-268164BFA01B}"/>
-            </ac:spMkLst>
-          </pc:spChg>
-          <pc:spChg chg="mod">
-            <ac:chgData name="Trung Nghia Nguyen" userId="caf0b1f78d203fdc" providerId="LiveId" clId="{FA98E611-7EE5-4D53-A8F6-A8478DA16B0D}" dt="2023-03-16T04:24:21.249" v="1"/>
-            <ac:spMkLst>
-              <pc:docMk/>
-              <pc:sldMasterMk cId="4059755660" sldId="2147483648"/>
-              <pc:sldLayoutMk cId="1517603845" sldId="2147483653"/>
-              <ac:spMk id="5" creationId="{3B8E416E-2124-FC67-7AE6-86FCFD09DEAE}"/>
-            </ac:spMkLst>
-          </pc:spChg>
-          <pc:spChg chg="mod">
-            <ac:chgData name="Trung Nghia Nguyen" userId="caf0b1f78d203fdc" providerId="LiveId" clId="{FA98E611-7EE5-4D53-A8F6-A8478DA16B0D}" dt="2023-03-16T04:24:21.249" v="1"/>
-            <ac:spMkLst>
-              <pc:docMk/>
-              <pc:sldMasterMk cId="4059755660" sldId="2147483648"/>
-              <pc:sldLayoutMk cId="1517603845" sldId="2147483653"/>
-              <ac:spMk id="6" creationId="{F22134C3-4BF2-8D17-CF8C-E8DB924903F7}"/>
-            </ac:spMkLst>
-          </pc:spChg>
-        </pc:sldLayoutChg>
-        <pc:sldLayoutChg chg="modSp">
-          <pc:chgData name="Trung Nghia Nguyen" userId="caf0b1f78d203fdc" providerId="LiveId" clId="{FA98E611-7EE5-4D53-A8F6-A8478DA16B0D}" dt="2023-03-16T04:24:21.249" v="1"/>
-          <pc:sldLayoutMkLst>
-            <pc:docMk/>
-            <pc:sldMasterMk cId="4059755660" sldId="2147483648"/>
-            <pc:sldLayoutMk cId="3301296023" sldId="2147483656"/>
-          </pc:sldLayoutMkLst>
-          <pc:spChg chg="mod">
-            <ac:chgData name="Trung Nghia Nguyen" userId="caf0b1f78d203fdc" providerId="LiveId" clId="{FA98E611-7EE5-4D53-A8F6-A8478DA16B0D}" dt="2023-03-16T04:24:21.249" v="1"/>
-            <ac:spMkLst>
-              <pc:docMk/>
-              <pc:sldMasterMk cId="4059755660" sldId="2147483648"/>
-              <pc:sldLayoutMk cId="3301296023" sldId="2147483656"/>
-              <ac:spMk id="2" creationId="{A96F6EC6-3FE3-1206-8E59-B0A5CF424B7A}"/>
-            </ac:spMkLst>
-          </pc:spChg>
-          <pc:spChg chg="mod">
-            <ac:chgData name="Trung Nghia Nguyen" userId="caf0b1f78d203fdc" providerId="LiveId" clId="{FA98E611-7EE5-4D53-A8F6-A8478DA16B0D}" dt="2023-03-16T04:24:21.249" v="1"/>
-            <ac:spMkLst>
-              <pc:docMk/>
-              <pc:sldMasterMk cId="4059755660" sldId="2147483648"/>
-              <pc:sldLayoutMk cId="3301296023" sldId="2147483656"/>
-              <ac:spMk id="3" creationId="{A28537D4-31F1-0A4D-DC65-A500F2ADEE00}"/>
-            </ac:spMkLst>
-          </pc:spChg>
-          <pc:spChg chg="mod">
-            <ac:chgData name="Trung Nghia Nguyen" userId="caf0b1f78d203fdc" providerId="LiveId" clId="{FA98E611-7EE5-4D53-A8F6-A8478DA16B0D}" dt="2023-03-16T04:24:21.249" v="1"/>
-            <ac:spMkLst>
-              <pc:docMk/>
-              <pc:sldMasterMk cId="4059755660" sldId="2147483648"/>
-              <pc:sldLayoutMk cId="3301296023" sldId="2147483656"/>
-              <ac:spMk id="4" creationId="{3DB3F611-D57C-9F51-FA71-6A04464665EA}"/>
-            </ac:spMkLst>
-          </pc:spChg>
-        </pc:sldLayoutChg>
-        <pc:sldLayoutChg chg="modSp">
-          <pc:chgData name="Trung Nghia Nguyen" userId="caf0b1f78d203fdc" providerId="LiveId" clId="{FA98E611-7EE5-4D53-A8F6-A8478DA16B0D}" dt="2023-03-16T04:24:21.249" v="1"/>
-          <pc:sldLayoutMkLst>
-            <pc:docMk/>
-            <pc:sldMasterMk cId="4059755660" sldId="2147483648"/>
-            <pc:sldLayoutMk cId="3980980981" sldId="2147483657"/>
-          </pc:sldLayoutMkLst>
-          <pc:spChg chg="mod">
-            <ac:chgData name="Trung Nghia Nguyen" userId="caf0b1f78d203fdc" providerId="LiveId" clId="{FA98E611-7EE5-4D53-A8F6-A8478DA16B0D}" dt="2023-03-16T04:24:21.249" v="1"/>
-            <ac:spMkLst>
-              <pc:docMk/>
-              <pc:sldMasterMk cId="4059755660" sldId="2147483648"/>
-              <pc:sldLayoutMk cId="3980980981" sldId="2147483657"/>
-              <ac:spMk id="2" creationId="{237D36DA-64FB-D642-7030-6BAFE4855757}"/>
-            </ac:spMkLst>
-          </pc:spChg>
-          <pc:spChg chg="mod">
-            <ac:chgData name="Trung Nghia Nguyen" userId="caf0b1f78d203fdc" providerId="LiveId" clId="{FA98E611-7EE5-4D53-A8F6-A8478DA16B0D}" dt="2023-03-16T04:24:21.249" v="1"/>
-            <ac:spMkLst>
-              <pc:docMk/>
-              <pc:sldMasterMk cId="4059755660" sldId="2147483648"/>
-              <pc:sldLayoutMk cId="3980980981" sldId="2147483657"/>
-              <ac:spMk id="3" creationId="{7052E064-3192-1887-F10B-CCCDA53B2E03}"/>
-            </ac:spMkLst>
-          </pc:spChg>
-          <pc:spChg chg="mod">
-            <ac:chgData name="Trung Nghia Nguyen" userId="caf0b1f78d203fdc" providerId="LiveId" clId="{FA98E611-7EE5-4D53-A8F6-A8478DA16B0D}" dt="2023-03-16T04:24:21.249" v="1"/>
-            <ac:spMkLst>
-              <pc:docMk/>
-              <pc:sldMasterMk cId="4059755660" sldId="2147483648"/>
-              <pc:sldLayoutMk cId="3980980981" sldId="2147483657"/>
-              <ac:spMk id="4" creationId="{11E68653-7C97-A908-78F8-3277CAB88A52}"/>
-            </ac:spMkLst>
-          </pc:spChg>
-        </pc:sldLayoutChg>
-        <pc:sldLayoutChg chg="modSp">
-          <pc:chgData name="Trung Nghia Nguyen" userId="caf0b1f78d203fdc" providerId="LiveId" clId="{FA98E611-7EE5-4D53-A8F6-A8478DA16B0D}" dt="2023-03-16T04:24:21.249" v="1"/>
-          <pc:sldLayoutMkLst>
-            <pc:docMk/>
-            <pc:sldMasterMk cId="4059755660" sldId="2147483648"/>
-            <pc:sldLayoutMk cId="2276858793" sldId="2147483659"/>
-          </pc:sldLayoutMkLst>
-          <pc:spChg chg="mod">
-            <ac:chgData name="Trung Nghia Nguyen" userId="caf0b1f78d203fdc" providerId="LiveId" clId="{FA98E611-7EE5-4D53-A8F6-A8478DA16B0D}" dt="2023-03-16T04:24:21.249" v="1"/>
-            <ac:spMkLst>
-              <pc:docMk/>
-              <pc:sldMasterMk cId="4059755660" sldId="2147483648"/>
-              <pc:sldLayoutMk cId="2276858793" sldId="2147483659"/>
-              <ac:spMk id="2" creationId="{10440481-0CE0-EA81-540D-672738586412}"/>
-            </ac:spMkLst>
-          </pc:spChg>
-          <pc:spChg chg="mod">
-            <ac:chgData name="Trung Nghia Nguyen" userId="caf0b1f78d203fdc" providerId="LiveId" clId="{FA98E611-7EE5-4D53-A8F6-A8478DA16B0D}" dt="2023-03-16T04:24:21.249" v="1"/>
-            <ac:spMkLst>
-              <pc:docMk/>
-              <pc:sldMasterMk cId="4059755660" sldId="2147483648"/>
-              <pc:sldLayoutMk cId="2276858793" sldId="2147483659"/>
-              <ac:spMk id="3" creationId="{F22739C1-3E12-8ACB-2068-84CC6DC2726A}"/>
-            </ac:spMkLst>
-          </pc:spChg>
-        </pc:sldLayoutChg>
-      </pc:sldMasterChg>
     </pc:docChg>
   </pc:docChgLst>
 </pc:chgInfo>
@@ -3225,7 +3392,7 @@
           <a:p>
             <a:fld id="{51F95020-72AA-4787-B4DB-4E5B3A15E30F}" type="datetimeFigureOut">
               <a:rPr lang="en-US" smtClean="0"/>
-              <a:t>10/04/2023</a:t>
+              <a:t>12/04/2023</a:t>
             </a:fld>
             <a:endParaRPr lang="en-US"/>
           </a:p>
@@ -3623,7 +3790,7 @@
           <a:p>
             <a:fld id="{2AB4A3C8-EB3A-4B87-95B8-3265ADB47806}" type="datetimeFigureOut">
               <a:rPr lang="en-US" smtClean="0"/>
-              <a:t>10/04/2023</a:t>
+              <a:t>12/04/2023</a:t>
             </a:fld>
             <a:endParaRPr lang="en-US"/>
           </a:p>
@@ -3793,7 +3960,7 @@
           <a:p>
             <a:fld id="{2AB4A3C8-EB3A-4B87-95B8-3265ADB47806}" type="datetimeFigureOut">
               <a:rPr lang="en-US" smtClean="0"/>
-              <a:t>10/04/2023</a:t>
+              <a:t>12/04/2023</a:t>
             </a:fld>
             <a:endParaRPr lang="en-US"/>
           </a:p>
@@ -3973,7 +4140,7 @@
           <a:p>
             <a:fld id="{2AB4A3C8-EB3A-4B87-95B8-3265ADB47806}" type="datetimeFigureOut">
               <a:rPr lang="en-US" smtClean="0"/>
-              <a:t>10/04/2023</a:t>
+              <a:t>12/04/2023</a:t>
             </a:fld>
             <a:endParaRPr lang="en-US"/>
           </a:p>
@@ -4143,7 +4310,7 @@
           <a:p>
             <a:fld id="{2AB4A3C8-EB3A-4B87-95B8-3265ADB47806}" type="datetimeFigureOut">
               <a:rPr lang="en-US" smtClean="0"/>
-              <a:t>10/04/2023</a:t>
+              <a:t>12/04/2023</a:t>
             </a:fld>
             <a:endParaRPr lang="en-US"/>
           </a:p>
@@ -4387,7 +4554,7 @@
           <a:p>
             <a:fld id="{2AB4A3C8-EB3A-4B87-95B8-3265ADB47806}" type="datetimeFigureOut">
               <a:rPr lang="en-US" smtClean="0"/>
-              <a:t>10/04/2023</a:t>
+              <a:t>12/04/2023</a:t>
             </a:fld>
             <a:endParaRPr lang="en-US"/>
           </a:p>
@@ -4619,7 +4786,7 @@
           <a:p>
             <a:fld id="{2AB4A3C8-EB3A-4B87-95B8-3265ADB47806}" type="datetimeFigureOut">
               <a:rPr lang="en-US" smtClean="0"/>
-              <a:t>10/04/2023</a:t>
+              <a:t>12/04/2023</a:t>
             </a:fld>
             <a:endParaRPr lang="en-US"/>
           </a:p>
@@ -4986,7 +5153,7 @@
           <a:p>
             <a:fld id="{2AB4A3C8-EB3A-4B87-95B8-3265ADB47806}" type="datetimeFigureOut">
               <a:rPr lang="en-US" smtClean="0"/>
-              <a:t>10/04/2023</a:t>
+              <a:t>12/04/2023</a:t>
             </a:fld>
             <a:endParaRPr lang="en-US"/>
           </a:p>
@@ -5104,7 +5271,7 @@
           <a:p>
             <a:fld id="{2AB4A3C8-EB3A-4B87-95B8-3265ADB47806}" type="datetimeFigureOut">
               <a:rPr lang="en-US" smtClean="0"/>
-              <a:t>10/04/2023</a:t>
+              <a:t>12/04/2023</a:t>
             </a:fld>
             <a:endParaRPr lang="en-US"/>
           </a:p>
@@ -5199,7 +5366,7 @@
           <a:p>
             <a:fld id="{2AB4A3C8-EB3A-4B87-95B8-3265ADB47806}" type="datetimeFigureOut">
               <a:rPr lang="en-US" smtClean="0"/>
-              <a:t>10/04/2023</a:t>
+              <a:t>12/04/2023</a:t>
             </a:fld>
             <a:endParaRPr lang="en-US"/>
           </a:p>
@@ -5476,7 +5643,7 @@
           <a:p>
             <a:fld id="{2AB4A3C8-EB3A-4B87-95B8-3265ADB47806}" type="datetimeFigureOut">
               <a:rPr lang="en-US" smtClean="0"/>
-              <a:t>10/04/2023</a:t>
+              <a:t>12/04/2023</a:t>
             </a:fld>
             <a:endParaRPr lang="en-US"/>
           </a:p>
@@ -5732,7 +5899,7 @@
           <a:p>
             <a:fld id="{2AB4A3C8-EB3A-4B87-95B8-3265ADB47806}" type="datetimeFigureOut">
               <a:rPr lang="en-US" smtClean="0"/>
-              <a:t>10/04/2023</a:t>
+              <a:t>12/04/2023</a:t>
             </a:fld>
             <a:endParaRPr lang="en-US"/>
           </a:p>
@@ -5945,7 +6112,7 @@
           <a:p>
             <a:fld id="{2AB4A3C8-EB3A-4B87-95B8-3265ADB47806}" type="datetimeFigureOut">
               <a:rPr lang="en-US" smtClean="0"/>
-              <a:t>10/04/2023</a:t>
+              <a:t>12/04/2023</a:t>
             </a:fld>
             <a:endParaRPr lang="en-US"/>
           </a:p>
@@ -7595,7 +7762,7 @@
           <a:p>
             <a:r>
               <a:rPr lang="en-US"/>
-              <a:t>Trang 4</a:t>
+              <a:t>Trang 10</a:t>
             </a:r>
           </a:p>
         </p:txBody>
@@ -8358,7 +8525,7 @@
                 <a:ea typeface="+mn-ea"/>
                 <a:cs typeface="+mn-cs"/>
               </a:rPr>
-              <a:t>Trang 15</a:t>
+              <a:t>Trang 11</a:t>
             </a:r>
           </a:p>
         </p:txBody>
@@ -8582,7 +8749,7 @@
           <a:p>
             <a:r>
               <a:rPr lang="en-US"/>
-              <a:t>Trang 4</a:t>
+              <a:t>Trang 12</a:t>
             </a:r>
           </a:p>
         </p:txBody>
@@ -8906,7 +9073,7 @@
           <a:p>
             <a:r>
               <a:rPr lang="en-US"/>
-              <a:t>Trang 4</a:t>
+              <a:t>Trang 13</a:t>
             </a:r>
           </a:p>
         </p:txBody>
@@ -9611,7 +9778,7 @@
                 <a:ea typeface="+mn-ea"/>
                 <a:cs typeface="+mn-cs"/>
               </a:rPr>
-              <a:t>Trang 15</a:t>
+              <a:t>Trang 14</a:t>
             </a:r>
           </a:p>
         </p:txBody>
@@ -9834,7 +10001,7 @@
           <a:p>
             <a:r>
               <a:rPr lang="en-US"/>
-              <a:t>Trang 4</a:t>
+              <a:t>Trang 15</a:t>
             </a:r>
           </a:p>
         </p:txBody>
@@ -10222,7 +10389,7 @@
           <a:p>
             <a:r>
               <a:rPr lang="en-US"/>
-              <a:t>Trang 4</a:t>
+              <a:t>Trang 16</a:t>
             </a:r>
           </a:p>
         </p:txBody>
@@ -10617,7 +10784,7 @@
           <a:p>
             <a:r>
               <a:rPr lang="en-US"/>
-              <a:t>Trang 4</a:t>
+              <a:t>Trang 17</a:t>
             </a:r>
           </a:p>
         </p:txBody>
@@ -11012,7 +11179,7 @@
           <a:p>
             <a:r>
               <a:rPr lang="en-US"/>
-              <a:t>Trang 4</a:t>
+              <a:t>Trang 18</a:t>
             </a:r>
           </a:p>
         </p:txBody>
@@ -11832,7 +11999,7 @@
                 <a:ea typeface="+mn-ea"/>
                 <a:cs typeface="+mn-cs"/>
               </a:rPr>
-              <a:t>Trang 15</a:t>
+              <a:t>Trang 19</a:t>
             </a:r>
           </a:p>
         </p:txBody>
@@ -12002,14 +12169,14 @@
           <p:nvPr>
             <p:extLst>
               <p:ext uri="{D42A27DB-BD31-4B8C-83A1-F6EECF244321}">
-                <p14:modId xmlns:p14="http://schemas.microsoft.com/office/powerpoint/2010/main" val="3239792707"/>
+                <p14:modId xmlns:p14="http://schemas.microsoft.com/office/powerpoint/2010/main" val="2323237832"/>
               </p:ext>
             </p:extLst>
           </p:nvPr>
         </p:nvGraphicFramePr>
         <p:xfrm>
           <a:off x="626268" y="1383568"/>
-          <a:ext cx="7891464" cy="3708400"/>
+          <a:ext cx="7891464" cy="2595880"/>
         </p:xfrm>
         <a:graphic>
           <a:graphicData uri="http://schemas.openxmlformats.org/drawingml/2006/table">
@@ -12025,14 +12192,14 @@
                     </a:ext>
                   </a:extLst>
                 </a:gridCol>
-                <a:gridCol w="3959312">
+                <a:gridCol w="2612833">
                   <a:extLst>
                     <a:ext uri="{9D8B030D-6E8A-4147-A177-3AD203B41FA5}">
                       <a16:colId xmlns:a16="http://schemas.microsoft.com/office/drawing/2014/main" val="3939429785"/>
                     </a:ext>
                   </a:extLst>
                 </a:gridCol>
-                <a:gridCol w="1838849">
+                <a:gridCol w="3185328">
                   <a:extLst>
                     <a:ext uri="{9D8B030D-6E8A-4147-A177-3AD203B41FA5}">
                       <a16:colId xmlns:a16="http://schemas.microsoft.com/office/drawing/2014/main" val="1738762872"/>
@@ -12132,10 +12299,13 @@
                     <a:lstStyle/>
                     <a:p>
                       <a:pPr algn="ctr"/>
-                      <a:endParaRPr lang="en-US">
-                        <a:latin typeface="Times New Roman" panose="02020603050405020304" pitchFamily="18" charset="0"/>
-                        <a:cs typeface="Times New Roman" panose="02020603050405020304" pitchFamily="18" charset="0"/>
-                      </a:endParaRPr>
+                      <a:r>
+                        <a:rPr lang="en-US">
+                          <a:latin typeface="Times New Roman" panose="02020603050405020304" pitchFamily="18" charset="0"/>
+                          <a:cs typeface="Times New Roman" panose="02020603050405020304" pitchFamily="18" charset="0"/>
+                        </a:rPr>
+                        <a:t>1</a:t>
+                      </a:r>
                     </a:p>
                   </a:txBody>
                   <a:tcPr/>
@@ -12145,10 +12315,13 @@
                     <a:bodyPr/>
                     <a:lstStyle/>
                     <a:p>
-                      <a:endParaRPr lang="en-US">
-                        <a:latin typeface="Times New Roman" panose="02020603050405020304" pitchFamily="18" charset="0"/>
-                        <a:cs typeface="Times New Roman" panose="02020603050405020304" pitchFamily="18" charset="0"/>
-                      </a:endParaRPr>
+                      <a:r>
+                        <a:rPr lang="en-US">
+                          <a:latin typeface="Times New Roman" panose="02020603050405020304" pitchFamily="18" charset="0"/>
+                          <a:cs typeface="Times New Roman" panose="02020603050405020304" pitchFamily="18" charset="0"/>
+                        </a:rPr>
+                        <a:t>Câu 1</a:t>
+                      </a:r>
                     </a:p>
                   </a:txBody>
                   <a:tcPr/>
@@ -12159,10 +12332,13 @@
                     <a:lstStyle/>
                     <a:p>
                       <a:pPr algn="ctr"/>
-                      <a:endParaRPr lang="en-US">
-                        <a:latin typeface="Times New Roman" panose="02020603050405020304" pitchFamily="18" charset="0"/>
-                        <a:cs typeface="Times New Roman" panose="02020603050405020304" pitchFamily="18" charset="0"/>
-                      </a:endParaRPr>
+                      <a:r>
+                        <a:rPr lang="en-US">
+                          <a:latin typeface="Times New Roman" panose="02020603050405020304" pitchFamily="18" charset="0"/>
+                          <a:cs typeface="Times New Roman" panose="02020603050405020304" pitchFamily="18" charset="0"/>
+                        </a:rPr>
+                        <a:t>Nguyễn Trung Nghĩa</a:t>
+                      </a:r>
                     </a:p>
                   </a:txBody>
                   <a:tcPr/>
@@ -12173,10 +12349,13 @@
                     <a:lstStyle/>
                     <a:p>
                       <a:pPr algn="ctr"/>
-                      <a:endParaRPr lang="en-US">
-                        <a:latin typeface="Times New Roman" panose="02020603050405020304" pitchFamily="18" charset="0"/>
-                        <a:cs typeface="Times New Roman" panose="02020603050405020304" pitchFamily="18" charset="0"/>
-                      </a:endParaRPr>
+                      <a:r>
+                        <a:rPr lang="en-US">
+                          <a:latin typeface="Times New Roman" panose="02020603050405020304" pitchFamily="18" charset="0"/>
+                          <a:cs typeface="Times New Roman" panose="02020603050405020304" pitchFamily="18" charset="0"/>
+                        </a:rPr>
+                        <a:t>Hoàn thành</a:t>
+                      </a:r>
                     </a:p>
                   </a:txBody>
                   <a:tcPr/>
@@ -12194,10 +12373,13 @@
                     <a:lstStyle/>
                     <a:p>
                       <a:pPr algn="ctr"/>
-                      <a:endParaRPr lang="en-US">
-                        <a:latin typeface="Times New Roman" panose="02020603050405020304" pitchFamily="18" charset="0"/>
-                        <a:cs typeface="Times New Roman" panose="02020603050405020304" pitchFamily="18" charset="0"/>
-                      </a:endParaRPr>
+                      <a:r>
+                        <a:rPr lang="en-US">
+                          <a:latin typeface="Times New Roman" panose="02020603050405020304" pitchFamily="18" charset="0"/>
+                          <a:cs typeface="Times New Roman" panose="02020603050405020304" pitchFamily="18" charset="0"/>
+                        </a:rPr>
+                        <a:t>2</a:t>
+                      </a:r>
                     </a:p>
                   </a:txBody>
                   <a:tcPr/>
@@ -12207,10 +12389,13 @@
                     <a:bodyPr/>
                     <a:lstStyle/>
                     <a:p>
-                      <a:endParaRPr lang="en-US">
-                        <a:latin typeface="Times New Roman" panose="02020603050405020304" pitchFamily="18" charset="0"/>
-                        <a:cs typeface="Times New Roman" panose="02020603050405020304" pitchFamily="18" charset="0"/>
-                      </a:endParaRPr>
+                      <a:r>
+                        <a:rPr lang="en-US">
+                          <a:latin typeface="Times New Roman" panose="02020603050405020304" pitchFamily="18" charset="0"/>
+                          <a:cs typeface="Times New Roman" panose="02020603050405020304" pitchFamily="18" charset="0"/>
+                        </a:rPr>
+                        <a:t>Câu 2</a:t>
+                      </a:r>
                     </a:p>
                   </a:txBody>
                   <a:tcPr/>
@@ -12221,10 +12406,13 @@
                     <a:lstStyle/>
                     <a:p>
                       <a:pPr algn="ctr"/>
-                      <a:endParaRPr lang="en-US">
-                        <a:latin typeface="Times New Roman" panose="02020603050405020304" pitchFamily="18" charset="0"/>
-                        <a:cs typeface="Times New Roman" panose="02020603050405020304" pitchFamily="18" charset="0"/>
-                      </a:endParaRPr>
+                      <a:r>
+                        <a:rPr lang="en-US">
+                          <a:latin typeface="Times New Roman" panose="02020603050405020304" pitchFamily="18" charset="0"/>
+                          <a:cs typeface="Times New Roman" panose="02020603050405020304" pitchFamily="18" charset="0"/>
+                        </a:rPr>
+                        <a:t>Trần Đình Phúc</a:t>
+                      </a:r>
                     </a:p>
                   </a:txBody>
                   <a:tcPr/>
@@ -12251,10 +12439,13 @@
                         <a:tabLst/>
                         <a:defRPr/>
                       </a:pPr>
-                      <a:endParaRPr lang="en-US">
-                        <a:latin typeface="Times New Roman" panose="02020603050405020304" pitchFamily="18" charset="0"/>
-                        <a:cs typeface="Times New Roman" panose="02020603050405020304" pitchFamily="18" charset="0"/>
-                      </a:endParaRPr>
+                      <a:r>
+                        <a:rPr lang="en-US">
+                          <a:latin typeface="Times New Roman" panose="02020603050405020304" pitchFamily="18" charset="0"/>
+                          <a:cs typeface="Times New Roman" panose="02020603050405020304" pitchFamily="18" charset="0"/>
+                        </a:rPr>
+                        <a:t>Hoàn thành</a:t>
+                      </a:r>
                     </a:p>
                   </a:txBody>
                   <a:tcPr/>
@@ -12272,10 +12463,13 @@
                     <a:lstStyle/>
                     <a:p>
                       <a:pPr algn="ctr"/>
-                      <a:endParaRPr lang="en-US">
-                        <a:latin typeface="Times New Roman" panose="02020603050405020304" pitchFamily="18" charset="0"/>
-                        <a:cs typeface="Times New Roman" panose="02020603050405020304" pitchFamily="18" charset="0"/>
-                      </a:endParaRPr>
+                      <a:r>
+                        <a:rPr lang="en-US">
+                          <a:latin typeface="Times New Roman" panose="02020603050405020304" pitchFamily="18" charset="0"/>
+                          <a:cs typeface="Times New Roman" panose="02020603050405020304" pitchFamily="18" charset="0"/>
+                        </a:rPr>
+                        <a:t>3</a:t>
+                      </a:r>
                     </a:p>
                   </a:txBody>
                   <a:tcPr/>
@@ -12285,10 +12479,13 @@
                     <a:bodyPr/>
                     <a:lstStyle/>
                     <a:p>
-                      <a:endParaRPr lang="en-US">
-                        <a:latin typeface="Times New Roman" panose="02020603050405020304" pitchFamily="18" charset="0"/>
-                        <a:cs typeface="Times New Roman" panose="02020603050405020304" pitchFamily="18" charset="0"/>
-                      </a:endParaRPr>
+                      <a:r>
+                        <a:rPr lang="en-US">
+                          <a:latin typeface="Times New Roman" panose="02020603050405020304" pitchFamily="18" charset="0"/>
+                          <a:cs typeface="Times New Roman" panose="02020603050405020304" pitchFamily="18" charset="0"/>
+                        </a:rPr>
+                        <a:t>Câu 3</a:t>
+                      </a:r>
                     </a:p>
                   </a:txBody>
                   <a:tcPr/>
@@ -12299,10 +12496,13 @@
                     <a:lstStyle/>
                     <a:p>
                       <a:pPr algn="ctr"/>
-                      <a:endParaRPr lang="en-US">
-                        <a:latin typeface="Times New Roman" panose="02020603050405020304" pitchFamily="18" charset="0"/>
-                        <a:cs typeface="Times New Roman" panose="02020603050405020304" pitchFamily="18" charset="0"/>
-                      </a:endParaRPr>
+                      <a:r>
+                        <a:rPr lang="en-US">
+                          <a:latin typeface="Times New Roman" panose="02020603050405020304" pitchFamily="18" charset="0"/>
+                          <a:cs typeface="Times New Roman" panose="02020603050405020304" pitchFamily="18" charset="0"/>
+                        </a:rPr>
+                        <a:t>Nguyễn Trung Nghĩa</a:t>
+                      </a:r>
                     </a:p>
                   </a:txBody>
                   <a:tcPr/>
@@ -12329,10 +12529,13 @@
                         <a:tabLst/>
                         <a:defRPr/>
                       </a:pPr>
-                      <a:endParaRPr lang="en-US">
-                        <a:latin typeface="Times New Roman" panose="02020603050405020304" pitchFamily="18" charset="0"/>
-                        <a:cs typeface="Times New Roman" panose="02020603050405020304" pitchFamily="18" charset="0"/>
-                      </a:endParaRPr>
+                      <a:r>
+                        <a:rPr lang="en-US">
+                          <a:latin typeface="Times New Roman" panose="02020603050405020304" pitchFamily="18" charset="0"/>
+                          <a:cs typeface="Times New Roman" panose="02020603050405020304" pitchFamily="18" charset="0"/>
+                        </a:rPr>
+                        <a:t>Hoàn thành</a:t>
+                      </a:r>
                     </a:p>
                   </a:txBody>
                   <a:tcPr/>
@@ -12350,10 +12553,13 @@
                     <a:lstStyle/>
                     <a:p>
                       <a:pPr algn="ctr"/>
-                      <a:endParaRPr lang="en-US">
-                        <a:latin typeface="Times New Roman" panose="02020603050405020304" pitchFamily="18" charset="0"/>
-                        <a:cs typeface="Times New Roman" panose="02020603050405020304" pitchFamily="18" charset="0"/>
-                      </a:endParaRPr>
+                      <a:r>
+                        <a:rPr lang="en-US">
+                          <a:latin typeface="Times New Roman" panose="02020603050405020304" pitchFamily="18" charset="0"/>
+                          <a:cs typeface="Times New Roman" panose="02020603050405020304" pitchFamily="18" charset="0"/>
+                        </a:rPr>
+                        <a:t>4</a:t>
+                      </a:r>
                     </a:p>
                   </a:txBody>
                   <a:tcPr/>
@@ -12363,10 +12569,13 @@
                     <a:bodyPr/>
                     <a:lstStyle/>
                     <a:p>
-                      <a:endParaRPr lang="en-US">
-                        <a:latin typeface="Times New Roman" panose="02020603050405020304" pitchFamily="18" charset="0"/>
-                        <a:cs typeface="Times New Roman" panose="02020603050405020304" pitchFamily="18" charset="0"/>
-                      </a:endParaRPr>
+                      <a:r>
+                        <a:rPr lang="en-US">
+                          <a:latin typeface="Times New Roman" panose="02020603050405020304" pitchFamily="18" charset="0"/>
+                          <a:cs typeface="Times New Roman" panose="02020603050405020304" pitchFamily="18" charset="0"/>
+                        </a:rPr>
+                        <a:t>Câu 4</a:t>
+                      </a:r>
                     </a:p>
                   </a:txBody>
                   <a:tcPr/>
@@ -12377,10 +12586,13 @@
                     <a:lstStyle/>
                     <a:p>
                       <a:pPr algn="ctr"/>
-                      <a:endParaRPr lang="en-US">
-                        <a:latin typeface="Times New Roman" panose="02020603050405020304" pitchFamily="18" charset="0"/>
-                        <a:cs typeface="Times New Roman" panose="02020603050405020304" pitchFamily="18" charset="0"/>
-                      </a:endParaRPr>
+                      <a:r>
+                        <a:rPr lang="en-US">
+                          <a:latin typeface="Times New Roman" panose="02020603050405020304" pitchFamily="18" charset="0"/>
+                          <a:cs typeface="Times New Roman" panose="02020603050405020304" pitchFamily="18" charset="0"/>
+                        </a:rPr>
+                        <a:t>Hồ Thịnh Phát</a:t>
+                      </a:r>
                     </a:p>
                   </a:txBody>
                   <a:tcPr/>
@@ -12391,10 +12603,13 @@
                     <a:lstStyle/>
                     <a:p>
                       <a:pPr algn="ctr"/>
-                      <a:endParaRPr lang="en-US">
-                        <a:latin typeface="Times New Roman" panose="02020603050405020304" pitchFamily="18" charset="0"/>
-                        <a:cs typeface="Times New Roman" panose="02020603050405020304" pitchFamily="18" charset="0"/>
-                      </a:endParaRPr>
+                      <a:r>
+                        <a:rPr lang="en-US">
+                          <a:latin typeface="Times New Roman" panose="02020603050405020304" pitchFamily="18" charset="0"/>
+                          <a:cs typeface="Times New Roman" panose="02020603050405020304" pitchFamily="18" charset="0"/>
+                        </a:rPr>
+                        <a:t>Hoàn thành</a:t>
+                      </a:r>
                     </a:p>
                   </a:txBody>
                   <a:tcPr/>
@@ -12412,10 +12627,13 @@
                     <a:lstStyle/>
                     <a:p>
                       <a:pPr algn="ctr"/>
-                      <a:endParaRPr lang="en-US">
-                        <a:latin typeface="Times New Roman" panose="02020603050405020304" pitchFamily="18" charset="0"/>
-                        <a:cs typeface="Times New Roman" panose="02020603050405020304" pitchFamily="18" charset="0"/>
-                      </a:endParaRPr>
+                      <a:r>
+                        <a:rPr lang="en-US">
+                          <a:latin typeface="Times New Roman" panose="02020603050405020304" pitchFamily="18" charset="0"/>
+                          <a:cs typeface="Times New Roman" panose="02020603050405020304" pitchFamily="18" charset="0"/>
+                        </a:rPr>
+                        <a:t>5</a:t>
+                      </a:r>
                     </a:p>
                   </a:txBody>
                   <a:tcPr/>
@@ -12425,10 +12643,13 @@
                     <a:bodyPr/>
                     <a:lstStyle/>
                     <a:p>
-                      <a:endParaRPr lang="en-US">
-                        <a:latin typeface="Times New Roman" panose="02020603050405020304" pitchFamily="18" charset="0"/>
-                        <a:cs typeface="Times New Roman" panose="02020603050405020304" pitchFamily="18" charset="0"/>
-                      </a:endParaRPr>
+                      <a:r>
+                        <a:rPr lang="en-US">
+                          <a:latin typeface="Times New Roman" panose="02020603050405020304" pitchFamily="18" charset="0"/>
+                          <a:cs typeface="Times New Roman" panose="02020603050405020304" pitchFamily="18" charset="0"/>
+                        </a:rPr>
+                        <a:t>Câu 5</a:t>
+                      </a:r>
                     </a:p>
                   </a:txBody>
                   <a:tcPr/>
@@ -12439,10 +12660,13 @@
                     <a:lstStyle/>
                     <a:p>
                       <a:pPr algn="ctr"/>
-                      <a:endParaRPr lang="en-US">
-                        <a:latin typeface="Times New Roman" panose="02020603050405020304" pitchFamily="18" charset="0"/>
-                        <a:cs typeface="Times New Roman" panose="02020603050405020304" pitchFamily="18" charset="0"/>
-                      </a:endParaRPr>
+                      <a:r>
+                        <a:rPr lang="en-US">
+                          <a:latin typeface="Times New Roman" panose="02020603050405020304" pitchFamily="18" charset="0"/>
+                          <a:cs typeface="Times New Roman" panose="02020603050405020304" pitchFamily="18" charset="0"/>
+                        </a:rPr>
+                        <a:t>Hồ Thịnh Phát</a:t>
+                      </a:r>
                     </a:p>
                   </a:txBody>
                   <a:tcPr/>
@@ -12453,10 +12677,13 @@
                     <a:lstStyle/>
                     <a:p>
                       <a:pPr algn="ctr"/>
-                      <a:endParaRPr lang="en-US">
-                        <a:latin typeface="Times New Roman" panose="02020603050405020304" pitchFamily="18" charset="0"/>
-                        <a:cs typeface="Times New Roman" panose="02020603050405020304" pitchFamily="18" charset="0"/>
-                      </a:endParaRPr>
+                      <a:r>
+                        <a:rPr lang="en-US">
+                          <a:latin typeface="Times New Roman" panose="02020603050405020304" pitchFamily="18" charset="0"/>
+                          <a:cs typeface="Times New Roman" panose="02020603050405020304" pitchFamily="18" charset="0"/>
+                        </a:rPr>
+                        <a:t>Hoàn thành</a:t>
+                      </a:r>
                     </a:p>
                   </a:txBody>
                   <a:tcPr/>
@@ -12474,10 +12701,13 @@
                     <a:lstStyle/>
                     <a:p>
                       <a:pPr algn="ctr"/>
-                      <a:endParaRPr lang="en-US">
-                        <a:latin typeface="Times New Roman" panose="02020603050405020304" pitchFamily="18" charset="0"/>
-                        <a:cs typeface="Times New Roman" panose="02020603050405020304" pitchFamily="18" charset="0"/>
-                      </a:endParaRPr>
+                      <a:r>
+                        <a:rPr lang="en-US">
+                          <a:latin typeface="Times New Roman" panose="02020603050405020304" pitchFamily="18" charset="0"/>
+                          <a:cs typeface="Times New Roman" panose="02020603050405020304" pitchFamily="18" charset="0"/>
+                        </a:rPr>
+                        <a:t>6</a:t>
+                      </a:r>
                     </a:p>
                   </a:txBody>
                   <a:tcPr/>
@@ -12487,10 +12717,13 @@
                     <a:bodyPr/>
                     <a:lstStyle/>
                     <a:p>
-                      <a:endParaRPr lang="en-US">
-                        <a:latin typeface="Times New Roman" panose="02020603050405020304" pitchFamily="18" charset="0"/>
-                        <a:cs typeface="Times New Roman" panose="02020603050405020304" pitchFamily="18" charset="0"/>
-                      </a:endParaRPr>
+                      <a:r>
+                        <a:rPr lang="en-US">
+                          <a:latin typeface="Times New Roman" panose="02020603050405020304" pitchFamily="18" charset="0"/>
+                          <a:cs typeface="Times New Roman" panose="02020603050405020304" pitchFamily="18" charset="0"/>
+                        </a:rPr>
+                        <a:t>Kiểm thử, chỉnh sửa lại</a:t>
+                      </a:r>
                     </a:p>
                   </a:txBody>
                   <a:tcPr/>
@@ -12501,10 +12734,13 @@
                     <a:lstStyle/>
                     <a:p>
                       <a:pPr algn="ctr"/>
-                      <a:endParaRPr lang="en-US">
-                        <a:latin typeface="Times New Roman" panose="02020603050405020304" pitchFamily="18" charset="0"/>
-                        <a:cs typeface="Times New Roman" panose="02020603050405020304" pitchFamily="18" charset="0"/>
-                      </a:endParaRPr>
+                      <a:r>
+                        <a:rPr lang="en-US">
+                          <a:latin typeface="Times New Roman" panose="02020603050405020304" pitchFamily="18" charset="0"/>
+                          <a:cs typeface="Times New Roman" panose="02020603050405020304" pitchFamily="18" charset="0"/>
+                        </a:rPr>
+                        <a:t>Trần Đình Phúc</a:t>
+                      </a:r>
                     </a:p>
                   </a:txBody>
                   <a:tcPr/>
@@ -12515,10 +12751,13 @@
                     <a:lstStyle/>
                     <a:p>
                       <a:pPr algn="ctr"/>
-                      <a:endParaRPr lang="en-US">
-                        <a:latin typeface="Times New Roman" panose="02020603050405020304" pitchFamily="18" charset="0"/>
-                        <a:cs typeface="Times New Roman" panose="02020603050405020304" pitchFamily="18" charset="0"/>
-                      </a:endParaRPr>
+                      <a:r>
+                        <a:rPr lang="en-US">
+                          <a:latin typeface="Times New Roman" panose="02020603050405020304" pitchFamily="18" charset="0"/>
+                          <a:cs typeface="Times New Roman" panose="02020603050405020304" pitchFamily="18" charset="0"/>
+                        </a:rPr>
+                        <a:t>Hoàn thành</a:t>
+                      </a:r>
                     </a:p>
                   </a:txBody>
                   <a:tcPr/>
@@ -12526,193 +12765,6 @@
                 <a:extLst>
                   <a:ext uri="{0D108BD9-81ED-4DB2-BD59-A6C34878D82A}">
                     <a16:rowId xmlns:a16="http://schemas.microsoft.com/office/drawing/2014/main" val="4008920017"/>
-                  </a:ext>
-                </a:extLst>
-              </a:tr>
-              <a:tr h="370840">
-                <a:tc>
-                  <a:txBody>
-                    <a:bodyPr/>
-                    <a:lstStyle/>
-                    <a:p>
-                      <a:pPr algn="ctr"/>
-                      <a:endParaRPr lang="en-US">
-                        <a:latin typeface="Times New Roman" panose="02020603050405020304" pitchFamily="18" charset="0"/>
-                        <a:cs typeface="Times New Roman" panose="02020603050405020304" pitchFamily="18" charset="0"/>
-                      </a:endParaRPr>
-                    </a:p>
-                  </a:txBody>
-                  <a:tcPr/>
-                </a:tc>
-                <a:tc>
-                  <a:txBody>
-                    <a:bodyPr/>
-                    <a:lstStyle/>
-                    <a:p>
-                      <a:endParaRPr lang="en-US">
-                        <a:latin typeface="Times New Roman" panose="02020603050405020304" pitchFamily="18" charset="0"/>
-                        <a:cs typeface="Times New Roman" panose="02020603050405020304" pitchFamily="18" charset="0"/>
-                      </a:endParaRPr>
-                    </a:p>
-                  </a:txBody>
-                  <a:tcPr/>
-                </a:tc>
-                <a:tc>
-                  <a:txBody>
-                    <a:bodyPr/>
-                    <a:lstStyle/>
-                    <a:p>
-                      <a:pPr algn="ctr"/>
-                      <a:endParaRPr lang="en-US">
-                        <a:latin typeface="Times New Roman" panose="02020603050405020304" pitchFamily="18" charset="0"/>
-                        <a:cs typeface="Times New Roman" panose="02020603050405020304" pitchFamily="18" charset="0"/>
-                      </a:endParaRPr>
-                    </a:p>
-                  </a:txBody>
-                  <a:tcPr/>
-                </a:tc>
-                <a:tc>
-                  <a:txBody>
-                    <a:bodyPr/>
-                    <a:lstStyle/>
-                    <a:p>
-                      <a:pPr algn="ctr"/>
-                      <a:endParaRPr lang="en-US">
-                        <a:latin typeface="Times New Roman" panose="02020603050405020304" pitchFamily="18" charset="0"/>
-                        <a:cs typeface="Times New Roman" panose="02020603050405020304" pitchFamily="18" charset="0"/>
-                      </a:endParaRPr>
-                    </a:p>
-                  </a:txBody>
-                  <a:tcPr/>
-                </a:tc>
-                <a:extLst>
-                  <a:ext uri="{0D108BD9-81ED-4DB2-BD59-A6C34878D82A}">
-                    <a16:rowId xmlns:a16="http://schemas.microsoft.com/office/drawing/2014/main" val="2210842046"/>
-                  </a:ext>
-                </a:extLst>
-              </a:tr>
-              <a:tr h="370840">
-                <a:tc>
-                  <a:txBody>
-                    <a:bodyPr/>
-                    <a:lstStyle/>
-                    <a:p>
-                      <a:pPr algn="ctr"/>
-                      <a:endParaRPr lang="en-US">
-                        <a:latin typeface="Times New Roman" panose="02020603050405020304" pitchFamily="18" charset="0"/>
-                        <a:cs typeface="Times New Roman" panose="02020603050405020304" pitchFamily="18" charset="0"/>
-                      </a:endParaRPr>
-                    </a:p>
-                  </a:txBody>
-                  <a:tcPr/>
-                </a:tc>
-                <a:tc>
-                  <a:txBody>
-                    <a:bodyPr/>
-                    <a:lstStyle/>
-                    <a:p>
-                      <a:pPr algn="just"/>
-                      <a:endParaRPr lang="en-US">
-                        <a:latin typeface="Times New Roman" panose="02020603050405020304" pitchFamily="18" charset="0"/>
-                        <a:cs typeface="Times New Roman" panose="02020603050405020304" pitchFamily="18" charset="0"/>
-                      </a:endParaRPr>
-                    </a:p>
-                  </a:txBody>
-                  <a:tcPr/>
-                </a:tc>
-                <a:tc>
-                  <a:txBody>
-                    <a:bodyPr/>
-                    <a:lstStyle/>
-                    <a:p>
-                      <a:pPr algn="ctr"/>
-                      <a:endParaRPr lang="en-US">
-                        <a:latin typeface="Times New Roman" panose="02020603050405020304" pitchFamily="18" charset="0"/>
-                        <a:cs typeface="Times New Roman" panose="02020603050405020304" pitchFamily="18" charset="0"/>
-                      </a:endParaRPr>
-                    </a:p>
-                  </a:txBody>
-                  <a:tcPr/>
-                </a:tc>
-                <a:tc>
-                  <a:txBody>
-                    <a:bodyPr/>
-                    <a:lstStyle/>
-                    <a:p>
-                      <a:pPr algn="ctr"/>
-                      <a:endParaRPr lang="en-US">
-                        <a:latin typeface="Times New Roman" panose="02020603050405020304" pitchFamily="18" charset="0"/>
-                        <a:cs typeface="Times New Roman" panose="02020603050405020304" pitchFamily="18" charset="0"/>
-                      </a:endParaRPr>
-                    </a:p>
-                  </a:txBody>
-                  <a:tcPr/>
-                </a:tc>
-                <a:extLst>
-                  <a:ext uri="{0D108BD9-81ED-4DB2-BD59-A6C34878D82A}">
-                    <a16:rowId xmlns:a16="http://schemas.microsoft.com/office/drawing/2014/main" val="260274793"/>
-                  </a:ext>
-                </a:extLst>
-              </a:tr>
-              <a:tr h="370840">
-                <a:tc>
-                  <a:txBody>
-                    <a:bodyPr/>
-                    <a:lstStyle/>
-                    <a:p>
-                      <a:pPr algn="ctr"/>
-                      <a:endParaRPr lang="en-US">
-                        <a:latin typeface="Times New Roman" panose="02020603050405020304" pitchFamily="18" charset="0"/>
-                        <a:cs typeface="Times New Roman" panose="02020603050405020304" pitchFamily="18" charset="0"/>
-                      </a:endParaRPr>
-                    </a:p>
-                  </a:txBody>
-                  <a:tcPr/>
-                </a:tc>
-                <a:tc>
-                  <a:txBody>
-                    <a:bodyPr/>
-                    <a:lstStyle/>
-                    <a:p>
-                      <a:endParaRPr lang="en-US">
-                        <a:latin typeface="Times New Roman" panose="02020603050405020304" pitchFamily="18" charset="0"/>
-                        <a:cs typeface="Times New Roman" panose="02020603050405020304" pitchFamily="18" charset="0"/>
-                      </a:endParaRPr>
-                    </a:p>
-                  </a:txBody>
-                  <a:tcPr/>
-                </a:tc>
-                <a:tc>
-                  <a:txBody>
-                    <a:bodyPr/>
-                    <a:lstStyle/>
-                    <a:p>
-                      <a:pPr algn="ctr"/>
-                      <a:endParaRPr lang="en-US">
-                        <a:latin typeface="Times New Roman" panose="02020603050405020304" pitchFamily="18" charset="0"/>
-                        <a:cs typeface="Times New Roman" panose="02020603050405020304" pitchFamily="18" charset="0"/>
-                      </a:endParaRPr>
-                    </a:p>
-                  </a:txBody>
-                  <a:tcPr/>
-                </a:tc>
-                <a:tc>
-                  <a:txBody>
-                    <a:bodyPr/>
-                    <a:lstStyle/>
-                    <a:p>
-                      <a:pPr algn="ctr"/>
-                      <a:endParaRPr lang="en-US">
-                        <a:latin typeface="Times New Roman" panose="02020603050405020304" pitchFamily="18" charset="0"/>
-                        <a:cs typeface="Times New Roman" panose="02020603050405020304" pitchFamily="18" charset="0"/>
-                      </a:endParaRPr>
-                    </a:p>
-                  </a:txBody>
-                  <a:tcPr/>
-                </a:tc>
-                <a:extLst>
-                  <a:ext uri="{0D108BD9-81ED-4DB2-BD59-A6C34878D82A}">
-                    <a16:rowId xmlns:a16="http://schemas.microsoft.com/office/drawing/2014/main" val="1111693439"/>
                   </a:ext>
                 </a:extLst>
               </a:tr>
@@ -13046,7 +13098,7 @@
           <a:p>
             <a:r>
               <a:rPr lang="en-US"/>
-              <a:t>Trang 25</a:t>
+              <a:t>Trang 20</a:t>
             </a:r>
           </a:p>
         </p:txBody>
@@ -13764,7 +13816,7 @@
           <a:p>
             <a:r>
               <a:rPr lang="en-US"/>
-              <a:t>Trang 26</a:t>
+              <a:t>Trang 21</a:t>
             </a:r>
           </a:p>
         </p:txBody>
@@ -14144,7 +14196,7 @@
           <a:p>
             <a:r>
               <a:rPr lang="en-US"/>
-              <a:t>Trang 27</a:t>
+              <a:t>Trang 22</a:t>
             </a:r>
           </a:p>
         </p:txBody>
@@ -14519,7 +14571,7 @@
             </a:r>
             <a:r>
               <a:rPr lang="en-US"/>
-              <a:t>Trang 28</a:t>
+              <a:t>Trang 23</a:t>
             </a:r>
           </a:p>
         </p:txBody>
@@ -14986,7 +15038,7 @@
           <p:nvPr>
             <p:extLst>
               <p:ext uri="{D42A27DB-BD31-4B8C-83A1-F6EECF244321}">
-                <p14:modId xmlns:p14="http://schemas.microsoft.com/office/powerpoint/2010/main" val="2984117882"/>
+                <p14:modId xmlns:p14="http://schemas.microsoft.com/office/powerpoint/2010/main" val="71974006"/>
               </p:ext>
             </p:extLst>
           </p:nvPr>
@@ -15383,7 +15435,7 @@
                           <a:latin typeface="Times New Roman" panose="02020603050405020304" pitchFamily="18" charset="0"/>
                           <a:cs typeface="Times New Roman" panose="02020603050405020304" pitchFamily="18" charset="0"/>
                         </a:rPr>
-                        <a:t>52000821</a:t>
+                        <a:t>51900821</a:t>
                       </a:r>
                     </a:p>
                   </a:txBody>
@@ -15590,7 +15642,7 @@
           <a:p>
             <a:r>
               <a:rPr lang="en-US"/>
-              <a:t>Trang 4</a:t>
+              <a:t>Trang 3</a:t>
             </a:r>
           </a:p>
         </p:txBody>
@@ -16154,7 +16206,7 @@
           <a:p>
             <a:r>
               <a:rPr lang="en-US"/>
-              <a:t>Trang 4</a:t>
+              <a:t>Trang 5</a:t>
             </a:r>
           </a:p>
         </p:txBody>
@@ -16538,7 +16590,7 @@
           <a:p>
             <a:r>
               <a:rPr lang="en-US"/>
-              <a:t>Trang 4</a:t>
+              <a:t>Trang 6</a:t>
             </a:r>
           </a:p>
         </p:txBody>
@@ -17303,7 +17355,7 @@
                 <a:ea typeface="+mn-ea"/>
                 <a:cs typeface="+mn-cs"/>
               </a:rPr>
-              <a:t>Trang 15</a:t>
+              <a:t>Trang 7</a:t>
             </a:r>
           </a:p>
         </p:txBody>
@@ -17527,7 +17579,7 @@
           <a:p>
             <a:r>
               <a:rPr lang="en-US"/>
-              <a:t>Trang 4</a:t>
+              <a:t>Trang 8</a:t>
             </a:r>
           </a:p>
         </p:txBody>
@@ -17962,7 +18014,7 @@
           <a:p>
             <a:r>
               <a:rPr lang="en-US"/>
-              <a:t>Trang 4</a:t>
+              <a:t>Trang 9</a:t>
             </a:r>
           </a:p>
         </p:txBody>

--- a/present/final/presentation.pptx
+++ b/present/final/presentation.pptx
@@ -148,2051 +148,6 @@
 <file path=ppt/changesInfos/changesInfo1.xml><?xml version="1.0" encoding="utf-8"?>
 <pc:chgInfo xmlns:a="http://schemas.openxmlformats.org/drawingml/2006/main" xmlns:r="http://schemas.openxmlformats.org/officeDocument/2006/relationships" xmlns:ac="http://schemas.microsoft.com/office/drawing/2013/main/command" xmlns:pc="http://schemas.microsoft.com/office/powerpoint/2013/main/command">
   <pc:docChgLst>
-    <pc:chgData name="Trung Nghia Nguyen" userId="caf0b1f78d203fdc" providerId="LiveId" clId="{FA98E611-7EE5-4D53-A8F6-A8478DA16B0D}"/>
-    <pc:docChg chg="undo custSel addSld delSld modSld sldOrd modMainMaster modNotesMaster">
-      <pc:chgData name="Trung Nghia Nguyen" userId="caf0b1f78d203fdc" providerId="LiveId" clId="{FA98E611-7EE5-4D53-A8F6-A8478DA16B0D}" dt="2023-03-20T07:19:32.351" v="7035" actId="20577"/>
-      <pc:docMkLst>
-        <pc:docMk/>
-      </pc:docMkLst>
-      <pc:sldChg chg="addSp delSp modSp new mod">
-        <pc:chgData name="Trung Nghia Nguyen" userId="caf0b1f78d203fdc" providerId="LiveId" clId="{FA98E611-7EE5-4D53-A8F6-A8478DA16B0D}" dt="2023-03-20T02:03:15.660" v="4804" actId="20577"/>
-        <pc:sldMkLst>
-          <pc:docMk/>
-          <pc:sldMk cId="779292092" sldId="256"/>
-        </pc:sldMkLst>
-        <pc:spChg chg="del mod">
-          <ac:chgData name="Trung Nghia Nguyen" userId="caf0b1f78d203fdc" providerId="LiveId" clId="{FA98E611-7EE5-4D53-A8F6-A8478DA16B0D}" dt="2023-03-16T04:25:31.003" v="2" actId="478"/>
-          <ac:spMkLst>
-            <pc:docMk/>
-            <pc:sldMk cId="779292092" sldId="256"/>
-            <ac:spMk id="2" creationId="{A117D592-65D1-FEB2-AB2A-1197CEC1533A}"/>
-          </ac:spMkLst>
-        </pc:spChg>
-        <pc:spChg chg="del mod">
-          <ac:chgData name="Trung Nghia Nguyen" userId="caf0b1f78d203fdc" providerId="LiveId" clId="{FA98E611-7EE5-4D53-A8F6-A8478DA16B0D}" dt="2023-03-16T04:26:30.339" v="75"/>
-          <ac:spMkLst>
-            <pc:docMk/>
-            <pc:sldMk cId="779292092" sldId="256"/>
-            <ac:spMk id="3" creationId="{10CEF238-71AF-8F0B-FAB7-5FB7BE0C6241}"/>
-          </ac:spMkLst>
-        </pc:spChg>
-        <pc:spChg chg="add mod">
-          <ac:chgData name="Trung Nghia Nguyen" userId="caf0b1f78d203fdc" providerId="LiveId" clId="{FA98E611-7EE5-4D53-A8F6-A8478DA16B0D}" dt="2023-03-19T19:41:39.395" v="4557" actId="20577"/>
-          <ac:spMkLst>
-            <pc:docMk/>
-            <pc:sldMk cId="779292092" sldId="256"/>
-            <ac:spMk id="3" creationId="{96D15035-7BD4-17B1-61CC-73A16FAB9E8C}"/>
-          </ac:spMkLst>
-        </pc:spChg>
-        <pc:spChg chg="add del mod">
-          <ac:chgData name="Trung Nghia Nguyen" userId="caf0b1f78d203fdc" providerId="LiveId" clId="{FA98E611-7EE5-4D53-A8F6-A8478DA16B0D}" dt="2023-03-16T04:26:33.737" v="76" actId="478"/>
-          <ac:spMkLst>
-            <pc:docMk/>
-            <pc:sldMk cId="779292092" sldId="256"/>
-            <ac:spMk id="4" creationId="{D3541119-F88B-63E0-D9CB-1FBA398AF2C2}"/>
-          </ac:spMkLst>
-        </pc:spChg>
-        <pc:spChg chg="add del mod">
-          <ac:chgData name="Trung Nghia Nguyen" userId="caf0b1f78d203fdc" providerId="LiveId" clId="{FA98E611-7EE5-4D53-A8F6-A8478DA16B0D}" dt="2023-03-16T04:26:41.747" v="80" actId="478"/>
-          <ac:spMkLst>
-            <pc:docMk/>
-            <pc:sldMk cId="779292092" sldId="256"/>
-            <ac:spMk id="5" creationId="{ABA30120-0E89-CD7C-399C-36E8D45B427C}"/>
-          </ac:spMkLst>
-        </pc:spChg>
-        <pc:spChg chg="add del mod">
-          <ac:chgData name="Trung Nghia Nguyen" userId="caf0b1f78d203fdc" providerId="LiveId" clId="{FA98E611-7EE5-4D53-A8F6-A8478DA16B0D}" dt="2023-03-16T04:27:22.442" v="90"/>
-          <ac:spMkLst>
-            <pc:docMk/>
-            <pc:sldMk cId="779292092" sldId="256"/>
-            <ac:spMk id="6" creationId="{AAB06E32-4593-8D4D-C74D-CF8D31363477}"/>
-          </ac:spMkLst>
-        </pc:spChg>
-        <pc:spChg chg="add del">
-          <ac:chgData name="Trung Nghia Nguyen" userId="caf0b1f78d203fdc" providerId="LiveId" clId="{FA98E611-7EE5-4D53-A8F6-A8478DA16B0D}" dt="2023-03-16T04:27:09.227" v="84" actId="22"/>
-          <ac:spMkLst>
-            <pc:docMk/>
-            <pc:sldMk cId="779292092" sldId="256"/>
-            <ac:spMk id="8" creationId="{AA71866C-55AA-CB05-D180-FE98E4673862}"/>
-          </ac:spMkLst>
-        </pc:spChg>
-        <pc:spChg chg="add del mod">
-          <ac:chgData name="Trung Nghia Nguyen" userId="caf0b1f78d203fdc" providerId="LiveId" clId="{FA98E611-7EE5-4D53-A8F6-A8478DA16B0D}" dt="2023-03-16T04:27:21.819" v="88"/>
-          <ac:spMkLst>
-            <pc:docMk/>
-            <pc:sldMk cId="779292092" sldId="256"/>
-            <ac:spMk id="9" creationId="{BF2B2450-A3A7-8C9F-A35B-E45EC50B2722}"/>
-          </ac:spMkLst>
-        </pc:spChg>
-        <pc:spChg chg="add mod">
-          <ac:chgData name="Trung Nghia Nguyen" userId="caf0b1f78d203fdc" providerId="LiveId" clId="{FA98E611-7EE5-4D53-A8F6-A8478DA16B0D}" dt="2023-03-16T05:56:31.363" v="885" actId="20577"/>
-          <ac:spMkLst>
-            <pc:docMk/>
-            <pc:sldMk cId="779292092" sldId="256"/>
-            <ac:spMk id="14" creationId="{63B4AB36-B54A-EA5C-2A74-F2C80BE0CBC4}"/>
-          </ac:spMkLst>
-        </pc:spChg>
-        <pc:spChg chg="add del mod">
-          <ac:chgData name="Trung Nghia Nguyen" userId="caf0b1f78d203fdc" providerId="LiveId" clId="{FA98E611-7EE5-4D53-A8F6-A8478DA16B0D}" dt="2023-03-16T05:56:37.340" v="886" actId="478"/>
-          <ac:spMkLst>
-            <pc:docMk/>
-            <pc:sldMk cId="779292092" sldId="256"/>
-            <ac:spMk id="15" creationId="{17843FAC-3233-9FA3-6096-5E9BE746F288}"/>
-          </ac:spMkLst>
-        </pc:spChg>
-        <pc:graphicFrameChg chg="add mod modGraphic">
-          <ac:chgData name="Trung Nghia Nguyen" userId="caf0b1f78d203fdc" providerId="LiveId" clId="{FA98E611-7EE5-4D53-A8F6-A8478DA16B0D}" dt="2023-03-20T02:03:15.660" v="4804" actId="20577"/>
-          <ac:graphicFrameMkLst>
-            <pc:docMk/>
-            <pc:sldMk cId="779292092" sldId="256"/>
-            <ac:graphicFrameMk id="16" creationId="{A794B221-780B-3E0D-DCDE-B4B669AD1AE3}"/>
-          </ac:graphicFrameMkLst>
-        </pc:graphicFrameChg>
-        <pc:picChg chg="add mod">
-          <ac:chgData name="Trung Nghia Nguyen" userId="caf0b1f78d203fdc" providerId="LiveId" clId="{FA98E611-7EE5-4D53-A8F6-A8478DA16B0D}" dt="2023-03-16T04:28:13.628" v="97" actId="1076"/>
-          <ac:picMkLst>
-            <pc:docMk/>
-            <pc:sldMk cId="779292092" sldId="256"/>
-            <ac:picMk id="1034" creationId="{6F72484C-A752-76F3-F259-0A997B815A00}"/>
-          </ac:picMkLst>
-        </pc:picChg>
-        <pc:cxnChg chg="add mod">
-          <ac:chgData name="Trung Nghia Nguyen" userId="caf0b1f78d203fdc" providerId="LiveId" clId="{FA98E611-7EE5-4D53-A8F6-A8478DA16B0D}" dt="2023-03-17T04:37:52.245" v="3021"/>
-          <ac:cxnSpMkLst>
-            <pc:docMk/>
-            <pc:sldMk cId="779292092" sldId="256"/>
-            <ac:cxnSpMk id="2" creationId="{D5E91735-6F4E-1EBB-5B25-60BB71493CFD}"/>
-          </ac:cxnSpMkLst>
-        </pc:cxnChg>
-        <pc:cxnChg chg="add mod">
-          <ac:chgData name="Trung Nghia Nguyen" userId="caf0b1f78d203fdc" providerId="LiveId" clId="{FA98E611-7EE5-4D53-A8F6-A8478DA16B0D}" dt="2023-03-16T04:29:23.337" v="100" actId="14100"/>
-          <ac:cxnSpMkLst>
-            <pc:docMk/>
-            <pc:sldMk cId="779292092" sldId="256"/>
-            <ac:cxnSpMk id="11" creationId="{E5C4A229-E185-5A4B-53B1-81D591292671}"/>
-          </ac:cxnSpMkLst>
-        </pc:cxnChg>
-      </pc:sldChg>
-      <pc:sldChg chg="addSp modSp add mod ord">
-        <pc:chgData name="Trung Nghia Nguyen" userId="caf0b1f78d203fdc" providerId="LiveId" clId="{FA98E611-7EE5-4D53-A8F6-A8478DA16B0D}" dt="2023-03-20T02:02:08.352" v="4784" actId="20577"/>
-        <pc:sldMkLst>
-          <pc:docMk/>
-          <pc:sldMk cId="502051408" sldId="257"/>
-        </pc:sldMkLst>
-        <pc:spChg chg="add mod">
-          <ac:chgData name="Trung Nghia Nguyen" userId="caf0b1f78d203fdc" providerId="LiveId" clId="{FA98E611-7EE5-4D53-A8F6-A8478DA16B0D}" dt="2023-03-17T04:37:41.303" v="3019" actId="14100"/>
-          <ac:spMkLst>
-            <pc:docMk/>
-            <pc:sldMk cId="502051408" sldId="257"/>
-            <ac:spMk id="4" creationId="{A7C6B5DE-252A-6692-B1E6-C658AB98BEE6}"/>
-          </ac:spMkLst>
-        </pc:spChg>
-        <pc:spChg chg="mod">
-          <ac:chgData name="Trung Nghia Nguyen" userId="caf0b1f78d203fdc" providerId="LiveId" clId="{FA98E611-7EE5-4D53-A8F6-A8478DA16B0D}" dt="2023-03-19T20:01:49.324" v="4626" actId="14100"/>
-          <ac:spMkLst>
-            <pc:docMk/>
-            <pc:sldMk cId="502051408" sldId="257"/>
-            <ac:spMk id="14" creationId="{63B4AB36-B54A-EA5C-2A74-F2C80BE0CBC4}"/>
-          </ac:spMkLst>
-        </pc:spChg>
-        <pc:graphicFrameChg chg="mod modGraphic">
-          <ac:chgData name="Trung Nghia Nguyen" userId="caf0b1f78d203fdc" providerId="LiveId" clId="{FA98E611-7EE5-4D53-A8F6-A8478DA16B0D}" dt="2023-03-20T02:02:08.352" v="4784" actId="20577"/>
-          <ac:graphicFrameMkLst>
-            <pc:docMk/>
-            <pc:sldMk cId="502051408" sldId="257"/>
-            <ac:graphicFrameMk id="16" creationId="{A794B221-780B-3E0D-DCDE-B4B669AD1AE3}"/>
-          </ac:graphicFrameMkLst>
-        </pc:graphicFrameChg>
-        <pc:cxnChg chg="add mod">
-          <ac:chgData name="Trung Nghia Nguyen" userId="caf0b1f78d203fdc" providerId="LiveId" clId="{FA98E611-7EE5-4D53-A8F6-A8478DA16B0D}" dt="2023-03-17T04:37:47.645" v="3020" actId="14100"/>
-          <ac:cxnSpMkLst>
-            <pc:docMk/>
-            <pc:sldMk cId="502051408" sldId="257"/>
-            <ac:cxnSpMk id="2" creationId="{0193EF83-1ED7-DCBA-7737-4EE3F208EA17}"/>
-          </ac:cxnSpMkLst>
-        </pc:cxnChg>
-      </pc:sldChg>
-      <pc:sldChg chg="addSp delSp modSp add mod">
-        <pc:chgData name="Trung Nghia Nguyen" userId="caf0b1f78d203fdc" providerId="LiveId" clId="{FA98E611-7EE5-4D53-A8F6-A8478DA16B0D}" dt="2023-03-19T20:07:36.464" v="4782" actId="1076"/>
-        <pc:sldMkLst>
-          <pc:docMk/>
-          <pc:sldMk cId="3011248427" sldId="258"/>
-        </pc:sldMkLst>
-        <pc:spChg chg="add del mod">
-          <ac:chgData name="Trung Nghia Nguyen" userId="caf0b1f78d203fdc" providerId="LiveId" clId="{FA98E611-7EE5-4D53-A8F6-A8478DA16B0D}" dt="2023-03-17T04:38:56.233" v="3046" actId="478"/>
-          <ac:spMkLst>
-            <pc:docMk/>
-            <pc:sldMk cId="3011248427" sldId="258"/>
-            <ac:spMk id="3" creationId="{00103708-BF71-4028-9F2C-BCD6FC6E2BB3}"/>
-          </ac:spMkLst>
-        </pc:spChg>
-        <pc:spChg chg="add mod">
-          <ac:chgData name="Trung Nghia Nguyen" userId="caf0b1f78d203fdc" providerId="LiveId" clId="{FA98E611-7EE5-4D53-A8F6-A8478DA16B0D}" dt="2023-03-19T20:07:36.464" v="4782" actId="1076"/>
-          <ac:spMkLst>
-            <pc:docMk/>
-            <pc:sldMk cId="3011248427" sldId="258"/>
-            <ac:spMk id="3" creationId="{56C3DF9C-2FEB-EE52-21A1-DBBB2454EA38}"/>
-          </ac:spMkLst>
-        </pc:spChg>
-        <pc:spChg chg="add mod">
-          <ac:chgData name="Trung Nghia Nguyen" userId="caf0b1f78d203fdc" providerId="LiveId" clId="{FA98E611-7EE5-4D53-A8F6-A8478DA16B0D}" dt="2023-03-19T19:41:48.869" v="4561" actId="20577"/>
-          <ac:spMkLst>
-            <pc:docMk/>
-            <pc:sldMk cId="3011248427" sldId="258"/>
-            <ac:spMk id="4" creationId="{11342279-3B1B-9555-FD5C-CA3839B3D029}"/>
-          </ac:spMkLst>
-        </pc:spChg>
-        <pc:spChg chg="mod">
-          <ac:chgData name="Trung Nghia Nguyen" userId="caf0b1f78d203fdc" providerId="LiveId" clId="{FA98E611-7EE5-4D53-A8F6-A8478DA16B0D}" dt="2023-03-16T06:01:33.515" v="1032" actId="20577"/>
-          <ac:spMkLst>
-            <pc:docMk/>
-            <pc:sldMk cId="3011248427" sldId="258"/>
-            <ac:spMk id="14" creationId="{63B4AB36-B54A-EA5C-2A74-F2C80BE0CBC4}"/>
-          </ac:spMkLst>
-        </pc:spChg>
-        <pc:graphicFrameChg chg="mod modGraphic">
-          <ac:chgData name="Trung Nghia Nguyen" userId="caf0b1f78d203fdc" providerId="LiveId" clId="{FA98E611-7EE5-4D53-A8F6-A8478DA16B0D}" dt="2023-03-19T19:23:41.611" v="4269" actId="2711"/>
-          <ac:graphicFrameMkLst>
-            <pc:docMk/>
-            <pc:sldMk cId="3011248427" sldId="258"/>
-            <ac:graphicFrameMk id="16" creationId="{A794B221-780B-3E0D-DCDE-B4B669AD1AE3}"/>
-          </ac:graphicFrameMkLst>
-        </pc:graphicFrameChg>
-        <pc:cxnChg chg="add mod">
-          <ac:chgData name="Trung Nghia Nguyen" userId="caf0b1f78d203fdc" providerId="LiveId" clId="{FA98E611-7EE5-4D53-A8F6-A8478DA16B0D}" dt="2023-03-17T04:37:55.646" v="3023"/>
-          <ac:cxnSpMkLst>
-            <pc:docMk/>
-            <pc:sldMk cId="3011248427" sldId="258"/>
-            <ac:cxnSpMk id="2" creationId="{AF3ADEA5-03F2-7E56-B6E6-8B6970A896CF}"/>
-          </ac:cxnSpMkLst>
-        </pc:cxnChg>
-      </pc:sldChg>
-      <pc:sldChg chg="addSp delSp modSp add mod">
-        <pc:chgData name="Trung Nghia Nguyen" userId="caf0b1f78d203fdc" providerId="LiveId" clId="{FA98E611-7EE5-4D53-A8F6-A8478DA16B0D}" dt="2023-03-20T06:30:07.305" v="4932" actId="1076"/>
-        <pc:sldMkLst>
-          <pc:docMk/>
-          <pc:sldMk cId="4019893558" sldId="259"/>
-        </pc:sldMkLst>
-        <pc:spChg chg="add mod">
-          <ac:chgData name="Trung Nghia Nguyen" userId="caf0b1f78d203fdc" providerId="LiveId" clId="{FA98E611-7EE5-4D53-A8F6-A8478DA16B0D}" dt="2023-03-16T06:06:38.899" v="1143" actId="114"/>
-          <ac:spMkLst>
-            <pc:docMk/>
-            <pc:sldMk cId="4019893558" sldId="259"/>
-            <ac:spMk id="2" creationId="{30380714-4CD2-9849-80A6-8AC66F97DA6F}"/>
-          </ac:spMkLst>
-        </pc:spChg>
-        <pc:spChg chg="add del mod">
-          <ac:chgData name="Trung Nghia Nguyen" userId="caf0b1f78d203fdc" providerId="LiveId" clId="{FA98E611-7EE5-4D53-A8F6-A8478DA16B0D}" dt="2023-03-17T04:38:59.674" v="3048" actId="478"/>
-          <ac:spMkLst>
-            <pc:docMk/>
-            <pc:sldMk cId="4019893558" sldId="259"/>
-            <ac:spMk id="4" creationId="{E6731AC8-6FBB-04D3-C8AD-D910046055D9}"/>
-          </ac:spMkLst>
-        </pc:spChg>
-        <pc:spChg chg="add mod">
-          <ac:chgData name="Trung Nghia Nguyen" userId="caf0b1f78d203fdc" providerId="LiveId" clId="{FA98E611-7EE5-4D53-A8F6-A8478DA16B0D}" dt="2023-03-19T19:41:52.701" v="4563" actId="20577"/>
-          <ac:spMkLst>
-            <pc:docMk/>
-            <pc:sldMk cId="4019893558" sldId="259"/>
-            <ac:spMk id="5" creationId="{38B62299-A944-8252-B1CB-882A15417931}"/>
-          </ac:spMkLst>
-        </pc:spChg>
-        <pc:spChg chg="add mod">
-          <ac:chgData name="Trung Nghia Nguyen" userId="caf0b1f78d203fdc" providerId="LiveId" clId="{FA98E611-7EE5-4D53-A8F6-A8478DA16B0D}" dt="2023-03-20T06:30:07.305" v="4932" actId="1076"/>
-          <ac:spMkLst>
-            <pc:docMk/>
-            <pc:sldMk cId="4019893558" sldId="259"/>
-            <ac:spMk id="8" creationId="{734BE0A0-109F-5738-2B5A-12B232A6A7ED}"/>
-          </ac:spMkLst>
-        </pc:spChg>
-        <pc:spChg chg="mod">
-          <ac:chgData name="Trung Nghia Nguyen" userId="caf0b1f78d203fdc" providerId="LiveId" clId="{FA98E611-7EE5-4D53-A8F6-A8478DA16B0D}" dt="2023-03-16T06:05:39.139" v="1113" actId="20577"/>
-          <ac:spMkLst>
-            <pc:docMk/>
-            <pc:sldMk cId="4019893558" sldId="259"/>
-            <ac:spMk id="14" creationId="{63B4AB36-B54A-EA5C-2A74-F2C80BE0CBC4}"/>
-          </ac:spMkLst>
-        </pc:spChg>
-        <pc:graphicFrameChg chg="del">
-          <ac:chgData name="Trung Nghia Nguyen" userId="caf0b1f78d203fdc" providerId="LiveId" clId="{FA98E611-7EE5-4D53-A8F6-A8478DA16B0D}" dt="2023-03-16T06:05:53.385" v="1114" actId="478"/>
-          <ac:graphicFrameMkLst>
-            <pc:docMk/>
-            <pc:sldMk cId="4019893558" sldId="259"/>
-            <ac:graphicFrameMk id="16" creationId="{A794B221-780B-3E0D-DCDE-B4B669AD1AE3}"/>
-          </ac:graphicFrameMkLst>
-        </pc:graphicFrameChg>
-        <pc:picChg chg="add">
-          <ac:chgData name="Trung Nghia Nguyen" userId="caf0b1f78d203fdc" providerId="LiveId" clId="{FA98E611-7EE5-4D53-A8F6-A8478DA16B0D}" dt="2023-03-20T06:29:17.630" v="4858" actId="22"/>
-          <ac:picMkLst>
-            <pc:docMk/>
-            <pc:sldMk cId="4019893558" sldId="259"/>
-            <ac:picMk id="6" creationId="{43B774FE-5094-7AB3-83D9-57A0DF7FF1F6}"/>
-          </ac:picMkLst>
-        </pc:picChg>
-        <pc:picChg chg="add del mod">
-          <ac:chgData name="Trung Nghia Nguyen" userId="caf0b1f78d203fdc" providerId="LiveId" clId="{FA98E611-7EE5-4D53-A8F6-A8478DA16B0D}" dt="2023-03-20T06:29:17.174" v="4857" actId="478"/>
-          <ac:picMkLst>
-            <pc:docMk/>
-            <pc:sldMk cId="4019893558" sldId="259"/>
-            <ac:picMk id="7" creationId="{69D8DC54-039D-02F5-CE7D-B44993CE410C}"/>
-          </ac:picMkLst>
-        </pc:picChg>
-        <pc:cxnChg chg="add mod">
-          <ac:chgData name="Trung Nghia Nguyen" userId="caf0b1f78d203fdc" providerId="LiveId" clId="{FA98E611-7EE5-4D53-A8F6-A8478DA16B0D}" dt="2023-03-17T04:37:56.935" v="3024"/>
-          <ac:cxnSpMkLst>
-            <pc:docMk/>
-            <pc:sldMk cId="4019893558" sldId="259"/>
-            <ac:cxnSpMk id="3" creationId="{9B5848A5-3C88-A3DF-9B0B-60160834435A}"/>
-          </ac:cxnSpMkLst>
-        </pc:cxnChg>
-      </pc:sldChg>
-      <pc:sldChg chg="addSp delSp modSp add mod">
-        <pc:chgData name="Trung Nghia Nguyen" userId="caf0b1f78d203fdc" providerId="LiveId" clId="{FA98E611-7EE5-4D53-A8F6-A8478DA16B0D}" dt="2023-03-20T06:32:28.380" v="4981" actId="22"/>
-        <pc:sldMkLst>
-          <pc:docMk/>
-          <pc:sldMk cId="3474282668" sldId="260"/>
-        </pc:sldMkLst>
-        <pc:spChg chg="mod">
-          <ac:chgData name="Trung Nghia Nguyen" userId="caf0b1f78d203fdc" providerId="LiveId" clId="{FA98E611-7EE5-4D53-A8F6-A8478DA16B0D}" dt="2023-03-16T06:07:58.268" v="1156" actId="20577"/>
-          <ac:spMkLst>
-            <pc:docMk/>
-            <pc:sldMk cId="3474282668" sldId="260"/>
-            <ac:spMk id="2" creationId="{30380714-4CD2-9849-80A6-8AC66F97DA6F}"/>
-          </ac:spMkLst>
-        </pc:spChg>
-        <pc:spChg chg="add mod">
-          <ac:chgData name="Trung Nghia Nguyen" userId="caf0b1f78d203fdc" providerId="LiveId" clId="{FA98E611-7EE5-4D53-A8F6-A8478DA16B0D}" dt="2023-03-20T06:32:27.935" v="4980" actId="1076"/>
-          <ac:spMkLst>
-            <pc:docMk/>
-            <pc:sldMk cId="3474282668" sldId="260"/>
-            <ac:spMk id="4" creationId="{9431821D-6D7D-E062-A69A-509104FD42F8}"/>
-          </ac:spMkLst>
-        </pc:spChg>
-        <pc:spChg chg="add del mod">
-          <ac:chgData name="Trung Nghia Nguyen" userId="caf0b1f78d203fdc" providerId="LiveId" clId="{FA98E611-7EE5-4D53-A8F6-A8478DA16B0D}" dt="2023-03-17T04:39:14.883" v="3056" actId="478"/>
-          <ac:spMkLst>
-            <pc:docMk/>
-            <pc:sldMk cId="3474282668" sldId="260"/>
-            <ac:spMk id="4" creationId="{F90D0244-90F2-3218-C4A1-606B763A06C7}"/>
-          </ac:spMkLst>
-        </pc:spChg>
-        <pc:spChg chg="add mod">
-          <ac:chgData name="Trung Nghia Nguyen" userId="caf0b1f78d203fdc" providerId="LiveId" clId="{FA98E611-7EE5-4D53-A8F6-A8478DA16B0D}" dt="2023-03-19T19:42:28.957" v="4575" actId="20577"/>
-          <ac:spMkLst>
-            <pc:docMk/>
-            <pc:sldMk cId="3474282668" sldId="260"/>
-            <ac:spMk id="5" creationId="{4560C39D-ACC4-FD53-200A-C206C7FACCF7}"/>
-          </ac:spMkLst>
-        </pc:spChg>
-        <pc:picChg chg="add">
-          <ac:chgData name="Trung Nghia Nguyen" userId="caf0b1f78d203fdc" providerId="LiveId" clId="{FA98E611-7EE5-4D53-A8F6-A8478DA16B0D}" dt="2023-03-20T06:32:28.380" v="4981" actId="22"/>
-          <ac:picMkLst>
-            <pc:docMk/>
-            <pc:sldMk cId="3474282668" sldId="260"/>
-            <ac:picMk id="7" creationId="{0A013844-F359-90BA-AFE5-5A4E0F02079B}"/>
-          </ac:picMkLst>
-        </pc:picChg>
-        <pc:cxnChg chg="add mod">
-          <ac:chgData name="Trung Nghia Nguyen" userId="caf0b1f78d203fdc" providerId="LiveId" clId="{FA98E611-7EE5-4D53-A8F6-A8478DA16B0D}" dt="2023-03-17T04:38:03.135" v="3028"/>
-          <ac:cxnSpMkLst>
-            <pc:docMk/>
-            <pc:sldMk cId="3474282668" sldId="260"/>
-            <ac:cxnSpMk id="3" creationId="{A678CC92-2ECC-6731-44B3-E00C5607B1AE}"/>
-          </ac:cxnSpMkLst>
-        </pc:cxnChg>
-      </pc:sldChg>
-      <pc:sldChg chg="addSp delSp modSp add mod">
-        <pc:chgData name="Trung Nghia Nguyen" userId="caf0b1f78d203fdc" providerId="LiveId" clId="{FA98E611-7EE5-4D53-A8F6-A8478DA16B0D}" dt="2023-03-20T06:36:55.797" v="5214" actId="20577"/>
-        <pc:sldMkLst>
-          <pc:docMk/>
-          <pc:sldMk cId="2176878142" sldId="261"/>
-        </pc:sldMkLst>
-        <pc:spChg chg="mod">
-          <ac:chgData name="Trung Nghia Nguyen" userId="caf0b1f78d203fdc" providerId="LiveId" clId="{FA98E611-7EE5-4D53-A8F6-A8478DA16B0D}" dt="2023-03-16T06:07:54.573" v="1154" actId="20577"/>
-          <ac:spMkLst>
-            <pc:docMk/>
-            <pc:sldMk cId="2176878142" sldId="261"/>
-            <ac:spMk id="2" creationId="{30380714-4CD2-9849-80A6-8AC66F97DA6F}"/>
-          </ac:spMkLst>
-        </pc:spChg>
-        <pc:spChg chg="add del mod">
-          <ac:chgData name="Trung Nghia Nguyen" userId="caf0b1f78d203fdc" providerId="LiveId" clId="{FA98E611-7EE5-4D53-A8F6-A8478DA16B0D}" dt="2023-03-17T04:39:11.371" v="3054" actId="478"/>
-          <ac:spMkLst>
-            <pc:docMk/>
-            <pc:sldMk cId="2176878142" sldId="261"/>
-            <ac:spMk id="4" creationId="{79A4E201-0F99-95ED-5D57-A5ADBCE00A7E}"/>
-          </ac:spMkLst>
-        </pc:spChg>
-        <pc:spChg chg="add mod">
-          <ac:chgData name="Trung Nghia Nguyen" userId="caf0b1f78d203fdc" providerId="LiveId" clId="{FA98E611-7EE5-4D53-A8F6-A8478DA16B0D}" dt="2023-03-19T19:42:25.521" v="4574" actId="20577"/>
-          <ac:spMkLst>
-            <pc:docMk/>
-            <pc:sldMk cId="2176878142" sldId="261"/>
-            <ac:spMk id="5" creationId="{773F5182-C15F-B8A2-79A6-98CC56113930}"/>
-          </ac:spMkLst>
-        </pc:spChg>
-        <pc:spChg chg="add mod">
-          <ac:chgData name="Trung Nghia Nguyen" userId="caf0b1f78d203fdc" providerId="LiveId" clId="{FA98E611-7EE5-4D53-A8F6-A8478DA16B0D}" dt="2023-03-20T06:36:55.797" v="5214" actId="20577"/>
-          <ac:spMkLst>
-            <pc:docMk/>
-            <pc:sldMk cId="2176878142" sldId="261"/>
-            <ac:spMk id="9" creationId="{F533BA89-8B09-1895-6FE7-F00314F0528E}"/>
-          </ac:spMkLst>
-        </pc:spChg>
-        <pc:picChg chg="add del mod">
-          <ac:chgData name="Trung Nghia Nguyen" userId="caf0b1f78d203fdc" providerId="LiveId" clId="{FA98E611-7EE5-4D53-A8F6-A8478DA16B0D}" dt="2023-03-20T06:33:26.107" v="4982" actId="478"/>
-          <ac:picMkLst>
-            <pc:docMk/>
-            <pc:sldMk cId="2176878142" sldId="261"/>
-            <ac:picMk id="6" creationId="{DBB75A3D-9236-0F32-4DB3-8640590F658C}"/>
-          </ac:picMkLst>
-        </pc:picChg>
-        <pc:picChg chg="add mod">
-          <ac:chgData name="Trung Nghia Nguyen" userId="caf0b1f78d203fdc" providerId="LiveId" clId="{FA98E611-7EE5-4D53-A8F6-A8478DA16B0D}" dt="2023-03-20T06:36:32.318" v="5141" actId="1076"/>
-          <ac:picMkLst>
-            <pc:docMk/>
-            <pc:sldMk cId="2176878142" sldId="261"/>
-            <ac:picMk id="7" creationId="{5878CDCA-64F5-3710-E232-035E68B469AA}"/>
-          </ac:picMkLst>
-        </pc:picChg>
-        <pc:picChg chg="add mod">
-          <ac:chgData name="Trung Nghia Nguyen" userId="caf0b1f78d203fdc" providerId="LiveId" clId="{FA98E611-7EE5-4D53-A8F6-A8478DA16B0D}" dt="2023-03-18T18:02:27.665" v="3498" actId="14100"/>
-          <ac:picMkLst>
-            <pc:docMk/>
-            <pc:sldMk cId="2176878142" sldId="261"/>
-            <ac:picMk id="8" creationId="{CA8451FB-3C2B-4482-8DC3-38D9C773F858}"/>
-          </ac:picMkLst>
-        </pc:picChg>
-        <pc:cxnChg chg="add mod">
-          <ac:chgData name="Trung Nghia Nguyen" userId="caf0b1f78d203fdc" providerId="LiveId" clId="{FA98E611-7EE5-4D53-A8F6-A8478DA16B0D}" dt="2023-03-17T04:38:01.916" v="3027"/>
-          <ac:cxnSpMkLst>
-            <pc:docMk/>
-            <pc:sldMk cId="2176878142" sldId="261"/>
-            <ac:cxnSpMk id="3" creationId="{E9060F41-5A0D-7040-5C8F-79CFAA7E7D72}"/>
-          </ac:cxnSpMkLst>
-        </pc:cxnChg>
-      </pc:sldChg>
-      <pc:sldChg chg="addSp delSp modSp add del mod">
-        <pc:chgData name="Trung Nghia Nguyen" userId="caf0b1f78d203fdc" providerId="LiveId" clId="{FA98E611-7EE5-4D53-A8F6-A8478DA16B0D}" dt="2023-03-17T07:03:47.972" v="3265" actId="2696"/>
-        <pc:sldMkLst>
-          <pc:docMk/>
-          <pc:sldMk cId="875898025" sldId="262"/>
-        </pc:sldMkLst>
-        <pc:spChg chg="mod">
-          <ac:chgData name="Trung Nghia Nguyen" userId="caf0b1f78d203fdc" providerId="LiveId" clId="{FA98E611-7EE5-4D53-A8F6-A8478DA16B0D}" dt="2023-03-16T06:07:49.749" v="1152" actId="20577"/>
-          <ac:spMkLst>
-            <pc:docMk/>
-            <pc:sldMk cId="875898025" sldId="262"/>
-            <ac:spMk id="2" creationId="{30380714-4CD2-9849-80A6-8AC66F97DA6F}"/>
-          </ac:spMkLst>
-        </pc:spChg>
-        <pc:spChg chg="add del mod">
-          <ac:chgData name="Trung Nghia Nguyen" userId="caf0b1f78d203fdc" providerId="LiveId" clId="{FA98E611-7EE5-4D53-A8F6-A8478DA16B0D}" dt="2023-03-17T04:39:07.061" v="3052" actId="478"/>
-          <ac:spMkLst>
-            <pc:docMk/>
-            <pc:sldMk cId="875898025" sldId="262"/>
-            <ac:spMk id="4" creationId="{78B0134D-73F0-E0EE-EAA2-40F53D578455}"/>
-          </ac:spMkLst>
-        </pc:spChg>
-        <pc:spChg chg="add mod">
-          <ac:chgData name="Trung Nghia Nguyen" userId="caf0b1f78d203fdc" providerId="LiveId" clId="{FA98E611-7EE5-4D53-A8F6-A8478DA16B0D}" dt="2023-03-17T04:39:07.317" v="3053"/>
-          <ac:spMkLst>
-            <pc:docMk/>
-            <pc:sldMk cId="875898025" sldId="262"/>
-            <ac:spMk id="5" creationId="{7AF6E6C4-7E4D-6951-DD77-D67FDB08BE33}"/>
-          </ac:spMkLst>
-        </pc:spChg>
-        <pc:spChg chg="add mod">
-          <ac:chgData name="Trung Nghia Nguyen" userId="caf0b1f78d203fdc" providerId="LiveId" clId="{FA98E611-7EE5-4D53-A8F6-A8478DA16B0D}" dt="2023-03-17T06:38:20.448" v="3252" actId="207"/>
-          <ac:spMkLst>
-            <pc:docMk/>
-            <pc:sldMk cId="875898025" sldId="262"/>
-            <ac:spMk id="7" creationId="{C27A575E-AACF-0BC5-FF71-5FCE2C283EAA}"/>
-          </ac:spMkLst>
-        </pc:spChg>
-        <pc:cxnChg chg="add mod">
-          <ac:chgData name="Trung Nghia Nguyen" userId="caf0b1f78d203fdc" providerId="LiveId" clId="{FA98E611-7EE5-4D53-A8F6-A8478DA16B0D}" dt="2023-03-17T04:38:00.559" v="3026"/>
-          <ac:cxnSpMkLst>
-            <pc:docMk/>
-            <pc:sldMk cId="875898025" sldId="262"/>
-            <ac:cxnSpMk id="3" creationId="{C4BB4107-403F-CD25-8D62-E1CD580C39E7}"/>
-          </ac:cxnSpMkLst>
-        </pc:cxnChg>
-      </pc:sldChg>
-      <pc:sldChg chg="addSp delSp modSp add mod">
-        <pc:chgData name="Trung Nghia Nguyen" userId="caf0b1f78d203fdc" providerId="LiveId" clId="{FA98E611-7EE5-4D53-A8F6-A8478DA16B0D}" dt="2023-03-19T19:41:58.154" v="4565" actId="20577"/>
-        <pc:sldMkLst>
-          <pc:docMk/>
-          <pc:sldMk cId="482173432" sldId="263"/>
-        </pc:sldMkLst>
-        <pc:spChg chg="mod">
-          <ac:chgData name="Trung Nghia Nguyen" userId="caf0b1f78d203fdc" providerId="LiveId" clId="{FA98E611-7EE5-4D53-A8F6-A8478DA16B0D}" dt="2023-03-16T06:07:46.511" v="1150" actId="20577"/>
-          <ac:spMkLst>
-            <pc:docMk/>
-            <pc:sldMk cId="482173432" sldId="263"/>
-            <ac:spMk id="2" creationId="{30380714-4CD2-9849-80A6-8AC66F97DA6F}"/>
-          </ac:spMkLst>
-        </pc:spChg>
-        <pc:spChg chg="add del mod">
-          <ac:chgData name="Trung Nghia Nguyen" userId="caf0b1f78d203fdc" providerId="LiveId" clId="{FA98E611-7EE5-4D53-A8F6-A8478DA16B0D}" dt="2023-03-17T04:39:03.344" v="3050" actId="478"/>
-          <ac:spMkLst>
-            <pc:docMk/>
-            <pc:sldMk cId="482173432" sldId="263"/>
-            <ac:spMk id="4" creationId="{A2FC1147-7412-C677-5A5A-BF19366C123D}"/>
-          </ac:spMkLst>
-        </pc:spChg>
-        <pc:spChg chg="add mod">
-          <ac:chgData name="Trung Nghia Nguyen" userId="caf0b1f78d203fdc" providerId="LiveId" clId="{FA98E611-7EE5-4D53-A8F6-A8478DA16B0D}" dt="2023-03-19T19:41:58.154" v="4565" actId="20577"/>
-          <ac:spMkLst>
-            <pc:docMk/>
-            <pc:sldMk cId="482173432" sldId="263"/>
-            <ac:spMk id="5" creationId="{5EFED488-422D-714E-BC8D-1EFFE4EB27EF}"/>
-          </ac:spMkLst>
-        </pc:spChg>
-        <pc:spChg chg="add mod">
-          <ac:chgData name="Trung Nghia Nguyen" userId="caf0b1f78d203fdc" providerId="LiveId" clId="{FA98E611-7EE5-4D53-A8F6-A8478DA16B0D}" dt="2023-03-17T06:23:12.888" v="3165" actId="114"/>
-          <ac:spMkLst>
-            <pc:docMk/>
-            <pc:sldMk cId="482173432" sldId="263"/>
-            <ac:spMk id="6" creationId="{E89CDB90-AF28-D274-AC55-ECC8E0120E31}"/>
-          </ac:spMkLst>
-        </pc:spChg>
-        <pc:picChg chg="add mod">
-          <ac:chgData name="Trung Nghia Nguyen" userId="caf0b1f78d203fdc" providerId="LiveId" clId="{FA98E611-7EE5-4D53-A8F6-A8478DA16B0D}" dt="2023-03-17T06:19:17.560" v="3097" actId="14100"/>
-          <ac:picMkLst>
-            <pc:docMk/>
-            <pc:sldMk cId="482173432" sldId="263"/>
-            <ac:picMk id="8" creationId="{64343610-2239-3C37-0292-61E9C46DADC0}"/>
-          </ac:picMkLst>
-        </pc:picChg>
-        <pc:picChg chg="add mod">
-          <ac:chgData name="Trung Nghia Nguyen" userId="caf0b1f78d203fdc" providerId="LiveId" clId="{FA98E611-7EE5-4D53-A8F6-A8478DA16B0D}" dt="2023-03-17T06:19:27.485" v="3100" actId="14100"/>
-          <ac:picMkLst>
-            <pc:docMk/>
-            <pc:sldMk cId="482173432" sldId="263"/>
-            <ac:picMk id="1026" creationId="{8B6FAEF3-00E8-C2B6-6484-BD77EBFDEA2F}"/>
-          </ac:picMkLst>
-        </pc:picChg>
-        <pc:cxnChg chg="add mod">
-          <ac:chgData name="Trung Nghia Nguyen" userId="caf0b1f78d203fdc" providerId="LiveId" clId="{FA98E611-7EE5-4D53-A8F6-A8478DA16B0D}" dt="2023-03-17T04:37:58.915" v="3025"/>
-          <ac:cxnSpMkLst>
-            <pc:docMk/>
-            <pc:sldMk cId="482173432" sldId="263"/>
-            <ac:cxnSpMk id="3" creationId="{0C90852F-CCF4-2CB4-185D-9BD76C10552E}"/>
-          </ac:cxnSpMkLst>
-        </pc:cxnChg>
-      </pc:sldChg>
-      <pc:sldChg chg="addSp delSp modSp add mod">
-        <pc:chgData name="Trung Nghia Nguyen" userId="caf0b1f78d203fdc" providerId="LiveId" clId="{FA98E611-7EE5-4D53-A8F6-A8478DA16B0D}" dt="2023-03-20T06:36:20.136" v="5138" actId="1076"/>
-        <pc:sldMkLst>
-          <pc:docMk/>
-          <pc:sldMk cId="2895901428" sldId="264"/>
-        </pc:sldMkLst>
-        <pc:spChg chg="mod">
-          <ac:chgData name="Trung Nghia Nguyen" userId="caf0b1f78d203fdc" providerId="LiveId" clId="{FA98E611-7EE5-4D53-A8F6-A8478DA16B0D}" dt="2023-03-16T06:08:02.769" v="1158" actId="20577"/>
-          <ac:spMkLst>
-            <pc:docMk/>
-            <pc:sldMk cId="2895901428" sldId="264"/>
-            <ac:spMk id="2" creationId="{30380714-4CD2-9849-80A6-8AC66F97DA6F}"/>
-          </ac:spMkLst>
-        </pc:spChg>
-        <pc:spChg chg="add del mod">
-          <ac:chgData name="Trung Nghia Nguyen" userId="caf0b1f78d203fdc" providerId="LiveId" clId="{FA98E611-7EE5-4D53-A8F6-A8478DA16B0D}" dt="2023-03-17T04:39:19.392" v="3058" actId="478"/>
-          <ac:spMkLst>
-            <pc:docMk/>
-            <pc:sldMk cId="2895901428" sldId="264"/>
-            <ac:spMk id="4" creationId="{60A99F50-FB46-F4B1-BC79-AB008BB54B45}"/>
-          </ac:spMkLst>
-        </pc:spChg>
-        <pc:spChg chg="add mod">
-          <ac:chgData name="Trung Nghia Nguyen" userId="caf0b1f78d203fdc" providerId="LiveId" clId="{FA98E611-7EE5-4D53-A8F6-A8478DA16B0D}" dt="2023-03-19T19:42:32.285" v="4576" actId="20577"/>
-          <ac:spMkLst>
-            <pc:docMk/>
-            <pc:sldMk cId="2895901428" sldId="264"/>
-            <ac:spMk id="5" creationId="{F5D7CFDC-9C3E-5EB6-442E-0427CF3FD978}"/>
-          </ac:spMkLst>
-        </pc:spChg>
-        <pc:spChg chg="add mod">
-          <ac:chgData name="Trung Nghia Nguyen" userId="caf0b1f78d203fdc" providerId="LiveId" clId="{FA98E611-7EE5-4D53-A8F6-A8478DA16B0D}" dt="2023-03-20T06:36:20.136" v="5138" actId="1076"/>
-          <ac:spMkLst>
-            <pc:docMk/>
-            <pc:sldMk cId="2895901428" sldId="264"/>
-            <ac:spMk id="7" creationId="{F0634F75-D2AC-CBA7-B59B-9BAA1E76EBEC}"/>
-          </ac:spMkLst>
-        </pc:spChg>
-        <pc:picChg chg="add mod">
-          <ac:chgData name="Trung Nghia Nguyen" userId="caf0b1f78d203fdc" providerId="LiveId" clId="{FA98E611-7EE5-4D53-A8F6-A8478DA16B0D}" dt="2023-03-20T06:35:33.823" v="4990" actId="1076"/>
-          <ac:picMkLst>
-            <pc:docMk/>
-            <pc:sldMk cId="2895901428" sldId="264"/>
-            <ac:picMk id="6" creationId="{DCC12B2F-C07E-D6F5-3264-6403237DFCB8}"/>
-          </ac:picMkLst>
-        </pc:picChg>
-        <pc:cxnChg chg="add mod">
-          <ac:chgData name="Trung Nghia Nguyen" userId="caf0b1f78d203fdc" providerId="LiveId" clId="{FA98E611-7EE5-4D53-A8F6-A8478DA16B0D}" dt="2023-03-17T04:38:04.341" v="3029"/>
-          <ac:cxnSpMkLst>
-            <pc:docMk/>
-            <pc:sldMk cId="2895901428" sldId="264"/>
-            <ac:cxnSpMk id="3" creationId="{000902B5-E704-F9CF-DC0B-DDD6C94EF140}"/>
-          </ac:cxnSpMkLst>
-        </pc:cxnChg>
-      </pc:sldChg>
-      <pc:sldChg chg="addSp delSp modSp add mod replId">
-        <pc:chgData name="Trung Nghia Nguyen" userId="caf0b1f78d203fdc" providerId="LiveId" clId="{FA98E611-7EE5-4D53-A8F6-A8478DA16B0D}" dt="2023-03-20T06:38:22.794" v="5343" actId="115"/>
-        <pc:sldMkLst>
-          <pc:docMk/>
-          <pc:sldMk cId="4283605162" sldId="265"/>
-        </pc:sldMkLst>
-        <pc:spChg chg="mod">
-          <ac:chgData name="Trung Nghia Nguyen" userId="caf0b1f78d203fdc" providerId="LiveId" clId="{FA98E611-7EE5-4D53-A8F6-A8478DA16B0D}" dt="2023-03-16T06:08:47.041" v="1174" actId="20577"/>
-          <ac:spMkLst>
-            <pc:docMk/>
-            <pc:sldMk cId="4283605162" sldId="265"/>
-            <ac:spMk id="2" creationId="{30380714-4CD2-9849-80A6-8AC66F97DA6F}"/>
-          </ac:spMkLst>
-        </pc:spChg>
-        <pc:spChg chg="add del mod">
-          <ac:chgData name="Trung Nghia Nguyen" userId="caf0b1f78d203fdc" providerId="LiveId" clId="{FA98E611-7EE5-4D53-A8F6-A8478DA16B0D}" dt="2023-03-17T04:39:27.464" v="3062" actId="478"/>
-          <ac:spMkLst>
-            <pc:docMk/>
-            <pc:sldMk cId="4283605162" sldId="265"/>
-            <ac:spMk id="4" creationId="{3384EA73-795D-DBBD-C798-301784B97C0D}"/>
-          </ac:spMkLst>
-        </pc:spChg>
-        <pc:spChg chg="add mod">
-          <ac:chgData name="Trung Nghia Nguyen" userId="caf0b1f78d203fdc" providerId="LiveId" clId="{FA98E611-7EE5-4D53-A8F6-A8478DA16B0D}" dt="2023-03-18T18:06:10.161" v="3553" actId="114"/>
-          <ac:spMkLst>
-            <pc:docMk/>
-            <pc:sldMk cId="4283605162" sldId="265"/>
-            <ac:spMk id="4" creationId="{6155AFF2-5D57-35C2-5FA4-18DC56B50EDC}"/>
-          </ac:spMkLst>
-        </pc:spChg>
-        <pc:spChg chg="add mod">
-          <ac:chgData name="Trung Nghia Nguyen" userId="caf0b1f78d203fdc" providerId="LiveId" clId="{FA98E611-7EE5-4D53-A8F6-A8478DA16B0D}" dt="2023-03-19T19:42:46.679" v="4580" actId="20577"/>
-          <ac:spMkLst>
-            <pc:docMk/>
-            <pc:sldMk cId="4283605162" sldId="265"/>
-            <ac:spMk id="5" creationId="{C636AC51-235F-27C4-310D-353DA6ACFACB}"/>
-          </ac:spMkLst>
-        </pc:spChg>
-        <pc:spChg chg="add del mod">
-          <ac:chgData name="Trung Nghia Nguyen" userId="caf0b1f78d203fdc" providerId="LiveId" clId="{FA98E611-7EE5-4D53-A8F6-A8478DA16B0D}" dt="2023-03-20T06:37:36.898" v="5229" actId="478"/>
-          <ac:spMkLst>
-            <pc:docMk/>
-            <pc:sldMk cId="4283605162" sldId="265"/>
-            <ac:spMk id="6" creationId="{34952638-B22F-A601-ABB7-40D3A03CAF10}"/>
-          </ac:spMkLst>
-        </pc:spChg>
-        <pc:spChg chg="add mod">
-          <ac:chgData name="Trung Nghia Nguyen" userId="caf0b1f78d203fdc" providerId="LiveId" clId="{FA98E611-7EE5-4D53-A8F6-A8478DA16B0D}" dt="2023-03-20T06:37:43.908" v="5254" actId="1035"/>
-          <ac:spMkLst>
-            <pc:docMk/>
-            <pc:sldMk cId="4283605162" sldId="265"/>
-            <ac:spMk id="8" creationId="{5B6ADF82-7127-B1E1-AB08-85E9AFA2C229}"/>
-          </ac:spMkLst>
-        </pc:spChg>
-        <pc:spChg chg="add mod">
-          <ac:chgData name="Trung Nghia Nguyen" userId="caf0b1f78d203fdc" providerId="LiveId" clId="{FA98E611-7EE5-4D53-A8F6-A8478DA16B0D}" dt="2023-03-20T06:38:22.794" v="5343" actId="115"/>
-          <ac:spMkLst>
-            <pc:docMk/>
-            <pc:sldMk cId="4283605162" sldId="265"/>
-            <ac:spMk id="9" creationId="{07192213-4093-B158-7615-5C02C5D78E3C}"/>
-          </ac:spMkLst>
-        </pc:spChg>
-        <pc:spChg chg="add mod">
-          <ac:chgData name="Trung Nghia Nguyen" userId="caf0b1f78d203fdc" providerId="LiveId" clId="{FA98E611-7EE5-4D53-A8F6-A8478DA16B0D}" dt="2023-03-20T06:37:48.962" v="5255" actId="1076"/>
-          <ac:spMkLst>
-            <pc:docMk/>
-            <pc:sldMk cId="4283605162" sldId="265"/>
-            <ac:spMk id="12" creationId="{C28A47A4-273C-2F4E-0D9B-7FF4CE6F8FC8}"/>
-          </ac:spMkLst>
-        </pc:spChg>
-        <pc:spChg chg="mod">
-          <ac:chgData name="Trung Nghia Nguyen" userId="caf0b1f78d203fdc" providerId="LiveId" clId="{FA98E611-7EE5-4D53-A8F6-A8478DA16B0D}" dt="2023-03-16T06:08:20.795" v="1172" actId="20577"/>
-          <ac:spMkLst>
-            <pc:docMk/>
-            <pc:sldMk cId="4283605162" sldId="265"/>
-            <ac:spMk id="14" creationId="{63B4AB36-B54A-EA5C-2A74-F2C80BE0CBC4}"/>
-          </ac:spMkLst>
-        </pc:spChg>
-        <pc:picChg chg="add mod">
-          <ac:chgData name="Trung Nghia Nguyen" userId="caf0b1f78d203fdc" providerId="LiveId" clId="{FA98E611-7EE5-4D53-A8F6-A8478DA16B0D}" dt="2023-03-18T18:06:37.350" v="3555" actId="1076"/>
-          <ac:picMkLst>
-            <pc:docMk/>
-            <pc:sldMk cId="4283605162" sldId="265"/>
-            <ac:picMk id="7" creationId="{9BE015F4-B740-114F-C17A-D68586C61382}"/>
-          </ac:picMkLst>
-        </pc:picChg>
-        <pc:picChg chg="add mod">
-          <ac:chgData name="Trung Nghia Nguyen" userId="caf0b1f78d203fdc" providerId="LiveId" clId="{FA98E611-7EE5-4D53-A8F6-A8478DA16B0D}" dt="2023-03-20T06:37:43.908" v="5254" actId="1035"/>
-          <ac:picMkLst>
-            <pc:docMk/>
-            <pc:sldMk cId="4283605162" sldId="265"/>
-            <ac:picMk id="10" creationId="{64FFD8A3-EA3E-8803-1A9E-83B9D68AD773}"/>
-          </ac:picMkLst>
-        </pc:picChg>
-        <pc:picChg chg="add mod">
-          <ac:chgData name="Trung Nghia Nguyen" userId="caf0b1f78d203fdc" providerId="LiveId" clId="{FA98E611-7EE5-4D53-A8F6-A8478DA16B0D}" dt="2023-03-20T06:37:52.028" v="5256" actId="1076"/>
-          <ac:picMkLst>
-            <pc:docMk/>
-            <pc:sldMk cId="4283605162" sldId="265"/>
-            <ac:picMk id="15" creationId="{E1B123BE-4EEC-7C2E-0D92-C3C0811176CB}"/>
-          </ac:picMkLst>
-        </pc:picChg>
-        <pc:cxnChg chg="add mod">
-          <ac:chgData name="Trung Nghia Nguyen" userId="caf0b1f78d203fdc" providerId="LiveId" clId="{FA98E611-7EE5-4D53-A8F6-A8478DA16B0D}" dt="2023-03-17T04:38:07.552" v="3031"/>
-          <ac:cxnSpMkLst>
-            <pc:docMk/>
-            <pc:sldMk cId="4283605162" sldId="265"/>
-            <ac:cxnSpMk id="3" creationId="{2CD06583-66AF-701D-3EFB-7B57FC7CBC60}"/>
-          </ac:cxnSpMkLst>
-        </pc:cxnChg>
-      </pc:sldChg>
-      <pc:sldChg chg="addSp delSp modSp add mod replId">
-        <pc:chgData name="Trung Nghia Nguyen" userId="caf0b1f78d203fdc" providerId="LiveId" clId="{FA98E611-7EE5-4D53-A8F6-A8478DA16B0D}" dt="2023-03-20T06:38:57.002" v="5372" actId="1076"/>
-        <pc:sldMkLst>
-          <pc:docMk/>
-          <pc:sldMk cId="1755807355" sldId="266"/>
-        </pc:sldMkLst>
-        <pc:spChg chg="mod">
-          <ac:chgData name="Trung Nghia Nguyen" userId="caf0b1f78d203fdc" providerId="LiveId" clId="{FA98E611-7EE5-4D53-A8F6-A8478DA16B0D}" dt="2023-03-16T06:08:54.022" v="1178" actId="20577"/>
-          <ac:spMkLst>
-            <pc:docMk/>
-            <pc:sldMk cId="1755807355" sldId="266"/>
-            <ac:spMk id="2" creationId="{30380714-4CD2-9849-80A6-8AC66F97DA6F}"/>
-          </ac:spMkLst>
-        </pc:spChg>
-        <pc:spChg chg="add del mod">
-          <ac:chgData name="Trung Nghia Nguyen" userId="caf0b1f78d203fdc" providerId="LiveId" clId="{FA98E611-7EE5-4D53-A8F6-A8478DA16B0D}" dt="2023-03-17T04:39:31.432" v="3064" actId="478"/>
-          <ac:spMkLst>
-            <pc:docMk/>
-            <pc:sldMk cId="1755807355" sldId="266"/>
-            <ac:spMk id="4" creationId="{9FC5A47E-E156-CE54-D964-B05D97E3E440}"/>
-          </ac:spMkLst>
-        </pc:spChg>
-        <pc:spChg chg="add del mod">
-          <ac:chgData name="Trung Nghia Nguyen" userId="caf0b1f78d203fdc" providerId="LiveId" clId="{FA98E611-7EE5-4D53-A8F6-A8478DA16B0D}" dt="2023-03-20T06:38:36.545" v="5346" actId="478"/>
-          <ac:spMkLst>
-            <pc:docMk/>
-            <pc:sldMk cId="1755807355" sldId="266"/>
-            <ac:spMk id="4" creationId="{AAB22F9D-7A5E-4401-A0CB-A63DA021226F}"/>
-          </ac:spMkLst>
-        </pc:spChg>
-        <pc:spChg chg="add mod">
-          <ac:chgData name="Trung Nghia Nguyen" userId="caf0b1f78d203fdc" providerId="LiveId" clId="{FA98E611-7EE5-4D53-A8F6-A8478DA16B0D}" dt="2023-03-19T19:42:52.243" v="4581" actId="20577"/>
-          <ac:spMkLst>
-            <pc:docMk/>
-            <pc:sldMk cId="1755807355" sldId="266"/>
-            <ac:spMk id="5" creationId="{5A7DF51B-1976-A0EB-6F7B-B4A2CB037D53}"/>
-          </ac:spMkLst>
-        </pc:spChg>
-        <pc:spChg chg="add mod">
-          <ac:chgData name="Trung Nghia Nguyen" userId="caf0b1f78d203fdc" providerId="LiveId" clId="{FA98E611-7EE5-4D53-A8F6-A8478DA16B0D}" dt="2023-03-20T06:38:57.002" v="5372" actId="1076"/>
-          <ac:spMkLst>
-            <pc:docMk/>
-            <pc:sldMk cId="1755807355" sldId="266"/>
-            <ac:spMk id="7" creationId="{41F3B00E-EEC6-C3C0-4054-6A44FFDA2129}"/>
-          </ac:spMkLst>
-        </pc:spChg>
-        <pc:spChg chg="mod">
-          <ac:chgData name="Trung Nghia Nguyen" userId="caf0b1f78d203fdc" providerId="LiveId" clId="{FA98E611-7EE5-4D53-A8F6-A8478DA16B0D}" dt="2023-03-16T06:16:56.623" v="1489" actId="20577"/>
-          <ac:spMkLst>
-            <pc:docMk/>
-            <pc:sldMk cId="1755807355" sldId="266"/>
-            <ac:spMk id="14" creationId="{63B4AB36-B54A-EA5C-2A74-F2C80BE0CBC4}"/>
-          </ac:spMkLst>
-        </pc:spChg>
-        <pc:picChg chg="add del mod modCrop">
-          <ac:chgData name="Trung Nghia Nguyen" userId="caf0b1f78d203fdc" providerId="LiveId" clId="{FA98E611-7EE5-4D53-A8F6-A8478DA16B0D}" dt="2023-03-18T18:13:54.951" v="3582" actId="21"/>
-          <ac:picMkLst>
-            <pc:docMk/>
-            <pc:sldMk cId="1755807355" sldId="266"/>
-            <ac:picMk id="6" creationId="{22C59D75-28CE-46F5-5707-658FE476BFDD}"/>
-          </ac:picMkLst>
-        </pc:picChg>
-        <pc:picChg chg="add mod">
-          <ac:chgData name="Trung Nghia Nguyen" userId="caf0b1f78d203fdc" providerId="LiveId" clId="{FA98E611-7EE5-4D53-A8F6-A8478DA16B0D}" dt="2023-03-20T06:38:34.458" v="5345" actId="1076"/>
-          <ac:picMkLst>
-            <pc:docMk/>
-            <pc:sldMk cId="1755807355" sldId="266"/>
-            <ac:picMk id="6" creationId="{F965E609-B8C6-9840-FCA8-51EC5CD8ADD1}"/>
-          </ac:picMkLst>
-        </pc:picChg>
-        <pc:cxnChg chg="add mod">
-          <ac:chgData name="Trung Nghia Nguyen" userId="caf0b1f78d203fdc" providerId="LiveId" clId="{FA98E611-7EE5-4D53-A8F6-A8478DA16B0D}" dt="2023-03-17T04:38:09.225" v="3032"/>
-          <ac:cxnSpMkLst>
-            <pc:docMk/>
-            <pc:sldMk cId="1755807355" sldId="266"/>
-            <ac:cxnSpMk id="3" creationId="{A6209D13-18E2-CE90-A8FC-47240D1DB3DD}"/>
-          </ac:cxnSpMkLst>
-        </pc:cxnChg>
-      </pc:sldChg>
-      <pc:sldChg chg="addSp delSp modSp add mod replId">
-        <pc:chgData name="Trung Nghia Nguyen" userId="caf0b1f78d203fdc" providerId="LiveId" clId="{FA98E611-7EE5-4D53-A8F6-A8478DA16B0D}" dt="2023-03-20T06:46:22.745" v="5552" actId="1076"/>
-        <pc:sldMkLst>
-          <pc:docMk/>
-          <pc:sldMk cId="420754388" sldId="267"/>
-        </pc:sldMkLst>
-        <pc:spChg chg="mod">
-          <ac:chgData name="Trung Nghia Nguyen" userId="caf0b1f78d203fdc" providerId="LiveId" clId="{FA98E611-7EE5-4D53-A8F6-A8478DA16B0D}" dt="2023-03-16T06:09:05.191" v="1182" actId="20577"/>
-          <ac:spMkLst>
-            <pc:docMk/>
-            <pc:sldMk cId="420754388" sldId="267"/>
-            <ac:spMk id="2" creationId="{30380714-4CD2-9849-80A6-8AC66F97DA6F}"/>
-          </ac:spMkLst>
-        </pc:spChg>
-        <pc:spChg chg="add del mod">
-          <ac:chgData name="Trung Nghia Nguyen" userId="caf0b1f78d203fdc" providerId="LiveId" clId="{FA98E611-7EE5-4D53-A8F6-A8478DA16B0D}" dt="2023-03-17T04:39:35.292" v="3066" actId="478"/>
-          <ac:spMkLst>
-            <pc:docMk/>
-            <pc:sldMk cId="420754388" sldId="267"/>
-            <ac:spMk id="4" creationId="{5B057441-CC31-82D0-2A61-D4C277283FF0}"/>
-          </ac:spMkLst>
-        </pc:spChg>
-        <pc:spChg chg="add mod">
-          <ac:chgData name="Trung Nghia Nguyen" userId="caf0b1f78d203fdc" providerId="LiveId" clId="{FA98E611-7EE5-4D53-A8F6-A8478DA16B0D}" dt="2023-03-19T19:42:55.901" v="4582" actId="20577"/>
-          <ac:spMkLst>
-            <pc:docMk/>
-            <pc:sldMk cId="420754388" sldId="267"/>
-            <ac:spMk id="5" creationId="{5AE77F4E-29AF-200B-741F-D59D22548F68}"/>
-          </ac:spMkLst>
-        </pc:spChg>
-        <pc:spChg chg="add mod">
-          <ac:chgData name="Trung Nghia Nguyen" userId="caf0b1f78d203fdc" providerId="LiveId" clId="{FA98E611-7EE5-4D53-A8F6-A8478DA16B0D}" dt="2023-03-20T06:46:22.745" v="5552" actId="1076"/>
-          <ac:spMkLst>
-            <pc:docMk/>
-            <pc:sldMk cId="420754388" sldId="267"/>
-            <ac:spMk id="6" creationId="{F3459CBF-C8CB-D11F-4C1C-7F3691FB67D3}"/>
-          </ac:spMkLst>
-        </pc:spChg>
-        <pc:spChg chg="mod">
-          <ac:chgData name="Trung Nghia Nguyen" userId="caf0b1f78d203fdc" providerId="LiveId" clId="{FA98E611-7EE5-4D53-A8F6-A8478DA16B0D}" dt="2023-03-16T06:17:02.365" v="1503" actId="20577"/>
-          <ac:spMkLst>
-            <pc:docMk/>
-            <pc:sldMk cId="420754388" sldId="267"/>
-            <ac:spMk id="14" creationId="{63B4AB36-B54A-EA5C-2A74-F2C80BE0CBC4}"/>
-          </ac:spMkLst>
-        </pc:spChg>
-        <pc:picChg chg="add del mod">
-          <ac:chgData name="Trung Nghia Nguyen" userId="caf0b1f78d203fdc" providerId="LiveId" clId="{FA98E611-7EE5-4D53-A8F6-A8478DA16B0D}" dt="2023-03-20T06:46:09.964" v="5548" actId="478"/>
-          <ac:picMkLst>
-            <pc:docMk/>
-            <pc:sldMk cId="420754388" sldId="267"/>
-            <ac:picMk id="4" creationId="{E12BC0F1-607B-17E9-1754-F5489A61089A}"/>
-          </ac:picMkLst>
-        </pc:picChg>
-        <pc:picChg chg="add mod">
-          <ac:chgData name="Trung Nghia Nguyen" userId="caf0b1f78d203fdc" providerId="LiveId" clId="{FA98E611-7EE5-4D53-A8F6-A8478DA16B0D}" dt="2023-03-20T06:46:17.898" v="5551" actId="1076"/>
-          <ac:picMkLst>
-            <pc:docMk/>
-            <pc:sldMk cId="420754388" sldId="267"/>
-            <ac:picMk id="1026" creationId="{0DDEF103-57C2-30E2-ED3E-9AB7C6BA55E4}"/>
-          </ac:picMkLst>
-        </pc:picChg>
-        <pc:cxnChg chg="add mod">
-          <ac:chgData name="Trung Nghia Nguyen" userId="caf0b1f78d203fdc" providerId="LiveId" clId="{FA98E611-7EE5-4D53-A8F6-A8478DA16B0D}" dt="2023-03-17T04:38:10.896" v="3033"/>
-          <ac:cxnSpMkLst>
-            <pc:docMk/>
-            <pc:sldMk cId="420754388" sldId="267"/>
-            <ac:cxnSpMk id="3" creationId="{C2A7E5D0-0732-35D5-18A2-C5CE2320D9B6}"/>
-          </ac:cxnSpMkLst>
-        </pc:cxnChg>
-      </pc:sldChg>
-      <pc:sldChg chg="addSp delSp modSp add mod replId">
-        <pc:chgData name="Trung Nghia Nguyen" userId="caf0b1f78d203fdc" providerId="LiveId" clId="{FA98E611-7EE5-4D53-A8F6-A8478DA16B0D}" dt="2023-03-20T06:25:48.812" v="4856" actId="1076"/>
-        <pc:sldMkLst>
-          <pc:docMk/>
-          <pc:sldMk cId="1800081090" sldId="268"/>
-        </pc:sldMkLst>
-        <pc:spChg chg="mod">
-          <ac:chgData name="Trung Nghia Nguyen" userId="caf0b1f78d203fdc" providerId="LiveId" clId="{FA98E611-7EE5-4D53-A8F6-A8478DA16B0D}" dt="2023-03-16T06:09:09.571" v="1186" actId="20577"/>
-          <ac:spMkLst>
-            <pc:docMk/>
-            <pc:sldMk cId="1800081090" sldId="268"/>
-            <ac:spMk id="2" creationId="{30380714-4CD2-9849-80A6-8AC66F97DA6F}"/>
-          </ac:spMkLst>
-        </pc:spChg>
-        <pc:spChg chg="add del mod">
-          <ac:chgData name="Trung Nghia Nguyen" userId="caf0b1f78d203fdc" providerId="LiveId" clId="{FA98E611-7EE5-4D53-A8F6-A8478DA16B0D}" dt="2023-03-17T04:39:40.169" v="3068" actId="478"/>
-          <ac:spMkLst>
-            <pc:docMk/>
-            <pc:sldMk cId="1800081090" sldId="268"/>
-            <ac:spMk id="4" creationId="{FC0C686F-2BB6-97A5-A2E3-8228181D7A3F}"/>
-          </ac:spMkLst>
-        </pc:spChg>
-        <pc:spChg chg="add mod">
-          <ac:chgData name="Trung Nghia Nguyen" userId="caf0b1f78d203fdc" providerId="LiveId" clId="{FA98E611-7EE5-4D53-A8F6-A8478DA16B0D}" dt="2023-03-19T19:43:00.657" v="4583" actId="20577"/>
-          <ac:spMkLst>
-            <pc:docMk/>
-            <pc:sldMk cId="1800081090" sldId="268"/>
-            <ac:spMk id="5" creationId="{1D7A3032-17B2-6AEA-AC88-9349A439BD22}"/>
-          </ac:spMkLst>
-        </pc:spChg>
-        <pc:spChg chg="add mod">
-          <ac:chgData name="Trung Nghia Nguyen" userId="caf0b1f78d203fdc" providerId="LiveId" clId="{FA98E611-7EE5-4D53-A8F6-A8478DA16B0D}" dt="2023-03-20T06:25:48.812" v="4856" actId="1076"/>
-          <ac:spMkLst>
-            <pc:docMk/>
-            <pc:sldMk cId="1800081090" sldId="268"/>
-            <ac:spMk id="7" creationId="{EB47DA29-9FCC-30CE-0883-F7F361D9198F}"/>
-          </ac:spMkLst>
-        </pc:spChg>
-        <pc:spChg chg="mod">
-          <ac:chgData name="Trung Nghia Nguyen" userId="caf0b1f78d203fdc" providerId="LiveId" clId="{FA98E611-7EE5-4D53-A8F6-A8478DA16B0D}" dt="2023-03-16T06:17:09.861" v="1517" actId="20577"/>
-          <ac:spMkLst>
-            <pc:docMk/>
-            <pc:sldMk cId="1800081090" sldId="268"/>
-            <ac:spMk id="14" creationId="{63B4AB36-B54A-EA5C-2A74-F2C80BE0CBC4}"/>
-          </ac:spMkLst>
-        </pc:spChg>
-        <pc:picChg chg="add mod ord">
-          <ac:chgData name="Trung Nghia Nguyen" userId="caf0b1f78d203fdc" providerId="LiveId" clId="{FA98E611-7EE5-4D53-A8F6-A8478DA16B0D}" dt="2023-03-20T06:25:20.301" v="4812" actId="1076"/>
-          <ac:picMkLst>
-            <pc:docMk/>
-            <pc:sldMk cId="1800081090" sldId="268"/>
-            <ac:picMk id="6" creationId="{17B1B28A-E020-8A31-7198-F20684828AFD}"/>
-          </ac:picMkLst>
-        </pc:picChg>
-        <pc:cxnChg chg="add mod">
-          <ac:chgData name="Trung Nghia Nguyen" userId="caf0b1f78d203fdc" providerId="LiveId" clId="{FA98E611-7EE5-4D53-A8F6-A8478DA16B0D}" dt="2023-03-17T04:38:12.276" v="3034"/>
-          <ac:cxnSpMkLst>
-            <pc:docMk/>
-            <pc:sldMk cId="1800081090" sldId="268"/>
-            <ac:cxnSpMk id="3" creationId="{BAC105F8-C950-5DDE-6CB7-BB032057CD4E}"/>
-          </ac:cxnSpMkLst>
-        </pc:cxnChg>
-      </pc:sldChg>
-      <pc:sldChg chg="addSp delSp modSp add mod">
-        <pc:chgData name="Trung Nghia Nguyen" userId="caf0b1f78d203fdc" providerId="LiveId" clId="{FA98E611-7EE5-4D53-A8F6-A8478DA16B0D}" dt="2023-03-20T06:40:30.436" v="5472" actId="1076"/>
-        <pc:sldMkLst>
-          <pc:docMk/>
-          <pc:sldMk cId="4260099494" sldId="269"/>
-        </pc:sldMkLst>
-        <pc:spChg chg="mod">
-          <ac:chgData name="Trung Nghia Nguyen" userId="caf0b1f78d203fdc" providerId="LiveId" clId="{FA98E611-7EE5-4D53-A8F6-A8478DA16B0D}" dt="2023-03-16T06:09:28.908" v="1189" actId="20577"/>
-          <ac:spMkLst>
-            <pc:docMk/>
-            <pc:sldMk cId="4260099494" sldId="269"/>
-            <ac:spMk id="2" creationId="{30380714-4CD2-9849-80A6-8AC66F97DA6F}"/>
-          </ac:spMkLst>
-        </pc:spChg>
-        <pc:spChg chg="add del mod">
-          <ac:chgData name="Trung Nghia Nguyen" userId="caf0b1f78d203fdc" providerId="LiveId" clId="{FA98E611-7EE5-4D53-A8F6-A8478DA16B0D}" dt="2023-03-17T04:39:43.792" v="3070" actId="478"/>
-          <ac:spMkLst>
-            <pc:docMk/>
-            <pc:sldMk cId="4260099494" sldId="269"/>
-            <ac:spMk id="4" creationId="{4A9B31A6-4583-92AA-E2E8-0E1B56527FAB}"/>
-          </ac:spMkLst>
-        </pc:spChg>
-        <pc:spChg chg="add mod">
-          <ac:chgData name="Trung Nghia Nguyen" userId="caf0b1f78d203fdc" providerId="LiveId" clId="{FA98E611-7EE5-4D53-A8F6-A8478DA16B0D}" dt="2023-03-20T06:40:30.436" v="5472" actId="1076"/>
-          <ac:spMkLst>
-            <pc:docMk/>
-            <pc:sldMk cId="4260099494" sldId="269"/>
-            <ac:spMk id="4" creationId="{85BE9376-B78B-4D14-03B7-71E92F2B4246}"/>
-          </ac:spMkLst>
-        </pc:spChg>
-        <pc:spChg chg="add mod">
-          <ac:chgData name="Trung Nghia Nguyen" userId="caf0b1f78d203fdc" providerId="LiveId" clId="{FA98E611-7EE5-4D53-A8F6-A8478DA16B0D}" dt="2023-03-19T19:43:05.507" v="4586" actId="20577"/>
-          <ac:spMkLst>
-            <pc:docMk/>
-            <pc:sldMk cId="4260099494" sldId="269"/>
-            <ac:spMk id="5" creationId="{44F9D552-E912-19E9-0162-3E4C662F5413}"/>
-          </ac:spMkLst>
-        </pc:spChg>
-        <pc:spChg chg="mod">
-          <ac:chgData name="Trung Nghia Nguyen" userId="caf0b1f78d203fdc" providerId="LiveId" clId="{FA98E611-7EE5-4D53-A8F6-A8478DA16B0D}" dt="2023-03-16T06:17:18.839" v="1535" actId="20577"/>
-          <ac:spMkLst>
-            <pc:docMk/>
-            <pc:sldMk cId="4260099494" sldId="269"/>
-            <ac:spMk id="14" creationId="{63B4AB36-B54A-EA5C-2A74-F2C80BE0CBC4}"/>
-          </ac:spMkLst>
-        </pc:spChg>
-        <pc:picChg chg="add mod ord">
-          <ac:chgData name="Trung Nghia Nguyen" userId="caf0b1f78d203fdc" providerId="LiveId" clId="{FA98E611-7EE5-4D53-A8F6-A8478DA16B0D}" dt="2023-03-18T18:27:23.003" v="3592" actId="1076"/>
-          <ac:picMkLst>
-            <pc:docMk/>
-            <pc:sldMk cId="4260099494" sldId="269"/>
-            <ac:picMk id="6" creationId="{373DC444-4599-D269-D2D6-A3F6CA69A851}"/>
-          </ac:picMkLst>
-        </pc:picChg>
-        <pc:cxnChg chg="add mod">
-          <ac:chgData name="Trung Nghia Nguyen" userId="caf0b1f78d203fdc" providerId="LiveId" clId="{FA98E611-7EE5-4D53-A8F6-A8478DA16B0D}" dt="2023-03-17T04:38:13.996" v="3035"/>
-          <ac:cxnSpMkLst>
-            <pc:docMk/>
-            <pc:sldMk cId="4260099494" sldId="269"/>
-            <ac:cxnSpMk id="3" creationId="{ACBF7746-FE0E-173A-5173-1104D3149676}"/>
-          </ac:cxnSpMkLst>
-        </pc:cxnChg>
-      </pc:sldChg>
-      <pc:sldChg chg="addSp delSp modSp add mod">
-        <pc:chgData name="Trung Nghia Nguyen" userId="caf0b1f78d203fdc" providerId="LiveId" clId="{FA98E611-7EE5-4D53-A8F6-A8478DA16B0D}" dt="2023-03-20T07:02:09.542" v="5649" actId="1076"/>
-        <pc:sldMkLst>
-          <pc:docMk/>
-          <pc:sldMk cId="2511818953" sldId="270"/>
-        </pc:sldMkLst>
-        <pc:spChg chg="mod">
-          <ac:chgData name="Trung Nghia Nguyen" userId="caf0b1f78d203fdc" providerId="LiveId" clId="{FA98E611-7EE5-4D53-A8F6-A8478DA16B0D}" dt="2023-03-16T06:10:07.671" v="1198" actId="20577"/>
-          <ac:spMkLst>
-            <pc:docMk/>
-            <pc:sldMk cId="2511818953" sldId="270"/>
-            <ac:spMk id="2" creationId="{30380714-4CD2-9849-80A6-8AC66F97DA6F}"/>
-          </ac:spMkLst>
-        </pc:spChg>
-        <pc:spChg chg="add del mod">
-          <ac:chgData name="Trung Nghia Nguyen" userId="caf0b1f78d203fdc" providerId="LiveId" clId="{FA98E611-7EE5-4D53-A8F6-A8478DA16B0D}" dt="2023-03-17T04:39:50.628" v="3074" actId="478"/>
-          <ac:spMkLst>
-            <pc:docMk/>
-            <pc:sldMk cId="2511818953" sldId="270"/>
-            <ac:spMk id="4" creationId="{AFB91D5C-95A0-4C14-9E44-3E33C99FBE7F}"/>
-          </ac:spMkLst>
-        </pc:spChg>
-        <pc:spChg chg="add mod">
-          <ac:chgData name="Trung Nghia Nguyen" userId="caf0b1f78d203fdc" providerId="LiveId" clId="{FA98E611-7EE5-4D53-A8F6-A8478DA16B0D}" dt="2023-03-20T07:02:09.542" v="5649" actId="1076"/>
-          <ac:spMkLst>
-            <pc:docMk/>
-            <pc:sldMk cId="2511818953" sldId="270"/>
-            <ac:spMk id="4" creationId="{C9A8F3A0-7BA7-04C0-6A45-BDCDED7689FE}"/>
-          </ac:spMkLst>
-        </pc:spChg>
-        <pc:spChg chg="add mod">
-          <ac:chgData name="Trung Nghia Nguyen" userId="caf0b1f78d203fdc" providerId="LiveId" clId="{FA98E611-7EE5-4D53-A8F6-A8478DA16B0D}" dt="2023-03-19T19:43:14.363" v="4590" actId="20577"/>
-          <ac:spMkLst>
-            <pc:docMk/>
-            <pc:sldMk cId="2511818953" sldId="270"/>
-            <ac:spMk id="5" creationId="{7E679B62-7EFE-6C17-20E7-5EFB751FBD73}"/>
-          </ac:spMkLst>
-        </pc:spChg>
-        <pc:spChg chg="mod">
-          <ac:chgData name="Trung Nghia Nguyen" userId="caf0b1f78d203fdc" providerId="LiveId" clId="{FA98E611-7EE5-4D53-A8F6-A8478DA16B0D}" dt="2023-03-16T06:10:22.239" v="1205" actId="20577"/>
-          <ac:spMkLst>
-            <pc:docMk/>
-            <pc:sldMk cId="2511818953" sldId="270"/>
-            <ac:spMk id="14" creationId="{63B4AB36-B54A-EA5C-2A74-F2C80BE0CBC4}"/>
-          </ac:spMkLst>
-        </pc:spChg>
-        <pc:picChg chg="add del mod">
-          <ac:chgData name="Trung Nghia Nguyen" userId="caf0b1f78d203fdc" providerId="LiveId" clId="{FA98E611-7EE5-4D53-A8F6-A8478DA16B0D}" dt="2023-03-18T18:30:02.221" v="3595" actId="478"/>
-          <ac:picMkLst>
-            <pc:docMk/>
-            <pc:sldMk cId="2511818953" sldId="270"/>
-            <ac:picMk id="6" creationId="{83246909-A1CC-816B-D558-2403AE26644F}"/>
-          </ac:picMkLst>
-        </pc:picChg>
-        <pc:picChg chg="add del mod">
-          <ac:chgData name="Trung Nghia Nguyen" userId="caf0b1f78d203fdc" providerId="LiveId" clId="{FA98E611-7EE5-4D53-A8F6-A8478DA16B0D}" dt="2023-03-18T18:31:57.248" v="3598" actId="478"/>
-          <ac:picMkLst>
-            <pc:docMk/>
-            <pc:sldMk cId="2511818953" sldId="270"/>
-            <ac:picMk id="8" creationId="{886B370D-F837-49D0-4BAA-2CBF68A486EA}"/>
-          </ac:picMkLst>
-        </pc:picChg>
-        <pc:picChg chg="add mod">
-          <ac:chgData name="Trung Nghia Nguyen" userId="caf0b1f78d203fdc" providerId="LiveId" clId="{FA98E611-7EE5-4D53-A8F6-A8478DA16B0D}" dt="2023-03-20T07:01:40.251" v="5555" actId="14100"/>
-          <ac:picMkLst>
-            <pc:docMk/>
-            <pc:sldMk cId="2511818953" sldId="270"/>
-            <ac:picMk id="10" creationId="{18007800-E682-98CF-F763-93064B193CD7}"/>
-          </ac:picMkLst>
-        </pc:picChg>
-        <pc:picChg chg="add mod">
-          <ac:chgData name="Trung Nghia Nguyen" userId="caf0b1f78d203fdc" providerId="LiveId" clId="{FA98E611-7EE5-4D53-A8F6-A8478DA16B0D}" dt="2023-03-20T07:01:42.097" v="5556" actId="1076"/>
-          <ac:picMkLst>
-            <pc:docMk/>
-            <pc:sldMk cId="2511818953" sldId="270"/>
-            <ac:picMk id="13" creationId="{5ECDC6C7-6458-4D2B-BD68-F1E95B358571}"/>
-          </ac:picMkLst>
-        </pc:picChg>
-        <pc:cxnChg chg="add mod">
-          <ac:chgData name="Trung Nghia Nguyen" userId="caf0b1f78d203fdc" providerId="LiveId" clId="{FA98E611-7EE5-4D53-A8F6-A8478DA16B0D}" dt="2023-03-17T04:38:17.041" v="3037"/>
-          <ac:cxnSpMkLst>
-            <pc:docMk/>
-            <pc:sldMk cId="2511818953" sldId="270"/>
-            <ac:cxnSpMk id="3" creationId="{01D99BB4-E244-0C9E-63D6-F28CA9060656}"/>
-          </ac:cxnSpMkLst>
-        </pc:cxnChg>
-      </pc:sldChg>
-      <pc:sldChg chg="addSp delSp modSp add mod replId">
-        <pc:chgData name="Trung Nghia Nguyen" userId="caf0b1f78d203fdc" providerId="LiveId" clId="{FA98E611-7EE5-4D53-A8F6-A8478DA16B0D}" dt="2023-03-20T07:02:42.471" v="5724" actId="1076"/>
-        <pc:sldMkLst>
-          <pc:docMk/>
-          <pc:sldMk cId="2278832414" sldId="271"/>
-        </pc:sldMkLst>
-        <pc:spChg chg="mod">
-          <ac:chgData name="Trung Nghia Nguyen" userId="caf0b1f78d203fdc" providerId="LiveId" clId="{FA98E611-7EE5-4D53-A8F6-A8478DA16B0D}" dt="2023-03-16T06:10:13.451" v="1200" actId="20577"/>
-          <ac:spMkLst>
-            <pc:docMk/>
-            <pc:sldMk cId="2278832414" sldId="271"/>
-            <ac:spMk id="2" creationId="{30380714-4CD2-9849-80A6-8AC66F97DA6F}"/>
-          </ac:spMkLst>
-        </pc:spChg>
-        <pc:spChg chg="add del mod">
-          <ac:chgData name="Trung Nghia Nguyen" userId="caf0b1f78d203fdc" providerId="LiveId" clId="{FA98E611-7EE5-4D53-A8F6-A8478DA16B0D}" dt="2023-03-17T04:39:56.114" v="3076" actId="478"/>
-          <ac:spMkLst>
-            <pc:docMk/>
-            <pc:sldMk cId="2278832414" sldId="271"/>
-            <ac:spMk id="4" creationId="{75AE8E16-8704-F0FC-A727-505C588A8404}"/>
-          </ac:spMkLst>
-        </pc:spChg>
-        <pc:spChg chg="add mod">
-          <ac:chgData name="Trung Nghia Nguyen" userId="caf0b1f78d203fdc" providerId="LiveId" clId="{FA98E611-7EE5-4D53-A8F6-A8478DA16B0D}" dt="2023-03-20T07:02:42.471" v="5724" actId="1076"/>
-          <ac:spMkLst>
-            <pc:docMk/>
-            <pc:sldMk cId="2278832414" sldId="271"/>
-            <ac:spMk id="4" creationId="{F72DE690-623E-F6CB-33BB-A3DEC8E1BDBC}"/>
-          </ac:spMkLst>
-        </pc:spChg>
-        <pc:spChg chg="add mod">
-          <ac:chgData name="Trung Nghia Nguyen" userId="caf0b1f78d203fdc" providerId="LiveId" clId="{FA98E611-7EE5-4D53-A8F6-A8478DA16B0D}" dt="2023-03-19T19:43:19.278" v="4593" actId="20577"/>
-          <ac:spMkLst>
-            <pc:docMk/>
-            <pc:sldMk cId="2278832414" sldId="271"/>
-            <ac:spMk id="5" creationId="{C9086857-A576-49DA-0719-5BEB9C24F20C}"/>
-          </ac:spMkLst>
-        </pc:spChg>
-        <pc:spChg chg="add del">
-          <ac:chgData name="Trung Nghia Nguyen" userId="caf0b1f78d203fdc" providerId="LiveId" clId="{FA98E611-7EE5-4D53-A8F6-A8478DA16B0D}" dt="2023-03-18T18:48:21.799" v="3605" actId="22"/>
-          <ac:spMkLst>
-            <pc:docMk/>
-            <pc:sldMk cId="2278832414" sldId="271"/>
-            <ac:spMk id="6" creationId="{5B87C63A-F05D-9F9B-3078-B83C9F562134}"/>
-          </ac:spMkLst>
-        </pc:spChg>
-        <pc:spChg chg="mod">
-          <ac:chgData name="Trung Nghia Nguyen" userId="caf0b1f78d203fdc" providerId="LiveId" clId="{FA98E611-7EE5-4D53-A8F6-A8478DA16B0D}" dt="2023-03-16T06:10:27.110" v="1214" actId="20577"/>
-          <ac:spMkLst>
-            <pc:docMk/>
-            <pc:sldMk cId="2278832414" sldId="271"/>
-            <ac:spMk id="14" creationId="{63B4AB36-B54A-EA5C-2A74-F2C80BE0CBC4}"/>
-          </ac:spMkLst>
-        </pc:spChg>
-        <pc:picChg chg="add mod">
-          <ac:chgData name="Trung Nghia Nguyen" userId="caf0b1f78d203fdc" providerId="LiveId" clId="{FA98E611-7EE5-4D53-A8F6-A8478DA16B0D}" dt="2023-03-18T18:48:28.906" v="3609" actId="1076"/>
-          <ac:picMkLst>
-            <pc:docMk/>
-            <pc:sldMk cId="2278832414" sldId="271"/>
-            <ac:picMk id="8" creationId="{820423F8-513B-EEA7-5347-CED754AC2ADB}"/>
-          </ac:picMkLst>
-        </pc:picChg>
-        <pc:cxnChg chg="add mod">
-          <ac:chgData name="Trung Nghia Nguyen" userId="caf0b1f78d203fdc" providerId="LiveId" clId="{FA98E611-7EE5-4D53-A8F6-A8478DA16B0D}" dt="2023-03-17T04:38:18.269" v="3038"/>
-          <ac:cxnSpMkLst>
-            <pc:docMk/>
-            <pc:sldMk cId="2278832414" sldId="271"/>
-            <ac:cxnSpMk id="3" creationId="{0793C2BD-0304-6397-AA72-38E3636506AC}"/>
-          </ac:cxnSpMkLst>
-        </pc:cxnChg>
-      </pc:sldChg>
-      <pc:sldChg chg="addSp delSp modSp add mod">
-        <pc:chgData name="Trung Nghia Nguyen" userId="caf0b1f78d203fdc" providerId="LiveId" clId="{FA98E611-7EE5-4D53-A8F6-A8478DA16B0D}" dt="2023-03-20T07:19:32.351" v="7035" actId="20577"/>
-        <pc:sldMkLst>
-          <pc:docMk/>
-          <pc:sldMk cId="610409002" sldId="272"/>
-        </pc:sldMkLst>
-        <pc:spChg chg="mod">
-          <ac:chgData name="Trung Nghia Nguyen" userId="caf0b1f78d203fdc" providerId="LiveId" clId="{FA98E611-7EE5-4D53-A8F6-A8478DA16B0D}" dt="2023-03-19T19:37:12.524" v="4433" actId="114"/>
-          <ac:spMkLst>
-            <pc:docMk/>
-            <pc:sldMk cId="610409002" sldId="272"/>
-            <ac:spMk id="2" creationId="{30380714-4CD2-9849-80A6-8AC66F97DA6F}"/>
-          </ac:spMkLst>
-        </pc:spChg>
-        <pc:spChg chg="add mod">
-          <ac:chgData name="Trung Nghia Nguyen" userId="caf0b1f78d203fdc" providerId="LiveId" clId="{FA98E611-7EE5-4D53-A8F6-A8478DA16B0D}" dt="2023-03-20T07:19:32.351" v="7035" actId="20577"/>
-          <ac:spMkLst>
-            <pc:docMk/>
-            <pc:sldMk cId="610409002" sldId="272"/>
-            <ac:spMk id="4" creationId="{CE933A1E-D43F-BDBC-88C5-FA719398A112}"/>
-          </ac:spMkLst>
-        </pc:spChg>
-        <pc:spChg chg="add del mod">
-          <ac:chgData name="Trung Nghia Nguyen" userId="caf0b1f78d203fdc" providerId="LiveId" clId="{FA98E611-7EE5-4D53-A8F6-A8478DA16B0D}" dt="2023-03-19T19:41:14.049" v="4554" actId="478"/>
-          <ac:spMkLst>
-            <pc:docMk/>
-            <pc:sldMk cId="610409002" sldId="272"/>
-            <ac:spMk id="6" creationId="{6E7DC4E6-EDF3-8448-440F-42E4F1368376}"/>
-          </ac:spMkLst>
-        </pc:spChg>
-        <pc:spChg chg="mod">
-          <ac:chgData name="Trung Nghia Nguyen" userId="caf0b1f78d203fdc" providerId="LiveId" clId="{FA98E611-7EE5-4D53-A8F6-A8478DA16B0D}" dt="2023-03-16T06:11:24.344" v="1251" actId="20577"/>
-          <ac:spMkLst>
-            <pc:docMk/>
-            <pc:sldMk cId="610409002" sldId="272"/>
-            <ac:spMk id="14" creationId="{63B4AB36-B54A-EA5C-2A74-F2C80BE0CBC4}"/>
-          </ac:spMkLst>
-        </pc:spChg>
-        <pc:graphicFrameChg chg="add mod modGraphic">
-          <ac:chgData name="Trung Nghia Nguyen" userId="caf0b1f78d203fdc" providerId="LiveId" clId="{FA98E611-7EE5-4D53-A8F6-A8478DA16B0D}" dt="2023-03-19T19:41:20.482" v="4555" actId="1076"/>
-          <ac:graphicFrameMkLst>
-            <pc:docMk/>
-            <pc:sldMk cId="610409002" sldId="272"/>
-            <ac:graphicFrameMk id="7" creationId="{B54C5B81-FA74-EF54-364C-2501CA6C224F}"/>
-          </ac:graphicFrameMkLst>
-        </pc:graphicFrameChg>
-        <pc:cxnChg chg="add mod">
-          <ac:chgData name="Trung Nghia Nguyen" userId="caf0b1f78d203fdc" providerId="LiveId" clId="{FA98E611-7EE5-4D53-A8F6-A8478DA16B0D}" dt="2023-03-17T04:38:23.115" v="3041"/>
-          <ac:cxnSpMkLst>
-            <pc:docMk/>
-            <pc:sldMk cId="610409002" sldId="272"/>
-            <ac:cxnSpMk id="3" creationId="{435823BE-9FB1-635E-7F74-DEA50A87D246}"/>
-          </ac:cxnSpMkLst>
-        </pc:cxnChg>
-      </pc:sldChg>
-      <pc:sldChg chg="addSp delSp modSp add mod">
-        <pc:chgData name="Trung Nghia Nguyen" userId="caf0b1f78d203fdc" providerId="LiveId" clId="{FA98E611-7EE5-4D53-A8F6-A8478DA16B0D}" dt="2023-03-19T19:42:38.278" v="4577" actId="20577"/>
-        <pc:sldMkLst>
-          <pc:docMk/>
-          <pc:sldMk cId="3245475923" sldId="273"/>
-        </pc:sldMkLst>
-        <pc:spChg chg="del">
-          <ac:chgData name="Trung Nghia Nguyen" userId="caf0b1f78d203fdc" providerId="LiveId" clId="{FA98E611-7EE5-4D53-A8F6-A8478DA16B0D}" dt="2023-03-16T06:11:43.156" v="1253" actId="478"/>
-          <ac:spMkLst>
-            <pc:docMk/>
-            <pc:sldMk cId="3245475923" sldId="273"/>
-            <ac:spMk id="2" creationId="{30380714-4CD2-9849-80A6-8AC66F97DA6F}"/>
-          </ac:spMkLst>
-        </pc:spChg>
-        <pc:spChg chg="add mod">
-          <ac:chgData name="Trung Nghia Nguyen" userId="caf0b1f78d203fdc" providerId="LiveId" clId="{FA98E611-7EE5-4D53-A8F6-A8478DA16B0D}" dt="2023-03-16T06:16:03.718" v="1468" actId="20577"/>
-          <ac:spMkLst>
-            <pc:docMk/>
-            <pc:sldMk cId="3245475923" sldId="273"/>
-            <ac:spMk id="4" creationId="{459EF129-6740-B341-7BC7-05D580180742}"/>
-          </ac:spMkLst>
-        </pc:spChg>
-        <pc:spChg chg="add del mod">
-          <ac:chgData name="Trung Nghia Nguyen" userId="caf0b1f78d203fdc" providerId="LiveId" clId="{FA98E611-7EE5-4D53-A8F6-A8478DA16B0D}" dt="2023-03-17T04:39:23.979" v="3060" actId="478"/>
-          <ac:spMkLst>
-            <pc:docMk/>
-            <pc:sldMk cId="3245475923" sldId="273"/>
-            <ac:spMk id="5" creationId="{E1627484-B3B2-F2C3-F446-F44A1980716C}"/>
-          </ac:spMkLst>
-        </pc:spChg>
-        <pc:spChg chg="add mod">
-          <ac:chgData name="Trung Nghia Nguyen" userId="caf0b1f78d203fdc" providerId="LiveId" clId="{FA98E611-7EE5-4D53-A8F6-A8478DA16B0D}" dt="2023-03-19T19:42:38.278" v="4577" actId="20577"/>
-          <ac:spMkLst>
-            <pc:docMk/>
-            <pc:sldMk cId="3245475923" sldId="273"/>
-            <ac:spMk id="6" creationId="{F6D86575-6F62-E86B-CB8C-67FDEFFD30D6}"/>
-          </ac:spMkLst>
-        </pc:spChg>
-        <pc:graphicFrameChg chg="add mod modGraphic">
-          <ac:chgData name="Trung Nghia Nguyen" userId="caf0b1f78d203fdc" providerId="LiveId" clId="{FA98E611-7EE5-4D53-A8F6-A8478DA16B0D}" dt="2023-03-19T19:27:35.395" v="4349" actId="20577"/>
-          <ac:graphicFrameMkLst>
-            <pc:docMk/>
-            <pc:sldMk cId="3245475923" sldId="273"/>
-            <ac:graphicFrameMk id="3" creationId="{5E8325E1-BDCF-5783-E97F-C770E7E58F6D}"/>
-          </ac:graphicFrameMkLst>
-        </pc:graphicFrameChg>
-        <pc:cxnChg chg="add mod">
-          <ac:chgData name="Trung Nghia Nguyen" userId="caf0b1f78d203fdc" providerId="LiveId" clId="{FA98E611-7EE5-4D53-A8F6-A8478DA16B0D}" dt="2023-03-17T04:38:05.752" v="3030"/>
-          <ac:cxnSpMkLst>
-            <pc:docMk/>
-            <pc:sldMk cId="3245475923" sldId="273"/>
-            <ac:cxnSpMk id="2" creationId="{7C8A4417-1481-B1E7-23CC-E5C9CAD25F2C}"/>
-          </ac:cxnSpMkLst>
-        </pc:cxnChg>
-      </pc:sldChg>
-      <pc:sldChg chg="addSp delSp modSp add mod ord">
-        <pc:chgData name="Trung Nghia Nguyen" userId="caf0b1f78d203fdc" providerId="LiveId" clId="{FA98E611-7EE5-4D53-A8F6-A8478DA16B0D}" dt="2023-03-19T19:43:09.521" v="4587" actId="20577"/>
-        <pc:sldMkLst>
-          <pc:docMk/>
-          <pc:sldMk cId="1354583273" sldId="274"/>
-        </pc:sldMkLst>
-        <pc:spChg chg="add del mod">
-          <ac:chgData name="Trung Nghia Nguyen" userId="caf0b1f78d203fdc" providerId="LiveId" clId="{FA98E611-7EE5-4D53-A8F6-A8478DA16B0D}" dt="2023-03-17T04:39:47.372" v="3072" actId="478"/>
-          <ac:spMkLst>
-            <pc:docMk/>
-            <pc:sldMk cId="1354583273" sldId="274"/>
-            <ac:spMk id="5" creationId="{5C96A552-627E-CE46-EB0C-BD1DE0A52080}"/>
-          </ac:spMkLst>
-        </pc:spChg>
-        <pc:spChg chg="add mod">
-          <ac:chgData name="Trung Nghia Nguyen" userId="caf0b1f78d203fdc" providerId="LiveId" clId="{FA98E611-7EE5-4D53-A8F6-A8478DA16B0D}" dt="2023-03-19T19:43:09.521" v="4587" actId="20577"/>
-          <ac:spMkLst>
-            <pc:docMk/>
-            <pc:sldMk cId="1354583273" sldId="274"/>
-            <ac:spMk id="6" creationId="{2562B724-D426-FE46-6638-FB3781266C15}"/>
-          </ac:spMkLst>
-        </pc:spChg>
-        <pc:spChg chg="mod">
-          <ac:chgData name="Trung Nghia Nguyen" userId="caf0b1f78d203fdc" providerId="LiveId" clId="{FA98E611-7EE5-4D53-A8F6-A8478DA16B0D}" dt="2023-03-16T06:17:40.589" v="1559" actId="20577"/>
-          <ac:spMkLst>
-            <pc:docMk/>
-            <pc:sldMk cId="1354583273" sldId="274"/>
-            <ac:spMk id="14" creationId="{63B4AB36-B54A-EA5C-2A74-F2C80BE0CBC4}"/>
-          </ac:spMkLst>
-        </pc:spChg>
-        <pc:graphicFrameChg chg="add del modGraphic">
-          <ac:chgData name="Trung Nghia Nguyen" userId="caf0b1f78d203fdc" providerId="LiveId" clId="{FA98E611-7EE5-4D53-A8F6-A8478DA16B0D}" dt="2023-03-19T19:34:09.297" v="4407" actId="20577"/>
-          <ac:graphicFrameMkLst>
-            <pc:docMk/>
-            <pc:sldMk cId="1354583273" sldId="274"/>
-            <ac:graphicFrameMk id="3" creationId="{5E8325E1-BDCF-5783-E97F-C770E7E58F6D}"/>
-          </ac:graphicFrameMkLst>
-        </pc:graphicFrameChg>
-        <pc:cxnChg chg="add mod">
-          <ac:chgData name="Trung Nghia Nguyen" userId="caf0b1f78d203fdc" providerId="LiveId" clId="{FA98E611-7EE5-4D53-A8F6-A8478DA16B0D}" dt="2023-03-17T04:38:15.696" v="3036"/>
-          <ac:cxnSpMkLst>
-            <pc:docMk/>
-            <pc:sldMk cId="1354583273" sldId="274"/>
-            <ac:cxnSpMk id="2" creationId="{D42DA17F-60A5-AE4F-3CF5-1D8ED68A7208}"/>
-          </ac:cxnSpMkLst>
-        </pc:cxnChg>
-      </pc:sldChg>
-      <pc:sldChg chg="addSp delSp modSp add mod">
-        <pc:chgData name="Trung Nghia Nguyen" userId="caf0b1f78d203fdc" providerId="LiveId" clId="{FA98E611-7EE5-4D53-A8F6-A8478DA16B0D}" dt="2023-03-19T19:43:24.151" v="4596" actId="20577"/>
-        <pc:sldMkLst>
-          <pc:docMk/>
-          <pc:sldMk cId="288851990" sldId="275"/>
-        </pc:sldMkLst>
-        <pc:spChg chg="add del mod">
-          <ac:chgData name="Trung Nghia Nguyen" userId="caf0b1f78d203fdc" providerId="LiveId" clId="{FA98E611-7EE5-4D53-A8F6-A8478DA16B0D}" dt="2023-03-16T06:19:33.875" v="1634" actId="478"/>
-          <ac:spMkLst>
-            <pc:docMk/>
-            <pc:sldMk cId="288851990" sldId="275"/>
-            <ac:spMk id="5" creationId="{1C61A998-27D5-7046-F7BE-75F861F5E290}"/>
-          </ac:spMkLst>
-        </pc:spChg>
-        <pc:spChg chg="add del mod">
-          <ac:chgData name="Trung Nghia Nguyen" userId="caf0b1f78d203fdc" providerId="LiveId" clId="{FA98E611-7EE5-4D53-A8F6-A8478DA16B0D}" dt="2023-03-17T04:40:00.889" v="3078" actId="478"/>
-          <ac:spMkLst>
-            <pc:docMk/>
-            <pc:sldMk cId="288851990" sldId="275"/>
-            <ac:spMk id="5" creationId="{705A7030-1F27-CBA4-A7AA-C6D158A2EFFB}"/>
-          </ac:spMkLst>
-        </pc:spChg>
-        <pc:spChg chg="add mod">
-          <ac:chgData name="Trung Nghia Nguyen" userId="caf0b1f78d203fdc" providerId="LiveId" clId="{FA98E611-7EE5-4D53-A8F6-A8478DA16B0D}" dt="2023-03-19T19:43:24.151" v="4596" actId="20577"/>
-          <ac:spMkLst>
-            <pc:docMk/>
-            <pc:sldMk cId="288851990" sldId="275"/>
-            <ac:spMk id="6" creationId="{FA80F292-9DC6-3B07-3494-F7CEDA19647D}"/>
-          </ac:spMkLst>
-        </pc:spChg>
-        <pc:spChg chg="mod">
-          <ac:chgData name="Trung Nghia Nguyen" userId="caf0b1f78d203fdc" providerId="LiveId" clId="{FA98E611-7EE5-4D53-A8F6-A8478DA16B0D}" dt="2023-03-16T06:17:31.445" v="1541" actId="20577"/>
-          <ac:spMkLst>
-            <pc:docMk/>
-            <pc:sldMk cId="288851990" sldId="275"/>
-            <ac:spMk id="14" creationId="{63B4AB36-B54A-EA5C-2A74-F2C80BE0CBC4}"/>
-          </ac:spMkLst>
-        </pc:spChg>
-        <pc:graphicFrameChg chg="add del mod">
-          <ac:chgData name="Trung Nghia Nguyen" userId="caf0b1f78d203fdc" providerId="LiveId" clId="{FA98E611-7EE5-4D53-A8F6-A8478DA16B0D}" dt="2023-03-16T06:19:33.875" v="1634" actId="478"/>
-          <ac:graphicFrameMkLst>
-            <pc:docMk/>
-            <pc:sldMk cId="288851990" sldId="275"/>
-            <ac:graphicFrameMk id="2" creationId="{DE54A4EB-23C8-299C-A87F-8BB31473006A}"/>
-          </ac:graphicFrameMkLst>
-        </pc:graphicFrameChg>
-        <pc:graphicFrameChg chg="add del modGraphic">
-          <ac:chgData name="Trung Nghia Nguyen" userId="caf0b1f78d203fdc" providerId="LiveId" clId="{FA98E611-7EE5-4D53-A8F6-A8478DA16B0D}" dt="2023-03-19T19:34:24.716" v="4431" actId="20577"/>
-          <ac:graphicFrameMkLst>
-            <pc:docMk/>
-            <pc:sldMk cId="288851990" sldId="275"/>
-            <ac:graphicFrameMk id="3" creationId="{5E8325E1-BDCF-5783-E97F-C770E7E58F6D}"/>
-          </ac:graphicFrameMkLst>
-        </pc:graphicFrameChg>
-        <pc:cxnChg chg="add mod">
-          <ac:chgData name="Trung Nghia Nguyen" userId="caf0b1f78d203fdc" providerId="LiveId" clId="{FA98E611-7EE5-4D53-A8F6-A8478DA16B0D}" dt="2023-03-17T04:38:20.076" v="3039"/>
-          <ac:cxnSpMkLst>
-            <pc:docMk/>
-            <pc:sldMk cId="288851990" sldId="275"/>
-            <ac:cxnSpMk id="2" creationId="{9C1236E6-E36B-726A-5DB7-9CAC65580E73}"/>
-          </ac:cxnSpMkLst>
-        </pc:cxnChg>
-      </pc:sldChg>
-      <pc:sldChg chg="addSp delSp modSp add mod">
-        <pc:chgData name="Trung Nghia Nguyen" userId="caf0b1f78d203fdc" providerId="LiveId" clId="{FA98E611-7EE5-4D53-A8F6-A8478DA16B0D}" dt="2023-03-20T07:03:02.489" v="5743" actId="5793"/>
-        <pc:sldMkLst>
-          <pc:docMk/>
-          <pc:sldMk cId="2797651471" sldId="276"/>
-        </pc:sldMkLst>
-        <pc:spChg chg="mod">
-          <ac:chgData name="Trung Nghia Nguyen" userId="caf0b1f78d203fdc" providerId="LiveId" clId="{FA98E611-7EE5-4D53-A8F6-A8478DA16B0D}" dt="2023-03-16T06:20:01.560" v="1716" actId="20577"/>
-          <ac:spMkLst>
-            <pc:docMk/>
-            <pc:sldMk cId="2797651471" sldId="276"/>
-            <ac:spMk id="4" creationId="{459EF129-6740-B341-7BC7-05D580180742}"/>
-          </ac:spMkLst>
-        </pc:spChg>
-        <pc:spChg chg="add del mod">
-          <ac:chgData name="Trung Nghia Nguyen" userId="caf0b1f78d203fdc" providerId="LiveId" clId="{FA98E611-7EE5-4D53-A8F6-A8478DA16B0D}" dt="2023-03-17T04:40:05.232" v="3080" actId="478"/>
-          <ac:spMkLst>
-            <pc:docMk/>
-            <pc:sldMk cId="2797651471" sldId="276"/>
-            <ac:spMk id="5" creationId="{1A768D09-65B6-BD7C-A142-B559924B5F8D}"/>
-          </ac:spMkLst>
-        </pc:spChg>
-        <pc:spChg chg="add mod">
-          <ac:chgData name="Trung Nghia Nguyen" userId="caf0b1f78d203fdc" providerId="LiveId" clId="{FA98E611-7EE5-4D53-A8F6-A8478DA16B0D}" dt="2023-03-19T19:43:31.201" v="4599" actId="20577"/>
-          <ac:spMkLst>
-            <pc:docMk/>
-            <pc:sldMk cId="2797651471" sldId="276"/>
-            <ac:spMk id="6" creationId="{FD7465EC-84B6-406C-4864-45ADF9FB642F}"/>
-          </ac:spMkLst>
-        </pc:spChg>
-        <pc:spChg chg="mod">
-          <ac:chgData name="Trung Nghia Nguyen" userId="caf0b1f78d203fdc" providerId="LiveId" clId="{FA98E611-7EE5-4D53-A8F6-A8478DA16B0D}" dt="2023-03-16T06:19:48.634" v="1664" actId="20577"/>
-          <ac:spMkLst>
-            <pc:docMk/>
-            <pc:sldMk cId="2797651471" sldId="276"/>
-            <ac:spMk id="14" creationId="{63B4AB36-B54A-EA5C-2A74-F2C80BE0CBC4}"/>
-          </ac:spMkLst>
-        </pc:spChg>
-        <pc:graphicFrameChg chg="mod modGraphic">
-          <ac:chgData name="Trung Nghia Nguyen" userId="caf0b1f78d203fdc" providerId="LiveId" clId="{FA98E611-7EE5-4D53-A8F6-A8478DA16B0D}" dt="2023-03-20T07:03:02.489" v="5743" actId="5793"/>
-          <ac:graphicFrameMkLst>
-            <pc:docMk/>
-            <pc:sldMk cId="2797651471" sldId="276"/>
-            <ac:graphicFrameMk id="3" creationId="{5E8325E1-BDCF-5783-E97F-C770E7E58F6D}"/>
-          </ac:graphicFrameMkLst>
-        </pc:graphicFrameChg>
-        <pc:cxnChg chg="add mod">
-          <ac:chgData name="Trung Nghia Nguyen" userId="caf0b1f78d203fdc" providerId="LiveId" clId="{FA98E611-7EE5-4D53-A8F6-A8478DA16B0D}" dt="2023-03-17T04:38:21.533" v="3040"/>
-          <ac:cxnSpMkLst>
-            <pc:docMk/>
-            <pc:sldMk cId="2797651471" sldId="276"/>
-            <ac:cxnSpMk id="2" creationId="{E84DC22F-1018-3740-66B4-518AAE2387D5}"/>
-          </ac:cxnSpMkLst>
-        </pc:cxnChg>
-      </pc:sldChg>
-      <pc:sldChg chg="addSp delSp modSp add mod">
-        <pc:chgData name="Trung Nghia Nguyen" userId="caf0b1f78d203fdc" providerId="LiveId" clId="{FA98E611-7EE5-4D53-A8F6-A8478DA16B0D}" dt="2023-03-19T19:41:43.354" v="4559" actId="20577"/>
-        <pc:sldMkLst>
-          <pc:docMk/>
-          <pc:sldMk cId="1442048206" sldId="277"/>
-        </pc:sldMkLst>
-        <pc:spChg chg="add del mod">
-          <ac:chgData name="Trung Nghia Nguyen" userId="caf0b1f78d203fdc" providerId="LiveId" clId="{FA98E611-7EE5-4D53-A8F6-A8478DA16B0D}" dt="2023-03-17T04:38:51.609" v="3044" actId="478"/>
-          <ac:spMkLst>
-            <pc:docMk/>
-            <pc:sldMk cId="1442048206" sldId="277"/>
-            <ac:spMk id="3" creationId="{2A02747A-930E-E80B-D12A-3C88421445D2}"/>
-          </ac:spMkLst>
-        </pc:spChg>
-        <pc:spChg chg="add mod">
-          <ac:chgData name="Trung Nghia Nguyen" userId="caf0b1f78d203fdc" providerId="LiveId" clId="{FA98E611-7EE5-4D53-A8F6-A8478DA16B0D}" dt="2023-03-19T19:41:43.354" v="4559" actId="20577"/>
-          <ac:spMkLst>
-            <pc:docMk/>
-            <pc:sldMk cId="1442048206" sldId="277"/>
-            <ac:spMk id="4" creationId="{8C7A2A31-FB7A-4F1F-44D0-57F56E22618B}"/>
-          </ac:spMkLst>
-        </pc:spChg>
-        <pc:graphicFrameChg chg="add del mod modGraphic">
-          <ac:chgData name="Trung Nghia Nguyen" userId="caf0b1f78d203fdc" providerId="LiveId" clId="{FA98E611-7EE5-4D53-A8F6-A8478DA16B0D}" dt="2023-03-19T19:23:27.922" v="4268" actId="20577"/>
-          <ac:graphicFrameMkLst>
-            <pc:docMk/>
-            <pc:sldMk cId="1442048206" sldId="277"/>
-            <ac:graphicFrameMk id="16" creationId="{A794B221-780B-3E0D-DCDE-B4B669AD1AE3}"/>
-          </ac:graphicFrameMkLst>
-        </pc:graphicFrameChg>
-        <pc:cxnChg chg="add mod">
-          <ac:chgData name="Trung Nghia Nguyen" userId="caf0b1f78d203fdc" providerId="LiveId" clId="{FA98E611-7EE5-4D53-A8F6-A8478DA16B0D}" dt="2023-03-17T04:37:53.870" v="3022"/>
-          <ac:cxnSpMkLst>
-            <pc:docMk/>
-            <pc:sldMk cId="1442048206" sldId="277"/>
-            <ac:cxnSpMk id="2" creationId="{0AB1CEC5-2BAD-1C07-6B07-F474F46A98DB}"/>
-          </ac:cxnSpMkLst>
-        </pc:cxnChg>
-      </pc:sldChg>
-      <pc:sldChg chg="addSp delSp modSp add mod">
-        <pc:chgData name="Trung Nghia Nguyen" userId="caf0b1f78d203fdc" providerId="LiveId" clId="{FA98E611-7EE5-4D53-A8F6-A8478DA16B0D}" dt="2023-03-19T19:42:02.542" v="4567" actId="20577"/>
-        <pc:sldMkLst>
-          <pc:docMk/>
-          <pc:sldMk cId="599745211" sldId="278"/>
-        </pc:sldMkLst>
-        <pc:spChg chg="mod">
-          <ac:chgData name="Trung Nghia Nguyen" userId="caf0b1f78d203fdc" providerId="LiveId" clId="{FA98E611-7EE5-4D53-A8F6-A8478DA16B0D}" dt="2023-03-19T19:42:02.542" v="4567" actId="20577"/>
-          <ac:spMkLst>
-            <pc:docMk/>
-            <pc:sldMk cId="599745211" sldId="278"/>
-            <ac:spMk id="5" creationId="{5EFED488-422D-714E-BC8D-1EFFE4EB27EF}"/>
-          </ac:spMkLst>
-        </pc:spChg>
-        <pc:spChg chg="mod">
-          <ac:chgData name="Trung Nghia Nguyen" userId="caf0b1f78d203fdc" providerId="LiveId" clId="{FA98E611-7EE5-4D53-A8F6-A8478DA16B0D}" dt="2023-03-17T06:23:21.018" v="3181" actId="114"/>
-          <ac:spMkLst>
-            <pc:docMk/>
-            <pc:sldMk cId="599745211" sldId="278"/>
-            <ac:spMk id="6" creationId="{E89CDB90-AF28-D274-AC55-ECC8E0120E31}"/>
-          </ac:spMkLst>
-        </pc:spChg>
-        <pc:picChg chg="add mod">
-          <ac:chgData name="Trung Nghia Nguyen" userId="caf0b1f78d203fdc" providerId="LiveId" clId="{FA98E611-7EE5-4D53-A8F6-A8478DA16B0D}" dt="2023-03-17T06:22:56.812" v="3160" actId="1076"/>
-          <ac:picMkLst>
-            <pc:docMk/>
-            <pc:sldMk cId="599745211" sldId="278"/>
-            <ac:picMk id="7" creationId="{A8746AB3-58A2-74F9-9140-30A7E3ED3167}"/>
-          </ac:picMkLst>
-        </pc:picChg>
-        <pc:picChg chg="del">
-          <ac:chgData name="Trung Nghia Nguyen" userId="caf0b1f78d203fdc" providerId="LiveId" clId="{FA98E611-7EE5-4D53-A8F6-A8478DA16B0D}" dt="2023-03-17T06:22:21.850" v="3158" actId="478"/>
-          <ac:picMkLst>
-            <pc:docMk/>
-            <pc:sldMk cId="599745211" sldId="278"/>
-            <ac:picMk id="8" creationId="{64343610-2239-3C37-0292-61E9C46DADC0}"/>
-          </ac:picMkLst>
-        </pc:picChg>
-        <pc:picChg chg="del">
-          <ac:chgData name="Trung Nghia Nguyen" userId="caf0b1f78d203fdc" providerId="LiveId" clId="{FA98E611-7EE5-4D53-A8F6-A8478DA16B0D}" dt="2023-03-17T06:21:56.494" v="3151" actId="478"/>
-          <ac:picMkLst>
-            <pc:docMk/>
-            <pc:sldMk cId="599745211" sldId="278"/>
-            <ac:picMk id="1026" creationId="{8B6FAEF3-00E8-C2B6-6484-BD77EBFDEA2F}"/>
-          </ac:picMkLst>
-        </pc:picChg>
-        <pc:picChg chg="add mod">
-          <ac:chgData name="Trung Nghia Nguyen" userId="caf0b1f78d203fdc" providerId="LiveId" clId="{FA98E611-7EE5-4D53-A8F6-A8478DA16B0D}" dt="2023-03-17T06:23:24.904" v="3182" actId="1076"/>
-          <ac:picMkLst>
-            <pc:docMk/>
-            <pc:sldMk cId="599745211" sldId="278"/>
-            <ac:picMk id="2050" creationId="{10442409-7C1A-0341-44F3-33E0573712DD}"/>
-          </ac:picMkLst>
-        </pc:picChg>
-      </pc:sldChg>
-      <pc:sldChg chg="addSp delSp modSp add mod">
-        <pc:chgData name="Trung Nghia Nguyen" userId="caf0b1f78d203fdc" providerId="LiveId" clId="{FA98E611-7EE5-4D53-A8F6-A8478DA16B0D}" dt="2023-03-19T19:42:08.819" v="4569" actId="20577"/>
-        <pc:sldMkLst>
-          <pc:docMk/>
-          <pc:sldMk cId="2754922991" sldId="279"/>
-        </pc:sldMkLst>
-        <pc:spChg chg="mod">
-          <ac:chgData name="Trung Nghia Nguyen" userId="caf0b1f78d203fdc" providerId="LiveId" clId="{FA98E611-7EE5-4D53-A8F6-A8478DA16B0D}" dt="2023-03-19T19:42:08.819" v="4569" actId="20577"/>
-          <ac:spMkLst>
-            <pc:docMk/>
-            <pc:sldMk cId="2754922991" sldId="279"/>
-            <ac:spMk id="5" creationId="{5EFED488-422D-714E-BC8D-1EFFE4EB27EF}"/>
-          </ac:spMkLst>
-        </pc:spChg>
-        <pc:spChg chg="mod">
-          <ac:chgData name="Trung Nghia Nguyen" userId="caf0b1f78d203fdc" providerId="LiveId" clId="{FA98E611-7EE5-4D53-A8F6-A8478DA16B0D}" dt="2023-03-17T06:26:42.641" v="3210" actId="1076"/>
-          <ac:spMkLst>
-            <pc:docMk/>
-            <pc:sldMk cId="2754922991" sldId="279"/>
-            <ac:spMk id="6" creationId="{E89CDB90-AF28-D274-AC55-ECC8E0120E31}"/>
-          </ac:spMkLst>
-        </pc:spChg>
-        <pc:picChg chg="del">
-          <ac:chgData name="Trung Nghia Nguyen" userId="caf0b1f78d203fdc" providerId="LiveId" clId="{FA98E611-7EE5-4D53-A8F6-A8478DA16B0D}" dt="2023-03-17T06:25:39.982" v="3191" actId="478"/>
-          <ac:picMkLst>
-            <pc:docMk/>
-            <pc:sldMk cId="2754922991" sldId="279"/>
-            <ac:picMk id="7" creationId="{A8746AB3-58A2-74F9-9140-30A7E3ED3167}"/>
-          </ac:picMkLst>
-        </pc:picChg>
-        <pc:picChg chg="add mod">
-          <ac:chgData name="Trung Nghia Nguyen" userId="caf0b1f78d203fdc" providerId="LiveId" clId="{FA98E611-7EE5-4D53-A8F6-A8478DA16B0D}" dt="2023-03-17T06:26:17.123" v="3195" actId="14100"/>
-          <ac:picMkLst>
-            <pc:docMk/>
-            <pc:sldMk cId="2754922991" sldId="279"/>
-            <ac:picMk id="8" creationId="{2BCBC959-D18B-486A-A2CE-1317A0097C33}"/>
-          </ac:picMkLst>
-        </pc:picChg>
-        <pc:picChg chg="del">
-          <ac:chgData name="Trung Nghia Nguyen" userId="caf0b1f78d203fdc" providerId="LiveId" clId="{FA98E611-7EE5-4D53-A8F6-A8478DA16B0D}" dt="2023-03-17T06:25:21.497" v="3184" actId="478"/>
-          <ac:picMkLst>
-            <pc:docMk/>
-            <pc:sldMk cId="2754922991" sldId="279"/>
-            <ac:picMk id="2050" creationId="{10442409-7C1A-0341-44F3-33E0573712DD}"/>
-          </ac:picMkLst>
-        </pc:picChg>
-        <pc:picChg chg="add mod">
-          <ac:chgData name="Trung Nghia Nguyen" userId="caf0b1f78d203fdc" providerId="LiveId" clId="{FA98E611-7EE5-4D53-A8F6-A8478DA16B0D}" dt="2023-03-17T06:26:27.754" v="3197" actId="14100"/>
-          <ac:picMkLst>
-            <pc:docMk/>
-            <pc:sldMk cId="2754922991" sldId="279"/>
-            <ac:picMk id="3074" creationId="{0282A2DD-FF67-A086-5C74-2D8174B11DC8}"/>
-          </ac:picMkLst>
-        </pc:picChg>
-      </pc:sldChg>
-      <pc:sldChg chg="addSp modSp add mod modNotesTx">
-        <pc:chgData name="Trung Nghia Nguyen" userId="caf0b1f78d203fdc" providerId="LiveId" clId="{FA98E611-7EE5-4D53-A8F6-A8478DA16B0D}" dt="2023-03-19T19:42:13.274" v="4571" actId="20577"/>
-        <pc:sldMkLst>
-          <pc:docMk/>
-          <pc:sldMk cId="1570060703" sldId="280"/>
-        </pc:sldMkLst>
-        <pc:spChg chg="mod">
-          <ac:chgData name="Trung Nghia Nguyen" userId="caf0b1f78d203fdc" providerId="LiveId" clId="{FA98E611-7EE5-4D53-A8F6-A8478DA16B0D}" dt="2023-03-19T19:42:13.274" v="4571" actId="20577"/>
-          <ac:spMkLst>
-            <pc:docMk/>
-            <pc:sldMk cId="1570060703" sldId="280"/>
-            <ac:spMk id="5" creationId="{7AF6E6C4-7E4D-6951-DD77-D67FDB08BE33}"/>
-          </ac:spMkLst>
-        </pc:spChg>
-        <pc:spChg chg="mod">
-          <ac:chgData name="Trung Nghia Nguyen" userId="caf0b1f78d203fdc" providerId="LiveId" clId="{FA98E611-7EE5-4D53-A8F6-A8478DA16B0D}" dt="2023-03-17T07:03:30.383" v="3264" actId="1076"/>
-          <ac:spMkLst>
-            <pc:docMk/>
-            <pc:sldMk cId="1570060703" sldId="280"/>
-            <ac:spMk id="7" creationId="{C27A575E-AACF-0BC5-FF71-5FCE2C283EAA}"/>
-          </ac:spMkLst>
-        </pc:spChg>
-        <pc:picChg chg="add mod">
-          <ac:chgData name="Trung Nghia Nguyen" userId="caf0b1f78d203fdc" providerId="LiveId" clId="{FA98E611-7EE5-4D53-A8F6-A8478DA16B0D}" dt="2023-03-18T17:45:27.382" v="3465" actId="1076"/>
-          <ac:picMkLst>
-            <pc:docMk/>
-            <pc:sldMk cId="1570060703" sldId="280"/>
-            <ac:picMk id="6" creationId="{2B44FC83-2398-5E3A-C381-62AE739D08A6}"/>
-          </ac:picMkLst>
-        </pc:picChg>
-      </pc:sldChg>
-      <pc:sldChg chg="addSp delSp modSp add mod">
-        <pc:chgData name="Trung Nghia Nguyen" userId="caf0b1f78d203fdc" providerId="LiveId" clId="{FA98E611-7EE5-4D53-A8F6-A8478DA16B0D}" dt="2023-03-19T19:42:18.183" v="4572" actId="20577"/>
-        <pc:sldMkLst>
-          <pc:docMk/>
-          <pc:sldMk cId="3262030844" sldId="281"/>
-        </pc:sldMkLst>
-        <pc:spChg chg="mod">
-          <ac:chgData name="Trung Nghia Nguyen" userId="caf0b1f78d203fdc" providerId="LiveId" clId="{FA98E611-7EE5-4D53-A8F6-A8478DA16B0D}" dt="2023-03-19T19:42:18.183" v="4572" actId="20577"/>
-          <ac:spMkLst>
-            <pc:docMk/>
-            <pc:sldMk cId="3262030844" sldId="281"/>
-            <ac:spMk id="5" creationId="{7AF6E6C4-7E4D-6951-DD77-D67FDB08BE33}"/>
-          </ac:spMkLst>
-        </pc:spChg>
-        <pc:spChg chg="del mod">
-          <ac:chgData name="Trung Nghia Nguyen" userId="caf0b1f78d203fdc" providerId="LiveId" clId="{FA98E611-7EE5-4D53-A8F6-A8478DA16B0D}" dt="2023-03-18T17:45:45.010" v="3467" actId="478"/>
-          <ac:spMkLst>
-            <pc:docMk/>
-            <pc:sldMk cId="3262030844" sldId="281"/>
-            <ac:spMk id="7" creationId="{C27A575E-AACF-0BC5-FF71-5FCE2C283EAA}"/>
-          </ac:spMkLst>
-        </pc:spChg>
-        <pc:spChg chg="add mod">
-          <ac:chgData name="Trung Nghia Nguyen" userId="caf0b1f78d203fdc" providerId="LiveId" clId="{FA98E611-7EE5-4D53-A8F6-A8478DA16B0D}" dt="2023-03-18T17:45:47.896" v="3470" actId="20577"/>
-          <ac:spMkLst>
-            <pc:docMk/>
-            <pc:sldMk cId="3262030844" sldId="281"/>
-            <ac:spMk id="9" creationId="{51CE0FD5-4BE3-F7D8-2BC7-6F59ED933512}"/>
-          </ac:spMkLst>
-        </pc:spChg>
-        <pc:picChg chg="del">
-          <ac:chgData name="Trung Nghia Nguyen" userId="caf0b1f78d203fdc" providerId="LiveId" clId="{FA98E611-7EE5-4D53-A8F6-A8478DA16B0D}" dt="2023-03-18T17:44:32.151" v="3443" actId="478"/>
-          <ac:picMkLst>
-            <pc:docMk/>
-            <pc:sldMk cId="3262030844" sldId="281"/>
-            <ac:picMk id="6" creationId="{2B44FC83-2398-5E3A-C381-62AE739D08A6}"/>
-          </ac:picMkLst>
-        </pc:picChg>
-        <pc:picChg chg="add mod ord">
-          <ac:chgData name="Trung Nghia Nguyen" userId="caf0b1f78d203fdc" providerId="LiveId" clId="{FA98E611-7EE5-4D53-A8F6-A8478DA16B0D}" dt="2023-03-18T17:45:32.441" v="3466" actId="1076"/>
-          <ac:picMkLst>
-            <pc:docMk/>
-            <pc:sldMk cId="3262030844" sldId="281"/>
-            <ac:picMk id="8" creationId="{E0B6CD8B-6138-6045-0302-D72BA24864A4}"/>
-          </ac:picMkLst>
-        </pc:picChg>
-      </pc:sldChg>
-      <pc:sldChg chg="delSp modSp add del mod">
-        <pc:chgData name="Trung Nghia Nguyen" userId="caf0b1f78d203fdc" providerId="LiveId" clId="{FA98E611-7EE5-4D53-A8F6-A8478DA16B0D}" dt="2023-03-18T17:45:55.167" v="3471" actId="47"/>
-        <pc:sldMkLst>
-          <pc:docMk/>
-          <pc:sldMk cId="1576429670" sldId="282"/>
-        </pc:sldMkLst>
-        <pc:spChg chg="mod">
-          <ac:chgData name="Trung Nghia Nguyen" userId="caf0b1f78d203fdc" providerId="LiveId" clId="{FA98E611-7EE5-4D53-A8F6-A8478DA16B0D}" dt="2023-03-18T17:45:13.631" v="3462" actId="20577"/>
-          <ac:spMkLst>
-            <pc:docMk/>
-            <pc:sldMk cId="1576429670" sldId="282"/>
-            <ac:spMk id="7" creationId="{C27A575E-AACF-0BC5-FF71-5FCE2C283EAA}"/>
-          </ac:spMkLst>
-        </pc:spChg>
-        <pc:picChg chg="del mod">
-          <ac:chgData name="Trung Nghia Nguyen" userId="caf0b1f78d203fdc" providerId="LiveId" clId="{FA98E611-7EE5-4D53-A8F6-A8478DA16B0D}" dt="2023-03-18T17:45:17.520" v="3464" actId="478"/>
-          <ac:picMkLst>
-            <pc:docMk/>
-            <pc:sldMk cId="1576429670" sldId="282"/>
-            <ac:picMk id="8" creationId="{E0B6CD8B-6138-6045-0302-D72BA24864A4}"/>
-          </ac:picMkLst>
-        </pc:picChg>
-      </pc:sldChg>
-      <pc:sldChg chg="addSp delSp modSp add mod">
-        <pc:chgData name="Trung Nghia Nguyen" userId="caf0b1f78d203fdc" providerId="LiveId" clId="{FA98E611-7EE5-4D53-A8F6-A8478DA16B0D}" dt="2023-03-19T19:42:21.407" v="4573" actId="20577"/>
-        <pc:sldMkLst>
-          <pc:docMk/>
-          <pc:sldMk cId="4109717965" sldId="282"/>
-        </pc:sldMkLst>
-        <pc:spChg chg="mod">
-          <ac:chgData name="Trung Nghia Nguyen" userId="caf0b1f78d203fdc" providerId="LiveId" clId="{FA98E611-7EE5-4D53-A8F6-A8478DA16B0D}" dt="2023-03-19T19:42:21.407" v="4573" actId="20577"/>
-          <ac:spMkLst>
-            <pc:docMk/>
-            <pc:sldMk cId="4109717965" sldId="282"/>
-            <ac:spMk id="5" creationId="{7AF6E6C4-7E4D-6951-DD77-D67FDB08BE33}"/>
-          </ac:spMkLst>
-        </pc:spChg>
-        <pc:spChg chg="mod">
-          <ac:chgData name="Trung Nghia Nguyen" userId="caf0b1f78d203fdc" providerId="LiveId" clId="{FA98E611-7EE5-4D53-A8F6-A8478DA16B0D}" dt="2023-03-18T17:46:02.114" v="3483" actId="20577"/>
-          <ac:spMkLst>
-            <pc:docMk/>
-            <pc:sldMk cId="4109717965" sldId="282"/>
-            <ac:spMk id="9" creationId="{51CE0FD5-4BE3-F7D8-2BC7-6F59ED933512}"/>
-          </ac:spMkLst>
-        </pc:spChg>
-        <pc:picChg chg="add mod ord">
-          <ac:chgData name="Trung Nghia Nguyen" userId="caf0b1f78d203fdc" providerId="LiveId" clId="{FA98E611-7EE5-4D53-A8F6-A8478DA16B0D}" dt="2023-03-18T17:58:07.675" v="3491" actId="167"/>
-          <ac:picMkLst>
-            <pc:docMk/>
-            <pc:sldMk cId="4109717965" sldId="282"/>
-            <ac:picMk id="6" creationId="{507FC860-8B46-AEB4-EE18-02AC586D78D6}"/>
-          </ac:picMkLst>
-        </pc:picChg>
-        <pc:picChg chg="del">
-          <ac:chgData name="Trung Nghia Nguyen" userId="caf0b1f78d203fdc" providerId="LiveId" clId="{FA98E611-7EE5-4D53-A8F6-A8478DA16B0D}" dt="2023-03-18T17:46:06.175" v="3484" actId="478"/>
-          <ac:picMkLst>
-            <pc:docMk/>
-            <pc:sldMk cId="4109717965" sldId="282"/>
-            <ac:picMk id="8" creationId="{E0B6CD8B-6138-6045-0302-D72BA24864A4}"/>
-          </ac:picMkLst>
-        </pc:picChg>
-      </pc:sldChg>
-      <pc:sldChg chg="addSp delSp modSp add mod">
-        <pc:chgData name="Trung Nghia Nguyen" userId="caf0b1f78d203fdc" providerId="LiveId" clId="{FA98E611-7EE5-4D53-A8F6-A8478DA16B0D}" dt="2023-03-20T07:19:24.474" v="7031" actId="20577"/>
-        <pc:sldMkLst>
-          <pc:docMk/>
-          <pc:sldMk cId="3273506458" sldId="283"/>
-        </pc:sldMkLst>
-        <pc:spChg chg="mod">
-          <ac:chgData name="Trung Nghia Nguyen" userId="caf0b1f78d203fdc" providerId="LiveId" clId="{FA98E611-7EE5-4D53-A8F6-A8478DA16B0D}" dt="2023-03-20T07:11:30.957" v="5765" actId="20577"/>
-          <ac:spMkLst>
-            <pc:docMk/>
-            <pc:sldMk cId="3273506458" sldId="283"/>
-            <ac:spMk id="4" creationId="{459EF129-6740-B341-7BC7-05D580180742}"/>
-          </ac:spMkLst>
-        </pc:spChg>
-        <pc:spChg chg="add mod">
-          <ac:chgData name="Trung Nghia Nguyen" userId="caf0b1f78d203fdc" providerId="LiveId" clId="{FA98E611-7EE5-4D53-A8F6-A8478DA16B0D}" dt="2023-03-20T07:17:20.280" v="6905" actId="20577"/>
-          <ac:spMkLst>
-            <pc:docMk/>
-            <pc:sldMk cId="3273506458" sldId="283"/>
-            <ac:spMk id="5" creationId="{B124AB6E-B685-3C3C-17A7-881BC0274152}"/>
-          </ac:spMkLst>
-        </pc:spChg>
-        <pc:spChg chg="mod">
-          <ac:chgData name="Trung Nghia Nguyen" userId="caf0b1f78d203fdc" providerId="LiveId" clId="{FA98E611-7EE5-4D53-A8F6-A8478DA16B0D}" dt="2023-03-20T07:19:24.474" v="7031" actId="20577"/>
-          <ac:spMkLst>
-            <pc:docMk/>
-            <pc:sldMk cId="3273506458" sldId="283"/>
-            <ac:spMk id="6" creationId="{FD7465EC-84B6-406C-4864-45ADF9FB642F}"/>
-          </ac:spMkLst>
-        </pc:spChg>
-        <pc:graphicFrameChg chg="del">
-          <ac:chgData name="Trung Nghia Nguyen" userId="caf0b1f78d203fdc" providerId="LiveId" clId="{FA98E611-7EE5-4D53-A8F6-A8478DA16B0D}" dt="2023-03-20T07:11:34.358" v="5766" actId="478"/>
-          <ac:graphicFrameMkLst>
-            <pc:docMk/>
-            <pc:sldMk cId="3273506458" sldId="283"/>
-            <ac:graphicFrameMk id="3" creationId="{5E8325E1-BDCF-5783-E97F-C770E7E58F6D}"/>
-          </ac:graphicFrameMkLst>
-        </pc:graphicFrameChg>
-      </pc:sldChg>
-      <pc:sldChg chg="modSp add mod">
-        <pc:chgData name="Trung Nghia Nguyen" userId="caf0b1f78d203fdc" providerId="LiveId" clId="{FA98E611-7EE5-4D53-A8F6-A8478DA16B0D}" dt="2023-03-20T07:19:27.761" v="7033" actId="20577"/>
-        <pc:sldMkLst>
-          <pc:docMk/>
-          <pc:sldMk cId="1076178229" sldId="284"/>
-        </pc:sldMkLst>
-        <pc:spChg chg="mod">
-          <ac:chgData name="Trung Nghia Nguyen" userId="caf0b1f78d203fdc" providerId="LiveId" clId="{FA98E611-7EE5-4D53-A8F6-A8478DA16B0D}" dt="2023-03-20T07:13:46.504" v="6236" actId="20577"/>
-          <ac:spMkLst>
-            <pc:docMk/>
-            <pc:sldMk cId="1076178229" sldId="284"/>
-            <ac:spMk id="4" creationId="{459EF129-6740-B341-7BC7-05D580180742}"/>
-          </ac:spMkLst>
-        </pc:spChg>
-        <pc:spChg chg="mod">
-          <ac:chgData name="Trung Nghia Nguyen" userId="caf0b1f78d203fdc" providerId="LiveId" clId="{FA98E611-7EE5-4D53-A8F6-A8478DA16B0D}" dt="2023-03-20T07:17:45.459" v="7028" actId="20577"/>
-          <ac:spMkLst>
-            <pc:docMk/>
-            <pc:sldMk cId="1076178229" sldId="284"/>
-            <ac:spMk id="5" creationId="{B124AB6E-B685-3C3C-17A7-881BC0274152}"/>
-          </ac:spMkLst>
-        </pc:spChg>
-        <pc:spChg chg="mod">
-          <ac:chgData name="Trung Nghia Nguyen" userId="caf0b1f78d203fdc" providerId="LiveId" clId="{FA98E611-7EE5-4D53-A8F6-A8478DA16B0D}" dt="2023-03-20T07:19:27.761" v="7033" actId="20577"/>
-          <ac:spMkLst>
-            <pc:docMk/>
-            <pc:sldMk cId="1076178229" sldId="284"/>
-            <ac:spMk id="6" creationId="{FD7465EC-84B6-406C-4864-45ADF9FB642F}"/>
-          </ac:spMkLst>
-        </pc:spChg>
-      </pc:sldChg>
-      <pc:sldMasterChg chg="modSp modSldLayout">
-        <pc:chgData name="Trung Nghia Nguyen" userId="caf0b1f78d203fdc" providerId="LiveId" clId="{FA98E611-7EE5-4D53-A8F6-A8478DA16B0D}" dt="2023-03-16T04:24:21.249" v="1"/>
-        <pc:sldMasterMkLst>
-          <pc:docMk/>
-          <pc:sldMasterMk cId="4059755660" sldId="2147483648"/>
-        </pc:sldMasterMkLst>
-        <pc:spChg chg="mod">
-          <ac:chgData name="Trung Nghia Nguyen" userId="caf0b1f78d203fdc" providerId="LiveId" clId="{FA98E611-7EE5-4D53-A8F6-A8478DA16B0D}" dt="2023-03-16T04:24:21.249" v="1"/>
-          <ac:spMkLst>
-            <pc:docMk/>
-            <pc:sldMasterMk cId="4059755660" sldId="2147483648"/>
-            <ac:spMk id="2" creationId="{B2D67379-2759-837D-8A05-4E6A0DDE2D19}"/>
-          </ac:spMkLst>
-        </pc:spChg>
-        <pc:spChg chg="mod">
-          <ac:chgData name="Trung Nghia Nguyen" userId="caf0b1f78d203fdc" providerId="LiveId" clId="{FA98E611-7EE5-4D53-A8F6-A8478DA16B0D}" dt="2023-03-16T04:24:21.249" v="1"/>
-          <ac:spMkLst>
-            <pc:docMk/>
-            <pc:sldMasterMk cId="4059755660" sldId="2147483648"/>
-            <ac:spMk id="3" creationId="{99B37396-7B88-C02D-A162-F60FA508DCA3}"/>
-          </ac:spMkLst>
-        </pc:spChg>
-        <pc:spChg chg="mod">
-          <ac:chgData name="Trung Nghia Nguyen" userId="caf0b1f78d203fdc" providerId="LiveId" clId="{FA98E611-7EE5-4D53-A8F6-A8478DA16B0D}" dt="2023-03-16T04:24:21.249" v="1"/>
-          <ac:spMkLst>
-            <pc:docMk/>
-            <pc:sldMasterMk cId="4059755660" sldId="2147483648"/>
-            <ac:spMk id="4" creationId="{E65690C1-1221-B102-60D2-80F80E3202EF}"/>
-          </ac:spMkLst>
-        </pc:spChg>
-        <pc:spChg chg="mod">
-          <ac:chgData name="Trung Nghia Nguyen" userId="caf0b1f78d203fdc" providerId="LiveId" clId="{FA98E611-7EE5-4D53-A8F6-A8478DA16B0D}" dt="2023-03-16T04:24:21.249" v="1"/>
-          <ac:spMkLst>
-            <pc:docMk/>
-            <pc:sldMasterMk cId="4059755660" sldId="2147483648"/>
-            <ac:spMk id="5" creationId="{F9B3DA1D-A670-2B94-689B-5A0BD6A8FA66}"/>
-          </ac:spMkLst>
-        </pc:spChg>
-        <pc:spChg chg="mod">
-          <ac:chgData name="Trung Nghia Nguyen" userId="caf0b1f78d203fdc" providerId="LiveId" clId="{FA98E611-7EE5-4D53-A8F6-A8478DA16B0D}" dt="2023-03-16T04:24:21.249" v="1"/>
-          <ac:spMkLst>
-            <pc:docMk/>
-            <pc:sldMasterMk cId="4059755660" sldId="2147483648"/>
-            <ac:spMk id="6" creationId="{B272B73D-FCFD-D42C-84CD-E490A92E0787}"/>
-          </ac:spMkLst>
-        </pc:spChg>
-        <pc:sldLayoutChg chg="modSp">
-          <pc:chgData name="Trung Nghia Nguyen" userId="caf0b1f78d203fdc" providerId="LiveId" clId="{FA98E611-7EE5-4D53-A8F6-A8478DA16B0D}" dt="2023-03-16T04:24:21.249" v="1"/>
-          <pc:sldLayoutMkLst>
-            <pc:docMk/>
-            <pc:sldMasterMk cId="4059755660" sldId="2147483648"/>
-            <pc:sldLayoutMk cId="912823077" sldId="2147483649"/>
-          </pc:sldLayoutMkLst>
-          <pc:spChg chg="mod">
-            <ac:chgData name="Trung Nghia Nguyen" userId="caf0b1f78d203fdc" providerId="LiveId" clId="{FA98E611-7EE5-4D53-A8F6-A8478DA16B0D}" dt="2023-03-16T04:24:21.249" v="1"/>
-            <ac:spMkLst>
-              <pc:docMk/>
-              <pc:sldMasterMk cId="4059755660" sldId="2147483648"/>
-              <pc:sldLayoutMk cId="912823077" sldId="2147483649"/>
-              <ac:spMk id="2" creationId="{D31639CA-6F26-7538-7F3D-9E50D532089C}"/>
-            </ac:spMkLst>
-          </pc:spChg>
-          <pc:spChg chg="mod">
-            <ac:chgData name="Trung Nghia Nguyen" userId="caf0b1f78d203fdc" providerId="LiveId" clId="{FA98E611-7EE5-4D53-A8F6-A8478DA16B0D}" dt="2023-03-16T04:24:21.249" v="1"/>
-            <ac:spMkLst>
-              <pc:docMk/>
-              <pc:sldMasterMk cId="4059755660" sldId="2147483648"/>
-              <pc:sldLayoutMk cId="912823077" sldId="2147483649"/>
-              <ac:spMk id="3" creationId="{47088B79-B7D1-065B-7E28-EE7CCC9D8D8C}"/>
-            </ac:spMkLst>
-          </pc:spChg>
-        </pc:sldLayoutChg>
-        <pc:sldLayoutChg chg="modSp">
-          <pc:chgData name="Trung Nghia Nguyen" userId="caf0b1f78d203fdc" providerId="LiveId" clId="{FA98E611-7EE5-4D53-A8F6-A8478DA16B0D}" dt="2023-03-16T04:24:21.249" v="1"/>
-          <pc:sldLayoutMkLst>
-            <pc:docMk/>
-            <pc:sldMasterMk cId="4059755660" sldId="2147483648"/>
-            <pc:sldLayoutMk cId="4244664039" sldId="2147483651"/>
-          </pc:sldLayoutMkLst>
-          <pc:spChg chg="mod">
-            <ac:chgData name="Trung Nghia Nguyen" userId="caf0b1f78d203fdc" providerId="LiveId" clId="{FA98E611-7EE5-4D53-A8F6-A8478DA16B0D}" dt="2023-03-16T04:24:21.249" v="1"/>
-            <ac:spMkLst>
-              <pc:docMk/>
-              <pc:sldMasterMk cId="4059755660" sldId="2147483648"/>
-              <pc:sldLayoutMk cId="4244664039" sldId="2147483651"/>
-              <ac:spMk id="2" creationId="{6DC09468-E8F7-0727-97AE-C8D9A5F5793F}"/>
-            </ac:spMkLst>
-          </pc:spChg>
-          <pc:spChg chg="mod">
-            <ac:chgData name="Trung Nghia Nguyen" userId="caf0b1f78d203fdc" providerId="LiveId" clId="{FA98E611-7EE5-4D53-A8F6-A8478DA16B0D}" dt="2023-03-16T04:24:21.249" v="1"/>
-            <ac:spMkLst>
-              <pc:docMk/>
-              <pc:sldMasterMk cId="4059755660" sldId="2147483648"/>
-              <pc:sldLayoutMk cId="4244664039" sldId="2147483651"/>
-              <ac:spMk id="3" creationId="{3E3D54D9-4FA1-84EC-C922-E53A36688E96}"/>
-            </ac:spMkLst>
-          </pc:spChg>
-        </pc:sldLayoutChg>
-        <pc:sldLayoutChg chg="modSp">
-          <pc:chgData name="Trung Nghia Nguyen" userId="caf0b1f78d203fdc" providerId="LiveId" clId="{FA98E611-7EE5-4D53-A8F6-A8478DA16B0D}" dt="2023-03-16T04:24:21.249" v="1"/>
-          <pc:sldLayoutMkLst>
-            <pc:docMk/>
-            <pc:sldMasterMk cId="4059755660" sldId="2147483648"/>
-            <pc:sldLayoutMk cId="94315718" sldId="2147483652"/>
-          </pc:sldLayoutMkLst>
-          <pc:spChg chg="mod">
-            <ac:chgData name="Trung Nghia Nguyen" userId="caf0b1f78d203fdc" providerId="LiveId" clId="{FA98E611-7EE5-4D53-A8F6-A8478DA16B0D}" dt="2023-03-16T04:24:21.249" v="1"/>
-            <ac:spMkLst>
-              <pc:docMk/>
-              <pc:sldMasterMk cId="4059755660" sldId="2147483648"/>
-              <pc:sldLayoutMk cId="94315718" sldId="2147483652"/>
-              <ac:spMk id="3" creationId="{A22BADF9-AA7A-4F93-D9BE-3E7CD80C5F99}"/>
-            </ac:spMkLst>
-          </pc:spChg>
-          <pc:spChg chg="mod">
-            <ac:chgData name="Trung Nghia Nguyen" userId="caf0b1f78d203fdc" providerId="LiveId" clId="{FA98E611-7EE5-4D53-A8F6-A8478DA16B0D}" dt="2023-03-16T04:24:21.249" v="1"/>
-            <ac:spMkLst>
-              <pc:docMk/>
-              <pc:sldMasterMk cId="4059755660" sldId="2147483648"/>
-              <pc:sldLayoutMk cId="94315718" sldId="2147483652"/>
-              <ac:spMk id="4" creationId="{E961C63B-7DA7-F8A0-3EC3-0FD62780EF1B}"/>
-            </ac:spMkLst>
-          </pc:spChg>
-        </pc:sldLayoutChg>
-        <pc:sldLayoutChg chg="modSp">
-          <pc:chgData name="Trung Nghia Nguyen" userId="caf0b1f78d203fdc" providerId="LiveId" clId="{FA98E611-7EE5-4D53-A8F6-A8478DA16B0D}" dt="2023-03-16T04:24:21.249" v="1"/>
-          <pc:sldLayoutMkLst>
-            <pc:docMk/>
-            <pc:sldMasterMk cId="4059755660" sldId="2147483648"/>
-            <pc:sldLayoutMk cId="1517603845" sldId="2147483653"/>
-          </pc:sldLayoutMkLst>
-          <pc:spChg chg="mod">
-            <ac:chgData name="Trung Nghia Nguyen" userId="caf0b1f78d203fdc" providerId="LiveId" clId="{FA98E611-7EE5-4D53-A8F6-A8478DA16B0D}" dt="2023-03-16T04:24:21.249" v="1"/>
-            <ac:spMkLst>
-              <pc:docMk/>
-              <pc:sldMasterMk cId="4059755660" sldId="2147483648"/>
-              <pc:sldLayoutMk cId="1517603845" sldId="2147483653"/>
-              <ac:spMk id="2" creationId="{C5F78EF1-B040-6964-8385-BBA5E27B458D}"/>
-            </ac:spMkLst>
-          </pc:spChg>
-          <pc:spChg chg="mod">
-            <ac:chgData name="Trung Nghia Nguyen" userId="caf0b1f78d203fdc" providerId="LiveId" clId="{FA98E611-7EE5-4D53-A8F6-A8478DA16B0D}" dt="2023-03-16T04:24:21.249" v="1"/>
-            <ac:spMkLst>
-              <pc:docMk/>
-              <pc:sldMasterMk cId="4059755660" sldId="2147483648"/>
-              <pc:sldLayoutMk cId="1517603845" sldId="2147483653"/>
-              <ac:spMk id="3" creationId="{9BB9E17E-7B1D-D9E9-ACF5-DD2926F88DE2}"/>
-            </ac:spMkLst>
-          </pc:spChg>
-          <pc:spChg chg="mod">
-            <ac:chgData name="Trung Nghia Nguyen" userId="caf0b1f78d203fdc" providerId="LiveId" clId="{FA98E611-7EE5-4D53-A8F6-A8478DA16B0D}" dt="2023-03-16T04:24:21.249" v="1"/>
-            <ac:spMkLst>
-              <pc:docMk/>
-              <pc:sldMasterMk cId="4059755660" sldId="2147483648"/>
-              <pc:sldLayoutMk cId="1517603845" sldId="2147483653"/>
-              <ac:spMk id="4" creationId="{ABC77E19-1971-1F1D-0A7C-268164BFA01B}"/>
-            </ac:spMkLst>
-          </pc:spChg>
-          <pc:spChg chg="mod">
-            <ac:chgData name="Trung Nghia Nguyen" userId="caf0b1f78d203fdc" providerId="LiveId" clId="{FA98E611-7EE5-4D53-A8F6-A8478DA16B0D}" dt="2023-03-16T04:24:21.249" v="1"/>
-            <ac:spMkLst>
-              <pc:docMk/>
-              <pc:sldMasterMk cId="4059755660" sldId="2147483648"/>
-              <pc:sldLayoutMk cId="1517603845" sldId="2147483653"/>
-              <ac:spMk id="5" creationId="{3B8E416E-2124-FC67-7AE6-86FCFD09DEAE}"/>
-            </ac:spMkLst>
-          </pc:spChg>
-          <pc:spChg chg="mod">
-            <ac:chgData name="Trung Nghia Nguyen" userId="caf0b1f78d203fdc" providerId="LiveId" clId="{FA98E611-7EE5-4D53-A8F6-A8478DA16B0D}" dt="2023-03-16T04:24:21.249" v="1"/>
-            <ac:spMkLst>
-              <pc:docMk/>
-              <pc:sldMasterMk cId="4059755660" sldId="2147483648"/>
-              <pc:sldLayoutMk cId="1517603845" sldId="2147483653"/>
-              <ac:spMk id="6" creationId="{F22134C3-4BF2-8D17-CF8C-E8DB924903F7}"/>
-            </ac:spMkLst>
-          </pc:spChg>
-        </pc:sldLayoutChg>
-        <pc:sldLayoutChg chg="modSp">
-          <pc:chgData name="Trung Nghia Nguyen" userId="caf0b1f78d203fdc" providerId="LiveId" clId="{FA98E611-7EE5-4D53-A8F6-A8478DA16B0D}" dt="2023-03-16T04:24:21.249" v="1"/>
-          <pc:sldLayoutMkLst>
-            <pc:docMk/>
-            <pc:sldMasterMk cId="4059755660" sldId="2147483648"/>
-            <pc:sldLayoutMk cId="3301296023" sldId="2147483656"/>
-          </pc:sldLayoutMkLst>
-          <pc:spChg chg="mod">
-            <ac:chgData name="Trung Nghia Nguyen" userId="caf0b1f78d203fdc" providerId="LiveId" clId="{FA98E611-7EE5-4D53-A8F6-A8478DA16B0D}" dt="2023-03-16T04:24:21.249" v="1"/>
-            <ac:spMkLst>
-              <pc:docMk/>
-              <pc:sldMasterMk cId="4059755660" sldId="2147483648"/>
-              <pc:sldLayoutMk cId="3301296023" sldId="2147483656"/>
-              <ac:spMk id="2" creationId="{A96F6EC6-3FE3-1206-8E59-B0A5CF424B7A}"/>
-            </ac:spMkLst>
-          </pc:spChg>
-          <pc:spChg chg="mod">
-            <ac:chgData name="Trung Nghia Nguyen" userId="caf0b1f78d203fdc" providerId="LiveId" clId="{FA98E611-7EE5-4D53-A8F6-A8478DA16B0D}" dt="2023-03-16T04:24:21.249" v="1"/>
-            <ac:spMkLst>
-              <pc:docMk/>
-              <pc:sldMasterMk cId="4059755660" sldId="2147483648"/>
-              <pc:sldLayoutMk cId="3301296023" sldId="2147483656"/>
-              <ac:spMk id="3" creationId="{A28537D4-31F1-0A4D-DC65-A500F2ADEE00}"/>
-            </ac:spMkLst>
-          </pc:spChg>
-          <pc:spChg chg="mod">
-            <ac:chgData name="Trung Nghia Nguyen" userId="caf0b1f78d203fdc" providerId="LiveId" clId="{FA98E611-7EE5-4D53-A8F6-A8478DA16B0D}" dt="2023-03-16T04:24:21.249" v="1"/>
-            <ac:spMkLst>
-              <pc:docMk/>
-              <pc:sldMasterMk cId="4059755660" sldId="2147483648"/>
-              <pc:sldLayoutMk cId="3301296023" sldId="2147483656"/>
-              <ac:spMk id="4" creationId="{3DB3F611-D57C-9F51-FA71-6A04464665EA}"/>
-            </ac:spMkLst>
-          </pc:spChg>
-        </pc:sldLayoutChg>
-        <pc:sldLayoutChg chg="modSp">
-          <pc:chgData name="Trung Nghia Nguyen" userId="caf0b1f78d203fdc" providerId="LiveId" clId="{FA98E611-7EE5-4D53-A8F6-A8478DA16B0D}" dt="2023-03-16T04:24:21.249" v="1"/>
-          <pc:sldLayoutMkLst>
-            <pc:docMk/>
-            <pc:sldMasterMk cId="4059755660" sldId="2147483648"/>
-            <pc:sldLayoutMk cId="3980980981" sldId="2147483657"/>
-          </pc:sldLayoutMkLst>
-          <pc:spChg chg="mod">
-            <ac:chgData name="Trung Nghia Nguyen" userId="caf0b1f78d203fdc" providerId="LiveId" clId="{FA98E611-7EE5-4D53-A8F6-A8478DA16B0D}" dt="2023-03-16T04:24:21.249" v="1"/>
-            <ac:spMkLst>
-              <pc:docMk/>
-              <pc:sldMasterMk cId="4059755660" sldId="2147483648"/>
-              <pc:sldLayoutMk cId="3980980981" sldId="2147483657"/>
-              <ac:spMk id="2" creationId="{237D36DA-64FB-D642-7030-6BAFE4855757}"/>
-            </ac:spMkLst>
-          </pc:spChg>
-          <pc:spChg chg="mod">
-            <ac:chgData name="Trung Nghia Nguyen" userId="caf0b1f78d203fdc" providerId="LiveId" clId="{FA98E611-7EE5-4D53-A8F6-A8478DA16B0D}" dt="2023-03-16T04:24:21.249" v="1"/>
-            <ac:spMkLst>
-              <pc:docMk/>
-              <pc:sldMasterMk cId="4059755660" sldId="2147483648"/>
-              <pc:sldLayoutMk cId="3980980981" sldId="2147483657"/>
-              <ac:spMk id="3" creationId="{7052E064-3192-1887-F10B-CCCDA53B2E03}"/>
-            </ac:spMkLst>
-          </pc:spChg>
-          <pc:spChg chg="mod">
-            <ac:chgData name="Trung Nghia Nguyen" userId="caf0b1f78d203fdc" providerId="LiveId" clId="{FA98E611-7EE5-4D53-A8F6-A8478DA16B0D}" dt="2023-03-16T04:24:21.249" v="1"/>
-            <ac:spMkLst>
-              <pc:docMk/>
-              <pc:sldMasterMk cId="4059755660" sldId="2147483648"/>
-              <pc:sldLayoutMk cId="3980980981" sldId="2147483657"/>
-              <ac:spMk id="4" creationId="{11E68653-7C97-A908-78F8-3277CAB88A52}"/>
-            </ac:spMkLst>
-          </pc:spChg>
-        </pc:sldLayoutChg>
-        <pc:sldLayoutChg chg="modSp">
-          <pc:chgData name="Trung Nghia Nguyen" userId="caf0b1f78d203fdc" providerId="LiveId" clId="{FA98E611-7EE5-4D53-A8F6-A8478DA16B0D}" dt="2023-03-16T04:24:21.249" v="1"/>
-          <pc:sldLayoutMkLst>
-            <pc:docMk/>
-            <pc:sldMasterMk cId="4059755660" sldId="2147483648"/>
-            <pc:sldLayoutMk cId="2276858793" sldId="2147483659"/>
-          </pc:sldLayoutMkLst>
-          <pc:spChg chg="mod">
-            <ac:chgData name="Trung Nghia Nguyen" userId="caf0b1f78d203fdc" providerId="LiveId" clId="{FA98E611-7EE5-4D53-A8F6-A8478DA16B0D}" dt="2023-03-16T04:24:21.249" v="1"/>
-            <ac:spMkLst>
-              <pc:docMk/>
-              <pc:sldMasterMk cId="4059755660" sldId="2147483648"/>
-              <pc:sldLayoutMk cId="2276858793" sldId="2147483659"/>
-              <ac:spMk id="2" creationId="{10440481-0CE0-EA81-540D-672738586412}"/>
-            </ac:spMkLst>
-          </pc:spChg>
-          <pc:spChg chg="mod">
-            <ac:chgData name="Trung Nghia Nguyen" userId="caf0b1f78d203fdc" providerId="LiveId" clId="{FA98E611-7EE5-4D53-A8F6-A8478DA16B0D}" dt="2023-03-16T04:24:21.249" v="1"/>
-            <ac:spMkLst>
-              <pc:docMk/>
-              <pc:sldMasterMk cId="4059755660" sldId="2147483648"/>
-              <pc:sldLayoutMk cId="2276858793" sldId="2147483659"/>
-              <ac:spMk id="3" creationId="{F22739C1-3E12-8ACB-2068-84CC6DC2726A}"/>
-            </ac:spMkLst>
-          </pc:spChg>
-        </pc:sldLayoutChg>
-      </pc:sldMasterChg>
-    </pc:docChg>
-  </pc:docChgLst>
-  <pc:docChgLst>
     <pc:chgData name="Trung Nghia Nguyen" userId="caf0b1f78d203fdc" providerId="LiveId" clId="{74A72D27-0F29-4AD9-985B-1D7512F86603}"/>
     <pc:docChg chg="undo redo custSel addSld delSld modSld sldOrd">
       <pc:chgData name="Trung Nghia Nguyen" userId="caf0b1f78d203fdc" providerId="LiveId" clId="{74A72D27-0F29-4AD9-985B-1D7512F86603}" dt="2023-04-12T02:11:12.031" v="2203" actId="20577"/>
@@ -3307,6 +1262,2051 @@
       </pc:sldChg>
     </pc:docChg>
   </pc:docChgLst>
+  <pc:docChgLst>
+    <pc:chgData name="Trung Nghia Nguyen" userId="caf0b1f78d203fdc" providerId="LiveId" clId="{FA98E611-7EE5-4D53-A8F6-A8478DA16B0D}"/>
+    <pc:docChg chg="undo custSel addSld delSld modSld sldOrd modMainMaster modNotesMaster">
+      <pc:chgData name="Trung Nghia Nguyen" userId="caf0b1f78d203fdc" providerId="LiveId" clId="{FA98E611-7EE5-4D53-A8F6-A8478DA16B0D}" dt="2023-03-20T07:19:32.351" v="7035" actId="20577"/>
+      <pc:docMkLst>
+        <pc:docMk/>
+      </pc:docMkLst>
+      <pc:sldChg chg="addSp delSp modSp new mod">
+        <pc:chgData name="Trung Nghia Nguyen" userId="caf0b1f78d203fdc" providerId="LiveId" clId="{FA98E611-7EE5-4D53-A8F6-A8478DA16B0D}" dt="2023-03-20T02:03:15.660" v="4804" actId="20577"/>
+        <pc:sldMkLst>
+          <pc:docMk/>
+          <pc:sldMk cId="779292092" sldId="256"/>
+        </pc:sldMkLst>
+        <pc:spChg chg="del mod">
+          <ac:chgData name="Trung Nghia Nguyen" userId="caf0b1f78d203fdc" providerId="LiveId" clId="{FA98E611-7EE5-4D53-A8F6-A8478DA16B0D}" dt="2023-03-16T04:25:31.003" v="2" actId="478"/>
+          <ac:spMkLst>
+            <pc:docMk/>
+            <pc:sldMk cId="779292092" sldId="256"/>
+            <ac:spMk id="2" creationId="{A117D592-65D1-FEB2-AB2A-1197CEC1533A}"/>
+          </ac:spMkLst>
+        </pc:spChg>
+        <pc:spChg chg="del mod">
+          <ac:chgData name="Trung Nghia Nguyen" userId="caf0b1f78d203fdc" providerId="LiveId" clId="{FA98E611-7EE5-4D53-A8F6-A8478DA16B0D}" dt="2023-03-16T04:26:30.339" v="75"/>
+          <ac:spMkLst>
+            <pc:docMk/>
+            <pc:sldMk cId="779292092" sldId="256"/>
+            <ac:spMk id="3" creationId="{10CEF238-71AF-8F0B-FAB7-5FB7BE0C6241}"/>
+          </ac:spMkLst>
+        </pc:spChg>
+        <pc:spChg chg="add mod">
+          <ac:chgData name="Trung Nghia Nguyen" userId="caf0b1f78d203fdc" providerId="LiveId" clId="{FA98E611-7EE5-4D53-A8F6-A8478DA16B0D}" dt="2023-03-19T19:41:39.395" v="4557" actId="20577"/>
+          <ac:spMkLst>
+            <pc:docMk/>
+            <pc:sldMk cId="779292092" sldId="256"/>
+            <ac:spMk id="3" creationId="{96D15035-7BD4-17B1-61CC-73A16FAB9E8C}"/>
+          </ac:spMkLst>
+        </pc:spChg>
+        <pc:spChg chg="add del mod">
+          <ac:chgData name="Trung Nghia Nguyen" userId="caf0b1f78d203fdc" providerId="LiveId" clId="{FA98E611-7EE5-4D53-A8F6-A8478DA16B0D}" dt="2023-03-16T04:26:33.737" v="76" actId="478"/>
+          <ac:spMkLst>
+            <pc:docMk/>
+            <pc:sldMk cId="779292092" sldId="256"/>
+            <ac:spMk id="4" creationId="{D3541119-F88B-63E0-D9CB-1FBA398AF2C2}"/>
+          </ac:spMkLst>
+        </pc:spChg>
+        <pc:spChg chg="add del mod">
+          <ac:chgData name="Trung Nghia Nguyen" userId="caf0b1f78d203fdc" providerId="LiveId" clId="{FA98E611-7EE5-4D53-A8F6-A8478DA16B0D}" dt="2023-03-16T04:26:41.747" v="80" actId="478"/>
+          <ac:spMkLst>
+            <pc:docMk/>
+            <pc:sldMk cId="779292092" sldId="256"/>
+            <ac:spMk id="5" creationId="{ABA30120-0E89-CD7C-399C-36E8D45B427C}"/>
+          </ac:spMkLst>
+        </pc:spChg>
+        <pc:spChg chg="add del mod">
+          <ac:chgData name="Trung Nghia Nguyen" userId="caf0b1f78d203fdc" providerId="LiveId" clId="{FA98E611-7EE5-4D53-A8F6-A8478DA16B0D}" dt="2023-03-16T04:27:22.442" v="90"/>
+          <ac:spMkLst>
+            <pc:docMk/>
+            <pc:sldMk cId="779292092" sldId="256"/>
+            <ac:spMk id="6" creationId="{AAB06E32-4593-8D4D-C74D-CF8D31363477}"/>
+          </ac:spMkLst>
+        </pc:spChg>
+        <pc:spChg chg="add del">
+          <ac:chgData name="Trung Nghia Nguyen" userId="caf0b1f78d203fdc" providerId="LiveId" clId="{FA98E611-7EE5-4D53-A8F6-A8478DA16B0D}" dt="2023-03-16T04:27:09.227" v="84" actId="22"/>
+          <ac:spMkLst>
+            <pc:docMk/>
+            <pc:sldMk cId="779292092" sldId="256"/>
+            <ac:spMk id="8" creationId="{AA71866C-55AA-CB05-D180-FE98E4673862}"/>
+          </ac:spMkLst>
+        </pc:spChg>
+        <pc:spChg chg="add del mod">
+          <ac:chgData name="Trung Nghia Nguyen" userId="caf0b1f78d203fdc" providerId="LiveId" clId="{FA98E611-7EE5-4D53-A8F6-A8478DA16B0D}" dt="2023-03-16T04:27:21.819" v="88"/>
+          <ac:spMkLst>
+            <pc:docMk/>
+            <pc:sldMk cId="779292092" sldId="256"/>
+            <ac:spMk id="9" creationId="{BF2B2450-A3A7-8C9F-A35B-E45EC50B2722}"/>
+          </ac:spMkLst>
+        </pc:spChg>
+        <pc:spChg chg="add mod">
+          <ac:chgData name="Trung Nghia Nguyen" userId="caf0b1f78d203fdc" providerId="LiveId" clId="{FA98E611-7EE5-4D53-A8F6-A8478DA16B0D}" dt="2023-03-16T05:56:31.363" v="885" actId="20577"/>
+          <ac:spMkLst>
+            <pc:docMk/>
+            <pc:sldMk cId="779292092" sldId="256"/>
+            <ac:spMk id="14" creationId="{63B4AB36-B54A-EA5C-2A74-F2C80BE0CBC4}"/>
+          </ac:spMkLst>
+        </pc:spChg>
+        <pc:spChg chg="add del mod">
+          <ac:chgData name="Trung Nghia Nguyen" userId="caf0b1f78d203fdc" providerId="LiveId" clId="{FA98E611-7EE5-4D53-A8F6-A8478DA16B0D}" dt="2023-03-16T05:56:37.340" v="886" actId="478"/>
+          <ac:spMkLst>
+            <pc:docMk/>
+            <pc:sldMk cId="779292092" sldId="256"/>
+            <ac:spMk id="15" creationId="{17843FAC-3233-9FA3-6096-5E9BE746F288}"/>
+          </ac:spMkLst>
+        </pc:spChg>
+        <pc:graphicFrameChg chg="add mod modGraphic">
+          <ac:chgData name="Trung Nghia Nguyen" userId="caf0b1f78d203fdc" providerId="LiveId" clId="{FA98E611-7EE5-4D53-A8F6-A8478DA16B0D}" dt="2023-03-20T02:03:15.660" v="4804" actId="20577"/>
+          <ac:graphicFrameMkLst>
+            <pc:docMk/>
+            <pc:sldMk cId="779292092" sldId="256"/>
+            <ac:graphicFrameMk id="16" creationId="{A794B221-780B-3E0D-DCDE-B4B669AD1AE3}"/>
+          </ac:graphicFrameMkLst>
+        </pc:graphicFrameChg>
+        <pc:picChg chg="add mod">
+          <ac:chgData name="Trung Nghia Nguyen" userId="caf0b1f78d203fdc" providerId="LiveId" clId="{FA98E611-7EE5-4D53-A8F6-A8478DA16B0D}" dt="2023-03-16T04:28:13.628" v="97" actId="1076"/>
+          <ac:picMkLst>
+            <pc:docMk/>
+            <pc:sldMk cId="779292092" sldId="256"/>
+            <ac:picMk id="1034" creationId="{6F72484C-A752-76F3-F259-0A997B815A00}"/>
+          </ac:picMkLst>
+        </pc:picChg>
+        <pc:cxnChg chg="add mod">
+          <ac:chgData name="Trung Nghia Nguyen" userId="caf0b1f78d203fdc" providerId="LiveId" clId="{FA98E611-7EE5-4D53-A8F6-A8478DA16B0D}" dt="2023-03-17T04:37:52.245" v="3021"/>
+          <ac:cxnSpMkLst>
+            <pc:docMk/>
+            <pc:sldMk cId="779292092" sldId="256"/>
+            <ac:cxnSpMk id="2" creationId="{D5E91735-6F4E-1EBB-5B25-60BB71493CFD}"/>
+          </ac:cxnSpMkLst>
+        </pc:cxnChg>
+        <pc:cxnChg chg="add mod">
+          <ac:chgData name="Trung Nghia Nguyen" userId="caf0b1f78d203fdc" providerId="LiveId" clId="{FA98E611-7EE5-4D53-A8F6-A8478DA16B0D}" dt="2023-03-16T04:29:23.337" v="100" actId="14100"/>
+          <ac:cxnSpMkLst>
+            <pc:docMk/>
+            <pc:sldMk cId="779292092" sldId="256"/>
+            <ac:cxnSpMk id="11" creationId="{E5C4A229-E185-5A4B-53B1-81D591292671}"/>
+          </ac:cxnSpMkLst>
+        </pc:cxnChg>
+      </pc:sldChg>
+      <pc:sldChg chg="addSp modSp add mod ord">
+        <pc:chgData name="Trung Nghia Nguyen" userId="caf0b1f78d203fdc" providerId="LiveId" clId="{FA98E611-7EE5-4D53-A8F6-A8478DA16B0D}" dt="2023-03-20T02:02:08.352" v="4784" actId="20577"/>
+        <pc:sldMkLst>
+          <pc:docMk/>
+          <pc:sldMk cId="502051408" sldId="257"/>
+        </pc:sldMkLst>
+        <pc:spChg chg="add mod">
+          <ac:chgData name="Trung Nghia Nguyen" userId="caf0b1f78d203fdc" providerId="LiveId" clId="{FA98E611-7EE5-4D53-A8F6-A8478DA16B0D}" dt="2023-03-17T04:37:41.303" v="3019" actId="14100"/>
+          <ac:spMkLst>
+            <pc:docMk/>
+            <pc:sldMk cId="502051408" sldId="257"/>
+            <ac:spMk id="4" creationId="{A7C6B5DE-252A-6692-B1E6-C658AB98BEE6}"/>
+          </ac:spMkLst>
+        </pc:spChg>
+        <pc:spChg chg="mod">
+          <ac:chgData name="Trung Nghia Nguyen" userId="caf0b1f78d203fdc" providerId="LiveId" clId="{FA98E611-7EE5-4D53-A8F6-A8478DA16B0D}" dt="2023-03-19T20:01:49.324" v="4626" actId="14100"/>
+          <ac:spMkLst>
+            <pc:docMk/>
+            <pc:sldMk cId="502051408" sldId="257"/>
+            <ac:spMk id="14" creationId="{63B4AB36-B54A-EA5C-2A74-F2C80BE0CBC4}"/>
+          </ac:spMkLst>
+        </pc:spChg>
+        <pc:graphicFrameChg chg="mod modGraphic">
+          <ac:chgData name="Trung Nghia Nguyen" userId="caf0b1f78d203fdc" providerId="LiveId" clId="{FA98E611-7EE5-4D53-A8F6-A8478DA16B0D}" dt="2023-03-20T02:02:08.352" v="4784" actId="20577"/>
+          <ac:graphicFrameMkLst>
+            <pc:docMk/>
+            <pc:sldMk cId="502051408" sldId="257"/>
+            <ac:graphicFrameMk id="16" creationId="{A794B221-780B-3E0D-DCDE-B4B669AD1AE3}"/>
+          </ac:graphicFrameMkLst>
+        </pc:graphicFrameChg>
+        <pc:cxnChg chg="add mod">
+          <ac:chgData name="Trung Nghia Nguyen" userId="caf0b1f78d203fdc" providerId="LiveId" clId="{FA98E611-7EE5-4D53-A8F6-A8478DA16B0D}" dt="2023-03-17T04:37:47.645" v="3020" actId="14100"/>
+          <ac:cxnSpMkLst>
+            <pc:docMk/>
+            <pc:sldMk cId="502051408" sldId="257"/>
+            <ac:cxnSpMk id="2" creationId="{0193EF83-1ED7-DCBA-7737-4EE3F208EA17}"/>
+          </ac:cxnSpMkLst>
+        </pc:cxnChg>
+      </pc:sldChg>
+      <pc:sldChg chg="addSp delSp modSp add mod">
+        <pc:chgData name="Trung Nghia Nguyen" userId="caf0b1f78d203fdc" providerId="LiveId" clId="{FA98E611-7EE5-4D53-A8F6-A8478DA16B0D}" dt="2023-03-19T20:07:36.464" v="4782" actId="1076"/>
+        <pc:sldMkLst>
+          <pc:docMk/>
+          <pc:sldMk cId="3011248427" sldId="258"/>
+        </pc:sldMkLst>
+        <pc:spChg chg="add del mod">
+          <ac:chgData name="Trung Nghia Nguyen" userId="caf0b1f78d203fdc" providerId="LiveId" clId="{FA98E611-7EE5-4D53-A8F6-A8478DA16B0D}" dt="2023-03-17T04:38:56.233" v="3046" actId="478"/>
+          <ac:spMkLst>
+            <pc:docMk/>
+            <pc:sldMk cId="3011248427" sldId="258"/>
+            <ac:spMk id="3" creationId="{00103708-BF71-4028-9F2C-BCD6FC6E2BB3}"/>
+          </ac:spMkLst>
+        </pc:spChg>
+        <pc:spChg chg="add mod">
+          <ac:chgData name="Trung Nghia Nguyen" userId="caf0b1f78d203fdc" providerId="LiveId" clId="{FA98E611-7EE5-4D53-A8F6-A8478DA16B0D}" dt="2023-03-19T20:07:36.464" v="4782" actId="1076"/>
+          <ac:spMkLst>
+            <pc:docMk/>
+            <pc:sldMk cId="3011248427" sldId="258"/>
+            <ac:spMk id="3" creationId="{56C3DF9C-2FEB-EE52-21A1-DBBB2454EA38}"/>
+          </ac:spMkLst>
+        </pc:spChg>
+        <pc:spChg chg="add mod">
+          <ac:chgData name="Trung Nghia Nguyen" userId="caf0b1f78d203fdc" providerId="LiveId" clId="{FA98E611-7EE5-4D53-A8F6-A8478DA16B0D}" dt="2023-03-19T19:41:48.869" v="4561" actId="20577"/>
+          <ac:spMkLst>
+            <pc:docMk/>
+            <pc:sldMk cId="3011248427" sldId="258"/>
+            <ac:spMk id="4" creationId="{11342279-3B1B-9555-FD5C-CA3839B3D029}"/>
+          </ac:spMkLst>
+        </pc:spChg>
+        <pc:spChg chg="mod">
+          <ac:chgData name="Trung Nghia Nguyen" userId="caf0b1f78d203fdc" providerId="LiveId" clId="{FA98E611-7EE5-4D53-A8F6-A8478DA16B0D}" dt="2023-03-16T06:01:33.515" v="1032" actId="20577"/>
+          <ac:spMkLst>
+            <pc:docMk/>
+            <pc:sldMk cId="3011248427" sldId="258"/>
+            <ac:spMk id="14" creationId="{63B4AB36-B54A-EA5C-2A74-F2C80BE0CBC4}"/>
+          </ac:spMkLst>
+        </pc:spChg>
+        <pc:graphicFrameChg chg="mod modGraphic">
+          <ac:chgData name="Trung Nghia Nguyen" userId="caf0b1f78d203fdc" providerId="LiveId" clId="{FA98E611-7EE5-4D53-A8F6-A8478DA16B0D}" dt="2023-03-19T19:23:41.611" v="4269" actId="2711"/>
+          <ac:graphicFrameMkLst>
+            <pc:docMk/>
+            <pc:sldMk cId="3011248427" sldId="258"/>
+            <ac:graphicFrameMk id="16" creationId="{A794B221-780B-3E0D-DCDE-B4B669AD1AE3}"/>
+          </ac:graphicFrameMkLst>
+        </pc:graphicFrameChg>
+        <pc:cxnChg chg="add mod">
+          <ac:chgData name="Trung Nghia Nguyen" userId="caf0b1f78d203fdc" providerId="LiveId" clId="{FA98E611-7EE5-4D53-A8F6-A8478DA16B0D}" dt="2023-03-17T04:37:55.646" v="3023"/>
+          <ac:cxnSpMkLst>
+            <pc:docMk/>
+            <pc:sldMk cId="3011248427" sldId="258"/>
+            <ac:cxnSpMk id="2" creationId="{AF3ADEA5-03F2-7E56-B6E6-8B6970A896CF}"/>
+          </ac:cxnSpMkLst>
+        </pc:cxnChg>
+      </pc:sldChg>
+      <pc:sldChg chg="addSp delSp modSp add mod">
+        <pc:chgData name="Trung Nghia Nguyen" userId="caf0b1f78d203fdc" providerId="LiveId" clId="{FA98E611-7EE5-4D53-A8F6-A8478DA16B0D}" dt="2023-03-20T06:30:07.305" v="4932" actId="1076"/>
+        <pc:sldMkLst>
+          <pc:docMk/>
+          <pc:sldMk cId="4019893558" sldId="259"/>
+        </pc:sldMkLst>
+        <pc:spChg chg="add mod">
+          <ac:chgData name="Trung Nghia Nguyen" userId="caf0b1f78d203fdc" providerId="LiveId" clId="{FA98E611-7EE5-4D53-A8F6-A8478DA16B0D}" dt="2023-03-16T06:06:38.899" v="1143" actId="114"/>
+          <ac:spMkLst>
+            <pc:docMk/>
+            <pc:sldMk cId="4019893558" sldId="259"/>
+            <ac:spMk id="2" creationId="{30380714-4CD2-9849-80A6-8AC66F97DA6F}"/>
+          </ac:spMkLst>
+        </pc:spChg>
+        <pc:spChg chg="add del mod">
+          <ac:chgData name="Trung Nghia Nguyen" userId="caf0b1f78d203fdc" providerId="LiveId" clId="{FA98E611-7EE5-4D53-A8F6-A8478DA16B0D}" dt="2023-03-17T04:38:59.674" v="3048" actId="478"/>
+          <ac:spMkLst>
+            <pc:docMk/>
+            <pc:sldMk cId="4019893558" sldId="259"/>
+            <ac:spMk id="4" creationId="{E6731AC8-6FBB-04D3-C8AD-D910046055D9}"/>
+          </ac:spMkLst>
+        </pc:spChg>
+        <pc:spChg chg="add mod">
+          <ac:chgData name="Trung Nghia Nguyen" userId="caf0b1f78d203fdc" providerId="LiveId" clId="{FA98E611-7EE5-4D53-A8F6-A8478DA16B0D}" dt="2023-03-19T19:41:52.701" v="4563" actId="20577"/>
+          <ac:spMkLst>
+            <pc:docMk/>
+            <pc:sldMk cId="4019893558" sldId="259"/>
+            <ac:spMk id="5" creationId="{38B62299-A944-8252-B1CB-882A15417931}"/>
+          </ac:spMkLst>
+        </pc:spChg>
+        <pc:spChg chg="add mod">
+          <ac:chgData name="Trung Nghia Nguyen" userId="caf0b1f78d203fdc" providerId="LiveId" clId="{FA98E611-7EE5-4D53-A8F6-A8478DA16B0D}" dt="2023-03-20T06:30:07.305" v="4932" actId="1076"/>
+          <ac:spMkLst>
+            <pc:docMk/>
+            <pc:sldMk cId="4019893558" sldId="259"/>
+            <ac:spMk id="8" creationId="{734BE0A0-109F-5738-2B5A-12B232A6A7ED}"/>
+          </ac:spMkLst>
+        </pc:spChg>
+        <pc:spChg chg="mod">
+          <ac:chgData name="Trung Nghia Nguyen" userId="caf0b1f78d203fdc" providerId="LiveId" clId="{FA98E611-7EE5-4D53-A8F6-A8478DA16B0D}" dt="2023-03-16T06:05:39.139" v="1113" actId="20577"/>
+          <ac:spMkLst>
+            <pc:docMk/>
+            <pc:sldMk cId="4019893558" sldId="259"/>
+            <ac:spMk id="14" creationId="{63B4AB36-B54A-EA5C-2A74-F2C80BE0CBC4}"/>
+          </ac:spMkLst>
+        </pc:spChg>
+        <pc:graphicFrameChg chg="del">
+          <ac:chgData name="Trung Nghia Nguyen" userId="caf0b1f78d203fdc" providerId="LiveId" clId="{FA98E611-7EE5-4D53-A8F6-A8478DA16B0D}" dt="2023-03-16T06:05:53.385" v="1114" actId="478"/>
+          <ac:graphicFrameMkLst>
+            <pc:docMk/>
+            <pc:sldMk cId="4019893558" sldId="259"/>
+            <ac:graphicFrameMk id="16" creationId="{A794B221-780B-3E0D-DCDE-B4B669AD1AE3}"/>
+          </ac:graphicFrameMkLst>
+        </pc:graphicFrameChg>
+        <pc:picChg chg="add">
+          <ac:chgData name="Trung Nghia Nguyen" userId="caf0b1f78d203fdc" providerId="LiveId" clId="{FA98E611-7EE5-4D53-A8F6-A8478DA16B0D}" dt="2023-03-20T06:29:17.630" v="4858" actId="22"/>
+          <ac:picMkLst>
+            <pc:docMk/>
+            <pc:sldMk cId="4019893558" sldId="259"/>
+            <ac:picMk id="6" creationId="{43B774FE-5094-7AB3-83D9-57A0DF7FF1F6}"/>
+          </ac:picMkLst>
+        </pc:picChg>
+        <pc:picChg chg="add del mod">
+          <ac:chgData name="Trung Nghia Nguyen" userId="caf0b1f78d203fdc" providerId="LiveId" clId="{FA98E611-7EE5-4D53-A8F6-A8478DA16B0D}" dt="2023-03-20T06:29:17.174" v="4857" actId="478"/>
+          <ac:picMkLst>
+            <pc:docMk/>
+            <pc:sldMk cId="4019893558" sldId="259"/>
+            <ac:picMk id="7" creationId="{69D8DC54-039D-02F5-CE7D-B44993CE410C}"/>
+          </ac:picMkLst>
+        </pc:picChg>
+        <pc:cxnChg chg="add mod">
+          <ac:chgData name="Trung Nghia Nguyen" userId="caf0b1f78d203fdc" providerId="LiveId" clId="{FA98E611-7EE5-4D53-A8F6-A8478DA16B0D}" dt="2023-03-17T04:37:56.935" v="3024"/>
+          <ac:cxnSpMkLst>
+            <pc:docMk/>
+            <pc:sldMk cId="4019893558" sldId="259"/>
+            <ac:cxnSpMk id="3" creationId="{9B5848A5-3C88-A3DF-9B0B-60160834435A}"/>
+          </ac:cxnSpMkLst>
+        </pc:cxnChg>
+      </pc:sldChg>
+      <pc:sldChg chg="addSp delSp modSp add mod">
+        <pc:chgData name="Trung Nghia Nguyen" userId="caf0b1f78d203fdc" providerId="LiveId" clId="{FA98E611-7EE5-4D53-A8F6-A8478DA16B0D}" dt="2023-03-20T06:32:28.380" v="4981" actId="22"/>
+        <pc:sldMkLst>
+          <pc:docMk/>
+          <pc:sldMk cId="3474282668" sldId="260"/>
+        </pc:sldMkLst>
+        <pc:spChg chg="mod">
+          <ac:chgData name="Trung Nghia Nguyen" userId="caf0b1f78d203fdc" providerId="LiveId" clId="{FA98E611-7EE5-4D53-A8F6-A8478DA16B0D}" dt="2023-03-16T06:07:58.268" v="1156" actId="20577"/>
+          <ac:spMkLst>
+            <pc:docMk/>
+            <pc:sldMk cId="3474282668" sldId="260"/>
+            <ac:spMk id="2" creationId="{30380714-4CD2-9849-80A6-8AC66F97DA6F}"/>
+          </ac:spMkLst>
+        </pc:spChg>
+        <pc:spChg chg="add mod">
+          <ac:chgData name="Trung Nghia Nguyen" userId="caf0b1f78d203fdc" providerId="LiveId" clId="{FA98E611-7EE5-4D53-A8F6-A8478DA16B0D}" dt="2023-03-20T06:32:27.935" v="4980" actId="1076"/>
+          <ac:spMkLst>
+            <pc:docMk/>
+            <pc:sldMk cId="3474282668" sldId="260"/>
+            <ac:spMk id="4" creationId="{9431821D-6D7D-E062-A69A-509104FD42F8}"/>
+          </ac:spMkLst>
+        </pc:spChg>
+        <pc:spChg chg="add del mod">
+          <ac:chgData name="Trung Nghia Nguyen" userId="caf0b1f78d203fdc" providerId="LiveId" clId="{FA98E611-7EE5-4D53-A8F6-A8478DA16B0D}" dt="2023-03-17T04:39:14.883" v="3056" actId="478"/>
+          <ac:spMkLst>
+            <pc:docMk/>
+            <pc:sldMk cId="3474282668" sldId="260"/>
+            <ac:spMk id="4" creationId="{F90D0244-90F2-3218-C4A1-606B763A06C7}"/>
+          </ac:spMkLst>
+        </pc:spChg>
+        <pc:spChg chg="add mod">
+          <ac:chgData name="Trung Nghia Nguyen" userId="caf0b1f78d203fdc" providerId="LiveId" clId="{FA98E611-7EE5-4D53-A8F6-A8478DA16B0D}" dt="2023-03-19T19:42:28.957" v="4575" actId="20577"/>
+          <ac:spMkLst>
+            <pc:docMk/>
+            <pc:sldMk cId="3474282668" sldId="260"/>
+            <ac:spMk id="5" creationId="{4560C39D-ACC4-FD53-200A-C206C7FACCF7}"/>
+          </ac:spMkLst>
+        </pc:spChg>
+        <pc:picChg chg="add">
+          <ac:chgData name="Trung Nghia Nguyen" userId="caf0b1f78d203fdc" providerId="LiveId" clId="{FA98E611-7EE5-4D53-A8F6-A8478DA16B0D}" dt="2023-03-20T06:32:28.380" v="4981" actId="22"/>
+          <ac:picMkLst>
+            <pc:docMk/>
+            <pc:sldMk cId="3474282668" sldId="260"/>
+            <ac:picMk id="7" creationId="{0A013844-F359-90BA-AFE5-5A4E0F02079B}"/>
+          </ac:picMkLst>
+        </pc:picChg>
+        <pc:cxnChg chg="add mod">
+          <ac:chgData name="Trung Nghia Nguyen" userId="caf0b1f78d203fdc" providerId="LiveId" clId="{FA98E611-7EE5-4D53-A8F6-A8478DA16B0D}" dt="2023-03-17T04:38:03.135" v="3028"/>
+          <ac:cxnSpMkLst>
+            <pc:docMk/>
+            <pc:sldMk cId="3474282668" sldId="260"/>
+            <ac:cxnSpMk id="3" creationId="{A678CC92-2ECC-6731-44B3-E00C5607B1AE}"/>
+          </ac:cxnSpMkLst>
+        </pc:cxnChg>
+      </pc:sldChg>
+      <pc:sldChg chg="addSp delSp modSp add mod">
+        <pc:chgData name="Trung Nghia Nguyen" userId="caf0b1f78d203fdc" providerId="LiveId" clId="{FA98E611-7EE5-4D53-A8F6-A8478DA16B0D}" dt="2023-03-20T06:36:55.797" v="5214" actId="20577"/>
+        <pc:sldMkLst>
+          <pc:docMk/>
+          <pc:sldMk cId="2176878142" sldId="261"/>
+        </pc:sldMkLst>
+        <pc:spChg chg="mod">
+          <ac:chgData name="Trung Nghia Nguyen" userId="caf0b1f78d203fdc" providerId="LiveId" clId="{FA98E611-7EE5-4D53-A8F6-A8478DA16B0D}" dt="2023-03-16T06:07:54.573" v="1154" actId="20577"/>
+          <ac:spMkLst>
+            <pc:docMk/>
+            <pc:sldMk cId="2176878142" sldId="261"/>
+            <ac:spMk id="2" creationId="{30380714-4CD2-9849-80A6-8AC66F97DA6F}"/>
+          </ac:spMkLst>
+        </pc:spChg>
+        <pc:spChg chg="add del mod">
+          <ac:chgData name="Trung Nghia Nguyen" userId="caf0b1f78d203fdc" providerId="LiveId" clId="{FA98E611-7EE5-4D53-A8F6-A8478DA16B0D}" dt="2023-03-17T04:39:11.371" v="3054" actId="478"/>
+          <ac:spMkLst>
+            <pc:docMk/>
+            <pc:sldMk cId="2176878142" sldId="261"/>
+            <ac:spMk id="4" creationId="{79A4E201-0F99-95ED-5D57-A5ADBCE00A7E}"/>
+          </ac:spMkLst>
+        </pc:spChg>
+        <pc:spChg chg="add mod">
+          <ac:chgData name="Trung Nghia Nguyen" userId="caf0b1f78d203fdc" providerId="LiveId" clId="{FA98E611-7EE5-4D53-A8F6-A8478DA16B0D}" dt="2023-03-19T19:42:25.521" v="4574" actId="20577"/>
+          <ac:spMkLst>
+            <pc:docMk/>
+            <pc:sldMk cId="2176878142" sldId="261"/>
+            <ac:spMk id="5" creationId="{773F5182-C15F-B8A2-79A6-98CC56113930}"/>
+          </ac:spMkLst>
+        </pc:spChg>
+        <pc:spChg chg="add mod">
+          <ac:chgData name="Trung Nghia Nguyen" userId="caf0b1f78d203fdc" providerId="LiveId" clId="{FA98E611-7EE5-4D53-A8F6-A8478DA16B0D}" dt="2023-03-20T06:36:55.797" v="5214" actId="20577"/>
+          <ac:spMkLst>
+            <pc:docMk/>
+            <pc:sldMk cId="2176878142" sldId="261"/>
+            <ac:spMk id="9" creationId="{F533BA89-8B09-1895-6FE7-F00314F0528E}"/>
+          </ac:spMkLst>
+        </pc:spChg>
+        <pc:picChg chg="add del mod">
+          <ac:chgData name="Trung Nghia Nguyen" userId="caf0b1f78d203fdc" providerId="LiveId" clId="{FA98E611-7EE5-4D53-A8F6-A8478DA16B0D}" dt="2023-03-20T06:33:26.107" v="4982" actId="478"/>
+          <ac:picMkLst>
+            <pc:docMk/>
+            <pc:sldMk cId="2176878142" sldId="261"/>
+            <ac:picMk id="6" creationId="{DBB75A3D-9236-0F32-4DB3-8640590F658C}"/>
+          </ac:picMkLst>
+        </pc:picChg>
+        <pc:picChg chg="add mod">
+          <ac:chgData name="Trung Nghia Nguyen" userId="caf0b1f78d203fdc" providerId="LiveId" clId="{FA98E611-7EE5-4D53-A8F6-A8478DA16B0D}" dt="2023-03-20T06:36:32.318" v="5141" actId="1076"/>
+          <ac:picMkLst>
+            <pc:docMk/>
+            <pc:sldMk cId="2176878142" sldId="261"/>
+            <ac:picMk id="7" creationId="{5878CDCA-64F5-3710-E232-035E68B469AA}"/>
+          </ac:picMkLst>
+        </pc:picChg>
+        <pc:picChg chg="add mod">
+          <ac:chgData name="Trung Nghia Nguyen" userId="caf0b1f78d203fdc" providerId="LiveId" clId="{FA98E611-7EE5-4D53-A8F6-A8478DA16B0D}" dt="2023-03-18T18:02:27.665" v="3498" actId="14100"/>
+          <ac:picMkLst>
+            <pc:docMk/>
+            <pc:sldMk cId="2176878142" sldId="261"/>
+            <ac:picMk id="8" creationId="{CA8451FB-3C2B-4482-8DC3-38D9C773F858}"/>
+          </ac:picMkLst>
+        </pc:picChg>
+        <pc:cxnChg chg="add mod">
+          <ac:chgData name="Trung Nghia Nguyen" userId="caf0b1f78d203fdc" providerId="LiveId" clId="{FA98E611-7EE5-4D53-A8F6-A8478DA16B0D}" dt="2023-03-17T04:38:01.916" v="3027"/>
+          <ac:cxnSpMkLst>
+            <pc:docMk/>
+            <pc:sldMk cId="2176878142" sldId="261"/>
+            <ac:cxnSpMk id="3" creationId="{E9060F41-5A0D-7040-5C8F-79CFAA7E7D72}"/>
+          </ac:cxnSpMkLst>
+        </pc:cxnChg>
+      </pc:sldChg>
+      <pc:sldChg chg="addSp delSp modSp add del mod">
+        <pc:chgData name="Trung Nghia Nguyen" userId="caf0b1f78d203fdc" providerId="LiveId" clId="{FA98E611-7EE5-4D53-A8F6-A8478DA16B0D}" dt="2023-03-17T07:03:47.972" v="3265" actId="2696"/>
+        <pc:sldMkLst>
+          <pc:docMk/>
+          <pc:sldMk cId="875898025" sldId="262"/>
+        </pc:sldMkLst>
+        <pc:spChg chg="mod">
+          <ac:chgData name="Trung Nghia Nguyen" userId="caf0b1f78d203fdc" providerId="LiveId" clId="{FA98E611-7EE5-4D53-A8F6-A8478DA16B0D}" dt="2023-03-16T06:07:49.749" v="1152" actId="20577"/>
+          <ac:spMkLst>
+            <pc:docMk/>
+            <pc:sldMk cId="875898025" sldId="262"/>
+            <ac:spMk id="2" creationId="{30380714-4CD2-9849-80A6-8AC66F97DA6F}"/>
+          </ac:spMkLst>
+        </pc:spChg>
+        <pc:spChg chg="add del mod">
+          <ac:chgData name="Trung Nghia Nguyen" userId="caf0b1f78d203fdc" providerId="LiveId" clId="{FA98E611-7EE5-4D53-A8F6-A8478DA16B0D}" dt="2023-03-17T04:39:07.061" v="3052" actId="478"/>
+          <ac:spMkLst>
+            <pc:docMk/>
+            <pc:sldMk cId="875898025" sldId="262"/>
+            <ac:spMk id="4" creationId="{78B0134D-73F0-E0EE-EAA2-40F53D578455}"/>
+          </ac:spMkLst>
+        </pc:spChg>
+        <pc:spChg chg="add mod">
+          <ac:chgData name="Trung Nghia Nguyen" userId="caf0b1f78d203fdc" providerId="LiveId" clId="{FA98E611-7EE5-4D53-A8F6-A8478DA16B0D}" dt="2023-03-17T04:39:07.317" v="3053"/>
+          <ac:spMkLst>
+            <pc:docMk/>
+            <pc:sldMk cId="875898025" sldId="262"/>
+            <ac:spMk id="5" creationId="{7AF6E6C4-7E4D-6951-DD77-D67FDB08BE33}"/>
+          </ac:spMkLst>
+        </pc:spChg>
+        <pc:spChg chg="add mod">
+          <ac:chgData name="Trung Nghia Nguyen" userId="caf0b1f78d203fdc" providerId="LiveId" clId="{FA98E611-7EE5-4D53-A8F6-A8478DA16B0D}" dt="2023-03-17T06:38:20.448" v="3252" actId="207"/>
+          <ac:spMkLst>
+            <pc:docMk/>
+            <pc:sldMk cId="875898025" sldId="262"/>
+            <ac:spMk id="7" creationId="{C27A575E-AACF-0BC5-FF71-5FCE2C283EAA}"/>
+          </ac:spMkLst>
+        </pc:spChg>
+        <pc:cxnChg chg="add mod">
+          <ac:chgData name="Trung Nghia Nguyen" userId="caf0b1f78d203fdc" providerId="LiveId" clId="{FA98E611-7EE5-4D53-A8F6-A8478DA16B0D}" dt="2023-03-17T04:38:00.559" v="3026"/>
+          <ac:cxnSpMkLst>
+            <pc:docMk/>
+            <pc:sldMk cId="875898025" sldId="262"/>
+            <ac:cxnSpMk id="3" creationId="{C4BB4107-403F-CD25-8D62-E1CD580C39E7}"/>
+          </ac:cxnSpMkLst>
+        </pc:cxnChg>
+      </pc:sldChg>
+      <pc:sldChg chg="addSp delSp modSp add mod">
+        <pc:chgData name="Trung Nghia Nguyen" userId="caf0b1f78d203fdc" providerId="LiveId" clId="{FA98E611-7EE5-4D53-A8F6-A8478DA16B0D}" dt="2023-03-19T19:41:58.154" v="4565" actId="20577"/>
+        <pc:sldMkLst>
+          <pc:docMk/>
+          <pc:sldMk cId="482173432" sldId="263"/>
+        </pc:sldMkLst>
+        <pc:spChg chg="mod">
+          <ac:chgData name="Trung Nghia Nguyen" userId="caf0b1f78d203fdc" providerId="LiveId" clId="{FA98E611-7EE5-4D53-A8F6-A8478DA16B0D}" dt="2023-03-16T06:07:46.511" v="1150" actId="20577"/>
+          <ac:spMkLst>
+            <pc:docMk/>
+            <pc:sldMk cId="482173432" sldId="263"/>
+            <ac:spMk id="2" creationId="{30380714-4CD2-9849-80A6-8AC66F97DA6F}"/>
+          </ac:spMkLst>
+        </pc:spChg>
+        <pc:spChg chg="add del mod">
+          <ac:chgData name="Trung Nghia Nguyen" userId="caf0b1f78d203fdc" providerId="LiveId" clId="{FA98E611-7EE5-4D53-A8F6-A8478DA16B0D}" dt="2023-03-17T04:39:03.344" v="3050" actId="478"/>
+          <ac:spMkLst>
+            <pc:docMk/>
+            <pc:sldMk cId="482173432" sldId="263"/>
+            <ac:spMk id="4" creationId="{A2FC1147-7412-C677-5A5A-BF19366C123D}"/>
+          </ac:spMkLst>
+        </pc:spChg>
+        <pc:spChg chg="add mod">
+          <ac:chgData name="Trung Nghia Nguyen" userId="caf0b1f78d203fdc" providerId="LiveId" clId="{FA98E611-7EE5-4D53-A8F6-A8478DA16B0D}" dt="2023-03-19T19:41:58.154" v="4565" actId="20577"/>
+          <ac:spMkLst>
+            <pc:docMk/>
+            <pc:sldMk cId="482173432" sldId="263"/>
+            <ac:spMk id="5" creationId="{5EFED488-422D-714E-BC8D-1EFFE4EB27EF}"/>
+          </ac:spMkLst>
+        </pc:spChg>
+        <pc:spChg chg="add mod">
+          <ac:chgData name="Trung Nghia Nguyen" userId="caf0b1f78d203fdc" providerId="LiveId" clId="{FA98E611-7EE5-4D53-A8F6-A8478DA16B0D}" dt="2023-03-17T06:23:12.888" v="3165" actId="114"/>
+          <ac:spMkLst>
+            <pc:docMk/>
+            <pc:sldMk cId="482173432" sldId="263"/>
+            <ac:spMk id="6" creationId="{E89CDB90-AF28-D274-AC55-ECC8E0120E31}"/>
+          </ac:spMkLst>
+        </pc:spChg>
+        <pc:picChg chg="add mod">
+          <ac:chgData name="Trung Nghia Nguyen" userId="caf0b1f78d203fdc" providerId="LiveId" clId="{FA98E611-7EE5-4D53-A8F6-A8478DA16B0D}" dt="2023-03-17T06:19:17.560" v="3097" actId="14100"/>
+          <ac:picMkLst>
+            <pc:docMk/>
+            <pc:sldMk cId="482173432" sldId="263"/>
+            <ac:picMk id="8" creationId="{64343610-2239-3C37-0292-61E9C46DADC0}"/>
+          </ac:picMkLst>
+        </pc:picChg>
+        <pc:picChg chg="add mod">
+          <ac:chgData name="Trung Nghia Nguyen" userId="caf0b1f78d203fdc" providerId="LiveId" clId="{FA98E611-7EE5-4D53-A8F6-A8478DA16B0D}" dt="2023-03-17T06:19:27.485" v="3100" actId="14100"/>
+          <ac:picMkLst>
+            <pc:docMk/>
+            <pc:sldMk cId="482173432" sldId="263"/>
+            <ac:picMk id="1026" creationId="{8B6FAEF3-00E8-C2B6-6484-BD77EBFDEA2F}"/>
+          </ac:picMkLst>
+        </pc:picChg>
+        <pc:cxnChg chg="add mod">
+          <ac:chgData name="Trung Nghia Nguyen" userId="caf0b1f78d203fdc" providerId="LiveId" clId="{FA98E611-7EE5-4D53-A8F6-A8478DA16B0D}" dt="2023-03-17T04:37:58.915" v="3025"/>
+          <ac:cxnSpMkLst>
+            <pc:docMk/>
+            <pc:sldMk cId="482173432" sldId="263"/>
+            <ac:cxnSpMk id="3" creationId="{0C90852F-CCF4-2CB4-185D-9BD76C10552E}"/>
+          </ac:cxnSpMkLst>
+        </pc:cxnChg>
+      </pc:sldChg>
+      <pc:sldChg chg="addSp delSp modSp add mod">
+        <pc:chgData name="Trung Nghia Nguyen" userId="caf0b1f78d203fdc" providerId="LiveId" clId="{FA98E611-7EE5-4D53-A8F6-A8478DA16B0D}" dt="2023-03-20T06:36:20.136" v="5138" actId="1076"/>
+        <pc:sldMkLst>
+          <pc:docMk/>
+          <pc:sldMk cId="2895901428" sldId="264"/>
+        </pc:sldMkLst>
+        <pc:spChg chg="mod">
+          <ac:chgData name="Trung Nghia Nguyen" userId="caf0b1f78d203fdc" providerId="LiveId" clId="{FA98E611-7EE5-4D53-A8F6-A8478DA16B0D}" dt="2023-03-16T06:08:02.769" v="1158" actId="20577"/>
+          <ac:spMkLst>
+            <pc:docMk/>
+            <pc:sldMk cId="2895901428" sldId="264"/>
+            <ac:spMk id="2" creationId="{30380714-4CD2-9849-80A6-8AC66F97DA6F}"/>
+          </ac:spMkLst>
+        </pc:spChg>
+        <pc:spChg chg="add del mod">
+          <ac:chgData name="Trung Nghia Nguyen" userId="caf0b1f78d203fdc" providerId="LiveId" clId="{FA98E611-7EE5-4D53-A8F6-A8478DA16B0D}" dt="2023-03-17T04:39:19.392" v="3058" actId="478"/>
+          <ac:spMkLst>
+            <pc:docMk/>
+            <pc:sldMk cId="2895901428" sldId="264"/>
+            <ac:spMk id="4" creationId="{60A99F50-FB46-F4B1-BC79-AB008BB54B45}"/>
+          </ac:spMkLst>
+        </pc:spChg>
+        <pc:spChg chg="add mod">
+          <ac:chgData name="Trung Nghia Nguyen" userId="caf0b1f78d203fdc" providerId="LiveId" clId="{FA98E611-7EE5-4D53-A8F6-A8478DA16B0D}" dt="2023-03-19T19:42:32.285" v="4576" actId="20577"/>
+          <ac:spMkLst>
+            <pc:docMk/>
+            <pc:sldMk cId="2895901428" sldId="264"/>
+            <ac:spMk id="5" creationId="{F5D7CFDC-9C3E-5EB6-442E-0427CF3FD978}"/>
+          </ac:spMkLst>
+        </pc:spChg>
+        <pc:spChg chg="add mod">
+          <ac:chgData name="Trung Nghia Nguyen" userId="caf0b1f78d203fdc" providerId="LiveId" clId="{FA98E611-7EE5-4D53-A8F6-A8478DA16B0D}" dt="2023-03-20T06:36:20.136" v="5138" actId="1076"/>
+          <ac:spMkLst>
+            <pc:docMk/>
+            <pc:sldMk cId="2895901428" sldId="264"/>
+            <ac:spMk id="7" creationId="{F0634F75-D2AC-CBA7-B59B-9BAA1E76EBEC}"/>
+          </ac:spMkLst>
+        </pc:spChg>
+        <pc:picChg chg="add mod">
+          <ac:chgData name="Trung Nghia Nguyen" userId="caf0b1f78d203fdc" providerId="LiveId" clId="{FA98E611-7EE5-4D53-A8F6-A8478DA16B0D}" dt="2023-03-20T06:35:33.823" v="4990" actId="1076"/>
+          <ac:picMkLst>
+            <pc:docMk/>
+            <pc:sldMk cId="2895901428" sldId="264"/>
+            <ac:picMk id="6" creationId="{DCC12B2F-C07E-D6F5-3264-6403237DFCB8}"/>
+          </ac:picMkLst>
+        </pc:picChg>
+        <pc:cxnChg chg="add mod">
+          <ac:chgData name="Trung Nghia Nguyen" userId="caf0b1f78d203fdc" providerId="LiveId" clId="{FA98E611-7EE5-4D53-A8F6-A8478DA16B0D}" dt="2023-03-17T04:38:04.341" v="3029"/>
+          <ac:cxnSpMkLst>
+            <pc:docMk/>
+            <pc:sldMk cId="2895901428" sldId="264"/>
+            <ac:cxnSpMk id="3" creationId="{000902B5-E704-F9CF-DC0B-DDD6C94EF140}"/>
+          </ac:cxnSpMkLst>
+        </pc:cxnChg>
+      </pc:sldChg>
+      <pc:sldChg chg="addSp delSp modSp add mod replId">
+        <pc:chgData name="Trung Nghia Nguyen" userId="caf0b1f78d203fdc" providerId="LiveId" clId="{FA98E611-7EE5-4D53-A8F6-A8478DA16B0D}" dt="2023-03-20T06:38:22.794" v="5343" actId="115"/>
+        <pc:sldMkLst>
+          <pc:docMk/>
+          <pc:sldMk cId="4283605162" sldId="265"/>
+        </pc:sldMkLst>
+        <pc:spChg chg="mod">
+          <ac:chgData name="Trung Nghia Nguyen" userId="caf0b1f78d203fdc" providerId="LiveId" clId="{FA98E611-7EE5-4D53-A8F6-A8478DA16B0D}" dt="2023-03-16T06:08:47.041" v="1174" actId="20577"/>
+          <ac:spMkLst>
+            <pc:docMk/>
+            <pc:sldMk cId="4283605162" sldId="265"/>
+            <ac:spMk id="2" creationId="{30380714-4CD2-9849-80A6-8AC66F97DA6F}"/>
+          </ac:spMkLst>
+        </pc:spChg>
+        <pc:spChg chg="add del mod">
+          <ac:chgData name="Trung Nghia Nguyen" userId="caf0b1f78d203fdc" providerId="LiveId" clId="{FA98E611-7EE5-4D53-A8F6-A8478DA16B0D}" dt="2023-03-17T04:39:27.464" v="3062" actId="478"/>
+          <ac:spMkLst>
+            <pc:docMk/>
+            <pc:sldMk cId="4283605162" sldId="265"/>
+            <ac:spMk id="4" creationId="{3384EA73-795D-DBBD-C798-301784B97C0D}"/>
+          </ac:spMkLst>
+        </pc:spChg>
+        <pc:spChg chg="add mod">
+          <ac:chgData name="Trung Nghia Nguyen" userId="caf0b1f78d203fdc" providerId="LiveId" clId="{FA98E611-7EE5-4D53-A8F6-A8478DA16B0D}" dt="2023-03-18T18:06:10.161" v="3553" actId="114"/>
+          <ac:spMkLst>
+            <pc:docMk/>
+            <pc:sldMk cId="4283605162" sldId="265"/>
+            <ac:spMk id="4" creationId="{6155AFF2-5D57-35C2-5FA4-18DC56B50EDC}"/>
+          </ac:spMkLst>
+        </pc:spChg>
+        <pc:spChg chg="add mod">
+          <ac:chgData name="Trung Nghia Nguyen" userId="caf0b1f78d203fdc" providerId="LiveId" clId="{FA98E611-7EE5-4D53-A8F6-A8478DA16B0D}" dt="2023-03-19T19:42:46.679" v="4580" actId="20577"/>
+          <ac:spMkLst>
+            <pc:docMk/>
+            <pc:sldMk cId="4283605162" sldId="265"/>
+            <ac:spMk id="5" creationId="{C636AC51-235F-27C4-310D-353DA6ACFACB}"/>
+          </ac:spMkLst>
+        </pc:spChg>
+        <pc:spChg chg="add del mod">
+          <ac:chgData name="Trung Nghia Nguyen" userId="caf0b1f78d203fdc" providerId="LiveId" clId="{FA98E611-7EE5-4D53-A8F6-A8478DA16B0D}" dt="2023-03-20T06:37:36.898" v="5229" actId="478"/>
+          <ac:spMkLst>
+            <pc:docMk/>
+            <pc:sldMk cId="4283605162" sldId="265"/>
+            <ac:spMk id="6" creationId="{34952638-B22F-A601-ABB7-40D3A03CAF10}"/>
+          </ac:spMkLst>
+        </pc:spChg>
+        <pc:spChg chg="add mod">
+          <ac:chgData name="Trung Nghia Nguyen" userId="caf0b1f78d203fdc" providerId="LiveId" clId="{FA98E611-7EE5-4D53-A8F6-A8478DA16B0D}" dt="2023-03-20T06:37:43.908" v="5254" actId="1035"/>
+          <ac:spMkLst>
+            <pc:docMk/>
+            <pc:sldMk cId="4283605162" sldId="265"/>
+            <ac:spMk id="8" creationId="{5B6ADF82-7127-B1E1-AB08-85E9AFA2C229}"/>
+          </ac:spMkLst>
+        </pc:spChg>
+        <pc:spChg chg="add mod">
+          <ac:chgData name="Trung Nghia Nguyen" userId="caf0b1f78d203fdc" providerId="LiveId" clId="{FA98E611-7EE5-4D53-A8F6-A8478DA16B0D}" dt="2023-03-20T06:38:22.794" v="5343" actId="115"/>
+          <ac:spMkLst>
+            <pc:docMk/>
+            <pc:sldMk cId="4283605162" sldId="265"/>
+            <ac:spMk id="9" creationId="{07192213-4093-B158-7615-5C02C5D78E3C}"/>
+          </ac:spMkLst>
+        </pc:spChg>
+        <pc:spChg chg="add mod">
+          <ac:chgData name="Trung Nghia Nguyen" userId="caf0b1f78d203fdc" providerId="LiveId" clId="{FA98E611-7EE5-4D53-A8F6-A8478DA16B0D}" dt="2023-03-20T06:37:48.962" v="5255" actId="1076"/>
+          <ac:spMkLst>
+            <pc:docMk/>
+            <pc:sldMk cId="4283605162" sldId="265"/>
+            <ac:spMk id="12" creationId="{C28A47A4-273C-2F4E-0D9B-7FF4CE6F8FC8}"/>
+          </ac:spMkLst>
+        </pc:spChg>
+        <pc:spChg chg="mod">
+          <ac:chgData name="Trung Nghia Nguyen" userId="caf0b1f78d203fdc" providerId="LiveId" clId="{FA98E611-7EE5-4D53-A8F6-A8478DA16B0D}" dt="2023-03-16T06:08:20.795" v="1172" actId="20577"/>
+          <ac:spMkLst>
+            <pc:docMk/>
+            <pc:sldMk cId="4283605162" sldId="265"/>
+            <ac:spMk id="14" creationId="{63B4AB36-B54A-EA5C-2A74-F2C80BE0CBC4}"/>
+          </ac:spMkLst>
+        </pc:spChg>
+        <pc:picChg chg="add mod">
+          <ac:chgData name="Trung Nghia Nguyen" userId="caf0b1f78d203fdc" providerId="LiveId" clId="{FA98E611-7EE5-4D53-A8F6-A8478DA16B0D}" dt="2023-03-18T18:06:37.350" v="3555" actId="1076"/>
+          <ac:picMkLst>
+            <pc:docMk/>
+            <pc:sldMk cId="4283605162" sldId="265"/>
+            <ac:picMk id="7" creationId="{9BE015F4-B740-114F-C17A-D68586C61382}"/>
+          </ac:picMkLst>
+        </pc:picChg>
+        <pc:picChg chg="add mod">
+          <ac:chgData name="Trung Nghia Nguyen" userId="caf0b1f78d203fdc" providerId="LiveId" clId="{FA98E611-7EE5-4D53-A8F6-A8478DA16B0D}" dt="2023-03-20T06:37:43.908" v="5254" actId="1035"/>
+          <ac:picMkLst>
+            <pc:docMk/>
+            <pc:sldMk cId="4283605162" sldId="265"/>
+            <ac:picMk id="10" creationId="{64FFD8A3-EA3E-8803-1A9E-83B9D68AD773}"/>
+          </ac:picMkLst>
+        </pc:picChg>
+        <pc:picChg chg="add mod">
+          <ac:chgData name="Trung Nghia Nguyen" userId="caf0b1f78d203fdc" providerId="LiveId" clId="{FA98E611-7EE5-4D53-A8F6-A8478DA16B0D}" dt="2023-03-20T06:37:52.028" v="5256" actId="1076"/>
+          <ac:picMkLst>
+            <pc:docMk/>
+            <pc:sldMk cId="4283605162" sldId="265"/>
+            <ac:picMk id="15" creationId="{E1B123BE-4EEC-7C2E-0D92-C3C0811176CB}"/>
+          </ac:picMkLst>
+        </pc:picChg>
+        <pc:cxnChg chg="add mod">
+          <ac:chgData name="Trung Nghia Nguyen" userId="caf0b1f78d203fdc" providerId="LiveId" clId="{FA98E611-7EE5-4D53-A8F6-A8478DA16B0D}" dt="2023-03-17T04:38:07.552" v="3031"/>
+          <ac:cxnSpMkLst>
+            <pc:docMk/>
+            <pc:sldMk cId="4283605162" sldId="265"/>
+            <ac:cxnSpMk id="3" creationId="{2CD06583-66AF-701D-3EFB-7B57FC7CBC60}"/>
+          </ac:cxnSpMkLst>
+        </pc:cxnChg>
+      </pc:sldChg>
+      <pc:sldChg chg="addSp delSp modSp add mod replId">
+        <pc:chgData name="Trung Nghia Nguyen" userId="caf0b1f78d203fdc" providerId="LiveId" clId="{FA98E611-7EE5-4D53-A8F6-A8478DA16B0D}" dt="2023-03-20T06:38:57.002" v="5372" actId="1076"/>
+        <pc:sldMkLst>
+          <pc:docMk/>
+          <pc:sldMk cId="1755807355" sldId="266"/>
+        </pc:sldMkLst>
+        <pc:spChg chg="mod">
+          <ac:chgData name="Trung Nghia Nguyen" userId="caf0b1f78d203fdc" providerId="LiveId" clId="{FA98E611-7EE5-4D53-A8F6-A8478DA16B0D}" dt="2023-03-16T06:08:54.022" v="1178" actId="20577"/>
+          <ac:spMkLst>
+            <pc:docMk/>
+            <pc:sldMk cId="1755807355" sldId="266"/>
+            <ac:spMk id="2" creationId="{30380714-4CD2-9849-80A6-8AC66F97DA6F}"/>
+          </ac:spMkLst>
+        </pc:spChg>
+        <pc:spChg chg="add del mod">
+          <ac:chgData name="Trung Nghia Nguyen" userId="caf0b1f78d203fdc" providerId="LiveId" clId="{FA98E611-7EE5-4D53-A8F6-A8478DA16B0D}" dt="2023-03-17T04:39:31.432" v="3064" actId="478"/>
+          <ac:spMkLst>
+            <pc:docMk/>
+            <pc:sldMk cId="1755807355" sldId="266"/>
+            <ac:spMk id="4" creationId="{9FC5A47E-E156-CE54-D964-B05D97E3E440}"/>
+          </ac:spMkLst>
+        </pc:spChg>
+        <pc:spChg chg="add del mod">
+          <ac:chgData name="Trung Nghia Nguyen" userId="caf0b1f78d203fdc" providerId="LiveId" clId="{FA98E611-7EE5-4D53-A8F6-A8478DA16B0D}" dt="2023-03-20T06:38:36.545" v="5346" actId="478"/>
+          <ac:spMkLst>
+            <pc:docMk/>
+            <pc:sldMk cId="1755807355" sldId="266"/>
+            <ac:spMk id="4" creationId="{AAB22F9D-7A5E-4401-A0CB-A63DA021226F}"/>
+          </ac:spMkLst>
+        </pc:spChg>
+        <pc:spChg chg="add mod">
+          <ac:chgData name="Trung Nghia Nguyen" userId="caf0b1f78d203fdc" providerId="LiveId" clId="{FA98E611-7EE5-4D53-A8F6-A8478DA16B0D}" dt="2023-03-19T19:42:52.243" v="4581" actId="20577"/>
+          <ac:spMkLst>
+            <pc:docMk/>
+            <pc:sldMk cId="1755807355" sldId="266"/>
+            <ac:spMk id="5" creationId="{5A7DF51B-1976-A0EB-6F7B-B4A2CB037D53}"/>
+          </ac:spMkLst>
+        </pc:spChg>
+        <pc:spChg chg="add mod">
+          <ac:chgData name="Trung Nghia Nguyen" userId="caf0b1f78d203fdc" providerId="LiveId" clId="{FA98E611-7EE5-4D53-A8F6-A8478DA16B0D}" dt="2023-03-20T06:38:57.002" v="5372" actId="1076"/>
+          <ac:spMkLst>
+            <pc:docMk/>
+            <pc:sldMk cId="1755807355" sldId="266"/>
+            <ac:spMk id="7" creationId="{41F3B00E-EEC6-C3C0-4054-6A44FFDA2129}"/>
+          </ac:spMkLst>
+        </pc:spChg>
+        <pc:spChg chg="mod">
+          <ac:chgData name="Trung Nghia Nguyen" userId="caf0b1f78d203fdc" providerId="LiveId" clId="{FA98E611-7EE5-4D53-A8F6-A8478DA16B0D}" dt="2023-03-16T06:16:56.623" v="1489" actId="20577"/>
+          <ac:spMkLst>
+            <pc:docMk/>
+            <pc:sldMk cId="1755807355" sldId="266"/>
+            <ac:spMk id="14" creationId="{63B4AB36-B54A-EA5C-2A74-F2C80BE0CBC4}"/>
+          </ac:spMkLst>
+        </pc:spChg>
+        <pc:picChg chg="add del mod modCrop">
+          <ac:chgData name="Trung Nghia Nguyen" userId="caf0b1f78d203fdc" providerId="LiveId" clId="{FA98E611-7EE5-4D53-A8F6-A8478DA16B0D}" dt="2023-03-18T18:13:54.951" v="3582" actId="21"/>
+          <ac:picMkLst>
+            <pc:docMk/>
+            <pc:sldMk cId="1755807355" sldId="266"/>
+            <ac:picMk id="6" creationId="{22C59D75-28CE-46F5-5707-658FE476BFDD}"/>
+          </ac:picMkLst>
+        </pc:picChg>
+        <pc:picChg chg="add mod">
+          <ac:chgData name="Trung Nghia Nguyen" userId="caf0b1f78d203fdc" providerId="LiveId" clId="{FA98E611-7EE5-4D53-A8F6-A8478DA16B0D}" dt="2023-03-20T06:38:34.458" v="5345" actId="1076"/>
+          <ac:picMkLst>
+            <pc:docMk/>
+            <pc:sldMk cId="1755807355" sldId="266"/>
+            <ac:picMk id="6" creationId="{F965E609-B8C6-9840-FCA8-51EC5CD8ADD1}"/>
+          </ac:picMkLst>
+        </pc:picChg>
+        <pc:cxnChg chg="add mod">
+          <ac:chgData name="Trung Nghia Nguyen" userId="caf0b1f78d203fdc" providerId="LiveId" clId="{FA98E611-7EE5-4D53-A8F6-A8478DA16B0D}" dt="2023-03-17T04:38:09.225" v="3032"/>
+          <ac:cxnSpMkLst>
+            <pc:docMk/>
+            <pc:sldMk cId="1755807355" sldId="266"/>
+            <ac:cxnSpMk id="3" creationId="{A6209D13-18E2-CE90-A8FC-47240D1DB3DD}"/>
+          </ac:cxnSpMkLst>
+        </pc:cxnChg>
+      </pc:sldChg>
+      <pc:sldChg chg="addSp delSp modSp add mod replId">
+        <pc:chgData name="Trung Nghia Nguyen" userId="caf0b1f78d203fdc" providerId="LiveId" clId="{FA98E611-7EE5-4D53-A8F6-A8478DA16B0D}" dt="2023-03-20T06:46:22.745" v="5552" actId="1076"/>
+        <pc:sldMkLst>
+          <pc:docMk/>
+          <pc:sldMk cId="420754388" sldId="267"/>
+        </pc:sldMkLst>
+        <pc:spChg chg="mod">
+          <ac:chgData name="Trung Nghia Nguyen" userId="caf0b1f78d203fdc" providerId="LiveId" clId="{FA98E611-7EE5-4D53-A8F6-A8478DA16B0D}" dt="2023-03-16T06:09:05.191" v="1182" actId="20577"/>
+          <ac:spMkLst>
+            <pc:docMk/>
+            <pc:sldMk cId="420754388" sldId="267"/>
+            <ac:spMk id="2" creationId="{30380714-4CD2-9849-80A6-8AC66F97DA6F}"/>
+          </ac:spMkLst>
+        </pc:spChg>
+        <pc:spChg chg="add del mod">
+          <ac:chgData name="Trung Nghia Nguyen" userId="caf0b1f78d203fdc" providerId="LiveId" clId="{FA98E611-7EE5-4D53-A8F6-A8478DA16B0D}" dt="2023-03-17T04:39:35.292" v="3066" actId="478"/>
+          <ac:spMkLst>
+            <pc:docMk/>
+            <pc:sldMk cId="420754388" sldId="267"/>
+            <ac:spMk id="4" creationId="{5B057441-CC31-82D0-2A61-D4C277283FF0}"/>
+          </ac:spMkLst>
+        </pc:spChg>
+        <pc:spChg chg="add mod">
+          <ac:chgData name="Trung Nghia Nguyen" userId="caf0b1f78d203fdc" providerId="LiveId" clId="{FA98E611-7EE5-4D53-A8F6-A8478DA16B0D}" dt="2023-03-19T19:42:55.901" v="4582" actId="20577"/>
+          <ac:spMkLst>
+            <pc:docMk/>
+            <pc:sldMk cId="420754388" sldId="267"/>
+            <ac:spMk id="5" creationId="{5AE77F4E-29AF-200B-741F-D59D22548F68}"/>
+          </ac:spMkLst>
+        </pc:spChg>
+        <pc:spChg chg="add mod">
+          <ac:chgData name="Trung Nghia Nguyen" userId="caf0b1f78d203fdc" providerId="LiveId" clId="{FA98E611-7EE5-4D53-A8F6-A8478DA16B0D}" dt="2023-03-20T06:46:22.745" v="5552" actId="1076"/>
+          <ac:spMkLst>
+            <pc:docMk/>
+            <pc:sldMk cId="420754388" sldId="267"/>
+            <ac:spMk id="6" creationId="{F3459CBF-C8CB-D11F-4C1C-7F3691FB67D3}"/>
+          </ac:spMkLst>
+        </pc:spChg>
+        <pc:spChg chg="mod">
+          <ac:chgData name="Trung Nghia Nguyen" userId="caf0b1f78d203fdc" providerId="LiveId" clId="{FA98E611-7EE5-4D53-A8F6-A8478DA16B0D}" dt="2023-03-16T06:17:02.365" v="1503" actId="20577"/>
+          <ac:spMkLst>
+            <pc:docMk/>
+            <pc:sldMk cId="420754388" sldId="267"/>
+            <ac:spMk id="14" creationId="{63B4AB36-B54A-EA5C-2A74-F2C80BE0CBC4}"/>
+          </ac:spMkLst>
+        </pc:spChg>
+        <pc:picChg chg="add del mod">
+          <ac:chgData name="Trung Nghia Nguyen" userId="caf0b1f78d203fdc" providerId="LiveId" clId="{FA98E611-7EE5-4D53-A8F6-A8478DA16B0D}" dt="2023-03-20T06:46:09.964" v="5548" actId="478"/>
+          <ac:picMkLst>
+            <pc:docMk/>
+            <pc:sldMk cId="420754388" sldId="267"/>
+            <ac:picMk id="4" creationId="{E12BC0F1-607B-17E9-1754-F5489A61089A}"/>
+          </ac:picMkLst>
+        </pc:picChg>
+        <pc:picChg chg="add mod">
+          <ac:chgData name="Trung Nghia Nguyen" userId="caf0b1f78d203fdc" providerId="LiveId" clId="{FA98E611-7EE5-4D53-A8F6-A8478DA16B0D}" dt="2023-03-20T06:46:17.898" v="5551" actId="1076"/>
+          <ac:picMkLst>
+            <pc:docMk/>
+            <pc:sldMk cId="420754388" sldId="267"/>
+            <ac:picMk id="1026" creationId="{0DDEF103-57C2-30E2-ED3E-9AB7C6BA55E4}"/>
+          </ac:picMkLst>
+        </pc:picChg>
+        <pc:cxnChg chg="add mod">
+          <ac:chgData name="Trung Nghia Nguyen" userId="caf0b1f78d203fdc" providerId="LiveId" clId="{FA98E611-7EE5-4D53-A8F6-A8478DA16B0D}" dt="2023-03-17T04:38:10.896" v="3033"/>
+          <ac:cxnSpMkLst>
+            <pc:docMk/>
+            <pc:sldMk cId="420754388" sldId="267"/>
+            <ac:cxnSpMk id="3" creationId="{C2A7E5D0-0732-35D5-18A2-C5CE2320D9B6}"/>
+          </ac:cxnSpMkLst>
+        </pc:cxnChg>
+      </pc:sldChg>
+      <pc:sldChg chg="addSp delSp modSp add mod replId">
+        <pc:chgData name="Trung Nghia Nguyen" userId="caf0b1f78d203fdc" providerId="LiveId" clId="{FA98E611-7EE5-4D53-A8F6-A8478DA16B0D}" dt="2023-03-20T06:25:48.812" v="4856" actId="1076"/>
+        <pc:sldMkLst>
+          <pc:docMk/>
+          <pc:sldMk cId="1800081090" sldId="268"/>
+        </pc:sldMkLst>
+        <pc:spChg chg="mod">
+          <ac:chgData name="Trung Nghia Nguyen" userId="caf0b1f78d203fdc" providerId="LiveId" clId="{FA98E611-7EE5-4D53-A8F6-A8478DA16B0D}" dt="2023-03-16T06:09:09.571" v="1186" actId="20577"/>
+          <ac:spMkLst>
+            <pc:docMk/>
+            <pc:sldMk cId="1800081090" sldId="268"/>
+            <ac:spMk id="2" creationId="{30380714-4CD2-9849-80A6-8AC66F97DA6F}"/>
+          </ac:spMkLst>
+        </pc:spChg>
+        <pc:spChg chg="add del mod">
+          <ac:chgData name="Trung Nghia Nguyen" userId="caf0b1f78d203fdc" providerId="LiveId" clId="{FA98E611-7EE5-4D53-A8F6-A8478DA16B0D}" dt="2023-03-17T04:39:40.169" v="3068" actId="478"/>
+          <ac:spMkLst>
+            <pc:docMk/>
+            <pc:sldMk cId="1800081090" sldId="268"/>
+            <ac:spMk id="4" creationId="{FC0C686F-2BB6-97A5-A2E3-8228181D7A3F}"/>
+          </ac:spMkLst>
+        </pc:spChg>
+        <pc:spChg chg="add mod">
+          <ac:chgData name="Trung Nghia Nguyen" userId="caf0b1f78d203fdc" providerId="LiveId" clId="{FA98E611-7EE5-4D53-A8F6-A8478DA16B0D}" dt="2023-03-19T19:43:00.657" v="4583" actId="20577"/>
+          <ac:spMkLst>
+            <pc:docMk/>
+            <pc:sldMk cId="1800081090" sldId="268"/>
+            <ac:spMk id="5" creationId="{1D7A3032-17B2-6AEA-AC88-9349A439BD22}"/>
+          </ac:spMkLst>
+        </pc:spChg>
+        <pc:spChg chg="add mod">
+          <ac:chgData name="Trung Nghia Nguyen" userId="caf0b1f78d203fdc" providerId="LiveId" clId="{FA98E611-7EE5-4D53-A8F6-A8478DA16B0D}" dt="2023-03-20T06:25:48.812" v="4856" actId="1076"/>
+          <ac:spMkLst>
+            <pc:docMk/>
+            <pc:sldMk cId="1800081090" sldId="268"/>
+            <ac:spMk id="7" creationId="{EB47DA29-9FCC-30CE-0883-F7F361D9198F}"/>
+          </ac:spMkLst>
+        </pc:spChg>
+        <pc:spChg chg="mod">
+          <ac:chgData name="Trung Nghia Nguyen" userId="caf0b1f78d203fdc" providerId="LiveId" clId="{FA98E611-7EE5-4D53-A8F6-A8478DA16B0D}" dt="2023-03-16T06:17:09.861" v="1517" actId="20577"/>
+          <ac:spMkLst>
+            <pc:docMk/>
+            <pc:sldMk cId="1800081090" sldId="268"/>
+            <ac:spMk id="14" creationId="{63B4AB36-B54A-EA5C-2A74-F2C80BE0CBC4}"/>
+          </ac:spMkLst>
+        </pc:spChg>
+        <pc:picChg chg="add mod ord">
+          <ac:chgData name="Trung Nghia Nguyen" userId="caf0b1f78d203fdc" providerId="LiveId" clId="{FA98E611-7EE5-4D53-A8F6-A8478DA16B0D}" dt="2023-03-20T06:25:20.301" v="4812" actId="1076"/>
+          <ac:picMkLst>
+            <pc:docMk/>
+            <pc:sldMk cId="1800081090" sldId="268"/>
+            <ac:picMk id="6" creationId="{17B1B28A-E020-8A31-7198-F20684828AFD}"/>
+          </ac:picMkLst>
+        </pc:picChg>
+        <pc:cxnChg chg="add mod">
+          <ac:chgData name="Trung Nghia Nguyen" userId="caf0b1f78d203fdc" providerId="LiveId" clId="{FA98E611-7EE5-4D53-A8F6-A8478DA16B0D}" dt="2023-03-17T04:38:12.276" v="3034"/>
+          <ac:cxnSpMkLst>
+            <pc:docMk/>
+            <pc:sldMk cId="1800081090" sldId="268"/>
+            <ac:cxnSpMk id="3" creationId="{BAC105F8-C950-5DDE-6CB7-BB032057CD4E}"/>
+          </ac:cxnSpMkLst>
+        </pc:cxnChg>
+      </pc:sldChg>
+      <pc:sldChg chg="addSp delSp modSp add mod">
+        <pc:chgData name="Trung Nghia Nguyen" userId="caf0b1f78d203fdc" providerId="LiveId" clId="{FA98E611-7EE5-4D53-A8F6-A8478DA16B0D}" dt="2023-03-20T06:40:30.436" v="5472" actId="1076"/>
+        <pc:sldMkLst>
+          <pc:docMk/>
+          <pc:sldMk cId="4260099494" sldId="269"/>
+        </pc:sldMkLst>
+        <pc:spChg chg="mod">
+          <ac:chgData name="Trung Nghia Nguyen" userId="caf0b1f78d203fdc" providerId="LiveId" clId="{FA98E611-7EE5-4D53-A8F6-A8478DA16B0D}" dt="2023-03-16T06:09:28.908" v="1189" actId="20577"/>
+          <ac:spMkLst>
+            <pc:docMk/>
+            <pc:sldMk cId="4260099494" sldId="269"/>
+            <ac:spMk id="2" creationId="{30380714-4CD2-9849-80A6-8AC66F97DA6F}"/>
+          </ac:spMkLst>
+        </pc:spChg>
+        <pc:spChg chg="add del mod">
+          <ac:chgData name="Trung Nghia Nguyen" userId="caf0b1f78d203fdc" providerId="LiveId" clId="{FA98E611-7EE5-4D53-A8F6-A8478DA16B0D}" dt="2023-03-17T04:39:43.792" v="3070" actId="478"/>
+          <ac:spMkLst>
+            <pc:docMk/>
+            <pc:sldMk cId="4260099494" sldId="269"/>
+            <ac:spMk id="4" creationId="{4A9B31A6-4583-92AA-E2E8-0E1B56527FAB}"/>
+          </ac:spMkLst>
+        </pc:spChg>
+        <pc:spChg chg="add mod">
+          <ac:chgData name="Trung Nghia Nguyen" userId="caf0b1f78d203fdc" providerId="LiveId" clId="{FA98E611-7EE5-4D53-A8F6-A8478DA16B0D}" dt="2023-03-20T06:40:30.436" v="5472" actId="1076"/>
+          <ac:spMkLst>
+            <pc:docMk/>
+            <pc:sldMk cId="4260099494" sldId="269"/>
+            <ac:spMk id="4" creationId="{85BE9376-B78B-4D14-03B7-71E92F2B4246}"/>
+          </ac:spMkLst>
+        </pc:spChg>
+        <pc:spChg chg="add mod">
+          <ac:chgData name="Trung Nghia Nguyen" userId="caf0b1f78d203fdc" providerId="LiveId" clId="{FA98E611-7EE5-4D53-A8F6-A8478DA16B0D}" dt="2023-03-19T19:43:05.507" v="4586" actId="20577"/>
+          <ac:spMkLst>
+            <pc:docMk/>
+            <pc:sldMk cId="4260099494" sldId="269"/>
+            <ac:spMk id="5" creationId="{44F9D552-E912-19E9-0162-3E4C662F5413}"/>
+          </ac:spMkLst>
+        </pc:spChg>
+        <pc:spChg chg="mod">
+          <ac:chgData name="Trung Nghia Nguyen" userId="caf0b1f78d203fdc" providerId="LiveId" clId="{FA98E611-7EE5-4D53-A8F6-A8478DA16B0D}" dt="2023-03-16T06:17:18.839" v="1535" actId="20577"/>
+          <ac:spMkLst>
+            <pc:docMk/>
+            <pc:sldMk cId="4260099494" sldId="269"/>
+            <ac:spMk id="14" creationId="{63B4AB36-B54A-EA5C-2A74-F2C80BE0CBC4}"/>
+          </ac:spMkLst>
+        </pc:spChg>
+        <pc:picChg chg="add mod ord">
+          <ac:chgData name="Trung Nghia Nguyen" userId="caf0b1f78d203fdc" providerId="LiveId" clId="{FA98E611-7EE5-4D53-A8F6-A8478DA16B0D}" dt="2023-03-18T18:27:23.003" v="3592" actId="1076"/>
+          <ac:picMkLst>
+            <pc:docMk/>
+            <pc:sldMk cId="4260099494" sldId="269"/>
+            <ac:picMk id="6" creationId="{373DC444-4599-D269-D2D6-A3F6CA69A851}"/>
+          </ac:picMkLst>
+        </pc:picChg>
+        <pc:cxnChg chg="add mod">
+          <ac:chgData name="Trung Nghia Nguyen" userId="caf0b1f78d203fdc" providerId="LiveId" clId="{FA98E611-7EE5-4D53-A8F6-A8478DA16B0D}" dt="2023-03-17T04:38:13.996" v="3035"/>
+          <ac:cxnSpMkLst>
+            <pc:docMk/>
+            <pc:sldMk cId="4260099494" sldId="269"/>
+            <ac:cxnSpMk id="3" creationId="{ACBF7746-FE0E-173A-5173-1104D3149676}"/>
+          </ac:cxnSpMkLst>
+        </pc:cxnChg>
+      </pc:sldChg>
+      <pc:sldChg chg="addSp delSp modSp add mod">
+        <pc:chgData name="Trung Nghia Nguyen" userId="caf0b1f78d203fdc" providerId="LiveId" clId="{FA98E611-7EE5-4D53-A8F6-A8478DA16B0D}" dt="2023-03-20T07:02:09.542" v="5649" actId="1076"/>
+        <pc:sldMkLst>
+          <pc:docMk/>
+          <pc:sldMk cId="2511818953" sldId="270"/>
+        </pc:sldMkLst>
+        <pc:spChg chg="mod">
+          <ac:chgData name="Trung Nghia Nguyen" userId="caf0b1f78d203fdc" providerId="LiveId" clId="{FA98E611-7EE5-4D53-A8F6-A8478DA16B0D}" dt="2023-03-16T06:10:07.671" v="1198" actId="20577"/>
+          <ac:spMkLst>
+            <pc:docMk/>
+            <pc:sldMk cId="2511818953" sldId="270"/>
+            <ac:spMk id="2" creationId="{30380714-4CD2-9849-80A6-8AC66F97DA6F}"/>
+          </ac:spMkLst>
+        </pc:spChg>
+        <pc:spChg chg="add del mod">
+          <ac:chgData name="Trung Nghia Nguyen" userId="caf0b1f78d203fdc" providerId="LiveId" clId="{FA98E611-7EE5-4D53-A8F6-A8478DA16B0D}" dt="2023-03-17T04:39:50.628" v="3074" actId="478"/>
+          <ac:spMkLst>
+            <pc:docMk/>
+            <pc:sldMk cId="2511818953" sldId="270"/>
+            <ac:spMk id="4" creationId="{AFB91D5C-95A0-4C14-9E44-3E33C99FBE7F}"/>
+          </ac:spMkLst>
+        </pc:spChg>
+        <pc:spChg chg="add mod">
+          <ac:chgData name="Trung Nghia Nguyen" userId="caf0b1f78d203fdc" providerId="LiveId" clId="{FA98E611-7EE5-4D53-A8F6-A8478DA16B0D}" dt="2023-03-20T07:02:09.542" v="5649" actId="1076"/>
+          <ac:spMkLst>
+            <pc:docMk/>
+            <pc:sldMk cId="2511818953" sldId="270"/>
+            <ac:spMk id="4" creationId="{C9A8F3A0-7BA7-04C0-6A45-BDCDED7689FE}"/>
+          </ac:spMkLst>
+        </pc:spChg>
+        <pc:spChg chg="add mod">
+          <ac:chgData name="Trung Nghia Nguyen" userId="caf0b1f78d203fdc" providerId="LiveId" clId="{FA98E611-7EE5-4D53-A8F6-A8478DA16B0D}" dt="2023-03-19T19:43:14.363" v="4590" actId="20577"/>
+          <ac:spMkLst>
+            <pc:docMk/>
+            <pc:sldMk cId="2511818953" sldId="270"/>
+            <ac:spMk id="5" creationId="{7E679B62-7EFE-6C17-20E7-5EFB751FBD73}"/>
+          </ac:spMkLst>
+        </pc:spChg>
+        <pc:spChg chg="mod">
+          <ac:chgData name="Trung Nghia Nguyen" userId="caf0b1f78d203fdc" providerId="LiveId" clId="{FA98E611-7EE5-4D53-A8F6-A8478DA16B0D}" dt="2023-03-16T06:10:22.239" v="1205" actId="20577"/>
+          <ac:spMkLst>
+            <pc:docMk/>
+            <pc:sldMk cId="2511818953" sldId="270"/>
+            <ac:spMk id="14" creationId="{63B4AB36-B54A-EA5C-2A74-F2C80BE0CBC4}"/>
+          </ac:spMkLst>
+        </pc:spChg>
+        <pc:picChg chg="add del mod">
+          <ac:chgData name="Trung Nghia Nguyen" userId="caf0b1f78d203fdc" providerId="LiveId" clId="{FA98E611-7EE5-4D53-A8F6-A8478DA16B0D}" dt="2023-03-18T18:30:02.221" v="3595" actId="478"/>
+          <ac:picMkLst>
+            <pc:docMk/>
+            <pc:sldMk cId="2511818953" sldId="270"/>
+            <ac:picMk id="6" creationId="{83246909-A1CC-816B-D558-2403AE26644F}"/>
+          </ac:picMkLst>
+        </pc:picChg>
+        <pc:picChg chg="add del mod">
+          <ac:chgData name="Trung Nghia Nguyen" userId="caf0b1f78d203fdc" providerId="LiveId" clId="{FA98E611-7EE5-4D53-A8F6-A8478DA16B0D}" dt="2023-03-18T18:31:57.248" v="3598" actId="478"/>
+          <ac:picMkLst>
+            <pc:docMk/>
+            <pc:sldMk cId="2511818953" sldId="270"/>
+            <ac:picMk id="8" creationId="{886B370D-F837-49D0-4BAA-2CBF68A486EA}"/>
+          </ac:picMkLst>
+        </pc:picChg>
+        <pc:picChg chg="add mod">
+          <ac:chgData name="Trung Nghia Nguyen" userId="caf0b1f78d203fdc" providerId="LiveId" clId="{FA98E611-7EE5-4D53-A8F6-A8478DA16B0D}" dt="2023-03-20T07:01:40.251" v="5555" actId="14100"/>
+          <ac:picMkLst>
+            <pc:docMk/>
+            <pc:sldMk cId="2511818953" sldId="270"/>
+            <ac:picMk id="10" creationId="{18007800-E682-98CF-F763-93064B193CD7}"/>
+          </ac:picMkLst>
+        </pc:picChg>
+        <pc:picChg chg="add mod">
+          <ac:chgData name="Trung Nghia Nguyen" userId="caf0b1f78d203fdc" providerId="LiveId" clId="{FA98E611-7EE5-4D53-A8F6-A8478DA16B0D}" dt="2023-03-20T07:01:42.097" v="5556" actId="1076"/>
+          <ac:picMkLst>
+            <pc:docMk/>
+            <pc:sldMk cId="2511818953" sldId="270"/>
+            <ac:picMk id="13" creationId="{5ECDC6C7-6458-4D2B-BD68-F1E95B358571}"/>
+          </ac:picMkLst>
+        </pc:picChg>
+        <pc:cxnChg chg="add mod">
+          <ac:chgData name="Trung Nghia Nguyen" userId="caf0b1f78d203fdc" providerId="LiveId" clId="{FA98E611-7EE5-4D53-A8F6-A8478DA16B0D}" dt="2023-03-17T04:38:17.041" v="3037"/>
+          <ac:cxnSpMkLst>
+            <pc:docMk/>
+            <pc:sldMk cId="2511818953" sldId="270"/>
+            <ac:cxnSpMk id="3" creationId="{01D99BB4-E244-0C9E-63D6-F28CA9060656}"/>
+          </ac:cxnSpMkLst>
+        </pc:cxnChg>
+      </pc:sldChg>
+      <pc:sldChg chg="addSp delSp modSp add mod replId">
+        <pc:chgData name="Trung Nghia Nguyen" userId="caf0b1f78d203fdc" providerId="LiveId" clId="{FA98E611-7EE5-4D53-A8F6-A8478DA16B0D}" dt="2023-03-20T07:02:42.471" v="5724" actId="1076"/>
+        <pc:sldMkLst>
+          <pc:docMk/>
+          <pc:sldMk cId="2278832414" sldId="271"/>
+        </pc:sldMkLst>
+        <pc:spChg chg="mod">
+          <ac:chgData name="Trung Nghia Nguyen" userId="caf0b1f78d203fdc" providerId="LiveId" clId="{FA98E611-7EE5-4D53-A8F6-A8478DA16B0D}" dt="2023-03-16T06:10:13.451" v="1200" actId="20577"/>
+          <ac:spMkLst>
+            <pc:docMk/>
+            <pc:sldMk cId="2278832414" sldId="271"/>
+            <ac:spMk id="2" creationId="{30380714-4CD2-9849-80A6-8AC66F97DA6F}"/>
+          </ac:spMkLst>
+        </pc:spChg>
+        <pc:spChg chg="add del mod">
+          <ac:chgData name="Trung Nghia Nguyen" userId="caf0b1f78d203fdc" providerId="LiveId" clId="{FA98E611-7EE5-4D53-A8F6-A8478DA16B0D}" dt="2023-03-17T04:39:56.114" v="3076" actId="478"/>
+          <ac:spMkLst>
+            <pc:docMk/>
+            <pc:sldMk cId="2278832414" sldId="271"/>
+            <ac:spMk id="4" creationId="{75AE8E16-8704-F0FC-A727-505C588A8404}"/>
+          </ac:spMkLst>
+        </pc:spChg>
+        <pc:spChg chg="add mod">
+          <ac:chgData name="Trung Nghia Nguyen" userId="caf0b1f78d203fdc" providerId="LiveId" clId="{FA98E611-7EE5-4D53-A8F6-A8478DA16B0D}" dt="2023-03-20T07:02:42.471" v="5724" actId="1076"/>
+          <ac:spMkLst>
+            <pc:docMk/>
+            <pc:sldMk cId="2278832414" sldId="271"/>
+            <ac:spMk id="4" creationId="{F72DE690-623E-F6CB-33BB-A3DEC8E1BDBC}"/>
+          </ac:spMkLst>
+        </pc:spChg>
+        <pc:spChg chg="add mod">
+          <ac:chgData name="Trung Nghia Nguyen" userId="caf0b1f78d203fdc" providerId="LiveId" clId="{FA98E611-7EE5-4D53-A8F6-A8478DA16B0D}" dt="2023-03-19T19:43:19.278" v="4593" actId="20577"/>
+          <ac:spMkLst>
+            <pc:docMk/>
+            <pc:sldMk cId="2278832414" sldId="271"/>
+            <ac:spMk id="5" creationId="{C9086857-A576-49DA-0719-5BEB9C24F20C}"/>
+          </ac:spMkLst>
+        </pc:spChg>
+        <pc:spChg chg="add del">
+          <ac:chgData name="Trung Nghia Nguyen" userId="caf0b1f78d203fdc" providerId="LiveId" clId="{FA98E611-7EE5-4D53-A8F6-A8478DA16B0D}" dt="2023-03-18T18:48:21.799" v="3605" actId="22"/>
+          <ac:spMkLst>
+            <pc:docMk/>
+            <pc:sldMk cId="2278832414" sldId="271"/>
+            <ac:spMk id="6" creationId="{5B87C63A-F05D-9F9B-3078-B83C9F562134}"/>
+          </ac:spMkLst>
+        </pc:spChg>
+        <pc:spChg chg="mod">
+          <ac:chgData name="Trung Nghia Nguyen" userId="caf0b1f78d203fdc" providerId="LiveId" clId="{FA98E611-7EE5-4D53-A8F6-A8478DA16B0D}" dt="2023-03-16T06:10:27.110" v="1214" actId="20577"/>
+          <ac:spMkLst>
+            <pc:docMk/>
+            <pc:sldMk cId="2278832414" sldId="271"/>
+            <ac:spMk id="14" creationId="{63B4AB36-B54A-EA5C-2A74-F2C80BE0CBC4}"/>
+          </ac:spMkLst>
+        </pc:spChg>
+        <pc:picChg chg="add mod">
+          <ac:chgData name="Trung Nghia Nguyen" userId="caf0b1f78d203fdc" providerId="LiveId" clId="{FA98E611-7EE5-4D53-A8F6-A8478DA16B0D}" dt="2023-03-18T18:48:28.906" v="3609" actId="1076"/>
+          <ac:picMkLst>
+            <pc:docMk/>
+            <pc:sldMk cId="2278832414" sldId="271"/>
+            <ac:picMk id="8" creationId="{820423F8-513B-EEA7-5347-CED754AC2ADB}"/>
+          </ac:picMkLst>
+        </pc:picChg>
+        <pc:cxnChg chg="add mod">
+          <ac:chgData name="Trung Nghia Nguyen" userId="caf0b1f78d203fdc" providerId="LiveId" clId="{FA98E611-7EE5-4D53-A8F6-A8478DA16B0D}" dt="2023-03-17T04:38:18.269" v="3038"/>
+          <ac:cxnSpMkLst>
+            <pc:docMk/>
+            <pc:sldMk cId="2278832414" sldId="271"/>
+            <ac:cxnSpMk id="3" creationId="{0793C2BD-0304-6397-AA72-38E3636506AC}"/>
+          </ac:cxnSpMkLst>
+        </pc:cxnChg>
+      </pc:sldChg>
+      <pc:sldChg chg="addSp delSp modSp add mod">
+        <pc:chgData name="Trung Nghia Nguyen" userId="caf0b1f78d203fdc" providerId="LiveId" clId="{FA98E611-7EE5-4D53-A8F6-A8478DA16B0D}" dt="2023-03-20T07:19:32.351" v="7035" actId="20577"/>
+        <pc:sldMkLst>
+          <pc:docMk/>
+          <pc:sldMk cId="610409002" sldId="272"/>
+        </pc:sldMkLst>
+        <pc:spChg chg="mod">
+          <ac:chgData name="Trung Nghia Nguyen" userId="caf0b1f78d203fdc" providerId="LiveId" clId="{FA98E611-7EE5-4D53-A8F6-A8478DA16B0D}" dt="2023-03-19T19:37:12.524" v="4433" actId="114"/>
+          <ac:spMkLst>
+            <pc:docMk/>
+            <pc:sldMk cId="610409002" sldId="272"/>
+            <ac:spMk id="2" creationId="{30380714-4CD2-9849-80A6-8AC66F97DA6F}"/>
+          </ac:spMkLst>
+        </pc:spChg>
+        <pc:spChg chg="add mod">
+          <ac:chgData name="Trung Nghia Nguyen" userId="caf0b1f78d203fdc" providerId="LiveId" clId="{FA98E611-7EE5-4D53-A8F6-A8478DA16B0D}" dt="2023-03-20T07:19:32.351" v="7035" actId="20577"/>
+          <ac:spMkLst>
+            <pc:docMk/>
+            <pc:sldMk cId="610409002" sldId="272"/>
+            <ac:spMk id="4" creationId="{CE933A1E-D43F-BDBC-88C5-FA719398A112}"/>
+          </ac:spMkLst>
+        </pc:spChg>
+        <pc:spChg chg="add del mod">
+          <ac:chgData name="Trung Nghia Nguyen" userId="caf0b1f78d203fdc" providerId="LiveId" clId="{FA98E611-7EE5-4D53-A8F6-A8478DA16B0D}" dt="2023-03-19T19:41:14.049" v="4554" actId="478"/>
+          <ac:spMkLst>
+            <pc:docMk/>
+            <pc:sldMk cId="610409002" sldId="272"/>
+            <ac:spMk id="6" creationId="{6E7DC4E6-EDF3-8448-440F-42E4F1368376}"/>
+          </ac:spMkLst>
+        </pc:spChg>
+        <pc:spChg chg="mod">
+          <ac:chgData name="Trung Nghia Nguyen" userId="caf0b1f78d203fdc" providerId="LiveId" clId="{FA98E611-7EE5-4D53-A8F6-A8478DA16B0D}" dt="2023-03-16T06:11:24.344" v="1251" actId="20577"/>
+          <ac:spMkLst>
+            <pc:docMk/>
+            <pc:sldMk cId="610409002" sldId="272"/>
+            <ac:spMk id="14" creationId="{63B4AB36-B54A-EA5C-2A74-F2C80BE0CBC4}"/>
+          </ac:spMkLst>
+        </pc:spChg>
+        <pc:graphicFrameChg chg="add mod modGraphic">
+          <ac:chgData name="Trung Nghia Nguyen" userId="caf0b1f78d203fdc" providerId="LiveId" clId="{FA98E611-7EE5-4D53-A8F6-A8478DA16B0D}" dt="2023-03-19T19:41:20.482" v="4555" actId="1076"/>
+          <ac:graphicFrameMkLst>
+            <pc:docMk/>
+            <pc:sldMk cId="610409002" sldId="272"/>
+            <ac:graphicFrameMk id="7" creationId="{B54C5B81-FA74-EF54-364C-2501CA6C224F}"/>
+          </ac:graphicFrameMkLst>
+        </pc:graphicFrameChg>
+        <pc:cxnChg chg="add mod">
+          <ac:chgData name="Trung Nghia Nguyen" userId="caf0b1f78d203fdc" providerId="LiveId" clId="{FA98E611-7EE5-4D53-A8F6-A8478DA16B0D}" dt="2023-03-17T04:38:23.115" v="3041"/>
+          <ac:cxnSpMkLst>
+            <pc:docMk/>
+            <pc:sldMk cId="610409002" sldId="272"/>
+            <ac:cxnSpMk id="3" creationId="{435823BE-9FB1-635E-7F74-DEA50A87D246}"/>
+          </ac:cxnSpMkLst>
+        </pc:cxnChg>
+      </pc:sldChg>
+      <pc:sldChg chg="addSp delSp modSp add mod">
+        <pc:chgData name="Trung Nghia Nguyen" userId="caf0b1f78d203fdc" providerId="LiveId" clId="{FA98E611-7EE5-4D53-A8F6-A8478DA16B0D}" dt="2023-03-19T19:42:38.278" v="4577" actId="20577"/>
+        <pc:sldMkLst>
+          <pc:docMk/>
+          <pc:sldMk cId="3245475923" sldId="273"/>
+        </pc:sldMkLst>
+        <pc:spChg chg="del">
+          <ac:chgData name="Trung Nghia Nguyen" userId="caf0b1f78d203fdc" providerId="LiveId" clId="{FA98E611-7EE5-4D53-A8F6-A8478DA16B0D}" dt="2023-03-16T06:11:43.156" v="1253" actId="478"/>
+          <ac:spMkLst>
+            <pc:docMk/>
+            <pc:sldMk cId="3245475923" sldId="273"/>
+            <ac:spMk id="2" creationId="{30380714-4CD2-9849-80A6-8AC66F97DA6F}"/>
+          </ac:spMkLst>
+        </pc:spChg>
+        <pc:spChg chg="add mod">
+          <ac:chgData name="Trung Nghia Nguyen" userId="caf0b1f78d203fdc" providerId="LiveId" clId="{FA98E611-7EE5-4D53-A8F6-A8478DA16B0D}" dt="2023-03-16T06:16:03.718" v="1468" actId="20577"/>
+          <ac:spMkLst>
+            <pc:docMk/>
+            <pc:sldMk cId="3245475923" sldId="273"/>
+            <ac:spMk id="4" creationId="{459EF129-6740-B341-7BC7-05D580180742}"/>
+          </ac:spMkLst>
+        </pc:spChg>
+        <pc:spChg chg="add del mod">
+          <ac:chgData name="Trung Nghia Nguyen" userId="caf0b1f78d203fdc" providerId="LiveId" clId="{FA98E611-7EE5-4D53-A8F6-A8478DA16B0D}" dt="2023-03-17T04:39:23.979" v="3060" actId="478"/>
+          <ac:spMkLst>
+            <pc:docMk/>
+            <pc:sldMk cId="3245475923" sldId="273"/>
+            <ac:spMk id="5" creationId="{E1627484-B3B2-F2C3-F446-F44A1980716C}"/>
+          </ac:spMkLst>
+        </pc:spChg>
+        <pc:spChg chg="add mod">
+          <ac:chgData name="Trung Nghia Nguyen" userId="caf0b1f78d203fdc" providerId="LiveId" clId="{FA98E611-7EE5-4D53-A8F6-A8478DA16B0D}" dt="2023-03-19T19:42:38.278" v="4577" actId="20577"/>
+          <ac:spMkLst>
+            <pc:docMk/>
+            <pc:sldMk cId="3245475923" sldId="273"/>
+            <ac:spMk id="6" creationId="{F6D86575-6F62-E86B-CB8C-67FDEFFD30D6}"/>
+          </ac:spMkLst>
+        </pc:spChg>
+        <pc:graphicFrameChg chg="add mod modGraphic">
+          <ac:chgData name="Trung Nghia Nguyen" userId="caf0b1f78d203fdc" providerId="LiveId" clId="{FA98E611-7EE5-4D53-A8F6-A8478DA16B0D}" dt="2023-03-19T19:27:35.395" v="4349" actId="20577"/>
+          <ac:graphicFrameMkLst>
+            <pc:docMk/>
+            <pc:sldMk cId="3245475923" sldId="273"/>
+            <ac:graphicFrameMk id="3" creationId="{5E8325E1-BDCF-5783-E97F-C770E7E58F6D}"/>
+          </ac:graphicFrameMkLst>
+        </pc:graphicFrameChg>
+        <pc:cxnChg chg="add mod">
+          <ac:chgData name="Trung Nghia Nguyen" userId="caf0b1f78d203fdc" providerId="LiveId" clId="{FA98E611-7EE5-4D53-A8F6-A8478DA16B0D}" dt="2023-03-17T04:38:05.752" v="3030"/>
+          <ac:cxnSpMkLst>
+            <pc:docMk/>
+            <pc:sldMk cId="3245475923" sldId="273"/>
+            <ac:cxnSpMk id="2" creationId="{7C8A4417-1481-B1E7-23CC-E5C9CAD25F2C}"/>
+          </ac:cxnSpMkLst>
+        </pc:cxnChg>
+      </pc:sldChg>
+      <pc:sldChg chg="addSp delSp modSp add mod ord">
+        <pc:chgData name="Trung Nghia Nguyen" userId="caf0b1f78d203fdc" providerId="LiveId" clId="{FA98E611-7EE5-4D53-A8F6-A8478DA16B0D}" dt="2023-03-19T19:43:09.521" v="4587" actId="20577"/>
+        <pc:sldMkLst>
+          <pc:docMk/>
+          <pc:sldMk cId="1354583273" sldId="274"/>
+        </pc:sldMkLst>
+        <pc:spChg chg="add del mod">
+          <ac:chgData name="Trung Nghia Nguyen" userId="caf0b1f78d203fdc" providerId="LiveId" clId="{FA98E611-7EE5-4D53-A8F6-A8478DA16B0D}" dt="2023-03-17T04:39:47.372" v="3072" actId="478"/>
+          <ac:spMkLst>
+            <pc:docMk/>
+            <pc:sldMk cId="1354583273" sldId="274"/>
+            <ac:spMk id="5" creationId="{5C96A552-627E-CE46-EB0C-BD1DE0A52080}"/>
+          </ac:spMkLst>
+        </pc:spChg>
+        <pc:spChg chg="add mod">
+          <ac:chgData name="Trung Nghia Nguyen" userId="caf0b1f78d203fdc" providerId="LiveId" clId="{FA98E611-7EE5-4D53-A8F6-A8478DA16B0D}" dt="2023-03-19T19:43:09.521" v="4587" actId="20577"/>
+          <ac:spMkLst>
+            <pc:docMk/>
+            <pc:sldMk cId="1354583273" sldId="274"/>
+            <ac:spMk id="6" creationId="{2562B724-D426-FE46-6638-FB3781266C15}"/>
+          </ac:spMkLst>
+        </pc:spChg>
+        <pc:spChg chg="mod">
+          <ac:chgData name="Trung Nghia Nguyen" userId="caf0b1f78d203fdc" providerId="LiveId" clId="{FA98E611-7EE5-4D53-A8F6-A8478DA16B0D}" dt="2023-03-16T06:17:40.589" v="1559" actId="20577"/>
+          <ac:spMkLst>
+            <pc:docMk/>
+            <pc:sldMk cId="1354583273" sldId="274"/>
+            <ac:spMk id="14" creationId="{63B4AB36-B54A-EA5C-2A74-F2C80BE0CBC4}"/>
+          </ac:spMkLst>
+        </pc:spChg>
+        <pc:graphicFrameChg chg="add del modGraphic">
+          <ac:chgData name="Trung Nghia Nguyen" userId="caf0b1f78d203fdc" providerId="LiveId" clId="{FA98E611-7EE5-4D53-A8F6-A8478DA16B0D}" dt="2023-03-19T19:34:09.297" v="4407" actId="20577"/>
+          <ac:graphicFrameMkLst>
+            <pc:docMk/>
+            <pc:sldMk cId="1354583273" sldId="274"/>
+            <ac:graphicFrameMk id="3" creationId="{5E8325E1-BDCF-5783-E97F-C770E7E58F6D}"/>
+          </ac:graphicFrameMkLst>
+        </pc:graphicFrameChg>
+        <pc:cxnChg chg="add mod">
+          <ac:chgData name="Trung Nghia Nguyen" userId="caf0b1f78d203fdc" providerId="LiveId" clId="{FA98E611-7EE5-4D53-A8F6-A8478DA16B0D}" dt="2023-03-17T04:38:15.696" v="3036"/>
+          <ac:cxnSpMkLst>
+            <pc:docMk/>
+            <pc:sldMk cId="1354583273" sldId="274"/>
+            <ac:cxnSpMk id="2" creationId="{D42DA17F-60A5-AE4F-3CF5-1D8ED68A7208}"/>
+          </ac:cxnSpMkLst>
+        </pc:cxnChg>
+      </pc:sldChg>
+      <pc:sldChg chg="addSp delSp modSp add mod">
+        <pc:chgData name="Trung Nghia Nguyen" userId="caf0b1f78d203fdc" providerId="LiveId" clId="{FA98E611-7EE5-4D53-A8F6-A8478DA16B0D}" dt="2023-03-19T19:43:24.151" v="4596" actId="20577"/>
+        <pc:sldMkLst>
+          <pc:docMk/>
+          <pc:sldMk cId="288851990" sldId="275"/>
+        </pc:sldMkLst>
+        <pc:spChg chg="add del mod">
+          <ac:chgData name="Trung Nghia Nguyen" userId="caf0b1f78d203fdc" providerId="LiveId" clId="{FA98E611-7EE5-4D53-A8F6-A8478DA16B0D}" dt="2023-03-16T06:19:33.875" v="1634" actId="478"/>
+          <ac:spMkLst>
+            <pc:docMk/>
+            <pc:sldMk cId="288851990" sldId="275"/>
+            <ac:spMk id="5" creationId="{1C61A998-27D5-7046-F7BE-75F861F5E290}"/>
+          </ac:spMkLst>
+        </pc:spChg>
+        <pc:spChg chg="add del mod">
+          <ac:chgData name="Trung Nghia Nguyen" userId="caf0b1f78d203fdc" providerId="LiveId" clId="{FA98E611-7EE5-4D53-A8F6-A8478DA16B0D}" dt="2023-03-17T04:40:00.889" v="3078" actId="478"/>
+          <ac:spMkLst>
+            <pc:docMk/>
+            <pc:sldMk cId="288851990" sldId="275"/>
+            <ac:spMk id="5" creationId="{705A7030-1F27-CBA4-A7AA-C6D158A2EFFB}"/>
+          </ac:spMkLst>
+        </pc:spChg>
+        <pc:spChg chg="add mod">
+          <ac:chgData name="Trung Nghia Nguyen" userId="caf0b1f78d203fdc" providerId="LiveId" clId="{FA98E611-7EE5-4D53-A8F6-A8478DA16B0D}" dt="2023-03-19T19:43:24.151" v="4596" actId="20577"/>
+          <ac:spMkLst>
+            <pc:docMk/>
+            <pc:sldMk cId="288851990" sldId="275"/>
+            <ac:spMk id="6" creationId="{FA80F292-9DC6-3B07-3494-F7CEDA19647D}"/>
+          </ac:spMkLst>
+        </pc:spChg>
+        <pc:spChg chg="mod">
+          <ac:chgData name="Trung Nghia Nguyen" userId="caf0b1f78d203fdc" providerId="LiveId" clId="{FA98E611-7EE5-4D53-A8F6-A8478DA16B0D}" dt="2023-03-16T06:17:31.445" v="1541" actId="20577"/>
+          <ac:spMkLst>
+            <pc:docMk/>
+            <pc:sldMk cId="288851990" sldId="275"/>
+            <ac:spMk id="14" creationId="{63B4AB36-B54A-EA5C-2A74-F2C80BE0CBC4}"/>
+          </ac:spMkLst>
+        </pc:spChg>
+        <pc:graphicFrameChg chg="add del mod">
+          <ac:chgData name="Trung Nghia Nguyen" userId="caf0b1f78d203fdc" providerId="LiveId" clId="{FA98E611-7EE5-4D53-A8F6-A8478DA16B0D}" dt="2023-03-16T06:19:33.875" v="1634" actId="478"/>
+          <ac:graphicFrameMkLst>
+            <pc:docMk/>
+            <pc:sldMk cId="288851990" sldId="275"/>
+            <ac:graphicFrameMk id="2" creationId="{DE54A4EB-23C8-299C-A87F-8BB31473006A}"/>
+          </ac:graphicFrameMkLst>
+        </pc:graphicFrameChg>
+        <pc:graphicFrameChg chg="add del modGraphic">
+          <ac:chgData name="Trung Nghia Nguyen" userId="caf0b1f78d203fdc" providerId="LiveId" clId="{FA98E611-7EE5-4D53-A8F6-A8478DA16B0D}" dt="2023-03-19T19:34:24.716" v="4431" actId="20577"/>
+          <ac:graphicFrameMkLst>
+            <pc:docMk/>
+            <pc:sldMk cId="288851990" sldId="275"/>
+            <ac:graphicFrameMk id="3" creationId="{5E8325E1-BDCF-5783-E97F-C770E7E58F6D}"/>
+          </ac:graphicFrameMkLst>
+        </pc:graphicFrameChg>
+        <pc:cxnChg chg="add mod">
+          <ac:chgData name="Trung Nghia Nguyen" userId="caf0b1f78d203fdc" providerId="LiveId" clId="{FA98E611-7EE5-4D53-A8F6-A8478DA16B0D}" dt="2023-03-17T04:38:20.076" v="3039"/>
+          <ac:cxnSpMkLst>
+            <pc:docMk/>
+            <pc:sldMk cId="288851990" sldId="275"/>
+            <ac:cxnSpMk id="2" creationId="{9C1236E6-E36B-726A-5DB7-9CAC65580E73}"/>
+          </ac:cxnSpMkLst>
+        </pc:cxnChg>
+      </pc:sldChg>
+      <pc:sldChg chg="addSp delSp modSp add mod">
+        <pc:chgData name="Trung Nghia Nguyen" userId="caf0b1f78d203fdc" providerId="LiveId" clId="{FA98E611-7EE5-4D53-A8F6-A8478DA16B0D}" dt="2023-03-20T07:03:02.489" v="5743" actId="5793"/>
+        <pc:sldMkLst>
+          <pc:docMk/>
+          <pc:sldMk cId="2797651471" sldId="276"/>
+        </pc:sldMkLst>
+        <pc:spChg chg="mod">
+          <ac:chgData name="Trung Nghia Nguyen" userId="caf0b1f78d203fdc" providerId="LiveId" clId="{FA98E611-7EE5-4D53-A8F6-A8478DA16B0D}" dt="2023-03-16T06:20:01.560" v="1716" actId="20577"/>
+          <ac:spMkLst>
+            <pc:docMk/>
+            <pc:sldMk cId="2797651471" sldId="276"/>
+            <ac:spMk id="4" creationId="{459EF129-6740-B341-7BC7-05D580180742}"/>
+          </ac:spMkLst>
+        </pc:spChg>
+        <pc:spChg chg="add del mod">
+          <ac:chgData name="Trung Nghia Nguyen" userId="caf0b1f78d203fdc" providerId="LiveId" clId="{FA98E611-7EE5-4D53-A8F6-A8478DA16B0D}" dt="2023-03-17T04:40:05.232" v="3080" actId="478"/>
+          <ac:spMkLst>
+            <pc:docMk/>
+            <pc:sldMk cId="2797651471" sldId="276"/>
+            <ac:spMk id="5" creationId="{1A768D09-65B6-BD7C-A142-B559924B5F8D}"/>
+          </ac:spMkLst>
+        </pc:spChg>
+        <pc:spChg chg="add mod">
+          <ac:chgData name="Trung Nghia Nguyen" userId="caf0b1f78d203fdc" providerId="LiveId" clId="{FA98E611-7EE5-4D53-A8F6-A8478DA16B0D}" dt="2023-03-19T19:43:31.201" v="4599" actId="20577"/>
+          <ac:spMkLst>
+            <pc:docMk/>
+            <pc:sldMk cId="2797651471" sldId="276"/>
+            <ac:spMk id="6" creationId="{FD7465EC-84B6-406C-4864-45ADF9FB642F}"/>
+          </ac:spMkLst>
+        </pc:spChg>
+        <pc:spChg chg="mod">
+          <ac:chgData name="Trung Nghia Nguyen" userId="caf0b1f78d203fdc" providerId="LiveId" clId="{FA98E611-7EE5-4D53-A8F6-A8478DA16B0D}" dt="2023-03-16T06:19:48.634" v="1664" actId="20577"/>
+          <ac:spMkLst>
+            <pc:docMk/>
+            <pc:sldMk cId="2797651471" sldId="276"/>
+            <ac:spMk id="14" creationId="{63B4AB36-B54A-EA5C-2A74-F2C80BE0CBC4}"/>
+          </ac:spMkLst>
+        </pc:spChg>
+        <pc:graphicFrameChg chg="mod modGraphic">
+          <ac:chgData name="Trung Nghia Nguyen" userId="caf0b1f78d203fdc" providerId="LiveId" clId="{FA98E611-7EE5-4D53-A8F6-A8478DA16B0D}" dt="2023-03-20T07:03:02.489" v="5743" actId="5793"/>
+          <ac:graphicFrameMkLst>
+            <pc:docMk/>
+            <pc:sldMk cId="2797651471" sldId="276"/>
+            <ac:graphicFrameMk id="3" creationId="{5E8325E1-BDCF-5783-E97F-C770E7E58F6D}"/>
+          </ac:graphicFrameMkLst>
+        </pc:graphicFrameChg>
+        <pc:cxnChg chg="add mod">
+          <ac:chgData name="Trung Nghia Nguyen" userId="caf0b1f78d203fdc" providerId="LiveId" clId="{FA98E611-7EE5-4D53-A8F6-A8478DA16B0D}" dt="2023-03-17T04:38:21.533" v="3040"/>
+          <ac:cxnSpMkLst>
+            <pc:docMk/>
+            <pc:sldMk cId="2797651471" sldId="276"/>
+            <ac:cxnSpMk id="2" creationId="{E84DC22F-1018-3740-66B4-518AAE2387D5}"/>
+          </ac:cxnSpMkLst>
+        </pc:cxnChg>
+      </pc:sldChg>
+      <pc:sldChg chg="addSp delSp modSp add mod">
+        <pc:chgData name="Trung Nghia Nguyen" userId="caf0b1f78d203fdc" providerId="LiveId" clId="{FA98E611-7EE5-4D53-A8F6-A8478DA16B0D}" dt="2023-03-19T19:41:43.354" v="4559" actId="20577"/>
+        <pc:sldMkLst>
+          <pc:docMk/>
+          <pc:sldMk cId="1442048206" sldId="277"/>
+        </pc:sldMkLst>
+        <pc:spChg chg="add del mod">
+          <ac:chgData name="Trung Nghia Nguyen" userId="caf0b1f78d203fdc" providerId="LiveId" clId="{FA98E611-7EE5-4D53-A8F6-A8478DA16B0D}" dt="2023-03-17T04:38:51.609" v="3044" actId="478"/>
+          <ac:spMkLst>
+            <pc:docMk/>
+            <pc:sldMk cId="1442048206" sldId="277"/>
+            <ac:spMk id="3" creationId="{2A02747A-930E-E80B-D12A-3C88421445D2}"/>
+          </ac:spMkLst>
+        </pc:spChg>
+        <pc:spChg chg="add mod">
+          <ac:chgData name="Trung Nghia Nguyen" userId="caf0b1f78d203fdc" providerId="LiveId" clId="{FA98E611-7EE5-4D53-A8F6-A8478DA16B0D}" dt="2023-03-19T19:41:43.354" v="4559" actId="20577"/>
+          <ac:spMkLst>
+            <pc:docMk/>
+            <pc:sldMk cId="1442048206" sldId="277"/>
+            <ac:spMk id="4" creationId="{8C7A2A31-FB7A-4F1F-44D0-57F56E22618B}"/>
+          </ac:spMkLst>
+        </pc:spChg>
+        <pc:graphicFrameChg chg="add del mod modGraphic">
+          <ac:chgData name="Trung Nghia Nguyen" userId="caf0b1f78d203fdc" providerId="LiveId" clId="{FA98E611-7EE5-4D53-A8F6-A8478DA16B0D}" dt="2023-03-19T19:23:27.922" v="4268" actId="20577"/>
+          <ac:graphicFrameMkLst>
+            <pc:docMk/>
+            <pc:sldMk cId="1442048206" sldId="277"/>
+            <ac:graphicFrameMk id="16" creationId="{A794B221-780B-3E0D-DCDE-B4B669AD1AE3}"/>
+          </ac:graphicFrameMkLst>
+        </pc:graphicFrameChg>
+        <pc:cxnChg chg="add mod">
+          <ac:chgData name="Trung Nghia Nguyen" userId="caf0b1f78d203fdc" providerId="LiveId" clId="{FA98E611-7EE5-4D53-A8F6-A8478DA16B0D}" dt="2023-03-17T04:37:53.870" v="3022"/>
+          <ac:cxnSpMkLst>
+            <pc:docMk/>
+            <pc:sldMk cId="1442048206" sldId="277"/>
+            <ac:cxnSpMk id="2" creationId="{0AB1CEC5-2BAD-1C07-6B07-F474F46A98DB}"/>
+          </ac:cxnSpMkLst>
+        </pc:cxnChg>
+      </pc:sldChg>
+      <pc:sldChg chg="addSp delSp modSp add mod">
+        <pc:chgData name="Trung Nghia Nguyen" userId="caf0b1f78d203fdc" providerId="LiveId" clId="{FA98E611-7EE5-4D53-A8F6-A8478DA16B0D}" dt="2023-03-19T19:42:02.542" v="4567" actId="20577"/>
+        <pc:sldMkLst>
+          <pc:docMk/>
+          <pc:sldMk cId="599745211" sldId="278"/>
+        </pc:sldMkLst>
+        <pc:spChg chg="mod">
+          <ac:chgData name="Trung Nghia Nguyen" userId="caf0b1f78d203fdc" providerId="LiveId" clId="{FA98E611-7EE5-4D53-A8F6-A8478DA16B0D}" dt="2023-03-19T19:42:02.542" v="4567" actId="20577"/>
+          <ac:spMkLst>
+            <pc:docMk/>
+            <pc:sldMk cId="599745211" sldId="278"/>
+            <ac:spMk id="5" creationId="{5EFED488-422D-714E-BC8D-1EFFE4EB27EF}"/>
+          </ac:spMkLst>
+        </pc:spChg>
+        <pc:spChg chg="mod">
+          <ac:chgData name="Trung Nghia Nguyen" userId="caf0b1f78d203fdc" providerId="LiveId" clId="{FA98E611-7EE5-4D53-A8F6-A8478DA16B0D}" dt="2023-03-17T06:23:21.018" v="3181" actId="114"/>
+          <ac:spMkLst>
+            <pc:docMk/>
+            <pc:sldMk cId="599745211" sldId="278"/>
+            <ac:spMk id="6" creationId="{E89CDB90-AF28-D274-AC55-ECC8E0120E31}"/>
+          </ac:spMkLst>
+        </pc:spChg>
+        <pc:picChg chg="add mod">
+          <ac:chgData name="Trung Nghia Nguyen" userId="caf0b1f78d203fdc" providerId="LiveId" clId="{FA98E611-7EE5-4D53-A8F6-A8478DA16B0D}" dt="2023-03-17T06:22:56.812" v="3160" actId="1076"/>
+          <ac:picMkLst>
+            <pc:docMk/>
+            <pc:sldMk cId="599745211" sldId="278"/>
+            <ac:picMk id="7" creationId="{A8746AB3-58A2-74F9-9140-30A7E3ED3167}"/>
+          </ac:picMkLst>
+        </pc:picChg>
+        <pc:picChg chg="del">
+          <ac:chgData name="Trung Nghia Nguyen" userId="caf0b1f78d203fdc" providerId="LiveId" clId="{FA98E611-7EE5-4D53-A8F6-A8478DA16B0D}" dt="2023-03-17T06:22:21.850" v="3158" actId="478"/>
+          <ac:picMkLst>
+            <pc:docMk/>
+            <pc:sldMk cId="599745211" sldId="278"/>
+            <ac:picMk id="8" creationId="{64343610-2239-3C37-0292-61E9C46DADC0}"/>
+          </ac:picMkLst>
+        </pc:picChg>
+        <pc:picChg chg="del">
+          <ac:chgData name="Trung Nghia Nguyen" userId="caf0b1f78d203fdc" providerId="LiveId" clId="{FA98E611-7EE5-4D53-A8F6-A8478DA16B0D}" dt="2023-03-17T06:21:56.494" v="3151" actId="478"/>
+          <ac:picMkLst>
+            <pc:docMk/>
+            <pc:sldMk cId="599745211" sldId="278"/>
+            <ac:picMk id="1026" creationId="{8B6FAEF3-00E8-C2B6-6484-BD77EBFDEA2F}"/>
+          </ac:picMkLst>
+        </pc:picChg>
+        <pc:picChg chg="add mod">
+          <ac:chgData name="Trung Nghia Nguyen" userId="caf0b1f78d203fdc" providerId="LiveId" clId="{FA98E611-7EE5-4D53-A8F6-A8478DA16B0D}" dt="2023-03-17T06:23:24.904" v="3182" actId="1076"/>
+          <ac:picMkLst>
+            <pc:docMk/>
+            <pc:sldMk cId="599745211" sldId="278"/>
+            <ac:picMk id="2050" creationId="{10442409-7C1A-0341-44F3-33E0573712DD}"/>
+          </ac:picMkLst>
+        </pc:picChg>
+      </pc:sldChg>
+      <pc:sldChg chg="addSp delSp modSp add mod">
+        <pc:chgData name="Trung Nghia Nguyen" userId="caf0b1f78d203fdc" providerId="LiveId" clId="{FA98E611-7EE5-4D53-A8F6-A8478DA16B0D}" dt="2023-03-19T19:42:08.819" v="4569" actId="20577"/>
+        <pc:sldMkLst>
+          <pc:docMk/>
+          <pc:sldMk cId="2754922991" sldId="279"/>
+        </pc:sldMkLst>
+        <pc:spChg chg="mod">
+          <ac:chgData name="Trung Nghia Nguyen" userId="caf0b1f78d203fdc" providerId="LiveId" clId="{FA98E611-7EE5-4D53-A8F6-A8478DA16B0D}" dt="2023-03-19T19:42:08.819" v="4569" actId="20577"/>
+          <ac:spMkLst>
+            <pc:docMk/>
+            <pc:sldMk cId="2754922991" sldId="279"/>
+            <ac:spMk id="5" creationId="{5EFED488-422D-714E-BC8D-1EFFE4EB27EF}"/>
+          </ac:spMkLst>
+        </pc:spChg>
+        <pc:spChg chg="mod">
+          <ac:chgData name="Trung Nghia Nguyen" userId="caf0b1f78d203fdc" providerId="LiveId" clId="{FA98E611-7EE5-4D53-A8F6-A8478DA16B0D}" dt="2023-03-17T06:26:42.641" v="3210" actId="1076"/>
+          <ac:spMkLst>
+            <pc:docMk/>
+            <pc:sldMk cId="2754922991" sldId="279"/>
+            <ac:spMk id="6" creationId="{E89CDB90-AF28-D274-AC55-ECC8E0120E31}"/>
+          </ac:spMkLst>
+        </pc:spChg>
+        <pc:picChg chg="del">
+          <ac:chgData name="Trung Nghia Nguyen" userId="caf0b1f78d203fdc" providerId="LiveId" clId="{FA98E611-7EE5-4D53-A8F6-A8478DA16B0D}" dt="2023-03-17T06:25:39.982" v="3191" actId="478"/>
+          <ac:picMkLst>
+            <pc:docMk/>
+            <pc:sldMk cId="2754922991" sldId="279"/>
+            <ac:picMk id="7" creationId="{A8746AB3-58A2-74F9-9140-30A7E3ED3167}"/>
+          </ac:picMkLst>
+        </pc:picChg>
+        <pc:picChg chg="add mod">
+          <ac:chgData name="Trung Nghia Nguyen" userId="caf0b1f78d203fdc" providerId="LiveId" clId="{FA98E611-7EE5-4D53-A8F6-A8478DA16B0D}" dt="2023-03-17T06:26:17.123" v="3195" actId="14100"/>
+          <ac:picMkLst>
+            <pc:docMk/>
+            <pc:sldMk cId="2754922991" sldId="279"/>
+            <ac:picMk id="8" creationId="{2BCBC959-D18B-486A-A2CE-1317A0097C33}"/>
+          </ac:picMkLst>
+        </pc:picChg>
+        <pc:picChg chg="del">
+          <ac:chgData name="Trung Nghia Nguyen" userId="caf0b1f78d203fdc" providerId="LiveId" clId="{FA98E611-7EE5-4D53-A8F6-A8478DA16B0D}" dt="2023-03-17T06:25:21.497" v="3184" actId="478"/>
+          <ac:picMkLst>
+            <pc:docMk/>
+            <pc:sldMk cId="2754922991" sldId="279"/>
+            <ac:picMk id="2050" creationId="{10442409-7C1A-0341-44F3-33E0573712DD}"/>
+          </ac:picMkLst>
+        </pc:picChg>
+        <pc:picChg chg="add mod">
+          <ac:chgData name="Trung Nghia Nguyen" userId="caf0b1f78d203fdc" providerId="LiveId" clId="{FA98E611-7EE5-4D53-A8F6-A8478DA16B0D}" dt="2023-03-17T06:26:27.754" v="3197" actId="14100"/>
+          <ac:picMkLst>
+            <pc:docMk/>
+            <pc:sldMk cId="2754922991" sldId="279"/>
+            <ac:picMk id="3074" creationId="{0282A2DD-FF67-A086-5C74-2D8174B11DC8}"/>
+          </ac:picMkLst>
+        </pc:picChg>
+      </pc:sldChg>
+      <pc:sldChg chg="addSp modSp add mod modNotesTx">
+        <pc:chgData name="Trung Nghia Nguyen" userId="caf0b1f78d203fdc" providerId="LiveId" clId="{FA98E611-7EE5-4D53-A8F6-A8478DA16B0D}" dt="2023-03-19T19:42:13.274" v="4571" actId="20577"/>
+        <pc:sldMkLst>
+          <pc:docMk/>
+          <pc:sldMk cId="1570060703" sldId="280"/>
+        </pc:sldMkLst>
+        <pc:spChg chg="mod">
+          <ac:chgData name="Trung Nghia Nguyen" userId="caf0b1f78d203fdc" providerId="LiveId" clId="{FA98E611-7EE5-4D53-A8F6-A8478DA16B0D}" dt="2023-03-19T19:42:13.274" v="4571" actId="20577"/>
+          <ac:spMkLst>
+            <pc:docMk/>
+            <pc:sldMk cId="1570060703" sldId="280"/>
+            <ac:spMk id="5" creationId="{7AF6E6C4-7E4D-6951-DD77-D67FDB08BE33}"/>
+          </ac:spMkLst>
+        </pc:spChg>
+        <pc:spChg chg="mod">
+          <ac:chgData name="Trung Nghia Nguyen" userId="caf0b1f78d203fdc" providerId="LiveId" clId="{FA98E611-7EE5-4D53-A8F6-A8478DA16B0D}" dt="2023-03-17T07:03:30.383" v="3264" actId="1076"/>
+          <ac:spMkLst>
+            <pc:docMk/>
+            <pc:sldMk cId="1570060703" sldId="280"/>
+            <ac:spMk id="7" creationId="{C27A575E-AACF-0BC5-FF71-5FCE2C283EAA}"/>
+          </ac:spMkLst>
+        </pc:spChg>
+        <pc:picChg chg="add mod">
+          <ac:chgData name="Trung Nghia Nguyen" userId="caf0b1f78d203fdc" providerId="LiveId" clId="{FA98E611-7EE5-4D53-A8F6-A8478DA16B0D}" dt="2023-03-18T17:45:27.382" v="3465" actId="1076"/>
+          <ac:picMkLst>
+            <pc:docMk/>
+            <pc:sldMk cId="1570060703" sldId="280"/>
+            <ac:picMk id="6" creationId="{2B44FC83-2398-5E3A-C381-62AE739D08A6}"/>
+          </ac:picMkLst>
+        </pc:picChg>
+      </pc:sldChg>
+      <pc:sldChg chg="addSp delSp modSp add mod">
+        <pc:chgData name="Trung Nghia Nguyen" userId="caf0b1f78d203fdc" providerId="LiveId" clId="{FA98E611-7EE5-4D53-A8F6-A8478DA16B0D}" dt="2023-03-19T19:42:18.183" v="4572" actId="20577"/>
+        <pc:sldMkLst>
+          <pc:docMk/>
+          <pc:sldMk cId="3262030844" sldId="281"/>
+        </pc:sldMkLst>
+        <pc:spChg chg="mod">
+          <ac:chgData name="Trung Nghia Nguyen" userId="caf0b1f78d203fdc" providerId="LiveId" clId="{FA98E611-7EE5-4D53-A8F6-A8478DA16B0D}" dt="2023-03-19T19:42:18.183" v="4572" actId="20577"/>
+          <ac:spMkLst>
+            <pc:docMk/>
+            <pc:sldMk cId="3262030844" sldId="281"/>
+            <ac:spMk id="5" creationId="{7AF6E6C4-7E4D-6951-DD77-D67FDB08BE33}"/>
+          </ac:spMkLst>
+        </pc:spChg>
+        <pc:spChg chg="del mod">
+          <ac:chgData name="Trung Nghia Nguyen" userId="caf0b1f78d203fdc" providerId="LiveId" clId="{FA98E611-7EE5-4D53-A8F6-A8478DA16B0D}" dt="2023-03-18T17:45:45.010" v="3467" actId="478"/>
+          <ac:spMkLst>
+            <pc:docMk/>
+            <pc:sldMk cId="3262030844" sldId="281"/>
+            <ac:spMk id="7" creationId="{C27A575E-AACF-0BC5-FF71-5FCE2C283EAA}"/>
+          </ac:spMkLst>
+        </pc:spChg>
+        <pc:spChg chg="add mod">
+          <ac:chgData name="Trung Nghia Nguyen" userId="caf0b1f78d203fdc" providerId="LiveId" clId="{FA98E611-7EE5-4D53-A8F6-A8478DA16B0D}" dt="2023-03-18T17:45:47.896" v="3470" actId="20577"/>
+          <ac:spMkLst>
+            <pc:docMk/>
+            <pc:sldMk cId="3262030844" sldId="281"/>
+            <ac:spMk id="9" creationId="{51CE0FD5-4BE3-F7D8-2BC7-6F59ED933512}"/>
+          </ac:spMkLst>
+        </pc:spChg>
+        <pc:picChg chg="del">
+          <ac:chgData name="Trung Nghia Nguyen" userId="caf0b1f78d203fdc" providerId="LiveId" clId="{FA98E611-7EE5-4D53-A8F6-A8478DA16B0D}" dt="2023-03-18T17:44:32.151" v="3443" actId="478"/>
+          <ac:picMkLst>
+            <pc:docMk/>
+            <pc:sldMk cId="3262030844" sldId="281"/>
+            <ac:picMk id="6" creationId="{2B44FC83-2398-5E3A-C381-62AE739D08A6}"/>
+          </ac:picMkLst>
+        </pc:picChg>
+        <pc:picChg chg="add mod ord">
+          <ac:chgData name="Trung Nghia Nguyen" userId="caf0b1f78d203fdc" providerId="LiveId" clId="{FA98E611-7EE5-4D53-A8F6-A8478DA16B0D}" dt="2023-03-18T17:45:32.441" v="3466" actId="1076"/>
+          <ac:picMkLst>
+            <pc:docMk/>
+            <pc:sldMk cId="3262030844" sldId="281"/>
+            <ac:picMk id="8" creationId="{E0B6CD8B-6138-6045-0302-D72BA24864A4}"/>
+          </ac:picMkLst>
+        </pc:picChg>
+      </pc:sldChg>
+      <pc:sldChg chg="delSp modSp add del mod">
+        <pc:chgData name="Trung Nghia Nguyen" userId="caf0b1f78d203fdc" providerId="LiveId" clId="{FA98E611-7EE5-4D53-A8F6-A8478DA16B0D}" dt="2023-03-18T17:45:55.167" v="3471" actId="47"/>
+        <pc:sldMkLst>
+          <pc:docMk/>
+          <pc:sldMk cId="1576429670" sldId="282"/>
+        </pc:sldMkLst>
+        <pc:spChg chg="mod">
+          <ac:chgData name="Trung Nghia Nguyen" userId="caf0b1f78d203fdc" providerId="LiveId" clId="{FA98E611-7EE5-4D53-A8F6-A8478DA16B0D}" dt="2023-03-18T17:45:13.631" v="3462" actId="20577"/>
+          <ac:spMkLst>
+            <pc:docMk/>
+            <pc:sldMk cId="1576429670" sldId="282"/>
+            <ac:spMk id="7" creationId="{C27A575E-AACF-0BC5-FF71-5FCE2C283EAA}"/>
+          </ac:spMkLst>
+        </pc:spChg>
+        <pc:picChg chg="del mod">
+          <ac:chgData name="Trung Nghia Nguyen" userId="caf0b1f78d203fdc" providerId="LiveId" clId="{FA98E611-7EE5-4D53-A8F6-A8478DA16B0D}" dt="2023-03-18T17:45:17.520" v="3464" actId="478"/>
+          <ac:picMkLst>
+            <pc:docMk/>
+            <pc:sldMk cId="1576429670" sldId="282"/>
+            <ac:picMk id="8" creationId="{E0B6CD8B-6138-6045-0302-D72BA24864A4}"/>
+          </ac:picMkLst>
+        </pc:picChg>
+      </pc:sldChg>
+      <pc:sldChg chg="addSp delSp modSp add mod">
+        <pc:chgData name="Trung Nghia Nguyen" userId="caf0b1f78d203fdc" providerId="LiveId" clId="{FA98E611-7EE5-4D53-A8F6-A8478DA16B0D}" dt="2023-03-19T19:42:21.407" v="4573" actId="20577"/>
+        <pc:sldMkLst>
+          <pc:docMk/>
+          <pc:sldMk cId="4109717965" sldId="282"/>
+        </pc:sldMkLst>
+        <pc:spChg chg="mod">
+          <ac:chgData name="Trung Nghia Nguyen" userId="caf0b1f78d203fdc" providerId="LiveId" clId="{FA98E611-7EE5-4D53-A8F6-A8478DA16B0D}" dt="2023-03-19T19:42:21.407" v="4573" actId="20577"/>
+          <ac:spMkLst>
+            <pc:docMk/>
+            <pc:sldMk cId="4109717965" sldId="282"/>
+            <ac:spMk id="5" creationId="{7AF6E6C4-7E4D-6951-DD77-D67FDB08BE33}"/>
+          </ac:spMkLst>
+        </pc:spChg>
+        <pc:spChg chg="mod">
+          <ac:chgData name="Trung Nghia Nguyen" userId="caf0b1f78d203fdc" providerId="LiveId" clId="{FA98E611-7EE5-4D53-A8F6-A8478DA16B0D}" dt="2023-03-18T17:46:02.114" v="3483" actId="20577"/>
+          <ac:spMkLst>
+            <pc:docMk/>
+            <pc:sldMk cId="4109717965" sldId="282"/>
+            <ac:spMk id="9" creationId="{51CE0FD5-4BE3-F7D8-2BC7-6F59ED933512}"/>
+          </ac:spMkLst>
+        </pc:spChg>
+        <pc:picChg chg="add mod ord">
+          <ac:chgData name="Trung Nghia Nguyen" userId="caf0b1f78d203fdc" providerId="LiveId" clId="{FA98E611-7EE5-4D53-A8F6-A8478DA16B0D}" dt="2023-03-18T17:58:07.675" v="3491" actId="167"/>
+          <ac:picMkLst>
+            <pc:docMk/>
+            <pc:sldMk cId="4109717965" sldId="282"/>
+            <ac:picMk id="6" creationId="{507FC860-8B46-AEB4-EE18-02AC586D78D6}"/>
+          </ac:picMkLst>
+        </pc:picChg>
+        <pc:picChg chg="del">
+          <ac:chgData name="Trung Nghia Nguyen" userId="caf0b1f78d203fdc" providerId="LiveId" clId="{FA98E611-7EE5-4D53-A8F6-A8478DA16B0D}" dt="2023-03-18T17:46:06.175" v="3484" actId="478"/>
+          <ac:picMkLst>
+            <pc:docMk/>
+            <pc:sldMk cId="4109717965" sldId="282"/>
+            <ac:picMk id="8" creationId="{E0B6CD8B-6138-6045-0302-D72BA24864A4}"/>
+          </ac:picMkLst>
+        </pc:picChg>
+      </pc:sldChg>
+      <pc:sldChg chg="addSp delSp modSp add mod">
+        <pc:chgData name="Trung Nghia Nguyen" userId="caf0b1f78d203fdc" providerId="LiveId" clId="{FA98E611-7EE5-4D53-A8F6-A8478DA16B0D}" dt="2023-03-20T07:19:24.474" v="7031" actId="20577"/>
+        <pc:sldMkLst>
+          <pc:docMk/>
+          <pc:sldMk cId="3273506458" sldId="283"/>
+        </pc:sldMkLst>
+        <pc:spChg chg="mod">
+          <ac:chgData name="Trung Nghia Nguyen" userId="caf0b1f78d203fdc" providerId="LiveId" clId="{FA98E611-7EE5-4D53-A8F6-A8478DA16B0D}" dt="2023-03-20T07:11:30.957" v="5765" actId="20577"/>
+          <ac:spMkLst>
+            <pc:docMk/>
+            <pc:sldMk cId="3273506458" sldId="283"/>
+            <ac:spMk id="4" creationId="{459EF129-6740-B341-7BC7-05D580180742}"/>
+          </ac:spMkLst>
+        </pc:spChg>
+        <pc:spChg chg="add mod">
+          <ac:chgData name="Trung Nghia Nguyen" userId="caf0b1f78d203fdc" providerId="LiveId" clId="{FA98E611-7EE5-4D53-A8F6-A8478DA16B0D}" dt="2023-03-20T07:17:20.280" v="6905" actId="20577"/>
+          <ac:spMkLst>
+            <pc:docMk/>
+            <pc:sldMk cId="3273506458" sldId="283"/>
+            <ac:spMk id="5" creationId="{B124AB6E-B685-3C3C-17A7-881BC0274152}"/>
+          </ac:spMkLst>
+        </pc:spChg>
+        <pc:spChg chg="mod">
+          <ac:chgData name="Trung Nghia Nguyen" userId="caf0b1f78d203fdc" providerId="LiveId" clId="{FA98E611-7EE5-4D53-A8F6-A8478DA16B0D}" dt="2023-03-20T07:19:24.474" v="7031" actId="20577"/>
+          <ac:spMkLst>
+            <pc:docMk/>
+            <pc:sldMk cId="3273506458" sldId="283"/>
+            <ac:spMk id="6" creationId="{FD7465EC-84B6-406C-4864-45ADF9FB642F}"/>
+          </ac:spMkLst>
+        </pc:spChg>
+        <pc:graphicFrameChg chg="del">
+          <ac:chgData name="Trung Nghia Nguyen" userId="caf0b1f78d203fdc" providerId="LiveId" clId="{FA98E611-7EE5-4D53-A8F6-A8478DA16B0D}" dt="2023-03-20T07:11:34.358" v="5766" actId="478"/>
+          <ac:graphicFrameMkLst>
+            <pc:docMk/>
+            <pc:sldMk cId="3273506458" sldId="283"/>
+            <ac:graphicFrameMk id="3" creationId="{5E8325E1-BDCF-5783-E97F-C770E7E58F6D}"/>
+          </ac:graphicFrameMkLst>
+        </pc:graphicFrameChg>
+      </pc:sldChg>
+      <pc:sldChg chg="modSp add mod">
+        <pc:chgData name="Trung Nghia Nguyen" userId="caf0b1f78d203fdc" providerId="LiveId" clId="{FA98E611-7EE5-4D53-A8F6-A8478DA16B0D}" dt="2023-03-20T07:19:27.761" v="7033" actId="20577"/>
+        <pc:sldMkLst>
+          <pc:docMk/>
+          <pc:sldMk cId="1076178229" sldId="284"/>
+        </pc:sldMkLst>
+        <pc:spChg chg="mod">
+          <ac:chgData name="Trung Nghia Nguyen" userId="caf0b1f78d203fdc" providerId="LiveId" clId="{FA98E611-7EE5-4D53-A8F6-A8478DA16B0D}" dt="2023-03-20T07:13:46.504" v="6236" actId="20577"/>
+          <ac:spMkLst>
+            <pc:docMk/>
+            <pc:sldMk cId="1076178229" sldId="284"/>
+            <ac:spMk id="4" creationId="{459EF129-6740-B341-7BC7-05D580180742}"/>
+          </ac:spMkLst>
+        </pc:spChg>
+        <pc:spChg chg="mod">
+          <ac:chgData name="Trung Nghia Nguyen" userId="caf0b1f78d203fdc" providerId="LiveId" clId="{FA98E611-7EE5-4D53-A8F6-A8478DA16B0D}" dt="2023-03-20T07:17:45.459" v="7028" actId="20577"/>
+          <ac:spMkLst>
+            <pc:docMk/>
+            <pc:sldMk cId="1076178229" sldId="284"/>
+            <ac:spMk id="5" creationId="{B124AB6E-B685-3C3C-17A7-881BC0274152}"/>
+          </ac:spMkLst>
+        </pc:spChg>
+        <pc:spChg chg="mod">
+          <ac:chgData name="Trung Nghia Nguyen" userId="caf0b1f78d203fdc" providerId="LiveId" clId="{FA98E611-7EE5-4D53-A8F6-A8478DA16B0D}" dt="2023-03-20T07:19:27.761" v="7033" actId="20577"/>
+          <ac:spMkLst>
+            <pc:docMk/>
+            <pc:sldMk cId="1076178229" sldId="284"/>
+            <ac:spMk id="6" creationId="{FD7465EC-84B6-406C-4864-45ADF9FB642F}"/>
+          </ac:spMkLst>
+        </pc:spChg>
+      </pc:sldChg>
+      <pc:sldMasterChg chg="modSp modSldLayout">
+        <pc:chgData name="Trung Nghia Nguyen" userId="caf0b1f78d203fdc" providerId="LiveId" clId="{FA98E611-7EE5-4D53-A8F6-A8478DA16B0D}" dt="2023-03-16T04:24:21.249" v="1"/>
+        <pc:sldMasterMkLst>
+          <pc:docMk/>
+          <pc:sldMasterMk cId="4059755660" sldId="2147483648"/>
+        </pc:sldMasterMkLst>
+        <pc:spChg chg="mod">
+          <ac:chgData name="Trung Nghia Nguyen" userId="caf0b1f78d203fdc" providerId="LiveId" clId="{FA98E611-7EE5-4D53-A8F6-A8478DA16B0D}" dt="2023-03-16T04:24:21.249" v="1"/>
+          <ac:spMkLst>
+            <pc:docMk/>
+            <pc:sldMasterMk cId="4059755660" sldId="2147483648"/>
+            <ac:spMk id="2" creationId="{B2D67379-2759-837D-8A05-4E6A0DDE2D19}"/>
+          </ac:spMkLst>
+        </pc:spChg>
+        <pc:spChg chg="mod">
+          <ac:chgData name="Trung Nghia Nguyen" userId="caf0b1f78d203fdc" providerId="LiveId" clId="{FA98E611-7EE5-4D53-A8F6-A8478DA16B0D}" dt="2023-03-16T04:24:21.249" v="1"/>
+          <ac:spMkLst>
+            <pc:docMk/>
+            <pc:sldMasterMk cId="4059755660" sldId="2147483648"/>
+            <ac:spMk id="3" creationId="{99B37396-7B88-C02D-A162-F60FA508DCA3}"/>
+          </ac:spMkLst>
+        </pc:spChg>
+        <pc:spChg chg="mod">
+          <ac:chgData name="Trung Nghia Nguyen" userId="caf0b1f78d203fdc" providerId="LiveId" clId="{FA98E611-7EE5-4D53-A8F6-A8478DA16B0D}" dt="2023-03-16T04:24:21.249" v="1"/>
+          <ac:spMkLst>
+            <pc:docMk/>
+            <pc:sldMasterMk cId="4059755660" sldId="2147483648"/>
+            <ac:spMk id="4" creationId="{E65690C1-1221-B102-60D2-80F80E3202EF}"/>
+          </ac:spMkLst>
+        </pc:spChg>
+        <pc:spChg chg="mod">
+          <ac:chgData name="Trung Nghia Nguyen" userId="caf0b1f78d203fdc" providerId="LiveId" clId="{FA98E611-7EE5-4D53-A8F6-A8478DA16B0D}" dt="2023-03-16T04:24:21.249" v="1"/>
+          <ac:spMkLst>
+            <pc:docMk/>
+            <pc:sldMasterMk cId="4059755660" sldId="2147483648"/>
+            <ac:spMk id="5" creationId="{F9B3DA1D-A670-2B94-689B-5A0BD6A8FA66}"/>
+          </ac:spMkLst>
+        </pc:spChg>
+        <pc:spChg chg="mod">
+          <ac:chgData name="Trung Nghia Nguyen" userId="caf0b1f78d203fdc" providerId="LiveId" clId="{FA98E611-7EE5-4D53-A8F6-A8478DA16B0D}" dt="2023-03-16T04:24:21.249" v="1"/>
+          <ac:spMkLst>
+            <pc:docMk/>
+            <pc:sldMasterMk cId="4059755660" sldId="2147483648"/>
+            <ac:spMk id="6" creationId="{B272B73D-FCFD-D42C-84CD-E490A92E0787}"/>
+          </ac:spMkLst>
+        </pc:spChg>
+        <pc:sldLayoutChg chg="modSp">
+          <pc:chgData name="Trung Nghia Nguyen" userId="caf0b1f78d203fdc" providerId="LiveId" clId="{FA98E611-7EE5-4D53-A8F6-A8478DA16B0D}" dt="2023-03-16T04:24:21.249" v="1"/>
+          <pc:sldLayoutMkLst>
+            <pc:docMk/>
+            <pc:sldMasterMk cId="4059755660" sldId="2147483648"/>
+            <pc:sldLayoutMk cId="912823077" sldId="2147483649"/>
+          </pc:sldLayoutMkLst>
+          <pc:spChg chg="mod">
+            <ac:chgData name="Trung Nghia Nguyen" userId="caf0b1f78d203fdc" providerId="LiveId" clId="{FA98E611-7EE5-4D53-A8F6-A8478DA16B0D}" dt="2023-03-16T04:24:21.249" v="1"/>
+            <ac:spMkLst>
+              <pc:docMk/>
+              <pc:sldMasterMk cId="4059755660" sldId="2147483648"/>
+              <pc:sldLayoutMk cId="912823077" sldId="2147483649"/>
+              <ac:spMk id="2" creationId="{D31639CA-6F26-7538-7F3D-9E50D532089C}"/>
+            </ac:spMkLst>
+          </pc:spChg>
+          <pc:spChg chg="mod">
+            <ac:chgData name="Trung Nghia Nguyen" userId="caf0b1f78d203fdc" providerId="LiveId" clId="{FA98E611-7EE5-4D53-A8F6-A8478DA16B0D}" dt="2023-03-16T04:24:21.249" v="1"/>
+            <ac:spMkLst>
+              <pc:docMk/>
+              <pc:sldMasterMk cId="4059755660" sldId="2147483648"/>
+              <pc:sldLayoutMk cId="912823077" sldId="2147483649"/>
+              <ac:spMk id="3" creationId="{47088B79-B7D1-065B-7E28-EE7CCC9D8D8C}"/>
+            </ac:spMkLst>
+          </pc:spChg>
+        </pc:sldLayoutChg>
+        <pc:sldLayoutChg chg="modSp">
+          <pc:chgData name="Trung Nghia Nguyen" userId="caf0b1f78d203fdc" providerId="LiveId" clId="{FA98E611-7EE5-4D53-A8F6-A8478DA16B0D}" dt="2023-03-16T04:24:21.249" v="1"/>
+          <pc:sldLayoutMkLst>
+            <pc:docMk/>
+            <pc:sldMasterMk cId="4059755660" sldId="2147483648"/>
+            <pc:sldLayoutMk cId="4244664039" sldId="2147483651"/>
+          </pc:sldLayoutMkLst>
+          <pc:spChg chg="mod">
+            <ac:chgData name="Trung Nghia Nguyen" userId="caf0b1f78d203fdc" providerId="LiveId" clId="{FA98E611-7EE5-4D53-A8F6-A8478DA16B0D}" dt="2023-03-16T04:24:21.249" v="1"/>
+            <ac:spMkLst>
+              <pc:docMk/>
+              <pc:sldMasterMk cId="4059755660" sldId="2147483648"/>
+              <pc:sldLayoutMk cId="4244664039" sldId="2147483651"/>
+              <ac:spMk id="2" creationId="{6DC09468-E8F7-0727-97AE-C8D9A5F5793F}"/>
+            </ac:spMkLst>
+          </pc:spChg>
+          <pc:spChg chg="mod">
+            <ac:chgData name="Trung Nghia Nguyen" userId="caf0b1f78d203fdc" providerId="LiveId" clId="{FA98E611-7EE5-4D53-A8F6-A8478DA16B0D}" dt="2023-03-16T04:24:21.249" v="1"/>
+            <ac:spMkLst>
+              <pc:docMk/>
+              <pc:sldMasterMk cId="4059755660" sldId="2147483648"/>
+              <pc:sldLayoutMk cId="4244664039" sldId="2147483651"/>
+              <ac:spMk id="3" creationId="{3E3D54D9-4FA1-84EC-C922-E53A36688E96}"/>
+            </ac:spMkLst>
+          </pc:spChg>
+        </pc:sldLayoutChg>
+        <pc:sldLayoutChg chg="modSp">
+          <pc:chgData name="Trung Nghia Nguyen" userId="caf0b1f78d203fdc" providerId="LiveId" clId="{FA98E611-7EE5-4D53-A8F6-A8478DA16B0D}" dt="2023-03-16T04:24:21.249" v="1"/>
+          <pc:sldLayoutMkLst>
+            <pc:docMk/>
+            <pc:sldMasterMk cId="4059755660" sldId="2147483648"/>
+            <pc:sldLayoutMk cId="94315718" sldId="2147483652"/>
+          </pc:sldLayoutMkLst>
+          <pc:spChg chg="mod">
+            <ac:chgData name="Trung Nghia Nguyen" userId="caf0b1f78d203fdc" providerId="LiveId" clId="{FA98E611-7EE5-4D53-A8F6-A8478DA16B0D}" dt="2023-03-16T04:24:21.249" v="1"/>
+            <ac:spMkLst>
+              <pc:docMk/>
+              <pc:sldMasterMk cId="4059755660" sldId="2147483648"/>
+              <pc:sldLayoutMk cId="94315718" sldId="2147483652"/>
+              <ac:spMk id="3" creationId="{A22BADF9-AA7A-4F93-D9BE-3E7CD80C5F99}"/>
+            </ac:spMkLst>
+          </pc:spChg>
+          <pc:spChg chg="mod">
+            <ac:chgData name="Trung Nghia Nguyen" userId="caf0b1f78d203fdc" providerId="LiveId" clId="{FA98E611-7EE5-4D53-A8F6-A8478DA16B0D}" dt="2023-03-16T04:24:21.249" v="1"/>
+            <ac:spMkLst>
+              <pc:docMk/>
+              <pc:sldMasterMk cId="4059755660" sldId="2147483648"/>
+              <pc:sldLayoutMk cId="94315718" sldId="2147483652"/>
+              <ac:spMk id="4" creationId="{E961C63B-7DA7-F8A0-3EC3-0FD62780EF1B}"/>
+            </ac:spMkLst>
+          </pc:spChg>
+        </pc:sldLayoutChg>
+        <pc:sldLayoutChg chg="modSp">
+          <pc:chgData name="Trung Nghia Nguyen" userId="caf0b1f78d203fdc" providerId="LiveId" clId="{FA98E611-7EE5-4D53-A8F6-A8478DA16B0D}" dt="2023-03-16T04:24:21.249" v="1"/>
+          <pc:sldLayoutMkLst>
+            <pc:docMk/>
+            <pc:sldMasterMk cId="4059755660" sldId="2147483648"/>
+            <pc:sldLayoutMk cId="1517603845" sldId="2147483653"/>
+          </pc:sldLayoutMkLst>
+          <pc:spChg chg="mod">
+            <ac:chgData name="Trung Nghia Nguyen" userId="caf0b1f78d203fdc" providerId="LiveId" clId="{FA98E611-7EE5-4D53-A8F6-A8478DA16B0D}" dt="2023-03-16T04:24:21.249" v="1"/>
+            <ac:spMkLst>
+              <pc:docMk/>
+              <pc:sldMasterMk cId="4059755660" sldId="2147483648"/>
+              <pc:sldLayoutMk cId="1517603845" sldId="2147483653"/>
+              <ac:spMk id="2" creationId="{C5F78EF1-B040-6964-8385-BBA5E27B458D}"/>
+            </ac:spMkLst>
+          </pc:spChg>
+          <pc:spChg chg="mod">
+            <ac:chgData name="Trung Nghia Nguyen" userId="caf0b1f78d203fdc" providerId="LiveId" clId="{FA98E611-7EE5-4D53-A8F6-A8478DA16B0D}" dt="2023-03-16T04:24:21.249" v="1"/>
+            <ac:spMkLst>
+              <pc:docMk/>
+              <pc:sldMasterMk cId="4059755660" sldId="2147483648"/>
+              <pc:sldLayoutMk cId="1517603845" sldId="2147483653"/>
+              <ac:spMk id="3" creationId="{9BB9E17E-7B1D-D9E9-ACF5-DD2926F88DE2}"/>
+            </ac:spMkLst>
+          </pc:spChg>
+          <pc:spChg chg="mod">
+            <ac:chgData name="Trung Nghia Nguyen" userId="caf0b1f78d203fdc" providerId="LiveId" clId="{FA98E611-7EE5-4D53-A8F6-A8478DA16B0D}" dt="2023-03-16T04:24:21.249" v="1"/>
+            <ac:spMkLst>
+              <pc:docMk/>
+              <pc:sldMasterMk cId="4059755660" sldId="2147483648"/>
+              <pc:sldLayoutMk cId="1517603845" sldId="2147483653"/>
+              <ac:spMk id="4" creationId="{ABC77E19-1971-1F1D-0A7C-268164BFA01B}"/>
+            </ac:spMkLst>
+          </pc:spChg>
+          <pc:spChg chg="mod">
+            <ac:chgData name="Trung Nghia Nguyen" userId="caf0b1f78d203fdc" providerId="LiveId" clId="{FA98E611-7EE5-4D53-A8F6-A8478DA16B0D}" dt="2023-03-16T04:24:21.249" v="1"/>
+            <ac:spMkLst>
+              <pc:docMk/>
+              <pc:sldMasterMk cId="4059755660" sldId="2147483648"/>
+              <pc:sldLayoutMk cId="1517603845" sldId="2147483653"/>
+              <ac:spMk id="5" creationId="{3B8E416E-2124-FC67-7AE6-86FCFD09DEAE}"/>
+            </ac:spMkLst>
+          </pc:spChg>
+          <pc:spChg chg="mod">
+            <ac:chgData name="Trung Nghia Nguyen" userId="caf0b1f78d203fdc" providerId="LiveId" clId="{FA98E611-7EE5-4D53-A8F6-A8478DA16B0D}" dt="2023-03-16T04:24:21.249" v="1"/>
+            <ac:spMkLst>
+              <pc:docMk/>
+              <pc:sldMasterMk cId="4059755660" sldId="2147483648"/>
+              <pc:sldLayoutMk cId="1517603845" sldId="2147483653"/>
+              <ac:spMk id="6" creationId="{F22134C3-4BF2-8D17-CF8C-E8DB924903F7}"/>
+            </ac:spMkLst>
+          </pc:spChg>
+        </pc:sldLayoutChg>
+        <pc:sldLayoutChg chg="modSp">
+          <pc:chgData name="Trung Nghia Nguyen" userId="caf0b1f78d203fdc" providerId="LiveId" clId="{FA98E611-7EE5-4D53-A8F6-A8478DA16B0D}" dt="2023-03-16T04:24:21.249" v="1"/>
+          <pc:sldLayoutMkLst>
+            <pc:docMk/>
+            <pc:sldMasterMk cId="4059755660" sldId="2147483648"/>
+            <pc:sldLayoutMk cId="3301296023" sldId="2147483656"/>
+          </pc:sldLayoutMkLst>
+          <pc:spChg chg="mod">
+            <ac:chgData name="Trung Nghia Nguyen" userId="caf0b1f78d203fdc" providerId="LiveId" clId="{FA98E611-7EE5-4D53-A8F6-A8478DA16B0D}" dt="2023-03-16T04:24:21.249" v="1"/>
+            <ac:spMkLst>
+              <pc:docMk/>
+              <pc:sldMasterMk cId="4059755660" sldId="2147483648"/>
+              <pc:sldLayoutMk cId="3301296023" sldId="2147483656"/>
+              <ac:spMk id="2" creationId="{A96F6EC6-3FE3-1206-8E59-B0A5CF424B7A}"/>
+            </ac:spMkLst>
+          </pc:spChg>
+          <pc:spChg chg="mod">
+            <ac:chgData name="Trung Nghia Nguyen" userId="caf0b1f78d203fdc" providerId="LiveId" clId="{FA98E611-7EE5-4D53-A8F6-A8478DA16B0D}" dt="2023-03-16T04:24:21.249" v="1"/>
+            <ac:spMkLst>
+              <pc:docMk/>
+              <pc:sldMasterMk cId="4059755660" sldId="2147483648"/>
+              <pc:sldLayoutMk cId="3301296023" sldId="2147483656"/>
+              <ac:spMk id="3" creationId="{A28537D4-31F1-0A4D-DC65-A500F2ADEE00}"/>
+            </ac:spMkLst>
+          </pc:spChg>
+          <pc:spChg chg="mod">
+            <ac:chgData name="Trung Nghia Nguyen" userId="caf0b1f78d203fdc" providerId="LiveId" clId="{FA98E611-7EE5-4D53-A8F6-A8478DA16B0D}" dt="2023-03-16T04:24:21.249" v="1"/>
+            <ac:spMkLst>
+              <pc:docMk/>
+              <pc:sldMasterMk cId="4059755660" sldId="2147483648"/>
+              <pc:sldLayoutMk cId="3301296023" sldId="2147483656"/>
+              <ac:spMk id="4" creationId="{3DB3F611-D57C-9F51-FA71-6A04464665EA}"/>
+            </ac:spMkLst>
+          </pc:spChg>
+        </pc:sldLayoutChg>
+        <pc:sldLayoutChg chg="modSp">
+          <pc:chgData name="Trung Nghia Nguyen" userId="caf0b1f78d203fdc" providerId="LiveId" clId="{FA98E611-7EE5-4D53-A8F6-A8478DA16B0D}" dt="2023-03-16T04:24:21.249" v="1"/>
+          <pc:sldLayoutMkLst>
+            <pc:docMk/>
+            <pc:sldMasterMk cId="4059755660" sldId="2147483648"/>
+            <pc:sldLayoutMk cId="3980980981" sldId="2147483657"/>
+          </pc:sldLayoutMkLst>
+          <pc:spChg chg="mod">
+            <ac:chgData name="Trung Nghia Nguyen" userId="caf0b1f78d203fdc" providerId="LiveId" clId="{FA98E611-7EE5-4D53-A8F6-A8478DA16B0D}" dt="2023-03-16T04:24:21.249" v="1"/>
+            <ac:spMkLst>
+              <pc:docMk/>
+              <pc:sldMasterMk cId="4059755660" sldId="2147483648"/>
+              <pc:sldLayoutMk cId="3980980981" sldId="2147483657"/>
+              <ac:spMk id="2" creationId="{237D36DA-64FB-D642-7030-6BAFE4855757}"/>
+            </ac:spMkLst>
+          </pc:spChg>
+          <pc:spChg chg="mod">
+            <ac:chgData name="Trung Nghia Nguyen" userId="caf0b1f78d203fdc" providerId="LiveId" clId="{FA98E611-7EE5-4D53-A8F6-A8478DA16B0D}" dt="2023-03-16T04:24:21.249" v="1"/>
+            <ac:spMkLst>
+              <pc:docMk/>
+              <pc:sldMasterMk cId="4059755660" sldId="2147483648"/>
+              <pc:sldLayoutMk cId="3980980981" sldId="2147483657"/>
+              <ac:spMk id="3" creationId="{7052E064-3192-1887-F10B-CCCDA53B2E03}"/>
+            </ac:spMkLst>
+          </pc:spChg>
+          <pc:spChg chg="mod">
+            <ac:chgData name="Trung Nghia Nguyen" userId="caf0b1f78d203fdc" providerId="LiveId" clId="{FA98E611-7EE5-4D53-A8F6-A8478DA16B0D}" dt="2023-03-16T04:24:21.249" v="1"/>
+            <ac:spMkLst>
+              <pc:docMk/>
+              <pc:sldMasterMk cId="4059755660" sldId="2147483648"/>
+              <pc:sldLayoutMk cId="3980980981" sldId="2147483657"/>
+              <ac:spMk id="4" creationId="{11E68653-7C97-A908-78F8-3277CAB88A52}"/>
+            </ac:spMkLst>
+          </pc:spChg>
+        </pc:sldLayoutChg>
+        <pc:sldLayoutChg chg="modSp">
+          <pc:chgData name="Trung Nghia Nguyen" userId="caf0b1f78d203fdc" providerId="LiveId" clId="{FA98E611-7EE5-4D53-A8F6-A8478DA16B0D}" dt="2023-03-16T04:24:21.249" v="1"/>
+          <pc:sldLayoutMkLst>
+            <pc:docMk/>
+            <pc:sldMasterMk cId="4059755660" sldId="2147483648"/>
+            <pc:sldLayoutMk cId="2276858793" sldId="2147483659"/>
+          </pc:sldLayoutMkLst>
+          <pc:spChg chg="mod">
+            <ac:chgData name="Trung Nghia Nguyen" userId="caf0b1f78d203fdc" providerId="LiveId" clId="{FA98E611-7EE5-4D53-A8F6-A8478DA16B0D}" dt="2023-03-16T04:24:21.249" v="1"/>
+            <ac:spMkLst>
+              <pc:docMk/>
+              <pc:sldMasterMk cId="4059755660" sldId="2147483648"/>
+              <pc:sldLayoutMk cId="2276858793" sldId="2147483659"/>
+              <ac:spMk id="2" creationId="{10440481-0CE0-EA81-540D-672738586412}"/>
+            </ac:spMkLst>
+          </pc:spChg>
+          <pc:spChg chg="mod">
+            <ac:chgData name="Trung Nghia Nguyen" userId="caf0b1f78d203fdc" providerId="LiveId" clId="{FA98E611-7EE5-4D53-A8F6-A8478DA16B0D}" dt="2023-03-16T04:24:21.249" v="1"/>
+            <ac:spMkLst>
+              <pc:docMk/>
+              <pc:sldMasterMk cId="4059755660" sldId="2147483648"/>
+              <pc:sldLayoutMk cId="2276858793" sldId="2147483659"/>
+              <ac:spMk id="3" creationId="{F22739C1-3E12-8ACB-2068-84CC6DC2726A}"/>
+            </ac:spMkLst>
+          </pc:spChg>
+        </pc:sldLayoutChg>
+      </pc:sldMasterChg>
+    </pc:docChg>
+  </pc:docChgLst>
 </pc:chgInfo>
 </file>
 
@@ -3392,7 +3392,7 @@
           <a:p>
             <a:fld id="{51F95020-72AA-4787-B4DB-4E5B3A15E30F}" type="datetimeFigureOut">
               <a:rPr lang="en-US" smtClean="0"/>
-              <a:t>12/04/2023</a:t>
+              <a:t>4/18/2023</a:t>
             </a:fld>
             <a:endParaRPr lang="en-US"/>
           </a:p>
@@ -3790,7 +3790,7 @@
           <a:p>
             <a:fld id="{2AB4A3C8-EB3A-4B87-95B8-3265ADB47806}" type="datetimeFigureOut">
               <a:rPr lang="en-US" smtClean="0"/>
-              <a:t>12/04/2023</a:t>
+              <a:t>4/18/2023</a:t>
             </a:fld>
             <a:endParaRPr lang="en-US"/>
           </a:p>
@@ -3960,7 +3960,7 @@
           <a:p>
             <a:fld id="{2AB4A3C8-EB3A-4B87-95B8-3265ADB47806}" type="datetimeFigureOut">
               <a:rPr lang="en-US" smtClean="0"/>
-              <a:t>12/04/2023</a:t>
+              <a:t>4/18/2023</a:t>
             </a:fld>
             <a:endParaRPr lang="en-US"/>
           </a:p>
@@ -4140,7 +4140,7 @@
           <a:p>
             <a:fld id="{2AB4A3C8-EB3A-4B87-95B8-3265ADB47806}" type="datetimeFigureOut">
               <a:rPr lang="en-US" smtClean="0"/>
-              <a:t>12/04/2023</a:t>
+              <a:t>4/18/2023</a:t>
             </a:fld>
             <a:endParaRPr lang="en-US"/>
           </a:p>
@@ -4310,7 +4310,7 @@
           <a:p>
             <a:fld id="{2AB4A3C8-EB3A-4B87-95B8-3265ADB47806}" type="datetimeFigureOut">
               <a:rPr lang="en-US" smtClean="0"/>
-              <a:t>12/04/2023</a:t>
+              <a:t>4/18/2023</a:t>
             </a:fld>
             <a:endParaRPr lang="en-US"/>
           </a:p>
@@ -4554,7 +4554,7 @@
           <a:p>
             <a:fld id="{2AB4A3C8-EB3A-4B87-95B8-3265ADB47806}" type="datetimeFigureOut">
               <a:rPr lang="en-US" smtClean="0"/>
-              <a:t>12/04/2023</a:t>
+              <a:t>4/18/2023</a:t>
             </a:fld>
             <a:endParaRPr lang="en-US"/>
           </a:p>
@@ -4786,7 +4786,7 @@
           <a:p>
             <a:fld id="{2AB4A3C8-EB3A-4B87-95B8-3265ADB47806}" type="datetimeFigureOut">
               <a:rPr lang="en-US" smtClean="0"/>
-              <a:t>12/04/2023</a:t>
+              <a:t>4/18/2023</a:t>
             </a:fld>
             <a:endParaRPr lang="en-US"/>
           </a:p>
@@ -5153,7 +5153,7 @@
           <a:p>
             <a:fld id="{2AB4A3C8-EB3A-4B87-95B8-3265ADB47806}" type="datetimeFigureOut">
               <a:rPr lang="en-US" smtClean="0"/>
-              <a:t>12/04/2023</a:t>
+              <a:t>4/18/2023</a:t>
             </a:fld>
             <a:endParaRPr lang="en-US"/>
           </a:p>
@@ -5271,7 +5271,7 @@
           <a:p>
             <a:fld id="{2AB4A3C8-EB3A-4B87-95B8-3265ADB47806}" type="datetimeFigureOut">
               <a:rPr lang="en-US" smtClean="0"/>
-              <a:t>12/04/2023</a:t>
+              <a:t>4/18/2023</a:t>
             </a:fld>
             <a:endParaRPr lang="en-US"/>
           </a:p>
@@ -5366,7 +5366,7 @@
           <a:p>
             <a:fld id="{2AB4A3C8-EB3A-4B87-95B8-3265ADB47806}" type="datetimeFigureOut">
               <a:rPr lang="en-US" smtClean="0"/>
-              <a:t>12/04/2023</a:t>
+              <a:t>4/18/2023</a:t>
             </a:fld>
             <a:endParaRPr lang="en-US"/>
           </a:p>
@@ -5643,7 +5643,7 @@
           <a:p>
             <a:fld id="{2AB4A3C8-EB3A-4B87-95B8-3265ADB47806}" type="datetimeFigureOut">
               <a:rPr lang="en-US" smtClean="0"/>
-              <a:t>12/04/2023</a:t>
+              <a:t>4/18/2023</a:t>
             </a:fld>
             <a:endParaRPr lang="en-US"/>
           </a:p>
@@ -5899,7 +5899,7 @@
           <a:p>
             <a:fld id="{2AB4A3C8-EB3A-4B87-95B8-3265ADB47806}" type="datetimeFigureOut">
               <a:rPr lang="en-US" smtClean="0"/>
-              <a:t>12/04/2023</a:t>
+              <a:t>4/18/2023</a:t>
             </a:fld>
             <a:endParaRPr lang="en-US"/>
           </a:p>
@@ -6112,7 +6112,7 @@
           <a:p>
             <a:fld id="{2AB4A3C8-EB3A-4B87-95B8-3265ADB47806}" type="datetimeFigureOut">
               <a:rPr lang="en-US" smtClean="0"/>
-              <a:t>12/04/2023</a:t>
+              <a:t>4/18/2023</a:t>
             </a:fld>
             <a:endParaRPr lang="en-US"/>
           </a:p>
@@ -7839,10 +7839,274 @@
       </p:sp>
       <p:pic>
         <p:nvPicPr>
-          <p:cNvPr id="6" name="Picture 5">
+          <p:cNvPr id="3" name="Picture 10">
             <a:extLst>
               <a:ext uri="{FF2B5EF4-FFF2-40B4-BE49-F238E27FC236}">
-                <a16:creationId xmlns:a16="http://schemas.microsoft.com/office/drawing/2014/main" id="{F896E633-BB9F-818B-C978-E0845A96D19D}"/>
+                <a16:creationId xmlns:a16="http://schemas.microsoft.com/office/drawing/2014/main" id="{3E934195-854B-7911-2EDD-2AC0625B9140}"/>
+              </a:ext>
+            </a:extLst>
+          </p:cNvPr>
+          <p:cNvPicPr>
+            <a:picLocks noChangeAspect="1" noChangeArrowheads="1"/>
+          </p:cNvPicPr>
+          <p:nvPr/>
+        </p:nvPicPr>
+        <p:blipFill>
+          <a:blip r:embed="rId2">
+            <a:extLst>
+              <a:ext uri="{28A0092B-C50C-407E-A947-70E740481C1C}">
+                <a14:useLocalDpi xmlns:a14="http://schemas.microsoft.com/office/drawing/2010/main" val="0"/>
+              </a:ext>
+            </a:extLst>
+          </a:blip>
+          <a:srcRect/>
+          <a:stretch>
+            <a:fillRect/>
+          </a:stretch>
+        </p:blipFill>
+        <p:spPr bwMode="auto">
+          <a:xfrm>
+            <a:off x="76200" y="119063"/>
+            <a:ext cx="1114424" cy="614791"/>
+          </a:xfrm>
+          <a:prstGeom prst="rect">
+            <a:avLst/>
+          </a:prstGeom>
+          <a:noFill/>
+          <a:extLst>
+            <a:ext uri="{909E8E84-426E-40DD-AFC4-6F175D3DCCD1}">
+              <a14:hiddenFill xmlns:a14="http://schemas.microsoft.com/office/drawing/2010/main">
+                <a:solidFill>
+                  <a:srgbClr val="FFFFFF"/>
+                </a:solidFill>
+              </a14:hiddenFill>
+            </a:ext>
+          </a:extLst>
+        </p:spPr>
+      </p:pic>
+      <p:cxnSp>
+        <p:nvCxnSpPr>
+          <p:cNvPr id="7" name="Straight Connector 6">
+            <a:extLst>
+              <a:ext uri="{FF2B5EF4-FFF2-40B4-BE49-F238E27FC236}">
+                <a16:creationId xmlns:a16="http://schemas.microsoft.com/office/drawing/2014/main" id="{4B844266-EA6B-472E-A3D7-9D35A42FEDA1}"/>
+              </a:ext>
+            </a:extLst>
+          </p:cNvPr>
+          <p:cNvCxnSpPr>
+            <a:cxnSpLocks/>
+          </p:cNvCxnSpPr>
+          <p:nvPr/>
+        </p:nvCxnSpPr>
+        <p:spPr>
+          <a:xfrm>
+            <a:off x="76200" y="847725"/>
+            <a:ext cx="7648575" cy="0"/>
+          </a:xfrm>
+          <a:prstGeom prst="line">
+            <a:avLst/>
+          </a:prstGeom>
+        </p:spPr>
+        <p:style>
+          <a:lnRef idx="1">
+            <a:schemeClr val="accent1"/>
+          </a:lnRef>
+          <a:fillRef idx="0">
+            <a:schemeClr val="accent1"/>
+          </a:fillRef>
+          <a:effectRef idx="0">
+            <a:schemeClr val="accent1"/>
+          </a:effectRef>
+          <a:fontRef idx="minor">
+            <a:schemeClr val="tx1"/>
+          </a:fontRef>
+        </p:style>
+      </p:cxnSp>
+      <p:sp>
+        <p:nvSpPr>
+          <p:cNvPr id="9" name="TextBox 8">
+            <a:extLst>
+              <a:ext uri="{FF2B5EF4-FFF2-40B4-BE49-F238E27FC236}">
+                <a16:creationId xmlns:a16="http://schemas.microsoft.com/office/drawing/2014/main" id="{23138F62-9B41-3529-F526-DDDB40DC698F}"/>
+              </a:ext>
+            </a:extLst>
+          </p:cNvPr>
+          <p:cNvSpPr txBox="1"/>
+          <p:nvPr/>
+        </p:nvSpPr>
+        <p:spPr>
+          <a:xfrm>
+            <a:off x="1390650" y="236792"/>
+            <a:ext cx="6362700" cy="369332"/>
+          </a:xfrm>
+          <a:prstGeom prst="rect">
+            <a:avLst/>
+          </a:prstGeom>
+          <a:noFill/>
+        </p:spPr>
+        <p:txBody>
+          <a:bodyPr wrap="square" rtlCol="0">
+            <a:spAutoFit/>
+          </a:bodyPr>
+          <a:lstStyle/>
+          <a:p>
+            <a:r>
+              <a:rPr lang="fr-FR" b="1"/>
+              <a:t>Câu 2 (2.0 điểm): Adversarial Search</a:t>
+            </a:r>
+            <a:endParaRPr lang="en-US" b="1"/>
+          </a:p>
+        </p:txBody>
+      </p:sp>
+      <p:cxnSp>
+        <p:nvCxnSpPr>
+          <p:cNvPr id="10" name="Straight Connector 9">
+            <a:extLst>
+              <a:ext uri="{FF2B5EF4-FFF2-40B4-BE49-F238E27FC236}">
+                <a16:creationId xmlns:a16="http://schemas.microsoft.com/office/drawing/2014/main" id="{892C3C70-8EC0-788D-5DB7-ED14D2C4E337}"/>
+              </a:ext>
+            </a:extLst>
+          </p:cNvPr>
+          <p:cNvCxnSpPr>
+            <a:cxnSpLocks/>
+          </p:cNvCxnSpPr>
+          <p:nvPr/>
+        </p:nvCxnSpPr>
+        <p:spPr>
+          <a:xfrm>
+            <a:off x="4752975" y="6238875"/>
+            <a:ext cx="4286250" cy="0"/>
+          </a:xfrm>
+          <a:prstGeom prst="line">
+            <a:avLst/>
+          </a:prstGeom>
+        </p:spPr>
+        <p:style>
+          <a:lnRef idx="1">
+            <a:schemeClr val="accent1"/>
+          </a:lnRef>
+          <a:fillRef idx="0">
+            <a:schemeClr val="accent1"/>
+          </a:fillRef>
+          <a:effectRef idx="0">
+            <a:schemeClr val="accent1"/>
+          </a:effectRef>
+          <a:fontRef idx="minor">
+            <a:schemeClr val="tx1"/>
+          </a:fontRef>
+        </p:style>
+      </p:cxnSp>
+      <p:sp>
+        <p:nvSpPr>
+          <p:cNvPr id="12" name="TextBox 11">
+            <a:extLst>
+              <a:ext uri="{FF2B5EF4-FFF2-40B4-BE49-F238E27FC236}">
+                <a16:creationId xmlns:a16="http://schemas.microsoft.com/office/drawing/2014/main" id="{CDE89CAA-0419-D752-6836-07A79F5E38C7}"/>
+              </a:ext>
+            </a:extLst>
+          </p:cNvPr>
+          <p:cNvSpPr txBox="1"/>
+          <p:nvPr/>
+        </p:nvSpPr>
+        <p:spPr>
+          <a:xfrm>
+            <a:off x="7753350" y="6336334"/>
+            <a:ext cx="1285874" cy="369332"/>
+          </a:xfrm>
+          <a:prstGeom prst="rect">
+            <a:avLst/>
+          </a:prstGeom>
+          <a:noFill/>
+        </p:spPr>
+        <p:txBody>
+          <a:bodyPr wrap="square" rtlCol="0">
+            <a:spAutoFit/>
+          </a:bodyPr>
+          <a:lstStyle/>
+          <a:p>
+            <a:r>
+              <a:rPr lang="en-US"/>
+              <a:t>Trang 10</a:t>
+            </a:r>
+          </a:p>
+        </p:txBody>
+      </p:sp>
+      <p:sp>
+        <p:nvSpPr>
+          <p:cNvPr id="13" name="TextBox 12">
+            <a:extLst>
+              <a:ext uri="{FF2B5EF4-FFF2-40B4-BE49-F238E27FC236}">
+                <a16:creationId xmlns:a16="http://schemas.microsoft.com/office/drawing/2014/main" id="{87B1AB70-F47B-77BB-421C-2008A6178502}"/>
+              </a:ext>
+            </a:extLst>
+          </p:cNvPr>
+          <p:cNvSpPr txBox="1"/>
+          <p:nvPr/>
+        </p:nvSpPr>
+        <p:spPr>
+          <a:xfrm>
+            <a:off x="304800" y="1228725"/>
+            <a:ext cx="5210175" cy="369332"/>
+          </a:xfrm>
+          <a:prstGeom prst="rect">
+            <a:avLst/>
+          </a:prstGeom>
+          <a:noFill/>
+        </p:spPr>
+        <p:txBody>
+          <a:bodyPr wrap="square" rtlCol="0">
+            <a:spAutoFit/>
+          </a:bodyPr>
+          <a:lstStyle/>
+          <a:p>
+            <a:r>
+              <a:rPr lang="en-US"/>
+              <a:t>YC2.3</a:t>
+            </a:r>
+          </a:p>
+        </p:txBody>
+      </p:sp>
+      <p:sp>
+        <p:nvSpPr>
+          <p:cNvPr id="15" name="TextBox 14">
+            <a:extLst>
+              <a:ext uri="{FF2B5EF4-FFF2-40B4-BE49-F238E27FC236}">
+                <a16:creationId xmlns:a16="http://schemas.microsoft.com/office/drawing/2014/main" id="{0C1AB01C-1294-90EE-174E-AEA75813511F}"/>
+              </a:ext>
+            </a:extLst>
+          </p:cNvPr>
+          <p:cNvSpPr txBox="1"/>
+          <p:nvPr/>
+        </p:nvSpPr>
+        <p:spPr>
+          <a:xfrm>
+            <a:off x="3654922" y="5784645"/>
+            <a:ext cx="1834156" cy="369332"/>
+          </a:xfrm>
+          <a:prstGeom prst="rect">
+            <a:avLst/>
+          </a:prstGeom>
+          <a:noFill/>
+        </p:spPr>
+        <p:txBody>
+          <a:bodyPr wrap="none" rtlCol="0">
+            <a:spAutoFit/>
+          </a:bodyPr>
+          <a:lstStyle/>
+          <a:p>
+            <a:r>
+              <a:rPr lang="en-US" i="1"/>
+              <a:t>Cài đặt hàm run()</a:t>
+            </a:r>
+          </a:p>
+        </p:txBody>
+      </p:sp>
+      <p:pic>
+        <p:nvPicPr>
+          <p:cNvPr id="16" name="Picture 15">
+            <a:extLst>
+              <a:ext uri="{FF2B5EF4-FFF2-40B4-BE49-F238E27FC236}">
+                <a16:creationId xmlns:a16="http://schemas.microsoft.com/office/drawing/2014/main" id="{032988E1-D986-0F66-D747-83EE16096C12}"/>
               </a:ext>
             </a:extLst>
           </p:cNvPr>
@@ -7859,14 +8123,79 @@
         </p:blipFill>
         <p:spPr>
           <a:xfrm>
-            <a:off x="619295" y="1587179"/>
-            <a:ext cx="7905410" cy="4064838"/>
+            <a:off x="510124" y="1975699"/>
+            <a:ext cx="4799526" cy="3512845"/>
           </a:xfrm>
           <a:prstGeom prst="rect">
             <a:avLst/>
           </a:prstGeom>
         </p:spPr>
       </p:pic>
+      <p:pic>
+        <p:nvPicPr>
+          <p:cNvPr id="17" name="Picture 16">
+            <a:extLst>
+              <a:ext uri="{FF2B5EF4-FFF2-40B4-BE49-F238E27FC236}">
+                <a16:creationId xmlns:a16="http://schemas.microsoft.com/office/drawing/2014/main" id="{CBF38A24-8871-E789-D084-44BC158A0A93}"/>
+              </a:ext>
+            </a:extLst>
+          </p:cNvPr>
+          <p:cNvPicPr>
+            <a:picLocks noChangeAspect="1"/>
+          </p:cNvPicPr>
+          <p:nvPr/>
+        </p:nvPicPr>
+        <p:blipFill>
+          <a:blip r:embed="rId4"/>
+          <a:stretch>
+            <a:fillRect/>
+          </a:stretch>
+        </p:blipFill>
+        <p:spPr>
+          <a:xfrm>
+            <a:off x="5967158" y="3294450"/>
+            <a:ext cx="2742790" cy="875341"/>
+          </a:xfrm>
+          <a:prstGeom prst="rect">
+            <a:avLst/>
+          </a:prstGeom>
+        </p:spPr>
+      </p:pic>
+      <p:sp>
+        <p:nvSpPr>
+          <p:cNvPr id="18" name="TextBox 17">
+            <a:extLst>
+              <a:ext uri="{FF2B5EF4-FFF2-40B4-BE49-F238E27FC236}">
+                <a16:creationId xmlns:a16="http://schemas.microsoft.com/office/drawing/2014/main" id="{A0685E4F-FDAB-ABCE-7FE0-415BEEA52EBD}"/>
+              </a:ext>
+            </a:extLst>
+          </p:cNvPr>
+          <p:cNvSpPr txBox="1"/>
+          <p:nvPr/>
+        </p:nvSpPr>
+        <p:spPr>
+          <a:xfrm>
+            <a:off x="2069076" y="1606367"/>
+            <a:ext cx="2082621" cy="369332"/>
+          </a:xfrm>
+          <a:prstGeom prst="rect">
+            <a:avLst/>
+          </a:prstGeom>
+          <a:noFill/>
+        </p:spPr>
+        <p:txBody>
+          <a:bodyPr wrap="none" rtlCol="0">
+            <a:spAutoFit/>
+          </a:bodyPr>
+          <a:lstStyle/>
+          <a:p>
+            <a:r>
+              <a:rPr lang="en-US" i="1"/>
+              <a:t>Minimax Algorithms</a:t>
+            </a:r>
+          </a:p>
+        </p:txBody>
+      </p:sp>
     </p:spTree>
     <p:extLst>
       <p:ext uri="{BB962C8B-B14F-4D97-AF65-F5344CB8AC3E}">

--- a/present/final/presentation.pptx
+++ b/present/final/presentation.pptx
@@ -5,32 +5,33 @@
     <p:sldMasterId id="2147483660" r:id="rId1"/>
   </p:sldMasterIdLst>
   <p:notesMasterIdLst>
-    <p:notesMasterId r:id="rId25"/>
+    <p:notesMasterId r:id="rId26"/>
   </p:notesMasterIdLst>
   <p:sldIdLst>
-    <p:sldId id="257" r:id="rId2"/>
+    <p:sldId id="292" r:id="rId2"/>
     <p:sldId id="256" r:id="rId3"/>
     <p:sldId id="258" r:id="rId4"/>
-    <p:sldId id="273" r:id="rId5"/>
-    <p:sldId id="274" r:id="rId6"/>
-    <p:sldId id="275" r:id="rId7"/>
-    <p:sldId id="276" r:id="rId8"/>
-    <p:sldId id="277" r:id="rId9"/>
-    <p:sldId id="278" r:id="rId10"/>
-    <p:sldId id="279" r:id="rId11"/>
-    <p:sldId id="280" r:id="rId12"/>
-    <p:sldId id="281" r:id="rId13"/>
-    <p:sldId id="282" r:id="rId14"/>
-    <p:sldId id="283" r:id="rId15"/>
-    <p:sldId id="284" r:id="rId16"/>
-    <p:sldId id="285" r:id="rId17"/>
-    <p:sldId id="286" r:id="rId18"/>
-    <p:sldId id="287" r:id="rId19"/>
-    <p:sldId id="288" r:id="rId20"/>
-    <p:sldId id="289" r:id="rId21"/>
-    <p:sldId id="290" r:id="rId22"/>
-    <p:sldId id="291" r:id="rId23"/>
-    <p:sldId id="272" r:id="rId24"/>
+    <p:sldId id="293" r:id="rId5"/>
+    <p:sldId id="294" r:id="rId6"/>
+    <p:sldId id="273" r:id="rId7"/>
+    <p:sldId id="274" r:id="rId8"/>
+    <p:sldId id="275" r:id="rId9"/>
+    <p:sldId id="295" r:id="rId10"/>
+    <p:sldId id="277" r:id="rId11"/>
+    <p:sldId id="278" r:id="rId12"/>
+    <p:sldId id="279" r:id="rId13"/>
+    <p:sldId id="296" r:id="rId14"/>
+    <p:sldId id="281" r:id="rId15"/>
+    <p:sldId id="282" r:id="rId16"/>
+    <p:sldId id="297" r:id="rId17"/>
+    <p:sldId id="284" r:id="rId18"/>
+    <p:sldId id="285" r:id="rId19"/>
+    <p:sldId id="286" r:id="rId20"/>
+    <p:sldId id="287" r:id="rId21"/>
+    <p:sldId id="289" r:id="rId22"/>
+    <p:sldId id="290" r:id="rId23"/>
+    <p:sldId id="291" r:id="rId24"/>
+    <p:sldId id="272" r:id="rId25"/>
   </p:sldIdLst>
   <p:sldSz cx="9144000" cy="6858000" type="screen4x3"/>
   <p:notesSz cx="7315200" cy="9601200"/>
@@ -3392,7 +3393,7 @@
           <a:p>
             <a:fld id="{51F95020-72AA-4787-B4DB-4E5B3A15E30F}" type="datetimeFigureOut">
               <a:rPr lang="en-US" smtClean="0"/>
-              <a:t>4/18/2023</a:t>
+              <a:t>19/04/2023</a:t>
             </a:fld>
             <a:endParaRPr lang="en-US"/>
           </a:p>
@@ -3790,7 +3791,7 @@
           <a:p>
             <a:fld id="{2AB4A3C8-EB3A-4B87-95B8-3265ADB47806}" type="datetimeFigureOut">
               <a:rPr lang="en-US" smtClean="0"/>
-              <a:t>4/18/2023</a:t>
+              <a:t>19/04/2023</a:t>
             </a:fld>
             <a:endParaRPr lang="en-US"/>
           </a:p>
@@ -3960,7 +3961,7 @@
           <a:p>
             <a:fld id="{2AB4A3C8-EB3A-4B87-95B8-3265ADB47806}" type="datetimeFigureOut">
               <a:rPr lang="en-US" smtClean="0"/>
-              <a:t>4/18/2023</a:t>
+              <a:t>19/04/2023</a:t>
             </a:fld>
             <a:endParaRPr lang="en-US"/>
           </a:p>
@@ -4140,7 +4141,7 @@
           <a:p>
             <a:fld id="{2AB4A3C8-EB3A-4B87-95B8-3265ADB47806}" type="datetimeFigureOut">
               <a:rPr lang="en-US" smtClean="0"/>
-              <a:t>4/18/2023</a:t>
+              <a:t>19/04/2023</a:t>
             </a:fld>
             <a:endParaRPr lang="en-US"/>
           </a:p>
@@ -4310,7 +4311,7 @@
           <a:p>
             <a:fld id="{2AB4A3C8-EB3A-4B87-95B8-3265ADB47806}" type="datetimeFigureOut">
               <a:rPr lang="en-US" smtClean="0"/>
-              <a:t>4/18/2023</a:t>
+              <a:t>19/04/2023</a:t>
             </a:fld>
             <a:endParaRPr lang="en-US"/>
           </a:p>
@@ -4554,7 +4555,7 @@
           <a:p>
             <a:fld id="{2AB4A3C8-EB3A-4B87-95B8-3265ADB47806}" type="datetimeFigureOut">
               <a:rPr lang="en-US" smtClean="0"/>
-              <a:t>4/18/2023</a:t>
+              <a:t>19/04/2023</a:t>
             </a:fld>
             <a:endParaRPr lang="en-US"/>
           </a:p>
@@ -4786,7 +4787,7 @@
           <a:p>
             <a:fld id="{2AB4A3C8-EB3A-4B87-95B8-3265ADB47806}" type="datetimeFigureOut">
               <a:rPr lang="en-US" smtClean="0"/>
-              <a:t>4/18/2023</a:t>
+              <a:t>19/04/2023</a:t>
             </a:fld>
             <a:endParaRPr lang="en-US"/>
           </a:p>
@@ -5153,7 +5154,7 @@
           <a:p>
             <a:fld id="{2AB4A3C8-EB3A-4B87-95B8-3265ADB47806}" type="datetimeFigureOut">
               <a:rPr lang="en-US" smtClean="0"/>
-              <a:t>4/18/2023</a:t>
+              <a:t>19/04/2023</a:t>
             </a:fld>
             <a:endParaRPr lang="en-US"/>
           </a:p>
@@ -5271,7 +5272,7 @@
           <a:p>
             <a:fld id="{2AB4A3C8-EB3A-4B87-95B8-3265ADB47806}" type="datetimeFigureOut">
               <a:rPr lang="en-US" smtClean="0"/>
-              <a:t>4/18/2023</a:t>
+              <a:t>19/04/2023</a:t>
             </a:fld>
             <a:endParaRPr lang="en-US"/>
           </a:p>
@@ -5366,7 +5367,7 @@
           <a:p>
             <a:fld id="{2AB4A3C8-EB3A-4B87-95B8-3265ADB47806}" type="datetimeFigureOut">
               <a:rPr lang="en-US" smtClean="0"/>
-              <a:t>4/18/2023</a:t>
+              <a:t>19/04/2023</a:t>
             </a:fld>
             <a:endParaRPr lang="en-US"/>
           </a:p>
@@ -5643,7 +5644,7 @@
           <a:p>
             <a:fld id="{2AB4A3C8-EB3A-4B87-95B8-3265ADB47806}" type="datetimeFigureOut">
               <a:rPr lang="en-US" smtClean="0"/>
-              <a:t>4/18/2023</a:t>
+              <a:t>19/04/2023</a:t>
             </a:fld>
             <a:endParaRPr lang="en-US"/>
           </a:p>
@@ -5899,7 +5900,7 @@
           <a:p>
             <a:fld id="{2AB4A3C8-EB3A-4B87-95B8-3265ADB47806}" type="datetimeFigureOut">
               <a:rPr lang="en-US" smtClean="0"/>
-              <a:t>4/18/2023</a:t>
+              <a:t>19/04/2023</a:t>
             </a:fld>
             <a:endParaRPr lang="en-US"/>
           </a:p>
@@ -6112,7 +6113,7 @@
           <a:p>
             <a:fld id="{2AB4A3C8-EB3A-4B87-95B8-3265ADB47806}" type="datetimeFigureOut">
               <a:rPr lang="en-US" smtClean="0"/>
-              <a:t>4/18/2023</a:t>
+              <a:t>19/04/2023</a:t>
             </a:fld>
             <a:endParaRPr lang="en-US"/>
           </a:p>
@@ -6956,13 +6957,7 @@
           <p:cNvGraphicFramePr>
             <a:graphicFrameLocks noGrp="1"/>
           </p:cNvGraphicFramePr>
-          <p:nvPr>
-            <p:extLst>
-              <p:ext uri="{D42A27DB-BD31-4B8C-83A1-F6EECF244321}">
-                <p14:modId xmlns:p14="http://schemas.microsoft.com/office/powerpoint/2010/main" val="1692954656"/>
-              </p:ext>
-            </p:extLst>
-          </p:nvPr>
+          <p:nvPr/>
         </p:nvGraphicFramePr>
         <p:xfrm>
           <a:off x="595312" y="3780045"/>
@@ -7500,53 +7495,10 @@
           </a:fontRef>
         </p:style>
       </p:cxnSp>
-      <p:sp>
-        <p:nvSpPr>
-          <p:cNvPr id="4" name="TextBox 3">
-            <a:extLst>
-              <a:ext uri="{FF2B5EF4-FFF2-40B4-BE49-F238E27FC236}">
-                <a16:creationId xmlns:a16="http://schemas.microsoft.com/office/drawing/2014/main" id="{A7C6B5DE-252A-6692-B1E6-C658AB98BEE6}"/>
-              </a:ext>
-            </a:extLst>
-          </p:cNvPr>
-          <p:cNvSpPr txBox="1"/>
-          <p:nvPr/>
-        </p:nvSpPr>
-        <p:spPr>
-          <a:xfrm>
-            <a:off x="5524499" y="6336334"/>
-            <a:ext cx="3514725" cy="369332"/>
-          </a:xfrm>
-          <a:prstGeom prst="rect">
-            <a:avLst/>
-          </a:prstGeom>
-          <a:noFill/>
-        </p:spPr>
-        <p:txBody>
-          <a:bodyPr wrap="square" rtlCol="0">
-            <a:spAutoFit/>
-          </a:bodyPr>
-          <a:lstStyle/>
-          <a:p>
-            <a:r>
-              <a:rPr lang="en-US" b="1" i="1"/>
-              <a:t>AI © 2023 PBL </a:t>
-            </a:r>
-            <a:r>
-              <a:rPr lang="en-US" b="1"/>
-              <a:t>		</a:t>
-            </a:r>
-            <a:r>
-              <a:rPr lang="en-US"/>
-              <a:t>Trang 1</a:t>
-            </a:r>
-          </a:p>
-        </p:txBody>
-      </p:sp>
     </p:spTree>
     <p:extLst>
       <p:ext uri="{BB962C8B-B14F-4D97-AF65-F5344CB8AC3E}">
-        <p14:creationId xmlns:p14="http://schemas.microsoft.com/office/powerpoint/2010/main" val="502051408"/>
+        <p14:creationId xmlns:p14="http://schemas.microsoft.com/office/powerpoint/2010/main" val="1123588931"/>
       </p:ext>
     </p:extLst>
   </p:cSld>
@@ -7762,7 +7714,7 @@
           <a:p>
             <a:r>
               <a:rPr lang="en-US"/>
-              <a:t>Trang 10</a:t>
+              <a:t>Trang 9</a:t>
             </a:r>
           </a:p>
         </p:txBody>
@@ -7797,17 +7749,17 @@
           <a:p>
             <a:r>
               <a:rPr lang="en-US"/>
-              <a:t>YC2.3</a:t>
+              <a:t>YC2.1</a:t>
             </a:r>
           </a:p>
         </p:txBody>
       </p:sp>
       <p:sp>
         <p:nvSpPr>
-          <p:cNvPr id="8" name="TextBox 7">
-            <a:extLst>
-              <a:ext uri="{FF2B5EF4-FFF2-40B4-BE49-F238E27FC236}">
-                <a16:creationId xmlns:a16="http://schemas.microsoft.com/office/drawing/2014/main" id="{FE5D4E40-17C8-086B-12F6-4368FAD8DA16}"/>
+          <p:cNvPr id="3" name="TextBox 2">
+            <a:extLst>
+              <a:ext uri="{FF2B5EF4-FFF2-40B4-BE49-F238E27FC236}">
+                <a16:creationId xmlns:a16="http://schemas.microsoft.com/office/drawing/2014/main" id="{99E5E634-12BA-9584-7604-34E90EF91282}"/>
               </a:ext>
             </a:extLst>
           </p:cNvPr>
@@ -7816,128 +7768,8 @@
         </p:nvSpPr>
         <p:spPr>
           <a:xfrm>
-            <a:off x="3654922" y="5784645"/>
-            <a:ext cx="1834156" cy="369332"/>
-          </a:xfrm>
-          <a:prstGeom prst="rect">
-            <a:avLst/>
-          </a:prstGeom>
-          <a:noFill/>
-        </p:spPr>
-        <p:txBody>
-          <a:bodyPr wrap="none" rtlCol="0">
-            <a:spAutoFit/>
-          </a:bodyPr>
-          <a:lstStyle/>
-          <a:p>
-            <a:r>
-              <a:rPr lang="en-US" i="1"/>
-              <a:t>Cài đặt hàm run()</a:t>
-            </a:r>
-          </a:p>
-        </p:txBody>
-      </p:sp>
-      <p:pic>
-        <p:nvPicPr>
-          <p:cNvPr id="3" name="Picture 10">
-            <a:extLst>
-              <a:ext uri="{FF2B5EF4-FFF2-40B4-BE49-F238E27FC236}">
-                <a16:creationId xmlns:a16="http://schemas.microsoft.com/office/drawing/2014/main" id="{3E934195-854B-7911-2EDD-2AC0625B9140}"/>
-              </a:ext>
-            </a:extLst>
-          </p:cNvPr>
-          <p:cNvPicPr>
-            <a:picLocks noChangeAspect="1" noChangeArrowheads="1"/>
-          </p:cNvPicPr>
-          <p:nvPr/>
-        </p:nvPicPr>
-        <p:blipFill>
-          <a:blip r:embed="rId2">
-            <a:extLst>
-              <a:ext uri="{28A0092B-C50C-407E-A947-70E740481C1C}">
-                <a14:useLocalDpi xmlns:a14="http://schemas.microsoft.com/office/drawing/2010/main" val="0"/>
-              </a:ext>
-            </a:extLst>
-          </a:blip>
-          <a:srcRect/>
-          <a:stretch>
-            <a:fillRect/>
-          </a:stretch>
-        </p:blipFill>
-        <p:spPr bwMode="auto">
-          <a:xfrm>
-            <a:off x="76200" y="119063"/>
-            <a:ext cx="1114424" cy="614791"/>
-          </a:xfrm>
-          <a:prstGeom prst="rect">
-            <a:avLst/>
-          </a:prstGeom>
-          <a:noFill/>
-          <a:extLst>
-            <a:ext uri="{909E8E84-426E-40DD-AFC4-6F175D3DCCD1}">
-              <a14:hiddenFill xmlns:a14="http://schemas.microsoft.com/office/drawing/2010/main">
-                <a:solidFill>
-                  <a:srgbClr val="FFFFFF"/>
-                </a:solidFill>
-              </a14:hiddenFill>
-            </a:ext>
-          </a:extLst>
-        </p:spPr>
-      </p:pic>
-      <p:cxnSp>
-        <p:nvCxnSpPr>
-          <p:cNvPr id="7" name="Straight Connector 6">
-            <a:extLst>
-              <a:ext uri="{FF2B5EF4-FFF2-40B4-BE49-F238E27FC236}">
-                <a16:creationId xmlns:a16="http://schemas.microsoft.com/office/drawing/2014/main" id="{4B844266-EA6B-472E-A3D7-9D35A42FEDA1}"/>
-              </a:ext>
-            </a:extLst>
-          </p:cNvPr>
-          <p:cNvCxnSpPr>
-            <a:cxnSpLocks/>
-          </p:cNvCxnSpPr>
-          <p:nvPr/>
-        </p:nvCxnSpPr>
-        <p:spPr>
-          <a:xfrm>
-            <a:off x="76200" y="847725"/>
-            <a:ext cx="7648575" cy="0"/>
-          </a:xfrm>
-          <a:prstGeom prst="line">
-            <a:avLst/>
-          </a:prstGeom>
-        </p:spPr>
-        <p:style>
-          <a:lnRef idx="1">
-            <a:schemeClr val="accent1"/>
-          </a:lnRef>
-          <a:fillRef idx="0">
-            <a:schemeClr val="accent1"/>
-          </a:fillRef>
-          <a:effectRef idx="0">
-            <a:schemeClr val="accent1"/>
-          </a:effectRef>
-          <a:fontRef idx="minor">
-            <a:schemeClr val="tx1"/>
-          </a:fontRef>
-        </p:style>
-      </p:cxnSp>
-      <p:sp>
-        <p:nvSpPr>
-          <p:cNvPr id="9" name="TextBox 8">
-            <a:extLst>
-              <a:ext uri="{FF2B5EF4-FFF2-40B4-BE49-F238E27FC236}">
-                <a16:creationId xmlns:a16="http://schemas.microsoft.com/office/drawing/2014/main" id="{23138F62-9B41-3529-F526-DDDB40DC698F}"/>
-              </a:ext>
-            </a:extLst>
-          </p:cNvPr>
-          <p:cNvSpPr txBox="1"/>
-          <p:nvPr/>
-        </p:nvSpPr>
-        <p:spPr>
-          <a:xfrm>
-            <a:off x="1390650" y="236792"/>
-            <a:ext cx="6362700" cy="369332"/>
+            <a:off x="700819" y="1748583"/>
+            <a:ext cx="7742361" cy="3293209"/>
           </a:xfrm>
           <a:prstGeom prst="rect">
             <a:avLst/>
@@ -7950,256 +7782,158 @@
           </a:bodyPr>
           <a:lstStyle/>
           <a:p>
-            <a:r>
-              <a:rPr lang="fr-FR" b="1"/>
-              <a:t>Câu 2 (2.0 điểm): Adversarial Search</a:t>
-            </a:r>
-            <a:endParaRPr lang="en-US" b="1"/>
-          </a:p>
-        </p:txBody>
-      </p:sp>
-      <p:cxnSp>
-        <p:nvCxnSpPr>
-          <p:cNvPr id="10" name="Straight Connector 9">
-            <a:extLst>
-              <a:ext uri="{FF2B5EF4-FFF2-40B4-BE49-F238E27FC236}">
-                <a16:creationId xmlns:a16="http://schemas.microsoft.com/office/drawing/2014/main" id="{892C3C70-8EC0-788D-5DB7-ED14D2C4E337}"/>
-              </a:ext>
-            </a:extLst>
-          </p:cNvPr>
-          <p:cNvCxnSpPr>
-            <a:cxnSpLocks/>
-          </p:cNvCxnSpPr>
-          <p:nvPr/>
-        </p:nvCxnSpPr>
-        <p:spPr>
-          <a:xfrm>
-            <a:off x="4752975" y="6238875"/>
-            <a:ext cx="4286250" cy="0"/>
-          </a:xfrm>
-          <a:prstGeom prst="line">
-            <a:avLst/>
-          </a:prstGeom>
-        </p:spPr>
-        <p:style>
-          <a:lnRef idx="1">
-            <a:schemeClr val="accent1"/>
-          </a:lnRef>
-          <a:fillRef idx="0">
-            <a:schemeClr val="accent1"/>
-          </a:fillRef>
-          <a:effectRef idx="0">
-            <a:schemeClr val="accent1"/>
-          </a:effectRef>
-          <a:fontRef idx="minor">
-            <a:schemeClr val="tx1"/>
-          </a:fontRef>
-        </p:style>
-      </p:cxnSp>
-      <p:sp>
-        <p:nvSpPr>
-          <p:cNvPr id="12" name="TextBox 11">
-            <a:extLst>
-              <a:ext uri="{FF2B5EF4-FFF2-40B4-BE49-F238E27FC236}">
-                <a16:creationId xmlns:a16="http://schemas.microsoft.com/office/drawing/2014/main" id="{CDE89CAA-0419-D752-6836-07A79F5E38C7}"/>
-              </a:ext>
-            </a:extLst>
-          </p:cNvPr>
-          <p:cNvSpPr txBox="1"/>
-          <p:nvPr/>
-        </p:nvSpPr>
-        <p:spPr>
-          <a:xfrm>
-            <a:off x="7753350" y="6336334"/>
-            <a:ext cx="1285874" cy="369332"/>
-          </a:xfrm>
-          <a:prstGeom prst="rect">
-            <a:avLst/>
-          </a:prstGeom>
-          <a:noFill/>
-        </p:spPr>
-        <p:txBody>
-          <a:bodyPr wrap="square" rtlCol="0">
-            <a:spAutoFit/>
-          </a:bodyPr>
-          <a:lstStyle/>
-          <a:p>
-            <a:r>
-              <a:rPr lang="en-US"/>
-              <a:t>Trang 10</a:t>
-            </a:r>
-          </a:p>
-        </p:txBody>
-      </p:sp>
-      <p:sp>
-        <p:nvSpPr>
-          <p:cNvPr id="13" name="TextBox 12">
-            <a:extLst>
-              <a:ext uri="{FF2B5EF4-FFF2-40B4-BE49-F238E27FC236}">
-                <a16:creationId xmlns:a16="http://schemas.microsoft.com/office/drawing/2014/main" id="{87B1AB70-F47B-77BB-421C-2008A6178502}"/>
-              </a:ext>
-            </a:extLst>
-          </p:cNvPr>
-          <p:cNvSpPr txBox="1"/>
-          <p:nvPr/>
-        </p:nvSpPr>
-        <p:spPr>
-          <a:xfrm>
-            <a:off x="304800" y="1228725"/>
-            <a:ext cx="5210175" cy="369332"/>
-          </a:xfrm>
-          <a:prstGeom prst="rect">
-            <a:avLst/>
-          </a:prstGeom>
-          <a:noFill/>
-        </p:spPr>
-        <p:txBody>
-          <a:bodyPr wrap="square" rtlCol="0">
-            <a:spAutoFit/>
-          </a:bodyPr>
-          <a:lstStyle/>
-          <a:p>
-            <a:r>
-              <a:rPr lang="en-US"/>
-              <a:t>YC2.3</a:t>
-            </a:r>
-          </a:p>
-        </p:txBody>
-      </p:sp>
-      <p:sp>
-        <p:nvSpPr>
-          <p:cNvPr id="15" name="TextBox 14">
-            <a:extLst>
-              <a:ext uri="{FF2B5EF4-FFF2-40B4-BE49-F238E27FC236}">
-                <a16:creationId xmlns:a16="http://schemas.microsoft.com/office/drawing/2014/main" id="{0C1AB01C-1294-90EE-174E-AEA75813511F}"/>
-              </a:ext>
-            </a:extLst>
-          </p:cNvPr>
-          <p:cNvSpPr txBox="1"/>
-          <p:nvPr/>
-        </p:nvSpPr>
-        <p:spPr>
-          <a:xfrm>
-            <a:off x="3654922" y="5784645"/>
-            <a:ext cx="1834156" cy="369332"/>
-          </a:xfrm>
-          <a:prstGeom prst="rect">
-            <a:avLst/>
-          </a:prstGeom>
-          <a:noFill/>
-        </p:spPr>
-        <p:txBody>
-          <a:bodyPr wrap="none" rtlCol="0">
-            <a:spAutoFit/>
-          </a:bodyPr>
-          <a:lstStyle/>
-          <a:p>
-            <a:r>
-              <a:rPr lang="en-US" i="1"/>
-              <a:t>Cài đặt hàm run()</a:t>
-            </a:r>
-          </a:p>
-        </p:txBody>
-      </p:sp>
-      <p:pic>
-        <p:nvPicPr>
-          <p:cNvPr id="16" name="Picture 15">
-            <a:extLst>
-              <a:ext uri="{FF2B5EF4-FFF2-40B4-BE49-F238E27FC236}">
-                <a16:creationId xmlns:a16="http://schemas.microsoft.com/office/drawing/2014/main" id="{032988E1-D986-0F66-D747-83EE16096C12}"/>
-              </a:ext>
-            </a:extLst>
-          </p:cNvPr>
-          <p:cNvPicPr>
-            <a:picLocks noChangeAspect="1"/>
-          </p:cNvPicPr>
-          <p:nvPr/>
-        </p:nvPicPr>
-        <p:blipFill>
-          <a:blip r:embed="rId3"/>
-          <a:stretch>
-            <a:fillRect/>
-          </a:stretch>
-        </p:blipFill>
-        <p:spPr>
-          <a:xfrm>
-            <a:off x="510124" y="1975699"/>
-            <a:ext cx="4799526" cy="3512845"/>
-          </a:xfrm>
-          <a:prstGeom prst="rect">
-            <a:avLst/>
-          </a:prstGeom>
-        </p:spPr>
-      </p:pic>
-      <p:pic>
-        <p:nvPicPr>
-          <p:cNvPr id="17" name="Picture 16">
-            <a:extLst>
-              <a:ext uri="{FF2B5EF4-FFF2-40B4-BE49-F238E27FC236}">
-                <a16:creationId xmlns:a16="http://schemas.microsoft.com/office/drawing/2014/main" id="{CBF38A24-8871-E789-D084-44BC158A0A93}"/>
-              </a:ext>
-            </a:extLst>
-          </p:cNvPr>
-          <p:cNvPicPr>
-            <a:picLocks noChangeAspect="1"/>
-          </p:cNvPicPr>
-          <p:nvPr/>
-        </p:nvPicPr>
-        <p:blipFill>
-          <a:blip r:embed="rId4"/>
-          <a:stretch>
-            <a:fillRect/>
-          </a:stretch>
-        </p:blipFill>
-        <p:spPr>
-          <a:xfrm>
-            <a:off x="5967158" y="3294450"/>
-            <a:ext cx="2742790" cy="875341"/>
-          </a:xfrm>
-          <a:prstGeom prst="rect">
-            <a:avLst/>
-          </a:prstGeom>
-        </p:spPr>
-      </p:pic>
-      <p:sp>
-        <p:nvSpPr>
-          <p:cNvPr id="18" name="TextBox 17">
-            <a:extLst>
-              <a:ext uri="{FF2B5EF4-FFF2-40B4-BE49-F238E27FC236}">
-                <a16:creationId xmlns:a16="http://schemas.microsoft.com/office/drawing/2014/main" id="{A0685E4F-FDAB-ABCE-7FE0-415BEEA52EBD}"/>
-              </a:ext>
-            </a:extLst>
-          </p:cNvPr>
-          <p:cNvSpPr txBox="1"/>
-          <p:nvPr/>
-        </p:nvSpPr>
-        <p:spPr>
-          <a:xfrm>
-            <a:off x="2069076" y="1606367"/>
-            <a:ext cx="2082621" cy="369332"/>
-          </a:xfrm>
-          <a:prstGeom prst="rect">
-            <a:avLst/>
-          </a:prstGeom>
-          <a:noFill/>
-        </p:spPr>
-        <p:txBody>
-          <a:bodyPr wrap="none" rtlCol="0">
-            <a:spAutoFit/>
-          </a:bodyPr>
-          <a:lstStyle/>
-          <a:p>
-            <a:r>
-              <a:rPr lang="en-US" i="1"/>
-              <a:t>Minimax Algorithms</a:t>
-            </a:r>
+            <a:pPr algn="just">
+              <a:buFont typeface="+mj-lt"/>
+              <a:buAutoNum type="arabicPeriod"/>
+            </a:pPr>
+            <a:r>
+              <a:rPr lang="vi-VN" sz="1300" b="0" i="0">
+                <a:effectLst/>
+                <a:latin typeface="Consolas" panose="020B0609020204030204" pitchFamily="49" charset="0"/>
+              </a:rPr>
+              <a:t>Mở với tên tệp đã cho để đọc.</a:t>
+            </a:r>
+          </a:p>
+          <a:p>
+            <a:pPr algn="just">
+              <a:buFont typeface="+mj-lt"/>
+              <a:buAutoNum type="arabicPeriod"/>
+            </a:pPr>
+            <a:r>
+              <a:rPr lang="vi-VN" sz="1300" b="0" i="0">
+                <a:effectLst/>
+                <a:latin typeface="Consolas" panose="020B0609020204030204" pitchFamily="49" charset="0"/>
+              </a:rPr>
+              <a:t>Đọc dòng đầu tiên của tệp và gán giá trị cho e và l tương ứng.</a:t>
+            </a:r>
+          </a:p>
+          <a:p>
+            <a:pPr algn="just">
+              <a:buFont typeface="+mj-lt"/>
+              <a:buAutoNum type="arabicPeriod"/>
+            </a:pPr>
+            <a:r>
+              <a:rPr lang="vi-VN" sz="1300" b="0" i="0">
+                <a:effectLst/>
+                <a:latin typeface="Consolas" panose="020B0609020204030204" pitchFamily="49" charset="0"/>
+              </a:rPr>
+              <a:t>Khởi tạo một từ điển trống có tên là nodes_dict.</a:t>
+            </a:r>
+          </a:p>
+          <a:p>
+            <a:pPr algn="just">
+              <a:buFont typeface="+mj-lt"/>
+              <a:buAutoNum type="arabicPeriod"/>
+            </a:pPr>
+            <a:r>
+              <a:rPr lang="vi-VN" sz="1300" b="0" i="0">
+                <a:effectLst/>
+                <a:latin typeface="Consolas" panose="020B0609020204030204" pitchFamily="49" charset="0"/>
+              </a:rPr>
+              <a:t>Đối với tôi trong phạm vi (e), hãy làm như sau: </a:t>
+            </a:r>
+            <a:br>
+              <a:rPr lang="en-US" sz="1300" b="0" i="0">
+                <a:effectLst/>
+                <a:latin typeface="Consolas" panose="020B0609020204030204" pitchFamily="49" charset="0"/>
+              </a:rPr>
+            </a:br>
+            <a:r>
+              <a:rPr lang="en-US" sz="1300" b="0" i="0">
+                <a:effectLst/>
+                <a:latin typeface="Consolas" panose="020B0609020204030204" pitchFamily="49" charset="0"/>
+              </a:rPr>
+              <a:t>	</a:t>
+            </a:r>
+            <a:r>
+              <a:rPr lang="vi-VN" sz="1300" b="0" i="0">
+                <a:effectLst/>
+                <a:latin typeface="Consolas" panose="020B0609020204030204" pitchFamily="49" charset="0"/>
+              </a:rPr>
+              <a:t>a. Đọc dòng tiếp theo của tệp và chia thành a và b. </a:t>
+            </a:r>
+            <a:br>
+              <a:rPr lang="en-US" sz="1300" b="0" i="0">
+                <a:effectLst/>
+                <a:latin typeface="Consolas" panose="020B0609020204030204" pitchFamily="49" charset="0"/>
+              </a:rPr>
+            </a:br>
+            <a:r>
+              <a:rPr lang="en-US" sz="1300" b="0" i="0">
+                <a:effectLst/>
+                <a:latin typeface="Consolas" panose="020B0609020204030204" pitchFamily="49" charset="0"/>
+              </a:rPr>
+              <a:t>	</a:t>
+            </a:r>
+            <a:r>
+              <a:rPr lang="vi-VN" sz="1300" b="0" i="0">
+                <a:effectLst/>
+                <a:latin typeface="Consolas" panose="020B0609020204030204" pitchFamily="49" charset="0"/>
+              </a:rPr>
+              <a:t>b. Nếu a chưa phải là khóa trong nodes_dict, hãy thêm nó làm khóa mới với giá trị Node(a). c. Nếu b chưa phải là khóa trong nodes_dict, hãy thêm nó làm khóa mới với giá trị Node(b). d. Nối giá trị của nodes_dict[b] vào danh sách kế vị của nodes_dict[a].</a:t>
+            </a:r>
+          </a:p>
+          <a:p>
+            <a:pPr algn="just">
+              <a:buFont typeface="+mj-lt"/>
+              <a:buAutoNum type="arabicPeriod"/>
+            </a:pPr>
+            <a:r>
+              <a:rPr lang="vi-VN" sz="1300" b="0" i="0">
+                <a:effectLst/>
+                <a:latin typeface="Consolas" panose="020B0609020204030204" pitchFamily="49" charset="0"/>
+              </a:rPr>
+              <a:t>Đối với tôi trong phạm vi (l), hãy làm như sau: a. Đọc dòng tiếp theo của tệp và chia nó thành nút và giá trị. b. Đặt giá trị của nodes_dict[node] thành int(value).</a:t>
+            </a:r>
+          </a:p>
+          <a:p>
+            <a:pPr algn="just">
+              <a:buFont typeface="+mj-lt"/>
+              <a:buAutoNum type="arabicPeriod"/>
+            </a:pPr>
+            <a:r>
+              <a:rPr lang="vi-VN" sz="1300" b="0" i="0">
+                <a:effectLst/>
+                <a:latin typeface="Consolas" panose="020B0609020204030204" pitchFamily="49" charset="0"/>
+              </a:rPr>
+              <a:t>Đặt self.root thành nodes_dict["n00"].</a:t>
+            </a:r>
+          </a:p>
+          <a:p>
+            <a:pPr algn="just">
+              <a:buFont typeface="+mj-lt"/>
+              <a:buAutoNum type="arabicPeriod"/>
+            </a:pPr>
+            <a:r>
+              <a:rPr lang="vi-VN" sz="1300" b="0" i="0">
+                <a:effectLst/>
+                <a:latin typeface="Consolas" panose="020B0609020204030204" pitchFamily="49" charset="0"/>
+              </a:rPr>
+              <a:t>Đặt self.terminalStates thành một cách hiểu từ điển để lọc ra các nút có người kế vị và tạo một từ điển ánh xạ số nhận dạng của chúng với giá trị của chúng.</a:t>
+            </a:r>
+          </a:p>
+          <a:p>
+            <a:pPr algn="just">
+              <a:buFont typeface="+mj-lt"/>
+              <a:buAutoNum type="arabicPeriod"/>
+            </a:pPr>
+            <a:r>
+              <a:rPr lang="vi-VN" sz="1300" b="0" i="0">
+                <a:effectLst/>
+                <a:latin typeface="Consolas" panose="020B0609020204030204" pitchFamily="49" charset="0"/>
+              </a:rPr>
+              <a:t>Đặt self.successors thành một cách hiểu từ điển để ánh xạ từng nút trong nodes_dict vào danh sách kế vị của nó.</a:t>
+            </a:r>
+            <a:endParaRPr lang="en-US" sz="1300">
+              <a:latin typeface="Consolas" panose="020B0609020204030204" pitchFamily="49" charset="0"/>
+            </a:endParaRPr>
           </a:p>
         </p:txBody>
       </p:sp>
     </p:spTree>
     <p:extLst>
       <p:ext uri="{BB962C8B-B14F-4D97-AF65-F5344CB8AC3E}">
-        <p14:creationId xmlns:p14="http://schemas.microsoft.com/office/powerpoint/2010/main" val="1235902622"/>
+        <p14:creationId xmlns:p14="http://schemas.microsoft.com/office/powerpoint/2010/main" val="2606626882"/>
       </p:ext>
     </p:extLst>
   </p:cSld>
@@ -8347,421 +8081,12 @@
           </a:p>
         </p:txBody>
       </p:sp>
-      <p:graphicFrame>
-        <p:nvGraphicFramePr>
-          <p:cNvPr id="3" name="Table 16">
-            <a:extLst>
-              <a:ext uri="{FF2B5EF4-FFF2-40B4-BE49-F238E27FC236}">
-                <a16:creationId xmlns:a16="http://schemas.microsoft.com/office/drawing/2014/main" id="{5E8325E1-BDCF-5783-E97F-C770E7E58F6D}"/>
-              </a:ext>
-            </a:extLst>
-          </p:cNvPr>
-          <p:cNvGraphicFramePr>
-            <a:graphicFrameLocks noGrp="1"/>
-          </p:cNvGraphicFramePr>
-          <p:nvPr>
-            <p:extLst>
-              <p:ext uri="{D42A27DB-BD31-4B8C-83A1-F6EECF244321}">
-                <p14:modId xmlns:p14="http://schemas.microsoft.com/office/powerpoint/2010/main" val="17117329"/>
-              </p:ext>
-            </p:extLst>
-          </p:nvPr>
-        </p:nvGraphicFramePr>
-        <p:xfrm>
-          <a:off x="1850248" y="1815894"/>
-          <a:ext cx="5443503" cy="1854200"/>
-        </p:xfrm>
-        <a:graphic>
-          <a:graphicData uri="http://schemas.openxmlformats.org/drawingml/2006/table">
-            <a:tbl>
-              <a:tblPr firstRow="1" bandRow="1">
-                <a:tableStyleId>{F5AB1C69-6EDB-4FF4-983F-18BD219EF322}</a:tableStyleId>
-              </a:tblPr>
-              <a:tblGrid>
-                <a:gridCol w="1662078">
-                  <a:extLst>
-                    <a:ext uri="{9D8B030D-6E8A-4147-A177-3AD203B41FA5}">
-                      <a16:colId xmlns:a16="http://schemas.microsoft.com/office/drawing/2014/main" val="3939429785"/>
-                    </a:ext>
-                  </a:extLst>
-                </a:gridCol>
-                <a:gridCol w="1514475">
-                  <a:extLst>
-                    <a:ext uri="{9D8B030D-6E8A-4147-A177-3AD203B41FA5}">
-                      <a16:colId xmlns:a16="http://schemas.microsoft.com/office/drawing/2014/main" val="1738762872"/>
-                    </a:ext>
-                  </a:extLst>
-                </a:gridCol>
-                <a:gridCol w="2266950">
-                  <a:extLst>
-                    <a:ext uri="{9D8B030D-6E8A-4147-A177-3AD203B41FA5}">
-                      <a16:colId xmlns:a16="http://schemas.microsoft.com/office/drawing/2014/main" val="3821170340"/>
-                    </a:ext>
-                  </a:extLst>
-                </a:gridCol>
-              </a:tblGrid>
-              <a:tr h="370840">
-                <a:tc>
-                  <a:txBody>
-                    <a:bodyPr/>
-                    <a:lstStyle/>
-                    <a:p>
-                      <a:pPr algn="ctr"/>
-                      <a:r>
-                        <a:rPr lang="en-US">
-                          <a:latin typeface="Times New Roman" panose="02020603050405020304" pitchFamily="18" charset="0"/>
-                          <a:cs typeface="Times New Roman" panose="02020603050405020304" pitchFamily="18" charset="0"/>
-                        </a:rPr>
-                        <a:t>Tiêu chí</a:t>
-                      </a:r>
-                    </a:p>
-                  </a:txBody>
-                  <a:tcPr/>
-                </a:tc>
-                <a:tc>
-                  <a:txBody>
-                    <a:bodyPr/>
-                    <a:lstStyle/>
-                    <a:p>
-                      <a:pPr algn="ctr"/>
-                      <a:r>
-                        <a:rPr lang="en-US">
-                          <a:latin typeface="Times New Roman" panose="02020603050405020304" pitchFamily="18" charset="0"/>
-                          <a:cs typeface="Times New Roman" panose="02020603050405020304" pitchFamily="18" charset="0"/>
-                        </a:rPr>
-                        <a:t>Điểm</a:t>
-                      </a:r>
-                    </a:p>
-                  </a:txBody>
-                  <a:tcPr/>
-                </a:tc>
-                <a:tc>
-                  <a:txBody>
-                    <a:bodyPr/>
-                    <a:lstStyle/>
-                    <a:p>
-                      <a:pPr algn="ctr"/>
-                      <a:r>
-                        <a:rPr lang="en-US">
-                          <a:latin typeface="Times New Roman" panose="02020603050405020304" pitchFamily="18" charset="0"/>
-                          <a:cs typeface="Times New Roman" panose="02020603050405020304" pitchFamily="18" charset="0"/>
-                        </a:rPr>
-                        <a:t>Đánh giá</a:t>
-                      </a:r>
-                    </a:p>
-                  </a:txBody>
-                  <a:tcPr/>
-                </a:tc>
-                <a:extLst>
-                  <a:ext uri="{0D108BD9-81ED-4DB2-BD59-A6C34878D82A}">
-                    <a16:rowId xmlns:a16="http://schemas.microsoft.com/office/drawing/2014/main" val="2071844936"/>
-                  </a:ext>
-                </a:extLst>
-              </a:tr>
-              <a:tr h="370840">
-                <a:tc>
-                  <a:txBody>
-                    <a:bodyPr/>
-                    <a:lstStyle/>
-                    <a:p>
-                      <a:pPr algn="ctr"/>
-                      <a:r>
-                        <a:rPr lang="en-US">
-                          <a:latin typeface="Times New Roman" panose="02020603050405020304" pitchFamily="18" charset="0"/>
-                          <a:cs typeface="Times New Roman" panose="02020603050405020304" pitchFamily="18" charset="0"/>
-                        </a:rPr>
-                        <a:t>YC2-1</a:t>
-                      </a:r>
-                    </a:p>
-                  </a:txBody>
-                  <a:tcPr/>
-                </a:tc>
-                <a:tc>
-                  <a:txBody>
-                    <a:bodyPr/>
-                    <a:lstStyle/>
-                    <a:p>
-                      <a:pPr algn="ctr"/>
-                      <a:r>
-                        <a:rPr lang="en-US">
-                          <a:latin typeface="Times New Roman" panose="02020603050405020304" pitchFamily="18" charset="0"/>
-                          <a:cs typeface="Times New Roman" panose="02020603050405020304" pitchFamily="18" charset="0"/>
-                        </a:rPr>
-                        <a:t>---</a:t>
-                      </a:r>
-                    </a:p>
-                  </a:txBody>
-                  <a:tcPr/>
-                </a:tc>
-                <a:tc>
-                  <a:txBody>
-                    <a:bodyPr/>
-                    <a:lstStyle/>
-                    <a:p>
-                      <a:pPr algn="ctr"/>
-                      <a:r>
-                        <a:rPr lang="en-US">
-                          <a:latin typeface="Times New Roman" panose="02020603050405020304" pitchFamily="18" charset="0"/>
-                          <a:cs typeface="Times New Roman" panose="02020603050405020304" pitchFamily="18" charset="0"/>
-                        </a:rPr>
-                        <a:t>Hoàn thành</a:t>
-                      </a:r>
-                    </a:p>
-                  </a:txBody>
-                  <a:tcPr/>
-                </a:tc>
-                <a:extLst>
-                  <a:ext uri="{0D108BD9-81ED-4DB2-BD59-A6C34878D82A}">
-                    <a16:rowId xmlns:a16="http://schemas.microsoft.com/office/drawing/2014/main" val="583184748"/>
-                  </a:ext>
-                </a:extLst>
-              </a:tr>
-              <a:tr h="370840">
-                <a:tc>
-                  <a:txBody>
-                    <a:bodyPr/>
-                    <a:lstStyle/>
-                    <a:p>
-                      <a:pPr algn="ctr"/>
-                      <a:r>
-                        <a:rPr lang="en-US">
-                          <a:latin typeface="Times New Roman" panose="02020603050405020304" pitchFamily="18" charset="0"/>
-                          <a:cs typeface="Times New Roman" panose="02020603050405020304" pitchFamily="18" charset="0"/>
-                        </a:rPr>
-                        <a:t>YC2-2</a:t>
-                      </a:r>
-                    </a:p>
-                  </a:txBody>
-                  <a:tcPr/>
-                </a:tc>
-                <a:tc>
-                  <a:txBody>
-                    <a:bodyPr/>
-                    <a:lstStyle/>
-                    <a:p>
-                      <a:pPr algn="ctr"/>
-                      <a:r>
-                        <a:rPr lang="en-US">
-                          <a:latin typeface="Times New Roman" panose="02020603050405020304" pitchFamily="18" charset="0"/>
-                          <a:cs typeface="Times New Roman" panose="02020603050405020304" pitchFamily="18" charset="0"/>
-                        </a:rPr>
-                        <a:t>---</a:t>
-                      </a:r>
-                    </a:p>
-                  </a:txBody>
-                  <a:tcPr/>
-                </a:tc>
-                <a:tc>
-                  <a:txBody>
-                    <a:bodyPr/>
-                    <a:lstStyle/>
-                    <a:p>
-                      <a:pPr algn="ctr"/>
-                      <a:r>
-                        <a:rPr lang="en-US">
-                          <a:latin typeface="Times New Roman" panose="02020603050405020304" pitchFamily="18" charset="0"/>
-                          <a:cs typeface="Times New Roman" panose="02020603050405020304" pitchFamily="18" charset="0"/>
-                        </a:rPr>
-                        <a:t>Hoàn thành</a:t>
-                      </a:r>
-                    </a:p>
-                  </a:txBody>
-                  <a:tcPr/>
-                </a:tc>
-                <a:extLst>
-                  <a:ext uri="{0D108BD9-81ED-4DB2-BD59-A6C34878D82A}">
-                    <a16:rowId xmlns:a16="http://schemas.microsoft.com/office/drawing/2014/main" val="3755525977"/>
-                  </a:ext>
-                </a:extLst>
-              </a:tr>
-              <a:tr h="370840">
-                <a:tc>
-                  <a:txBody>
-                    <a:bodyPr/>
-                    <a:lstStyle/>
-                    <a:p>
-                      <a:pPr algn="ctr"/>
-                      <a:r>
-                        <a:rPr lang="en-US">
-                          <a:latin typeface="Times New Roman" panose="02020603050405020304" pitchFamily="18" charset="0"/>
-                          <a:cs typeface="Times New Roman" panose="02020603050405020304" pitchFamily="18" charset="0"/>
-                        </a:rPr>
-                        <a:t>YC2-3</a:t>
-                      </a:r>
-                    </a:p>
-                  </a:txBody>
-                  <a:tcPr/>
-                </a:tc>
-                <a:tc>
-                  <a:txBody>
-                    <a:bodyPr/>
-                    <a:lstStyle/>
-                    <a:p>
-                      <a:pPr algn="ctr"/>
-                      <a:r>
-                        <a:rPr lang="en-US">
-                          <a:latin typeface="Times New Roman" panose="02020603050405020304" pitchFamily="18" charset="0"/>
-                          <a:cs typeface="Times New Roman" panose="02020603050405020304" pitchFamily="18" charset="0"/>
-                        </a:rPr>
-                        <a:t>---</a:t>
-                      </a:r>
-                    </a:p>
-                  </a:txBody>
-                  <a:tcPr/>
-                </a:tc>
-                <a:tc>
-                  <a:txBody>
-                    <a:bodyPr/>
-                    <a:lstStyle/>
-                    <a:p>
-                      <a:pPr algn="ctr"/>
-                      <a:r>
-                        <a:rPr lang="en-US">
-                          <a:latin typeface="Times New Roman" panose="02020603050405020304" pitchFamily="18" charset="0"/>
-                          <a:cs typeface="Times New Roman" panose="02020603050405020304" pitchFamily="18" charset="0"/>
-                        </a:rPr>
-                        <a:t>Hoàn thành</a:t>
-                      </a:r>
-                    </a:p>
-                  </a:txBody>
-                  <a:tcPr/>
-                </a:tc>
-                <a:extLst>
-                  <a:ext uri="{0D108BD9-81ED-4DB2-BD59-A6C34878D82A}">
-                    <a16:rowId xmlns:a16="http://schemas.microsoft.com/office/drawing/2014/main" val="360111454"/>
-                  </a:ext>
-                </a:extLst>
-              </a:tr>
-              <a:tr h="370840">
-                <a:tc gridSpan="2">
-                  <a:txBody>
-                    <a:bodyPr/>
-                    <a:lstStyle/>
-                    <a:p>
-                      <a:pPr algn="ctr"/>
-                      <a:r>
-                        <a:rPr lang="en-US">
-                          <a:latin typeface="Times New Roman" panose="02020603050405020304" pitchFamily="18" charset="0"/>
-                          <a:cs typeface="Times New Roman" panose="02020603050405020304" pitchFamily="18" charset="0"/>
-                        </a:rPr>
-                        <a:t>Tổng điểm đánh giá</a:t>
-                      </a:r>
-                    </a:p>
-                  </a:txBody>
-                  <a:tcPr/>
-                </a:tc>
-                <a:tc hMerge="1">
-                  <a:txBody>
-                    <a:bodyPr/>
-                    <a:lstStyle/>
-                    <a:p>
-                      <a:pPr algn="ctr"/>
-                      <a:endParaRPr lang="en-US">
-                        <a:latin typeface="Times New Roman" panose="02020603050405020304" pitchFamily="18" charset="0"/>
-                        <a:cs typeface="Times New Roman" panose="02020603050405020304" pitchFamily="18" charset="0"/>
-                      </a:endParaRPr>
-                    </a:p>
-                  </a:txBody>
-                  <a:tcPr/>
-                </a:tc>
-                <a:tc>
-                  <a:txBody>
-                    <a:bodyPr/>
-                    <a:lstStyle/>
-                    <a:p>
-                      <a:pPr algn="ctr"/>
-                      <a:r>
-                        <a:rPr lang="en-US">
-                          <a:latin typeface="Times New Roman" panose="02020603050405020304" pitchFamily="18" charset="0"/>
-                          <a:cs typeface="Times New Roman" panose="02020603050405020304" pitchFamily="18" charset="0"/>
-                        </a:rPr>
-                        <a:t>2 điểm</a:t>
-                      </a:r>
-                    </a:p>
-                  </a:txBody>
-                  <a:tcPr/>
-                </a:tc>
-                <a:extLst>
-                  <a:ext uri="{0D108BD9-81ED-4DB2-BD59-A6C34878D82A}">
-                    <a16:rowId xmlns:a16="http://schemas.microsoft.com/office/drawing/2014/main" val="3314593414"/>
-                  </a:ext>
-                </a:extLst>
-              </a:tr>
-            </a:tbl>
-          </a:graphicData>
-        </a:graphic>
-      </p:graphicFrame>
-      <p:sp>
-        <p:nvSpPr>
-          <p:cNvPr id="4" name="TextBox 3">
-            <a:extLst>
-              <a:ext uri="{FF2B5EF4-FFF2-40B4-BE49-F238E27FC236}">
-                <a16:creationId xmlns:a16="http://schemas.microsoft.com/office/drawing/2014/main" id="{459EF129-6740-B341-7BC7-05D580180742}"/>
-              </a:ext>
-            </a:extLst>
-          </p:cNvPr>
-          <p:cNvSpPr txBox="1"/>
-          <p:nvPr/>
-        </p:nvSpPr>
-        <p:spPr>
-          <a:xfrm>
-            <a:off x="76200" y="1089327"/>
-            <a:ext cx="2159566" cy="369332"/>
-          </a:xfrm>
-          <a:prstGeom prst="rect">
-            <a:avLst/>
-          </a:prstGeom>
-          <a:noFill/>
-        </p:spPr>
-        <p:txBody>
-          <a:bodyPr wrap="none" rtlCol="0">
-            <a:spAutoFit/>
-          </a:bodyPr>
-          <a:lstStyle/>
-          <a:p>
-            <a:pPr marL="0" marR="0" lvl="0" indent="0" algn="l" defTabSz="457200" rtl="0" eaLnBrk="1" fontAlgn="auto" latinLnBrk="0" hangingPunct="1">
-              <a:lnSpc>
-                <a:spcPct val="100000"/>
-              </a:lnSpc>
-              <a:spcBef>
-                <a:spcPts val="0"/>
-              </a:spcBef>
-              <a:spcAft>
-                <a:spcPts val="0"/>
-              </a:spcAft>
-              <a:buClrTx/>
-              <a:buSzTx/>
-              <a:buFontTx/>
-              <a:buNone/>
-              <a:tabLst/>
-              <a:defRPr/>
-            </a:pPr>
-            <a:r>
-              <a:rPr kumimoji="0" lang="en-US" sz="1800" b="0" i="1" u="none" strike="noStrike" kern="1200" cap="none" spc="0" normalizeH="0" baseline="0" noProof="0">
-                <a:ln>
-                  <a:noFill/>
-                </a:ln>
-                <a:solidFill>
-                  <a:prstClr val="black"/>
-                </a:solidFill>
-                <a:effectLst/>
-                <a:uLnTx/>
-                <a:uFillTx/>
-                <a:latin typeface="Calibri" panose="020F0502020204030204"/>
-                <a:ea typeface="+mn-ea"/>
-                <a:cs typeface="+mn-cs"/>
-              </a:rPr>
-              <a:t>Đánh giá hoàn thành</a:t>
-            </a:r>
-          </a:p>
-        </p:txBody>
-      </p:sp>
       <p:cxnSp>
         <p:nvCxnSpPr>
           <p:cNvPr id="2" name="Straight Connector 1">
             <a:extLst>
               <a:ext uri="{FF2B5EF4-FFF2-40B4-BE49-F238E27FC236}">
-                <a16:creationId xmlns:a16="http://schemas.microsoft.com/office/drawing/2014/main" id="{7C8A4417-1481-B1E7-23CC-E5C9CAD25F2C}"/>
+                <a16:creationId xmlns:a16="http://schemas.microsoft.com/office/drawing/2014/main" id="{AF3ADEA5-03F2-7E56-B6E6-8B6970A896CF}"/>
               </a:ext>
             </a:extLst>
           </p:cNvPr>
@@ -8796,10 +8121,10 @@
       </p:cxnSp>
       <p:sp>
         <p:nvSpPr>
-          <p:cNvPr id="6" name="TextBox 5">
-            <a:extLst>
-              <a:ext uri="{FF2B5EF4-FFF2-40B4-BE49-F238E27FC236}">
-                <a16:creationId xmlns:a16="http://schemas.microsoft.com/office/drawing/2014/main" id="{F6D86575-6F62-E86B-CB8C-67FDEFFD30D6}"/>
+          <p:cNvPr id="4" name="TextBox 3">
+            <a:extLst>
+              <a:ext uri="{FF2B5EF4-FFF2-40B4-BE49-F238E27FC236}">
+                <a16:creationId xmlns:a16="http://schemas.microsoft.com/office/drawing/2014/main" id="{11342279-3B1B-9555-FD5C-CA3839B3D029}"/>
               </a:ext>
             </a:extLst>
           </p:cNvPr>
@@ -8822,39 +8147,109 @@
           </a:bodyPr>
           <a:lstStyle/>
           <a:p>
-            <a:pPr marL="0" marR="0" lvl="0" indent="0" algn="l" defTabSz="457200" rtl="0" eaLnBrk="1" fontAlgn="auto" latinLnBrk="0" hangingPunct="1">
-              <a:lnSpc>
-                <a:spcPct val="100000"/>
-              </a:lnSpc>
-              <a:spcBef>
-                <a:spcPts val="0"/>
-              </a:spcBef>
-              <a:spcAft>
-                <a:spcPts val="0"/>
-              </a:spcAft>
-              <a:buClrTx/>
-              <a:buSzTx/>
-              <a:buFontTx/>
-              <a:buNone/>
-              <a:tabLst/>
-              <a:defRPr/>
-            </a:pPr>
-            <a:r>
-              <a:rPr kumimoji="0" lang="en-US" sz="1800" b="0" i="0" u="none" strike="noStrike" kern="1200" cap="none" spc="0" normalizeH="0" baseline="0" noProof="0">
-                <a:ln>
-                  <a:noFill/>
-                </a:ln>
-                <a:solidFill>
-                  <a:prstClr val="black"/>
-                </a:solidFill>
-                <a:effectLst/>
-                <a:uLnTx/>
-                <a:uFillTx/>
-                <a:latin typeface="Calibri" panose="020F0502020204030204"/>
-                <a:ea typeface="+mn-ea"/>
-                <a:cs typeface="+mn-cs"/>
-              </a:rPr>
-              <a:t>Trang 11</a:t>
+            <a:r>
+              <a:rPr lang="en-US"/>
+              <a:t>Trang 10</a:t>
+            </a:r>
+          </a:p>
+        </p:txBody>
+      </p:sp>
+      <p:sp>
+        <p:nvSpPr>
+          <p:cNvPr id="5" name="TextBox 4">
+            <a:extLst>
+              <a:ext uri="{FF2B5EF4-FFF2-40B4-BE49-F238E27FC236}">
+                <a16:creationId xmlns:a16="http://schemas.microsoft.com/office/drawing/2014/main" id="{2FD009FE-CA5C-D5A4-E99D-1E506F763D1C}"/>
+              </a:ext>
+            </a:extLst>
+          </p:cNvPr>
+          <p:cNvSpPr txBox="1"/>
+          <p:nvPr/>
+        </p:nvSpPr>
+        <p:spPr>
+          <a:xfrm>
+            <a:off x="304800" y="1228725"/>
+            <a:ext cx="5210175" cy="369332"/>
+          </a:xfrm>
+          <a:prstGeom prst="rect">
+            <a:avLst/>
+          </a:prstGeom>
+          <a:noFill/>
+        </p:spPr>
+        <p:txBody>
+          <a:bodyPr wrap="square" rtlCol="0">
+            <a:spAutoFit/>
+          </a:bodyPr>
+          <a:lstStyle/>
+          <a:p>
+            <a:r>
+              <a:rPr lang="en-US"/>
+              <a:t>YC2.2</a:t>
+            </a:r>
+          </a:p>
+        </p:txBody>
+      </p:sp>
+      <p:pic>
+        <p:nvPicPr>
+          <p:cNvPr id="7" name="Picture 6">
+            <a:extLst>
+              <a:ext uri="{FF2B5EF4-FFF2-40B4-BE49-F238E27FC236}">
+                <a16:creationId xmlns:a16="http://schemas.microsoft.com/office/drawing/2014/main" id="{0FDF7036-65F5-81CA-0C41-46981E048379}"/>
+              </a:ext>
+            </a:extLst>
+          </p:cNvPr>
+          <p:cNvPicPr>
+            <a:picLocks noChangeAspect="1"/>
+          </p:cNvPicPr>
+          <p:nvPr/>
+        </p:nvPicPr>
+        <p:blipFill>
+          <a:blip r:embed="rId3"/>
+          <a:stretch>
+            <a:fillRect/>
+          </a:stretch>
+        </p:blipFill>
+        <p:spPr>
+          <a:xfrm>
+            <a:off x="2129896" y="1867255"/>
+            <a:ext cx="4884208" cy="1300879"/>
+          </a:xfrm>
+          <a:prstGeom prst="rect">
+            <a:avLst/>
+          </a:prstGeom>
+        </p:spPr>
+      </p:pic>
+      <p:sp>
+        <p:nvSpPr>
+          <p:cNvPr id="8" name="TextBox 7">
+            <a:extLst>
+              <a:ext uri="{FF2B5EF4-FFF2-40B4-BE49-F238E27FC236}">
+                <a16:creationId xmlns:a16="http://schemas.microsoft.com/office/drawing/2014/main" id="{FE5D4E40-17C8-086B-12F6-4368FAD8DA16}"/>
+              </a:ext>
+            </a:extLst>
+          </p:cNvPr>
+          <p:cNvSpPr txBox="1"/>
+          <p:nvPr/>
+        </p:nvSpPr>
+        <p:spPr>
+          <a:xfrm>
+            <a:off x="3596123" y="3437332"/>
+            <a:ext cx="1951753" cy="369332"/>
+          </a:xfrm>
+          <a:prstGeom prst="rect">
+            <a:avLst/>
+          </a:prstGeom>
+          <a:noFill/>
+        </p:spPr>
+        <p:txBody>
+          <a:bodyPr wrap="none" rtlCol="0">
+            <a:spAutoFit/>
+          </a:bodyPr>
+          <a:lstStyle/>
+          <a:p>
+            <a:r>
+              <a:rPr lang="en-US" i="1"/>
+              <a:t>Cài đặt hàm print()</a:t>
             </a:r>
           </a:p>
         </p:txBody>
@@ -8862,7 +8257,7 @@
     </p:spTree>
     <p:extLst>
       <p:ext uri="{BB962C8B-B14F-4D97-AF65-F5344CB8AC3E}">
-        <p14:creationId xmlns:p14="http://schemas.microsoft.com/office/powerpoint/2010/main" val="3682275108"/>
+        <p14:creationId xmlns:p14="http://schemas.microsoft.com/office/powerpoint/2010/main" val="245947029"/>
       </p:ext>
     </p:extLst>
   </p:cSld>
@@ -9004,7 +8399,7 @@
           <a:p>
             <a:r>
               <a:rPr lang="fr-FR" b="1"/>
-              <a:t>Câu 3 (2.0 điểm): Logical Agents</a:t>
+              <a:t>Câu 2 (2.0 điểm): Adversarial Search</a:t>
             </a:r>
             <a:endParaRPr lang="en-US" b="1"/>
           </a:p>
@@ -9078,7 +8473,7 @@
           <a:p>
             <a:r>
               <a:rPr lang="en-US"/>
-              <a:t>Trang 12</a:t>
+              <a:t>Trang 11</a:t>
             </a:r>
           </a:p>
         </p:txBody>
@@ -9113,7 +8508,7 @@
           <a:p>
             <a:r>
               <a:rPr lang="en-US"/>
-              <a:t>YC3.1</a:t>
+              <a:t>YC2.3</a:t>
             </a:r>
           </a:p>
         </p:txBody>
@@ -9132,8 +8527,8 @@
         </p:nvSpPr>
         <p:spPr>
           <a:xfrm>
-            <a:off x="2194777" y="4568794"/>
-            <a:ext cx="4754443" cy="369332"/>
+            <a:off x="3654922" y="5784645"/>
+            <a:ext cx="1834156" cy="369332"/>
           </a:xfrm>
           <a:prstGeom prst="rect">
             <a:avLst/>
@@ -9148,17 +8543,246 @@
           <a:p>
             <a:r>
               <a:rPr lang="en-US" i="1"/>
-              <a:t>Cài đặt EightQueenSolver bằng Glucose3 với CNF</a:t>
+              <a:t>Cài đặt hàm run()</a:t>
             </a:r>
           </a:p>
         </p:txBody>
       </p:sp>
       <p:pic>
         <p:nvPicPr>
-          <p:cNvPr id="7" name="Picture 6">
-            <a:extLst>
-              <a:ext uri="{FF2B5EF4-FFF2-40B4-BE49-F238E27FC236}">
-                <a16:creationId xmlns:a16="http://schemas.microsoft.com/office/drawing/2014/main" id="{1231DF50-44F7-D512-7848-C09E648633A4}"/>
+          <p:cNvPr id="3" name="Picture 10">
+            <a:extLst>
+              <a:ext uri="{FF2B5EF4-FFF2-40B4-BE49-F238E27FC236}">
+                <a16:creationId xmlns:a16="http://schemas.microsoft.com/office/drawing/2014/main" id="{3E934195-854B-7911-2EDD-2AC0625B9140}"/>
+              </a:ext>
+            </a:extLst>
+          </p:cNvPr>
+          <p:cNvPicPr>
+            <a:picLocks noChangeAspect="1" noChangeArrowheads="1"/>
+          </p:cNvPicPr>
+          <p:nvPr/>
+        </p:nvPicPr>
+        <p:blipFill>
+          <a:blip r:embed="rId2">
+            <a:extLst>
+              <a:ext uri="{28A0092B-C50C-407E-A947-70E740481C1C}">
+                <a14:useLocalDpi xmlns:a14="http://schemas.microsoft.com/office/drawing/2010/main" val="0"/>
+              </a:ext>
+            </a:extLst>
+          </a:blip>
+          <a:srcRect/>
+          <a:stretch>
+            <a:fillRect/>
+          </a:stretch>
+        </p:blipFill>
+        <p:spPr bwMode="auto">
+          <a:xfrm>
+            <a:off x="76200" y="119063"/>
+            <a:ext cx="1114424" cy="614791"/>
+          </a:xfrm>
+          <a:prstGeom prst="rect">
+            <a:avLst/>
+          </a:prstGeom>
+          <a:noFill/>
+          <a:extLst>
+            <a:ext uri="{909E8E84-426E-40DD-AFC4-6F175D3DCCD1}">
+              <a14:hiddenFill xmlns:a14="http://schemas.microsoft.com/office/drawing/2010/main">
+                <a:solidFill>
+                  <a:srgbClr val="FFFFFF"/>
+                </a:solidFill>
+              </a14:hiddenFill>
+            </a:ext>
+          </a:extLst>
+        </p:spPr>
+      </p:pic>
+      <p:cxnSp>
+        <p:nvCxnSpPr>
+          <p:cNvPr id="7" name="Straight Connector 6">
+            <a:extLst>
+              <a:ext uri="{FF2B5EF4-FFF2-40B4-BE49-F238E27FC236}">
+                <a16:creationId xmlns:a16="http://schemas.microsoft.com/office/drawing/2014/main" id="{4B844266-EA6B-472E-A3D7-9D35A42FEDA1}"/>
+              </a:ext>
+            </a:extLst>
+          </p:cNvPr>
+          <p:cNvCxnSpPr>
+            <a:cxnSpLocks/>
+          </p:cNvCxnSpPr>
+          <p:nvPr/>
+        </p:nvCxnSpPr>
+        <p:spPr>
+          <a:xfrm>
+            <a:off x="76200" y="847725"/>
+            <a:ext cx="7648575" cy="0"/>
+          </a:xfrm>
+          <a:prstGeom prst="line">
+            <a:avLst/>
+          </a:prstGeom>
+        </p:spPr>
+        <p:style>
+          <a:lnRef idx="1">
+            <a:schemeClr val="accent1"/>
+          </a:lnRef>
+          <a:fillRef idx="0">
+            <a:schemeClr val="accent1"/>
+          </a:fillRef>
+          <a:effectRef idx="0">
+            <a:schemeClr val="accent1"/>
+          </a:effectRef>
+          <a:fontRef idx="minor">
+            <a:schemeClr val="tx1"/>
+          </a:fontRef>
+        </p:style>
+      </p:cxnSp>
+      <p:sp>
+        <p:nvSpPr>
+          <p:cNvPr id="9" name="TextBox 8">
+            <a:extLst>
+              <a:ext uri="{FF2B5EF4-FFF2-40B4-BE49-F238E27FC236}">
+                <a16:creationId xmlns:a16="http://schemas.microsoft.com/office/drawing/2014/main" id="{23138F62-9B41-3529-F526-DDDB40DC698F}"/>
+              </a:ext>
+            </a:extLst>
+          </p:cNvPr>
+          <p:cNvSpPr txBox="1"/>
+          <p:nvPr/>
+        </p:nvSpPr>
+        <p:spPr>
+          <a:xfrm>
+            <a:off x="1390650" y="236792"/>
+            <a:ext cx="6362700" cy="369332"/>
+          </a:xfrm>
+          <a:prstGeom prst="rect">
+            <a:avLst/>
+          </a:prstGeom>
+          <a:noFill/>
+        </p:spPr>
+        <p:txBody>
+          <a:bodyPr wrap="square" rtlCol="0">
+            <a:spAutoFit/>
+          </a:bodyPr>
+          <a:lstStyle/>
+          <a:p>
+            <a:r>
+              <a:rPr lang="fr-FR" b="1"/>
+              <a:t>Câu 2 (2.0 điểm): Adversarial Search</a:t>
+            </a:r>
+            <a:endParaRPr lang="en-US" b="1"/>
+          </a:p>
+        </p:txBody>
+      </p:sp>
+      <p:cxnSp>
+        <p:nvCxnSpPr>
+          <p:cNvPr id="10" name="Straight Connector 9">
+            <a:extLst>
+              <a:ext uri="{FF2B5EF4-FFF2-40B4-BE49-F238E27FC236}">
+                <a16:creationId xmlns:a16="http://schemas.microsoft.com/office/drawing/2014/main" id="{892C3C70-8EC0-788D-5DB7-ED14D2C4E337}"/>
+              </a:ext>
+            </a:extLst>
+          </p:cNvPr>
+          <p:cNvCxnSpPr>
+            <a:cxnSpLocks/>
+          </p:cNvCxnSpPr>
+          <p:nvPr/>
+        </p:nvCxnSpPr>
+        <p:spPr>
+          <a:xfrm>
+            <a:off x="4752975" y="6238875"/>
+            <a:ext cx="4286250" cy="0"/>
+          </a:xfrm>
+          <a:prstGeom prst="line">
+            <a:avLst/>
+          </a:prstGeom>
+        </p:spPr>
+        <p:style>
+          <a:lnRef idx="1">
+            <a:schemeClr val="accent1"/>
+          </a:lnRef>
+          <a:fillRef idx="0">
+            <a:schemeClr val="accent1"/>
+          </a:fillRef>
+          <a:effectRef idx="0">
+            <a:schemeClr val="accent1"/>
+          </a:effectRef>
+          <a:fontRef idx="minor">
+            <a:schemeClr val="tx1"/>
+          </a:fontRef>
+        </p:style>
+      </p:cxnSp>
+      <p:sp>
+        <p:nvSpPr>
+          <p:cNvPr id="13" name="TextBox 12">
+            <a:extLst>
+              <a:ext uri="{FF2B5EF4-FFF2-40B4-BE49-F238E27FC236}">
+                <a16:creationId xmlns:a16="http://schemas.microsoft.com/office/drawing/2014/main" id="{87B1AB70-F47B-77BB-421C-2008A6178502}"/>
+              </a:ext>
+            </a:extLst>
+          </p:cNvPr>
+          <p:cNvSpPr txBox="1"/>
+          <p:nvPr/>
+        </p:nvSpPr>
+        <p:spPr>
+          <a:xfrm>
+            <a:off x="304800" y="1228725"/>
+            <a:ext cx="5210175" cy="369332"/>
+          </a:xfrm>
+          <a:prstGeom prst="rect">
+            <a:avLst/>
+          </a:prstGeom>
+          <a:noFill/>
+        </p:spPr>
+        <p:txBody>
+          <a:bodyPr wrap="square" rtlCol="0">
+            <a:spAutoFit/>
+          </a:bodyPr>
+          <a:lstStyle/>
+          <a:p>
+            <a:r>
+              <a:rPr lang="en-US"/>
+              <a:t>YC2.3</a:t>
+            </a:r>
+          </a:p>
+        </p:txBody>
+      </p:sp>
+      <p:sp>
+        <p:nvSpPr>
+          <p:cNvPr id="15" name="TextBox 14">
+            <a:extLst>
+              <a:ext uri="{FF2B5EF4-FFF2-40B4-BE49-F238E27FC236}">
+                <a16:creationId xmlns:a16="http://schemas.microsoft.com/office/drawing/2014/main" id="{0C1AB01C-1294-90EE-174E-AEA75813511F}"/>
+              </a:ext>
+            </a:extLst>
+          </p:cNvPr>
+          <p:cNvSpPr txBox="1"/>
+          <p:nvPr/>
+        </p:nvSpPr>
+        <p:spPr>
+          <a:xfrm>
+            <a:off x="3654922" y="5784645"/>
+            <a:ext cx="1834156" cy="369332"/>
+          </a:xfrm>
+          <a:prstGeom prst="rect">
+            <a:avLst/>
+          </a:prstGeom>
+          <a:noFill/>
+        </p:spPr>
+        <p:txBody>
+          <a:bodyPr wrap="none" rtlCol="0">
+            <a:spAutoFit/>
+          </a:bodyPr>
+          <a:lstStyle/>
+          <a:p>
+            <a:r>
+              <a:rPr lang="en-US" i="1"/>
+              <a:t>Cài đặt hàm run()</a:t>
+            </a:r>
+          </a:p>
+        </p:txBody>
+      </p:sp>
+      <p:pic>
+        <p:nvPicPr>
+          <p:cNvPr id="16" name="Picture 15">
+            <a:extLst>
+              <a:ext uri="{FF2B5EF4-FFF2-40B4-BE49-F238E27FC236}">
+                <a16:creationId xmlns:a16="http://schemas.microsoft.com/office/drawing/2014/main" id="{032988E1-D986-0F66-D747-83EE16096C12}"/>
               </a:ext>
             </a:extLst>
           </p:cNvPr>
@@ -9175,18 +8799,83 @@
         </p:blipFill>
         <p:spPr>
           <a:xfrm>
-            <a:off x="2914506" y="1682955"/>
-            <a:ext cx="3314987" cy="2133785"/>
+            <a:off x="510124" y="1975699"/>
+            <a:ext cx="4799526" cy="3512845"/>
           </a:xfrm>
           <a:prstGeom prst="rect">
             <a:avLst/>
           </a:prstGeom>
         </p:spPr>
       </p:pic>
+      <p:pic>
+        <p:nvPicPr>
+          <p:cNvPr id="17" name="Picture 16">
+            <a:extLst>
+              <a:ext uri="{FF2B5EF4-FFF2-40B4-BE49-F238E27FC236}">
+                <a16:creationId xmlns:a16="http://schemas.microsoft.com/office/drawing/2014/main" id="{CBF38A24-8871-E789-D084-44BC158A0A93}"/>
+              </a:ext>
+            </a:extLst>
+          </p:cNvPr>
+          <p:cNvPicPr>
+            <a:picLocks noChangeAspect="1"/>
+          </p:cNvPicPr>
+          <p:nvPr/>
+        </p:nvPicPr>
+        <p:blipFill>
+          <a:blip r:embed="rId4"/>
+          <a:stretch>
+            <a:fillRect/>
+          </a:stretch>
+        </p:blipFill>
+        <p:spPr>
+          <a:xfrm>
+            <a:off x="5967158" y="3294450"/>
+            <a:ext cx="2742790" cy="875341"/>
+          </a:xfrm>
+          <a:prstGeom prst="rect">
+            <a:avLst/>
+          </a:prstGeom>
+        </p:spPr>
+      </p:pic>
+      <p:sp>
+        <p:nvSpPr>
+          <p:cNvPr id="18" name="TextBox 17">
+            <a:extLst>
+              <a:ext uri="{FF2B5EF4-FFF2-40B4-BE49-F238E27FC236}">
+                <a16:creationId xmlns:a16="http://schemas.microsoft.com/office/drawing/2014/main" id="{A0685E4F-FDAB-ABCE-7FE0-415BEEA52EBD}"/>
+              </a:ext>
+            </a:extLst>
+          </p:cNvPr>
+          <p:cNvSpPr txBox="1"/>
+          <p:nvPr/>
+        </p:nvSpPr>
+        <p:spPr>
+          <a:xfrm>
+            <a:off x="2069076" y="1606367"/>
+            <a:ext cx="2082621" cy="369332"/>
+          </a:xfrm>
+          <a:prstGeom prst="rect">
+            <a:avLst/>
+          </a:prstGeom>
+          <a:noFill/>
+        </p:spPr>
+        <p:txBody>
+          <a:bodyPr wrap="none" rtlCol="0">
+            <a:spAutoFit/>
+          </a:bodyPr>
+          <a:lstStyle/>
+          <a:p>
+            <a:r>
+              <a:rPr lang="en-US" i="1"/>
+              <a:t>Minimax Algorithms</a:t>
+            </a:r>
+          </a:p>
+        </p:txBody>
+      </p:sp>
     </p:spTree>
     <p:extLst>
       <p:ext uri="{BB962C8B-B14F-4D97-AF65-F5344CB8AC3E}">
-        <p14:creationId xmlns:p14="http://schemas.microsoft.com/office/powerpoint/2010/main" val="2450269525"/>
+        <p14:creationId xmlns:p14="http://schemas.microsoft.com/office/powerpoint/2010/main" val="1235902622"/>
       </p:ext>
     </p:extLst>
   </p:cSld>
@@ -9298,42 +8987,6 @@
           </a:fontRef>
         </p:style>
       </p:cxnSp>
-      <p:sp>
-        <p:nvSpPr>
-          <p:cNvPr id="14" name="TextBox 13">
-            <a:extLst>
-              <a:ext uri="{FF2B5EF4-FFF2-40B4-BE49-F238E27FC236}">
-                <a16:creationId xmlns:a16="http://schemas.microsoft.com/office/drawing/2014/main" id="{63B4AB36-B54A-EA5C-2A74-F2C80BE0CBC4}"/>
-              </a:ext>
-            </a:extLst>
-          </p:cNvPr>
-          <p:cNvSpPr txBox="1"/>
-          <p:nvPr/>
-        </p:nvSpPr>
-        <p:spPr>
-          <a:xfrm>
-            <a:off x="1390650" y="236792"/>
-            <a:ext cx="6362700" cy="369332"/>
-          </a:xfrm>
-          <a:prstGeom prst="rect">
-            <a:avLst/>
-          </a:prstGeom>
-          <a:noFill/>
-        </p:spPr>
-        <p:txBody>
-          <a:bodyPr wrap="square" rtlCol="0">
-            <a:spAutoFit/>
-          </a:bodyPr>
-          <a:lstStyle/>
-          <a:p>
-            <a:r>
-              <a:rPr lang="fr-FR" b="1"/>
-              <a:t>Câu 3 (2.0 điểm): Logical Agents</a:t>
-            </a:r>
-            <a:endParaRPr lang="en-US" b="1"/>
-          </a:p>
-        </p:txBody>
-      </p:sp>
       <p:cxnSp>
         <p:nvCxnSpPr>
           <p:cNvPr id="2" name="Straight Connector 1">
@@ -9402,17 +9055,17 @@
           <a:p>
             <a:r>
               <a:rPr lang="en-US"/>
-              <a:t>Trang 13</a:t>
+              <a:t>Trang 12</a:t>
             </a:r>
           </a:p>
         </p:txBody>
       </p:sp>
       <p:sp>
         <p:nvSpPr>
-          <p:cNvPr id="5" name="TextBox 4">
-            <a:extLst>
-              <a:ext uri="{FF2B5EF4-FFF2-40B4-BE49-F238E27FC236}">
-                <a16:creationId xmlns:a16="http://schemas.microsoft.com/office/drawing/2014/main" id="{2FD009FE-CA5C-D5A4-E99D-1E506F763D1C}"/>
+          <p:cNvPr id="3" name="TextBox 2">
+            <a:extLst>
+              <a:ext uri="{FF2B5EF4-FFF2-40B4-BE49-F238E27FC236}">
+                <a16:creationId xmlns:a16="http://schemas.microsoft.com/office/drawing/2014/main" id="{9117E4B9-8314-B9E3-8EFF-7D2C51624F1F}"/>
               </a:ext>
             </a:extLst>
           </p:cNvPr>
@@ -9421,8 +9074,8 @@
         </p:nvSpPr>
         <p:spPr>
           <a:xfrm>
-            <a:off x="304800" y="1228725"/>
-            <a:ext cx="5210175" cy="369332"/>
+            <a:off x="2709051" y="2875002"/>
+            <a:ext cx="3725898" cy="553998"/>
           </a:xfrm>
           <a:prstGeom prst="rect">
             <a:avLst/>
@@ -9436,81 +9089,16 @@
           <a:lstStyle/>
           <a:p>
             <a:r>
-              <a:rPr lang="en-US"/>
-              <a:t>YC3.2</a:t>
+              <a:rPr lang="fr-FR" sz="3000" b="1"/>
+              <a:t>Câu 3 – Logical Agents</a:t>
             </a:r>
           </a:p>
         </p:txBody>
       </p:sp>
-      <p:sp>
-        <p:nvSpPr>
-          <p:cNvPr id="8" name="TextBox 7">
-            <a:extLst>
-              <a:ext uri="{FF2B5EF4-FFF2-40B4-BE49-F238E27FC236}">
-                <a16:creationId xmlns:a16="http://schemas.microsoft.com/office/drawing/2014/main" id="{FE5D4E40-17C8-086B-12F6-4368FAD8DA16}"/>
-              </a:ext>
-            </a:extLst>
-          </p:cNvPr>
-          <p:cNvSpPr txBox="1"/>
-          <p:nvPr/>
-        </p:nvSpPr>
-        <p:spPr>
-          <a:xfrm>
-            <a:off x="2379058" y="4689374"/>
-            <a:ext cx="4385881" cy="369332"/>
-          </a:xfrm>
-          <a:prstGeom prst="rect">
-            <a:avLst/>
-          </a:prstGeom>
-          <a:noFill/>
-        </p:spPr>
-        <p:txBody>
-          <a:bodyPr wrap="none" rtlCol="0">
-            <a:spAutoFit/>
-          </a:bodyPr>
-          <a:lstStyle/>
-          <a:p>
-            <a:r>
-              <a:rPr lang="en-US" i="1"/>
-              <a:t>Cài đặt NQueenSolver bằng Glucose3 với CNF</a:t>
-            </a:r>
-          </a:p>
-        </p:txBody>
-      </p:sp>
-      <p:pic>
-        <p:nvPicPr>
-          <p:cNvPr id="6" name="Picture 5">
-            <a:extLst>
-              <a:ext uri="{FF2B5EF4-FFF2-40B4-BE49-F238E27FC236}">
-                <a16:creationId xmlns:a16="http://schemas.microsoft.com/office/drawing/2014/main" id="{961AAD6C-CC86-5091-ECFE-6957EBB93760}"/>
-              </a:ext>
-            </a:extLst>
-          </p:cNvPr>
-          <p:cNvPicPr>
-            <a:picLocks noChangeAspect="1"/>
-          </p:cNvPicPr>
-          <p:nvPr/>
-        </p:nvPicPr>
-        <p:blipFill>
-          <a:blip r:embed="rId3"/>
-          <a:stretch>
-            <a:fillRect/>
-          </a:stretch>
-        </p:blipFill>
-        <p:spPr>
-          <a:xfrm>
-            <a:off x="2929745" y="1975053"/>
-            <a:ext cx="3284505" cy="2270957"/>
-          </a:xfrm>
-          <a:prstGeom prst="rect">
-            <a:avLst/>
-          </a:prstGeom>
-        </p:spPr>
-      </p:pic>
     </p:spTree>
     <p:extLst>
       <p:ext uri="{BB962C8B-B14F-4D97-AF65-F5344CB8AC3E}">
-        <p14:creationId xmlns:p14="http://schemas.microsoft.com/office/powerpoint/2010/main" val="3480722215"/>
+        <p14:creationId xmlns:p14="http://schemas.microsoft.com/office/powerpoint/2010/main" val="1822488476"/>
       </p:ext>
     </p:extLst>
   </p:cSld>
@@ -9658,363 +9246,12 @@
           </a:p>
         </p:txBody>
       </p:sp>
-      <p:graphicFrame>
-        <p:nvGraphicFramePr>
-          <p:cNvPr id="3" name="Table 16">
-            <a:extLst>
-              <a:ext uri="{FF2B5EF4-FFF2-40B4-BE49-F238E27FC236}">
-                <a16:creationId xmlns:a16="http://schemas.microsoft.com/office/drawing/2014/main" id="{5E8325E1-BDCF-5783-E97F-C770E7E58F6D}"/>
-              </a:ext>
-            </a:extLst>
-          </p:cNvPr>
-          <p:cNvGraphicFramePr>
-            <a:graphicFrameLocks noGrp="1"/>
-          </p:cNvGraphicFramePr>
-          <p:nvPr>
-            <p:extLst>
-              <p:ext uri="{D42A27DB-BD31-4B8C-83A1-F6EECF244321}">
-                <p14:modId xmlns:p14="http://schemas.microsoft.com/office/powerpoint/2010/main" val="3266440342"/>
-              </p:ext>
-            </p:extLst>
-          </p:nvPr>
-        </p:nvGraphicFramePr>
-        <p:xfrm>
-          <a:off x="1850248" y="1815894"/>
-          <a:ext cx="5443503" cy="1483360"/>
-        </p:xfrm>
-        <a:graphic>
-          <a:graphicData uri="http://schemas.openxmlformats.org/drawingml/2006/table">
-            <a:tbl>
-              <a:tblPr firstRow="1" bandRow="1">
-                <a:tableStyleId>{F5AB1C69-6EDB-4FF4-983F-18BD219EF322}</a:tableStyleId>
-              </a:tblPr>
-              <a:tblGrid>
-                <a:gridCol w="1662078">
-                  <a:extLst>
-                    <a:ext uri="{9D8B030D-6E8A-4147-A177-3AD203B41FA5}">
-                      <a16:colId xmlns:a16="http://schemas.microsoft.com/office/drawing/2014/main" val="3939429785"/>
-                    </a:ext>
-                  </a:extLst>
-                </a:gridCol>
-                <a:gridCol w="1514475">
-                  <a:extLst>
-                    <a:ext uri="{9D8B030D-6E8A-4147-A177-3AD203B41FA5}">
-                      <a16:colId xmlns:a16="http://schemas.microsoft.com/office/drawing/2014/main" val="1738762872"/>
-                    </a:ext>
-                  </a:extLst>
-                </a:gridCol>
-                <a:gridCol w="2266950">
-                  <a:extLst>
-                    <a:ext uri="{9D8B030D-6E8A-4147-A177-3AD203B41FA5}">
-                      <a16:colId xmlns:a16="http://schemas.microsoft.com/office/drawing/2014/main" val="3821170340"/>
-                    </a:ext>
-                  </a:extLst>
-                </a:gridCol>
-              </a:tblGrid>
-              <a:tr h="370840">
-                <a:tc>
-                  <a:txBody>
-                    <a:bodyPr/>
-                    <a:lstStyle/>
-                    <a:p>
-                      <a:pPr algn="ctr"/>
-                      <a:r>
-                        <a:rPr lang="en-US">
-                          <a:latin typeface="Times New Roman" panose="02020603050405020304" pitchFamily="18" charset="0"/>
-                          <a:cs typeface="Times New Roman" panose="02020603050405020304" pitchFamily="18" charset="0"/>
-                        </a:rPr>
-                        <a:t>Tiêu chí</a:t>
-                      </a:r>
-                    </a:p>
-                  </a:txBody>
-                  <a:tcPr/>
-                </a:tc>
-                <a:tc>
-                  <a:txBody>
-                    <a:bodyPr/>
-                    <a:lstStyle/>
-                    <a:p>
-                      <a:pPr algn="ctr"/>
-                      <a:r>
-                        <a:rPr lang="en-US">
-                          <a:latin typeface="Times New Roman" panose="02020603050405020304" pitchFamily="18" charset="0"/>
-                          <a:cs typeface="Times New Roman" panose="02020603050405020304" pitchFamily="18" charset="0"/>
-                        </a:rPr>
-                        <a:t>Điểm</a:t>
-                      </a:r>
-                    </a:p>
-                  </a:txBody>
-                  <a:tcPr/>
-                </a:tc>
-                <a:tc>
-                  <a:txBody>
-                    <a:bodyPr/>
-                    <a:lstStyle/>
-                    <a:p>
-                      <a:pPr algn="ctr"/>
-                      <a:r>
-                        <a:rPr lang="en-US">
-                          <a:latin typeface="Times New Roman" panose="02020603050405020304" pitchFamily="18" charset="0"/>
-                          <a:cs typeface="Times New Roman" panose="02020603050405020304" pitchFamily="18" charset="0"/>
-                        </a:rPr>
-                        <a:t>Đánh giá</a:t>
-                      </a:r>
-                    </a:p>
-                  </a:txBody>
-                  <a:tcPr/>
-                </a:tc>
-                <a:extLst>
-                  <a:ext uri="{0D108BD9-81ED-4DB2-BD59-A6C34878D82A}">
-                    <a16:rowId xmlns:a16="http://schemas.microsoft.com/office/drawing/2014/main" val="2071844936"/>
-                  </a:ext>
-                </a:extLst>
-              </a:tr>
-              <a:tr h="370840">
-                <a:tc>
-                  <a:txBody>
-                    <a:bodyPr/>
-                    <a:lstStyle/>
-                    <a:p>
-                      <a:pPr algn="ctr"/>
-                      <a:r>
-                        <a:rPr lang="en-US">
-                          <a:latin typeface="Times New Roman" panose="02020603050405020304" pitchFamily="18" charset="0"/>
-                          <a:cs typeface="Times New Roman" panose="02020603050405020304" pitchFamily="18" charset="0"/>
-                        </a:rPr>
-                        <a:t>YC3-1</a:t>
-                      </a:r>
-                    </a:p>
-                  </a:txBody>
-                  <a:tcPr/>
-                </a:tc>
-                <a:tc>
-                  <a:txBody>
-                    <a:bodyPr/>
-                    <a:lstStyle/>
-                    <a:p>
-                      <a:pPr algn="ctr"/>
-                      <a:r>
-                        <a:rPr lang="en-US">
-                          <a:latin typeface="Times New Roman" panose="02020603050405020304" pitchFamily="18" charset="0"/>
-                          <a:cs typeface="Times New Roman" panose="02020603050405020304" pitchFamily="18" charset="0"/>
-                        </a:rPr>
-                        <a:t>---</a:t>
-                      </a:r>
-                    </a:p>
-                  </a:txBody>
-                  <a:tcPr/>
-                </a:tc>
-                <a:tc>
-                  <a:txBody>
-                    <a:bodyPr/>
-                    <a:lstStyle/>
-                    <a:p>
-                      <a:pPr algn="ctr"/>
-                      <a:r>
-                        <a:rPr lang="en-US">
-                          <a:latin typeface="Times New Roman" panose="02020603050405020304" pitchFamily="18" charset="0"/>
-                          <a:cs typeface="Times New Roman" panose="02020603050405020304" pitchFamily="18" charset="0"/>
-                        </a:rPr>
-                        <a:t>Hoàn thành</a:t>
-                      </a:r>
-                    </a:p>
-                  </a:txBody>
-                  <a:tcPr/>
-                </a:tc>
-                <a:extLst>
-                  <a:ext uri="{0D108BD9-81ED-4DB2-BD59-A6C34878D82A}">
-                    <a16:rowId xmlns:a16="http://schemas.microsoft.com/office/drawing/2014/main" val="583184748"/>
-                  </a:ext>
-                </a:extLst>
-              </a:tr>
-              <a:tr h="370840">
-                <a:tc>
-                  <a:txBody>
-                    <a:bodyPr/>
-                    <a:lstStyle/>
-                    <a:p>
-                      <a:pPr algn="ctr"/>
-                      <a:r>
-                        <a:rPr lang="en-US">
-                          <a:latin typeface="Times New Roman" panose="02020603050405020304" pitchFamily="18" charset="0"/>
-                          <a:cs typeface="Times New Roman" panose="02020603050405020304" pitchFamily="18" charset="0"/>
-                        </a:rPr>
-                        <a:t>YC3-2</a:t>
-                      </a:r>
-                    </a:p>
-                  </a:txBody>
-                  <a:tcPr/>
-                </a:tc>
-                <a:tc>
-                  <a:txBody>
-                    <a:bodyPr/>
-                    <a:lstStyle/>
-                    <a:p>
-                      <a:pPr algn="ctr"/>
-                      <a:r>
-                        <a:rPr lang="en-US">
-                          <a:latin typeface="Times New Roman" panose="02020603050405020304" pitchFamily="18" charset="0"/>
-                          <a:cs typeface="Times New Roman" panose="02020603050405020304" pitchFamily="18" charset="0"/>
-                        </a:rPr>
-                        <a:t>---</a:t>
-                      </a:r>
-                    </a:p>
-                  </a:txBody>
-                  <a:tcPr/>
-                </a:tc>
-                <a:tc>
-                  <a:txBody>
-                    <a:bodyPr/>
-                    <a:lstStyle/>
-                    <a:p>
-                      <a:pPr algn="ctr"/>
-                      <a:r>
-                        <a:rPr lang="en-US">
-                          <a:latin typeface="Times New Roman" panose="02020603050405020304" pitchFamily="18" charset="0"/>
-                          <a:cs typeface="Times New Roman" panose="02020603050405020304" pitchFamily="18" charset="0"/>
-                        </a:rPr>
-                        <a:t>Hoàn thành</a:t>
-                      </a:r>
-                    </a:p>
-                  </a:txBody>
-                  <a:tcPr/>
-                </a:tc>
-                <a:extLst>
-                  <a:ext uri="{0D108BD9-81ED-4DB2-BD59-A6C34878D82A}">
-                    <a16:rowId xmlns:a16="http://schemas.microsoft.com/office/drawing/2014/main" val="3755525977"/>
-                  </a:ext>
-                </a:extLst>
-              </a:tr>
-              <a:tr h="370840">
-                <a:tc gridSpan="2">
-                  <a:txBody>
-                    <a:bodyPr/>
-                    <a:lstStyle/>
-                    <a:p>
-                      <a:pPr algn="ctr"/>
-                      <a:r>
-                        <a:rPr lang="en-US">
-                          <a:latin typeface="Times New Roman" panose="02020603050405020304" pitchFamily="18" charset="0"/>
-                          <a:cs typeface="Times New Roman" panose="02020603050405020304" pitchFamily="18" charset="0"/>
-                        </a:rPr>
-                        <a:t>Tổng điểm đánh giá</a:t>
-                      </a:r>
-                    </a:p>
-                  </a:txBody>
-                  <a:tcPr/>
-                </a:tc>
-                <a:tc hMerge="1">
-                  <a:txBody>
-                    <a:bodyPr/>
-                    <a:lstStyle/>
-                    <a:p>
-                      <a:pPr algn="ctr"/>
-                      <a:endParaRPr lang="en-US">
-                        <a:latin typeface="Times New Roman" panose="02020603050405020304" pitchFamily="18" charset="0"/>
-                        <a:cs typeface="Times New Roman" panose="02020603050405020304" pitchFamily="18" charset="0"/>
-                      </a:endParaRPr>
-                    </a:p>
-                  </a:txBody>
-                  <a:tcPr/>
-                </a:tc>
-                <a:tc>
-                  <a:txBody>
-                    <a:bodyPr/>
-                    <a:lstStyle/>
-                    <a:p>
-                      <a:pPr algn="ctr"/>
-                      <a:r>
-                        <a:rPr lang="en-US">
-                          <a:latin typeface="Times New Roman" panose="02020603050405020304" pitchFamily="18" charset="0"/>
-                          <a:cs typeface="Times New Roman" panose="02020603050405020304" pitchFamily="18" charset="0"/>
-                        </a:rPr>
-                        <a:t>2 điểm</a:t>
-                      </a:r>
-                    </a:p>
-                  </a:txBody>
-                  <a:tcPr/>
-                </a:tc>
-                <a:extLst>
-                  <a:ext uri="{0D108BD9-81ED-4DB2-BD59-A6C34878D82A}">
-                    <a16:rowId xmlns:a16="http://schemas.microsoft.com/office/drawing/2014/main" val="3314593414"/>
-                  </a:ext>
-                </a:extLst>
-              </a:tr>
-            </a:tbl>
-          </a:graphicData>
-        </a:graphic>
-      </p:graphicFrame>
-      <p:sp>
-        <p:nvSpPr>
-          <p:cNvPr id="4" name="TextBox 3">
-            <a:extLst>
-              <a:ext uri="{FF2B5EF4-FFF2-40B4-BE49-F238E27FC236}">
-                <a16:creationId xmlns:a16="http://schemas.microsoft.com/office/drawing/2014/main" id="{459EF129-6740-B341-7BC7-05D580180742}"/>
-              </a:ext>
-            </a:extLst>
-          </p:cNvPr>
-          <p:cNvSpPr txBox="1"/>
-          <p:nvPr/>
-        </p:nvSpPr>
-        <p:spPr>
-          <a:xfrm>
-            <a:off x="76200" y="1089327"/>
-            <a:ext cx="2159566" cy="369332"/>
-          </a:xfrm>
-          <a:prstGeom prst="rect">
-            <a:avLst/>
-          </a:prstGeom>
-          <a:noFill/>
-        </p:spPr>
-        <p:txBody>
-          <a:bodyPr wrap="none" rtlCol="0">
-            <a:spAutoFit/>
-          </a:bodyPr>
-          <a:lstStyle/>
-          <a:p>
-            <a:pPr marL="0" marR="0" lvl="0" indent="0" algn="l" defTabSz="457200" rtl="0" eaLnBrk="1" fontAlgn="auto" latinLnBrk="0" hangingPunct="1">
-              <a:lnSpc>
-                <a:spcPct val="100000"/>
-              </a:lnSpc>
-              <a:spcBef>
-                <a:spcPts val="0"/>
-              </a:spcBef>
-              <a:spcAft>
-                <a:spcPts val="0"/>
-              </a:spcAft>
-              <a:buClrTx/>
-              <a:buSzTx/>
-              <a:buFontTx/>
-              <a:buNone/>
-              <a:tabLst/>
-              <a:defRPr/>
-            </a:pPr>
-            <a:r>
-              <a:rPr kumimoji="0" lang="en-US" sz="1800" b="0" i="1" u="none" strike="noStrike" kern="1200" cap="none" spc="0" normalizeH="0" baseline="0" noProof="0">
-                <a:ln>
-                  <a:noFill/>
-                </a:ln>
-                <a:solidFill>
-                  <a:prstClr val="black"/>
-                </a:solidFill>
-                <a:effectLst/>
-                <a:uLnTx/>
-                <a:uFillTx/>
-                <a:latin typeface="Calibri" panose="020F0502020204030204"/>
-                <a:ea typeface="+mn-ea"/>
-                <a:cs typeface="+mn-cs"/>
-              </a:rPr>
-              <a:t>Đánh giá hoàn thành</a:t>
-            </a:r>
-          </a:p>
-        </p:txBody>
-      </p:sp>
       <p:cxnSp>
         <p:nvCxnSpPr>
           <p:cNvPr id="2" name="Straight Connector 1">
             <a:extLst>
               <a:ext uri="{FF2B5EF4-FFF2-40B4-BE49-F238E27FC236}">
-                <a16:creationId xmlns:a16="http://schemas.microsoft.com/office/drawing/2014/main" id="{7C8A4417-1481-B1E7-23CC-E5C9CAD25F2C}"/>
+                <a16:creationId xmlns:a16="http://schemas.microsoft.com/office/drawing/2014/main" id="{AF3ADEA5-03F2-7E56-B6E6-8B6970A896CF}"/>
               </a:ext>
             </a:extLst>
           </p:cNvPr>
@@ -10049,10 +9286,10 @@
       </p:cxnSp>
       <p:sp>
         <p:nvSpPr>
-          <p:cNvPr id="6" name="TextBox 5">
-            <a:extLst>
-              <a:ext uri="{FF2B5EF4-FFF2-40B4-BE49-F238E27FC236}">
-                <a16:creationId xmlns:a16="http://schemas.microsoft.com/office/drawing/2014/main" id="{F6D86575-6F62-E86B-CB8C-67FDEFFD30D6}"/>
+          <p:cNvPr id="4" name="TextBox 3">
+            <a:extLst>
+              <a:ext uri="{FF2B5EF4-FFF2-40B4-BE49-F238E27FC236}">
+                <a16:creationId xmlns:a16="http://schemas.microsoft.com/office/drawing/2014/main" id="{11342279-3B1B-9555-FD5C-CA3839B3D029}"/>
               </a:ext>
             </a:extLst>
           </p:cNvPr>
@@ -10075,47 +9312,117 @@
           </a:bodyPr>
           <a:lstStyle/>
           <a:p>
-            <a:pPr marL="0" marR="0" lvl="0" indent="0" algn="l" defTabSz="457200" rtl="0" eaLnBrk="1" fontAlgn="auto" latinLnBrk="0" hangingPunct="1">
-              <a:lnSpc>
-                <a:spcPct val="100000"/>
-              </a:lnSpc>
-              <a:spcBef>
-                <a:spcPts val="0"/>
-              </a:spcBef>
-              <a:spcAft>
-                <a:spcPts val="0"/>
-              </a:spcAft>
-              <a:buClrTx/>
-              <a:buSzTx/>
-              <a:buFontTx/>
-              <a:buNone/>
-              <a:tabLst/>
-              <a:defRPr/>
-            </a:pPr>
-            <a:r>
-              <a:rPr kumimoji="0" lang="en-US" sz="1800" b="0" i="0" u="none" strike="noStrike" kern="1200" cap="none" spc="0" normalizeH="0" baseline="0" noProof="0">
-                <a:ln>
-                  <a:noFill/>
-                </a:ln>
-                <a:solidFill>
-                  <a:prstClr val="black"/>
-                </a:solidFill>
-                <a:effectLst/>
-                <a:uLnTx/>
-                <a:uFillTx/>
-                <a:latin typeface="Calibri" panose="020F0502020204030204"/>
-                <a:ea typeface="+mn-ea"/>
-                <a:cs typeface="+mn-cs"/>
-              </a:rPr>
-              <a:t>Trang 14</a:t>
+            <a:r>
+              <a:rPr lang="en-US"/>
+              <a:t>Trang 13</a:t>
             </a:r>
           </a:p>
         </p:txBody>
       </p:sp>
+      <p:sp>
+        <p:nvSpPr>
+          <p:cNvPr id="5" name="TextBox 4">
+            <a:extLst>
+              <a:ext uri="{FF2B5EF4-FFF2-40B4-BE49-F238E27FC236}">
+                <a16:creationId xmlns:a16="http://schemas.microsoft.com/office/drawing/2014/main" id="{2FD009FE-CA5C-D5A4-E99D-1E506F763D1C}"/>
+              </a:ext>
+            </a:extLst>
+          </p:cNvPr>
+          <p:cNvSpPr txBox="1"/>
+          <p:nvPr/>
+        </p:nvSpPr>
+        <p:spPr>
+          <a:xfrm>
+            <a:off x="304800" y="1228725"/>
+            <a:ext cx="5210175" cy="369332"/>
+          </a:xfrm>
+          <a:prstGeom prst="rect">
+            <a:avLst/>
+          </a:prstGeom>
+          <a:noFill/>
+        </p:spPr>
+        <p:txBody>
+          <a:bodyPr wrap="square" rtlCol="0">
+            <a:spAutoFit/>
+          </a:bodyPr>
+          <a:lstStyle/>
+          <a:p>
+            <a:r>
+              <a:rPr lang="en-US"/>
+              <a:t>YC3.1</a:t>
+            </a:r>
+          </a:p>
+        </p:txBody>
+      </p:sp>
+      <p:sp>
+        <p:nvSpPr>
+          <p:cNvPr id="8" name="TextBox 7">
+            <a:extLst>
+              <a:ext uri="{FF2B5EF4-FFF2-40B4-BE49-F238E27FC236}">
+                <a16:creationId xmlns:a16="http://schemas.microsoft.com/office/drawing/2014/main" id="{FE5D4E40-17C8-086B-12F6-4368FAD8DA16}"/>
+              </a:ext>
+            </a:extLst>
+          </p:cNvPr>
+          <p:cNvSpPr txBox="1"/>
+          <p:nvPr/>
+        </p:nvSpPr>
+        <p:spPr>
+          <a:xfrm>
+            <a:off x="2194777" y="4568794"/>
+            <a:ext cx="4754443" cy="369332"/>
+          </a:xfrm>
+          <a:prstGeom prst="rect">
+            <a:avLst/>
+          </a:prstGeom>
+          <a:noFill/>
+        </p:spPr>
+        <p:txBody>
+          <a:bodyPr wrap="none" rtlCol="0">
+            <a:spAutoFit/>
+          </a:bodyPr>
+          <a:lstStyle/>
+          <a:p>
+            <a:r>
+              <a:rPr lang="en-US" i="1"/>
+              <a:t>Cài đặt EightQueenSolver bằng Glucose3 với CNF</a:t>
+            </a:r>
+          </a:p>
+        </p:txBody>
+      </p:sp>
+      <p:pic>
+        <p:nvPicPr>
+          <p:cNvPr id="7" name="Picture 6">
+            <a:extLst>
+              <a:ext uri="{FF2B5EF4-FFF2-40B4-BE49-F238E27FC236}">
+                <a16:creationId xmlns:a16="http://schemas.microsoft.com/office/drawing/2014/main" id="{1231DF50-44F7-D512-7848-C09E648633A4}"/>
+              </a:ext>
+            </a:extLst>
+          </p:cNvPr>
+          <p:cNvPicPr>
+            <a:picLocks noChangeAspect="1"/>
+          </p:cNvPicPr>
+          <p:nvPr/>
+        </p:nvPicPr>
+        <p:blipFill>
+          <a:blip r:embed="rId3"/>
+          <a:stretch>
+            <a:fillRect/>
+          </a:stretch>
+        </p:blipFill>
+        <p:spPr>
+          <a:xfrm>
+            <a:off x="2914506" y="1682955"/>
+            <a:ext cx="3314987" cy="2133785"/>
+          </a:xfrm>
+          <a:prstGeom prst="rect">
+            <a:avLst/>
+          </a:prstGeom>
+        </p:spPr>
+      </p:pic>
     </p:spTree>
     <p:extLst>
       <p:ext uri="{BB962C8B-B14F-4D97-AF65-F5344CB8AC3E}">
-        <p14:creationId xmlns:p14="http://schemas.microsoft.com/office/powerpoint/2010/main" val="4081103811"/>
+        <p14:creationId xmlns:p14="http://schemas.microsoft.com/office/powerpoint/2010/main" val="2450269525"/>
       </p:ext>
     </p:extLst>
   </p:cSld>
@@ -10256,9 +9563,10 @@
           <a:lstStyle/>
           <a:p>
             <a:r>
-              <a:rPr lang="en-US" b="1"/>
-              <a:t>Câu 4 (2.0 điểm): Machine Learning</a:t>
-            </a:r>
+              <a:rPr lang="fr-FR" b="1"/>
+              <a:t>Câu 3 (2.0 điểm): Logical Agents</a:t>
+            </a:r>
+            <a:endParaRPr lang="en-US" b="1"/>
           </a:p>
         </p:txBody>
       </p:sp>
@@ -10330,7 +9638,7 @@
           <a:p>
             <a:r>
               <a:rPr lang="en-US"/>
-              <a:t>Trang 15</a:t>
+              <a:t>Trang 14</a:t>
             </a:r>
           </a:p>
         </p:txBody>
@@ -10365,7 +9673,7 @@
           <a:p>
             <a:r>
               <a:rPr lang="en-US"/>
-              <a:t>YC4.1</a:t>
+              <a:t>YC3.2</a:t>
             </a:r>
           </a:p>
         </p:txBody>
@@ -10384,8 +9692,8 @@
         </p:nvSpPr>
         <p:spPr>
           <a:xfrm>
-            <a:off x="1390650" y="1720643"/>
-            <a:ext cx="1420774" cy="369332"/>
+            <a:off x="2379058" y="4689374"/>
+            <a:ext cx="4385881" cy="369332"/>
           </a:xfrm>
           <a:prstGeom prst="rect">
             <a:avLst/>
@@ -10400,17 +9708,17 @@
           <a:p>
             <a:r>
               <a:rPr lang="en-US" i="1"/>
-              <a:t>Decision Tree</a:t>
+              <a:t>Cài đặt NQueenSolver bằng Glucose3 với CNF</a:t>
             </a:r>
           </a:p>
         </p:txBody>
       </p:sp>
       <p:pic>
         <p:nvPicPr>
-          <p:cNvPr id="7" name="Picture 6">
-            <a:extLst>
-              <a:ext uri="{FF2B5EF4-FFF2-40B4-BE49-F238E27FC236}">
-                <a16:creationId xmlns:a16="http://schemas.microsoft.com/office/drawing/2014/main" id="{F7703A19-AE5B-0D48-3EB4-24A756A7DB2D}"/>
+          <p:cNvPr id="6" name="Picture 5">
+            <a:extLst>
+              <a:ext uri="{FF2B5EF4-FFF2-40B4-BE49-F238E27FC236}">
+                <a16:creationId xmlns:a16="http://schemas.microsoft.com/office/drawing/2014/main" id="{961AAD6C-CC86-5091-ECFE-6957EBB93760}"/>
               </a:ext>
             </a:extLst>
           </p:cNvPr>
@@ -10427,73 +9735,8 @@
         </p:blipFill>
         <p:spPr>
           <a:xfrm>
-            <a:off x="4572000" y="2333142"/>
-            <a:ext cx="4279952" cy="184481"/>
-          </a:xfrm>
-          <a:prstGeom prst="rect">
-            <a:avLst/>
-          </a:prstGeom>
-        </p:spPr>
-      </p:pic>
-      <p:sp>
-        <p:nvSpPr>
-          <p:cNvPr id="9" name="TextBox 8">
-            <a:extLst>
-              <a:ext uri="{FF2B5EF4-FFF2-40B4-BE49-F238E27FC236}">
-                <a16:creationId xmlns:a16="http://schemas.microsoft.com/office/drawing/2014/main" id="{EBCA5C7A-4B9E-5C7D-4FAC-95733A590DEC}"/>
-              </a:ext>
-            </a:extLst>
-          </p:cNvPr>
-          <p:cNvSpPr txBox="1"/>
-          <p:nvPr/>
-        </p:nvSpPr>
-        <p:spPr>
-          <a:xfrm>
-            <a:off x="6235723" y="1720643"/>
-            <a:ext cx="952505" cy="369332"/>
-          </a:xfrm>
-          <a:prstGeom prst="rect">
-            <a:avLst/>
-          </a:prstGeom>
-          <a:noFill/>
-        </p:spPr>
-        <p:txBody>
-          <a:bodyPr wrap="none" rtlCol="0">
-            <a:spAutoFit/>
-          </a:bodyPr>
-          <a:lstStyle/>
-          <a:p>
-            <a:r>
-              <a:rPr lang="en-US" i="1"/>
-              <a:t>Sử dụng</a:t>
-            </a:r>
-          </a:p>
-        </p:txBody>
-      </p:sp>
-      <p:pic>
-        <p:nvPicPr>
-          <p:cNvPr id="12" name="Picture 11">
-            <a:extLst>
-              <a:ext uri="{FF2B5EF4-FFF2-40B4-BE49-F238E27FC236}">
-                <a16:creationId xmlns:a16="http://schemas.microsoft.com/office/drawing/2014/main" id="{3C003AC1-8515-821F-F812-639A8E941CDB}"/>
-              </a:ext>
-            </a:extLst>
-          </p:cNvPr>
-          <p:cNvPicPr>
-            <a:picLocks noChangeAspect="1"/>
-          </p:cNvPicPr>
-          <p:nvPr/>
-        </p:nvPicPr>
-        <p:blipFill>
-          <a:blip r:embed="rId4"/>
-          <a:stretch>
-            <a:fillRect/>
-          </a:stretch>
-        </p:blipFill>
-        <p:spPr>
-          <a:xfrm>
-            <a:off x="731934" y="2077851"/>
-            <a:ext cx="3496439" cy="4543357"/>
+            <a:off x="2929745" y="1975053"/>
+            <a:ext cx="3284505" cy="2270957"/>
           </a:xfrm>
           <a:prstGeom prst="rect">
             <a:avLst/>
@@ -10503,7 +9746,7 @@
     </p:spTree>
     <p:extLst>
       <p:ext uri="{BB962C8B-B14F-4D97-AF65-F5344CB8AC3E}">
-        <p14:creationId xmlns:p14="http://schemas.microsoft.com/office/powerpoint/2010/main" val="3681655826"/>
+        <p14:creationId xmlns:p14="http://schemas.microsoft.com/office/powerpoint/2010/main" val="3480722215"/>
       </p:ext>
     </p:extLst>
   </p:cSld>
@@ -10615,41 +9858,6 @@
           </a:fontRef>
         </p:style>
       </p:cxnSp>
-      <p:sp>
-        <p:nvSpPr>
-          <p:cNvPr id="14" name="TextBox 13">
-            <a:extLst>
-              <a:ext uri="{FF2B5EF4-FFF2-40B4-BE49-F238E27FC236}">
-                <a16:creationId xmlns:a16="http://schemas.microsoft.com/office/drawing/2014/main" id="{63B4AB36-B54A-EA5C-2A74-F2C80BE0CBC4}"/>
-              </a:ext>
-            </a:extLst>
-          </p:cNvPr>
-          <p:cNvSpPr txBox="1"/>
-          <p:nvPr/>
-        </p:nvSpPr>
-        <p:spPr>
-          <a:xfrm>
-            <a:off x="1390650" y="236792"/>
-            <a:ext cx="6362700" cy="369332"/>
-          </a:xfrm>
-          <a:prstGeom prst="rect">
-            <a:avLst/>
-          </a:prstGeom>
-          <a:noFill/>
-        </p:spPr>
-        <p:txBody>
-          <a:bodyPr wrap="square" rtlCol="0">
-            <a:spAutoFit/>
-          </a:bodyPr>
-          <a:lstStyle/>
-          <a:p>
-            <a:r>
-              <a:rPr lang="en-US" b="1"/>
-              <a:t>Câu 4 (2.0 điểm): Machine Learning</a:t>
-            </a:r>
-          </a:p>
-        </p:txBody>
-      </p:sp>
       <p:cxnSp>
         <p:nvCxnSpPr>
           <p:cNvPr id="2" name="Straight Connector 1">
@@ -10718,17 +9926,17 @@
           <a:p>
             <a:r>
               <a:rPr lang="en-US"/>
-              <a:t>Trang 16</a:t>
+              <a:t>Trang 15</a:t>
             </a:r>
           </a:p>
         </p:txBody>
       </p:sp>
       <p:sp>
         <p:nvSpPr>
-          <p:cNvPr id="5" name="TextBox 4">
-            <a:extLst>
-              <a:ext uri="{FF2B5EF4-FFF2-40B4-BE49-F238E27FC236}">
-                <a16:creationId xmlns:a16="http://schemas.microsoft.com/office/drawing/2014/main" id="{2FD009FE-CA5C-D5A4-E99D-1E506F763D1C}"/>
+          <p:cNvPr id="3" name="TextBox 2">
+            <a:extLst>
+              <a:ext uri="{FF2B5EF4-FFF2-40B4-BE49-F238E27FC236}">
+                <a16:creationId xmlns:a16="http://schemas.microsoft.com/office/drawing/2014/main" id="{9117E4B9-8314-B9E3-8EFF-7D2C51624F1F}"/>
               </a:ext>
             </a:extLst>
           </p:cNvPr>
@@ -10737,8 +9945,8 @@
         </p:nvSpPr>
         <p:spPr>
           <a:xfrm>
-            <a:off x="304800" y="1228725"/>
-            <a:ext cx="5210175" cy="369332"/>
+            <a:off x="2428875" y="2886225"/>
+            <a:ext cx="4286249" cy="553998"/>
           </a:xfrm>
           <a:prstGeom prst="rect">
             <a:avLst/>
@@ -10752,153 +9960,16 @@
           <a:lstStyle/>
           <a:p>
             <a:r>
-              <a:rPr lang="en-US"/>
-              <a:t>YC4.2</a:t>
+              <a:rPr lang="fr-FR" sz="3000" b="1"/>
+              <a:t>Câu 4 – Machine Learning</a:t>
             </a:r>
           </a:p>
         </p:txBody>
       </p:sp>
-      <p:sp>
-        <p:nvSpPr>
-          <p:cNvPr id="8" name="TextBox 7">
-            <a:extLst>
-              <a:ext uri="{FF2B5EF4-FFF2-40B4-BE49-F238E27FC236}">
-                <a16:creationId xmlns:a16="http://schemas.microsoft.com/office/drawing/2014/main" id="{FE5D4E40-17C8-086B-12F6-4368FAD8DA16}"/>
-              </a:ext>
-            </a:extLst>
-          </p:cNvPr>
-          <p:cNvSpPr txBox="1"/>
-          <p:nvPr/>
-        </p:nvSpPr>
-        <p:spPr>
-          <a:xfrm>
-            <a:off x="1390650" y="1720643"/>
-            <a:ext cx="2432076" cy="369332"/>
-          </a:xfrm>
-          <a:prstGeom prst="rect">
-            <a:avLst/>
-          </a:prstGeom>
-          <a:noFill/>
-        </p:spPr>
-        <p:txBody>
-          <a:bodyPr wrap="none" rtlCol="0">
-            <a:spAutoFit/>
-          </a:bodyPr>
-          <a:lstStyle/>
-          <a:p>
-            <a:pPr algn="l"/>
-            <a:r>
-              <a:rPr lang="en-US" b="0" i="0">
-                <a:solidFill>
-                  <a:srgbClr val="212121"/>
-                </a:solidFill>
-                <a:effectLst/>
-                <a:latin typeface="Roboto" panose="02000000000000000000" pitchFamily="2" charset="0"/>
-              </a:rPr>
-              <a:t>Naïve Bayes classifier</a:t>
-            </a:r>
-          </a:p>
-        </p:txBody>
-      </p:sp>
-      <p:sp>
-        <p:nvSpPr>
-          <p:cNvPr id="9" name="TextBox 8">
-            <a:extLst>
-              <a:ext uri="{FF2B5EF4-FFF2-40B4-BE49-F238E27FC236}">
-                <a16:creationId xmlns:a16="http://schemas.microsoft.com/office/drawing/2014/main" id="{EBCA5C7A-4B9E-5C7D-4FAC-95733A590DEC}"/>
-              </a:ext>
-            </a:extLst>
-          </p:cNvPr>
-          <p:cNvSpPr txBox="1"/>
-          <p:nvPr/>
-        </p:nvSpPr>
-        <p:spPr>
-          <a:xfrm>
-            <a:off x="6235723" y="1720643"/>
-            <a:ext cx="952505" cy="369332"/>
-          </a:xfrm>
-          <a:prstGeom prst="rect">
-            <a:avLst/>
-          </a:prstGeom>
-          <a:noFill/>
-        </p:spPr>
-        <p:txBody>
-          <a:bodyPr wrap="none" rtlCol="0">
-            <a:spAutoFit/>
-          </a:bodyPr>
-          <a:lstStyle/>
-          <a:p>
-            <a:r>
-              <a:rPr lang="en-US" i="1"/>
-              <a:t>Sử dụng</a:t>
-            </a:r>
-          </a:p>
-        </p:txBody>
-      </p:sp>
-      <p:pic>
-        <p:nvPicPr>
-          <p:cNvPr id="6" name="Picture 5">
-            <a:extLst>
-              <a:ext uri="{FF2B5EF4-FFF2-40B4-BE49-F238E27FC236}">
-                <a16:creationId xmlns:a16="http://schemas.microsoft.com/office/drawing/2014/main" id="{6EBD2F74-9E04-72C0-743C-B06D47F55380}"/>
-              </a:ext>
-            </a:extLst>
-          </p:cNvPr>
-          <p:cNvPicPr>
-            <a:picLocks noChangeAspect="1"/>
-          </p:cNvPicPr>
-          <p:nvPr/>
-        </p:nvPicPr>
-        <p:blipFill>
-          <a:blip r:embed="rId3"/>
-          <a:stretch>
-            <a:fillRect/>
-          </a:stretch>
-        </p:blipFill>
-        <p:spPr>
-          <a:xfrm>
-            <a:off x="901843" y="2276184"/>
-            <a:ext cx="4016088" cy="3353091"/>
-          </a:xfrm>
-          <a:prstGeom prst="rect">
-            <a:avLst/>
-          </a:prstGeom>
-        </p:spPr>
-      </p:pic>
-      <p:pic>
-        <p:nvPicPr>
-          <p:cNvPr id="13" name="Picture 12">
-            <a:extLst>
-              <a:ext uri="{FF2B5EF4-FFF2-40B4-BE49-F238E27FC236}">
-                <a16:creationId xmlns:a16="http://schemas.microsoft.com/office/drawing/2014/main" id="{6507926E-ADCC-E5CF-CA5A-0769557EB85A}"/>
-              </a:ext>
-            </a:extLst>
-          </p:cNvPr>
-          <p:cNvPicPr>
-            <a:picLocks noChangeAspect="1"/>
-          </p:cNvPicPr>
-          <p:nvPr/>
-        </p:nvPicPr>
-        <p:blipFill>
-          <a:blip r:embed="rId4"/>
-          <a:stretch>
-            <a:fillRect/>
-          </a:stretch>
-        </p:blipFill>
-        <p:spPr>
-          <a:xfrm>
-            <a:off x="5634880" y="2276184"/>
-            <a:ext cx="2522439" cy="137172"/>
-          </a:xfrm>
-          <a:prstGeom prst="rect">
-            <a:avLst/>
-          </a:prstGeom>
-        </p:spPr>
-      </p:pic>
     </p:spTree>
     <p:extLst>
       <p:ext uri="{BB962C8B-B14F-4D97-AF65-F5344CB8AC3E}">
-        <p14:creationId xmlns:p14="http://schemas.microsoft.com/office/powerpoint/2010/main" val="1289321138"/>
+        <p14:creationId xmlns:p14="http://schemas.microsoft.com/office/powerpoint/2010/main" val="2478241091"/>
       </p:ext>
     </p:extLst>
   </p:cSld>
@@ -11113,7 +10184,7 @@
           <a:p>
             <a:r>
               <a:rPr lang="en-US"/>
-              <a:t>Trang 17</a:t>
+              <a:t>Trang 16</a:t>
             </a:r>
           </a:p>
         </p:txBody>
@@ -11148,7 +10219,7 @@
           <a:p>
             <a:r>
               <a:rPr lang="en-US"/>
-              <a:t>YC4.3</a:t>
+              <a:t>YC4.1</a:t>
             </a:r>
           </a:p>
         </p:txBody>
@@ -11168,7 +10239,7 @@
         <p:spPr>
           <a:xfrm>
             <a:off x="1390650" y="1720643"/>
-            <a:ext cx="2432076" cy="369332"/>
+            <a:ext cx="1420774" cy="369332"/>
           </a:xfrm>
           <a:prstGeom prst="rect">
             <a:avLst/>
@@ -11181,51 +10252,9 @@
           </a:bodyPr>
           <a:lstStyle/>
           <a:p>
-            <a:pPr algn="l"/>
-            <a:r>
-              <a:rPr lang="en-US" b="0" i="0">
-                <a:solidFill>
-                  <a:srgbClr val="212121"/>
-                </a:solidFill>
-                <a:effectLst/>
-                <a:latin typeface="Roboto" panose="02000000000000000000" pitchFamily="2" charset="0"/>
-              </a:rPr>
-              <a:t>KNeighborsClassifier</a:t>
-            </a:r>
-          </a:p>
-        </p:txBody>
-      </p:sp>
-      <p:sp>
-        <p:nvSpPr>
-          <p:cNvPr id="9" name="TextBox 8">
-            <a:extLst>
-              <a:ext uri="{FF2B5EF4-FFF2-40B4-BE49-F238E27FC236}">
-                <a16:creationId xmlns:a16="http://schemas.microsoft.com/office/drawing/2014/main" id="{EBCA5C7A-4B9E-5C7D-4FAC-95733A590DEC}"/>
-              </a:ext>
-            </a:extLst>
-          </p:cNvPr>
-          <p:cNvSpPr txBox="1"/>
-          <p:nvPr/>
-        </p:nvSpPr>
-        <p:spPr>
-          <a:xfrm>
-            <a:off x="6235723" y="1720643"/>
-            <a:ext cx="952505" cy="369332"/>
-          </a:xfrm>
-          <a:prstGeom prst="rect">
-            <a:avLst/>
-          </a:prstGeom>
-          <a:noFill/>
-        </p:spPr>
-        <p:txBody>
-          <a:bodyPr wrap="none" rtlCol="0">
-            <a:spAutoFit/>
-          </a:bodyPr>
-          <a:lstStyle/>
-          <a:p>
             <a:r>
               <a:rPr lang="en-US" i="1"/>
-              <a:t>Sử dụng</a:t>
+              <a:t>Decision Tree</a:t>
             </a:r>
           </a:p>
         </p:txBody>
@@ -11235,7 +10264,7 @@
           <p:cNvPr id="7" name="Picture 6">
             <a:extLst>
               <a:ext uri="{FF2B5EF4-FFF2-40B4-BE49-F238E27FC236}">
-                <a16:creationId xmlns:a16="http://schemas.microsoft.com/office/drawing/2014/main" id="{98649AF1-3DC3-2A68-C9F1-ABFD66B90B37}"/>
+                <a16:creationId xmlns:a16="http://schemas.microsoft.com/office/drawing/2014/main" id="{F7703A19-AE5B-0D48-3EB4-24A756A7DB2D}"/>
               </a:ext>
             </a:extLst>
           </p:cNvPr>
@@ -11252,20 +10281,55 @@
         </p:blipFill>
         <p:spPr>
           <a:xfrm>
-            <a:off x="5406261" y="2346362"/>
-            <a:ext cx="2979678" cy="137172"/>
+            <a:off x="4572000" y="2333142"/>
+            <a:ext cx="4279952" cy="184481"/>
           </a:xfrm>
           <a:prstGeom prst="rect">
             <a:avLst/>
           </a:prstGeom>
         </p:spPr>
       </p:pic>
+      <p:sp>
+        <p:nvSpPr>
+          <p:cNvPr id="9" name="TextBox 8">
+            <a:extLst>
+              <a:ext uri="{FF2B5EF4-FFF2-40B4-BE49-F238E27FC236}">
+                <a16:creationId xmlns:a16="http://schemas.microsoft.com/office/drawing/2014/main" id="{EBCA5C7A-4B9E-5C7D-4FAC-95733A590DEC}"/>
+              </a:ext>
+            </a:extLst>
+          </p:cNvPr>
+          <p:cNvSpPr txBox="1"/>
+          <p:nvPr/>
+        </p:nvSpPr>
+        <p:spPr>
+          <a:xfrm>
+            <a:off x="6235723" y="1720643"/>
+            <a:ext cx="952505" cy="369332"/>
+          </a:xfrm>
+          <a:prstGeom prst="rect">
+            <a:avLst/>
+          </a:prstGeom>
+          <a:noFill/>
+        </p:spPr>
+        <p:txBody>
+          <a:bodyPr wrap="none" rtlCol="0">
+            <a:spAutoFit/>
+          </a:bodyPr>
+          <a:lstStyle/>
+          <a:p>
+            <a:r>
+              <a:rPr lang="en-US" i="1"/>
+              <a:t>Sử dụng</a:t>
+            </a:r>
+          </a:p>
+        </p:txBody>
+      </p:sp>
       <p:pic>
         <p:nvPicPr>
           <p:cNvPr id="12" name="Picture 11">
             <a:extLst>
               <a:ext uri="{FF2B5EF4-FFF2-40B4-BE49-F238E27FC236}">
-                <a16:creationId xmlns:a16="http://schemas.microsoft.com/office/drawing/2014/main" id="{85AECC65-5636-8C42-7DC3-13F9BC87D327}"/>
+                <a16:creationId xmlns:a16="http://schemas.microsoft.com/office/drawing/2014/main" id="{3C003AC1-8515-821F-F812-639A8E941CDB}"/>
               </a:ext>
             </a:extLst>
           </p:cNvPr>
@@ -11282,8 +10346,8 @@
         </p:blipFill>
         <p:spPr>
           <a:xfrm>
-            <a:off x="443524" y="2212561"/>
-            <a:ext cx="3947502" cy="4259949"/>
+            <a:off x="731934" y="2077851"/>
+            <a:ext cx="3496439" cy="4543357"/>
           </a:xfrm>
           <a:prstGeom prst="rect">
             <a:avLst/>
@@ -11293,7 +10357,7 @@
     </p:spTree>
     <p:extLst>
       <p:ext uri="{BB962C8B-B14F-4D97-AF65-F5344CB8AC3E}">
-        <p14:creationId xmlns:p14="http://schemas.microsoft.com/office/powerpoint/2010/main" val="3392618411"/>
+        <p14:creationId xmlns:p14="http://schemas.microsoft.com/office/powerpoint/2010/main" val="3681655826"/>
       </p:ext>
     </p:extLst>
   </p:cSld>
@@ -11508,7 +10572,7 @@
           <a:p>
             <a:r>
               <a:rPr lang="en-US"/>
-              <a:t>Trang 18</a:t>
+              <a:t>Trang 17</a:t>
             </a:r>
           </a:p>
         </p:txBody>
@@ -11543,7 +10607,84 @@
           <a:p>
             <a:r>
               <a:rPr lang="en-US"/>
-              <a:t>YC4.4</a:t>
+              <a:t>YC4.2</a:t>
+            </a:r>
+          </a:p>
+        </p:txBody>
+      </p:sp>
+      <p:sp>
+        <p:nvSpPr>
+          <p:cNvPr id="8" name="TextBox 7">
+            <a:extLst>
+              <a:ext uri="{FF2B5EF4-FFF2-40B4-BE49-F238E27FC236}">
+                <a16:creationId xmlns:a16="http://schemas.microsoft.com/office/drawing/2014/main" id="{FE5D4E40-17C8-086B-12F6-4368FAD8DA16}"/>
+              </a:ext>
+            </a:extLst>
+          </p:cNvPr>
+          <p:cNvSpPr txBox="1"/>
+          <p:nvPr/>
+        </p:nvSpPr>
+        <p:spPr>
+          <a:xfrm>
+            <a:off x="1390650" y="1720643"/>
+            <a:ext cx="2432076" cy="369332"/>
+          </a:xfrm>
+          <a:prstGeom prst="rect">
+            <a:avLst/>
+          </a:prstGeom>
+          <a:noFill/>
+        </p:spPr>
+        <p:txBody>
+          <a:bodyPr wrap="none" rtlCol="0">
+            <a:spAutoFit/>
+          </a:bodyPr>
+          <a:lstStyle/>
+          <a:p>
+            <a:pPr algn="l"/>
+            <a:r>
+              <a:rPr lang="en-US" b="0" i="0">
+                <a:solidFill>
+                  <a:srgbClr val="212121"/>
+                </a:solidFill>
+                <a:effectLst/>
+                <a:latin typeface="Roboto" panose="02000000000000000000" pitchFamily="2" charset="0"/>
+              </a:rPr>
+              <a:t>Naïve Bayes classifier</a:t>
+            </a:r>
+          </a:p>
+        </p:txBody>
+      </p:sp>
+      <p:sp>
+        <p:nvSpPr>
+          <p:cNvPr id="9" name="TextBox 8">
+            <a:extLst>
+              <a:ext uri="{FF2B5EF4-FFF2-40B4-BE49-F238E27FC236}">
+                <a16:creationId xmlns:a16="http://schemas.microsoft.com/office/drawing/2014/main" id="{EBCA5C7A-4B9E-5C7D-4FAC-95733A590DEC}"/>
+              </a:ext>
+            </a:extLst>
+          </p:cNvPr>
+          <p:cNvSpPr txBox="1"/>
+          <p:nvPr/>
+        </p:nvSpPr>
+        <p:spPr>
+          <a:xfrm>
+            <a:off x="6235723" y="1720643"/>
+            <a:ext cx="952505" cy="369332"/>
+          </a:xfrm>
+          <a:prstGeom prst="rect">
+            <a:avLst/>
+          </a:prstGeom>
+          <a:noFill/>
+        </p:spPr>
+        <p:txBody>
+          <a:bodyPr wrap="none" rtlCol="0">
+            <a:spAutoFit/>
+          </a:bodyPr>
+          <a:lstStyle/>
+          <a:p>
+            <a:r>
+              <a:rPr lang="en-US" i="1"/>
+              <a:t>Sử dụng</a:t>
             </a:r>
           </a:p>
         </p:txBody>
@@ -11553,7 +10694,7 @@
           <p:cNvPr id="6" name="Picture 5">
             <a:extLst>
               <a:ext uri="{FF2B5EF4-FFF2-40B4-BE49-F238E27FC236}">
-                <a16:creationId xmlns:a16="http://schemas.microsoft.com/office/drawing/2014/main" id="{96650C24-EE10-9576-F115-2659A4D9C2B3}"/>
+                <a16:creationId xmlns:a16="http://schemas.microsoft.com/office/drawing/2014/main" id="{6EBD2F74-9E04-72C0-743C-B06D47F55380}"/>
               </a:ext>
             </a:extLst>
           </p:cNvPr>
@@ -11570,53 +10711,48 @@
         </p:blipFill>
         <p:spPr>
           <a:xfrm>
-            <a:off x="2504880" y="1413391"/>
-            <a:ext cx="4496190" cy="3444538"/>
+            <a:off x="901843" y="2276184"/>
+            <a:ext cx="4016088" cy="3353091"/>
           </a:xfrm>
           <a:prstGeom prst="rect">
             <a:avLst/>
           </a:prstGeom>
         </p:spPr>
       </p:pic>
-      <p:sp>
-        <p:nvSpPr>
-          <p:cNvPr id="10" name="TextBox 9">
-            <a:extLst>
-              <a:ext uri="{FF2B5EF4-FFF2-40B4-BE49-F238E27FC236}">
-                <a16:creationId xmlns:a16="http://schemas.microsoft.com/office/drawing/2014/main" id="{238E0658-D853-A165-C5A3-FD7A55961FE1}"/>
-              </a:ext>
-            </a:extLst>
-          </p:cNvPr>
-          <p:cNvSpPr txBox="1"/>
+      <p:pic>
+        <p:nvPicPr>
+          <p:cNvPr id="13" name="Picture 12">
+            <a:extLst>
+              <a:ext uri="{FF2B5EF4-FFF2-40B4-BE49-F238E27FC236}">
+                <a16:creationId xmlns:a16="http://schemas.microsoft.com/office/drawing/2014/main" id="{6507926E-ADCC-E5CF-CA5A-0769557EB85A}"/>
+              </a:ext>
+            </a:extLst>
+          </p:cNvPr>
+          <p:cNvPicPr>
+            <a:picLocks noChangeAspect="1"/>
+          </p:cNvPicPr>
           <p:nvPr/>
-        </p:nvSpPr>
-        <p:spPr>
-          <a:xfrm>
-            <a:off x="981965" y="5054262"/>
-            <a:ext cx="7542020" cy="369332"/>
+        </p:nvPicPr>
+        <p:blipFill>
+          <a:blip r:embed="rId4"/>
+          <a:stretch>
+            <a:fillRect/>
+          </a:stretch>
+        </p:blipFill>
+        <p:spPr>
+          <a:xfrm>
+            <a:off x="5634880" y="2276184"/>
+            <a:ext cx="2522439" cy="137172"/>
           </a:xfrm>
           <a:prstGeom prst="rect">
             <a:avLst/>
           </a:prstGeom>
-          <a:noFill/>
-        </p:spPr>
-        <p:txBody>
-          <a:bodyPr wrap="square" rtlCol="0">
-            <a:spAutoFit/>
-          </a:bodyPr>
-          <a:lstStyle/>
-          <a:p>
-            <a:r>
-              <a:rPr lang="en-US" i="1"/>
-              <a:t>Thu thập các training và test accuracy ta làm được biểu đồ độ chính xác này</a:t>
-            </a:r>
-          </a:p>
-        </p:txBody>
-      </p:sp>
+        </p:spPr>
+      </p:pic>
     </p:spTree>
     <p:extLst>
       <p:ext uri="{BB962C8B-B14F-4D97-AF65-F5344CB8AC3E}">
-        <p14:creationId xmlns:p14="http://schemas.microsoft.com/office/powerpoint/2010/main" val="3402490532"/>
+        <p14:creationId xmlns:p14="http://schemas.microsoft.com/office/powerpoint/2010/main" val="1289321138"/>
       </p:ext>
     </p:extLst>
   </p:cSld>
@@ -11763,479 +10899,12 @@
           </a:p>
         </p:txBody>
       </p:sp>
-      <p:graphicFrame>
-        <p:nvGraphicFramePr>
-          <p:cNvPr id="3" name="Table 16">
-            <a:extLst>
-              <a:ext uri="{FF2B5EF4-FFF2-40B4-BE49-F238E27FC236}">
-                <a16:creationId xmlns:a16="http://schemas.microsoft.com/office/drawing/2014/main" id="{5E8325E1-BDCF-5783-E97F-C770E7E58F6D}"/>
-              </a:ext>
-            </a:extLst>
-          </p:cNvPr>
-          <p:cNvGraphicFramePr>
-            <a:graphicFrameLocks noGrp="1"/>
-          </p:cNvGraphicFramePr>
-          <p:nvPr>
-            <p:extLst>
-              <p:ext uri="{D42A27DB-BD31-4B8C-83A1-F6EECF244321}">
-                <p14:modId xmlns:p14="http://schemas.microsoft.com/office/powerpoint/2010/main" val="1319184161"/>
-              </p:ext>
-            </p:extLst>
-          </p:nvPr>
-        </p:nvGraphicFramePr>
-        <p:xfrm>
-          <a:off x="1850248" y="1815894"/>
-          <a:ext cx="5443503" cy="2225040"/>
-        </p:xfrm>
-        <a:graphic>
-          <a:graphicData uri="http://schemas.openxmlformats.org/drawingml/2006/table">
-            <a:tbl>
-              <a:tblPr firstRow="1" bandRow="1">
-                <a:tableStyleId>{F5AB1C69-6EDB-4FF4-983F-18BD219EF322}</a:tableStyleId>
-              </a:tblPr>
-              <a:tblGrid>
-                <a:gridCol w="1662078">
-                  <a:extLst>
-                    <a:ext uri="{9D8B030D-6E8A-4147-A177-3AD203B41FA5}">
-                      <a16:colId xmlns:a16="http://schemas.microsoft.com/office/drawing/2014/main" val="3939429785"/>
-                    </a:ext>
-                  </a:extLst>
-                </a:gridCol>
-                <a:gridCol w="1514475">
-                  <a:extLst>
-                    <a:ext uri="{9D8B030D-6E8A-4147-A177-3AD203B41FA5}">
-                      <a16:colId xmlns:a16="http://schemas.microsoft.com/office/drawing/2014/main" val="1738762872"/>
-                    </a:ext>
-                  </a:extLst>
-                </a:gridCol>
-                <a:gridCol w="2266950">
-                  <a:extLst>
-                    <a:ext uri="{9D8B030D-6E8A-4147-A177-3AD203B41FA5}">
-                      <a16:colId xmlns:a16="http://schemas.microsoft.com/office/drawing/2014/main" val="3821170340"/>
-                    </a:ext>
-                  </a:extLst>
-                </a:gridCol>
-              </a:tblGrid>
-              <a:tr h="370840">
-                <a:tc>
-                  <a:txBody>
-                    <a:bodyPr/>
-                    <a:lstStyle/>
-                    <a:p>
-                      <a:pPr algn="ctr"/>
-                      <a:r>
-                        <a:rPr lang="en-US">
-                          <a:latin typeface="Times New Roman" panose="02020603050405020304" pitchFamily="18" charset="0"/>
-                          <a:cs typeface="Times New Roman" panose="02020603050405020304" pitchFamily="18" charset="0"/>
-                        </a:rPr>
-                        <a:t>Tiêu chí</a:t>
-                      </a:r>
-                    </a:p>
-                  </a:txBody>
-                  <a:tcPr/>
-                </a:tc>
-                <a:tc>
-                  <a:txBody>
-                    <a:bodyPr/>
-                    <a:lstStyle/>
-                    <a:p>
-                      <a:pPr algn="ctr"/>
-                      <a:r>
-                        <a:rPr lang="en-US">
-                          <a:latin typeface="Times New Roman" panose="02020603050405020304" pitchFamily="18" charset="0"/>
-                          <a:cs typeface="Times New Roman" panose="02020603050405020304" pitchFamily="18" charset="0"/>
-                        </a:rPr>
-                        <a:t>Điểm</a:t>
-                      </a:r>
-                    </a:p>
-                  </a:txBody>
-                  <a:tcPr/>
-                </a:tc>
-                <a:tc>
-                  <a:txBody>
-                    <a:bodyPr/>
-                    <a:lstStyle/>
-                    <a:p>
-                      <a:pPr algn="ctr"/>
-                      <a:r>
-                        <a:rPr lang="en-US">
-                          <a:latin typeface="Times New Roman" panose="02020603050405020304" pitchFamily="18" charset="0"/>
-                          <a:cs typeface="Times New Roman" panose="02020603050405020304" pitchFamily="18" charset="0"/>
-                        </a:rPr>
-                        <a:t>Đánh giá</a:t>
-                      </a:r>
-                    </a:p>
-                  </a:txBody>
-                  <a:tcPr/>
-                </a:tc>
-                <a:extLst>
-                  <a:ext uri="{0D108BD9-81ED-4DB2-BD59-A6C34878D82A}">
-                    <a16:rowId xmlns:a16="http://schemas.microsoft.com/office/drawing/2014/main" val="2071844936"/>
-                  </a:ext>
-                </a:extLst>
-              </a:tr>
-              <a:tr h="370840">
-                <a:tc>
-                  <a:txBody>
-                    <a:bodyPr/>
-                    <a:lstStyle/>
-                    <a:p>
-                      <a:pPr algn="ctr"/>
-                      <a:r>
-                        <a:rPr lang="en-US">
-                          <a:latin typeface="Times New Roman" panose="02020603050405020304" pitchFamily="18" charset="0"/>
-                          <a:cs typeface="Times New Roman" panose="02020603050405020304" pitchFamily="18" charset="0"/>
-                        </a:rPr>
-                        <a:t>YC4-1</a:t>
-                      </a:r>
-                    </a:p>
-                  </a:txBody>
-                  <a:tcPr/>
-                </a:tc>
-                <a:tc>
-                  <a:txBody>
-                    <a:bodyPr/>
-                    <a:lstStyle/>
-                    <a:p>
-                      <a:pPr algn="ctr"/>
-                      <a:r>
-                        <a:rPr lang="en-US">
-                          <a:latin typeface="Times New Roman" panose="02020603050405020304" pitchFamily="18" charset="0"/>
-                          <a:cs typeface="Times New Roman" panose="02020603050405020304" pitchFamily="18" charset="0"/>
-                        </a:rPr>
-                        <a:t>---</a:t>
-                      </a:r>
-                    </a:p>
-                  </a:txBody>
-                  <a:tcPr/>
-                </a:tc>
-                <a:tc>
-                  <a:txBody>
-                    <a:bodyPr/>
-                    <a:lstStyle/>
-                    <a:p>
-                      <a:pPr algn="ctr"/>
-                      <a:r>
-                        <a:rPr lang="en-US">
-                          <a:latin typeface="Times New Roman" panose="02020603050405020304" pitchFamily="18" charset="0"/>
-                          <a:cs typeface="Times New Roman" panose="02020603050405020304" pitchFamily="18" charset="0"/>
-                        </a:rPr>
-                        <a:t>Hoàn thành</a:t>
-                      </a:r>
-                    </a:p>
-                  </a:txBody>
-                  <a:tcPr/>
-                </a:tc>
-                <a:extLst>
-                  <a:ext uri="{0D108BD9-81ED-4DB2-BD59-A6C34878D82A}">
-                    <a16:rowId xmlns:a16="http://schemas.microsoft.com/office/drawing/2014/main" val="583184748"/>
-                  </a:ext>
-                </a:extLst>
-              </a:tr>
-              <a:tr h="370840">
-                <a:tc>
-                  <a:txBody>
-                    <a:bodyPr/>
-                    <a:lstStyle/>
-                    <a:p>
-                      <a:pPr algn="ctr"/>
-                      <a:r>
-                        <a:rPr lang="en-US">
-                          <a:latin typeface="Times New Roman" panose="02020603050405020304" pitchFamily="18" charset="0"/>
-                          <a:cs typeface="Times New Roman" panose="02020603050405020304" pitchFamily="18" charset="0"/>
-                        </a:rPr>
-                        <a:t>YC4-2</a:t>
-                      </a:r>
-                    </a:p>
-                  </a:txBody>
-                  <a:tcPr/>
-                </a:tc>
-                <a:tc>
-                  <a:txBody>
-                    <a:bodyPr/>
-                    <a:lstStyle/>
-                    <a:p>
-                      <a:pPr algn="ctr"/>
-                      <a:r>
-                        <a:rPr lang="en-US">
-                          <a:latin typeface="Times New Roman" panose="02020603050405020304" pitchFamily="18" charset="0"/>
-                          <a:cs typeface="Times New Roman" panose="02020603050405020304" pitchFamily="18" charset="0"/>
-                        </a:rPr>
-                        <a:t>---</a:t>
-                      </a:r>
-                    </a:p>
-                  </a:txBody>
-                  <a:tcPr/>
-                </a:tc>
-                <a:tc>
-                  <a:txBody>
-                    <a:bodyPr/>
-                    <a:lstStyle/>
-                    <a:p>
-                      <a:pPr algn="ctr"/>
-                      <a:r>
-                        <a:rPr lang="en-US">
-                          <a:latin typeface="Times New Roman" panose="02020603050405020304" pitchFamily="18" charset="0"/>
-                          <a:cs typeface="Times New Roman" panose="02020603050405020304" pitchFamily="18" charset="0"/>
-                        </a:rPr>
-                        <a:t>Hoàn thành</a:t>
-                      </a:r>
-                    </a:p>
-                  </a:txBody>
-                  <a:tcPr/>
-                </a:tc>
-                <a:extLst>
-                  <a:ext uri="{0D108BD9-81ED-4DB2-BD59-A6C34878D82A}">
-                    <a16:rowId xmlns:a16="http://schemas.microsoft.com/office/drawing/2014/main" val="3755525977"/>
-                  </a:ext>
-                </a:extLst>
-              </a:tr>
-              <a:tr h="370840">
-                <a:tc>
-                  <a:txBody>
-                    <a:bodyPr/>
-                    <a:lstStyle/>
-                    <a:p>
-                      <a:pPr algn="ctr"/>
-                      <a:r>
-                        <a:rPr lang="en-US">
-                          <a:latin typeface="Times New Roman" panose="02020603050405020304" pitchFamily="18" charset="0"/>
-                          <a:cs typeface="Times New Roman" panose="02020603050405020304" pitchFamily="18" charset="0"/>
-                        </a:rPr>
-                        <a:t>YC4-3</a:t>
-                      </a:r>
-                    </a:p>
-                  </a:txBody>
-                  <a:tcPr/>
-                </a:tc>
-                <a:tc>
-                  <a:txBody>
-                    <a:bodyPr/>
-                    <a:lstStyle/>
-                    <a:p>
-                      <a:pPr algn="ctr"/>
-                      <a:r>
-                        <a:rPr lang="en-US">
-                          <a:latin typeface="Times New Roman" panose="02020603050405020304" pitchFamily="18" charset="0"/>
-                          <a:cs typeface="Times New Roman" panose="02020603050405020304" pitchFamily="18" charset="0"/>
-                        </a:rPr>
-                        <a:t>---</a:t>
-                      </a:r>
-                    </a:p>
-                  </a:txBody>
-                  <a:tcPr/>
-                </a:tc>
-                <a:tc>
-                  <a:txBody>
-                    <a:bodyPr/>
-                    <a:lstStyle/>
-                    <a:p>
-                      <a:pPr algn="ctr"/>
-                      <a:r>
-                        <a:rPr lang="en-US">
-                          <a:latin typeface="Times New Roman" panose="02020603050405020304" pitchFamily="18" charset="0"/>
-                          <a:cs typeface="Times New Roman" panose="02020603050405020304" pitchFamily="18" charset="0"/>
-                        </a:rPr>
-                        <a:t>Hoàn thành</a:t>
-                      </a:r>
-                    </a:p>
-                  </a:txBody>
-                  <a:tcPr/>
-                </a:tc>
-                <a:extLst>
-                  <a:ext uri="{0D108BD9-81ED-4DB2-BD59-A6C34878D82A}">
-                    <a16:rowId xmlns:a16="http://schemas.microsoft.com/office/drawing/2014/main" val="2275554444"/>
-                  </a:ext>
-                </a:extLst>
-              </a:tr>
-              <a:tr h="370840">
-                <a:tc>
-                  <a:txBody>
-                    <a:bodyPr/>
-                    <a:lstStyle/>
-                    <a:p>
-                      <a:pPr algn="ctr"/>
-                      <a:r>
-                        <a:rPr lang="en-US">
-                          <a:latin typeface="Times New Roman" panose="02020603050405020304" pitchFamily="18" charset="0"/>
-                          <a:cs typeface="Times New Roman" panose="02020603050405020304" pitchFamily="18" charset="0"/>
-                        </a:rPr>
-                        <a:t>YC4-4</a:t>
-                      </a:r>
-                    </a:p>
-                  </a:txBody>
-                  <a:tcPr/>
-                </a:tc>
-                <a:tc>
-                  <a:txBody>
-                    <a:bodyPr/>
-                    <a:lstStyle/>
-                    <a:p>
-                      <a:pPr algn="ctr"/>
-                      <a:r>
-                        <a:rPr lang="en-US">
-                          <a:latin typeface="Times New Roman" panose="02020603050405020304" pitchFamily="18" charset="0"/>
-                          <a:cs typeface="Times New Roman" panose="02020603050405020304" pitchFamily="18" charset="0"/>
-                        </a:rPr>
-                        <a:t>---</a:t>
-                      </a:r>
-                    </a:p>
-                  </a:txBody>
-                  <a:tcPr/>
-                </a:tc>
-                <a:tc>
-                  <a:txBody>
-                    <a:bodyPr/>
-                    <a:lstStyle/>
-                    <a:p>
-                      <a:pPr algn="ctr"/>
-                      <a:r>
-                        <a:rPr lang="en-US">
-                          <a:latin typeface="Times New Roman" panose="02020603050405020304" pitchFamily="18" charset="0"/>
-                          <a:cs typeface="Times New Roman" panose="02020603050405020304" pitchFamily="18" charset="0"/>
-                        </a:rPr>
-                        <a:t>Hoàn thành</a:t>
-                      </a:r>
-                    </a:p>
-                  </a:txBody>
-                  <a:tcPr/>
-                </a:tc>
-                <a:extLst>
-                  <a:ext uri="{0D108BD9-81ED-4DB2-BD59-A6C34878D82A}">
-                    <a16:rowId xmlns:a16="http://schemas.microsoft.com/office/drawing/2014/main" val="1497370022"/>
-                  </a:ext>
-                </a:extLst>
-              </a:tr>
-              <a:tr h="370840">
-                <a:tc gridSpan="2">
-                  <a:txBody>
-                    <a:bodyPr/>
-                    <a:lstStyle/>
-                    <a:p>
-                      <a:pPr algn="ctr"/>
-                      <a:r>
-                        <a:rPr lang="en-US">
-                          <a:latin typeface="Times New Roman" panose="02020603050405020304" pitchFamily="18" charset="0"/>
-                          <a:cs typeface="Times New Roman" panose="02020603050405020304" pitchFamily="18" charset="0"/>
-                        </a:rPr>
-                        <a:t>Tổng điểm đánh giá</a:t>
-                      </a:r>
-                    </a:p>
-                  </a:txBody>
-                  <a:tcPr/>
-                </a:tc>
-                <a:tc hMerge="1">
-                  <a:txBody>
-                    <a:bodyPr/>
-                    <a:lstStyle/>
-                    <a:p>
-                      <a:pPr algn="ctr"/>
-                      <a:endParaRPr lang="en-US">
-                        <a:latin typeface="Times New Roman" panose="02020603050405020304" pitchFamily="18" charset="0"/>
-                        <a:cs typeface="Times New Roman" panose="02020603050405020304" pitchFamily="18" charset="0"/>
-                      </a:endParaRPr>
-                    </a:p>
-                  </a:txBody>
-                  <a:tcPr/>
-                </a:tc>
-                <a:tc>
-                  <a:txBody>
-                    <a:bodyPr/>
-                    <a:lstStyle/>
-                    <a:p>
-                      <a:pPr algn="ctr"/>
-                      <a:r>
-                        <a:rPr lang="en-US">
-                          <a:latin typeface="Times New Roman" panose="02020603050405020304" pitchFamily="18" charset="0"/>
-                          <a:cs typeface="Times New Roman" panose="02020603050405020304" pitchFamily="18" charset="0"/>
-                        </a:rPr>
-                        <a:t>2 điểm</a:t>
-                      </a:r>
-                    </a:p>
-                  </a:txBody>
-                  <a:tcPr/>
-                </a:tc>
-                <a:extLst>
-                  <a:ext uri="{0D108BD9-81ED-4DB2-BD59-A6C34878D82A}">
-                    <a16:rowId xmlns:a16="http://schemas.microsoft.com/office/drawing/2014/main" val="3314593414"/>
-                  </a:ext>
-                </a:extLst>
-              </a:tr>
-            </a:tbl>
-          </a:graphicData>
-        </a:graphic>
-      </p:graphicFrame>
-      <p:sp>
-        <p:nvSpPr>
-          <p:cNvPr id="4" name="TextBox 3">
-            <a:extLst>
-              <a:ext uri="{FF2B5EF4-FFF2-40B4-BE49-F238E27FC236}">
-                <a16:creationId xmlns:a16="http://schemas.microsoft.com/office/drawing/2014/main" id="{459EF129-6740-B341-7BC7-05D580180742}"/>
-              </a:ext>
-            </a:extLst>
-          </p:cNvPr>
-          <p:cNvSpPr txBox="1"/>
-          <p:nvPr/>
-        </p:nvSpPr>
-        <p:spPr>
-          <a:xfrm>
-            <a:off x="76200" y="1089327"/>
-            <a:ext cx="2159566" cy="369332"/>
-          </a:xfrm>
-          <a:prstGeom prst="rect">
-            <a:avLst/>
-          </a:prstGeom>
-          <a:noFill/>
-        </p:spPr>
-        <p:txBody>
-          <a:bodyPr wrap="none" rtlCol="0">
-            <a:spAutoFit/>
-          </a:bodyPr>
-          <a:lstStyle/>
-          <a:p>
-            <a:pPr marL="0" marR="0" lvl="0" indent="0" algn="l" defTabSz="457200" rtl="0" eaLnBrk="1" fontAlgn="auto" latinLnBrk="0" hangingPunct="1">
-              <a:lnSpc>
-                <a:spcPct val="100000"/>
-              </a:lnSpc>
-              <a:spcBef>
-                <a:spcPts val="0"/>
-              </a:spcBef>
-              <a:spcAft>
-                <a:spcPts val="0"/>
-              </a:spcAft>
-              <a:buClrTx/>
-              <a:buSzTx/>
-              <a:buFontTx/>
-              <a:buNone/>
-              <a:tabLst/>
-              <a:defRPr/>
-            </a:pPr>
-            <a:r>
-              <a:rPr kumimoji="0" lang="en-US" sz="1800" b="0" i="1" u="none" strike="noStrike" kern="1200" cap="none" spc="0" normalizeH="0" baseline="0" noProof="0">
-                <a:ln>
-                  <a:noFill/>
-                </a:ln>
-                <a:solidFill>
-                  <a:prstClr val="black"/>
-                </a:solidFill>
-                <a:effectLst/>
-                <a:uLnTx/>
-                <a:uFillTx/>
-                <a:latin typeface="Calibri" panose="020F0502020204030204"/>
-                <a:ea typeface="+mn-ea"/>
-                <a:cs typeface="+mn-cs"/>
-              </a:rPr>
-              <a:t>Đánh giá hoàn thành</a:t>
-            </a:r>
-          </a:p>
-        </p:txBody>
-      </p:sp>
       <p:cxnSp>
         <p:nvCxnSpPr>
           <p:cNvPr id="2" name="Straight Connector 1">
             <a:extLst>
               <a:ext uri="{FF2B5EF4-FFF2-40B4-BE49-F238E27FC236}">
-                <a16:creationId xmlns:a16="http://schemas.microsoft.com/office/drawing/2014/main" id="{7C8A4417-1481-B1E7-23CC-E5C9CAD25F2C}"/>
+                <a16:creationId xmlns:a16="http://schemas.microsoft.com/office/drawing/2014/main" id="{AF3ADEA5-03F2-7E56-B6E6-8B6970A896CF}"/>
               </a:ext>
             </a:extLst>
           </p:cNvPr>
@@ -12270,10 +10939,10 @@
       </p:cxnSp>
       <p:sp>
         <p:nvSpPr>
-          <p:cNvPr id="6" name="TextBox 5">
-            <a:extLst>
-              <a:ext uri="{FF2B5EF4-FFF2-40B4-BE49-F238E27FC236}">
-                <a16:creationId xmlns:a16="http://schemas.microsoft.com/office/drawing/2014/main" id="{F6D86575-6F62-E86B-CB8C-67FDEFFD30D6}"/>
+          <p:cNvPr id="4" name="TextBox 3">
+            <a:extLst>
+              <a:ext uri="{FF2B5EF4-FFF2-40B4-BE49-F238E27FC236}">
+                <a16:creationId xmlns:a16="http://schemas.microsoft.com/office/drawing/2014/main" id="{11342279-3B1B-9555-FD5C-CA3839B3D029}"/>
               </a:ext>
             </a:extLst>
           </p:cNvPr>
@@ -12296,47 +10965,189 @@
           </a:bodyPr>
           <a:lstStyle/>
           <a:p>
-            <a:pPr marL="0" marR="0" lvl="0" indent="0" algn="l" defTabSz="457200" rtl="0" eaLnBrk="1" fontAlgn="auto" latinLnBrk="0" hangingPunct="1">
-              <a:lnSpc>
-                <a:spcPct val="100000"/>
-              </a:lnSpc>
-              <a:spcBef>
-                <a:spcPts val="0"/>
-              </a:spcBef>
-              <a:spcAft>
-                <a:spcPts val="0"/>
-              </a:spcAft>
-              <a:buClrTx/>
-              <a:buSzTx/>
-              <a:buFontTx/>
-              <a:buNone/>
-              <a:tabLst/>
-              <a:defRPr/>
-            </a:pPr>
-            <a:r>
-              <a:rPr kumimoji="0" lang="en-US" sz="1800" b="0" i="0" u="none" strike="noStrike" kern="1200" cap="none" spc="0" normalizeH="0" baseline="0" noProof="0">
-                <a:ln>
-                  <a:noFill/>
-                </a:ln>
+            <a:r>
+              <a:rPr lang="en-US"/>
+              <a:t>Trang 18</a:t>
+            </a:r>
+          </a:p>
+        </p:txBody>
+      </p:sp>
+      <p:sp>
+        <p:nvSpPr>
+          <p:cNvPr id="5" name="TextBox 4">
+            <a:extLst>
+              <a:ext uri="{FF2B5EF4-FFF2-40B4-BE49-F238E27FC236}">
+                <a16:creationId xmlns:a16="http://schemas.microsoft.com/office/drawing/2014/main" id="{2FD009FE-CA5C-D5A4-E99D-1E506F763D1C}"/>
+              </a:ext>
+            </a:extLst>
+          </p:cNvPr>
+          <p:cNvSpPr txBox="1"/>
+          <p:nvPr/>
+        </p:nvSpPr>
+        <p:spPr>
+          <a:xfrm>
+            <a:off x="304800" y="1228725"/>
+            <a:ext cx="5210175" cy="369332"/>
+          </a:xfrm>
+          <a:prstGeom prst="rect">
+            <a:avLst/>
+          </a:prstGeom>
+          <a:noFill/>
+        </p:spPr>
+        <p:txBody>
+          <a:bodyPr wrap="square" rtlCol="0">
+            <a:spAutoFit/>
+          </a:bodyPr>
+          <a:lstStyle/>
+          <a:p>
+            <a:r>
+              <a:rPr lang="en-US"/>
+              <a:t>YC4.3</a:t>
+            </a:r>
+          </a:p>
+        </p:txBody>
+      </p:sp>
+      <p:sp>
+        <p:nvSpPr>
+          <p:cNvPr id="8" name="TextBox 7">
+            <a:extLst>
+              <a:ext uri="{FF2B5EF4-FFF2-40B4-BE49-F238E27FC236}">
+                <a16:creationId xmlns:a16="http://schemas.microsoft.com/office/drawing/2014/main" id="{FE5D4E40-17C8-086B-12F6-4368FAD8DA16}"/>
+              </a:ext>
+            </a:extLst>
+          </p:cNvPr>
+          <p:cNvSpPr txBox="1"/>
+          <p:nvPr/>
+        </p:nvSpPr>
+        <p:spPr>
+          <a:xfrm>
+            <a:off x="1390650" y="1720643"/>
+            <a:ext cx="2432076" cy="369332"/>
+          </a:xfrm>
+          <a:prstGeom prst="rect">
+            <a:avLst/>
+          </a:prstGeom>
+          <a:noFill/>
+        </p:spPr>
+        <p:txBody>
+          <a:bodyPr wrap="none" rtlCol="0">
+            <a:spAutoFit/>
+          </a:bodyPr>
+          <a:lstStyle/>
+          <a:p>
+            <a:pPr algn="l"/>
+            <a:r>
+              <a:rPr lang="en-US" b="0" i="0">
                 <a:solidFill>
-                  <a:prstClr val="black"/>
+                  <a:srgbClr val="212121"/>
                 </a:solidFill>
                 <a:effectLst/>
-                <a:uLnTx/>
-                <a:uFillTx/>
-                <a:latin typeface="Calibri" panose="020F0502020204030204"/>
-                <a:ea typeface="+mn-ea"/>
-                <a:cs typeface="+mn-cs"/>
+                <a:latin typeface="Roboto" panose="02000000000000000000" pitchFamily="2" charset="0"/>
               </a:rPr>
-              <a:t>Trang 19</a:t>
+              <a:t>KNeighborsClassifier</a:t>
             </a:r>
           </a:p>
         </p:txBody>
       </p:sp>
+      <p:sp>
+        <p:nvSpPr>
+          <p:cNvPr id="9" name="TextBox 8">
+            <a:extLst>
+              <a:ext uri="{FF2B5EF4-FFF2-40B4-BE49-F238E27FC236}">
+                <a16:creationId xmlns:a16="http://schemas.microsoft.com/office/drawing/2014/main" id="{EBCA5C7A-4B9E-5C7D-4FAC-95733A590DEC}"/>
+              </a:ext>
+            </a:extLst>
+          </p:cNvPr>
+          <p:cNvSpPr txBox="1"/>
+          <p:nvPr/>
+        </p:nvSpPr>
+        <p:spPr>
+          <a:xfrm>
+            <a:off x="6235723" y="1720643"/>
+            <a:ext cx="952505" cy="369332"/>
+          </a:xfrm>
+          <a:prstGeom prst="rect">
+            <a:avLst/>
+          </a:prstGeom>
+          <a:noFill/>
+        </p:spPr>
+        <p:txBody>
+          <a:bodyPr wrap="none" rtlCol="0">
+            <a:spAutoFit/>
+          </a:bodyPr>
+          <a:lstStyle/>
+          <a:p>
+            <a:r>
+              <a:rPr lang="en-US" i="1"/>
+              <a:t>Sử dụng</a:t>
+            </a:r>
+          </a:p>
+        </p:txBody>
+      </p:sp>
+      <p:pic>
+        <p:nvPicPr>
+          <p:cNvPr id="7" name="Picture 6">
+            <a:extLst>
+              <a:ext uri="{FF2B5EF4-FFF2-40B4-BE49-F238E27FC236}">
+                <a16:creationId xmlns:a16="http://schemas.microsoft.com/office/drawing/2014/main" id="{98649AF1-3DC3-2A68-C9F1-ABFD66B90B37}"/>
+              </a:ext>
+            </a:extLst>
+          </p:cNvPr>
+          <p:cNvPicPr>
+            <a:picLocks noChangeAspect="1"/>
+          </p:cNvPicPr>
+          <p:nvPr/>
+        </p:nvPicPr>
+        <p:blipFill>
+          <a:blip r:embed="rId3"/>
+          <a:stretch>
+            <a:fillRect/>
+          </a:stretch>
+        </p:blipFill>
+        <p:spPr>
+          <a:xfrm>
+            <a:off x="5406261" y="2346362"/>
+            <a:ext cx="2979678" cy="137172"/>
+          </a:xfrm>
+          <a:prstGeom prst="rect">
+            <a:avLst/>
+          </a:prstGeom>
+        </p:spPr>
+      </p:pic>
+      <p:pic>
+        <p:nvPicPr>
+          <p:cNvPr id="12" name="Picture 11">
+            <a:extLst>
+              <a:ext uri="{FF2B5EF4-FFF2-40B4-BE49-F238E27FC236}">
+                <a16:creationId xmlns:a16="http://schemas.microsoft.com/office/drawing/2014/main" id="{85AECC65-5636-8C42-7DC3-13F9BC87D327}"/>
+              </a:ext>
+            </a:extLst>
+          </p:cNvPr>
+          <p:cNvPicPr>
+            <a:picLocks noChangeAspect="1"/>
+          </p:cNvPicPr>
+          <p:nvPr/>
+        </p:nvPicPr>
+        <p:blipFill>
+          <a:blip r:embed="rId4"/>
+          <a:stretch>
+            <a:fillRect/>
+          </a:stretch>
+        </p:blipFill>
+        <p:spPr>
+          <a:xfrm>
+            <a:off x="443524" y="2212561"/>
+            <a:ext cx="3947502" cy="4259949"/>
+          </a:xfrm>
+          <a:prstGeom prst="rect">
+            <a:avLst/>
+          </a:prstGeom>
+        </p:spPr>
+      </p:pic>
     </p:spTree>
     <p:extLst>
       <p:ext uri="{BB962C8B-B14F-4D97-AF65-F5344CB8AC3E}">
-        <p14:creationId xmlns:p14="http://schemas.microsoft.com/office/powerpoint/2010/main" val="1941228625"/>
+        <p14:creationId xmlns:p14="http://schemas.microsoft.com/office/powerpoint/2010/main" val="3392618411"/>
       </p:ext>
     </p:extLst>
   </p:cSld>
@@ -13169,7 +11980,7 @@
           <a:p>
             <a:r>
               <a:rPr lang="en-US"/>
-              <a:t>Trang 2</a:t>
+              <a:t>Trang 1</a:t>
             </a:r>
           </a:p>
         </p:txBody>
@@ -13188,6 +11999,329 @@
 </file>
 
 <file path=ppt/slides/slide20.xml><?xml version="1.0" encoding="utf-8"?>
+<p:sld xmlns:a="http://schemas.openxmlformats.org/drawingml/2006/main" xmlns:r="http://schemas.openxmlformats.org/officeDocument/2006/relationships" xmlns:p="http://schemas.openxmlformats.org/presentationml/2006/main">
+  <p:cSld>
+    <p:spTree>
+      <p:nvGrpSpPr>
+        <p:cNvPr id="1" name=""/>
+        <p:cNvGrpSpPr/>
+        <p:nvPr/>
+      </p:nvGrpSpPr>
+      <p:grpSpPr>
+        <a:xfrm>
+          <a:off x="0" y="0"/>
+          <a:ext cx="0" cy="0"/>
+          <a:chOff x="0" y="0"/>
+          <a:chExt cx="0" cy="0"/>
+        </a:xfrm>
+      </p:grpSpPr>
+      <p:pic>
+        <p:nvPicPr>
+          <p:cNvPr id="1034" name="Picture 10">
+            <a:extLst>
+              <a:ext uri="{FF2B5EF4-FFF2-40B4-BE49-F238E27FC236}">
+                <a16:creationId xmlns:a16="http://schemas.microsoft.com/office/drawing/2014/main" id="{6F72484C-A752-76F3-F259-0A997B815A00}"/>
+              </a:ext>
+            </a:extLst>
+          </p:cNvPr>
+          <p:cNvPicPr>
+            <a:picLocks noChangeAspect="1" noChangeArrowheads="1"/>
+          </p:cNvPicPr>
+          <p:nvPr/>
+        </p:nvPicPr>
+        <p:blipFill>
+          <a:blip r:embed="rId2">
+            <a:extLst>
+              <a:ext uri="{28A0092B-C50C-407E-A947-70E740481C1C}">
+                <a14:useLocalDpi xmlns:a14="http://schemas.microsoft.com/office/drawing/2010/main" val="0"/>
+              </a:ext>
+            </a:extLst>
+          </a:blip>
+          <a:srcRect/>
+          <a:stretch>
+            <a:fillRect/>
+          </a:stretch>
+        </p:blipFill>
+        <p:spPr bwMode="auto">
+          <a:xfrm>
+            <a:off x="76200" y="119063"/>
+            <a:ext cx="1114424" cy="614791"/>
+          </a:xfrm>
+          <a:prstGeom prst="rect">
+            <a:avLst/>
+          </a:prstGeom>
+          <a:noFill/>
+          <a:extLst>
+            <a:ext uri="{909E8E84-426E-40DD-AFC4-6F175D3DCCD1}">
+              <a14:hiddenFill xmlns:a14="http://schemas.microsoft.com/office/drawing/2010/main">
+                <a:solidFill>
+                  <a:srgbClr val="FFFFFF"/>
+                </a:solidFill>
+              </a14:hiddenFill>
+            </a:ext>
+          </a:extLst>
+        </p:spPr>
+      </p:pic>
+      <p:cxnSp>
+        <p:nvCxnSpPr>
+          <p:cNvPr id="11" name="Straight Connector 10">
+            <a:extLst>
+              <a:ext uri="{FF2B5EF4-FFF2-40B4-BE49-F238E27FC236}">
+                <a16:creationId xmlns:a16="http://schemas.microsoft.com/office/drawing/2014/main" id="{E5C4A229-E185-5A4B-53B1-81D591292671}"/>
+              </a:ext>
+            </a:extLst>
+          </p:cNvPr>
+          <p:cNvCxnSpPr>
+            <a:cxnSpLocks/>
+          </p:cNvCxnSpPr>
+          <p:nvPr/>
+        </p:nvCxnSpPr>
+        <p:spPr>
+          <a:xfrm>
+            <a:off x="76200" y="847725"/>
+            <a:ext cx="7648575" cy="0"/>
+          </a:xfrm>
+          <a:prstGeom prst="line">
+            <a:avLst/>
+          </a:prstGeom>
+        </p:spPr>
+        <p:style>
+          <a:lnRef idx="1">
+            <a:schemeClr val="accent1"/>
+          </a:lnRef>
+          <a:fillRef idx="0">
+            <a:schemeClr val="accent1"/>
+          </a:fillRef>
+          <a:effectRef idx="0">
+            <a:schemeClr val="accent1"/>
+          </a:effectRef>
+          <a:fontRef idx="minor">
+            <a:schemeClr val="tx1"/>
+          </a:fontRef>
+        </p:style>
+      </p:cxnSp>
+      <p:sp>
+        <p:nvSpPr>
+          <p:cNvPr id="14" name="TextBox 13">
+            <a:extLst>
+              <a:ext uri="{FF2B5EF4-FFF2-40B4-BE49-F238E27FC236}">
+                <a16:creationId xmlns:a16="http://schemas.microsoft.com/office/drawing/2014/main" id="{63B4AB36-B54A-EA5C-2A74-F2C80BE0CBC4}"/>
+              </a:ext>
+            </a:extLst>
+          </p:cNvPr>
+          <p:cNvSpPr txBox="1"/>
+          <p:nvPr/>
+        </p:nvSpPr>
+        <p:spPr>
+          <a:xfrm>
+            <a:off x="1390650" y="236792"/>
+            <a:ext cx="6362700" cy="369332"/>
+          </a:xfrm>
+          <a:prstGeom prst="rect">
+            <a:avLst/>
+          </a:prstGeom>
+          <a:noFill/>
+        </p:spPr>
+        <p:txBody>
+          <a:bodyPr wrap="square" rtlCol="0">
+            <a:spAutoFit/>
+          </a:bodyPr>
+          <a:lstStyle/>
+          <a:p>
+            <a:r>
+              <a:rPr lang="en-US" b="1"/>
+              <a:t>Câu 4 (2.0 điểm): Machine Learning</a:t>
+            </a:r>
+          </a:p>
+        </p:txBody>
+      </p:sp>
+      <p:cxnSp>
+        <p:nvCxnSpPr>
+          <p:cNvPr id="2" name="Straight Connector 1">
+            <a:extLst>
+              <a:ext uri="{FF2B5EF4-FFF2-40B4-BE49-F238E27FC236}">
+                <a16:creationId xmlns:a16="http://schemas.microsoft.com/office/drawing/2014/main" id="{AF3ADEA5-03F2-7E56-B6E6-8B6970A896CF}"/>
+              </a:ext>
+            </a:extLst>
+          </p:cNvPr>
+          <p:cNvCxnSpPr>
+            <a:cxnSpLocks/>
+          </p:cNvCxnSpPr>
+          <p:nvPr/>
+        </p:nvCxnSpPr>
+        <p:spPr>
+          <a:xfrm>
+            <a:off x="4752975" y="6238875"/>
+            <a:ext cx="4286250" cy="0"/>
+          </a:xfrm>
+          <a:prstGeom prst="line">
+            <a:avLst/>
+          </a:prstGeom>
+        </p:spPr>
+        <p:style>
+          <a:lnRef idx="1">
+            <a:schemeClr val="accent1"/>
+          </a:lnRef>
+          <a:fillRef idx="0">
+            <a:schemeClr val="accent1"/>
+          </a:fillRef>
+          <a:effectRef idx="0">
+            <a:schemeClr val="accent1"/>
+          </a:effectRef>
+          <a:fontRef idx="minor">
+            <a:schemeClr val="tx1"/>
+          </a:fontRef>
+        </p:style>
+      </p:cxnSp>
+      <p:sp>
+        <p:nvSpPr>
+          <p:cNvPr id="4" name="TextBox 3">
+            <a:extLst>
+              <a:ext uri="{FF2B5EF4-FFF2-40B4-BE49-F238E27FC236}">
+                <a16:creationId xmlns:a16="http://schemas.microsoft.com/office/drawing/2014/main" id="{11342279-3B1B-9555-FD5C-CA3839B3D029}"/>
+              </a:ext>
+            </a:extLst>
+          </p:cNvPr>
+          <p:cNvSpPr txBox="1"/>
+          <p:nvPr/>
+        </p:nvSpPr>
+        <p:spPr>
+          <a:xfrm>
+            <a:off x="7753350" y="6336334"/>
+            <a:ext cx="1285874" cy="369332"/>
+          </a:xfrm>
+          <a:prstGeom prst="rect">
+            <a:avLst/>
+          </a:prstGeom>
+          <a:noFill/>
+        </p:spPr>
+        <p:txBody>
+          <a:bodyPr wrap="square" rtlCol="0">
+            <a:spAutoFit/>
+          </a:bodyPr>
+          <a:lstStyle/>
+          <a:p>
+            <a:r>
+              <a:rPr lang="en-US"/>
+              <a:t>Trang 19</a:t>
+            </a:r>
+          </a:p>
+        </p:txBody>
+      </p:sp>
+      <p:sp>
+        <p:nvSpPr>
+          <p:cNvPr id="5" name="TextBox 4">
+            <a:extLst>
+              <a:ext uri="{FF2B5EF4-FFF2-40B4-BE49-F238E27FC236}">
+                <a16:creationId xmlns:a16="http://schemas.microsoft.com/office/drawing/2014/main" id="{2FD009FE-CA5C-D5A4-E99D-1E506F763D1C}"/>
+              </a:ext>
+            </a:extLst>
+          </p:cNvPr>
+          <p:cNvSpPr txBox="1"/>
+          <p:nvPr/>
+        </p:nvSpPr>
+        <p:spPr>
+          <a:xfrm>
+            <a:off x="304800" y="1228725"/>
+            <a:ext cx="5210175" cy="369332"/>
+          </a:xfrm>
+          <a:prstGeom prst="rect">
+            <a:avLst/>
+          </a:prstGeom>
+          <a:noFill/>
+        </p:spPr>
+        <p:txBody>
+          <a:bodyPr wrap="square" rtlCol="0">
+            <a:spAutoFit/>
+          </a:bodyPr>
+          <a:lstStyle/>
+          <a:p>
+            <a:r>
+              <a:rPr lang="en-US"/>
+              <a:t>YC4.4</a:t>
+            </a:r>
+          </a:p>
+        </p:txBody>
+      </p:sp>
+      <p:pic>
+        <p:nvPicPr>
+          <p:cNvPr id="6" name="Picture 5">
+            <a:extLst>
+              <a:ext uri="{FF2B5EF4-FFF2-40B4-BE49-F238E27FC236}">
+                <a16:creationId xmlns:a16="http://schemas.microsoft.com/office/drawing/2014/main" id="{96650C24-EE10-9576-F115-2659A4D9C2B3}"/>
+              </a:ext>
+            </a:extLst>
+          </p:cNvPr>
+          <p:cNvPicPr>
+            <a:picLocks noChangeAspect="1"/>
+          </p:cNvPicPr>
+          <p:nvPr/>
+        </p:nvPicPr>
+        <p:blipFill>
+          <a:blip r:embed="rId3"/>
+          <a:stretch>
+            <a:fillRect/>
+          </a:stretch>
+        </p:blipFill>
+        <p:spPr>
+          <a:xfrm>
+            <a:off x="2504880" y="1413391"/>
+            <a:ext cx="4496190" cy="3444538"/>
+          </a:xfrm>
+          <a:prstGeom prst="rect">
+            <a:avLst/>
+          </a:prstGeom>
+        </p:spPr>
+      </p:pic>
+      <p:sp>
+        <p:nvSpPr>
+          <p:cNvPr id="10" name="TextBox 9">
+            <a:extLst>
+              <a:ext uri="{FF2B5EF4-FFF2-40B4-BE49-F238E27FC236}">
+                <a16:creationId xmlns:a16="http://schemas.microsoft.com/office/drawing/2014/main" id="{238E0658-D853-A165-C5A3-FD7A55961FE1}"/>
+              </a:ext>
+            </a:extLst>
+          </p:cNvPr>
+          <p:cNvSpPr txBox="1"/>
+          <p:nvPr/>
+        </p:nvSpPr>
+        <p:spPr>
+          <a:xfrm>
+            <a:off x="981965" y="5054262"/>
+            <a:ext cx="7542020" cy="369332"/>
+          </a:xfrm>
+          <a:prstGeom prst="rect">
+            <a:avLst/>
+          </a:prstGeom>
+          <a:noFill/>
+        </p:spPr>
+        <p:txBody>
+          <a:bodyPr wrap="square" rtlCol="0">
+            <a:spAutoFit/>
+          </a:bodyPr>
+          <a:lstStyle/>
+          <a:p>
+            <a:r>
+              <a:rPr lang="en-US" i="1"/>
+              <a:t>Thu thập các training và test accuracy ta làm được biểu đồ độ chính xác này</a:t>
+            </a:r>
+          </a:p>
+        </p:txBody>
+      </p:sp>
+    </p:spTree>
+    <p:extLst>
+      <p:ext uri="{BB962C8B-B14F-4D97-AF65-F5344CB8AC3E}">
+        <p14:creationId xmlns:p14="http://schemas.microsoft.com/office/powerpoint/2010/main" val="3402490532"/>
+      </p:ext>
+    </p:extLst>
+  </p:cSld>
+  <p:clrMapOvr>
+    <a:masterClrMapping/>
+  </p:clrMapOvr>
+</p:sld>
+</file>
+
+<file path=ppt/slides/slide21.xml><?xml version="1.0" encoding="utf-8"?>
 <p:sld xmlns:a="http://schemas.openxmlformats.org/drawingml/2006/main" xmlns:r="http://schemas.openxmlformats.org/officeDocument/2006/relationships" xmlns:p="http://schemas.openxmlformats.org/presentationml/2006/main">
   <p:cSld>
     <p:spTree>
@@ -13905,386 +13039,6 @@
 </p:sld>
 </file>
 
-<file path=ppt/slides/slide21.xml><?xml version="1.0" encoding="utf-8"?>
-<p:sld xmlns:a="http://schemas.openxmlformats.org/drawingml/2006/main" xmlns:r="http://schemas.openxmlformats.org/officeDocument/2006/relationships" xmlns:p="http://schemas.openxmlformats.org/presentationml/2006/main">
-  <p:cSld>
-    <p:spTree>
-      <p:nvGrpSpPr>
-        <p:cNvPr id="1" name=""/>
-        <p:cNvGrpSpPr/>
-        <p:nvPr/>
-      </p:nvGrpSpPr>
-      <p:grpSpPr>
-        <a:xfrm>
-          <a:off x="0" y="0"/>
-          <a:ext cx="0" cy="0"/>
-          <a:chOff x="0" y="0"/>
-          <a:chExt cx="0" cy="0"/>
-        </a:xfrm>
-      </p:grpSpPr>
-      <p:pic>
-        <p:nvPicPr>
-          <p:cNvPr id="1034" name="Picture 10">
-            <a:extLst>
-              <a:ext uri="{FF2B5EF4-FFF2-40B4-BE49-F238E27FC236}">
-                <a16:creationId xmlns:a16="http://schemas.microsoft.com/office/drawing/2014/main" id="{6F72484C-A752-76F3-F259-0A997B815A00}"/>
-              </a:ext>
-            </a:extLst>
-          </p:cNvPr>
-          <p:cNvPicPr>
-            <a:picLocks noChangeAspect="1" noChangeArrowheads="1"/>
-          </p:cNvPicPr>
-          <p:nvPr/>
-        </p:nvPicPr>
-        <p:blipFill>
-          <a:blip r:embed="rId2">
-            <a:extLst>
-              <a:ext uri="{28A0092B-C50C-407E-A947-70E740481C1C}">
-                <a14:useLocalDpi xmlns:a14="http://schemas.microsoft.com/office/drawing/2010/main" val="0"/>
-              </a:ext>
-            </a:extLst>
-          </a:blip>
-          <a:srcRect/>
-          <a:stretch>
-            <a:fillRect/>
-          </a:stretch>
-        </p:blipFill>
-        <p:spPr bwMode="auto">
-          <a:xfrm>
-            <a:off x="76200" y="119063"/>
-            <a:ext cx="1114424" cy="614791"/>
-          </a:xfrm>
-          <a:prstGeom prst="rect">
-            <a:avLst/>
-          </a:prstGeom>
-          <a:noFill/>
-          <a:extLst>
-            <a:ext uri="{909E8E84-426E-40DD-AFC4-6F175D3DCCD1}">
-              <a14:hiddenFill xmlns:a14="http://schemas.microsoft.com/office/drawing/2010/main">
-                <a:solidFill>
-                  <a:srgbClr val="FFFFFF"/>
-                </a:solidFill>
-              </a14:hiddenFill>
-            </a:ext>
-          </a:extLst>
-        </p:spPr>
-      </p:pic>
-      <p:cxnSp>
-        <p:nvCxnSpPr>
-          <p:cNvPr id="11" name="Straight Connector 10">
-            <a:extLst>
-              <a:ext uri="{FF2B5EF4-FFF2-40B4-BE49-F238E27FC236}">
-                <a16:creationId xmlns:a16="http://schemas.microsoft.com/office/drawing/2014/main" id="{E5C4A229-E185-5A4B-53B1-81D591292671}"/>
-              </a:ext>
-            </a:extLst>
-          </p:cNvPr>
-          <p:cNvCxnSpPr>
-            <a:cxnSpLocks/>
-          </p:cNvCxnSpPr>
-          <p:nvPr/>
-        </p:nvCxnSpPr>
-        <p:spPr>
-          <a:xfrm>
-            <a:off x="76200" y="847725"/>
-            <a:ext cx="7648575" cy="0"/>
-          </a:xfrm>
-          <a:prstGeom prst="line">
-            <a:avLst/>
-          </a:prstGeom>
-        </p:spPr>
-        <p:style>
-          <a:lnRef idx="1">
-            <a:schemeClr val="accent1"/>
-          </a:lnRef>
-          <a:fillRef idx="0">
-            <a:schemeClr val="accent1"/>
-          </a:fillRef>
-          <a:effectRef idx="0">
-            <a:schemeClr val="accent1"/>
-          </a:effectRef>
-          <a:fontRef idx="minor">
-            <a:schemeClr val="tx1"/>
-          </a:fontRef>
-        </p:style>
-      </p:cxnSp>
-      <p:sp>
-        <p:nvSpPr>
-          <p:cNvPr id="14" name="TextBox 13">
-            <a:extLst>
-              <a:ext uri="{FF2B5EF4-FFF2-40B4-BE49-F238E27FC236}">
-                <a16:creationId xmlns:a16="http://schemas.microsoft.com/office/drawing/2014/main" id="{63B4AB36-B54A-EA5C-2A74-F2C80BE0CBC4}"/>
-              </a:ext>
-            </a:extLst>
-          </p:cNvPr>
-          <p:cNvSpPr txBox="1"/>
-          <p:nvPr/>
-        </p:nvSpPr>
-        <p:spPr>
-          <a:xfrm>
-            <a:off x="1390650" y="236792"/>
-            <a:ext cx="6362700" cy="369332"/>
-          </a:xfrm>
-          <a:prstGeom prst="rect">
-            <a:avLst/>
-          </a:prstGeom>
-          <a:noFill/>
-        </p:spPr>
-        <p:txBody>
-          <a:bodyPr wrap="square" rtlCol="0">
-            <a:spAutoFit/>
-          </a:bodyPr>
-          <a:lstStyle/>
-          <a:p>
-            <a:r>
-              <a:rPr lang="en-US" b="1"/>
-              <a:t>TỔNG KẾT</a:t>
-            </a:r>
-          </a:p>
-        </p:txBody>
-      </p:sp>
-      <p:sp>
-        <p:nvSpPr>
-          <p:cNvPr id="4" name="TextBox 3">
-            <a:extLst>
-              <a:ext uri="{FF2B5EF4-FFF2-40B4-BE49-F238E27FC236}">
-                <a16:creationId xmlns:a16="http://schemas.microsoft.com/office/drawing/2014/main" id="{459EF129-6740-B341-7BC7-05D580180742}"/>
-              </a:ext>
-            </a:extLst>
-          </p:cNvPr>
-          <p:cNvSpPr txBox="1"/>
-          <p:nvPr/>
-        </p:nvSpPr>
-        <p:spPr>
-          <a:xfrm>
-            <a:off x="76200" y="1089327"/>
-            <a:ext cx="1059906" cy="369332"/>
-          </a:xfrm>
-          <a:prstGeom prst="rect">
-            <a:avLst/>
-          </a:prstGeom>
-          <a:noFill/>
-        </p:spPr>
-        <p:txBody>
-          <a:bodyPr wrap="none" rtlCol="0">
-            <a:spAutoFit/>
-          </a:bodyPr>
-          <a:lstStyle/>
-          <a:p>
-            <a:r>
-              <a:rPr lang="en-US" i="1"/>
-              <a:t>Thuận lợi</a:t>
-            </a:r>
-          </a:p>
-        </p:txBody>
-      </p:sp>
-      <p:cxnSp>
-        <p:nvCxnSpPr>
-          <p:cNvPr id="2" name="Straight Connector 1">
-            <a:extLst>
-              <a:ext uri="{FF2B5EF4-FFF2-40B4-BE49-F238E27FC236}">
-                <a16:creationId xmlns:a16="http://schemas.microsoft.com/office/drawing/2014/main" id="{E84DC22F-1018-3740-66B4-518AAE2387D5}"/>
-              </a:ext>
-            </a:extLst>
-          </p:cNvPr>
-          <p:cNvCxnSpPr>
-            <a:cxnSpLocks/>
-          </p:cNvCxnSpPr>
-          <p:nvPr/>
-        </p:nvCxnSpPr>
-        <p:spPr>
-          <a:xfrm>
-            <a:off x="4752975" y="6238875"/>
-            <a:ext cx="4286250" cy="0"/>
-          </a:xfrm>
-          <a:prstGeom prst="line">
-            <a:avLst/>
-          </a:prstGeom>
-        </p:spPr>
-        <p:style>
-          <a:lnRef idx="1">
-            <a:schemeClr val="accent1"/>
-          </a:lnRef>
-          <a:fillRef idx="0">
-            <a:schemeClr val="accent1"/>
-          </a:fillRef>
-          <a:effectRef idx="0">
-            <a:schemeClr val="accent1"/>
-          </a:effectRef>
-          <a:fontRef idx="minor">
-            <a:schemeClr val="tx1"/>
-          </a:fontRef>
-        </p:style>
-      </p:cxnSp>
-      <p:sp>
-        <p:nvSpPr>
-          <p:cNvPr id="6" name="TextBox 5">
-            <a:extLst>
-              <a:ext uri="{FF2B5EF4-FFF2-40B4-BE49-F238E27FC236}">
-                <a16:creationId xmlns:a16="http://schemas.microsoft.com/office/drawing/2014/main" id="{FD7465EC-84B6-406C-4864-45ADF9FB642F}"/>
-              </a:ext>
-            </a:extLst>
-          </p:cNvPr>
-          <p:cNvSpPr txBox="1"/>
-          <p:nvPr/>
-        </p:nvSpPr>
-        <p:spPr>
-          <a:xfrm>
-            <a:off x="7753350" y="6336334"/>
-            <a:ext cx="1285874" cy="369332"/>
-          </a:xfrm>
-          <a:prstGeom prst="rect">
-            <a:avLst/>
-          </a:prstGeom>
-          <a:noFill/>
-        </p:spPr>
-        <p:txBody>
-          <a:bodyPr wrap="square" rtlCol="0">
-            <a:spAutoFit/>
-          </a:bodyPr>
-          <a:lstStyle/>
-          <a:p>
-            <a:r>
-              <a:rPr lang="en-US"/>
-              <a:t>Trang 21</a:t>
-            </a:r>
-          </a:p>
-        </p:txBody>
-      </p:sp>
-      <p:sp>
-        <p:nvSpPr>
-          <p:cNvPr id="5" name="TextBox 4">
-            <a:extLst>
-              <a:ext uri="{FF2B5EF4-FFF2-40B4-BE49-F238E27FC236}">
-                <a16:creationId xmlns:a16="http://schemas.microsoft.com/office/drawing/2014/main" id="{B124AB6E-B685-3C3C-17A7-881BC0274152}"/>
-              </a:ext>
-            </a:extLst>
-          </p:cNvPr>
-          <p:cNvSpPr txBox="1"/>
-          <p:nvPr/>
-        </p:nvSpPr>
-        <p:spPr>
-          <a:xfrm>
-            <a:off x="606152" y="1844627"/>
-            <a:ext cx="7553109" cy="3331938"/>
-          </a:xfrm>
-          <a:prstGeom prst="rect">
-            <a:avLst/>
-          </a:prstGeom>
-          <a:noFill/>
-        </p:spPr>
-        <p:txBody>
-          <a:bodyPr wrap="square" rtlCol="0">
-            <a:spAutoFit/>
-          </a:bodyPr>
-          <a:lstStyle/>
-          <a:p>
-            <a:pPr marL="285750" indent="-285750">
-              <a:lnSpc>
-                <a:spcPct val="200000"/>
-              </a:lnSpc>
-              <a:buFont typeface="Arial" panose="020B0604020202020204" pitchFamily="34" charset="0"/>
-              <a:buChar char="•"/>
-            </a:pPr>
-            <a:r>
-              <a:rPr lang="en-US">
-                <a:latin typeface="Times New Roman" panose="02020603050405020304" pitchFamily="18" charset="0"/>
-                <a:cs typeface="Times New Roman" panose="02020603050405020304" pitchFamily="18" charset="0"/>
-              </a:rPr>
-              <a:t>Đa số các thành viên làm việc ăn ý</a:t>
-            </a:r>
-          </a:p>
-          <a:p>
-            <a:pPr marL="285750" indent="-285750">
-              <a:lnSpc>
-                <a:spcPct val="200000"/>
-              </a:lnSpc>
-              <a:buFont typeface="Arial" panose="020B0604020202020204" pitchFamily="34" charset="0"/>
-              <a:buChar char="•"/>
-            </a:pPr>
-            <a:r>
-              <a:rPr lang="en-US">
-                <a:latin typeface="Times New Roman" panose="02020603050405020304" pitchFamily="18" charset="0"/>
-                <a:cs typeface="Times New Roman" panose="02020603050405020304" pitchFamily="18" charset="0"/>
-              </a:rPr>
-              <a:t>Đa số các thành viên có kiến thức về Git</a:t>
-            </a:r>
-          </a:p>
-          <a:p>
-            <a:pPr marL="285750" indent="-285750">
-              <a:lnSpc>
-                <a:spcPct val="200000"/>
-              </a:lnSpc>
-              <a:buFont typeface="Arial" panose="020B0604020202020204" pitchFamily="34" charset="0"/>
-              <a:buChar char="•"/>
-            </a:pPr>
-            <a:r>
-              <a:rPr lang="en-US">
-                <a:latin typeface="Times New Roman" panose="02020603050405020304" pitchFamily="18" charset="0"/>
-                <a:cs typeface="Times New Roman" panose="02020603050405020304" pitchFamily="18" charset="0"/>
-              </a:rPr>
-              <a:t>Đa số thành viên nhiệt tình tham gia tìm hiểu đề tài</a:t>
-            </a:r>
-          </a:p>
-          <a:p>
-            <a:pPr marL="285750" indent="-285750">
-              <a:lnSpc>
-                <a:spcPct val="200000"/>
-              </a:lnSpc>
-              <a:buFont typeface="Arial" panose="020B0604020202020204" pitchFamily="34" charset="0"/>
-              <a:buChar char="•"/>
-            </a:pPr>
-            <a:r>
-              <a:rPr lang="en-US">
-                <a:latin typeface="Times New Roman" panose="02020603050405020304" pitchFamily="18" charset="0"/>
-                <a:cs typeface="Times New Roman" panose="02020603050405020304" pitchFamily="18" charset="0"/>
-              </a:rPr>
-              <a:t>Vấn đề nghiên cứu được phân chia bài bản</a:t>
-            </a:r>
-          </a:p>
-          <a:p>
-            <a:pPr marL="285750" indent="-285750">
-              <a:lnSpc>
-                <a:spcPct val="200000"/>
-              </a:lnSpc>
-              <a:buFont typeface="Arial" panose="020B0604020202020204" pitchFamily="34" charset="0"/>
-              <a:buChar char="•"/>
-            </a:pPr>
-            <a:r>
-              <a:rPr lang="en-US">
-                <a:latin typeface="Times New Roman" panose="02020603050405020304" pitchFamily="18" charset="0"/>
-                <a:cs typeface="Times New Roman" panose="02020603050405020304" pitchFamily="18" charset="0"/>
-              </a:rPr>
-              <a:t>Các thành viên có nền tảng lập trình tốt</a:t>
-            </a:r>
-          </a:p>
-          <a:p>
-            <a:pPr marL="285750" indent="-285750">
-              <a:lnSpc>
-                <a:spcPct val="200000"/>
-              </a:lnSpc>
-              <a:buFont typeface="Arial" panose="020B0604020202020204" pitchFamily="34" charset="0"/>
-              <a:buChar char="•"/>
-            </a:pPr>
-            <a:endParaRPr lang="en-US">
-              <a:latin typeface="Times New Roman" panose="02020603050405020304" pitchFamily="18" charset="0"/>
-              <a:cs typeface="Times New Roman" panose="02020603050405020304" pitchFamily="18" charset="0"/>
-            </a:endParaRPr>
-          </a:p>
-        </p:txBody>
-      </p:sp>
-    </p:spTree>
-    <p:extLst>
-      <p:ext uri="{BB962C8B-B14F-4D97-AF65-F5344CB8AC3E}">
-        <p14:creationId xmlns:p14="http://schemas.microsoft.com/office/powerpoint/2010/main" val="3273506458"/>
-      </p:ext>
-    </p:extLst>
-  </p:cSld>
-  <p:clrMapOvr>
-    <a:masterClrMapping/>
-  </p:clrMapOvr>
-</p:sld>
-</file>
-
 <file path=ppt/slides/slide22.xml><?xml version="1.0" encoding="utf-8"?>
 <p:sld xmlns:a="http://schemas.openxmlformats.org/drawingml/2006/main" xmlns:r="http://schemas.openxmlformats.org/officeDocument/2006/relationships" xmlns:p="http://schemas.openxmlformats.org/presentationml/2006/main">
   <p:cSld>
@@ -14437,7 +13191,7 @@
         <p:spPr>
           <a:xfrm>
             <a:off x="76200" y="1089327"/>
-            <a:ext cx="1055097" cy="369332"/>
+            <a:ext cx="1059906" cy="369332"/>
           </a:xfrm>
           <a:prstGeom prst="rect">
             <a:avLst/>
@@ -14452,7 +13206,7 @@
           <a:p>
             <a:r>
               <a:rPr lang="en-US" i="1"/>
-              <a:t>Khó khăn</a:t>
+              <a:t>Thuận lợi</a:t>
             </a:r>
           </a:p>
         </p:txBody>
@@ -14525,6 +13279,386 @@
           <a:p>
             <a:r>
               <a:rPr lang="en-US"/>
+              <a:t>Trang 21</a:t>
+            </a:r>
+          </a:p>
+        </p:txBody>
+      </p:sp>
+      <p:sp>
+        <p:nvSpPr>
+          <p:cNvPr id="5" name="TextBox 4">
+            <a:extLst>
+              <a:ext uri="{FF2B5EF4-FFF2-40B4-BE49-F238E27FC236}">
+                <a16:creationId xmlns:a16="http://schemas.microsoft.com/office/drawing/2014/main" id="{B124AB6E-B685-3C3C-17A7-881BC0274152}"/>
+              </a:ext>
+            </a:extLst>
+          </p:cNvPr>
+          <p:cNvSpPr txBox="1"/>
+          <p:nvPr/>
+        </p:nvSpPr>
+        <p:spPr>
+          <a:xfrm>
+            <a:off x="606152" y="1844627"/>
+            <a:ext cx="7553109" cy="3331938"/>
+          </a:xfrm>
+          <a:prstGeom prst="rect">
+            <a:avLst/>
+          </a:prstGeom>
+          <a:noFill/>
+        </p:spPr>
+        <p:txBody>
+          <a:bodyPr wrap="square" rtlCol="0">
+            <a:spAutoFit/>
+          </a:bodyPr>
+          <a:lstStyle/>
+          <a:p>
+            <a:pPr marL="285750" indent="-285750">
+              <a:lnSpc>
+                <a:spcPct val="200000"/>
+              </a:lnSpc>
+              <a:buFont typeface="Arial" panose="020B0604020202020204" pitchFamily="34" charset="0"/>
+              <a:buChar char="•"/>
+            </a:pPr>
+            <a:r>
+              <a:rPr lang="en-US">
+                <a:latin typeface="Times New Roman" panose="02020603050405020304" pitchFamily="18" charset="0"/>
+                <a:cs typeface="Times New Roman" panose="02020603050405020304" pitchFamily="18" charset="0"/>
+              </a:rPr>
+              <a:t>Đa số các thành viên làm việc ăn ý</a:t>
+            </a:r>
+          </a:p>
+          <a:p>
+            <a:pPr marL="285750" indent="-285750">
+              <a:lnSpc>
+                <a:spcPct val="200000"/>
+              </a:lnSpc>
+              <a:buFont typeface="Arial" panose="020B0604020202020204" pitchFamily="34" charset="0"/>
+              <a:buChar char="•"/>
+            </a:pPr>
+            <a:r>
+              <a:rPr lang="en-US">
+                <a:latin typeface="Times New Roman" panose="02020603050405020304" pitchFamily="18" charset="0"/>
+                <a:cs typeface="Times New Roman" panose="02020603050405020304" pitchFamily="18" charset="0"/>
+              </a:rPr>
+              <a:t>Đa số các thành viên có kiến thức về Git</a:t>
+            </a:r>
+          </a:p>
+          <a:p>
+            <a:pPr marL="285750" indent="-285750">
+              <a:lnSpc>
+                <a:spcPct val="200000"/>
+              </a:lnSpc>
+              <a:buFont typeface="Arial" panose="020B0604020202020204" pitchFamily="34" charset="0"/>
+              <a:buChar char="•"/>
+            </a:pPr>
+            <a:r>
+              <a:rPr lang="en-US">
+                <a:latin typeface="Times New Roman" panose="02020603050405020304" pitchFamily="18" charset="0"/>
+                <a:cs typeface="Times New Roman" panose="02020603050405020304" pitchFamily="18" charset="0"/>
+              </a:rPr>
+              <a:t>Đa số thành viên nhiệt tình tham gia tìm hiểu đề tài</a:t>
+            </a:r>
+          </a:p>
+          <a:p>
+            <a:pPr marL="285750" indent="-285750">
+              <a:lnSpc>
+                <a:spcPct val="200000"/>
+              </a:lnSpc>
+              <a:buFont typeface="Arial" panose="020B0604020202020204" pitchFamily="34" charset="0"/>
+              <a:buChar char="•"/>
+            </a:pPr>
+            <a:r>
+              <a:rPr lang="en-US">
+                <a:latin typeface="Times New Roman" panose="02020603050405020304" pitchFamily="18" charset="0"/>
+                <a:cs typeface="Times New Roman" panose="02020603050405020304" pitchFamily="18" charset="0"/>
+              </a:rPr>
+              <a:t>Vấn đề nghiên cứu được phân chia bài bản</a:t>
+            </a:r>
+          </a:p>
+          <a:p>
+            <a:pPr marL="285750" indent="-285750">
+              <a:lnSpc>
+                <a:spcPct val="200000"/>
+              </a:lnSpc>
+              <a:buFont typeface="Arial" panose="020B0604020202020204" pitchFamily="34" charset="0"/>
+              <a:buChar char="•"/>
+            </a:pPr>
+            <a:r>
+              <a:rPr lang="en-US">
+                <a:latin typeface="Times New Roman" panose="02020603050405020304" pitchFamily="18" charset="0"/>
+                <a:cs typeface="Times New Roman" panose="02020603050405020304" pitchFamily="18" charset="0"/>
+              </a:rPr>
+              <a:t>Các thành viên có nền tảng lập trình tốt</a:t>
+            </a:r>
+          </a:p>
+          <a:p>
+            <a:pPr marL="285750" indent="-285750">
+              <a:lnSpc>
+                <a:spcPct val="200000"/>
+              </a:lnSpc>
+              <a:buFont typeface="Arial" panose="020B0604020202020204" pitchFamily="34" charset="0"/>
+              <a:buChar char="•"/>
+            </a:pPr>
+            <a:endParaRPr lang="en-US">
+              <a:latin typeface="Times New Roman" panose="02020603050405020304" pitchFamily="18" charset="0"/>
+              <a:cs typeface="Times New Roman" panose="02020603050405020304" pitchFamily="18" charset="0"/>
+            </a:endParaRPr>
+          </a:p>
+        </p:txBody>
+      </p:sp>
+    </p:spTree>
+    <p:extLst>
+      <p:ext uri="{BB962C8B-B14F-4D97-AF65-F5344CB8AC3E}">
+        <p14:creationId xmlns:p14="http://schemas.microsoft.com/office/powerpoint/2010/main" val="3273506458"/>
+      </p:ext>
+    </p:extLst>
+  </p:cSld>
+  <p:clrMapOvr>
+    <a:masterClrMapping/>
+  </p:clrMapOvr>
+</p:sld>
+</file>
+
+<file path=ppt/slides/slide23.xml><?xml version="1.0" encoding="utf-8"?>
+<p:sld xmlns:a="http://schemas.openxmlformats.org/drawingml/2006/main" xmlns:r="http://schemas.openxmlformats.org/officeDocument/2006/relationships" xmlns:p="http://schemas.openxmlformats.org/presentationml/2006/main">
+  <p:cSld>
+    <p:spTree>
+      <p:nvGrpSpPr>
+        <p:cNvPr id="1" name=""/>
+        <p:cNvGrpSpPr/>
+        <p:nvPr/>
+      </p:nvGrpSpPr>
+      <p:grpSpPr>
+        <a:xfrm>
+          <a:off x="0" y="0"/>
+          <a:ext cx="0" cy="0"/>
+          <a:chOff x="0" y="0"/>
+          <a:chExt cx="0" cy="0"/>
+        </a:xfrm>
+      </p:grpSpPr>
+      <p:pic>
+        <p:nvPicPr>
+          <p:cNvPr id="1034" name="Picture 10">
+            <a:extLst>
+              <a:ext uri="{FF2B5EF4-FFF2-40B4-BE49-F238E27FC236}">
+                <a16:creationId xmlns:a16="http://schemas.microsoft.com/office/drawing/2014/main" id="{6F72484C-A752-76F3-F259-0A997B815A00}"/>
+              </a:ext>
+            </a:extLst>
+          </p:cNvPr>
+          <p:cNvPicPr>
+            <a:picLocks noChangeAspect="1" noChangeArrowheads="1"/>
+          </p:cNvPicPr>
+          <p:nvPr/>
+        </p:nvPicPr>
+        <p:blipFill>
+          <a:blip r:embed="rId2">
+            <a:extLst>
+              <a:ext uri="{28A0092B-C50C-407E-A947-70E740481C1C}">
+                <a14:useLocalDpi xmlns:a14="http://schemas.microsoft.com/office/drawing/2010/main" val="0"/>
+              </a:ext>
+            </a:extLst>
+          </a:blip>
+          <a:srcRect/>
+          <a:stretch>
+            <a:fillRect/>
+          </a:stretch>
+        </p:blipFill>
+        <p:spPr bwMode="auto">
+          <a:xfrm>
+            <a:off x="76200" y="119063"/>
+            <a:ext cx="1114424" cy="614791"/>
+          </a:xfrm>
+          <a:prstGeom prst="rect">
+            <a:avLst/>
+          </a:prstGeom>
+          <a:noFill/>
+          <a:extLst>
+            <a:ext uri="{909E8E84-426E-40DD-AFC4-6F175D3DCCD1}">
+              <a14:hiddenFill xmlns:a14="http://schemas.microsoft.com/office/drawing/2010/main">
+                <a:solidFill>
+                  <a:srgbClr val="FFFFFF"/>
+                </a:solidFill>
+              </a14:hiddenFill>
+            </a:ext>
+          </a:extLst>
+        </p:spPr>
+      </p:pic>
+      <p:cxnSp>
+        <p:nvCxnSpPr>
+          <p:cNvPr id="11" name="Straight Connector 10">
+            <a:extLst>
+              <a:ext uri="{FF2B5EF4-FFF2-40B4-BE49-F238E27FC236}">
+                <a16:creationId xmlns:a16="http://schemas.microsoft.com/office/drawing/2014/main" id="{E5C4A229-E185-5A4B-53B1-81D591292671}"/>
+              </a:ext>
+            </a:extLst>
+          </p:cNvPr>
+          <p:cNvCxnSpPr>
+            <a:cxnSpLocks/>
+          </p:cNvCxnSpPr>
+          <p:nvPr/>
+        </p:nvCxnSpPr>
+        <p:spPr>
+          <a:xfrm>
+            <a:off x="76200" y="847725"/>
+            <a:ext cx="7648575" cy="0"/>
+          </a:xfrm>
+          <a:prstGeom prst="line">
+            <a:avLst/>
+          </a:prstGeom>
+        </p:spPr>
+        <p:style>
+          <a:lnRef idx="1">
+            <a:schemeClr val="accent1"/>
+          </a:lnRef>
+          <a:fillRef idx="0">
+            <a:schemeClr val="accent1"/>
+          </a:fillRef>
+          <a:effectRef idx="0">
+            <a:schemeClr val="accent1"/>
+          </a:effectRef>
+          <a:fontRef idx="minor">
+            <a:schemeClr val="tx1"/>
+          </a:fontRef>
+        </p:style>
+      </p:cxnSp>
+      <p:sp>
+        <p:nvSpPr>
+          <p:cNvPr id="14" name="TextBox 13">
+            <a:extLst>
+              <a:ext uri="{FF2B5EF4-FFF2-40B4-BE49-F238E27FC236}">
+                <a16:creationId xmlns:a16="http://schemas.microsoft.com/office/drawing/2014/main" id="{63B4AB36-B54A-EA5C-2A74-F2C80BE0CBC4}"/>
+              </a:ext>
+            </a:extLst>
+          </p:cNvPr>
+          <p:cNvSpPr txBox="1"/>
+          <p:nvPr/>
+        </p:nvSpPr>
+        <p:spPr>
+          <a:xfrm>
+            <a:off x="1390650" y="236792"/>
+            <a:ext cx="6362700" cy="369332"/>
+          </a:xfrm>
+          <a:prstGeom prst="rect">
+            <a:avLst/>
+          </a:prstGeom>
+          <a:noFill/>
+        </p:spPr>
+        <p:txBody>
+          <a:bodyPr wrap="square" rtlCol="0">
+            <a:spAutoFit/>
+          </a:bodyPr>
+          <a:lstStyle/>
+          <a:p>
+            <a:r>
+              <a:rPr lang="en-US" b="1"/>
+              <a:t>TỔNG KẾT</a:t>
+            </a:r>
+          </a:p>
+        </p:txBody>
+      </p:sp>
+      <p:sp>
+        <p:nvSpPr>
+          <p:cNvPr id="4" name="TextBox 3">
+            <a:extLst>
+              <a:ext uri="{FF2B5EF4-FFF2-40B4-BE49-F238E27FC236}">
+                <a16:creationId xmlns:a16="http://schemas.microsoft.com/office/drawing/2014/main" id="{459EF129-6740-B341-7BC7-05D580180742}"/>
+              </a:ext>
+            </a:extLst>
+          </p:cNvPr>
+          <p:cNvSpPr txBox="1"/>
+          <p:nvPr/>
+        </p:nvSpPr>
+        <p:spPr>
+          <a:xfrm>
+            <a:off x="76200" y="1089327"/>
+            <a:ext cx="1055097" cy="369332"/>
+          </a:xfrm>
+          <a:prstGeom prst="rect">
+            <a:avLst/>
+          </a:prstGeom>
+          <a:noFill/>
+        </p:spPr>
+        <p:txBody>
+          <a:bodyPr wrap="none" rtlCol="0">
+            <a:spAutoFit/>
+          </a:bodyPr>
+          <a:lstStyle/>
+          <a:p>
+            <a:r>
+              <a:rPr lang="en-US" i="1"/>
+              <a:t>Khó khăn</a:t>
+            </a:r>
+          </a:p>
+        </p:txBody>
+      </p:sp>
+      <p:cxnSp>
+        <p:nvCxnSpPr>
+          <p:cNvPr id="2" name="Straight Connector 1">
+            <a:extLst>
+              <a:ext uri="{FF2B5EF4-FFF2-40B4-BE49-F238E27FC236}">
+                <a16:creationId xmlns:a16="http://schemas.microsoft.com/office/drawing/2014/main" id="{E84DC22F-1018-3740-66B4-518AAE2387D5}"/>
+              </a:ext>
+            </a:extLst>
+          </p:cNvPr>
+          <p:cNvCxnSpPr>
+            <a:cxnSpLocks/>
+          </p:cNvCxnSpPr>
+          <p:nvPr/>
+        </p:nvCxnSpPr>
+        <p:spPr>
+          <a:xfrm>
+            <a:off x="4752975" y="6238875"/>
+            <a:ext cx="4286250" cy="0"/>
+          </a:xfrm>
+          <a:prstGeom prst="line">
+            <a:avLst/>
+          </a:prstGeom>
+        </p:spPr>
+        <p:style>
+          <a:lnRef idx="1">
+            <a:schemeClr val="accent1"/>
+          </a:lnRef>
+          <a:fillRef idx="0">
+            <a:schemeClr val="accent1"/>
+          </a:fillRef>
+          <a:effectRef idx="0">
+            <a:schemeClr val="accent1"/>
+          </a:effectRef>
+          <a:fontRef idx="minor">
+            <a:schemeClr val="tx1"/>
+          </a:fontRef>
+        </p:style>
+      </p:cxnSp>
+      <p:sp>
+        <p:nvSpPr>
+          <p:cNvPr id="6" name="TextBox 5">
+            <a:extLst>
+              <a:ext uri="{FF2B5EF4-FFF2-40B4-BE49-F238E27FC236}">
+                <a16:creationId xmlns:a16="http://schemas.microsoft.com/office/drawing/2014/main" id="{FD7465EC-84B6-406C-4864-45ADF9FB642F}"/>
+              </a:ext>
+            </a:extLst>
+          </p:cNvPr>
+          <p:cNvSpPr txBox="1"/>
+          <p:nvPr/>
+        </p:nvSpPr>
+        <p:spPr>
+          <a:xfrm>
+            <a:off x="7753350" y="6336334"/>
+            <a:ext cx="1285874" cy="369332"/>
+          </a:xfrm>
+          <a:prstGeom prst="rect">
+            <a:avLst/>
+          </a:prstGeom>
+          <a:noFill/>
+        </p:spPr>
+        <p:txBody>
+          <a:bodyPr wrap="square" rtlCol="0">
+            <a:spAutoFit/>
+          </a:bodyPr>
+          <a:lstStyle/>
+          <a:p>
+            <a:r>
+              <a:rPr lang="en-US"/>
               <a:t>Trang 22</a:t>
             </a:r>
           </a:p>
@@ -14652,7 +13786,7 @@
 </p:sld>
 </file>
 
-<file path=ppt/slides/slide23.xml><?xml version="1.0" encoding="utf-8"?>
+<file path=ppt/slides/slide24.xml><?xml version="1.0" encoding="utf-8"?>
 <p:sld xmlns:a="http://schemas.openxmlformats.org/drawingml/2006/main" xmlns:r="http://schemas.openxmlformats.org/officeDocument/2006/relationships" xmlns:p="http://schemas.openxmlformats.org/presentationml/2006/main">
   <p:cSld>
     <p:spTree>
@@ -15971,7 +15105,7 @@
           <a:p>
             <a:r>
               <a:rPr lang="en-US"/>
-              <a:t>Trang 3</a:t>
+              <a:t>Trang 2</a:t>
             </a:r>
           </a:p>
         </p:txBody>
@@ -16170,10 +15304,9 @@
           <a:lstStyle/>
           <a:p>
             <a:r>
-              <a:rPr lang="fr-FR" b="1"/>
-              <a:t>Câu 1 (2.0 điểm): Constraint Satisfaction</a:t>
-            </a:r>
-            <a:endParaRPr lang="en-US" b="1"/>
+              <a:rPr lang="en-US" b="1"/>
+              <a:t>MỤC LỤC</a:t>
+            </a:r>
           </a:p>
         </p:txBody>
       </p:sp>
@@ -16245,17 +15378,17 @@
           <a:p>
             <a:r>
               <a:rPr lang="en-US"/>
-              <a:t>Trang 4</a:t>
+              <a:t>Trang 3</a:t>
             </a:r>
           </a:p>
         </p:txBody>
       </p:sp>
       <p:sp>
         <p:nvSpPr>
-          <p:cNvPr id="3" name="TextBox 2">
-            <a:extLst>
-              <a:ext uri="{FF2B5EF4-FFF2-40B4-BE49-F238E27FC236}">
-                <a16:creationId xmlns:a16="http://schemas.microsoft.com/office/drawing/2014/main" id="{56C3DF9C-2FEB-EE52-21A1-DBBB2454EA38}"/>
+          <p:cNvPr id="5" name="TextBox 4">
+            <a:extLst>
+              <a:ext uri="{FF2B5EF4-FFF2-40B4-BE49-F238E27FC236}">
+                <a16:creationId xmlns:a16="http://schemas.microsoft.com/office/drawing/2014/main" id="{93913787-9D97-A6A6-6383-7DEFA79067B4}"/>
               </a:ext>
             </a:extLst>
           </p:cNvPr>
@@ -16264,8 +15397,8 @@
         </p:nvSpPr>
         <p:spPr>
           <a:xfrm>
-            <a:off x="1000124" y="5592544"/>
-            <a:ext cx="7143752" cy="369332"/>
+            <a:off x="768803" y="1142643"/>
+            <a:ext cx="7968343" cy="4801314"/>
           </a:xfrm>
           <a:prstGeom prst="rect">
             <a:avLst/>
@@ -16278,48 +15411,201 @@
           </a:bodyPr>
           <a:lstStyle/>
           <a:p>
-            <a:pPr algn="just"/>
+            <a:r>
+              <a:rPr lang="en-US"/>
+              <a:t>Câu 1 …………………………………………………………………………………………………… 4</a:t>
+            </a:r>
+          </a:p>
+          <a:p>
+            <a:r>
+              <a:rPr lang="en-US"/>
+              <a:t>	</a:t>
+            </a:r>
             <a:r>
               <a:rPr lang="en-US" i="1"/>
-              <a:t>Tham khảo giải thuật Backtracking trong slide bài giảng lesson 05 </a:t>
+              <a:t>YC1.1 </a:t>
+            </a:r>
+            <a:r>
+              <a:rPr lang="en-US"/>
+              <a:t>…………………………………………………………………………………………… 6</a:t>
+            </a:r>
+          </a:p>
+          <a:p>
+            <a:r>
+              <a:rPr lang="en-US"/>
+              <a:t>	</a:t>
+            </a:r>
+            <a:r>
+              <a:rPr lang="en-US" i="1"/>
+              <a:t>YC1.2</a:t>
+            </a:r>
+            <a:r>
+              <a:rPr lang="en-US"/>
+              <a:t> …………………………………………………………………………………………… 7</a:t>
+            </a:r>
+          </a:p>
+          <a:p>
+            <a:r>
+              <a:rPr lang="en-US"/>
+              <a:t>Câu 2 …………………………………………………………………………………………………… 8</a:t>
+            </a:r>
+          </a:p>
+          <a:p>
+            <a:r>
+              <a:rPr lang="en-US"/>
+              <a:t>	</a:t>
+            </a:r>
+            <a:r>
+              <a:rPr lang="en-US" i="1"/>
+              <a:t>YC2.1</a:t>
+            </a:r>
+            <a:r>
+              <a:rPr lang="en-US"/>
+              <a:t> …………………………………………………………………………………………… 9</a:t>
+            </a:r>
+          </a:p>
+          <a:p>
+            <a:r>
+              <a:rPr lang="en-US"/>
+              <a:t>	</a:t>
+            </a:r>
+            <a:r>
+              <a:rPr lang="en-US" i="1"/>
+              <a:t>YC2.2</a:t>
+            </a:r>
+            <a:r>
+              <a:rPr lang="en-US"/>
+              <a:t> …………………………………………………………………………………………… 10</a:t>
+            </a:r>
+          </a:p>
+          <a:p>
+            <a:r>
+              <a:rPr lang="en-US"/>
+              <a:t>	</a:t>
+            </a:r>
+            <a:r>
+              <a:rPr lang="en-US" i="1"/>
+              <a:t>YC2.3</a:t>
+            </a:r>
+            <a:r>
+              <a:rPr lang="en-US"/>
+              <a:t> …………………………………………………………………………………………… 11</a:t>
+            </a:r>
+          </a:p>
+          <a:p>
+            <a:r>
+              <a:rPr lang="en-US"/>
+              <a:t>Câu 3 …………………………………………………………………………………………………… 12</a:t>
+            </a:r>
+          </a:p>
+          <a:p>
+            <a:r>
+              <a:rPr lang="en-US"/>
+              <a:t>	</a:t>
+            </a:r>
+            <a:r>
+              <a:rPr lang="en-US" i="1"/>
+              <a:t>YC3.1</a:t>
+            </a:r>
+            <a:r>
+              <a:rPr lang="en-US"/>
+              <a:t> …………………………………………………………………………………………… 13</a:t>
+            </a:r>
+          </a:p>
+          <a:p>
+            <a:r>
+              <a:rPr lang="en-US"/>
+              <a:t>	</a:t>
+            </a:r>
+            <a:r>
+              <a:rPr lang="en-US" i="1"/>
+              <a:t>YC3.2</a:t>
+            </a:r>
+            <a:r>
+              <a:rPr lang="en-US"/>
+              <a:t> …………………………………………………………………………………………… 14</a:t>
+            </a:r>
+          </a:p>
+          <a:p>
+            <a:r>
+              <a:rPr lang="en-US"/>
+              <a:t>Câu 4 …………………………………………………………………………………………………… 15</a:t>
+            </a:r>
+          </a:p>
+          <a:p>
+            <a:r>
+              <a:rPr lang="en-US"/>
+              <a:t>	</a:t>
+            </a:r>
+            <a:r>
+              <a:rPr lang="en-US" i="1"/>
+              <a:t>YC4.1</a:t>
+            </a:r>
+            <a:r>
+              <a:rPr lang="en-US"/>
+              <a:t> …………………………………………………………………………………………… 16</a:t>
+            </a:r>
+          </a:p>
+          <a:p>
+            <a:r>
+              <a:rPr lang="en-US"/>
+              <a:t>	</a:t>
+            </a:r>
+            <a:r>
+              <a:rPr lang="en-US" i="1"/>
+              <a:t>YC4.2</a:t>
+            </a:r>
+            <a:r>
+              <a:rPr lang="en-US"/>
+              <a:t> …………………………………………………………………………………………… 17</a:t>
+            </a:r>
+          </a:p>
+          <a:p>
+            <a:r>
+              <a:rPr lang="en-US"/>
+              <a:t>	</a:t>
+            </a:r>
+            <a:r>
+              <a:rPr lang="en-US" i="1"/>
+              <a:t>YC4.3</a:t>
+            </a:r>
+            <a:r>
+              <a:rPr lang="en-US"/>
+              <a:t> …………………………………………………………………………………………… 18</a:t>
+            </a:r>
+          </a:p>
+          <a:p>
+            <a:r>
+              <a:rPr lang="en-US"/>
+              <a:t>	</a:t>
+            </a:r>
+            <a:r>
+              <a:rPr lang="en-US" i="1"/>
+              <a:t>YC4.4</a:t>
+            </a:r>
+            <a:r>
+              <a:rPr lang="en-US"/>
+              <a:t> …………………………………………………………………………………………… 19</a:t>
+            </a:r>
+          </a:p>
+          <a:p>
+            <a:r>
+              <a:rPr lang="en-US"/>
+              <a:t>Tổng kết ………………………………………………………………………………………………. 20</a:t>
+            </a:r>
+          </a:p>
+          <a:p>
+            <a:r>
+              <a:rPr lang="en-US"/>
+              <a:t>Thuận lợi &amp; Khó khăn …………………………………………………………………………. 21 &amp; 22</a:t>
             </a:r>
           </a:p>
         </p:txBody>
       </p:sp>
-      <p:pic>
-        <p:nvPicPr>
-          <p:cNvPr id="8" name="Picture 7">
-            <a:extLst>
-              <a:ext uri="{FF2B5EF4-FFF2-40B4-BE49-F238E27FC236}">
-                <a16:creationId xmlns:a16="http://schemas.microsoft.com/office/drawing/2014/main" id="{FB5493A0-FBAC-3D16-A44C-F3D60FF25D59}"/>
-              </a:ext>
-            </a:extLst>
-          </p:cNvPr>
-          <p:cNvPicPr>
-            <a:picLocks noChangeAspect="1"/>
-          </p:cNvPicPr>
-          <p:nvPr/>
-        </p:nvPicPr>
-        <p:blipFill>
-          <a:blip r:embed="rId3"/>
-          <a:stretch>
-            <a:fillRect/>
-          </a:stretch>
-        </p:blipFill>
-        <p:spPr>
-          <a:xfrm>
-            <a:off x="155827" y="1219008"/>
-            <a:ext cx="8832345" cy="4419983"/>
-          </a:xfrm>
-          <a:prstGeom prst="rect">
-            <a:avLst/>
-          </a:prstGeom>
-        </p:spPr>
-      </p:pic>
     </p:spTree>
     <p:extLst>
       <p:ext uri="{BB962C8B-B14F-4D97-AF65-F5344CB8AC3E}">
-        <p14:creationId xmlns:p14="http://schemas.microsoft.com/office/powerpoint/2010/main" val="3271686320"/>
+        <p14:creationId xmlns:p14="http://schemas.microsoft.com/office/powerpoint/2010/main" val="1991231304"/>
       </p:ext>
     </p:extLst>
   </p:cSld>
@@ -16431,42 +15717,6 @@
           </a:fontRef>
         </p:style>
       </p:cxnSp>
-      <p:sp>
-        <p:nvSpPr>
-          <p:cNvPr id="14" name="TextBox 13">
-            <a:extLst>
-              <a:ext uri="{FF2B5EF4-FFF2-40B4-BE49-F238E27FC236}">
-                <a16:creationId xmlns:a16="http://schemas.microsoft.com/office/drawing/2014/main" id="{63B4AB36-B54A-EA5C-2A74-F2C80BE0CBC4}"/>
-              </a:ext>
-            </a:extLst>
-          </p:cNvPr>
-          <p:cNvSpPr txBox="1"/>
-          <p:nvPr/>
-        </p:nvSpPr>
-        <p:spPr>
-          <a:xfrm>
-            <a:off x="1390650" y="236792"/>
-            <a:ext cx="6362700" cy="369332"/>
-          </a:xfrm>
-          <a:prstGeom prst="rect">
-            <a:avLst/>
-          </a:prstGeom>
-          <a:noFill/>
-        </p:spPr>
-        <p:txBody>
-          <a:bodyPr wrap="square" rtlCol="0">
-            <a:spAutoFit/>
-          </a:bodyPr>
-          <a:lstStyle/>
-          <a:p>
-            <a:r>
-              <a:rPr lang="fr-FR" b="1"/>
-              <a:t>Câu 1 (2.0 điểm): Constraint Satisfaction</a:t>
-            </a:r>
-            <a:endParaRPr lang="en-US" b="1"/>
-          </a:p>
-        </p:txBody>
-      </p:sp>
       <p:cxnSp>
         <p:nvCxnSpPr>
           <p:cNvPr id="2" name="Straight Connector 1">
@@ -16535,17 +15785,17 @@
           <a:p>
             <a:r>
               <a:rPr lang="en-US"/>
-              <a:t>Trang 5</a:t>
+              <a:t>Trang 4</a:t>
             </a:r>
           </a:p>
         </p:txBody>
       </p:sp>
       <p:sp>
         <p:nvSpPr>
-          <p:cNvPr id="5" name="TextBox 4">
-            <a:extLst>
-              <a:ext uri="{FF2B5EF4-FFF2-40B4-BE49-F238E27FC236}">
-                <a16:creationId xmlns:a16="http://schemas.microsoft.com/office/drawing/2014/main" id="{2FD009FE-CA5C-D5A4-E99D-1E506F763D1C}"/>
+          <p:cNvPr id="3" name="TextBox 2">
+            <a:extLst>
+              <a:ext uri="{FF2B5EF4-FFF2-40B4-BE49-F238E27FC236}">
+                <a16:creationId xmlns:a16="http://schemas.microsoft.com/office/drawing/2014/main" id="{9117E4B9-8314-B9E3-8EFF-7D2C51624F1F}"/>
               </a:ext>
             </a:extLst>
           </p:cNvPr>
@@ -16554,8 +15804,8 @@
         </p:nvSpPr>
         <p:spPr>
           <a:xfrm>
-            <a:off x="304800" y="1228725"/>
-            <a:ext cx="5210175" cy="369332"/>
+            <a:off x="2092098" y="2875002"/>
+            <a:ext cx="4959804" cy="553998"/>
           </a:xfrm>
           <a:prstGeom prst="rect">
             <a:avLst/>
@@ -16569,141 +15819,17 @@
           <a:lstStyle/>
           <a:p>
             <a:r>
-              <a:rPr lang="en-US"/>
-              <a:t>YC1.1</a:t>
-            </a:r>
+              <a:rPr lang="fr-FR" sz="3000" b="1"/>
+              <a:t>Câu 1 - Constraint Satisfaction</a:t>
+            </a:r>
+            <a:endParaRPr lang="en-US" sz="3000" b="1"/>
           </a:p>
         </p:txBody>
       </p:sp>
-      <p:sp>
-        <p:nvSpPr>
-          <p:cNvPr id="9" name="TextBox 8">
-            <a:extLst>
-              <a:ext uri="{FF2B5EF4-FFF2-40B4-BE49-F238E27FC236}">
-                <a16:creationId xmlns:a16="http://schemas.microsoft.com/office/drawing/2014/main" id="{A5E499F2-A664-ED0F-A5F2-90D3F70E6A8F}"/>
-              </a:ext>
-            </a:extLst>
-          </p:cNvPr>
-          <p:cNvSpPr txBox="1"/>
-          <p:nvPr/>
-        </p:nvSpPr>
-        <p:spPr>
-          <a:xfrm>
-            <a:off x="942975" y="4229100"/>
-            <a:ext cx="7648575" cy="1754326"/>
-          </a:xfrm>
-          <a:prstGeom prst="rect">
-            <a:avLst/>
-          </a:prstGeom>
-          <a:noFill/>
-        </p:spPr>
-        <p:txBody>
-          <a:bodyPr wrap="square" rtlCol="0">
-            <a:spAutoFit/>
-          </a:bodyPr>
-          <a:lstStyle/>
-          <a:p>
-            <a:pPr marL="285750" indent="-285750">
-              <a:buFont typeface="Arial" panose="020B0604020202020204" pitchFamily="34" charset="0"/>
-              <a:buChar char="•"/>
-            </a:pPr>
-            <a:r>
-              <a:rPr lang="en-US"/>
-              <a:t>Khởi tạo bàn cờ 8x8 trống</a:t>
-            </a:r>
-          </a:p>
-          <a:p>
-            <a:pPr marL="285750" indent="-285750">
-              <a:buFont typeface="Arial" panose="020B0604020202020204" pitchFamily="34" charset="0"/>
-              <a:buChar char="•"/>
-            </a:pPr>
-            <a:r>
-              <a:rPr lang="en-US" b="1" i="1"/>
-              <a:t>solve() </a:t>
-            </a:r>
-            <a:r>
-              <a:rPr lang="en-US"/>
-              <a:t>sẽ gọi đệ quy backtracking(số cột sẽ tăng dần)</a:t>
-            </a:r>
-          </a:p>
-          <a:p>
-            <a:pPr marL="285750" indent="-285750">
-              <a:buFont typeface="Arial" panose="020B0604020202020204" pitchFamily="34" charset="0"/>
-              <a:buChar char="•"/>
-            </a:pPr>
-            <a:r>
-              <a:rPr lang="en-US" b="1" i="1"/>
-              <a:t>backtracking() </a:t>
-            </a:r>
-            <a:r>
-              <a:rPr lang="en-US"/>
-              <a:t>được đệ quy tối đa 8 lần để điền 8 quân hậu vào bàn cờ</a:t>
-            </a:r>
-          </a:p>
-          <a:p>
-            <a:pPr marL="285750" indent="-285750">
-              <a:buFont typeface="Arial" panose="020B0604020202020204" pitchFamily="34" charset="0"/>
-              <a:buChar char="•"/>
-            </a:pPr>
-            <a:r>
-              <a:rPr lang="en-US" b="1" i="1"/>
-              <a:t>isValid() </a:t>
-            </a:r>
-            <a:r>
-              <a:rPr lang="en-US"/>
-              <a:t>kiểm tra tính hợp lệ của quân hậu khi điền vào với trạng thái bàn cờ hiện tại</a:t>
-            </a:r>
-          </a:p>
-          <a:p>
-            <a:pPr marL="285750" indent="-285750">
-              <a:buFont typeface="Arial" panose="020B0604020202020204" pitchFamily="34" charset="0"/>
-              <a:buChar char="•"/>
-            </a:pPr>
-            <a:r>
-              <a:rPr lang="en-US" b="1" i="1"/>
-              <a:t>printBoard() </a:t>
-            </a:r>
-            <a:r>
-              <a:rPr lang="en-US"/>
-              <a:t>từ danh sách bàn cờ sẽ in ra cho người dung xem </a:t>
-            </a:r>
-          </a:p>
-        </p:txBody>
-      </p:sp>
-      <p:pic>
-        <p:nvPicPr>
-          <p:cNvPr id="12" name="Picture 11">
-            <a:extLst>
-              <a:ext uri="{FF2B5EF4-FFF2-40B4-BE49-F238E27FC236}">
-                <a16:creationId xmlns:a16="http://schemas.microsoft.com/office/drawing/2014/main" id="{17ED4067-F9EF-DC7E-1389-61F7BE8907E8}"/>
-              </a:ext>
-            </a:extLst>
-          </p:cNvPr>
-          <p:cNvPicPr>
-            <a:picLocks noChangeAspect="1"/>
-          </p:cNvPicPr>
-          <p:nvPr/>
-        </p:nvPicPr>
-        <p:blipFill>
-          <a:blip r:embed="rId3"/>
-          <a:stretch>
-            <a:fillRect/>
-          </a:stretch>
-        </p:blipFill>
-        <p:spPr>
-          <a:xfrm>
-            <a:off x="2602059" y="1319834"/>
-            <a:ext cx="3939881" cy="2781541"/>
-          </a:xfrm>
-          <a:prstGeom prst="rect">
-            <a:avLst/>
-          </a:prstGeom>
-        </p:spPr>
-      </p:pic>
     </p:spTree>
     <p:extLst>
       <p:ext uri="{BB962C8B-B14F-4D97-AF65-F5344CB8AC3E}">
-        <p14:creationId xmlns:p14="http://schemas.microsoft.com/office/powerpoint/2010/main" val="3060752393"/>
+        <p14:creationId xmlns:p14="http://schemas.microsoft.com/office/powerpoint/2010/main" val="4085430601"/>
       </p:ext>
     </p:extLst>
   </p:cSld>
@@ -16919,17 +16045,17 @@
           <a:p>
             <a:r>
               <a:rPr lang="en-US"/>
-              <a:t>Trang 6</a:t>
+              <a:t>Trang 5</a:t>
             </a:r>
           </a:p>
         </p:txBody>
       </p:sp>
       <p:sp>
         <p:nvSpPr>
-          <p:cNvPr id="5" name="TextBox 4">
-            <a:extLst>
-              <a:ext uri="{FF2B5EF4-FFF2-40B4-BE49-F238E27FC236}">
-                <a16:creationId xmlns:a16="http://schemas.microsoft.com/office/drawing/2014/main" id="{2FD009FE-CA5C-D5A4-E99D-1E506F763D1C}"/>
+          <p:cNvPr id="3" name="TextBox 2">
+            <a:extLst>
+              <a:ext uri="{FF2B5EF4-FFF2-40B4-BE49-F238E27FC236}">
+                <a16:creationId xmlns:a16="http://schemas.microsoft.com/office/drawing/2014/main" id="{56C3DF9C-2FEB-EE52-21A1-DBBB2454EA38}"/>
               </a:ext>
             </a:extLst>
           </p:cNvPr>
@@ -16938,8 +16064,8 @@
         </p:nvSpPr>
         <p:spPr>
           <a:xfrm>
-            <a:off x="304800" y="1228725"/>
-            <a:ext cx="5210175" cy="369332"/>
+            <a:off x="1000124" y="5592544"/>
+            <a:ext cx="7143752" cy="369332"/>
           </a:xfrm>
           <a:prstGeom prst="rect">
             <a:avLst/>
@@ -16952,114 +16078,20 @@
           </a:bodyPr>
           <a:lstStyle/>
           <a:p>
-            <a:r>
-              <a:rPr lang="en-US"/>
-              <a:t>YC1.2</a:t>
-            </a:r>
-          </a:p>
-        </p:txBody>
-      </p:sp>
-      <p:sp>
-        <p:nvSpPr>
-          <p:cNvPr id="9" name="TextBox 8">
-            <a:extLst>
-              <a:ext uri="{FF2B5EF4-FFF2-40B4-BE49-F238E27FC236}">
-                <a16:creationId xmlns:a16="http://schemas.microsoft.com/office/drawing/2014/main" id="{A5E499F2-A664-ED0F-A5F2-90D3F70E6A8F}"/>
-              </a:ext>
-            </a:extLst>
-          </p:cNvPr>
-          <p:cNvSpPr txBox="1"/>
-          <p:nvPr/>
-        </p:nvSpPr>
-        <p:spPr>
-          <a:xfrm>
-            <a:off x="942975" y="4229100"/>
-            <a:ext cx="7648575" cy="1754326"/>
-          </a:xfrm>
-          <a:prstGeom prst="rect">
-            <a:avLst/>
-          </a:prstGeom>
-          <a:noFill/>
-        </p:spPr>
-        <p:txBody>
-          <a:bodyPr wrap="square" rtlCol="0">
-            <a:spAutoFit/>
-          </a:bodyPr>
-          <a:lstStyle/>
-          <a:p>
-            <a:pPr marL="285750" indent="-285750">
-              <a:buFont typeface="Arial" panose="020B0604020202020204" pitchFamily="34" charset="0"/>
-              <a:buChar char="•"/>
-            </a:pPr>
-            <a:r>
-              <a:rPr lang="en-US"/>
-              <a:t>Khởi tạo bàn cờ với NxN ô trống</a:t>
-            </a:r>
-          </a:p>
-          <a:p>
-            <a:pPr marL="285750" indent="-285750">
-              <a:buFont typeface="Arial" panose="020B0604020202020204" pitchFamily="34" charset="0"/>
-              <a:buChar char="•"/>
-            </a:pPr>
-            <a:r>
-              <a:rPr lang="en-US" b="1" i="1"/>
-              <a:t>solve() </a:t>
-            </a:r>
-            <a:r>
-              <a:rPr lang="en-US"/>
-              <a:t>sẽ gọi đệ quy backtracking(số cột sẽ tăng dần)</a:t>
-            </a:r>
-          </a:p>
-          <a:p>
-            <a:pPr marL="285750" indent="-285750">
-              <a:buFont typeface="Arial" panose="020B0604020202020204" pitchFamily="34" charset="0"/>
-              <a:buChar char="•"/>
-            </a:pPr>
-            <a:r>
-              <a:rPr lang="en-US" b="1" i="1"/>
-              <a:t>backtracking() </a:t>
-            </a:r>
-            <a:r>
-              <a:rPr lang="en-US"/>
-              <a:t>được đệ quy tối đa 8 lần để điền 8 quân hậu vào bàn cờ</a:t>
-            </a:r>
-          </a:p>
-          <a:p>
-            <a:pPr marL="285750" indent="-285750">
-              <a:buFont typeface="Arial" panose="020B0604020202020204" pitchFamily="34" charset="0"/>
-              <a:buChar char="•"/>
-            </a:pPr>
-            <a:r>
-              <a:rPr lang="en-US" b="1" i="1"/>
-              <a:t>isValid() </a:t>
-            </a:r>
-            <a:r>
-              <a:rPr lang="en-US"/>
-              <a:t>kiểm tra tính hợp lệ của quân hậu khi điền vào với trạng thái bàn cờ hiện tại</a:t>
-            </a:r>
-          </a:p>
-          <a:p>
-            <a:pPr marL="285750" indent="-285750">
-              <a:buFont typeface="Arial" panose="020B0604020202020204" pitchFamily="34" charset="0"/>
-              <a:buChar char="•"/>
-            </a:pPr>
-            <a:r>
-              <a:rPr lang="en-US" b="1" i="1"/>
-              <a:t>printBoard() </a:t>
-            </a:r>
-            <a:r>
-              <a:rPr lang="en-US"/>
-              <a:t>từ danh sách bàn cờ sẽ in ra cho người dung xem </a:t>
+            <a:pPr algn="just"/>
+            <a:r>
+              <a:rPr lang="en-US" i="1"/>
+              <a:t>Tham khảo giải thuật Backtracking trong slide bài giảng lesson 05 </a:t>
             </a:r>
           </a:p>
         </p:txBody>
       </p:sp>
       <p:pic>
         <p:nvPicPr>
-          <p:cNvPr id="6" name="Picture 5">
-            <a:extLst>
-              <a:ext uri="{FF2B5EF4-FFF2-40B4-BE49-F238E27FC236}">
-                <a16:creationId xmlns:a16="http://schemas.microsoft.com/office/drawing/2014/main" id="{8AB3465A-8B43-46A1-2F2F-08B9C1204176}"/>
+          <p:cNvPr id="8" name="Picture 7">
+            <a:extLst>
+              <a:ext uri="{FF2B5EF4-FFF2-40B4-BE49-F238E27FC236}">
+                <a16:creationId xmlns:a16="http://schemas.microsoft.com/office/drawing/2014/main" id="{FB5493A0-FBAC-3D16-A44C-F3D60FF25D59}"/>
               </a:ext>
             </a:extLst>
           </p:cNvPr>
@@ -17076,8 +16108,8 @@
         </p:blipFill>
         <p:spPr>
           <a:xfrm>
-            <a:off x="2670645" y="1228725"/>
-            <a:ext cx="3802710" cy="2926334"/>
+            <a:off x="155827" y="1219008"/>
+            <a:ext cx="8832345" cy="4419983"/>
           </a:xfrm>
           <a:prstGeom prst="rect">
             <a:avLst/>
@@ -17087,7 +16119,7 @@
     </p:spTree>
     <p:extLst>
       <p:ext uri="{BB962C8B-B14F-4D97-AF65-F5344CB8AC3E}">
-        <p14:creationId xmlns:p14="http://schemas.microsoft.com/office/powerpoint/2010/main" val="702601999"/>
+        <p14:creationId xmlns:p14="http://schemas.microsoft.com/office/powerpoint/2010/main" val="3271686320"/>
       </p:ext>
     </p:extLst>
   </p:cSld>
@@ -17235,363 +16267,12 @@
           </a:p>
         </p:txBody>
       </p:sp>
-      <p:graphicFrame>
-        <p:nvGraphicFramePr>
-          <p:cNvPr id="3" name="Table 16">
-            <a:extLst>
-              <a:ext uri="{FF2B5EF4-FFF2-40B4-BE49-F238E27FC236}">
-                <a16:creationId xmlns:a16="http://schemas.microsoft.com/office/drawing/2014/main" id="{5E8325E1-BDCF-5783-E97F-C770E7E58F6D}"/>
-              </a:ext>
-            </a:extLst>
-          </p:cNvPr>
-          <p:cNvGraphicFramePr>
-            <a:graphicFrameLocks noGrp="1"/>
-          </p:cNvGraphicFramePr>
-          <p:nvPr>
-            <p:extLst>
-              <p:ext uri="{D42A27DB-BD31-4B8C-83A1-F6EECF244321}">
-                <p14:modId xmlns:p14="http://schemas.microsoft.com/office/powerpoint/2010/main" val="2236601321"/>
-              </p:ext>
-            </p:extLst>
-          </p:nvPr>
-        </p:nvGraphicFramePr>
-        <p:xfrm>
-          <a:off x="1850248" y="1815894"/>
-          <a:ext cx="5443503" cy="1483360"/>
-        </p:xfrm>
-        <a:graphic>
-          <a:graphicData uri="http://schemas.openxmlformats.org/drawingml/2006/table">
-            <a:tbl>
-              <a:tblPr firstRow="1" bandRow="1">
-                <a:tableStyleId>{F5AB1C69-6EDB-4FF4-983F-18BD219EF322}</a:tableStyleId>
-              </a:tblPr>
-              <a:tblGrid>
-                <a:gridCol w="1662078">
-                  <a:extLst>
-                    <a:ext uri="{9D8B030D-6E8A-4147-A177-3AD203B41FA5}">
-                      <a16:colId xmlns:a16="http://schemas.microsoft.com/office/drawing/2014/main" val="3939429785"/>
-                    </a:ext>
-                  </a:extLst>
-                </a:gridCol>
-                <a:gridCol w="1514475">
-                  <a:extLst>
-                    <a:ext uri="{9D8B030D-6E8A-4147-A177-3AD203B41FA5}">
-                      <a16:colId xmlns:a16="http://schemas.microsoft.com/office/drawing/2014/main" val="1738762872"/>
-                    </a:ext>
-                  </a:extLst>
-                </a:gridCol>
-                <a:gridCol w="2266950">
-                  <a:extLst>
-                    <a:ext uri="{9D8B030D-6E8A-4147-A177-3AD203B41FA5}">
-                      <a16:colId xmlns:a16="http://schemas.microsoft.com/office/drawing/2014/main" val="3821170340"/>
-                    </a:ext>
-                  </a:extLst>
-                </a:gridCol>
-              </a:tblGrid>
-              <a:tr h="370840">
-                <a:tc>
-                  <a:txBody>
-                    <a:bodyPr/>
-                    <a:lstStyle/>
-                    <a:p>
-                      <a:pPr algn="ctr"/>
-                      <a:r>
-                        <a:rPr lang="en-US">
-                          <a:latin typeface="Times New Roman" panose="02020603050405020304" pitchFamily="18" charset="0"/>
-                          <a:cs typeface="Times New Roman" panose="02020603050405020304" pitchFamily="18" charset="0"/>
-                        </a:rPr>
-                        <a:t>Tiêu chí</a:t>
-                      </a:r>
-                    </a:p>
-                  </a:txBody>
-                  <a:tcPr/>
-                </a:tc>
-                <a:tc>
-                  <a:txBody>
-                    <a:bodyPr/>
-                    <a:lstStyle/>
-                    <a:p>
-                      <a:pPr algn="ctr"/>
-                      <a:r>
-                        <a:rPr lang="en-US">
-                          <a:latin typeface="Times New Roman" panose="02020603050405020304" pitchFamily="18" charset="0"/>
-                          <a:cs typeface="Times New Roman" panose="02020603050405020304" pitchFamily="18" charset="0"/>
-                        </a:rPr>
-                        <a:t>Điểm</a:t>
-                      </a:r>
-                    </a:p>
-                  </a:txBody>
-                  <a:tcPr/>
-                </a:tc>
-                <a:tc>
-                  <a:txBody>
-                    <a:bodyPr/>
-                    <a:lstStyle/>
-                    <a:p>
-                      <a:pPr algn="ctr"/>
-                      <a:r>
-                        <a:rPr lang="en-US">
-                          <a:latin typeface="Times New Roman" panose="02020603050405020304" pitchFamily="18" charset="0"/>
-                          <a:cs typeface="Times New Roman" panose="02020603050405020304" pitchFamily="18" charset="0"/>
-                        </a:rPr>
-                        <a:t>Đánh giá</a:t>
-                      </a:r>
-                    </a:p>
-                  </a:txBody>
-                  <a:tcPr/>
-                </a:tc>
-                <a:extLst>
-                  <a:ext uri="{0D108BD9-81ED-4DB2-BD59-A6C34878D82A}">
-                    <a16:rowId xmlns:a16="http://schemas.microsoft.com/office/drawing/2014/main" val="2071844936"/>
-                  </a:ext>
-                </a:extLst>
-              </a:tr>
-              <a:tr h="370840">
-                <a:tc>
-                  <a:txBody>
-                    <a:bodyPr/>
-                    <a:lstStyle/>
-                    <a:p>
-                      <a:pPr algn="ctr"/>
-                      <a:r>
-                        <a:rPr lang="en-US">
-                          <a:latin typeface="Times New Roman" panose="02020603050405020304" pitchFamily="18" charset="0"/>
-                          <a:cs typeface="Times New Roman" panose="02020603050405020304" pitchFamily="18" charset="0"/>
-                        </a:rPr>
-                        <a:t>YC1-1</a:t>
-                      </a:r>
-                    </a:p>
-                  </a:txBody>
-                  <a:tcPr/>
-                </a:tc>
-                <a:tc>
-                  <a:txBody>
-                    <a:bodyPr/>
-                    <a:lstStyle/>
-                    <a:p>
-                      <a:pPr algn="ctr"/>
-                      <a:r>
-                        <a:rPr lang="en-US">
-                          <a:latin typeface="Times New Roman" panose="02020603050405020304" pitchFamily="18" charset="0"/>
-                          <a:cs typeface="Times New Roman" panose="02020603050405020304" pitchFamily="18" charset="0"/>
-                        </a:rPr>
-                        <a:t>---</a:t>
-                      </a:r>
-                    </a:p>
-                  </a:txBody>
-                  <a:tcPr/>
-                </a:tc>
-                <a:tc>
-                  <a:txBody>
-                    <a:bodyPr/>
-                    <a:lstStyle/>
-                    <a:p>
-                      <a:pPr algn="ctr"/>
-                      <a:r>
-                        <a:rPr lang="en-US">
-                          <a:latin typeface="Times New Roman" panose="02020603050405020304" pitchFamily="18" charset="0"/>
-                          <a:cs typeface="Times New Roman" panose="02020603050405020304" pitchFamily="18" charset="0"/>
-                        </a:rPr>
-                        <a:t>Hoàn thành</a:t>
-                      </a:r>
-                    </a:p>
-                  </a:txBody>
-                  <a:tcPr/>
-                </a:tc>
-                <a:extLst>
-                  <a:ext uri="{0D108BD9-81ED-4DB2-BD59-A6C34878D82A}">
-                    <a16:rowId xmlns:a16="http://schemas.microsoft.com/office/drawing/2014/main" val="583184748"/>
-                  </a:ext>
-                </a:extLst>
-              </a:tr>
-              <a:tr h="370840">
-                <a:tc>
-                  <a:txBody>
-                    <a:bodyPr/>
-                    <a:lstStyle/>
-                    <a:p>
-                      <a:pPr algn="ctr"/>
-                      <a:r>
-                        <a:rPr lang="en-US">
-                          <a:latin typeface="Times New Roman" panose="02020603050405020304" pitchFamily="18" charset="0"/>
-                          <a:cs typeface="Times New Roman" panose="02020603050405020304" pitchFamily="18" charset="0"/>
-                        </a:rPr>
-                        <a:t>YC1-2</a:t>
-                      </a:r>
-                    </a:p>
-                  </a:txBody>
-                  <a:tcPr/>
-                </a:tc>
-                <a:tc>
-                  <a:txBody>
-                    <a:bodyPr/>
-                    <a:lstStyle/>
-                    <a:p>
-                      <a:pPr algn="ctr"/>
-                      <a:r>
-                        <a:rPr lang="en-US">
-                          <a:latin typeface="Times New Roman" panose="02020603050405020304" pitchFamily="18" charset="0"/>
-                          <a:cs typeface="Times New Roman" panose="02020603050405020304" pitchFamily="18" charset="0"/>
-                        </a:rPr>
-                        <a:t>---</a:t>
-                      </a:r>
-                    </a:p>
-                  </a:txBody>
-                  <a:tcPr/>
-                </a:tc>
-                <a:tc>
-                  <a:txBody>
-                    <a:bodyPr/>
-                    <a:lstStyle/>
-                    <a:p>
-                      <a:pPr algn="ctr"/>
-                      <a:r>
-                        <a:rPr lang="en-US">
-                          <a:latin typeface="Times New Roman" panose="02020603050405020304" pitchFamily="18" charset="0"/>
-                          <a:cs typeface="Times New Roman" panose="02020603050405020304" pitchFamily="18" charset="0"/>
-                        </a:rPr>
-                        <a:t>Hoàn thành</a:t>
-                      </a:r>
-                    </a:p>
-                  </a:txBody>
-                  <a:tcPr/>
-                </a:tc>
-                <a:extLst>
-                  <a:ext uri="{0D108BD9-81ED-4DB2-BD59-A6C34878D82A}">
-                    <a16:rowId xmlns:a16="http://schemas.microsoft.com/office/drawing/2014/main" val="3755525977"/>
-                  </a:ext>
-                </a:extLst>
-              </a:tr>
-              <a:tr h="370840">
-                <a:tc gridSpan="2">
-                  <a:txBody>
-                    <a:bodyPr/>
-                    <a:lstStyle/>
-                    <a:p>
-                      <a:pPr algn="ctr"/>
-                      <a:r>
-                        <a:rPr lang="en-US">
-                          <a:latin typeface="Times New Roman" panose="02020603050405020304" pitchFamily="18" charset="0"/>
-                          <a:cs typeface="Times New Roman" panose="02020603050405020304" pitchFamily="18" charset="0"/>
-                        </a:rPr>
-                        <a:t>Tổng điểm đánh giá</a:t>
-                      </a:r>
-                    </a:p>
-                  </a:txBody>
-                  <a:tcPr/>
-                </a:tc>
-                <a:tc hMerge="1">
-                  <a:txBody>
-                    <a:bodyPr/>
-                    <a:lstStyle/>
-                    <a:p>
-                      <a:pPr algn="ctr"/>
-                      <a:endParaRPr lang="en-US">
-                        <a:latin typeface="Times New Roman" panose="02020603050405020304" pitchFamily="18" charset="0"/>
-                        <a:cs typeface="Times New Roman" panose="02020603050405020304" pitchFamily="18" charset="0"/>
-                      </a:endParaRPr>
-                    </a:p>
-                  </a:txBody>
-                  <a:tcPr/>
-                </a:tc>
-                <a:tc>
-                  <a:txBody>
-                    <a:bodyPr/>
-                    <a:lstStyle/>
-                    <a:p>
-                      <a:pPr algn="ctr"/>
-                      <a:r>
-                        <a:rPr lang="en-US">
-                          <a:latin typeface="Times New Roman" panose="02020603050405020304" pitchFamily="18" charset="0"/>
-                          <a:cs typeface="Times New Roman" panose="02020603050405020304" pitchFamily="18" charset="0"/>
-                        </a:rPr>
-                        <a:t>2 điểm</a:t>
-                      </a:r>
-                    </a:p>
-                  </a:txBody>
-                  <a:tcPr/>
-                </a:tc>
-                <a:extLst>
-                  <a:ext uri="{0D108BD9-81ED-4DB2-BD59-A6C34878D82A}">
-                    <a16:rowId xmlns:a16="http://schemas.microsoft.com/office/drawing/2014/main" val="2170097690"/>
-                  </a:ext>
-                </a:extLst>
-              </a:tr>
-            </a:tbl>
-          </a:graphicData>
-        </a:graphic>
-      </p:graphicFrame>
-      <p:sp>
-        <p:nvSpPr>
-          <p:cNvPr id="4" name="TextBox 3">
-            <a:extLst>
-              <a:ext uri="{FF2B5EF4-FFF2-40B4-BE49-F238E27FC236}">
-                <a16:creationId xmlns:a16="http://schemas.microsoft.com/office/drawing/2014/main" id="{459EF129-6740-B341-7BC7-05D580180742}"/>
-              </a:ext>
-            </a:extLst>
-          </p:cNvPr>
-          <p:cNvSpPr txBox="1"/>
-          <p:nvPr/>
-        </p:nvSpPr>
-        <p:spPr>
-          <a:xfrm>
-            <a:off x="76200" y="1089327"/>
-            <a:ext cx="2159566" cy="369332"/>
-          </a:xfrm>
-          <a:prstGeom prst="rect">
-            <a:avLst/>
-          </a:prstGeom>
-          <a:noFill/>
-        </p:spPr>
-        <p:txBody>
-          <a:bodyPr wrap="none" rtlCol="0">
-            <a:spAutoFit/>
-          </a:bodyPr>
-          <a:lstStyle/>
-          <a:p>
-            <a:pPr marL="0" marR="0" lvl="0" indent="0" algn="l" defTabSz="457200" rtl="0" eaLnBrk="1" fontAlgn="auto" latinLnBrk="0" hangingPunct="1">
-              <a:lnSpc>
-                <a:spcPct val="100000"/>
-              </a:lnSpc>
-              <a:spcBef>
-                <a:spcPts val="0"/>
-              </a:spcBef>
-              <a:spcAft>
-                <a:spcPts val="0"/>
-              </a:spcAft>
-              <a:buClrTx/>
-              <a:buSzTx/>
-              <a:buFontTx/>
-              <a:buNone/>
-              <a:tabLst/>
-              <a:defRPr/>
-            </a:pPr>
-            <a:r>
-              <a:rPr kumimoji="0" lang="en-US" sz="1800" b="0" i="1" u="none" strike="noStrike" kern="1200" cap="none" spc="0" normalizeH="0" baseline="0" noProof="0">
-                <a:ln>
-                  <a:noFill/>
-                </a:ln>
-                <a:solidFill>
-                  <a:prstClr val="black"/>
-                </a:solidFill>
-                <a:effectLst/>
-                <a:uLnTx/>
-                <a:uFillTx/>
-                <a:latin typeface="Calibri" panose="020F0502020204030204"/>
-                <a:ea typeface="+mn-ea"/>
-                <a:cs typeface="+mn-cs"/>
-              </a:rPr>
-              <a:t>Đánh giá hoàn thành</a:t>
-            </a:r>
-          </a:p>
-        </p:txBody>
-      </p:sp>
       <p:cxnSp>
         <p:nvCxnSpPr>
           <p:cNvPr id="2" name="Straight Connector 1">
             <a:extLst>
               <a:ext uri="{FF2B5EF4-FFF2-40B4-BE49-F238E27FC236}">
-                <a16:creationId xmlns:a16="http://schemas.microsoft.com/office/drawing/2014/main" id="{7C8A4417-1481-B1E7-23CC-E5C9CAD25F2C}"/>
+                <a16:creationId xmlns:a16="http://schemas.microsoft.com/office/drawing/2014/main" id="{AF3ADEA5-03F2-7E56-B6E6-8B6970A896CF}"/>
               </a:ext>
             </a:extLst>
           </p:cNvPr>
@@ -17626,10 +16307,10 @@
       </p:cxnSp>
       <p:sp>
         <p:nvSpPr>
-          <p:cNvPr id="6" name="TextBox 5">
-            <a:extLst>
-              <a:ext uri="{FF2B5EF4-FFF2-40B4-BE49-F238E27FC236}">
-                <a16:creationId xmlns:a16="http://schemas.microsoft.com/office/drawing/2014/main" id="{F6D86575-6F62-E86B-CB8C-67FDEFFD30D6}"/>
+          <p:cNvPr id="4" name="TextBox 3">
+            <a:extLst>
+              <a:ext uri="{FF2B5EF4-FFF2-40B4-BE49-F238E27FC236}">
+                <a16:creationId xmlns:a16="http://schemas.microsoft.com/office/drawing/2014/main" id="{11342279-3B1B-9555-FD5C-CA3839B3D029}"/>
               </a:ext>
             </a:extLst>
           </p:cNvPr>
@@ -17652,47 +16333,177 @@
           </a:bodyPr>
           <a:lstStyle/>
           <a:p>
-            <a:pPr marL="0" marR="0" lvl="0" indent="0" algn="l" defTabSz="457200" rtl="0" eaLnBrk="1" fontAlgn="auto" latinLnBrk="0" hangingPunct="1">
-              <a:lnSpc>
-                <a:spcPct val="100000"/>
-              </a:lnSpc>
-              <a:spcBef>
-                <a:spcPts val="0"/>
-              </a:spcBef>
-              <a:spcAft>
-                <a:spcPts val="0"/>
-              </a:spcAft>
-              <a:buClrTx/>
-              <a:buSzTx/>
-              <a:buFontTx/>
-              <a:buNone/>
-              <a:tabLst/>
-              <a:defRPr/>
-            </a:pPr>
-            <a:r>
-              <a:rPr kumimoji="0" lang="en-US" sz="1800" b="0" i="0" u="none" strike="noStrike" kern="1200" cap="none" spc="0" normalizeH="0" baseline="0" noProof="0">
-                <a:ln>
-                  <a:noFill/>
-                </a:ln>
-                <a:solidFill>
-                  <a:prstClr val="black"/>
-                </a:solidFill>
-                <a:effectLst/>
-                <a:uLnTx/>
-                <a:uFillTx/>
-                <a:latin typeface="Calibri" panose="020F0502020204030204"/>
-                <a:ea typeface="+mn-ea"/>
-                <a:cs typeface="+mn-cs"/>
-              </a:rPr>
-              <a:t>Trang 7</a:t>
+            <a:r>
+              <a:rPr lang="en-US"/>
+              <a:t>Trang 6</a:t>
             </a:r>
           </a:p>
         </p:txBody>
       </p:sp>
+      <p:sp>
+        <p:nvSpPr>
+          <p:cNvPr id="5" name="TextBox 4">
+            <a:extLst>
+              <a:ext uri="{FF2B5EF4-FFF2-40B4-BE49-F238E27FC236}">
+                <a16:creationId xmlns:a16="http://schemas.microsoft.com/office/drawing/2014/main" id="{2FD009FE-CA5C-D5A4-E99D-1E506F763D1C}"/>
+              </a:ext>
+            </a:extLst>
+          </p:cNvPr>
+          <p:cNvSpPr txBox="1"/>
+          <p:nvPr/>
+        </p:nvSpPr>
+        <p:spPr>
+          <a:xfrm>
+            <a:off x="304800" y="1228725"/>
+            <a:ext cx="5210175" cy="369332"/>
+          </a:xfrm>
+          <a:prstGeom prst="rect">
+            <a:avLst/>
+          </a:prstGeom>
+          <a:noFill/>
+        </p:spPr>
+        <p:txBody>
+          <a:bodyPr wrap="square" rtlCol="0">
+            <a:spAutoFit/>
+          </a:bodyPr>
+          <a:lstStyle/>
+          <a:p>
+            <a:r>
+              <a:rPr lang="en-US"/>
+              <a:t>YC1.1</a:t>
+            </a:r>
+          </a:p>
+        </p:txBody>
+      </p:sp>
+      <p:sp>
+        <p:nvSpPr>
+          <p:cNvPr id="9" name="TextBox 8">
+            <a:extLst>
+              <a:ext uri="{FF2B5EF4-FFF2-40B4-BE49-F238E27FC236}">
+                <a16:creationId xmlns:a16="http://schemas.microsoft.com/office/drawing/2014/main" id="{A5E499F2-A664-ED0F-A5F2-90D3F70E6A8F}"/>
+              </a:ext>
+            </a:extLst>
+          </p:cNvPr>
+          <p:cNvSpPr txBox="1"/>
+          <p:nvPr/>
+        </p:nvSpPr>
+        <p:spPr>
+          <a:xfrm>
+            <a:off x="942975" y="4229100"/>
+            <a:ext cx="7648575" cy="1754326"/>
+          </a:xfrm>
+          <a:prstGeom prst="rect">
+            <a:avLst/>
+          </a:prstGeom>
+          <a:noFill/>
+        </p:spPr>
+        <p:txBody>
+          <a:bodyPr wrap="square" rtlCol="0">
+            <a:spAutoFit/>
+          </a:bodyPr>
+          <a:lstStyle/>
+          <a:p>
+            <a:pPr marL="285750" indent="-285750">
+              <a:buFont typeface="Arial" panose="020B0604020202020204" pitchFamily="34" charset="0"/>
+              <a:buChar char="•"/>
+            </a:pPr>
+            <a:r>
+              <a:rPr lang="en-US"/>
+              <a:t>Khởi tạo bàn cờ 8x8 trống</a:t>
+            </a:r>
+          </a:p>
+          <a:p>
+            <a:pPr marL="285750" indent="-285750">
+              <a:buFont typeface="Arial" panose="020B0604020202020204" pitchFamily="34" charset="0"/>
+              <a:buChar char="•"/>
+            </a:pPr>
+            <a:r>
+              <a:rPr lang="en-US" b="1" i="1"/>
+              <a:t>solve() </a:t>
+            </a:r>
+            <a:r>
+              <a:rPr lang="en-US"/>
+              <a:t>sẽ gọi đệ quy backtracking(số cột sẽ tăng dần)</a:t>
+            </a:r>
+          </a:p>
+          <a:p>
+            <a:pPr marL="285750" indent="-285750">
+              <a:buFont typeface="Arial" panose="020B0604020202020204" pitchFamily="34" charset="0"/>
+              <a:buChar char="•"/>
+            </a:pPr>
+            <a:r>
+              <a:rPr lang="en-US" b="1" i="1"/>
+              <a:t>backtracking() </a:t>
+            </a:r>
+            <a:r>
+              <a:rPr lang="en-US"/>
+              <a:t>được đệ quy tối đa 8 lần để điền 8 quân hậu vào bàn cờ</a:t>
+            </a:r>
+          </a:p>
+          <a:p>
+            <a:pPr marL="285750" indent="-285750">
+              <a:buFont typeface="Arial" panose="020B0604020202020204" pitchFamily="34" charset="0"/>
+              <a:buChar char="•"/>
+            </a:pPr>
+            <a:r>
+              <a:rPr lang="en-US" b="1" i="1"/>
+              <a:t>isValid() </a:t>
+            </a:r>
+            <a:r>
+              <a:rPr lang="en-US"/>
+              <a:t>kiểm tra tính hợp lệ của quân hậu khi điền vào với trạng thái bàn cờ hiện tại</a:t>
+            </a:r>
+          </a:p>
+          <a:p>
+            <a:pPr marL="285750" indent="-285750">
+              <a:buFont typeface="Arial" panose="020B0604020202020204" pitchFamily="34" charset="0"/>
+              <a:buChar char="•"/>
+            </a:pPr>
+            <a:r>
+              <a:rPr lang="en-US" b="1" i="1"/>
+              <a:t>printBoard() </a:t>
+            </a:r>
+            <a:r>
+              <a:rPr lang="en-US"/>
+              <a:t>từ danh sách bàn cờ sẽ in ra cho người dung xem </a:t>
+            </a:r>
+          </a:p>
+        </p:txBody>
+      </p:sp>
+      <p:pic>
+        <p:nvPicPr>
+          <p:cNvPr id="12" name="Picture 11">
+            <a:extLst>
+              <a:ext uri="{FF2B5EF4-FFF2-40B4-BE49-F238E27FC236}">
+                <a16:creationId xmlns:a16="http://schemas.microsoft.com/office/drawing/2014/main" id="{17ED4067-F9EF-DC7E-1389-61F7BE8907E8}"/>
+              </a:ext>
+            </a:extLst>
+          </p:cNvPr>
+          <p:cNvPicPr>
+            <a:picLocks noChangeAspect="1"/>
+          </p:cNvPicPr>
+          <p:nvPr/>
+        </p:nvPicPr>
+        <p:blipFill>
+          <a:blip r:embed="rId3"/>
+          <a:stretch>
+            <a:fillRect/>
+          </a:stretch>
+        </p:blipFill>
+        <p:spPr>
+          <a:xfrm>
+            <a:off x="2602059" y="1319834"/>
+            <a:ext cx="3939881" cy="2781541"/>
+          </a:xfrm>
+          <a:prstGeom prst="rect">
+            <a:avLst/>
+          </a:prstGeom>
+        </p:spPr>
+      </p:pic>
     </p:spTree>
     <p:extLst>
       <p:ext uri="{BB962C8B-B14F-4D97-AF65-F5344CB8AC3E}">
-        <p14:creationId xmlns:p14="http://schemas.microsoft.com/office/powerpoint/2010/main" val="3245475923"/>
+        <p14:creationId xmlns:p14="http://schemas.microsoft.com/office/powerpoint/2010/main" val="3060752393"/>
       </p:ext>
     </p:extLst>
   </p:cSld>
@@ -17834,7 +16645,7 @@
           <a:p>
             <a:r>
               <a:rPr lang="fr-FR" b="1"/>
-              <a:t>Câu 2 (2.0 điểm): Adversarial Search</a:t>
+              <a:t>Câu 1 (2.0 điểm): Constraint Satisfaction</a:t>
             </a:r>
             <a:endParaRPr lang="en-US" b="1"/>
           </a:p>
@@ -17908,7 +16719,7 @@
           <a:p>
             <a:r>
               <a:rPr lang="en-US"/>
-              <a:t>Trang 8</a:t>
+              <a:t>Trang 7</a:t>
             </a:r>
           </a:p>
         </p:txBody>
@@ -17943,17 +16754,17 @@
           <a:p>
             <a:r>
               <a:rPr lang="en-US"/>
-              <a:t>YC2.1</a:t>
+              <a:t>YC1.2</a:t>
             </a:r>
           </a:p>
         </p:txBody>
       </p:sp>
       <p:sp>
         <p:nvSpPr>
-          <p:cNvPr id="3" name="TextBox 2">
-            <a:extLst>
-              <a:ext uri="{FF2B5EF4-FFF2-40B4-BE49-F238E27FC236}">
-                <a16:creationId xmlns:a16="http://schemas.microsoft.com/office/drawing/2014/main" id="{99E5E634-12BA-9584-7604-34E90EF91282}"/>
+          <p:cNvPr id="9" name="TextBox 8">
+            <a:extLst>
+              <a:ext uri="{FF2B5EF4-FFF2-40B4-BE49-F238E27FC236}">
+                <a16:creationId xmlns:a16="http://schemas.microsoft.com/office/drawing/2014/main" id="{A5E499F2-A664-ED0F-A5F2-90D3F70E6A8F}"/>
               </a:ext>
             </a:extLst>
           </p:cNvPr>
@@ -17962,8 +16773,8 @@
         </p:nvSpPr>
         <p:spPr>
           <a:xfrm>
-            <a:off x="700819" y="1748583"/>
-            <a:ext cx="7742361" cy="3293209"/>
+            <a:off x="942975" y="4229100"/>
+            <a:ext cx="7648575" cy="1754326"/>
           </a:xfrm>
           <a:prstGeom prst="rect">
             <a:avLst/>
@@ -17976,158 +16787,107 @@
           </a:bodyPr>
           <a:lstStyle/>
           <a:p>
-            <a:pPr algn="just">
-              <a:buFont typeface="+mj-lt"/>
-              <a:buAutoNum type="arabicPeriod"/>
+            <a:pPr marL="285750" indent="-285750">
+              <a:buFont typeface="Arial" panose="020B0604020202020204" pitchFamily="34" charset="0"/>
+              <a:buChar char="•"/>
             </a:pPr>
             <a:r>
-              <a:rPr lang="vi-VN" sz="1300" b="0" i="0">
-                <a:effectLst/>
-                <a:latin typeface="Consolas" panose="020B0609020204030204" pitchFamily="49" charset="0"/>
-              </a:rPr>
-              <a:t>Mở với tên tệp đã cho để đọc.</a:t>
-            </a:r>
-          </a:p>
-          <a:p>
-            <a:pPr algn="just">
-              <a:buFont typeface="+mj-lt"/>
-              <a:buAutoNum type="arabicPeriod"/>
+              <a:rPr lang="en-US"/>
+              <a:t>Khởi tạo bàn cờ với NxN ô trống</a:t>
+            </a:r>
+          </a:p>
+          <a:p>
+            <a:pPr marL="285750" indent="-285750">
+              <a:buFont typeface="Arial" panose="020B0604020202020204" pitchFamily="34" charset="0"/>
+              <a:buChar char="•"/>
             </a:pPr>
             <a:r>
-              <a:rPr lang="vi-VN" sz="1300" b="0" i="0">
-                <a:effectLst/>
-                <a:latin typeface="Consolas" panose="020B0609020204030204" pitchFamily="49" charset="0"/>
-              </a:rPr>
-              <a:t>Đọc dòng đầu tiên của tệp và gán giá trị cho e và l tương ứng.</a:t>
-            </a:r>
-          </a:p>
-          <a:p>
-            <a:pPr algn="just">
-              <a:buFont typeface="+mj-lt"/>
-              <a:buAutoNum type="arabicPeriod"/>
+              <a:rPr lang="en-US" b="1" i="1"/>
+              <a:t>solve() </a:t>
+            </a:r>
+            <a:r>
+              <a:rPr lang="en-US"/>
+              <a:t>sẽ gọi đệ quy backtracking(số cột sẽ tăng dần)</a:t>
+            </a:r>
+          </a:p>
+          <a:p>
+            <a:pPr marL="285750" indent="-285750">
+              <a:buFont typeface="Arial" panose="020B0604020202020204" pitchFamily="34" charset="0"/>
+              <a:buChar char="•"/>
             </a:pPr>
             <a:r>
-              <a:rPr lang="vi-VN" sz="1300" b="0" i="0">
-                <a:effectLst/>
-                <a:latin typeface="Consolas" panose="020B0609020204030204" pitchFamily="49" charset="0"/>
-              </a:rPr>
-              <a:t>Khởi tạo một từ điển trống có tên là nodes_dict.</a:t>
-            </a:r>
-          </a:p>
-          <a:p>
-            <a:pPr algn="just">
-              <a:buFont typeface="+mj-lt"/>
-              <a:buAutoNum type="arabicPeriod"/>
+              <a:rPr lang="en-US" b="1" i="1"/>
+              <a:t>backtracking() </a:t>
+            </a:r>
+            <a:r>
+              <a:rPr lang="en-US"/>
+              <a:t>được đệ quy tối đa 8 lần để điền 8 quân hậu vào bàn cờ</a:t>
+            </a:r>
+          </a:p>
+          <a:p>
+            <a:pPr marL="285750" indent="-285750">
+              <a:buFont typeface="Arial" panose="020B0604020202020204" pitchFamily="34" charset="0"/>
+              <a:buChar char="•"/>
             </a:pPr>
             <a:r>
-              <a:rPr lang="vi-VN" sz="1300" b="0" i="0">
-                <a:effectLst/>
-                <a:latin typeface="Consolas" panose="020B0609020204030204" pitchFamily="49" charset="0"/>
-              </a:rPr>
-              <a:t>Đối với tôi trong phạm vi (e), hãy làm như sau: </a:t>
-            </a:r>
-            <a:br>
-              <a:rPr lang="en-US" sz="1300" b="0" i="0">
-                <a:effectLst/>
-                <a:latin typeface="Consolas" panose="020B0609020204030204" pitchFamily="49" charset="0"/>
-              </a:rPr>
-            </a:br>
-            <a:r>
-              <a:rPr lang="en-US" sz="1300" b="0" i="0">
-                <a:effectLst/>
-                <a:latin typeface="Consolas" panose="020B0609020204030204" pitchFamily="49" charset="0"/>
-              </a:rPr>
-              <a:t>	</a:t>
-            </a:r>
-            <a:r>
-              <a:rPr lang="vi-VN" sz="1300" b="0" i="0">
-                <a:effectLst/>
-                <a:latin typeface="Consolas" panose="020B0609020204030204" pitchFamily="49" charset="0"/>
-              </a:rPr>
-              <a:t>a. Đọc dòng tiếp theo của tệp và chia thành a và b. </a:t>
-            </a:r>
-            <a:br>
-              <a:rPr lang="en-US" sz="1300" b="0" i="0">
-                <a:effectLst/>
-                <a:latin typeface="Consolas" panose="020B0609020204030204" pitchFamily="49" charset="0"/>
-              </a:rPr>
-            </a:br>
-            <a:r>
-              <a:rPr lang="en-US" sz="1300" b="0" i="0">
-                <a:effectLst/>
-                <a:latin typeface="Consolas" panose="020B0609020204030204" pitchFamily="49" charset="0"/>
-              </a:rPr>
-              <a:t>	</a:t>
-            </a:r>
-            <a:r>
-              <a:rPr lang="vi-VN" sz="1300" b="0" i="0">
-                <a:effectLst/>
-                <a:latin typeface="Consolas" panose="020B0609020204030204" pitchFamily="49" charset="0"/>
-              </a:rPr>
-              <a:t>b. Nếu a chưa phải là khóa trong nodes_dict, hãy thêm nó làm khóa mới với giá trị Node(a). c. Nếu b chưa phải là khóa trong nodes_dict, hãy thêm nó làm khóa mới với giá trị Node(b). d. Nối giá trị của nodes_dict[b] vào danh sách kế vị của nodes_dict[a].</a:t>
-            </a:r>
-          </a:p>
-          <a:p>
-            <a:pPr algn="just">
-              <a:buFont typeface="+mj-lt"/>
-              <a:buAutoNum type="arabicPeriod"/>
+              <a:rPr lang="en-US" b="1" i="1"/>
+              <a:t>isValid() </a:t>
+            </a:r>
+            <a:r>
+              <a:rPr lang="en-US"/>
+              <a:t>kiểm tra tính hợp lệ của quân hậu khi điền vào với trạng thái bàn cờ hiện tại</a:t>
+            </a:r>
+          </a:p>
+          <a:p>
+            <a:pPr marL="285750" indent="-285750">
+              <a:buFont typeface="Arial" panose="020B0604020202020204" pitchFamily="34" charset="0"/>
+              <a:buChar char="•"/>
             </a:pPr>
             <a:r>
-              <a:rPr lang="vi-VN" sz="1300" b="0" i="0">
-                <a:effectLst/>
-                <a:latin typeface="Consolas" panose="020B0609020204030204" pitchFamily="49" charset="0"/>
-              </a:rPr>
-              <a:t>Đối với tôi trong phạm vi (l), hãy làm như sau: a. Đọc dòng tiếp theo của tệp và chia nó thành nút và giá trị. b. Đặt giá trị của nodes_dict[node] thành int(value).</a:t>
-            </a:r>
-          </a:p>
-          <a:p>
-            <a:pPr algn="just">
-              <a:buFont typeface="+mj-lt"/>
-              <a:buAutoNum type="arabicPeriod"/>
-            </a:pPr>
-            <a:r>
-              <a:rPr lang="vi-VN" sz="1300" b="0" i="0">
-                <a:effectLst/>
-                <a:latin typeface="Consolas" panose="020B0609020204030204" pitchFamily="49" charset="0"/>
-              </a:rPr>
-              <a:t>Đặt self.root thành nodes_dict["n00"].</a:t>
-            </a:r>
-          </a:p>
-          <a:p>
-            <a:pPr algn="just">
-              <a:buFont typeface="+mj-lt"/>
-              <a:buAutoNum type="arabicPeriod"/>
-            </a:pPr>
-            <a:r>
-              <a:rPr lang="vi-VN" sz="1300" b="0" i="0">
-                <a:effectLst/>
-                <a:latin typeface="Consolas" panose="020B0609020204030204" pitchFamily="49" charset="0"/>
-              </a:rPr>
-              <a:t>Đặt self.terminalStates thành một cách hiểu từ điển để lọc ra các nút có người kế vị và tạo một từ điển ánh xạ số nhận dạng của chúng với giá trị của chúng.</a:t>
-            </a:r>
-          </a:p>
-          <a:p>
-            <a:pPr algn="just">
-              <a:buFont typeface="+mj-lt"/>
-              <a:buAutoNum type="arabicPeriod"/>
-            </a:pPr>
-            <a:r>
-              <a:rPr lang="vi-VN" sz="1300" b="0" i="0">
-                <a:effectLst/>
-                <a:latin typeface="Consolas" panose="020B0609020204030204" pitchFamily="49" charset="0"/>
-              </a:rPr>
-              <a:t>Đặt self.successors thành một cách hiểu từ điển để ánh xạ từng nút trong nodes_dict vào danh sách kế vị của nó.</a:t>
-            </a:r>
-            <a:endParaRPr lang="en-US" sz="1300">
-              <a:latin typeface="Consolas" panose="020B0609020204030204" pitchFamily="49" charset="0"/>
-            </a:endParaRPr>
+              <a:rPr lang="en-US" b="1" i="1"/>
+              <a:t>printBoard() </a:t>
+            </a:r>
+            <a:r>
+              <a:rPr lang="en-US"/>
+              <a:t>từ danh sách bàn cờ sẽ in ra cho người dung xem </a:t>
+            </a:r>
           </a:p>
         </p:txBody>
       </p:sp>
+      <p:pic>
+        <p:nvPicPr>
+          <p:cNvPr id="6" name="Picture 5">
+            <a:extLst>
+              <a:ext uri="{FF2B5EF4-FFF2-40B4-BE49-F238E27FC236}">
+                <a16:creationId xmlns:a16="http://schemas.microsoft.com/office/drawing/2014/main" id="{8AB3465A-8B43-46A1-2F2F-08B9C1204176}"/>
+              </a:ext>
+            </a:extLst>
+          </p:cNvPr>
+          <p:cNvPicPr>
+            <a:picLocks noChangeAspect="1"/>
+          </p:cNvPicPr>
+          <p:nvPr/>
+        </p:nvPicPr>
+        <p:blipFill>
+          <a:blip r:embed="rId3"/>
+          <a:stretch>
+            <a:fillRect/>
+          </a:stretch>
+        </p:blipFill>
+        <p:spPr>
+          <a:xfrm>
+            <a:off x="2670645" y="1228725"/>
+            <a:ext cx="3802710" cy="2926334"/>
+          </a:xfrm>
+          <a:prstGeom prst="rect">
+            <a:avLst/>
+          </a:prstGeom>
+        </p:spPr>
+      </p:pic>
     </p:spTree>
     <p:extLst>
       <p:ext uri="{BB962C8B-B14F-4D97-AF65-F5344CB8AC3E}">
-        <p14:creationId xmlns:p14="http://schemas.microsoft.com/office/powerpoint/2010/main" val="2606626882"/>
+        <p14:creationId xmlns:p14="http://schemas.microsoft.com/office/powerpoint/2010/main" val="702601999"/>
       </p:ext>
     </p:extLst>
   </p:cSld>
@@ -18239,42 +16999,6 @@
           </a:fontRef>
         </p:style>
       </p:cxnSp>
-      <p:sp>
-        <p:nvSpPr>
-          <p:cNvPr id="14" name="TextBox 13">
-            <a:extLst>
-              <a:ext uri="{FF2B5EF4-FFF2-40B4-BE49-F238E27FC236}">
-                <a16:creationId xmlns:a16="http://schemas.microsoft.com/office/drawing/2014/main" id="{63B4AB36-B54A-EA5C-2A74-F2C80BE0CBC4}"/>
-              </a:ext>
-            </a:extLst>
-          </p:cNvPr>
-          <p:cNvSpPr txBox="1"/>
-          <p:nvPr/>
-        </p:nvSpPr>
-        <p:spPr>
-          <a:xfrm>
-            <a:off x="1390650" y="236792"/>
-            <a:ext cx="6362700" cy="369332"/>
-          </a:xfrm>
-          <a:prstGeom prst="rect">
-            <a:avLst/>
-          </a:prstGeom>
-          <a:noFill/>
-        </p:spPr>
-        <p:txBody>
-          <a:bodyPr wrap="square" rtlCol="0">
-            <a:spAutoFit/>
-          </a:bodyPr>
-          <a:lstStyle/>
-          <a:p>
-            <a:r>
-              <a:rPr lang="fr-FR" b="1"/>
-              <a:t>Câu 2 (2.0 điểm): Adversarial Search</a:t>
-            </a:r>
-            <a:endParaRPr lang="en-US" b="1"/>
-          </a:p>
-        </p:txBody>
-      </p:sp>
       <p:cxnSp>
         <p:nvCxnSpPr>
           <p:cNvPr id="2" name="Straight Connector 1">
@@ -18343,17 +17067,17 @@
           <a:p>
             <a:r>
               <a:rPr lang="en-US"/>
-              <a:t>Trang 9</a:t>
+              <a:t>Trang 8</a:t>
             </a:r>
           </a:p>
         </p:txBody>
       </p:sp>
       <p:sp>
         <p:nvSpPr>
-          <p:cNvPr id="5" name="TextBox 4">
-            <a:extLst>
-              <a:ext uri="{FF2B5EF4-FFF2-40B4-BE49-F238E27FC236}">
-                <a16:creationId xmlns:a16="http://schemas.microsoft.com/office/drawing/2014/main" id="{2FD009FE-CA5C-D5A4-E99D-1E506F763D1C}"/>
+          <p:cNvPr id="3" name="TextBox 2">
+            <a:extLst>
+              <a:ext uri="{FF2B5EF4-FFF2-40B4-BE49-F238E27FC236}">
+                <a16:creationId xmlns:a16="http://schemas.microsoft.com/office/drawing/2014/main" id="{9117E4B9-8314-B9E3-8EFF-7D2C51624F1F}"/>
               </a:ext>
             </a:extLst>
           </p:cNvPr>
@@ -18362,8 +17086,8 @@
         </p:nvSpPr>
         <p:spPr>
           <a:xfrm>
-            <a:off x="304800" y="1228725"/>
-            <a:ext cx="5210175" cy="369332"/>
+            <a:off x="2372431" y="2875002"/>
+            <a:ext cx="4399137" cy="553998"/>
           </a:xfrm>
           <a:prstGeom prst="rect">
             <a:avLst/>
@@ -18377,73 +17101,8 @@
           <a:lstStyle/>
           <a:p>
             <a:r>
-              <a:rPr lang="en-US"/>
-              <a:t>YC2.2</a:t>
-            </a:r>
-          </a:p>
-        </p:txBody>
-      </p:sp>
-      <p:pic>
-        <p:nvPicPr>
-          <p:cNvPr id="7" name="Picture 6">
-            <a:extLst>
-              <a:ext uri="{FF2B5EF4-FFF2-40B4-BE49-F238E27FC236}">
-                <a16:creationId xmlns:a16="http://schemas.microsoft.com/office/drawing/2014/main" id="{0FDF7036-65F5-81CA-0C41-46981E048379}"/>
-              </a:ext>
-            </a:extLst>
-          </p:cNvPr>
-          <p:cNvPicPr>
-            <a:picLocks noChangeAspect="1"/>
-          </p:cNvPicPr>
-          <p:nvPr/>
-        </p:nvPicPr>
-        <p:blipFill>
-          <a:blip r:embed="rId3"/>
-          <a:stretch>
-            <a:fillRect/>
-          </a:stretch>
-        </p:blipFill>
-        <p:spPr>
-          <a:xfrm>
-            <a:off x="2129896" y="1867255"/>
-            <a:ext cx="4884208" cy="1300879"/>
-          </a:xfrm>
-          <a:prstGeom prst="rect">
-            <a:avLst/>
-          </a:prstGeom>
-        </p:spPr>
-      </p:pic>
-      <p:sp>
-        <p:nvSpPr>
-          <p:cNvPr id="8" name="TextBox 7">
-            <a:extLst>
-              <a:ext uri="{FF2B5EF4-FFF2-40B4-BE49-F238E27FC236}">
-                <a16:creationId xmlns:a16="http://schemas.microsoft.com/office/drawing/2014/main" id="{FE5D4E40-17C8-086B-12F6-4368FAD8DA16}"/>
-              </a:ext>
-            </a:extLst>
-          </p:cNvPr>
-          <p:cNvSpPr txBox="1"/>
-          <p:nvPr/>
-        </p:nvSpPr>
-        <p:spPr>
-          <a:xfrm>
-            <a:off x="3596123" y="3437332"/>
-            <a:ext cx="1951753" cy="369332"/>
-          </a:xfrm>
-          <a:prstGeom prst="rect">
-            <a:avLst/>
-          </a:prstGeom>
-          <a:noFill/>
-        </p:spPr>
-        <p:txBody>
-          <a:bodyPr wrap="none" rtlCol="0">
-            <a:spAutoFit/>
-          </a:bodyPr>
-          <a:lstStyle/>
-          <a:p>
-            <a:r>
-              <a:rPr lang="en-US" i="1"/>
-              <a:t>Cài đặt hàm print()</a:t>
+              <a:rPr lang="fr-FR" sz="3000" b="1"/>
+              <a:t>Câu 2 – Adversarial Search</a:t>
             </a:r>
           </a:p>
         </p:txBody>
@@ -18451,7 +17110,7 @@
     </p:spTree>
     <p:extLst>
       <p:ext uri="{BB962C8B-B14F-4D97-AF65-F5344CB8AC3E}">
-        <p14:creationId xmlns:p14="http://schemas.microsoft.com/office/powerpoint/2010/main" val="245947029"/>
+        <p14:creationId xmlns:p14="http://schemas.microsoft.com/office/powerpoint/2010/main" val="2792409869"/>
       </p:ext>
     </p:extLst>
   </p:cSld>

--- a/present/final/presentation.pptx
+++ b/present/final/presentation.pptx
@@ -1,8 +1,8 @@
 
 <file path=ppt/presentation.xml><?xml version="1.0" encoding="utf-8"?>
-<p:presentation xmlns:a="http://schemas.openxmlformats.org/drawingml/2006/main" xmlns:r="http://schemas.openxmlformats.org/officeDocument/2006/relationships" xmlns:p="http://schemas.openxmlformats.org/presentationml/2006/main" saveSubsetFonts="1">
+<p:presentation xmlns:a="http://schemas.openxmlformats.org/drawingml/2006/main" xmlns:r="http://schemas.openxmlformats.org/officeDocument/2006/relationships" xmlns:p="http://schemas.openxmlformats.org/presentationml/2006/main">
   <p:sldMasterIdLst>
-    <p:sldMasterId id="2147483660" r:id="rId1"/>
+    <p:sldMasterId id="2147483648" r:id="rId1"/>
   </p:sldMasterIdLst>
   <p:notesMasterIdLst>
     <p:notesMasterId r:id="rId26"/>
@@ -138,3174 +138,30 @@
 </p:presentation>
 </file>
 
-<file path=ppt/revisionInfo.xml><?xml version="1.0" encoding="utf-8"?>
-<p1510:revInfo xmlns:a="http://schemas.openxmlformats.org/drawingml/2006/main" xmlns:r="http://schemas.openxmlformats.org/officeDocument/2006/relationships" xmlns:p1510="http://schemas.microsoft.com/office/powerpoint/2015/10/main">
-  <p1510:revLst>
-    <p1510:client id="{74A72D27-0F29-4AD9-985B-1D7512F86603}" v="13" dt="2023-04-07T07:09:04.289"/>
-  </p1510:revLst>
-</p1510:revInfo>
-</file>
-
 <file path=ppt/changesInfos/changesInfo1.xml><?xml version="1.0" encoding="utf-8"?>
 <pc:chgInfo xmlns:a="http://schemas.openxmlformats.org/drawingml/2006/main" xmlns:r="http://schemas.openxmlformats.org/officeDocument/2006/relationships" xmlns:ac="http://schemas.microsoft.com/office/drawing/2013/main/command" xmlns:pc="http://schemas.microsoft.com/office/powerpoint/2013/main/command">
   <pc:docChgLst>
     <pc:chgData name="Trung Nghia Nguyen" userId="caf0b1f78d203fdc" providerId="LiveId" clId="{74A72D27-0F29-4AD9-985B-1D7512F86603}"/>
-    <pc:docChg chg="undo redo custSel addSld delSld modSld sldOrd">
-      <pc:chgData name="Trung Nghia Nguyen" userId="caf0b1f78d203fdc" providerId="LiveId" clId="{74A72D27-0F29-4AD9-985B-1D7512F86603}" dt="2023-04-12T02:11:12.031" v="2203" actId="20577"/>
+    <pc:docChg chg="custSel modSld">
+      <pc:chgData name="Trung Nghia Nguyen" userId="caf0b1f78d203fdc" providerId="LiveId" clId="{74A72D27-0F29-4AD9-985B-1D7512F86603}" dt="2023-04-19T08:54:51.145" v="0" actId="478"/>
       <pc:docMkLst>
         <pc:docMk/>
       </pc:docMkLst>
-      <pc:sldChg chg="modSp mod">
-        <pc:chgData name="Trung Nghia Nguyen" userId="caf0b1f78d203fdc" providerId="LiveId" clId="{74A72D27-0F29-4AD9-985B-1D7512F86603}" dt="2023-04-12T02:08:21.336" v="2160" actId="20577"/>
+      <pc:sldChg chg="delSp mod">
+        <pc:chgData name="Trung Nghia Nguyen" userId="caf0b1f78d203fdc" providerId="LiveId" clId="{74A72D27-0F29-4AD9-985B-1D7512F86603}" dt="2023-04-19T08:54:51.145" v="0" actId="478"/>
         <pc:sldMkLst>
           <pc:docMk/>
-          <pc:sldMk cId="779292092" sldId="256"/>
+          <pc:sldMk cId="0" sldId="279"/>
         </pc:sldMkLst>
-        <pc:graphicFrameChg chg="modGraphic">
-          <ac:chgData name="Trung Nghia Nguyen" userId="caf0b1f78d203fdc" providerId="LiveId" clId="{74A72D27-0F29-4AD9-985B-1D7512F86603}" dt="2023-04-12T02:08:21.336" v="2160" actId="20577"/>
-          <ac:graphicFrameMkLst>
-            <pc:docMk/>
-            <pc:sldMk cId="779292092" sldId="256"/>
-            <ac:graphicFrameMk id="16" creationId="{A794B221-780B-3E0D-DCDE-B4B669AD1AE3}"/>
-          </ac:graphicFrameMkLst>
-        </pc:graphicFrameChg>
-      </pc:sldChg>
-      <pc:sldChg chg="modSp mod">
-        <pc:chgData name="Trung Nghia Nguyen" userId="caf0b1f78d203fdc" providerId="LiveId" clId="{74A72D27-0F29-4AD9-985B-1D7512F86603}" dt="2023-04-12T02:09:25.799" v="2162" actId="20577"/>
-        <pc:sldMkLst>
-          <pc:docMk/>
-          <pc:sldMk cId="3011248427" sldId="258"/>
-        </pc:sldMkLst>
-        <pc:spChg chg="mod">
-          <ac:chgData name="Trung Nghia Nguyen" userId="caf0b1f78d203fdc" providerId="LiveId" clId="{74A72D27-0F29-4AD9-985B-1D7512F86603}" dt="2023-04-12T02:09:25.799" v="2162" actId="20577"/>
+        <pc:spChg chg="del">
+          <ac:chgData name="Trung Nghia Nguyen" userId="caf0b1f78d203fdc" providerId="LiveId" clId="{74A72D27-0F29-4AD9-985B-1D7512F86603}" dt="2023-04-19T08:54:51.145" v="0" actId="478"/>
           <ac:spMkLst>
             <pc:docMk/>
-            <pc:sldMk cId="3011248427" sldId="258"/>
-            <ac:spMk id="4" creationId="{11342279-3B1B-9555-FD5C-CA3839B3D029}"/>
-          </ac:spMkLst>
-        </pc:spChg>
-        <pc:graphicFrameChg chg="modGraphic">
-          <ac:chgData name="Trung Nghia Nguyen" userId="caf0b1f78d203fdc" providerId="LiveId" clId="{74A72D27-0F29-4AD9-985B-1D7512F86603}" dt="2023-04-12T02:05:16.750" v="1692" actId="20577"/>
-          <ac:graphicFrameMkLst>
-            <pc:docMk/>
-            <pc:sldMk cId="3011248427" sldId="258"/>
-            <ac:graphicFrameMk id="16" creationId="{A794B221-780B-3E0D-DCDE-B4B669AD1AE3}"/>
-          </ac:graphicFrameMkLst>
-        </pc:graphicFrameChg>
-      </pc:sldChg>
-      <pc:sldChg chg="del">
-        <pc:chgData name="Trung Nghia Nguyen" userId="caf0b1f78d203fdc" providerId="LiveId" clId="{74A72D27-0F29-4AD9-985B-1D7512F86603}" dt="2023-04-03T02:08:58.163" v="7" actId="2696"/>
-        <pc:sldMkLst>
-          <pc:docMk/>
-          <pc:sldMk cId="4019893558" sldId="259"/>
-        </pc:sldMkLst>
-      </pc:sldChg>
-      <pc:sldChg chg="del">
-        <pc:chgData name="Trung Nghia Nguyen" userId="caf0b1f78d203fdc" providerId="LiveId" clId="{74A72D27-0F29-4AD9-985B-1D7512F86603}" dt="2023-04-03T02:08:58.163" v="7" actId="2696"/>
-        <pc:sldMkLst>
-          <pc:docMk/>
-          <pc:sldMk cId="3474282668" sldId="260"/>
-        </pc:sldMkLst>
-      </pc:sldChg>
-      <pc:sldChg chg="del">
-        <pc:chgData name="Trung Nghia Nguyen" userId="caf0b1f78d203fdc" providerId="LiveId" clId="{74A72D27-0F29-4AD9-985B-1D7512F86603}" dt="2023-04-03T02:08:58.163" v="7" actId="2696"/>
-        <pc:sldMkLst>
-          <pc:docMk/>
-          <pc:sldMk cId="2176878142" sldId="261"/>
-        </pc:sldMkLst>
-      </pc:sldChg>
-      <pc:sldChg chg="del">
-        <pc:chgData name="Trung Nghia Nguyen" userId="caf0b1f78d203fdc" providerId="LiveId" clId="{74A72D27-0F29-4AD9-985B-1D7512F86603}" dt="2023-04-03T02:08:58.163" v="7" actId="2696"/>
-        <pc:sldMkLst>
-          <pc:docMk/>
-          <pc:sldMk cId="482173432" sldId="263"/>
-        </pc:sldMkLst>
-      </pc:sldChg>
-      <pc:sldChg chg="del">
-        <pc:chgData name="Trung Nghia Nguyen" userId="caf0b1f78d203fdc" providerId="LiveId" clId="{74A72D27-0F29-4AD9-985B-1D7512F86603}" dt="2023-04-03T02:08:58.163" v="7" actId="2696"/>
-        <pc:sldMkLst>
-          <pc:docMk/>
-          <pc:sldMk cId="2895901428" sldId="264"/>
-        </pc:sldMkLst>
-      </pc:sldChg>
-      <pc:sldChg chg="del">
-        <pc:chgData name="Trung Nghia Nguyen" userId="caf0b1f78d203fdc" providerId="LiveId" clId="{74A72D27-0F29-4AD9-985B-1D7512F86603}" dt="2023-04-03T02:08:58.163" v="7" actId="2696"/>
-        <pc:sldMkLst>
-          <pc:docMk/>
-          <pc:sldMk cId="4283605162" sldId="265"/>
-        </pc:sldMkLst>
-      </pc:sldChg>
-      <pc:sldChg chg="del">
-        <pc:chgData name="Trung Nghia Nguyen" userId="caf0b1f78d203fdc" providerId="LiveId" clId="{74A72D27-0F29-4AD9-985B-1D7512F86603}" dt="2023-04-03T02:08:58.163" v="7" actId="2696"/>
-        <pc:sldMkLst>
-          <pc:docMk/>
-          <pc:sldMk cId="1755807355" sldId="266"/>
-        </pc:sldMkLst>
-      </pc:sldChg>
-      <pc:sldChg chg="del">
-        <pc:chgData name="Trung Nghia Nguyen" userId="caf0b1f78d203fdc" providerId="LiveId" clId="{74A72D27-0F29-4AD9-985B-1D7512F86603}" dt="2023-04-03T02:08:58.163" v="7" actId="2696"/>
-        <pc:sldMkLst>
-          <pc:docMk/>
-          <pc:sldMk cId="420754388" sldId="267"/>
-        </pc:sldMkLst>
-      </pc:sldChg>
-      <pc:sldChg chg="del">
-        <pc:chgData name="Trung Nghia Nguyen" userId="caf0b1f78d203fdc" providerId="LiveId" clId="{74A72D27-0F29-4AD9-985B-1D7512F86603}" dt="2023-04-03T02:08:58.163" v="7" actId="2696"/>
-        <pc:sldMkLst>
-          <pc:docMk/>
-          <pc:sldMk cId="1800081090" sldId="268"/>
-        </pc:sldMkLst>
-      </pc:sldChg>
-      <pc:sldChg chg="del">
-        <pc:chgData name="Trung Nghia Nguyen" userId="caf0b1f78d203fdc" providerId="LiveId" clId="{74A72D27-0F29-4AD9-985B-1D7512F86603}" dt="2023-04-03T02:08:58.163" v="7" actId="2696"/>
-        <pc:sldMkLst>
-          <pc:docMk/>
-          <pc:sldMk cId="4260099494" sldId="269"/>
-        </pc:sldMkLst>
-      </pc:sldChg>
-      <pc:sldChg chg="del">
-        <pc:chgData name="Trung Nghia Nguyen" userId="caf0b1f78d203fdc" providerId="LiveId" clId="{74A72D27-0F29-4AD9-985B-1D7512F86603}" dt="2023-04-03T02:08:58.163" v="7" actId="2696"/>
-        <pc:sldMkLst>
-          <pc:docMk/>
-          <pc:sldMk cId="2511818953" sldId="270"/>
-        </pc:sldMkLst>
-      </pc:sldChg>
-      <pc:sldChg chg="del">
-        <pc:chgData name="Trung Nghia Nguyen" userId="caf0b1f78d203fdc" providerId="LiveId" clId="{74A72D27-0F29-4AD9-985B-1D7512F86603}" dt="2023-04-03T02:08:58.163" v="7" actId="2696"/>
-        <pc:sldMkLst>
-          <pc:docMk/>
-          <pc:sldMk cId="2278832414" sldId="271"/>
-        </pc:sldMkLst>
-      </pc:sldChg>
-      <pc:sldChg chg="modSp mod">
-        <pc:chgData name="Trung Nghia Nguyen" userId="caf0b1f78d203fdc" providerId="LiveId" clId="{74A72D27-0F29-4AD9-985B-1D7512F86603}" dt="2023-04-12T02:11:12.031" v="2203" actId="20577"/>
-        <pc:sldMkLst>
-          <pc:docMk/>
-          <pc:sldMk cId="610409002" sldId="272"/>
-        </pc:sldMkLst>
-        <pc:spChg chg="mod">
-          <ac:chgData name="Trung Nghia Nguyen" userId="caf0b1f78d203fdc" providerId="LiveId" clId="{74A72D27-0F29-4AD9-985B-1D7512F86603}" dt="2023-04-12T02:11:12.031" v="2203" actId="20577"/>
-          <ac:spMkLst>
-            <pc:docMk/>
-            <pc:sldMk cId="610409002" sldId="272"/>
-            <ac:spMk id="4" creationId="{CE933A1E-D43F-BDBC-88C5-FA719398A112}"/>
+            <pc:sldMk cId="0" sldId="279"/>
+            <ac:spMk id="15" creationId="{00000000-0000-0000-0000-000000000000}"/>
           </ac:spMkLst>
         </pc:spChg>
       </pc:sldChg>
-      <pc:sldChg chg="del">
-        <pc:chgData name="Trung Nghia Nguyen" userId="caf0b1f78d203fdc" providerId="LiveId" clId="{74A72D27-0F29-4AD9-985B-1D7512F86603}" dt="2023-04-03T02:08:58.163" v="7" actId="2696"/>
-        <pc:sldMkLst>
-          <pc:docMk/>
-          <pc:sldMk cId="3245475923" sldId="273"/>
-        </pc:sldMkLst>
-      </pc:sldChg>
-      <pc:sldChg chg="addSp delSp modSp add mod">
-        <pc:chgData name="Trung Nghia Nguyen" userId="caf0b1f78d203fdc" providerId="LiveId" clId="{74A72D27-0F29-4AD9-985B-1D7512F86603}" dt="2023-04-07T04:41:07.539" v="109" actId="20577"/>
-        <pc:sldMkLst>
-          <pc:docMk/>
-          <pc:sldMk cId="3271686320" sldId="273"/>
-        </pc:sldMkLst>
-        <pc:spChg chg="mod">
-          <ac:chgData name="Trung Nghia Nguyen" userId="caf0b1f78d203fdc" providerId="LiveId" clId="{74A72D27-0F29-4AD9-985B-1D7512F86603}" dt="2023-04-07T04:41:07.539" v="109" actId="20577"/>
-          <ac:spMkLst>
-            <pc:docMk/>
-            <pc:sldMk cId="3271686320" sldId="273"/>
-            <ac:spMk id="3" creationId="{56C3DF9C-2FEB-EE52-21A1-DBBB2454EA38}"/>
-          </ac:spMkLst>
-        </pc:spChg>
-        <pc:spChg chg="mod">
-          <ac:chgData name="Trung Nghia Nguyen" userId="caf0b1f78d203fdc" providerId="LiveId" clId="{74A72D27-0F29-4AD9-985B-1D7512F86603}" dt="2023-04-07T04:37:07.120" v="12"/>
-          <ac:spMkLst>
-            <pc:docMk/>
-            <pc:sldMk cId="3271686320" sldId="273"/>
-            <ac:spMk id="14" creationId="{63B4AB36-B54A-EA5C-2A74-F2C80BE0CBC4}"/>
-          </ac:spMkLst>
-        </pc:spChg>
-        <pc:graphicFrameChg chg="del modGraphic">
-          <ac:chgData name="Trung Nghia Nguyen" userId="caf0b1f78d203fdc" providerId="LiveId" clId="{74A72D27-0F29-4AD9-985B-1D7512F86603}" dt="2023-04-07T04:36:25.364" v="10" actId="478"/>
-          <ac:graphicFrameMkLst>
-            <pc:docMk/>
-            <pc:sldMk cId="3271686320" sldId="273"/>
-            <ac:graphicFrameMk id="16" creationId="{A794B221-780B-3E0D-DCDE-B4B669AD1AE3}"/>
-          </ac:graphicFrameMkLst>
-        </pc:graphicFrameChg>
-        <pc:picChg chg="add del">
-          <ac:chgData name="Trung Nghia Nguyen" userId="caf0b1f78d203fdc" providerId="LiveId" clId="{74A72D27-0F29-4AD9-985B-1D7512F86603}" dt="2023-04-07T04:40:26.638" v="68" actId="22"/>
-          <ac:picMkLst>
-            <pc:docMk/>
-            <pc:sldMk cId="3271686320" sldId="273"/>
-            <ac:picMk id="6" creationId="{D40DFA79-59CF-518D-8671-4B309237923C}"/>
-          </ac:picMkLst>
-        </pc:picChg>
-        <pc:picChg chg="add">
-          <ac:chgData name="Trung Nghia Nguyen" userId="caf0b1f78d203fdc" providerId="LiveId" clId="{74A72D27-0F29-4AD9-985B-1D7512F86603}" dt="2023-04-07T04:40:27.345" v="69" actId="22"/>
-          <ac:picMkLst>
-            <pc:docMk/>
-            <pc:sldMk cId="3271686320" sldId="273"/>
-            <ac:picMk id="8" creationId="{FB5493A0-FBAC-3D16-A44C-F3D60FF25D59}"/>
-          </ac:picMkLst>
-        </pc:picChg>
-      </pc:sldChg>
-      <pc:sldChg chg="del">
-        <pc:chgData name="Trung Nghia Nguyen" userId="caf0b1f78d203fdc" providerId="LiveId" clId="{74A72D27-0F29-4AD9-985B-1D7512F86603}" dt="2023-04-03T02:08:58.163" v="7" actId="2696"/>
-        <pc:sldMkLst>
-          <pc:docMk/>
-          <pc:sldMk cId="1354583273" sldId="274"/>
-        </pc:sldMkLst>
-      </pc:sldChg>
-      <pc:sldChg chg="addSp delSp modSp add mod">
-        <pc:chgData name="Trung Nghia Nguyen" userId="caf0b1f78d203fdc" providerId="LiveId" clId="{74A72D27-0F29-4AD9-985B-1D7512F86603}" dt="2023-04-12T02:09:38.493" v="2164" actId="20577"/>
-        <pc:sldMkLst>
-          <pc:docMk/>
-          <pc:sldMk cId="3060752393" sldId="274"/>
-        </pc:sldMkLst>
-        <pc:spChg chg="del">
-          <ac:chgData name="Trung Nghia Nguyen" userId="caf0b1f78d203fdc" providerId="LiveId" clId="{74A72D27-0F29-4AD9-985B-1D7512F86603}" dt="2023-04-07T04:50:46.902" v="120" actId="478"/>
-          <ac:spMkLst>
-            <pc:docMk/>
-            <pc:sldMk cId="3060752393" sldId="274"/>
-            <ac:spMk id="3" creationId="{56C3DF9C-2FEB-EE52-21A1-DBBB2454EA38}"/>
-          </ac:spMkLst>
-        </pc:spChg>
-        <pc:spChg chg="mod">
-          <ac:chgData name="Trung Nghia Nguyen" userId="caf0b1f78d203fdc" providerId="LiveId" clId="{74A72D27-0F29-4AD9-985B-1D7512F86603}" dt="2023-04-12T02:09:38.493" v="2164" actId="20577"/>
-          <ac:spMkLst>
-            <pc:docMk/>
-            <pc:sldMk cId="3060752393" sldId="274"/>
-            <ac:spMk id="4" creationId="{11342279-3B1B-9555-FD5C-CA3839B3D029}"/>
-          </ac:spMkLst>
-        </pc:spChg>
-        <pc:spChg chg="add mod">
-          <ac:chgData name="Trung Nghia Nguyen" userId="caf0b1f78d203fdc" providerId="LiveId" clId="{74A72D27-0F29-4AD9-985B-1D7512F86603}" dt="2023-04-07T04:42:44.697" v="117" actId="20577"/>
-          <ac:spMkLst>
-            <pc:docMk/>
-            <pc:sldMk cId="3060752393" sldId="274"/>
-            <ac:spMk id="5" creationId="{2FD009FE-CA5C-D5A4-E99D-1E506F763D1C}"/>
-          </ac:spMkLst>
-        </pc:spChg>
-        <pc:spChg chg="add del mod">
-          <ac:chgData name="Trung Nghia Nguyen" userId="caf0b1f78d203fdc" providerId="LiveId" clId="{74A72D27-0F29-4AD9-985B-1D7512F86603}" dt="2023-04-07T05:17:33.612" v="826" actId="26606"/>
-          <ac:spMkLst>
-            <pc:docMk/>
-            <pc:sldMk cId="3060752393" sldId="274"/>
-            <ac:spMk id="9" creationId="{A5E499F2-A664-ED0F-A5F2-90D3F70E6A8F}"/>
-          </ac:spMkLst>
-        </pc:spChg>
-        <pc:graphicFrameChg chg="add del">
-          <ac:chgData name="Trung Nghia Nguyen" userId="caf0b1f78d203fdc" providerId="LiveId" clId="{74A72D27-0F29-4AD9-985B-1D7512F86603}" dt="2023-04-07T05:17:33.612" v="826" actId="26606"/>
-          <ac:graphicFrameMkLst>
-            <pc:docMk/>
-            <pc:sldMk cId="3060752393" sldId="274"/>
-            <ac:graphicFrameMk id="1036" creationId="{3519F387-03E5-F075-770B-7921263A7BA2}"/>
-          </ac:graphicFrameMkLst>
-        </pc:graphicFrameChg>
-        <pc:picChg chg="add del mod">
-          <ac:chgData name="Trung Nghia Nguyen" userId="caf0b1f78d203fdc" providerId="LiveId" clId="{74A72D27-0F29-4AD9-985B-1D7512F86603}" dt="2023-04-07T05:17:26.297" v="822" actId="478"/>
-          <ac:picMkLst>
-            <pc:docMk/>
-            <pc:sldMk cId="3060752393" sldId="274"/>
-            <ac:picMk id="7" creationId="{6E3FD3B3-6CCD-5296-1F63-771A4C584FF8}"/>
-          </ac:picMkLst>
-        </pc:picChg>
-        <pc:picChg chg="del">
-          <ac:chgData name="Trung Nghia Nguyen" userId="caf0b1f78d203fdc" providerId="LiveId" clId="{74A72D27-0F29-4AD9-985B-1D7512F86603}" dt="2023-04-07T04:42:34.524" v="111" actId="478"/>
-          <ac:picMkLst>
-            <pc:docMk/>
-            <pc:sldMk cId="3060752393" sldId="274"/>
-            <ac:picMk id="8" creationId="{FB5493A0-FBAC-3D16-A44C-F3D60FF25D59}"/>
-          </ac:picMkLst>
-        </pc:picChg>
-        <pc:picChg chg="add mod">
-          <ac:chgData name="Trung Nghia Nguyen" userId="caf0b1f78d203fdc" providerId="LiveId" clId="{74A72D27-0F29-4AD9-985B-1D7512F86603}" dt="2023-04-07T05:17:31.235" v="824" actId="1076"/>
-          <ac:picMkLst>
-            <pc:docMk/>
-            <pc:sldMk cId="3060752393" sldId="274"/>
-            <ac:picMk id="12" creationId="{17ED4067-F9EF-DC7E-1389-61F7BE8907E8}"/>
-          </ac:picMkLst>
-        </pc:picChg>
-      </pc:sldChg>
-      <pc:sldChg chg="del">
-        <pc:chgData name="Trung Nghia Nguyen" userId="caf0b1f78d203fdc" providerId="LiveId" clId="{74A72D27-0F29-4AD9-985B-1D7512F86603}" dt="2023-04-03T02:08:58.163" v="7" actId="2696"/>
-        <pc:sldMkLst>
-          <pc:docMk/>
-          <pc:sldMk cId="288851990" sldId="275"/>
-        </pc:sldMkLst>
-      </pc:sldChg>
-      <pc:sldChg chg="addSp delSp modSp add mod">
-        <pc:chgData name="Trung Nghia Nguyen" userId="caf0b1f78d203fdc" providerId="LiveId" clId="{74A72D27-0F29-4AD9-985B-1D7512F86603}" dt="2023-04-12T02:09:44.730" v="2166" actId="20577"/>
-        <pc:sldMkLst>
-          <pc:docMk/>
-          <pc:sldMk cId="702601999" sldId="275"/>
-        </pc:sldMkLst>
-        <pc:spChg chg="mod">
-          <ac:chgData name="Trung Nghia Nguyen" userId="caf0b1f78d203fdc" providerId="LiveId" clId="{74A72D27-0F29-4AD9-985B-1D7512F86603}" dt="2023-04-12T02:09:44.730" v="2166" actId="20577"/>
-          <ac:spMkLst>
-            <pc:docMk/>
-            <pc:sldMk cId="702601999" sldId="275"/>
-            <ac:spMk id="4" creationId="{11342279-3B1B-9555-FD5C-CA3839B3D029}"/>
-          </ac:spMkLst>
-        </pc:spChg>
-        <pc:spChg chg="mod">
-          <ac:chgData name="Trung Nghia Nguyen" userId="caf0b1f78d203fdc" providerId="LiveId" clId="{74A72D27-0F29-4AD9-985B-1D7512F86603}" dt="2023-04-07T05:14:21.399" v="821" actId="20577"/>
-          <ac:spMkLst>
-            <pc:docMk/>
-            <pc:sldMk cId="702601999" sldId="275"/>
-            <ac:spMk id="5" creationId="{2FD009FE-CA5C-D5A4-E99D-1E506F763D1C}"/>
-          </ac:spMkLst>
-        </pc:spChg>
-        <pc:spChg chg="add del mod">
-          <ac:chgData name="Trung Nghia Nguyen" userId="caf0b1f78d203fdc" providerId="LiveId" clId="{74A72D27-0F29-4AD9-985B-1D7512F86603}" dt="2023-04-07T05:20:11.736" v="885" actId="26606"/>
-          <ac:spMkLst>
-            <pc:docMk/>
-            <pc:sldMk cId="702601999" sldId="275"/>
-            <ac:spMk id="9" creationId="{A5E499F2-A664-ED0F-A5F2-90D3F70E6A8F}"/>
-          </ac:spMkLst>
-        </pc:spChg>
-        <pc:graphicFrameChg chg="add del">
-          <ac:chgData name="Trung Nghia Nguyen" userId="caf0b1f78d203fdc" providerId="LiveId" clId="{74A72D27-0F29-4AD9-985B-1D7512F86603}" dt="2023-04-07T05:20:11.736" v="885" actId="26606"/>
-          <ac:graphicFrameMkLst>
-            <pc:docMk/>
-            <pc:sldMk cId="702601999" sldId="275"/>
-            <ac:graphicFrameMk id="1036" creationId="{511BE55A-4A7F-30C4-60BC-5076288939E1}"/>
-          </ac:graphicFrameMkLst>
-        </pc:graphicFrameChg>
-        <pc:picChg chg="add mod">
-          <ac:chgData name="Trung Nghia Nguyen" userId="caf0b1f78d203fdc" providerId="LiveId" clId="{74A72D27-0F29-4AD9-985B-1D7512F86603}" dt="2023-04-07T05:20:09.856" v="883" actId="1076"/>
-          <ac:picMkLst>
-            <pc:docMk/>
-            <pc:sldMk cId="702601999" sldId="275"/>
-            <ac:picMk id="6" creationId="{8AB3465A-8B43-46A1-2F2F-08B9C1204176}"/>
-          </ac:picMkLst>
-        </pc:picChg>
-        <pc:picChg chg="del">
-          <ac:chgData name="Trung Nghia Nguyen" userId="caf0b1f78d203fdc" providerId="LiveId" clId="{74A72D27-0F29-4AD9-985B-1D7512F86603}" dt="2023-04-07T05:20:05.056" v="881" actId="478"/>
-          <ac:picMkLst>
-            <pc:docMk/>
-            <pc:sldMk cId="702601999" sldId="275"/>
-            <ac:picMk id="7" creationId="{6E3FD3B3-6CCD-5296-1F63-771A4C584FF8}"/>
-          </ac:picMkLst>
-        </pc:picChg>
-      </pc:sldChg>
-      <pc:sldChg chg="del">
-        <pc:chgData name="Trung Nghia Nguyen" userId="caf0b1f78d203fdc" providerId="LiveId" clId="{74A72D27-0F29-4AD9-985B-1D7512F86603}" dt="2023-04-03T02:08:58.163" v="7" actId="2696"/>
-        <pc:sldMkLst>
-          <pc:docMk/>
-          <pc:sldMk cId="2797651471" sldId="276"/>
-        </pc:sldMkLst>
-      </pc:sldChg>
-      <pc:sldChg chg="addSp delSp modSp add mod">
-        <pc:chgData name="Trung Nghia Nguyen" userId="caf0b1f78d203fdc" providerId="LiveId" clId="{74A72D27-0F29-4AD9-985B-1D7512F86603}" dt="2023-04-12T02:09:49.466" v="2167" actId="20577"/>
-        <pc:sldMkLst>
-          <pc:docMk/>
-          <pc:sldMk cId="3245475923" sldId="276"/>
-        </pc:sldMkLst>
-        <pc:spChg chg="mod">
-          <ac:chgData name="Trung Nghia Nguyen" userId="caf0b1f78d203fdc" providerId="LiveId" clId="{74A72D27-0F29-4AD9-985B-1D7512F86603}" dt="2023-04-12T02:09:49.466" v="2167" actId="20577"/>
-          <ac:spMkLst>
-            <pc:docMk/>
-            <pc:sldMk cId="3245475923" sldId="276"/>
-            <ac:spMk id="6" creationId="{F6D86575-6F62-E86B-CB8C-67FDEFFD30D6}"/>
-          </ac:spMkLst>
-        </pc:spChg>
-        <pc:spChg chg="mod">
-          <ac:chgData name="Trung Nghia Nguyen" userId="caf0b1f78d203fdc" providerId="LiveId" clId="{74A72D27-0F29-4AD9-985B-1D7512F86603}" dt="2023-04-07T06:10:37.616" v="887"/>
-          <ac:spMkLst>
-            <pc:docMk/>
-            <pc:sldMk cId="3245475923" sldId="276"/>
-            <ac:spMk id="14" creationId="{63B4AB36-B54A-EA5C-2A74-F2C80BE0CBC4}"/>
-          </ac:spMkLst>
-        </pc:spChg>
-        <pc:graphicFrameChg chg="add del modGraphic">
-          <ac:chgData name="Trung Nghia Nguyen" userId="caf0b1f78d203fdc" providerId="LiveId" clId="{74A72D27-0F29-4AD9-985B-1D7512F86603}" dt="2023-04-07T06:50:02.943" v="1169" actId="20577"/>
-          <ac:graphicFrameMkLst>
-            <pc:docMk/>
-            <pc:sldMk cId="3245475923" sldId="276"/>
-            <ac:graphicFrameMk id="3" creationId="{5E8325E1-BDCF-5783-E97F-C770E7E58F6D}"/>
-          </ac:graphicFrameMkLst>
-        </pc:graphicFrameChg>
-      </pc:sldChg>
-      <pc:sldChg chg="del">
-        <pc:chgData name="Trung Nghia Nguyen" userId="caf0b1f78d203fdc" providerId="LiveId" clId="{74A72D27-0F29-4AD9-985B-1D7512F86603}" dt="2023-04-03T02:08:36.967" v="1" actId="2696"/>
-        <pc:sldMkLst>
-          <pc:docMk/>
-          <pc:sldMk cId="1442048206" sldId="277"/>
-        </pc:sldMkLst>
-      </pc:sldChg>
-      <pc:sldChg chg="addSp delSp modSp add mod ord">
-        <pc:chgData name="Trung Nghia Nguyen" userId="caf0b1f78d203fdc" providerId="LiveId" clId="{74A72D27-0F29-4AD9-985B-1D7512F86603}" dt="2023-04-12T02:09:54.113" v="2169" actId="20577"/>
-        <pc:sldMkLst>
-          <pc:docMk/>
-          <pc:sldMk cId="2606626882" sldId="277"/>
-        </pc:sldMkLst>
-        <pc:spChg chg="add mod">
-          <ac:chgData name="Trung Nghia Nguyen" userId="caf0b1f78d203fdc" providerId="LiveId" clId="{74A72D27-0F29-4AD9-985B-1D7512F86603}" dt="2023-04-07T06:44:00.399" v="947" actId="123"/>
-          <ac:spMkLst>
-            <pc:docMk/>
-            <pc:sldMk cId="2606626882" sldId="277"/>
-            <ac:spMk id="3" creationId="{99E5E634-12BA-9584-7604-34E90EF91282}"/>
-          </ac:spMkLst>
-        </pc:spChg>
-        <pc:spChg chg="mod">
-          <ac:chgData name="Trung Nghia Nguyen" userId="caf0b1f78d203fdc" providerId="LiveId" clId="{74A72D27-0F29-4AD9-985B-1D7512F86603}" dt="2023-04-12T02:09:54.113" v="2169" actId="20577"/>
-          <ac:spMkLst>
-            <pc:docMk/>
-            <pc:sldMk cId="2606626882" sldId="277"/>
-            <ac:spMk id="4" creationId="{11342279-3B1B-9555-FD5C-CA3839B3D029}"/>
-          </ac:spMkLst>
-        </pc:spChg>
-        <pc:spChg chg="mod">
-          <ac:chgData name="Trung Nghia Nguyen" userId="caf0b1f78d203fdc" providerId="LiveId" clId="{74A72D27-0F29-4AD9-985B-1D7512F86603}" dt="2023-04-07T06:12:23.738" v="904" actId="20577"/>
-          <ac:spMkLst>
-            <pc:docMk/>
-            <pc:sldMk cId="2606626882" sldId="277"/>
-            <ac:spMk id="5" creationId="{2FD009FE-CA5C-D5A4-E99D-1E506F763D1C}"/>
-          </ac:spMkLst>
-        </pc:spChg>
-        <pc:spChg chg="del">
-          <ac:chgData name="Trung Nghia Nguyen" userId="caf0b1f78d203fdc" providerId="LiveId" clId="{74A72D27-0F29-4AD9-985B-1D7512F86603}" dt="2023-04-07T06:41:08.866" v="908" actId="478"/>
-          <ac:spMkLst>
-            <pc:docMk/>
-            <pc:sldMk cId="2606626882" sldId="277"/>
-            <ac:spMk id="9" creationId="{A5E499F2-A664-ED0F-A5F2-90D3F70E6A8F}"/>
-          </ac:spMkLst>
-        </pc:spChg>
-        <pc:spChg chg="mod">
-          <ac:chgData name="Trung Nghia Nguyen" userId="caf0b1f78d203fdc" providerId="LiveId" clId="{74A72D27-0F29-4AD9-985B-1D7512F86603}" dt="2023-04-07T06:12:12.345" v="900"/>
-          <ac:spMkLst>
-            <pc:docMk/>
-            <pc:sldMk cId="2606626882" sldId="277"/>
-            <ac:spMk id="14" creationId="{63B4AB36-B54A-EA5C-2A74-F2C80BE0CBC4}"/>
-          </ac:spMkLst>
-        </pc:spChg>
-        <pc:picChg chg="del">
-          <ac:chgData name="Trung Nghia Nguyen" userId="caf0b1f78d203fdc" providerId="LiveId" clId="{74A72D27-0F29-4AD9-985B-1D7512F86603}" dt="2023-04-07T06:40:59.925" v="905" actId="478"/>
-          <ac:picMkLst>
-            <pc:docMk/>
-            <pc:sldMk cId="2606626882" sldId="277"/>
-            <ac:picMk id="6" creationId="{8AB3465A-8B43-46A1-2F2F-08B9C1204176}"/>
-          </ac:picMkLst>
-        </pc:picChg>
-      </pc:sldChg>
-      <pc:sldChg chg="addSp delSp modSp add mod">
-        <pc:chgData name="Trung Nghia Nguyen" userId="caf0b1f78d203fdc" providerId="LiveId" clId="{74A72D27-0F29-4AD9-985B-1D7512F86603}" dt="2023-04-12T02:10:00.883" v="2171" actId="20577"/>
-        <pc:sldMkLst>
-          <pc:docMk/>
-          <pc:sldMk cId="245947029" sldId="278"/>
-        </pc:sldMkLst>
-        <pc:spChg chg="del">
-          <ac:chgData name="Trung Nghia Nguyen" userId="caf0b1f78d203fdc" providerId="LiveId" clId="{74A72D27-0F29-4AD9-985B-1D7512F86603}" dt="2023-04-07T06:44:58.486" v="951" actId="478"/>
-          <ac:spMkLst>
-            <pc:docMk/>
-            <pc:sldMk cId="245947029" sldId="278"/>
-            <ac:spMk id="3" creationId="{99E5E634-12BA-9584-7604-34E90EF91282}"/>
-          </ac:spMkLst>
-        </pc:spChg>
-        <pc:spChg chg="mod">
-          <ac:chgData name="Trung Nghia Nguyen" userId="caf0b1f78d203fdc" providerId="LiveId" clId="{74A72D27-0F29-4AD9-985B-1D7512F86603}" dt="2023-04-12T02:10:00.883" v="2171" actId="20577"/>
-          <ac:spMkLst>
-            <pc:docMk/>
-            <pc:sldMk cId="245947029" sldId="278"/>
-            <ac:spMk id="4" creationId="{11342279-3B1B-9555-FD5C-CA3839B3D029}"/>
-          </ac:spMkLst>
-        </pc:spChg>
-        <pc:spChg chg="mod">
-          <ac:chgData name="Trung Nghia Nguyen" userId="caf0b1f78d203fdc" providerId="LiveId" clId="{74A72D27-0F29-4AD9-985B-1D7512F86603}" dt="2023-04-07T06:44:55.679" v="950" actId="20577"/>
-          <ac:spMkLst>
-            <pc:docMk/>
-            <pc:sldMk cId="245947029" sldId="278"/>
-            <ac:spMk id="5" creationId="{2FD009FE-CA5C-D5A4-E99D-1E506F763D1C}"/>
-          </ac:spMkLst>
-        </pc:spChg>
-        <pc:spChg chg="add mod">
-          <ac:chgData name="Trung Nghia Nguyen" userId="caf0b1f78d203fdc" providerId="LiveId" clId="{74A72D27-0F29-4AD9-985B-1D7512F86603}" dt="2023-04-07T06:45:21.197" v="991" actId="1076"/>
-          <ac:spMkLst>
-            <pc:docMk/>
-            <pc:sldMk cId="245947029" sldId="278"/>
-            <ac:spMk id="8" creationId="{FE5D4E40-17C8-086B-12F6-4368FAD8DA16}"/>
-          </ac:spMkLst>
-        </pc:spChg>
-        <pc:picChg chg="add mod">
-          <ac:chgData name="Trung Nghia Nguyen" userId="caf0b1f78d203fdc" providerId="LiveId" clId="{74A72D27-0F29-4AD9-985B-1D7512F86603}" dt="2023-04-07T06:45:05.812" v="955" actId="1076"/>
-          <ac:picMkLst>
-            <pc:docMk/>
-            <pc:sldMk cId="245947029" sldId="278"/>
-            <ac:picMk id="7" creationId="{0FDF7036-65F5-81CA-0C41-46981E048379}"/>
-          </ac:picMkLst>
-        </pc:picChg>
-      </pc:sldChg>
-      <pc:sldChg chg="del">
-        <pc:chgData name="Trung Nghia Nguyen" userId="caf0b1f78d203fdc" providerId="LiveId" clId="{74A72D27-0F29-4AD9-985B-1D7512F86603}" dt="2023-04-03T02:08:58.163" v="7" actId="2696"/>
-        <pc:sldMkLst>
-          <pc:docMk/>
-          <pc:sldMk cId="599745211" sldId="278"/>
-        </pc:sldMkLst>
-      </pc:sldChg>
-      <pc:sldChg chg="addSp delSp modSp add mod">
-        <pc:chgData name="Trung Nghia Nguyen" userId="caf0b1f78d203fdc" providerId="LiveId" clId="{74A72D27-0F29-4AD9-985B-1D7512F86603}" dt="2023-04-12T02:10:06.749" v="2174" actId="20577"/>
-        <pc:sldMkLst>
-          <pc:docMk/>
-          <pc:sldMk cId="1235902622" sldId="279"/>
-        </pc:sldMkLst>
-        <pc:spChg chg="mod">
-          <ac:chgData name="Trung Nghia Nguyen" userId="caf0b1f78d203fdc" providerId="LiveId" clId="{74A72D27-0F29-4AD9-985B-1D7512F86603}" dt="2023-04-12T02:10:06.749" v="2174" actId="20577"/>
-          <ac:spMkLst>
-            <pc:docMk/>
-            <pc:sldMk cId="1235902622" sldId="279"/>
-            <ac:spMk id="4" creationId="{11342279-3B1B-9555-FD5C-CA3839B3D029}"/>
-          </ac:spMkLst>
-        </pc:spChg>
-        <pc:spChg chg="mod">
-          <ac:chgData name="Trung Nghia Nguyen" userId="caf0b1f78d203fdc" providerId="LiveId" clId="{74A72D27-0F29-4AD9-985B-1D7512F86603}" dt="2023-04-07T06:46:34.834" v="994" actId="20577"/>
-          <ac:spMkLst>
-            <pc:docMk/>
-            <pc:sldMk cId="1235902622" sldId="279"/>
-            <ac:spMk id="5" creationId="{2FD009FE-CA5C-D5A4-E99D-1E506F763D1C}"/>
-          </ac:spMkLst>
-        </pc:spChg>
-        <pc:spChg chg="mod">
-          <ac:chgData name="Trung Nghia Nguyen" userId="caf0b1f78d203fdc" providerId="LiveId" clId="{74A72D27-0F29-4AD9-985B-1D7512F86603}" dt="2023-04-07T06:46:45.708" v="1004" actId="1076"/>
-          <ac:spMkLst>
-            <pc:docMk/>
-            <pc:sldMk cId="1235902622" sldId="279"/>
-            <ac:spMk id="8" creationId="{FE5D4E40-17C8-086B-12F6-4368FAD8DA16}"/>
-          </ac:spMkLst>
-        </pc:spChg>
-        <pc:picChg chg="add mod">
-          <ac:chgData name="Trung Nghia Nguyen" userId="caf0b1f78d203fdc" providerId="LiveId" clId="{74A72D27-0F29-4AD9-985B-1D7512F86603}" dt="2023-04-07T06:46:52.033" v="1008" actId="1076"/>
-          <ac:picMkLst>
-            <pc:docMk/>
-            <pc:sldMk cId="1235902622" sldId="279"/>
-            <ac:picMk id="6" creationId="{F896E633-BB9F-818B-C978-E0845A96D19D}"/>
-          </ac:picMkLst>
-        </pc:picChg>
-        <pc:picChg chg="del">
-          <ac:chgData name="Trung Nghia Nguyen" userId="caf0b1f78d203fdc" providerId="LiveId" clId="{74A72D27-0F29-4AD9-985B-1D7512F86603}" dt="2023-04-07T06:46:46.719" v="1005" actId="478"/>
-          <ac:picMkLst>
-            <pc:docMk/>
-            <pc:sldMk cId="1235902622" sldId="279"/>
-            <ac:picMk id="7" creationId="{0FDF7036-65F5-81CA-0C41-46981E048379}"/>
-          </ac:picMkLst>
-        </pc:picChg>
-      </pc:sldChg>
-      <pc:sldChg chg="del">
-        <pc:chgData name="Trung Nghia Nguyen" userId="caf0b1f78d203fdc" providerId="LiveId" clId="{74A72D27-0F29-4AD9-985B-1D7512F86603}" dt="2023-04-03T02:08:58.163" v="7" actId="2696"/>
-        <pc:sldMkLst>
-          <pc:docMk/>
-          <pc:sldMk cId="2754922991" sldId="279"/>
-        </pc:sldMkLst>
-      </pc:sldChg>
-      <pc:sldChg chg="del">
-        <pc:chgData name="Trung Nghia Nguyen" userId="caf0b1f78d203fdc" providerId="LiveId" clId="{74A72D27-0F29-4AD9-985B-1D7512F86603}" dt="2023-04-03T02:08:58.163" v="7" actId="2696"/>
-        <pc:sldMkLst>
-          <pc:docMk/>
-          <pc:sldMk cId="1570060703" sldId="280"/>
-        </pc:sldMkLst>
-      </pc:sldChg>
-      <pc:sldChg chg="modSp add mod ord">
-        <pc:chgData name="Trung Nghia Nguyen" userId="caf0b1f78d203fdc" providerId="LiveId" clId="{74A72D27-0F29-4AD9-985B-1D7512F86603}" dt="2023-04-12T02:10:12.145" v="2176" actId="20577"/>
-        <pc:sldMkLst>
-          <pc:docMk/>
-          <pc:sldMk cId="3682275108" sldId="280"/>
-        </pc:sldMkLst>
-        <pc:spChg chg="mod">
-          <ac:chgData name="Trung Nghia Nguyen" userId="caf0b1f78d203fdc" providerId="LiveId" clId="{74A72D27-0F29-4AD9-985B-1D7512F86603}" dt="2023-04-12T02:10:12.145" v="2176" actId="20577"/>
-          <ac:spMkLst>
-            <pc:docMk/>
-            <pc:sldMk cId="3682275108" sldId="280"/>
-            <ac:spMk id="6" creationId="{F6D86575-6F62-E86B-CB8C-67FDEFFD30D6}"/>
-          </ac:spMkLst>
-        </pc:spChg>
-        <pc:spChg chg="mod">
-          <ac:chgData name="Trung Nghia Nguyen" userId="caf0b1f78d203fdc" providerId="LiveId" clId="{74A72D27-0F29-4AD9-985B-1D7512F86603}" dt="2023-04-07T06:49:13.175" v="1012"/>
-          <ac:spMkLst>
-            <pc:docMk/>
-            <pc:sldMk cId="3682275108" sldId="280"/>
-            <ac:spMk id="14" creationId="{63B4AB36-B54A-EA5C-2A74-F2C80BE0CBC4}"/>
-          </ac:spMkLst>
-        </pc:spChg>
-        <pc:graphicFrameChg chg="modGraphic">
-          <ac:chgData name="Trung Nghia Nguyen" userId="caf0b1f78d203fdc" providerId="LiveId" clId="{74A72D27-0F29-4AD9-985B-1D7512F86603}" dt="2023-04-07T06:49:48.925" v="1097" actId="20577"/>
-          <ac:graphicFrameMkLst>
-            <pc:docMk/>
-            <pc:sldMk cId="3682275108" sldId="280"/>
-            <ac:graphicFrameMk id="3" creationId="{5E8325E1-BDCF-5783-E97F-C770E7E58F6D}"/>
-          </ac:graphicFrameMkLst>
-        </pc:graphicFrameChg>
-      </pc:sldChg>
-      <pc:sldChg chg="addSp delSp modSp add mod ord">
-        <pc:chgData name="Trung Nghia Nguyen" userId="caf0b1f78d203fdc" providerId="LiveId" clId="{74A72D27-0F29-4AD9-985B-1D7512F86603}" dt="2023-04-12T02:10:16.980" v="2178" actId="20577"/>
-        <pc:sldMkLst>
-          <pc:docMk/>
-          <pc:sldMk cId="2450269525" sldId="281"/>
-        </pc:sldMkLst>
-        <pc:spChg chg="mod">
-          <ac:chgData name="Trung Nghia Nguyen" userId="caf0b1f78d203fdc" providerId="LiveId" clId="{74A72D27-0F29-4AD9-985B-1D7512F86603}" dt="2023-04-12T02:10:16.980" v="2178" actId="20577"/>
-          <ac:spMkLst>
-            <pc:docMk/>
-            <pc:sldMk cId="2450269525" sldId="281"/>
-            <ac:spMk id="4" creationId="{11342279-3B1B-9555-FD5C-CA3839B3D029}"/>
-          </ac:spMkLst>
-        </pc:spChg>
-        <pc:spChg chg="mod">
-          <ac:chgData name="Trung Nghia Nguyen" userId="caf0b1f78d203fdc" providerId="LiveId" clId="{74A72D27-0F29-4AD9-985B-1D7512F86603}" dt="2023-04-07T06:50:36.348" v="1177" actId="20577"/>
-          <ac:spMkLst>
-            <pc:docMk/>
-            <pc:sldMk cId="2450269525" sldId="281"/>
-            <ac:spMk id="5" creationId="{2FD009FE-CA5C-D5A4-E99D-1E506F763D1C}"/>
-          </ac:spMkLst>
-        </pc:spChg>
-        <pc:spChg chg="mod">
-          <ac:chgData name="Trung Nghia Nguyen" userId="caf0b1f78d203fdc" providerId="LiveId" clId="{74A72D27-0F29-4AD9-985B-1D7512F86603}" dt="2023-04-07T06:53:37.682" v="1279" actId="1076"/>
-          <ac:spMkLst>
-            <pc:docMk/>
-            <pc:sldMk cId="2450269525" sldId="281"/>
-            <ac:spMk id="8" creationId="{FE5D4E40-17C8-086B-12F6-4368FAD8DA16}"/>
-          </ac:spMkLst>
-        </pc:spChg>
-        <pc:spChg chg="mod">
-          <ac:chgData name="Trung Nghia Nguyen" userId="caf0b1f78d203fdc" providerId="LiveId" clId="{74A72D27-0F29-4AD9-985B-1D7512F86603}" dt="2023-04-07T06:50:28.974" v="1173"/>
-          <ac:spMkLst>
-            <pc:docMk/>
-            <pc:sldMk cId="2450269525" sldId="281"/>
-            <ac:spMk id="14" creationId="{63B4AB36-B54A-EA5C-2A74-F2C80BE0CBC4}"/>
-          </ac:spMkLst>
-        </pc:spChg>
-        <pc:picChg chg="del">
-          <ac:chgData name="Trung Nghia Nguyen" userId="caf0b1f78d203fdc" providerId="LiveId" clId="{74A72D27-0F29-4AD9-985B-1D7512F86603}" dt="2023-04-07T06:50:38.784" v="1178" actId="478"/>
-          <ac:picMkLst>
-            <pc:docMk/>
-            <pc:sldMk cId="2450269525" sldId="281"/>
-            <ac:picMk id="6" creationId="{F896E633-BB9F-818B-C978-E0845A96D19D}"/>
-          </ac:picMkLst>
-        </pc:picChg>
-        <pc:picChg chg="add mod">
-          <ac:chgData name="Trung Nghia Nguyen" userId="caf0b1f78d203fdc" providerId="LiveId" clId="{74A72D27-0F29-4AD9-985B-1D7512F86603}" dt="2023-04-07T06:52:55.375" v="1180" actId="1076"/>
-          <ac:picMkLst>
-            <pc:docMk/>
-            <pc:sldMk cId="2450269525" sldId="281"/>
-            <ac:picMk id="7" creationId="{1231DF50-44F7-D512-7848-C09E648633A4}"/>
-          </ac:picMkLst>
-        </pc:picChg>
-      </pc:sldChg>
-      <pc:sldChg chg="del">
-        <pc:chgData name="Trung Nghia Nguyen" userId="caf0b1f78d203fdc" providerId="LiveId" clId="{74A72D27-0F29-4AD9-985B-1D7512F86603}" dt="2023-04-03T02:08:58.163" v="7" actId="2696"/>
-        <pc:sldMkLst>
-          <pc:docMk/>
-          <pc:sldMk cId="3262030844" sldId="281"/>
-        </pc:sldMkLst>
-      </pc:sldChg>
-      <pc:sldChg chg="addSp delSp modSp add mod">
-        <pc:chgData name="Trung Nghia Nguyen" userId="caf0b1f78d203fdc" providerId="LiveId" clId="{74A72D27-0F29-4AD9-985B-1D7512F86603}" dt="2023-04-12T02:10:21.559" v="2181" actId="20577"/>
-        <pc:sldMkLst>
-          <pc:docMk/>
-          <pc:sldMk cId="3480722215" sldId="282"/>
-        </pc:sldMkLst>
-        <pc:spChg chg="mod">
-          <ac:chgData name="Trung Nghia Nguyen" userId="caf0b1f78d203fdc" providerId="LiveId" clId="{74A72D27-0F29-4AD9-985B-1D7512F86603}" dt="2023-04-12T02:10:21.559" v="2181" actId="20577"/>
-          <ac:spMkLst>
-            <pc:docMk/>
-            <pc:sldMk cId="3480722215" sldId="282"/>
-            <ac:spMk id="4" creationId="{11342279-3B1B-9555-FD5C-CA3839B3D029}"/>
-          </ac:spMkLst>
-        </pc:spChg>
-        <pc:spChg chg="mod">
-          <ac:chgData name="Trung Nghia Nguyen" userId="caf0b1f78d203fdc" providerId="LiveId" clId="{74A72D27-0F29-4AD9-985B-1D7512F86603}" dt="2023-04-07T06:54:42.092" v="1282" actId="20577"/>
-          <ac:spMkLst>
-            <pc:docMk/>
-            <pc:sldMk cId="3480722215" sldId="282"/>
-            <ac:spMk id="5" creationId="{2FD009FE-CA5C-D5A4-E99D-1E506F763D1C}"/>
-          </ac:spMkLst>
-        </pc:spChg>
-        <pc:spChg chg="mod">
-          <ac:chgData name="Trung Nghia Nguyen" userId="caf0b1f78d203fdc" providerId="LiveId" clId="{74A72D27-0F29-4AD9-985B-1D7512F86603}" dt="2023-04-07T06:54:51.952" v="1291" actId="1076"/>
-          <ac:spMkLst>
-            <pc:docMk/>
-            <pc:sldMk cId="3480722215" sldId="282"/>
-            <ac:spMk id="8" creationId="{FE5D4E40-17C8-086B-12F6-4368FAD8DA16}"/>
-          </ac:spMkLst>
-        </pc:spChg>
-        <pc:picChg chg="add mod">
-          <ac:chgData name="Trung Nghia Nguyen" userId="caf0b1f78d203fdc" providerId="LiveId" clId="{74A72D27-0F29-4AD9-985B-1D7512F86603}" dt="2023-04-07T06:54:54.962" v="1292" actId="1076"/>
-          <ac:picMkLst>
-            <pc:docMk/>
-            <pc:sldMk cId="3480722215" sldId="282"/>
-            <ac:picMk id="6" creationId="{961AAD6C-CC86-5091-ECFE-6957EBB93760}"/>
-          </ac:picMkLst>
-        </pc:picChg>
-        <pc:picChg chg="del">
-          <ac:chgData name="Trung Nghia Nguyen" userId="caf0b1f78d203fdc" providerId="LiveId" clId="{74A72D27-0F29-4AD9-985B-1D7512F86603}" dt="2023-04-07T06:54:43.704" v="1283" actId="478"/>
-          <ac:picMkLst>
-            <pc:docMk/>
-            <pc:sldMk cId="3480722215" sldId="282"/>
-            <ac:picMk id="7" creationId="{1231DF50-44F7-D512-7848-C09E648633A4}"/>
-          </ac:picMkLst>
-        </pc:picChg>
-      </pc:sldChg>
-      <pc:sldChg chg="del">
-        <pc:chgData name="Trung Nghia Nguyen" userId="caf0b1f78d203fdc" providerId="LiveId" clId="{74A72D27-0F29-4AD9-985B-1D7512F86603}" dt="2023-04-03T02:08:58.163" v="7" actId="2696"/>
-        <pc:sldMkLst>
-          <pc:docMk/>
-          <pc:sldMk cId="4109717965" sldId="282"/>
-        </pc:sldMkLst>
-      </pc:sldChg>
-      <pc:sldChg chg="del">
-        <pc:chgData name="Trung Nghia Nguyen" userId="caf0b1f78d203fdc" providerId="LiveId" clId="{74A72D27-0F29-4AD9-985B-1D7512F86603}" dt="2023-04-03T02:08:58.163" v="7" actId="2696"/>
-        <pc:sldMkLst>
-          <pc:docMk/>
-          <pc:sldMk cId="3273506458" sldId="283"/>
-        </pc:sldMkLst>
-      </pc:sldChg>
-      <pc:sldChg chg="modSp add mod ord">
-        <pc:chgData name="Trung Nghia Nguyen" userId="caf0b1f78d203fdc" providerId="LiveId" clId="{74A72D27-0F29-4AD9-985B-1D7512F86603}" dt="2023-04-12T02:10:26.988" v="2183" actId="20577"/>
-        <pc:sldMkLst>
-          <pc:docMk/>
-          <pc:sldMk cId="4081103811" sldId="283"/>
-        </pc:sldMkLst>
-        <pc:spChg chg="mod">
-          <ac:chgData name="Trung Nghia Nguyen" userId="caf0b1f78d203fdc" providerId="LiveId" clId="{74A72D27-0F29-4AD9-985B-1D7512F86603}" dt="2023-04-12T02:10:26.988" v="2183" actId="20577"/>
-          <ac:spMkLst>
-            <pc:docMk/>
-            <pc:sldMk cId="4081103811" sldId="283"/>
-            <ac:spMk id="6" creationId="{F6D86575-6F62-E86B-CB8C-67FDEFFD30D6}"/>
-          </ac:spMkLst>
-        </pc:spChg>
-        <pc:spChg chg="mod">
-          <ac:chgData name="Trung Nghia Nguyen" userId="caf0b1f78d203fdc" providerId="LiveId" clId="{74A72D27-0F29-4AD9-985B-1D7512F86603}" dt="2023-04-07T06:55:58.085" v="1296"/>
-          <ac:spMkLst>
-            <pc:docMk/>
-            <pc:sldMk cId="4081103811" sldId="283"/>
-            <ac:spMk id="14" creationId="{63B4AB36-B54A-EA5C-2A74-F2C80BE0CBC4}"/>
-          </ac:spMkLst>
-        </pc:spChg>
-        <pc:graphicFrameChg chg="modGraphic">
-          <ac:chgData name="Trung Nghia Nguyen" userId="caf0b1f78d203fdc" providerId="LiveId" clId="{74A72D27-0F29-4AD9-985B-1D7512F86603}" dt="2023-04-07T06:56:13.537" v="1303" actId="20577"/>
-          <ac:graphicFrameMkLst>
-            <pc:docMk/>
-            <pc:sldMk cId="4081103811" sldId="283"/>
-            <ac:graphicFrameMk id="3" creationId="{5E8325E1-BDCF-5783-E97F-C770E7E58F6D}"/>
-          </ac:graphicFrameMkLst>
-        </pc:graphicFrameChg>
-      </pc:sldChg>
-      <pc:sldChg chg="del">
-        <pc:chgData name="Trung Nghia Nguyen" userId="caf0b1f78d203fdc" providerId="LiveId" clId="{74A72D27-0F29-4AD9-985B-1D7512F86603}" dt="2023-04-03T02:08:58.163" v="7" actId="2696"/>
-        <pc:sldMkLst>
-          <pc:docMk/>
-          <pc:sldMk cId="1076178229" sldId="284"/>
-        </pc:sldMkLst>
-      </pc:sldChg>
-      <pc:sldChg chg="addSp delSp modSp add mod ord">
-        <pc:chgData name="Trung Nghia Nguyen" userId="caf0b1f78d203fdc" providerId="LiveId" clId="{74A72D27-0F29-4AD9-985B-1D7512F86603}" dt="2023-04-12T02:10:31.414" v="2186" actId="20577"/>
-        <pc:sldMkLst>
-          <pc:docMk/>
-          <pc:sldMk cId="3681655826" sldId="284"/>
-        </pc:sldMkLst>
-        <pc:spChg chg="mod">
-          <ac:chgData name="Trung Nghia Nguyen" userId="caf0b1f78d203fdc" providerId="LiveId" clId="{74A72D27-0F29-4AD9-985B-1D7512F86603}" dt="2023-04-12T02:10:31.414" v="2186" actId="20577"/>
-          <ac:spMkLst>
-            <pc:docMk/>
-            <pc:sldMk cId="3681655826" sldId="284"/>
-            <ac:spMk id="4" creationId="{11342279-3B1B-9555-FD5C-CA3839B3D029}"/>
-          </ac:spMkLst>
-        </pc:spChg>
-        <pc:spChg chg="mod">
-          <ac:chgData name="Trung Nghia Nguyen" userId="caf0b1f78d203fdc" providerId="LiveId" clId="{74A72D27-0F29-4AD9-985B-1D7512F86603}" dt="2023-04-07T06:56:48.178" v="1313" actId="20577"/>
-          <ac:spMkLst>
-            <pc:docMk/>
-            <pc:sldMk cId="3681655826" sldId="284"/>
-            <ac:spMk id="5" creationId="{2FD009FE-CA5C-D5A4-E99D-1E506F763D1C}"/>
-          </ac:spMkLst>
-        </pc:spChg>
-        <pc:spChg chg="mod">
-          <ac:chgData name="Trung Nghia Nguyen" userId="caf0b1f78d203fdc" providerId="LiveId" clId="{74A72D27-0F29-4AD9-985B-1D7512F86603}" dt="2023-04-07T06:59:59.801" v="1364" actId="1076"/>
-          <ac:spMkLst>
-            <pc:docMk/>
-            <pc:sldMk cId="3681655826" sldId="284"/>
-            <ac:spMk id="8" creationId="{FE5D4E40-17C8-086B-12F6-4368FAD8DA16}"/>
-          </ac:spMkLst>
-        </pc:spChg>
-        <pc:spChg chg="add mod">
-          <ac:chgData name="Trung Nghia Nguyen" userId="caf0b1f78d203fdc" providerId="LiveId" clId="{74A72D27-0F29-4AD9-985B-1D7512F86603}" dt="2023-04-07T07:00:19.440" v="1367" actId="1076"/>
-          <ac:spMkLst>
-            <pc:docMk/>
-            <pc:sldMk cId="3681655826" sldId="284"/>
-            <ac:spMk id="9" creationId="{EBCA5C7A-4B9E-5C7D-4FAC-95733A590DEC}"/>
-          </ac:spMkLst>
-        </pc:spChg>
-        <pc:spChg chg="mod">
-          <ac:chgData name="Trung Nghia Nguyen" userId="caf0b1f78d203fdc" providerId="LiveId" clId="{74A72D27-0F29-4AD9-985B-1D7512F86603}" dt="2023-04-07T06:56:41.970" v="1309"/>
-          <ac:spMkLst>
-            <pc:docMk/>
-            <pc:sldMk cId="3681655826" sldId="284"/>
-            <ac:spMk id="14" creationId="{63B4AB36-B54A-EA5C-2A74-F2C80BE0CBC4}"/>
-          </ac:spMkLst>
-        </pc:spChg>
-        <pc:picChg chg="del">
-          <ac:chgData name="Trung Nghia Nguyen" userId="caf0b1f78d203fdc" providerId="LiveId" clId="{74A72D27-0F29-4AD9-985B-1D7512F86603}" dt="2023-04-07T06:58:29.085" v="1314" actId="478"/>
-          <ac:picMkLst>
-            <pc:docMk/>
-            <pc:sldMk cId="3681655826" sldId="284"/>
-            <ac:picMk id="6" creationId="{961AAD6C-CC86-5091-ECFE-6957EBB93760}"/>
-          </ac:picMkLst>
-        </pc:picChg>
-        <pc:picChg chg="add mod">
-          <ac:chgData name="Trung Nghia Nguyen" userId="caf0b1f78d203fdc" providerId="LiveId" clId="{74A72D27-0F29-4AD9-985B-1D7512F86603}" dt="2023-04-07T07:00:10.137" v="1366" actId="1076"/>
-          <ac:picMkLst>
-            <pc:docMk/>
-            <pc:sldMk cId="3681655826" sldId="284"/>
-            <ac:picMk id="7" creationId="{F7703A19-AE5B-0D48-3EB4-24A756A7DB2D}"/>
-          </ac:picMkLst>
-        </pc:picChg>
-        <pc:picChg chg="add mod">
-          <ac:chgData name="Trung Nghia Nguyen" userId="caf0b1f78d203fdc" providerId="LiveId" clId="{74A72D27-0F29-4AD9-985B-1D7512F86603}" dt="2023-04-07T07:00:05.041" v="1365" actId="1076"/>
-          <ac:picMkLst>
-            <pc:docMk/>
-            <pc:sldMk cId="3681655826" sldId="284"/>
-            <ac:picMk id="12" creationId="{3C003AC1-8515-821F-F812-639A8E941CDB}"/>
-          </ac:picMkLst>
-        </pc:picChg>
-      </pc:sldChg>
-      <pc:sldChg chg="addSp delSp modSp add mod">
-        <pc:chgData name="Trung Nghia Nguyen" userId="caf0b1f78d203fdc" providerId="LiveId" clId="{74A72D27-0F29-4AD9-985B-1D7512F86603}" dt="2023-04-12T02:10:37.914" v="2188" actId="20577"/>
-        <pc:sldMkLst>
-          <pc:docMk/>
-          <pc:sldMk cId="1289321138" sldId="285"/>
-        </pc:sldMkLst>
-        <pc:spChg chg="mod">
-          <ac:chgData name="Trung Nghia Nguyen" userId="caf0b1f78d203fdc" providerId="LiveId" clId="{74A72D27-0F29-4AD9-985B-1D7512F86603}" dt="2023-04-12T02:10:37.914" v="2188" actId="20577"/>
-          <ac:spMkLst>
-            <pc:docMk/>
-            <pc:sldMk cId="1289321138" sldId="285"/>
-            <ac:spMk id="4" creationId="{11342279-3B1B-9555-FD5C-CA3839B3D029}"/>
-          </ac:spMkLst>
-        </pc:spChg>
-        <pc:spChg chg="mod">
-          <ac:chgData name="Trung Nghia Nguyen" userId="caf0b1f78d203fdc" providerId="LiveId" clId="{74A72D27-0F29-4AD9-985B-1D7512F86603}" dt="2023-04-07T07:00:28.039" v="1370" actId="20577"/>
-          <ac:spMkLst>
-            <pc:docMk/>
-            <pc:sldMk cId="1289321138" sldId="285"/>
-            <ac:spMk id="5" creationId="{2FD009FE-CA5C-D5A4-E99D-1E506F763D1C}"/>
-          </ac:spMkLst>
-        </pc:spChg>
-        <pc:spChg chg="mod">
-          <ac:chgData name="Trung Nghia Nguyen" userId="caf0b1f78d203fdc" providerId="LiveId" clId="{74A72D27-0F29-4AD9-985B-1D7512F86603}" dt="2023-04-07T07:00:36.091" v="1371"/>
-          <ac:spMkLst>
-            <pc:docMk/>
-            <pc:sldMk cId="1289321138" sldId="285"/>
-            <ac:spMk id="8" creationId="{FE5D4E40-17C8-086B-12F6-4368FAD8DA16}"/>
-          </ac:spMkLst>
-        </pc:spChg>
-        <pc:picChg chg="add mod">
-          <ac:chgData name="Trung Nghia Nguyen" userId="caf0b1f78d203fdc" providerId="LiveId" clId="{74A72D27-0F29-4AD9-985B-1D7512F86603}" dt="2023-04-07T07:00:54.614" v="1374" actId="1076"/>
-          <ac:picMkLst>
-            <pc:docMk/>
-            <pc:sldMk cId="1289321138" sldId="285"/>
-            <ac:picMk id="6" creationId="{6EBD2F74-9E04-72C0-743C-B06D47F55380}"/>
-          </ac:picMkLst>
-        </pc:picChg>
-        <pc:picChg chg="del">
-          <ac:chgData name="Trung Nghia Nguyen" userId="caf0b1f78d203fdc" providerId="LiveId" clId="{74A72D27-0F29-4AD9-985B-1D7512F86603}" dt="2023-04-07T07:01:09.338" v="1375" actId="478"/>
-          <ac:picMkLst>
-            <pc:docMk/>
-            <pc:sldMk cId="1289321138" sldId="285"/>
-            <ac:picMk id="7" creationId="{F7703A19-AE5B-0D48-3EB4-24A756A7DB2D}"/>
-          </ac:picMkLst>
-        </pc:picChg>
-        <pc:picChg chg="del">
-          <ac:chgData name="Trung Nghia Nguyen" userId="caf0b1f78d203fdc" providerId="LiveId" clId="{74A72D27-0F29-4AD9-985B-1D7512F86603}" dt="2023-04-07T07:00:49.921" v="1372" actId="478"/>
-          <ac:picMkLst>
-            <pc:docMk/>
-            <pc:sldMk cId="1289321138" sldId="285"/>
-            <ac:picMk id="12" creationId="{3C003AC1-8515-821F-F812-639A8E941CDB}"/>
-          </ac:picMkLst>
-        </pc:picChg>
-        <pc:picChg chg="add mod">
-          <ac:chgData name="Trung Nghia Nguyen" userId="caf0b1f78d203fdc" providerId="LiveId" clId="{74A72D27-0F29-4AD9-985B-1D7512F86603}" dt="2023-04-07T07:01:13.938" v="1377" actId="1076"/>
-          <ac:picMkLst>
-            <pc:docMk/>
-            <pc:sldMk cId="1289321138" sldId="285"/>
-            <ac:picMk id="13" creationId="{6507926E-ADCC-E5CF-CA5A-0769557EB85A}"/>
-          </ac:picMkLst>
-        </pc:picChg>
-      </pc:sldChg>
-      <pc:sldChg chg="addSp delSp modSp add mod">
-        <pc:chgData name="Trung Nghia Nguyen" userId="caf0b1f78d203fdc" providerId="LiveId" clId="{74A72D27-0F29-4AD9-985B-1D7512F86603}" dt="2023-04-12T02:10:43.545" v="2191" actId="20577"/>
-        <pc:sldMkLst>
-          <pc:docMk/>
-          <pc:sldMk cId="3392618411" sldId="286"/>
-        </pc:sldMkLst>
-        <pc:spChg chg="mod">
-          <ac:chgData name="Trung Nghia Nguyen" userId="caf0b1f78d203fdc" providerId="LiveId" clId="{74A72D27-0F29-4AD9-985B-1D7512F86603}" dt="2023-04-12T02:10:43.545" v="2191" actId="20577"/>
-          <ac:spMkLst>
-            <pc:docMk/>
-            <pc:sldMk cId="3392618411" sldId="286"/>
-            <ac:spMk id="4" creationId="{11342279-3B1B-9555-FD5C-CA3839B3D029}"/>
-          </ac:spMkLst>
-        </pc:spChg>
-        <pc:spChg chg="mod">
-          <ac:chgData name="Trung Nghia Nguyen" userId="caf0b1f78d203fdc" providerId="LiveId" clId="{74A72D27-0F29-4AD9-985B-1D7512F86603}" dt="2023-04-07T07:03:10.665" v="1388" actId="20577"/>
-          <ac:spMkLst>
-            <pc:docMk/>
-            <pc:sldMk cId="3392618411" sldId="286"/>
-            <ac:spMk id="5" creationId="{2FD009FE-CA5C-D5A4-E99D-1E506F763D1C}"/>
-          </ac:spMkLst>
-        </pc:spChg>
-        <pc:spChg chg="mod">
-          <ac:chgData name="Trung Nghia Nguyen" userId="caf0b1f78d203fdc" providerId="LiveId" clId="{74A72D27-0F29-4AD9-985B-1D7512F86603}" dt="2023-04-07T07:01:50.815" v="1379"/>
-          <ac:spMkLst>
-            <pc:docMk/>
-            <pc:sldMk cId="3392618411" sldId="286"/>
-            <ac:spMk id="8" creationId="{FE5D4E40-17C8-086B-12F6-4368FAD8DA16}"/>
-          </ac:spMkLst>
-        </pc:spChg>
-        <pc:picChg chg="del">
-          <ac:chgData name="Trung Nghia Nguyen" userId="caf0b1f78d203fdc" providerId="LiveId" clId="{74A72D27-0F29-4AD9-985B-1D7512F86603}" dt="2023-04-07T07:02:17.386" v="1383" actId="478"/>
-          <ac:picMkLst>
-            <pc:docMk/>
-            <pc:sldMk cId="3392618411" sldId="286"/>
-            <ac:picMk id="6" creationId="{6EBD2F74-9E04-72C0-743C-B06D47F55380}"/>
-          </ac:picMkLst>
-        </pc:picChg>
-        <pc:picChg chg="add mod">
-          <ac:chgData name="Trung Nghia Nguyen" userId="caf0b1f78d203fdc" providerId="LiveId" clId="{74A72D27-0F29-4AD9-985B-1D7512F86603}" dt="2023-04-07T07:02:16.204" v="1382" actId="1076"/>
-          <ac:picMkLst>
-            <pc:docMk/>
-            <pc:sldMk cId="3392618411" sldId="286"/>
-            <ac:picMk id="7" creationId="{98649AF1-3DC3-2A68-C9F1-ABFD66B90B37}"/>
-          </ac:picMkLst>
-        </pc:picChg>
-        <pc:picChg chg="add mod">
-          <ac:chgData name="Trung Nghia Nguyen" userId="caf0b1f78d203fdc" providerId="LiveId" clId="{74A72D27-0F29-4AD9-985B-1D7512F86603}" dt="2023-04-07T07:02:58.524" v="1386" actId="1076"/>
-          <ac:picMkLst>
-            <pc:docMk/>
-            <pc:sldMk cId="3392618411" sldId="286"/>
-            <ac:picMk id="12" creationId="{85AECC65-5636-8C42-7DC3-13F9BC87D327}"/>
-          </ac:picMkLst>
-        </pc:picChg>
-        <pc:picChg chg="del">
-          <ac:chgData name="Trung Nghia Nguyen" userId="caf0b1f78d203fdc" providerId="LiveId" clId="{74A72D27-0F29-4AD9-985B-1D7512F86603}" dt="2023-04-07T07:02:11.947" v="1380" actId="478"/>
-          <ac:picMkLst>
-            <pc:docMk/>
-            <pc:sldMk cId="3392618411" sldId="286"/>
-            <ac:picMk id="13" creationId="{6507926E-ADCC-E5CF-CA5A-0769557EB85A}"/>
-          </ac:picMkLst>
-        </pc:picChg>
-      </pc:sldChg>
-      <pc:sldChg chg="addSp delSp modSp add mod">
-        <pc:chgData name="Trung Nghia Nguyen" userId="caf0b1f78d203fdc" providerId="LiveId" clId="{74A72D27-0F29-4AD9-985B-1D7512F86603}" dt="2023-04-12T02:10:47.871" v="2193" actId="20577"/>
-        <pc:sldMkLst>
-          <pc:docMk/>
-          <pc:sldMk cId="3402490532" sldId="287"/>
-        </pc:sldMkLst>
-        <pc:spChg chg="mod">
-          <ac:chgData name="Trung Nghia Nguyen" userId="caf0b1f78d203fdc" providerId="LiveId" clId="{74A72D27-0F29-4AD9-985B-1D7512F86603}" dt="2023-04-12T02:10:47.871" v="2193" actId="20577"/>
-          <ac:spMkLst>
-            <pc:docMk/>
-            <pc:sldMk cId="3402490532" sldId="287"/>
-            <ac:spMk id="4" creationId="{11342279-3B1B-9555-FD5C-CA3839B3D029}"/>
-          </ac:spMkLst>
-        </pc:spChg>
-        <pc:spChg chg="mod">
-          <ac:chgData name="Trung Nghia Nguyen" userId="caf0b1f78d203fdc" providerId="LiveId" clId="{74A72D27-0F29-4AD9-985B-1D7512F86603}" dt="2023-04-07T07:03:16.601" v="1391" actId="20577"/>
-          <ac:spMkLst>
-            <pc:docMk/>
-            <pc:sldMk cId="3402490532" sldId="287"/>
-            <ac:spMk id="5" creationId="{2FD009FE-CA5C-D5A4-E99D-1E506F763D1C}"/>
-          </ac:spMkLst>
-        </pc:spChg>
-        <pc:spChg chg="del">
-          <ac:chgData name="Trung Nghia Nguyen" userId="caf0b1f78d203fdc" providerId="LiveId" clId="{74A72D27-0F29-4AD9-985B-1D7512F86603}" dt="2023-04-07T07:03:33.017" v="1392" actId="478"/>
-          <ac:spMkLst>
-            <pc:docMk/>
-            <pc:sldMk cId="3402490532" sldId="287"/>
-            <ac:spMk id="8" creationId="{FE5D4E40-17C8-086B-12F6-4368FAD8DA16}"/>
-          </ac:spMkLst>
-        </pc:spChg>
-        <pc:spChg chg="del mod">
-          <ac:chgData name="Trung Nghia Nguyen" userId="caf0b1f78d203fdc" providerId="LiveId" clId="{74A72D27-0F29-4AD9-985B-1D7512F86603}" dt="2023-04-07T07:03:36.121" v="1396" actId="478"/>
-          <ac:spMkLst>
-            <pc:docMk/>
-            <pc:sldMk cId="3402490532" sldId="287"/>
-            <ac:spMk id="9" creationId="{EBCA5C7A-4B9E-5C7D-4FAC-95733A590DEC}"/>
-          </ac:spMkLst>
-        </pc:spChg>
-        <pc:spChg chg="add mod">
-          <ac:chgData name="Trung Nghia Nguyen" userId="caf0b1f78d203fdc" providerId="LiveId" clId="{74A72D27-0F29-4AD9-985B-1D7512F86603}" dt="2023-04-07T07:04:55.102" v="1579" actId="1076"/>
-          <ac:spMkLst>
-            <pc:docMk/>
-            <pc:sldMk cId="3402490532" sldId="287"/>
-            <ac:spMk id="10" creationId="{238E0658-D853-A165-C5A3-FD7A55961FE1}"/>
-          </ac:spMkLst>
-        </pc:spChg>
-        <pc:picChg chg="add mod">
-          <ac:chgData name="Trung Nghia Nguyen" userId="caf0b1f78d203fdc" providerId="LiveId" clId="{74A72D27-0F29-4AD9-985B-1D7512F86603}" dt="2023-04-07T07:03:48.288" v="1398" actId="1076"/>
-          <ac:picMkLst>
-            <pc:docMk/>
-            <pc:sldMk cId="3402490532" sldId="287"/>
-            <ac:picMk id="6" creationId="{96650C24-EE10-9576-F115-2659A4D9C2B3}"/>
-          </ac:picMkLst>
-        </pc:picChg>
-        <pc:picChg chg="del">
-          <ac:chgData name="Trung Nghia Nguyen" userId="caf0b1f78d203fdc" providerId="LiveId" clId="{74A72D27-0F29-4AD9-985B-1D7512F86603}" dt="2023-04-07T07:03:35.267" v="1395" actId="478"/>
-          <ac:picMkLst>
-            <pc:docMk/>
-            <pc:sldMk cId="3402490532" sldId="287"/>
-            <ac:picMk id="7" creationId="{98649AF1-3DC3-2A68-C9F1-ABFD66B90B37}"/>
-          </ac:picMkLst>
-        </pc:picChg>
-        <pc:picChg chg="del">
-          <ac:chgData name="Trung Nghia Nguyen" userId="caf0b1f78d203fdc" providerId="LiveId" clId="{74A72D27-0F29-4AD9-985B-1D7512F86603}" dt="2023-04-07T07:03:33.585" v="1393" actId="478"/>
-          <ac:picMkLst>
-            <pc:docMk/>
-            <pc:sldMk cId="3402490532" sldId="287"/>
-            <ac:picMk id="12" creationId="{85AECC65-5636-8C42-7DC3-13F9BC87D327}"/>
-          </ac:picMkLst>
-        </pc:picChg>
-      </pc:sldChg>
-      <pc:sldChg chg="modSp add mod ord">
-        <pc:chgData name="Trung Nghia Nguyen" userId="caf0b1f78d203fdc" providerId="LiveId" clId="{74A72D27-0F29-4AD9-985B-1D7512F86603}" dt="2023-04-12T02:10:53.533" v="2195" actId="20577"/>
-        <pc:sldMkLst>
-          <pc:docMk/>
-          <pc:sldMk cId="1941228625" sldId="288"/>
-        </pc:sldMkLst>
-        <pc:spChg chg="mod">
-          <ac:chgData name="Trung Nghia Nguyen" userId="caf0b1f78d203fdc" providerId="LiveId" clId="{74A72D27-0F29-4AD9-985B-1D7512F86603}" dt="2023-04-12T02:10:53.533" v="2195" actId="20577"/>
-          <ac:spMkLst>
-            <pc:docMk/>
-            <pc:sldMk cId="1941228625" sldId="288"/>
-            <ac:spMk id="6" creationId="{F6D86575-6F62-E86B-CB8C-67FDEFFD30D6}"/>
-          </ac:spMkLst>
-        </pc:spChg>
-        <pc:spChg chg="mod">
-          <ac:chgData name="Trung Nghia Nguyen" userId="caf0b1f78d203fdc" providerId="LiveId" clId="{74A72D27-0F29-4AD9-985B-1D7512F86603}" dt="2023-04-07T07:05:09.582" v="1583"/>
-          <ac:spMkLst>
-            <pc:docMk/>
-            <pc:sldMk cId="1941228625" sldId="288"/>
-            <ac:spMk id="14" creationId="{63B4AB36-B54A-EA5C-2A74-F2C80BE0CBC4}"/>
-          </ac:spMkLst>
-        </pc:spChg>
-        <pc:graphicFrameChg chg="modGraphic">
-          <ac:chgData name="Trung Nghia Nguyen" userId="caf0b1f78d203fdc" providerId="LiveId" clId="{74A72D27-0F29-4AD9-985B-1D7512F86603}" dt="2023-04-07T07:07:15.361" v="1672" actId="20577"/>
-          <ac:graphicFrameMkLst>
-            <pc:docMk/>
-            <pc:sldMk cId="1941228625" sldId="288"/>
-            <ac:graphicFrameMk id="3" creationId="{5E8325E1-BDCF-5783-E97F-C770E7E58F6D}"/>
-          </ac:graphicFrameMkLst>
-        </pc:graphicFrameChg>
-      </pc:sldChg>
-      <pc:sldChg chg="addSp delSp modSp add del mod">
-        <pc:chgData name="Trung Nghia Nguyen" userId="caf0b1f78d203fdc" providerId="LiveId" clId="{74A72D27-0F29-4AD9-985B-1D7512F86603}" dt="2023-04-12T02:10:57.702" v="2197" actId="20577"/>
-        <pc:sldMkLst>
-          <pc:docMk/>
-          <pc:sldMk cId="2797651471" sldId="289"/>
-        </pc:sldMkLst>
-        <pc:spChg chg="mod">
-          <ac:chgData name="Trung Nghia Nguyen" userId="caf0b1f78d203fdc" providerId="LiveId" clId="{74A72D27-0F29-4AD9-985B-1D7512F86603}" dt="2023-04-12T02:10:57.702" v="2197" actId="20577"/>
-          <ac:spMkLst>
-            <pc:docMk/>
-            <pc:sldMk cId="2797651471" sldId="289"/>
-            <ac:spMk id="6" creationId="{FD7465EC-84B6-406C-4864-45ADF9FB642F}"/>
-          </ac:spMkLst>
-        </pc:spChg>
-        <pc:graphicFrameChg chg="del modGraphic">
-          <ac:chgData name="Trung Nghia Nguyen" userId="caf0b1f78d203fdc" providerId="LiveId" clId="{74A72D27-0F29-4AD9-985B-1D7512F86603}" dt="2023-04-07T07:07:20.681" v="1675" actId="478"/>
-          <ac:graphicFrameMkLst>
-            <pc:docMk/>
-            <pc:sldMk cId="2797651471" sldId="289"/>
-            <ac:graphicFrameMk id="3" creationId="{5E8325E1-BDCF-5783-E97F-C770E7E58F6D}"/>
-          </ac:graphicFrameMkLst>
-        </pc:graphicFrameChg>
-        <pc:graphicFrameChg chg="add del mod">
-          <ac:chgData name="Trung Nghia Nguyen" userId="caf0b1f78d203fdc" providerId="LiveId" clId="{74A72D27-0F29-4AD9-985B-1D7512F86603}" dt="2023-04-07T07:07:29.596" v="1677" actId="478"/>
-          <ac:graphicFrameMkLst>
-            <pc:docMk/>
-            <pc:sldMk cId="2797651471" sldId="289"/>
-            <ac:graphicFrameMk id="5" creationId="{2AD5F64A-D119-F740-B2F2-88EF4FA786BC}"/>
-          </ac:graphicFrameMkLst>
-        </pc:graphicFrameChg>
-        <pc:graphicFrameChg chg="add mod">
-          <ac:chgData name="Trung Nghia Nguyen" userId="caf0b1f78d203fdc" providerId="LiveId" clId="{74A72D27-0F29-4AD9-985B-1D7512F86603}" dt="2023-04-07T07:07:30.052" v="1678"/>
-          <ac:graphicFrameMkLst>
-            <pc:docMk/>
-            <pc:sldMk cId="2797651471" sldId="289"/>
-            <ac:graphicFrameMk id="7" creationId="{5347763A-C403-0142-AB17-1E3F4BF42D06}"/>
-          </ac:graphicFrameMkLst>
-        </pc:graphicFrameChg>
-      </pc:sldChg>
-      <pc:sldChg chg="modSp add mod">
-        <pc:chgData name="Trung Nghia Nguyen" userId="caf0b1f78d203fdc" providerId="LiveId" clId="{74A72D27-0F29-4AD9-985B-1D7512F86603}" dt="2023-04-12T02:11:02.627" v="2199" actId="20577"/>
-        <pc:sldMkLst>
-          <pc:docMk/>
-          <pc:sldMk cId="3273506458" sldId="290"/>
-        </pc:sldMkLst>
-        <pc:spChg chg="mod">
-          <ac:chgData name="Trung Nghia Nguyen" userId="caf0b1f78d203fdc" providerId="LiveId" clId="{74A72D27-0F29-4AD9-985B-1D7512F86603}" dt="2023-04-12T02:11:02.627" v="2199" actId="20577"/>
-          <ac:spMkLst>
-            <pc:docMk/>
-            <pc:sldMk cId="3273506458" sldId="290"/>
-            <ac:spMk id="6" creationId="{FD7465EC-84B6-406C-4864-45ADF9FB642F}"/>
-          </ac:spMkLst>
-        </pc:spChg>
-      </pc:sldChg>
-      <pc:sldChg chg="modSp add mod">
-        <pc:chgData name="Trung Nghia Nguyen" userId="caf0b1f78d203fdc" providerId="LiveId" clId="{74A72D27-0F29-4AD9-985B-1D7512F86603}" dt="2023-04-12T02:11:07.168" v="2201" actId="20577"/>
-        <pc:sldMkLst>
-          <pc:docMk/>
-          <pc:sldMk cId="1076178229" sldId="291"/>
-        </pc:sldMkLst>
-        <pc:spChg chg="mod">
-          <ac:chgData name="Trung Nghia Nguyen" userId="caf0b1f78d203fdc" providerId="LiveId" clId="{74A72D27-0F29-4AD9-985B-1D7512F86603}" dt="2023-04-12T02:11:07.168" v="2201" actId="20577"/>
-          <ac:spMkLst>
-            <pc:docMk/>
-            <pc:sldMk cId="1076178229" sldId="291"/>
-            <ac:spMk id="6" creationId="{FD7465EC-84B6-406C-4864-45ADF9FB642F}"/>
-          </ac:spMkLst>
-        </pc:spChg>
-      </pc:sldChg>
-    </pc:docChg>
-  </pc:docChgLst>
-  <pc:docChgLst>
-    <pc:chgData name="Trung Nghia Nguyen" userId="caf0b1f78d203fdc" providerId="LiveId" clId="{FA98E611-7EE5-4D53-A8F6-A8478DA16B0D}"/>
-    <pc:docChg chg="undo custSel addSld delSld modSld sldOrd modMainMaster modNotesMaster">
-      <pc:chgData name="Trung Nghia Nguyen" userId="caf0b1f78d203fdc" providerId="LiveId" clId="{FA98E611-7EE5-4D53-A8F6-A8478DA16B0D}" dt="2023-03-20T07:19:32.351" v="7035" actId="20577"/>
-      <pc:docMkLst>
-        <pc:docMk/>
-      </pc:docMkLst>
-      <pc:sldChg chg="addSp delSp modSp new mod">
-        <pc:chgData name="Trung Nghia Nguyen" userId="caf0b1f78d203fdc" providerId="LiveId" clId="{FA98E611-7EE5-4D53-A8F6-A8478DA16B0D}" dt="2023-03-20T02:03:15.660" v="4804" actId="20577"/>
-        <pc:sldMkLst>
-          <pc:docMk/>
-          <pc:sldMk cId="779292092" sldId="256"/>
-        </pc:sldMkLst>
-        <pc:spChg chg="del mod">
-          <ac:chgData name="Trung Nghia Nguyen" userId="caf0b1f78d203fdc" providerId="LiveId" clId="{FA98E611-7EE5-4D53-A8F6-A8478DA16B0D}" dt="2023-03-16T04:25:31.003" v="2" actId="478"/>
-          <ac:spMkLst>
-            <pc:docMk/>
-            <pc:sldMk cId="779292092" sldId="256"/>
-            <ac:spMk id="2" creationId="{A117D592-65D1-FEB2-AB2A-1197CEC1533A}"/>
-          </ac:spMkLst>
-        </pc:spChg>
-        <pc:spChg chg="del mod">
-          <ac:chgData name="Trung Nghia Nguyen" userId="caf0b1f78d203fdc" providerId="LiveId" clId="{FA98E611-7EE5-4D53-A8F6-A8478DA16B0D}" dt="2023-03-16T04:26:30.339" v="75"/>
-          <ac:spMkLst>
-            <pc:docMk/>
-            <pc:sldMk cId="779292092" sldId="256"/>
-            <ac:spMk id="3" creationId="{10CEF238-71AF-8F0B-FAB7-5FB7BE0C6241}"/>
-          </ac:spMkLst>
-        </pc:spChg>
-        <pc:spChg chg="add mod">
-          <ac:chgData name="Trung Nghia Nguyen" userId="caf0b1f78d203fdc" providerId="LiveId" clId="{FA98E611-7EE5-4D53-A8F6-A8478DA16B0D}" dt="2023-03-19T19:41:39.395" v="4557" actId="20577"/>
-          <ac:spMkLst>
-            <pc:docMk/>
-            <pc:sldMk cId="779292092" sldId="256"/>
-            <ac:spMk id="3" creationId="{96D15035-7BD4-17B1-61CC-73A16FAB9E8C}"/>
-          </ac:spMkLst>
-        </pc:spChg>
-        <pc:spChg chg="add del mod">
-          <ac:chgData name="Trung Nghia Nguyen" userId="caf0b1f78d203fdc" providerId="LiveId" clId="{FA98E611-7EE5-4D53-A8F6-A8478DA16B0D}" dt="2023-03-16T04:26:33.737" v="76" actId="478"/>
-          <ac:spMkLst>
-            <pc:docMk/>
-            <pc:sldMk cId="779292092" sldId="256"/>
-            <ac:spMk id="4" creationId="{D3541119-F88B-63E0-D9CB-1FBA398AF2C2}"/>
-          </ac:spMkLst>
-        </pc:spChg>
-        <pc:spChg chg="add del mod">
-          <ac:chgData name="Trung Nghia Nguyen" userId="caf0b1f78d203fdc" providerId="LiveId" clId="{FA98E611-7EE5-4D53-A8F6-A8478DA16B0D}" dt="2023-03-16T04:26:41.747" v="80" actId="478"/>
-          <ac:spMkLst>
-            <pc:docMk/>
-            <pc:sldMk cId="779292092" sldId="256"/>
-            <ac:spMk id="5" creationId="{ABA30120-0E89-CD7C-399C-36E8D45B427C}"/>
-          </ac:spMkLst>
-        </pc:spChg>
-        <pc:spChg chg="add del mod">
-          <ac:chgData name="Trung Nghia Nguyen" userId="caf0b1f78d203fdc" providerId="LiveId" clId="{FA98E611-7EE5-4D53-A8F6-A8478DA16B0D}" dt="2023-03-16T04:27:22.442" v="90"/>
-          <ac:spMkLst>
-            <pc:docMk/>
-            <pc:sldMk cId="779292092" sldId="256"/>
-            <ac:spMk id="6" creationId="{AAB06E32-4593-8D4D-C74D-CF8D31363477}"/>
-          </ac:spMkLst>
-        </pc:spChg>
-        <pc:spChg chg="add del">
-          <ac:chgData name="Trung Nghia Nguyen" userId="caf0b1f78d203fdc" providerId="LiveId" clId="{FA98E611-7EE5-4D53-A8F6-A8478DA16B0D}" dt="2023-03-16T04:27:09.227" v="84" actId="22"/>
-          <ac:spMkLst>
-            <pc:docMk/>
-            <pc:sldMk cId="779292092" sldId="256"/>
-            <ac:spMk id="8" creationId="{AA71866C-55AA-CB05-D180-FE98E4673862}"/>
-          </ac:spMkLst>
-        </pc:spChg>
-        <pc:spChg chg="add del mod">
-          <ac:chgData name="Trung Nghia Nguyen" userId="caf0b1f78d203fdc" providerId="LiveId" clId="{FA98E611-7EE5-4D53-A8F6-A8478DA16B0D}" dt="2023-03-16T04:27:21.819" v="88"/>
-          <ac:spMkLst>
-            <pc:docMk/>
-            <pc:sldMk cId="779292092" sldId="256"/>
-            <ac:spMk id="9" creationId="{BF2B2450-A3A7-8C9F-A35B-E45EC50B2722}"/>
-          </ac:spMkLst>
-        </pc:spChg>
-        <pc:spChg chg="add mod">
-          <ac:chgData name="Trung Nghia Nguyen" userId="caf0b1f78d203fdc" providerId="LiveId" clId="{FA98E611-7EE5-4D53-A8F6-A8478DA16B0D}" dt="2023-03-16T05:56:31.363" v="885" actId="20577"/>
-          <ac:spMkLst>
-            <pc:docMk/>
-            <pc:sldMk cId="779292092" sldId="256"/>
-            <ac:spMk id="14" creationId="{63B4AB36-B54A-EA5C-2A74-F2C80BE0CBC4}"/>
-          </ac:spMkLst>
-        </pc:spChg>
-        <pc:spChg chg="add del mod">
-          <ac:chgData name="Trung Nghia Nguyen" userId="caf0b1f78d203fdc" providerId="LiveId" clId="{FA98E611-7EE5-4D53-A8F6-A8478DA16B0D}" dt="2023-03-16T05:56:37.340" v="886" actId="478"/>
-          <ac:spMkLst>
-            <pc:docMk/>
-            <pc:sldMk cId="779292092" sldId="256"/>
-            <ac:spMk id="15" creationId="{17843FAC-3233-9FA3-6096-5E9BE746F288}"/>
-          </ac:spMkLst>
-        </pc:spChg>
-        <pc:graphicFrameChg chg="add mod modGraphic">
-          <ac:chgData name="Trung Nghia Nguyen" userId="caf0b1f78d203fdc" providerId="LiveId" clId="{FA98E611-7EE5-4D53-A8F6-A8478DA16B0D}" dt="2023-03-20T02:03:15.660" v="4804" actId="20577"/>
-          <ac:graphicFrameMkLst>
-            <pc:docMk/>
-            <pc:sldMk cId="779292092" sldId="256"/>
-            <ac:graphicFrameMk id="16" creationId="{A794B221-780B-3E0D-DCDE-B4B669AD1AE3}"/>
-          </ac:graphicFrameMkLst>
-        </pc:graphicFrameChg>
-        <pc:picChg chg="add mod">
-          <ac:chgData name="Trung Nghia Nguyen" userId="caf0b1f78d203fdc" providerId="LiveId" clId="{FA98E611-7EE5-4D53-A8F6-A8478DA16B0D}" dt="2023-03-16T04:28:13.628" v="97" actId="1076"/>
-          <ac:picMkLst>
-            <pc:docMk/>
-            <pc:sldMk cId="779292092" sldId="256"/>
-            <ac:picMk id="1034" creationId="{6F72484C-A752-76F3-F259-0A997B815A00}"/>
-          </ac:picMkLst>
-        </pc:picChg>
-        <pc:cxnChg chg="add mod">
-          <ac:chgData name="Trung Nghia Nguyen" userId="caf0b1f78d203fdc" providerId="LiveId" clId="{FA98E611-7EE5-4D53-A8F6-A8478DA16B0D}" dt="2023-03-17T04:37:52.245" v="3021"/>
-          <ac:cxnSpMkLst>
-            <pc:docMk/>
-            <pc:sldMk cId="779292092" sldId="256"/>
-            <ac:cxnSpMk id="2" creationId="{D5E91735-6F4E-1EBB-5B25-60BB71493CFD}"/>
-          </ac:cxnSpMkLst>
-        </pc:cxnChg>
-        <pc:cxnChg chg="add mod">
-          <ac:chgData name="Trung Nghia Nguyen" userId="caf0b1f78d203fdc" providerId="LiveId" clId="{FA98E611-7EE5-4D53-A8F6-A8478DA16B0D}" dt="2023-03-16T04:29:23.337" v="100" actId="14100"/>
-          <ac:cxnSpMkLst>
-            <pc:docMk/>
-            <pc:sldMk cId="779292092" sldId="256"/>
-            <ac:cxnSpMk id="11" creationId="{E5C4A229-E185-5A4B-53B1-81D591292671}"/>
-          </ac:cxnSpMkLst>
-        </pc:cxnChg>
-      </pc:sldChg>
-      <pc:sldChg chg="addSp modSp add mod ord">
-        <pc:chgData name="Trung Nghia Nguyen" userId="caf0b1f78d203fdc" providerId="LiveId" clId="{FA98E611-7EE5-4D53-A8F6-A8478DA16B0D}" dt="2023-03-20T02:02:08.352" v="4784" actId="20577"/>
-        <pc:sldMkLst>
-          <pc:docMk/>
-          <pc:sldMk cId="502051408" sldId="257"/>
-        </pc:sldMkLst>
-        <pc:spChg chg="add mod">
-          <ac:chgData name="Trung Nghia Nguyen" userId="caf0b1f78d203fdc" providerId="LiveId" clId="{FA98E611-7EE5-4D53-A8F6-A8478DA16B0D}" dt="2023-03-17T04:37:41.303" v="3019" actId="14100"/>
-          <ac:spMkLst>
-            <pc:docMk/>
-            <pc:sldMk cId="502051408" sldId="257"/>
-            <ac:spMk id="4" creationId="{A7C6B5DE-252A-6692-B1E6-C658AB98BEE6}"/>
-          </ac:spMkLst>
-        </pc:spChg>
-        <pc:spChg chg="mod">
-          <ac:chgData name="Trung Nghia Nguyen" userId="caf0b1f78d203fdc" providerId="LiveId" clId="{FA98E611-7EE5-4D53-A8F6-A8478DA16B0D}" dt="2023-03-19T20:01:49.324" v="4626" actId="14100"/>
-          <ac:spMkLst>
-            <pc:docMk/>
-            <pc:sldMk cId="502051408" sldId="257"/>
-            <ac:spMk id="14" creationId="{63B4AB36-B54A-EA5C-2A74-F2C80BE0CBC4}"/>
-          </ac:spMkLst>
-        </pc:spChg>
-        <pc:graphicFrameChg chg="mod modGraphic">
-          <ac:chgData name="Trung Nghia Nguyen" userId="caf0b1f78d203fdc" providerId="LiveId" clId="{FA98E611-7EE5-4D53-A8F6-A8478DA16B0D}" dt="2023-03-20T02:02:08.352" v="4784" actId="20577"/>
-          <ac:graphicFrameMkLst>
-            <pc:docMk/>
-            <pc:sldMk cId="502051408" sldId="257"/>
-            <ac:graphicFrameMk id="16" creationId="{A794B221-780B-3E0D-DCDE-B4B669AD1AE3}"/>
-          </ac:graphicFrameMkLst>
-        </pc:graphicFrameChg>
-        <pc:cxnChg chg="add mod">
-          <ac:chgData name="Trung Nghia Nguyen" userId="caf0b1f78d203fdc" providerId="LiveId" clId="{FA98E611-7EE5-4D53-A8F6-A8478DA16B0D}" dt="2023-03-17T04:37:47.645" v="3020" actId="14100"/>
-          <ac:cxnSpMkLst>
-            <pc:docMk/>
-            <pc:sldMk cId="502051408" sldId="257"/>
-            <ac:cxnSpMk id="2" creationId="{0193EF83-1ED7-DCBA-7737-4EE3F208EA17}"/>
-          </ac:cxnSpMkLst>
-        </pc:cxnChg>
-      </pc:sldChg>
-      <pc:sldChg chg="addSp delSp modSp add mod">
-        <pc:chgData name="Trung Nghia Nguyen" userId="caf0b1f78d203fdc" providerId="LiveId" clId="{FA98E611-7EE5-4D53-A8F6-A8478DA16B0D}" dt="2023-03-19T20:07:36.464" v="4782" actId="1076"/>
-        <pc:sldMkLst>
-          <pc:docMk/>
-          <pc:sldMk cId="3011248427" sldId="258"/>
-        </pc:sldMkLst>
-        <pc:spChg chg="add del mod">
-          <ac:chgData name="Trung Nghia Nguyen" userId="caf0b1f78d203fdc" providerId="LiveId" clId="{FA98E611-7EE5-4D53-A8F6-A8478DA16B0D}" dt="2023-03-17T04:38:56.233" v="3046" actId="478"/>
-          <ac:spMkLst>
-            <pc:docMk/>
-            <pc:sldMk cId="3011248427" sldId="258"/>
-            <ac:spMk id="3" creationId="{00103708-BF71-4028-9F2C-BCD6FC6E2BB3}"/>
-          </ac:spMkLst>
-        </pc:spChg>
-        <pc:spChg chg="add mod">
-          <ac:chgData name="Trung Nghia Nguyen" userId="caf0b1f78d203fdc" providerId="LiveId" clId="{FA98E611-7EE5-4D53-A8F6-A8478DA16B0D}" dt="2023-03-19T20:07:36.464" v="4782" actId="1076"/>
-          <ac:spMkLst>
-            <pc:docMk/>
-            <pc:sldMk cId="3011248427" sldId="258"/>
-            <ac:spMk id="3" creationId="{56C3DF9C-2FEB-EE52-21A1-DBBB2454EA38}"/>
-          </ac:spMkLst>
-        </pc:spChg>
-        <pc:spChg chg="add mod">
-          <ac:chgData name="Trung Nghia Nguyen" userId="caf0b1f78d203fdc" providerId="LiveId" clId="{FA98E611-7EE5-4D53-A8F6-A8478DA16B0D}" dt="2023-03-19T19:41:48.869" v="4561" actId="20577"/>
-          <ac:spMkLst>
-            <pc:docMk/>
-            <pc:sldMk cId="3011248427" sldId="258"/>
-            <ac:spMk id="4" creationId="{11342279-3B1B-9555-FD5C-CA3839B3D029}"/>
-          </ac:spMkLst>
-        </pc:spChg>
-        <pc:spChg chg="mod">
-          <ac:chgData name="Trung Nghia Nguyen" userId="caf0b1f78d203fdc" providerId="LiveId" clId="{FA98E611-7EE5-4D53-A8F6-A8478DA16B0D}" dt="2023-03-16T06:01:33.515" v="1032" actId="20577"/>
-          <ac:spMkLst>
-            <pc:docMk/>
-            <pc:sldMk cId="3011248427" sldId="258"/>
-            <ac:spMk id="14" creationId="{63B4AB36-B54A-EA5C-2A74-F2C80BE0CBC4}"/>
-          </ac:spMkLst>
-        </pc:spChg>
-        <pc:graphicFrameChg chg="mod modGraphic">
-          <ac:chgData name="Trung Nghia Nguyen" userId="caf0b1f78d203fdc" providerId="LiveId" clId="{FA98E611-7EE5-4D53-A8F6-A8478DA16B0D}" dt="2023-03-19T19:23:41.611" v="4269" actId="2711"/>
-          <ac:graphicFrameMkLst>
-            <pc:docMk/>
-            <pc:sldMk cId="3011248427" sldId="258"/>
-            <ac:graphicFrameMk id="16" creationId="{A794B221-780B-3E0D-DCDE-B4B669AD1AE3}"/>
-          </ac:graphicFrameMkLst>
-        </pc:graphicFrameChg>
-        <pc:cxnChg chg="add mod">
-          <ac:chgData name="Trung Nghia Nguyen" userId="caf0b1f78d203fdc" providerId="LiveId" clId="{FA98E611-7EE5-4D53-A8F6-A8478DA16B0D}" dt="2023-03-17T04:37:55.646" v="3023"/>
-          <ac:cxnSpMkLst>
-            <pc:docMk/>
-            <pc:sldMk cId="3011248427" sldId="258"/>
-            <ac:cxnSpMk id="2" creationId="{AF3ADEA5-03F2-7E56-B6E6-8B6970A896CF}"/>
-          </ac:cxnSpMkLst>
-        </pc:cxnChg>
-      </pc:sldChg>
-      <pc:sldChg chg="addSp delSp modSp add mod">
-        <pc:chgData name="Trung Nghia Nguyen" userId="caf0b1f78d203fdc" providerId="LiveId" clId="{FA98E611-7EE5-4D53-A8F6-A8478DA16B0D}" dt="2023-03-20T06:30:07.305" v="4932" actId="1076"/>
-        <pc:sldMkLst>
-          <pc:docMk/>
-          <pc:sldMk cId="4019893558" sldId="259"/>
-        </pc:sldMkLst>
-        <pc:spChg chg="add mod">
-          <ac:chgData name="Trung Nghia Nguyen" userId="caf0b1f78d203fdc" providerId="LiveId" clId="{FA98E611-7EE5-4D53-A8F6-A8478DA16B0D}" dt="2023-03-16T06:06:38.899" v="1143" actId="114"/>
-          <ac:spMkLst>
-            <pc:docMk/>
-            <pc:sldMk cId="4019893558" sldId="259"/>
-            <ac:spMk id="2" creationId="{30380714-4CD2-9849-80A6-8AC66F97DA6F}"/>
-          </ac:spMkLst>
-        </pc:spChg>
-        <pc:spChg chg="add del mod">
-          <ac:chgData name="Trung Nghia Nguyen" userId="caf0b1f78d203fdc" providerId="LiveId" clId="{FA98E611-7EE5-4D53-A8F6-A8478DA16B0D}" dt="2023-03-17T04:38:59.674" v="3048" actId="478"/>
-          <ac:spMkLst>
-            <pc:docMk/>
-            <pc:sldMk cId="4019893558" sldId="259"/>
-            <ac:spMk id="4" creationId="{E6731AC8-6FBB-04D3-C8AD-D910046055D9}"/>
-          </ac:spMkLst>
-        </pc:spChg>
-        <pc:spChg chg="add mod">
-          <ac:chgData name="Trung Nghia Nguyen" userId="caf0b1f78d203fdc" providerId="LiveId" clId="{FA98E611-7EE5-4D53-A8F6-A8478DA16B0D}" dt="2023-03-19T19:41:52.701" v="4563" actId="20577"/>
-          <ac:spMkLst>
-            <pc:docMk/>
-            <pc:sldMk cId="4019893558" sldId="259"/>
-            <ac:spMk id="5" creationId="{38B62299-A944-8252-B1CB-882A15417931}"/>
-          </ac:spMkLst>
-        </pc:spChg>
-        <pc:spChg chg="add mod">
-          <ac:chgData name="Trung Nghia Nguyen" userId="caf0b1f78d203fdc" providerId="LiveId" clId="{FA98E611-7EE5-4D53-A8F6-A8478DA16B0D}" dt="2023-03-20T06:30:07.305" v="4932" actId="1076"/>
-          <ac:spMkLst>
-            <pc:docMk/>
-            <pc:sldMk cId="4019893558" sldId="259"/>
-            <ac:spMk id="8" creationId="{734BE0A0-109F-5738-2B5A-12B232A6A7ED}"/>
-          </ac:spMkLst>
-        </pc:spChg>
-        <pc:spChg chg="mod">
-          <ac:chgData name="Trung Nghia Nguyen" userId="caf0b1f78d203fdc" providerId="LiveId" clId="{FA98E611-7EE5-4D53-A8F6-A8478DA16B0D}" dt="2023-03-16T06:05:39.139" v="1113" actId="20577"/>
-          <ac:spMkLst>
-            <pc:docMk/>
-            <pc:sldMk cId="4019893558" sldId="259"/>
-            <ac:spMk id="14" creationId="{63B4AB36-B54A-EA5C-2A74-F2C80BE0CBC4}"/>
-          </ac:spMkLst>
-        </pc:spChg>
-        <pc:graphicFrameChg chg="del">
-          <ac:chgData name="Trung Nghia Nguyen" userId="caf0b1f78d203fdc" providerId="LiveId" clId="{FA98E611-7EE5-4D53-A8F6-A8478DA16B0D}" dt="2023-03-16T06:05:53.385" v="1114" actId="478"/>
-          <ac:graphicFrameMkLst>
-            <pc:docMk/>
-            <pc:sldMk cId="4019893558" sldId="259"/>
-            <ac:graphicFrameMk id="16" creationId="{A794B221-780B-3E0D-DCDE-B4B669AD1AE3}"/>
-          </ac:graphicFrameMkLst>
-        </pc:graphicFrameChg>
-        <pc:picChg chg="add">
-          <ac:chgData name="Trung Nghia Nguyen" userId="caf0b1f78d203fdc" providerId="LiveId" clId="{FA98E611-7EE5-4D53-A8F6-A8478DA16B0D}" dt="2023-03-20T06:29:17.630" v="4858" actId="22"/>
-          <ac:picMkLst>
-            <pc:docMk/>
-            <pc:sldMk cId="4019893558" sldId="259"/>
-            <ac:picMk id="6" creationId="{43B774FE-5094-7AB3-83D9-57A0DF7FF1F6}"/>
-          </ac:picMkLst>
-        </pc:picChg>
-        <pc:picChg chg="add del mod">
-          <ac:chgData name="Trung Nghia Nguyen" userId="caf0b1f78d203fdc" providerId="LiveId" clId="{FA98E611-7EE5-4D53-A8F6-A8478DA16B0D}" dt="2023-03-20T06:29:17.174" v="4857" actId="478"/>
-          <ac:picMkLst>
-            <pc:docMk/>
-            <pc:sldMk cId="4019893558" sldId="259"/>
-            <ac:picMk id="7" creationId="{69D8DC54-039D-02F5-CE7D-B44993CE410C}"/>
-          </ac:picMkLst>
-        </pc:picChg>
-        <pc:cxnChg chg="add mod">
-          <ac:chgData name="Trung Nghia Nguyen" userId="caf0b1f78d203fdc" providerId="LiveId" clId="{FA98E611-7EE5-4D53-A8F6-A8478DA16B0D}" dt="2023-03-17T04:37:56.935" v="3024"/>
-          <ac:cxnSpMkLst>
-            <pc:docMk/>
-            <pc:sldMk cId="4019893558" sldId="259"/>
-            <ac:cxnSpMk id="3" creationId="{9B5848A5-3C88-A3DF-9B0B-60160834435A}"/>
-          </ac:cxnSpMkLst>
-        </pc:cxnChg>
-      </pc:sldChg>
-      <pc:sldChg chg="addSp delSp modSp add mod">
-        <pc:chgData name="Trung Nghia Nguyen" userId="caf0b1f78d203fdc" providerId="LiveId" clId="{FA98E611-7EE5-4D53-A8F6-A8478DA16B0D}" dt="2023-03-20T06:32:28.380" v="4981" actId="22"/>
-        <pc:sldMkLst>
-          <pc:docMk/>
-          <pc:sldMk cId="3474282668" sldId="260"/>
-        </pc:sldMkLst>
-        <pc:spChg chg="mod">
-          <ac:chgData name="Trung Nghia Nguyen" userId="caf0b1f78d203fdc" providerId="LiveId" clId="{FA98E611-7EE5-4D53-A8F6-A8478DA16B0D}" dt="2023-03-16T06:07:58.268" v="1156" actId="20577"/>
-          <ac:spMkLst>
-            <pc:docMk/>
-            <pc:sldMk cId="3474282668" sldId="260"/>
-            <ac:spMk id="2" creationId="{30380714-4CD2-9849-80A6-8AC66F97DA6F}"/>
-          </ac:spMkLst>
-        </pc:spChg>
-        <pc:spChg chg="add mod">
-          <ac:chgData name="Trung Nghia Nguyen" userId="caf0b1f78d203fdc" providerId="LiveId" clId="{FA98E611-7EE5-4D53-A8F6-A8478DA16B0D}" dt="2023-03-20T06:32:27.935" v="4980" actId="1076"/>
-          <ac:spMkLst>
-            <pc:docMk/>
-            <pc:sldMk cId="3474282668" sldId="260"/>
-            <ac:spMk id="4" creationId="{9431821D-6D7D-E062-A69A-509104FD42F8}"/>
-          </ac:spMkLst>
-        </pc:spChg>
-        <pc:spChg chg="add del mod">
-          <ac:chgData name="Trung Nghia Nguyen" userId="caf0b1f78d203fdc" providerId="LiveId" clId="{FA98E611-7EE5-4D53-A8F6-A8478DA16B0D}" dt="2023-03-17T04:39:14.883" v="3056" actId="478"/>
-          <ac:spMkLst>
-            <pc:docMk/>
-            <pc:sldMk cId="3474282668" sldId="260"/>
-            <ac:spMk id="4" creationId="{F90D0244-90F2-3218-C4A1-606B763A06C7}"/>
-          </ac:spMkLst>
-        </pc:spChg>
-        <pc:spChg chg="add mod">
-          <ac:chgData name="Trung Nghia Nguyen" userId="caf0b1f78d203fdc" providerId="LiveId" clId="{FA98E611-7EE5-4D53-A8F6-A8478DA16B0D}" dt="2023-03-19T19:42:28.957" v="4575" actId="20577"/>
-          <ac:spMkLst>
-            <pc:docMk/>
-            <pc:sldMk cId="3474282668" sldId="260"/>
-            <ac:spMk id="5" creationId="{4560C39D-ACC4-FD53-200A-C206C7FACCF7}"/>
-          </ac:spMkLst>
-        </pc:spChg>
-        <pc:picChg chg="add">
-          <ac:chgData name="Trung Nghia Nguyen" userId="caf0b1f78d203fdc" providerId="LiveId" clId="{FA98E611-7EE5-4D53-A8F6-A8478DA16B0D}" dt="2023-03-20T06:32:28.380" v="4981" actId="22"/>
-          <ac:picMkLst>
-            <pc:docMk/>
-            <pc:sldMk cId="3474282668" sldId="260"/>
-            <ac:picMk id="7" creationId="{0A013844-F359-90BA-AFE5-5A4E0F02079B}"/>
-          </ac:picMkLst>
-        </pc:picChg>
-        <pc:cxnChg chg="add mod">
-          <ac:chgData name="Trung Nghia Nguyen" userId="caf0b1f78d203fdc" providerId="LiveId" clId="{FA98E611-7EE5-4D53-A8F6-A8478DA16B0D}" dt="2023-03-17T04:38:03.135" v="3028"/>
-          <ac:cxnSpMkLst>
-            <pc:docMk/>
-            <pc:sldMk cId="3474282668" sldId="260"/>
-            <ac:cxnSpMk id="3" creationId="{A678CC92-2ECC-6731-44B3-E00C5607B1AE}"/>
-          </ac:cxnSpMkLst>
-        </pc:cxnChg>
-      </pc:sldChg>
-      <pc:sldChg chg="addSp delSp modSp add mod">
-        <pc:chgData name="Trung Nghia Nguyen" userId="caf0b1f78d203fdc" providerId="LiveId" clId="{FA98E611-7EE5-4D53-A8F6-A8478DA16B0D}" dt="2023-03-20T06:36:55.797" v="5214" actId="20577"/>
-        <pc:sldMkLst>
-          <pc:docMk/>
-          <pc:sldMk cId="2176878142" sldId="261"/>
-        </pc:sldMkLst>
-        <pc:spChg chg="mod">
-          <ac:chgData name="Trung Nghia Nguyen" userId="caf0b1f78d203fdc" providerId="LiveId" clId="{FA98E611-7EE5-4D53-A8F6-A8478DA16B0D}" dt="2023-03-16T06:07:54.573" v="1154" actId="20577"/>
-          <ac:spMkLst>
-            <pc:docMk/>
-            <pc:sldMk cId="2176878142" sldId="261"/>
-            <ac:spMk id="2" creationId="{30380714-4CD2-9849-80A6-8AC66F97DA6F}"/>
-          </ac:spMkLst>
-        </pc:spChg>
-        <pc:spChg chg="add del mod">
-          <ac:chgData name="Trung Nghia Nguyen" userId="caf0b1f78d203fdc" providerId="LiveId" clId="{FA98E611-7EE5-4D53-A8F6-A8478DA16B0D}" dt="2023-03-17T04:39:11.371" v="3054" actId="478"/>
-          <ac:spMkLst>
-            <pc:docMk/>
-            <pc:sldMk cId="2176878142" sldId="261"/>
-            <ac:spMk id="4" creationId="{79A4E201-0F99-95ED-5D57-A5ADBCE00A7E}"/>
-          </ac:spMkLst>
-        </pc:spChg>
-        <pc:spChg chg="add mod">
-          <ac:chgData name="Trung Nghia Nguyen" userId="caf0b1f78d203fdc" providerId="LiveId" clId="{FA98E611-7EE5-4D53-A8F6-A8478DA16B0D}" dt="2023-03-19T19:42:25.521" v="4574" actId="20577"/>
-          <ac:spMkLst>
-            <pc:docMk/>
-            <pc:sldMk cId="2176878142" sldId="261"/>
-            <ac:spMk id="5" creationId="{773F5182-C15F-B8A2-79A6-98CC56113930}"/>
-          </ac:spMkLst>
-        </pc:spChg>
-        <pc:spChg chg="add mod">
-          <ac:chgData name="Trung Nghia Nguyen" userId="caf0b1f78d203fdc" providerId="LiveId" clId="{FA98E611-7EE5-4D53-A8F6-A8478DA16B0D}" dt="2023-03-20T06:36:55.797" v="5214" actId="20577"/>
-          <ac:spMkLst>
-            <pc:docMk/>
-            <pc:sldMk cId="2176878142" sldId="261"/>
-            <ac:spMk id="9" creationId="{F533BA89-8B09-1895-6FE7-F00314F0528E}"/>
-          </ac:spMkLst>
-        </pc:spChg>
-        <pc:picChg chg="add del mod">
-          <ac:chgData name="Trung Nghia Nguyen" userId="caf0b1f78d203fdc" providerId="LiveId" clId="{FA98E611-7EE5-4D53-A8F6-A8478DA16B0D}" dt="2023-03-20T06:33:26.107" v="4982" actId="478"/>
-          <ac:picMkLst>
-            <pc:docMk/>
-            <pc:sldMk cId="2176878142" sldId="261"/>
-            <ac:picMk id="6" creationId="{DBB75A3D-9236-0F32-4DB3-8640590F658C}"/>
-          </ac:picMkLst>
-        </pc:picChg>
-        <pc:picChg chg="add mod">
-          <ac:chgData name="Trung Nghia Nguyen" userId="caf0b1f78d203fdc" providerId="LiveId" clId="{FA98E611-7EE5-4D53-A8F6-A8478DA16B0D}" dt="2023-03-20T06:36:32.318" v="5141" actId="1076"/>
-          <ac:picMkLst>
-            <pc:docMk/>
-            <pc:sldMk cId="2176878142" sldId="261"/>
-            <ac:picMk id="7" creationId="{5878CDCA-64F5-3710-E232-035E68B469AA}"/>
-          </ac:picMkLst>
-        </pc:picChg>
-        <pc:picChg chg="add mod">
-          <ac:chgData name="Trung Nghia Nguyen" userId="caf0b1f78d203fdc" providerId="LiveId" clId="{FA98E611-7EE5-4D53-A8F6-A8478DA16B0D}" dt="2023-03-18T18:02:27.665" v="3498" actId="14100"/>
-          <ac:picMkLst>
-            <pc:docMk/>
-            <pc:sldMk cId="2176878142" sldId="261"/>
-            <ac:picMk id="8" creationId="{CA8451FB-3C2B-4482-8DC3-38D9C773F858}"/>
-          </ac:picMkLst>
-        </pc:picChg>
-        <pc:cxnChg chg="add mod">
-          <ac:chgData name="Trung Nghia Nguyen" userId="caf0b1f78d203fdc" providerId="LiveId" clId="{FA98E611-7EE5-4D53-A8F6-A8478DA16B0D}" dt="2023-03-17T04:38:01.916" v="3027"/>
-          <ac:cxnSpMkLst>
-            <pc:docMk/>
-            <pc:sldMk cId="2176878142" sldId="261"/>
-            <ac:cxnSpMk id="3" creationId="{E9060F41-5A0D-7040-5C8F-79CFAA7E7D72}"/>
-          </ac:cxnSpMkLst>
-        </pc:cxnChg>
-      </pc:sldChg>
-      <pc:sldChg chg="addSp delSp modSp add del mod">
-        <pc:chgData name="Trung Nghia Nguyen" userId="caf0b1f78d203fdc" providerId="LiveId" clId="{FA98E611-7EE5-4D53-A8F6-A8478DA16B0D}" dt="2023-03-17T07:03:47.972" v="3265" actId="2696"/>
-        <pc:sldMkLst>
-          <pc:docMk/>
-          <pc:sldMk cId="875898025" sldId="262"/>
-        </pc:sldMkLst>
-        <pc:spChg chg="mod">
-          <ac:chgData name="Trung Nghia Nguyen" userId="caf0b1f78d203fdc" providerId="LiveId" clId="{FA98E611-7EE5-4D53-A8F6-A8478DA16B0D}" dt="2023-03-16T06:07:49.749" v="1152" actId="20577"/>
-          <ac:spMkLst>
-            <pc:docMk/>
-            <pc:sldMk cId="875898025" sldId="262"/>
-            <ac:spMk id="2" creationId="{30380714-4CD2-9849-80A6-8AC66F97DA6F}"/>
-          </ac:spMkLst>
-        </pc:spChg>
-        <pc:spChg chg="add del mod">
-          <ac:chgData name="Trung Nghia Nguyen" userId="caf0b1f78d203fdc" providerId="LiveId" clId="{FA98E611-7EE5-4D53-A8F6-A8478DA16B0D}" dt="2023-03-17T04:39:07.061" v="3052" actId="478"/>
-          <ac:spMkLst>
-            <pc:docMk/>
-            <pc:sldMk cId="875898025" sldId="262"/>
-            <ac:spMk id="4" creationId="{78B0134D-73F0-E0EE-EAA2-40F53D578455}"/>
-          </ac:spMkLst>
-        </pc:spChg>
-        <pc:spChg chg="add mod">
-          <ac:chgData name="Trung Nghia Nguyen" userId="caf0b1f78d203fdc" providerId="LiveId" clId="{FA98E611-7EE5-4D53-A8F6-A8478DA16B0D}" dt="2023-03-17T04:39:07.317" v="3053"/>
-          <ac:spMkLst>
-            <pc:docMk/>
-            <pc:sldMk cId="875898025" sldId="262"/>
-            <ac:spMk id="5" creationId="{7AF6E6C4-7E4D-6951-DD77-D67FDB08BE33}"/>
-          </ac:spMkLst>
-        </pc:spChg>
-        <pc:spChg chg="add mod">
-          <ac:chgData name="Trung Nghia Nguyen" userId="caf0b1f78d203fdc" providerId="LiveId" clId="{FA98E611-7EE5-4D53-A8F6-A8478DA16B0D}" dt="2023-03-17T06:38:20.448" v="3252" actId="207"/>
-          <ac:spMkLst>
-            <pc:docMk/>
-            <pc:sldMk cId="875898025" sldId="262"/>
-            <ac:spMk id="7" creationId="{C27A575E-AACF-0BC5-FF71-5FCE2C283EAA}"/>
-          </ac:spMkLst>
-        </pc:spChg>
-        <pc:cxnChg chg="add mod">
-          <ac:chgData name="Trung Nghia Nguyen" userId="caf0b1f78d203fdc" providerId="LiveId" clId="{FA98E611-7EE5-4D53-A8F6-A8478DA16B0D}" dt="2023-03-17T04:38:00.559" v="3026"/>
-          <ac:cxnSpMkLst>
-            <pc:docMk/>
-            <pc:sldMk cId="875898025" sldId="262"/>
-            <ac:cxnSpMk id="3" creationId="{C4BB4107-403F-CD25-8D62-E1CD580C39E7}"/>
-          </ac:cxnSpMkLst>
-        </pc:cxnChg>
-      </pc:sldChg>
-      <pc:sldChg chg="addSp delSp modSp add mod">
-        <pc:chgData name="Trung Nghia Nguyen" userId="caf0b1f78d203fdc" providerId="LiveId" clId="{FA98E611-7EE5-4D53-A8F6-A8478DA16B0D}" dt="2023-03-19T19:41:58.154" v="4565" actId="20577"/>
-        <pc:sldMkLst>
-          <pc:docMk/>
-          <pc:sldMk cId="482173432" sldId="263"/>
-        </pc:sldMkLst>
-        <pc:spChg chg="mod">
-          <ac:chgData name="Trung Nghia Nguyen" userId="caf0b1f78d203fdc" providerId="LiveId" clId="{FA98E611-7EE5-4D53-A8F6-A8478DA16B0D}" dt="2023-03-16T06:07:46.511" v="1150" actId="20577"/>
-          <ac:spMkLst>
-            <pc:docMk/>
-            <pc:sldMk cId="482173432" sldId="263"/>
-            <ac:spMk id="2" creationId="{30380714-4CD2-9849-80A6-8AC66F97DA6F}"/>
-          </ac:spMkLst>
-        </pc:spChg>
-        <pc:spChg chg="add del mod">
-          <ac:chgData name="Trung Nghia Nguyen" userId="caf0b1f78d203fdc" providerId="LiveId" clId="{FA98E611-7EE5-4D53-A8F6-A8478DA16B0D}" dt="2023-03-17T04:39:03.344" v="3050" actId="478"/>
-          <ac:spMkLst>
-            <pc:docMk/>
-            <pc:sldMk cId="482173432" sldId="263"/>
-            <ac:spMk id="4" creationId="{A2FC1147-7412-C677-5A5A-BF19366C123D}"/>
-          </ac:spMkLst>
-        </pc:spChg>
-        <pc:spChg chg="add mod">
-          <ac:chgData name="Trung Nghia Nguyen" userId="caf0b1f78d203fdc" providerId="LiveId" clId="{FA98E611-7EE5-4D53-A8F6-A8478DA16B0D}" dt="2023-03-19T19:41:58.154" v="4565" actId="20577"/>
-          <ac:spMkLst>
-            <pc:docMk/>
-            <pc:sldMk cId="482173432" sldId="263"/>
-            <ac:spMk id="5" creationId="{5EFED488-422D-714E-BC8D-1EFFE4EB27EF}"/>
-          </ac:spMkLst>
-        </pc:spChg>
-        <pc:spChg chg="add mod">
-          <ac:chgData name="Trung Nghia Nguyen" userId="caf0b1f78d203fdc" providerId="LiveId" clId="{FA98E611-7EE5-4D53-A8F6-A8478DA16B0D}" dt="2023-03-17T06:23:12.888" v="3165" actId="114"/>
-          <ac:spMkLst>
-            <pc:docMk/>
-            <pc:sldMk cId="482173432" sldId="263"/>
-            <ac:spMk id="6" creationId="{E89CDB90-AF28-D274-AC55-ECC8E0120E31}"/>
-          </ac:spMkLst>
-        </pc:spChg>
-        <pc:picChg chg="add mod">
-          <ac:chgData name="Trung Nghia Nguyen" userId="caf0b1f78d203fdc" providerId="LiveId" clId="{FA98E611-7EE5-4D53-A8F6-A8478DA16B0D}" dt="2023-03-17T06:19:17.560" v="3097" actId="14100"/>
-          <ac:picMkLst>
-            <pc:docMk/>
-            <pc:sldMk cId="482173432" sldId="263"/>
-            <ac:picMk id="8" creationId="{64343610-2239-3C37-0292-61E9C46DADC0}"/>
-          </ac:picMkLst>
-        </pc:picChg>
-        <pc:picChg chg="add mod">
-          <ac:chgData name="Trung Nghia Nguyen" userId="caf0b1f78d203fdc" providerId="LiveId" clId="{FA98E611-7EE5-4D53-A8F6-A8478DA16B0D}" dt="2023-03-17T06:19:27.485" v="3100" actId="14100"/>
-          <ac:picMkLst>
-            <pc:docMk/>
-            <pc:sldMk cId="482173432" sldId="263"/>
-            <ac:picMk id="1026" creationId="{8B6FAEF3-00E8-C2B6-6484-BD77EBFDEA2F}"/>
-          </ac:picMkLst>
-        </pc:picChg>
-        <pc:cxnChg chg="add mod">
-          <ac:chgData name="Trung Nghia Nguyen" userId="caf0b1f78d203fdc" providerId="LiveId" clId="{FA98E611-7EE5-4D53-A8F6-A8478DA16B0D}" dt="2023-03-17T04:37:58.915" v="3025"/>
-          <ac:cxnSpMkLst>
-            <pc:docMk/>
-            <pc:sldMk cId="482173432" sldId="263"/>
-            <ac:cxnSpMk id="3" creationId="{0C90852F-CCF4-2CB4-185D-9BD76C10552E}"/>
-          </ac:cxnSpMkLst>
-        </pc:cxnChg>
-      </pc:sldChg>
-      <pc:sldChg chg="addSp delSp modSp add mod">
-        <pc:chgData name="Trung Nghia Nguyen" userId="caf0b1f78d203fdc" providerId="LiveId" clId="{FA98E611-7EE5-4D53-A8F6-A8478DA16B0D}" dt="2023-03-20T06:36:20.136" v="5138" actId="1076"/>
-        <pc:sldMkLst>
-          <pc:docMk/>
-          <pc:sldMk cId="2895901428" sldId="264"/>
-        </pc:sldMkLst>
-        <pc:spChg chg="mod">
-          <ac:chgData name="Trung Nghia Nguyen" userId="caf0b1f78d203fdc" providerId="LiveId" clId="{FA98E611-7EE5-4D53-A8F6-A8478DA16B0D}" dt="2023-03-16T06:08:02.769" v="1158" actId="20577"/>
-          <ac:spMkLst>
-            <pc:docMk/>
-            <pc:sldMk cId="2895901428" sldId="264"/>
-            <ac:spMk id="2" creationId="{30380714-4CD2-9849-80A6-8AC66F97DA6F}"/>
-          </ac:spMkLst>
-        </pc:spChg>
-        <pc:spChg chg="add del mod">
-          <ac:chgData name="Trung Nghia Nguyen" userId="caf0b1f78d203fdc" providerId="LiveId" clId="{FA98E611-7EE5-4D53-A8F6-A8478DA16B0D}" dt="2023-03-17T04:39:19.392" v="3058" actId="478"/>
-          <ac:spMkLst>
-            <pc:docMk/>
-            <pc:sldMk cId="2895901428" sldId="264"/>
-            <ac:spMk id="4" creationId="{60A99F50-FB46-F4B1-BC79-AB008BB54B45}"/>
-          </ac:spMkLst>
-        </pc:spChg>
-        <pc:spChg chg="add mod">
-          <ac:chgData name="Trung Nghia Nguyen" userId="caf0b1f78d203fdc" providerId="LiveId" clId="{FA98E611-7EE5-4D53-A8F6-A8478DA16B0D}" dt="2023-03-19T19:42:32.285" v="4576" actId="20577"/>
-          <ac:spMkLst>
-            <pc:docMk/>
-            <pc:sldMk cId="2895901428" sldId="264"/>
-            <ac:spMk id="5" creationId="{F5D7CFDC-9C3E-5EB6-442E-0427CF3FD978}"/>
-          </ac:spMkLst>
-        </pc:spChg>
-        <pc:spChg chg="add mod">
-          <ac:chgData name="Trung Nghia Nguyen" userId="caf0b1f78d203fdc" providerId="LiveId" clId="{FA98E611-7EE5-4D53-A8F6-A8478DA16B0D}" dt="2023-03-20T06:36:20.136" v="5138" actId="1076"/>
-          <ac:spMkLst>
-            <pc:docMk/>
-            <pc:sldMk cId="2895901428" sldId="264"/>
-            <ac:spMk id="7" creationId="{F0634F75-D2AC-CBA7-B59B-9BAA1E76EBEC}"/>
-          </ac:spMkLst>
-        </pc:spChg>
-        <pc:picChg chg="add mod">
-          <ac:chgData name="Trung Nghia Nguyen" userId="caf0b1f78d203fdc" providerId="LiveId" clId="{FA98E611-7EE5-4D53-A8F6-A8478DA16B0D}" dt="2023-03-20T06:35:33.823" v="4990" actId="1076"/>
-          <ac:picMkLst>
-            <pc:docMk/>
-            <pc:sldMk cId="2895901428" sldId="264"/>
-            <ac:picMk id="6" creationId="{DCC12B2F-C07E-D6F5-3264-6403237DFCB8}"/>
-          </ac:picMkLst>
-        </pc:picChg>
-        <pc:cxnChg chg="add mod">
-          <ac:chgData name="Trung Nghia Nguyen" userId="caf0b1f78d203fdc" providerId="LiveId" clId="{FA98E611-7EE5-4D53-A8F6-A8478DA16B0D}" dt="2023-03-17T04:38:04.341" v="3029"/>
-          <ac:cxnSpMkLst>
-            <pc:docMk/>
-            <pc:sldMk cId="2895901428" sldId="264"/>
-            <ac:cxnSpMk id="3" creationId="{000902B5-E704-F9CF-DC0B-DDD6C94EF140}"/>
-          </ac:cxnSpMkLst>
-        </pc:cxnChg>
-      </pc:sldChg>
-      <pc:sldChg chg="addSp delSp modSp add mod replId">
-        <pc:chgData name="Trung Nghia Nguyen" userId="caf0b1f78d203fdc" providerId="LiveId" clId="{FA98E611-7EE5-4D53-A8F6-A8478DA16B0D}" dt="2023-03-20T06:38:22.794" v="5343" actId="115"/>
-        <pc:sldMkLst>
-          <pc:docMk/>
-          <pc:sldMk cId="4283605162" sldId="265"/>
-        </pc:sldMkLst>
-        <pc:spChg chg="mod">
-          <ac:chgData name="Trung Nghia Nguyen" userId="caf0b1f78d203fdc" providerId="LiveId" clId="{FA98E611-7EE5-4D53-A8F6-A8478DA16B0D}" dt="2023-03-16T06:08:47.041" v="1174" actId="20577"/>
-          <ac:spMkLst>
-            <pc:docMk/>
-            <pc:sldMk cId="4283605162" sldId="265"/>
-            <ac:spMk id="2" creationId="{30380714-4CD2-9849-80A6-8AC66F97DA6F}"/>
-          </ac:spMkLst>
-        </pc:spChg>
-        <pc:spChg chg="add del mod">
-          <ac:chgData name="Trung Nghia Nguyen" userId="caf0b1f78d203fdc" providerId="LiveId" clId="{FA98E611-7EE5-4D53-A8F6-A8478DA16B0D}" dt="2023-03-17T04:39:27.464" v="3062" actId="478"/>
-          <ac:spMkLst>
-            <pc:docMk/>
-            <pc:sldMk cId="4283605162" sldId="265"/>
-            <ac:spMk id="4" creationId="{3384EA73-795D-DBBD-C798-301784B97C0D}"/>
-          </ac:spMkLst>
-        </pc:spChg>
-        <pc:spChg chg="add mod">
-          <ac:chgData name="Trung Nghia Nguyen" userId="caf0b1f78d203fdc" providerId="LiveId" clId="{FA98E611-7EE5-4D53-A8F6-A8478DA16B0D}" dt="2023-03-18T18:06:10.161" v="3553" actId="114"/>
-          <ac:spMkLst>
-            <pc:docMk/>
-            <pc:sldMk cId="4283605162" sldId="265"/>
-            <ac:spMk id="4" creationId="{6155AFF2-5D57-35C2-5FA4-18DC56B50EDC}"/>
-          </ac:spMkLst>
-        </pc:spChg>
-        <pc:spChg chg="add mod">
-          <ac:chgData name="Trung Nghia Nguyen" userId="caf0b1f78d203fdc" providerId="LiveId" clId="{FA98E611-7EE5-4D53-A8F6-A8478DA16B0D}" dt="2023-03-19T19:42:46.679" v="4580" actId="20577"/>
-          <ac:spMkLst>
-            <pc:docMk/>
-            <pc:sldMk cId="4283605162" sldId="265"/>
-            <ac:spMk id="5" creationId="{C636AC51-235F-27C4-310D-353DA6ACFACB}"/>
-          </ac:spMkLst>
-        </pc:spChg>
-        <pc:spChg chg="add del mod">
-          <ac:chgData name="Trung Nghia Nguyen" userId="caf0b1f78d203fdc" providerId="LiveId" clId="{FA98E611-7EE5-4D53-A8F6-A8478DA16B0D}" dt="2023-03-20T06:37:36.898" v="5229" actId="478"/>
-          <ac:spMkLst>
-            <pc:docMk/>
-            <pc:sldMk cId="4283605162" sldId="265"/>
-            <ac:spMk id="6" creationId="{34952638-B22F-A601-ABB7-40D3A03CAF10}"/>
-          </ac:spMkLst>
-        </pc:spChg>
-        <pc:spChg chg="add mod">
-          <ac:chgData name="Trung Nghia Nguyen" userId="caf0b1f78d203fdc" providerId="LiveId" clId="{FA98E611-7EE5-4D53-A8F6-A8478DA16B0D}" dt="2023-03-20T06:37:43.908" v="5254" actId="1035"/>
-          <ac:spMkLst>
-            <pc:docMk/>
-            <pc:sldMk cId="4283605162" sldId="265"/>
-            <ac:spMk id="8" creationId="{5B6ADF82-7127-B1E1-AB08-85E9AFA2C229}"/>
-          </ac:spMkLst>
-        </pc:spChg>
-        <pc:spChg chg="add mod">
-          <ac:chgData name="Trung Nghia Nguyen" userId="caf0b1f78d203fdc" providerId="LiveId" clId="{FA98E611-7EE5-4D53-A8F6-A8478DA16B0D}" dt="2023-03-20T06:38:22.794" v="5343" actId="115"/>
-          <ac:spMkLst>
-            <pc:docMk/>
-            <pc:sldMk cId="4283605162" sldId="265"/>
-            <ac:spMk id="9" creationId="{07192213-4093-B158-7615-5C02C5D78E3C}"/>
-          </ac:spMkLst>
-        </pc:spChg>
-        <pc:spChg chg="add mod">
-          <ac:chgData name="Trung Nghia Nguyen" userId="caf0b1f78d203fdc" providerId="LiveId" clId="{FA98E611-7EE5-4D53-A8F6-A8478DA16B0D}" dt="2023-03-20T06:37:48.962" v="5255" actId="1076"/>
-          <ac:spMkLst>
-            <pc:docMk/>
-            <pc:sldMk cId="4283605162" sldId="265"/>
-            <ac:spMk id="12" creationId="{C28A47A4-273C-2F4E-0D9B-7FF4CE6F8FC8}"/>
-          </ac:spMkLst>
-        </pc:spChg>
-        <pc:spChg chg="mod">
-          <ac:chgData name="Trung Nghia Nguyen" userId="caf0b1f78d203fdc" providerId="LiveId" clId="{FA98E611-7EE5-4D53-A8F6-A8478DA16B0D}" dt="2023-03-16T06:08:20.795" v="1172" actId="20577"/>
-          <ac:spMkLst>
-            <pc:docMk/>
-            <pc:sldMk cId="4283605162" sldId="265"/>
-            <ac:spMk id="14" creationId="{63B4AB36-B54A-EA5C-2A74-F2C80BE0CBC4}"/>
-          </ac:spMkLst>
-        </pc:spChg>
-        <pc:picChg chg="add mod">
-          <ac:chgData name="Trung Nghia Nguyen" userId="caf0b1f78d203fdc" providerId="LiveId" clId="{FA98E611-7EE5-4D53-A8F6-A8478DA16B0D}" dt="2023-03-18T18:06:37.350" v="3555" actId="1076"/>
-          <ac:picMkLst>
-            <pc:docMk/>
-            <pc:sldMk cId="4283605162" sldId="265"/>
-            <ac:picMk id="7" creationId="{9BE015F4-B740-114F-C17A-D68586C61382}"/>
-          </ac:picMkLst>
-        </pc:picChg>
-        <pc:picChg chg="add mod">
-          <ac:chgData name="Trung Nghia Nguyen" userId="caf0b1f78d203fdc" providerId="LiveId" clId="{FA98E611-7EE5-4D53-A8F6-A8478DA16B0D}" dt="2023-03-20T06:37:43.908" v="5254" actId="1035"/>
-          <ac:picMkLst>
-            <pc:docMk/>
-            <pc:sldMk cId="4283605162" sldId="265"/>
-            <ac:picMk id="10" creationId="{64FFD8A3-EA3E-8803-1A9E-83B9D68AD773}"/>
-          </ac:picMkLst>
-        </pc:picChg>
-        <pc:picChg chg="add mod">
-          <ac:chgData name="Trung Nghia Nguyen" userId="caf0b1f78d203fdc" providerId="LiveId" clId="{FA98E611-7EE5-4D53-A8F6-A8478DA16B0D}" dt="2023-03-20T06:37:52.028" v="5256" actId="1076"/>
-          <ac:picMkLst>
-            <pc:docMk/>
-            <pc:sldMk cId="4283605162" sldId="265"/>
-            <ac:picMk id="15" creationId="{E1B123BE-4EEC-7C2E-0D92-C3C0811176CB}"/>
-          </ac:picMkLst>
-        </pc:picChg>
-        <pc:cxnChg chg="add mod">
-          <ac:chgData name="Trung Nghia Nguyen" userId="caf0b1f78d203fdc" providerId="LiveId" clId="{FA98E611-7EE5-4D53-A8F6-A8478DA16B0D}" dt="2023-03-17T04:38:07.552" v="3031"/>
-          <ac:cxnSpMkLst>
-            <pc:docMk/>
-            <pc:sldMk cId="4283605162" sldId="265"/>
-            <ac:cxnSpMk id="3" creationId="{2CD06583-66AF-701D-3EFB-7B57FC7CBC60}"/>
-          </ac:cxnSpMkLst>
-        </pc:cxnChg>
-      </pc:sldChg>
-      <pc:sldChg chg="addSp delSp modSp add mod replId">
-        <pc:chgData name="Trung Nghia Nguyen" userId="caf0b1f78d203fdc" providerId="LiveId" clId="{FA98E611-7EE5-4D53-A8F6-A8478DA16B0D}" dt="2023-03-20T06:38:57.002" v="5372" actId="1076"/>
-        <pc:sldMkLst>
-          <pc:docMk/>
-          <pc:sldMk cId="1755807355" sldId="266"/>
-        </pc:sldMkLst>
-        <pc:spChg chg="mod">
-          <ac:chgData name="Trung Nghia Nguyen" userId="caf0b1f78d203fdc" providerId="LiveId" clId="{FA98E611-7EE5-4D53-A8F6-A8478DA16B0D}" dt="2023-03-16T06:08:54.022" v="1178" actId="20577"/>
-          <ac:spMkLst>
-            <pc:docMk/>
-            <pc:sldMk cId="1755807355" sldId="266"/>
-            <ac:spMk id="2" creationId="{30380714-4CD2-9849-80A6-8AC66F97DA6F}"/>
-          </ac:spMkLst>
-        </pc:spChg>
-        <pc:spChg chg="add del mod">
-          <ac:chgData name="Trung Nghia Nguyen" userId="caf0b1f78d203fdc" providerId="LiveId" clId="{FA98E611-7EE5-4D53-A8F6-A8478DA16B0D}" dt="2023-03-17T04:39:31.432" v="3064" actId="478"/>
-          <ac:spMkLst>
-            <pc:docMk/>
-            <pc:sldMk cId="1755807355" sldId="266"/>
-            <ac:spMk id="4" creationId="{9FC5A47E-E156-CE54-D964-B05D97E3E440}"/>
-          </ac:spMkLst>
-        </pc:spChg>
-        <pc:spChg chg="add del mod">
-          <ac:chgData name="Trung Nghia Nguyen" userId="caf0b1f78d203fdc" providerId="LiveId" clId="{FA98E611-7EE5-4D53-A8F6-A8478DA16B0D}" dt="2023-03-20T06:38:36.545" v="5346" actId="478"/>
-          <ac:spMkLst>
-            <pc:docMk/>
-            <pc:sldMk cId="1755807355" sldId="266"/>
-            <ac:spMk id="4" creationId="{AAB22F9D-7A5E-4401-A0CB-A63DA021226F}"/>
-          </ac:spMkLst>
-        </pc:spChg>
-        <pc:spChg chg="add mod">
-          <ac:chgData name="Trung Nghia Nguyen" userId="caf0b1f78d203fdc" providerId="LiveId" clId="{FA98E611-7EE5-4D53-A8F6-A8478DA16B0D}" dt="2023-03-19T19:42:52.243" v="4581" actId="20577"/>
-          <ac:spMkLst>
-            <pc:docMk/>
-            <pc:sldMk cId="1755807355" sldId="266"/>
-            <ac:spMk id="5" creationId="{5A7DF51B-1976-A0EB-6F7B-B4A2CB037D53}"/>
-          </ac:spMkLst>
-        </pc:spChg>
-        <pc:spChg chg="add mod">
-          <ac:chgData name="Trung Nghia Nguyen" userId="caf0b1f78d203fdc" providerId="LiveId" clId="{FA98E611-7EE5-4D53-A8F6-A8478DA16B0D}" dt="2023-03-20T06:38:57.002" v="5372" actId="1076"/>
-          <ac:spMkLst>
-            <pc:docMk/>
-            <pc:sldMk cId="1755807355" sldId="266"/>
-            <ac:spMk id="7" creationId="{41F3B00E-EEC6-C3C0-4054-6A44FFDA2129}"/>
-          </ac:spMkLst>
-        </pc:spChg>
-        <pc:spChg chg="mod">
-          <ac:chgData name="Trung Nghia Nguyen" userId="caf0b1f78d203fdc" providerId="LiveId" clId="{FA98E611-7EE5-4D53-A8F6-A8478DA16B0D}" dt="2023-03-16T06:16:56.623" v="1489" actId="20577"/>
-          <ac:spMkLst>
-            <pc:docMk/>
-            <pc:sldMk cId="1755807355" sldId="266"/>
-            <ac:spMk id="14" creationId="{63B4AB36-B54A-EA5C-2A74-F2C80BE0CBC4}"/>
-          </ac:spMkLst>
-        </pc:spChg>
-        <pc:picChg chg="add del mod modCrop">
-          <ac:chgData name="Trung Nghia Nguyen" userId="caf0b1f78d203fdc" providerId="LiveId" clId="{FA98E611-7EE5-4D53-A8F6-A8478DA16B0D}" dt="2023-03-18T18:13:54.951" v="3582" actId="21"/>
-          <ac:picMkLst>
-            <pc:docMk/>
-            <pc:sldMk cId="1755807355" sldId="266"/>
-            <ac:picMk id="6" creationId="{22C59D75-28CE-46F5-5707-658FE476BFDD}"/>
-          </ac:picMkLst>
-        </pc:picChg>
-        <pc:picChg chg="add mod">
-          <ac:chgData name="Trung Nghia Nguyen" userId="caf0b1f78d203fdc" providerId="LiveId" clId="{FA98E611-7EE5-4D53-A8F6-A8478DA16B0D}" dt="2023-03-20T06:38:34.458" v="5345" actId="1076"/>
-          <ac:picMkLst>
-            <pc:docMk/>
-            <pc:sldMk cId="1755807355" sldId="266"/>
-            <ac:picMk id="6" creationId="{F965E609-B8C6-9840-FCA8-51EC5CD8ADD1}"/>
-          </ac:picMkLst>
-        </pc:picChg>
-        <pc:cxnChg chg="add mod">
-          <ac:chgData name="Trung Nghia Nguyen" userId="caf0b1f78d203fdc" providerId="LiveId" clId="{FA98E611-7EE5-4D53-A8F6-A8478DA16B0D}" dt="2023-03-17T04:38:09.225" v="3032"/>
-          <ac:cxnSpMkLst>
-            <pc:docMk/>
-            <pc:sldMk cId="1755807355" sldId="266"/>
-            <ac:cxnSpMk id="3" creationId="{A6209D13-18E2-CE90-A8FC-47240D1DB3DD}"/>
-          </ac:cxnSpMkLst>
-        </pc:cxnChg>
-      </pc:sldChg>
-      <pc:sldChg chg="addSp delSp modSp add mod replId">
-        <pc:chgData name="Trung Nghia Nguyen" userId="caf0b1f78d203fdc" providerId="LiveId" clId="{FA98E611-7EE5-4D53-A8F6-A8478DA16B0D}" dt="2023-03-20T06:46:22.745" v="5552" actId="1076"/>
-        <pc:sldMkLst>
-          <pc:docMk/>
-          <pc:sldMk cId="420754388" sldId="267"/>
-        </pc:sldMkLst>
-        <pc:spChg chg="mod">
-          <ac:chgData name="Trung Nghia Nguyen" userId="caf0b1f78d203fdc" providerId="LiveId" clId="{FA98E611-7EE5-4D53-A8F6-A8478DA16B0D}" dt="2023-03-16T06:09:05.191" v="1182" actId="20577"/>
-          <ac:spMkLst>
-            <pc:docMk/>
-            <pc:sldMk cId="420754388" sldId="267"/>
-            <ac:spMk id="2" creationId="{30380714-4CD2-9849-80A6-8AC66F97DA6F}"/>
-          </ac:spMkLst>
-        </pc:spChg>
-        <pc:spChg chg="add del mod">
-          <ac:chgData name="Trung Nghia Nguyen" userId="caf0b1f78d203fdc" providerId="LiveId" clId="{FA98E611-7EE5-4D53-A8F6-A8478DA16B0D}" dt="2023-03-17T04:39:35.292" v="3066" actId="478"/>
-          <ac:spMkLst>
-            <pc:docMk/>
-            <pc:sldMk cId="420754388" sldId="267"/>
-            <ac:spMk id="4" creationId="{5B057441-CC31-82D0-2A61-D4C277283FF0}"/>
-          </ac:spMkLst>
-        </pc:spChg>
-        <pc:spChg chg="add mod">
-          <ac:chgData name="Trung Nghia Nguyen" userId="caf0b1f78d203fdc" providerId="LiveId" clId="{FA98E611-7EE5-4D53-A8F6-A8478DA16B0D}" dt="2023-03-19T19:42:55.901" v="4582" actId="20577"/>
-          <ac:spMkLst>
-            <pc:docMk/>
-            <pc:sldMk cId="420754388" sldId="267"/>
-            <ac:spMk id="5" creationId="{5AE77F4E-29AF-200B-741F-D59D22548F68}"/>
-          </ac:spMkLst>
-        </pc:spChg>
-        <pc:spChg chg="add mod">
-          <ac:chgData name="Trung Nghia Nguyen" userId="caf0b1f78d203fdc" providerId="LiveId" clId="{FA98E611-7EE5-4D53-A8F6-A8478DA16B0D}" dt="2023-03-20T06:46:22.745" v="5552" actId="1076"/>
-          <ac:spMkLst>
-            <pc:docMk/>
-            <pc:sldMk cId="420754388" sldId="267"/>
-            <ac:spMk id="6" creationId="{F3459CBF-C8CB-D11F-4C1C-7F3691FB67D3}"/>
-          </ac:spMkLst>
-        </pc:spChg>
-        <pc:spChg chg="mod">
-          <ac:chgData name="Trung Nghia Nguyen" userId="caf0b1f78d203fdc" providerId="LiveId" clId="{FA98E611-7EE5-4D53-A8F6-A8478DA16B0D}" dt="2023-03-16T06:17:02.365" v="1503" actId="20577"/>
-          <ac:spMkLst>
-            <pc:docMk/>
-            <pc:sldMk cId="420754388" sldId="267"/>
-            <ac:spMk id="14" creationId="{63B4AB36-B54A-EA5C-2A74-F2C80BE0CBC4}"/>
-          </ac:spMkLst>
-        </pc:spChg>
-        <pc:picChg chg="add del mod">
-          <ac:chgData name="Trung Nghia Nguyen" userId="caf0b1f78d203fdc" providerId="LiveId" clId="{FA98E611-7EE5-4D53-A8F6-A8478DA16B0D}" dt="2023-03-20T06:46:09.964" v="5548" actId="478"/>
-          <ac:picMkLst>
-            <pc:docMk/>
-            <pc:sldMk cId="420754388" sldId="267"/>
-            <ac:picMk id="4" creationId="{E12BC0F1-607B-17E9-1754-F5489A61089A}"/>
-          </ac:picMkLst>
-        </pc:picChg>
-        <pc:picChg chg="add mod">
-          <ac:chgData name="Trung Nghia Nguyen" userId="caf0b1f78d203fdc" providerId="LiveId" clId="{FA98E611-7EE5-4D53-A8F6-A8478DA16B0D}" dt="2023-03-20T06:46:17.898" v="5551" actId="1076"/>
-          <ac:picMkLst>
-            <pc:docMk/>
-            <pc:sldMk cId="420754388" sldId="267"/>
-            <ac:picMk id="1026" creationId="{0DDEF103-57C2-30E2-ED3E-9AB7C6BA55E4}"/>
-          </ac:picMkLst>
-        </pc:picChg>
-        <pc:cxnChg chg="add mod">
-          <ac:chgData name="Trung Nghia Nguyen" userId="caf0b1f78d203fdc" providerId="LiveId" clId="{FA98E611-7EE5-4D53-A8F6-A8478DA16B0D}" dt="2023-03-17T04:38:10.896" v="3033"/>
-          <ac:cxnSpMkLst>
-            <pc:docMk/>
-            <pc:sldMk cId="420754388" sldId="267"/>
-            <ac:cxnSpMk id="3" creationId="{C2A7E5D0-0732-35D5-18A2-C5CE2320D9B6}"/>
-          </ac:cxnSpMkLst>
-        </pc:cxnChg>
-      </pc:sldChg>
-      <pc:sldChg chg="addSp delSp modSp add mod replId">
-        <pc:chgData name="Trung Nghia Nguyen" userId="caf0b1f78d203fdc" providerId="LiveId" clId="{FA98E611-7EE5-4D53-A8F6-A8478DA16B0D}" dt="2023-03-20T06:25:48.812" v="4856" actId="1076"/>
-        <pc:sldMkLst>
-          <pc:docMk/>
-          <pc:sldMk cId="1800081090" sldId="268"/>
-        </pc:sldMkLst>
-        <pc:spChg chg="mod">
-          <ac:chgData name="Trung Nghia Nguyen" userId="caf0b1f78d203fdc" providerId="LiveId" clId="{FA98E611-7EE5-4D53-A8F6-A8478DA16B0D}" dt="2023-03-16T06:09:09.571" v="1186" actId="20577"/>
-          <ac:spMkLst>
-            <pc:docMk/>
-            <pc:sldMk cId="1800081090" sldId="268"/>
-            <ac:spMk id="2" creationId="{30380714-4CD2-9849-80A6-8AC66F97DA6F}"/>
-          </ac:spMkLst>
-        </pc:spChg>
-        <pc:spChg chg="add del mod">
-          <ac:chgData name="Trung Nghia Nguyen" userId="caf0b1f78d203fdc" providerId="LiveId" clId="{FA98E611-7EE5-4D53-A8F6-A8478DA16B0D}" dt="2023-03-17T04:39:40.169" v="3068" actId="478"/>
-          <ac:spMkLst>
-            <pc:docMk/>
-            <pc:sldMk cId="1800081090" sldId="268"/>
-            <ac:spMk id="4" creationId="{FC0C686F-2BB6-97A5-A2E3-8228181D7A3F}"/>
-          </ac:spMkLst>
-        </pc:spChg>
-        <pc:spChg chg="add mod">
-          <ac:chgData name="Trung Nghia Nguyen" userId="caf0b1f78d203fdc" providerId="LiveId" clId="{FA98E611-7EE5-4D53-A8F6-A8478DA16B0D}" dt="2023-03-19T19:43:00.657" v="4583" actId="20577"/>
-          <ac:spMkLst>
-            <pc:docMk/>
-            <pc:sldMk cId="1800081090" sldId="268"/>
-            <ac:spMk id="5" creationId="{1D7A3032-17B2-6AEA-AC88-9349A439BD22}"/>
-          </ac:spMkLst>
-        </pc:spChg>
-        <pc:spChg chg="add mod">
-          <ac:chgData name="Trung Nghia Nguyen" userId="caf0b1f78d203fdc" providerId="LiveId" clId="{FA98E611-7EE5-4D53-A8F6-A8478DA16B0D}" dt="2023-03-20T06:25:48.812" v="4856" actId="1076"/>
-          <ac:spMkLst>
-            <pc:docMk/>
-            <pc:sldMk cId="1800081090" sldId="268"/>
-            <ac:spMk id="7" creationId="{EB47DA29-9FCC-30CE-0883-F7F361D9198F}"/>
-          </ac:spMkLst>
-        </pc:spChg>
-        <pc:spChg chg="mod">
-          <ac:chgData name="Trung Nghia Nguyen" userId="caf0b1f78d203fdc" providerId="LiveId" clId="{FA98E611-7EE5-4D53-A8F6-A8478DA16B0D}" dt="2023-03-16T06:17:09.861" v="1517" actId="20577"/>
-          <ac:spMkLst>
-            <pc:docMk/>
-            <pc:sldMk cId="1800081090" sldId="268"/>
-            <ac:spMk id="14" creationId="{63B4AB36-B54A-EA5C-2A74-F2C80BE0CBC4}"/>
-          </ac:spMkLst>
-        </pc:spChg>
-        <pc:picChg chg="add mod ord">
-          <ac:chgData name="Trung Nghia Nguyen" userId="caf0b1f78d203fdc" providerId="LiveId" clId="{FA98E611-7EE5-4D53-A8F6-A8478DA16B0D}" dt="2023-03-20T06:25:20.301" v="4812" actId="1076"/>
-          <ac:picMkLst>
-            <pc:docMk/>
-            <pc:sldMk cId="1800081090" sldId="268"/>
-            <ac:picMk id="6" creationId="{17B1B28A-E020-8A31-7198-F20684828AFD}"/>
-          </ac:picMkLst>
-        </pc:picChg>
-        <pc:cxnChg chg="add mod">
-          <ac:chgData name="Trung Nghia Nguyen" userId="caf0b1f78d203fdc" providerId="LiveId" clId="{FA98E611-7EE5-4D53-A8F6-A8478DA16B0D}" dt="2023-03-17T04:38:12.276" v="3034"/>
-          <ac:cxnSpMkLst>
-            <pc:docMk/>
-            <pc:sldMk cId="1800081090" sldId="268"/>
-            <ac:cxnSpMk id="3" creationId="{BAC105F8-C950-5DDE-6CB7-BB032057CD4E}"/>
-          </ac:cxnSpMkLst>
-        </pc:cxnChg>
-      </pc:sldChg>
-      <pc:sldChg chg="addSp delSp modSp add mod">
-        <pc:chgData name="Trung Nghia Nguyen" userId="caf0b1f78d203fdc" providerId="LiveId" clId="{FA98E611-7EE5-4D53-A8F6-A8478DA16B0D}" dt="2023-03-20T06:40:30.436" v="5472" actId="1076"/>
-        <pc:sldMkLst>
-          <pc:docMk/>
-          <pc:sldMk cId="4260099494" sldId="269"/>
-        </pc:sldMkLst>
-        <pc:spChg chg="mod">
-          <ac:chgData name="Trung Nghia Nguyen" userId="caf0b1f78d203fdc" providerId="LiveId" clId="{FA98E611-7EE5-4D53-A8F6-A8478DA16B0D}" dt="2023-03-16T06:09:28.908" v="1189" actId="20577"/>
-          <ac:spMkLst>
-            <pc:docMk/>
-            <pc:sldMk cId="4260099494" sldId="269"/>
-            <ac:spMk id="2" creationId="{30380714-4CD2-9849-80A6-8AC66F97DA6F}"/>
-          </ac:spMkLst>
-        </pc:spChg>
-        <pc:spChg chg="add del mod">
-          <ac:chgData name="Trung Nghia Nguyen" userId="caf0b1f78d203fdc" providerId="LiveId" clId="{FA98E611-7EE5-4D53-A8F6-A8478DA16B0D}" dt="2023-03-17T04:39:43.792" v="3070" actId="478"/>
-          <ac:spMkLst>
-            <pc:docMk/>
-            <pc:sldMk cId="4260099494" sldId="269"/>
-            <ac:spMk id="4" creationId="{4A9B31A6-4583-92AA-E2E8-0E1B56527FAB}"/>
-          </ac:spMkLst>
-        </pc:spChg>
-        <pc:spChg chg="add mod">
-          <ac:chgData name="Trung Nghia Nguyen" userId="caf0b1f78d203fdc" providerId="LiveId" clId="{FA98E611-7EE5-4D53-A8F6-A8478DA16B0D}" dt="2023-03-20T06:40:30.436" v="5472" actId="1076"/>
-          <ac:spMkLst>
-            <pc:docMk/>
-            <pc:sldMk cId="4260099494" sldId="269"/>
-            <ac:spMk id="4" creationId="{85BE9376-B78B-4D14-03B7-71E92F2B4246}"/>
-          </ac:spMkLst>
-        </pc:spChg>
-        <pc:spChg chg="add mod">
-          <ac:chgData name="Trung Nghia Nguyen" userId="caf0b1f78d203fdc" providerId="LiveId" clId="{FA98E611-7EE5-4D53-A8F6-A8478DA16B0D}" dt="2023-03-19T19:43:05.507" v="4586" actId="20577"/>
-          <ac:spMkLst>
-            <pc:docMk/>
-            <pc:sldMk cId="4260099494" sldId="269"/>
-            <ac:spMk id="5" creationId="{44F9D552-E912-19E9-0162-3E4C662F5413}"/>
-          </ac:spMkLst>
-        </pc:spChg>
-        <pc:spChg chg="mod">
-          <ac:chgData name="Trung Nghia Nguyen" userId="caf0b1f78d203fdc" providerId="LiveId" clId="{FA98E611-7EE5-4D53-A8F6-A8478DA16B0D}" dt="2023-03-16T06:17:18.839" v="1535" actId="20577"/>
-          <ac:spMkLst>
-            <pc:docMk/>
-            <pc:sldMk cId="4260099494" sldId="269"/>
-            <ac:spMk id="14" creationId="{63B4AB36-B54A-EA5C-2A74-F2C80BE0CBC4}"/>
-          </ac:spMkLst>
-        </pc:spChg>
-        <pc:picChg chg="add mod ord">
-          <ac:chgData name="Trung Nghia Nguyen" userId="caf0b1f78d203fdc" providerId="LiveId" clId="{FA98E611-7EE5-4D53-A8F6-A8478DA16B0D}" dt="2023-03-18T18:27:23.003" v="3592" actId="1076"/>
-          <ac:picMkLst>
-            <pc:docMk/>
-            <pc:sldMk cId="4260099494" sldId="269"/>
-            <ac:picMk id="6" creationId="{373DC444-4599-D269-D2D6-A3F6CA69A851}"/>
-          </ac:picMkLst>
-        </pc:picChg>
-        <pc:cxnChg chg="add mod">
-          <ac:chgData name="Trung Nghia Nguyen" userId="caf0b1f78d203fdc" providerId="LiveId" clId="{FA98E611-7EE5-4D53-A8F6-A8478DA16B0D}" dt="2023-03-17T04:38:13.996" v="3035"/>
-          <ac:cxnSpMkLst>
-            <pc:docMk/>
-            <pc:sldMk cId="4260099494" sldId="269"/>
-            <ac:cxnSpMk id="3" creationId="{ACBF7746-FE0E-173A-5173-1104D3149676}"/>
-          </ac:cxnSpMkLst>
-        </pc:cxnChg>
-      </pc:sldChg>
-      <pc:sldChg chg="addSp delSp modSp add mod">
-        <pc:chgData name="Trung Nghia Nguyen" userId="caf0b1f78d203fdc" providerId="LiveId" clId="{FA98E611-7EE5-4D53-A8F6-A8478DA16B0D}" dt="2023-03-20T07:02:09.542" v="5649" actId="1076"/>
-        <pc:sldMkLst>
-          <pc:docMk/>
-          <pc:sldMk cId="2511818953" sldId="270"/>
-        </pc:sldMkLst>
-        <pc:spChg chg="mod">
-          <ac:chgData name="Trung Nghia Nguyen" userId="caf0b1f78d203fdc" providerId="LiveId" clId="{FA98E611-7EE5-4D53-A8F6-A8478DA16B0D}" dt="2023-03-16T06:10:07.671" v="1198" actId="20577"/>
-          <ac:spMkLst>
-            <pc:docMk/>
-            <pc:sldMk cId="2511818953" sldId="270"/>
-            <ac:spMk id="2" creationId="{30380714-4CD2-9849-80A6-8AC66F97DA6F}"/>
-          </ac:spMkLst>
-        </pc:spChg>
-        <pc:spChg chg="add del mod">
-          <ac:chgData name="Trung Nghia Nguyen" userId="caf0b1f78d203fdc" providerId="LiveId" clId="{FA98E611-7EE5-4D53-A8F6-A8478DA16B0D}" dt="2023-03-17T04:39:50.628" v="3074" actId="478"/>
-          <ac:spMkLst>
-            <pc:docMk/>
-            <pc:sldMk cId="2511818953" sldId="270"/>
-            <ac:spMk id="4" creationId="{AFB91D5C-95A0-4C14-9E44-3E33C99FBE7F}"/>
-          </ac:spMkLst>
-        </pc:spChg>
-        <pc:spChg chg="add mod">
-          <ac:chgData name="Trung Nghia Nguyen" userId="caf0b1f78d203fdc" providerId="LiveId" clId="{FA98E611-7EE5-4D53-A8F6-A8478DA16B0D}" dt="2023-03-20T07:02:09.542" v="5649" actId="1076"/>
-          <ac:spMkLst>
-            <pc:docMk/>
-            <pc:sldMk cId="2511818953" sldId="270"/>
-            <ac:spMk id="4" creationId="{C9A8F3A0-7BA7-04C0-6A45-BDCDED7689FE}"/>
-          </ac:spMkLst>
-        </pc:spChg>
-        <pc:spChg chg="add mod">
-          <ac:chgData name="Trung Nghia Nguyen" userId="caf0b1f78d203fdc" providerId="LiveId" clId="{FA98E611-7EE5-4D53-A8F6-A8478DA16B0D}" dt="2023-03-19T19:43:14.363" v="4590" actId="20577"/>
-          <ac:spMkLst>
-            <pc:docMk/>
-            <pc:sldMk cId="2511818953" sldId="270"/>
-            <ac:spMk id="5" creationId="{7E679B62-7EFE-6C17-20E7-5EFB751FBD73}"/>
-          </ac:spMkLst>
-        </pc:spChg>
-        <pc:spChg chg="mod">
-          <ac:chgData name="Trung Nghia Nguyen" userId="caf0b1f78d203fdc" providerId="LiveId" clId="{FA98E611-7EE5-4D53-A8F6-A8478DA16B0D}" dt="2023-03-16T06:10:22.239" v="1205" actId="20577"/>
-          <ac:spMkLst>
-            <pc:docMk/>
-            <pc:sldMk cId="2511818953" sldId="270"/>
-            <ac:spMk id="14" creationId="{63B4AB36-B54A-EA5C-2A74-F2C80BE0CBC4}"/>
-          </ac:spMkLst>
-        </pc:spChg>
-        <pc:picChg chg="add del mod">
-          <ac:chgData name="Trung Nghia Nguyen" userId="caf0b1f78d203fdc" providerId="LiveId" clId="{FA98E611-7EE5-4D53-A8F6-A8478DA16B0D}" dt="2023-03-18T18:30:02.221" v="3595" actId="478"/>
-          <ac:picMkLst>
-            <pc:docMk/>
-            <pc:sldMk cId="2511818953" sldId="270"/>
-            <ac:picMk id="6" creationId="{83246909-A1CC-816B-D558-2403AE26644F}"/>
-          </ac:picMkLst>
-        </pc:picChg>
-        <pc:picChg chg="add del mod">
-          <ac:chgData name="Trung Nghia Nguyen" userId="caf0b1f78d203fdc" providerId="LiveId" clId="{FA98E611-7EE5-4D53-A8F6-A8478DA16B0D}" dt="2023-03-18T18:31:57.248" v="3598" actId="478"/>
-          <ac:picMkLst>
-            <pc:docMk/>
-            <pc:sldMk cId="2511818953" sldId="270"/>
-            <ac:picMk id="8" creationId="{886B370D-F837-49D0-4BAA-2CBF68A486EA}"/>
-          </ac:picMkLst>
-        </pc:picChg>
-        <pc:picChg chg="add mod">
-          <ac:chgData name="Trung Nghia Nguyen" userId="caf0b1f78d203fdc" providerId="LiveId" clId="{FA98E611-7EE5-4D53-A8F6-A8478DA16B0D}" dt="2023-03-20T07:01:40.251" v="5555" actId="14100"/>
-          <ac:picMkLst>
-            <pc:docMk/>
-            <pc:sldMk cId="2511818953" sldId="270"/>
-            <ac:picMk id="10" creationId="{18007800-E682-98CF-F763-93064B193CD7}"/>
-          </ac:picMkLst>
-        </pc:picChg>
-        <pc:picChg chg="add mod">
-          <ac:chgData name="Trung Nghia Nguyen" userId="caf0b1f78d203fdc" providerId="LiveId" clId="{FA98E611-7EE5-4D53-A8F6-A8478DA16B0D}" dt="2023-03-20T07:01:42.097" v="5556" actId="1076"/>
-          <ac:picMkLst>
-            <pc:docMk/>
-            <pc:sldMk cId="2511818953" sldId="270"/>
-            <ac:picMk id="13" creationId="{5ECDC6C7-6458-4D2B-BD68-F1E95B358571}"/>
-          </ac:picMkLst>
-        </pc:picChg>
-        <pc:cxnChg chg="add mod">
-          <ac:chgData name="Trung Nghia Nguyen" userId="caf0b1f78d203fdc" providerId="LiveId" clId="{FA98E611-7EE5-4D53-A8F6-A8478DA16B0D}" dt="2023-03-17T04:38:17.041" v="3037"/>
-          <ac:cxnSpMkLst>
-            <pc:docMk/>
-            <pc:sldMk cId="2511818953" sldId="270"/>
-            <ac:cxnSpMk id="3" creationId="{01D99BB4-E244-0C9E-63D6-F28CA9060656}"/>
-          </ac:cxnSpMkLst>
-        </pc:cxnChg>
-      </pc:sldChg>
-      <pc:sldChg chg="addSp delSp modSp add mod replId">
-        <pc:chgData name="Trung Nghia Nguyen" userId="caf0b1f78d203fdc" providerId="LiveId" clId="{FA98E611-7EE5-4D53-A8F6-A8478DA16B0D}" dt="2023-03-20T07:02:42.471" v="5724" actId="1076"/>
-        <pc:sldMkLst>
-          <pc:docMk/>
-          <pc:sldMk cId="2278832414" sldId="271"/>
-        </pc:sldMkLst>
-        <pc:spChg chg="mod">
-          <ac:chgData name="Trung Nghia Nguyen" userId="caf0b1f78d203fdc" providerId="LiveId" clId="{FA98E611-7EE5-4D53-A8F6-A8478DA16B0D}" dt="2023-03-16T06:10:13.451" v="1200" actId="20577"/>
-          <ac:spMkLst>
-            <pc:docMk/>
-            <pc:sldMk cId="2278832414" sldId="271"/>
-            <ac:spMk id="2" creationId="{30380714-4CD2-9849-80A6-8AC66F97DA6F}"/>
-          </ac:spMkLst>
-        </pc:spChg>
-        <pc:spChg chg="add del mod">
-          <ac:chgData name="Trung Nghia Nguyen" userId="caf0b1f78d203fdc" providerId="LiveId" clId="{FA98E611-7EE5-4D53-A8F6-A8478DA16B0D}" dt="2023-03-17T04:39:56.114" v="3076" actId="478"/>
-          <ac:spMkLst>
-            <pc:docMk/>
-            <pc:sldMk cId="2278832414" sldId="271"/>
-            <ac:spMk id="4" creationId="{75AE8E16-8704-F0FC-A727-505C588A8404}"/>
-          </ac:spMkLst>
-        </pc:spChg>
-        <pc:spChg chg="add mod">
-          <ac:chgData name="Trung Nghia Nguyen" userId="caf0b1f78d203fdc" providerId="LiveId" clId="{FA98E611-7EE5-4D53-A8F6-A8478DA16B0D}" dt="2023-03-20T07:02:42.471" v="5724" actId="1076"/>
-          <ac:spMkLst>
-            <pc:docMk/>
-            <pc:sldMk cId="2278832414" sldId="271"/>
-            <ac:spMk id="4" creationId="{F72DE690-623E-F6CB-33BB-A3DEC8E1BDBC}"/>
-          </ac:spMkLst>
-        </pc:spChg>
-        <pc:spChg chg="add mod">
-          <ac:chgData name="Trung Nghia Nguyen" userId="caf0b1f78d203fdc" providerId="LiveId" clId="{FA98E611-7EE5-4D53-A8F6-A8478DA16B0D}" dt="2023-03-19T19:43:19.278" v="4593" actId="20577"/>
-          <ac:spMkLst>
-            <pc:docMk/>
-            <pc:sldMk cId="2278832414" sldId="271"/>
-            <ac:spMk id="5" creationId="{C9086857-A576-49DA-0719-5BEB9C24F20C}"/>
-          </ac:spMkLst>
-        </pc:spChg>
-        <pc:spChg chg="add del">
-          <ac:chgData name="Trung Nghia Nguyen" userId="caf0b1f78d203fdc" providerId="LiveId" clId="{FA98E611-7EE5-4D53-A8F6-A8478DA16B0D}" dt="2023-03-18T18:48:21.799" v="3605" actId="22"/>
-          <ac:spMkLst>
-            <pc:docMk/>
-            <pc:sldMk cId="2278832414" sldId="271"/>
-            <ac:spMk id="6" creationId="{5B87C63A-F05D-9F9B-3078-B83C9F562134}"/>
-          </ac:spMkLst>
-        </pc:spChg>
-        <pc:spChg chg="mod">
-          <ac:chgData name="Trung Nghia Nguyen" userId="caf0b1f78d203fdc" providerId="LiveId" clId="{FA98E611-7EE5-4D53-A8F6-A8478DA16B0D}" dt="2023-03-16T06:10:27.110" v="1214" actId="20577"/>
-          <ac:spMkLst>
-            <pc:docMk/>
-            <pc:sldMk cId="2278832414" sldId="271"/>
-            <ac:spMk id="14" creationId="{63B4AB36-B54A-EA5C-2A74-F2C80BE0CBC4}"/>
-          </ac:spMkLst>
-        </pc:spChg>
-        <pc:picChg chg="add mod">
-          <ac:chgData name="Trung Nghia Nguyen" userId="caf0b1f78d203fdc" providerId="LiveId" clId="{FA98E611-7EE5-4D53-A8F6-A8478DA16B0D}" dt="2023-03-18T18:48:28.906" v="3609" actId="1076"/>
-          <ac:picMkLst>
-            <pc:docMk/>
-            <pc:sldMk cId="2278832414" sldId="271"/>
-            <ac:picMk id="8" creationId="{820423F8-513B-EEA7-5347-CED754AC2ADB}"/>
-          </ac:picMkLst>
-        </pc:picChg>
-        <pc:cxnChg chg="add mod">
-          <ac:chgData name="Trung Nghia Nguyen" userId="caf0b1f78d203fdc" providerId="LiveId" clId="{FA98E611-7EE5-4D53-A8F6-A8478DA16B0D}" dt="2023-03-17T04:38:18.269" v="3038"/>
-          <ac:cxnSpMkLst>
-            <pc:docMk/>
-            <pc:sldMk cId="2278832414" sldId="271"/>
-            <ac:cxnSpMk id="3" creationId="{0793C2BD-0304-6397-AA72-38E3636506AC}"/>
-          </ac:cxnSpMkLst>
-        </pc:cxnChg>
-      </pc:sldChg>
-      <pc:sldChg chg="addSp delSp modSp add mod">
-        <pc:chgData name="Trung Nghia Nguyen" userId="caf0b1f78d203fdc" providerId="LiveId" clId="{FA98E611-7EE5-4D53-A8F6-A8478DA16B0D}" dt="2023-03-20T07:19:32.351" v="7035" actId="20577"/>
-        <pc:sldMkLst>
-          <pc:docMk/>
-          <pc:sldMk cId="610409002" sldId="272"/>
-        </pc:sldMkLst>
-        <pc:spChg chg="mod">
-          <ac:chgData name="Trung Nghia Nguyen" userId="caf0b1f78d203fdc" providerId="LiveId" clId="{FA98E611-7EE5-4D53-A8F6-A8478DA16B0D}" dt="2023-03-19T19:37:12.524" v="4433" actId="114"/>
-          <ac:spMkLst>
-            <pc:docMk/>
-            <pc:sldMk cId="610409002" sldId="272"/>
-            <ac:spMk id="2" creationId="{30380714-4CD2-9849-80A6-8AC66F97DA6F}"/>
-          </ac:spMkLst>
-        </pc:spChg>
-        <pc:spChg chg="add mod">
-          <ac:chgData name="Trung Nghia Nguyen" userId="caf0b1f78d203fdc" providerId="LiveId" clId="{FA98E611-7EE5-4D53-A8F6-A8478DA16B0D}" dt="2023-03-20T07:19:32.351" v="7035" actId="20577"/>
-          <ac:spMkLst>
-            <pc:docMk/>
-            <pc:sldMk cId="610409002" sldId="272"/>
-            <ac:spMk id="4" creationId="{CE933A1E-D43F-BDBC-88C5-FA719398A112}"/>
-          </ac:spMkLst>
-        </pc:spChg>
-        <pc:spChg chg="add del mod">
-          <ac:chgData name="Trung Nghia Nguyen" userId="caf0b1f78d203fdc" providerId="LiveId" clId="{FA98E611-7EE5-4D53-A8F6-A8478DA16B0D}" dt="2023-03-19T19:41:14.049" v="4554" actId="478"/>
-          <ac:spMkLst>
-            <pc:docMk/>
-            <pc:sldMk cId="610409002" sldId="272"/>
-            <ac:spMk id="6" creationId="{6E7DC4E6-EDF3-8448-440F-42E4F1368376}"/>
-          </ac:spMkLst>
-        </pc:spChg>
-        <pc:spChg chg="mod">
-          <ac:chgData name="Trung Nghia Nguyen" userId="caf0b1f78d203fdc" providerId="LiveId" clId="{FA98E611-7EE5-4D53-A8F6-A8478DA16B0D}" dt="2023-03-16T06:11:24.344" v="1251" actId="20577"/>
-          <ac:spMkLst>
-            <pc:docMk/>
-            <pc:sldMk cId="610409002" sldId="272"/>
-            <ac:spMk id="14" creationId="{63B4AB36-B54A-EA5C-2A74-F2C80BE0CBC4}"/>
-          </ac:spMkLst>
-        </pc:spChg>
-        <pc:graphicFrameChg chg="add mod modGraphic">
-          <ac:chgData name="Trung Nghia Nguyen" userId="caf0b1f78d203fdc" providerId="LiveId" clId="{FA98E611-7EE5-4D53-A8F6-A8478DA16B0D}" dt="2023-03-19T19:41:20.482" v="4555" actId="1076"/>
-          <ac:graphicFrameMkLst>
-            <pc:docMk/>
-            <pc:sldMk cId="610409002" sldId="272"/>
-            <ac:graphicFrameMk id="7" creationId="{B54C5B81-FA74-EF54-364C-2501CA6C224F}"/>
-          </ac:graphicFrameMkLst>
-        </pc:graphicFrameChg>
-        <pc:cxnChg chg="add mod">
-          <ac:chgData name="Trung Nghia Nguyen" userId="caf0b1f78d203fdc" providerId="LiveId" clId="{FA98E611-7EE5-4D53-A8F6-A8478DA16B0D}" dt="2023-03-17T04:38:23.115" v="3041"/>
-          <ac:cxnSpMkLst>
-            <pc:docMk/>
-            <pc:sldMk cId="610409002" sldId="272"/>
-            <ac:cxnSpMk id="3" creationId="{435823BE-9FB1-635E-7F74-DEA50A87D246}"/>
-          </ac:cxnSpMkLst>
-        </pc:cxnChg>
-      </pc:sldChg>
-      <pc:sldChg chg="addSp delSp modSp add mod">
-        <pc:chgData name="Trung Nghia Nguyen" userId="caf0b1f78d203fdc" providerId="LiveId" clId="{FA98E611-7EE5-4D53-A8F6-A8478DA16B0D}" dt="2023-03-19T19:42:38.278" v="4577" actId="20577"/>
-        <pc:sldMkLst>
-          <pc:docMk/>
-          <pc:sldMk cId="3245475923" sldId="273"/>
-        </pc:sldMkLst>
-        <pc:spChg chg="del">
-          <ac:chgData name="Trung Nghia Nguyen" userId="caf0b1f78d203fdc" providerId="LiveId" clId="{FA98E611-7EE5-4D53-A8F6-A8478DA16B0D}" dt="2023-03-16T06:11:43.156" v="1253" actId="478"/>
-          <ac:spMkLst>
-            <pc:docMk/>
-            <pc:sldMk cId="3245475923" sldId="273"/>
-            <ac:spMk id="2" creationId="{30380714-4CD2-9849-80A6-8AC66F97DA6F}"/>
-          </ac:spMkLst>
-        </pc:spChg>
-        <pc:spChg chg="add mod">
-          <ac:chgData name="Trung Nghia Nguyen" userId="caf0b1f78d203fdc" providerId="LiveId" clId="{FA98E611-7EE5-4D53-A8F6-A8478DA16B0D}" dt="2023-03-16T06:16:03.718" v="1468" actId="20577"/>
-          <ac:spMkLst>
-            <pc:docMk/>
-            <pc:sldMk cId="3245475923" sldId="273"/>
-            <ac:spMk id="4" creationId="{459EF129-6740-B341-7BC7-05D580180742}"/>
-          </ac:spMkLst>
-        </pc:spChg>
-        <pc:spChg chg="add del mod">
-          <ac:chgData name="Trung Nghia Nguyen" userId="caf0b1f78d203fdc" providerId="LiveId" clId="{FA98E611-7EE5-4D53-A8F6-A8478DA16B0D}" dt="2023-03-17T04:39:23.979" v="3060" actId="478"/>
-          <ac:spMkLst>
-            <pc:docMk/>
-            <pc:sldMk cId="3245475923" sldId="273"/>
-            <ac:spMk id="5" creationId="{E1627484-B3B2-F2C3-F446-F44A1980716C}"/>
-          </ac:spMkLst>
-        </pc:spChg>
-        <pc:spChg chg="add mod">
-          <ac:chgData name="Trung Nghia Nguyen" userId="caf0b1f78d203fdc" providerId="LiveId" clId="{FA98E611-7EE5-4D53-A8F6-A8478DA16B0D}" dt="2023-03-19T19:42:38.278" v="4577" actId="20577"/>
-          <ac:spMkLst>
-            <pc:docMk/>
-            <pc:sldMk cId="3245475923" sldId="273"/>
-            <ac:spMk id="6" creationId="{F6D86575-6F62-E86B-CB8C-67FDEFFD30D6}"/>
-          </ac:spMkLst>
-        </pc:spChg>
-        <pc:graphicFrameChg chg="add mod modGraphic">
-          <ac:chgData name="Trung Nghia Nguyen" userId="caf0b1f78d203fdc" providerId="LiveId" clId="{FA98E611-7EE5-4D53-A8F6-A8478DA16B0D}" dt="2023-03-19T19:27:35.395" v="4349" actId="20577"/>
-          <ac:graphicFrameMkLst>
-            <pc:docMk/>
-            <pc:sldMk cId="3245475923" sldId="273"/>
-            <ac:graphicFrameMk id="3" creationId="{5E8325E1-BDCF-5783-E97F-C770E7E58F6D}"/>
-          </ac:graphicFrameMkLst>
-        </pc:graphicFrameChg>
-        <pc:cxnChg chg="add mod">
-          <ac:chgData name="Trung Nghia Nguyen" userId="caf0b1f78d203fdc" providerId="LiveId" clId="{FA98E611-7EE5-4D53-A8F6-A8478DA16B0D}" dt="2023-03-17T04:38:05.752" v="3030"/>
-          <ac:cxnSpMkLst>
-            <pc:docMk/>
-            <pc:sldMk cId="3245475923" sldId="273"/>
-            <ac:cxnSpMk id="2" creationId="{7C8A4417-1481-B1E7-23CC-E5C9CAD25F2C}"/>
-          </ac:cxnSpMkLst>
-        </pc:cxnChg>
-      </pc:sldChg>
-      <pc:sldChg chg="addSp delSp modSp add mod ord">
-        <pc:chgData name="Trung Nghia Nguyen" userId="caf0b1f78d203fdc" providerId="LiveId" clId="{FA98E611-7EE5-4D53-A8F6-A8478DA16B0D}" dt="2023-03-19T19:43:09.521" v="4587" actId="20577"/>
-        <pc:sldMkLst>
-          <pc:docMk/>
-          <pc:sldMk cId="1354583273" sldId="274"/>
-        </pc:sldMkLst>
-        <pc:spChg chg="add del mod">
-          <ac:chgData name="Trung Nghia Nguyen" userId="caf0b1f78d203fdc" providerId="LiveId" clId="{FA98E611-7EE5-4D53-A8F6-A8478DA16B0D}" dt="2023-03-17T04:39:47.372" v="3072" actId="478"/>
-          <ac:spMkLst>
-            <pc:docMk/>
-            <pc:sldMk cId="1354583273" sldId="274"/>
-            <ac:spMk id="5" creationId="{5C96A552-627E-CE46-EB0C-BD1DE0A52080}"/>
-          </ac:spMkLst>
-        </pc:spChg>
-        <pc:spChg chg="add mod">
-          <ac:chgData name="Trung Nghia Nguyen" userId="caf0b1f78d203fdc" providerId="LiveId" clId="{FA98E611-7EE5-4D53-A8F6-A8478DA16B0D}" dt="2023-03-19T19:43:09.521" v="4587" actId="20577"/>
-          <ac:spMkLst>
-            <pc:docMk/>
-            <pc:sldMk cId="1354583273" sldId="274"/>
-            <ac:spMk id="6" creationId="{2562B724-D426-FE46-6638-FB3781266C15}"/>
-          </ac:spMkLst>
-        </pc:spChg>
-        <pc:spChg chg="mod">
-          <ac:chgData name="Trung Nghia Nguyen" userId="caf0b1f78d203fdc" providerId="LiveId" clId="{FA98E611-7EE5-4D53-A8F6-A8478DA16B0D}" dt="2023-03-16T06:17:40.589" v="1559" actId="20577"/>
-          <ac:spMkLst>
-            <pc:docMk/>
-            <pc:sldMk cId="1354583273" sldId="274"/>
-            <ac:spMk id="14" creationId="{63B4AB36-B54A-EA5C-2A74-F2C80BE0CBC4}"/>
-          </ac:spMkLst>
-        </pc:spChg>
-        <pc:graphicFrameChg chg="add del modGraphic">
-          <ac:chgData name="Trung Nghia Nguyen" userId="caf0b1f78d203fdc" providerId="LiveId" clId="{FA98E611-7EE5-4D53-A8F6-A8478DA16B0D}" dt="2023-03-19T19:34:09.297" v="4407" actId="20577"/>
-          <ac:graphicFrameMkLst>
-            <pc:docMk/>
-            <pc:sldMk cId="1354583273" sldId="274"/>
-            <ac:graphicFrameMk id="3" creationId="{5E8325E1-BDCF-5783-E97F-C770E7E58F6D}"/>
-          </ac:graphicFrameMkLst>
-        </pc:graphicFrameChg>
-        <pc:cxnChg chg="add mod">
-          <ac:chgData name="Trung Nghia Nguyen" userId="caf0b1f78d203fdc" providerId="LiveId" clId="{FA98E611-7EE5-4D53-A8F6-A8478DA16B0D}" dt="2023-03-17T04:38:15.696" v="3036"/>
-          <ac:cxnSpMkLst>
-            <pc:docMk/>
-            <pc:sldMk cId="1354583273" sldId="274"/>
-            <ac:cxnSpMk id="2" creationId="{D42DA17F-60A5-AE4F-3CF5-1D8ED68A7208}"/>
-          </ac:cxnSpMkLst>
-        </pc:cxnChg>
-      </pc:sldChg>
-      <pc:sldChg chg="addSp delSp modSp add mod">
-        <pc:chgData name="Trung Nghia Nguyen" userId="caf0b1f78d203fdc" providerId="LiveId" clId="{FA98E611-7EE5-4D53-A8F6-A8478DA16B0D}" dt="2023-03-19T19:43:24.151" v="4596" actId="20577"/>
-        <pc:sldMkLst>
-          <pc:docMk/>
-          <pc:sldMk cId="288851990" sldId="275"/>
-        </pc:sldMkLst>
-        <pc:spChg chg="add del mod">
-          <ac:chgData name="Trung Nghia Nguyen" userId="caf0b1f78d203fdc" providerId="LiveId" clId="{FA98E611-7EE5-4D53-A8F6-A8478DA16B0D}" dt="2023-03-16T06:19:33.875" v="1634" actId="478"/>
-          <ac:spMkLst>
-            <pc:docMk/>
-            <pc:sldMk cId="288851990" sldId="275"/>
-            <ac:spMk id="5" creationId="{1C61A998-27D5-7046-F7BE-75F861F5E290}"/>
-          </ac:spMkLst>
-        </pc:spChg>
-        <pc:spChg chg="add del mod">
-          <ac:chgData name="Trung Nghia Nguyen" userId="caf0b1f78d203fdc" providerId="LiveId" clId="{FA98E611-7EE5-4D53-A8F6-A8478DA16B0D}" dt="2023-03-17T04:40:00.889" v="3078" actId="478"/>
-          <ac:spMkLst>
-            <pc:docMk/>
-            <pc:sldMk cId="288851990" sldId="275"/>
-            <ac:spMk id="5" creationId="{705A7030-1F27-CBA4-A7AA-C6D158A2EFFB}"/>
-          </ac:spMkLst>
-        </pc:spChg>
-        <pc:spChg chg="add mod">
-          <ac:chgData name="Trung Nghia Nguyen" userId="caf0b1f78d203fdc" providerId="LiveId" clId="{FA98E611-7EE5-4D53-A8F6-A8478DA16B0D}" dt="2023-03-19T19:43:24.151" v="4596" actId="20577"/>
-          <ac:spMkLst>
-            <pc:docMk/>
-            <pc:sldMk cId="288851990" sldId="275"/>
-            <ac:spMk id="6" creationId="{FA80F292-9DC6-3B07-3494-F7CEDA19647D}"/>
-          </ac:spMkLst>
-        </pc:spChg>
-        <pc:spChg chg="mod">
-          <ac:chgData name="Trung Nghia Nguyen" userId="caf0b1f78d203fdc" providerId="LiveId" clId="{FA98E611-7EE5-4D53-A8F6-A8478DA16B0D}" dt="2023-03-16T06:17:31.445" v="1541" actId="20577"/>
-          <ac:spMkLst>
-            <pc:docMk/>
-            <pc:sldMk cId="288851990" sldId="275"/>
-            <ac:spMk id="14" creationId="{63B4AB36-B54A-EA5C-2A74-F2C80BE0CBC4}"/>
-          </ac:spMkLst>
-        </pc:spChg>
-        <pc:graphicFrameChg chg="add del mod">
-          <ac:chgData name="Trung Nghia Nguyen" userId="caf0b1f78d203fdc" providerId="LiveId" clId="{FA98E611-7EE5-4D53-A8F6-A8478DA16B0D}" dt="2023-03-16T06:19:33.875" v="1634" actId="478"/>
-          <ac:graphicFrameMkLst>
-            <pc:docMk/>
-            <pc:sldMk cId="288851990" sldId="275"/>
-            <ac:graphicFrameMk id="2" creationId="{DE54A4EB-23C8-299C-A87F-8BB31473006A}"/>
-          </ac:graphicFrameMkLst>
-        </pc:graphicFrameChg>
-        <pc:graphicFrameChg chg="add del modGraphic">
-          <ac:chgData name="Trung Nghia Nguyen" userId="caf0b1f78d203fdc" providerId="LiveId" clId="{FA98E611-7EE5-4D53-A8F6-A8478DA16B0D}" dt="2023-03-19T19:34:24.716" v="4431" actId="20577"/>
-          <ac:graphicFrameMkLst>
-            <pc:docMk/>
-            <pc:sldMk cId="288851990" sldId="275"/>
-            <ac:graphicFrameMk id="3" creationId="{5E8325E1-BDCF-5783-E97F-C770E7E58F6D}"/>
-          </ac:graphicFrameMkLst>
-        </pc:graphicFrameChg>
-        <pc:cxnChg chg="add mod">
-          <ac:chgData name="Trung Nghia Nguyen" userId="caf0b1f78d203fdc" providerId="LiveId" clId="{FA98E611-7EE5-4D53-A8F6-A8478DA16B0D}" dt="2023-03-17T04:38:20.076" v="3039"/>
-          <ac:cxnSpMkLst>
-            <pc:docMk/>
-            <pc:sldMk cId="288851990" sldId="275"/>
-            <ac:cxnSpMk id="2" creationId="{9C1236E6-E36B-726A-5DB7-9CAC65580E73}"/>
-          </ac:cxnSpMkLst>
-        </pc:cxnChg>
-      </pc:sldChg>
-      <pc:sldChg chg="addSp delSp modSp add mod">
-        <pc:chgData name="Trung Nghia Nguyen" userId="caf0b1f78d203fdc" providerId="LiveId" clId="{FA98E611-7EE5-4D53-A8F6-A8478DA16B0D}" dt="2023-03-20T07:03:02.489" v="5743" actId="5793"/>
-        <pc:sldMkLst>
-          <pc:docMk/>
-          <pc:sldMk cId="2797651471" sldId="276"/>
-        </pc:sldMkLst>
-        <pc:spChg chg="mod">
-          <ac:chgData name="Trung Nghia Nguyen" userId="caf0b1f78d203fdc" providerId="LiveId" clId="{FA98E611-7EE5-4D53-A8F6-A8478DA16B0D}" dt="2023-03-16T06:20:01.560" v="1716" actId="20577"/>
-          <ac:spMkLst>
-            <pc:docMk/>
-            <pc:sldMk cId="2797651471" sldId="276"/>
-            <ac:spMk id="4" creationId="{459EF129-6740-B341-7BC7-05D580180742}"/>
-          </ac:spMkLst>
-        </pc:spChg>
-        <pc:spChg chg="add del mod">
-          <ac:chgData name="Trung Nghia Nguyen" userId="caf0b1f78d203fdc" providerId="LiveId" clId="{FA98E611-7EE5-4D53-A8F6-A8478DA16B0D}" dt="2023-03-17T04:40:05.232" v="3080" actId="478"/>
-          <ac:spMkLst>
-            <pc:docMk/>
-            <pc:sldMk cId="2797651471" sldId="276"/>
-            <ac:spMk id="5" creationId="{1A768D09-65B6-BD7C-A142-B559924B5F8D}"/>
-          </ac:spMkLst>
-        </pc:spChg>
-        <pc:spChg chg="add mod">
-          <ac:chgData name="Trung Nghia Nguyen" userId="caf0b1f78d203fdc" providerId="LiveId" clId="{FA98E611-7EE5-4D53-A8F6-A8478DA16B0D}" dt="2023-03-19T19:43:31.201" v="4599" actId="20577"/>
-          <ac:spMkLst>
-            <pc:docMk/>
-            <pc:sldMk cId="2797651471" sldId="276"/>
-            <ac:spMk id="6" creationId="{FD7465EC-84B6-406C-4864-45ADF9FB642F}"/>
-          </ac:spMkLst>
-        </pc:spChg>
-        <pc:spChg chg="mod">
-          <ac:chgData name="Trung Nghia Nguyen" userId="caf0b1f78d203fdc" providerId="LiveId" clId="{FA98E611-7EE5-4D53-A8F6-A8478DA16B0D}" dt="2023-03-16T06:19:48.634" v="1664" actId="20577"/>
-          <ac:spMkLst>
-            <pc:docMk/>
-            <pc:sldMk cId="2797651471" sldId="276"/>
-            <ac:spMk id="14" creationId="{63B4AB36-B54A-EA5C-2A74-F2C80BE0CBC4}"/>
-          </ac:spMkLst>
-        </pc:spChg>
-        <pc:graphicFrameChg chg="mod modGraphic">
-          <ac:chgData name="Trung Nghia Nguyen" userId="caf0b1f78d203fdc" providerId="LiveId" clId="{FA98E611-7EE5-4D53-A8F6-A8478DA16B0D}" dt="2023-03-20T07:03:02.489" v="5743" actId="5793"/>
-          <ac:graphicFrameMkLst>
-            <pc:docMk/>
-            <pc:sldMk cId="2797651471" sldId="276"/>
-            <ac:graphicFrameMk id="3" creationId="{5E8325E1-BDCF-5783-E97F-C770E7E58F6D}"/>
-          </ac:graphicFrameMkLst>
-        </pc:graphicFrameChg>
-        <pc:cxnChg chg="add mod">
-          <ac:chgData name="Trung Nghia Nguyen" userId="caf0b1f78d203fdc" providerId="LiveId" clId="{FA98E611-7EE5-4D53-A8F6-A8478DA16B0D}" dt="2023-03-17T04:38:21.533" v="3040"/>
-          <ac:cxnSpMkLst>
-            <pc:docMk/>
-            <pc:sldMk cId="2797651471" sldId="276"/>
-            <ac:cxnSpMk id="2" creationId="{E84DC22F-1018-3740-66B4-518AAE2387D5}"/>
-          </ac:cxnSpMkLst>
-        </pc:cxnChg>
-      </pc:sldChg>
-      <pc:sldChg chg="addSp delSp modSp add mod">
-        <pc:chgData name="Trung Nghia Nguyen" userId="caf0b1f78d203fdc" providerId="LiveId" clId="{FA98E611-7EE5-4D53-A8F6-A8478DA16B0D}" dt="2023-03-19T19:41:43.354" v="4559" actId="20577"/>
-        <pc:sldMkLst>
-          <pc:docMk/>
-          <pc:sldMk cId="1442048206" sldId="277"/>
-        </pc:sldMkLst>
-        <pc:spChg chg="add del mod">
-          <ac:chgData name="Trung Nghia Nguyen" userId="caf0b1f78d203fdc" providerId="LiveId" clId="{FA98E611-7EE5-4D53-A8F6-A8478DA16B0D}" dt="2023-03-17T04:38:51.609" v="3044" actId="478"/>
-          <ac:spMkLst>
-            <pc:docMk/>
-            <pc:sldMk cId="1442048206" sldId="277"/>
-            <ac:spMk id="3" creationId="{2A02747A-930E-E80B-D12A-3C88421445D2}"/>
-          </ac:spMkLst>
-        </pc:spChg>
-        <pc:spChg chg="add mod">
-          <ac:chgData name="Trung Nghia Nguyen" userId="caf0b1f78d203fdc" providerId="LiveId" clId="{FA98E611-7EE5-4D53-A8F6-A8478DA16B0D}" dt="2023-03-19T19:41:43.354" v="4559" actId="20577"/>
-          <ac:spMkLst>
-            <pc:docMk/>
-            <pc:sldMk cId="1442048206" sldId="277"/>
-            <ac:spMk id="4" creationId="{8C7A2A31-FB7A-4F1F-44D0-57F56E22618B}"/>
-          </ac:spMkLst>
-        </pc:spChg>
-        <pc:graphicFrameChg chg="add del mod modGraphic">
-          <ac:chgData name="Trung Nghia Nguyen" userId="caf0b1f78d203fdc" providerId="LiveId" clId="{FA98E611-7EE5-4D53-A8F6-A8478DA16B0D}" dt="2023-03-19T19:23:27.922" v="4268" actId="20577"/>
-          <ac:graphicFrameMkLst>
-            <pc:docMk/>
-            <pc:sldMk cId="1442048206" sldId="277"/>
-            <ac:graphicFrameMk id="16" creationId="{A794B221-780B-3E0D-DCDE-B4B669AD1AE3}"/>
-          </ac:graphicFrameMkLst>
-        </pc:graphicFrameChg>
-        <pc:cxnChg chg="add mod">
-          <ac:chgData name="Trung Nghia Nguyen" userId="caf0b1f78d203fdc" providerId="LiveId" clId="{FA98E611-7EE5-4D53-A8F6-A8478DA16B0D}" dt="2023-03-17T04:37:53.870" v="3022"/>
-          <ac:cxnSpMkLst>
-            <pc:docMk/>
-            <pc:sldMk cId="1442048206" sldId="277"/>
-            <ac:cxnSpMk id="2" creationId="{0AB1CEC5-2BAD-1C07-6B07-F474F46A98DB}"/>
-          </ac:cxnSpMkLst>
-        </pc:cxnChg>
-      </pc:sldChg>
-      <pc:sldChg chg="addSp delSp modSp add mod">
-        <pc:chgData name="Trung Nghia Nguyen" userId="caf0b1f78d203fdc" providerId="LiveId" clId="{FA98E611-7EE5-4D53-A8F6-A8478DA16B0D}" dt="2023-03-19T19:42:02.542" v="4567" actId="20577"/>
-        <pc:sldMkLst>
-          <pc:docMk/>
-          <pc:sldMk cId="599745211" sldId="278"/>
-        </pc:sldMkLst>
-        <pc:spChg chg="mod">
-          <ac:chgData name="Trung Nghia Nguyen" userId="caf0b1f78d203fdc" providerId="LiveId" clId="{FA98E611-7EE5-4D53-A8F6-A8478DA16B0D}" dt="2023-03-19T19:42:02.542" v="4567" actId="20577"/>
-          <ac:spMkLst>
-            <pc:docMk/>
-            <pc:sldMk cId="599745211" sldId="278"/>
-            <ac:spMk id="5" creationId="{5EFED488-422D-714E-BC8D-1EFFE4EB27EF}"/>
-          </ac:spMkLst>
-        </pc:spChg>
-        <pc:spChg chg="mod">
-          <ac:chgData name="Trung Nghia Nguyen" userId="caf0b1f78d203fdc" providerId="LiveId" clId="{FA98E611-7EE5-4D53-A8F6-A8478DA16B0D}" dt="2023-03-17T06:23:21.018" v="3181" actId="114"/>
-          <ac:spMkLst>
-            <pc:docMk/>
-            <pc:sldMk cId="599745211" sldId="278"/>
-            <ac:spMk id="6" creationId="{E89CDB90-AF28-D274-AC55-ECC8E0120E31}"/>
-          </ac:spMkLst>
-        </pc:spChg>
-        <pc:picChg chg="add mod">
-          <ac:chgData name="Trung Nghia Nguyen" userId="caf0b1f78d203fdc" providerId="LiveId" clId="{FA98E611-7EE5-4D53-A8F6-A8478DA16B0D}" dt="2023-03-17T06:22:56.812" v="3160" actId="1076"/>
-          <ac:picMkLst>
-            <pc:docMk/>
-            <pc:sldMk cId="599745211" sldId="278"/>
-            <ac:picMk id="7" creationId="{A8746AB3-58A2-74F9-9140-30A7E3ED3167}"/>
-          </ac:picMkLst>
-        </pc:picChg>
-        <pc:picChg chg="del">
-          <ac:chgData name="Trung Nghia Nguyen" userId="caf0b1f78d203fdc" providerId="LiveId" clId="{FA98E611-7EE5-4D53-A8F6-A8478DA16B0D}" dt="2023-03-17T06:22:21.850" v="3158" actId="478"/>
-          <ac:picMkLst>
-            <pc:docMk/>
-            <pc:sldMk cId="599745211" sldId="278"/>
-            <ac:picMk id="8" creationId="{64343610-2239-3C37-0292-61E9C46DADC0}"/>
-          </ac:picMkLst>
-        </pc:picChg>
-        <pc:picChg chg="del">
-          <ac:chgData name="Trung Nghia Nguyen" userId="caf0b1f78d203fdc" providerId="LiveId" clId="{FA98E611-7EE5-4D53-A8F6-A8478DA16B0D}" dt="2023-03-17T06:21:56.494" v="3151" actId="478"/>
-          <ac:picMkLst>
-            <pc:docMk/>
-            <pc:sldMk cId="599745211" sldId="278"/>
-            <ac:picMk id="1026" creationId="{8B6FAEF3-00E8-C2B6-6484-BD77EBFDEA2F}"/>
-          </ac:picMkLst>
-        </pc:picChg>
-        <pc:picChg chg="add mod">
-          <ac:chgData name="Trung Nghia Nguyen" userId="caf0b1f78d203fdc" providerId="LiveId" clId="{FA98E611-7EE5-4D53-A8F6-A8478DA16B0D}" dt="2023-03-17T06:23:24.904" v="3182" actId="1076"/>
-          <ac:picMkLst>
-            <pc:docMk/>
-            <pc:sldMk cId="599745211" sldId="278"/>
-            <ac:picMk id="2050" creationId="{10442409-7C1A-0341-44F3-33E0573712DD}"/>
-          </ac:picMkLst>
-        </pc:picChg>
-      </pc:sldChg>
-      <pc:sldChg chg="addSp delSp modSp add mod">
-        <pc:chgData name="Trung Nghia Nguyen" userId="caf0b1f78d203fdc" providerId="LiveId" clId="{FA98E611-7EE5-4D53-A8F6-A8478DA16B0D}" dt="2023-03-19T19:42:08.819" v="4569" actId="20577"/>
-        <pc:sldMkLst>
-          <pc:docMk/>
-          <pc:sldMk cId="2754922991" sldId="279"/>
-        </pc:sldMkLst>
-        <pc:spChg chg="mod">
-          <ac:chgData name="Trung Nghia Nguyen" userId="caf0b1f78d203fdc" providerId="LiveId" clId="{FA98E611-7EE5-4D53-A8F6-A8478DA16B0D}" dt="2023-03-19T19:42:08.819" v="4569" actId="20577"/>
-          <ac:spMkLst>
-            <pc:docMk/>
-            <pc:sldMk cId="2754922991" sldId="279"/>
-            <ac:spMk id="5" creationId="{5EFED488-422D-714E-BC8D-1EFFE4EB27EF}"/>
-          </ac:spMkLst>
-        </pc:spChg>
-        <pc:spChg chg="mod">
-          <ac:chgData name="Trung Nghia Nguyen" userId="caf0b1f78d203fdc" providerId="LiveId" clId="{FA98E611-7EE5-4D53-A8F6-A8478DA16B0D}" dt="2023-03-17T06:26:42.641" v="3210" actId="1076"/>
-          <ac:spMkLst>
-            <pc:docMk/>
-            <pc:sldMk cId="2754922991" sldId="279"/>
-            <ac:spMk id="6" creationId="{E89CDB90-AF28-D274-AC55-ECC8E0120E31}"/>
-          </ac:spMkLst>
-        </pc:spChg>
-        <pc:picChg chg="del">
-          <ac:chgData name="Trung Nghia Nguyen" userId="caf0b1f78d203fdc" providerId="LiveId" clId="{FA98E611-7EE5-4D53-A8F6-A8478DA16B0D}" dt="2023-03-17T06:25:39.982" v="3191" actId="478"/>
-          <ac:picMkLst>
-            <pc:docMk/>
-            <pc:sldMk cId="2754922991" sldId="279"/>
-            <ac:picMk id="7" creationId="{A8746AB3-58A2-74F9-9140-30A7E3ED3167}"/>
-          </ac:picMkLst>
-        </pc:picChg>
-        <pc:picChg chg="add mod">
-          <ac:chgData name="Trung Nghia Nguyen" userId="caf0b1f78d203fdc" providerId="LiveId" clId="{FA98E611-7EE5-4D53-A8F6-A8478DA16B0D}" dt="2023-03-17T06:26:17.123" v="3195" actId="14100"/>
-          <ac:picMkLst>
-            <pc:docMk/>
-            <pc:sldMk cId="2754922991" sldId="279"/>
-            <ac:picMk id="8" creationId="{2BCBC959-D18B-486A-A2CE-1317A0097C33}"/>
-          </ac:picMkLst>
-        </pc:picChg>
-        <pc:picChg chg="del">
-          <ac:chgData name="Trung Nghia Nguyen" userId="caf0b1f78d203fdc" providerId="LiveId" clId="{FA98E611-7EE5-4D53-A8F6-A8478DA16B0D}" dt="2023-03-17T06:25:21.497" v="3184" actId="478"/>
-          <ac:picMkLst>
-            <pc:docMk/>
-            <pc:sldMk cId="2754922991" sldId="279"/>
-            <ac:picMk id="2050" creationId="{10442409-7C1A-0341-44F3-33E0573712DD}"/>
-          </ac:picMkLst>
-        </pc:picChg>
-        <pc:picChg chg="add mod">
-          <ac:chgData name="Trung Nghia Nguyen" userId="caf0b1f78d203fdc" providerId="LiveId" clId="{FA98E611-7EE5-4D53-A8F6-A8478DA16B0D}" dt="2023-03-17T06:26:27.754" v="3197" actId="14100"/>
-          <ac:picMkLst>
-            <pc:docMk/>
-            <pc:sldMk cId="2754922991" sldId="279"/>
-            <ac:picMk id="3074" creationId="{0282A2DD-FF67-A086-5C74-2D8174B11DC8}"/>
-          </ac:picMkLst>
-        </pc:picChg>
-      </pc:sldChg>
-      <pc:sldChg chg="addSp modSp add mod modNotesTx">
-        <pc:chgData name="Trung Nghia Nguyen" userId="caf0b1f78d203fdc" providerId="LiveId" clId="{FA98E611-7EE5-4D53-A8F6-A8478DA16B0D}" dt="2023-03-19T19:42:13.274" v="4571" actId="20577"/>
-        <pc:sldMkLst>
-          <pc:docMk/>
-          <pc:sldMk cId="1570060703" sldId="280"/>
-        </pc:sldMkLst>
-        <pc:spChg chg="mod">
-          <ac:chgData name="Trung Nghia Nguyen" userId="caf0b1f78d203fdc" providerId="LiveId" clId="{FA98E611-7EE5-4D53-A8F6-A8478DA16B0D}" dt="2023-03-19T19:42:13.274" v="4571" actId="20577"/>
-          <ac:spMkLst>
-            <pc:docMk/>
-            <pc:sldMk cId="1570060703" sldId="280"/>
-            <ac:spMk id="5" creationId="{7AF6E6C4-7E4D-6951-DD77-D67FDB08BE33}"/>
-          </ac:spMkLst>
-        </pc:spChg>
-        <pc:spChg chg="mod">
-          <ac:chgData name="Trung Nghia Nguyen" userId="caf0b1f78d203fdc" providerId="LiveId" clId="{FA98E611-7EE5-4D53-A8F6-A8478DA16B0D}" dt="2023-03-17T07:03:30.383" v="3264" actId="1076"/>
-          <ac:spMkLst>
-            <pc:docMk/>
-            <pc:sldMk cId="1570060703" sldId="280"/>
-            <ac:spMk id="7" creationId="{C27A575E-AACF-0BC5-FF71-5FCE2C283EAA}"/>
-          </ac:spMkLst>
-        </pc:spChg>
-        <pc:picChg chg="add mod">
-          <ac:chgData name="Trung Nghia Nguyen" userId="caf0b1f78d203fdc" providerId="LiveId" clId="{FA98E611-7EE5-4D53-A8F6-A8478DA16B0D}" dt="2023-03-18T17:45:27.382" v="3465" actId="1076"/>
-          <ac:picMkLst>
-            <pc:docMk/>
-            <pc:sldMk cId="1570060703" sldId="280"/>
-            <ac:picMk id="6" creationId="{2B44FC83-2398-5E3A-C381-62AE739D08A6}"/>
-          </ac:picMkLst>
-        </pc:picChg>
-      </pc:sldChg>
-      <pc:sldChg chg="addSp delSp modSp add mod">
-        <pc:chgData name="Trung Nghia Nguyen" userId="caf0b1f78d203fdc" providerId="LiveId" clId="{FA98E611-7EE5-4D53-A8F6-A8478DA16B0D}" dt="2023-03-19T19:42:18.183" v="4572" actId="20577"/>
-        <pc:sldMkLst>
-          <pc:docMk/>
-          <pc:sldMk cId="3262030844" sldId="281"/>
-        </pc:sldMkLst>
-        <pc:spChg chg="mod">
-          <ac:chgData name="Trung Nghia Nguyen" userId="caf0b1f78d203fdc" providerId="LiveId" clId="{FA98E611-7EE5-4D53-A8F6-A8478DA16B0D}" dt="2023-03-19T19:42:18.183" v="4572" actId="20577"/>
-          <ac:spMkLst>
-            <pc:docMk/>
-            <pc:sldMk cId="3262030844" sldId="281"/>
-            <ac:spMk id="5" creationId="{7AF6E6C4-7E4D-6951-DD77-D67FDB08BE33}"/>
-          </ac:spMkLst>
-        </pc:spChg>
-        <pc:spChg chg="del mod">
-          <ac:chgData name="Trung Nghia Nguyen" userId="caf0b1f78d203fdc" providerId="LiveId" clId="{FA98E611-7EE5-4D53-A8F6-A8478DA16B0D}" dt="2023-03-18T17:45:45.010" v="3467" actId="478"/>
-          <ac:spMkLst>
-            <pc:docMk/>
-            <pc:sldMk cId="3262030844" sldId="281"/>
-            <ac:spMk id="7" creationId="{C27A575E-AACF-0BC5-FF71-5FCE2C283EAA}"/>
-          </ac:spMkLst>
-        </pc:spChg>
-        <pc:spChg chg="add mod">
-          <ac:chgData name="Trung Nghia Nguyen" userId="caf0b1f78d203fdc" providerId="LiveId" clId="{FA98E611-7EE5-4D53-A8F6-A8478DA16B0D}" dt="2023-03-18T17:45:47.896" v="3470" actId="20577"/>
-          <ac:spMkLst>
-            <pc:docMk/>
-            <pc:sldMk cId="3262030844" sldId="281"/>
-            <ac:spMk id="9" creationId="{51CE0FD5-4BE3-F7D8-2BC7-6F59ED933512}"/>
-          </ac:spMkLst>
-        </pc:spChg>
-        <pc:picChg chg="del">
-          <ac:chgData name="Trung Nghia Nguyen" userId="caf0b1f78d203fdc" providerId="LiveId" clId="{FA98E611-7EE5-4D53-A8F6-A8478DA16B0D}" dt="2023-03-18T17:44:32.151" v="3443" actId="478"/>
-          <ac:picMkLst>
-            <pc:docMk/>
-            <pc:sldMk cId="3262030844" sldId="281"/>
-            <ac:picMk id="6" creationId="{2B44FC83-2398-5E3A-C381-62AE739D08A6}"/>
-          </ac:picMkLst>
-        </pc:picChg>
-        <pc:picChg chg="add mod ord">
-          <ac:chgData name="Trung Nghia Nguyen" userId="caf0b1f78d203fdc" providerId="LiveId" clId="{FA98E611-7EE5-4D53-A8F6-A8478DA16B0D}" dt="2023-03-18T17:45:32.441" v="3466" actId="1076"/>
-          <ac:picMkLst>
-            <pc:docMk/>
-            <pc:sldMk cId="3262030844" sldId="281"/>
-            <ac:picMk id="8" creationId="{E0B6CD8B-6138-6045-0302-D72BA24864A4}"/>
-          </ac:picMkLst>
-        </pc:picChg>
-      </pc:sldChg>
-      <pc:sldChg chg="delSp modSp add del mod">
-        <pc:chgData name="Trung Nghia Nguyen" userId="caf0b1f78d203fdc" providerId="LiveId" clId="{FA98E611-7EE5-4D53-A8F6-A8478DA16B0D}" dt="2023-03-18T17:45:55.167" v="3471" actId="47"/>
-        <pc:sldMkLst>
-          <pc:docMk/>
-          <pc:sldMk cId="1576429670" sldId="282"/>
-        </pc:sldMkLst>
-        <pc:spChg chg="mod">
-          <ac:chgData name="Trung Nghia Nguyen" userId="caf0b1f78d203fdc" providerId="LiveId" clId="{FA98E611-7EE5-4D53-A8F6-A8478DA16B0D}" dt="2023-03-18T17:45:13.631" v="3462" actId="20577"/>
-          <ac:spMkLst>
-            <pc:docMk/>
-            <pc:sldMk cId="1576429670" sldId="282"/>
-            <ac:spMk id="7" creationId="{C27A575E-AACF-0BC5-FF71-5FCE2C283EAA}"/>
-          </ac:spMkLst>
-        </pc:spChg>
-        <pc:picChg chg="del mod">
-          <ac:chgData name="Trung Nghia Nguyen" userId="caf0b1f78d203fdc" providerId="LiveId" clId="{FA98E611-7EE5-4D53-A8F6-A8478DA16B0D}" dt="2023-03-18T17:45:17.520" v="3464" actId="478"/>
-          <ac:picMkLst>
-            <pc:docMk/>
-            <pc:sldMk cId="1576429670" sldId="282"/>
-            <ac:picMk id="8" creationId="{E0B6CD8B-6138-6045-0302-D72BA24864A4}"/>
-          </ac:picMkLst>
-        </pc:picChg>
-      </pc:sldChg>
-      <pc:sldChg chg="addSp delSp modSp add mod">
-        <pc:chgData name="Trung Nghia Nguyen" userId="caf0b1f78d203fdc" providerId="LiveId" clId="{FA98E611-7EE5-4D53-A8F6-A8478DA16B0D}" dt="2023-03-19T19:42:21.407" v="4573" actId="20577"/>
-        <pc:sldMkLst>
-          <pc:docMk/>
-          <pc:sldMk cId="4109717965" sldId="282"/>
-        </pc:sldMkLst>
-        <pc:spChg chg="mod">
-          <ac:chgData name="Trung Nghia Nguyen" userId="caf0b1f78d203fdc" providerId="LiveId" clId="{FA98E611-7EE5-4D53-A8F6-A8478DA16B0D}" dt="2023-03-19T19:42:21.407" v="4573" actId="20577"/>
-          <ac:spMkLst>
-            <pc:docMk/>
-            <pc:sldMk cId="4109717965" sldId="282"/>
-            <ac:spMk id="5" creationId="{7AF6E6C4-7E4D-6951-DD77-D67FDB08BE33}"/>
-          </ac:spMkLst>
-        </pc:spChg>
-        <pc:spChg chg="mod">
-          <ac:chgData name="Trung Nghia Nguyen" userId="caf0b1f78d203fdc" providerId="LiveId" clId="{FA98E611-7EE5-4D53-A8F6-A8478DA16B0D}" dt="2023-03-18T17:46:02.114" v="3483" actId="20577"/>
-          <ac:spMkLst>
-            <pc:docMk/>
-            <pc:sldMk cId="4109717965" sldId="282"/>
-            <ac:spMk id="9" creationId="{51CE0FD5-4BE3-F7D8-2BC7-6F59ED933512}"/>
-          </ac:spMkLst>
-        </pc:spChg>
-        <pc:picChg chg="add mod ord">
-          <ac:chgData name="Trung Nghia Nguyen" userId="caf0b1f78d203fdc" providerId="LiveId" clId="{FA98E611-7EE5-4D53-A8F6-A8478DA16B0D}" dt="2023-03-18T17:58:07.675" v="3491" actId="167"/>
-          <ac:picMkLst>
-            <pc:docMk/>
-            <pc:sldMk cId="4109717965" sldId="282"/>
-            <ac:picMk id="6" creationId="{507FC860-8B46-AEB4-EE18-02AC586D78D6}"/>
-          </ac:picMkLst>
-        </pc:picChg>
-        <pc:picChg chg="del">
-          <ac:chgData name="Trung Nghia Nguyen" userId="caf0b1f78d203fdc" providerId="LiveId" clId="{FA98E611-7EE5-4D53-A8F6-A8478DA16B0D}" dt="2023-03-18T17:46:06.175" v="3484" actId="478"/>
-          <ac:picMkLst>
-            <pc:docMk/>
-            <pc:sldMk cId="4109717965" sldId="282"/>
-            <ac:picMk id="8" creationId="{E0B6CD8B-6138-6045-0302-D72BA24864A4}"/>
-          </ac:picMkLst>
-        </pc:picChg>
-      </pc:sldChg>
-      <pc:sldChg chg="addSp delSp modSp add mod">
-        <pc:chgData name="Trung Nghia Nguyen" userId="caf0b1f78d203fdc" providerId="LiveId" clId="{FA98E611-7EE5-4D53-A8F6-A8478DA16B0D}" dt="2023-03-20T07:19:24.474" v="7031" actId="20577"/>
-        <pc:sldMkLst>
-          <pc:docMk/>
-          <pc:sldMk cId="3273506458" sldId="283"/>
-        </pc:sldMkLst>
-        <pc:spChg chg="mod">
-          <ac:chgData name="Trung Nghia Nguyen" userId="caf0b1f78d203fdc" providerId="LiveId" clId="{FA98E611-7EE5-4D53-A8F6-A8478DA16B0D}" dt="2023-03-20T07:11:30.957" v="5765" actId="20577"/>
-          <ac:spMkLst>
-            <pc:docMk/>
-            <pc:sldMk cId="3273506458" sldId="283"/>
-            <ac:spMk id="4" creationId="{459EF129-6740-B341-7BC7-05D580180742}"/>
-          </ac:spMkLst>
-        </pc:spChg>
-        <pc:spChg chg="add mod">
-          <ac:chgData name="Trung Nghia Nguyen" userId="caf0b1f78d203fdc" providerId="LiveId" clId="{FA98E611-7EE5-4D53-A8F6-A8478DA16B0D}" dt="2023-03-20T07:17:20.280" v="6905" actId="20577"/>
-          <ac:spMkLst>
-            <pc:docMk/>
-            <pc:sldMk cId="3273506458" sldId="283"/>
-            <ac:spMk id="5" creationId="{B124AB6E-B685-3C3C-17A7-881BC0274152}"/>
-          </ac:spMkLst>
-        </pc:spChg>
-        <pc:spChg chg="mod">
-          <ac:chgData name="Trung Nghia Nguyen" userId="caf0b1f78d203fdc" providerId="LiveId" clId="{FA98E611-7EE5-4D53-A8F6-A8478DA16B0D}" dt="2023-03-20T07:19:24.474" v="7031" actId="20577"/>
-          <ac:spMkLst>
-            <pc:docMk/>
-            <pc:sldMk cId="3273506458" sldId="283"/>
-            <ac:spMk id="6" creationId="{FD7465EC-84B6-406C-4864-45ADF9FB642F}"/>
-          </ac:spMkLst>
-        </pc:spChg>
-        <pc:graphicFrameChg chg="del">
-          <ac:chgData name="Trung Nghia Nguyen" userId="caf0b1f78d203fdc" providerId="LiveId" clId="{FA98E611-7EE5-4D53-A8F6-A8478DA16B0D}" dt="2023-03-20T07:11:34.358" v="5766" actId="478"/>
-          <ac:graphicFrameMkLst>
-            <pc:docMk/>
-            <pc:sldMk cId="3273506458" sldId="283"/>
-            <ac:graphicFrameMk id="3" creationId="{5E8325E1-BDCF-5783-E97F-C770E7E58F6D}"/>
-          </ac:graphicFrameMkLst>
-        </pc:graphicFrameChg>
-      </pc:sldChg>
-      <pc:sldChg chg="modSp add mod">
-        <pc:chgData name="Trung Nghia Nguyen" userId="caf0b1f78d203fdc" providerId="LiveId" clId="{FA98E611-7EE5-4D53-A8F6-A8478DA16B0D}" dt="2023-03-20T07:19:27.761" v="7033" actId="20577"/>
-        <pc:sldMkLst>
-          <pc:docMk/>
-          <pc:sldMk cId="1076178229" sldId="284"/>
-        </pc:sldMkLst>
-        <pc:spChg chg="mod">
-          <ac:chgData name="Trung Nghia Nguyen" userId="caf0b1f78d203fdc" providerId="LiveId" clId="{FA98E611-7EE5-4D53-A8F6-A8478DA16B0D}" dt="2023-03-20T07:13:46.504" v="6236" actId="20577"/>
-          <ac:spMkLst>
-            <pc:docMk/>
-            <pc:sldMk cId="1076178229" sldId="284"/>
-            <ac:spMk id="4" creationId="{459EF129-6740-B341-7BC7-05D580180742}"/>
-          </ac:spMkLst>
-        </pc:spChg>
-        <pc:spChg chg="mod">
-          <ac:chgData name="Trung Nghia Nguyen" userId="caf0b1f78d203fdc" providerId="LiveId" clId="{FA98E611-7EE5-4D53-A8F6-A8478DA16B0D}" dt="2023-03-20T07:17:45.459" v="7028" actId="20577"/>
-          <ac:spMkLst>
-            <pc:docMk/>
-            <pc:sldMk cId="1076178229" sldId="284"/>
-            <ac:spMk id="5" creationId="{B124AB6E-B685-3C3C-17A7-881BC0274152}"/>
-          </ac:spMkLst>
-        </pc:spChg>
-        <pc:spChg chg="mod">
-          <ac:chgData name="Trung Nghia Nguyen" userId="caf0b1f78d203fdc" providerId="LiveId" clId="{FA98E611-7EE5-4D53-A8F6-A8478DA16B0D}" dt="2023-03-20T07:19:27.761" v="7033" actId="20577"/>
-          <ac:spMkLst>
-            <pc:docMk/>
-            <pc:sldMk cId="1076178229" sldId="284"/>
-            <ac:spMk id="6" creationId="{FD7465EC-84B6-406C-4864-45ADF9FB642F}"/>
-          </ac:spMkLst>
-        </pc:spChg>
-      </pc:sldChg>
-      <pc:sldMasterChg chg="modSp modSldLayout">
-        <pc:chgData name="Trung Nghia Nguyen" userId="caf0b1f78d203fdc" providerId="LiveId" clId="{FA98E611-7EE5-4D53-A8F6-A8478DA16B0D}" dt="2023-03-16T04:24:21.249" v="1"/>
-        <pc:sldMasterMkLst>
-          <pc:docMk/>
-          <pc:sldMasterMk cId="4059755660" sldId="2147483648"/>
-        </pc:sldMasterMkLst>
-        <pc:spChg chg="mod">
-          <ac:chgData name="Trung Nghia Nguyen" userId="caf0b1f78d203fdc" providerId="LiveId" clId="{FA98E611-7EE5-4D53-A8F6-A8478DA16B0D}" dt="2023-03-16T04:24:21.249" v="1"/>
-          <ac:spMkLst>
-            <pc:docMk/>
-            <pc:sldMasterMk cId="4059755660" sldId="2147483648"/>
-            <ac:spMk id="2" creationId="{B2D67379-2759-837D-8A05-4E6A0DDE2D19}"/>
-          </ac:spMkLst>
-        </pc:spChg>
-        <pc:spChg chg="mod">
-          <ac:chgData name="Trung Nghia Nguyen" userId="caf0b1f78d203fdc" providerId="LiveId" clId="{FA98E611-7EE5-4D53-A8F6-A8478DA16B0D}" dt="2023-03-16T04:24:21.249" v="1"/>
-          <ac:spMkLst>
-            <pc:docMk/>
-            <pc:sldMasterMk cId="4059755660" sldId="2147483648"/>
-            <ac:spMk id="3" creationId="{99B37396-7B88-C02D-A162-F60FA508DCA3}"/>
-          </ac:spMkLst>
-        </pc:spChg>
-        <pc:spChg chg="mod">
-          <ac:chgData name="Trung Nghia Nguyen" userId="caf0b1f78d203fdc" providerId="LiveId" clId="{FA98E611-7EE5-4D53-A8F6-A8478DA16B0D}" dt="2023-03-16T04:24:21.249" v="1"/>
-          <ac:spMkLst>
-            <pc:docMk/>
-            <pc:sldMasterMk cId="4059755660" sldId="2147483648"/>
-            <ac:spMk id="4" creationId="{E65690C1-1221-B102-60D2-80F80E3202EF}"/>
-          </ac:spMkLst>
-        </pc:spChg>
-        <pc:spChg chg="mod">
-          <ac:chgData name="Trung Nghia Nguyen" userId="caf0b1f78d203fdc" providerId="LiveId" clId="{FA98E611-7EE5-4D53-A8F6-A8478DA16B0D}" dt="2023-03-16T04:24:21.249" v="1"/>
-          <ac:spMkLst>
-            <pc:docMk/>
-            <pc:sldMasterMk cId="4059755660" sldId="2147483648"/>
-            <ac:spMk id="5" creationId="{F9B3DA1D-A670-2B94-689B-5A0BD6A8FA66}"/>
-          </ac:spMkLst>
-        </pc:spChg>
-        <pc:spChg chg="mod">
-          <ac:chgData name="Trung Nghia Nguyen" userId="caf0b1f78d203fdc" providerId="LiveId" clId="{FA98E611-7EE5-4D53-A8F6-A8478DA16B0D}" dt="2023-03-16T04:24:21.249" v="1"/>
-          <ac:spMkLst>
-            <pc:docMk/>
-            <pc:sldMasterMk cId="4059755660" sldId="2147483648"/>
-            <ac:spMk id="6" creationId="{B272B73D-FCFD-D42C-84CD-E490A92E0787}"/>
-          </ac:spMkLst>
-        </pc:spChg>
-        <pc:sldLayoutChg chg="modSp">
-          <pc:chgData name="Trung Nghia Nguyen" userId="caf0b1f78d203fdc" providerId="LiveId" clId="{FA98E611-7EE5-4D53-A8F6-A8478DA16B0D}" dt="2023-03-16T04:24:21.249" v="1"/>
-          <pc:sldLayoutMkLst>
-            <pc:docMk/>
-            <pc:sldMasterMk cId="4059755660" sldId="2147483648"/>
-            <pc:sldLayoutMk cId="912823077" sldId="2147483649"/>
-          </pc:sldLayoutMkLst>
-          <pc:spChg chg="mod">
-            <ac:chgData name="Trung Nghia Nguyen" userId="caf0b1f78d203fdc" providerId="LiveId" clId="{FA98E611-7EE5-4D53-A8F6-A8478DA16B0D}" dt="2023-03-16T04:24:21.249" v="1"/>
-            <ac:spMkLst>
-              <pc:docMk/>
-              <pc:sldMasterMk cId="4059755660" sldId="2147483648"/>
-              <pc:sldLayoutMk cId="912823077" sldId="2147483649"/>
-              <ac:spMk id="2" creationId="{D31639CA-6F26-7538-7F3D-9E50D532089C}"/>
-            </ac:spMkLst>
-          </pc:spChg>
-          <pc:spChg chg="mod">
-            <ac:chgData name="Trung Nghia Nguyen" userId="caf0b1f78d203fdc" providerId="LiveId" clId="{FA98E611-7EE5-4D53-A8F6-A8478DA16B0D}" dt="2023-03-16T04:24:21.249" v="1"/>
-            <ac:spMkLst>
-              <pc:docMk/>
-              <pc:sldMasterMk cId="4059755660" sldId="2147483648"/>
-              <pc:sldLayoutMk cId="912823077" sldId="2147483649"/>
-              <ac:spMk id="3" creationId="{47088B79-B7D1-065B-7E28-EE7CCC9D8D8C}"/>
-            </ac:spMkLst>
-          </pc:spChg>
-        </pc:sldLayoutChg>
-        <pc:sldLayoutChg chg="modSp">
-          <pc:chgData name="Trung Nghia Nguyen" userId="caf0b1f78d203fdc" providerId="LiveId" clId="{FA98E611-7EE5-4D53-A8F6-A8478DA16B0D}" dt="2023-03-16T04:24:21.249" v="1"/>
-          <pc:sldLayoutMkLst>
-            <pc:docMk/>
-            <pc:sldMasterMk cId="4059755660" sldId="2147483648"/>
-            <pc:sldLayoutMk cId="4244664039" sldId="2147483651"/>
-          </pc:sldLayoutMkLst>
-          <pc:spChg chg="mod">
-            <ac:chgData name="Trung Nghia Nguyen" userId="caf0b1f78d203fdc" providerId="LiveId" clId="{FA98E611-7EE5-4D53-A8F6-A8478DA16B0D}" dt="2023-03-16T04:24:21.249" v="1"/>
-            <ac:spMkLst>
-              <pc:docMk/>
-              <pc:sldMasterMk cId="4059755660" sldId="2147483648"/>
-              <pc:sldLayoutMk cId="4244664039" sldId="2147483651"/>
-              <ac:spMk id="2" creationId="{6DC09468-E8F7-0727-97AE-C8D9A5F5793F}"/>
-            </ac:spMkLst>
-          </pc:spChg>
-          <pc:spChg chg="mod">
-            <ac:chgData name="Trung Nghia Nguyen" userId="caf0b1f78d203fdc" providerId="LiveId" clId="{FA98E611-7EE5-4D53-A8F6-A8478DA16B0D}" dt="2023-03-16T04:24:21.249" v="1"/>
-            <ac:spMkLst>
-              <pc:docMk/>
-              <pc:sldMasterMk cId="4059755660" sldId="2147483648"/>
-              <pc:sldLayoutMk cId="4244664039" sldId="2147483651"/>
-              <ac:spMk id="3" creationId="{3E3D54D9-4FA1-84EC-C922-E53A36688E96}"/>
-            </ac:spMkLst>
-          </pc:spChg>
-        </pc:sldLayoutChg>
-        <pc:sldLayoutChg chg="modSp">
-          <pc:chgData name="Trung Nghia Nguyen" userId="caf0b1f78d203fdc" providerId="LiveId" clId="{FA98E611-7EE5-4D53-A8F6-A8478DA16B0D}" dt="2023-03-16T04:24:21.249" v="1"/>
-          <pc:sldLayoutMkLst>
-            <pc:docMk/>
-            <pc:sldMasterMk cId="4059755660" sldId="2147483648"/>
-            <pc:sldLayoutMk cId="94315718" sldId="2147483652"/>
-          </pc:sldLayoutMkLst>
-          <pc:spChg chg="mod">
-            <ac:chgData name="Trung Nghia Nguyen" userId="caf0b1f78d203fdc" providerId="LiveId" clId="{FA98E611-7EE5-4D53-A8F6-A8478DA16B0D}" dt="2023-03-16T04:24:21.249" v="1"/>
-            <ac:spMkLst>
-              <pc:docMk/>
-              <pc:sldMasterMk cId="4059755660" sldId="2147483648"/>
-              <pc:sldLayoutMk cId="94315718" sldId="2147483652"/>
-              <ac:spMk id="3" creationId="{A22BADF9-AA7A-4F93-D9BE-3E7CD80C5F99}"/>
-            </ac:spMkLst>
-          </pc:spChg>
-          <pc:spChg chg="mod">
-            <ac:chgData name="Trung Nghia Nguyen" userId="caf0b1f78d203fdc" providerId="LiveId" clId="{FA98E611-7EE5-4D53-A8F6-A8478DA16B0D}" dt="2023-03-16T04:24:21.249" v="1"/>
-            <ac:spMkLst>
-              <pc:docMk/>
-              <pc:sldMasterMk cId="4059755660" sldId="2147483648"/>
-              <pc:sldLayoutMk cId="94315718" sldId="2147483652"/>
-              <ac:spMk id="4" creationId="{E961C63B-7DA7-F8A0-3EC3-0FD62780EF1B}"/>
-            </ac:spMkLst>
-          </pc:spChg>
-        </pc:sldLayoutChg>
-        <pc:sldLayoutChg chg="modSp">
-          <pc:chgData name="Trung Nghia Nguyen" userId="caf0b1f78d203fdc" providerId="LiveId" clId="{FA98E611-7EE5-4D53-A8F6-A8478DA16B0D}" dt="2023-03-16T04:24:21.249" v="1"/>
-          <pc:sldLayoutMkLst>
-            <pc:docMk/>
-            <pc:sldMasterMk cId="4059755660" sldId="2147483648"/>
-            <pc:sldLayoutMk cId="1517603845" sldId="2147483653"/>
-          </pc:sldLayoutMkLst>
-          <pc:spChg chg="mod">
-            <ac:chgData name="Trung Nghia Nguyen" userId="caf0b1f78d203fdc" providerId="LiveId" clId="{FA98E611-7EE5-4D53-A8F6-A8478DA16B0D}" dt="2023-03-16T04:24:21.249" v="1"/>
-            <ac:spMkLst>
-              <pc:docMk/>
-              <pc:sldMasterMk cId="4059755660" sldId="2147483648"/>
-              <pc:sldLayoutMk cId="1517603845" sldId="2147483653"/>
-              <ac:spMk id="2" creationId="{C5F78EF1-B040-6964-8385-BBA5E27B458D}"/>
-            </ac:spMkLst>
-          </pc:spChg>
-          <pc:spChg chg="mod">
-            <ac:chgData name="Trung Nghia Nguyen" userId="caf0b1f78d203fdc" providerId="LiveId" clId="{FA98E611-7EE5-4D53-A8F6-A8478DA16B0D}" dt="2023-03-16T04:24:21.249" v="1"/>
-            <ac:spMkLst>
-              <pc:docMk/>
-              <pc:sldMasterMk cId="4059755660" sldId="2147483648"/>
-              <pc:sldLayoutMk cId="1517603845" sldId="2147483653"/>
-              <ac:spMk id="3" creationId="{9BB9E17E-7B1D-D9E9-ACF5-DD2926F88DE2}"/>
-            </ac:spMkLst>
-          </pc:spChg>
-          <pc:spChg chg="mod">
-            <ac:chgData name="Trung Nghia Nguyen" userId="caf0b1f78d203fdc" providerId="LiveId" clId="{FA98E611-7EE5-4D53-A8F6-A8478DA16B0D}" dt="2023-03-16T04:24:21.249" v="1"/>
-            <ac:spMkLst>
-              <pc:docMk/>
-              <pc:sldMasterMk cId="4059755660" sldId="2147483648"/>
-              <pc:sldLayoutMk cId="1517603845" sldId="2147483653"/>
-              <ac:spMk id="4" creationId="{ABC77E19-1971-1F1D-0A7C-268164BFA01B}"/>
-            </ac:spMkLst>
-          </pc:spChg>
-          <pc:spChg chg="mod">
-            <ac:chgData name="Trung Nghia Nguyen" userId="caf0b1f78d203fdc" providerId="LiveId" clId="{FA98E611-7EE5-4D53-A8F6-A8478DA16B0D}" dt="2023-03-16T04:24:21.249" v="1"/>
-            <ac:spMkLst>
-              <pc:docMk/>
-              <pc:sldMasterMk cId="4059755660" sldId="2147483648"/>
-              <pc:sldLayoutMk cId="1517603845" sldId="2147483653"/>
-              <ac:spMk id="5" creationId="{3B8E416E-2124-FC67-7AE6-86FCFD09DEAE}"/>
-            </ac:spMkLst>
-          </pc:spChg>
-          <pc:spChg chg="mod">
-            <ac:chgData name="Trung Nghia Nguyen" userId="caf0b1f78d203fdc" providerId="LiveId" clId="{FA98E611-7EE5-4D53-A8F6-A8478DA16B0D}" dt="2023-03-16T04:24:21.249" v="1"/>
-            <ac:spMkLst>
-              <pc:docMk/>
-              <pc:sldMasterMk cId="4059755660" sldId="2147483648"/>
-              <pc:sldLayoutMk cId="1517603845" sldId="2147483653"/>
-              <ac:spMk id="6" creationId="{F22134C3-4BF2-8D17-CF8C-E8DB924903F7}"/>
-            </ac:spMkLst>
-          </pc:spChg>
-        </pc:sldLayoutChg>
-        <pc:sldLayoutChg chg="modSp">
-          <pc:chgData name="Trung Nghia Nguyen" userId="caf0b1f78d203fdc" providerId="LiveId" clId="{FA98E611-7EE5-4D53-A8F6-A8478DA16B0D}" dt="2023-03-16T04:24:21.249" v="1"/>
-          <pc:sldLayoutMkLst>
-            <pc:docMk/>
-            <pc:sldMasterMk cId="4059755660" sldId="2147483648"/>
-            <pc:sldLayoutMk cId="3301296023" sldId="2147483656"/>
-          </pc:sldLayoutMkLst>
-          <pc:spChg chg="mod">
-            <ac:chgData name="Trung Nghia Nguyen" userId="caf0b1f78d203fdc" providerId="LiveId" clId="{FA98E611-7EE5-4D53-A8F6-A8478DA16B0D}" dt="2023-03-16T04:24:21.249" v="1"/>
-            <ac:spMkLst>
-              <pc:docMk/>
-              <pc:sldMasterMk cId="4059755660" sldId="2147483648"/>
-              <pc:sldLayoutMk cId="3301296023" sldId="2147483656"/>
-              <ac:spMk id="2" creationId="{A96F6EC6-3FE3-1206-8E59-B0A5CF424B7A}"/>
-            </ac:spMkLst>
-          </pc:spChg>
-          <pc:spChg chg="mod">
-            <ac:chgData name="Trung Nghia Nguyen" userId="caf0b1f78d203fdc" providerId="LiveId" clId="{FA98E611-7EE5-4D53-A8F6-A8478DA16B0D}" dt="2023-03-16T04:24:21.249" v="1"/>
-            <ac:spMkLst>
-              <pc:docMk/>
-              <pc:sldMasterMk cId="4059755660" sldId="2147483648"/>
-              <pc:sldLayoutMk cId="3301296023" sldId="2147483656"/>
-              <ac:spMk id="3" creationId="{A28537D4-31F1-0A4D-DC65-A500F2ADEE00}"/>
-            </ac:spMkLst>
-          </pc:spChg>
-          <pc:spChg chg="mod">
-            <ac:chgData name="Trung Nghia Nguyen" userId="caf0b1f78d203fdc" providerId="LiveId" clId="{FA98E611-7EE5-4D53-A8F6-A8478DA16B0D}" dt="2023-03-16T04:24:21.249" v="1"/>
-            <ac:spMkLst>
-              <pc:docMk/>
-              <pc:sldMasterMk cId="4059755660" sldId="2147483648"/>
-              <pc:sldLayoutMk cId="3301296023" sldId="2147483656"/>
-              <ac:spMk id="4" creationId="{3DB3F611-D57C-9F51-FA71-6A04464665EA}"/>
-            </ac:spMkLst>
-          </pc:spChg>
-        </pc:sldLayoutChg>
-        <pc:sldLayoutChg chg="modSp">
-          <pc:chgData name="Trung Nghia Nguyen" userId="caf0b1f78d203fdc" providerId="LiveId" clId="{FA98E611-7EE5-4D53-A8F6-A8478DA16B0D}" dt="2023-03-16T04:24:21.249" v="1"/>
-          <pc:sldLayoutMkLst>
-            <pc:docMk/>
-            <pc:sldMasterMk cId="4059755660" sldId="2147483648"/>
-            <pc:sldLayoutMk cId="3980980981" sldId="2147483657"/>
-          </pc:sldLayoutMkLst>
-          <pc:spChg chg="mod">
-            <ac:chgData name="Trung Nghia Nguyen" userId="caf0b1f78d203fdc" providerId="LiveId" clId="{FA98E611-7EE5-4D53-A8F6-A8478DA16B0D}" dt="2023-03-16T04:24:21.249" v="1"/>
-            <ac:spMkLst>
-              <pc:docMk/>
-              <pc:sldMasterMk cId="4059755660" sldId="2147483648"/>
-              <pc:sldLayoutMk cId="3980980981" sldId="2147483657"/>
-              <ac:spMk id="2" creationId="{237D36DA-64FB-D642-7030-6BAFE4855757}"/>
-            </ac:spMkLst>
-          </pc:spChg>
-          <pc:spChg chg="mod">
-            <ac:chgData name="Trung Nghia Nguyen" userId="caf0b1f78d203fdc" providerId="LiveId" clId="{FA98E611-7EE5-4D53-A8F6-A8478DA16B0D}" dt="2023-03-16T04:24:21.249" v="1"/>
-            <ac:spMkLst>
-              <pc:docMk/>
-              <pc:sldMasterMk cId="4059755660" sldId="2147483648"/>
-              <pc:sldLayoutMk cId="3980980981" sldId="2147483657"/>
-              <ac:spMk id="3" creationId="{7052E064-3192-1887-F10B-CCCDA53B2E03}"/>
-            </ac:spMkLst>
-          </pc:spChg>
-          <pc:spChg chg="mod">
-            <ac:chgData name="Trung Nghia Nguyen" userId="caf0b1f78d203fdc" providerId="LiveId" clId="{FA98E611-7EE5-4D53-A8F6-A8478DA16B0D}" dt="2023-03-16T04:24:21.249" v="1"/>
-            <ac:spMkLst>
-              <pc:docMk/>
-              <pc:sldMasterMk cId="4059755660" sldId="2147483648"/>
-              <pc:sldLayoutMk cId="3980980981" sldId="2147483657"/>
-              <ac:spMk id="4" creationId="{11E68653-7C97-A908-78F8-3277CAB88A52}"/>
-            </ac:spMkLst>
-          </pc:spChg>
-        </pc:sldLayoutChg>
-        <pc:sldLayoutChg chg="modSp">
-          <pc:chgData name="Trung Nghia Nguyen" userId="caf0b1f78d203fdc" providerId="LiveId" clId="{FA98E611-7EE5-4D53-A8F6-A8478DA16B0D}" dt="2023-03-16T04:24:21.249" v="1"/>
-          <pc:sldLayoutMkLst>
-            <pc:docMk/>
-            <pc:sldMasterMk cId="4059755660" sldId="2147483648"/>
-            <pc:sldLayoutMk cId="2276858793" sldId="2147483659"/>
-          </pc:sldLayoutMkLst>
-          <pc:spChg chg="mod">
-            <ac:chgData name="Trung Nghia Nguyen" userId="caf0b1f78d203fdc" providerId="LiveId" clId="{FA98E611-7EE5-4D53-A8F6-A8478DA16B0D}" dt="2023-03-16T04:24:21.249" v="1"/>
-            <ac:spMkLst>
-              <pc:docMk/>
-              <pc:sldMasterMk cId="4059755660" sldId="2147483648"/>
-              <pc:sldLayoutMk cId="2276858793" sldId="2147483659"/>
-              <ac:spMk id="2" creationId="{10440481-0CE0-EA81-540D-672738586412}"/>
-            </ac:spMkLst>
-          </pc:spChg>
-          <pc:spChg chg="mod">
-            <ac:chgData name="Trung Nghia Nguyen" userId="caf0b1f78d203fdc" providerId="LiveId" clId="{FA98E611-7EE5-4D53-A8F6-A8478DA16B0D}" dt="2023-03-16T04:24:21.249" v="1"/>
-            <ac:spMkLst>
-              <pc:docMk/>
-              <pc:sldMasterMk cId="4059755660" sldId="2147483648"/>
-              <pc:sldLayoutMk cId="2276858793" sldId="2147483659"/>
-              <ac:spMk id="3" creationId="{F22739C1-3E12-8ACB-2068-84CC6DC2726A}"/>
-            </ac:spMkLst>
-          </pc:spChg>
-        </pc:sldLayoutChg>
-      </pc:sldMasterChg>
     </pc:docChg>
   </pc:docChgLst>
 </pc:chgInfo>
@@ -3558,11 +414,6 @@
         </p:txBody>
       </p:sp>
     </p:spTree>
-    <p:extLst>
-      <p:ext uri="{BB962C8B-B14F-4D97-AF65-F5344CB8AC3E}">
-        <p14:creationId xmlns:p14="http://schemas.microsoft.com/office/powerpoint/2010/main" val="3274553168"/>
-      </p:ext>
-    </p:extLst>
   </p:cSld>
   <p:clrMap bg1="lt1" tx1="dk1" bg2="lt2" tx2="dk2" accent1="accent1" accent2="accent2" accent3="accent3" accent4="accent4" accent5="accent5" accent6="accent6" hlink="hlink" folHlink="folHlink"/>
   <p:notesStyle>
@@ -3840,11 +691,6 @@
         </p:txBody>
       </p:sp>
     </p:spTree>
-    <p:extLst>
-      <p:ext uri="{BB962C8B-B14F-4D97-AF65-F5344CB8AC3E}">
-        <p14:creationId xmlns:p14="http://schemas.microsoft.com/office/powerpoint/2010/main" val="3679391286"/>
-      </p:ext>
-    </p:extLst>
   </p:cSld>
   <p:clrMapOvr>
     <a:masterClrMapping/>
@@ -4010,11 +856,6 @@
         </p:txBody>
       </p:sp>
     </p:spTree>
-    <p:extLst>
-      <p:ext uri="{BB962C8B-B14F-4D97-AF65-F5344CB8AC3E}">
-        <p14:creationId xmlns:p14="http://schemas.microsoft.com/office/powerpoint/2010/main" val="1769829646"/>
-      </p:ext>
-    </p:extLst>
   </p:cSld>
   <p:clrMapOvr>
     <a:masterClrMapping/>
@@ -4190,11 +1031,6 @@
         </p:txBody>
       </p:sp>
     </p:spTree>
-    <p:extLst>
-      <p:ext uri="{BB962C8B-B14F-4D97-AF65-F5344CB8AC3E}">
-        <p14:creationId xmlns:p14="http://schemas.microsoft.com/office/powerpoint/2010/main" val="3091734828"/>
-      </p:ext>
-    </p:extLst>
   </p:cSld>
   <p:clrMapOvr>
     <a:masterClrMapping/>
@@ -4360,11 +1196,6 @@
         </p:txBody>
       </p:sp>
     </p:spTree>
-    <p:extLst>
-      <p:ext uri="{BB962C8B-B14F-4D97-AF65-F5344CB8AC3E}">
-        <p14:creationId xmlns:p14="http://schemas.microsoft.com/office/powerpoint/2010/main" val="2717723004"/>
-      </p:ext>
-    </p:extLst>
   </p:cSld>
   <p:clrMapOvr>
     <a:masterClrMapping/>
@@ -4604,11 +1435,6 @@
         </p:txBody>
       </p:sp>
     </p:spTree>
-    <p:extLst>
-      <p:ext uri="{BB962C8B-B14F-4D97-AF65-F5344CB8AC3E}">
-        <p14:creationId xmlns:p14="http://schemas.microsoft.com/office/powerpoint/2010/main" val="112553758"/>
-      </p:ext>
-    </p:extLst>
   </p:cSld>
   <p:clrMapOvr>
     <a:masterClrMapping/>
@@ -4836,11 +1662,6 @@
         </p:txBody>
       </p:sp>
     </p:spTree>
-    <p:extLst>
-      <p:ext uri="{BB962C8B-B14F-4D97-AF65-F5344CB8AC3E}">
-        <p14:creationId xmlns:p14="http://schemas.microsoft.com/office/powerpoint/2010/main" val="1279200578"/>
-      </p:ext>
-    </p:extLst>
   </p:cSld>
   <p:clrMapOvr>
     <a:masterClrMapping/>
@@ -5203,11 +2024,6 @@
         </p:txBody>
       </p:sp>
     </p:spTree>
-    <p:extLst>
-      <p:ext uri="{BB962C8B-B14F-4D97-AF65-F5344CB8AC3E}">
-        <p14:creationId xmlns:p14="http://schemas.microsoft.com/office/powerpoint/2010/main" val="1800313659"/>
-      </p:ext>
-    </p:extLst>
   </p:cSld>
   <p:clrMapOvr>
     <a:masterClrMapping/>
@@ -5321,11 +2137,6 @@
         </p:txBody>
       </p:sp>
     </p:spTree>
-    <p:extLst>
-      <p:ext uri="{BB962C8B-B14F-4D97-AF65-F5344CB8AC3E}">
-        <p14:creationId xmlns:p14="http://schemas.microsoft.com/office/powerpoint/2010/main" val="3884808106"/>
-      </p:ext>
-    </p:extLst>
   </p:cSld>
   <p:clrMapOvr>
     <a:masterClrMapping/>
@@ -5416,11 +2227,6 @@
         </p:txBody>
       </p:sp>
     </p:spTree>
-    <p:extLst>
-      <p:ext uri="{BB962C8B-B14F-4D97-AF65-F5344CB8AC3E}">
-        <p14:creationId xmlns:p14="http://schemas.microsoft.com/office/powerpoint/2010/main" val="3868988315"/>
-      </p:ext>
-    </p:extLst>
   </p:cSld>
   <p:clrMapOvr>
     <a:masterClrMapping/>
@@ -5693,11 +2499,6 @@
         </p:txBody>
       </p:sp>
     </p:spTree>
-    <p:extLst>
-      <p:ext uri="{BB962C8B-B14F-4D97-AF65-F5344CB8AC3E}">
-        <p14:creationId xmlns:p14="http://schemas.microsoft.com/office/powerpoint/2010/main" val="3301591318"/>
-      </p:ext>
-    </p:extLst>
   </p:cSld>
   <p:clrMapOvr>
     <a:masterClrMapping/>
@@ -5949,11 +2750,6 @@
         </p:txBody>
       </p:sp>
     </p:spTree>
-    <p:extLst>
-      <p:ext uri="{BB962C8B-B14F-4D97-AF65-F5344CB8AC3E}">
-        <p14:creationId xmlns:p14="http://schemas.microsoft.com/office/powerpoint/2010/main" val="57653942"/>
-      </p:ext>
-    </p:extLst>
   </p:cSld>
   <p:clrMapOvr>
     <a:masterClrMapping/>
@@ -6198,25 +2994,20 @@
         </p:txBody>
       </p:sp>
     </p:spTree>
-    <p:extLst>
-      <p:ext uri="{BB962C8B-B14F-4D97-AF65-F5344CB8AC3E}">
-        <p14:creationId xmlns:p14="http://schemas.microsoft.com/office/powerpoint/2010/main" val="1727325729"/>
-      </p:ext>
-    </p:extLst>
   </p:cSld>
   <p:clrMap bg1="lt1" tx1="dk1" bg2="lt2" tx2="dk2" accent1="accent1" accent2="accent2" accent3="accent3" accent4="accent4" accent5="accent5" accent6="accent6" hlink="hlink" folHlink="folHlink"/>
   <p:sldLayoutIdLst>
-    <p:sldLayoutId id="2147483661" r:id="rId1"/>
-    <p:sldLayoutId id="2147483662" r:id="rId2"/>
-    <p:sldLayoutId id="2147483663" r:id="rId3"/>
-    <p:sldLayoutId id="2147483664" r:id="rId4"/>
-    <p:sldLayoutId id="2147483665" r:id="rId5"/>
-    <p:sldLayoutId id="2147483666" r:id="rId6"/>
-    <p:sldLayoutId id="2147483667" r:id="rId7"/>
-    <p:sldLayoutId id="2147483668" r:id="rId8"/>
-    <p:sldLayoutId id="2147483669" r:id="rId9"/>
-    <p:sldLayoutId id="2147483670" r:id="rId10"/>
-    <p:sldLayoutId id="2147483671" r:id="rId11"/>
+    <p:sldLayoutId id="2147483649" r:id="rId1"/>
+    <p:sldLayoutId id="2147483650" r:id="rId2"/>
+    <p:sldLayoutId id="2147483651" r:id="rId3"/>
+    <p:sldLayoutId id="2147483652" r:id="rId4"/>
+    <p:sldLayoutId id="2147483653" r:id="rId5"/>
+    <p:sldLayoutId id="2147483654" r:id="rId6"/>
+    <p:sldLayoutId id="2147483655" r:id="rId7"/>
+    <p:sldLayoutId id="2147483656" r:id="rId8"/>
+    <p:sldLayoutId id="2147483657" r:id="rId9"/>
+    <p:sldLayoutId id="2147483658" r:id="rId10"/>
+    <p:sldLayoutId id="2147483659" r:id="rId11"/>
   </p:sldLayoutIdLst>
   <p:txStyles>
     <p:titleStyle>
@@ -6520,13 +3311,7 @@
       </p:grpSpPr>
       <p:pic>
         <p:nvPicPr>
-          <p:cNvPr id="1034" name="Picture 10">
-            <a:extLst>
-              <a:ext uri="{FF2B5EF4-FFF2-40B4-BE49-F238E27FC236}">
-                <a16:creationId xmlns:a16="http://schemas.microsoft.com/office/drawing/2014/main" id="{6F72484C-A752-76F3-F259-0A997B815A00}"/>
-              </a:ext>
-            </a:extLst>
-          </p:cNvPr>
+          <p:cNvPr id="1034" name="Picture 10"/>
           <p:cNvPicPr>
             <a:picLocks noChangeAspect="1" noChangeArrowheads="1"/>
           </p:cNvPicPr>
@@ -6567,16 +3352,8 @@
       </p:pic>
       <p:cxnSp>
         <p:nvCxnSpPr>
-          <p:cNvPr id="11" name="Straight Connector 10">
-            <a:extLst>
-              <a:ext uri="{FF2B5EF4-FFF2-40B4-BE49-F238E27FC236}">
-                <a16:creationId xmlns:a16="http://schemas.microsoft.com/office/drawing/2014/main" id="{E5C4A229-E185-5A4B-53B1-81D591292671}"/>
-              </a:ext>
-            </a:extLst>
-          </p:cNvPr>
-          <p:cNvCxnSpPr>
-            <a:cxnSpLocks/>
-          </p:cNvCxnSpPr>
+          <p:cNvPr id="11" name="Straight Connector 10"/>
+          <p:cNvCxnSpPr/>
           <p:nvPr/>
         </p:nvCxnSpPr>
         <p:spPr>
@@ -6605,13 +3382,7 @@
       </p:cxnSp>
       <p:sp>
         <p:nvSpPr>
-          <p:cNvPr id="14" name="TextBox 13">
-            <a:extLst>
-              <a:ext uri="{FF2B5EF4-FFF2-40B4-BE49-F238E27FC236}">
-                <a16:creationId xmlns:a16="http://schemas.microsoft.com/office/drawing/2014/main" id="{63B4AB36-B54A-EA5C-2A74-F2C80BE0CBC4}"/>
-              </a:ext>
-            </a:extLst>
-          </p:cNvPr>
+          <p:cNvPr id="14" name="TextBox 13"/>
           <p:cNvSpPr txBox="1"/>
           <p:nvPr/>
         </p:nvSpPr>
@@ -6693,13 +3464,7 @@
       </p:sp>
       <p:sp>
         <p:nvSpPr>
-          <p:cNvPr id="15" name="TextBox 14">
-            <a:extLst>
-              <a:ext uri="{FF2B5EF4-FFF2-40B4-BE49-F238E27FC236}">
-                <a16:creationId xmlns:a16="http://schemas.microsoft.com/office/drawing/2014/main" id="{17843FAC-3233-9FA3-6096-5E9BE746F288}"/>
-              </a:ext>
-            </a:extLst>
-          </p:cNvPr>
+          <p:cNvPr id="15" name="TextBox 14"/>
           <p:cNvSpPr txBox="1"/>
           <p:nvPr/>
         </p:nvSpPr>
@@ -6947,13 +3712,7 @@
       </p:sp>
       <p:graphicFrame>
         <p:nvGraphicFramePr>
-          <p:cNvPr id="16" name="Table 16">
-            <a:extLst>
-              <a:ext uri="{FF2B5EF4-FFF2-40B4-BE49-F238E27FC236}">
-                <a16:creationId xmlns:a16="http://schemas.microsoft.com/office/drawing/2014/main" id="{A794B221-780B-3E0D-DCDE-B4B669AD1AE3}"/>
-              </a:ext>
-            </a:extLst>
-          </p:cNvPr>
+          <p:cNvPr id="16" name="Table 16"/>
           <p:cNvGraphicFramePr>
             <a:graphicFrameLocks noGrp="1"/>
           </p:cNvGraphicFramePr>
@@ -6961,7 +3720,7 @@
         </p:nvGraphicFramePr>
         <p:xfrm>
           <a:off x="595312" y="3780045"/>
-          <a:ext cx="7953376" cy="1854200"/>
+          <a:ext cx="7953376" cy="2123440"/>
         </p:xfrm>
         <a:graphic>
           <a:graphicData uri="http://schemas.openxmlformats.org/drawingml/2006/table">
@@ -6973,28 +3732,28 @@
                 <a:gridCol w="482547">
                   <a:extLst>
                     <a:ext uri="{9D8B030D-6E8A-4147-A177-3AD203B41FA5}">
-                      <a16:colId xmlns:a16="http://schemas.microsoft.com/office/drawing/2014/main" val="2650038939"/>
+                      <a16:colId xmlns:a16="http://schemas.microsoft.com/office/drawing/2014/main" val="20000"/>
                     </a:ext>
                   </a:extLst>
                 </a:gridCol>
                 <a:gridCol w="2081311">
                   <a:extLst>
                     <a:ext uri="{9D8B030D-6E8A-4147-A177-3AD203B41FA5}">
-                      <a16:colId xmlns:a16="http://schemas.microsoft.com/office/drawing/2014/main" val="3939429785"/>
+                      <a16:colId xmlns:a16="http://schemas.microsoft.com/office/drawing/2014/main" val="20001"/>
                     </a:ext>
                   </a:extLst>
                 </a:gridCol>
                 <a:gridCol w="1137486">
                   <a:extLst>
                     <a:ext uri="{9D8B030D-6E8A-4147-A177-3AD203B41FA5}">
-                      <a16:colId xmlns:a16="http://schemas.microsoft.com/office/drawing/2014/main" val="1738762872"/>
+                      <a16:colId xmlns:a16="http://schemas.microsoft.com/office/drawing/2014/main" val="20002"/>
                     </a:ext>
                   </a:extLst>
                 </a:gridCol>
                 <a:gridCol w="4252032">
                   <a:extLst>
                     <a:ext uri="{9D8B030D-6E8A-4147-A177-3AD203B41FA5}">
-                      <a16:colId xmlns:a16="http://schemas.microsoft.com/office/drawing/2014/main" val="4164062785"/>
+                      <a16:colId xmlns:a16="http://schemas.microsoft.com/office/drawing/2014/main" val="20003"/>
                     </a:ext>
                   </a:extLst>
                 </a:gridCol>
@@ -7089,7 +3848,7 @@
                 </a:tc>
                 <a:extLst>
                   <a:ext uri="{0D108BD9-81ED-4DB2-BD59-A6C34878D82A}">
-                    <a16:rowId xmlns:a16="http://schemas.microsoft.com/office/drawing/2014/main" val="2071844936"/>
+                    <a16:rowId xmlns:a16="http://schemas.microsoft.com/office/drawing/2014/main" val="10000"/>
                   </a:ext>
                 </a:extLst>
               </a:tr>
@@ -7118,23 +3877,38 @@
                     <a:lstStyle/>
                     <a:p>
                       <a:r>
-                        <a:rPr lang="en-US" err="1"/>
+                        <a:rPr lang="en-US" err="1">
+                          <a:latin typeface="Times New Roman" panose="02020603050405020304" pitchFamily="18" charset="0"/>
+                          <a:cs typeface="Times New Roman" panose="02020603050405020304" pitchFamily="18" charset="0"/>
+                        </a:rPr>
                         <a:t>Võ</a:t>
                       </a:r>
                       <a:r>
-                        <a:rPr lang="en-US"/>
+                        <a:rPr lang="en-US">
+                          <a:latin typeface="Times New Roman" panose="02020603050405020304" pitchFamily="18" charset="0"/>
+                          <a:cs typeface="Times New Roman" panose="02020603050405020304" pitchFamily="18" charset="0"/>
+                        </a:rPr>
                         <a:t> </a:t>
                       </a:r>
                       <a:r>
-                        <a:rPr lang="en-US" err="1"/>
+                        <a:rPr lang="en-US" err="1">
+                          <a:latin typeface="Times New Roman" panose="02020603050405020304" pitchFamily="18" charset="0"/>
+                          <a:cs typeface="Times New Roman" panose="02020603050405020304" pitchFamily="18" charset="0"/>
+                        </a:rPr>
                         <a:t>Phước</a:t>
                       </a:r>
                       <a:r>
-                        <a:rPr lang="en-US"/>
+                        <a:rPr lang="en-US">
+                          <a:latin typeface="Times New Roman" panose="02020603050405020304" pitchFamily="18" charset="0"/>
+                          <a:cs typeface="Times New Roman" panose="02020603050405020304" pitchFamily="18" charset="0"/>
+                        </a:rPr>
                         <a:t> </a:t>
                       </a:r>
                       <a:r>
-                        <a:rPr lang="en-US" err="1"/>
+                        <a:rPr lang="en-US" err="1">
+                          <a:latin typeface="Times New Roman" panose="02020603050405020304" pitchFamily="18" charset="0"/>
+                          <a:cs typeface="Times New Roman" panose="02020603050405020304" pitchFamily="18" charset="0"/>
+                        </a:rPr>
                         <a:t>Thịnh</a:t>
                       </a:r>
                       <a:endParaRPr lang="en-US">
@@ -7152,13 +3926,12 @@
                     <a:p>
                       <a:pPr algn="ctr"/>
                       <a:r>
-                        <a:rPr lang="en-US"/>
+                        <a:rPr lang="en-US">
+                          <a:latin typeface="Times New Roman" panose="02020603050405020304" pitchFamily="18" charset="0"/>
+                          <a:cs typeface="Times New Roman" panose="02020603050405020304" pitchFamily="18" charset="0"/>
+                        </a:rPr>
                         <a:t>52000807</a:t>
                       </a:r>
-                      <a:endParaRPr lang="en-US">
-                        <a:latin typeface="Times New Roman" panose="02020603050405020304" pitchFamily="18" charset="0"/>
-                        <a:cs typeface="Times New Roman" panose="02020603050405020304" pitchFamily="18" charset="0"/>
-                      </a:endParaRPr>
                     </a:p>
                   </a:txBody>
                   <a:tcPr/>
@@ -7179,7 +3952,7 @@
                 </a:tc>
                 <a:extLst>
                   <a:ext uri="{0D108BD9-81ED-4DB2-BD59-A6C34878D82A}">
-                    <a16:rowId xmlns:a16="http://schemas.microsoft.com/office/drawing/2014/main" val="583184748"/>
+                    <a16:rowId xmlns:a16="http://schemas.microsoft.com/office/drawing/2014/main" val="10001"/>
                   </a:ext>
                 </a:extLst>
               </a:tr>
@@ -7208,15 +3981,24 @@
                     <a:lstStyle/>
                     <a:p>
                       <a:r>
-                        <a:rPr lang="en-US" err="1"/>
+                        <a:rPr lang="en-US" err="1">
+                          <a:latin typeface="Times New Roman" panose="02020603050405020304" pitchFamily="18" charset="0"/>
+                          <a:cs typeface="Times New Roman" panose="02020603050405020304" pitchFamily="18" charset="0"/>
+                        </a:rPr>
                         <a:t>Nguyễn</a:t>
                       </a:r>
                       <a:r>
-                        <a:rPr lang="en-US"/>
+                        <a:rPr lang="en-US">
+                          <a:latin typeface="Times New Roman" panose="02020603050405020304" pitchFamily="18" charset="0"/>
+                          <a:cs typeface="Times New Roman" panose="02020603050405020304" pitchFamily="18" charset="0"/>
+                        </a:rPr>
                         <a:t> Trung </a:t>
                       </a:r>
                       <a:r>
-                        <a:rPr lang="en-US" err="1"/>
+                        <a:rPr lang="en-US" err="1">
+                          <a:latin typeface="Times New Roman" panose="02020603050405020304" pitchFamily="18" charset="0"/>
+                          <a:cs typeface="Times New Roman" panose="02020603050405020304" pitchFamily="18" charset="0"/>
+                        </a:rPr>
                         <a:t>Nghĩa</a:t>
                       </a:r>
                       <a:endParaRPr lang="en-US">
@@ -7234,13 +4016,12 @@
                     <a:p>
                       <a:pPr algn="ctr"/>
                       <a:r>
-                        <a:rPr lang="en-US"/>
+                        <a:rPr lang="en-US">
+                          <a:latin typeface="Times New Roman" panose="02020603050405020304" pitchFamily="18" charset="0"/>
+                          <a:cs typeface="Times New Roman" panose="02020603050405020304" pitchFamily="18" charset="0"/>
+                        </a:rPr>
                         <a:t>52000693</a:t>
                       </a:r>
-                      <a:endParaRPr lang="en-US">
-                        <a:latin typeface="Times New Roman" panose="02020603050405020304" pitchFamily="18" charset="0"/>
-                        <a:cs typeface="Times New Roman" panose="02020603050405020304" pitchFamily="18" charset="0"/>
-                      </a:endParaRPr>
                     </a:p>
                   </a:txBody>
                   <a:tcPr/>
@@ -7264,7 +4045,7 @@
                 </a:tc>
                 <a:extLst>
                   <a:ext uri="{0D108BD9-81ED-4DB2-BD59-A6C34878D82A}">
-                    <a16:rowId xmlns:a16="http://schemas.microsoft.com/office/drawing/2014/main" val="3755525977"/>
+                    <a16:rowId xmlns:a16="http://schemas.microsoft.com/office/drawing/2014/main" val="10002"/>
                   </a:ext>
                 </a:extLst>
               </a:tr>
@@ -7293,23 +4074,38 @@
                     <a:lstStyle/>
                     <a:p>
                       <a:r>
-                        <a:rPr lang="en-US" err="1"/>
+                        <a:rPr lang="en-US" err="1">
+                          <a:latin typeface="Times New Roman" panose="02020603050405020304" pitchFamily="18" charset="0"/>
+                          <a:cs typeface="Times New Roman" panose="02020603050405020304" pitchFamily="18" charset="0"/>
+                        </a:rPr>
                         <a:t>Hồ</a:t>
                       </a:r>
                       <a:r>
-                        <a:rPr lang="en-US"/>
+                        <a:rPr lang="en-US">
+                          <a:latin typeface="Times New Roman" panose="02020603050405020304" pitchFamily="18" charset="0"/>
+                          <a:cs typeface="Times New Roman" panose="02020603050405020304" pitchFamily="18" charset="0"/>
+                        </a:rPr>
                         <a:t> </a:t>
                       </a:r>
                       <a:r>
-                        <a:rPr lang="en-US" err="1"/>
+                        <a:rPr lang="en-US" err="1">
+                          <a:latin typeface="Times New Roman" panose="02020603050405020304" pitchFamily="18" charset="0"/>
+                          <a:cs typeface="Times New Roman" panose="02020603050405020304" pitchFamily="18" charset="0"/>
+                        </a:rPr>
                         <a:t>Thịnh</a:t>
                       </a:r>
                       <a:r>
-                        <a:rPr lang="en-US"/>
+                        <a:rPr lang="en-US">
+                          <a:latin typeface="Times New Roman" panose="02020603050405020304" pitchFamily="18" charset="0"/>
+                          <a:cs typeface="Times New Roman" panose="02020603050405020304" pitchFamily="18" charset="0"/>
+                        </a:rPr>
                         <a:t> </a:t>
                       </a:r>
                       <a:r>
-                        <a:rPr lang="en-US" err="1"/>
+                        <a:rPr lang="en-US" err="1">
+                          <a:latin typeface="Times New Roman" panose="02020603050405020304" pitchFamily="18" charset="0"/>
+                          <a:cs typeface="Times New Roman" panose="02020603050405020304" pitchFamily="18" charset="0"/>
+                        </a:rPr>
                         <a:t>Phát</a:t>
                       </a:r>
                       <a:endParaRPr lang="en-US">
@@ -7327,13 +4123,12 @@
                     <a:p>
                       <a:pPr algn="ctr"/>
                       <a:r>
-                        <a:rPr lang="en-US"/>
+                        <a:rPr lang="en-US">
+                          <a:latin typeface="Times New Roman" panose="02020603050405020304" pitchFamily="18" charset="0"/>
+                          <a:cs typeface="Times New Roman" panose="02020603050405020304" pitchFamily="18" charset="0"/>
+                        </a:rPr>
                         <a:t>51900821</a:t>
                       </a:r>
-                      <a:endParaRPr lang="en-US">
-                        <a:latin typeface="Times New Roman" panose="02020603050405020304" pitchFamily="18" charset="0"/>
-                        <a:cs typeface="Times New Roman" panose="02020603050405020304" pitchFamily="18" charset="0"/>
-                      </a:endParaRPr>
                     </a:p>
                   </a:txBody>
                   <a:tcPr/>
@@ -7357,7 +4152,7 @@
                 </a:tc>
                 <a:extLst>
                   <a:ext uri="{0D108BD9-81ED-4DB2-BD59-A6C34878D82A}">
-                    <a16:rowId xmlns:a16="http://schemas.microsoft.com/office/drawing/2014/main" val="3872112437"/>
+                    <a16:rowId xmlns:a16="http://schemas.microsoft.com/office/drawing/2014/main" val="10003"/>
                   </a:ext>
                 </a:extLst>
               </a:tr>
@@ -7385,23 +4180,38 @@
                     <a:lstStyle/>
                     <a:p>
                       <a:r>
-                        <a:rPr lang="en-US" err="1"/>
+                        <a:rPr lang="en-US" err="1">
+                          <a:latin typeface="Times New Roman" panose="02020603050405020304" pitchFamily="18" charset="0"/>
+                          <a:cs typeface="Times New Roman" panose="02020603050405020304" pitchFamily="18" charset="0"/>
+                        </a:rPr>
                         <a:t>Trần</a:t>
                       </a:r>
                       <a:r>
-                        <a:rPr lang="en-US"/>
+                        <a:rPr lang="en-US">
+                          <a:latin typeface="Times New Roman" panose="02020603050405020304" pitchFamily="18" charset="0"/>
+                          <a:cs typeface="Times New Roman" panose="02020603050405020304" pitchFamily="18" charset="0"/>
+                        </a:rPr>
                         <a:t> </a:t>
                       </a:r>
                       <a:r>
-                        <a:rPr lang="en-US" err="1"/>
+                        <a:rPr lang="en-US" err="1">
+                          <a:latin typeface="Times New Roman" panose="02020603050405020304" pitchFamily="18" charset="0"/>
+                          <a:cs typeface="Times New Roman" panose="02020603050405020304" pitchFamily="18" charset="0"/>
+                        </a:rPr>
                         <a:t>Đình</a:t>
                       </a:r>
                       <a:r>
-                        <a:rPr lang="en-US"/>
+                        <a:rPr lang="en-US">
+                          <a:latin typeface="Times New Roman" panose="02020603050405020304" pitchFamily="18" charset="0"/>
+                          <a:cs typeface="Times New Roman" panose="02020603050405020304" pitchFamily="18" charset="0"/>
+                        </a:rPr>
                         <a:t> </a:t>
                       </a:r>
                       <a:r>
-                        <a:rPr lang="en-US" err="1"/>
+                        <a:rPr lang="en-US" err="1">
+                          <a:latin typeface="Times New Roman" panose="02020603050405020304" pitchFamily="18" charset="0"/>
+                          <a:cs typeface="Times New Roman" panose="02020603050405020304" pitchFamily="18" charset="0"/>
+                        </a:rPr>
                         <a:t>Phúc</a:t>
                       </a:r>
                       <a:endParaRPr lang="en-US">
@@ -7419,13 +4229,12 @@
                     <a:p>
                       <a:pPr algn="ctr"/>
                       <a:r>
-                        <a:rPr lang="en-US"/>
+                        <a:rPr lang="en-US">
+                          <a:latin typeface="Times New Roman" panose="02020603050405020304" pitchFamily="18" charset="0"/>
+                          <a:cs typeface="Times New Roman" panose="02020603050405020304" pitchFamily="18" charset="0"/>
+                        </a:rPr>
                         <a:t>52000109</a:t>
                       </a:r>
-                      <a:endParaRPr lang="en-US">
-                        <a:latin typeface="Times New Roman" panose="02020603050405020304" pitchFamily="18" charset="0"/>
-                        <a:cs typeface="Times New Roman" panose="02020603050405020304" pitchFamily="18" charset="0"/>
-                      </a:endParaRPr>
                     </a:p>
                   </a:txBody>
                   <a:tcPr/>
@@ -7449,7 +4258,7 @@
                 </a:tc>
                 <a:extLst>
                   <a:ext uri="{0D108BD9-81ED-4DB2-BD59-A6C34878D82A}">
-                    <a16:rowId xmlns:a16="http://schemas.microsoft.com/office/drawing/2014/main" val="3213766400"/>
+                    <a16:rowId xmlns:a16="http://schemas.microsoft.com/office/drawing/2014/main" val="10004"/>
                   </a:ext>
                 </a:extLst>
               </a:tr>
@@ -7459,16 +4268,8 @@
       </p:graphicFrame>
       <p:cxnSp>
         <p:nvCxnSpPr>
-          <p:cNvPr id="2" name="Straight Connector 1">
-            <a:extLst>
-              <a:ext uri="{FF2B5EF4-FFF2-40B4-BE49-F238E27FC236}">
-                <a16:creationId xmlns:a16="http://schemas.microsoft.com/office/drawing/2014/main" id="{0193EF83-1ED7-DCBA-7737-4EE3F208EA17}"/>
-              </a:ext>
-            </a:extLst>
-          </p:cNvPr>
-          <p:cNvCxnSpPr>
-            <a:cxnSpLocks/>
-          </p:cNvCxnSpPr>
+          <p:cNvPr id="2" name="Straight Connector 1"/>
+          <p:cNvCxnSpPr/>
           <p:nvPr/>
         </p:nvCxnSpPr>
         <p:spPr>
@@ -7496,11 +4297,6 @@
         </p:style>
       </p:cxnSp>
     </p:spTree>
-    <p:extLst>
-      <p:ext uri="{BB962C8B-B14F-4D97-AF65-F5344CB8AC3E}">
-        <p14:creationId xmlns:p14="http://schemas.microsoft.com/office/powerpoint/2010/main" val="1123588931"/>
-      </p:ext>
-    </p:extLst>
   </p:cSld>
   <p:clrMapOvr>
     <a:masterClrMapping/>
@@ -7527,13 +4323,7 @@
       </p:grpSpPr>
       <p:pic>
         <p:nvPicPr>
-          <p:cNvPr id="1034" name="Picture 10">
-            <a:extLst>
-              <a:ext uri="{FF2B5EF4-FFF2-40B4-BE49-F238E27FC236}">
-                <a16:creationId xmlns:a16="http://schemas.microsoft.com/office/drawing/2014/main" id="{6F72484C-A752-76F3-F259-0A997B815A00}"/>
-              </a:ext>
-            </a:extLst>
-          </p:cNvPr>
+          <p:cNvPr id="1034" name="Picture 10"/>
           <p:cNvPicPr>
             <a:picLocks noChangeAspect="1" noChangeArrowheads="1"/>
           </p:cNvPicPr>
@@ -7574,16 +4364,8 @@
       </p:pic>
       <p:cxnSp>
         <p:nvCxnSpPr>
-          <p:cNvPr id="11" name="Straight Connector 10">
-            <a:extLst>
-              <a:ext uri="{FF2B5EF4-FFF2-40B4-BE49-F238E27FC236}">
-                <a16:creationId xmlns:a16="http://schemas.microsoft.com/office/drawing/2014/main" id="{E5C4A229-E185-5A4B-53B1-81D591292671}"/>
-              </a:ext>
-            </a:extLst>
-          </p:cNvPr>
-          <p:cNvCxnSpPr>
-            <a:cxnSpLocks/>
-          </p:cNvCxnSpPr>
+          <p:cNvPr id="11" name="Straight Connector 10"/>
+          <p:cNvCxnSpPr/>
           <p:nvPr/>
         </p:nvCxnSpPr>
         <p:spPr>
@@ -7612,13 +4394,7 @@
       </p:cxnSp>
       <p:sp>
         <p:nvSpPr>
-          <p:cNvPr id="14" name="TextBox 13">
-            <a:extLst>
-              <a:ext uri="{FF2B5EF4-FFF2-40B4-BE49-F238E27FC236}">
-                <a16:creationId xmlns:a16="http://schemas.microsoft.com/office/drawing/2014/main" id="{63B4AB36-B54A-EA5C-2A74-F2C80BE0CBC4}"/>
-              </a:ext>
-            </a:extLst>
-          </p:cNvPr>
+          <p:cNvPr id="14" name="TextBox 13"/>
           <p:cNvSpPr txBox="1"/>
           <p:nvPr/>
         </p:nvSpPr>
@@ -7648,16 +4424,8 @@
       </p:sp>
       <p:cxnSp>
         <p:nvCxnSpPr>
-          <p:cNvPr id="2" name="Straight Connector 1">
-            <a:extLst>
-              <a:ext uri="{FF2B5EF4-FFF2-40B4-BE49-F238E27FC236}">
-                <a16:creationId xmlns:a16="http://schemas.microsoft.com/office/drawing/2014/main" id="{AF3ADEA5-03F2-7E56-B6E6-8B6970A896CF}"/>
-              </a:ext>
-            </a:extLst>
-          </p:cNvPr>
-          <p:cNvCxnSpPr>
-            <a:cxnSpLocks/>
-          </p:cNvCxnSpPr>
+          <p:cNvPr id="2" name="Straight Connector 1"/>
+          <p:cNvCxnSpPr/>
           <p:nvPr/>
         </p:nvCxnSpPr>
         <p:spPr>
@@ -7686,13 +4454,7 @@
       </p:cxnSp>
       <p:sp>
         <p:nvSpPr>
-          <p:cNvPr id="4" name="TextBox 3">
-            <a:extLst>
-              <a:ext uri="{FF2B5EF4-FFF2-40B4-BE49-F238E27FC236}">
-                <a16:creationId xmlns:a16="http://schemas.microsoft.com/office/drawing/2014/main" id="{11342279-3B1B-9555-FD5C-CA3839B3D029}"/>
-              </a:ext>
-            </a:extLst>
-          </p:cNvPr>
+          <p:cNvPr id="4" name="TextBox 3"/>
           <p:cNvSpPr txBox="1"/>
           <p:nvPr/>
         </p:nvSpPr>
@@ -7721,13 +4483,7 @@
       </p:sp>
       <p:sp>
         <p:nvSpPr>
-          <p:cNvPr id="5" name="TextBox 4">
-            <a:extLst>
-              <a:ext uri="{FF2B5EF4-FFF2-40B4-BE49-F238E27FC236}">
-                <a16:creationId xmlns:a16="http://schemas.microsoft.com/office/drawing/2014/main" id="{2FD009FE-CA5C-D5A4-E99D-1E506F763D1C}"/>
-              </a:ext>
-            </a:extLst>
-          </p:cNvPr>
+          <p:cNvPr id="5" name="TextBox 4"/>
           <p:cNvSpPr txBox="1"/>
           <p:nvPr/>
         </p:nvSpPr>
@@ -7756,20 +4512,14 @@
       </p:sp>
       <p:sp>
         <p:nvSpPr>
-          <p:cNvPr id="3" name="TextBox 2">
-            <a:extLst>
-              <a:ext uri="{FF2B5EF4-FFF2-40B4-BE49-F238E27FC236}">
-                <a16:creationId xmlns:a16="http://schemas.microsoft.com/office/drawing/2014/main" id="{99E5E634-12BA-9584-7604-34E90EF91282}"/>
-              </a:ext>
-            </a:extLst>
-          </p:cNvPr>
+          <p:cNvPr id="3" name="TextBox 2"/>
           <p:cNvSpPr txBox="1"/>
           <p:nvPr/>
         </p:nvSpPr>
         <p:spPr>
           <a:xfrm>
             <a:off x="700819" y="1748583"/>
-            <a:ext cx="7742361" cy="3293209"/>
+            <a:ext cx="7742361" cy="4276725"/>
           </a:xfrm>
           <a:prstGeom prst="rect">
             <a:avLst/>
@@ -7787,9 +4537,10 @@
               <a:buAutoNum type="arabicPeriod"/>
             </a:pPr>
             <a:r>
-              <a:rPr lang="vi-VN" sz="1300" b="0" i="0">
+              <a:rPr lang="vi-VN" sz="1700" b="0" i="0">
                 <a:effectLst/>
-                <a:latin typeface="Consolas" panose="020B0609020204030204" pitchFamily="49" charset="0"/>
+                <a:latin typeface="Times New Roman" panose="02020603050405020304" pitchFamily="18" charset="0"/>
+                <a:cs typeface="Times New Roman" panose="02020603050405020304" pitchFamily="18" charset="0"/>
               </a:rPr>
               <a:t>Mở với tên tệp đã cho để đọc.</a:t>
             </a:r>
@@ -7800,9 +4551,10 @@
               <a:buAutoNum type="arabicPeriod"/>
             </a:pPr>
             <a:r>
-              <a:rPr lang="vi-VN" sz="1300" b="0" i="0">
+              <a:rPr lang="vi-VN" sz="1700" b="0" i="0">
                 <a:effectLst/>
-                <a:latin typeface="Consolas" panose="020B0609020204030204" pitchFamily="49" charset="0"/>
+                <a:latin typeface="Times New Roman" panose="02020603050405020304" pitchFamily="18" charset="0"/>
+                <a:cs typeface="Times New Roman" panose="02020603050405020304" pitchFamily="18" charset="0"/>
               </a:rPr>
               <a:t>Đọc dòng đầu tiên của tệp và gán giá trị cho e và l tương ứng.</a:t>
             </a:r>
@@ -7813,11 +4565,72 @@
               <a:buAutoNum type="arabicPeriod"/>
             </a:pPr>
             <a:r>
-              <a:rPr lang="vi-VN" sz="1300" b="0" i="0">
+              <a:rPr lang="vi-VN" sz="1700" b="0" i="0">
                 <a:effectLst/>
-                <a:latin typeface="Consolas" panose="020B0609020204030204" pitchFamily="49" charset="0"/>
+                <a:latin typeface="Times New Roman" panose="02020603050405020304" pitchFamily="18" charset="0"/>
+                <a:cs typeface="Times New Roman" panose="02020603050405020304" pitchFamily="18" charset="0"/>
               </a:rPr>
               <a:t>Khởi tạo một từ điển trống có tên là nodes_dict.</a:t>
+            </a:r>
+          </a:p>
+          <a:p>
+            <a:pPr algn="l">
+              <a:buFont typeface="+mj-lt"/>
+              <a:buAutoNum type="arabicPeriod"/>
+            </a:pPr>
+            <a:r>
+              <a:rPr lang="vi-VN" sz="1700" b="0" i="0">
+                <a:effectLst/>
+                <a:latin typeface="Times New Roman" panose="02020603050405020304" pitchFamily="18" charset="0"/>
+                <a:cs typeface="Times New Roman" panose="02020603050405020304" pitchFamily="18" charset="0"/>
+              </a:rPr>
+              <a:t>Đối với tôi trong phạm vi (e), hãy làm như sau: </a:t>
+            </a:r>
+            <a:br>
+              <a:rPr lang="en-US" sz="1700" b="0" i="0">
+                <a:effectLst/>
+                <a:latin typeface="Times New Roman" panose="02020603050405020304" pitchFamily="18" charset="0"/>
+                <a:cs typeface="Times New Roman" panose="02020603050405020304" pitchFamily="18" charset="0"/>
+              </a:rPr>
+            </a:br>
+            <a:r>
+              <a:rPr lang="en-US" sz="1700" b="0" i="0">
+                <a:effectLst/>
+                <a:latin typeface="Times New Roman" panose="02020603050405020304" pitchFamily="18" charset="0"/>
+                <a:cs typeface="Times New Roman" panose="02020603050405020304" pitchFamily="18" charset="0"/>
+              </a:rPr>
+              <a:t>	</a:t>
+            </a:r>
+            <a:r>
+              <a:rPr lang="vi-VN" sz="1700" b="0" i="0">
+                <a:effectLst/>
+                <a:latin typeface="Times New Roman" panose="02020603050405020304" pitchFamily="18" charset="0"/>
+                <a:cs typeface="Times New Roman" panose="02020603050405020304" pitchFamily="18" charset="0"/>
+              </a:rPr>
+              <a:t>a. Đọc dòng tiếp theo của tệp và chia thành a và b. </a:t>
+            </a:r>
+            <a:br>
+              <a:rPr lang="en-US" sz="1700" b="0" i="0">
+                <a:effectLst/>
+                <a:latin typeface="Times New Roman" panose="02020603050405020304" pitchFamily="18" charset="0"/>
+                <a:cs typeface="Times New Roman" panose="02020603050405020304" pitchFamily="18" charset="0"/>
+              </a:rPr>
+            </a:br>
+            <a:r>
+              <a:rPr lang="en-US" sz="1700" b="0" i="0">
+                <a:effectLst/>
+                <a:latin typeface="Times New Roman" panose="02020603050405020304" pitchFamily="18" charset="0"/>
+                <a:cs typeface="Times New Roman" panose="02020603050405020304" pitchFamily="18" charset="0"/>
+              </a:rPr>
+              <a:t>	</a:t>
+            </a:r>
+            <a:r>
+              <a:rPr lang="vi-VN" sz="1700" b="0" i="0">
+                <a:effectLst/>
+                <a:latin typeface="Times New Roman" panose="02020603050405020304" pitchFamily="18" charset="0"/>
+                <a:cs typeface="Times New Roman" panose="02020603050405020304" pitchFamily="18" charset="0"/>
+              </a:rPr>
+              <a:t>b. Nếu a chưa phải là khóa trong nodes_dict, hãy thêm nó làm khóa mới với giá trị Node(a). c. Nếu b chưa phải là khóa trong nodes_dict, hãy thêm nó làm khóa mới với giá trị Node(b). d. Nối giá trị của nodes_dict[b] vào danh sách kế vị của nodes_dict[a].</a:t>
             </a:r>
           </a:p>
           <a:p>
@@ -7826,51 +4639,12 @@
               <a:buAutoNum type="arabicPeriod"/>
             </a:pPr>
             <a:r>
-              <a:rPr lang="vi-VN" sz="1300" b="0" i="0">
+              <a:rPr lang="vi-VN" sz="1700" b="0" i="0">
                 <a:effectLst/>
-                <a:latin typeface="Consolas" panose="020B0609020204030204" pitchFamily="49" charset="0"/>
-              </a:rPr>
-              <a:t>Đối với tôi trong phạm vi (e), hãy làm như sau: </a:t>
-            </a:r>
-            <a:br>
-              <a:rPr lang="en-US" sz="1300" b="0" i="0">
-                <a:effectLst/>
-                <a:latin typeface="Consolas" panose="020B0609020204030204" pitchFamily="49" charset="0"/>
-              </a:rPr>
-            </a:br>
-            <a:r>
-              <a:rPr lang="en-US" sz="1300" b="0" i="0">
-                <a:effectLst/>
-                <a:latin typeface="Consolas" panose="020B0609020204030204" pitchFamily="49" charset="0"/>
-              </a:rPr>
-              <a:t>	</a:t>
-            </a:r>
-            <a:r>
-              <a:rPr lang="vi-VN" sz="1300" b="0" i="0">
-                <a:effectLst/>
-                <a:latin typeface="Consolas" panose="020B0609020204030204" pitchFamily="49" charset="0"/>
-              </a:rPr>
-              <a:t>a. Đọc dòng tiếp theo của tệp và chia thành a và b. </a:t>
-            </a:r>
-            <a:br>
-              <a:rPr lang="en-US" sz="1300" b="0" i="0">
-                <a:effectLst/>
-                <a:latin typeface="Consolas" panose="020B0609020204030204" pitchFamily="49" charset="0"/>
-              </a:rPr>
-            </a:br>
-            <a:r>
-              <a:rPr lang="en-US" sz="1300" b="0" i="0">
-                <a:effectLst/>
-                <a:latin typeface="Consolas" panose="020B0609020204030204" pitchFamily="49" charset="0"/>
-              </a:rPr>
-              <a:t>	</a:t>
-            </a:r>
-            <a:r>
-              <a:rPr lang="vi-VN" sz="1300" b="0" i="0">
-                <a:effectLst/>
-                <a:latin typeface="Consolas" panose="020B0609020204030204" pitchFamily="49" charset="0"/>
-              </a:rPr>
-              <a:t>b. Nếu a chưa phải là khóa trong nodes_dict, hãy thêm nó làm khóa mới với giá trị Node(a). c. Nếu b chưa phải là khóa trong nodes_dict, hãy thêm nó làm khóa mới với giá trị Node(b). d. Nối giá trị của nodes_dict[b] vào danh sách kế vị của nodes_dict[a].</a:t>
+                <a:latin typeface="Times New Roman" panose="02020603050405020304" pitchFamily="18" charset="0"/>
+                <a:cs typeface="Times New Roman" panose="02020603050405020304" pitchFamily="18" charset="0"/>
+              </a:rPr>
+              <a:t>Đối với tôi trong phạm vi (l), hãy làm như sau: a. Đọc dòng tiếp theo của tệp và chia nó thành nút và giá trị. b. Đặt giá trị của nodes_dict[node] thành int(value).</a:t>
             </a:r>
           </a:p>
           <a:p>
@@ -7879,11 +4653,12 @@
               <a:buAutoNum type="arabicPeriod"/>
             </a:pPr>
             <a:r>
-              <a:rPr lang="vi-VN" sz="1300" b="0" i="0">
+              <a:rPr lang="vi-VN" sz="1700" b="0" i="0">
                 <a:effectLst/>
-                <a:latin typeface="Consolas" panose="020B0609020204030204" pitchFamily="49" charset="0"/>
-              </a:rPr>
-              <a:t>Đối với tôi trong phạm vi (l), hãy làm như sau: a. Đọc dòng tiếp theo của tệp và chia nó thành nút và giá trị. b. Đặt giá trị của nodes_dict[node] thành int(value).</a:t>
+                <a:latin typeface="Times New Roman" panose="02020603050405020304" pitchFamily="18" charset="0"/>
+                <a:cs typeface="Times New Roman" panose="02020603050405020304" pitchFamily="18" charset="0"/>
+              </a:rPr>
+              <a:t>Đặt self.root thành nodes_dict["n00"].</a:t>
             </a:r>
           </a:p>
           <a:p>
@@ -7892,11 +4667,12 @@
               <a:buAutoNum type="arabicPeriod"/>
             </a:pPr>
             <a:r>
-              <a:rPr lang="vi-VN" sz="1300" b="0" i="0">
+              <a:rPr lang="vi-VN" sz="1700" b="0" i="0">
                 <a:effectLst/>
-                <a:latin typeface="Consolas" panose="020B0609020204030204" pitchFamily="49" charset="0"/>
-              </a:rPr>
-              <a:t>Đặt self.root thành nodes_dict["n00"].</a:t>
+                <a:latin typeface="Times New Roman" panose="02020603050405020304" pitchFamily="18" charset="0"/>
+                <a:cs typeface="Times New Roman" panose="02020603050405020304" pitchFamily="18" charset="0"/>
+              </a:rPr>
+              <a:t>Đặt self.terminalStates thành một cách hiểu từ điển để lọc ra các nút có người kế vị và tạo một từ điển ánh xạ số nhận dạng của chúng với giá trị của chúng.</a:t>
             </a:r>
           </a:p>
           <a:p>
@@ -7905,37 +4681,21 @@
               <a:buAutoNum type="arabicPeriod"/>
             </a:pPr>
             <a:r>
-              <a:rPr lang="vi-VN" sz="1300" b="0" i="0">
+              <a:rPr lang="vi-VN" sz="1700" b="0" i="0">
                 <a:effectLst/>
-                <a:latin typeface="Consolas" panose="020B0609020204030204" pitchFamily="49" charset="0"/>
-              </a:rPr>
-              <a:t>Đặt self.terminalStates thành một cách hiểu từ điển để lọc ra các nút có người kế vị và tạo một từ điển ánh xạ số nhận dạng của chúng với giá trị của chúng.</a:t>
-            </a:r>
-          </a:p>
-          <a:p>
-            <a:pPr algn="just">
-              <a:buFont typeface="+mj-lt"/>
-              <a:buAutoNum type="arabicPeriod"/>
-            </a:pPr>
-            <a:r>
-              <a:rPr lang="vi-VN" sz="1300" b="0" i="0">
-                <a:effectLst/>
-                <a:latin typeface="Consolas" panose="020B0609020204030204" pitchFamily="49" charset="0"/>
+                <a:latin typeface="Times New Roman" panose="02020603050405020304" pitchFamily="18" charset="0"/>
+                <a:cs typeface="Times New Roman" panose="02020603050405020304" pitchFamily="18" charset="0"/>
               </a:rPr>
               <a:t>Đặt self.successors thành một cách hiểu từ điển để ánh xạ từng nút trong nodes_dict vào danh sách kế vị của nó.</a:t>
             </a:r>
-            <a:endParaRPr lang="en-US" sz="1300">
-              <a:latin typeface="Consolas" panose="020B0609020204030204" pitchFamily="49" charset="0"/>
+            <a:endParaRPr lang="en-US" sz="1700">
+              <a:latin typeface="Times New Roman" panose="02020603050405020304" pitchFamily="18" charset="0"/>
+              <a:cs typeface="Times New Roman" panose="02020603050405020304" pitchFamily="18" charset="0"/>
             </a:endParaRPr>
           </a:p>
         </p:txBody>
       </p:sp>
     </p:spTree>
-    <p:extLst>
-      <p:ext uri="{BB962C8B-B14F-4D97-AF65-F5344CB8AC3E}">
-        <p14:creationId xmlns:p14="http://schemas.microsoft.com/office/powerpoint/2010/main" val="2606626882"/>
-      </p:ext>
-    </p:extLst>
   </p:cSld>
   <p:clrMapOvr>
     <a:masterClrMapping/>
@@ -7962,13 +4722,7 @@
       </p:grpSpPr>
       <p:pic>
         <p:nvPicPr>
-          <p:cNvPr id="1034" name="Picture 10">
-            <a:extLst>
-              <a:ext uri="{FF2B5EF4-FFF2-40B4-BE49-F238E27FC236}">
-                <a16:creationId xmlns:a16="http://schemas.microsoft.com/office/drawing/2014/main" id="{6F72484C-A752-76F3-F259-0A997B815A00}"/>
-              </a:ext>
-            </a:extLst>
-          </p:cNvPr>
+          <p:cNvPr id="1034" name="Picture 10"/>
           <p:cNvPicPr>
             <a:picLocks noChangeAspect="1" noChangeArrowheads="1"/>
           </p:cNvPicPr>
@@ -8009,16 +4763,8 @@
       </p:pic>
       <p:cxnSp>
         <p:nvCxnSpPr>
-          <p:cNvPr id="11" name="Straight Connector 10">
-            <a:extLst>
-              <a:ext uri="{FF2B5EF4-FFF2-40B4-BE49-F238E27FC236}">
-                <a16:creationId xmlns:a16="http://schemas.microsoft.com/office/drawing/2014/main" id="{E5C4A229-E185-5A4B-53B1-81D591292671}"/>
-              </a:ext>
-            </a:extLst>
-          </p:cNvPr>
-          <p:cNvCxnSpPr>
-            <a:cxnSpLocks/>
-          </p:cNvCxnSpPr>
+          <p:cNvPr id="11" name="Straight Connector 10"/>
+          <p:cNvCxnSpPr/>
           <p:nvPr/>
         </p:nvCxnSpPr>
         <p:spPr>
@@ -8047,13 +4793,7 @@
       </p:cxnSp>
       <p:sp>
         <p:nvSpPr>
-          <p:cNvPr id="14" name="TextBox 13">
-            <a:extLst>
-              <a:ext uri="{FF2B5EF4-FFF2-40B4-BE49-F238E27FC236}">
-                <a16:creationId xmlns:a16="http://schemas.microsoft.com/office/drawing/2014/main" id="{63B4AB36-B54A-EA5C-2A74-F2C80BE0CBC4}"/>
-              </a:ext>
-            </a:extLst>
-          </p:cNvPr>
+          <p:cNvPr id="14" name="TextBox 13"/>
           <p:cNvSpPr txBox="1"/>
           <p:nvPr/>
         </p:nvSpPr>
@@ -8083,16 +4823,8 @@
       </p:sp>
       <p:cxnSp>
         <p:nvCxnSpPr>
-          <p:cNvPr id="2" name="Straight Connector 1">
-            <a:extLst>
-              <a:ext uri="{FF2B5EF4-FFF2-40B4-BE49-F238E27FC236}">
-                <a16:creationId xmlns:a16="http://schemas.microsoft.com/office/drawing/2014/main" id="{AF3ADEA5-03F2-7E56-B6E6-8B6970A896CF}"/>
-              </a:ext>
-            </a:extLst>
-          </p:cNvPr>
-          <p:cNvCxnSpPr>
-            <a:cxnSpLocks/>
-          </p:cNvCxnSpPr>
+          <p:cNvPr id="2" name="Straight Connector 1"/>
+          <p:cNvCxnSpPr/>
           <p:nvPr/>
         </p:nvCxnSpPr>
         <p:spPr>
@@ -8121,13 +4853,7 @@
       </p:cxnSp>
       <p:sp>
         <p:nvSpPr>
-          <p:cNvPr id="4" name="TextBox 3">
-            <a:extLst>
-              <a:ext uri="{FF2B5EF4-FFF2-40B4-BE49-F238E27FC236}">
-                <a16:creationId xmlns:a16="http://schemas.microsoft.com/office/drawing/2014/main" id="{11342279-3B1B-9555-FD5C-CA3839B3D029}"/>
-              </a:ext>
-            </a:extLst>
-          </p:cNvPr>
+          <p:cNvPr id="4" name="TextBox 3"/>
           <p:cNvSpPr txBox="1"/>
           <p:nvPr/>
         </p:nvSpPr>
@@ -8156,13 +4882,7 @@
       </p:sp>
       <p:sp>
         <p:nvSpPr>
-          <p:cNvPr id="5" name="TextBox 4">
-            <a:extLst>
-              <a:ext uri="{FF2B5EF4-FFF2-40B4-BE49-F238E27FC236}">
-                <a16:creationId xmlns:a16="http://schemas.microsoft.com/office/drawing/2014/main" id="{2FD009FE-CA5C-D5A4-E99D-1E506F763D1C}"/>
-              </a:ext>
-            </a:extLst>
-          </p:cNvPr>
+          <p:cNvPr id="5" name="TextBox 4"/>
           <p:cNvSpPr txBox="1"/>
           <p:nvPr/>
         </p:nvSpPr>
@@ -8191,13 +4911,7 @@
       </p:sp>
       <p:pic>
         <p:nvPicPr>
-          <p:cNvPr id="7" name="Picture 6">
-            <a:extLst>
-              <a:ext uri="{FF2B5EF4-FFF2-40B4-BE49-F238E27FC236}">
-                <a16:creationId xmlns:a16="http://schemas.microsoft.com/office/drawing/2014/main" id="{0FDF7036-65F5-81CA-0C41-46981E048379}"/>
-              </a:ext>
-            </a:extLst>
-          </p:cNvPr>
+          <p:cNvPr id="7" name="Picture 6"/>
           <p:cNvPicPr>
             <a:picLocks noChangeAspect="1"/>
           </p:cNvPicPr>
@@ -8221,20 +4935,14 @@
       </p:pic>
       <p:sp>
         <p:nvSpPr>
-          <p:cNvPr id="8" name="TextBox 7">
-            <a:extLst>
-              <a:ext uri="{FF2B5EF4-FFF2-40B4-BE49-F238E27FC236}">
-                <a16:creationId xmlns:a16="http://schemas.microsoft.com/office/drawing/2014/main" id="{FE5D4E40-17C8-086B-12F6-4368FAD8DA16}"/>
-              </a:ext>
-            </a:extLst>
-          </p:cNvPr>
+          <p:cNvPr id="8" name="TextBox 7"/>
           <p:cNvSpPr txBox="1"/>
           <p:nvPr/>
         </p:nvSpPr>
         <p:spPr>
           <a:xfrm>
             <a:off x="3596123" y="3437332"/>
-            <a:ext cx="1951753" cy="369332"/>
+            <a:ext cx="1967230" cy="368300"/>
           </a:xfrm>
           <a:prstGeom prst="rect">
             <a:avLst/>
@@ -8248,18 +4956,16 @@
           <a:lstStyle/>
           <a:p>
             <a:r>
-              <a:rPr lang="en-US" i="1"/>
+              <a:rPr lang="en-US" i="1">
+                <a:latin typeface="Times New Roman" panose="02020603050405020304" pitchFamily="18" charset="0"/>
+                <a:cs typeface="Times New Roman" panose="02020603050405020304" pitchFamily="18" charset="0"/>
+              </a:rPr>
               <a:t>Cài đặt hàm print()</a:t>
             </a:r>
           </a:p>
         </p:txBody>
       </p:sp>
     </p:spTree>
-    <p:extLst>
-      <p:ext uri="{BB962C8B-B14F-4D97-AF65-F5344CB8AC3E}">
-        <p14:creationId xmlns:p14="http://schemas.microsoft.com/office/powerpoint/2010/main" val="245947029"/>
-      </p:ext>
-    </p:extLst>
   </p:cSld>
   <p:clrMapOvr>
     <a:masterClrMapping/>
@@ -8286,13 +4992,7 @@
       </p:grpSpPr>
       <p:pic>
         <p:nvPicPr>
-          <p:cNvPr id="1034" name="Picture 10">
-            <a:extLst>
-              <a:ext uri="{FF2B5EF4-FFF2-40B4-BE49-F238E27FC236}">
-                <a16:creationId xmlns:a16="http://schemas.microsoft.com/office/drawing/2014/main" id="{6F72484C-A752-76F3-F259-0A997B815A00}"/>
-              </a:ext>
-            </a:extLst>
-          </p:cNvPr>
+          <p:cNvPr id="1034" name="Picture 10"/>
           <p:cNvPicPr>
             <a:picLocks noChangeAspect="1" noChangeArrowheads="1"/>
           </p:cNvPicPr>
@@ -8333,16 +5033,8 @@
       </p:pic>
       <p:cxnSp>
         <p:nvCxnSpPr>
-          <p:cNvPr id="11" name="Straight Connector 10">
-            <a:extLst>
-              <a:ext uri="{FF2B5EF4-FFF2-40B4-BE49-F238E27FC236}">
-                <a16:creationId xmlns:a16="http://schemas.microsoft.com/office/drawing/2014/main" id="{E5C4A229-E185-5A4B-53B1-81D591292671}"/>
-              </a:ext>
-            </a:extLst>
-          </p:cNvPr>
-          <p:cNvCxnSpPr>
-            <a:cxnSpLocks/>
-          </p:cNvCxnSpPr>
+          <p:cNvPr id="11" name="Straight Connector 10"/>
+          <p:cNvCxnSpPr/>
           <p:nvPr/>
         </p:nvCxnSpPr>
         <p:spPr>
@@ -8371,13 +5063,7 @@
       </p:cxnSp>
       <p:sp>
         <p:nvSpPr>
-          <p:cNvPr id="14" name="TextBox 13">
-            <a:extLst>
-              <a:ext uri="{FF2B5EF4-FFF2-40B4-BE49-F238E27FC236}">
-                <a16:creationId xmlns:a16="http://schemas.microsoft.com/office/drawing/2014/main" id="{63B4AB36-B54A-EA5C-2A74-F2C80BE0CBC4}"/>
-              </a:ext>
-            </a:extLst>
-          </p:cNvPr>
+          <p:cNvPr id="14" name="TextBox 13"/>
           <p:cNvSpPr txBox="1"/>
           <p:nvPr/>
         </p:nvSpPr>
@@ -8407,16 +5093,8 @@
       </p:sp>
       <p:cxnSp>
         <p:nvCxnSpPr>
-          <p:cNvPr id="2" name="Straight Connector 1">
-            <a:extLst>
-              <a:ext uri="{FF2B5EF4-FFF2-40B4-BE49-F238E27FC236}">
-                <a16:creationId xmlns:a16="http://schemas.microsoft.com/office/drawing/2014/main" id="{AF3ADEA5-03F2-7E56-B6E6-8B6970A896CF}"/>
-              </a:ext>
-            </a:extLst>
-          </p:cNvPr>
-          <p:cNvCxnSpPr>
-            <a:cxnSpLocks/>
-          </p:cNvCxnSpPr>
+          <p:cNvPr id="2" name="Straight Connector 1"/>
+          <p:cNvCxnSpPr/>
           <p:nvPr/>
         </p:nvCxnSpPr>
         <p:spPr>
@@ -8445,13 +5123,7 @@
       </p:cxnSp>
       <p:sp>
         <p:nvSpPr>
-          <p:cNvPr id="4" name="TextBox 3">
-            <a:extLst>
-              <a:ext uri="{FF2B5EF4-FFF2-40B4-BE49-F238E27FC236}">
-                <a16:creationId xmlns:a16="http://schemas.microsoft.com/office/drawing/2014/main" id="{11342279-3B1B-9555-FD5C-CA3839B3D029}"/>
-              </a:ext>
-            </a:extLst>
-          </p:cNvPr>
+          <p:cNvPr id="4" name="TextBox 3"/>
           <p:cNvSpPr txBox="1"/>
           <p:nvPr/>
         </p:nvSpPr>
@@ -8480,13 +5152,7 @@
       </p:sp>
       <p:sp>
         <p:nvSpPr>
-          <p:cNvPr id="5" name="TextBox 4">
-            <a:extLst>
-              <a:ext uri="{FF2B5EF4-FFF2-40B4-BE49-F238E27FC236}">
-                <a16:creationId xmlns:a16="http://schemas.microsoft.com/office/drawing/2014/main" id="{2FD009FE-CA5C-D5A4-E99D-1E506F763D1C}"/>
-              </a:ext>
-            </a:extLst>
-          </p:cNvPr>
+          <p:cNvPr id="5" name="TextBox 4"/>
           <p:cNvSpPr txBox="1"/>
           <p:nvPr/>
         </p:nvSpPr>
@@ -8515,13 +5181,7 @@
       </p:sp>
       <p:sp>
         <p:nvSpPr>
-          <p:cNvPr id="8" name="TextBox 7">
-            <a:extLst>
-              <a:ext uri="{FF2B5EF4-FFF2-40B4-BE49-F238E27FC236}">
-                <a16:creationId xmlns:a16="http://schemas.microsoft.com/office/drawing/2014/main" id="{FE5D4E40-17C8-086B-12F6-4368FAD8DA16}"/>
-              </a:ext>
-            </a:extLst>
-          </p:cNvPr>
+          <p:cNvPr id="8" name="TextBox 7"/>
           <p:cNvSpPr txBox="1"/>
           <p:nvPr/>
         </p:nvSpPr>
@@ -8550,13 +5210,7 @@
       </p:sp>
       <p:pic>
         <p:nvPicPr>
-          <p:cNvPr id="3" name="Picture 10">
-            <a:extLst>
-              <a:ext uri="{FF2B5EF4-FFF2-40B4-BE49-F238E27FC236}">
-                <a16:creationId xmlns:a16="http://schemas.microsoft.com/office/drawing/2014/main" id="{3E934195-854B-7911-2EDD-2AC0625B9140}"/>
-              </a:ext>
-            </a:extLst>
-          </p:cNvPr>
+          <p:cNvPr id="3" name="Picture 10"/>
           <p:cNvPicPr>
             <a:picLocks noChangeAspect="1" noChangeArrowheads="1"/>
           </p:cNvPicPr>
@@ -8597,16 +5251,8 @@
       </p:pic>
       <p:cxnSp>
         <p:nvCxnSpPr>
-          <p:cNvPr id="7" name="Straight Connector 6">
-            <a:extLst>
-              <a:ext uri="{FF2B5EF4-FFF2-40B4-BE49-F238E27FC236}">
-                <a16:creationId xmlns:a16="http://schemas.microsoft.com/office/drawing/2014/main" id="{4B844266-EA6B-472E-A3D7-9D35A42FEDA1}"/>
-              </a:ext>
-            </a:extLst>
-          </p:cNvPr>
-          <p:cNvCxnSpPr>
-            <a:cxnSpLocks/>
-          </p:cNvCxnSpPr>
+          <p:cNvPr id="7" name="Straight Connector 6"/>
+          <p:cNvCxnSpPr/>
           <p:nvPr/>
         </p:nvCxnSpPr>
         <p:spPr>
@@ -8635,13 +5281,7 @@
       </p:cxnSp>
       <p:sp>
         <p:nvSpPr>
-          <p:cNvPr id="9" name="TextBox 8">
-            <a:extLst>
-              <a:ext uri="{FF2B5EF4-FFF2-40B4-BE49-F238E27FC236}">
-                <a16:creationId xmlns:a16="http://schemas.microsoft.com/office/drawing/2014/main" id="{23138F62-9B41-3529-F526-DDDB40DC698F}"/>
-              </a:ext>
-            </a:extLst>
-          </p:cNvPr>
+          <p:cNvPr id="9" name="TextBox 8"/>
           <p:cNvSpPr txBox="1"/>
           <p:nvPr/>
         </p:nvSpPr>
@@ -8671,16 +5311,8 @@
       </p:sp>
       <p:cxnSp>
         <p:nvCxnSpPr>
-          <p:cNvPr id="10" name="Straight Connector 9">
-            <a:extLst>
-              <a:ext uri="{FF2B5EF4-FFF2-40B4-BE49-F238E27FC236}">
-                <a16:creationId xmlns:a16="http://schemas.microsoft.com/office/drawing/2014/main" id="{892C3C70-8EC0-788D-5DB7-ED14D2C4E337}"/>
-              </a:ext>
-            </a:extLst>
-          </p:cNvPr>
-          <p:cNvCxnSpPr>
-            <a:cxnSpLocks/>
-          </p:cNvCxnSpPr>
+          <p:cNvPr id="10" name="Straight Connector 9"/>
+          <p:cNvCxnSpPr/>
           <p:nvPr/>
         </p:nvCxnSpPr>
         <p:spPr>
@@ -8709,13 +5341,7 @@
       </p:cxnSp>
       <p:sp>
         <p:nvSpPr>
-          <p:cNvPr id="13" name="TextBox 12">
-            <a:extLst>
-              <a:ext uri="{FF2B5EF4-FFF2-40B4-BE49-F238E27FC236}">
-                <a16:creationId xmlns:a16="http://schemas.microsoft.com/office/drawing/2014/main" id="{87B1AB70-F47B-77BB-421C-2008A6178502}"/>
-              </a:ext>
-            </a:extLst>
-          </p:cNvPr>
+          <p:cNvPr id="13" name="TextBox 12"/>
           <p:cNvSpPr txBox="1"/>
           <p:nvPr/>
         </p:nvSpPr>
@@ -8742,50 +5368,9 @@
           </a:p>
         </p:txBody>
       </p:sp>
-      <p:sp>
-        <p:nvSpPr>
-          <p:cNvPr id="15" name="TextBox 14">
-            <a:extLst>
-              <a:ext uri="{FF2B5EF4-FFF2-40B4-BE49-F238E27FC236}">
-                <a16:creationId xmlns:a16="http://schemas.microsoft.com/office/drawing/2014/main" id="{0C1AB01C-1294-90EE-174E-AEA75813511F}"/>
-              </a:ext>
-            </a:extLst>
-          </p:cNvPr>
-          <p:cNvSpPr txBox="1"/>
-          <p:nvPr/>
-        </p:nvSpPr>
-        <p:spPr>
-          <a:xfrm>
-            <a:off x="3654922" y="5784645"/>
-            <a:ext cx="1834156" cy="369332"/>
-          </a:xfrm>
-          <a:prstGeom prst="rect">
-            <a:avLst/>
-          </a:prstGeom>
-          <a:noFill/>
-        </p:spPr>
-        <p:txBody>
-          <a:bodyPr wrap="none" rtlCol="0">
-            <a:spAutoFit/>
-          </a:bodyPr>
-          <a:lstStyle/>
-          <a:p>
-            <a:r>
-              <a:rPr lang="en-US" i="1"/>
-              <a:t>Cài đặt hàm run()</a:t>
-            </a:r>
-          </a:p>
-        </p:txBody>
-      </p:sp>
       <p:pic>
         <p:nvPicPr>
-          <p:cNvPr id="16" name="Picture 15">
-            <a:extLst>
-              <a:ext uri="{FF2B5EF4-FFF2-40B4-BE49-F238E27FC236}">
-                <a16:creationId xmlns:a16="http://schemas.microsoft.com/office/drawing/2014/main" id="{032988E1-D986-0F66-D747-83EE16096C12}"/>
-              </a:ext>
-            </a:extLst>
-          </p:cNvPr>
+          <p:cNvPr id="16" name="Picture 15"/>
           <p:cNvPicPr>
             <a:picLocks noChangeAspect="1"/>
           </p:cNvPicPr>
@@ -8809,13 +5394,7 @@
       </p:pic>
       <p:pic>
         <p:nvPicPr>
-          <p:cNvPr id="17" name="Picture 16">
-            <a:extLst>
-              <a:ext uri="{FF2B5EF4-FFF2-40B4-BE49-F238E27FC236}">
-                <a16:creationId xmlns:a16="http://schemas.microsoft.com/office/drawing/2014/main" id="{CBF38A24-8871-E789-D084-44BC158A0A93}"/>
-              </a:ext>
-            </a:extLst>
-          </p:cNvPr>
+          <p:cNvPr id="17" name="Picture 16"/>
           <p:cNvPicPr>
             <a:picLocks noChangeAspect="1"/>
           </p:cNvPicPr>
@@ -8839,13 +5418,7 @@
       </p:pic>
       <p:sp>
         <p:nvSpPr>
-          <p:cNvPr id="18" name="TextBox 17">
-            <a:extLst>
-              <a:ext uri="{FF2B5EF4-FFF2-40B4-BE49-F238E27FC236}">
-                <a16:creationId xmlns:a16="http://schemas.microsoft.com/office/drawing/2014/main" id="{A0685E4F-FDAB-ABCE-7FE0-415BEEA52EBD}"/>
-              </a:ext>
-            </a:extLst>
-          </p:cNvPr>
+          <p:cNvPr id="18" name="TextBox 17"/>
           <p:cNvSpPr txBox="1"/>
           <p:nvPr/>
         </p:nvSpPr>
@@ -8873,11 +5446,6 @@
         </p:txBody>
       </p:sp>
     </p:spTree>
-    <p:extLst>
-      <p:ext uri="{BB962C8B-B14F-4D97-AF65-F5344CB8AC3E}">
-        <p14:creationId xmlns:p14="http://schemas.microsoft.com/office/powerpoint/2010/main" val="1235902622"/>
-      </p:ext>
-    </p:extLst>
   </p:cSld>
   <p:clrMapOvr>
     <a:masterClrMapping/>
@@ -8904,13 +5472,7 @@
       </p:grpSpPr>
       <p:pic>
         <p:nvPicPr>
-          <p:cNvPr id="1034" name="Picture 10">
-            <a:extLst>
-              <a:ext uri="{FF2B5EF4-FFF2-40B4-BE49-F238E27FC236}">
-                <a16:creationId xmlns:a16="http://schemas.microsoft.com/office/drawing/2014/main" id="{6F72484C-A752-76F3-F259-0A997B815A00}"/>
-              </a:ext>
-            </a:extLst>
-          </p:cNvPr>
+          <p:cNvPr id="1034" name="Picture 10"/>
           <p:cNvPicPr>
             <a:picLocks noChangeAspect="1" noChangeArrowheads="1"/>
           </p:cNvPicPr>
@@ -8951,16 +5513,8 @@
       </p:pic>
       <p:cxnSp>
         <p:nvCxnSpPr>
-          <p:cNvPr id="11" name="Straight Connector 10">
-            <a:extLst>
-              <a:ext uri="{FF2B5EF4-FFF2-40B4-BE49-F238E27FC236}">
-                <a16:creationId xmlns:a16="http://schemas.microsoft.com/office/drawing/2014/main" id="{E5C4A229-E185-5A4B-53B1-81D591292671}"/>
-              </a:ext>
-            </a:extLst>
-          </p:cNvPr>
-          <p:cNvCxnSpPr>
-            <a:cxnSpLocks/>
-          </p:cNvCxnSpPr>
+          <p:cNvPr id="11" name="Straight Connector 10"/>
+          <p:cNvCxnSpPr/>
           <p:nvPr/>
         </p:nvCxnSpPr>
         <p:spPr>
@@ -8989,16 +5543,8 @@
       </p:cxnSp>
       <p:cxnSp>
         <p:nvCxnSpPr>
-          <p:cNvPr id="2" name="Straight Connector 1">
-            <a:extLst>
-              <a:ext uri="{FF2B5EF4-FFF2-40B4-BE49-F238E27FC236}">
-                <a16:creationId xmlns:a16="http://schemas.microsoft.com/office/drawing/2014/main" id="{AF3ADEA5-03F2-7E56-B6E6-8B6970A896CF}"/>
-              </a:ext>
-            </a:extLst>
-          </p:cNvPr>
-          <p:cNvCxnSpPr>
-            <a:cxnSpLocks/>
-          </p:cNvCxnSpPr>
+          <p:cNvPr id="2" name="Straight Connector 1"/>
+          <p:cNvCxnSpPr/>
           <p:nvPr/>
         </p:nvCxnSpPr>
         <p:spPr>
@@ -9027,13 +5573,7 @@
       </p:cxnSp>
       <p:sp>
         <p:nvSpPr>
-          <p:cNvPr id="4" name="TextBox 3">
-            <a:extLst>
-              <a:ext uri="{FF2B5EF4-FFF2-40B4-BE49-F238E27FC236}">
-                <a16:creationId xmlns:a16="http://schemas.microsoft.com/office/drawing/2014/main" id="{11342279-3B1B-9555-FD5C-CA3839B3D029}"/>
-              </a:ext>
-            </a:extLst>
-          </p:cNvPr>
+          <p:cNvPr id="4" name="TextBox 3"/>
           <p:cNvSpPr txBox="1"/>
           <p:nvPr/>
         </p:nvSpPr>
@@ -9062,20 +5602,14 @@
       </p:sp>
       <p:sp>
         <p:nvSpPr>
-          <p:cNvPr id="3" name="TextBox 2">
-            <a:extLst>
-              <a:ext uri="{FF2B5EF4-FFF2-40B4-BE49-F238E27FC236}">
-                <a16:creationId xmlns:a16="http://schemas.microsoft.com/office/drawing/2014/main" id="{9117E4B9-8314-B9E3-8EFF-7D2C51624F1F}"/>
-              </a:ext>
-            </a:extLst>
-          </p:cNvPr>
+          <p:cNvPr id="3" name="TextBox 2"/>
           <p:cNvSpPr txBox="1"/>
           <p:nvPr/>
         </p:nvSpPr>
         <p:spPr>
           <a:xfrm>
-            <a:off x="2709051" y="2875002"/>
-            <a:ext cx="3725898" cy="553998"/>
+            <a:off x="2708910" y="2866390"/>
+            <a:ext cx="4429125" cy="553085"/>
           </a:xfrm>
           <a:prstGeom prst="rect">
             <a:avLst/>
@@ -9089,18 +5623,16 @@
           <a:lstStyle/>
           <a:p>
             <a:r>
-              <a:rPr lang="fr-FR" sz="3000" b="1"/>
+              <a:rPr lang="fr-FR" sz="3000" b="1">
+                <a:latin typeface="Times New Roman" panose="02020603050405020304" pitchFamily="18" charset="0"/>
+                <a:cs typeface="Times New Roman" panose="02020603050405020304" pitchFamily="18" charset="0"/>
+              </a:rPr>
               <a:t>Câu 3 – Logical Agents</a:t>
             </a:r>
           </a:p>
         </p:txBody>
       </p:sp>
     </p:spTree>
-    <p:extLst>
-      <p:ext uri="{BB962C8B-B14F-4D97-AF65-F5344CB8AC3E}">
-        <p14:creationId xmlns:p14="http://schemas.microsoft.com/office/powerpoint/2010/main" val="1822488476"/>
-      </p:ext>
-    </p:extLst>
   </p:cSld>
   <p:clrMapOvr>
     <a:masterClrMapping/>
@@ -9127,13 +5659,7 @@
       </p:grpSpPr>
       <p:pic>
         <p:nvPicPr>
-          <p:cNvPr id="1034" name="Picture 10">
-            <a:extLst>
-              <a:ext uri="{FF2B5EF4-FFF2-40B4-BE49-F238E27FC236}">
-                <a16:creationId xmlns:a16="http://schemas.microsoft.com/office/drawing/2014/main" id="{6F72484C-A752-76F3-F259-0A997B815A00}"/>
-              </a:ext>
-            </a:extLst>
-          </p:cNvPr>
+          <p:cNvPr id="1034" name="Picture 10"/>
           <p:cNvPicPr>
             <a:picLocks noChangeAspect="1" noChangeArrowheads="1"/>
           </p:cNvPicPr>
@@ -9174,16 +5700,8 @@
       </p:pic>
       <p:cxnSp>
         <p:nvCxnSpPr>
-          <p:cNvPr id="11" name="Straight Connector 10">
-            <a:extLst>
-              <a:ext uri="{FF2B5EF4-FFF2-40B4-BE49-F238E27FC236}">
-                <a16:creationId xmlns:a16="http://schemas.microsoft.com/office/drawing/2014/main" id="{E5C4A229-E185-5A4B-53B1-81D591292671}"/>
-              </a:ext>
-            </a:extLst>
-          </p:cNvPr>
-          <p:cNvCxnSpPr>
-            <a:cxnSpLocks/>
-          </p:cNvCxnSpPr>
+          <p:cNvPr id="11" name="Straight Connector 10"/>
+          <p:cNvCxnSpPr/>
           <p:nvPr/>
         </p:nvCxnSpPr>
         <p:spPr>
@@ -9212,13 +5730,7 @@
       </p:cxnSp>
       <p:sp>
         <p:nvSpPr>
-          <p:cNvPr id="14" name="TextBox 13">
-            <a:extLst>
-              <a:ext uri="{FF2B5EF4-FFF2-40B4-BE49-F238E27FC236}">
-                <a16:creationId xmlns:a16="http://schemas.microsoft.com/office/drawing/2014/main" id="{63B4AB36-B54A-EA5C-2A74-F2C80BE0CBC4}"/>
-              </a:ext>
-            </a:extLst>
-          </p:cNvPr>
+          <p:cNvPr id="14" name="TextBox 13"/>
           <p:cNvSpPr txBox="1"/>
           <p:nvPr/>
         </p:nvSpPr>
@@ -9248,16 +5760,8 @@
       </p:sp>
       <p:cxnSp>
         <p:nvCxnSpPr>
-          <p:cNvPr id="2" name="Straight Connector 1">
-            <a:extLst>
-              <a:ext uri="{FF2B5EF4-FFF2-40B4-BE49-F238E27FC236}">
-                <a16:creationId xmlns:a16="http://schemas.microsoft.com/office/drawing/2014/main" id="{AF3ADEA5-03F2-7E56-B6E6-8B6970A896CF}"/>
-              </a:ext>
-            </a:extLst>
-          </p:cNvPr>
-          <p:cNvCxnSpPr>
-            <a:cxnSpLocks/>
-          </p:cNvCxnSpPr>
+          <p:cNvPr id="2" name="Straight Connector 1"/>
+          <p:cNvCxnSpPr/>
           <p:nvPr/>
         </p:nvCxnSpPr>
         <p:spPr>
@@ -9286,13 +5790,7 @@
       </p:cxnSp>
       <p:sp>
         <p:nvSpPr>
-          <p:cNvPr id="4" name="TextBox 3">
-            <a:extLst>
-              <a:ext uri="{FF2B5EF4-FFF2-40B4-BE49-F238E27FC236}">
-                <a16:creationId xmlns:a16="http://schemas.microsoft.com/office/drawing/2014/main" id="{11342279-3B1B-9555-FD5C-CA3839B3D029}"/>
-              </a:ext>
-            </a:extLst>
-          </p:cNvPr>
+          <p:cNvPr id="4" name="TextBox 3"/>
           <p:cNvSpPr txBox="1"/>
           <p:nvPr/>
         </p:nvSpPr>
@@ -9321,13 +5819,7 @@
       </p:sp>
       <p:sp>
         <p:nvSpPr>
-          <p:cNvPr id="5" name="TextBox 4">
-            <a:extLst>
-              <a:ext uri="{FF2B5EF4-FFF2-40B4-BE49-F238E27FC236}">
-                <a16:creationId xmlns:a16="http://schemas.microsoft.com/office/drawing/2014/main" id="{2FD009FE-CA5C-D5A4-E99D-1E506F763D1C}"/>
-              </a:ext>
-            </a:extLst>
-          </p:cNvPr>
+          <p:cNvPr id="5" name="TextBox 4"/>
           <p:cNvSpPr txBox="1"/>
           <p:nvPr/>
         </p:nvSpPr>
@@ -9356,20 +5848,14 @@
       </p:sp>
       <p:sp>
         <p:nvSpPr>
-          <p:cNvPr id="8" name="TextBox 7">
-            <a:extLst>
-              <a:ext uri="{FF2B5EF4-FFF2-40B4-BE49-F238E27FC236}">
-                <a16:creationId xmlns:a16="http://schemas.microsoft.com/office/drawing/2014/main" id="{FE5D4E40-17C8-086B-12F6-4368FAD8DA16}"/>
-              </a:ext>
-            </a:extLst>
-          </p:cNvPr>
+          <p:cNvPr id="8" name="TextBox 7"/>
           <p:cNvSpPr txBox="1"/>
           <p:nvPr/>
         </p:nvSpPr>
         <p:spPr>
           <a:xfrm>
             <a:off x="2194777" y="4568794"/>
-            <a:ext cx="4754443" cy="369332"/>
+            <a:ext cx="4876800" cy="368300"/>
           </a:xfrm>
           <a:prstGeom prst="rect">
             <a:avLst/>
@@ -9383,7 +5869,10 @@
           <a:lstStyle/>
           <a:p>
             <a:r>
-              <a:rPr lang="en-US" i="1"/>
+              <a:rPr lang="en-US" i="1">
+                <a:latin typeface="Times New Roman" panose="02020603050405020304" pitchFamily="18" charset="0"/>
+                <a:cs typeface="Times New Roman" panose="02020603050405020304" pitchFamily="18" charset="0"/>
+              </a:rPr>
               <a:t>Cài đặt EightQueenSolver bằng Glucose3 với CNF</a:t>
             </a:r>
           </a:p>
@@ -9391,13 +5880,7 @@
       </p:sp>
       <p:pic>
         <p:nvPicPr>
-          <p:cNvPr id="7" name="Picture 6">
-            <a:extLst>
-              <a:ext uri="{FF2B5EF4-FFF2-40B4-BE49-F238E27FC236}">
-                <a16:creationId xmlns:a16="http://schemas.microsoft.com/office/drawing/2014/main" id="{1231DF50-44F7-D512-7848-C09E648633A4}"/>
-              </a:ext>
-            </a:extLst>
-          </p:cNvPr>
+          <p:cNvPr id="7" name="Picture 6"/>
           <p:cNvPicPr>
             <a:picLocks noChangeAspect="1"/>
           </p:cNvPicPr>
@@ -9420,11 +5903,6 @@
         </p:spPr>
       </p:pic>
     </p:spTree>
-    <p:extLst>
-      <p:ext uri="{BB962C8B-B14F-4D97-AF65-F5344CB8AC3E}">
-        <p14:creationId xmlns:p14="http://schemas.microsoft.com/office/powerpoint/2010/main" val="2450269525"/>
-      </p:ext>
-    </p:extLst>
   </p:cSld>
   <p:clrMapOvr>
     <a:masterClrMapping/>
@@ -9451,13 +5929,7 @@
       </p:grpSpPr>
       <p:pic>
         <p:nvPicPr>
-          <p:cNvPr id="1034" name="Picture 10">
-            <a:extLst>
-              <a:ext uri="{FF2B5EF4-FFF2-40B4-BE49-F238E27FC236}">
-                <a16:creationId xmlns:a16="http://schemas.microsoft.com/office/drawing/2014/main" id="{6F72484C-A752-76F3-F259-0A997B815A00}"/>
-              </a:ext>
-            </a:extLst>
-          </p:cNvPr>
+          <p:cNvPr id="1034" name="Picture 10"/>
           <p:cNvPicPr>
             <a:picLocks noChangeAspect="1" noChangeArrowheads="1"/>
           </p:cNvPicPr>
@@ -9498,16 +5970,8 @@
       </p:pic>
       <p:cxnSp>
         <p:nvCxnSpPr>
-          <p:cNvPr id="11" name="Straight Connector 10">
-            <a:extLst>
-              <a:ext uri="{FF2B5EF4-FFF2-40B4-BE49-F238E27FC236}">
-                <a16:creationId xmlns:a16="http://schemas.microsoft.com/office/drawing/2014/main" id="{E5C4A229-E185-5A4B-53B1-81D591292671}"/>
-              </a:ext>
-            </a:extLst>
-          </p:cNvPr>
-          <p:cNvCxnSpPr>
-            <a:cxnSpLocks/>
-          </p:cNvCxnSpPr>
+          <p:cNvPr id="11" name="Straight Connector 10"/>
+          <p:cNvCxnSpPr/>
           <p:nvPr/>
         </p:nvCxnSpPr>
         <p:spPr>
@@ -9536,13 +6000,7 @@
       </p:cxnSp>
       <p:sp>
         <p:nvSpPr>
-          <p:cNvPr id="14" name="TextBox 13">
-            <a:extLst>
-              <a:ext uri="{FF2B5EF4-FFF2-40B4-BE49-F238E27FC236}">
-                <a16:creationId xmlns:a16="http://schemas.microsoft.com/office/drawing/2014/main" id="{63B4AB36-B54A-EA5C-2A74-F2C80BE0CBC4}"/>
-              </a:ext>
-            </a:extLst>
-          </p:cNvPr>
+          <p:cNvPr id="14" name="TextBox 13"/>
           <p:cNvSpPr txBox="1"/>
           <p:nvPr/>
         </p:nvSpPr>
@@ -9572,16 +6030,8 @@
       </p:sp>
       <p:cxnSp>
         <p:nvCxnSpPr>
-          <p:cNvPr id="2" name="Straight Connector 1">
-            <a:extLst>
-              <a:ext uri="{FF2B5EF4-FFF2-40B4-BE49-F238E27FC236}">
-                <a16:creationId xmlns:a16="http://schemas.microsoft.com/office/drawing/2014/main" id="{AF3ADEA5-03F2-7E56-B6E6-8B6970A896CF}"/>
-              </a:ext>
-            </a:extLst>
-          </p:cNvPr>
-          <p:cNvCxnSpPr>
-            <a:cxnSpLocks/>
-          </p:cNvCxnSpPr>
+          <p:cNvPr id="2" name="Straight Connector 1"/>
+          <p:cNvCxnSpPr/>
           <p:nvPr/>
         </p:nvCxnSpPr>
         <p:spPr>
@@ -9610,13 +6060,7 @@
       </p:cxnSp>
       <p:sp>
         <p:nvSpPr>
-          <p:cNvPr id="4" name="TextBox 3">
-            <a:extLst>
-              <a:ext uri="{FF2B5EF4-FFF2-40B4-BE49-F238E27FC236}">
-                <a16:creationId xmlns:a16="http://schemas.microsoft.com/office/drawing/2014/main" id="{11342279-3B1B-9555-FD5C-CA3839B3D029}"/>
-              </a:ext>
-            </a:extLst>
-          </p:cNvPr>
+          <p:cNvPr id="4" name="TextBox 3"/>
           <p:cNvSpPr txBox="1"/>
           <p:nvPr/>
         </p:nvSpPr>
@@ -9645,13 +6089,7 @@
       </p:sp>
       <p:sp>
         <p:nvSpPr>
-          <p:cNvPr id="5" name="TextBox 4">
-            <a:extLst>
-              <a:ext uri="{FF2B5EF4-FFF2-40B4-BE49-F238E27FC236}">
-                <a16:creationId xmlns:a16="http://schemas.microsoft.com/office/drawing/2014/main" id="{2FD009FE-CA5C-D5A4-E99D-1E506F763D1C}"/>
-              </a:ext>
-            </a:extLst>
-          </p:cNvPr>
+          <p:cNvPr id="5" name="TextBox 4"/>
           <p:cNvSpPr txBox="1"/>
           <p:nvPr/>
         </p:nvSpPr>
@@ -9680,20 +6118,14 @@
       </p:sp>
       <p:sp>
         <p:nvSpPr>
-          <p:cNvPr id="8" name="TextBox 7">
-            <a:extLst>
-              <a:ext uri="{FF2B5EF4-FFF2-40B4-BE49-F238E27FC236}">
-                <a16:creationId xmlns:a16="http://schemas.microsoft.com/office/drawing/2014/main" id="{FE5D4E40-17C8-086B-12F6-4368FAD8DA16}"/>
-              </a:ext>
-            </a:extLst>
-          </p:cNvPr>
+          <p:cNvPr id="8" name="TextBox 7"/>
           <p:cNvSpPr txBox="1"/>
           <p:nvPr/>
         </p:nvSpPr>
         <p:spPr>
           <a:xfrm>
             <a:off x="2379058" y="4689374"/>
-            <a:ext cx="4385881" cy="369332"/>
+            <a:ext cx="4533900" cy="368300"/>
           </a:xfrm>
           <a:prstGeom prst="rect">
             <a:avLst/>
@@ -9707,7 +6139,10 @@
           <a:lstStyle/>
           <a:p>
             <a:r>
-              <a:rPr lang="en-US" i="1"/>
+              <a:rPr lang="en-US" i="1">
+                <a:latin typeface="Times New Roman" panose="02020603050405020304" pitchFamily="18" charset="0"/>
+                <a:cs typeface="Times New Roman" panose="02020603050405020304" pitchFamily="18" charset="0"/>
+              </a:rPr>
               <a:t>Cài đặt NQueenSolver bằng Glucose3 với CNF</a:t>
             </a:r>
           </a:p>
@@ -9715,13 +6150,7 @@
       </p:sp>
       <p:pic>
         <p:nvPicPr>
-          <p:cNvPr id="6" name="Picture 5">
-            <a:extLst>
-              <a:ext uri="{FF2B5EF4-FFF2-40B4-BE49-F238E27FC236}">
-                <a16:creationId xmlns:a16="http://schemas.microsoft.com/office/drawing/2014/main" id="{961AAD6C-CC86-5091-ECFE-6957EBB93760}"/>
-              </a:ext>
-            </a:extLst>
-          </p:cNvPr>
+          <p:cNvPr id="6" name="Picture 5"/>
           <p:cNvPicPr>
             <a:picLocks noChangeAspect="1"/>
           </p:cNvPicPr>
@@ -9735,7 +6164,7 @@
         </p:blipFill>
         <p:spPr>
           <a:xfrm>
-            <a:off x="2929745" y="1975053"/>
+            <a:off x="2929745" y="1948383"/>
             <a:ext cx="3284505" cy="2270957"/>
           </a:xfrm>
           <a:prstGeom prst="rect">
@@ -9744,11 +6173,6 @@
         </p:spPr>
       </p:pic>
     </p:spTree>
-    <p:extLst>
-      <p:ext uri="{BB962C8B-B14F-4D97-AF65-F5344CB8AC3E}">
-        <p14:creationId xmlns:p14="http://schemas.microsoft.com/office/powerpoint/2010/main" val="3480722215"/>
-      </p:ext>
-    </p:extLst>
   </p:cSld>
   <p:clrMapOvr>
     <a:masterClrMapping/>
@@ -9775,13 +6199,7 @@
       </p:grpSpPr>
       <p:pic>
         <p:nvPicPr>
-          <p:cNvPr id="1034" name="Picture 10">
-            <a:extLst>
-              <a:ext uri="{FF2B5EF4-FFF2-40B4-BE49-F238E27FC236}">
-                <a16:creationId xmlns:a16="http://schemas.microsoft.com/office/drawing/2014/main" id="{6F72484C-A752-76F3-F259-0A997B815A00}"/>
-              </a:ext>
-            </a:extLst>
-          </p:cNvPr>
+          <p:cNvPr id="1034" name="Picture 10"/>
           <p:cNvPicPr>
             <a:picLocks noChangeAspect="1" noChangeArrowheads="1"/>
           </p:cNvPicPr>
@@ -9822,16 +6240,8 @@
       </p:pic>
       <p:cxnSp>
         <p:nvCxnSpPr>
-          <p:cNvPr id="11" name="Straight Connector 10">
-            <a:extLst>
-              <a:ext uri="{FF2B5EF4-FFF2-40B4-BE49-F238E27FC236}">
-                <a16:creationId xmlns:a16="http://schemas.microsoft.com/office/drawing/2014/main" id="{E5C4A229-E185-5A4B-53B1-81D591292671}"/>
-              </a:ext>
-            </a:extLst>
-          </p:cNvPr>
-          <p:cNvCxnSpPr>
-            <a:cxnSpLocks/>
-          </p:cNvCxnSpPr>
+          <p:cNvPr id="11" name="Straight Connector 10"/>
+          <p:cNvCxnSpPr/>
           <p:nvPr/>
         </p:nvCxnSpPr>
         <p:spPr>
@@ -9860,16 +6270,8 @@
       </p:cxnSp>
       <p:cxnSp>
         <p:nvCxnSpPr>
-          <p:cNvPr id="2" name="Straight Connector 1">
-            <a:extLst>
-              <a:ext uri="{FF2B5EF4-FFF2-40B4-BE49-F238E27FC236}">
-                <a16:creationId xmlns:a16="http://schemas.microsoft.com/office/drawing/2014/main" id="{AF3ADEA5-03F2-7E56-B6E6-8B6970A896CF}"/>
-              </a:ext>
-            </a:extLst>
-          </p:cNvPr>
-          <p:cNvCxnSpPr>
-            <a:cxnSpLocks/>
-          </p:cNvCxnSpPr>
+          <p:cNvPr id="2" name="Straight Connector 1"/>
+          <p:cNvCxnSpPr/>
           <p:nvPr/>
         </p:nvCxnSpPr>
         <p:spPr>
@@ -9898,13 +6300,7 @@
       </p:cxnSp>
       <p:sp>
         <p:nvSpPr>
-          <p:cNvPr id="4" name="TextBox 3">
-            <a:extLst>
-              <a:ext uri="{FF2B5EF4-FFF2-40B4-BE49-F238E27FC236}">
-                <a16:creationId xmlns:a16="http://schemas.microsoft.com/office/drawing/2014/main" id="{11342279-3B1B-9555-FD5C-CA3839B3D029}"/>
-              </a:ext>
-            </a:extLst>
-          </p:cNvPr>
+          <p:cNvPr id="4" name="TextBox 3"/>
           <p:cNvSpPr txBox="1"/>
           <p:nvPr/>
         </p:nvSpPr>
@@ -9933,20 +6329,14 @@
       </p:sp>
       <p:sp>
         <p:nvSpPr>
-          <p:cNvPr id="3" name="TextBox 2">
-            <a:extLst>
-              <a:ext uri="{FF2B5EF4-FFF2-40B4-BE49-F238E27FC236}">
-                <a16:creationId xmlns:a16="http://schemas.microsoft.com/office/drawing/2014/main" id="{9117E4B9-8314-B9E3-8EFF-7D2C51624F1F}"/>
-              </a:ext>
-            </a:extLst>
-          </p:cNvPr>
+          <p:cNvPr id="3" name="TextBox 2"/>
           <p:cNvSpPr txBox="1"/>
           <p:nvPr/>
         </p:nvSpPr>
         <p:spPr>
           <a:xfrm>
-            <a:off x="2428875" y="2886225"/>
-            <a:ext cx="4286249" cy="553998"/>
+            <a:off x="2428875" y="2886075"/>
+            <a:ext cx="5165725" cy="553085"/>
           </a:xfrm>
           <a:prstGeom prst="rect">
             <a:avLst/>
@@ -9960,18 +6350,16 @@
           <a:lstStyle/>
           <a:p>
             <a:r>
-              <a:rPr lang="fr-FR" sz="3000" b="1"/>
+              <a:rPr lang="fr-FR" sz="3000" b="1">
+                <a:latin typeface="Times New Roman" panose="02020603050405020304" pitchFamily="18" charset="0"/>
+                <a:cs typeface="Times New Roman" panose="02020603050405020304" pitchFamily="18" charset="0"/>
+              </a:rPr>
               <a:t>Câu 4 – Machine Learning</a:t>
             </a:r>
           </a:p>
         </p:txBody>
       </p:sp>
     </p:spTree>
-    <p:extLst>
-      <p:ext uri="{BB962C8B-B14F-4D97-AF65-F5344CB8AC3E}">
-        <p14:creationId xmlns:p14="http://schemas.microsoft.com/office/powerpoint/2010/main" val="2478241091"/>
-      </p:ext>
-    </p:extLst>
   </p:cSld>
   <p:clrMapOvr>
     <a:masterClrMapping/>
@@ -9998,13 +6386,7 @@
       </p:grpSpPr>
       <p:pic>
         <p:nvPicPr>
-          <p:cNvPr id="1034" name="Picture 10">
-            <a:extLst>
-              <a:ext uri="{FF2B5EF4-FFF2-40B4-BE49-F238E27FC236}">
-                <a16:creationId xmlns:a16="http://schemas.microsoft.com/office/drawing/2014/main" id="{6F72484C-A752-76F3-F259-0A997B815A00}"/>
-              </a:ext>
-            </a:extLst>
-          </p:cNvPr>
+          <p:cNvPr id="1034" name="Picture 10"/>
           <p:cNvPicPr>
             <a:picLocks noChangeAspect="1" noChangeArrowheads="1"/>
           </p:cNvPicPr>
@@ -10045,16 +6427,8 @@
       </p:pic>
       <p:cxnSp>
         <p:nvCxnSpPr>
-          <p:cNvPr id="11" name="Straight Connector 10">
-            <a:extLst>
-              <a:ext uri="{FF2B5EF4-FFF2-40B4-BE49-F238E27FC236}">
-                <a16:creationId xmlns:a16="http://schemas.microsoft.com/office/drawing/2014/main" id="{E5C4A229-E185-5A4B-53B1-81D591292671}"/>
-              </a:ext>
-            </a:extLst>
-          </p:cNvPr>
-          <p:cNvCxnSpPr>
-            <a:cxnSpLocks/>
-          </p:cNvCxnSpPr>
+          <p:cNvPr id="11" name="Straight Connector 10"/>
+          <p:cNvCxnSpPr/>
           <p:nvPr/>
         </p:nvCxnSpPr>
         <p:spPr>
@@ -10083,13 +6457,7 @@
       </p:cxnSp>
       <p:sp>
         <p:nvSpPr>
-          <p:cNvPr id="14" name="TextBox 13">
-            <a:extLst>
-              <a:ext uri="{FF2B5EF4-FFF2-40B4-BE49-F238E27FC236}">
-                <a16:creationId xmlns:a16="http://schemas.microsoft.com/office/drawing/2014/main" id="{63B4AB36-B54A-EA5C-2A74-F2C80BE0CBC4}"/>
-              </a:ext>
-            </a:extLst>
-          </p:cNvPr>
+          <p:cNvPr id="14" name="TextBox 13"/>
           <p:cNvSpPr txBox="1"/>
           <p:nvPr/>
         </p:nvSpPr>
@@ -10118,16 +6486,8 @@
       </p:sp>
       <p:cxnSp>
         <p:nvCxnSpPr>
-          <p:cNvPr id="2" name="Straight Connector 1">
-            <a:extLst>
-              <a:ext uri="{FF2B5EF4-FFF2-40B4-BE49-F238E27FC236}">
-                <a16:creationId xmlns:a16="http://schemas.microsoft.com/office/drawing/2014/main" id="{AF3ADEA5-03F2-7E56-B6E6-8B6970A896CF}"/>
-              </a:ext>
-            </a:extLst>
-          </p:cNvPr>
-          <p:cNvCxnSpPr>
-            <a:cxnSpLocks/>
-          </p:cNvCxnSpPr>
+          <p:cNvPr id="2" name="Straight Connector 1"/>
+          <p:cNvCxnSpPr/>
           <p:nvPr/>
         </p:nvCxnSpPr>
         <p:spPr>
@@ -10156,13 +6516,7 @@
       </p:cxnSp>
       <p:sp>
         <p:nvSpPr>
-          <p:cNvPr id="4" name="TextBox 3">
-            <a:extLst>
-              <a:ext uri="{FF2B5EF4-FFF2-40B4-BE49-F238E27FC236}">
-                <a16:creationId xmlns:a16="http://schemas.microsoft.com/office/drawing/2014/main" id="{11342279-3B1B-9555-FD5C-CA3839B3D029}"/>
-              </a:ext>
-            </a:extLst>
-          </p:cNvPr>
+          <p:cNvPr id="4" name="TextBox 3"/>
           <p:cNvSpPr txBox="1"/>
           <p:nvPr/>
         </p:nvSpPr>
@@ -10191,13 +6545,7 @@
       </p:sp>
       <p:sp>
         <p:nvSpPr>
-          <p:cNvPr id="5" name="TextBox 4">
-            <a:extLst>
-              <a:ext uri="{FF2B5EF4-FFF2-40B4-BE49-F238E27FC236}">
-                <a16:creationId xmlns:a16="http://schemas.microsoft.com/office/drawing/2014/main" id="{2FD009FE-CA5C-D5A4-E99D-1E506F763D1C}"/>
-              </a:ext>
-            </a:extLst>
-          </p:cNvPr>
+          <p:cNvPr id="5" name="TextBox 4"/>
           <p:cNvSpPr txBox="1"/>
           <p:nvPr/>
         </p:nvSpPr>
@@ -10226,13 +6574,7 @@
       </p:sp>
       <p:sp>
         <p:nvSpPr>
-          <p:cNvPr id="8" name="TextBox 7">
-            <a:extLst>
-              <a:ext uri="{FF2B5EF4-FFF2-40B4-BE49-F238E27FC236}">
-                <a16:creationId xmlns:a16="http://schemas.microsoft.com/office/drawing/2014/main" id="{FE5D4E40-17C8-086B-12F6-4368FAD8DA16}"/>
-              </a:ext>
-            </a:extLst>
-          </p:cNvPr>
+          <p:cNvPr id="8" name="TextBox 7"/>
           <p:cNvSpPr txBox="1"/>
           <p:nvPr/>
         </p:nvSpPr>
@@ -10259,45 +6601,9 @@
           </a:p>
         </p:txBody>
       </p:sp>
-      <p:pic>
-        <p:nvPicPr>
-          <p:cNvPr id="7" name="Picture 6">
-            <a:extLst>
-              <a:ext uri="{FF2B5EF4-FFF2-40B4-BE49-F238E27FC236}">
-                <a16:creationId xmlns:a16="http://schemas.microsoft.com/office/drawing/2014/main" id="{F7703A19-AE5B-0D48-3EB4-24A756A7DB2D}"/>
-              </a:ext>
-            </a:extLst>
-          </p:cNvPr>
-          <p:cNvPicPr>
-            <a:picLocks noChangeAspect="1"/>
-          </p:cNvPicPr>
-          <p:nvPr/>
-        </p:nvPicPr>
-        <p:blipFill>
-          <a:blip r:embed="rId3"/>
-          <a:stretch>
-            <a:fillRect/>
-          </a:stretch>
-        </p:blipFill>
-        <p:spPr>
-          <a:xfrm>
-            <a:off x="4572000" y="2333142"/>
-            <a:ext cx="4279952" cy="184481"/>
-          </a:xfrm>
-          <a:prstGeom prst="rect">
-            <a:avLst/>
-          </a:prstGeom>
-        </p:spPr>
-      </p:pic>
-      <p:sp>
-        <p:nvSpPr>
-          <p:cNvPr id="9" name="TextBox 8">
-            <a:extLst>
-              <a:ext uri="{FF2B5EF4-FFF2-40B4-BE49-F238E27FC236}">
-                <a16:creationId xmlns:a16="http://schemas.microsoft.com/office/drawing/2014/main" id="{EBCA5C7A-4B9E-5C7D-4FAC-95733A590DEC}"/>
-              </a:ext>
-            </a:extLst>
-          </p:cNvPr>
+      <p:sp>
+        <p:nvSpPr>
+          <p:cNvPr id="9" name="TextBox 8"/>
           <p:cNvSpPr txBox="1"/>
           <p:nvPr/>
         </p:nvSpPr>
@@ -10324,42 +6630,299 @@
           </a:p>
         </p:txBody>
       </p:sp>
-      <p:pic>
-        <p:nvPicPr>
-          <p:cNvPr id="12" name="Picture 11">
-            <a:extLst>
-              <a:ext uri="{FF2B5EF4-FFF2-40B4-BE49-F238E27FC236}">
-                <a16:creationId xmlns:a16="http://schemas.microsoft.com/office/drawing/2014/main" id="{3C003AC1-8515-821F-F812-639A8E941CDB}"/>
-              </a:ext>
-            </a:extLst>
-          </p:cNvPr>
-          <p:cNvPicPr>
-            <a:picLocks noChangeAspect="1"/>
-          </p:cNvPicPr>
-          <p:nvPr/>
-        </p:nvPicPr>
-        <p:blipFill>
-          <a:blip r:embed="rId4"/>
-          <a:stretch>
-            <a:fillRect/>
-          </a:stretch>
-        </p:blipFill>
-        <p:spPr>
-          <a:xfrm>
-            <a:off x="731934" y="2077851"/>
-            <a:ext cx="3496439" cy="4543357"/>
+      <p:sp>
+        <p:nvSpPr>
+          <p:cNvPr id="10" name="Rectangles 9"/>
+          <p:cNvSpPr/>
+          <p:nvPr/>
+        </p:nvSpPr>
+        <p:spPr>
+          <a:xfrm>
+            <a:off x="1462405" y="1597660"/>
+            <a:ext cx="6189980" cy="4641215"/>
           </a:xfrm>
           <a:prstGeom prst="rect">
             <a:avLst/>
           </a:prstGeom>
         </p:spPr>
-      </p:pic>
+        <p:style>
+          <a:lnRef idx="2">
+            <a:schemeClr val="accent6"/>
+          </a:lnRef>
+          <a:fillRef idx="1">
+            <a:schemeClr val="lt1"/>
+          </a:fillRef>
+          <a:effectRef idx="0">
+            <a:schemeClr val="accent6"/>
+          </a:effectRef>
+          <a:fontRef idx="minor">
+            <a:schemeClr val="dk1"/>
+          </a:fontRef>
+        </p:style>
+        <p:txBody>
+          <a:bodyPr rtlCol="0" anchor="ctr"/>
+          <a:lstStyle/>
+          <a:p>
+            <a:pPr algn="ctr"/>
+            <a:endParaRPr lang="en-US"/>
+          </a:p>
+        </p:txBody>
+      </p:sp>
+      <p:sp>
+        <p:nvSpPr>
+          <p:cNvPr id="13" name="TextBox 7"/>
+          <p:cNvSpPr txBox="1"/>
+          <p:nvPr/>
+        </p:nvSpPr>
+        <p:spPr>
+          <a:xfrm>
+            <a:off x="3702050" y="1624123"/>
+            <a:ext cx="1921510" cy="368300"/>
+          </a:xfrm>
+          <a:prstGeom prst="rect">
+            <a:avLst/>
+          </a:prstGeom>
+          <a:noFill/>
+        </p:spPr>
+        <p:txBody>
+          <a:bodyPr wrap="none" rtlCol="0">
+            <a:spAutoFit/>
+          </a:bodyPr>
+          <a:lstStyle/>
+          <a:p>
+            <a:pPr algn="l"/>
+            <a:r>
+              <a:rPr lang="vi-VN" altLang="en-US" b="1" i="0">
+                <a:solidFill>
+                  <a:srgbClr val="212121"/>
+                </a:solidFill>
+                <a:effectLst/>
+                <a:latin typeface="Roboto" panose="02000000000000000000" pitchFamily="2" charset="0"/>
+              </a:rPr>
+              <a:t>Decision Tree</a:t>
+            </a:r>
+          </a:p>
+        </p:txBody>
+      </p:sp>
+      <p:sp>
+        <p:nvSpPr>
+          <p:cNvPr id="15" name="Text Box 14"/>
+          <p:cNvSpPr txBox="1"/>
+          <p:nvPr/>
+        </p:nvSpPr>
+        <p:spPr>
+          <a:xfrm>
+            <a:off x="1576705" y="1992630"/>
+            <a:ext cx="5991225" cy="4246245"/>
+          </a:xfrm>
+          <a:prstGeom prst="rect">
+            <a:avLst/>
+          </a:prstGeom>
+          <a:noFill/>
+        </p:spPr>
+        <p:txBody>
+          <a:bodyPr wrap="square" rtlCol="0">
+            <a:spAutoFit/>
+          </a:bodyPr>
+          <a:lstStyle/>
+          <a:p>
+            <a:r>
+              <a:rPr lang="vi-VN" altLang="en-US" b="1">
+                <a:latin typeface="Times New Roman" panose="02020603050405020304" pitchFamily="18" charset="0"/>
+                <a:cs typeface="Times New Roman" panose="02020603050405020304" pitchFamily="18" charset="0"/>
+              </a:rPr>
+              <a:t>lib: </a:t>
+            </a:r>
+            <a:r>
+              <a:rPr lang="vi-VN" altLang="en-US">
+                <a:latin typeface="Times New Roman" panose="02020603050405020304" pitchFamily="18" charset="0"/>
+                <a:cs typeface="Times New Roman" panose="02020603050405020304" pitchFamily="18" charset="0"/>
+              </a:rPr>
+              <a:t>keras.datasets, sklearn.tree, sklearn.metrics, joblib, numpy</a:t>
+            </a:r>
+          </a:p>
+          <a:p>
+            <a:r>
+              <a:rPr lang="vi-VN" altLang="en-US" b="1">
+                <a:latin typeface="Times New Roman" panose="02020603050405020304" pitchFamily="18" charset="0"/>
+                <a:cs typeface="Times New Roman" panose="02020603050405020304" pitchFamily="18" charset="0"/>
+              </a:rPr>
+              <a:t>preprocessing: </a:t>
+            </a:r>
+          </a:p>
+          <a:p>
+            <a:r>
+              <a:rPr lang="vi-VN" altLang="en-US" b="1">
+                <a:latin typeface="Times New Roman" panose="02020603050405020304" pitchFamily="18" charset="0"/>
+                <a:cs typeface="Times New Roman" panose="02020603050405020304" pitchFamily="18" charset="0"/>
+              </a:rPr>
+              <a:t>+ </a:t>
+            </a:r>
+            <a:r>
+              <a:rPr lang="vi-VN" altLang="en-US">
+                <a:latin typeface="Times New Roman" panose="02020603050405020304" pitchFamily="18" charset="0"/>
+                <a:cs typeface="Times New Roman" panose="02020603050405020304" pitchFamily="18" charset="0"/>
+              </a:rPr>
+              <a:t>method: reshape(data)</a:t>
+            </a:r>
+            <a:endParaRPr lang="vi-VN" altLang="en-US" b="1">
+              <a:latin typeface="Times New Roman" panose="02020603050405020304" pitchFamily="18" charset="0"/>
+              <a:cs typeface="Times New Roman" panose="02020603050405020304" pitchFamily="18" charset="0"/>
+            </a:endParaRPr>
+          </a:p>
+          <a:p>
+            <a:r>
+              <a:rPr lang="vi-VN" altLang="en-US" b="1">
+                <a:latin typeface="Times New Roman" panose="02020603050405020304" pitchFamily="18" charset="0"/>
+                <a:cs typeface="Times New Roman" panose="02020603050405020304" pitchFamily="18" charset="0"/>
+              </a:rPr>
+              <a:t>input:</a:t>
+            </a:r>
+            <a:r>
+              <a:rPr lang="vi-VN" altLang="en-US">
+                <a:latin typeface="Times New Roman" panose="02020603050405020304" pitchFamily="18" charset="0"/>
+                <a:cs typeface="Times New Roman" panose="02020603050405020304" pitchFamily="18" charset="0"/>
+              </a:rPr>
+              <a:t>  train data, test data</a:t>
+            </a:r>
+          </a:p>
+          <a:p>
+            <a:r>
+              <a:rPr lang="vi-VN" altLang="en-US" b="1">
+                <a:latin typeface="Times New Roman" panose="02020603050405020304" pitchFamily="18" charset="0"/>
+                <a:cs typeface="Times New Roman" panose="02020603050405020304" pitchFamily="18" charset="0"/>
+              </a:rPr>
+              <a:t>train: </a:t>
+            </a:r>
+          </a:p>
+          <a:p>
+            <a:r>
+              <a:rPr lang="vi-VN" altLang="en-US">
+                <a:latin typeface="Times New Roman" panose="02020603050405020304" pitchFamily="18" charset="0"/>
+                <a:cs typeface="Times New Roman" panose="02020603050405020304" pitchFamily="18" charset="0"/>
+              </a:rPr>
+              <a:t>+ initialize model: DecisionTreeClassifier()</a:t>
+            </a:r>
+          </a:p>
+          <a:p>
+            <a:r>
+              <a:rPr lang="vi-VN" altLang="en-US">
+                <a:latin typeface="Times New Roman" panose="02020603050405020304" pitchFamily="18" charset="0"/>
+                <a:cs typeface="Times New Roman" panose="02020603050405020304" pitchFamily="18" charset="0"/>
+              </a:rPr>
+              <a:t>+ fit model: fit (train data)</a:t>
+            </a:r>
+          </a:p>
+          <a:p>
+            <a:r>
+              <a:rPr lang="vi-VN" altLang="en-US">
+                <a:latin typeface="Times New Roman" panose="02020603050405020304" pitchFamily="18" charset="0"/>
+                <a:cs typeface="Times New Roman" panose="02020603050405020304" pitchFamily="18" charset="0"/>
+              </a:rPr>
+              <a:t>+ Predict model: predict(data)</a:t>
+            </a:r>
+          </a:p>
+          <a:p>
+            <a:r>
+              <a:rPr lang="vi-VN" altLang="en-US" b="1">
+                <a:latin typeface="Times New Roman" panose="02020603050405020304" pitchFamily="18" charset="0"/>
+                <a:cs typeface="Times New Roman" panose="02020603050405020304" pitchFamily="18" charset="0"/>
+              </a:rPr>
+              <a:t>test:</a:t>
+            </a:r>
+          </a:p>
+          <a:p>
+            <a:r>
+              <a:rPr lang="vi-VN" altLang="en-US" b="1">
+                <a:latin typeface="Times New Roman" panose="02020603050405020304" pitchFamily="18" charset="0"/>
+                <a:cs typeface="Times New Roman" panose="02020603050405020304" pitchFamily="18" charset="0"/>
+              </a:rPr>
+              <a:t>+ </a:t>
+            </a:r>
+            <a:r>
+              <a:rPr lang="vi-VN" altLang="en-US">
+                <a:latin typeface="Times New Roman" panose="02020603050405020304" pitchFamily="18" charset="0"/>
+                <a:cs typeface="Times New Roman" panose="02020603050405020304" pitchFamily="18" charset="0"/>
+              </a:rPr>
+              <a:t>method</a:t>
+            </a:r>
+            <a:r>
+              <a:rPr lang="vi-VN" altLang="en-US" b="1">
+                <a:latin typeface="Times New Roman" panose="02020603050405020304" pitchFamily="18" charset="0"/>
+                <a:cs typeface="Times New Roman" panose="02020603050405020304" pitchFamily="18" charset="0"/>
+              </a:rPr>
+              <a:t>:</a:t>
+            </a:r>
+            <a:r>
+              <a:rPr lang="vi-VN" altLang="en-US">
+                <a:latin typeface="Times New Roman" panose="02020603050405020304" pitchFamily="18" charset="0"/>
+                <a:cs typeface="Times New Roman" panose="02020603050405020304" pitchFamily="18" charset="0"/>
+              </a:rPr>
+              <a:t> accuracy_score(data)</a:t>
+            </a:r>
+          </a:p>
+          <a:p>
+            <a:r>
+              <a:rPr lang="vi-VN" altLang="en-US" b="1">
+                <a:latin typeface="Times New Roman" panose="02020603050405020304" pitchFamily="18" charset="0"/>
+                <a:cs typeface="Times New Roman" panose="02020603050405020304" pitchFamily="18" charset="0"/>
+              </a:rPr>
+              <a:t>save model</a:t>
+            </a:r>
+            <a:r>
+              <a:rPr lang="vi-VN" altLang="en-US">
+                <a:latin typeface="Times New Roman" panose="02020603050405020304" pitchFamily="18" charset="0"/>
+                <a:cs typeface="Times New Roman" panose="02020603050405020304" pitchFamily="18" charset="0"/>
+              </a:rPr>
+              <a:t>: joblib.dump (model)</a:t>
+            </a:r>
+          </a:p>
+          <a:p>
+            <a:r>
+              <a:rPr lang="vi-VN" altLang="en-US" b="1">
+                <a:latin typeface="Times New Roman" panose="02020603050405020304" pitchFamily="18" charset="0"/>
+                <a:cs typeface="Times New Roman" panose="02020603050405020304" pitchFamily="18" charset="0"/>
+              </a:rPr>
+              <a:t>load model</a:t>
+            </a:r>
+            <a:r>
+              <a:rPr lang="vi-VN" altLang="en-US">
+                <a:latin typeface="Times New Roman" panose="02020603050405020304" pitchFamily="18" charset="0"/>
+                <a:cs typeface="Times New Roman" panose="02020603050405020304" pitchFamily="18" charset="0"/>
+              </a:rPr>
+              <a:t>: joblib.load (model) </a:t>
+            </a:r>
+          </a:p>
+          <a:p>
+            <a:r>
+              <a:rPr lang="vi-VN" altLang="en-US">
+                <a:latin typeface="Times New Roman" panose="02020603050405020304" pitchFamily="18" charset="0"/>
+                <a:cs typeface="Times New Roman" panose="02020603050405020304" pitchFamily="18" charset="0"/>
+              </a:rPr>
+              <a:t>plot tree:</a:t>
+            </a:r>
+          </a:p>
+          <a:p>
+            <a:r>
+              <a:rPr lang="vi-VN" altLang="en-US">
+                <a:latin typeface="Times New Roman" panose="02020603050405020304" pitchFamily="18" charset="0"/>
+                <a:cs typeface="Times New Roman" panose="02020603050405020304" pitchFamily="18" charset="0"/>
+              </a:rPr>
+              <a:t>+ Create new figure: figure()</a:t>
+            </a:r>
+          </a:p>
+          <a:p>
+            <a:r>
+              <a:rPr lang="vi-VN" altLang="en-US">
+                <a:latin typeface="Times New Roman" panose="02020603050405020304" pitchFamily="18" charset="0"/>
+                <a:cs typeface="Times New Roman" panose="02020603050405020304" pitchFamily="18" charset="0"/>
+              </a:rPr>
+              <a:t>+ plot: plot_tree()</a:t>
+            </a:r>
+          </a:p>
+        </p:txBody>
+      </p:sp>
     </p:spTree>
-    <p:extLst>
-      <p:ext uri="{BB962C8B-B14F-4D97-AF65-F5344CB8AC3E}">
-        <p14:creationId xmlns:p14="http://schemas.microsoft.com/office/powerpoint/2010/main" val="3681655826"/>
-      </p:ext>
-    </p:extLst>
   </p:cSld>
   <p:clrMapOvr>
     <a:masterClrMapping/>
@@ -10386,13 +6949,7 @@
       </p:grpSpPr>
       <p:pic>
         <p:nvPicPr>
-          <p:cNvPr id="1034" name="Picture 10">
-            <a:extLst>
-              <a:ext uri="{FF2B5EF4-FFF2-40B4-BE49-F238E27FC236}">
-                <a16:creationId xmlns:a16="http://schemas.microsoft.com/office/drawing/2014/main" id="{6F72484C-A752-76F3-F259-0A997B815A00}"/>
-              </a:ext>
-            </a:extLst>
-          </p:cNvPr>
+          <p:cNvPr id="1034" name="Picture 10"/>
           <p:cNvPicPr>
             <a:picLocks noChangeAspect="1" noChangeArrowheads="1"/>
           </p:cNvPicPr>
@@ -10433,16 +6990,8 @@
       </p:pic>
       <p:cxnSp>
         <p:nvCxnSpPr>
-          <p:cNvPr id="11" name="Straight Connector 10">
-            <a:extLst>
-              <a:ext uri="{FF2B5EF4-FFF2-40B4-BE49-F238E27FC236}">
-                <a16:creationId xmlns:a16="http://schemas.microsoft.com/office/drawing/2014/main" id="{E5C4A229-E185-5A4B-53B1-81D591292671}"/>
-              </a:ext>
-            </a:extLst>
-          </p:cNvPr>
-          <p:cNvCxnSpPr>
-            <a:cxnSpLocks/>
-          </p:cNvCxnSpPr>
+          <p:cNvPr id="11" name="Straight Connector 10"/>
+          <p:cNvCxnSpPr/>
           <p:nvPr/>
         </p:nvCxnSpPr>
         <p:spPr>
@@ -10471,13 +7020,7 @@
       </p:cxnSp>
       <p:sp>
         <p:nvSpPr>
-          <p:cNvPr id="14" name="TextBox 13">
-            <a:extLst>
-              <a:ext uri="{FF2B5EF4-FFF2-40B4-BE49-F238E27FC236}">
-                <a16:creationId xmlns:a16="http://schemas.microsoft.com/office/drawing/2014/main" id="{63B4AB36-B54A-EA5C-2A74-F2C80BE0CBC4}"/>
-              </a:ext>
-            </a:extLst>
-          </p:cNvPr>
+          <p:cNvPr id="14" name="TextBox 13"/>
           <p:cNvSpPr txBox="1"/>
           <p:nvPr/>
         </p:nvSpPr>
@@ -10506,16 +7049,8 @@
       </p:sp>
       <p:cxnSp>
         <p:nvCxnSpPr>
-          <p:cNvPr id="2" name="Straight Connector 1">
-            <a:extLst>
-              <a:ext uri="{FF2B5EF4-FFF2-40B4-BE49-F238E27FC236}">
-                <a16:creationId xmlns:a16="http://schemas.microsoft.com/office/drawing/2014/main" id="{AF3ADEA5-03F2-7E56-B6E6-8B6970A896CF}"/>
-              </a:ext>
-            </a:extLst>
-          </p:cNvPr>
-          <p:cNvCxnSpPr>
-            <a:cxnSpLocks/>
-          </p:cNvCxnSpPr>
+          <p:cNvPr id="2" name="Straight Connector 1"/>
+          <p:cNvCxnSpPr/>
           <p:nvPr/>
         </p:nvCxnSpPr>
         <p:spPr>
@@ -10544,13 +7079,7 @@
       </p:cxnSp>
       <p:sp>
         <p:nvSpPr>
-          <p:cNvPr id="4" name="TextBox 3">
-            <a:extLst>
-              <a:ext uri="{FF2B5EF4-FFF2-40B4-BE49-F238E27FC236}">
-                <a16:creationId xmlns:a16="http://schemas.microsoft.com/office/drawing/2014/main" id="{11342279-3B1B-9555-FD5C-CA3839B3D029}"/>
-              </a:ext>
-            </a:extLst>
-          </p:cNvPr>
+          <p:cNvPr id="4" name="TextBox 3"/>
           <p:cNvSpPr txBox="1"/>
           <p:nvPr/>
         </p:nvSpPr>
@@ -10579,13 +7108,7 @@
       </p:sp>
       <p:sp>
         <p:nvSpPr>
-          <p:cNvPr id="5" name="TextBox 4">
-            <a:extLst>
-              <a:ext uri="{FF2B5EF4-FFF2-40B4-BE49-F238E27FC236}">
-                <a16:creationId xmlns:a16="http://schemas.microsoft.com/office/drawing/2014/main" id="{2FD009FE-CA5C-D5A4-E99D-1E506F763D1C}"/>
-              </a:ext>
-            </a:extLst>
-          </p:cNvPr>
+          <p:cNvPr id="5" name="TextBox 4"/>
           <p:cNvSpPr txBox="1"/>
           <p:nvPr/>
         </p:nvSpPr>
@@ -10614,20 +7137,52 @@
       </p:sp>
       <p:sp>
         <p:nvSpPr>
-          <p:cNvPr id="8" name="TextBox 7">
-            <a:extLst>
-              <a:ext uri="{FF2B5EF4-FFF2-40B4-BE49-F238E27FC236}">
-                <a16:creationId xmlns:a16="http://schemas.microsoft.com/office/drawing/2014/main" id="{FE5D4E40-17C8-086B-12F6-4368FAD8DA16}"/>
-              </a:ext>
-            </a:extLst>
-          </p:cNvPr>
+          <p:cNvPr id="12" name="Rectangles 11"/>
+          <p:cNvSpPr/>
+          <p:nvPr/>
+        </p:nvSpPr>
+        <p:spPr>
+          <a:xfrm>
+            <a:off x="1463040" y="1732915"/>
+            <a:ext cx="6219190" cy="4371340"/>
+          </a:xfrm>
+          <a:prstGeom prst="rect">
+            <a:avLst/>
+          </a:prstGeom>
+        </p:spPr>
+        <p:style>
+          <a:lnRef idx="2">
+            <a:schemeClr val="accent6"/>
+          </a:lnRef>
+          <a:fillRef idx="1">
+            <a:schemeClr val="lt1"/>
+          </a:fillRef>
+          <a:effectRef idx="0">
+            <a:schemeClr val="accent6"/>
+          </a:effectRef>
+          <a:fontRef idx="minor">
+            <a:schemeClr val="dk1"/>
+          </a:fontRef>
+        </p:style>
+        <p:txBody>
+          <a:bodyPr rtlCol="0" anchor="ctr"/>
+          <a:lstStyle/>
+          <a:p>
+            <a:pPr algn="ctr"/>
+            <a:endParaRPr lang="en-US"/>
+          </a:p>
+        </p:txBody>
+      </p:sp>
+      <p:sp>
+        <p:nvSpPr>
+          <p:cNvPr id="15" name="TextBox 7"/>
           <p:cNvSpPr txBox="1"/>
           <p:nvPr/>
         </p:nvSpPr>
         <p:spPr>
           <a:xfrm>
-            <a:off x="1390650" y="1720643"/>
-            <a:ext cx="2432076" cy="369332"/>
+            <a:off x="3355975" y="1720643"/>
+            <a:ext cx="2981325" cy="368300"/>
           </a:xfrm>
           <a:prstGeom prst="rect">
             <a:avLst/>
@@ -10642,34 +7197,36 @@
           <a:p>
             <a:pPr algn="l"/>
             <a:r>
-              <a:rPr lang="en-US" b="0" i="0">
+              <a:rPr lang="en-US" b="1">
                 <a:solidFill>
                   <a:srgbClr val="212121"/>
                 </a:solidFill>
                 <a:effectLst/>
                 <a:latin typeface="Roboto" panose="02000000000000000000" pitchFamily="2" charset="0"/>
+                <a:sym typeface="+mn-ea"/>
               </a:rPr>
               <a:t>Naïve Bayes classifier</a:t>
             </a:r>
-          </a:p>
-        </p:txBody>
-      </p:sp>
-      <p:sp>
-        <p:nvSpPr>
-          <p:cNvPr id="9" name="TextBox 8">
-            <a:extLst>
-              <a:ext uri="{FF2B5EF4-FFF2-40B4-BE49-F238E27FC236}">
-                <a16:creationId xmlns:a16="http://schemas.microsoft.com/office/drawing/2014/main" id="{EBCA5C7A-4B9E-5C7D-4FAC-95733A590DEC}"/>
-              </a:ext>
-            </a:extLst>
-          </p:cNvPr>
+            <a:endParaRPr lang="en-US" b="1" i="0">
+              <a:solidFill>
+                <a:srgbClr val="212121"/>
+              </a:solidFill>
+              <a:effectLst/>
+              <a:latin typeface="Roboto" panose="02000000000000000000" pitchFamily="2" charset="0"/>
+            </a:endParaRPr>
+          </a:p>
+        </p:txBody>
+      </p:sp>
+      <p:sp>
+        <p:nvSpPr>
+          <p:cNvPr id="16" name="Text Box 15"/>
           <p:cNvSpPr txBox="1"/>
           <p:nvPr/>
         </p:nvSpPr>
         <p:spPr>
           <a:xfrm>
-            <a:off x="6235723" y="1720643"/>
-            <a:ext cx="952505" cy="369332"/>
+            <a:off x="1576705" y="2240280"/>
+            <a:ext cx="5991225" cy="3692525"/>
           </a:xfrm>
           <a:prstGeom prst="rect">
             <a:avLst/>
@@ -10677,84 +7234,188 @@
           <a:noFill/>
         </p:spPr>
         <p:txBody>
-          <a:bodyPr wrap="none" rtlCol="0">
+          <a:bodyPr wrap="square" rtlCol="0">
             <a:spAutoFit/>
           </a:bodyPr>
           <a:lstStyle/>
           <a:p>
             <a:r>
-              <a:rPr lang="en-US" i="1"/>
-              <a:t>Sử dụng</a:t>
-            </a:r>
-          </a:p>
-        </p:txBody>
-      </p:sp>
-      <p:pic>
-        <p:nvPicPr>
-          <p:cNvPr id="6" name="Picture 5">
-            <a:extLst>
-              <a:ext uri="{FF2B5EF4-FFF2-40B4-BE49-F238E27FC236}">
-                <a16:creationId xmlns:a16="http://schemas.microsoft.com/office/drawing/2014/main" id="{6EBD2F74-9E04-72C0-743C-B06D47F55380}"/>
-              </a:ext>
-            </a:extLst>
-          </p:cNvPr>
-          <p:cNvPicPr>
-            <a:picLocks noChangeAspect="1"/>
-          </p:cNvPicPr>
-          <p:nvPr/>
-        </p:nvPicPr>
-        <p:blipFill>
-          <a:blip r:embed="rId3"/>
-          <a:stretch>
-            <a:fillRect/>
-          </a:stretch>
-        </p:blipFill>
-        <p:spPr>
-          <a:xfrm>
-            <a:off x="901843" y="2276184"/>
-            <a:ext cx="4016088" cy="3353091"/>
-          </a:xfrm>
-          <a:prstGeom prst="rect">
-            <a:avLst/>
-          </a:prstGeom>
-        </p:spPr>
-      </p:pic>
-      <p:pic>
-        <p:nvPicPr>
-          <p:cNvPr id="13" name="Picture 12">
-            <a:extLst>
-              <a:ext uri="{FF2B5EF4-FFF2-40B4-BE49-F238E27FC236}">
-                <a16:creationId xmlns:a16="http://schemas.microsoft.com/office/drawing/2014/main" id="{6507926E-ADCC-E5CF-CA5A-0769557EB85A}"/>
-              </a:ext>
-            </a:extLst>
-          </p:cNvPr>
-          <p:cNvPicPr>
-            <a:picLocks noChangeAspect="1"/>
-          </p:cNvPicPr>
-          <p:nvPr/>
-        </p:nvPicPr>
-        <p:blipFill>
-          <a:blip r:embed="rId4"/>
-          <a:stretch>
-            <a:fillRect/>
-          </a:stretch>
-        </p:blipFill>
-        <p:spPr>
-          <a:xfrm>
-            <a:off x="5634880" y="2276184"/>
-            <a:ext cx="2522439" cy="137172"/>
-          </a:xfrm>
-          <a:prstGeom prst="rect">
-            <a:avLst/>
-          </a:prstGeom>
-        </p:spPr>
-      </p:pic>
+              <a:rPr lang="vi-VN" altLang="en-US" b="1">
+                <a:latin typeface="Times New Roman" panose="02020603050405020304" pitchFamily="18" charset="0"/>
+                <a:cs typeface="Times New Roman" panose="02020603050405020304" pitchFamily="18" charset="0"/>
+              </a:rPr>
+              <a:t>lib: </a:t>
+            </a:r>
+            <a:r>
+              <a:rPr lang="vi-VN" altLang="en-US">
+                <a:latin typeface="Times New Roman" panose="02020603050405020304" pitchFamily="18" charset="0"/>
+                <a:cs typeface="Times New Roman" panose="02020603050405020304" pitchFamily="18" charset="0"/>
+              </a:rPr>
+              <a:t>keras.datasets, sklearn.naive_bayes, sklearn.metrics, joblib, numpy.</a:t>
+            </a:r>
+          </a:p>
+          <a:p>
+            <a:r>
+              <a:rPr lang="vi-VN" altLang="en-US" b="1">
+                <a:latin typeface="Times New Roman" panose="02020603050405020304" pitchFamily="18" charset="0"/>
+                <a:cs typeface="Times New Roman" panose="02020603050405020304" pitchFamily="18" charset="0"/>
+                <a:sym typeface="+mn-ea"/>
+              </a:rPr>
+              <a:t>preprocessing: </a:t>
+            </a:r>
+            <a:endParaRPr lang="vi-VN" altLang="en-US" b="1">
+              <a:latin typeface="Times New Roman" panose="02020603050405020304" pitchFamily="18" charset="0"/>
+              <a:cs typeface="Times New Roman" panose="02020603050405020304" pitchFamily="18" charset="0"/>
+            </a:endParaRPr>
+          </a:p>
+          <a:p>
+            <a:r>
+              <a:rPr lang="vi-VN" altLang="en-US" b="1">
+                <a:latin typeface="Times New Roman" panose="02020603050405020304" pitchFamily="18" charset="0"/>
+                <a:cs typeface="Times New Roman" panose="02020603050405020304" pitchFamily="18" charset="0"/>
+                <a:sym typeface="+mn-ea"/>
+              </a:rPr>
+              <a:t>+ </a:t>
+            </a:r>
+            <a:r>
+              <a:rPr lang="vi-VN" altLang="en-US">
+                <a:latin typeface="Times New Roman" panose="02020603050405020304" pitchFamily="18" charset="0"/>
+                <a:cs typeface="Times New Roman" panose="02020603050405020304" pitchFamily="18" charset="0"/>
+                <a:sym typeface="+mn-ea"/>
+              </a:rPr>
+              <a:t>method: reshape(data)</a:t>
+            </a:r>
+            <a:endParaRPr lang="vi-VN" altLang="en-US" b="1">
+              <a:latin typeface="Times New Roman" panose="02020603050405020304" pitchFamily="18" charset="0"/>
+              <a:cs typeface="Times New Roman" panose="02020603050405020304" pitchFamily="18" charset="0"/>
+            </a:endParaRPr>
+          </a:p>
+          <a:p>
+            <a:r>
+              <a:rPr lang="vi-VN" altLang="en-US" b="1">
+                <a:latin typeface="Times New Roman" panose="02020603050405020304" pitchFamily="18" charset="0"/>
+                <a:cs typeface="Times New Roman" panose="02020603050405020304" pitchFamily="18" charset="0"/>
+              </a:rPr>
+              <a:t>input:</a:t>
+            </a:r>
+            <a:r>
+              <a:rPr lang="vi-VN" altLang="en-US">
+                <a:latin typeface="Times New Roman" panose="02020603050405020304" pitchFamily="18" charset="0"/>
+                <a:cs typeface="Times New Roman" panose="02020603050405020304" pitchFamily="18" charset="0"/>
+              </a:rPr>
+              <a:t>  train data, test data,</a:t>
+            </a:r>
+          </a:p>
+          <a:p>
+            <a:r>
+              <a:rPr lang="vi-VN" altLang="en-US" b="1">
+                <a:latin typeface="Times New Roman" panose="02020603050405020304" pitchFamily="18" charset="0"/>
+                <a:cs typeface="Times New Roman" panose="02020603050405020304" pitchFamily="18" charset="0"/>
+              </a:rPr>
+              <a:t>train: </a:t>
+            </a:r>
+          </a:p>
+          <a:p>
+            <a:r>
+              <a:rPr lang="vi-VN" altLang="en-US">
+                <a:latin typeface="Times New Roman" panose="02020603050405020304" pitchFamily="18" charset="0"/>
+                <a:cs typeface="Times New Roman" panose="02020603050405020304" pitchFamily="18" charset="0"/>
+              </a:rPr>
+              <a:t>+ initialize model: GaussianNB ()</a:t>
+            </a:r>
+          </a:p>
+          <a:p>
+            <a:r>
+              <a:rPr lang="vi-VN" altLang="en-US">
+                <a:latin typeface="Times New Roman" panose="02020603050405020304" pitchFamily="18" charset="0"/>
+                <a:cs typeface="Times New Roman" panose="02020603050405020304" pitchFamily="18" charset="0"/>
+              </a:rPr>
+              <a:t>+ fit model: fit (train data)</a:t>
+            </a:r>
+          </a:p>
+          <a:p>
+            <a:r>
+              <a:rPr lang="vi-VN" altLang="en-US">
+                <a:latin typeface="Times New Roman" panose="02020603050405020304" pitchFamily="18" charset="0"/>
+                <a:cs typeface="Times New Roman" panose="02020603050405020304" pitchFamily="18" charset="0"/>
+              </a:rPr>
+              <a:t>+ Predict model: predict(data)</a:t>
+            </a:r>
+          </a:p>
+          <a:p>
+            <a:r>
+              <a:rPr lang="vi-VN" altLang="en-US" b="1">
+                <a:latin typeface="Times New Roman" panose="02020603050405020304" pitchFamily="18" charset="0"/>
+                <a:cs typeface="Times New Roman" panose="02020603050405020304" pitchFamily="18" charset="0"/>
+              </a:rPr>
+              <a:t>test:</a:t>
+            </a:r>
+          </a:p>
+          <a:p>
+            <a:r>
+              <a:rPr lang="vi-VN" altLang="en-US" b="1">
+                <a:latin typeface="Times New Roman" panose="02020603050405020304" pitchFamily="18" charset="0"/>
+                <a:cs typeface="Times New Roman" panose="02020603050405020304" pitchFamily="18" charset="0"/>
+              </a:rPr>
+              <a:t>+ </a:t>
+            </a:r>
+            <a:r>
+              <a:rPr lang="vi-VN" altLang="en-US">
+                <a:latin typeface="Times New Roman" panose="02020603050405020304" pitchFamily="18" charset="0"/>
+                <a:cs typeface="Times New Roman" panose="02020603050405020304" pitchFamily="18" charset="0"/>
+              </a:rPr>
+              <a:t>method</a:t>
+            </a:r>
+            <a:r>
+              <a:rPr lang="vi-VN" altLang="en-US" b="1">
+                <a:latin typeface="Times New Roman" panose="02020603050405020304" pitchFamily="18" charset="0"/>
+                <a:cs typeface="Times New Roman" panose="02020603050405020304" pitchFamily="18" charset="0"/>
+              </a:rPr>
+              <a:t>:</a:t>
+            </a:r>
+            <a:r>
+              <a:rPr lang="vi-VN" altLang="en-US">
+                <a:latin typeface="Times New Roman" panose="02020603050405020304" pitchFamily="18" charset="0"/>
+                <a:cs typeface="Times New Roman" panose="02020603050405020304" pitchFamily="18" charset="0"/>
+              </a:rPr>
+              <a:t> accuracy_score(data)</a:t>
+            </a:r>
+          </a:p>
+          <a:p>
+            <a:r>
+              <a:rPr lang="vi-VN" altLang="en-US" b="1">
+                <a:latin typeface="Times New Roman" panose="02020603050405020304" pitchFamily="18" charset="0"/>
+                <a:cs typeface="Times New Roman" panose="02020603050405020304" pitchFamily="18" charset="0"/>
+              </a:rPr>
+              <a:t>save model</a:t>
+            </a:r>
+            <a:r>
+              <a:rPr lang="vi-VN" altLang="en-US">
+                <a:latin typeface="Times New Roman" panose="02020603050405020304" pitchFamily="18" charset="0"/>
+                <a:cs typeface="Times New Roman" panose="02020603050405020304" pitchFamily="18" charset="0"/>
+              </a:rPr>
+              <a:t>: joblib.dump (model)</a:t>
+            </a:r>
+          </a:p>
+          <a:p>
+            <a:r>
+              <a:rPr lang="vi-VN" altLang="en-US" b="1">
+                <a:latin typeface="Times New Roman" panose="02020603050405020304" pitchFamily="18" charset="0"/>
+                <a:cs typeface="Times New Roman" panose="02020603050405020304" pitchFamily="18" charset="0"/>
+              </a:rPr>
+              <a:t>load model</a:t>
+            </a:r>
+            <a:r>
+              <a:rPr lang="vi-VN" altLang="en-US">
+                <a:latin typeface="Times New Roman" panose="02020603050405020304" pitchFamily="18" charset="0"/>
+                <a:cs typeface="Times New Roman" panose="02020603050405020304" pitchFamily="18" charset="0"/>
+              </a:rPr>
+              <a:t>: joblib.load (model) </a:t>
+            </a:r>
+          </a:p>
+        </p:txBody>
+      </p:sp>
     </p:spTree>
-    <p:extLst>
-      <p:ext uri="{BB962C8B-B14F-4D97-AF65-F5344CB8AC3E}">
-        <p14:creationId xmlns:p14="http://schemas.microsoft.com/office/powerpoint/2010/main" val="1289321138"/>
-      </p:ext>
-    </p:extLst>
   </p:cSld>
   <p:clrMapOvr>
     <a:masterClrMapping/>
@@ -10779,15 +7440,47 @@
           <a:chExt cx="0" cy="0"/>
         </a:xfrm>
       </p:grpSpPr>
+      <p:sp>
+        <p:nvSpPr>
+          <p:cNvPr id="3" name="Rectangles 2"/>
+          <p:cNvSpPr/>
+          <p:nvPr/>
+        </p:nvSpPr>
+        <p:spPr>
+          <a:xfrm>
+            <a:off x="1471295" y="1721485"/>
+            <a:ext cx="6252845" cy="4329430"/>
+          </a:xfrm>
+          <a:prstGeom prst="rect">
+            <a:avLst/>
+          </a:prstGeom>
+        </p:spPr>
+        <p:style>
+          <a:lnRef idx="2">
+            <a:schemeClr val="accent6"/>
+          </a:lnRef>
+          <a:fillRef idx="1">
+            <a:schemeClr val="lt1"/>
+          </a:fillRef>
+          <a:effectRef idx="0">
+            <a:schemeClr val="accent6"/>
+          </a:effectRef>
+          <a:fontRef idx="minor">
+            <a:schemeClr val="dk1"/>
+          </a:fontRef>
+        </p:style>
+        <p:txBody>
+          <a:bodyPr rtlCol="0" anchor="ctr"/>
+          <a:lstStyle/>
+          <a:p>
+            <a:pPr algn="ctr"/>
+            <a:endParaRPr lang="en-US"/>
+          </a:p>
+        </p:txBody>
+      </p:sp>
       <p:pic>
         <p:nvPicPr>
-          <p:cNvPr id="1034" name="Picture 10">
-            <a:extLst>
-              <a:ext uri="{FF2B5EF4-FFF2-40B4-BE49-F238E27FC236}">
-                <a16:creationId xmlns:a16="http://schemas.microsoft.com/office/drawing/2014/main" id="{6F72484C-A752-76F3-F259-0A997B815A00}"/>
-              </a:ext>
-            </a:extLst>
-          </p:cNvPr>
+          <p:cNvPr id="1034" name="Picture 10"/>
           <p:cNvPicPr>
             <a:picLocks noChangeAspect="1" noChangeArrowheads="1"/>
           </p:cNvPicPr>
@@ -10828,16 +7521,8 @@
       </p:pic>
       <p:cxnSp>
         <p:nvCxnSpPr>
-          <p:cNvPr id="11" name="Straight Connector 10">
-            <a:extLst>
-              <a:ext uri="{FF2B5EF4-FFF2-40B4-BE49-F238E27FC236}">
-                <a16:creationId xmlns:a16="http://schemas.microsoft.com/office/drawing/2014/main" id="{E5C4A229-E185-5A4B-53B1-81D591292671}"/>
-              </a:ext>
-            </a:extLst>
-          </p:cNvPr>
-          <p:cNvCxnSpPr>
-            <a:cxnSpLocks/>
-          </p:cNvCxnSpPr>
+          <p:cNvPr id="11" name="Straight Connector 10"/>
+          <p:cNvCxnSpPr/>
           <p:nvPr/>
         </p:nvCxnSpPr>
         <p:spPr>
@@ -10866,13 +7551,7 @@
       </p:cxnSp>
       <p:sp>
         <p:nvSpPr>
-          <p:cNvPr id="14" name="TextBox 13">
-            <a:extLst>
-              <a:ext uri="{FF2B5EF4-FFF2-40B4-BE49-F238E27FC236}">
-                <a16:creationId xmlns:a16="http://schemas.microsoft.com/office/drawing/2014/main" id="{63B4AB36-B54A-EA5C-2A74-F2C80BE0CBC4}"/>
-              </a:ext>
-            </a:extLst>
-          </p:cNvPr>
+          <p:cNvPr id="14" name="TextBox 13"/>
           <p:cNvSpPr txBox="1"/>
           <p:nvPr/>
         </p:nvSpPr>
@@ -10901,16 +7580,8 @@
       </p:sp>
       <p:cxnSp>
         <p:nvCxnSpPr>
-          <p:cNvPr id="2" name="Straight Connector 1">
-            <a:extLst>
-              <a:ext uri="{FF2B5EF4-FFF2-40B4-BE49-F238E27FC236}">
-                <a16:creationId xmlns:a16="http://schemas.microsoft.com/office/drawing/2014/main" id="{AF3ADEA5-03F2-7E56-B6E6-8B6970A896CF}"/>
-              </a:ext>
-            </a:extLst>
-          </p:cNvPr>
-          <p:cNvCxnSpPr>
-            <a:cxnSpLocks/>
-          </p:cNvCxnSpPr>
+          <p:cNvPr id="2" name="Straight Connector 1"/>
+          <p:cNvCxnSpPr/>
           <p:nvPr/>
         </p:nvCxnSpPr>
         <p:spPr>
@@ -10939,13 +7610,7 @@
       </p:cxnSp>
       <p:sp>
         <p:nvSpPr>
-          <p:cNvPr id="4" name="TextBox 3">
-            <a:extLst>
-              <a:ext uri="{FF2B5EF4-FFF2-40B4-BE49-F238E27FC236}">
-                <a16:creationId xmlns:a16="http://schemas.microsoft.com/office/drawing/2014/main" id="{11342279-3B1B-9555-FD5C-CA3839B3D029}"/>
-              </a:ext>
-            </a:extLst>
-          </p:cNvPr>
+          <p:cNvPr id="4" name="TextBox 3"/>
           <p:cNvSpPr txBox="1"/>
           <p:nvPr/>
         </p:nvSpPr>
@@ -10974,13 +7639,7 @@
       </p:sp>
       <p:sp>
         <p:nvSpPr>
-          <p:cNvPr id="5" name="TextBox 4">
-            <a:extLst>
-              <a:ext uri="{FF2B5EF4-FFF2-40B4-BE49-F238E27FC236}">
-                <a16:creationId xmlns:a16="http://schemas.microsoft.com/office/drawing/2014/main" id="{2FD009FE-CA5C-D5A4-E99D-1E506F763D1C}"/>
-              </a:ext>
-            </a:extLst>
-          </p:cNvPr>
+          <p:cNvPr id="5" name="TextBox 4"/>
           <p:cNvSpPr txBox="1"/>
           <p:nvPr/>
         </p:nvSpPr>
@@ -11009,19 +7668,13 @@
       </p:sp>
       <p:sp>
         <p:nvSpPr>
-          <p:cNvPr id="8" name="TextBox 7">
-            <a:extLst>
-              <a:ext uri="{FF2B5EF4-FFF2-40B4-BE49-F238E27FC236}">
-                <a16:creationId xmlns:a16="http://schemas.microsoft.com/office/drawing/2014/main" id="{FE5D4E40-17C8-086B-12F6-4368FAD8DA16}"/>
-              </a:ext>
-            </a:extLst>
-          </p:cNvPr>
+          <p:cNvPr id="8" name="TextBox 7"/>
           <p:cNvSpPr txBox="1"/>
           <p:nvPr/>
         </p:nvSpPr>
         <p:spPr>
           <a:xfrm>
-            <a:off x="1390650" y="1720643"/>
+            <a:off x="3355975" y="1720643"/>
             <a:ext cx="2432076" cy="369332"/>
           </a:xfrm>
           <a:prstGeom prst="rect">
@@ -11037,7 +7690,7 @@
           <a:p>
             <a:pPr algn="l"/>
             <a:r>
-              <a:rPr lang="en-US" b="0" i="0">
+              <a:rPr lang="en-US" b="1" i="0">
                 <a:solidFill>
                   <a:srgbClr val="212121"/>
                 </a:solidFill>
@@ -11051,20 +7704,14 @@
       </p:sp>
       <p:sp>
         <p:nvSpPr>
-          <p:cNvPr id="9" name="TextBox 8">
-            <a:extLst>
-              <a:ext uri="{FF2B5EF4-FFF2-40B4-BE49-F238E27FC236}">
-                <a16:creationId xmlns:a16="http://schemas.microsoft.com/office/drawing/2014/main" id="{EBCA5C7A-4B9E-5C7D-4FAC-95733A590DEC}"/>
-              </a:ext>
-            </a:extLst>
-          </p:cNvPr>
+          <p:cNvPr id="6" name="Text Box 5"/>
           <p:cNvSpPr txBox="1"/>
           <p:nvPr/>
         </p:nvSpPr>
         <p:spPr>
           <a:xfrm>
-            <a:off x="6235723" y="1720643"/>
-            <a:ext cx="952505" cy="369332"/>
+            <a:off x="1576705" y="2240280"/>
+            <a:ext cx="5991225" cy="3692525"/>
           </a:xfrm>
           <a:prstGeom prst="rect">
             <a:avLst/>
@@ -11072,84 +7719,188 @@
           <a:noFill/>
         </p:spPr>
         <p:txBody>
-          <a:bodyPr wrap="none" rtlCol="0">
+          <a:bodyPr wrap="square" rtlCol="0">
             <a:spAutoFit/>
           </a:bodyPr>
           <a:lstStyle/>
           <a:p>
             <a:r>
-              <a:rPr lang="en-US" i="1"/>
-              <a:t>Sử dụng</a:t>
-            </a:r>
-          </a:p>
-        </p:txBody>
-      </p:sp>
-      <p:pic>
-        <p:nvPicPr>
-          <p:cNvPr id="7" name="Picture 6">
-            <a:extLst>
-              <a:ext uri="{FF2B5EF4-FFF2-40B4-BE49-F238E27FC236}">
-                <a16:creationId xmlns:a16="http://schemas.microsoft.com/office/drawing/2014/main" id="{98649AF1-3DC3-2A68-C9F1-ABFD66B90B37}"/>
-              </a:ext>
-            </a:extLst>
-          </p:cNvPr>
-          <p:cNvPicPr>
-            <a:picLocks noChangeAspect="1"/>
-          </p:cNvPicPr>
-          <p:nvPr/>
-        </p:nvPicPr>
-        <p:blipFill>
-          <a:blip r:embed="rId3"/>
-          <a:stretch>
-            <a:fillRect/>
-          </a:stretch>
-        </p:blipFill>
-        <p:spPr>
-          <a:xfrm>
-            <a:off x="5406261" y="2346362"/>
-            <a:ext cx="2979678" cy="137172"/>
-          </a:xfrm>
-          <a:prstGeom prst="rect">
-            <a:avLst/>
-          </a:prstGeom>
-        </p:spPr>
-      </p:pic>
-      <p:pic>
-        <p:nvPicPr>
-          <p:cNvPr id="12" name="Picture 11">
-            <a:extLst>
-              <a:ext uri="{FF2B5EF4-FFF2-40B4-BE49-F238E27FC236}">
-                <a16:creationId xmlns:a16="http://schemas.microsoft.com/office/drawing/2014/main" id="{85AECC65-5636-8C42-7DC3-13F9BC87D327}"/>
-              </a:ext>
-            </a:extLst>
-          </p:cNvPr>
-          <p:cNvPicPr>
-            <a:picLocks noChangeAspect="1"/>
-          </p:cNvPicPr>
-          <p:nvPr/>
-        </p:nvPicPr>
-        <p:blipFill>
-          <a:blip r:embed="rId4"/>
-          <a:stretch>
-            <a:fillRect/>
-          </a:stretch>
-        </p:blipFill>
-        <p:spPr>
-          <a:xfrm>
-            <a:off x="443524" y="2212561"/>
-            <a:ext cx="3947502" cy="4259949"/>
-          </a:xfrm>
-          <a:prstGeom prst="rect">
-            <a:avLst/>
-          </a:prstGeom>
-        </p:spPr>
-      </p:pic>
+              <a:rPr lang="vi-VN" altLang="en-US" b="1">
+                <a:latin typeface="Times New Roman" panose="02020603050405020304" pitchFamily="18" charset="0"/>
+                <a:cs typeface="Times New Roman" panose="02020603050405020304" pitchFamily="18" charset="0"/>
+              </a:rPr>
+              <a:t>lib: </a:t>
+            </a:r>
+            <a:r>
+              <a:rPr lang="vi-VN" altLang="en-US">
+                <a:latin typeface="Times New Roman" panose="02020603050405020304" pitchFamily="18" charset="0"/>
+                <a:cs typeface="Times New Roman" panose="02020603050405020304" pitchFamily="18" charset="0"/>
+              </a:rPr>
+              <a:t>keras.datasets, sklearn.neighbors, sklearn.metrics, joblib, numpy.</a:t>
+            </a:r>
+          </a:p>
+          <a:p>
+            <a:r>
+              <a:rPr lang="vi-VN" altLang="en-US" b="1">
+                <a:latin typeface="Times New Roman" panose="02020603050405020304" pitchFamily="18" charset="0"/>
+                <a:cs typeface="Times New Roman" panose="02020603050405020304" pitchFamily="18" charset="0"/>
+                <a:sym typeface="+mn-ea"/>
+              </a:rPr>
+              <a:t>preprocessing: </a:t>
+            </a:r>
+            <a:endParaRPr lang="vi-VN" altLang="en-US" b="1">
+              <a:latin typeface="Times New Roman" panose="02020603050405020304" pitchFamily="18" charset="0"/>
+              <a:cs typeface="Times New Roman" panose="02020603050405020304" pitchFamily="18" charset="0"/>
+            </a:endParaRPr>
+          </a:p>
+          <a:p>
+            <a:r>
+              <a:rPr lang="vi-VN" altLang="en-US" b="1">
+                <a:latin typeface="Times New Roman" panose="02020603050405020304" pitchFamily="18" charset="0"/>
+                <a:cs typeface="Times New Roman" panose="02020603050405020304" pitchFamily="18" charset="0"/>
+                <a:sym typeface="+mn-ea"/>
+              </a:rPr>
+              <a:t>+ </a:t>
+            </a:r>
+            <a:r>
+              <a:rPr lang="vi-VN" altLang="en-US">
+                <a:latin typeface="Times New Roman" panose="02020603050405020304" pitchFamily="18" charset="0"/>
+                <a:cs typeface="Times New Roman" panose="02020603050405020304" pitchFamily="18" charset="0"/>
+                <a:sym typeface="+mn-ea"/>
+              </a:rPr>
+              <a:t>method: reshape(data)</a:t>
+            </a:r>
+            <a:endParaRPr lang="vi-VN" altLang="en-US" b="1">
+              <a:latin typeface="Times New Roman" panose="02020603050405020304" pitchFamily="18" charset="0"/>
+              <a:cs typeface="Times New Roman" panose="02020603050405020304" pitchFamily="18" charset="0"/>
+            </a:endParaRPr>
+          </a:p>
+          <a:p>
+            <a:r>
+              <a:rPr lang="vi-VN" altLang="en-US" b="1">
+                <a:latin typeface="Times New Roman" panose="02020603050405020304" pitchFamily="18" charset="0"/>
+                <a:cs typeface="Times New Roman" panose="02020603050405020304" pitchFamily="18" charset="0"/>
+              </a:rPr>
+              <a:t>input:</a:t>
+            </a:r>
+            <a:r>
+              <a:rPr lang="vi-VN" altLang="en-US">
+                <a:latin typeface="Times New Roman" panose="02020603050405020304" pitchFamily="18" charset="0"/>
+                <a:cs typeface="Times New Roman" panose="02020603050405020304" pitchFamily="18" charset="0"/>
+              </a:rPr>
+              <a:t>  train data, test data, k</a:t>
+            </a:r>
+          </a:p>
+          <a:p>
+            <a:r>
+              <a:rPr lang="vi-VN" altLang="en-US" b="1">
+                <a:latin typeface="Times New Roman" panose="02020603050405020304" pitchFamily="18" charset="0"/>
+                <a:cs typeface="Times New Roman" panose="02020603050405020304" pitchFamily="18" charset="0"/>
+              </a:rPr>
+              <a:t>train: </a:t>
+            </a:r>
+          </a:p>
+          <a:p>
+            <a:r>
+              <a:rPr lang="vi-VN" altLang="en-US">
+                <a:latin typeface="Times New Roman" panose="02020603050405020304" pitchFamily="18" charset="0"/>
+                <a:cs typeface="Times New Roman" panose="02020603050405020304" pitchFamily="18" charset="0"/>
+              </a:rPr>
+              <a:t>+ initialize model: KNeighborsClassifier (k)</a:t>
+            </a:r>
+          </a:p>
+          <a:p>
+            <a:r>
+              <a:rPr lang="vi-VN" altLang="en-US">
+                <a:latin typeface="Times New Roman" panose="02020603050405020304" pitchFamily="18" charset="0"/>
+                <a:cs typeface="Times New Roman" panose="02020603050405020304" pitchFamily="18" charset="0"/>
+              </a:rPr>
+              <a:t>+ fit model: fit (train data)</a:t>
+            </a:r>
+          </a:p>
+          <a:p>
+            <a:r>
+              <a:rPr lang="vi-VN" altLang="en-US">
+                <a:latin typeface="Times New Roman" panose="02020603050405020304" pitchFamily="18" charset="0"/>
+                <a:cs typeface="Times New Roman" panose="02020603050405020304" pitchFamily="18" charset="0"/>
+              </a:rPr>
+              <a:t>+ Predict model: predict(data)</a:t>
+            </a:r>
+          </a:p>
+          <a:p>
+            <a:r>
+              <a:rPr lang="vi-VN" altLang="en-US" b="1">
+                <a:latin typeface="Times New Roman" panose="02020603050405020304" pitchFamily="18" charset="0"/>
+                <a:cs typeface="Times New Roman" panose="02020603050405020304" pitchFamily="18" charset="0"/>
+              </a:rPr>
+              <a:t>test:</a:t>
+            </a:r>
+          </a:p>
+          <a:p>
+            <a:r>
+              <a:rPr lang="vi-VN" altLang="en-US" b="1">
+                <a:latin typeface="Times New Roman" panose="02020603050405020304" pitchFamily="18" charset="0"/>
+                <a:cs typeface="Times New Roman" panose="02020603050405020304" pitchFamily="18" charset="0"/>
+              </a:rPr>
+              <a:t>+ </a:t>
+            </a:r>
+            <a:r>
+              <a:rPr lang="vi-VN" altLang="en-US">
+                <a:latin typeface="Times New Roman" panose="02020603050405020304" pitchFamily="18" charset="0"/>
+                <a:cs typeface="Times New Roman" panose="02020603050405020304" pitchFamily="18" charset="0"/>
+              </a:rPr>
+              <a:t>method</a:t>
+            </a:r>
+            <a:r>
+              <a:rPr lang="vi-VN" altLang="en-US" b="1">
+                <a:latin typeface="Times New Roman" panose="02020603050405020304" pitchFamily="18" charset="0"/>
+                <a:cs typeface="Times New Roman" panose="02020603050405020304" pitchFamily="18" charset="0"/>
+              </a:rPr>
+              <a:t>:</a:t>
+            </a:r>
+            <a:r>
+              <a:rPr lang="vi-VN" altLang="en-US">
+                <a:latin typeface="Times New Roman" panose="02020603050405020304" pitchFamily="18" charset="0"/>
+                <a:cs typeface="Times New Roman" panose="02020603050405020304" pitchFamily="18" charset="0"/>
+              </a:rPr>
+              <a:t> accuracy_score(data)</a:t>
+            </a:r>
+          </a:p>
+          <a:p>
+            <a:r>
+              <a:rPr lang="vi-VN" altLang="en-US" b="1">
+                <a:latin typeface="Times New Roman" panose="02020603050405020304" pitchFamily="18" charset="0"/>
+                <a:cs typeface="Times New Roman" panose="02020603050405020304" pitchFamily="18" charset="0"/>
+              </a:rPr>
+              <a:t>save model</a:t>
+            </a:r>
+            <a:r>
+              <a:rPr lang="vi-VN" altLang="en-US">
+                <a:latin typeface="Times New Roman" panose="02020603050405020304" pitchFamily="18" charset="0"/>
+                <a:cs typeface="Times New Roman" panose="02020603050405020304" pitchFamily="18" charset="0"/>
+              </a:rPr>
+              <a:t>: joblib.dump (model)</a:t>
+            </a:r>
+          </a:p>
+          <a:p>
+            <a:r>
+              <a:rPr lang="vi-VN" altLang="en-US" b="1">
+                <a:latin typeface="Times New Roman" panose="02020603050405020304" pitchFamily="18" charset="0"/>
+                <a:cs typeface="Times New Roman" panose="02020603050405020304" pitchFamily="18" charset="0"/>
+              </a:rPr>
+              <a:t>load model</a:t>
+            </a:r>
+            <a:r>
+              <a:rPr lang="vi-VN" altLang="en-US">
+                <a:latin typeface="Times New Roman" panose="02020603050405020304" pitchFamily="18" charset="0"/>
+                <a:cs typeface="Times New Roman" panose="02020603050405020304" pitchFamily="18" charset="0"/>
+              </a:rPr>
+              <a:t>: joblib.load (model) </a:t>
+            </a:r>
+          </a:p>
+        </p:txBody>
+      </p:sp>
     </p:spTree>
-    <p:extLst>
-      <p:ext uri="{BB962C8B-B14F-4D97-AF65-F5344CB8AC3E}">
-        <p14:creationId xmlns:p14="http://schemas.microsoft.com/office/powerpoint/2010/main" val="3392618411"/>
-      </p:ext>
-    </p:extLst>
   </p:cSld>
   <p:clrMapOvr>
     <a:masterClrMapping/>
@@ -11176,13 +7927,7 @@
       </p:grpSpPr>
       <p:pic>
         <p:nvPicPr>
-          <p:cNvPr id="1034" name="Picture 10">
-            <a:extLst>
-              <a:ext uri="{FF2B5EF4-FFF2-40B4-BE49-F238E27FC236}">
-                <a16:creationId xmlns:a16="http://schemas.microsoft.com/office/drawing/2014/main" id="{6F72484C-A752-76F3-F259-0A997B815A00}"/>
-              </a:ext>
-            </a:extLst>
-          </p:cNvPr>
+          <p:cNvPr id="1034" name="Picture 10"/>
           <p:cNvPicPr>
             <a:picLocks noChangeAspect="1" noChangeArrowheads="1"/>
           </p:cNvPicPr>
@@ -11223,16 +7968,8 @@
       </p:pic>
       <p:cxnSp>
         <p:nvCxnSpPr>
-          <p:cNvPr id="11" name="Straight Connector 10">
-            <a:extLst>
-              <a:ext uri="{FF2B5EF4-FFF2-40B4-BE49-F238E27FC236}">
-                <a16:creationId xmlns:a16="http://schemas.microsoft.com/office/drawing/2014/main" id="{E5C4A229-E185-5A4B-53B1-81D591292671}"/>
-              </a:ext>
-            </a:extLst>
-          </p:cNvPr>
-          <p:cNvCxnSpPr>
-            <a:cxnSpLocks/>
-          </p:cNvCxnSpPr>
+          <p:cNvPr id="11" name="Straight Connector 10"/>
+          <p:cNvCxnSpPr/>
           <p:nvPr/>
         </p:nvCxnSpPr>
         <p:spPr>
@@ -11261,13 +7998,7 @@
       </p:cxnSp>
       <p:sp>
         <p:nvSpPr>
-          <p:cNvPr id="14" name="TextBox 13">
-            <a:extLst>
-              <a:ext uri="{FF2B5EF4-FFF2-40B4-BE49-F238E27FC236}">
-                <a16:creationId xmlns:a16="http://schemas.microsoft.com/office/drawing/2014/main" id="{63B4AB36-B54A-EA5C-2A74-F2C80BE0CBC4}"/>
-              </a:ext>
-            </a:extLst>
-          </p:cNvPr>
+          <p:cNvPr id="14" name="TextBox 13"/>
           <p:cNvSpPr txBox="1"/>
           <p:nvPr/>
         </p:nvSpPr>
@@ -11296,23 +8027,11 @@
       </p:sp>
       <p:graphicFrame>
         <p:nvGraphicFramePr>
-          <p:cNvPr id="16" name="Table 16">
-            <a:extLst>
-              <a:ext uri="{FF2B5EF4-FFF2-40B4-BE49-F238E27FC236}">
-                <a16:creationId xmlns:a16="http://schemas.microsoft.com/office/drawing/2014/main" id="{A794B221-780B-3E0D-DCDE-B4B669AD1AE3}"/>
-              </a:ext>
-            </a:extLst>
-          </p:cNvPr>
+          <p:cNvPr id="16" name="Table 16"/>
           <p:cNvGraphicFramePr>
             <a:graphicFrameLocks noGrp="1"/>
           </p:cNvGraphicFramePr>
-          <p:nvPr>
-            <p:extLst>
-              <p:ext uri="{D42A27DB-BD31-4B8C-83A1-F6EECF244321}">
-                <p14:modId xmlns:p14="http://schemas.microsoft.com/office/powerpoint/2010/main" val="2323237832"/>
-              </p:ext>
-            </p:extLst>
-          </p:nvPr>
+          <p:nvPr/>
         </p:nvGraphicFramePr>
         <p:xfrm>
           <a:off x="626268" y="1383568"/>
@@ -11328,28 +8047,28 @@
                 <a:gridCol w="478789">
                   <a:extLst>
                     <a:ext uri="{9D8B030D-6E8A-4147-A177-3AD203B41FA5}">
-                      <a16:colId xmlns:a16="http://schemas.microsoft.com/office/drawing/2014/main" val="2650038939"/>
+                      <a16:colId xmlns:a16="http://schemas.microsoft.com/office/drawing/2014/main" val="20000"/>
                     </a:ext>
                   </a:extLst>
                 </a:gridCol>
                 <a:gridCol w="2612833">
                   <a:extLst>
                     <a:ext uri="{9D8B030D-6E8A-4147-A177-3AD203B41FA5}">
-                      <a16:colId xmlns:a16="http://schemas.microsoft.com/office/drawing/2014/main" val="3939429785"/>
+                      <a16:colId xmlns:a16="http://schemas.microsoft.com/office/drawing/2014/main" val="20001"/>
                     </a:ext>
                   </a:extLst>
                 </a:gridCol>
                 <a:gridCol w="3185328">
                   <a:extLst>
                     <a:ext uri="{9D8B030D-6E8A-4147-A177-3AD203B41FA5}">
-                      <a16:colId xmlns:a16="http://schemas.microsoft.com/office/drawing/2014/main" val="1738762872"/>
+                      <a16:colId xmlns:a16="http://schemas.microsoft.com/office/drawing/2014/main" val="20002"/>
                     </a:ext>
                   </a:extLst>
                 </a:gridCol>
                 <a:gridCol w="1614514">
                   <a:extLst>
                     <a:ext uri="{9D8B030D-6E8A-4147-A177-3AD203B41FA5}">
-                      <a16:colId xmlns:a16="http://schemas.microsoft.com/office/drawing/2014/main" val="3821170340"/>
+                      <a16:colId xmlns:a16="http://schemas.microsoft.com/office/drawing/2014/main" val="20003"/>
                     </a:ext>
                   </a:extLst>
                 </a:gridCol>
@@ -11428,7 +8147,7 @@
                 </a:tc>
                 <a:extLst>
                   <a:ext uri="{0D108BD9-81ED-4DB2-BD59-A6C34878D82A}">
-                    <a16:rowId xmlns:a16="http://schemas.microsoft.com/office/drawing/2014/main" val="2071844936"/>
+                    <a16:rowId xmlns:a16="http://schemas.microsoft.com/office/drawing/2014/main" val="10000"/>
                   </a:ext>
                 </a:extLst>
               </a:tr>
@@ -11502,7 +8221,7 @@
                 </a:tc>
                 <a:extLst>
                   <a:ext uri="{0D108BD9-81ED-4DB2-BD59-A6C34878D82A}">
-                    <a16:rowId xmlns:a16="http://schemas.microsoft.com/office/drawing/2014/main" val="583184748"/>
+                    <a16:rowId xmlns:a16="http://schemas.microsoft.com/office/drawing/2014/main" val="10001"/>
                   </a:ext>
                 </a:extLst>
               </a:tr>
@@ -11576,7 +8295,6 @@
                         <a:buSzTx/>
                         <a:buFontTx/>
                         <a:buNone/>
-                        <a:tabLst/>
                         <a:defRPr/>
                       </a:pPr>
                       <a:r>
@@ -11592,7 +8310,7 @@
                 </a:tc>
                 <a:extLst>
                   <a:ext uri="{0D108BD9-81ED-4DB2-BD59-A6C34878D82A}">
-                    <a16:rowId xmlns:a16="http://schemas.microsoft.com/office/drawing/2014/main" val="3755525977"/>
+                    <a16:rowId xmlns:a16="http://schemas.microsoft.com/office/drawing/2014/main" val="10002"/>
                   </a:ext>
                 </a:extLst>
               </a:tr>
@@ -11666,7 +8384,6 @@
                         <a:buSzTx/>
                         <a:buFontTx/>
                         <a:buNone/>
-                        <a:tabLst/>
                         <a:defRPr/>
                       </a:pPr>
                       <a:r>
@@ -11682,7 +8399,7 @@
                 </a:tc>
                 <a:extLst>
                   <a:ext uri="{0D108BD9-81ED-4DB2-BD59-A6C34878D82A}">
-                    <a16:rowId xmlns:a16="http://schemas.microsoft.com/office/drawing/2014/main" val="3872112437"/>
+                    <a16:rowId xmlns:a16="http://schemas.microsoft.com/office/drawing/2014/main" val="10003"/>
                   </a:ext>
                 </a:extLst>
               </a:tr>
@@ -11756,7 +8473,7 @@
                 </a:tc>
                 <a:extLst>
                   <a:ext uri="{0D108BD9-81ED-4DB2-BD59-A6C34878D82A}">
-                    <a16:rowId xmlns:a16="http://schemas.microsoft.com/office/drawing/2014/main" val="3213766400"/>
+                    <a16:rowId xmlns:a16="http://schemas.microsoft.com/office/drawing/2014/main" val="10004"/>
                   </a:ext>
                 </a:extLst>
               </a:tr>
@@ -11830,7 +8547,7 @@
                 </a:tc>
                 <a:extLst>
                   <a:ext uri="{0D108BD9-81ED-4DB2-BD59-A6C34878D82A}">
-                    <a16:rowId xmlns:a16="http://schemas.microsoft.com/office/drawing/2014/main" val="2334336791"/>
+                    <a16:rowId xmlns:a16="http://schemas.microsoft.com/office/drawing/2014/main" val="10005"/>
                   </a:ext>
                 </a:extLst>
               </a:tr>
@@ -11904,7 +8621,7 @@
                 </a:tc>
                 <a:extLst>
                   <a:ext uri="{0D108BD9-81ED-4DB2-BD59-A6C34878D82A}">
-                    <a16:rowId xmlns:a16="http://schemas.microsoft.com/office/drawing/2014/main" val="4008920017"/>
+                    <a16:rowId xmlns:a16="http://schemas.microsoft.com/office/drawing/2014/main" val="10006"/>
                   </a:ext>
                 </a:extLst>
               </a:tr>
@@ -11914,16 +8631,8 @@
       </p:graphicFrame>
       <p:cxnSp>
         <p:nvCxnSpPr>
-          <p:cNvPr id="2" name="Straight Connector 1">
-            <a:extLst>
-              <a:ext uri="{FF2B5EF4-FFF2-40B4-BE49-F238E27FC236}">
-                <a16:creationId xmlns:a16="http://schemas.microsoft.com/office/drawing/2014/main" id="{D5E91735-6F4E-1EBB-5B25-60BB71493CFD}"/>
-              </a:ext>
-            </a:extLst>
-          </p:cNvPr>
-          <p:cNvCxnSpPr>
-            <a:cxnSpLocks/>
-          </p:cNvCxnSpPr>
+          <p:cNvPr id="2" name="Straight Connector 1"/>
+          <p:cNvCxnSpPr/>
           <p:nvPr/>
         </p:nvCxnSpPr>
         <p:spPr>
@@ -11952,13 +8661,7 @@
       </p:cxnSp>
       <p:sp>
         <p:nvSpPr>
-          <p:cNvPr id="3" name="TextBox 2">
-            <a:extLst>
-              <a:ext uri="{FF2B5EF4-FFF2-40B4-BE49-F238E27FC236}">
-                <a16:creationId xmlns:a16="http://schemas.microsoft.com/office/drawing/2014/main" id="{96D15035-7BD4-17B1-61CC-73A16FAB9E8C}"/>
-              </a:ext>
-            </a:extLst>
-          </p:cNvPr>
+          <p:cNvPr id="3" name="TextBox 2"/>
           <p:cNvSpPr txBox="1"/>
           <p:nvPr/>
         </p:nvSpPr>
@@ -11986,11 +8689,6 @@
         </p:txBody>
       </p:sp>
     </p:spTree>
-    <p:extLst>
-      <p:ext uri="{BB962C8B-B14F-4D97-AF65-F5344CB8AC3E}">
-        <p14:creationId xmlns:p14="http://schemas.microsoft.com/office/powerpoint/2010/main" val="779292092"/>
-      </p:ext>
-    </p:extLst>
   </p:cSld>
   <p:clrMapOvr>
     <a:masterClrMapping/>
@@ -12017,13 +8715,7 @@
       </p:grpSpPr>
       <p:pic>
         <p:nvPicPr>
-          <p:cNvPr id="1034" name="Picture 10">
-            <a:extLst>
-              <a:ext uri="{FF2B5EF4-FFF2-40B4-BE49-F238E27FC236}">
-                <a16:creationId xmlns:a16="http://schemas.microsoft.com/office/drawing/2014/main" id="{6F72484C-A752-76F3-F259-0A997B815A00}"/>
-              </a:ext>
-            </a:extLst>
-          </p:cNvPr>
+          <p:cNvPr id="1034" name="Picture 10"/>
           <p:cNvPicPr>
             <a:picLocks noChangeAspect="1" noChangeArrowheads="1"/>
           </p:cNvPicPr>
@@ -12064,16 +8756,8 @@
       </p:pic>
       <p:cxnSp>
         <p:nvCxnSpPr>
-          <p:cNvPr id="11" name="Straight Connector 10">
-            <a:extLst>
-              <a:ext uri="{FF2B5EF4-FFF2-40B4-BE49-F238E27FC236}">
-                <a16:creationId xmlns:a16="http://schemas.microsoft.com/office/drawing/2014/main" id="{E5C4A229-E185-5A4B-53B1-81D591292671}"/>
-              </a:ext>
-            </a:extLst>
-          </p:cNvPr>
-          <p:cNvCxnSpPr>
-            <a:cxnSpLocks/>
-          </p:cNvCxnSpPr>
+          <p:cNvPr id="11" name="Straight Connector 10"/>
+          <p:cNvCxnSpPr/>
           <p:nvPr/>
         </p:nvCxnSpPr>
         <p:spPr>
@@ -12102,13 +8786,7 @@
       </p:cxnSp>
       <p:sp>
         <p:nvSpPr>
-          <p:cNvPr id="14" name="TextBox 13">
-            <a:extLst>
-              <a:ext uri="{FF2B5EF4-FFF2-40B4-BE49-F238E27FC236}">
-                <a16:creationId xmlns:a16="http://schemas.microsoft.com/office/drawing/2014/main" id="{63B4AB36-B54A-EA5C-2A74-F2C80BE0CBC4}"/>
-              </a:ext>
-            </a:extLst>
-          </p:cNvPr>
+          <p:cNvPr id="14" name="TextBox 13"/>
           <p:cNvSpPr txBox="1"/>
           <p:nvPr/>
         </p:nvSpPr>
@@ -12137,16 +8815,8 @@
       </p:sp>
       <p:cxnSp>
         <p:nvCxnSpPr>
-          <p:cNvPr id="2" name="Straight Connector 1">
-            <a:extLst>
-              <a:ext uri="{FF2B5EF4-FFF2-40B4-BE49-F238E27FC236}">
-                <a16:creationId xmlns:a16="http://schemas.microsoft.com/office/drawing/2014/main" id="{AF3ADEA5-03F2-7E56-B6E6-8B6970A896CF}"/>
-              </a:ext>
-            </a:extLst>
-          </p:cNvPr>
-          <p:cNvCxnSpPr>
-            <a:cxnSpLocks/>
-          </p:cNvCxnSpPr>
+          <p:cNvPr id="2" name="Straight Connector 1"/>
+          <p:cNvCxnSpPr/>
           <p:nvPr/>
         </p:nvCxnSpPr>
         <p:spPr>
@@ -12175,13 +8845,7 @@
       </p:cxnSp>
       <p:sp>
         <p:nvSpPr>
-          <p:cNvPr id="4" name="TextBox 3">
-            <a:extLst>
-              <a:ext uri="{FF2B5EF4-FFF2-40B4-BE49-F238E27FC236}">
-                <a16:creationId xmlns:a16="http://schemas.microsoft.com/office/drawing/2014/main" id="{11342279-3B1B-9555-FD5C-CA3839B3D029}"/>
-              </a:ext>
-            </a:extLst>
-          </p:cNvPr>
+          <p:cNvPr id="4" name="TextBox 3"/>
           <p:cNvSpPr txBox="1"/>
           <p:nvPr/>
         </p:nvSpPr>
@@ -12210,13 +8874,7 @@
       </p:sp>
       <p:sp>
         <p:nvSpPr>
-          <p:cNvPr id="5" name="TextBox 4">
-            <a:extLst>
-              <a:ext uri="{FF2B5EF4-FFF2-40B4-BE49-F238E27FC236}">
-                <a16:creationId xmlns:a16="http://schemas.microsoft.com/office/drawing/2014/main" id="{2FD009FE-CA5C-D5A4-E99D-1E506F763D1C}"/>
-              </a:ext>
-            </a:extLst>
-          </p:cNvPr>
+          <p:cNvPr id="5" name="TextBox 4"/>
           <p:cNvSpPr txBox="1"/>
           <p:nvPr/>
         </p:nvSpPr>
@@ -12245,13 +8903,7 @@
       </p:sp>
       <p:pic>
         <p:nvPicPr>
-          <p:cNvPr id="6" name="Picture 5">
-            <a:extLst>
-              <a:ext uri="{FF2B5EF4-FFF2-40B4-BE49-F238E27FC236}">
-                <a16:creationId xmlns:a16="http://schemas.microsoft.com/office/drawing/2014/main" id="{96650C24-EE10-9576-F115-2659A4D9C2B3}"/>
-              </a:ext>
-            </a:extLst>
-          </p:cNvPr>
+          <p:cNvPr id="6" name="Picture 5"/>
           <p:cNvPicPr>
             <a:picLocks noChangeAspect="1"/>
           </p:cNvPicPr>
@@ -12275,20 +8927,14 @@
       </p:pic>
       <p:sp>
         <p:nvSpPr>
-          <p:cNvPr id="10" name="TextBox 9">
-            <a:extLst>
-              <a:ext uri="{FF2B5EF4-FFF2-40B4-BE49-F238E27FC236}">
-                <a16:creationId xmlns:a16="http://schemas.microsoft.com/office/drawing/2014/main" id="{238E0658-D853-A165-C5A3-FD7A55961FE1}"/>
-              </a:ext>
-            </a:extLst>
-          </p:cNvPr>
+          <p:cNvPr id="10" name="TextBox 9"/>
           <p:cNvSpPr txBox="1"/>
           <p:nvPr/>
         </p:nvSpPr>
         <p:spPr>
           <a:xfrm>
             <a:off x="981965" y="5054262"/>
-            <a:ext cx="7542020" cy="369332"/>
+            <a:ext cx="7542020" cy="645160"/>
           </a:xfrm>
           <a:prstGeom prst="rect">
             <a:avLst/>
@@ -12303,17 +8949,24 @@
           <a:p>
             <a:r>
               <a:rPr lang="en-US" i="1"/>
-              <a:t>Thu thập các training và test accuracy ta làm được biểu đồ độ chính xác này</a:t>
+              <a:t>Thu thập các training và test accuracy ta </a:t>
+            </a:r>
+            <a:r>
+              <a:rPr lang="vi-VN" altLang="en-US" i="1"/>
+              <a:t>vẽ </a:t>
+            </a:r>
+            <a:r>
+              <a:rPr lang="en-US" i="1"/>
+              <a:t>được biểu đồ độ chính xác này </a:t>
+            </a:r>
+            <a:r>
+              <a:rPr lang="vi-VN" altLang="en-US" i="1"/>
+              <a:t>bằng thư viện matplotlib.pyplot</a:t>
             </a:r>
           </a:p>
         </p:txBody>
       </p:sp>
     </p:spTree>
-    <p:extLst>
-      <p:ext uri="{BB962C8B-B14F-4D97-AF65-F5344CB8AC3E}">
-        <p14:creationId xmlns:p14="http://schemas.microsoft.com/office/powerpoint/2010/main" val="3402490532"/>
-      </p:ext>
-    </p:extLst>
   </p:cSld>
   <p:clrMapOvr>
     <a:masterClrMapping/>
@@ -12340,13 +8993,7 @@
       </p:grpSpPr>
       <p:pic>
         <p:nvPicPr>
-          <p:cNvPr id="1034" name="Picture 10">
-            <a:extLst>
-              <a:ext uri="{FF2B5EF4-FFF2-40B4-BE49-F238E27FC236}">
-                <a16:creationId xmlns:a16="http://schemas.microsoft.com/office/drawing/2014/main" id="{6F72484C-A752-76F3-F259-0A997B815A00}"/>
-              </a:ext>
-            </a:extLst>
-          </p:cNvPr>
+          <p:cNvPr id="1034" name="Picture 10"/>
           <p:cNvPicPr>
             <a:picLocks noChangeAspect="1" noChangeArrowheads="1"/>
           </p:cNvPicPr>
@@ -12387,16 +9034,8 @@
       </p:pic>
       <p:cxnSp>
         <p:nvCxnSpPr>
-          <p:cNvPr id="11" name="Straight Connector 10">
-            <a:extLst>
-              <a:ext uri="{FF2B5EF4-FFF2-40B4-BE49-F238E27FC236}">
-                <a16:creationId xmlns:a16="http://schemas.microsoft.com/office/drawing/2014/main" id="{E5C4A229-E185-5A4B-53B1-81D591292671}"/>
-              </a:ext>
-            </a:extLst>
-          </p:cNvPr>
-          <p:cNvCxnSpPr>
-            <a:cxnSpLocks/>
-          </p:cNvCxnSpPr>
+          <p:cNvPr id="11" name="Straight Connector 10"/>
+          <p:cNvCxnSpPr/>
           <p:nvPr/>
         </p:nvCxnSpPr>
         <p:spPr>
@@ -12425,13 +9064,7 @@
       </p:cxnSp>
       <p:sp>
         <p:nvSpPr>
-          <p:cNvPr id="14" name="TextBox 13">
-            <a:extLst>
-              <a:ext uri="{FF2B5EF4-FFF2-40B4-BE49-F238E27FC236}">
-                <a16:creationId xmlns:a16="http://schemas.microsoft.com/office/drawing/2014/main" id="{63B4AB36-B54A-EA5C-2A74-F2C80BE0CBC4}"/>
-              </a:ext>
-            </a:extLst>
-          </p:cNvPr>
+          <p:cNvPr id="14" name="TextBox 13"/>
           <p:cNvSpPr txBox="1"/>
           <p:nvPr/>
         </p:nvSpPr>
@@ -12460,13 +9093,7 @@
       </p:sp>
       <p:sp>
         <p:nvSpPr>
-          <p:cNvPr id="4" name="TextBox 3">
-            <a:extLst>
-              <a:ext uri="{FF2B5EF4-FFF2-40B4-BE49-F238E27FC236}">
-                <a16:creationId xmlns:a16="http://schemas.microsoft.com/office/drawing/2014/main" id="{459EF129-6740-B341-7BC7-05D580180742}"/>
-              </a:ext>
-            </a:extLst>
-          </p:cNvPr>
+          <p:cNvPr id="4" name="TextBox 3"/>
           <p:cNvSpPr txBox="1"/>
           <p:nvPr/>
         </p:nvSpPr>
@@ -12495,16 +9122,8 @@
       </p:sp>
       <p:cxnSp>
         <p:nvCxnSpPr>
-          <p:cNvPr id="2" name="Straight Connector 1">
-            <a:extLst>
-              <a:ext uri="{FF2B5EF4-FFF2-40B4-BE49-F238E27FC236}">
-                <a16:creationId xmlns:a16="http://schemas.microsoft.com/office/drawing/2014/main" id="{E84DC22F-1018-3740-66B4-518AAE2387D5}"/>
-              </a:ext>
-            </a:extLst>
-          </p:cNvPr>
-          <p:cNvCxnSpPr>
-            <a:cxnSpLocks/>
-          </p:cNvCxnSpPr>
+          <p:cNvPr id="2" name="Straight Connector 1"/>
+          <p:cNvCxnSpPr/>
           <p:nvPr/>
         </p:nvCxnSpPr>
         <p:spPr>
@@ -12533,13 +9152,7 @@
       </p:cxnSp>
       <p:sp>
         <p:nvSpPr>
-          <p:cNvPr id="6" name="TextBox 5">
-            <a:extLst>
-              <a:ext uri="{FF2B5EF4-FFF2-40B4-BE49-F238E27FC236}">
-                <a16:creationId xmlns:a16="http://schemas.microsoft.com/office/drawing/2014/main" id="{FD7465EC-84B6-406C-4864-45ADF9FB642F}"/>
-              </a:ext>
-            </a:extLst>
-          </p:cNvPr>
+          <p:cNvPr id="6" name="TextBox 5"/>
           <p:cNvSpPr txBox="1"/>
           <p:nvPr/>
         </p:nvSpPr>
@@ -12568,23 +9181,11 @@
       </p:sp>
       <p:graphicFrame>
         <p:nvGraphicFramePr>
-          <p:cNvPr id="7" name="Table 16">
-            <a:extLst>
-              <a:ext uri="{FF2B5EF4-FFF2-40B4-BE49-F238E27FC236}">
-                <a16:creationId xmlns:a16="http://schemas.microsoft.com/office/drawing/2014/main" id="{5347763A-C403-0142-AB17-1E3F4BF42D06}"/>
-              </a:ext>
-            </a:extLst>
-          </p:cNvPr>
+          <p:cNvPr id="7" name="Table 16"/>
           <p:cNvGraphicFramePr>
             <a:graphicFrameLocks noGrp="1"/>
           </p:cNvGraphicFramePr>
-          <p:nvPr>
-            <p:extLst>
-              <p:ext uri="{D42A27DB-BD31-4B8C-83A1-F6EECF244321}">
-                <p14:modId xmlns:p14="http://schemas.microsoft.com/office/powerpoint/2010/main" val="2804506121"/>
-              </p:ext>
-            </p:extLst>
-          </p:nvPr>
+          <p:nvPr/>
         </p:nvGraphicFramePr>
         <p:xfrm>
           <a:off x="1850248" y="1815894"/>
@@ -12600,21 +9201,21 @@
                 <a:gridCol w="1662078">
                   <a:extLst>
                     <a:ext uri="{9D8B030D-6E8A-4147-A177-3AD203B41FA5}">
-                      <a16:colId xmlns:a16="http://schemas.microsoft.com/office/drawing/2014/main" val="3939429785"/>
+                      <a16:colId xmlns:a16="http://schemas.microsoft.com/office/drawing/2014/main" val="20000"/>
                     </a:ext>
                   </a:extLst>
                 </a:gridCol>
                 <a:gridCol w="1514475">
                   <a:extLst>
                     <a:ext uri="{9D8B030D-6E8A-4147-A177-3AD203B41FA5}">
-                      <a16:colId xmlns:a16="http://schemas.microsoft.com/office/drawing/2014/main" val="1738762872"/>
+                      <a16:colId xmlns:a16="http://schemas.microsoft.com/office/drawing/2014/main" val="20001"/>
                     </a:ext>
                   </a:extLst>
                 </a:gridCol>
                 <a:gridCol w="2266950">
                   <a:extLst>
                     <a:ext uri="{9D8B030D-6E8A-4147-A177-3AD203B41FA5}">
-                      <a16:colId xmlns:a16="http://schemas.microsoft.com/office/drawing/2014/main" val="3821170340"/>
+                      <a16:colId xmlns:a16="http://schemas.microsoft.com/office/drawing/2014/main" val="20002"/>
                     </a:ext>
                   </a:extLst>
                 </a:gridCol>
@@ -12673,7 +9274,7 @@
                 </a:tc>
                 <a:extLst>
                   <a:ext uri="{0D108BD9-81ED-4DB2-BD59-A6C34878D82A}">
-                    <a16:rowId xmlns:a16="http://schemas.microsoft.com/office/drawing/2014/main" val="2071844936"/>
+                    <a16:rowId xmlns:a16="http://schemas.microsoft.com/office/drawing/2014/main" val="10000"/>
                   </a:ext>
                 </a:extLst>
               </a:tr>
@@ -12731,7 +9332,7 @@
                 </a:tc>
                 <a:extLst>
                   <a:ext uri="{0D108BD9-81ED-4DB2-BD59-A6C34878D82A}">
-                    <a16:rowId xmlns:a16="http://schemas.microsoft.com/office/drawing/2014/main" val="583184748"/>
+                    <a16:rowId xmlns:a16="http://schemas.microsoft.com/office/drawing/2014/main" val="10001"/>
                   </a:ext>
                 </a:extLst>
               </a:tr>
@@ -12789,7 +9390,7 @@
                 </a:tc>
                 <a:extLst>
                   <a:ext uri="{0D108BD9-81ED-4DB2-BD59-A6C34878D82A}">
-                    <a16:rowId xmlns:a16="http://schemas.microsoft.com/office/drawing/2014/main" val="3755525977"/>
+                    <a16:rowId xmlns:a16="http://schemas.microsoft.com/office/drawing/2014/main" val="10002"/>
                   </a:ext>
                 </a:extLst>
               </a:tr>
@@ -12847,7 +9448,7 @@
                 </a:tc>
                 <a:extLst>
                   <a:ext uri="{0D108BD9-81ED-4DB2-BD59-A6C34878D82A}">
-                    <a16:rowId xmlns:a16="http://schemas.microsoft.com/office/drawing/2014/main" val="1896665695"/>
+                    <a16:rowId xmlns:a16="http://schemas.microsoft.com/office/drawing/2014/main" val="10003"/>
                   </a:ext>
                 </a:extLst>
               </a:tr>
@@ -12905,7 +9506,7 @@
                 </a:tc>
                 <a:extLst>
                   <a:ext uri="{0D108BD9-81ED-4DB2-BD59-A6C34878D82A}">
-                    <a16:rowId xmlns:a16="http://schemas.microsoft.com/office/drawing/2014/main" val="3018478528"/>
+                    <a16:rowId xmlns:a16="http://schemas.microsoft.com/office/drawing/2014/main" val="10004"/>
                   </a:ext>
                 </a:extLst>
               </a:tr>
@@ -12963,7 +9564,7 @@
                 </a:tc>
                 <a:extLst>
                   <a:ext uri="{0D108BD9-81ED-4DB2-BD59-A6C34878D82A}">
-                    <a16:rowId xmlns:a16="http://schemas.microsoft.com/office/drawing/2014/main" val="2432302117"/>
+                    <a16:rowId xmlns:a16="http://schemas.microsoft.com/office/drawing/2014/main" val="10005"/>
                   </a:ext>
                 </a:extLst>
               </a:tr>
@@ -12990,11 +9591,7 @@
                     <a:bodyPr/>
                     <a:lstStyle/>
                     <a:p>
-                      <a:pPr algn="ctr"/>
-                      <a:endParaRPr lang="en-US">
-                        <a:latin typeface="Times New Roman" panose="02020603050405020304" pitchFamily="18" charset="0"/>
-                        <a:cs typeface="Times New Roman" panose="02020603050405020304" pitchFamily="18" charset="0"/>
-                      </a:endParaRPr>
+                      <a:endParaRPr lang="en-US"/>
                     </a:p>
                   </a:txBody>
                   <a:tcPr/>
@@ -13018,7 +9615,7 @@
                 </a:tc>
                 <a:extLst>
                   <a:ext uri="{0D108BD9-81ED-4DB2-BD59-A6C34878D82A}">
-                    <a16:rowId xmlns:a16="http://schemas.microsoft.com/office/drawing/2014/main" val="3476558667"/>
+                    <a16:rowId xmlns:a16="http://schemas.microsoft.com/office/drawing/2014/main" val="10006"/>
                   </a:ext>
                 </a:extLst>
               </a:tr>
@@ -13027,11 +9624,6 @@
         </a:graphic>
       </p:graphicFrame>
     </p:spTree>
-    <p:extLst>
-      <p:ext uri="{BB962C8B-B14F-4D97-AF65-F5344CB8AC3E}">
-        <p14:creationId xmlns:p14="http://schemas.microsoft.com/office/powerpoint/2010/main" val="2797651471"/>
-      </p:ext>
-    </p:extLst>
   </p:cSld>
   <p:clrMapOvr>
     <a:masterClrMapping/>
@@ -13058,13 +9650,7 @@
       </p:grpSpPr>
       <p:pic>
         <p:nvPicPr>
-          <p:cNvPr id="1034" name="Picture 10">
-            <a:extLst>
-              <a:ext uri="{FF2B5EF4-FFF2-40B4-BE49-F238E27FC236}">
-                <a16:creationId xmlns:a16="http://schemas.microsoft.com/office/drawing/2014/main" id="{6F72484C-A752-76F3-F259-0A997B815A00}"/>
-              </a:ext>
-            </a:extLst>
-          </p:cNvPr>
+          <p:cNvPr id="1034" name="Picture 10"/>
           <p:cNvPicPr>
             <a:picLocks noChangeAspect="1" noChangeArrowheads="1"/>
           </p:cNvPicPr>
@@ -13105,16 +9691,8 @@
       </p:pic>
       <p:cxnSp>
         <p:nvCxnSpPr>
-          <p:cNvPr id="11" name="Straight Connector 10">
-            <a:extLst>
-              <a:ext uri="{FF2B5EF4-FFF2-40B4-BE49-F238E27FC236}">
-                <a16:creationId xmlns:a16="http://schemas.microsoft.com/office/drawing/2014/main" id="{E5C4A229-E185-5A4B-53B1-81D591292671}"/>
-              </a:ext>
-            </a:extLst>
-          </p:cNvPr>
-          <p:cNvCxnSpPr>
-            <a:cxnSpLocks/>
-          </p:cNvCxnSpPr>
+          <p:cNvPr id="11" name="Straight Connector 10"/>
+          <p:cNvCxnSpPr/>
           <p:nvPr/>
         </p:nvCxnSpPr>
         <p:spPr>
@@ -13143,13 +9721,7 @@
       </p:cxnSp>
       <p:sp>
         <p:nvSpPr>
-          <p:cNvPr id="14" name="TextBox 13">
-            <a:extLst>
-              <a:ext uri="{FF2B5EF4-FFF2-40B4-BE49-F238E27FC236}">
-                <a16:creationId xmlns:a16="http://schemas.microsoft.com/office/drawing/2014/main" id="{63B4AB36-B54A-EA5C-2A74-F2C80BE0CBC4}"/>
-              </a:ext>
-            </a:extLst>
-          </p:cNvPr>
+          <p:cNvPr id="14" name="TextBox 13"/>
           <p:cNvSpPr txBox="1"/>
           <p:nvPr/>
         </p:nvSpPr>
@@ -13178,13 +9750,7 @@
       </p:sp>
       <p:sp>
         <p:nvSpPr>
-          <p:cNvPr id="4" name="TextBox 3">
-            <a:extLst>
-              <a:ext uri="{FF2B5EF4-FFF2-40B4-BE49-F238E27FC236}">
-                <a16:creationId xmlns:a16="http://schemas.microsoft.com/office/drawing/2014/main" id="{459EF129-6740-B341-7BC7-05D580180742}"/>
-              </a:ext>
-            </a:extLst>
-          </p:cNvPr>
+          <p:cNvPr id="4" name="TextBox 3"/>
           <p:cNvSpPr txBox="1"/>
           <p:nvPr/>
         </p:nvSpPr>
@@ -13213,16 +9779,8 @@
       </p:sp>
       <p:cxnSp>
         <p:nvCxnSpPr>
-          <p:cNvPr id="2" name="Straight Connector 1">
-            <a:extLst>
-              <a:ext uri="{FF2B5EF4-FFF2-40B4-BE49-F238E27FC236}">
-                <a16:creationId xmlns:a16="http://schemas.microsoft.com/office/drawing/2014/main" id="{E84DC22F-1018-3740-66B4-518AAE2387D5}"/>
-              </a:ext>
-            </a:extLst>
-          </p:cNvPr>
-          <p:cNvCxnSpPr>
-            <a:cxnSpLocks/>
-          </p:cNvCxnSpPr>
+          <p:cNvPr id="2" name="Straight Connector 1"/>
+          <p:cNvCxnSpPr/>
           <p:nvPr/>
         </p:nvCxnSpPr>
         <p:spPr>
@@ -13251,13 +9809,7 @@
       </p:cxnSp>
       <p:sp>
         <p:nvSpPr>
-          <p:cNvPr id="6" name="TextBox 5">
-            <a:extLst>
-              <a:ext uri="{FF2B5EF4-FFF2-40B4-BE49-F238E27FC236}">
-                <a16:creationId xmlns:a16="http://schemas.microsoft.com/office/drawing/2014/main" id="{FD7465EC-84B6-406C-4864-45ADF9FB642F}"/>
-              </a:ext>
-            </a:extLst>
-          </p:cNvPr>
+          <p:cNvPr id="6" name="TextBox 5"/>
           <p:cNvSpPr txBox="1"/>
           <p:nvPr/>
         </p:nvSpPr>
@@ -13286,13 +9838,7 @@
       </p:sp>
       <p:sp>
         <p:nvSpPr>
-          <p:cNvPr id="5" name="TextBox 4">
-            <a:extLst>
-              <a:ext uri="{FF2B5EF4-FFF2-40B4-BE49-F238E27FC236}">
-                <a16:creationId xmlns:a16="http://schemas.microsoft.com/office/drawing/2014/main" id="{B124AB6E-B685-3C3C-17A7-881BC0274152}"/>
-              </a:ext>
-            </a:extLst>
-          </p:cNvPr>
+          <p:cNvPr id="5" name="TextBox 4"/>
           <p:cNvSpPr txBox="1"/>
           <p:nvPr/>
         </p:nvSpPr>
@@ -13407,11 +9953,6 @@
         </p:txBody>
       </p:sp>
     </p:spTree>
-    <p:extLst>
-      <p:ext uri="{BB962C8B-B14F-4D97-AF65-F5344CB8AC3E}">
-        <p14:creationId xmlns:p14="http://schemas.microsoft.com/office/powerpoint/2010/main" val="3273506458"/>
-      </p:ext>
-    </p:extLst>
   </p:cSld>
   <p:clrMapOvr>
     <a:masterClrMapping/>
@@ -13438,13 +9979,7 @@
       </p:grpSpPr>
       <p:pic>
         <p:nvPicPr>
-          <p:cNvPr id="1034" name="Picture 10">
-            <a:extLst>
-              <a:ext uri="{FF2B5EF4-FFF2-40B4-BE49-F238E27FC236}">
-                <a16:creationId xmlns:a16="http://schemas.microsoft.com/office/drawing/2014/main" id="{6F72484C-A752-76F3-F259-0A997B815A00}"/>
-              </a:ext>
-            </a:extLst>
-          </p:cNvPr>
+          <p:cNvPr id="1034" name="Picture 10"/>
           <p:cNvPicPr>
             <a:picLocks noChangeAspect="1" noChangeArrowheads="1"/>
           </p:cNvPicPr>
@@ -13485,16 +10020,8 @@
       </p:pic>
       <p:cxnSp>
         <p:nvCxnSpPr>
-          <p:cNvPr id="11" name="Straight Connector 10">
-            <a:extLst>
-              <a:ext uri="{FF2B5EF4-FFF2-40B4-BE49-F238E27FC236}">
-                <a16:creationId xmlns:a16="http://schemas.microsoft.com/office/drawing/2014/main" id="{E5C4A229-E185-5A4B-53B1-81D591292671}"/>
-              </a:ext>
-            </a:extLst>
-          </p:cNvPr>
-          <p:cNvCxnSpPr>
-            <a:cxnSpLocks/>
-          </p:cNvCxnSpPr>
+          <p:cNvPr id="11" name="Straight Connector 10"/>
+          <p:cNvCxnSpPr/>
           <p:nvPr/>
         </p:nvCxnSpPr>
         <p:spPr>
@@ -13523,13 +10050,7 @@
       </p:cxnSp>
       <p:sp>
         <p:nvSpPr>
-          <p:cNvPr id="14" name="TextBox 13">
-            <a:extLst>
-              <a:ext uri="{FF2B5EF4-FFF2-40B4-BE49-F238E27FC236}">
-                <a16:creationId xmlns:a16="http://schemas.microsoft.com/office/drawing/2014/main" id="{63B4AB36-B54A-EA5C-2A74-F2C80BE0CBC4}"/>
-              </a:ext>
-            </a:extLst>
-          </p:cNvPr>
+          <p:cNvPr id="14" name="TextBox 13"/>
           <p:cNvSpPr txBox="1"/>
           <p:nvPr/>
         </p:nvSpPr>
@@ -13558,13 +10079,7 @@
       </p:sp>
       <p:sp>
         <p:nvSpPr>
-          <p:cNvPr id="4" name="TextBox 3">
-            <a:extLst>
-              <a:ext uri="{FF2B5EF4-FFF2-40B4-BE49-F238E27FC236}">
-                <a16:creationId xmlns:a16="http://schemas.microsoft.com/office/drawing/2014/main" id="{459EF129-6740-B341-7BC7-05D580180742}"/>
-              </a:ext>
-            </a:extLst>
-          </p:cNvPr>
+          <p:cNvPr id="4" name="TextBox 3"/>
           <p:cNvSpPr txBox="1"/>
           <p:nvPr/>
         </p:nvSpPr>
@@ -13593,16 +10108,8 @@
       </p:sp>
       <p:cxnSp>
         <p:nvCxnSpPr>
-          <p:cNvPr id="2" name="Straight Connector 1">
-            <a:extLst>
-              <a:ext uri="{FF2B5EF4-FFF2-40B4-BE49-F238E27FC236}">
-                <a16:creationId xmlns:a16="http://schemas.microsoft.com/office/drawing/2014/main" id="{E84DC22F-1018-3740-66B4-518AAE2387D5}"/>
-              </a:ext>
-            </a:extLst>
-          </p:cNvPr>
-          <p:cNvCxnSpPr>
-            <a:cxnSpLocks/>
-          </p:cNvCxnSpPr>
+          <p:cNvPr id="2" name="Straight Connector 1"/>
+          <p:cNvCxnSpPr/>
           <p:nvPr/>
         </p:nvCxnSpPr>
         <p:spPr>
@@ -13631,13 +10138,7 @@
       </p:cxnSp>
       <p:sp>
         <p:nvSpPr>
-          <p:cNvPr id="6" name="TextBox 5">
-            <a:extLst>
-              <a:ext uri="{FF2B5EF4-FFF2-40B4-BE49-F238E27FC236}">
-                <a16:creationId xmlns:a16="http://schemas.microsoft.com/office/drawing/2014/main" id="{FD7465EC-84B6-406C-4864-45ADF9FB642F}"/>
-              </a:ext>
-            </a:extLst>
-          </p:cNvPr>
+          <p:cNvPr id="6" name="TextBox 5"/>
           <p:cNvSpPr txBox="1"/>
           <p:nvPr/>
         </p:nvSpPr>
@@ -13666,13 +10167,7 @@
       </p:sp>
       <p:sp>
         <p:nvSpPr>
-          <p:cNvPr id="5" name="TextBox 4">
-            <a:extLst>
-              <a:ext uri="{FF2B5EF4-FFF2-40B4-BE49-F238E27FC236}">
-                <a16:creationId xmlns:a16="http://schemas.microsoft.com/office/drawing/2014/main" id="{B124AB6E-B685-3C3C-17A7-881BC0274152}"/>
-              </a:ext>
-            </a:extLst>
-          </p:cNvPr>
+          <p:cNvPr id="5" name="TextBox 4"/>
           <p:cNvSpPr txBox="1"/>
           <p:nvPr/>
         </p:nvSpPr>
@@ -13774,11 +10269,6 @@
         </p:txBody>
       </p:sp>
     </p:spTree>
-    <p:extLst>
-      <p:ext uri="{BB962C8B-B14F-4D97-AF65-F5344CB8AC3E}">
-        <p14:creationId xmlns:p14="http://schemas.microsoft.com/office/powerpoint/2010/main" val="1076178229"/>
-      </p:ext>
-    </p:extLst>
   </p:cSld>
   <p:clrMapOvr>
     <a:masterClrMapping/>
@@ -13805,13 +10295,7 @@
       </p:grpSpPr>
       <p:pic>
         <p:nvPicPr>
-          <p:cNvPr id="1034" name="Picture 10">
-            <a:extLst>
-              <a:ext uri="{FF2B5EF4-FFF2-40B4-BE49-F238E27FC236}">
-                <a16:creationId xmlns:a16="http://schemas.microsoft.com/office/drawing/2014/main" id="{6F72484C-A752-76F3-F259-0A997B815A00}"/>
-              </a:ext>
-            </a:extLst>
-          </p:cNvPr>
+          <p:cNvPr id="1034" name="Picture 10"/>
           <p:cNvPicPr>
             <a:picLocks noChangeAspect="1" noChangeArrowheads="1"/>
           </p:cNvPicPr>
@@ -13852,16 +10336,8 @@
       </p:pic>
       <p:cxnSp>
         <p:nvCxnSpPr>
-          <p:cNvPr id="11" name="Straight Connector 10">
-            <a:extLst>
-              <a:ext uri="{FF2B5EF4-FFF2-40B4-BE49-F238E27FC236}">
-                <a16:creationId xmlns:a16="http://schemas.microsoft.com/office/drawing/2014/main" id="{E5C4A229-E185-5A4B-53B1-81D591292671}"/>
-              </a:ext>
-            </a:extLst>
-          </p:cNvPr>
-          <p:cNvCxnSpPr>
-            <a:cxnSpLocks/>
-          </p:cNvCxnSpPr>
+          <p:cNvPr id="11" name="Straight Connector 10"/>
+          <p:cNvCxnSpPr/>
           <p:nvPr/>
         </p:nvCxnSpPr>
         <p:spPr>
@@ -13890,13 +10366,7 @@
       </p:cxnSp>
       <p:sp>
         <p:nvSpPr>
-          <p:cNvPr id="14" name="TextBox 13">
-            <a:extLst>
-              <a:ext uri="{FF2B5EF4-FFF2-40B4-BE49-F238E27FC236}">
-                <a16:creationId xmlns:a16="http://schemas.microsoft.com/office/drawing/2014/main" id="{63B4AB36-B54A-EA5C-2A74-F2C80BE0CBC4}"/>
-              </a:ext>
-            </a:extLst>
-          </p:cNvPr>
+          <p:cNvPr id="14" name="TextBox 13"/>
           <p:cNvSpPr txBox="1"/>
           <p:nvPr/>
         </p:nvSpPr>
@@ -13925,13 +10395,7 @@
       </p:sp>
       <p:sp>
         <p:nvSpPr>
-          <p:cNvPr id="2" name="TextBox 1">
-            <a:extLst>
-              <a:ext uri="{FF2B5EF4-FFF2-40B4-BE49-F238E27FC236}">
-                <a16:creationId xmlns:a16="http://schemas.microsoft.com/office/drawing/2014/main" id="{30380714-4CD2-9849-80A6-8AC66F97DA6F}"/>
-              </a:ext>
-            </a:extLst>
-          </p:cNvPr>
+          <p:cNvPr id="2" name="TextBox 1"/>
           <p:cNvSpPr txBox="1"/>
           <p:nvPr/>
         </p:nvSpPr>
@@ -13960,16 +10424,8 @@
       </p:sp>
       <p:cxnSp>
         <p:nvCxnSpPr>
-          <p:cNvPr id="3" name="Straight Connector 2">
-            <a:extLst>
-              <a:ext uri="{FF2B5EF4-FFF2-40B4-BE49-F238E27FC236}">
-                <a16:creationId xmlns:a16="http://schemas.microsoft.com/office/drawing/2014/main" id="{435823BE-9FB1-635E-7F74-DEA50A87D246}"/>
-              </a:ext>
-            </a:extLst>
-          </p:cNvPr>
-          <p:cNvCxnSpPr>
-            <a:cxnSpLocks/>
-          </p:cNvCxnSpPr>
+          <p:cNvPr id="3" name="Straight Connector 2"/>
+          <p:cNvCxnSpPr/>
           <p:nvPr/>
         </p:nvCxnSpPr>
         <p:spPr>
@@ -13998,13 +10454,7 @@
       </p:cxnSp>
       <p:sp>
         <p:nvSpPr>
-          <p:cNvPr id="4" name="TextBox 3">
-            <a:extLst>
-              <a:ext uri="{FF2B5EF4-FFF2-40B4-BE49-F238E27FC236}">
-                <a16:creationId xmlns:a16="http://schemas.microsoft.com/office/drawing/2014/main" id="{CE933A1E-D43F-BDBC-88C5-FA719398A112}"/>
-              </a:ext>
-            </a:extLst>
-          </p:cNvPr>
+          <p:cNvPr id="4" name="TextBox 3"/>
           <p:cNvSpPr txBox="1"/>
           <p:nvPr/>
         </p:nvSpPr>
@@ -14041,23 +10491,11 @@
       </p:sp>
       <p:graphicFrame>
         <p:nvGraphicFramePr>
-          <p:cNvPr id="7" name="Table 7">
-            <a:extLst>
-              <a:ext uri="{FF2B5EF4-FFF2-40B4-BE49-F238E27FC236}">
-                <a16:creationId xmlns:a16="http://schemas.microsoft.com/office/drawing/2014/main" id="{B54C5B81-FA74-EF54-364C-2501CA6C224F}"/>
-              </a:ext>
-            </a:extLst>
-          </p:cNvPr>
+          <p:cNvPr id="7" name="Table 7"/>
           <p:cNvGraphicFramePr>
             <a:graphicFrameLocks noGrp="1"/>
           </p:cNvGraphicFramePr>
-          <p:nvPr>
-            <p:extLst>
-              <p:ext uri="{D42A27DB-BD31-4B8C-83A1-F6EECF244321}">
-                <p14:modId xmlns:p14="http://schemas.microsoft.com/office/powerpoint/2010/main" val="825397718"/>
-              </p:ext>
-            </p:extLst>
-          </p:nvPr>
+          <p:nvPr/>
         </p:nvGraphicFramePr>
         <p:xfrm>
           <a:off x="76200" y="1700260"/>
@@ -14073,14 +10511,14 @@
                 <a:gridCol w="687040">
                   <a:extLst>
                     <a:ext uri="{9D8B030D-6E8A-4147-A177-3AD203B41FA5}">
-                      <a16:colId xmlns:a16="http://schemas.microsoft.com/office/drawing/2014/main" val="2305991631"/>
+                      <a16:colId xmlns:a16="http://schemas.microsoft.com/office/drawing/2014/main" val="20000"/>
                     </a:ext>
                   </a:extLst>
                 </a:gridCol>
                 <a:gridCol w="8118665">
                   <a:extLst>
                     <a:ext uri="{9D8B030D-6E8A-4147-A177-3AD203B41FA5}">
-                      <a16:colId xmlns:a16="http://schemas.microsoft.com/office/drawing/2014/main" val="2814521867"/>
+                      <a16:colId xmlns:a16="http://schemas.microsoft.com/office/drawing/2014/main" val="20001"/>
                     </a:ext>
                   </a:extLst>
                 </a:gridCol>
@@ -14123,7 +10561,7 @@
                 </a:tc>
                 <a:extLst>
                   <a:ext uri="{0D108BD9-81ED-4DB2-BD59-A6C34878D82A}">
-                    <a16:rowId xmlns:a16="http://schemas.microsoft.com/office/drawing/2014/main" val="3660921552"/>
+                    <a16:rowId xmlns:a16="http://schemas.microsoft.com/office/drawing/2014/main" val="10000"/>
                   </a:ext>
                 </a:extLst>
               </a:tr>
@@ -14171,7 +10609,7 @@
                 </a:tc>
                 <a:extLst>
                   <a:ext uri="{0D108BD9-81ED-4DB2-BD59-A6C34878D82A}">
-                    <a16:rowId xmlns:a16="http://schemas.microsoft.com/office/drawing/2014/main" val="2486402250"/>
+                    <a16:rowId xmlns:a16="http://schemas.microsoft.com/office/drawing/2014/main" val="10001"/>
                   </a:ext>
                 </a:extLst>
               </a:tr>
@@ -14210,7 +10648,7 @@
                 </a:tc>
                 <a:extLst>
                   <a:ext uri="{0D108BD9-81ED-4DB2-BD59-A6C34878D82A}">
-                    <a16:rowId xmlns:a16="http://schemas.microsoft.com/office/drawing/2014/main" val="1501445591"/>
+                    <a16:rowId xmlns:a16="http://schemas.microsoft.com/office/drawing/2014/main" val="10002"/>
                   </a:ext>
                 </a:extLst>
               </a:tr>
@@ -14249,7 +10687,7 @@
                 </a:tc>
                 <a:extLst>
                   <a:ext uri="{0D108BD9-81ED-4DB2-BD59-A6C34878D82A}">
-                    <a16:rowId xmlns:a16="http://schemas.microsoft.com/office/drawing/2014/main" val="4097671691"/>
+                    <a16:rowId xmlns:a16="http://schemas.microsoft.com/office/drawing/2014/main" val="10003"/>
                   </a:ext>
                 </a:extLst>
               </a:tr>
@@ -14275,7 +10713,6 @@
                     <a:bodyPr/>
                     <a:lstStyle/>
                     <a:p>
-                      <a:pPr algn="just"/>
                       <a:endParaRPr lang="en-US"/>
                     </a:p>
                   </a:txBody>
@@ -14289,7 +10726,7 @@
                 </a:tc>
                 <a:extLst>
                   <a:ext uri="{0D108BD9-81ED-4DB2-BD59-A6C34878D82A}">
-                    <a16:rowId xmlns:a16="http://schemas.microsoft.com/office/drawing/2014/main" val="3803879496"/>
+                    <a16:rowId xmlns:a16="http://schemas.microsoft.com/office/drawing/2014/main" val="10004"/>
                   </a:ext>
                 </a:extLst>
               </a:tr>
@@ -14328,7 +10765,7 @@
                 </a:tc>
                 <a:extLst>
                   <a:ext uri="{0D108BD9-81ED-4DB2-BD59-A6C34878D82A}">
-                    <a16:rowId xmlns:a16="http://schemas.microsoft.com/office/drawing/2014/main" val="4097059838"/>
+                    <a16:rowId xmlns:a16="http://schemas.microsoft.com/office/drawing/2014/main" val="10005"/>
                   </a:ext>
                 </a:extLst>
               </a:tr>
@@ -14337,11 +10774,6 @@
         </a:graphic>
       </p:graphicFrame>
     </p:spTree>
-    <p:extLst>
-      <p:ext uri="{BB962C8B-B14F-4D97-AF65-F5344CB8AC3E}">
-        <p14:creationId xmlns:p14="http://schemas.microsoft.com/office/powerpoint/2010/main" val="610409002"/>
-      </p:ext>
-    </p:extLst>
   </p:cSld>
   <p:clrMapOvr>
     <a:masterClrMapping/>
@@ -14368,13 +10800,7 @@
       </p:grpSpPr>
       <p:pic>
         <p:nvPicPr>
-          <p:cNvPr id="1034" name="Picture 10">
-            <a:extLst>
-              <a:ext uri="{FF2B5EF4-FFF2-40B4-BE49-F238E27FC236}">
-                <a16:creationId xmlns:a16="http://schemas.microsoft.com/office/drawing/2014/main" id="{6F72484C-A752-76F3-F259-0A997B815A00}"/>
-              </a:ext>
-            </a:extLst>
-          </p:cNvPr>
+          <p:cNvPr id="1034" name="Picture 10"/>
           <p:cNvPicPr>
             <a:picLocks noChangeAspect="1" noChangeArrowheads="1"/>
           </p:cNvPicPr>
@@ -14415,16 +10841,8 @@
       </p:pic>
       <p:cxnSp>
         <p:nvCxnSpPr>
-          <p:cNvPr id="11" name="Straight Connector 10">
-            <a:extLst>
-              <a:ext uri="{FF2B5EF4-FFF2-40B4-BE49-F238E27FC236}">
-                <a16:creationId xmlns:a16="http://schemas.microsoft.com/office/drawing/2014/main" id="{E5C4A229-E185-5A4B-53B1-81D591292671}"/>
-              </a:ext>
-            </a:extLst>
-          </p:cNvPr>
-          <p:cNvCxnSpPr>
-            <a:cxnSpLocks/>
-          </p:cNvCxnSpPr>
+          <p:cNvPr id="11" name="Straight Connector 10"/>
+          <p:cNvCxnSpPr/>
           <p:nvPr/>
         </p:nvCxnSpPr>
         <p:spPr>
@@ -14453,13 +10871,7 @@
       </p:cxnSp>
       <p:sp>
         <p:nvSpPr>
-          <p:cNvPr id="14" name="TextBox 13">
-            <a:extLst>
-              <a:ext uri="{FF2B5EF4-FFF2-40B4-BE49-F238E27FC236}">
-                <a16:creationId xmlns:a16="http://schemas.microsoft.com/office/drawing/2014/main" id="{63B4AB36-B54A-EA5C-2A74-F2C80BE0CBC4}"/>
-              </a:ext>
-            </a:extLst>
-          </p:cNvPr>
+          <p:cNvPr id="14" name="TextBox 13"/>
           <p:cNvSpPr txBox="1"/>
           <p:nvPr/>
         </p:nvSpPr>
@@ -14488,23 +10900,11 @@
       </p:sp>
       <p:graphicFrame>
         <p:nvGraphicFramePr>
-          <p:cNvPr id="16" name="Table 16">
-            <a:extLst>
-              <a:ext uri="{FF2B5EF4-FFF2-40B4-BE49-F238E27FC236}">
-                <a16:creationId xmlns:a16="http://schemas.microsoft.com/office/drawing/2014/main" id="{A794B221-780B-3E0D-DCDE-B4B669AD1AE3}"/>
-              </a:ext>
-            </a:extLst>
-          </p:cNvPr>
+          <p:cNvPr id="16" name="Table 16"/>
           <p:cNvGraphicFramePr>
             <a:graphicFrameLocks noGrp="1"/>
           </p:cNvGraphicFramePr>
-          <p:nvPr>
-            <p:extLst>
-              <p:ext uri="{D42A27DB-BD31-4B8C-83A1-F6EECF244321}">
-                <p14:modId xmlns:p14="http://schemas.microsoft.com/office/powerpoint/2010/main" val="71974006"/>
-              </p:ext>
-            </p:extLst>
-          </p:nvPr>
+          <p:nvPr/>
         </p:nvGraphicFramePr>
         <p:xfrm>
           <a:off x="1000124" y="1440718"/>
@@ -14520,28 +10920,28 @@
                 <a:gridCol w="433424">
                   <a:extLst>
                     <a:ext uri="{9D8B030D-6E8A-4147-A177-3AD203B41FA5}">
-                      <a16:colId xmlns:a16="http://schemas.microsoft.com/office/drawing/2014/main" val="2650038939"/>
+                      <a16:colId xmlns:a16="http://schemas.microsoft.com/office/drawing/2014/main" val="20000"/>
                     </a:ext>
                   </a:extLst>
                 </a:gridCol>
                 <a:gridCol w="2528851">
                   <a:extLst>
                     <a:ext uri="{9D8B030D-6E8A-4147-A177-3AD203B41FA5}">
-                      <a16:colId xmlns:a16="http://schemas.microsoft.com/office/drawing/2014/main" val="3939429785"/>
+                      <a16:colId xmlns:a16="http://schemas.microsoft.com/office/drawing/2014/main" val="20001"/>
                     </a:ext>
                   </a:extLst>
                 </a:gridCol>
                 <a:gridCol w="1933575">
                   <a:extLst>
                     <a:ext uri="{9D8B030D-6E8A-4147-A177-3AD203B41FA5}">
-                      <a16:colId xmlns:a16="http://schemas.microsoft.com/office/drawing/2014/main" val="1738762872"/>
+                      <a16:colId xmlns:a16="http://schemas.microsoft.com/office/drawing/2014/main" val="20002"/>
                     </a:ext>
                   </a:extLst>
                 </a:gridCol>
                 <a:gridCol w="2247902">
                   <a:extLst>
                     <a:ext uri="{9D8B030D-6E8A-4147-A177-3AD203B41FA5}">
-                      <a16:colId xmlns:a16="http://schemas.microsoft.com/office/drawing/2014/main" val="3821170340"/>
+                      <a16:colId xmlns:a16="http://schemas.microsoft.com/office/drawing/2014/main" val="20003"/>
                     </a:ext>
                   </a:extLst>
                 </a:gridCol>
@@ -14619,7 +11019,7 @@
                 </a:tc>
                 <a:extLst>
                   <a:ext uri="{0D108BD9-81ED-4DB2-BD59-A6C34878D82A}">
-                    <a16:rowId xmlns:a16="http://schemas.microsoft.com/office/drawing/2014/main" val="2071844936"/>
+                    <a16:rowId xmlns:a16="http://schemas.microsoft.com/office/drawing/2014/main" val="10000"/>
                   </a:ext>
                 </a:extLst>
               </a:tr>
@@ -14725,7 +11125,7 @@
                 </a:tc>
                 <a:extLst>
                   <a:ext uri="{0D108BD9-81ED-4DB2-BD59-A6C34878D82A}">
-                    <a16:rowId xmlns:a16="http://schemas.microsoft.com/office/drawing/2014/main" val="583184748"/>
+                    <a16:rowId xmlns:a16="http://schemas.microsoft.com/office/drawing/2014/main" val="10001"/>
                   </a:ext>
                 </a:extLst>
               </a:tr>
@@ -14817,7 +11217,7 @@
                 </a:tc>
                 <a:extLst>
                   <a:ext uri="{0D108BD9-81ED-4DB2-BD59-A6C34878D82A}">
-                    <a16:rowId xmlns:a16="http://schemas.microsoft.com/office/drawing/2014/main" val="3755525977"/>
+                    <a16:rowId xmlns:a16="http://schemas.microsoft.com/office/drawing/2014/main" val="10002"/>
                   </a:ext>
                 </a:extLst>
               </a:tr>
@@ -14923,7 +11323,7 @@
                 </a:tc>
                 <a:extLst>
                   <a:ext uri="{0D108BD9-81ED-4DB2-BD59-A6C34878D82A}">
-                    <a16:rowId xmlns:a16="http://schemas.microsoft.com/office/drawing/2014/main" val="3872112437"/>
+                    <a16:rowId xmlns:a16="http://schemas.microsoft.com/office/drawing/2014/main" val="10003"/>
                   </a:ext>
                 </a:extLst>
               </a:tr>
@@ -15029,7 +11429,7 @@
                 </a:tc>
                 <a:extLst>
                   <a:ext uri="{0D108BD9-81ED-4DB2-BD59-A6C34878D82A}">
-                    <a16:rowId xmlns:a16="http://schemas.microsoft.com/office/drawing/2014/main" val="3213766400"/>
+                    <a16:rowId xmlns:a16="http://schemas.microsoft.com/office/drawing/2014/main" val="10004"/>
                   </a:ext>
                 </a:extLst>
               </a:tr>
@@ -15039,16 +11439,8 @@
       </p:graphicFrame>
       <p:cxnSp>
         <p:nvCxnSpPr>
-          <p:cNvPr id="2" name="Straight Connector 1">
-            <a:extLst>
-              <a:ext uri="{FF2B5EF4-FFF2-40B4-BE49-F238E27FC236}">
-                <a16:creationId xmlns:a16="http://schemas.microsoft.com/office/drawing/2014/main" id="{AF3ADEA5-03F2-7E56-B6E6-8B6970A896CF}"/>
-              </a:ext>
-            </a:extLst>
-          </p:cNvPr>
-          <p:cNvCxnSpPr>
-            <a:cxnSpLocks/>
-          </p:cNvCxnSpPr>
+          <p:cNvPr id="2" name="Straight Connector 1"/>
+          <p:cNvCxnSpPr/>
           <p:nvPr/>
         </p:nvCxnSpPr>
         <p:spPr>
@@ -15077,13 +11469,7 @@
       </p:cxnSp>
       <p:sp>
         <p:nvSpPr>
-          <p:cNvPr id="4" name="TextBox 3">
-            <a:extLst>
-              <a:ext uri="{FF2B5EF4-FFF2-40B4-BE49-F238E27FC236}">
-                <a16:creationId xmlns:a16="http://schemas.microsoft.com/office/drawing/2014/main" id="{11342279-3B1B-9555-FD5C-CA3839B3D029}"/>
-              </a:ext>
-            </a:extLst>
-          </p:cNvPr>
+          <p:cNvPr id="4" name="TextBox 3"/>
           <p:cNvSpPr txBox="1"/>
           <p:nvPr/>
         </p:nvSpPr>
@@ -15112,13 +11498,7 @@
       </p:sp>
       <p:sp>
         <p:nvSpPr>
-          <p:cNvPr id="3" name="TextBox 2">
-            <a:extLst>
-              <a:ext uri="{FF2B5EF4-FFF2-40B4-BE49-F238E27FC236}">
-                <a16:creationId xmlns:a16="http://schemas.microsoft.com/office/drawing/2014/main" id="{56C3DF9C-2FEB-EE52-21A1-DBBB2454EA38}"/>
-              </a:ext>
-            </a:extLst>
-          </p:cNvPr>
+          <p:cNvPr id="3" name="TextBox 2"/>
           <p:cNvSpPr txBox="1"/>
           <p:nvPr/>
         </p:nvSpPr>
@@ -15161,11 +11541,6 @@
         </p:txBody>
       </p:sp>
     </p:spTree>
-    <p:extLst>
-      <p:ext uri="{BB962C8B-B14F-4D97-AF65-F5344CB8AC3E}">
-        <p14:creationId xmlns:p14="http://schemas.microsoft.com/office/powerpoint/2010/main" val="3011248427"/>
-      </p:ext>
-    </p:extLst>
   </p:cSld>
   <p:clrMapOvr>
     <a:masterClrMapping/>
@@ -15192,13 +11567,7 @@
       </p:grpSpPr>
       <p:pic>
         <p:nvPicPr>
-          <p:cNvPr id="1034" name="Picture 10">
-            <a:extLst>
-              <a:ext uri="{FF2B5EF4-FFF2-40B4-BE49-F238E27FC236}">
-                <a16:creationId xmlns:a16="http://schemas.microsoft.com/office/drawing/2014/main" id="{6F72484C-A752-76F3-F259-0A997B815A00}"/>
-              </a:ext>
-            </a:extLst>
-          </p:cNvPr>
+          <p:cNvPr id="1034" name="Picture 10"/>
           <p:cNvPicPr>
             <a:picLocks noChangeAspect="1" noChangeArrowheads="1"/>
           </p:cNvPicPr>
@@ -15239,16 +11608,8 @@
       </p:pic>
       <p:cxnSp>
         <p:nvCxnSpPr>
-          <p:cNvPr id="11" name="Straight Connector 10">
-            <a:extLst>
-              <a:ext uri="{FF2B5EF4-FFF2-40B4-BE49-F238E27FC236}">
-                <a16:creationId xmlns:a16="http://schemas.microsoft.com/office/drawing/2014/main" id="{E5C4A229-E185-5A4B-53B1-81D591292671}"/>
-              </a:ext>
-            </a:extLst>
-          </p:cNvPr>
-          <p:cNvCxnSpPr>
-            <a:cxnSpLocks/>
-          </p:cNvCxnSpPr>
+          <p:cNvPr id="11" name="Straight Connector 10"/>
+          <p:cNvCxnSpPr/>
           <p:nvPr/>
         </p:nvCxnSpPr>
         <p:spPr>
@@ -15277,13 +11638,7 @@
       </p:cxnSp>
       <p:sp>
         <p:nvSpPr>
-          <p:cNvPr id="14" name="TextBox 13">
-            <a:extLst>
-              <a:ext uri="{FF2B5EF4-FFF2-40B4-BE49-F238E27FC236}">
-                <a16:creationId xmlns:a16="http://schemas.microsoft.com/office/drawing/2014/main" id="{63B4AB36-B54A-EA5C-2A74-F2C80BE0CBC4}"/>
-              </a:ext>
-            </a:extLst>
-          </p:cNvPr>
+          <p:cNvPr id="14" name="TextBox 13"/>
           <p:cNvSpPr txBox="1"/>
           <p:nvPr/>
         </p:nvSpPr>
@@ -15312,16 +11667,8 @@
       </p:sp>
       <p:cxnSp>
         <p:nvCxnSpPr>
-          <p:cNvPr id="2" name="Straight Connector 1">
-            <a:extLst>
-              <a:ext uri="{FF2B5EF4-FFF2-40B4-BE49-F238E27FC236}">
-                <a16:creationId xmlns:a16="http://schemas.microsoft.com/office/drawing/2014/main" id="{AF3ADEA5-03F2-7E56-B6E6-8B6970A896CF}"/>
-              </a:ext>
-            </a:extLst>
-          </p:cNvPr>
-          <p:cNvCxnSpPr>
-            <a:cxnSpLocks/>
-          </p:cNvCxnSpPr>
+          <p:cNvPr id="2" name="Straight Connector 1"/>
+          <p:cNvCxnSpPr/>
           <p:nvPr/>
         </p:nvCxnSpPr>
         <p:spPr>
@@ -15350,13 +11697,7 @@
       </p:cxnSp>
       <p:sp>
         <p:nvSpPr>
-          <p:cNvPr id="4" name="TextBox 3">
-            <a:extLst>
-              <a:ext uri="{FF2B5EF4-FFF2-40B4-BE49-F238E27FC236}">
-                <a16:creationId xmlns:a16="http://schemas.microsoft.com/office/drawing/2014/main" id="{11342279-3B1B-9555-FD5C-CA3839B3D029}"/>
-              </a:ext>
-            </a:extLst>
-          </p:cNvPr>
+          <p:cNvPr id="4" name="TextBox 3"/>
           <p:cNvSpPr txBox="1"/>
           <p:nvPr/>
         </p:nvSpPr>
@@ -15385,13 +11726,7 @@
       </p:sp>
       <p:sp>
         <p:nvSpPr>
-          <p:cNvPr id="5" name="TextBox 4">
-            <a:extLst>
-              <a:ext uri="{FF2B5EF4-FFF2-40B4-BE49-F238E27FC236}">
-                <a16:creationId xmlns:a16="http://schemas.microsoft.com/office/drawing/2014/main" id="{93913787-9D97-A6A6-6383-7DEFA79067B4}"/>
-              </a:ext>
-            </a:extLst>
-          </p:cNvPr>
+          <p:cNvPr id="5" name="TextBox 4"/>
           <p:cNvSpPr txBox="1"/>
           <p:nvPr/>
         </p:nvSpPr>
@@ -15603,11 +11938,6 @@
         </p:txBody>
       </p:sp>
     </p:spTree>
-    <p:extLst>
-      <p:ext uri="{BB962C8B-B14F-4D97-AF65-F5344CB8AC3E}">
-        <p14:creationId xmlns:p14="http://schemas.microsoft.com/office/powerpoint/2010/main" val="1991231304"/>
-      </p:ext>
-    </p:extLst>
   </p:cSld>
   <p:clrMapOvr>
     <a:masterClrMapping/>
@@ -15634,13 +11964,7 @@
       </p:grpSpPr>
       <p:pic>
         <p:nvPicPr>
-          <p:cNvPr id="1034" name="Picture 10">
-            <a:extLst>
-              <a:ext uri="{FF2B5EF4-FFF2-40B4-BE49-F238E27FC236}">
-                <a16:creationId xmlns:a16="http://schemas.microsoft.com/office/drawing/2014/main" id="{6F72484C-A752-76F3-F259-0A997B815A00}"/>
-              </a:ext>
-            </a:extLst>
-          </p:cNvPr>
+          <p:cNvPr id="1034" name="Picture 10"/>
           <p:cNvPicPr>
             <a:picLocks noChangeAspect="1" noChangeArrowheads="1"/>
           </p:cNvPicPr>
@@ -15681,16 +12005,8 @@
       </p:pic>
       <p:cxnSp>
         <p:nvCxnSpPr>
-          <p:cNvPr id="11" name="Straight Connector 10">
-            <a:extLst>
-              <a:ext uri="{FF2B5EF4-FFF2-40B4-BE49-F238E27FC236}">
-                <a16:creationId xmlns:a16="http://schemas.microsoft.com/office/drawing/2014/main" id="{E5C4A229-E185-5A4B-53B1-81D591292671}"/>
-              </a:ext>
-            </a:extLst>
-          </p:cNvPr>
-          <p:cNvCxnSpPr>
-            <a:cxnSpLocks/>
-          </p:cNvCxnSpPr>
+          <p:cNvPr id="11" name="Straight Connector 10"/>
+          <p:cNvCxnSpPr/>
           <p:nvPr/>
         </p:nvCxnSpPr>
         <p:spPr>
@@ -15719,16 +12035,8 @@
       </p:cxnSp>
       <p:cxnSp>
         <p:nvCxnSpPr>
-          <p:cNvPr id="2" name="Straight Connector 1">
-            <a:extLst>
-              <a:ext uri="{FF2B5EF4-FFF2-40B4-BE49-F238E27FC236}">
-                <a16:creationId xmlns:a16="http://schemas.microsoft.com/office/drawing/2014/main" id="{AF3ADEA5-03F2-7E56-B6E6-8B6970A896CF}"/>
-              </a:ext>
-            </a:extLst>
-          </p:cNvPr>
-          <p:cNvCxnSpPr>
-            <a:cxnSpLocks/>
-          </p:cNvCxnSpPr>
+          <p:cNvPr id="2" name="Straight Connector 1"/>
+          <p:cNvCxnSpPr/>
           <p:nvPr/>
         </p:nvCxnSpPr>
         <p:spPr>
@@ -15757,13 +12065,7 @@
       </p:cxnSp>
       <p:sp>
         <p:nvSpPr>
-          <p:cNvPr id="4" name="TextBox 3">
-            <a:extLst>
-              <a:ext uri="{FF2B5EF4-FFF2-40B4-BE49-F238E27FC236}">
-                <a16:creationId xmlns:a16="http://schemas.microsoft.com/office/drawing/2014/main" id="{11342279-3B1B-9555-FD5C-CA3839B3D029}"/>
-              </a:ext>
-            </a:extLst>
-          </p:cNvPr>
+          <p:cNvPr id="4" name="TextBox 3"/>
           <p:cNvSpPr txBox="1"/>
           <p:nvPr/>
         </p:nvSpPr>
@@ -15792,20 +12094,14 @@
       </p:sp>
       <p:sp>
         <p:nvSpPr>
-          <p:cNvPr id="3" name="TextBox 2">
-            <a:extLst>
-              <a:ext uri="{FF2B5EF4-FFF2-40B4-BE49-F238E27FC236}">
-                <a16:creationId xmlns:a16="http://schemas.microsoft.com/office/drawing/2014/main" id="{9117E4B9-8314-B9E3-8EFF-7D2C51624F1F}"/>
-              </a:ext>
-            </a:extLst>
-          </p:cNvPr>
+          <p:cNvPr id="3" name="TextBox 2"/>
           <p:cNvSpPr txBox="1"/>
           <p:nvPr/>
         </p:nvSpPr>
         <p:spPr>
           <a:xfrm>
-            <a:off x="2092098" y="2875002"/>
-            <a:ext cx="4959804" cy="553998"/>
+            <a:off x="2092325" y="2875280"/>
+            <a:ext cx="5783580" cy="553085"/>
           </a:xfrm>
           <a:prstGeom prst="rect">
             <a:avLst/>
@@ -15819,19 +12115,20 @@
           <a:lstStyle/>
           <a:p>
             <a:r>
-              <a:rPr lang="fr-FR" sz="3000" b="1"/>
+              <a:rPr lang="fr-FR" sz="3000" b="1">
+                <a:latin typeface="Times New Roman" panose="02020603050405020304" pitchFamily="18" charset="0"/>
+                <a:cs typeface="Times New Roman" panose="02020603050405020304" pitchFamily="18" charset="0"/>
+              </a:rPr>
               <a:t>Câu 1 - Constraint Satisfaction</a:t>
             </a:r>
-            <a:endParaRPr lang="en-US" sz="3000" b="1"/>
+            <a:endParaRPr lang="en-US" sz="3000" b="1">
+              <a:latin typeface="Times New Roman" panose="02020603050405020304" pitchFamily="18" charset="0"/>
+              <a:cs typeface="Times New Roman" panose="02020603050405020304" pitchFamily="18" charset="0"/>
+            </a:endParaRPr>
           </a:p>
         </p:txBody>
       </p:sp>
     </p:spTree>
-    <p:extLst>
-      <p:ext uri="{BB962C8B-B14F-4D97-AF65-F5344CB8AC3E}">
-        <p14:creationId xmlns:p14="http://schemas.microsoft.com/office/powerpoint/2010/main" val="4085430601"/>
-      </p:ext>
-    </p:extLst>
   </p:cSld>
   <p:clrMapOvr>
     <a:masterClrMapping/>
@@ -15858,13 +12155,7 @@
       </p:grpSpPr>
       <p:pic>
         <p:nvPicPr>
-          <p:cNvPr id="1034" name="Picture 10">
-            <a:extLst>
-              <a:ext uri="{FF2B5EF4-FFF2-40B4-BE49-F238E27FC236}">
-                <a16:creationId xmlns:a16="http://schemas.microsoft.com/office/drawing/2014/main" id="{6F72484C-A752-76F3-F259-0A997B815A00}"/>
-              </a:ext>
-            </a:extLst>
-          </p:cNvPr>
+          <p:cNvPr id="1034" name="Picture 10"/>
           <p:cNvPicPr>
             <a:picLocks noChangeAspect="1" noChangeArrowheads="1"/>
           </p:cNvPicPr>
@@ -15905,16 +12196,8 @@
       </p:pic>
       <p:cxnSp>
         <p:nvCxnSpPr>
-          <p:cNvPr id="11" name="Straight Connector 10">
-            <a:extLst>
-              <a:ext uri="{FF2B5EF4-FFF2-40B4-BE49-F238E27FC236}">
-                <a16:creationId xmlns:a16="http://schemas.microsoft.com/office/drawing/2014/main" id="{E5C4A229-E185-5A4B-53B1-81D591292671}"/>
-              </a:ext>
-            </a:extLst>
-          </p:cNvPr>
-          <p:cNvCxnSpPr>
-            <a:cxnSpLocks/>
-          </p:cNvCxnSpPr>
+          <p:cNvPr id="11" name="Straight Connector 10"/>
+          <p:cNvCxnSpPr/>
           <p:nvPr/>
         </p:nvCxnSpPr>
         <p:spPr>
@@ -15943,13 +12226,7 @@
       </p:cxnSp>
       <p:sp>
         <p:nvSpPr>
-          <p:cNvPr id="14" name="TextBox 13">
-            <a:extLst>
-              <a:ext uri="{FF2B5EF4-FFF2-40B4-BE49-F238E27FC236}">
-                <a16:creationId xmlns:a16="http://schemas.microsoft.com/office/drawing/2014/main" id="{63B4AB36-B54A-EA5C-2A74-F2C80BE0CBC4}"/>
-              </a:ext>
-            </a:extLst>
-          </p:cNvPr>
+          <p:cNvPr id="14" name="TextBox 13"/>
           <p:cNvSpPr txBox="1"/>
           <p:nvPr/>
         </p:nvSpPr>
@@ -15979,16 +12256,8 @@
       </p:sp>
       <p:cxnSp>
         <p:nvCxnSpPr>
-          <p:cNvPr id="2" name="Straight Connector 1">
-            <a:extLst>
-              <a:ext uri="{FF2B5EF4-FFF2-40B4-BE49-F238E27FC236}">
-                <a16:creationId xmlns:a16="http://schemas.microsoft.com/office/drawing/2014/main" id="{AF3ADEA5-03F2-7E56-B6E6-8B6970A896CF}"/>
-              </a:ext>
-            </a:extLst>
-          </p:cNvPr>
-          <p:cNvCxnSpPr>
-            <a:cxnSpLocks/>
-          </p:cNvCxnSpPr>
+          <p:cNvPr id="2" name="Straight Connector 1"/>
+          <p:cNvCxnSpPr/>
           <p:nvPr/>
         </p:nvCxnSpPr>
         <p:spPr>
@@ -16017,13 +12286,7 @@
       </p:cxnSp>
       <p:sp>
         <p:nvSpPr>
-          <p:cNvPr id="4" name="TextBox 3">
-            <a:extLst>
-              <a:ext uri="{FF2B5EF4-FFF2-40B4-BE49-F238E27FC236}">
-                <a16:creationId xmlns:a16="http://schemas.microsoft.com/office/drawing/2014/main" id="{11342279-3B1B-9555-FD5C-CA3839B3D029}"/>
-              </a:ext>
-            </a:extLst>
-          </p:cNvPr>
+          <p:cNvPr id="4" name="TextBox 3"/>
           <p:cNvSpPr txBox="1"/>
           <p:nvPr/>
         </p:nvSpPr>
@@ -16052,20 +12315,14 @@
       </p:sp>
       <p:sp>
         <p:nvSpPr>
-          <p:cNvPr id="3" name="TextBox 2">
-            <a:extLst>
-              <a:ext uri="{FF2B5EF4-FFF2-40B4-BE49-F238E27FC236}">
-                <a16:creationId xmlns:a16="http://schemas.microsoft.com/office/drawing/2014/main" id="{56C3DF9C-2FEB-EE52-21A1-DBBB2454EA38}"/>
-              </a:ext>
-            </a:extLst>
-          </p:cNvPr>
+          <p:cNvPr id="3" name="TextBox 2"/>
           <p:cNvSpPr txBox="1"/>
           <p:nvPr/>
         </p:nvSpPr>
         <p:spPr>
           <a:xfrm>
             <a:off x="1000124" y="5592544"/>
-            <a:ext cx="7143752" cy="369332"/>
+            <a:ext cx="7143752" cy="368300"/>
           </a:xfrm>
           <a:prstGeom prst="rect">
             <a:avLst/>
@@ -16080,7 +12337,10 @@
           <a:p>
             <a:pPr algn="just"/>
             <a:r>
-              <a:rPr lang="en-US" i="1"/>
+              <a:rPr lang="en-US" i="1">
+                <a:latin typeface="Times New Roman" panose="02020603050405020304" pitchFamily="18" charset="0"/>
+                <a:cs typeface="Times New Roman" panose="02020603050405020304" pitchFamily="18" charset="0"/>
+              </a:rPr>
               <a:t>Tham khảo giải thuật Backtracking trong slide bài giảng lesson 05 </a:t>
             </a:r>
           </a:p>
@@ -16088,13 +12348,7 @@
       </p:sp>
       <p:pic>
         <p:nvPicPr>
-          <p:cNvPr id="8" name="Picture 7">
-            <a:extLst>
-              <a:ext uri="{FF2B5EF4-FFF2-40B4-BE49-F238E27FC236}">
-                <a16:creationId xmlns:a16="http://schemas.microsoft.com/office/drawing/2014/main" id="{FB5493A0-FBAC-3D16-A44C-F3D60FF25D59}"/>
-              </a:ext>
-            </a:extLst>
-          </p:cNvPr>
+          <p:cNvPr id="8" name="Picture 7"/>
           <p:cNvPicPr>
             <a:picLocks noChangeAspect="1"/>
           </p:cNvPicPr>
@@ -16117,11 +12371,6 @@
         </p:spPr>
       </p:pic>
     </p:spTree>
-    <p:extLst>
-      <p:ext uri="{BB962C8B-B14F-4D97-AF65-F5344CB8AC3E}">
-        <p14:creationId xmlns:p14="http://schemas.microsoft.com/office/powerpoint/2010/main" val="3271686320"/>
-      </p:ext>
-    </p:extLst>
   </p:cSld>
   <p:clrMapOvr>
     <a:masterClrMapping/>
@@ -16148,13 +12397,7 @@
       </p:grpSpPr>
       <p:pic>
         <p:nvPicPr>
-          <p:cNvPr id="1034" name="Picture 10">
-            <a:extLst>
-              <a:ext uri="{FF2B5EF4-FFF2-40B4-BE49-F238E27FC236}">
-                <a16:creationId xmlns:a16="http://schemas.microsoft.com/office/drawing/2014/main" id="{6F72484C-A752-76F3-F259-0A997B815A00}"/>
-              </a:ext>
-            </a:extLst>
-          </p:cNvPr>
+          <p:cNvPr id="1034" name="Picture 10"/>
           <p:cNvPicPr>
             <a:picLocks noChangeAspect="1" noChangeArrowheads="1"/>
           </p:cNvPicPr>
@@ -16195,16 +12438,8 @@
       </p:pic>
       <p:cxnSp>
         <p:nvCxnSpPr>
-          <p:cNvPr id="11" name="Straight Connector 10">
-            <a:extLst>
-              <a:ext uri="{FF2B5EF4-FFF2-40B4-BE49-F238E27FC236}">
-                <a16:creationId xmlns:a16="http://schemas.microsoft.com/office/drawing/2014/main" id="{E5C4A229-E185-5A4B-53B1-81D591292671}"/>
-              </a:ext>
-            </a:extLst>
-          </p:cNvPr>
-          <p:cNvCxnSpPr>
-            <a:cxnSpLocks/>
-          </p:cNvCxnSpPr>
+          <p:cNvPr id="11" name="Straight Connector 10"/>
+          <p:cNvCxnSpPr/>
           <p:nvPr/>
         </p:nvCxnSpPr>
         <p:spPr>
@@ -16233,13 +12468,7 @@
       </p:cxnSp>
       <p:sp>
         <p:nvSpPr>
-          <p:cNvPr id="14" name="TextBox 13">
-            <a:extLst>
-              <a:ext uri="{FF2B5EF4-FFF2-40B4-BE49-F238E27FC236}">
-                <a16:creationId xmlns:a16="http://schemas.microsoft.com/office/drawing/2014/main" id="{63B4AB36-B54A-EA5C-2A74-F2C80BE0CBC4}"/>
-              </a:ext>
-            </a:extLst>
-          </p:cNvPr>
+          <p:cNvPr id="14" name="TextBox 13"/>
           <p:cNvSpPr txBox="1"/>
           <p:nvPr/>
         </p:nvSpPr>
@@ -16269,16 +12498,8 @@
       </p:sp>
       <p:cxnSp>
         <p:nvCxnSpPr>
-          <p:cNvPr id="2" name="Straight Connector 1">
-            <a:extLst>
-              <a:ext uri="{FF2B5EF4-FFF2-40B4-BE49-F238E27FC236}">
-                <a16:creationId xmlns:a16="http://schemas.microsoft.com/office/drawing/2014/main" id="{AF3ADEA5-03F2-7E56-B6E6-8B6970A896CF}"/>
-              </a:ext>
-            </a:extLst>
-          </p:cNvPr>
-          <p:cNvCxnSpPr>
-            <a:cxnSpLocks/>
-          </p:cNvCxnSpPr>
+          <p:cNvPr id="2" name="Straight Connector 1"/>
+          <p:cNvCxnSpPr/>
           <p:nvPr/>
         </p:nvCxnSpPr>
         <p:spPr>
@@ -16307,13 +12528,7 @@
       </p:cxnSp>
       <p:sp>
         <p:nvSpPr>
-          <p:cNvPr id="4" name="TextBox 3">
-            <a:extLst>
-              <a:ext uri="{FF2B5EF4-FFF2-40B4-BE49-F238E27FC236}">
-                <a16:creationId xmlns:a16="http://schemas.microsoft.com/office/drawing/2014/main" id="{11342279-3B1B-9555-FD5C-CA3839B3D029}"/>
-              </a:ext>
-            </a:extLst>
-          </p:cNvPr>
+          <p:cNvPr id="4" name="TextBox 3"/>
           <p:cNvSpPr txBox="1"/>
           <p:nvPr/>
         </p:nvSpPr>
@@ -16342,13 +12557,7 @@
       </p:sp>
       <p:sp>
         <p:nvSpPr>
-          <p:cNvPr id="5" name="TextBox 4">
-            <a:extLst>
-              <a:ext uri="{FF2B5EF4-FFF2-40B4-BE49-F238E27FC236}">
-                <a16:creationId xmlns:a16="http://schemas.microsoft.com/office/drawing/2014/main" id="{2FD009FE-CA5C-D5A4-E99D-1E506F763D1C}"/>
-              </a:ext>
-            </a:extLst>
-          </p:cNvPr>
+          <p:cNvPr id="5" name="TextBox 4"/>
           <p:cNvSpPr txBox="1"/>
           <p:nvPr/>
         </p:nvSpPr>
@@ -16377,20 +12586,14 @@
       </p:sp>
       <p:sp>
         <p:nvSpPr>
-          <p:cNvPr id="9" name="TextBox 8">
-            <a:extLst>
-              <a:ext uri="{FF2B5EF4-FFF2-40B4-BE49-F238E27FC236}">
-                <a16:creationId xmlns:a16="http://schemas.microsoft.com/office/drawing/2014/main" id="{A5E499F2-A664-ED0F-A5F2-90D3F70E6A8F}"/>
-              </a:ext>
-            </a:extLst>
-          </p:cNvPr>
+          <p:cNvPr id="9" name="TextBox 8"/>
           <p:cNvSpPr txBox="1"/>
           <p:nvPr/>
         </p:nvSpPr>
         <p:spPr>
           <a:xfrm>
             <a:off x="942975" y="4229100"/>
-            <a:ext cx="7648575" cy="1754326"/>
+            <a:ext cx="7648575" cy="1753235"/>
           </a:xfrm>
           <a:prstGeom prst="rect">
             <a:avLst/>
@@ -16408,7 +12611,10 @@
               <a:buChar char="•"/>
             </a:pPr>
             <a:r>
-              <a:rPr lang="en-US"/>
+              <a:rPr lang="en-US">
+                <a:latin typeface="Times New Roman" panose="02020603050405020304" pitchFamily="18" charset="0"/>
+                <a:cs typeface="Times New Roman" panose="02020603050405020304" pitchFamily="18" charset="0"/>
+              </a:rPr>
               <a:t>Khởi tạo bàn cờ 8x8 trống</a:t>
             </a:r>
           </a:p>
@@ -16418,11 +12624,17 @@
               <a:buChar char="•"/>
             </a:pPr>
             <a:r>
-              <a:rPr lang="en-US" b="1" i="1"/>
+              <a:rPr lang="en-US" b="1" i="1">
+                <a:latin typeface="Times New Roman" panose="02020603050405020304" pitchFamily="18" charset="0"/>
+                <a:cs typeface="Times New Roman" panose="02020603050405020304" pitchFamily="18" charset="0"/>
+              </a:rPr>
               <a:t>solve() </a:t>
             </a:r>
             <a:r>
-              <a:rPr lang="en-US"/>
+              <a:rPr lang="en-US">
+                <a:latin typeface="Times New Roman" panose="02020603050405020304" pitchFamily="18" charset="0"/>
+                <a:cs typeface="Times New Roman" panose="02020603050405020304" pitchFamily="18" charset="0"/>
+              </a:rPr>
               <a:t>sẽ gọi đệ quy backtracking(số cột sẽ tăng dần)</a:t>
             </a:r>
           </a:p>
@@ -16432,11 +12644,17 @@
               <a:buChar char="•"/>
             </a:pPr>
             <a:r>
-              <a:rPr lang="en-US" b="1" i="1"/>
+              <a:rPr lang="en-US" b="1" i="1">
+                <a:latin typeface="Times New Roman" panose="02020603050405020304" pitchFamily="18" charset="0"/>
+                <a:cs typeface="Times New Roman" panose="02020603050405020304" pitchFamily="18" charset="0"/>
+              </a:rPr>
               <a:t>backtracking() </a:t>
             </a:r>
             <a:r>
-              <a:rPr lang="en-US"/>
+              <a:rPr lang="en-US">
+                <a:latin typeface="Times New Roman" panose="02020603050405020304" pitchFamily="18" charset="0"/>
+                <a:cs typeface="Times New Roman" panose="02020603050405020304" pitchFamily="18" charset="0"/>
+              </a:rPr>
               <a:t>được đệ quy tối đa 8 lần để điền 8 quân hậu vào bàn cờ</a:t>
             </a:r>
           </a:p>
@@ -16446,11 +12664,17 @@
               <a:buChar char="•"/>
             </a:pPr>
             <a:r>
-              <a:rPr lang="en-US" b="1" i="1"/>
+              <a:rPr lang="en-US" b="1" i="1">
+                <a:latin typeface="Times New Roman" panose="02020603050405020304" pitchFamily="18" charset="0"/>
+                <a:cs typeface="Times New Roman" panose="02020603050405020304" pitchFamily="18" charset="0"/>
+              </a:rPr>
               <a:t>isValid() </a:t>
             </a:r>
             <a:r>
-              <a:rPr lang="en-US"/>
+              <a:rPr lang="en-US">
+                <a:latin typeface="Times New Roman" panose="02020603050405020304" pitchFamily="18" charset="0"/>
+                <a:cs typeface="Times New Roman" panose="02020603050405020304" pitchFamily="18" charset="0"/>
+              </a:rPr>
               <a:t>kiểm tra tính hợp lệ của quân hậu khi điền vào với trạng thái bàn cờ hiện tại</a:t>
             </a:r>
           </a:p>
@@ -16460,11 +12684,17 @@
               <a:buChar char="•"/>
             </a:pPr>
             <a:r>
-              <a:rPr lang="en-US" b="1" i="1"/>
+              <a:rPr lang="en-US" b="1" i="1">
+                <a:latin typeface="Times New Roman" panose="02020603050405020304" pitchFamily="18" charset="0"/>
+                <a:cs typeface="Times New Roman" panose="02020603050405020304" pitchFamily="18" charset="0"/>
+              </a:rPr>
               <a:t>printBoard() </a:t>
             </a:r>
             <a:r>
-              <a:rPr lang="en-US"/>
+              <a:rPr lang="en-US">
+                <a:latin typeface="Times New Roman" panose="02020603050405020304" pitchFamily="18" charset="0"/>
+                <a:cs typeface="Times New Roman" panose="02020603050405020304" pitchFamily="18" charset="0"/>
+              </a:rPr>
               <a:t>từ danh sách bàn cờ sẽ in ra cho người dung xem </a:t>
             </a:r>
           </a:p>
@@ -16472,13 +12702,7 @@
       </p:sp>
       <p:pic>
         <p:nvPicPr>
-          <p:cNvPr id="12" name="Picture 11">
-            <a:extLst>
-              <a:ext uri="{FF2B5EF4-FFF2-40B4-BE49-F238E27FC236}">
-                <a16:creationId xmlns:a16="http://schemas.microsoft.com/office/drawing/2014/main" id="{17ED4067-F9EF-DC7E-1389-61F7BE8907E8}"/>
-              </a:ext>
-            </a:extLst>
-          </p:cNvPr>
+          <p:cNvPr id="12" name="Picture 11"/>
           <p:cNvPicPr>
             <a:picLocks noChangeAspect="1"/>
           </p:cNvPicPr>
@@ -16501,11 +12725,6 @@
         </p:spPr>
       </p:pic>
     </p:spTree>
-    <p:extLst>
-      <p:ext uri="{BB962C8B-B14F-4D97-AF65-F5344CB8AC3E}">
-        <p14:creationId xmlns:p14="http://schemas.microsoft.com/office/powerpoint/2010/main" val="3060752393"/>
-      </p:ext>
-    </p:extLst>
   </p:cSld>
   <p:clrMapOvr>
     <a:masterClrMapping/>
@@ -16532,13 +12751,7 @@
       </p:grpSpPr>
       <p:pic>
         <p:nvPicPr>
-          <p:cNvPr id="1034" name="Picture 10">
-            <a:extLst>
-              <a:ext uri="{FF2B5EF4-FFF2-40B4-BE49-F238E27FC236}">
-                <a16:creationId xmlns:a16="http://schemas.microsoft.com/office/drawing/2014/main" id="{6F72484C-A752-76F3-F259-0A997B815A00}"/>
-              </a:ext>
-            </a:extLst>
-          </p:cNvPr>
+          <p:cNvPr id="1034" name="Picture 10"/>
           <p:cNvPicPr>
             <a:picLocks noChangeAspect="1" noChangeArrowheads="1"/>
           </p:cNvPicPr>
@@ -16579,16 +12792,8 @@
       </p:pic>
       <p:cxnSp>
         <p:nvCxnSpPr>
-          <p:cNvPr id="11" name="Straight Connector 10">
-            <a:extLst>
-              <a:ext uri="{FF2B5EF4-FFF2-40B4-BE49-F238E27FC236}">
-                <a16:creationId xmlns:a16="http://schemas.microsoft.com/office/drawing/2014/main" id="{E5C4A229-E185-5A4B-53B1-81D591292671}"/>
-              </a:ext>
-            </a:extLst>
-          </p:cNvPr>
-          <p:cNvCxnSpPr>
-            <a:cxnSpLocks/>
-          </p:cNvCxnSpPr>
+          <p:cNvPr id="11" name="Straight Connector 10"/>
+          <p:cNvCxnSpPr/>
           <p:nvPr/>
         </p:nvCxnSpPr>
         <p:spPr>
@@ -16617,13 +12822,7 @@
       </p:cxnSp>
       <p:sp>
         <p:nvSpPr>
-          <p:cNvPr id="14" name="TextBox 13">
-            <a:extLst>
-              <a:ext uri="{FF2B5EF4-FFF2-40B4-BE49-F238E27FC236}">
-                <a16:creationId xmlns:a16="http://schemas.microsoft.com/office/drawing/2014/main" id="{63B4AB36-B54A-EA5C-2A74-F2C80BE0CBC4}"/>
-              </a:ext>
-            </a:extLst>
-          </p:cNvPr>
+          <p:cNvPr id="14" name="TextBox 13"/>
           <p:cNvSpPr txBox="1"/>
           <p:nvPr/>
         </p:nvSpPr>
@@ -16653,16 +12852,8 @@
       </p:sp>
       <p:cxnSp>
         <p:nvCxnSpPr>
-          <p:cNvPr id="2" name="Straight Connector 1">
-            <a:extLst>
-              <a:ext uri="{FF2B5EF4-FFF2-40B4-BE49-F238E27FC236}">
-                <a16:creationId xmlns:a16="http://schemas.microsoft.com/office/drawing/2014/main" id="{AF3ADEA5-03F2-7E56-B6E6-8B6970A896CF}"/>
-              </a:ext>
-            </a:extLst>
-          </p:cNvPr>
-          <p:cNvCxnSpPr>
-            <a:cxnSpLocks/>
-          </p:cNvCxnSpPr>
+          <p:cNvPr id="2" name="Straight Connector 1"/>
+          <p:cNvCxnSpPr/>
           <p:nvPr/>
         </p:nvCxnSpPr>
         <p:spPr>
@@ -16691,13 +12882,7 @@
       </p:cxnSp>
       <p:sp>
         <p:nvSpPr>
-          <p:cNvPr id="4" name="TextBox 3">
-            <a:extLst>
-              <a:ext uri="{FF2B5EF4-FFF2-40B4-BE49-F238E27FC236}">
-                <a16:creationId xmlns:a16="http://schemas.microsoft.com/office/drawing/2014/main" id="{11342279-3B1B-9555-FD5C-CA3839B3D029}"/>
-              </a:ext>
-            </a:extLst>
-          </p:cNvPr>
+          <p:cNvPr id="4" name="TextBox 3"/>
           <p:cNvSpPr txBox="1"/>
           <p:nvPr/>
         </p:nvSpPr>
@@ -16726,13 +12911,7 @@
       </p:sp>
       <p:sp>
         <p:nvSpPr>
-          <p:cNvPr id="5" name="TextBox 4">
-            <a:extLst>
-              <a:ext uri="{FF2B5EF4-FFF2-40B4-BE49-F238E27FC236}">
-                <a16:creationId xmlns:a16="http://schemas.microsoft.com/office/drawing/2014/main" id="{2FD009FE-CA5C-D5A4-E99D-1E506F763D1C}"/>
-              </a:ext>
-            </a:extLst>
-          </p:cNvPr>
+          <p:cNvPr id="5" name="TextBox 4"/>
           <p:cNvSpPr txBox="1"/>
           <p:nvPr/>
         </p:nvSpPr>
@@ -16761,20 +12940,14 @@
       </p:sp>
       <p:sp>
         <p:nvSpPr>
-          <p:cNvPr id="9" name="TextBox 8">
-            <a:extLst>
-              <a:ext uri="{FF2B5EF4-FFF2-40B4-BE49-F238E27FC236}">
-                <a16:creationId xmlns:a16="http://schemas.microsoft.com/office/drawing/2014/main" id="{A5E499F2-A664-ED0F-A5F2-90D3F70E6A8F}"/>
-              </a:ext>
-            </a:extLst>
-          </p:cNvPr>
+          <p:cNvPr id="9" name="TextBox 8"/>
           <p:cNvSpPr txBox="1"/>
           <p:nvPr/>
         </p:nvSpPr>
         <p:spPr>
           <a:xfrm>
             <a:off x="942975" y="4229100"/>
-            <a:ext cx="7648575" cy="1754326"/>
+            <a:ext cx="7648575" cy="1753235"/>
           </a:xfrm>
           <a:prstGeom prst="rect">
             <a:avLst/>
@@ -16792,7 +12965,10 @@
               <a:buChar char="•"/>
             </a:pPr>
             <a:r>
-              <a:rPr lang="en-US"/>
+              <a:rPr lang="en-US">
+                <a:latin typeface="Times New Roman" panose="02020603050405020304" pitchFamily="18" charset="0"/>
+                <a:cs typeface="Times New Roman" panose="02020603050405020304" pitchFamily="18" charset="0"/>
+              </a:rPr>
               <a:t>Khởi tạo bàn cờ với NxN ô trống</a:t>
             </a:r>
           </a:p>
@@ -16802,11 +12978,17 @@
               <a:buChar char="•"/>
             </a:pPr>
             <a:r>
-              <a:rPr lang="en-US" b="1" i="1"/>
+              <a:rPr lang="en-US" b="1" i="1">
+                <a:latin typeface="Times New Roman" panose="02020603050405020304" pitchFamily="18" charset="0"/>
+                <a:cs typeface="Times New Roman" panose="02020603050405020304" pitchFamily="18" charset="0"/>
+              </a:rPr>
               <a:t>solve() </a:t>
             </a:r>
             <a:r>
-              <a:rPr lang="en-US"/>
+              <a:rPr lang="en-US">
+                <a:latin typeface="Times New Roman" panose="02020603050405020304" pitchFamily="18" charset="0"/>
+                <a:cs typeface="Times New Roman" panose="02020603050405020304" pitchFamily="18" charset="0"/>
+              </a:rPr>
               <a:t>sẽ gọi đệ quy backtracking(số cột sẽ tăng dần)</a:t>
             </a:r>
           </a:p>
@@ -16816,11 +12998,17 @@
               <a:buChar char="•"/>
             </a:pPr>
             <a:r>
-              <a:rPr lang="en-US" b="1" i="1"/>
+              <a:rPr lang="en-US" b="1" i="1">
+                <a:latin typeface="Times New Roman" panose="02020603050405020304" pitchFamily="18" charset="0"/>
+                <a:cs typeface="Times New Roman" panose="02020603050405020304" pitchFamily="18" charset="0"/>
+              </a:rPr>
               <a:t>backtracking() </a:t>
             </a:r>
             <a:r>
-              <a:rPr lang="en-US"/>
+              <a:rPr lang="en-US">
+                <a:latin typeface="Times New Roman" panose="02020603050405020304" pitchFamily="18" charset="0"/>
+                <a:cs typeface="Times New Roman" panose="02020603050405020304" pitchFamily="18" charset="0"/>
+              </a:rPr>
               <a:t>được đệ quy tối đa 8 lần để điền 8 quân hậu vào bàn cờ</a:t>
             </a:r>
           </a:p>
@@ -16830,11 +13018,17 @@
               <a:buChar char="•"/>
             </a:pPr>
             <a:r>
-              <a:rPr lang="en-US" b="1" i="1"/>
+              <a:rPr lang="en-US" b="1" i="1">
+                <a:latin typeface="Times New Roman" panose="02020603050405020304" pitchFamily="18" charset="0"/>
+                <a:cs typeface="Times New Roman" panose="02020603050405020304" pitchFamily="18" charset="0"/>
+              </a:rPr>
               <a:t>isValid() </a:t>
             </a:r>
             <a:r>
-              <a:rPr lang="en-US"/>
+              <a:rPr lang="en-US">
+                <a:latin typeface="Times New Roman" panose="02020603050405020304" pitchFamily="18" charset="0"/>
+                <a:cs typeface="Times New Roman" panose="02020603050405020304" pitchFamily="18" charset="0"/>
+              </a:rPr>
               <a:t>kiểm tra tính hợp lệ của quân hậu khi điền vào với trạng thái bàn cờ hiện tại</a:t>
             </a:r>
           </a:p>
@@ -16844,11 +13038,17 @@
               <a:buChar char="•"/>
             </a:pPr>
             <a:r>
-              <a:rPr lang="en-US" b="1" i="1"/>
+              <a:rPr lang="en-US" b="1" i="1">
+                <a:latin typeface="Times New Roman" panose="02020603050405020304" pitchFamily="18" charset="0"/>
+                <a:cs typeface="Times New Roman" panose="02020603050405020304" pitchFamily="18" charset="0"/>
+              </a:rPr>
               <a:t>printBoard() </a:t>
             </a:r>
             <a:r>
-              <a:rPr lang="en-US"/>
+              <a:rPr lang="en-US">
+                <a:latin typeface="Times New Roman" panose="02020603050405020304" pitchFamily="18" charset="0"/>
+                <a:cs typeface="Times New Roman" panose="02020603050405020304" pitchFamily="18" charset="0"/>
+              </a:rPr>
               <a:t>từ danh sách bàn cờ sẽ in ra cho người dung xem </a:t>
             </a:r>
           </a:p>
@@ -16856,13 +13056,7 @@
       </p:sp>
       <p:pic>
         <p:nvPicPr>
-          <p:cNvPr id="6" name="Picture 5">
-            <a:extLst>
-              <a:ext uri="{FF2B5EF4-FFF2-40B4-BE49-F238E27FC236}">
-                <a16:creationId xmlns:a16="http://schemas.microsoft.com/office/drawing/2014/main" id="{8AB3465A-8B43-46A1-2F2F-08B9C1204176}"/>
-              </a:ext>
-            </a:extLst>
-          </p:cNvPr>
+          <p:cNvPr id="6" name="Picture 5"/>
           <p:cNvPicPr>
             <a:picLocks noChangeAspect="1"/>
           </p:cNvPicPr>
@@ -16885,11 +13079,6 @@
         </p:spPr>
       </p:pic>
     </p:spTree>
-    <p:extLst>
-      <p:ext uri="{BB962C8B-B14F-4D97-AF65-F5344CB8AC3E}">
-        <p14:creationId xmlns:p14="http://schemas.microsoft.com/office/powerpoint/2010/main" val="702601999"/>
-      </p:ext>
-    </p:extLst>
   </p:cSld>
   <p:clrMapOvr>
     <a:masterClrMapping/>
@@ -16916,13 +13105,7 @@
       </p:grpSpPr>
       <p:pic>
         <p:nvPicPr>
-          <p:cNvPr id="1034" name="Picture 10">
-            <a:extLst>
-              <a:ext uri="{FF2B5EF4-FFF2-40B4-BE49-F238E27FC236}">
-                <a16:creationId xmlns:a16="http://schemas.microsoft.com/office/drawing/2014/main" id="{6F72484C-A752-76F3-F259-0A997B815A00}"/>
-              </a:ext>
-            </a:extLst>
-          </p:cNvPr>
+          <p:cNvPr id="1034" name="Picture 10"/>
           <p:cNvPicPr>
             <a:picLocks noChangeAspect="1" noChangeArrowheads="1"/>
           </p:cNvPicPr>
@@ -16963,16 +13146,8 @@
       </p:pic>
       <p:cxnSp>
         <p:nvCxnSpPr>
-          <p:cNvPr id="11" name="Straight Connector 10">
-            <a:extLst>
-              <a:ext uri="{FF2B5EF4-FFF2-40B4-BE49-F238E27FC236}">
-                <a16:creationId xmlns:a16="http://schemas.microsoft.com/office/drawing/2014/main" id="{E5C4A229-E185-5A4B-53B1-81D591292671}"/>
-              </a:ext>
-            </a:extLst>
-          </p:cNvPr>
-          <p:cNvCxnSpPr>
-            <a:cxnSpLocks/>
-          </p:cNvCxnSpPr>
+          <p:cNvPr id="11" name="Straight Connector 10"/>
+          <p:cNvCxnSpPr/>
           <p:nvPr/>
         </p:nvCxnSpPr>
         <p:spPr>
@@ -17001,16 +13176,8 @@
       </p:cxnSp>
       <p:cxnSp>
         <p:nvCxnSpPr>
-          <p:cNvPr id="2" name="Straight Connector 1">
-            <a:extLst>
-              <a:ext uri="{FF2B5EF4-FFF2-40B4-BE49-F238E27FC236}">
-                <a16:creationId xmlns:a16="http://schemas.microsoft.com/office/drawing/2014/main" id="{AF3ADEA5-03F2-7E56-B6E6-8B6970A896CF}"/>
-              </a:ext>
-            </a:extLst>
-          </p:cNvPr>
-          <p:cNvCxnSpPr>
-            <a:cxnSpLocks/>
-          </p:cNvCxnSpPr>
+          <p:cNvPr id="2" name="Straight Connector 1"/>
+          <p:cNvCxnSpPr/>
           <p:nvPr/>
         </p:nvCxnSpPr>
         <p:spPr>
@@ -17039,13 +13206,7 @@
       </p:cxnSp>
       <p:sp>
         <p:nvSpPr>
-          <p:cNvPr id="4" name="TextBox 3">
-            <a:extLst>
-              <a:ext uri="{FF2B5EF4-FFF2-40B4-BE49-F238E27FC236}">
-                <a16:creationId xmlns:a16="http://schemas.microsoft.com/office/drawing/2014/main" id="{11342279-3B1B-9555-FD5C-CA3839B3D029}"/>
-              </a:ext>
-            </a:extLst>
-          </p:cNvPr>
+          <p:cNvPr id="4" name="TextBox 3"/>
           <p:cNvSpPr txBox="1"/>
           <p:nvPr/>
         </p:nvSpPr>
@@ -17074,20 +13235,14 @@
       </p:sp>
       <p:sp>
         <p:nvSpPr>
-          <p:cNvPr id="3" name="TextBox 2">
-            <a:extLst>
-              <a:ext uri="{FF2B5EF4-FFF2-40B4-BE49-F238E27FC236}">
-                <a16:creationId xmlns:a16="http://schemas.microsoft.com/office/drawing/2014/main" id="{9117E4B9-8314-B9E3-8EFF-7D2C51624F1F}"/>
-              </a:ext>
-            </a:extLst>
-          </p:cNvPr>
+          <p:cNvPr id="3" name="TextBox 2"/>
           <p:cNvSpPr txBox="1"/>
           <p:nvPr/>
         </p:nvSpPr>
         <p:spPr>
           <a:xfrm>
-            <a:off x="2372431" y="2875002"/>
-            <a:ext cx="4399137" cy="553998"/>
+            <a:off x="2372360" y="2875280"/>
+            <a:ext cx="4704715" cy="553085"/>
           </a:xfrm>
           <a:prstGeom prst="rect">
             <a:avLst/>
@@ -17101,18 +13256,16 @@
           <a:lstStyle/>
           <a:p>
             <a:r>
-              <a:rPr lang="fr-FR" sz="3000" b="1"/>
+              <a:rPr lang="fr-FR" sz="3000" b="1">
+                <a:latin typeface="Times New Roman" panose="02020603050405020304" pitchFamily="18" charset="0"/>
+                <a:cs typeface="Times New Roman" panose="02020603050405020304" pitchFamily="18" charset="0"/>
+              </a:rPr>
               <a:t>Câu 2 – Adversarial Search</a:t>
             </a:r>
           </a:p>
         </p:txBody>
       </p:sp>
     </p:spTree>
-    <p:extLst>
-      <p:ext uri="{BB962C8B-B14F-4D97-AF65-F5344CB8AC3E}">
-        <p14:creationId xmlns:p14="http://schemas.microsoft.com/office/powerpoint/2010/main" val="2792409869"/>
-      </p:ext>
-    </p:extLst>
   </p:cSld>
   <p:clrMapOvr>
     <a:masterClrMapping/>
@@ -17163,7 +13316,7 @@
     </a:clrScheme>
     <a:fontScheme name="Office Theme">
       <a:majorFont>
-        <a:latin typeface="Calibri Light" panose="020F0302020204030204"/>
+        <a:latin typeface="Calibri Light"/>
         <a:ea typeface=""/>
         <a:cs typeface=""/>
         <a:font script="Jpan" typeface="游ゴシック Light"/>
@@ -17198,7 +13351,7 @@
         <a:font script="Geor" typeface="Sylfaen"/>
       </a:majorFont>
       <a:minorFont>
-        <a:latin typeface="Calibri" panose="020F0502020204030204"/>
+        <a:latin typeface="Calibri"/>
         <a:ea typeface=""/>
         <a:cs typeface=""/>
         <a:font script="Jpan" typeface="游ゴシック"/>
@@ -17424,7 +13577,7 @@
     </a:clrScheme>
     <a:fontScheme name="Office">
       <a:majorFont>
-        <a:latin typeface="Calibri Light" panose="020F0302020204030204"/>
+        <a:latin typeface="Calibri Light"/>
         <a:ea typeface=""/>
         <a:cs typeface=""/>
         <a:font script="Jpan" typeface="游ゴシック Light"/>
@@ -17457,26 +13610,9 @@
         <a:font script="Viet" typeface="Times New Roman"/>
         <a:font script="Uigh" typeface="Microsoft Uighur"/>
         <a:font script="Geor" typeface="Sylfaen"/>
-        <a:font script="Armn" typeface="Arial"/>
-        <a:font script="Bugi" typeface="Leelawadee UI"/>
-        <a:font script="Bopo" typeface="Microsoft JhengHei"/>
-        <a:font script="Java" typeface="Javanese Text"/>
-        <a:font script="Lisu" typeface="Segoe UI"/>
-        <a:font script="Mymr" typeface="Myanmar Text"/>
-        <a:font script="Nkoo" typeface="Ebrima"/>
-        <a:font script="Olck" typeface="Nirmala UI"/>
-        <a:font script="Osma" typeface="Ebrima"/>
-        <a:font script="Phag" typeface="Phagspa"/>
-        <a:font script="Syrn" typeface="Estrangelo Edessa"/>
-        <a:font script="Syrj" typeface="Estrangelo Edessa"/>
-        <a:font script="Syre" typeface="Estrangelo Edessa"/>
-        <a:font script="Sora" typeface="Nirmala UI"/>
-        <a:font script="Tale" typeface="Microsoft Tai Le"/>
-        <a:font script="Talu" typeface="Microsoft New Tai Lue"/>
-        <a:font script="Tfng" typeface="Ebrima"/>
       </a:majorFont>
       <a:minorFont>
-        <a:latin typeface="Calibri" panose="020F0502020204030204"/>
+        <a:latin typeface="Calibri"/>
         <a:ea typeface=""/>
         <a:cs typeface=""/>
         <a:font script="Jpan" typeface="游ゴシック"/>
@@ -17509,23 +13645,6 @@
         <a:font script="Viet" typeface="Arial"/>
         <a:font script="Uigh" typeface="Microsoft Uighur"/>
         <a:font script="Geor" typeface="Sylfaen"/>
-        <a:font script="Armn" typeface="Arial"/>
-        <a:font script="Bugi" typeface="Leelawadee UI"/>
-        <a:font script="Bopo" typeface="Microsoft JhengHei"/>
-        <a:font script="Java" typeface="Javanese Text"/>
-        <a:font script="Lisu" typeface="Segoe UI"/>
-        <a:font script="Mymr" typeface="Myanmar Text"/>
-        <a:font script="Nkoo" typeface="Ebrima"/>
-        <a:font script="Olck" typeface="Nirmala UI"/>
-        <a:font script="Osma" typeface="Ebrima"/>
-        <a:font script="Phag" typeface="Phagspa"/>
-        <a:font script="Syrn" typeface="Estrangelo Edessa"/>
-        <a:font script="Syrj" typeface="Estrangelo Edessa"/>
-        <a:font script="Syre" typeface="Estrangelo Edessa"/>
-        <a:font script="Sora" typeface="Nirmala UI"/>
-        <a:font script="Tale" typeface="Microsoft Tai Le"/>
-        <a:font script="Talu" typeface="Microsoft New Tai Lue"/>
-        <a:font script="Tfng" typeface="Ebrima"/>
       </a:minorFont>
     </a:fontScheme>
     <a:fmtScheme name="Office">

--- a/present/final/presentation.pptx
+++ b/present/final/presentation.pptx
@@ -143,10 +143,25 @@
   <pc:docChgLst>
     <pc:chgData name="Trung Nghia Nguyen" userId="caf0b1f78d203fdc" providerId="LiveId" clId="{74A72D27-0F29-4AD9-985B-1D7512F86603}"/>
     <pc:docChg chg="custSel modSld">
-      <pc:chgData name="Trung Nghia Nguyen" userId="caf0b1f78d203fdc" providerId="LiveId" clId="{74A72D27-0F29-4AD9-985B-1D7512F86603}" dt="2023-04-19T08:54:51.145" v="0" actId="478"/>
+      <pc:chgData name="Trung Nghia Nguyen" userId="caf0b1f78d203fdc" providerId="LiveId" clId="{74A72D27-0F29-4AD9-985B-1D7512F86603}" dt="2023-05-03T04:34:30.082" v="1" actId="20577"/>
       <pc:docMkLst>
         <pc:docMk/>
       </pc:docMkLst>
+      <pc:sldChg chg="modSp mod">
+        <pc:chgData name="Trung Nghia Nguyen" userId="caf0b1f78d203fdc" providerId="LiveId" clId="{74A72D27-0F29-4AD9-985B-1D7512F86603}" dt="2023-05-03T04:34:30.082" v="1" actId="20577"/>
+        <pc:sldMkLst>
+          <pc:docMk/>
+          <pc:sldMk cId="0" sldId="258"/>
+        </pc:sldMkLst>
+        <pc:graphicFrameChg chg="modGraphic">
+          <ac:chgData name="Trung Nghia Nguyen" userId="caf0b1f78d203fdc" providerId="LiveId" clId="{74A72D27-0F29-4AD9-985B-1D7512F86603}" dt="2023-05-03T04:34:30.082" v="1" actId="20577"/>
+          <ac:graphicFrameMkLst>
+            <pc:docMk/>
+            <pc:sldMk cId="0" sldId="258"/>
+            <ac:graphicFrameMk id="16" creationId="{00000000-0000-0000-0000-000000000000}"/>
+          </ac:graphicFrameMkLst>
+        </pc:graphicFrameChg>
+      </pc:sldChg>
       <pc:sldChg chg="delSp mod">
         <pc:chgData name="Trung Nghia Nguyen" userId="caf0b1f78d203fdc" providerId="LiveId" clId="{74A72D27-0F29-4AD9-985B-1D7512F86603}" dt="2023-04-19T08:54:51.145" v="0" actId="478"/>
         <pc:sldMkLst>
@@ -249,7 +264,7 @@
           <a:p>
             <a:fld id="{51F95020-72AA-4787-B4DB-4E5B3A15E30F}" type="datetimeFigureOut">
               <a:rPr lang="en-US" smtClean="0"/>
-              <a:t>19/04/2023</a:t>
+              <a:t>03/05/2023</a:t>
             </a:fld>
             <a:endParaRPr lang="en-US"/>
           </a:p>
@@ -642,7 +657,7 @@
           <a:p>
             <a:fld id="{2AB4A3C8-EB3A-4B87-95B8-3265ADB47806}" type="datetimeFigureOut">
               <a:rPr lang="en-US" smtClean="0"/>
-              <a:t>19/04/2023</a:t>
+              <a:t>03/05/2023</a:t>
             </a:fld>
             <a:endParaRPr lang="en-US"/>
           </a:p>
@@ -807,7 +822,7 @@
           <a:p>
             <a:fld id="{2AB4A3C8-EB3A-4B87-95B8-3265ADB47806}" type="datetimeFigureOut">
               <a:rPr lang="en-US" smtClean="0"/>
-              <a:t>19/04/2023</a:t>
+              <a:t>03/05/2023</a:t>
             </a:fld>
             <a:endParaRPr lang="en-US"/>
           </a:p>
@@ -982,7 +997,7 @@
           <a:p>
             <a:fld id="{2AB4A3C8-EB3A-4B87-95B8-3265ADB47806}" type="datetimeFigureOut">
               <a:rPr lang="en-US" smtClean="0"/>
-              <a:t>19/04/2023</a:t>
+              <a:t>03/05/2023</a:t>
             </a:fld>
             <a:endParaRPr lang="en-US"/>
           </a:p>
@@ -1147,7 +1162,7 @@
           <a:p>
             <a:fld id="{2AB4A3C8-EB3A-4B87-95B8-3265ADB47806}" type="datetimeFigureOut">
               <a:rPr lang="en-US" smtClean="0"/>
-              <a:t>19/04/2023</a:t>
+              <a:t>03/05/2023</a:t>
             </a:fld>
             <a:endParaRPr lang="en-US"/>
           </a:p>
@@ -1386,7 +1401,7 @@
           <a:p>
             <a:fld id="{2AB4A3C8-EB3A-4B87-95B8-3265ADB47806}" type="datetimeFigureOut">
               <a:rPr lang="en-US" smtClean="0"/>
-              <a:t>19/04/2023</a:t>
+              <a:t>03/05/2023</a:t>
             </a:fld>
             <a:endParaRPr lang="en-US"/>
           </a:p>
@@ -1613,7 +1628,7 @@
           <a:p>
             <a:fld id="{2AB4A3C8-EB3A-4B87-95B8-3265ADB47806}" type="datetimeFigureOut">
               <a:rPr lang="en-US" smtClean="0"/>
-              <a:t>19/04/2023</a:t>
+              <a:t>03/05/2023</a:t>
             </a:fld>
             <a:endParaRPr lang="en-US"/>
           </a:p>
@@ -1975,7 +1990,7 @@
           <a:p>
             <a:fld id="{2AB4A3C8-EB3A-4B87-95B8-3265ADB47806}" type="datetimeFigureOut">
               <a:rPr lang="en-US" smtClean="0"/>
-              <a:t>19/04/2023</a:t>
+              <a:t>03/05/2023</a:t>
             </a:fld>
             <a:endParaRPr lang="en-US"/>
           </a:p>
@@ -2088,7 +2103,7 @@
           <a:p>
             <a:fld id="{2AB4A3C8-EB3A-4B87-95B8-3265ADB47806}" type="datetimeFigureOut">
               <a:rPr lang="en-US" smtClean="0"/>
-              <a:t>19/04/2023</a:t>
+              <a:t>03/05/2023</a:t>
             </a:fld>
             <a:endParaRPr lang="en-US"/>
           </a:p>
@@ -2178,7 +2193,7 @@
           <a:p>
             <a:fld id="{2AB4A3C8-EB3A-4B87-95B8-3265ADB47806}" type="datetimeFigureOut">
               <a:rPr lang="en-US" smtClean="0"/>
-              <a:t>19/04/2023</a:t>
+              <a:t>03/05/2023</a:t>
             </a:fld>
             <a:endParaRPr lang="en-US"/>
           </a:p>
@@ -2450,7 +2465,7 @@
           <a:p>
             <a:fld id="{2AB4A3C8-EB3A-4B87-95B8-3265ADB47806}" type="datetimeFigureOut">
               <a:rPr lang="en-US" smtClean="0"/>
-              <a:t>19/04/2023</a:t>
+              <a:t>03/05/2023</a:t>
             </a:fld>
             <a:endParaRPr lang="en-US"/>
           </a:p>
@@ -2701,7 +2716,7 @@
           <a:p>
             <a:fld id="{2AB4A3C8-EB3A-4B87-95B8-3265ADB47806}" type="datetimeFigureOut">
               <a:rPr lang="en-US" smtClean="0"/>
-              <a:t>19/04/2023</a:t>
+              <a:t>03/05/2023</a:t>
             </a:fld>
             <a:endParaRPr lang="en-US"/>
           </a:p>
@@ -2909,7 +2924,7 @@
           <a:p>
             <a:fld id="{2AB4A3C8-EB3A-4B87-95B8-3265ADB47806}" type="datetimeFigureOut">
               <a:rPr lang="en-US" smtClean="0"/>
-              <a:t>19/04/2023</a:t>
+              <a:t>03/05/2023</a:t>
             </a:fld>
             <a:endParaRPr lang="en-US"/>
           </a:p>
@@ -10904,7 +10919,13 @@
           <p:cNvGraphicFramePr>
             <a:graphicFrameLocks noGrp="1"/>
           </p:cNvGraphicFramePr>
-          <p:nvPr/>
+          <p:nvPr>
+            <p:extLst>
+              <p:ext uri="{D42A27DB-BD31-4B8C-83A1-F6EECF244321}">
+                <p14:modId xmlns:p14="http://schemas.microsoft.com/office/powerpoint/2010/main" val="3377884131"/>
+              </p:ext>
+            </p:extLst>
+          </p:nvPr>
         </p:nvGraphicFramePr>
         <p:xfrm>
           <a:off x="1000124" y="1440718"/>
@@ -11315,7 +11336,7 @@
                           <a:latin typeface="Times New Roman" panose="02020603050405020304" pitchFamily="18" charset="0"/>
                           <a:cs typeface="Times New Roman" panose="02020603050405020304" pitchFamily="18" charset="0"/>
                         </a:rPr>
-                        <a:t>90</a:t>
+                        <a:t>0</a:t>
                       </a:r>
                     </a:p>
                   </a:txBody>

--- a/present/final/presentation.pptx
+++ b/present/final/presentation.pptx
@@ -264,7 +264,7 @@
           <a:p>
             <a:fld id="{51F95020-72AA-4787-B4DB-4E5B3A15E30F}" type="datetimeFigureOut">
               <a:rPr lang="en-US" smtClean="0"/>
-              <a:t>03/05/2023</a:t>
+              <a:t>5/3/2023</a:t>
             </a:fld>
             <a:endParaRPr lang="en-US"/>
           </a:p>
@@ -657,7 +657,7 @@
           <a:p>
             <a:fld id="{2AB4A3C8-EB3A-4B87-95B8-3265ADB47806}" type="datetimeFigureOut">
               <a:rPr lang="en-US" smtClean="0"/>
-              <a:t>03/05/2023</a:t>
+              <a:t>5/3/2023</a:t>
             </a:fld>
             <a:endParaRPr lang="en-US"/>
           </a:p>
@@ -822,7 +822,7 @@
           <a:p>
             <a:fld id="{2AB4A3C8-EB3A-4B87-95B8-3265ADB47806}" type="datetimeFigureOut">
               <a:rPr lang="en-US" smtClean="0"/>
-              <a:t>03/05/2023</a:t>
+              <a:t>5/3/2023</a:t>
             </a:fld>
             <a:endParaRPr lang="en-US"/>
           </a:p>
@@ -997,7 +997,7 @@
           <a:p>
             <a:fld id="{2AB4A3C8-EB3A-4B87-95B8-3265ADB47806}" type="datetimeFigureOut">
               <a:rPr lang="en-US" smtClean="0"/>
-              <a:t>03/05/2023</a:t>
+              <a:t>5/3/2023</a:t>
             </a:fld>
             <a:endParaRPr lang="en-US"/>
           </a:p>
@@ -1162,7 +1162,7 @@
           <a:p>
             <a:fld id="{2AB4A3C8-EB3A-4B87-95B8-3265ADB47806}" type="datetimeFigureOut">
               <a:rPr lang="en-US" smtClean="0"/>
-              <a:t>03/05/2023</a:t>
+              <a:t>5/3/2023</a:t>
             </a:fld>
             <a:endParaRPr lang="en-US"/>
           </a:p>
@@ -1401,7 +1401,7 @@
           <a:p>
             <a:fld id="{2AB4A3C8-EB3A-4B87-95B8-3265ADB47806}" type="datetimeFigureOut">
               <a:rPr lang="en-US" smtClean="0"/>
-              <a:t>03/05/2023</a:t>
+              <a:t>5/3/2023</a:t>
             </a:fld>
             <a:endParaRPr lang="en-US"/>
           </a:p>
@@ -1628,7 +1628,7 @@
           <a:p>
             <a:fld id="{2AB4A3C8-EB3A-4B87-95B8-3265ADB47806}" type="datetimeFigureOut">
               <a:rPr lang="en-US" smtClean="0"/>
-              <a:t>03/05/2023</a:t>
+              <a:t>5/3/2023</a:t>
             </a:fld>
             <a:endParaRPr lang="en-US"/>
           </a:p>
@@ -1990,7 +1990,7 @@
           <a:p>
             <a:fld id="{2AB4A3C8-EB3A-4B87-95B8-3265ADB47806}" type="datetimeFigureOut">
               <a:rPr lang="en-US" smtClean="0"/>
-              <a:t>03/05/2023</a:t>
+              <a:t>5/3/2023</a:t>
             </a:fld>
             <a:endParaRPr lang="en-US"/>
           </a:p>
@@ -2103,7 +2103,7 @@
           <a:p>
             <a:fld id="{2AB4A3C8-EB3A-4B87-95B8-3265ADB47806}" type="datetimeFigureOut">
               <a:rPr lang="en-US" smtClean="0"/>
-              <a:t>03/05/2023</a:t>
+              <a:t>5/3/2023</a:t>
             </a:fld>
             <a:endParaRPr lang="en-US"/>
           </a:p>
@@ -2193,7 +2193,7 @@
           <a:p>
             <a:fld id="{2AB4A3C8-EB3A-4B87-95B8-3265ADB47806}" type="datetimeFigureOut">
               <a:rPr lang="en-US" smtClean="0"/>
-              <a:t>03/05/2023</a:t>
+              <a:t>5/3/2023</a:t>
             </a:fld>
             <a:endParaRPr lang="en-US"/>
           </a:p>
@@ -2465,7 +2465,7 @@
           <a:p>
             <a:fld id="{2AB4A3C8-EB3A-4B87-95B8-3265ADB47806}" type="datetimeFigureOut">
               <a:rPr lang="en-US" smtClean="0"/>
-              <a:t>03/05/2023</a:t>
+              <a:t>5/3/2023</a:t>
             </a:fld>
             <a:endParaRPr lang="en-US"/>
           </a:p>
@@ -2716,7 +2716,7 @@
           <a:p>
             <a:fld id="{2AB4A3C8-EB3A-4B87-95B8-3265ADB47806}" type="datetimeFigureOut">
               <a:rPr lang="en-US" smtClean="0"/>
-              <a:t>03/05/2023</a:t>
+              <a:t>5/3/2023</a:t>
             </a:fld>
             <a:endParaRPr lang="en-US"/>
           </a:p>
@@ -2924,7 +2924,7 @@
           <a:p>
             <a:fld id="{2AB4A3C8-EB3A-4B87-95B8-3265ADB47806}" type="datetimeFigureOut">
               <a:rPr lang="en-US" smtClean="0"/>
-              <a:t>03/05/2023</a:t>
+              <a:t>5/3/2023</a:t>
             </a:fld>
             <a:endParaRPr lang="en-US"/>
           </a:p>
@@ -3333,7 +3333,7 @@
           <p:nvPr/>
         </p:nvPicPr>
         <p:blipFill>
-          <a:blip r:embed="rId2">
+          <a:blip r:embed="rId2" cstate="print">
             <a:extLst>
               <a:ext uri="{28A0092B-C50C-407E-A947-70E740481C1C}">
                 <a14:useLocalDpi xmlns:a14="http://schemas.microsoft.com/office/drawing/2010/main" val="0"/>
@@ -4345,7 +4345,7 @@
           <p:nvPr/>
         </p:nvPicPr>
         <p:blipFill>
-          <a:blip r:embed="rId2">
+          <a:blip r:embed="rId2" cstate="print">
             <a:extLst>
               <a:ext uri="{28A0092B-C50C-407E-A947-70E740481C1C}">
                 <a14:useLocalDpi xmlns:a14="http://schemas.microsoft.com/office/drawing/2010/main" val="0"/>
@@ -4744,7 +4744,7 @@
           <p:nvPr/>
         </p:nvPicPr>
         <p:blipFill>
-          <a:blip r:embed="rId2">
+          <a:blip r:embed="rId2" cstate="print">
             <a:extLst>
               <a:ext uri="{28A0092B-C50C-407E-A947-70E740481C1C}">
                 <a14:useLocalDpi xmlns:a14="http://schemas.microsoft.com/office/drawing/2010/main" val="0"/>
@@ -5014,7 +5014,7 @@
           <p:nvPr/>
         </p:nvPicPr>
         <p:blipFill>
-          <a:blip r:embed="rId2">
+          <a:blip r:embed="rId2" cstate="print">
             <a:extLst>
               <a:ext uri="{28A0092B-C50C-407E-A947-70E740481C1C}">
                 <a14:useLocalDpi xmlns:a14="http://schemas.microsoft.com/office/drawing/2010/main" val="0"/>
@@ -5232,7 +5232,7 @@
           <p:nvPr/>
         </p:nvPicPr>
         <p:blipFill>
-          <a:blip r:embed="rId2">
+          <a:blip r:embed="rId2" cstate="print">
             <a:extLst>
               <a:ext uri="{28A0092B-C50C-407E-A947-70E740481C1C}">
                 <a14:useLocalDpi xmlns:a14="http://schemas.microsoft.com/office/drawing/2010/main" val="0"/>
@@ -5494,7 +5494,7 @@
           <p:nvPr/>
         </p:nvPicPr>
         <p:blipFill>
-          <a:blip r:embed="rId2">
+          <a:blip r:embed="rId2" cstate="print">
             <a:extLst>
               <a:ext uri="{28A0092B-C50C-407E-A947-70E740481C1C}">
                 <a14:useLocalDpi xmlns:a14="http://schemas.microsoft.com/office/drawing/2010/main" val="0"/>
@@ -5681,7 +5681,7 @@
           <p:nvPr/>
         </p:nvPicPr>
         <p:blipFill>
-          <a:blip r:embed="rId2">
+          <a:blip r:embed="rId2" cstate="print">
             <a:extLst>
               <a:ext uri="{28A0092B-C50C-407E-A947-70E740481C1C}">
                 <a14:useLocalDpi xmlns:a14="http://schemas.microsoft.com/office/drawing/2010/main" val="0"/>
@@ -5951,7 +5951,7 @@
           <p:nvPr/>
         </p:nvPicPr>
         <p:blipFill>
-          <a:blip r:embed="rId2">
+          <a:blip r:embed="rId2" cstate="print">
             <a:extLst>
               <a:ext uri="{28A0092B-C50C-407E-A947-70E740481C1C}">
                 <a14:useLocalDpi xmlns:a14="http://schemas.microsoft.com/office/drawing/2010/main" val="0"/>
@@ -6221,7 +6221,7 @@
           <p:nvPr/>
         </p:nvPicPr>
         <p:blipFill>
-          <a:blip r:embed="rId2">
+          <a:blip r:embed="rId2" cstate="print">
             <a:extLst>
               <a:ext uri="{28A0092B-C50C-407E-A947-70E740481C1C}">
                 <a14:useLocalDpi xmlns:a14="http://schemas.microsoft.com/office/drawing/2010/main" val="0"/>
@@ -6408,7 +6408,7 @@
           <p:nvPr/>
         </p:nvPicPr>
         <p:blipFill>
-          <a:blip r:embed="rId2">
+          <a:blip r:embed="rId2" cstate="print">
             <a:extLst>
               <a:ext uri="{28A0092B-C50C-407E-A947-70E740481C1C}">
                 <a14:useLocalDpi xmlns:a14="http://schemas.microsoft.com/office/drawing/2010/main" val="0"/>
@@ -6971,7 +6971,7 @@
           <p:nvPr/>
         </p:nvPicPr>
         <p:blipFill>
-          <a:blip r:embed="rId2">
+          <a:blip r:embed="rId2" cstate="print">
             <a:extLst>
               <a:ext uri="{28A0092B-C50C-407E-A947-70E740481C1C}">
                 <a14:useLocalDpi xmlns:a14="http://schemas.microsoft.com/office/drawing/2010/main" val="0"/>
@@ -7502,7 +7502,7 @@
           <p:nvPr/>
         </p:nvPicPr>
         <p:blipFill>
-          <a:blip r:embed="rId2">
+          <a:blip r:embed="rId2" cstate="print">
             <a:extLst>
               <a:ext uri="{28A0092B-C50C-407E-A947-70E740481C1C}">
                 <a14:useLocalDpi xmlns:a14="http://schemas.microsoft.com/office/drawing/2010/main" val="0"/>
@@ -7949,7 +7949,7 @@
           <p:nvPr/>
         </p:nvPicPr>
         <p:blipFill>
-          <a:blip r:embed="rId2">
+          <a:blip r:embed="rId2" cstate="print">
             <a:extLst>
               <a:ext uri="{28A0092B-C50C-407E-A947-70E740481C1C}">
                 <a14:useLocalDpi xmlns:a14="http://schemas.microsoft.com/office/drawing/2010/main" val="0"/>
@@ -8737,7 +8737,7 @@
           <p:nvPr/>
         </p:nvPicPr>
         <p:blipFill>
-          <a:blip r:embed="rId2">
+          <a:blip r:embed="rId2" cstate="print">
             <a:extLst>
               <a:ext uri="{28A0092B-C50C-407E-A947-70E740481C1C}">
                 <a14:useLocalDpi xmlns:a14="http://schemas.microsoft.com/office/drawing/2010/main" val="0"/>
@@ -9015,7 +9015,7 @@
           <p:nvPr/>
         </p:nvPicPr>
         <p:blipFill>
-          <a:blip r:embed="rId2">
+          <a:blip r:embed="rId2" cstate="print">
             <a:extLst>
               <a:ext uri="{28A0092B-C50C-407E-A947-70E740481C1C}">
                 <a14:useLocalDpi xmlns:a14="http://schemas.microsoft.com/office/drawing/2010/main" val="0"/>
@@ -9672,7 +9672,7 @@
           <p:nvPr/>
         </p:nvPicPr>
         <p:blipFill>
-          <a:blip r:embed="rId2">
+          <a:blip r:embed="rId2" cstate="print">
             <a:extLst>
               <a:ext uri="{28A0092B-C50C-407E-A947-70E740481C1C}">
                 <a14:useLocalDpi xmlns:a14="http://schemas.microsoft.com/office/drawing/2010/main" val="0"/>
@@ -10001,7 +10001,7 @@
           <p:nvPr/>
         </p:nvPicPr>
         <p:blipFill>
-          <a:blip r:embed="rId2">
+          <a:blip r:embed="rId2" cstate="print">
             <a:extLst>
               <a:ext uri="{28A0092B-C50C-407E-A947-70E740481C1C}">
                 <a14:useLocalDpi xmlns:a14="http://schemas.microsoft.com/office/drawing/2010/main" val="0"/>
@@ -10317,7 +10317,7 @@
           <p:nvPr/>
         </p:nvPicPr>
         <p:blipFill>
-          <a:blip r:embed="rId2">
+          <a:blip r:embed="rId2" cstate="print">
             <a:extLst>
               <a:ext uri="{28A0092B-C50C-407E-A947-70E740481C1C}">
                 <a14:useLocalDpi xmlns:a14="http://schemas.microsoft.com/office/drawing/2010/main" val="0"/>
@@ -10822,7 +10822,7 @@
           <p:nvPr/>
         </p:nvPicPr>
         <p:blipFill>
-          <a:blip r:embed="rId2">
+          <a:blip r:embed="rId2" cstate="print">
             <a:extLst>
               <a:ext uri="{28A0092B-C50C-407E-A947-70E740481C1C}">
                 <a14:useLocalDpi xmlns:a14="http://schemas.microsoft.com/office/drawing/2010/main" val="0"/>
@@ -10922,7 +10922,7 @@
           <p:nvPr>
             <p:extLst>
               <p:ext uri="{D42A27DB-BD31-4B8C-83A1-F6EECF244321}">
-                <p14:modId xmlns:p14="http://schemas.microsoft.com/office/powerpoint/2010/main" val="3377884131"/>
+                <p14:modId xmlns:p14="http://schemas.microsoft.com/office/powerpoint/2010/main" val="4220749695"/>
               </p:ext>
             </p:extLst>
           </p:nvPr>
@@ -11336,7 +11336,7 @@
                           <a:latin typeface="Times New Roman" panose="02020603050405020304" pitchFamily="18" charset="0"/>
                           <a:cs typeface="Times New Roman" panose="02020603050405020304" pitchFamily="18" charset="0"/>
                         </a:rPr>
-                        <a:t>0</a:t>
+                        <a:t>90</a:t>
                       </a:r>
                     </a:p>
                   </a:txBody>
@@ -11595,7 +11595,7 @@
           <p:nvPr/>
         </p:nvPicPr>
         <p:blipFill>
-          <a:blip r:embed="rId2">
+          <a:blip r:embed="rId2" cstate="print">
             <a:extLst>
               <a:ext uri="{28A0092B-C50C-407E-A947-70E740481C1C}">
                 <a14:useLocalDpi xmlns:a14="http://schemas.microsoft.com/office/drawing/2010/main" val="0"/>
@@ -11992,7 +11992,7 @@
           <p:nvPr/>
         </p:nvPicPr>
         <p:blipFill>
-          <a:blip r:embed="rId2">
+          <a:blip r:embed="rId2" cstate="print">
             <a:extLst>
               <a:ext uri="{28A0092B-C50C-407E-A947-70E740481C1C}">
                 <a14:useLocalDpi xmlns:a14="http://schemas.microsoft.com/office/drawing/2010/main" val="0"/>
@@ -12183,7 +12183,7 @@
           <p:nvPr/>
         </p:nvPicPr>
         <p:blipFill>
-          <a:blip r:embed="rId2">
+          <a:blip r:embed="rId2" cstate="print">
             <a:extLst>
               <a:ext uri="{28A0092B-C50C-407E-A947-70E740481C1C}">
                 <a14:useLocalDpi xmlns:a14="http://schemas.microsoft.com/office/drawing/2010/main" val="0"/>
@@ -12425,7 +12425,7 @@
           <p:nvPr/>
         </p:nvPicPr>
         <p:blipFill>
-          <a:blip r:embed="rId2">
+          <a:blip r:embed="rId2" cstate="print">
             <a:extLst>
               <a:ext uri="{28A0092B-C50C-407E-A947-70E740481C1C}">
                 <a14:useLocalDpi xmlns:a14="http://schemas.microsoft.com/office/drawing/2010/main" val="0"/>
@@ -12779,7 +12779,7 @@
           <p:nvPr/>
         </p:nvPicPr>
         <p:blipFill>
-          <a:blip r:embed="rId2">
+          <a:blip r:embed="rId2" cstate="print">
             <a:extLst>
               <a:ext uri="{28A0092B-C50C-407E-A947-70E740481C1C}">
                 <a14:useLocalDpi xmlns:a14="http://schemas.microsoft.com/office/drawing/2010/main" val="0"/>
@@ -13133,7 +13133,7 @@
           <p:nvPr/>
         </p:nvPicPr>
         <p:blipFill>
-          <a:blip r:embed="rId2">
+          <a:blip r:embed="rId2" cstate="print">
             <a:extLst>
               <a:ext uri="{28A0092B-C50C-407E-A947-70E740481C1C}">
                 <a14:useLocalDpi xmlns:a14="http://schemas.microsoft.com/office/drawing/2010/main" val="0"/>
